--- a/Freshman_Training.pptx
+++ b/Freshman_Training.pptx
@@ -5,13 +5,17 @@
     <p:sldMasterId id="2147483660" r:id="rId1"/>
   </p:sldMasterIdLst>
   <p:notesMasterIdLst>
-    <p:notesMasterId r:id="rId6"/>
+    <p:notesMasterId r:id="rId10"/>
   </p:notesMasterIdLst>
   <p:sldIdLst>
     <p:sldId id="256" r:id="rId2"/>
     <p:sldId id="257" r:id="rId3"/>
-    <p:sldId id="266" r:id="rId4"/>
-    <p:sldId id="301" r:id="rId5"/>
+    <p:sldId id="303" r:id="rId4"/>
+    <p:sldId id="306" r:id="rId5"/>
+    <p:sldId id="304" r:id="rId6"/>
+    <p:sldId id="302" r:id="rId7"/>
+    <p:sldId id="305" r:id="rId8"/>
+    <p:sldId id="301" r:id="rId9"/>
   </p:sldIdLst>
   <p:sldSz cx="12192000" cy="6858000"/>
   <p:notesSz cx="6858000" cy="9144000"/>
@@ -111,6 +115,38 @@
     </a:lvl9pPr>
   </p:defaultTextStyle>
   <p:extLst>
+    <p:ext uri="{521415D9-36F7-43E2-AB2F-B90AF26B5E84}">
+      <p14:sectionLst xmlns:p14="http://schemas.microsoft.com/office/powerpoint/2010/main">
+        <p14:section name="預設章節" id="{527C6DAD-B983-8E4B-B112-2961C46DA862}">
+          <p14:sldIdLst>
+            <p14:sldId id="256"/>
+            <p14:sldId id="257"/>
+          </p14:sldIdLst>
+        </p14:section>
+        <p14:section name="channel" id="{148FA8C7-D0F7-D049-81A9-6EB3443E076F}">
+          <p14:sldIdLst>
+            <p14:sldId id="303"/>
+            <p14:sldId id="306"/>
+          </p14:sldIdLst>
+        </p14:section>
+        <p14:section name="Friis" id="{C428E832-B5F1-8843-AEE0-707319BB8BD9}">
+          <p14:sldIdLst>
+            <p14:sldId id="304"/>
+            <p14:sldId id="302"/>
+          </p14:sldIdLst>
+        </p14:section>
+        <p14:section name="RFID" id="{3EA3CAAF-261C-BD4E-8DFC-CD96A350342D}">
+          <p14:sldIdLst>
+            <p14:sldId id="305"/>
+          </p14:sldIdLst>
+        </p14:section>
+        <p14:section name="end" id="{EE857F6F-7FD5-644F-8679-010F7E321B91}">
+          <p14:sldIdLst>
+            <p14:sldId id="301"/>
+          </p14:sldIdLst>
+        </p14:section>
+      </p14:sectionLst>
+    </p:ext>
     <p:ext uri="{EFAFB233-063F-42B5-8137-9DF3F51BA10A}">
       <p15:sldGuideLst xmlns:p15="http://schemas.microsoft.com/office/powerpoint/2012/main"/>
     </p:ext>
@@ -200,7 +236,7 @@
           <a:p>
             <a:fld id="{D417A10C-87C9-49E5-AE05-110105D8C539}" type="datetimeFigureOut">
               <a:rPr lang="zh-TW" altLang="en-US" smtClean="0"/>
-              <a:t>2018/6/29</a:t>
+              <a:t>2018/6/30</a:t>
             </a:fld>
             <a:endParaRPr lang="zh-TW" altLang="en-US"/>
           </a:p>
@@ -604,7 +640,7 @@
           <p:cNvPr id="20" name="Group 19">
             <a:extLst>
               <a:ext uri="{FF2B5EF4-FFF2-40B4-BE49-F238E27FC236}">
-                <a16:creationId xmlns:a16="http://schemas.microsoft.com/office/drawing/2014/main" xmlns="" id="{C3ED851A-5624-9445-94A3-FC256390EFF0}"/>
+                <a16:creationId xmlns="" xmlns:a16="http://schemas.microsoft.com/office/drawing/2014/main" id="{C3ED851A-5624-9445-94A3-FC256390EFF0}"/>
               </a:ext>
             </a:extLst>
           </p:cNvPr>
@@ -624,7 +660,7 @@
             <p:cNvPr id="21" name="箭號: 五邊形 12">
               <a:extLst>
                 <a:ext uri="{FF2B5EF4-FFF2-40B4-BE49-F238E27FC236}">
-                  <a16:creationId xmlns:a16="http://schemas.microsoft.com/office/drawing/2014/main" xmlns="" id="{7DED8486-E1FD-814E-B2DE-F488A3CEA671}"/>
+                  <a16:creationId xmlns="" xmlns:a16="http://schemas.microsoft.com/office/drawing/2014/main" id="{7DED8486-E1FD-814E-B2DE-F488A3CEA671}"/>
                 </a:ext>
               </a:extLst>
             </p:cNvPr>
@@ -676,7 +712,7 @@
             <p:cNvPr id="23" name="箭號: 五邊形 12">
               <a:extLst>
                 <a:ext uri="{FF2B5EF4-FFF2-40B4-BE49-F238E27FC236}">
-                  <a16:creationId xmlns:a16="http://schemas.microsoft.com/office/drawing/2014/main" xmlns="" id="{8C392F49-5181-FA4B-9412-A387B34C316C}"/>
+                  <a16:creationId xmlns="" xmlns:a16="http://schemas.microsoft.com/office/drawing/2014/main" id="{8C392F49-5181-FA4B-9412-A387B34C316C}"/>
                 </a:ext>
               </a:extLst>
             </p:cNvPr>
@@ -735,7 +771,7 @@
             <p:cNvPr id="26" name="箭號: 五邊形 12">
               <a:extLst>
                 <a:ext uri="{FF2B5EF4-FFF2-40B4-BE49-F238E27FC236}">
-                  <a16:creationId xmlns:a16="http://schemas.microsoft.com/office/drawing/2014/main" xmlns="" id="{A2A2AEE9-8884-2D45-AA3A-3CE8B669A441}"/>
+                  <a16:creationId xmlns="" xmlns:a16="http://schemas.microsoft.com/office/drawing/2014/main" id="{A2A2AEE9-8884-2D45-AA3A-3CE8B669A441}"/>
                 </a:ext>
               </a:extLst>
             </p:cNvPr>
@@ -1164,7 +1200,7 @@
           <p:cNvPr id="34" name="Text Placeholder 3">
             <a:extLst>
               <a:ext uri="{FF2B5EF4-FFF2-40B4-BE49-F238E27FC236}">
-                <a16:creationId xmlns:a16="http://schemas.microsoft.com/office/drawing/2014/main" xmlns="" id="{CB4F27FF-A5B2-0945-A886-8994C9CF0F9A}"/>
+                <a16:creationId xmlns="" xmlns:a16="http://schemas.microsoft.com/office/drawing/2014/main" id="{CB4F27FF-A5B2-0945-A886-8994C9CF0F9A}"/>
               </a:ext>
             </a:extLst>
           </p:cNvPr>
@@ -1218,7 +1254,7 @@
           <p:cNvPr id="35" name="Content Placeholder 5">
             <a:extLst>
               <a:ext uri="{FF2B5EF4-FFF2-40B4-BE49-F238E27FC236}">
-                <a16:creationId xmlns:a16="http://schemas.microsoft.com/office/drawing/2014/main" xmlns="" id="{1CE5651F-F4F6-9D45-A553-66B6FFCA522B}"/>
+                <a16:creationId xmlns="" xmlns:a16="http://schemas.microsoft.com/office/drawing/2014/main" id="{1CE5651F-F4F6-9D45-A553-66B6FFCA522B}"/>
               </a:ext>
             </a:extLst>
           </p:cNvPr>
@@ -1266,7 +1302,7 @@
           <p:cNvPr id="6" name="Picture 5">
             <a:extLst>
               <a:ext uri="{FF2B5EF4-FFF2-40B4-BE49-F238E27FC236}">
-                <a16:creationId xmlns:a16="http://schemas.microsoft.com/office/drawing/2014/main" xmlns="" id="{5BB22815-3E3B-0B48-9DCA-B05C2D5B9D70}"/>
+                <a16:creationId xmlns="" xmlns:a16="http://schemas.microsoft.com/office/drawing/2014/main" id="{5BB22815-3E3B-0B48-9DCA-B05C2D5B9D70}"/>
               </a:ext>
             </a:extLst>
           </p:cNvPr>
@@ -2344,7 +2380,7 @@
           <p:cNvPr id="15" name="直排文字版面配置區 2">
             <a:extLst>
               <a:ext uri="{FF2B5EF4-FFF2-40B4-BE49-F238E27FC236}">
-                <a16:creationId xmlns:a16="http://schemas.microsoft.com/office/drawing/2014/main" xmlns="" id="{5B0754CD-A593-D647-8F43-33A88CDADB61}"/>
+                <a16:creationId xmlns="" xmlns:a16="http://schemas.microsoft.com/office/drawing/2014/main" id="{5B0754CD-A593-D647-8F43-33A88CDADB61}"/>
               </a:ext>
             </a:extLst>
           </p:cNvPr>
@@ -2542,7 +2578,7 @@
           <p:cNvPr id="20" name="Group 19">
             <a:extLst>
               <a:ext uri="{FF2B5EF4-FFF2-40B4-BE49-F238E27FC236}">
-                <a16:creationId xmlns:a16="http://schemas.microsoft.com/office/drawing/2014/main" xmlns="" id="{C3ED851A-5624-9445-94A3-FC256390EFF0}"/>
+                <a16:creationId xmlns="" xmlns:a16="http://schemas.microsoft.com/office/drawing/2014/main" id="{C3ED851A-5624-9445-94A3-FC256390EFF0}"/>
               </a:ext>
             </a:extLst>
           </p:cNvPr>
@@ -2562,7 +2598,7 @@
             <p:cNvPr id="21" name="箭號: 五邊形 12">
               <a:extLst>
                 <a:ext uri="{FF2B5EF4-FFF2-40B4-BE49-F238E27FC236}">
-                  <a16:creationId xmlns:a16="http://schemas.microsoft.com/office/drawing/2014/main" xmlns="" id="{7DED8486-E1FD-814E-B2DE-F488A3CEA671}"/>
+                  <a16:creationId xmlns="" xmlns:a16="http://schemas.microsoft.com/office/drawing/2014/main" id="{7DED8486-E1FD-814E-B2DE-F488A3CEA671}"/>
                 </a:ext>
               </a:extLst>
             </p:cNvPr>
@@ -2614,7 +2650,7 @@
             <p:cNvPr id="23" name="箭號: 五邊形 12">
               <a:extLst>
                 <a:ext uri="{FF2B5EF4-FFF2-40B4-BE49-F238E27FC236}">
-                  <a16:creationId xmlns:a16="http://schemas.microsoft.com/office/drawing/2014/main" xmlns="" id="{8C392F49-5181-FA4B-9412-A387B34C316C}"/>
+                  <a16:creationId xmlns="" xmlns:a16="http://schemas.microsoft.com/office/drawing/2014/main" id="{8C392F49-5181-FA4B-9412-A387B34C316C}"/>
                 </a:ext>
               </a:extLst>
             </p:cNvPr>
@@ -2673,7 +2709,7 @@
             <p:cNvPr id="26" name="箭號: 五邊形 12">
               <a:extLst>
                 <a:ext uri="{FF2B5EF4-FFF2-40B4-BE49-F238E27FC236}">
-                  <a16:creationId xmlns:a16="http://schemas.microsoft.com/office/drawing/2014/main" xmlns="" id="{A2A2AEE9-8884-2D45-AA3A-3CE8B669A441}"/>
+                  <a16:creationId xmlns="" xmlns:a16="http://schemas.microsoft.com/office/drawing/2014/main" id="{A2A2AEE9-8884-2D45-AA3A-3CE8B669A441}"/>
                 </a:ext>
               </a:extLst>
             </p:cNvPr>
@@ -3102,7 +3138,7 @@
           <p:cNvPr id="34" name="Text Placeholder 3">
             <a:extLst>
               <a:ext uri="{FF2B5EF4-FFF2-40B4-BE49-F238E27FC236}">
-                <a16:creationId xmlns:a16="http://schemas.microsoft.com/office/drawing/2014/main" xmlns="" id="{CB4F27FF-A5B2-0945-A886-8994C9CF0F9A}"/>
+                <a16:creationId xmlns="" xmlns:a16="http://schemas.microsoft.com/office/drawing/2014/main" id="{CB4F27FF-A5B2-0945-A886-8994C9CF0F9A}"/>
               </a:ext>
             </a:extLst>
           </p:cNvPr>
@@ -3156,7 +3192,7 @@
           <p:cNvPr id="35" name="Content Placeholder 5">
             <a:extLst>
               <a:ext uri="{FF2B5EF4-FFF2-40B4-BE49-F238E27FC236}">
-                <a16:creationId xmlns:a16="http://schemas.microsoft.com/office/drawing/2014/main" xmlns="" id="{1CE5651F-F4F6-9D45-A553-66B6FFCA522B}"/>
+                <a16:creationId xmlns="" xmlns:a16="http://schemas.microsoft.com/office/drawing/2014/main" id="{1CE5651F-F4F6-9D45-A553-66B6FFCA522B}"/>
               </a:ext>
             </a:extLst>
           </p:cNvPr>
@@ -3204,7 +3240,7 @@
           <p:cNvPr id="6" name="Picture 5">
             <a:extLst>
               <a:ext uri="{FF2B5EF4-FFF2-40B4-BE49-F238E27FC236}">
-                <a16:creationId xmlns:a16="http://schemas.microsoft.com/office/drawing/2014/main" xmlns="" id="{5BB22815-3E3B-0B48-9DCA-B05C2D5B9D70}"/>
+                <a16:creationId xmlns="" xmlns:a16="http://schemas.microsoft.com/office/drawing/2014/main" id="{5BB22815-3E3B-0B48-9DCA-B05C2D5B9D70}"/>
               </a:ext>
             </a:extLst>
           </p:cNvPr>
@@ -3892,7 +3928,7 @@
           <p:cNvPr id="12" name="Group 11">
             <a:extLst>
               <a:ext uri="{FF2B5EF4-FFF2-40B4-BE49-F238E27FC236}">
-                <a16:creationId xmlns:a16="http://schemas.microsoft.com/office/drawing/2014/main" xmlns="" id="{FECCA331-FFA6-F840-9C60-BF25ACF3BDB5}"/>
+                <a16:creationId xmlns="" xmlns:a16="http://schemas.microsoft.com/office/drawing/2014/main" id="{FECCA331-FFA6-F840-9C60-BF25ACF3BDB5}"/>
               </a:ext>
             </a:extLst>
           </p:cNvPr>
@@ -3912,7 +3948,7 @@
             <p:cNvPr id="13" name="箭號: 五邊形 12">
               <a:extLst>
                 <a:ext uri="{FF2B5EF4-FFF2-40B4-BE49-F238E27FC236}">
-                  <a16:creationId xmlns:a16="http://schemas.microsoft.com/office/drawing/2014/main" xmlns="" id="{1ECC6466-4EFD-5345-BC17-67AB57731DB7}"/>
+                  <a16:creationId xmlns="" xmlns:a16="http://schemas.microsoft.com/office/drawing/2014/main" id="{1ECC6466-4EFD-5345-BC17-67AB57731DB7}"/>
                 </a:ext>
               </a:extLst>
             </p:cNvPr>
@@ -3964,7 +4000,7 @@
             <p:cNvPr id="14" name="箭號: 五邊形 12">
               <a:extLst>
                 <a:ext uri="{FF2B5EF4-FFF2-40B4-BE49-F238E27FC236}">
-                  <a16:creationId xmlns:a16="http://schemas.microsoft.com/office/drawing/2014/main" xmlns="" id="{6CF55724-0A99-E64A-AB4C-0938CB62E153}"/>
+                  <a16:creationId xmlns="" xmlns:a16="http://schemas.microsoft.com/office/drawing/2014/main" id="{6CF55724-0A99-E64A-AB4C-0938CB62E153}"/>
                 </a:ext>
               </a:extLst>
             </p:cNvPr>
@@ -4023,7 +4059,7 @@
             <p:cNvPr id="15" name="箭號: 五邊形 12">
               <a:extLst>
                 <a:ext uri="{FF2B5EF4-FFF2-40B4-BE49-F238E27FC236}">
-                  <a16:creationId xmlns:a16="http://schemas.microsoft.com/office/drawing/2014/main" xmlns="" id="{D65D1FB8-4CF4-8B4A-A307-6F7F618C0D88}"/>
+                  <a16:creationId xmlns="" xmlns:a16="http://schemas.microsoft.com/office/drawing/2014/main" id="{D65D1FB8-4CF4-8B4A-A307-6F7F618C0D88}"/>
                 </a:ext>
               </a:extLst>
             </p:cNvPr>
@@ -4332,7 +4368,7 @@
           <p:cNvPr id="5" name="Picture 4">
             <a:extLst>
               <a:ext uri="{FF2B5EF4-FFF2-40B4-BE49-F238E27FC236}">
-                <a16:creationId xmlns:a16="http://schemas.microsoft.com/office/drawing/2014/main" xmlns="" id="{33C27645-19DC-4542-810A-E94761D6E227}"/>
+                <a16:creationId xmlns="" xmlns:a16="http://schemas.microsoft.com/office/drawing/2014/main" id="{33C27645-19DC-4542-810A-E94761D6E227}"/>
               </a:ext>
             </a:extLst>
           </p:cNvPr>
@@ -4819,7 +4855,7 @@
           <p:cNvPr id="23" name="內容版面配置區 2">
             <a:extLst>
               <a:ext uri="{FF2B5EF4-FFF2-40B4-BE49-F238E27FC236}">
-                <a16:creationId xmlns:a16="http://schemas.microsoft.com/office/drawing/2014/main" xmlns="" id="{9D1178A4-A62F-AE47-B4FD-DFBDEBC0B7E1}"/>
+                <a16:creationId xmlns="" xmlns:a16="http://schemas.microsoft.com/office/drawing/2014/main" id="{9D1178A4-A62F-AE47-B4FD-DFBDEBC0B7E1}"/>
               </a:ext>
             </a:extLst>
           </p:cNvPr>
@@ -4966,7 +5002,7 @@
           <p:cNvPr id="24" name="內容版面配置區 2">
             <a:extLst>
               <a:ext uri="{FF2B5EF4-FFF2-40B4-BE49-F238E27FC236}">
-                <a16:creationId xmlns:a16="http://schemas.microsoft.com/office/drawing/2014/main" xmlns="" id="{18BDE748-AF06-9848-B53D-40087470A386}"/>
+                <a16:creationId xmlns="" xmlns:a16="http://schemas.microsoft.com/office/drawing/2014/main" id="{18BDE748-AF06-9848-B53D-40087470A386}"/>
               </a:ext>
             </a:extLst>
           </p:cNvPr>
@@ -5705,7 +5741,7 @@
           <p:cNvPr id="20" name="內容版面配置區 2">
             <a:extLst>
               <a:ext uri="{FF2B5EF4-FFF2-40B4-BE49-F238E27FC236}">
-                <a16:creationId xmlns:a16="http://schemas.microsoft.com/office/drawing/2014/main" xmlns="" id="{9A4A12A5-18A4-CA4A-8E68-97EAFD19927B}"/>
+                <a16:creationId xmlns="" xmlns:a16="http://schemas.microsoft.com/office/drawing/2014/main" id="{9A4A12A5-18A4-CA4A-8E68-97EAFD19927B}"/>
               </a:ext>
             </a:extLst>
           </p:cNvPr>
@@ -5852,7 +5888,7 @@
           <p:cNvPr id="21" name="內容版面配置區 2">
             <a:extLst>
               <a:ext uri="{FF2B5EF4-FFF2-40B4-BE49-F238E27FC236}">
-                <a16:creationId xmlns:a16="http://schemas.microsoft.com/office/drawing/2014/main" xmlns="" id="{E09B3CAD-22B9-BC48-9D7D-2345FF14DD38}"/>
+                <a16:creationId xmlns="" xmlns:a16="http://schemas.microsoft.com/office/drawing/2014/main" id="{E09B3CAD-22B9-BC48-9D7D-2345FF14DD38}"/>
               </a:ext>
             </a:extLst>
           </p:cNvPr>
@@ -6733,7 +6769,7 @@
           <p:cNvPr id="5" name="Group 4">
             <a:extLst>
               <a:ext uri="{FF2B5EF4-FFF2-40B4-BE49-F238E27FC236}">
-                <a16:creationId xmlns:a16="http://schemas.microsoft.com/office/drawing/2014/main" xmlns="" id="{4DADA6C2-E637-F642-95E5-0309E3EB9F41}"/>
+                <a16:creationId xmlns="" xmlns:a16="http://schemas.microsoft.com/office/drawing/2014/main" id="{4DADA6C2-E637-F642-95E5-0309E3EB9F41}"/>
               </a:ext>
             </a:extLst>
           </p:cNvPr>
@@ -6753,7 +6789,7 @@
             <p:cNvPr id="17" name="箭號: 五邊形 12">
               <a:extLst>
                 <a:ext uri="{FF2B5EF4-FFF2-40B4-BE49-F238E27FC236}">
-                  <a16:creationId xmlns:a16="http://schemas.microsoft.com/office/drawing/2014/main" xmlns="" id="{C3424005-2947-5749-B94D-7EE01D59B97D}"/>
+                  <a16:creationId xmlns="" xmlns:a16="http://schemas.microsoft.com/office/drawing/2014/main" id="{C3424005-2947-5749-B94D-7EE01D59B97D}"/>
                 </a:ext>
               </a:extLst>
             </p:cNvPr>
@@ -6805,7 +6841,7 @@
             <p:cNvPr id="16" name="箭號: 五邊形 12">
               <a:extLst>
                 <a:ext uri="{FF2B5EF4-FFF2-40B4-BE49-F238E27FC236}">
-                  <a16:creationId xmlns:a16="http://schemas.microsoft.com/office/drawing/2014/main" xmlns="" id="{78B68587-E393-9C46-A4CA-137BCC2B13AD}"/>
+                  <a16:creationId xmlns="" xmlns:a16="http://schemas.microsoft.com/office/drawing/2014/main" id="{78B68587-E393-9C46-A4CA-137BCC2B13AD}"/>
                 </a:ext>
               </a:extLst>
             </p:cNvPr>
@@ -7273,7 +7309,7 @@
           <p:cNvPr id="18" name="內容版面配置區 2">
             <a:extLst>
               <a:ext uri="{FF2B5EF4-FFF2-40B4-BE49-F238E27FC236}">
-                <a16:creationId xmlns:a16="http://schemas.microsoft.com/office/drawing/2014/main" xmlns="" id="{BB9680E6-3D9F-FF42-BA19-F206A773FE60}"/>
+                <a16:creationId xmlns="" xmlns:a16="http://schemas.microsoft.com/office/drawing/2014/main" id="{BB9680E6-3D9F-FF42-BA19-F206A773FE60}"/>
               </a:ext>
             </a:extLst>
           </p:cNvPr>
@@ -7446,7 +7482,7 @@
           <p:cNvPr id="15" name="Group 14">
             <a:extLst>
               <a:ext uri="{FF2B5EF4-FFF2-40B4-BE49-F238E27FC236}">
-                <a16:creationId xmlns:a16="http://schemas.microsoft.com/office/drawing/2014/main" xmlns="" id="{7108562A-19D8-3347-A5CB-8FD2094D2AC6}"/>
+                <a16:creationId xmlns="" xmlns:a16="http://schemas.microsoft.com/office/drawing/2014/main" id="{7108562A-19D8-3347-A5CB-8FD2094D2AC6}"/>
               </a:ext>
             </a:extLst>
           </p:cNvPr>
@@ -7466,7 +7502,7 @@
             <p:cNvPr id="16" name="箭號: 五邊形 12">
               <a:extLst>
                 <a:ext uri="{FF2B5EF4-FFF2-40B4-BE49-F238E27FC236}">
-                  <a16:creationId xmlns:a16="http://schemas.microsoft.com/office/drawing/2014/main" xmlns="" id="{0350FA7D-8512-F24E-9F36-7F4296D197F2}"/>
+                  <a16:creationId xmlns="" xmlns:a16="http://schemas.microsoft.com/office/drawing/2014/main" id="{0350FA7D-8512-F24E-9F36-7F4296D197F2}"/>
                 </a:ext>
               </a:extLst>
             </p:cNvPr>
@@ -7518,7 +7554,7 @@
             <p:cNvPr id="17" name="箭號: 五邊形 12">
               <a:extLst>
                 <a:ext uri="{FF2B5EF4-FFF2-40B4-BE49-F238E27FC236}">
-                  <a16:creationId xmlns:a16="http://schemas.microsoft.com/office/drawing/2014/main" xmlns="" id="{125DE2BA-1E8B-2447-AEBE-4BDB2873316E}"/>
+                  <a16:creationId xmlns="" xmlns:a16="http://schemas.microsoft.com/office/drawing/2014/main" id="{125DE2BA-1E8B-2447-AEBE-4BDB2873316E}"/>
                 </a:ext>
               </a:extLst>
             </p:cNvPr>
@@ -7577,7 +7613,7 @@
             <p:cNvPr id="18" name="箭號: 五邊形 12">
               <a:extLst>
                 <a:ext uri="{FF2B5EF4-FFF2-40B4-BE49-F238E27FC236}">
-                  <a16:creationId xmlns:a16="http://schemas.microsoft.com/office/drawing/2014/main" xmlns="" id="{467877CF-B77C-BE4F-8D6F-89063BBFC3DE}"/>
+                  <a16:creationId xmlns="" xmlns:a16="http://schemas.microsoft.com/office/drawing/2014/main" id="{467877CF-B77C-BE4F-8D6F-89063BBFC3DE}"/>
                 </a:ext>
               </a:extLst>
             </p:cNvPr>
@@ -7940,7 +7976,7 @@
           <p:cNvPr id="22" name="標題 1">
             <a:extLst>
               <a:ext uri="{FF2B5EF4-FFF2-40B4-BE49-F238E27FC236}">
-                <a16:creationId xmlns:a16="http://schemas.microsoft.com/office/drawing/2014/main" xmlns="" id="{6E193196-9107-784C-A964-C67153D060CB}"/>
+                <a16:creationId xmlns="" xmlns:a16="http://schemas.microsoft.com/office/drawing/2014/main" id="{6E193196-9107-784C-A964-C67153D060CB}"/>
               </a:ext>
             </a:extLst>
           </p:cNvPr>
@@ -7983,7 +8019,7 @@
           <p:cNvPr id="24" name="文字版面配置區 3">
             <a:extLst>
               <a:ext uri="{FF2B5EF4-FFF2-40B4-BE49-F238E27FC236}">
-                <a16:creationId xmlns:a16="http://schemas.microsoft.com/office/drawing/2014/main" xmlns="" id="{5922BEEB-F3AC-E443-B34D-CE264A982284}"/>
+                <a16:creationId xmlns="" xmlns:a16="http://schemas.microsoft.com/office/drawing/2014/main" id="{5922BEEB-F3AC-E443-B34D-CE264A982284}"/>
               </a:ext>
             </a:extLst>
           </p:cNvPr>
@@ -8754,11 +8790,6 @@
               </a:rPr>
               <a:t>RFID</a:t>
             </a:r>
-            <a:endParaRPr lang="en-US" altLang="zh-TW" sz="3200" b="1" dirty="0" smtClean="0">
-              <a:latin typeface="Times New Roman" charset="0"/>
-              <a:ea typeface="Times New Roman" charset="0"/>
-              <a:cs typeface="Times New Roman" charset="0"/>
-            </a:endParaRPr>
           </a:p>
           <a:p>
             <a:endParaRPr lang="zh-TW" altLang="en-US" dirty="0"/>
@@ -8840,6 +8871,35 @@
       </p:grpSpPr>
       <p:sp>
         <p:nvSpPr>
+          <p:cNvPr id="2" name="標題 1"/>
+          <p:cNvSpPr>
+            <a:spLocks noGrp="1"/>
+          </p:cNvSpPr>
+          <p:nvPr>
+            <p:ph type="title"/>
+          </p:nvPr>
+        </p:nvSpPr>
+        <p:spPr/>
+        <p:txBody>
+          <a:bodyPr/>
+          <a:lstStyle/>
+          <a:p>
+            <a:r>
+              <a:rPr lang="en-US" altLang="zh-TW" dirty="0" smtClean="0">
+                <a:latin typeface="Times New Roman" panose="02020603050405020304" pitchFamily="18" charset="0"/>
+                <a:cs typeface="Times New Roman" panose="02020603050405020304" pitchFamily="18" charset="0"/>
+              </a:rPr>
+              <a:t>Outline</a:t>
+            </a:r>
+            <a:endParaRPr lang="zh-TW" altLang="en-US" dirty="0">
+              <a:latin typeface="Times New Roman" panose="02020603050405020304" pitchFamily="18" charset="0"/>
+              <a:cs typeface="Times New Roman" panose="02020603050405020304" pitchFamily="18" charset="0"/>
+            </a:endParaRPr>
+          </a:p>
+        </p:txBody>
+      </p:sp>
+      <p:sp>
+        <p:nvSpPr>
           <p:cNvPr id="3" name="內容版面配置區 2"/>
           <p:cNvSpPr>
             <a:spLocks noGrp="1"/>
@@ -8859,8 +8919,12 @@
               </a:lnSpc>
             </a:pPr>
             <a:r>
-              <a:rPr lang="en-US" altLang="zh-TW" dirty="0" smtClean="0"/>
-              <a:t>Introduction</a:t>
+              <a:rPr lang="en-US" altLang="zh-TW" sz="3200" b="1" dirty="0" smtClean="0">
+                <a:latin typeface="Times New Roman" charset="0"/>
+                <a:ea typeface="Times New Roman" charset="0"/>
+                <a:cs typeface="Times New Roman" charset="0"/>
+              </a:rPr>
+              <a:t>Channel</a:t>
             </a:r>
           </a:p>
           <a:p>
@@ -8870,8 +8934,20 @@
               </a:lnSpc>
             </a:pPr>
             <a:r>
-              <a:rPr lang="en-US" altLang="zh-TW" dirty="0" smtClean="0"/>
-              <a:t>Related work</a:t>
+              <a:rPr lang="en-US" altLang="zh-TW" sz="3200" b="1" dirty="0" err="1" smtClean="0">
+                <a:latin typeface="Times New Roman" charset="0"/>
+                <a:ea typeface="Times New Roman" charset="0"/>
+                <a:cs typeface="Times New Roman" charset="0"/>
+              </a:rPr>
+              <a:t>Friis</a:t>
+            </a:r>
+            <a:r>
+              <a:rPr lang="en-US" altLang="zh-TW" sz="3200" b="1" dirty="0" smtClean="0">
+                <a:latin typeface="Times New Roman" charset="0"/>
+                <a:ea typeface="Times New Roman" charset="0"/>
+                <a:cs typeface="Times New Roman" charset="0"/>
+              </a:rPr>
+              <a:t> Transmission Equation</a:t>
             </a:r>
           </a:p>
           <a:p>
@@ -8881,41 +8957,12 @@
               </a:lnSpc>
             </a:pPr>
             <a:r>
-              <a:rPr lang="en-US" altLang="zh-TW" dirty="0" smtClean="0"/>
-              <a:t>Challenges</a:t>
-            </a:r>
-          </a:p>
-          <a:p>
-            <a:pPr>
-              <a:lnSpc>
-                <a:spcPct val="150000"/>
-              </a:lnSpc>
-            </a:pPr>
-            <a:r>
-              <a:rPr lang="en-US" altLang="zh-TW" dirty="0" smtClean="0"/>
-              <a:t>RF-Finger</a:t>
-            </a:r>
-          </a:p>
-          <a:p>
-            <a:pPr>
-              <a:lnSpc>
-                <a:spcPct val="150000"/>
-              </a:lnSpc>
-            </a:pPr>
-            <a:r>
-              <a:rPr lang="en-US" altLang="zh-TW" dirty="0" smtClean="0"/>
-              <a:t>Performance </a:t>
-            </a:r>
-          </a:p>
-          <a:p>
-            <a:pPr>
-              <a:lnSpc>
-                <a:spcPct val="150000"/>
-              </a:lnSpc>
-            </a:pPr>
-            <a:r>
-              <a:rPr lang="en-US" altLang="zh-TW" dirty="0" smtClean="0"/>
-              <a:t>Conclusion</a:t>
+              <a:rPr lang="en-US" altLang="zh-TW" sz="3200" b="1" dirty="0" smtClean="0">
+                <a:latin typeface="Times New Roman" charset="0"/>
+                <a:ea typeface="Times New Roman" charset="0"/>
+                <a:cs typeface="Times New Roman" charset="0"/>
+              </a:rPr>
+              <a:t>RFID</a:t>
             </a:r>
           </a:p>
           <a:p>
@@ -8925,12 +8972,12 @@
       </p:sp>
       <p:sp>
         <p:nvSpPr>
-          <p:cNvPr id="2" name="標題 1"/>
+          <p:cNvPr id="4" name="投影片編號版面配置區 3"/>
           <p:cNvSpPr>
             <a:spLocks noGrp="1"/>
           </p:cNvSpPr>
           <p:nvPr>
-            <p:ph type="title"/>
+            <p:ph type="sldNum" sz="quarter" idx="12"/>
           </p:nvPr>
         </p:nvSpPr>
         <p:spPr/>
@@ -8938,17 +8985,12 @@
           <a:bodyPr/>
           <a:lstStyle/>
           <a:p>
-            <a:r>
-              <a:rPr lang="en-US" altLang="zh-TW" dirty="0" smtClean="0">
-                <a:latin typeface="Times New Roman" panose="02020603050405020304" pitchFamily="18" charset="0"/>
-                <a:cs typeface="Times New Roman" panose="02020603050405020304" pitchFamily="18" charset="0"/>
-              </a:rPr>
-              <a:t>Outline</a:t>
-            </a:r>
-            <a:endParaRPr lang="zh-TW" altLang="en-US" dirty="0">
-              <a:latin typeface="Times New Roman" panose="02020603050405020304" pitchFamily="18" charset="0"/>
-              <a:cs typeface="Times New Roman" panose="02020603050405020304" pitchFamily="18" charset="0"/>
-            </a:endParaRPr>
+            <a:fld id="{3EBBE1F4-AE36-AD42-8177-96288CD18AD2}" type="slidenum">
+              <a:rPr lang="en-US" smtClean="0"/>
+              <a:pPr/>
+              <a:t>3</a:t>
+            </a:fld>
+            <a:endParaRPr lang="en-US"/>
           </a:p>
         </p:txBody>
       </p:sp>
@@ -9001,31 +9043,7 @@
       </p:sp>
       <p:sp>
         <p:nvSpPr>
-          <p:cNvPr id="4" name="投影片編號版面配置區 3"/>
-          <p:cNvSpPr>
-            <a:spLocks noGrp="1"/>
-          </p:cNvSpPr>
-          <p:nvPr>
-            <p:ph type="sldNum" sz="quarter" idx="12"/>
-          </p:nvPr>
-        </p:nvSpPr>
-        <p:spPr/>
-        <p:txBody>
-          <a:bodyPr/>
-          <a:lstStyle/>
-          <a:p>
-            <a:fld id="{3EBBE1F4-AE36-AD42-8177-96288CD18AD2}" type="slidenum">
-              <a:rPr lang="en-US" smtClean="0"/>
-              <a:pPr/>
-              <a:t>3</a:t>
-            </a:fld>
-            <a:endParaRPr lang="en-US"/>
-          </a:p>
-        </p:txBody>
-      </p:sp>
-      <p:sp>
-        <p:nvSpPr>
-          <p:cNvPr id="6" name="內容版面配置區 2"/>
+          <p:cNvPr id="8" name="內容版面配置區 2"/>
           <p:cNvSpPr txBox="1">
             <a:spLocks/>
           </p:cNvSpPr>
@@ -9033,7 +9051,7 @@
         </p:nvSpPr>
         <p:spPr>
           <a:xfrm>
-            <a:off x="332028" y="2984859"/>
+            <a:off x="335362" y="1700811"/>
             <a:ext cx="11521280" cy="4610906"/>
           </a:xfrm>
           <a:prstGeom prst="rect">
@@ -9218,12 +9236,15 @@
               </a:lnSpc>
             </a:pPr>
             <a:r>
-              <a:rPr lang="en-US" altLang="zh-TW" dirty="0" smtClean="0">
+              <a:rPr lang="en-US" altLang="zh-TW" sz="3200" b="1" dirty="0" smtClean="0">
                 <a:solidFill>
                   <a:srgbClr val="FFFF00"/>
                 </a:solidFill>
+                <a:latin typeface="Times New Roman" charset="0"/>
+                <a:ea typeface="Times New Roman" charset="0"/>
+                <a:cs typeface="Times New Roman" charset="0"/>
               </a:rPr>
-              <a:t>Challenges</a:t>
+              <a:t>Channel</a:t>
             </a:r>
           </a:p>
         </p:txBody>
@@ -9231,20 +9252,20 @@
     </p:spTree>
     <p:extLst>
       <p:ext uri="{BB962C8B-B14F-4D97-AF65-F5344CB8AC3E}">
-        <p14:creationId xmlns:p14="http://schemas.microsoft.com/office/powerpoint/2010/main" val="3532645941"/>
+        <p14:creationId xmlns:p14="http://schemas.microsoft.com/office/powerpoint/2010/main" val="154414517"/>
       </p:ext>
     </p:extLst>
   </p:cSld>
   <p:clrMapOvr>
     <a:masterClrMapping/>
   </p:clrMapOvr>
-  <mc:AlternateContent xmlns:mc="http://schemas.openxmlformats.org/markup-compatibility/2006" xmlns:p14="http://schemas.microsoft.com/office/powerpoint/2010/main">
-    <mc:Choice Requires="p14">
+  <mc:AlternateContent xmlns:mc="http://schemas.openxmlformats.org/markup-compatibility/2006">
+    <mc:Choice xmlns:p14="http://schemas.microsoft.com/office/powerpoint/2010/main" Requires="p14">
       <p:transition spd="med" p14:dur="700">
         <p:fade/>
       </p:transition>
     </mc:Choice>
-    <mc:Fallback xmlns="">
+    <mc:Fallback>
       <p:transition spd="med">
         <p:fade/>
       </p:transition>
@@ -9292,19 +9313,7 @@
           <a:bodyPr/>
           <a:lstStyle/>
           <a:p>
-            <a:r>
-              <a:rPr kumimoji="1" lang="en-US" altLang="zh-TW" dirty="0" smtClean="0">
-                <a:latin typeface="Times New Roman" charset="0"/>
-                <a:ea typeface="Times New Roman" charset="0"/>
-                <a:cs typeface="Times New Roman" charset="0"/>
-              </a:rPr>
-              <a:t>Reference</a:t>
-            </a:r>
-            <a:endParaRPr kumimoji="1" lang="zh-TW" altLang="en-US" dirty="0">
-              <a:latin typeface="Times New Roman" charset="0"/>
-              <a:ea typeface="Times New Roman" charset="0"/>
-              <a:cs typeface="Times New Roman" charset="0"/>
-            </a:endParaRPr>
+            <a:endParaRPr kumimoji="1" lang="zh-TW" altLang="en-US"/>
           </a:p>
         </p:txBody>
       </p:sp>
@@ -9323,106 +9332,16 @@
           <a:bodyPr/>
           <a:lstStyle/>
           <a:p>
-            <a:pPr>
-              <a:lnSpc>
-                <a:spcPct val="200000"/>
-              </a:lnSpc>
-            </a:pPr>
-            <a:r>
-              <a:rPr kumimoji="1" lang="en-US" altLang="zh-TW" dirty="0">
-                <a:latin typeface="Times New Roman" charset="0"/>
-                <a:ea typeface="Times New Roman" charset="0"/>
-                <a:cs typeface="Times New Roman" charset="0"/>
-                <a:hlinkClick r:id="rId2"/>
-              </a:rPr>
-              <a:t>https://www.flaticon.com</a:t>
-            </a:r>
-            <a:r>
-              <a:rPr kumimoji="1" lang="en-US" altLang="zh-TW" dirty="0" smtClean="0">
-                <a:latin typeface="Times New Roman" charset="0"/>
-                <a:ea typeface="Times New Roman" charset="0"/>
-                <a:cs typeface="Times New Roman" charset="0"/>
-                <a:hlinkClick r:id="rId2"/>
-              </a:rPr>
-              <a:t>/</a:t>
-            </a:r>
-            <a:endParaRPr kumimoji="1" lang="en-US" altLang="zh-TW" dirty="0" smtClean="0">
-              <a:latin typeface="Times New Roman" charset="0"/>
-              <a:ea typeface="Times New Roman" charset="0"/>
-              <a:cs typeface="Times New Roman" charset="0"/>
-            </a:endParaRPr>
-          </a:p>
-          <a:p>
-            <a:pPr>
-              <a:lnSpc>
-                <a:spcPct val="200000"/>
-              </a:lnSpc>
-            </a:pPr>
-            <a:r>
-              <a:rPr kumimoji="1" lang="en-US" altLang="zh-TW" dirty="0">
-                <a:latin typeface="Times New Roman" charset="0"/>
-                <a:ea typeface="Times New Roman" charset="0"/>
-                <a:cs typeface="Times New Roman" charset="0"/>
-                <a:hlinkClick r:id="rId3"/>
-              </a:rPr>
-              <a:t>https://</a:t>
-            </a:r>
-            <a:r>
-              <a:rPr kumimoji="1" lang="en-US" altLang="zh-TW" dirty="0" smtClean="0">
-                <a:latin typeface="Times New Roman" charset="0"/>
-                <a:ea typeface="Times New Roman" charset="0"/>
-                <a:cs typeface="Times New Roman" charset="0"/>
-                <a:hlinkClick r:id="rId3"/>
-              </a:rPr>
-              <a:t>www.sitebuilderreport.com/stock-up</a:t>
-            </a:r>
-            <a:endParaRPr kumimoji="1" lang="en-US" altLang="zh-TW" dirty="0" smtClean="0">
-              <a:latin typeface="Times New Roman" charset="0"/>
-              <a:ea typeface="Times New Roman" charset="0"/>
-              <a:cs typeface="Times New Roman" charset="0"/>
-            </a:endParaRPr>
-          </a:p>
-          <a:p>
-            <a:pPr>
-              <a:lnSpc>
-                <a:spcPct val="200000"/>
-              </a:lnSpc>
-            </a:pPr>
-            <a:r>
-              <a:rPr kumimoji="1" lang="en-US" altLang="zh-TW" dirty="0">
-                <a:latin typeface="Times New Roman" charset="0"/>
-                <a:ea typeface="Times New Roman" charset="0"/>
-                <a:cs typeface="Times New Roman" charset="0"/>
-                <a:hlinkClick r:id="rId4"/>
-              </a:rPr>
-              <a:t>https://</a:t>
-            </a:r>
-            <a:r>
-              <a:rPr kumimoji="1" lang="en-US" altLang="zh-TW" dirty="0" smtClean="0">
-                <a:latin typeface="Times New Roman" charset="0"/>
-                <a:ea typeface="Times New Roman" charset="0"/>
-                <a:cs typeface="Times New Roman" charset="0"/>
-                <a:hlinkClick r:id="rId4"/>
-              </a:rPr>
-              <a:t>cs.nju.edu.cn/lxie/publication/INFOCOM2018Wang.pdf</a:t>
-            </a:r>
-            <a:endParaRPr kumimoji="1" lang="en-US" altLang="zh-TW" dirty="0" smtClean="0">
-              <a:latin typeface="Times New Roman" charset="0"/>
-              <a:ea typeface="Times New Roman" charset="0"/>
-              <a:cs typeface="Times New Roman" charset="0"/>
-            </a:endParaRPr>
-          </a:p>
-          <a:p>
-            <a:pPr>
-              <a:lnSpc>
-                <a:spcPct val="200000"/>
-              </a:lnSpc>
-            </a:pPr>
-            <a:endParaRPr kumimoji="1" lang="zh-TW" altLang="en-US" dirty="0">
-              <a:latin typeface="Times New Roman" charset="0"/>
-              <a:ea typeface="Times New Roman" charset="0"/>
-              <a:cs typeface="Times New Roman" charset="0"/>
-            </a:endParaRPr>
+            <a:r>
+              <a:rPr kumimoji="1" lang="en-US" altLang="zh-TW" dirty="0" smtClean="0"/>
+              <a:t>General form</a:t>
+            </a:r>
+          </a:p>
+          <a:p>
+            <a:endParaRPr kumimoji="1" lang="en-US" altLang="zh-TW" dirty="0"/>
+          </a:p>
+          <a:p>
+            <a:endParaRPr kumimoji="1" lang="en-US" altLang="zh-TW" dirty="0" smtClean="0"/>
           </a:p>
         </p:txBody>
       </p:sp>
@@ -9445,6 +9364,1498 @@
               <a:rPr lang="en-US" smtClean="0"/>
               <a:pPr/>
               <a:t>4</a:t>
+            </a:fld>
+            <a:endParaRPr lang="en-US"/>
+          </a:p>
+        </p:txBody>
+      </p:sp>
+      <p:sp>
+        <p:nvSpPr>
+          <p:cNvPr id="5" name="TextBox 12"/>
+          <p:cNvSpPr txBox="1"/>
+          <p:nvPr/>
+        </p:nvSpPr>
+        <p:spPr>
+          <a:xfrm>
+            <a:off x="3461538" y="3117024"/>
+            <a:ext cx="1444626" cy="430887"/>
+          </a:xfrm>
+          <a:prstGeom prst="rect">
+            <a:avLst/>
+          </a:prstGeom>
+          <a:noFill/>
+        </p:spPr>
+        <p:txBody>
+          <a:bodyPr wrap="none" rtlCol="0">
+            <a:spAutoFit/>
+          </a:bodyPr>
+          <a:lstStyle/>
+          <a:p>
+            <a:r>
+              <a:rPr lang="en-US" sz="2200" dirty="0" smtClean="0">
+                <a:solidFill>
+                  <a:schemeClr val="accent2"/>
+                </a:solidFill>
+              </a:rPr>
+              <a:t>amplitude </a:t>
+            </a:r>
+            <a:endParaRPr lang="en-US" sz="2200" dirty="0">
+              <a:solidFill>
+                <a:schemeClr val="accent2"/>
+              </a:solidFill>
+            </a:endParaRPr>
+          </a:p>
+        </p:txBody>
+      </p:sp>
+      <p:sp>
+        <p:nvSpPr>
+          <p:cNvPr id="6" name="TextBox 13"/>
+          <p:cNvSpPr txBox="1"/>
+          <p:nvPr/>
+        </p:nvSpPr>
+        <p:spPr>
+          <a:xfrm>
+            <a:off x="5271390" y="3106271"/>
+            <a:ext cx="1336776" cy="430887"/>
+          </a:xfrm>
+          <a:prstGeom prst="rect">
+            <a:avLst/>
+          </a:prstGeom>
+          <a:noFill/>
+        </p:spPr>
+        <p:txBody>
+          <a:bodyPr wrap="none" rtlCol="0">
+            <a:spAutoFit/>
+          </a:bodyPr>
+          <a:lstStyle/>
+          <a:p>
+            <a:r>
+              <a:rPr lang="en-US" sz="2200" dirty="0" smtClean="0">
+                <a:solidFill>
+                  <a:schemeClr val="accent2"/>
+                </a:solidFill>
+              </a:rPr>
+              <a:t>frequency</a:t>
+            </a:r>
+            <a:endParaRPr lang="en-US" sz="2200" dirty="0">
+              <a:solidFill>
+                <a:schemeClr val="accent2"/>
+              </a:solidFill>
+            </a:endParaRPr>
+          </a:p>
+        </p:txBody>
+      </p:sp>
+      <p:sp>
+        <p:nvSpPr>
+          <p:cNvPr id="7" name="TextBox 14"/>
+          <p:cNvSpPr txBox="1"/>
+          <p:nvPr/>
+        </p:nvSpPr>
+        <p:spPr>
+          <a:xfrm>
+            <a:off x="6984925" y="3111616"/>
+            <a:ext cx="865943" cy="430887"/>
+          </a:xfrm>
+          <a:prstGeom prst="rect">
+            <a:avLst/>
+          </a:prstGeom>
+          <a:noFill/>
+        </p:spPr>
+        <p:txBody>
+          <a:bodyPr wrap="none" rtlCol="0">
+            <a:spAutoFit/>
+          </a:bodyPr>
+          <a:lstStyle/>
+          <a:p>
+            <a:r>
+              <a:rPr lang="en-US" sz="2200" smtClean="0">
+                <a:solidFill>
+                  <a:schemeClr val="accent2"/>
+                </a:solidFill>
+              </a:rPr>
+              <a:t>phase</a:t>
+            </a:r>
+            <a:endParaRPr lang="en-US" sz="2200">
+              <a:solidFill>
+                <a:schemeClr val="accent2"/>
+              </a:solidFill>
+            </a:endParaRPr>
+          </a:p>
+        </p:txBody>
+      </p:sp>
+      <p:cxnSp>
+        <p:nvCxnSpPr>
+          <p:cNvPr id="8" name="Straight Arrow Connector 16"/>
+          <p:cNvCxnSpPr/>
+          <p:nvPr/>
+        </p:nvCxnSpPr>
+        <p:spPr>
+          <a:xfrm flipV="1">
+            <a:off x="4183851" y="2916890"/>
+            <a:ext cx="389089" cy="200134"/>
+          </a:xfrm>
+          <a:prstGeom prst="straightConnector1">
+            <a:avLst/>
+          </a:prstGeom>
+          <a:ln w="12700">
+            <a:solidFill>
+              <a:schemeClr val="accent2"/>
+            </a:solidFill>
+            <a:tailEnd type="triangle"/>
+          </a:ln>
+        </p:spPr>
+        <p:style>
+          <a:lnRef idx="1">
+            <a:schemeClr val="accent1"/>
+          </a:lnRef>
+          <a:fillRef idx="0">
+            <a:schemeClr val="accent1"/>
+          </a:fillRef>
+          <a:effectRef idx="0">
+            <a:schemeClr val="accent1"/>
+          </a:effectRef>
+          <a:fontRef idx="minor">
+            <a:schemeClr val="tx1"/>
+          </a:fontRef>
+        </p:style>
+      </p:cxnSp>
+      <p:cxnSp>
+        <p:nvCxnSpPr>
+          <p:cNvPr id="9" name="Straight Arrow Connector 18"/>
+          <p:cNvCxnSpPr/>
+          <p:nvPr/>
+        </p:nvCxnSpPr>
+        <p:spPr>
+          <a:xfrm flipH="1" flipV="1">
+            <a:off x="6026551" y="2916890"/>
+            <a:ext cx="152766" cy="304800"/>
+          </a:xfrm>
+          <a:prstGeom prst="straightConnector1">
+            <a:avLst/>
+          </a:prstGeom>
+          <a:ln w="12700">
+            <a:solidFill>
+              <a:schemeClr val="accent2"/>
+            </a:solidFill>
+            <a:tailEnd type="triangle"/>
+          </a:ln>
+        </p:spPr>
+        <p:style>
+          <a:lnRef idx="1">
+            <a:schemeClr val="accent1"/>
+          </a:lnRef>
+          <a:fillRef idx="0">
+            <a:schemeClr val="accent1"/>
+          </a:fillRef>
+          <a:effectRef idx="0">
+            <a:schemeClr val="accent1"/>
+          </a:effectRef>
+          <a:fontRef idx="minor">
+            <a:schemeClr val="tx1"/>
+          </a:fontRef>
+        </p:style>
+      </p:cxnSp>
+      <p:cxnSp>
+        <p:nvCxnSpPr>
+          <p:cNvPr id="10" name="Straight Arrow Connector 21"/>
+          <p:cNvCxnSpPr/>
+          <p:nvPr/>
+        </p:nvCxnSpPr>
+        <p:spPr>
+          <a:xfrm flipH="1" flipV="1">
+            <a:off x="7070519" y="2916890"/>
+            <a:ext cx="395627" cy="304799"/>
+          </a:xfrm>
+          <a:prstGeom prst="straightConnector1">
+            <a:avLst/>
+          </a:prstGeom>
+          <a:ln w="12700">
+            <a:solidFill>
+              <a:schemeClr val="accent2"/>
+            </a:solidFill>
+            <a:tailEnd type="triangle"/>
+          </a:ln>
+        </p:spPr>
+        <p:style>
+          <a:lnRef idx="1">
+            <a:schemeClr val="accent1"/>
+          </a:lnRef>
+          <a:fillRef idx="0">
+            <a:schemeClr val="accent1"/>
+          </a:fillRef>
+          <a:effectRef idx="0">
+            <a:schemeClr val="accent1"/>
+          </a:effectRef>
+          <a:fontRef idx="minor">
+            <a:schemeClr val="tx1"/>
+          </a:fontRef>
+        </p:style>
+      </p:cxnSp>
+      <p:pic>
+        <p:nvPicPr>
+          <p:cNvPr id="11" name="Picture 15"/>
+          <p:cNvPicPr>
+            <a:picLocks noChangeAspect="1"/>
+          </p:cNvPicPr>
+          <p:nvPr/>
+        </p:nvPicPr>
+        <p:blipFill>
+          <a:blip r:embed="rId2"/>
+          <a:stretch>
+            <a:fillRect/>
+          </a:stretch>
+        </p:blipFill>
+        <p:spPr>
+          <a:xfrm>
+            <a:off x="3636132" y="2568548"/>
+            <a:ext cx="3632200" cy="317500"/>
+          </a:xfrm>
+          <a:prstGeom prst="rect">
+            <a:avLst/>
+          </a:prstGeom>
+        </p:spPr>
+      </p:pic>
+    </p:spTree>
+    <p:extLst>
+      <p:ext uri="{BB962C8B-B14F-4D97-AF65-F5344CB8AC3E}">
+        <p14:creationId xmlns:p14="http://schemas.microsoft.com/office/powerpoint/2010/main" val="1634796580"/>
+      </p:ext>
+    </p:extLst>
+  </p:cSld>
+  <p:clrMapOvr>
+    <a:masterClrMapping/>
+  </p:clrMapOvr>
+</p:sld>
+</file>
+
+<file path=ppt/slides/slide5.xml><?xml version="1.0" encoding="utf-8"?>
+<p:sld xmlns:a="http://schemas.openxmlformats.org/drawingml/2006/main" xmlns:r="http://schemas.openxmlformats.org/officeDocument/2006/relationships" xmlns:p="http://schemas.openxmlformats.org/presentationml/2006/main">
+  <p:cSld>
+    <p:spTree>
+      <p:nvGrpSpPr>
+        <p:cNvPr id="1" name=""/>
+        <p:cNvGrpSpPr/>
+        <p:nvPr/>
+      </p:nvGrpSpPr>
+      <p:grpSpPr>
+        <a:xfrm>
+          <a:off x="0" y="0"/>
+          <a:ext cx="0" cy="0"/>
+          <a:chOff x="0" y="0"/>
+          <a:chExt cx="0" cy="0"/>
+        </a:xfrm>
+      </p:grpSpPr>
+      <p:sp>
+        <p:nvSpPr>
+          <p:cNvPr id="2" name="標題 1"/>
+          <p:cNvSpPr>
+            <a:spLocks noGrp="1"/>
+          </p:cNvSpPr>
+          <p:nvPr>
+            <p:ph type="title"/>
+          </p:nvPr>
+        </p:nvSpPr>
+        <p:spPr/>
+        <p:txBody>
+          <a:bodyPr/>
+          <a:lstStyle/>
+          <a:p>
+            <a:r>
+              <a:rPr lang="en-US" altLang="zh-TW" dirty="0" smtClean="0">
+                <a:latin typeface="Times New Roman" panose="02020603050405020304" pitchFamily="18" charset="0"/>
+                <a:cs typeface="Times New Roman" panose="02020603050405020304" pitchFamily="18" charset="0"/>
+              </a:rPr>
+              <a:t>Outline</a:t>
+            </a:r>
+            <a:endParaRPr lang="zh-TW" altLang="en-US" dirty="0">
+              <a:latin typeface="Times New Roman" panose="02020603050405020304" pitchFamily="18" charset="0"/>
+              <a:cs typeface="Times New Roman" panose="02020603050405020304" pitchFamily="18" charset="0"/>
+            </a:endParaRPr>
+          </a:p>
+        </p:txBody>
+      </p:sp>
+      <p:sp>
+        <p:nvSpPr>
+          <p:cNvPr id="3" name="內容版面配置區 2"/>
+          <p:cNvSpPr>
+            <a:spLocks noGrp="1"/>
+          </p:cNvSpPr>
+          <p:nvPr>
+            <p:ph idx="1"/>
+          </p:nvPr>
+        </p:nvSpPr>
+        <p:spPr/>
+        <p:txBody>
+          <a:bodyPr/>
+          <a:lstStyle/>
+          <a:p>
+            <a:pPr>
+              <a:lnSpc>
+                <a:spcPct val="150000"/>
+              </a:lnSpc>
+            </a:pPr>
+            <a:r>
+              <a:rPr lang="en-US" altLang="zh-TW" sz="3200" b="1" dirty="0" smtClean="0">
+                <a:latin typeface="Times New Roman" charset="0"/>
+                <a:ea typeface="Times New Roman" charset="0"/>
+                <a:cs typeface="Times New Roman" charset="0"/>
+              </a:rPr>
+              <a:t>Channel</a:t>
+            </a:r>
+          </a:p>
+          <a:p>
+            <a:pPr>
+              <a:lnSpc>
+                <a:spcPct val="150000"/>
+              </a:lnSpc>
+            </a:pPr>
+            <a:r>
+              <a:rPr lang="en-US" altLang="zh-TW" sz="3200" b="1" dirty="0" err="1" smtClean="0">
+                <a:latin typeface="Times New Roman" charset="0"/>
+                <a:ea typeface="Times New Roman" charset="0"/>
+                <a:cs typeface="Times New Roman" charset="0"/>
+              </a:rPr>
+              <a:t>Friis</a:t>
+            </a:r>
+            <a:r>
+              <a:rPr lang="en-US" altLang="zh-TW" sz="3200" b="1" dirty="0" smtClean="0">
+                <a:latin typeface="Times New Roman" charset="0"/>
+                <a:ea typeface="Times New Roman" charset="0"/>
+                <a:cs typeface="Times New Roman" charset="0"/>
+              </a:rPr>
+              <a:t> Transmission Equation</a:t>
+            </a:r>
+          </a:p>
+          <a:p>
+            <a:pPr>
+              <a:lnSpc>
+                <a:spcPct val="150000"/>
+              </a:lnSpc>
+            </a:pPr>
+            <a:r>
+              <a:rPr lang="en-US" altLang="zh-TW" sz="3200" b="1" dirty="0" smtClean="0">
+                <a:latin typeface="Times New Roman" charset="0"/>
+                <a:ea typeface="Times New Roman" charset="0"/>
+                <a:cs typeface="Times New Roman" charset="0"/>
+              </a:rPr>
+              <a:t>RFID</a:t>
+            </a:r>
+          </a:p>
+          <a:p>
+            <a:endParaRPr lang="zh-TW" altLang="en-US" dirty="0"/>
+          </a:p>
+        </p:txBody>
+      </p:sp>
+      <p:sp>
+        <p:nvSpPr>
+          <p:cNvPr id="4" name="投影片編號版面配置區 3"/>
+          <p:cNvSpPr>
+            <a:spLocks noGrp="1"/>
+          </p:cNvSpPr>
+          <p:nvPr>
+            <p:ph type="sldNum" sz="quarter" idx="12"/>
+          </p:nvPr>
+        </p:nvSpPr>
+        <p:spPr/>
+        <p:txBody>
+          <a:bodyPr/>
+          <a:lstStyle/>
+          <a:p>
+            <a:fld id="{3EBBE1F4-AE36-AD42-8177-96288CD18AD2}" type="slidenum">
+              <a:rPr lang="en-US" smtClean="0"/>
+              <a:pPr/>
+              <a:t>5</a:t>
+            </a:fld>
+            <a:endParaRPr lang="en-US"/>
+          </a:p>
+        </p:txBody>
+      </p:sp>
+      <p:sp>
+        <p:nvSpPr>
+          <p:cNvPr id="5" name="矩形 4"/>
+          <p:cNvSpPr/>
+          <p:nvPr/>
+        </p:nvSpPr>
+        <p:spPr>
+          <a:xfrm>
+            <a:off x="0" y="-148281"/>
+            <a:ext cx="12282616" cy="7364627"/>
+          </a:xfrm>
+          <a:prstGeom prst="rect">
+            <a:avLst/>
+          </a:prstGeom>
+          <a:solidFill>
+            <a:schemeClr val="tx1">
+              <a:lumMod val="65000"/>
+              <a:lumOff val="35000"/>
+              <a:alpha val="86000"/>
+            </a:schemeClr>
+          </a:solidFill>
+        </p:spPr>
+        <p:style>
+          <a:lnRef idx="2">
+            <a:schemeClr val="accent1">
+              <a:shade val="50000"/>
+            </a:schemeClr>
+          </a:lnRef>
+          <a:fillRef idx="1">
+            <a:schemeClr val="accent1"/>
+          </a:fillRef>
+          <a:effectRef idx="0">
+            <a:schemeClr val="accent1"/>
+          </a:effectRef>
+          <a:fontRef idx="minor">
+            <a:schemeClr val="lt1"/>
+          </a:fontRef>
+        </p:style>
+        <p:txBody>
+          <a:bodyPr rtlCol="0" anchor="ctr"/>
+          <a:lstStyle/>
+          <a:p>
+            <a:pPr algn="ctr"/>
+            <a:endParaRPr lang="zh-TW" altLang="en-US"/>
+          </a:p>
+        </p:txBody>
+      </p:sp>
+      <p:sp>
+        <p:nvSpPr>
+          <p:cNvPr id="8" name="內容版面配置區 2"/>
+          <p:cNvSpPr txBox="1">
+            <a:spLocks/>
+          </p:cNvSpPr>
+          <p:nvPr/>
+        </p:nvSpPr>
+        <p:spPr>
+          <a:xfrm>
+            <a:off x="335362" y="2441032"/>
+            <a:ext cx="11521280" cy="4610906"/>
+          </a:xfrm>
+          <a:prstGeom prst="rect">
+            <a:avLst/>
+          </a:prstGeom>
+        </p:spPr>
+        <p:txBody>
+          <a:bodyPr/>
+          <a:lstStyle>
+            <a:lvl1pPr marL="403225" indent="-392113" algn="l" defTabSz="914400" rtl="0" eaLnBrk="1" latinLnBrk="0" hangingPunct="1">
+              <a:lnSpc>
+                <a:spcPct val="100000"/>
+              </a:lnSpc>
+              <a:spcBef>
+                <a:spcPts val="0"/>
+              </a:spcBef>
+              <a:buFont typeface="Helvetica" pitchFamily="2" charset="0"/>
+              <a:buChar char="●"/>
+              <a:tabLst/>
+              <a:defRPr sz="2800" kern="1200" baseline="0">
+                <a:solidFill>
+                  <a:schemeClr val="tx1"/>
+                </a:solidFill>
+                <a:latin typeface="Arial" panose="020B0604020202020204" pitchFamily="34" charset="0"/>
+                <a:ea typeface="微軟正黑體" panose="020B0604030504040204" pitchFamily="34" charset="-120"/>
+                <a:cs typeface="Arial" panose="020B0604020202020204" pitchFamily="34" charset="0"/>
+              </a:defRPr>
+            </a:lvl1pPr>
+            <a:lvl2pPr marL="808038" indent="-404813" algn="l" defTabSz="914400" rtl="0" eaLnBrk="1" latinLnBrk="0" hangingPunct="1">
+              <a:lnSpc>
+                <a:spcPct val="100000"/>
+              </a:lnSpc>
+              <a:spcBef>
+                <a:spcPts val="0"/>
+              </a:spcBef>
+              <a:buFont typeface="Helvetica" pitchFamily="2" charset="0"/>
+              <a:buChar char="●"/>
+              <a:tabLst/>
+              <a:defRPr sz="2800" kern="1200" baseline="0">
+                <a:solidFill>
+                  <a:schemeClr val="tx1"/>
+                </a:solidFill>
+                <a:latin typeface="Arial" panose="020B0604020202020204" pitchFamily="34" charset="0"/>
+                <a:ea typeface="微軟正黑體" panose="020B0604030504040204" pitchFamily="34" charset="-120"/>
+                <a:cs typeface="Arial" panose="020B0604020202020204" pitchFamily="34" charset="0"/>
+              </a:defRPr>
+            </a:lvl2pPr>
+            <a:lvl3pPr marL="1157288" indent="-349250" algn="l" defTabSz="914400" rtl="0" eaLnBrk="1" latinLnBrk="0" hangingPunct="1">
+              <a:lnSpc>
+                <a:spcPct val="100000"/>
+              </a:lnSpc>
+              <a:spcBef>
+                <a:spcPts val="0"/>
+              </a:spcBef>
+              <a:buFont typeface="Helvetica" pitchFamily="2" charset="0"/>
+              <a:buChar char="●"/>
+              <a:tabLst/>
+              <a:defRPr sz="2800" kern="1200" baseline="0">
+                <a:solidFill>
+                  <a:schemeClr val="tx1"/>
+                </a:solidFill>
+                <a:latin typeface="Arial" panose="020B0604020202020204" pitchFamily="34" charset="0"/>
+                <a:ea typeface="微軟正黑體" panose="020B0604030504040204" pitchFamily="34" charset="-120"/>
+                <a:cs typeface="Arial" panose="020B0604020202020204" pitchFamily="34" charset="0"/>
+              </a:defRPr>
+            </a:lvl3pPr>
+            <a:lvl4pPr marL="1516063" indent="-358775" algn="l" defTabSz="914400" rtl="0" eaLnBrk="1" latinLnBrk="0" hangingPunct="1">
+              <a:lnSpc>
+                <a:spcPct val="100000"/>
+              </a:lnSpc>
+              <a:spcBef>
+                <a:spcPts val="0"/>
+              </a:spcBef>
+              <a:buFont typeface="Helvetica" pitchFamily="2" charset="0"/>
+              <a:buChar char="●"/>
+              <a:tabLst/>
+              <a:defRPr sz="2800" kern="1200" baseline="0">
+                <a:solidFill>
+                  <a:schemeClr val="tx1"/>
+                </a:solidFill>
+                <a:latin typeface="Arial" panose="020B0604020202020204" pitchFamily="34" charset="0"/>
+                <a:ea typeface="微軟正黑體" panose="020B0604030504040204" pitchFamily="34" charset="-120"/>
+                <a:cs typeface="Arial" panose="020B0604020202020204" pitchFamily="34" charset="0"/>
+              </a:defRPr>
+            </a:lvl4pPr>
+            <a:lvl5pPr marL="1876425" indent="-360363" algn="l" defTabSz="914400" rtl="0" eaLnBrk="1" latinLnBrk="0" hangingPunct="1">
+              <a:lnSpc>
+                <a:spcPct val="100000"/>
+              </a:lnSpc>
+              <a:spcBef>
+                <a:spcPts val="0"/>
+              </a:spcBef>
+              <a:buFont typeface="Helvetica" pitchFamily="2" charset="0"/>
+              <a:buChar char="●"/>
+              <a:tabLst/>
+              <a:defRPr sz="2800" kern="1200" baseline="0">
+                <a:solidFill>
+                  <a:schemeClr val="tx1"/>
+                </a:solidFill>
+                <a:latin typeface="Arial" panose="020B0604020202020204" pitchFamily="34" charset="0"/>
+                <a:ea typeface="微軟正黑體" panose="020B0604030504040204" pitchFamily="34" charset="-120"/>
+                <a:cs typeface="Arial" panose="020B0604020202020204" pitchFamily="34" charset="0"/>
+              </a:defRPr>
+            </a:lvl5pPr>
+            <a:lvl6pPr marL="2514600" indent="-228600" algn="l" defTabSz="914400" rtl="0" eaLnBrk="1" latinLnBrk="0" hangingPunct="1">
+              <a:lnSpc>
+                <a:spcPct val="90000"/>
+              </a:lnSpc>
+              <a:spcBef>
+                <a:spcPts val="500"/>
+              </a:spcBef>
+              <a:buFont typeface="Arial" panose="020B0604020202020204" pitchFamily="34" charset="0"/>
+              <a:buChar char="•"/>
+              <a:defRPr sz="1800" kern="1200">
+                <a:solidFill>
+                  <a:schemeClr val="tx1"/>
+                </a:solidFill>
+                <a:latin typeface="+mn-lt"/>
+                <a:ea typeface="+mn-ea"/>
+                <a:cs typeface="+mn-cs"/>
+              </a:defRPr>
+            </a:lvl6pPr>
+            <a:lvl7pPr marL="2971800" indent="-228600" algn="l" defTabSz="914400" rtl="0" eaLnBrk="1" latinLnBrk="0" hangingPunct="1">
+              <a:lnSpc>
+                <a:spcPct val="90000"/>
+              </a:lnSpc>
+              <a:spcBef>
+                <a:spcPts val="500"/>
+              </a:spcBef>
+              <a:buFont typeface="Arial" panose="020B0604020202020204" pitchFamily="34" charset="0"/>
+              <a:buChar char="•"/>
+              <a:defRPr sz="1800" kern="1200">
+                <a:solidFill>
+                  <a:schemeClr val="tx1"/>
+                </a:solidFill>
+                <a:latin typeface="+mn-lt"/>
+                <a:ea typeface="+mn-ea"/>
+                <a:cs typeface="+mn-cs"/>
+              </a:defRPr>
+            </a:lvl7pPr>
+            <a:lvl8pPr marL="3429000" indent="-228600" algn="l" defTabSz="914400" rtl="0" eaLnBrk="1" latinLnBrk="0" hangingPunct="1">
+              <a:lnSpc>
+                <a:spcPct val="90000"/>
+              </a:lnSpc>
+              <a:spcBef>
+                <a:spcPts val="500"/>
+              </a:spcBef>
+              <a:buFont typeface="Arial" panose="020B0604020202020204" pitchFamily="34" charset="0"/>
+              <a:buChar char="•"/>
+              <a:defRPr sz="1800" kern="1200">
+                <a:solidFill>
+                  <a:schemeClr val="tx1"/>
+                </a:solidFill>
+                <a:latin typeface="+mn-lt"/>
+                <a:ea typeface="+mn-ea"/>
+                <a:cs typeface="+mn-cs"/>
+              </a:defRPr>
+            </a:lvl8pPr>
+            <a:lvl9pPr marL="3886200" indent="-228600" algn="l" defTabSz="914400" rtl="0" eaLnBrk="1" latinLnBrk="0" hangingPunct="1">
+              <a:lnSpc>
+                <a:spcPct val="90000"/>
+              </a:lnSpc>
+              <a:spcBef>
+                <a:spcPts val="500"/>
+              </a:spcBef>
+              <a:buFont typeface="Arial" panose="020B0604020202020204" pitchFamily="34" charset="0"/>
+              <a:buChar char="•"/>
+              <a:defRPr sz="1800" kern="1200">
+                <a:solidFill>
+                  <a:schemeClr val="tx1"/>
+                </a:solidFill>
+                <a:latin typeface="+mn-lt"/>
+                <a:ea typeface="+mn-ea"/>
+                <a:cs typeface="+mn-cs"/>
+              </a:defRPr>
+            </a:lvl9pPr>
+          </a:lstStyle>
+          <a:p>
+            <a:pPr>
+              <a:lnSpc>
+                <a:spcPct val="150000"/>
+              </a:lnSpc>
+            </a:pPr>
+            <a:r>
+              <a:rPr lang="en-US" altLang="zh-TW" sz="3200" b="1" dirty="0" err="1" smtClean="0">
+                <a:solidFill>
+                  <a:srgbClr val="FFFF00"/>
+                </a:solidFill>
+                <a:latin typeface="Times New Roman" charset="0"/>
+                <a:ea typeface="Times New Roman" charset="0"/>
+                <a:cs typeface="Times New Roman" charset="0"/>
+              </a:rPr>
+              <a:t>Friis</a:t>
+            </a:r>
+            <a:r>
+              <a:rPr lang="en-US" altLang="zh-TW" sz="3200" b="1" dirty="0" smtClean="0">
+                <a:solidFill>
+                  <a:srgbClr val="FFFF00"/>
+                </a:solidFill>
+                <a:latin typeface="Times New Roman" charset="0"/>
+                <a:ea typeface="Times New Roman" charset="0"/>
+                <a:cs typeface="Times New Roman" charset="0"/>
+              </a:rPr>
+              <a:t> Transmission Equation</a:t>
+            </a:r>
+          </a:p>
+        </p:txBody>
+      </p:sp>
+    </p:spTree>
+    <p:extLst>
+      <p:ext uri="{BB962C8B-B14F-4D97-AF65-F5344CB8AC3E}">
+        <p14:creationId xmlns:p14="http://schemas.microsoft.com/office/powerpoint/2010/main" val="1111125836"/>
+      </p:ext>
+    </p:extLst>
+  </p:cSld>
+  <p:clrMapOvr>
+    <a:masterClrMapping/>
+  </p:clrMapOvr>
+  <mc:AlternateContent xmlns:mc="http://schemas.openxmlformats.org/markup-compatibility/2006">
+    <mc:Choice xmlns:p14="http://schemas.microsoft.com/office/powerpoint/2010/main" Requires="p14">
+      <p:transition spd="med" p14:dur="700">
+        <p:fade/>
+      </p:transition>
+    </mc:Choice>
+    <mc:Fallback>
+      <p:transition spd="med">
+        <p:fade/>
+      </p:transition>
+    </mc:Fallback>
+  </mc:AlternateContent>
+  <p:timing>
+    <p:tnLst>
+      <p:par>
+        <p:cTn id="1" dur="indefinite" restart="never" nodeType="tmRoot"/>
+      </p:par>
+    </p:tnLst>
+  </p:timing>
+</p:sld>
+</file>
+
+<file path=ppt/slides/slide6.xml><?xml version="1.0" encoding="utf-8"?>
+<p:sld xmlns:a="http://schemas.openxmlformats.org/drawingml/2006/main" xmlns:r="http://schemas.openxmlformats.org/officeDocument/2006/relationships" xmlns:p="http://schemas.openxmlformats.org/presentationml/2006/main">
+  <p:cSld>
+    <p:spTree>
+      <p:nvGrpSpPr>
+        <p:cNvPr id="1" name=""/>
+        <p:cNvGrpSpPr/>
+        <p:nvPr/>
+      </p:nvGrpSpPr>
+      <p:grpSpPr>
+        <a:xfrm>
+          <a:off x="0" y="0"/>
+          <a:ext cx="0" cy="0"/>
+          <a:chOff x="0" y="0"/>
+          <a:chExt cx="0" cy="0"/>
+        </a:xfrm>
+      </p:grpSpPr>
+      <p:sp>
+        <p:nvSpPr>
+          <p:cNvPr id="2" name="標題 1"/>
+          <p:cNvSpPr>
+            <a:spLocks noGrp="1"/>
+          </p:cNvSpPr>
+          <p:nvPr>
+            <p:ph type="title"/>
+          </p:nvPr>
+        </p:nvSpPr>
+        <p:spPr/>
+        <p:txBody>
+          <a:bodyPr/>
+          <a:lstStyle/>
+          <a:p>
+            <a:r>
+              <a:rPr lang="en-US" altLang="zh-TW" dirty="0" smtClean="0">
+                <a:latin typeface="Times New Roman" panose="02020603050405020304" pitchFamily="18" charset="0"/>
+                <a:cs typeface="Times New Roman" panose="02020603050405020304" pitchFamily="18" charset="0"/>
+              </a:rPr>
+              <a:t>Outline</a:t>
+            </a:r>
+            <a:endParaRPr lang="zh-TW" altLang="en-US" dirty="0">
+              <a:latin typeface="Times New Roman" panose="02020603050405020304" pitchFamily="18" charset="0"/>
+              <a:cs typeface="Times New Roman" panose="02020603050405020304" pitchFamily="18" charset="0"/>
+            </a:endParaRPr>
+          </a:p>
+        </p:txBody>
+      </p:sp>
+      <p:sp>
+        <p:nvSpPr>
+          <p:cNvPr id="3" name="內容版面配置區 2"/>
+          <p:cNvSpPr>
+            <a:spLocks noGrp="1"/>
+          </p:cNvSpPr>
+          <p:nvPr>
+            <p:ph idx="1"/>
+          </p:nvPr>
+        </p:nvSpPr>
+        <p:spPr/>
+        <p:txBody>
+          <a:bodyPr/>
+          <a:lstStyle/>
+          <a:p>
+            <a:pPr>
+              <a:lnSpc>
+                <a:spcPct val="150000"/>
+              </a:lnSpc>
+            </a:pPr>
+            <a:r>
+              <a:rPr lang="en-US" altLang="zh-TW" sz="3200" b="1" dirty="0" smtClean="0">
+                <a:latin typeface="Times New Roman" charset="0"/>
+                <a:ea typeface="Times New Roman" charset="0"/>
+                <a:cs typeface="Times New Roman" charset="0"/>
+              </a:rPr>
+              <a:t>Channel</a:t>
+            </a:r>
+          </a:p>
+          <a:p>
+            <a:pPr>
+              <a:lnSpc>
+                <a:spcPct val="150000"/>
+              </a:lnSpc>
+            </a:pPr>
+            <a:r>
+              <a:rPr lang="en-US" altLang="zh-TW" sz="3200" b="1" dirty="0" err="1" smtClean="0">
+                <a:latin typeface="Times New Roman" charset="0"/>
+                <a:ea typeface="Times New Roman" charset="0"/>
+                <a:cs typeface="Times New Roman" charset="0"/>
+              </a:rPr>
+              <a:t>Friis</a:t>
+            </a:r>
+            <a:r>
+              <a:rPr lang="en-US" altLang="zh-TW" sz="3200" b="1" dirty="0" smtClean="0">
+                <a:latin typeface="Times New Roman" charset="0"/>
+                <a:ea typeface="Times New Roman" charset="0"/>
+                <a:cs typeface="Times New Roman" charset="0"/>
+              </a:rPr>
+              <a:t> Transmission Equation</a:t>
+            </a:r>
+          </a:p>
+          <a:p>
+            <a:pPr>
+              <a:lnSpc>
+                <a:spcPct val="150000"/>
+              </a:lnSpc>
+            </a:pPr>
+            <a:r>
+              <a:rPr lang="en-US" altLang="zh-TW" sz="3200" b="1" dirty="0" smtClean="0">
+                <a:latin typeface="Times New Roman" charset="0"/>
+                <a:ea typeface="Times New Roman" charset="0"/>
+                <a:cs typeface="Times New Roman" charset="0"/>
+              </a:rPr>
+              <a:t>RFID</a:t>
+            </a:r>
+          </a:p>
+          <a:p>
+            <a:endParaRPr lang="zh-TW" altLang="en-US" dirty="0"/>
+          </a:p>
+        </p:txBody>
+      </p:sp>
+      <p:sp>
+        <p:nvSpPr>
+          <p:cNvPr id="4" name="投影片編號版面配置區 3"/>
+          <p:cNvSpPr>
+            <a:spLocks noGrp="1"/>
+          </p:cNvSpPr>
+          <p:nvPr>
+            <p:ph type="sldNum" sz="quarter" idx="12"/>
+          </p:nvPr>
+        </p:nvSpPr>
+        <p:spPr/>
+        <p:txBody>
+          <a:bodyPr/>
+          <a:lstStyle/>
+          <a:p>
+            <a:fld id="{3EBBE1F4-AE36-AD42-8177-96288CD18AD2}" type="slidenum">
+              <a:rPr lang="en-US" smtClean="0"/>
+              <a:pPr/>
+              <a:t>6</a:t>
+            </a:fld>
+            <a:endParaRPr lang="en-US"/>
+          </a:p>
+        </p:txBody>
+      </p:sp>
+    </p:spTree>
+    <p:extLst>
+      <p:ext uri="{BB962C8B-B14F-4D97-AF65-F5344CB8AC3E}">
+        <p14:creationId xmlns:p14="http://schemas.microsoft.com/office/powerpoint/2010/main" val="95630996"/>
+      </p:ext>
+    </p:extLst>
+  </p:cSld>
+  <p:clrMapOvr>
+    <a:masterClrMapping/>
+  </p:clrMapOvr>
+  <mc:AlternateContent xmlns:mc="http://schemas.openxmlformats.org/markup-compatibility/2006">
+    <mc:Choice xmlns:p14="http://schemas.microsoft.com/office/powerpoint/2010/main" Requires="p14">
+      <p:transition spd="med" p14:dur="700">
+        <p:fade/>
+      </p:transition>
+    </mc:Choice>
+    <mc:Fallback>
+      <p:transition spd="med">
+        <p:fade/>
+      </p:transition>
+    </mc:Fallback>
+  </mc:AlternateContent>
+  <p:timing>
+    <p:tnLst>
+      <p:par>
+        <p:cTn id="1" dur="indefinite" restart="never" nodeType="tmRoot"/>
+      </p:par>
+    </p:tnLst>
+  </p:timing>
+</p:sld>
+</file>
+
+<file path=ppt/slides/slide7.xml><?xml version="1.0" encoding="utf-8"?>
+<p:sld xmlns:a="http://schemas.openxmlformats.org/drawingml/2006/main" xmlns:r="http://schemas.openxmlformats.org/officeDocument/2006/relationships" xmlns:p="http://schemas.openxmlformats.org/presentationml/2006/main">
+  <p:cSld>
+    <p:spTree>
+      <p:nvGrpSpPr>
+        <p:cNvPr id="1" name=""/>
+        <p:cNvGrpSpPr/>
+        <p:nvPr/>
+      </p:nvGrpSpPr>
+      <p:grpSpPr>
+        <a:xfrm>
+          <a:off x="0" y="0"/>
+          <a:ext cx="0" cy="0"/>
+          <a:chOff x="0" y="0"/>
+          <a:chExt cx="0" cy="0"/>
+        </a:xfrm>
+      </p:grpSpPr>
+      <p:sp>
+        <p:nvSpPr>
+          <p:cNvPr id="2" name="標題 1"/>
+          <p:cNvSpPr>
+            <a:spLocks noGrp="1"/>
+          </p:cNvSpPr>
+          <p:nvPr>
+            <p:ph type="title"/>
+          </p:nvPr>
+        </p:nvSpPr>
+        <p:spPr/>
+        <p:txBody>
+          <a:bodyPr/>
+          <a:lstStyle/>
+          <a:p>
+            <a:r>
+              <a:rPr lang="en-US" altLang="zh-TW" dirty="0" smtClean="0">
+                <a:latin typeface="Times New Roman" panose="02020603050405020304" pitchFamily="18" charset="0"/>
+                <a:cs typeface="Times New Roman" panose="02020603050405020304" pitchFamily="18" charset="0"/>
+              </a:rPr>
+              <a:t>Outline</a:t>
+            </a:r>
+            <a:endParaRPr lang="zh-TW" altLang="en-US" dirty="0">
+              <a:latin typeface="Times New Roman" panose="02020603050405020304" pitchFamily="18" charset="0"/>
+              <a:cs typeface="Times New Roman" panose="02020603050405020304" pitchFamily="18" charset="0"/>
+            </a:endParaRPr>
+          </a:p>
+        </p:txBody>
+      </p:sp>
+      <p:sp>
+        <p:nvSpPr>
+          <p:cNvPr id="3" name="內容版面配置區 2"/>
+          <p:cNvSpPr>
+            <a:spLocks noGrp="1"/>
+          </p:cNvSpPr>
+          <p:nvPr>
+            <p:ph idx="1"/>
+          </p:nvPr>
+        </p:nvSpPr>
+        <p:spPr/>
+        <p:txBody>
+          <a:bodyPr/>
+          <a:lstStyle/>
+          <a:p>
+            <a:pPr>
+              <a:lnSpc>
+                <a:spcPct val="150000"/>
+              </a:lnSpc>
+            </a:pPr>
+            <a:r>
+              <a:rPr lang="en-US" altLang="zh-TW" sz="3200" b="1" dirty="0" smtClean="0">
+                <a:latin typeface="Times New Roman" charset="0"/>
+                <a:ea typeface="Times New Roman" charset="0"/>
+                <a:cs typeface="Times New Roman" charset="0"/>
+              </a:rPr>
+              <a:t>Channel</a:t>
+            </a:r>
+          </a:p>
+          <a:p>
+            <a:pPr>
+              <a:lnSpc>
+                <a:spcPct val="150000"/>
+              </a:lnSpc>
+            </a:pPr>
+            <a:r>
+              <a:rPr lang="en-US" altLang="zh-TW" sz="3200" b="1" dirty="0" err="1" smtClean="0">
+                <a:latin typeface="Times New Roman" charset="0"/>
+                <a:ea typeface="Times New Roman" charset="0"/>
+                <a:cs typeface="Times New Roman" charset="0"/>
+              </a:rPr>
+              <a:t>Friis</a:t>
+            </a:r>
+            <a:r>
+              <a:rPr lang="en-US" altLang="zh-TW" sz="3200" b="1" dirty="0" smtClean="0">
+                <a:latin typeface="Times New Roman" charset="0"/>
+                <a:ea typeface="Times New Roman" charset="0"/>
+                <a:cs typeface="Times New Roman" charset="0"/>
+              </a:rPr>
+              <a:t> Transmission Equation</a:t>
+            </a:r>
+          </a:p>
+          <a:p>
+            <a:pPr>
+              <a:lnSpc>
+                <a:spcPct val="150000"/>
+              </a:lnSpc>
+            </a:pPr>
+            <a:r>
+              <a:rPr lang="en-US" altLang="zh-TW" sz="3200" b="1" dirty="0" smtClean="0">
+                <a:latin typeface="Times New Roman" charset="0"/>
+                <a:ea typeface="Times New Roman" charset="0"/>
+                <a:cs typeface="Times New Roman" charset="0"/>
+              </a:rPr>
+              <a:t>RFID</a:t>
+            </a:r>
+          </a:p>
+          <a:p>
+            <a:endParaRPr lang="zh-TW" altLang="en-US" dirty="0"/>
+          </a:p>
+        </p:txBody>
+      </p:sp>
+      <p:sp>
+        <p:nvSpPr>
+          <p:cNvPr id="4" name="投影片編號版面配置區 3"/>
+          <p:cNvSpPr>
+            <a:spLocks noGrp="1"/>
+          </p:cNvSpPr>
+          <p:nvPr>
+            <p:ph type="sldNum" sz="quarter" idx="12"/>
+          </p:nvPr>
+        </p:nvSpPr>
+        <p:spPr/>
+        <p:txBody>
+          <a:bodyPr/>
+          <a:lstStyle/>
+          <a:p>
+            <a:fld id="{3EBBE1F4-AE36-AD42-8177-96288CD18AD2}" type="slidenum">
+              <a:rPr lang="en-US" smtClean="0"/>
+              <a:pPr/>
+              <a:t>7</a:t>
+            </a:fld>
+            <a:endParaRPr lang="en-US"/>
+          </a:p>
+        </p:txBody>
+      </p:sp>
+      <p:sp>
+        <p:nvSpPr>
+          <p:cNvPr id="5" name="矩形 4"/>
+          <p:cNvSpPr/>
+          <p:nvPr/>
+        </p:nvSpPr>
+        <p:spPr>
+          <a:xfrm>
+            <a:off x="0" y="-148281"/>
+            <a:ext cx="12282616" cy="7364627"/>
+          </a:xfrm>
+          <a:prstGeom prst="rect">
+            <a:avLst/>
+          </a:prstGeom>
+          <a:solidFill>
+            <a:schemeClr val="tx1">
+              <a:lumMod val="65000"/>
+              <a:lumOff val="35000"/>
+              <a:alpha val="86000"/>
+            </a:schemeClr>
+          </a:solidFill>
+        </p:spPr>
+        <p:style>
+          <a:lnRef idx="2">
+            <a:schemeClr val="accent1">
+              <a:shade val="50000"/>
+            </a:schemeClr>
+          </a:lnRef>
+          <a:fillRef idx="1">
+            <a:schemeClr val="accent1"/>
+          </a:fillRef>
+          <a:effectRef idx="0">
+            <a:schemeClr val="accent1"/>
+          </a:effectRef>
+          <a:fontRef idx="minor">
+            <a:schemeClr val="lt1"/>
+          </a:fontRef>
+        </p:style>
+        <p:txBody>
+          <a:bodyPr rtlCol="0" anchor="ctr"/>
+          <a:lstStyle/>
+          <a:p>
+            <a:pPr algn="ctr"/>
+            <a:endParaRPr lang="zh-TW" altLang="en-US"/>
+          </a:p>
+        </p:txBody>
+      </p:sp>
+      <p:sp>
+        <p:nvSpPr>
+          <p:cNvPr id="8" name="內容版面配置區 2"/>
+          <p:cNvSpPr txBox="1">
+            <a:spLocks/>
+          </p:cNvSpPr>
+          <p:nvPr/>
+        </p:nvSpPr>
+        <p:spPr>
+          <a:xfrm>
+            <a:off x="335362" y="3159486"/>
+            <a:ext cx="11521280" cy="4610906"/>
+          </a:xfrm>
+          <a:prstGeom prst="rect">
+            <a:avLst/>
+          </a:prstGeom>
+        </p:spPr>
+        <p:txBody>
+          <a:bodyPr/>
+          <a:lstStyle>
+            <a:lvl1pPr marL="403225" indent="-392113" algn="l" defTabSz="914400" rtl="0" eaLnBrk="1" latinLnBrk="0" hangingPunct="1">
+              <a:lnSpc>
+                <a:spcPct val="100000"/>
+              </a:lnSpc>
+              <a:spcBef>
+                <a:spcPts val="0"/>
+              </a:spcBef>
+              <a:buFont typeface="Helvetica" pitchFamily="2" charset="0"/>
+              <a:buChar char="●"/>
+              <a:tabLst/>
+              <a:defRPr sz="2800" kern="1200" baseline="0">
+                <a:solidFill>
+                  <a:schemeClr val="tx1"/>
+                </a:solidFill>
+                <a:latin typeface="Arial" panose="020B0604020202020204" pitchFamily="34" charset="0"/>
+                <a:ea typeface="微軟正黑體" panose="020B0604030504040204" pitchFamily="34" charset="-120"/>
+                <a:cs typeface="Arial" panose="020B0604020202020204" pitchFamily="34" charset="0"/>
+              </a:defRPr>
+            </a:lvl1pPr>
+            <a:lvl2pPr marL="808038" indent="-404813" algn="l" defTabSz="914400" rtl="0" eaLnBrk="1" latinLnBrk="0" hangingPunct="1">
+              <a:lnSpc>
+                <a:spcPct val="100000"/>
+              </a:lnSpc>
+              <a:spcBef>
+                <a:spcPts val="0"/>
+              </a:spcBef>
+              <a:buFont typeface="Helvetica" pitchFamily="2" charset="0"/>
+              <a:buChar char="●"/>
+              <a:tabLst/>
+              <a:defRPr sz="2800" kern="1200" baseline="0">
+                <a:solidFill>
+                  <a:schemeClr val="tx1"/>
+                </a:solidFill>
+                <a:latin typeface="Arial" panose="020B0604020202020204" pitchFamily="34" charset="0"/>
+                <a:ea typeface="微軟正黑體" panose="020B0604030504040204" pitchFamily="34" charset="-120"/>
+                <a:cs typeface="Arial" panose="020B0604020202020204" pitchFamily="34" charset="0"/>
+              </a:defRPr>
+            </a:lvl2pPr>
+            <a:lvl3pPr marL="1157288" indent="-349250" algn="l" defTabSz="914400" rtl="0" eaLnBrk="1" latinLnBrk="0" hangingPunct="1">
+              <a:lnSpc>
+                <a:spcPct val="100000"/>
+              </a:lnSpc>
+              <a:spcBef>
+                <a:spcPts val="0"/>
+              </a:spcBef>
+              <a:buFont typeface="Helvetica" pitchFamily="2" charset="0"/>
+              <a:buChar char="●"/>
+              <a:tabLst/>
+              <a:defRPr sz="2800" kern="1200" baseline="0">
+                <a:solidFill>
+                  <a:schemeClr val="tx1"/>
+                </a:solidFill>
+                <a:latin typeface="Arial" panose="020B0604020202020204" pitchFamily="34" charset="0"/>
+                <a:ea typeface="微軟正黑體" panose="020B0604030504040204" pitchFamily="34" charset="-120"/>
+                <a:cs typeface="Arial" panose="020B0604020202020204" pitchFamily="34" charset="0"/>
+              </a:defRPr>
+            </a:lvl3pPr>
+            <a:lvl4pPr marL="1516063" indent="-358775" algn="l" defTabSz="914400" rtl="0" eaLnBrk="1" latinLnBrk="0" hangingPunct="1">
+              <a:lnSpc>
+                <a:spcPct val="100000"/>
+              </a:lnSpc>
+              <a:spcBef>
+                <a:spcPts val="0"/>
+              </a:spcBef>
+              <a:buFont typeface="Helvetica" pitchFamily="2" charset="0"/>
+              <a:buChar char="●"/>
+              <a:tabLst/>
+              <a:defRPr sz="2800" kern="1200" baseline="0">
+                <a:solidFill>
+                  <a:schemeClr val="tx1"/>
+                </a:solidFill>
+                <a:latin typeface="Arial" panose="020B0604020202020204" pitchFamily="34" charset="0"/>
+                <a:ea typeface="微軟正黑體" panose="020B0604030504040204" pitchFamily="34" charset="-120"/>
+                <a:cs typeface="Arial" panose="020B0604020202020204" pitchFamily="34" charset="0"/>
+              </a:defRPr>
+            </a:lvl4pPr>
+            <a:lvl5pPr marL="1876425" indent="-360363" algn="l" defTabSz="914400" rtl="0" eaLnBrk="1" latinLnBrk="0" hangingPunct="1">
+              <a:lnSpc>
+                <a:spcPct val="100000"/>
+              </a:lnSpc>
+              <a:spcBef>
+                <a:spcPts val="0"/>
+              </a:spcBef>
+              <a:buFont typeface="Helvetica" pitchFamily="2" charset="0"/>
+              <a:buChar char="●"/>
+              <a:tabLst/>
+              <a:defRPr sz="2800" kern="1200" baseline="0">
+                <a:solidFill>
+                  <a:schemeClr val="tx1"/>
+                </a:solidFill>
+                <a:latin typeface="Arial" panose="020B0604020202020204" pitchFamily="34" charset="0"/>
+                <a:ea typeface="微軟正黑體" panose="020B0604030504040204" pitchFamily="34" charset="-120"/>
+                <a:cs typeface="Arial" panose="020B0604020202020204" pitchFamily="34" charset="0"/>
+              </a:defRPr>
+            </a:lvl5pPr>
+            <a:lvl6pPr marL="2514600" indent="-228600" algn="l" defTabSz="914400" rtl="0" eaLnBrk="1" latinLnBrk="0" hangingPunct="1">
+              <a:lnSpc>
+                <a:spcPct val="90000"/>
+              </a:lnSpc>
+              <a:spcBef>
+                <a:spcPts val="500"/>
+              </a:spcBef>
+              <a:buFont typeface="Arial" panose="020B0604020202020204" pitchFamily="34" charset="0"/>
+              <a:buChar char="•"/>
+              <a:defRPr sz="1800" kern="1200">
+                <a:solidFill>
+                  <a:schemeClr val="tx1"/>
+                </a:solidFill>
+                <a:latin typeface="+mn-lt"/>
+                <a:ea typeface="+mn-ea"/>
+                <a:cs typeface="+mn-cs"/>
+              </a:defRPr>
+            </a:lvl6pPr>
+            <a:lvl7pPr marL="2971800" indent="-228600" algn="l" defTabSz="914400" rtl="0" eaLnBrk="1" latinLnBrk="0" hangingPunct="1">
+              <a:lnSpc>
+                <a:spcPct val="90000"/>
+              </a:lnSpc>
+              <a:spcBef>
+                <a:spcPts val="500"/>
+              </a:spcBef>
+              <a:buFont typeface="Arial" panose="020B0604020202020204" pitchFamily="34" charset="0"/>
+              <a:buChar char="•"/>
+              <a:defRPr sz="1800" kern="1200">
+                <a:solidFill>
+                  <a:schemeClr val="tx1"/>
+                </a:solidFill>
+                <a:latin typeface="+mn-lt"/>
+                <a:ea typeface="+mn-ea"/>
+                <a:cs typeface="+mn-cs"/>
+              </a:defRPr>
+            </a:lvl7pPr>
+            <a:lvl8pPr marL="3429000" indent="-228600" algn="l" defTabSz="914400" rtl="0" eaLnBrk="1" latinLnBrk="0" hangingPunct="1">
+              <a:lnSpc>
+                <a:spcPct val="90000"/>
+              </a:lnSpc>
+              <a:spcBef>
+                <a:spcPts val="500"/>
+              </a:spcBef>
+              <a:buFont typeface="Arial" panose="020B0604020202020204" pitchFamily="34" charset="0"/>
+              <a:buChar char="•"/>
+              <a:defRPr sz="1800" kern="1200">
+                <a:solidFill>
+                  <a:schemeClr val="tx1"/>
+                </a:solidFill>
+                <a:latin typeface="+mn-lt"/>
+                <a:ea typeface="+mn-ea"/>
+                <a:cs typeface="+mn-cs"/>
+              </a:defRPr>
+            </a:lvl8pPr>
+            <a:lvl9pPr marL="3886200" indent="-228600" algn="l" defTabSz="914400" rtl="0" eaLnBrk="1" latinLnBrk="0" hangingPunct="1">
+              <a:lnSpc>
+                <a:spcPct val="90000"/>
+              </a:lnSpc>
+              <a:spcBef>
+                <a:spcPts val="500"/>
+              </a:spcBef>
+              <a:buFont typeface="Arial" panose="020B0604020202020204" pitchFamily="34" charset="0"/>
+              <a:buChar char="•"/>
+              <a:defRPr sz="1800" kern="1200">
+                <a:solidFill>
+                  <a:schemeClr val="tx1"/>
+                </a:solidFill>
+                <a:latin typeface="+mn-lt"/>
+                <a:ea typeface="+mn-ea"/>
+                <a:cs typeface="+mn-cs"/>
+              </a:defRPr>
+            </a:lvl9pPr>
+          </a:lstStyle>
+          <a:p>
+            <a:pPr>
+              <a:lnSpc>
+                <a:spcPct val="150000"/>
+              </a:lnSpc>
+            </a:pPr>
+            <a:r>
+              <a:rPr lang="en-US" altLang="zh-TW" sz="3200" b="1" dirty="0" smtClean="0">
+                <a:solidFill>
+                  <a:srgbClr val="FFFF00"/>
+                </a:solidFill>
+                <a:latin typeface="Times New Roman" charset="0"/>
+                <a:ea typeface="Times New Roman" charset="0"/>
+                <a:cs typeface="Times New Roman" charset="0"/>
+              </a:rPr>
+              <a:t>RFID</a:t>
+            </a:r>
+          </a:p>
+        </p:txBody>
+      </p:sp>
+    </p:spTree>
+    <p:extLst>
+      <p:ext uri="{BB962C8B-B14F-4D97-AF65-F5344CB8AC3E}">
+        <p14:creationId xmlns:p14="http://schemas.microsoft.com/office/powerpoint/2010/main" val="568981971"/>
+      </p:ext>
+    </p:extLst>
+  </p:cSld>
+  <p:clrMapOvr>
+    <a:masterClrMapping/>
+  </p:clrMapOvr>
+  <mc:AlternateContent xmlns:mc="http://schemas.openxmlformats.org/markup-compatibility/2006">
+    <mc:Choice xmlns:p14="http://schemas.microsoft.com/office/powerpoint/2010/main" Requires="p14">
+      <p:transition spd="med" p14:dur="700">
+        <p:fade/>
+      </p:transition>
+    </mc:Choice>
+    <mc:Fallback>
+      <p:transition spd="med">
+        <p:fade/>
+      </p:transition>
+    </mc:Fallback>
+  </mc:AlternateContent>
+  <p:timing>
+    <p:tnLst>
+      <p:par>
+        <p:cTn id="1" dur="indefinite" restart="never" nodeType="tmRoot"/>
+      </p:par>
+    </p:tnLst>
+  </p:timing>
+</p:sld>
+</file>
+
+<file path=ppt/slides/slide8.xml><?xml version="1.0" encoding="utf-8"?>
+<p:sld xmlns:a="http://schemas.openxmlformats.org/drawingml/2006/main" xmlns:r="http://schemas.openxmlformats.org/officeDocument/2006/relationships" xmlns:p="http://schemas.openxmlformats.org/presentationml/2006/main">
+  <p:cSld>
+    <p:spTree>
+      <p:nvGrpSpPr>
+        <p:cNvPr id="1" name=""/>
+        <p:cNvGrpSpPr/>
+        <p:nvPr/>
+      </p:nvGrpSpPr>
+      <p:grpSpPr>
+        <a:xfrm>
+          <a:off x="0" y="0"/>
+          <a:ext cx="0" cy="0"/>
+          <a:chOff x="0" y="0"/>
+          <a:chExt cx="0" cy="0"/>
+        </a:xfrm>
+      </p:grpSpPr>
+      <p:sp>
+        <p:nvSpPr>
+          <p:cNvPr id="2" name="標題 1"/>
+          <p:cNvSpPr>
+            <a:spLocks noGrp="1"/>
+          </p:cNvSpPr>
+          <p:nvPr>
+            <p:ph type="title"/>
+          </p:nvPr>
+        </p:nvSpPr>
+        <p:spPr/>
+        <p:txBody>
+          <a:bodyPr/>
+          <a:lstStyle/>
+          <a:p>
+            <a:r>
+              <a:rPr kumimoji="1" lang="en-US" altLang="zh-TW" dirty="0" smtClean="0">
+                <a:latin typeface="Times New Roman" charset="0"/>
+                <a:ea typeface="Times New Roman" charset="0"/>
+                <a:cs typeface="Times New Roman" charset="0"/>
+              </a:rPr>
+              <a:t>Reference</a:t>
+            </a:r>
+            <a:endParaRPr kumimoji="1" lang="zh-TW" altLang="en-US" dirty="0">
+              <a:latin typeface="Times New Roman" charset="0"/>
+              <a:ea typeface="Times New Roman" charset="0"/>
+              <a:cs typeface="Times New Roman" charset="0"/>
+            </a:endParaRPr>
+          </a:p>
+        </p:txBody>
+      </p:sp>
+      <p:sp>
+        <p:nvSpPr>
+          <p:cNvPr id="3" name="內容版面配置區 2"/>
+          <p:cNvSpPr>
+            <a:spLocks noGrp="1"/>
+          </p:cNvSpPr>
+          <p:nvPr>
+            <p:ph idx="1"/>
+          </p:nvPr>
+        </p:nvSpPr>
+        <p:spPr/>
+        <p:txBody>
+          <a:bodyPr/>
+          <a:lstStyle/>
+          <a:p>
+            <a:pPr>
+              <a:lnSpc>
+                <a:spcPct val="200000"/>
+              </a:lnSpc>
+            </a:pPr>
+            <a:r>
+              <a:rPr kumimoji="1" lang="en-US" altLang="zh-TW" dirty="0">
+                <a:latin typeface="Times New Roman" charset="0"/>
+                <a:ea typeface="Times New Roman" charset="0"/>
+                <a:cs typeface="Times New Roman" charset="0"/>
+                <a:hlinkClick r:id="rId2"/>
+              </a:rPr>
+              <a:t>https://www.flaticon.com</a:t>
+            </a:r>
+            <a:r>
+              <a:rPr kumimoji="1" lang="en-US" altLang="zh-TW" dirty="0" smtClean="0">
+                <a:latin typeface="Times New Roman" charset="0"/>
+                <a:ea typeface="Times New Roman" charset="0"/>
+                <a:cs typeface="Times New Roman" charset="0"/>
+                <a:hlinkClick r:id="rId2"/>
+              </a:rPr>
+              <a:t>/</a:t>
+            </a:r>
+            <a:endParaRPr kumimoji="1" lang="en-US" altLang="zh-TW" dirty="0" smtClean="0">
+              <a:latin typeface="Times New Roman" charset="0"/>
+              <a:ea typeface="Times New Roman" charset="0"/>
+              <a:cs typeface="Times New Roman" charset="0"/>
+            </a:endParaRPr>
+          </a:p>
+          <a:p>
+            <a:pPr>
+              <a:lnSpc>
+                <a:spcPct val="200000"/>
+              </a:lnSpc>
+            </a:pPr>
+            <a:r>
+              <a:rPr kumimoji="1" lang="en-US" altLang="zh-TW" dirty="0">
+                <a:latin typeface="Times New Roman" charset="0"/>
+                <a:ea typeface="Times New Roman" charset="0"/>
+                <a:cs typeface="Times New Roman" charset="0"/>
+                <a:hlinkClick r:id="rId3"/>
+              </a:rPr>
+              <a:t>https://</a:t>
+            </a:r>
+            <a:r>
+              <a:rPr kumimoji="1" lang="en-US" altLang="zh-TW" dirty="0" smtClean="0">
+                <a:latin typeface="Times New Roman" charset="0"/>
+                <a:ea typeface="Times New Roman" charset="0"/>
+                <a:cs typeface="Times New Roman" charset="0"/>
+                <a:hlinkClick r:id="rId3"/>
+              </a:rPr>
+              <a:t>www.sitebuilderreport.com/stock-up</a:t>
+            </a:r>
+            <a:endParaRPr kumimoji="1" lang="en-US" altLang="zh-TW" dirty="0" smtClean="0">
+              <a:latin typeface="Times New Roman" charset="0"/>
+              <a:ea typeface="Times New Roman" charset="0"/>
+              <a:cs typeface="Times New Roman" charset="0"/>
+            </a:endParaRPr>
+          </a:p>
+          <a:p>
+            <a:pPr>
+              <a:lnSpc>
+                <a:spcPct val="200000"/>
+              </a:lnSpc>
+            </a:pPr>
+            <a:r>
+              <a:rPr kumimoji="1" lang="en-US" altLang="zh-TW" dirty="0">
+                <a:latin typeface="Times New Roman" charset="0"/>
+                <a:ea typeface="Times New Roman" charset="0"/>
+                <a:cs typeface="Times New Roman" charset="0"/>
+                <a:hlinkClick r:id="rId4"/>
+              </a:rPr>
+              <a:t>https://</a:t>
+            </a:r>
+            <a:r>
+              <a:rPr kumimoji="1" lang="en-US" altLang="zh-TW" dirty="0" smtClean="0">
+                <a:latin typeface="Times New Roman" charset="0"/>
+                <a:ea typeface="Times New Roman" charset="0"/>
+                <a:cs typeface="Times New Roman" charset="0"/>
+                <a:hlinkClick r:id="rId4"/>
+              </a:rPr>
+              <a:t>cs.nju.edu.cn/lxie/publication/INFOCOM2018Wang.pdf</a:t>
+            </a:r>
+            <a:endParaRPr kumimoji="1" lang="en-US" altLang="zh-TW" dirty="0" smtClean="0">
+              <a:latin typeface="Times New Roman" charset="0"/>
+              <a:ea typeface="Times New Roman" charset="0"/>
+              <a:cs typeface="Times New Roman" charset="0"/>
+            </a:endParaRPr>
+          </a:p>
+          <a:p>
+            <a:pPr>
+              <a:lnSpc>
+                <a:spcPct val="200000"/>
+              </a:lnSpc>
+            </a:pPr>
+            <a:endParaRPr kumimoji="1" lang="zh-TW" altLang="en-US" dirty="0">
+              <a:latin typeface="Times New Roman" charset="0"/>
+              <a:ea typeface="Times New Roman" charset="0"/>
+              <a:cs typeface="Times New Roman" charset="0"/>
+            </a:endParaRPr>
+          </a:p>
+        </p:txBody>
+      </p:sp>
+      <p:sp>
+        <p:nvSpPr>
+          <p:cNvPr id="4" name="投影片編號版面配置區 3"/>
+          <p:cNvSpPr>
+            <a:spLocks noGrp="1"/>
+          </p:cNvSpPr>
+          <p:nvPr>
+            <p:ph type="sldNum" sz="quarter" idx="12"/>
+          </p:nvPr>
+        </p:nvSpPr>
+        <p:spPr/>
+        <p:txBody>
+          <a:bodyPr/>
+          <a:lstStyle/>
+          <a:p>
+            <a:fld id="{3EBBE1F4-AE36-AD42-8177-96288CD18AD2}" type="slidenum">
+              <a:rPr lang="en-US" smtClean="0"/>
+              <a:pPr/>
+              <a:t>8</a:t>
             </a:fld>
             <a:endParaRPr lang="en-US"/>
           </a:p>

--- a/Freshman_Training.pptx
+++ b/Freshman_Training.pptx
@@ -5,7 +5,7 @@
     <p:sldMasterId id="2147483660" r:id="rId1"/>
   </p:sldMasterIdLst>
   <p:notesMasterIdLst>
-    <p:notesMasterId r:id="rId10"/>
+    <p:notesMasterId r:id="rId12"/>
   </p:notesMasterIdLst>
   <p:sldIdLst>
     <p:sldId id="256" r:id="rId2"/>
@@ -13,9 +13,11 @@
     <p:sldId id="303" r:id="rId4"/>
     <p:sldId id="306" r:id="rId5"/>
     <p:sldId id="304" r:id="rId6"/>
-    <p:sldId id="302" r:id="rId7"/>
-    <p:sldId id="305" r:id="rId8"/>
-    <p:sldId id="301" r:id="rId9"/>
+    <p:sldId id="308" r:id="rId7"/>
+    <p:sldId id="307" r:id="rId8"/>
+    <p:sldId id="309" r:id="rId9"/>
+    <p:sldId id="305" r:id="rId10"/>
+    <p:sldId id="301" r:id="rId11"/>
   </p:sldIdLst>
   <p:sldSz cx="12192000" cy="6858000"/>
   <p:notesSz cx="6858000" cy="9144000"/>
@@ -132,7 +134,9 @@
         <p14:section name="Friis" id="{C428E832-B5F1-8843-AEE0-707319BB8BD9}">
           <p14:sldIdLst>
             <p14:sldId id="304"/>
-            <p14:sldId id="302"/>
+            <p14:sldId id="308"/>
+            <p14:sldId id="307"/>
+            <p14:sldId id="309"/>
           </p14:sldIdLst>
         </p14:section>
         <p14:section name="RFID" id="{3EA3CAAF-261C-BD4E-8DFC-CD96A350342D}">
@@ -236,7 +240,7 @@
           <a:p>
             <a:fld id="{D417A10C-87C9-49E5-AE05-110105D8C539}" type="datetimeFigureOut">
               <a:rPr lang="zh-TW" altLang="en-US" smtClean="0"/>
-              <a:t>2018/6/30</a:t>
+              <a:t>2018/7/2</a:t>
             </a:fld>
             <a:endParaRPr lang="zh-TW" altLang="en-US"/>
           </a:p>
@@ -588,6 +592,213 @@
 </p:notes>
 </file>
 
+<file path=ppt/notesSlides/notesSlide2.xml><?xml version="1.0" encoding="utf-8"?>
+<p:notes xmlns:a="http://schemas.openxmlformats.org/drawingml/2006/main" xmlns:r="http://schemas.openxmlformats.org/officeDocument/2006/relationships" xmlns:p="http://schemas.openxmlformats.org/presentationml/2006/main">
+  <p:cSld>
+    <p:spTree>
+      <p:nvGrpSpPr>
+        <p:cNvPr id="1" name=""/>
+        <p:cNvGrpSpPr/>
+        <p:nvPr/>
+      </p:nvGrpSpPr>
+      <p:grpSpPr>
+        <a:xfrm>
+          <a:off x="0" y="0"/>
+          <a:ext cx="0" cy="0"/>
+          <a:chOff x="0" y="0"/>
+          <a:chExt cx="0" cy="0"/>
+        </a:xfrm>
+      </p:grpSpPr>
+      <p:sp>
+        <p:nvSpPr>
+          <p:cNvPr id="2" name="投影片影像版面配置區 1"/>
+          <p:cNvSpPr>
+            <a:spLocks noGrp="1" noRot="1" noChangeAspect="1"/>
+          </p:cNvSpPr>
+          <p:nvPr>
+            <p:ph type="sldImg"/>
+          </p:nvPr>
+        </p:nvSpPr>
+        <p:spPr/>
+      </p:sp>
+      <p:sp>
+        <p:nvSpPr>
+          <p:cNvPr id="3" name="備忘稿版面配置區 2"/>
+          <p:cNvSpPr>
+            <a:spLocks noGrp="1"/>
+          </p:cNvSpPr>
+          <p:nvPr>
+            <p:ph type="body" idx="1"/>
+          </p:nvPr>
+        </p:nvSpPr>
+        <p:spPr/>
+        <p:txBody>
+          <a:bodyPr/>
+          <a:lstStyle/>
+          <a:p>
+            <a:r>
+              <a:rPr kumimoji="1" lang="zh-TW" altLang="en-US" dirty="0" smtClean="0"/>
+              <a:t>通常會用 </a:t>
+            </a:r>
+            <a:r>
+              <a:rPr kumimoji="1" lang="en-US" altLang="zh-TW" dirty="0" smtClean="0"/>
+              <a:t>gain </a:t>
+            </a:r>
+            <a:r>
+              <a:rPr kumimoji="1" lang="zh-TW" altLang="en-US" dirty="0" smtClean="0"/>
+              <a:t>表達天線的 </a:t>
+            </a:r>
+            <a:r>
+              <a:rPr kumimoji="1" lang="en-US" altLang="zh-TW" dirty="0" smtClean="0"/>
+              <a:t>performance </a:t>
+            </a:r>
+            <a:endParaRPr kumimoji="1" lang="en-US" altLang="zh-TW" dirty="0" smtClean="0"/>
+          </a:p>
+          <a:p>
+            <a:r>
+              <a:rPr kumimoji="1" lang="en-US" altLang="zh-TW" dirty="0" smtClean="0"/>
+              <a:t>Capture area </a:t>
+            </a:r>
+            <a:r>
+              <a:rPr kumimoji="1" lang="zh-TW" altLang="en-US" dirty="0" smtClean="0"/>
+              <a:t>展現 </a:t>
+            </a:r>
+            <a:r>
+              <a:rPr kumimoji="1" lang="en-US" altLang="zh-TW" dirty="0" smtClean="0"/>
+              <a:t>free space radio</a:t>
+            </a:r>
+            <a:r>
+              <a:rPr kumimoji="1" lang="en-US" altLang="zh-TW" baseline="0" dirty="0" smtClean="0"/>
+              <a:t> circuit </a:t>
+            </a:r>
+            <a:r>
+              <a:rPr kumimoji="1" lang="zh-TW" altLang="en-US" baseline="0" dirty="0" smtClean="0"/>
+              <a:t>的特色</a:t>
+            </a:r>
+            <a:endParaRPr kumimoji="1" lang="zh-TW" altLang="en-US" dirty="0"/>
+          </a:p>
+        </p:txBody>
+      </p:sp>
+      <p:sp>
+        <p:nvSpPr>
+          <p:cNvPr id="4" name="投影片編號版面配置區 3"/>
+          <p:cNvSpPr>
+            <a:spLocks noGrp="1"/>
+          </p:cNvSpPr>
+          <p:nvPr>
+            <p:ph type="sldNum" sz="quarter" idx="10"/>
+          </p:nvPr>
+        </p:nvSpPr>
+        <p:spPr/>
+        <p:txBody>
+          <a:bodyPr/>
+          <a:lstStyle/>
+          <a:p>
+            <a:fld id="{C79F9334-C2B5-40DC-A82F-94CC416C9799}" type="slidenum">
+              <a:rPr lang="zh-TW" altLang="en-US" smtClean="0"/>
+              <a:t>6</a:t>
+            </a:fld>
+            <a:endParaRPr lang="zh-TW" altLang="en-US"/>
+          </a:p>
+        </p:txBody>
+      </p:sp>
+    </p:spTree>
+    <p:extLst>
+      <p:ext uri="{BB962C8B-B14F-4D97-AF65-F5344CB8AC3E}">
+        <p14:creationId xmlns:p14="http://schemas.microsoft.com/office/powerpoint/2010/main" val="854770306"/>
+      </p:ext>
+    </p:extLst>
+  </p:cSld>
+  <p:clrMapOvr>
+    <a:masterClrMapping/>
+  </p:clrMapOvr>
+</p:notes>
+</file>
+
+<file path=ppt/notesSlides/notesSlide3.xml><?xml version="1.0" encoding="utf-8"?>
+<p:notes xmlns:a="http://schemas.openxmlformats.org/drawingml/2006/main" xmlns:r="http://schemas.openxmlformats.org/officeDocument/2006/relationships" xmlns:p="http://schemas.openxmlformats.org/presentationml/2006/main">
+  <p:cSld>
+    <p:spTree>
+      <p:nvGrpSpPr>
+        <p:cNvPr id="1" name=""/>
+        <p:cNvGrpSpPr/>
+        <p:nvPr/>
+      </p:nvGrpSpPr>
+      <p:grpSpPr>
+        <a:xfrm>
+          <a:off x="0" y="0"/>
+          <a:ext cx="0" cy="0"/>
+          <a:chOff x="0" y="0"/>
+          <a:chExt cx="0" cy="0"/>
+        </a:xfrm>
+      </p:grpSpPr>
+      <p:sp>
+        <p:nvSpPr>
+          <p:cNvPr id="2" name="投影片影像版面配置區 1"/>
+          <p:cNvSpPr>
+            <a:spLocks noGrp="1" noRot="1" noChangeAspect="1"/>
+          </p:cNvSpPr>
+          <p:nvPr>
+            <p:ph type="sldImg"/>
+          </p:nvPr>
+        </p:nvSpPr>
+        <p:spPr/>
+      </p:sp>
+      <p:sp>
+        <p:nvSpPr>
+          <p:cNvPr id="3" name="備忘稿版面配置區 2"/>
+          <p:cNvSpPr>
+            <a:spLocks noGrp="1"/>
+          </p:cNvSpPr>
+          <p:nvPr>
+            <p:ph type="body" idx="1"/>
+          </p:nvPr>
+        </p:nvSpPr>
+        <p:spPr/>
+        <p:txBody>
+          <a:bodyPr/>
+          <a:lstStyle/>
+          <a:p>
+            <a:endParaRPr kumimoji="1" lang="zh-TW" altLang="en-US" dirty="0"/>
+          </a:p>
+        </p:txBody>
+      </p:sp>
+      <p:sp>
+        <p:nvSpPr>
+          <p:cNvPr id="4" name="投影片編號版面配置區 3"/>
+          <p:cNvSpPr>
+            <a:spLocks noGrp="1"/>
+          </p:cNvSpPr>
+          <p:nvPr>
+            <p:ph type="sldNum" sz="quarter" idx="10"/>
+          </p:nvPr>
+        </p:nvSpPr>
+        <p:spPr/>
+        <p:txBody>
+          <a:bodyPr/>
+          <a:lstStyle/>
+          <a:p>
+            <a:fld id="{C79F9334-C2B5-40DC-A82F-94CC416C9799}" type="slidenum">
+              <a:rPr lang="zh-TW" altLang="en-US" smtClean="0"/>
+              <a:t>8</a:t>
+            </a:fld>
+            <a:endParaRPr lang="zh-TW" altLang="en-US"/>
+          </a:p>
+        </p:txBody>
+      </p:sp>
+    </p:spTree>
+    <p:extLst>
+      <p:ext uri="{BB962C8B-B14F-4D97-AF65-F5344CB8AC3E}">
+        <p14:creationId xmlns:p14="http://schemas.microsoft.com/office/powerpoint/2010/main" val="184033425"/>
+      </p:ext>
+    </p:extLst>
+  </p:cSld>
+  <p:clrMapOvr>
+    <a:masterClrMapping/>
+  </p:clrMapOvr>
+</p:notes>
+</file>
+
 <file path=ppt/slideLayouts/slideLayout1.xml><?xml version="1.0" encoding="utf-8"?>
 <p:sldLayout xmlns:a="http://schemas.openxmlformats.org/drawingml/2006/main" xmlns:r="http://schemas.openxmlformats.org/officeDocument/2006/relationships" xmlns:p="http://schemas.openxmlformats.org/presentationml/2006/main" preserve="1">
   <p:cSld name="標題投影片">
@@ -640,7 +851,7 @@
           <p:cNvPr id="20" name="Group 19">
             <a:extLst>
               <a:ext uri="{FF2B5EF4-FFF2-40B4-BE49-F238E27FC236}">
-                <a16:creationId xmlns="" xmlns:a16="http://schemas.microsoft.com/office/drawing/2014/main" id="{C3ED851A-5624-9445-94A3-FC256390EFF0}"/>
+                <a16:creationId xmlns:a16="http://schemas.microsoft.com/office/drawing/2014/main" xmlns="" id="{C3ED851A-5624-9445-94A3-FC256390EFF0}"/>
               </a:ext>
             </a:extLst>
           </p:cNvPr>
@@ -660,7 +871,7 @@
             <p:cNvPr id="21" name="箭號: 五邊形 12">
               <a:extLst>
                 <a:ext uri="{FF2B5EF4-FFF2-40B4-BE49-F238E27FC236}">
-                  <a16:creationId xmlns="" xmlns:a16="http://schemas.microsoft.com/office/drawing/2014/main" id="{7DED8486-E1FD-814E-B2DE-F488A3CEA671}"/>
+                  <a16:creationId xmlns:a16="http://schemas.microsoft.com/office/drawing/2014/main" xmlns="" id="{7DED8486-E1FD-814E-B2DE-F488A3CEA671}"/>
                 </a:ext>
               </a:extLst>
             </p:cNvPr>
@@ -712,7 +923,7 @@
             <p:cNvPr id="23" name="箭號: 五邊形 12">
               <a:extLst>
                 <a:ext uri="{FF2B5EF4-FFF2-40B4-BE49-F238E27FC236}">
-                  <a16:creationId xmlns="" xmlns:a16="http://schemas.microsoft.com/office/drawing/2014/main" id="{8C392F49-5181-FA4B-9412-A387B34C316C}"/>
+                  <a16:creationId xmlns:a16="http://schemas.microsoft.com/office/drawing/2014/main" xmlns="" id="{8C392F49-5181-FA4B-9412-A387B34C316C}"/>
                 </a:ext>
               </a:extLst>
             </p:cNvPr>
@@ -771,7 +982,7 @@
             <p:cNvPr id="26" name="箭號: 五邊形 12">
               <a:extLst>
                 <a:ext uri="{FF2B5EF4-FFF2-40B4-BE49-F238E27FC236}">
-                  <a16:creationId xmlns="" xmlns:a16="http://schemas.microsoft.com/office/drawing/2014/main" id="{A2A2AEE9-8884-2D45-AA3A-3CE8B669A441}"/>
+                  <a16:creationId xmlns:a16="http://schemas.microsoft.com/office/drawing/2014/main" xmlns="" id="{A2A2AEE9-8884-2D45-AA3A-3CE8B669A441}"/>
                 </a:ext>
               </a:extLst>
             </p:cNvPr>
@@ -1200,7 +1411,7 @@
           <p:cNvPr id="34" name="Text Placeholder 3">
             <a:extLst>
               <a:ext uri="{FF2B5EF4-FFF2-40B4-BE49-F238E27FC236}">
-                <a16:creationId xmlns="" xmlns:a16="http://schemas.microsoft.com/office/drawing/2014/main" id="{CB4F27FF-A5B2-0945-A886-8994C9CF0F9A}"/>
+                <a16:creationId xmlns:a16="http://schemas.microsoft.com/office/drawing/2014/main" xmlns="" id="{CB4F27FF-A5B2-0945-A886-8994C9CF0F9A}"/>
               </a:ext>
             </a:extLst>
           </p:cNvPr>
@@ -1254,7 +1465,7 @@
           <p:cNvPr id="35" name="Content Placeholder 5">
             <a:extLst>
               <a:ext uri="{FF2B5EF4-FFF2-40B4-BE49-F238E27FC236}">
-                <a16:creationId xmlns="" xmlns:a16="http://schemas.microsoft.com/office/drawing/2014/main" id="{1CE5651F-F4F6-9D45-A553-66B6FFCA522B}"/>
+                <a16:creationId xmlns:a16="http://schemas.microsoft.com/office/drawing/2014/main" xmlns="" id="{1CE5651F-F4F6-9D45-A553-66B6FFCA522B}"/>
               </a:ext>
             </a:extLst>
           </p:cNvPr>
@@ -1302,7 +1513,7 @@
           <p:cNvPr id="6" name="Picture 5">
             <a:extLst>
               <a:ext uri="{FF2B5EF4-FFF2-40B4-BE49-F238E27FC236}">
-                <a16:creationId xmlns="" xmlns:a16="http://schemas.microsoft.com/office/drawing/2014/main" id="{5BB22815-3E3B-0B48-9DCA-B05C2D5B9D70}"/>
+                <a16:creationId xmlns:a16="http://schemas.microsoft.com/office/drawing/2014/main" xmlns="" id="{5BB22815-3E3B-0B48-9DCA-B05C2D5B9D70}"/>
               </a:ext>
             </a:extLst>
           </p:cNvPr>
@@ -2380,7 +2591,7 @@
           <p:cNvPr id="15" name="直排文字版面配置區 2">
             <a:extLst>
               <a:ext uri="{FF2B5EF4-FFF2-40B4-BE49-F238E27FC236}">
-                <a16:creationId xmlns="" xmlns:a16="http://schemas.microsoft.com/office/drawing/2014/main" id="{5B0754CD-A593-D647-8F43-33A88CDADB61}"/>
+                <a16:creationId xmlns:a16="http://schemas.microsoft.com/office/drawing/2014/main" xmlns="" id="{5B0754CD-A593-D647-8F43-33A88CDADB61}"/>
               </a:ext>
             </a:extLst>
           </p:cNvPr>
@@ -2578,7 +2789,7 @@
           <p:cNvPr id="20" name="Group 19">
             <a:extLst>
               <a:ext uri="{FF2B5EF4-FFF2-40B4-BE49-F238E27FC236}">
-                <a16:creationId xmlns="" xmlns:a16="http://schemas.microsoft.com/office/drawing/2014/main" id="{C3ED851A-5624-9445-94A3-FC256390EFF0}"/>
+                <a16:creationId xmlns:a16="http://schemas.microsoft.com/office/drawing/2014/main" xmlns="" id="{C3ED851A-5624-9445-94A3-FC256390EFF0}"/>
               </a:ext>
             </a:extLst>
           </p:cNvPr>
@@ -2598,7 +2809,7 @@
             <p:cNvPr id="21" name="箭號: 五邊形 12">
               <a:extLst>
                 <a:ext uri="{FF2B5EF4-FFF2-40B4-BE49-F238E27FC236}">
-                  <a16:creationId xmlns="" xmlns:a16="http://schemas.microsoft.com/office/drawing/2014/main" id="{7DED8486-E1FD-814E-B2DE-F488A3CEA671}"/>
+                  <a16:creationId xmlns:a16="http://schemas.microsoft.com/office/drawing/2014/main" xmlns="" id="{7DED8486-E1FD-814E-B2DE-F488A3CEA671}"/>
                 </a:ext>
               </a:extLst>
             </p:cNvPr>
@@ -2650,7 +2861,7 @@
             <p:cNvPr id="23" name="箭號: 五邊形 12">
               <a:extLst>
                 <a:ext uri="{FF2B5EF4-FFF2-40B4-BE49-F238E27FC236}">
-                  <a16:creationId xmlns="" xmlns:a16="http://schemas.microsoft.com/office/drawing/2014/main" id="{8C392F49-5181-FA4B-9412-A387B34C316C}"/>
+                  <a16:creationId xmlns:a16="http://schemas.microsoft.com/office/drawing/2014/main" xmlns="" id="{8C392F49-5181-FA4B-9412-A387B34C316C}"/>
                 </a:ext>
               </a:extLst>
             </p:cNvPr>
@@ -2709,7 +2920,7 @@
             <p:cNvPr id="26" name="箭號: 五邊形 12">
               <a:extLst>
                 <a:ext uri="{FF2B5EF4-FFF2-40B4-BE49-F238E27FC236}">
-                  <a16:creationId xmlns="" xmlns:a16="http://schemas.microsoft.com/office/drawing/2014/main" id="{A2A2AEE9-8884-2D45-AA3A-3CE8B669A441}"/>
+                  <a16:creationId xmlns:a16="http://schemas.microsoft.com/office/drawing/2014/main" xmlns="" id="{A2A2AEE9-8884-2D45-AA3A-3CE8B669A441}"/>
                 </a:ext>
               </a:extLst>
             </p:cNvPr>
@@ -3138,7 +3349,7 @@
           <p:cNvPr id="34" name="Text Placeholder 3">
             <a:extLst>
               <a:ext uri="{FF2B5EF4-FFF2-40B4-BE49-F238E27FC236}">
-                <a16:creationId xmlns="" xmlns:a16="http://schemas.microsoft.com/office/drawing/2014/main" id="{CB4F27FF-A5B2-0945-A886-8994C9CF0F9A}"/>
+                <a16:creationId xmlns:a16="http://schemas.microsoft.com/office/drawing/2014/main" xmlns="" id="{CB4F27FF-A5B2-0945-A886-8994C9CF0F9A}"/>
               </a:ext>
             </a:extLst>
           </p:cNvPr>
@@ -3192,7 +3403,7 @@
           <p:cNvPr id="35" name="Content Placeholder 5">
             <a:extLst>
               <a:ext uri="{FF2B5EF4-FFF2-40B4-BE49-F238E27FC236}">
-                <a16:creationId xmlns="" xmlns:a16="http://schemas.microsoft.com/office/drawing/2014/main" id="{1CE5651F-F4F6-9D45-A553-66B6FFCA522B}"/>
+                <a16:creationId xmlns:a16="http://schemas.microsoft.com/office/drawing/2014/main" xmlns="" id="{1CE5651F-F4F6-9D45-A553-66B6FFCA522B}"/>
               </a:ext>
             </a:extLst>
           </p:cNvPr>
@@ -3240,7 +3451,7 @@
           <p:cNvPr id="6" name="Picture 5">
             <a:extLst>
               <a:ext uri="{FF2B5EF4-FFF2-40B4-BE49-F238E27FC236}">
-                <a16:creationId xmlns="" xmlns:a16="http://schemas.microsoft.com/office/drawing/2014/main" id="{5BB22815-3E3B-0B48-9DCA-B05C2D5B9D70}"/>
+                <a16:creationId xmlns:a16="http://schemas.microsoft.com/office/drawing/2014/main" xmlns="" id="{5BB22815-3E3B-0B48-9DCA-B05C2D5B9D70}"/>
               </a:ext>
             </a:extLst>
           </p:cNvPr>
@@ -3928,7 +4139,7 @@
           <p:cNvPr id="12" name="Group 11">
             <a:extLst>
               <a:ext uri="{FF2B5EF4-FFF2-40B4-BE49-F238E27FC236}">
-                <a16:creationId xmlns="" xmlns:a16="http://schemas.microsoft.com/office/drawing/2014/main" id="{FECCA331-FFA6-F840-9C60-BF25ACF3BDB5}"/>
+                <a16:creationId xmlns:a16="http://schemas.microsoft.com/office/drawing/2014/main" xmlns="" id="{FECCA331-FFA6-F840-9C60-BF25ACF3BDB5}"/>
               </a:ext>
             </a:extLst>
           </p:cNvPr>
@@ -3948,7 +4159,7 @@
             <p:cNvPr id="13" name="箭號: 五邊形 12">
               <a:extLst>
                 <a:ext uri="{FF2B5EF4-FFF2-40B4-BE49-F238E27FC236}">
-                  <a16:creationId xmlns="" xmlns:a16="http://schemas.microsoft.com/office/drawing/2014/main" id="{1ECC6466-4EFD-5345-BC17-67AB57731DB7}"/>
+                  <a16:creationId xmlns:a16="http://schemas.microsoft.com/office/drawing/2014/main" xmlns="" id="{1ECC6466-4EFD-5345-BC17-67AB57731DB7}"/>
                 </a:ext>
               </a:extLst>
             </p:cNvPr>
@@ -4000,7 +4211,7 @@
             <p:cNvPr id="14" name="箭號: 五邊形 12">
               <a:extLst>
                 <a:ext uri="{FF2B5EF4-FFF2-40B4-BE49-F238E27FC236}">
-                  <a16:creationId xmlns="" xmlns:a16="http://schemas.microsoft.com/office/drawing/2014/main" id="{6CF55724-0A99-E64A-AB4C-0938CB62E153}"/>
+                  <a16:creationId xmlns:a16="http://schemas.microsoft.com/office/drawing/2014/main" xmlns="" id="{6CF55724-0A99-E64A-AB4C-0938CB62E153}"/>
                 </a:ext>
               </a:extLst>
             </p:cNvPr>
@@ -4059,7 +4270,7 @@
             <p:cNvPr id="15" name="箭號: 五邊形 12">
               <a:extLst>
                 <a:ext uri="{FF2B5EF4-FFF2-40B4-BE49-F238E27FC236}">
-                  <a16:creationId xmlns="" xmlns:a16="http://schemas.microsoft.com/office/drawing/2014/main" id="{D65D1FB8-4CF4-8B4A-A307-6F7F618C0D88}"/>
+                  <a16:creationId xmlns:a16="http://schemas.microsoft.com/office/drawing/2014/main" xmlns="" id="{D65D1FB8-4CF4-8B4A-A307-6F7F618C0D88}"/>
                 </a:ext>
               </a:extLst>
             </p:cNvPr>
@@ -4368,7 +4579,7 @@
           <p:cNvPr id="5" name="Picture 4">
             <a:extLst>
               <a:ext uri="{FF2B5EF4-FFF2-40B4-BE49-F238E27FC236}">
-                <a16:creationId xmlns="" xmlns:a16="http://schemas.microsoft.com/office/drawing/2014/main" id="{33C27645-19DC-4542-810A-E94761D6E227}"/>
+                <a16:creationId xmlns:a16="http://schemas.microsoft.com/office/drawing/2014/main" xmlns="" id="{33C27645-19DC-4542-810A-E94761D6E227}"/>
               </a:ext>
             </a:extLst>
           </p:cNvPr>
@@ -4855,7 +5066,7 @@
           <p:cNvPr id="23" name="內容版面配置區 2">
             <a:extLst>
               <a:ext uri="{FF2B5EF4-FFF2-40B4-BE49-F238E27FC236}">
-                <a16:creationId xmlns="" xmlns:a16="http://schemas.microsoft.com/office/drawing/2014/main" id="{9D1178A4-A62F-AE47-B4FD-DFBDEBC0B7E1}"/>
+                <a16:creationId xmlns:a16="http://schemas.microsoft.com/office/drawing/2014/main" xmlns="" id="{9D1178A4-A62F-AE47-B4FD-DFBDEBC0B7E1}"/>
               </a:ext>
             </a:extLst>
           </p:cNvPr>
@@ -5002,7 +5213,7 @@
           <p:cNvPr id="24" name="內容版面配置區 2">
             <a:extLst>
               <a:ext uri="{FF2B5EF4-FFF2-40B4-BE49-F238E27FC236}">
-                <a16:creationId xmlns="" xmlns:a16="http://schemas.microsoft.com/office/drawing/2014/main" id="{18BDE748-AF06-9848-B53D-40087470A386}"/>
+                <a16:creationId xmlns:a16="http://schemas.microsoft.com/office/drawing/2014/main" xmlns="" id="{18BDE748-AF06-9848-B53D-40087470A386}"/>
               </a:ext>
             </a:extLst>
           </p:cNvPr>
@@ -5741,7 +5952,7 @@
           <p:cNvPr id="20" name="內容版面配置區 2">
             <a:extLst>
               <a:ext uri="{FF2B5EF4-FFF2-40B4-BE49-F238E27FC236}">
-                <a16:creationId xmlns="" xmlns:a16="http://schemas.microsoft.com/office/drawing/2014/main" id="{9A4A12A5-18A4-CA4A-8E68-97EAFD19927B}"/>
+                <a16:creationId xmlns:a16="http://schemas.microsoft.com/office/drawing/2014/main" xmlns="" id="{9A4A12A5-18A4-CA4A-8E68-97EAFD19927B}"/>
               </a:ext>
             </a:extLst>
           </p:cNvPr>
@@ -5888,7 +6099,7 @@
           <p:cNvPr id="21" name="內容版面配置區 2">
             <a:extLst>
               <a:ext uri="{FF2B5EF4-FFF2-40B4-BE49-F238E27FC236}">
-                <a16:creationId xmlns="" xmlns:a16="http://schemas.microsoft.com/office/drawing/2014/main" id="{E09B3CAD-22B9-BC48-9D7D-2345FF14DD38}"/>
+                <a16:creationId xmlns:a16="http://schemas.microsoft.com/office/drawing/2014/main" xmlns="" id="{E09B3CAD-22B9-BC48-9D7D-2345FF14DD38}"/>
               </a:ext>
             </a:extLst>
           </p:cNvPr>
@@ -6769,7 +6980,7 @@
           <p:cNvPr id="5" name="Group 4">
             <a:extLst>
               <a:ext uri="{FF2B5EF4-FFF2-40B4-BE49-F238E27FC236}">
-                <a16:creationId xmlns="" xmlns:a16="http://schemas.microsoft.com/office/drawing/2014/main" id="{4DADA6C2-E637-F642-95E5-0309E3EB9F41}"/>
+                <a16:creationId xmlns:a16="http://schemas.microsoft.com/office/drawing/2014/main" xmlns="" id="{4DADA6C2-E637-F642-95E5-0309E3EB9F41}"/>
               </a:ext>
             </a:extLst>
           </p:cNvPr>
@@ -6789,7 +7000,7 @@
             <p:cNvPr id="17" name="箭號: 五邊形 12">
               <a:extLst>
                 <a:ext uri="{FF2B5EF4-FFF2-40B4-BE49-F238E27FC236}">
-                  <a16:creationId xmlns="" xmlns:a16="http://schemas.microsoft.com/office/drawing/2014/main" id="{C3424005-2947-5749-B94D-7EE01D59B97D}"/>
+                  <a16:creationId xmlns:a16="http://schemas.microsoft.com/office/drawing/2014/main" xmlns="" id="{C3424005-2947-5749-B94D-7EE01D59B97D}"/>
                 </a:ext>
               </a:extLst>
             </p:cNvPr>
@@ -6841,7 +7052,7 @@
             <p:cNvPr id="16" name="箭號: 五邊形 12">
               <a:extLst>
                 <a:ext uri="{FF2B5EF4-FFF2-40B4-BE49-F238E27FC236}">
-                  <a16:creationId xmlns="" xmlns:a16="http://schemas.microsoft.com/office/drawing/2014/main" id="{78B68587-E393-9C46-A4CA-137BCC2B13AD}"/>
+                  <a16:creationId xmlns:a16="http://schemas.microsoft.com/office/drawing/2014/main" xmlns="" id="{78B68587-E393-9C46-A4CA-137BCC2B13AD}"/>
                 </a:ext>
               </a:extLst>
             </p:cNvPr>
@@ -7309,7 +7520,7 @@
           <p:cNvPr id="18" name="內容版面配置區 2">
             <a:extLst>
               <a:ext uri="{FF2B5EF4-FFF2-40B4-BE49-F238E27FC236}">
-                <a16:creationId xmlns="" xmlns:a16="http://schemas.microsoft.com/office/drawing/2014/main" id="{BB9680E6-3D9F-FF42-BA19-F206A773FE60}"/>
+                <a16:creationId xmlns:a16="http://schemas.microsoft.com/office/drawing/2014/main" xmlns="" id="{BB9680E6-3D9F-FF42-BA19-F206A773FE60}"/>
               </a:ext>
             </a:extLst>
           </p:cNvPr>
@@ -7482,7 +7693,7 @@
           <p:cNvPr id="15" name="Group 14">
             <a:extLst>
               <a:ext uri="{FF2B5EF4-FFF2-40B4-BE49-F238E27FC236}">
-                <a16:creationId xmlns="" xmlns:a16="http://schemas.microsoft.com/office/drawing/2014/main" id="{7108562A-19D8-3347-A5CB-8FD2094D2AC6}"/>
+                <a16:creationId xmlns:a16="http://schemas.microsoft.com/office/drawing/2014/main" xmlns="" id="{7108562A-19D8-3347-A5CB-8FD2094D2AC6}"/>
               </a:ext>
             </a:extLst>
           </p:cNvPr>
@@ -7502,7 +7713,7 @@
             <p:cNvPr id="16" name="箭號: 五邊形 12">
               <a:extLst>
                 <a:ext uri="{FF2B5EF4-FFF2-40B4-BE49-F238E27FC236}">
-                  <a16:creationId xmlns="" xmlns:a16="http://schemas.microsoft.com/office/drawing/2014/main" id="{0350FA7D-8512-F24E-9F36-7F4296D197F2}"/>
+                  <a16:creationId xmlns:a16="http://schemas.microsoft.com/office/drawing/2014/main" xmlns="" id="{0350FA7D-8512-F24E-9F36-7F4296D197F2}"/>
                 </a:ext>
               </a:extLst>
             </p:cNvPr>
@@ -7554,7 +7765,7 @@
             <p:cNvPr id="17" name="箭號: 五邊形 12">
               <a:extLst>
                 <a:ext uri="{FF2B5EF4-FFF2-40B4-BE49-F238E27FC236}">
-                  <a16:creationId xmlns="" xmlns:a16="http://schemas.microsoft.com/office/drawing/2014/main" id="{125DE2BA-1E8B-2447-AEBE-4BDB2873316E}"/>
+                  <a16:creationId xmlns:a16="http://schemas.microsoft.com/office/drawing/2014/main" xmlns="" id="{125DE2BA-1E8B-2447-AEBE-4BDB2873316E}"/>
                 </a:ext>
               </a:extLst>
             </p:cNvPr>
@@ -7613,7 +7824,7 @@
             <p:cNvPr id="18" name="箭號: 五邊形 12">
               <a:extLst>
                 <a:ext uri="{FF2B5EF4-FFF2-40B4-BE49-F238E27FC236}">
-                  <a16:creationId xmlns="" xmlns:a16="http://schemas.microsoft.com/office/drawing/2014/main" id="{467877CF-B77C-BE4F-8D6F-89063BBFC3DE}"/>
+                  <a16:creationId xmlns:a16="http://schemas.microsoft.com/office/drawing/2014/main" xmlns="" id="{467877CF-B77C-BE4F-8D6F-89063BBFC3DE}"/>
                 </a:ext>
               </a:extLst>
             </p:cNvPr>
@@ -7976,7 +8187,7 @@
           <p:cNvPr id="22" name="標題 1">
             <a:extLst>
               <a:ext uri="{FF2B5EF4-FFF2-40B4-BE49-F238E27FC236}">
-                <a16:creationId xmlns="" xmlns:a16="http://schemas.microsoft.com/office/drawing/2014/main" id="{6E193196-9107-784C-A964-C67153D060CB}"/>
+                <a16:creationId xmlns:a16="http://schemas.microsoft.com/office/drawing/2014/main" xmlns="" id="{6E193196-9107-784C-A964-C67153D060CB}"/>
               </a:ext>
             </a:extLst>
           </p:cNvPr>
@@ -8019,7 +8230,7 @@
           <p:cNvPr id="24" name="文字版面配置區 3">
             <a:extLst>
               <a:ext uri="{FF2B5EF4-FFF2-40B4-BE49-F238E27FC236}">
-                <a16:creationId xmlns="" xmlns:a16="http://schemas.microsoft.com/office/drawing/2014/main" id="{5922BEEB-F3AC-E443-B34D-CE264A982284}"/>
+                <a16:creationId xmlns:a16="http://schemas.microsoft.com/office/drawing/2014/main" xmlns="" id="{5922BEEB-F3AC-E443-B34D-CE264A982284}"/>
               </a:ext>
             </a:extLst>
           </p:cNvPr>
@@ -8678,6 +8889,228 @@
 </p:sld>
 </file>
 
+<file path=ppt/slides/slide10.xml><?xml version="1.0" encoding="utf-8"?>
+<p:sld xmlns:a="http://schemas.openxmlformats.org/drawingml/2006/main" xmlns:r="http://schemas.openxmlformats.org/officeDocument/2006/relationships" xmlns:p="http://schemas.openxmlformats.org/presentationml/2006/main">
+  <p:cSld>
+    <p:spTree>
+      <p:nvGrpSpPr>
+        <p:cNvPr id="1" name=""/>
+        <p:cNvGrpSpPr/>
+        <p:nvPr/>
+      </p:nvGrpSpPr>
+      <p:grpSpPr>
+        <a:xfrm>
+          <a:off x="0" y="0"/>
+          <a:ext cx="0" cy="0"/>
+          <a:chOff x="0" y="0"/>
+          <a:chExt cx="0" cy="0"/>
+        </a:xfrm>
+      </p:grpSpPr>
+      <p:sp>
+        <p:nvSpPr>
+          <p:cNvPr id="2" name="標題 1"/>
+          <p:cNvSpPr>
+            <a:spLocks noGrp="1"/>
+          </p:cNvSpPr>
+          <p:nvPr>
+            <p:ph type="title"/>
+          </p:nvPr>
+        </p:nvSpPr>
+        <p:spPr/>
+        <p:txBody>
+          <a:bodyPr/>
+          <a:lstStyle/>
+          <a:p>
+            <a:r>
+              <a:rPr kumimoji="1" lang="en-US" altLang="zh-TW" dirty="0" smtClean="0">
+                <a:latin typeface="Times New Roman" charset="0"/>
+                <a:ea typeface="Times New Roman" charset="0"/>
+                <a:cs typeface="Times New Roman" charset="0"/>
+              </a:rPr>
+              <a:t>Reference</a:t>
+            </a:r>
+            <a:endParaRPr kumimoji="1" lang="zh-TW" altLang="en-US" dirty="0">
+              <a:latin typeface="Times New Roman" charset="0"/>
+              <a:ea typeface="Times New Roman" charset="0"/>
+              <a:cs typeface="Times New Roman" charset="0"/>
+            </a:endParaRPr>
+          </a:p>
+        </p:txBody>
+      </p:sp>
+      <p:sp>
+        <p:nvSpPr>
+          <p:cNvPr id="3" name="內容版面配置區 2"/>
+          <p:cNvSpPr>
+            <a:spLocks noGrp="1"/>
+          </p:cNvSpPr>
+          <p:nvPr>
+            <p:ph idx="1"/>
+          </p:nvPr>
+        </p:nvSpPr>
+        <p:spPr/>
+        <p:txBody>
+          <a:bodyPr/>
+          <a:lstStyle/>
+          <a:p>
+            <a:pPr>
+              <a:lnSpc>
+                <a:spcPct val="200000"/>
+              </a:lnSpc>
+            </a:pPr>
+            <a:r>
+              <a:rPr kumimoji="1" lang="en-US" altLang="zh-TW" dirty="0">
+                <a:latin typeface="Times New Roman" charset="0"/>
+                <a:ea typeface="Times New Roman" charset="0"/>
+                <a:cs typeface="Times New Roman" charset="0"/>
+                <a:hlinkClick r:id="rId2"/>
+              </a:rPr>
+              <a:t>https://www.flaticon.com</a:t>
+            </a:r>
+            <a:r>
+              <a:rPr kumimoji="1" lang="en-US" altLang="zh-TW" dirty="0" smtClean="0">
+                <a:latin typeface="Times New Roman" charset="0"/>
+                <a:ea typeface="Times New Roman" charset="0"/>
+                <a:cs typeface="Times New Roman" charset="0"/>
+                <a:hlinkClick r:id="rId2"/>
+              </a:rPr>
+              <a:t>/</a:t>
+            </a:r>
+            <a:endParaRPr kumimoji="1" lang="en-US" altLang="zh-TW" dirty="0" smtClean="0">
+              <a:latin typeface="Times New Roman" charset="0"/>
+              <a:ea typeface="Times New Roman" charset="0"/>
+              <a:cs typeface="Times New Roman" charset="0"/>
+            </a:endParaRPr>
+          </a:p>
+          <a:p>
+            <a:pPr>
+              <a:lnSpc>
+                <a:spcPct val="200000"/>
+              </a:lnSpc>
+            </a:pPr>
+            <a:r>
+              <a:rPr kumimoji="1" lang="en-US" altLang="zh-TW" dirty="0">
+                <a:latin typeface="Times New Roman" charset="0"/>
+                <a:ea typeface="Times New Roman" charset="0"/>
+                <a:cs typeface="Times New Roman" charset="0"/>
+                <a:hlinkClick r:id="rId3"/>
+              </a:rPr>
+              <a:t>https://</a:t>
+            </a:r>
+            <a:r>
+              <a:rPr kumimoji="1" lang="en-US" altLang="zh-TW" dirty="0" smtClean="0">
+                <a:latin typeface="Times New Roman" charset="0"/>
+                <a:ea typeface="Times New Roman" charset="0"/>
+                <a:cs typeface="Times New Roman" charset="0"/>
+                <a:hlinkClick r:id="rId3"/>
+              </a:rPr>
+              <a:t>www.sitebuilderreport.com/stock-up</a:t>
+            </a:r>
+            <a:endParaRPr kumimoji="1" lang="en-US" altLang="zh-TW" dirty="0" smtClean="0">
+              <a:latin typeface="Times New Roman" charset="0"/>
+              <a:ea typeface="Times New Roman" charset="0"/>
+              <a:cs typeface="Times New Roman" charset="0"/>
+            </a:endParaRPr>
+          </a:p>
+          <a:p>
+            <a:pPr>
+              <a:lnSpc>
+                <a:spcPct val="200000"/>
+              </a:lnSpc>
+            </a:pPr>
+            <a:r>
+              <a:rPr kumimoji="1" lang="en-US" altLang="zh-TW" dirty="0">
+                <a:latin typeface="Times New Roman" charset="0"/>
+                <a:ea typeface="Times New Roman" charset="0"/>
+                <a:cs typeface="Times New Roman" charset="0"/>
+                <a:hlinkClick r:id="rId4"/>
+              </a:rPr>
+              <a:t>https://</a:t>
+            </a:r>
+            <a:r>
+              <a:rPr kumimoji="1" lang="en-US" altLang="zh-TW" dirty="0" smtClean="0">
+                <a:latin typeface="Times New Roman" charset="0"/>
+                <a:ea typeface="Times New Roman" charset="0"/>
+                <a:cs typeface="Times New Roman" charset="0"/>
+                <a:hlinkClick r:id="rId4"/>
+              </a:rPr>
+              <a:t>cs.nju.edu.cn/lxie/publication/INFOCOM2018Wang.pdf</a:t>
+            </a:r>
+            <a:endParaRPr kumimoji="1" lang="en-US" altLang="zh-TW" dirty="0" smtClean="0">
+              <a:latin typeface="Times New Roman" charset="0"/>
+              <a:ea typeface="Times New Roman" charset="0"/>
+              <a:cs typeface="Times New Roman" charset="0"/>
+            </a:endParaRPr>
+          </a:p>
+          <a:p>
+            <a:pPr>
+              <a:lnSpc>
+                <a:spcPct val="200000"/>
+              </a:lnSpc>
+            </a:pPr>
+            <a:endParaRPr kumimoji="1" lang="zh-TW" altLang="en-US" dirty="0">
+              <a:latin typeface="Times New Roman" charset="0"/>
+              <a:ea typeface="Times New Roman" charset="0"/>
+              <a:cs typeface="Times New Roman" charset="0"/>
+            </a:endParaRPr>
+          </a:p>
+        </p:txBody>
+      </p:sp>
+      <p:sp>
+        <p:nvSpPr>
+          <p:cNvPr id="4" name="投影片編號版面配置區 3"/>
+          <p:cNvSpPr>
+            <a:spLocks noGrp="1"/>
+          </p:cNvSpPr>
+          <p:nvPr>
+            <p:ph type="sldNum" sz="quarter" idx="12"/>
+          </p:nvPr>
+        </p:nvSpPr>
+        <p:spPr/>
+        <p:txBody>
+          <a:bodyPr/>
+          <a:lstStyle/>
+          <a:p>
+            <a:fld id="{3EBBE1F4-AE36-AD42-8177-96288CD18AD2}" type="slidenum">
+              <a:rPr lang="en-US" smtClean="0"/>
+              <a:pPr/>
+              <a:t>10</a:t>
+            </a:fld>
+            <a:endParaRPr lang="en-US"/>
+          </a:p>
+        </p:txBody>
+      </p:sp>
+    </p:spTree>
+    <p:extLst>
+      <p:ext uri="{BB962C8B-B14F-4D97-AF65-F5344CB8AC3E}">
+        <p14:creationId xmlns:p14="http://schemas.microsoft.com/office/powerpoint/2010/main" val="1339123551"/>
+      </p:ext>
+    </p:extLst>
+  </p:cSld>
+  <p:clrMapOvr>
+    <a:masterClrMapping/>
+  </p:clrMapOvr>
+  <mc:AlternateContent xmlns:mc="http://schemas.openxmlformats.org/markup-compatibility/2006" xmlns:p14="http://schemas.microsoft.com/office/powerpoint/2010/main">
+    <mc:Choice Requires="p14">
+      <p:transition spd="med" p14:dur="700">
+        <p:fade/>
+      </p:transition>
+    </mc:Choice>
+    <mc:Fallback xmlns="">
+      <p:transition spd="med">
+        <p:fade/>
+      </p:transition>
+    </mc:Fallback>
+  </mc:AlternateContent>
+  <p:timing>
+    <p:tnLst>
+      <p:par>
+        <p:cTn id="1" dur="indefinite" restart="never" nodeType="tmRoot"/>
+      </p:par>
+    </p:tnLst>
+  </p:timing>
+</p:sld>
+</file>
+
 <file path=ppt/slides/slide2.xml><?xml version="1.0" encoding="utf-8"?>
 <p:sld xmlns:a="http://schemas.openxmlformats.org/drawingml/2006/main" xmlns:r="http://schemas.openxmlformats.org/officeDocument/2006/relationships" xmlns:p="http://schemas.openxmlformats.org/presentationml/2006/main">
   <p:cSld>
@@ -9259,13 +9692,13 @@
   <p:clrMapOvr>
     <a:masterClrMapping/>
   </p:clrMapOvr>
-  <mc:AlternateContent xmlns:mc="http://schemas.openxmlformats.org/markup-compatibility/2006">
-    <mc:Choice xmlns:p14="http://schemas.microsoft.com/office/powerpoint/2010/main" Requires="p14">
+  <mc:AlternateContent xmlns:mc="http://schemas.openxmlformats.org/markup-compatibility/2006" xmlns:p14="http://schemas.microsoft.com/office/powerpoint/2010/main">
+    <mc:Choice Requires="p14">
       <p:transition spd="med" p14:dur="700">
         <p:fade/>
       </p:transition>
     </mc:Choice>
-    <mc:Fallback>
+    <mc:Fallback xmlns="">
       <p:transition spd="med">
         <p:fade/>
       </p:transition>
@@ -10046,13 +10479,13 @@
   <p:clrMapOvr>
     <a:masterClrMapping/>
   </p:clrMapOvr>
-  <mc:AlternateContent xmlns:mc="http://schemas.openxmlformats.org/markup-compatibility/2006">
-    <mc:Choice xmlns:p14="http://schemas.microsoft.com/office/powerpoint/2010/main" Requires="p14">
+  <mc:AlternateContent xmlns:mc="http://schemas.openxmlformats.org/markup-compatibility/2006" xmlns:p14="http://schemas.microsoft.com/office/powerpoint/2010/main">
+    <mc:Choice Requires="p14">
       <p:transition spd="med" p14:dur="700">
         <p:fade/>
       </p:transition>
     </mc:Choice>
-    <mc:Fallback>
+    <mc:Fallback xmlns="">
       <p:transition spd="med">
         <p:fade/>
       </p:transition>
@@ -10085,6 +10518,36 @@
           <a:chExt cx="0" cy="0"/>
         </a:xfrm>
       </p:grpSpPr>
+      <p:pic>
+        <p:nvPicPr>
+          <p:cNvPr id="8" name="圖片 7"/>
+          <p:cNvPicPr>
+            <a:picLocks noChangeAspect="1"/>
+          </p:cNvPicPr>
+          <p:nvPr/>
+        </p:nvPicPr>
+        <p:blipFill>
+          <a:blip r:embed="rId3">
+            <a:extLst>
+              <a:ext uri="{28A0092B-C50C-407E-A947-70E740481C1C}">
+                <a14:useLocalDpi xmlns:a14="http://schemas.microsoft.com/office/drawing/2010/main" val="0"/>
+              </a:ext>
+            </a:extLst>
+          </a:blip>
+          <a:stretch>
+            <a:fillRect/>
+          </a:stretch>
+        </p:blipFill>
+        <p:spPr>
+          <a:xfrm>
+            <a:off x="4834448" y="3548417"/>
+            <a:ext cx="6086277" cy="3020351"/>
+          </a:xfrm>
+          <a:prstGeom prst="rect">
+            <a:avLst/>
+          </a:prstGeom>
+        </p:spPr>
+      </p:pic>
       <p:sp>
         <p:nvSpPr>
           <p:cNvPr id="2" name="標題 1"/>
@@ -10101,56 +10564,15 @@
           <a:lstStyle/>
           <a:p>
             <a:r>
-              <a:rPr lang="en-US" altLang="zh-TW" dirty="0" smtClean="0">
-                <a:latin typeface="Times New Roman" panose="02020603050405020304" pitchFamily="18" charset="0"/>
-                <a:cs typeface="Times New Roman" panose="02020603050405020304" pitchFamily="18" charset="0"/>
-              </a:rPr>
-              <a:t>Outline</a:t>
-            </a:r>
-            <a:endParaRPr lang="zh-TW" altLang="en-US" dirty="0">
-              <a:latin typeface="Times New Roman" panose="02020603050405020304" pitchFamily="18" charset="0"/>
-              <a:cs typeface="Times New Roman" panose="02020603050405020304" pitchFamily="18" charset="0"/>
-            </a:endParaRPr>
-          </a:p>
-        </p:txBody>
-      </p:sp>
-      <p:sp>
-        <p:nvSpPr>
-          <p:cNvPr id="3" name="內容版面配置區 2"/>
-          <p:cNvSpPr>
-            <a:spLocks noGrp="1"/>
-          </p:cNvSpPr>
-          <p:nvPr>
-            <p:ph idx="1"/>
-          </p:nvPr>
-        </p:nvSpPr>
-        <p:spPr/>
-        <p:txBody>
-          <a:bodyPr/>
-          <a:lstStyle/>
-          <a:p>
-            <a:pPr>
-              <a:lnSpc>
-                <a:spcPct val="150000"/>
-              </a:lnSpc>
-            </a:pPr>
-            <a:r>
-              <a:rPr lang="en-US" altLang="zh-TW" sz="3200" b="1" dirty="0" smtClean="0">
+              <a:rPr kumimoji="1" lang="en-US" altLang="zh-TW" dirty="0" smtClean="0">
                 <a:latin typeface="Times New Roman" charset="0"/>
                 <a:ea typeface="Times New Roman" charset="0"/>
                 <a:cs typeface="Times New Roman" charset="0"/>
               </a:rPr>
-              <a:t>Channel</a:t>
-            </a:r>
-          </a:p>
-          <a:p>
-            <a:pPr>
-              <a:lnSpc>
-                <a:spcPct val="150000"/>
-              </a:lnSpc>
-            </a:pPr>
-            <a:r>
-              <a:rPr lang="en-US" altLang="zh-TW" sz="3200" b="1" dirty="0" err="1" smtClean="0">
+              <a:t>Why </a:t>
+            </a:r>
+            <a:r>
+              <a:rPr kumimoji="1" lang="en-US" altLang="zh-TW" dirty="0" err="1" smtClean="0">
                 <a:latin typeface="Times New Roman" charset="0"/>
                 <a:ea typeface="Times New Roman" charset="0"/>
                 <a:cs typeface="Times New Roman" charset="0"/>
@@ -10158,31 +10580,18 @@
               <a:t>Friis</a:t>
             </a:r>
             <a:r>
-              <a:rPr lang="en-US" altLang="zh-TW" sz="3200" b="1" dirty="0" smtClean="0">
+              <a:rPr kumimoji="1" lang="en-US" altLang="zh-TW" dirty="0" smtClean="0">
                 <a:latin typeface="Times New Roman" charset="0"/>
                 <a:ea typeface="Times New Roman" charset="0"/>
                 <a:cs typeface="Times New Roman" charset="0"/>
               </a:rPr>
-              <a:t> Transmission Equation</a:t>
-            </a:r>
-          </a:p>
-          <a:p>
-            <a:pPr>
-              <a:lnSpc>
-                <a:spcPct val="150000"/>
-              </a:lnSpc>
-            </a:pPr>
-            <a:r>
-              <a:rPr lang="en-US" altLang="zh-TW" sz="3200" b="1" dirty="0" smtClean="0">
-                <a:latin typeface="Times New Roman" charset="0"/>
-                <a:ea typeface="Times New Roman" charset="0"/>
-                <a:cs typeface="Times New Roman" charset="0"/>
-              </a:rPr>
-              <a:t>RFID</a:t>
-            </a:r>
-          </a:p>
-          <a:p>
-            <a:endParaRPr lang="zh-TW" altLang="en-US" dirty="0"/>
+              <a:t>’ Formula</a:t>
+            </a:r>
+            <a:endParaRPr kumimoji="1" lang="zh-TW" altLang="en-US" dirty="0">
+              <a:latin typeface="Times New Roman" charset="0"/>
+              <a:ea typeface="Times New Roman" charset="0"/>
+              <a:cs typeface="Times New Roman" charset="0"/>
+            </a:endParaRPr>
           </a:p>
         </p:txBody>
       </p:sp>
@@ -10210,10 +10619,108 @@
           </a:p>
         </p:txBody>
       </p:sp>
+      <p:sp>
+        <p:nvSpPr>
+          <p:cNvPr id="7" name="內容版面配置區 6"/>
+          <p:cNvSpPr>
+            <a:spLocks noGrp="1"/>
+          </p:cNvSpPr>
+          <p:nvPr>
+            <p:ph idx="1"/>
+          </p:nvPr>
+        </p:nvSpPr>
+        <p:spPr/>
+        <p:txBody>
+          <a:bodyPr/>
+          <a:lstStyle/>
+          <a:p>
+            <a:r>
+              <a:rPr kumimoji="1" lang="en-US" altLang="zh-TW" sz="3200" dirty="0" smtClean="0">
+                <a:latin typeface="Times New Roman" charset="0"/>
+                <a:ea typeface="Times New Roman" charset="0"/>
+                <a:cs typeface="Times New Roman" charset="0"/>
+              </a:rPr>
+              <a:t>Dispense with the usage of </a:t>
+            </a:r>
+            <a:r>
+              <a:rPr kumimoji="1" lang="en-US" altLang="zh-TW" sz="3200" dirty="0" smtClean="0">
+                <a:solidFill>
+                  <a:schemeClr val="accent1"/>
+                </a:solidFill>
+                <a:latin typeface="Times New Roman" charset="0"/>
+                <a:ea typeface="Times New Roman" charset="0"/>
+                <a:cs typeface="Times New Roman" charset="0"/>
+              </a:rPr>
+              <a:t>directivity</a:t>
+            </a:r>
+            <a:r>
+              <a:rPr kumimoji="1" lang="en-US" altLang="zh-TW" sz="3200" dirty="0" smtClean="0">
+                <a:latin typeface="Times New Roman" charset="0"/>
+                <a:ea typeface="Times New Roman" charset="0"/>
+                <a:cs typeface="Times New Roman" charset="0"/>
+              </a:rPr>
+              <a:t> or </a:t>
+            </a:r>
+            <a:r>
+              <a:rPr kumimoji="1" lang="en-US" altLang="zh-TW" sz="3200" dirty="0" smtClean="0">
+                <a:solidFill>
+                  <a:schemeClr val="accent1"/>
+                </a:solidFill>
+                <a:latin typeface="Times New Roman" charset="0"/>
+                <a:ea typeface="Times New Roman" charset="0"/>
+                <a:cs typeface="Times New Roman" charset="0"/>
+              </a:rPr>
+              <a:t>gain</a:t>
+            </a:r>
+            <a:r>
+              <a:rPr kumimoji="1" lang="en-US" altLang="zh-TW" sz="3200" dirty="0" smtClean="0">
+                <a:latin typeface="Times New Roman" charset="0"/>
+                <a:ea typeface="Times New Roman" charset="0"/>
+                <a:cs typeface="Times New Roman" charset="0"/>
+              </a:rPr>
+              <a:t> when describing antenna performance</a:t>
+            </a:r>
+          </a:p>
+          <a:p>
+            <a:pPr>
+              <a:lnSpc>
+                <a:spcPct val="150000"/>
+              </a:lnSpc>
+            </a:pPr>
+            <a:r>
+              <a:rPr kumimoji="1" lang="en-US" altLang="zh-TW" sz="3200" dirty="0" smtClean="0">
+                <a:latin typeface="Times New Roman" charset="0"/>
+                <a:ea typeface="Times New Roman" charset="0"/>
+                <a:cs typeface="Times New Roman" charset="0"/>
+              </a:rPr>
+              <a:t>Descriptor of antenna </a:t>
+            </a:r>
+            <a:r>
+              <a:rPr kumimoji="1" lang="en-US" altLang="zh-TW" sz="3200" dirty="0" smtClean="0">
+                <a:solidFill>
+                  <a:schemeClr val="accent1"/>
+                </a:solidFill>
+                <a:latin typeface="Times New Roman" charset="0"/>
+                <a:ea typeface="Times New Roman" charset="0"/>
+                <a:cs typeface="Times New Roman" charset="0"/>
+              </a:rPr>
+              <a:t>capture area</a:t>
+            </a:r>
+            <a:endParaRPr kumimoji="1" lang="zh-TW" altLang="en-US" sz="3200" dirty="0">
+              <a:solidFill>
+                <a:schemeClr val="accent1"/>
+              </a:solidFill>
+              <a:latin typeface="Times New Roman" charset="0"/>
+              <a:ea typeface="Times New Roman" charset="0"/>
+              <a:cs typeface="Times New Roman" charset="0"/>
+            </a:endParaRPr>
+          </a:p>
+        </p:txBody>
+      </p:sp>
     </p:spTree>
     <p:extLst>
       <p:ext uri="{BB962C8B-B14F-4D97-AF65-F5344CB8AC3E}">
-        <p14:creationId xmlns:p14="http://schemas.microsoft.com/office/powerpoint/2010/main" val="95630996"/>
+        <p14:creationId xmlns:p14="http://schemas.microsoft.com/office/powerpoint/2010/main" val="555166482"/>
       </p:ext>
     </p:extLst>
   </p:cSld>
@@ -10259,6 +10766,962 @@
           <a:chExt cx="0" cy="0"/>
         </a:xfrm>
       </p:grpSpPr>
+      <p:pic>
+        <p:nvPicPr>
+          <p:cNvPr id="7" name="圖片 6"/>
+          <p:cNvPicPr>
+            <a:picLocks noChangeAspect="1"/>
+          </p:cNvPicPr>
+          <p:nvPr/>
+        </p:nvPicPr>
+        <p:blipFill>
+          <a:blip r:embed="rId2">
+            <a:extLst>
+              <a:ext uri="{28A0092B-C50C-407E-A947-70E740481C1C}">
+                <a14:useLocalDpi xmlns:a14="http://schemas.microsoft.com/office/drawing/2010/main" val="0"/>
+              </a:ext>
+            </a:extLst>
+          </a:blip>
+          <a:stretch>
+            <a:fillRect/>
+          </a:stretch>
+        </p:blipFill>
+        <p:spPr>
+          <a:xfrm>
+            <a:off x="5246973" y="3739487"/>
+            <a:ext cx="5673752" cy="2815633"/>
+          </a:xfrm>
+          <a:prstGeom prst="rect">
+            <a:avLst/>
+          </a:prstGeom>
+        </p:spPr>
+      </p:pic>
+      <p:sp>
+        <p:nvSpPr>
+          <p:cNvPr id="2" name="標題 1"/>
+          <p:cNvSpPr>
+            <a:spLocks noGrp="1"/>
+          </p:cNvSpPr>
+          <p:nvPr>
+            <p:ph type="title"/>
+          </p:nvPr>
+        </p:nvSpPr>
+        <p:spPr/>
+        <p:txBody>
+          <a:bodyPr/>
+          <a:lstStyle/>
+          <a:p>
+            <a:r>
+              <a:rPr kumimoji="1" lang="en-US" altLang="zh-TW" dirty="0" err="1" smtClean="0">
+                <a:latin typeface="Times New Roman" charset="0"/>
+                <a:ea typeface="Times New Roman" charset="0"/>
+                <a:cs typeface="Times New Roman" charset="0"/>
+              </a:rPr>
+              <a:t>Friis</a:t>
+            </a:r>
+            <a:r>
+              <a:rPr kumimoji="1" lang="en-US" altLang="zh-TW" dirty="0" smtClean="0">
+                <a:latin typeface="Times New Roman" charset="0"/>
+                <a:ea typeface="Times New Roman" charset="0"/>
+                <a:cs typeface="Times New Roman" charset="0"/>
+              </a:rPr>
+              <a:t>’ Original Formula</a:t>
+            </a:r>
+            <a:endParaRPr kumimoji="1" lang="zh-TW" altLang="en-US" dirty="0">
+              <a:latin typeface="Times New Roman" charset="0"/>
+              <a:ea typeface="Times New Roman" charset="0"/>
+              <a:cs typeface="Times New Roman" charset="0"/>
+            </a:endParaRPr>
+          </a:p>
+        </p:txBody>
+      </p:sp>
+      <mc:AlternateContent xmlns:mc="http://schemas.openxmlformats.org/markup-compatibility/2006">
+        <mc:Choice xmlns:a14="http://schemas.microsoft.com/office/drawing/2010/main" Requires="a14">
+          <p:sp>
+            <p:nvSpPr>
+              <p:cNvPr id="3" name="內容版面配置區 2"/>
+              <p:cNvSpPr>
+                <a:spLocks noGrp="1"/>
+              </p:cNvSpPr>
+              <p:nvPr>
+                <p:ph idx="1"/>
+              </p:nvPr>
+            </p:nvSpPr>
+            <p:spPr>
+              <a:xfrm>
+                <a:off x="335360" y="1700808"/>
+                <a:ext cx="3840855" cy="1178870"/>
+              </a:xfrm>
+            </p:spPr>
+            <p:txBody>
+              <a:bodyPr/>
+              <a:lstStyle/>
+              <a:p>
+                <a14:m>
+                  <m:oMath xmlns:m="http://schemas.openxmlformats.org/officeDocument/2006/math">
+                    <m:f>
+                      <m:fPr>
+                        <m:ctrlPr>
+                          <a:rPr kumimoji="1" lang="mr-IN" altLang="zh-TW" sz="4000" i="1" smtClean="0">
+                            <a:latin typeface="Cambria Math" charset="0"/>
+                          </a:rPr>
+                        </m:ctrlPr>
+                      </m:fPr>
+                      <m:num>
+                        <m:sSub>
+                          <m:sSubPr>
+                            <m:ctrlPr>
+                              <a:rPr kumimoji="1" lang="en-US" altLang="zh-TW" sz="4000" i="1">
+                                <a:latin typeface="Cambria Math" charset="0"/>
+                              </a:rPr>
+                            </m:ctrlPr>
+                          </m:sSubPr>
+                          <m:e>
+                            <m:r>
+                              <a:rPr kumimoji="1" lang="en-US" altLang="zh-TW" sz="4000" i="1">
+                                <a:latin typeface="Cambria Math" charset="0"/>
+                              </a:rPr>
+                              <m:t>𝑃</m:t>
+                            </m:r>
+                          </m:e>
+                          <m:sub>
+                            <m:r>
+                              <a:rPr kumimoji="1" lang="en-US" altLang="zh-TW" sz="4000" b="0" i="1" smtClean="0">
+                                <a:latin typeface="Cambria Math" charset="0"/>
+                              </a:rPr>
+                              <m:t>𝑟</m:t>
+                            </m:r>
+                          </m:sub>
+                        </m:sSub>
+                      </m:num>
+                      <m:den>
+                        <m:sSub>
+                          <m:sSubPr>
+                            <m:ctrlPr>
+                              <a:rPr kumimoji="1" lang="en-US" altLang="zh-TW" sz="4000" i="1" smtClean="0">
+                                <a:latin typeface="Cambria Math" charset="0"/>
+                              </a:rPr>
+                            </m:ctrlPr>
+                          </m:sSubPr>
+                          <m:e>
+                            <m:r>
+                              <a:rPr kumimoji="1" lang="en-US" altLang="zh-TW" sz="4000" b="0" i="1" smtClean="0">
+                                <a:latin typeface="Cambria Math" charset="0"/>
+                              </a:rPr>
+                              <m:t>𝑃</m:t>
+                            </m:r>
+                          </m:e>
+                          <m:sub>
+                            <m:r>
+                              <a:rPr kumimoji="1" lang="en-US" altLang="zh-TW" sz="4000" b="0" i="1" smtClean="0">
+                                <a:latin typeface="Cambria Math" charset="0"/>
+                              </a:rPr>
+                              <m:t>𝑡</m:t>
+                            </m:r>
+                          </m:sub>
+                        </m:sSub>
+                      </m:den>
+                    </m:f>
+                    <m:r>
+                      <a:rPr kumimoji="1" lang="en-US" altLang="zh-TW" sz="4000" b="0" i="1" smtClean="0">
+                        <a:latin typeface="Cambria Math" charset="0"/>
+                      </a:rPr>
+                      <m:t>=(</m:t>
+                    </m:r>
+                    <m:f>
+                      <m:fPr>
+                        <m:ctrlPr>
+                          <a:rPr kumimoji="1" lang="mr-IN" altLang="zh-TW" sz="4000" i="1">
+                            <a:latin typeface="Cambria Math" charset="0"/>
+                          </a:rPr>
+                        </m:ctrlPr>
+                      </m:fPr>
+                      <m:num>
+                        <m:sSub>
+                          <m:sSubPr>
+                            <m:ctrlPr>
+                              <a:rPr kumimoji="1" lang="en-US" altLang="zh-TW" sz="4000" i="1" smtClean="0">
+                                <a:solidFill>
+                                  <a:schemeClr val="accent1"/>
+                                </a:solidFill>
+                                <a:latin typeface="Cambria Math" charset="0"/>
+                              </a:rPr>
+                            </m:ctrlPr>
+                          </m:sSubPr>
+                          <m:e>
+                            <m:r>
+                              <a:rPr kumimoji="1" lang="en-US" altLang="zh-TW" sz="4000" b="0" i="1" smtClean="0">
+                                <a:solidFill>
+                                  <a:schemeClr val="accent1"/>
+                                </a:solidFill>
+                                <a:latin typeface="Cambria Math" charset="0"/>
+                              </a:rPr>
+                              <m:t>𝐴</m:t>
+                            </m:r>
+                          </m:e>
+                          <m:sub>
+                            <m:r>
+                              <a:rPr kumimoji="1" lang="en-US" altLang="zh-TW" sz="4000" i="1">
+                                <a:solidFill>
+                                  <a:schemeClr val="accent1"/>
+                                </a:solidFill>
+                                <a:latin typeface="Cambria Math" charset="0"/>
+                              </a:rPr>
+                              <m:t>𝑟</m:t>
+                            </m:r>
+                          </m:sub>
+                        </m:sSub>
+                        <m:sSub>
+                          <m:sSubPr>
+                            <m:ctrlPr>
+                              <a:rPr kumimoji="1" lang="en-US" altLang="zh-TW" sz="4000" i="1">
+                                <a:solidFill>
+                                  <a:schemeClr val="accent1"/>
+                                </a:solidFill>
+                                <a:latin typeface="Cambria Math" charset="0"/>
+                              </a:rPr>
+                            </m:ctrlPr>
+                          </m:sSubPr>
+                          <m:e>
+                            <m:r>
+                              <a:rPr kumimoji="1" lang="en-US" altLang="zh-TW" sz="4000" b="0" i="1" smtClean="0">
+                                <a:solidFill>
+                                  <a:schemeClr val="accent1"/>
+                                </a:solidFill>
+                                <a:latin typeface="Cambria Math" charset="0"/>
+                              </a:rPr>
+                              <m:t>𝐴</m:t>
+                            </m:r>
+                          </m:e>
+                          <m:sub>
+                            <m:r>
+                              <a:rPr kumimoji="1" lang="en-US" altLang="zh-TW" sz="4000" i="1">
+                                <a:solidFill>
+                                  <a:schemeClr val="accent1"/>
+                                </a:solidFill>
+                                <a:latin typeface="Cambria Math" charset="0"/>
+                              </a:rPr>
+                              <m:t>𝑡</m:t>
+                            </m:r>
+                          </m:sub>
+                        </m:sSub>
+                      </m:num>
+                      <m:den>
+                        <m:sSup>
+                          <m:sSupPr>
+                            <m:ctrlPr>
+                              <a:rPr kumimoji="1" lang="en-US" altLang="zh-TW" sz="4000" i="1" smtClean="0">
+                                <a:latin typeface="Cambria Math" charset="0"/>
+                              </a:rPr>
+                            </m:ctrlPr>
+                          </m:sSupPr>
+                          <m:e>
+                            <m:r>
+                              <a:rPr kumimoji="1" lang="en-US" altLang="zh-TW" sz="4000" b="0" i="1" smtClean="0">
+                                <a:latin typeface="Cambria Math" charset="0"/>
+                              </a:rPr>
+                              <m:t>𝑑</m:t>
+                            </m:r>
+                          </m:e>
+                          <m:sup>
+                            <m:r>
+                              <a:rPr kumimoji="1" lang="en-US" altLang="zh-TW" sz="4000" b="0" i="1" smtClean="0">
+                                <a:latin typeface="Cambria Math" charset="0"/>
+                              </a:rPr>
+                              <m:t>2</m:t>
+                            </m:r>
+                          </m:sup>
+                        </m:sSup>
+                        <m:sSup>
+                          <m:sSupPr>
+                            <m:ctrlPr>
+                              <a:rPr kumimoji="1" lang="en-US" altLang="zh-TW" sz="4000" i="1">
+                                <a:latin typeface="Cambria Math" charset="0"/>
+                              </a:rPr>
+                            </m:ctrlPr>
+                          </m:sSupPr>
+                          <m:e>
+                            <m:r>
+                              <a:rPr kumimoji="1" lang="en-US" altLang="zh-TW" sz="4000" i="1" smtClean="0">
+                                <a:latin typeface="Cambria Math" charset="0"/>
+                                <a:ea typeface="Cambria Math" charset="0"/>
+                                <a:cs typeface="Cambria Math" charset="0"/>
+                              </a:rPr>
+                              <m:t>𝜆</m:t>
+                            </m:r>
+                          </m:e>
+                          <m:sup>
+                            <m:r>
+                              <a:rPr kumimoji="1" lang="en-US" altLang="zh-TW" sz="4000" i="1">
+                                <a:latin typeface="Cambria Math" charset="0"/>
+                              </a:rPr>
+                              <m:t>2</m:t>
+                            </m:r>
+                          </m:sup>
+                        </m:sSup>
+                      </m:den>
+                    </m:f>
+                    <m:r>
+                      <a:rPr kumimoji="1" lang="en-US" altLang="zh-TW" sz="4000" b="0" i="1" smtClean="0">
+                        <a:latin typeface="Cambria Math" charset="0"/>
+                      </a:rPr>
+                      <m:t>)</m:t>
+                    </m:r>
+                  </m:oMath>
+                </a14:m>
+                <a:endParaRPr kumimoji="1" lang="en-US" altLang="zh-TW" sz="4000" dirty="0" smtClean="0"/>
+              </a:p>
+            </p:txBody>
+          </p:sp>
+        </mc:Choice>
+        <mc:Fallback>
+          <p:sp>
+            <p:nvSpPr>
+              <p:cNvPr id="3" name="內容版面配置區 2"/>
+              <p:cNvSpPr>
+                <a:spLocks noGrp="1" noRot="1" noChangeAspect="1" noMove="1" noResize="1" noEditPoints="1" noAdjustHandles="1" noChangeArrowheads="1" noChangeShapeType="1" noTextEdit="1"/>
+              </p:cNvSpPr>
+              <p:nvPr>
+                <p:ph idx="1"/>
+              </p:nvPr>
+            </p:nvSpPr>
+            <p:spPr>
+              <a:xfrm>
+                <a:off x="335360" y="1700808"/>
+                <a:ext cx="3840855" cy="1178870"/>
+              </a:xfrm>
+              <a:blipFill rotWithShape="0">
+                <a:blip r:embed="rId3"/>
+                <a:stretch>
+                  <a:fillRect/>
+                </a:stretch>
+              </a:blipFill>
+            </p:spPr>
+            <p:txBody>
+              <a:bodyPr/>
+              <a:lstStyle/>
+              <a:p>
+                <a:r>
+                  <a:rPr lang="zh-TW" altLang="en-US">
+                    <a:noFill/>
+                  </a:rPr>
+                  <a:t> </a:t>
+                </a:r>
+              </a:p>
+            </p:txBody>
+          </p:sp>
+        </mc:Fallback>
+      </mc:AlternateContent>
+      <p:sp>
+        <p:nvSpPr>
+          <p:cNvPr id="4" name="投影片編號版面配置區 3"/>
+          <p:cNvSpPr>
+            <a:spLocks noGrp="1"/>
+          </p:cNvSpPr>
+          <p:nvPr>
+            <p:ph type="sldNum" sz="quarter" idx="12"/>
+          </p:nvPr>
+        </p:nvSpPr>
+        <p:spPr/>
+        <p:txBody>
+          <a:bodyPr/>
+          <a:lstStyle/>
+          <a:p>
+            <a:fld id="{3EBBE1F4-AE36-AD42-8177-96288CD18AD2}" type="slidenum">
+              <a:rPr lang="en-US" smtClean="0"/>
+              <a:pPr/>
+              <a:t>7</a:t>
+            </a:fld>
+            <a:endParaRPr lang="en-US"/>
+          </a:p>
+        </p:txBody>
+      </p:sp>
+      <mc:AlternateContent xmlns:mc="http://schemas.openxmlformats.org/markup-compatibility/2006">
+        <mc:Choice xmlns:a14="http://schemas.microsoft.com/office/drawing/2010/main" Requires="a14">
+          <p:sp>
+            <p:nvSpPr>
+              <p:cNvPr id="6" name="矩形 5"/>
+              <p:cNvSpPr/>
+              <p:nvPr/>
+            </p:nvSpPr>
+            <p:spPr>
+              <a:xfrm>
+                <a:off x="384412" y="2879678"/>
+                <a:ext cx="7583606" cy="2308324"/>
+              </a:xfrm>
+              <a:prstGeom prst="rect">
+                <a:avLst/>
+              </a:prstGeom>
+            </p:spPr>
+            <p:txBody>
+              <a:bodyPr wrap="square">
+                <a:spAutoFit/>
+              </a:bodyPr>
+              <a:lstStyle/>
+              <a:p>
+                <a14:m>
+                  <m:oMath xmlns:m="http://schemas.openxmlformats.org/officeDocument/2006/math">
+                    <m:sSub>
+                      <m:sSubPr>
+                        <m:ctrlPr>
+                          <a:rPr kumimoji="1" lang="en-US" altLang="zh-TW" sz="2400" i="1">
+                            <a:latin typeface="Times New Roman" charset="0"/>
+                            <a:ea typeface="Times New Roman" charset="0"/>
+                            <a:cs typeface="Times New Roman" charset="0"/>
+                          </a:rPr>
+                        </m:ctrlPr>
+                      </m:sSubPr>
+                      <m:e>
+                        <m:r>
+                          <a:rPr kumimoji="1" lang="en-US" altLang="zh-TW" sz="2400" i="1">
+                            <a:latin typeface="Times New Roman" charset="0"/>
+                            <a:ea typeface="Times New Roman" charset="0"/>
+                            <a:cs typeface="Times New Roman" charset="0"/>
+                          </a:rPr>
+                          <m:t>𝑃</m:t>
+                        </m:r>
+                      </m:e>
+                      <m:sub>
+                        <m:r>
+                          <a:rPr kumimoji="1" lang="en-US" altLang="zh-TW" sz="2400" i="1">
+                            <a:latin typeface="Times New Roman" charset="0"/>
+                            <a:ea typeface="Times New Roman" charset="0"/>
+                            <a:cs typeface="Times New Roman" charset="0"/>
+                          </a:rPr>
+                          <m:t>𝑟</m:t>
+                        </m:r>
+                      </m:sub>
+                    </m:sSub>
+                  </m:oMath>
+                </a14:m>
+                <a:r>
+                  <a:rPr kumimoji="1" lang="en-US" altLang="zh-TW" sz="2400" dirty="0">
+                    <a:latin typeface="Times New Roman" charset="0"/>
+                    <a:ea typeface="Times New Roman" charset="0"/>
+                    <a:cs typeface="Times New Roman" charset="0"/>
+                  </a:rPr>
+                  <a:t> : power available at </a:t>
+                </a:r>
+                <a:r>
+                  <a:rPr kumimoji="1" lang="en-US" altLang="zh-TW" sz="2400" dirty="0" err="1">
+                    <a:latin typeface="Times New Roman" charset="0"/>
+                    <a:ea typeface="Times New Roman" charset="0"/>
+                    <a:cs typeface="Times New Roman" charset="0"/>
+                  </a:rPr>
+                  <a:t>rx</a:t>
+                </a:r>
+                <a:r>
+                  <a:rPr kumimoji="1" lang="en-US" altLang="zh-TW" sz="2400" dirty="0">
+                    <a:latin typeface="Times New Roman" charset="0"/>
+                    <a:ea typeface="Times New Roman" charset="0"/>
+                    <a:cs typeface="Times New Roman" charset="0"/>
+                  </a:rPr>
+                  <a:t> antenna output terminals</a:t>
+                </a:r>
+              </a:p>
+              <a:p>
+                <a14:m>
+                  <m:oMath xmlns:m="http://schemas.openxmlformats.org/officeDocument/2006/math">
+                    <m:sSub>
+                      <m:sSubPr>
+                        <m:ctrlPr>
+                          <a:rPr kumimoji="1" lang="en-US" altLang="zh-TW" sz="2400" i="1">
+                            <a:latin typeface="Times New Roman" charset="0"/>
+                            <a:ea typeface="Times New Roman" charset="0"/>
+                            <a:cs typeface="Times New Roman" charset="0"/>
+                          </a:rPr>
+                        </m:ctrlPr>
+                      </m:sSubPr>
+                      <m:e>
+                        <m:r>
+                          <a:rPr kumimoji="1" lang="en-US" altLang="zh-TW" sz="2400" i="1">
+                            <a:latin typeface="Times New Roman" charset="0"/>
+                            <a:ea typeface="Times New Roman" charset="0"/>
+                            <a:cs typeface="Times New Roman" charset="0"/>
+                          </a:rPr>
+                          <m:t>𝑃</m:t>
+                        </m:r>
+                      </m:e>
+                      <m:sub>
+                        <m:r>
+                          <a:rPr kumimoji="1" lang="en-US" altLang="zh-TW" sz="2400" i="1">
+                            <a:latin typeface="Times New Roman" charset="0"/>
+                            <a:ea typeface="Times New Roman" charset="0"/>
+                            <a:cs typeface="Times New Roman" charset="0"/>
+                          </a:rPr>
+                          <m:t>𝑡</m:t>
+                        </m:r>
+                      </m:sub>
+                    </m:sSub>
+                  </m:oMath>
+                </a14:m>
+                <a:r>
+                  <a:rPr kumimoji="1" lang="en-US" altLang="zh-TW" sz="2400" dirty="0">
+                    <a:latin typeface="Times New Roman" charset="0"/>
+                    <a:ea typeface="Times New Roman" charset="0"/>
+                    <a:cs typeface="Times New Roman" charset="0"/>
+                  </a:rPr>
+                  <a:t> : power fed into the </a:t>
+                </a:r>
+                <a:r>
+                  <a:rPr kumimoji="1" lang="en-US" altLang="zh-TW" sz="2400" dirty="0" err="1">
+                    <a:latin typeface="Times New Roman" charset="0"/>
+                    <a:ea typeface="Times New Roman" charset="0"/>
+                    <a:cs typeface="Times New Roman" charset="0"/>
+                  </a:rPr>
+                  <a:t>tx</a:t>
+                </a:r>
+                <a:r>
+                  <a:rPr kumimoji="1" lang="en-US" altLang="zh-TW" sz="2400" dirty="0">
+                    <a:latin typeface="Times New Roman" charset="0"/>
+                    <a:ea typeface="Times New Roman" charset="0"/>
+                    <a:cs typeface="Times New Roman" charset="0"/>
+                  </a:rPr>
+                  <a:t> antenna input terminals</a:t>
+                </a:r>
+              </a:p>
+              <a:p>
+                <a14:m>
+                  <m:oMath xmlns:m="http://schemas.openxmlformats.org/officeDocument/2006/math">
+                    <m:sSub>
+                      <m:sSubPr>
+                        <m:ctrlPr>
+                          <a:rPr kumimoji="1" lang="en-US" altLang="zh-TW" sz="2400" i="1">
+                            <a:latin typeface="Times New Roman" charset="0"/>
+                            <a:ea typeface="Times New Roman" charset="0"/>
+                            <a:cs typeface="Times New Roman" charset="0"/>
+                          </a:rPr>
+                        </m:ctrlPr>
+                      </m:sSubPr>
+                      <m:e>
+                        <m:r>
+                          <a:rPr kumimoji="1" lang="en-US" altLang="zh-TW" sz="2400" i="1">
+                            <a:latin typeface="Times New Roman" charset="0"/>
+                            <a:ea typeface="Times New Roman" charset="0"/>
+                            <a:cs typeface="Times New Roman" charset="0"/>
+                          </a:rPr>
+                          <m:t>𝐴</m:t>
+                        </m:r>
+                      </m:e>
+                      <m:sub>
+                        <m:r>
+                          <a:rPr kumimoji="1" lang="en-US" altLang="zh-TW" sz="2400" i="1">
+                            <a:latin typeface="Times New Roman" charset="0"/>
+                            <a:ea typeface="Times New Roman" charset="0"/>
+                            <a:cs typeface="Times New Roman" charset="0"/>
+                          </a:rPr>
+                          <m:t>𝑟</m:t>
+                        </m:r>
+                      </m:sub>
+                    </m:sSub>
+                  </m:oMath>
+                </a14:m>
+                <a:r>
+                  <a:rPr kumimoji="1" lang="en-US" altLang="zh-TW" sz="2400" dirty="0">
+                    <a:latin typeface="Times New Roman" charset="0"/>
+                    <a:ea typeface="Times New Roman" charset="0"/>
+                    <a:cs typeface="Times New Roman" charset="0"/>
+                  </a:rPr>
+                  <a:t> : the effective area of </a:t>
+                </a:r>
+                <a:r>
+                  <a:rPr kumimoji="1" lang="en-US" altLang="zh-TW" sz="2400" dirty="0" err="1">
+                    <a:latin typeface="Times New Roman" charset="0"/>
+                    <a:ea typeface="Times New Roman" charset="0"/>
+                    <a:cs typeface="Times New Roman" charset="0"/>
+                  </a:rPr>
+                  <a:t>rx</a:t>
+                </a:r>
+                <a:r>
+                  <a:rPr kumimoji="1" lang="en-US" altLang="zh-TW" sz="2400" dirty="0">
+                    <a:latin typeface="Times New Roman" charset="0"/>
+                    <a:ea typeface="Times New Roman" charset="0"/>
+                    <a:cs typeface="Times New Roman" charset="0"/>
+                  </a:rPr>
+                  <a:t> antenna</a:t>
+                </a:r>
+              </a:p>
+              <a:p>
+                <a14:m>
+                  <m:oMath xmlns:m="http://schemas.openxmlformats.org/officeDocument/2006/math">
+                    <m:sSub>
+                      <m:sSubPr>
+                        <m:ctrlPr>
+                          <a:rPr kumimoji="1" lang="en-US" altLang="zh-TW" sz="2400" i="1">
+                            <a:latin typeface="Times New Roman" charset="0"/>
+                            <a:ea typeface="Times New Roman" charset="0"/>
+                            <a:cs typeface="Times New Roman" charset="0"/>
+                          </a:rPr>
+                        </m:ctrlPr>
+                      </m:sSubPr>
+                      <m:e>
+                        <m:r>
+                          <a:rPr kumimoji="1" lang="en-US" altLang="zh-TW" sz="2400" i="1">
+                            <a:latin typeface="Times New Roman" charset="0"/>
+                            <a:ea typeface="Times New Roman" charset="0"/>
+                            <a:cs typeface="Times New Roman" charset="0"/>
+                          </a:rPr>
+                          <m:t>𝐴</m:t>
+                        </m:r>
+                      </m:e>
+                      <m:sub>
+                        <m:r>
+                          <a:rPr kumimoji="1" lang="en-US" altLang="zh-TW" sz="2400" i="1">
+                            <a:latin typeface="Times New Roman" charset="0"/>
+                            <a:ea typeface="Times New Roman" charset="0"/>
+                            <a:cs typeface="Times New Roman" charset="0"/>
+                          </a:rPr>
+                          <m:t>𝑡</m:t>
+                        </m:r>
+                      </m:sub>
+                    </m:sSub>
+                  </m:oMath>
+                </a14:m>
+                <a:r>
+                  <a:rPr kumimoji="1" lang="en-US" altLang="zh-TW" sz="2400" dirty="0">
+                    <a:latin typeface="Times New Roman" charset="0"/>
+                    <a:ea typeface="Times New Roman" charset="0"/>
+                    <a:cs typeface="Times New Roman" charset="0"/>
+                  </a:rPr>
+                  <a:t> : the effective area of </a:t>
+                </a:r>
+                <a:r>
+                  <a:rPr kumimoji="1" lang="en-US" altLang="zh-TW" sz="2400" dirty="0" err="1">
+                    <a:latin typeface="Times New Roman" charset="0"/>
+                    <a:ea typeface="Times New Roman" charset="0"/>
+                    <a:cs typeface="Times New Roman" charset="0"/>
+                  </a:rPr>
+                  <a:t>tx</a:t>
+                </a:r>
+                <a:r>
+                  <a:rPr kumimoji="1" lang="en-US" altLang="zh-TW" sz="2400" dirty="0">
+                    <a:latin typeface="Times New Roman" charset="0"/>
+                    <a:ea typeface="Times New Roman" charset="0"/>
+                    <a:cs typeface="Times New Roman" charset="0"/>
+                  </a:rPr>
+                  <a:t> </a:t>
+                </a:r>
+                <a:r>
+                  <a:rPr kumimoji="1" lang="en-US" altLang="zh-TW" sz="2400" dirty="0">
+                    <a:latin typeface="Times New Roman" charset="0"/>
+                    <a:ea typeface="Times New Roman" charset="0"/>
+                    <a:cs typeface="Times New Roman" charset="0"/>
+                  </a:rPr>
+                  <a:t>antenna</a:t>
+                </a:r>
+                <a:endParaRPr kumimoji="1" lang="zh-TW" altLang="en-US" sz="2400" dirty="0">
+                  <a:latin typeface="Times New Roman" charset="0"/>
+                  <a:ea typeface="Times New Roman" charset="0"/>
+                  <a:cs typeface="Times New Roman" charset="0"/>
+                </a:endParaRPr>
+              </a:p>
+              <a:p>
+                <a:r>
+                  <a:rPr kumimoji="1" lang="en-US" altLang="zh-TW" sz="2400" dirty="0">
+                    <a:latin typeface="Times New Roman" charset="0"/>
+                    <a:ea typeface="Times New Roman" charset="0"/>
+                    <a:cs typeface="Times New Roman" charset="0"/>
+                  </a:rPr>
+                  <a:t>d</a:t>
+                </a:r>
+                <a:r>
+                  <a:rPr kumimoji="1" lang="en-US" altLang="zh-TW" sz="2400" dirty="0">
+                    <a:latin typeface="Times New Roman" charset="0"/>
+                    <a:ea typeface="Times New Roman" charset="0"/>
+                    <a:cs typeface="Times New Roman" charset="0"/>
+                  </a:rPr>
+                  <a:t> : distance between antennas</a:t>
+                </a:r>
+              </a:p>
+              <a:p>
+                <a14:m>
+                  <m:oMath xmlns:m="http://schemas.openxmlformats.org/officeDocument/2006/math">
+                    <m:r>
+                      <a:rPr kumimoji="1" lang="en-US" altLang="zh-TW" sz="2400" i="1">
+                        <a:latin typeface="Times New Roman" charset="0"/>
+                        <a:ea typeface="Times New Roman" charset="0"/>
+                        <a:cs typeface="Times New Roman" charset="0"/>
+                      </a:rPr>
+                      <m:t>𝜆</m:t>
+                    </m:r>
+                  </m:oMath>
+                </a14:m>
+                <a:r>
+                  <a:rPr kumimoji="1" lang="en-US" altLang="zh-TW" sz="2400" dirty="0">
+                    <a:latin typeface="Times New Roman" charset="0"/>
+                    <a:ea typeface="Times New Roman" charset="0"/>
+                    <a:cs typeface="Times New Roman" charset="0"/>
+                  </a:rPr>
+                  <a:t> : wavelength</a:t>
+                </a:r>
+                <a:endParaRPr kumimoji="1" lang="zh-TW" altLang="en-US" sz="2400" dirty="0">
+                  <a:latin typeface="Times New Roman" charset="0"/>
+                  <a:ea typeface="Times New Roman" charset="0"/>
+                  <a:cs typeface="Times New Roman" charset="0"/>
+                </a:endParaRPr>
+              </a:p>
+            </p:txBody>
+          </p:sp>
+        </mc:Choice>
+        <mc:Fallback>
+          <p:sp>
+            <p:nvSpPr>
+              <p:cNvPr id="6" name="矩形 5"/>
+              <p:cNvSpPr>
+                <a:spLocks noRot="1" noChangeAspect="1" noMove="1" noResize="1" noEditPoints="1" noAdjustHandles="1" noChangeArrowheads="1" noChangeShapeType="1" noTextEdit="1"/>
+              </p:cNvSpPr>
+              <p:nvPr/>
+            </p:nvSpPr>
+            <p:spPr>
+              <a:xfrm>
+                <a:off x="384412" y="2879678"/>
+                <a:ext cx="7583606" cy="2308324"/>
+              </a:xfrm>
+              <a:prstGeom prst="rect">
+                <a:avLst/>
+              </a:prstGeom>
+              <a:blipFill rotWithShape="0">
+                <a:blip r:embed="rId4"/>
+                <a:stretch>
+                  <a:fillRect l="-1206" t="-2111" b="-5013"/>
+                </a:stretch>
+              </a:blipFill>
+            </p:spPr>
+            <p:txBody>
+              <a:bodyPr/>
+              <a:lstStyle/>
+              <a:p>
+                <a:r>
+                  <a:rPr lang="zh-TW" altLang="en-US">
+                    <a:noFill/>
+                  </a:rPr>
+                  <a:t> </a:t>
+                </a:r>
+              </a:p>
+            </p:txBody>
+          </p:sp>
+        </mc:Fallback>
+      </mc:AlternateContent>
+    </p:spTree>
+    <p:extLst>
+      <p:ext uri="{BB962C8B-B14F-4D97-AF65-F5344CB8AC3E}">
+        <p14:creationId xmlns:p14="http://schemas.microsoft.com/office/powerpoint/2010/main" val="1539763203"/>
+      </p:ext>
+    </p:extLst>
+  </p:cSld>
+  <p:clrMapOvr>
+    <a:masterClrMapping/>
+  </p:clrMapOvr>
+  <mc:AlternateContent xmlns:mc="http://schemas.openxmlformats.org/markup-compatibility/2006">
+    <mc:Choice xmlns:p14="http://schemas.microsoft.com/office/powerpoint/2010/main" Requires="p14">
+      <p:transition spd="med" p14:dur="700">
+        <p:fade/>
+      </p:transition>
+    </mc:Choice>
+    <mc:Fallback>
+      <p:transition spd="med">
+        <p:fade/>
+      </p:transition>
+    </mc:Fallback>
+  </mc:AlternateContent>
+  <p:timing>
+    <p:tnLst>
+      <p:par>
+        <p:cTn id="1" dur="indefinite" restart="never" nodeType="tmRoot"/>
+      </p:par>
+    </p:tnLst>
+  </p:timing>
+</p:sld>
+</file>
+
+<file path=ppt/slides/slide8.xml><?xml version="1.0" encoding="utf-8"?>
+<p:sld xmlns:a="http://schemas.openxmlformats.org/drawingml/2006/main" xmlns:r="http://schemas.openxmlformats.org/officeDocument/2006/relationships" xmlns:p="http://schemas.openxmlformats.org/presentationml/2006/main">
+  <p:cSld>
+    <p:spTree>
+      <p:nvGrpSpPr>
+        <p:cNvPr id="1" name=""/>
+        <p:cNvGrpSpPr/>
+        <p:nvPr/>
+      </p:nvGrpSpPr>
+      <p:grpSpPr>
+        <a:xfrm>
+          <a:off x="0" y="0"/>
+          <a:ext cx="0" cy="0"/>
+          <a:chOff x="0" y="0"/>
+          <a:chExt cx="0" cy="0"/>
+        </a:xfrm>
+      </p:grpSpPr>
+      <p:sp>
+        <p:nvSpPr>
+          <p:cNvPr id="2" name="標題 1"/>
+          <p:cNvSpPr>
+            <a:spLocks noGrp="1"/>
+          </p:cNvSpPr>
+          <p:nvPr>
+            <p:ph type="title"/>
+          </p:nvPr>
+        </p:nvSpPr>
+        <p:spPr/>
+        <p:txBody>
+          <a:bodyPr/>
+          <a:lstStyle/>
+          <a:p>
+            <a:r>
+              <a:rPr kumimoji="1" lang="en-US" altLang="zh-TW" dirty="0" smtClean="0">
+                <a:latin typeface="Times New Roman" charset="0"/>
+                <a:ea typeface="Times New Roman" charset="0"/>
+                <a:cs typeface="Times New Roman" charset="0"/>
+              </a:rPr>
+              <a:t>Contemporary Formula</a:t>
+            </a:r>
+            <a:endParaRPr kumimoji="1" lang="zh-TW" altLang="en-US" dirty="0">
+              <a:latin typeface="Times New Roman" charset="0"/>
+              <a:ea typeface="Times New Roman" charset="0"/>
+              <a:cs typeface="Times New Roman" charset="0"/>
+            </a:endParaRPr>
+          </a:p>
+        </p:txBody>
+      </p:sp>
+      <p:sp>
+        <p:nvSpPr>
+          <p:cNvPr id="4" name="投影片編號版面配置區 3"/>
+          <p:cNvSpPr>
+            <a:spLocks noGrp="1"/>
+          </p:cNvSpPr>
+          <p:nvPr>
+            <p:ph type="sldNum" sz="quarter" idx="12"/>
+          </p:nvPr>
+        </p:nvSpPr>
+        <p:spPr/>
+        <p:txBody>
+          <a:bodyPr/>
+          <a:lstStyle/>
+          <a:p>
+            <a:fld id="{3EBBE1F4-AE36-AD42-8177-96288CD18AD2}" type="slidenum">
+              <a:rPr lang="en-US" smtClean="0"/>
+              <a:pPr/>
+              <a:t>8</a:t>
+            </a:fld>
+            <a:endParaRPr lang="en-US"/>
+          </a:p>
+        </p:txBody>
+      </p:sp>
+      <p:sp>
+        <p:nvSpPr>
+          <p:cNvPr id="7" name="內容版面配置區 6"/>
+          <p:cNvSpPr>
+            <a:spLocks noGrp="1"/>
+          </p:cNvSpPr>
+          <p:nvPr>
+            <p:ph idx="1"/>
+          </p:nvPr>
+        </p:nvSpPr>
+        <p:spPr/>
+        <p:txBody>
+          <a:bodyPr/>
+          <a:lstStyle/>
+          <a:p>
+            <a:pPr>
+              <a:lnSpc>
+                <a:spcPct val="150000"/>
+              </a:lnSpc>
+            </a:pPr>
+            <a:r>
+              <a:rPr kumimoji="1" lang="en-US" altLang="zh-TW" sz="3200" dirty="0" smtClean="0">
+                <a:latin typeface="Times New Roman" charset="0"/>
+                <a:ea typeface="Times New Roman" charset="0"/>
+                <a:cs typeface="Times New Roman" charset="0"/>
+              </a:rPr>
+              <a:t>Few follower of </a:t>
+            </a:r>
+            <a:r>
+              <a:rPr kumimoji="1" lang="en-US" altLang="zh-TW" sz="3200" dirty="0" err="1" smtClean="0">
+                <a:latin typeface="Times New Roman" charset="0"/>
+                <a:ea typeface="Times New Roman" charset="0"/>
+                <a:cs typeface="Times New Roman" charset="0"/>
+              </a:rPr>
+              <a:t>Friis</a:t>
+            </a:r>
+            <a:r>
+              <a:rPr kumimoji="1" lang="en-US" altLang="zh-TW" sz="3200" dirty="0" smtClean="0">
+                <a:latin typeface="Times New Roman" charset="0"/>
+                <a:ea typeface="Times New Roman" charset="0"/>
+                <a:cs typeface="Times New Roman" charset="0"/>
+              </a:rPr>
+              <a:t> </a:t>
+            </a:r>
+          </a:p>
+          <a:p>
+            <a:pPr>
+              <a:lnSpc>
+                <a:spcPct val="150000"/>
+              </a:lnSpc>
+            </a:pPr>
+            <a:r>
+              <a:rPr kumimoji="1" lang="en-US" altLang="zh-TW" sz="3200" smtClean="0">
+                <a:latin typeface="Times New Roman" charset="0"/>
+                <a:ea typeface="Times New Roman" charset="0"/>
+                <a:cs typeface="Times New Roman" charset="0"/>
+              </a:rPr>
+              <a:t>Replacing </a:t>
+            </a:r>
+            <a:endParaRPr kumimoji="1" lang="zh-TW" altLang="en-US" sz="3200" dirty="0">
+              <a:latin typeface="Times New Roman" charset="0"/>
+              <a:ea typeface="Times New Roman" charset="0"/>
+              <a:cs typeface="Times New Roman" charset="0"/>
+            </a:endParaRPr>
+          </a:p>
+        </p:txBody>
+      </p:sp>
+    </p:spTree>
+    <p:extLst>
+      <p:ext uri="{BB962C8B-B14F-4D97-AF65-F5344CB8AC3E}">
+        <p14:creationId xmlns:p14="http://schemas.microsoft.com/office/powerpoint/2010/main" val="22115708"/>
+      </p:ext>
+    </p:extLst>
+  </p:cSld>
+  <p:clrMapOvr>
+    <a:masterClrMapping/>
+  </p:clrMapOvr>
+  <mc:AlternateContent xmlns:mc="http://schemas.openxmlformats.org/markup-compatibility/2006">
+    <mc:Choice xmlns:p14="http://schemas.microsoft.com/office/powerpoint/2010/main" Requires="p14">
+      <p:transition spd="med" p14:dur="700">
+        <p:fade/>
+      </p:transition>
+    </mc:Choice>
+    <mc:Fallback>
+      <p:transition spd="med">
+        <p:fade/>
+      </p:transition>
+    </mc:Fallback>
+  </mc:AlternateContent>
+  <p:timing>
+    <p:tnLst>
+      <p:par>
+        <p:cTn id="1" dur="indefinite" restart="never" nodeType="tmRoot"/>
+      </p:par>
+    </p:tnLst>
+  </p:timing>
+</p:sld>
+</file>
+
+<file path=ppt/slides/slide9.xml><?xml version="1.0" encoding="utf-8"?>
+<p:sld xmlns:a="http://schemas.openxmlformats.org/drawingml/2006/main" xmlns:r="http://schemas.openxmlformats.org/officeDocument/2006/relationships" xmlns:p="http://schemas.openxmlformats.org/presentationml/2006/main">
+  <p:cSld>
+    <p:spTree>
+      <p:nvGrpSpPr>
+        <p:cNvPr id="1" name=""/>
+        <p:cNvGrpSpPr/>
+        <p:nvPr/>
+      </p:nvGrpSpPr>
+      <p:grpSpPr>
+        <a:xfrm>
+          <a:off x="0" y="0"/>
+          <a:ext cx="0" cy="0"/>
+          <a:chOff x="0" y="0"/>
+          <a:chExt cx="0" cy="0"/>
+        </a:xfrm>
+      </p:grpSpPr>
       <p:sp>
         <p:nvSpPr>
           <p:cNvPr id="2" name="標題 1"/>
@@ -10378,7 +11841,7 @@
             <a:fld id="{3EBBE1F4-AE36-AD42-8177-96288CD18AD2}" type="slidenum">
               <a:rPr lang="en-US" smtClean="0"/>
               <a:pPr/>
-              <a:t>7</a:t>
+              <a:t>9</a:t>
             </a:fld>
             <a:endParaRPr lang="en-US"/>
           </a:p>
@@ -10643,228 +12106,6 @@
     <p:extLst>
       <p:ext uri="{BB962C8B-B14F-4D97-AF65-F5344CB8AC3E}">
         <p14:creationId xmlns:p14="http://schemas.microsoft.com/office/powerpoint/2010/main" val="568981971"/>
-      </p:ext>
-    </p:extLst>
-  </p:cSld>
-  <p:clrMapOvr>
-    <a:masterClrMapping/>
-  </p:clrMapOvr>
-  <mc:AlternateContent xmlns:mc="http://schemas.openxmlformats.org/markup-compatibility/2006">
-    <mc:Choice xmlns:p14="http://schemas.microsoft.com/office/powerpoint/2010/main" Requires="p14">
-      <p:transition spd="med" p14:dur="700">
-        <p:fade/>
-      </p:transition>
-    </mc:Choice>
-    <mc:Fallback>
-      <p:transition spd="med">
-        <p:fade/>
-      </p:transition>
-    </mc:Fallback>
-  </mc:AlternateContent>
-  <p:timing>
-    <p:tnLst>
-      <p:par>
-        <p:cTn id="1" dur="indefinite" restart="never" nodeType="tmRoot"/>
-      </p:par>
-    </p:tnLst>
-  </p:timing>
-</p:sld>
-</file>
-
-<file path=ppt/slides/slide8.xml><?xml version="1.0" encoding="utf-8"?>
-<p:sld xmlns:a="http://schemas.openxmlformats.org/drawingml/2006/main" xmlns:r="http://schemas.openxmlformats.org/officeDocument/2006/relationships" xmlns:p="http://schemas.openxmlformats.org/presentationml/2006/main">
-  <p:cSld>
-    <p:spTree>
-      <p:nvGrpSpPr>
-        <p:cNvPr id="1" name=""/>
-        <p:cNvGrpSpPr/>
-        <p:nvPr/>
-      </p:nvGrpSpPr>
-      <p:grpSpPr>
-        <a:xfrm>
-          <a:off x="0" y="0"/>
-          <a:ext cx="0" cy="0"/>
-          <a:chOff x="0" y="0"/>
-          <a:chExt cx="0" cy="0"/>
-        </a:xfrm>
-      </p:grpSpPr>
-      <p:sp>
-        <p:nvSpPr>
-          <p:cNvPr id="2" name="標題 1"/>
-          <p:cNvSpPr>
-            <a:spLocks noGrp="1"/>
-          </p:cNvSpPr>
-          <p:nvPr>
-            <p:ph type="title"/>
-          </p:nvPr>
-        </p:nvSpPr>
-        <p:spPr/>
-        <p:txBody>
-          <a:bodyPr/>
-          <a:lstStyle/>
-          <a:p>
-            <a:r>
-              <a:rPr kumimoji="1" lang="en-US" altLang="zh-TW" dirty="0" smtClean="0">
-                <a:latin typeface="Times New Roman" charset="0"/>
-                <a:ea typeface="Times New Roman" charset="0"/>
-                <a:cs typeface="Times New Roman" charset="0"/>
-              </a:rPr>
-              <a:t>Reference</a:t>
-            </a:r>
-            <a:endParaRPr kumimoji="1" lang="zh-TW" altLang="en-US" dirty="0">
-              <a:latin typeface="Times New Roman" charset="0"/>
-              <a:ea typeface="Times New Roman" charset="0"/>
-              <a:cs typeface="Times New Roman" charset="0"/>
-            </a:endParaRPr>
-          </a:p>
-        </p:txBody>
-      </p:sp>
-      <p:sp>
-        <p:nvSpPr>
-          <p:cNvPr id="3" name="內容版面配置區 2"/>
-          <p:cNvSpPr>
-            <a:spLocks noGrp="1"/>
-          </p:cNvSpPr>
-          <p:nvPr>
-            <p:ph idx="1"/>
-          </p:nvPr>
-        </p:nvSpPr>
-        <p:spPr/>
-        <p:txBody>
-          <a:bodyPr/>
-          <a:lstStyle/>
-          <a:p>
-            <a:pPr>
-              <a:lnSpc>
-                <a:spcPct val="200000"/>
-              </a:lnSpc>
-            </a:pPr>
-            <a:r>
-              <a:rPr kumimoji="1" lang="en-US" altLang="zh-TW" dirty="0">
-                <a:latin typeface="Times New Roman" charset="0"/>
-                <a:ea typeface="Times New Roman" charset="0"/>
-                <a:cs typeface="Times New Roman" charset="0"/>
-                <a:hlinkClick r:id="rId2"/>
-              </a:rPr>
-              <a:t>https://www.flaticon.com</a:t>
-            </a:r>
-            <a:r>
-              <a:rPr kumimoji="1" lang="en-US" altLang="zh-TW" dirty="0" smtClean="0">
-                <a:latin typeface="Times New Roman" charset="0"/>
-                <a:ea typeface="Times New Roman" charset="0"/>
-                <a:cs typeface="Times New Roman" charset="0"/>
-                <a:hlinkClick r:id="rId2"/>
-              </a:rPr>
-              <a:t>/</a:t>
-            </a:r>
-            <a:endParaRPr kumimoji="1" lang="en-US" altLang="zh-TW" dirty="0" smtClean="0">
-              <a:latin typeface="Times New Roman" charset="0"/>
-              <a:ea typeface="Times New Roman" charset="0"/>
-              <a:cs typeface="Times New Roman" charset="0"/>
-            </a:endParaRPr>
-          </a:p>
-          <a:p>
-            <a:pPr>
-              <a:lnSpc>
-                <a:spcPct val="200000"/>
-              </a:lnSpc>
-            </a:pPr>
-            <a:r>
-              <a:rPr kumimoji="1" lang="en-US" altLang="zh-TW" dirty="0">
-                <a:latin typeface="Times New Roman" charset="0"/>
-                <a:ea typeface="Times New Roman" charset="0"/>
-                <a:cs typeface="Times New Roman" charset="0"/>
-                <a:hlinkClick r:id="rId3"/>
-              </a:rPr>
-              <a:t>https://</a:t>
-            </a:r>
-            <a:r>
-              <a:rPr kumimoji="1" lang="en-US" altLang="zh-TW" dirty="0" smtClean="0">
-                <a:latin typeface="Times New Roman" charset="0"/>
-                <a:ea typeface="Times New Roman" charset="0"/>
-                <a:cs typeface="Times New Roman" charset="0"/>
-                <a:hlinkClick r:id="rId3"/>
-              </a:rPr>
-              <a:t>www.sitebuilderreport.com/stock-up</a:t>
-            </a:r>
-            <a:endParaRPr kumimoji="1" lang="en-US" altLang="zh-TW" dirty="0" smtClean="0">
-              <a:latin typeface="Times New Roman" charset="0"/>
-              <a:ea typeface="Times New Roman" charset="0"/>
-              <a:cs typeface="Times New Roman" charset="0"/>
-            </a:endParaRPr>
-          </a:p>
-          <a:p>
-            <a:pPr>
-              <a:lnSpc>
-                <a:spcPct val="200000"/>
-              </a:lnSpc>
-            </a:pPr>
-            <a:r>
-              <a:rPr kumimoji="1" lang="en-US" altLang="zh-TW" dirty="0">
-                <a:latin typeface="Times New Roman" charset="0"/>
-                <a:ea typeface="Times New Roman" charset="0"/>
-                <a:cs typeface="Times New Roman" charset="0"/>
-                <a:hlinkClick r:id="rId4"/>
-              </a:rPr>
-              <a:t>https://</a:t>
-            </a:r>
-            <a:r>
-              <a:rPr kumimoji="1" lang="en-US" altLang="zh-TW" dirty="0" smtClean="0">
-                <a:latin typeface="Times New Roman" charset="0"/>
-                <a:ea typeface="Times New Roman" charset="0"/>
-                <a:cs typeface="Times New Roman" charset="0"/>
-                <a:hlinkClick r:id="rId4"/>
-              </a:rPr>
-              <a:t>cs.nju.edu.cn/lxie/publication/INFOCOM2018Wang.pdf</a:t>
-            </a:r>
-            <a:endParaRPr kumimoji="1" lang="en-US" altLang="zh-TW" dirty="0" smtClean="0">
-              <a:latin typeface="Times New Roman" charset="0"/>
-              <a:ea typeface="Times New Roman" charset="0"/>
-              <a:cs typeface="Times New Roman" charset="0"/>
-            </a:endParaRPr>
-          </a:p>
-          <a:p>
-            <a:pPr>
-              <a:lnSpc>
-                <a:spcPct val="200000"/>
-              </a:lnSpc>
-            </a:pPr>
-            <a:endParaRPr kumimoji="1" lang="zh-TW" altLang="en-US" dirty="0">
-              <a:latin typeface="Times New Roman" charset="0"/>
-              <a:ea typeface="Times New Roman" charset="0"/>
-              <a:cs typeface="Times New Roman" charset="0"/>
-            </a:endParaRPr>
-          </a:p>
-        </p:txBody>
-      </p:sp>
-      <p:sp>
-        <p:nvSpPr>
-          <p:cNvPr id="4" name="投影片編號版面配置區 3"/>
-          <p:cNvSpPr>
-            <a:spLocks noGrp="1"/>
-          </p:cNvSpPr>
-          <p:nvPr>
-            <p:ph type="sldNum" sz="quarter" idx="12"/>
-          </p:nvPr>
-        </p:nvSpPr>
-        <p:spPr/>
-        <p:txBody>
-          <a:bodyPr/>
-          <a:lstStyle/>
-          <a:p>
-            <a:fld id="{3EBBE1F4-AE36-AD42-8177-96288CD18AD2}" type="slidenum">
-              <a:rPr lang="en-US" smtClean="0"/>
-              <a:pPr/>
-              <a:t>8</a:t>
-            </a:fld>
-            <a:endParaRPr lang="en-US"/>
-          </a:p>
-        </p:txBody>
-      </p:sp>
-    </p:spTree>
-    <p:extLst>
-      <p:ext uri="{BB962C8B-B14F-4D97-AF65-F5344CB8AC3E}">
-        <p14:creationId xmlns:p14="http://schemas.microsoft.com/office/powerpoint/2010/main" val="1339123551"/>
       </p:ext>
     </p:extLst>
   </p:cSld>

--- a/Freshman_Training.pptx
+++ b/Freshman_Training.pptx
@@ -5,7 +5,7 @@
     <p:sldMasterId id="2147483660" r:id="rId1"/>
   </p:sldMasterIdLst>
   <p:notesMasterIdLst>
-    <p:notesMasterId r:id="rId12"/>
+    <p:notesMasterId r:id="rId15"/>
   </p:notesMasterIdLst>
   <p:sldIdLst>
     <p:sldId id="256" r:id="rId2"/>
@@ -16,8 +16,11 @@
     <p:sldId id="308" r:id="rId7"/>
     <p:sldId id="307" r:id="rId8"/>
     <p:sldId id="309" r:id="rId9"/>
-    <p:sldId id="305" r:id="rId10"/>
-    <p:sldId id="301" r:id="rId11"/>
+    <p:sldId id="310" r:id="rId10"/>
+    <p:sldId id="311" r:id="rId11"/>
+    <p:sldId id="312" r:id="rId12"/>
+    <p:sldId id="305" r:id="rId13"/>
+    <p:sldId id="301" r:id="rId14"/>
   </p:sldIdLst>
   <p:sldSz cx="12192000" cy="6858000"/>
   <p:notesSz cx="6858000" cy="9144000"/>
@@ -137,6 +140,9 @@
             <p14:sldId id="308"/>
             <p14:sldId id="307"/>
             <p14:sldId id="309"/>
+            <p14:sldId id="310"/>
+            <p14:sldId id="311"/>
+            <p14:sldId id="312"/>
           </p14:sldIdLst>
         </p14:section>
         <p14:section name="RFID" id="{3EA3CAAF-261C-BD4E-8DFC-CD96A350342D}">
@@ -652,7 +658,6 @@
               <a:rPr kumimoji="1" lang="en-US" altLang="zh-TW" dirty="0" smtClean="0"/>
               <a:t>performance </a:t>
             </a:r>
-            <a:endParaRPr kumimoji="1" lang="en-US" altLang="zh-TW" dirty="0" smtClean="0"/>
           </a:p>
           <a:p>
             <a:r>
@@ -790,6 +795,309 @@
     <p:extLst>
       <p:ext uri="{BB962C8B-B14F-4D97-AF65-F5344CB8AC3E}">
         <p14:creationId xmlns:p14="http://schemas.microsoft.com/office/powerpoint/2010/main" val="184033425"/>
+      </p:ext>
+    </p:extLst>
+  </p:cSld>
+  <p:clrMapOvr>
+    <a:masterClrMapping/>
+  </p:clrMapOvr>
+</p:notes>
+</file>
+
+<file path=ppt/notesSlides/notesSlide4.xml><?xml version="1.0" encoding="utf-8"?>
+<p:notes xmlns:a="http://schemas.openxmlformats.org/drawingml/2006/main" xmlns:r="http://schemas.openxmlformats.org/officeDocument/2006/relationships" xmlns:p="http://schemas.openxmlformats.org/presentationml/2006/main">
+  <p:cSld>
+    <p:spTree>
+      <p:nvGrpSpPr>
+        <p:cNvPr id="1" name=""/>
+        <p:cNvGrpSpPr/>
+        <p:nvPr/>
+      </p:nvGrpSpPr>
+      <p:grpSpPr>
+        <a:xfrm>
+          <a:off x="0" y="0"/>
+          <a:ext cx="0" cy="0"/>
+          <a:chOff x="0" y="0"/>
+          <a:chExt cx="0" cy="0"/>
+        </a:xfrm>
+      </p:grpSpPr>
+      <p:sp>
+        <p:nvSpPr>
+          <p:cNvPr id="2" name="投影片影像版面配置區 1"/>
+          <p:cNvSpPr>
+            <a:spLocks noGrp="1" noRot="1" noChangeAspect="1"/>
+          </p:cNvSpPr>
+          <p:nvPr>
+            <p:ph type="sldImg"/>
+          </p:nvPr>
+        </p:nvSpPr>
+        <p:spPr/>
+      </p:sp>
+      <p:sp>
+        <p:nvSpPr>
+          <p:cNvPr id="3" name="備忘稿版面配置區 2"/>
+          <p:cNvSpPr>
+            <a:spLocks noGrp="1"/>
+          </p:cNvSpPr>
+          <p:nvPr>
+            <p:ph type="body" idx="1"/>
+          </p:nvPr>
+        </p:nvSpPr>
+        <p:spPr/>
+        <p:txBody>
+          <a:bodyPr/>
+          <a:lstStyle/>
+          <a:p>
+            <a:r>
+              <a:rPr lang="en-US" altLang="zh-TW" sz="1200" b="0" i="0" kern="1200" dirty="0" smtClean="0">
+                <a:solidFill>
+                  <a:schemeClr val="tx1"/>
+                </a:solidFill>
+                <a:effectLst/>
+                <a:latin typeface="+mn-lt"/>
+                <a:ea typeface="+mn-ea"/>
+                <a:cs typeface="+mn-cs"/>
+              </a:rPr>
+              <a:t>D_{t}  and D_{r}  are the antenna </a:t>
+            </a:r>
+            <a:r>
+              <a:rPr lang="en-US" altLang="zh-TW" sz="1200" b="0" i="0" u="none" strike="noStrike" kern="1200" dirty="0" smtClean="0">
+                <a:solidFill>
+                  <a:schemeClr val="tx1"/>
+                </a:solidFill>
+                <a:effectLst/>
+                <a:latin typeface="+mn-lt"/>
+                <a:ea typeface="+mn-ea"/>
+                <a:cs typeface="+mn-cs"/>
+                <a:hlinkClick r:id="rId3" tooltip="Directivity"/>
+              </a:rPr>
+              <a:t>directivities</a:t>
+            </a:r>
+            <a:r>
+              <a:rPr lang="en-US" altLang="zh-TW" sz="1200" b="0" i="0" kern="1200" dirty="0" smtClean="0">
+                <a:solidFill>
+                  <a:schemeClr val="tx1"/>
+                </a:solidFill>
+                <a:effectLst/>
+                <a:latin typeface="+mn-lt"/>
+                <a:ea typeface="+mn-ea"/>
+                <a:cs typeface="+mn-cs"/>
+              </a:rPr>
+              <a:t> </a:t>
+            </a:r>
+          </a:p>
+          <a:p>
+            <a:endParaRPr lang="en-US" altLang="zh-TW" sz="1200" b="0" i="0" kern="1200" dirty="0" smtClean="0">
+              <a:solidFill>
+                <a:schemeClr val="tx1"/>
+              </a:solidFill>
+              <a:effectLst/>
+              <a:latin typeface="+mn-lt"/>
+              <a:ea typeface="+mn-ea"/>
+              <a:cs typeface="+mn-cs"/>
+            </a:endParaRPr>
+          </a:p>
+        </p:txBody>
+      </p:sp>
+      <p:sp>
+        <p:nvSpPr>
+          <p:cNvPr id="4" name="投影片編號版面配置區 3"/>
+          <p:cNvSpPr>
+            <a:spLocks noGrp="1"/>
+          </p:cNvSpPr>
+          <p:nvPr>
+            <p:ph type="sldNum" sz="quarter" idx="10"/>
+          </p:nvPr>
+        </p:nvSpPr>
+        <p:spPr/>
+        <p:txBody>
+          <a:bodyPr/>
+          <a:lstStyle/>
+          <a:p>
+            <a:fld id="{C79F9334-C2B5-40DC-A82F-94CC416C9799}" type="slidenum">
+              <a:rPr lang="zh-TW" altLang="en-US" smtClean="0"/>
+              <a:t>9</a:t>
+            </a:fld>
+            <a:endParaRPr lang="zh-TW" altLang="en-US"/>
+          </a:p>
+        </p:txBody>
+      </p:sp>
+    </p:spTree>
+    <p:extLst>
+      <p:ext uri="{BB962C8B-B14F-4D97-AF65-F5344CB8AC3E}">
+        <p14:creationId xmlns:p14="http://schemas.microsoft.com/office/powerpoint/2010/main" val="463380874"/>
+      </p:ext>
+    </p:extLst>
+  </p:cSld>
+  <p:clrMapOvr>
+    <a:masterClrMapping/>
+  </p:clrMapOvr>
+</p:notes>
+</file>
+
+<file path=ppt/notesSlides/notesSlide5.xml><?xml version="1.0" encoding="utf-8"?>
+<p:notes xmlns:a="http://schemas.openxmlformats.org/drawingml/2006/main" xmlns:r="http://schemas.openxmlformats.org/officeDocument/2006/relationships" xmlns:p="http://schemas.openxmlformats.org/presentationml/2006/main">
+  <p:cSld>
+    <p:spTree>
+      <p:nvGrpSpPr>
+        <p:cNvPr id="1" name=""/>
+        <p:cNvGrpSpPr/>
+        <p:nvPr/>
+      </p:nvGrpSpPr>
+      <p:grpSpPr>
+        <a:xfrm>
+          <a:off x="0" y="0"/>
+          <a:ext cx="0" cy="0"/>
+          <a:chOff x="0" y="0"/>
+          <a:chExt cx="0" cy="0"/>
+        </a:xfrm>
+      </p:grpSpPr>
+      <p:sp>
+        <p:nvSpPr>
+          <p:cNvPr id="2" name="投影片影像版面配置區 1"/>
+          <p:cNvSpPr>
+            <a:spLocks noGrp="1" noRot="1" noChangeAspect="1"/>
+          </p:cNvSpPr>
+          <p:nvPr>
+            <p:ph type="sldImg"/>
+          </p:nvPr>
+        </p:nvSpPr>
+        <p:spPr/>
+      </p:sp>
+      <p:sp>
+        <p:nvSpPr>
+          <p:cNvPr id="3" name="備忘稿版面配置區 2"/>
+          <p:cNvSpPr>
+            <a:spLocks noGrp="1"/>
+          </p:cNvSpPr>
+          <p:nvPr>
+            <p:ph type="body" idx="1"/>
+          </p:nvPr>
+        </p:nvSpPr>
+        <p:spPr/>
+        <p:txBody>
+          <a:bodyPr/>
+          <a:lstStyle/>
+          <a:p>
+            <a:r>
+              <a:rPr kumimoji="1" lang="zh-TW" altLang="en-US" smtClean="0"/>
+              <a:t>放圖</a:t>
+            </a:r>
+            <a:endParaRPr kumimoji="1" lang="zh-TW" altLang="en-US" dirty="0"/>
+          </a:p>
+        </p:txBody>
+      </p:sp>
+      <p:sp>
+        <p:nvSpPr>
+          <p:cNvPr id="4" name="投影片編號版面配置區 3"/>
+          <p:cNvSpPr>
+            <a:spLocks noGrp="1"/>
+          </p:cNvSpPr>
+          <p:nvPr>
+            <p:ph type="sldNum" sz="quarter" idx="10"/>
+          </p:nvPr>
+        </p:nvSpPr>
+        <p:spPr/>
+        <p:txBody>
+          <a:bodyPr/>
+          <a:lstStyle/>
+          <a:p>
+            <a:fld id="{C79F9334-C2B5-40DC-A82F-94CC416C9799}" type="slidenum">
+              <a:rPr lang="zh-TW" altLang="en-US" smtClean="0"/>
+              <a:t>10</a:t>
+            </a:fld>
+            <a:endParaRPr lang="zh-TW" altLang="en-US"/>
+          </a:p>
+        </p:txBody>
+      </p:sp>
+    </p:spTree>
+    <p:extLst>
+      <p:ext uri="{BB962C8B-B14F-4D97-AF65-F5344CB8AC3E}">
+        <p14:creationId xmlns:p14="http://schemas.microsoft.com/office/powerpoint/2010/main" val="141678843"/>
+      </p:ext>
+    </p:extLst>
+  </p:cSld>
+  <p:clrMapOvr>
+    <a:masterClrMapping/>
+  </p:clrMapOvr>
+</p:notes>
+</file>
+
+<file path=ppt/notesSlides/notesSlide6.xml><?xml version="1.0" encoding="utf-8"?>
+<p:notes xmlns:a="http://schemas.openxmlformats.org/drawingml/2006/main" xmlns:r="http://schemas.openxmlformats.org/officeDocument/2006/relationships" xmlns:p="http://schemas.openxmlformats.org/presentationml/2006/main">
+  <p:cSld>
+    <p:spTree>
+      <p:nvGrpSpPr>
+        <p:cNvPr id="1" name=""/>
+        <p:cNvGrpSpPr/>
+        <p:nvPr/>
+      </p:nvGrpSpPr>
+      <p:grpSpPr>
+        <a:xfrm>
+          <a:off x="0" y="0"/>
+          <a:ext cx="0" cy="0"/>
+          <a:chOff x="0" y="0"/>
+          <a:chExt cx="0" cy="0"/>
+        </a:xfrm>
+      </p:grpSpPr>
+      <p:sp>
+        <p:nvSpPr>
+          <p:cNvPr id="2" name="投影片影像版面配置區 1"/>
+          <p:cNvSpPr>
+            <a:spLocks noGrp="1" noRot="1" noChangeAspect="1"/>
+          </p:cNvSpPr>
+          <p:nvPr>
+            <p:ph type="sldImg"/>
+          </p:nvPr>
+        </p:nvSpPr>
+        <p:spPr/>
+      </p:sp>
+      <p:sp>
+        <p:nvSpPr>
+          <p:cNvPr id="3" name="備忘稿版面配置區 2"/>
+          <p:cNvSpPr>
+            <a:spLocks noGrp="1"/>
+          </p:cNvSpPr>
+          <p:nvPr>
+            <p:ph type="body" idx="1"/>
+          </p:nvPr>
+        </p:nvSpPr>
+        <p:spPr/>
+        <p:txBody>
+          <a:bodyPr/>
+          <a:lstStyle/>
+          <a:p>
+            <a:endParaRPr kumimoji="1" lang="zh-TW" altLang="en-US" dirty="0"/>
+          </a:p>
+        </p:txBody>
+      </p:sp>
+      <p:sp>
+        <p:nvSpPr>
+          <p:cNvPr id="4" name="投影片編號版面配置區 3"/>
+          <p:cNvSpPr>
+            <a:spLocks noGrp="1"/>
+          </p:cNvSpPr>
+          <p:nvPr>
+            <p:ph type="sldNum" sz="quarter" idx="10"/>
+          </p:nvPr>
+        </p:nvSpPr>
+        <p:spPr/>
+        <p:txBody>
+          <a:bodyPr/>
+          <a:lstStyle/>
+          <a:p>
+            <a:fld id="{C79F9334-C2B5-40DC-A82F-94CC416C9799}" type="slidenum">
+              <a:rPr lang="zh-TW" altLang="en-US" smtClean="0"/>
+              <a:t>11</a:t>
+            </a:fld>
+            <a:endParaRPr lang="zh-TW" altLang="en-US"/>
+          </a:p>
+        </p:txBody>
+      </p:sp>
+    </p:spTree>
+    <p:extLst>
+      <p:ext uri="{BB962C8B-B14F-4D97-AF65-F5344CB8AC3E}">
+        <p14:creationId xmlns:p14="http://schemas.microsoft.com/office/powerpoint/2010/main" val="1454203672"/>
       </p:ext>
     </p:extLst>
   </p:cSld>
@@ -851,7 +1159,7 @@
           <p:cNvPr id="20" name="Group 19">
             <a:extLst>
               <a:ext uri="{FF2B5EF4-FFF2-40B4-BE49-F238E27FC236}">
-                <a16:creationId xmlns:a16="http://schemas.microsoft.com/office/drawing/2014/main" xmlns="" id="{C3ED851A-5624-9445-94A3-FC256390EFF0}"/>
+                <a16:creationId xmlns="" xmlns:a16="http://schemas.microsoft.com/office/drawing/2014/main" id="{C3ED851A-5624-9445-94A3-FC256390EFF0}"/>
               </a:ext>
             </a:extLst>
           </p:cNvPr>
@@ -871,7 +1179,7 @@
             <p:cNvPr id="21" name="箭號: 五邊形 12">
               <a:extLst>
                 <a:ext uri="{FF2B5EF4-FFF2-40B4-BE49-F238E27FC236}">
-                  <a16:creationId xmlns:a16="http://schemas.microsoft.com/office/drawing/2014/main" xmlns="" id="{7DED8486-E1FD-814E-B2DE-F488A3CEA671}"/>
+                  <a16:creationId xmlns="" xmlns:a16="http://schemas.microsoft.com/office/drawing/2014/main" id="{7DED8486-E1FD-814E-B2DE-F488A3CEA671}"/>
                 </a:ext>
               </a:extLst>
             </p:cNvPr>
@@ -923,7 +1231,7 @@
             <p:cNvPr id="23" name="箭號: 五邊形 12">
               <a:extLst>
                 <a:ext uri="{FF2B5EF4-FFF2-40B4-BE49-F238E27FC236}">
-                  <a16:creationId xmlns:a16="http://schemas.microsoft.com/office/drawing/2014/main" xmlns="" id="{8C392F49-5181-FA4B-9412-A387B34C316C}"/>
+                  <a16:creationId xmlns="" xmlns:a16="http://schemas.microsoft.com/office/drawing/2014/main" id="{8C392F49-5181-FA4B-9412-A387B34C316C}"/>
                 </a:ext>
               </a:extLst>
             </p:cNvPr>
@@ -982,7 +1290,7 @@
             <p:cNvPr id="26" name="箭號: 五邊形 12">
               <a:extLst>
                 <a:ext uri="{FF2B5EF4-FFF2-40B4-BE49-F238E27FC236}">
-                  <a16:creationId xmlns:a16="http://schemas.microsoft.com/office/drawing/2014/main" xmlns="" id="{A2A2AEE9-8884-2D45-AA3A-3CE8B669A441}"/>
+                  <a16:creationId xmlns="" xmlns:a16="http://schemas.microsoft.com/office/drawing/2014/main" id="{A2A2AEE9-8884-2D45-AA3A-3CE8B669A441}"/>
                 </a:ext>
               </a:extLst>
             </p:cNvPr>
@@ -1411,7 +1719,7 @@
           <p:cNvPr id="34" name="Text Placeholder 3">
             <a:extLst>
               <a:ext uri="{FF2B5EF4-FFF2-40B4-BE49-F238E27FC236}">
-                <a16:creationId xmlns:a16="http://schemas.microsoft.com/office/drawing/2014/main" xmlns="" id="{CB4F27FF-A5B2-0945-A886-8994C9CF0F9A}"/>
+                <a16:creationId xmlns="" xmlns:a16="http://schemas.microsoft.com/office/drawing/2014/main" id="{CB4F27FF-A5B2-0945-A886-8994C9CF0F9A}"/>
               </a:ext>
             </a:extLst>
           </p:cNvPr>
@@ -1465,7 +1773,7 @@
           <p:cNvPr id="35" name="Content Placeholder 5">
             <a:extLst>
               <a:ext uri="{FF2B5EF4-FFF2-40B4-BE49-F238E27FC236}">
-                <a16:creationId xmlns:a16="http://schemas.microsoft.com/office/drawing/2014/main" xmlns="" id="{1CE5651F-F4F6-9D45-A553-66B6FFCA522B}"/>
+                <a16:creationId xmlns="" xmlns:a16="http://schemas.microsoft.com/office/drawing/2014/main" id="{1CE5651F-F4F6-9D45-A553-66B6FFCA522B}"/>
               </a:ext>
             </a:extLst>
           </p:cNvPr>
@@ -1513,7 +1821,7 @@
           <p:cNvPr id="6" name="Picture 5">
             <a:extLst>
               <a:ext uri="{FF2B5EF4-FFF2-40B4-BE49-F238E27FC236}">
-                <a16:creationId xmlns:a16="http://schemas.microsoft.com/office/drawing/2014/main" xmlns="" id="{5BB22815-3E3B-0B48-9DCA-B05C2D5B9D70}"/>
+                <a16:creationId xmlns="" xmlns:a16="http://schemas.microsoft.com/office/drawing/2014/main" id="{5BB22815-3E3B-0B48-9DCA-B05C2D5B9D70}"/>
               </a:ext>
             </a:extLst>
           </p:cNvPr>
@@ -2591,7 +2899,7 @@
           <p:cNvPr id="15" name="直排文字版面配置區 2">
             <a:extLst>
               <a:ext uri="{FF2B5EF4-FFF2-40B4-BE49-F238E27FC236}">
-                <a16:creationId xmlns:a16="http://schemas.microsoft.com/office/drawing/2014/main" xmlns="" id="{5B0754CD-A593-D647-8F43-33A88CDADB61}"/>
+                <a16:creationId xmlns="" xmlns:a16="http://schemas.microsoft.com/office/drawing/2014/main" id="{5B0754CD-A593-D647-8F43-33A88CDADB61}"/>
               </a:ext>
             </a:extLst>
           </p:cNvPr>
@@ -2789,7 +3097,7 @@
           <p:cNvPr id="20" name="Group 19">
             <a:extLst>
               <a:ext uri="{FF2B5EF4-FFF2-40B4-BE49-F238E27FC236}">
-                <a16:creationId xmlns:a16="http://schemas.microsoft.com/office/drawing/2014/main" xmlns="" id="{C3ED851A-5624-9445-94A3-FC256390EFF0}"/>
+                <a16:creationId xmlns="" xmlns:a16="http://schemas.microsoft.com/office/drawing/2014/main" id="{C3ED851A-5624-9445-94A3-FC256390EFF0}"/>
               </a:ext>
             </a:extLst>
           </p:cNvPr>
@@ -2809,7 +3117,7 @@
             <p:cNvPr id="21" name="箭號: 五邊形 12">
               <a:extLst>
                 <a:ext uri="{FF2B5EF4-FFF2-40B4-BE49-F238E27FC236}">
-                  <a16:creationId xmlns:a16="http://schemas.microsoft.com/office/drawing/2014/main" xmlns="" id="{7DED8486-E1FD-814E-B2DE-F488A3CEA671}"/>
+                  <a16:creationId xmlns="" xmlns:a16="http://schemas.microsoft.com/office/drawing/2014/main" id="{7DED8486-E1FD-814E-B2DE-F488A3CEA671}"/>
                 </a:ext>
               </a:extLst>
             </p:cNvPr>
@@ -2861,7 +3169,7 @@
             <p:cNvPr id="23" name="箭號: 五邊形 12">
               <a:extLst>
                 <a:ext uri="{FF2B5EF4-FFF2-40B4-BE49-F238E27FC236}">
-                  <a16:creationId xmlns:a16="http://schemas.microsoft.com/office/drawing/2014/main" xmlns="" id="{8C392F49-5181-FA4B-9412-A387B34C316C}"/>
+                  <a16:creationId xmlns="" xmlns:a16="http://schemas.microsoft.com/office/drawing/2014/main" id="{8C392F49-5181-FA4B-9412-A387B34C316C}"/>
                 </a:ext>
               </a:extLst>
             </p:cNvPr>
@@ -2920,7 +3228,7 @@
             <p:cNvPr id="26" name="箭號: 五邊形 12">
               <a:extLst>
                 <a:ext uri="{FF2B5EF4-FFF2-40B4-BE49-F238E27FC236}">
-                  <a16:creationId xmlns:a16="http://schemas.microsoft.com/office/drawing/2014/main" xmlns="" id="{A2A2AEE9-8884-2D45-AA3A-3CE8B669A441}"/>
+                  <a16:creationId xmlns="" xmlns:a16="http://schemas.microsoft.com/office/drawing/2014/main" id="{A2A2AEE9-8884-2D45-AA3A-3CE8B669A441}"/>
                 </a:ext>
               </a:extLst>
             </p:cNvPr>
@@ -3349,7 +3657,7 @@
           <p:cNvPr id="34" name="Text Placeholder 3">
             <a:extLst>
               <a:ext uri="{FF2B5EF4-FFF2-40B4-BE49-F238E27FC236}">
-                <a16:creationId xmlns:a16="http://schemas.microsoft.com/office/drawing/2014/main" xmlns="" id="{CB4F27FF-A5B2-0945-A886-8994C9CF0F9A}"/>
+                <a16:creationId xmlns="" xmlns:a16="http://schemas.microsoft.com/office/drawing/2014/main" id="{CB4F27FF-A5B2-0945-A886-8994C9CF0F9A}"/>
               </a:ext>
             </a:extLst>
           </p:cNvPr>
@@ -3403,7 +3711,7 @@
           <p:cNvPr id="35" name="Content Placeholder 5">
             <a:extLst>
               <a:ext uri="{FF2B5EF4-FFF2-40B4-BE49-F238E27FC236}">
-                <a16:creationId xmlns:a16="http://schemas.microsoft.com/office/drawing/2014/main" xmlns="" id="{1CE5651F-F4F6-9D45-A553-66B6FFCA522B}"/>
+                <a16:creationId xmlns="" xmlns:a16="http://schemas.microsoft.com/office/drawing/2014/main" id="{1CE5651F-F4F6-9D45-A553-66B6FFCA522B}"/>
               </a:ext>
             </a:extLst>
           </p:cNvPr>
@@ -3451,7 +3759,7 @@
           <p:cNvPr id="6" name="Picture 5">
             <a:extLst>
               <a:ext uri="{FF2B5EF4-FFF2-40B4-BE49-F238E27FC236}">
-                <a16:creationId xmlns:a16="http://schemas.microsoft.com/office/drawing/2014/main" xmlns="" id="{5BB22815-3E3B-0B48-9DCA-B05C2D5B9D70}"/>
+                <a16:creationId xmlns="" xmlns:a16="http://schemas.microsoft.com/office/drawing/2014/main" id="{5BB22815-3E3B-0B48-9DCA-B05C2D5B9D70}"/>
               </a:ext>
             </a:extLst>
           </p:cNvPr>
@@ -4139,7 +4447,7 @@
           <p:cNvPr id="12" name="Group 11">
             <a:extLst>
               <a:ext uri="{FF2B5EF4-FFF2-40B4-BE49-F238E27FC236}">
-                <a16:creationId xmlns:a16="http://schemas.microsoft.com/office/drawing/2014/main" xmlns="" id="{FECCA331-FFA6-F840-9C60-BF25ACF3BDB5}"/>
+                <a16:creationId xmlns="" xmlns:a16="http://schemas.microsoft.com/office/drawing/2014/main" id="{FECCA331-FFA6-F840-9C60-BF25ACF3BDB5}"/>
               </a:ext>
             </a:extLst>
           </p:cNvPr>
@@ -4159,7 +4467,7 @@
             <p:cNvPr id="13" name="箭號: 五邊形 12">
               <a:extLst>
                 <a:ext uri="{FF2B5EF4-FFF2-40B4-BE49-F238E27FC236}">
-                  <a16:creationId xmlns:a16="http://schemas.microsoft.com/office/drawing/2014/main" xmlns="" id="{1ECC6466-4EFD-5345-BC17-67AB57731DB7}"/>
+                  <a16:creationId xmlns="" xmlns:a16="http://schemas.microsoft.com/office/drawing/2014/main" id="{1ECC6466-4EFD-5345-BC17-67AB57731DB7}"/>
                 </a:ext>
               </a:extLst>
             </p:cNvPr>
@@ -4211,7 +4519,7 @@
             <p:cNvPr id="14" name="箭號: 五邊形 12">
               <a:extLst>
                 <a:ext uri="{FF2B5EF4-FFF2-40B4-BE49-F238E27FC236}">
-                  <a16:creationId xmlns:a16="http://schemas.microsoft.com/office/drawing/2014/main" xmlns="" id="{6CF55724-0A99-E64A-AB4C-0938CB62E153}"/>
+                  <a16:creationId xmlns="" xmlns:a16="http://schemas.microsoft.com/office/drawing/2014/main" id="{6CF55724-0A99-E64A-AB4C-0938CB62E153}"/>
                 </a:ext>
               </a:extLst>
             </p:cNvPr>
@@ -4270,7 +4578,7 @@
             <p:cNvPr id="15" name="箭號: 五邊形 12">
               <a:extLst>
                 <a:ext uri="{FF2B5EF4-FFF2-40B4-BE49-F238E27FC236}">
-                  <a16:creationId xmlns:a16="http://schemas.microsoft.com/office/drawing/2014/main" xmlns="" id="{D65D1FB8-4CF4-8B4A-A307-6F7F618C0D88}"/>
+                  <a16:creationId xmlns="" xmlns:a16="http://schemas.microsoft.com/office/drawing/2014/main" id="{D65D1FB8-4CF4-8B4A-A307-6F7F618C0D88}"/>
                 </a:ext>
               </a:extLst>
             </p:cNvPr>
@@ -4579,7 +4887,7 @@
           <p:cNvPr id="5" name="Picture 4">
             <a:extLst>
               <a:ext uri="{FF2B5EF4-FFF2-40B4-BE49-F238E27FC236}">
-                <a16:creationId xmlns:a16="http://schemas.microsoft.com/office/drawing/2014/main" xmlns="" id="{33C27645-19DC-4542-810A-E94761D6E227}"/>
+                <a16:creationId xmlns="" xmlns:a16="http://schemas.microsoft.com/office/drawing/2014/main" id="{33C27645-19DC-4542-810A-E94761D6E227}"/>
               </a:ext>
             </a:extLst>
           </p:cNvPr>
@@ -5066,7 +5374,7 @@
           <p:cNvPr id="23" name="內容版面配置區 2">
             <a:extLst>
               <a:ext uri="{FF2B5EF4-FFF2-40B4-BE49-F238E27FC236}">
-                <a16:creationId xmlns:a16="http://schemas.microsoft.com/office/drawing/2014/main" xmlns="" id="{9D1178A4-A62F-AE47-B4FD-DFBDEBC0B7E1}"/>
+                <a16:creationId xmlns="" xmlns:a16="http://schemas.microsoft.com/office/drawing/2014/main" id="{9D1178A4-A62F-AE47-B4FD-DFBDEBC0B7E1}"/>
               </a:ext>
             </a:extLst>
           </p:cNvPr>
@@ -5213,7 +5521,7 @@
           <p:cNvPr id="24" name="內容版面配置區 2">
             <a:extLst>
               <a:ext uri="{FF2B5EF4-FFF2-40B4-BE49-F238E27FC236}">
-                <a16:creationId xmlns:a16="http://schemas.microsoft.com/office/drawing/2014/main" xmlns="" id="{18BDE748-AF06-9848-B53D-40087470A386}"/>
+                <a16:creationId xmlns="" xmlns:a16="http://schemas.microsoft.com/office/drawing/2014/main" id="{18BDE748-AF06-9848-B53D-40087470A386}"/>
               </a:ext>
             </a:extLst>
           </p:cNvPr>
@@ -5952,7 +6260,7 @@
           <p:cNvPr id="20" name="內容版面配置區 2">
             <a:extLst>
               <a:ext uri="{FF2B5EF4-FFF2-40B4-BE49-F238E27FC236}">
-                <a16:creationId xmlns:a16="http://schemas.microsoft.com/office/drawing/2014/main" xmlns="" id="{9A4A12A5-18A4-CA4A-8E68-97EAFD19927B}"/>
+                <a16:creationId xmlns="" xmlns:a16="http://schemas.microsoft.com/office/drawing/2014/main" id="{9A4A12A5-18A4-CA4A-8E68-97EAFD19927B}"/>
               </a:ext>
             </a:extLst>
           </p:cNvPr>
@@ -6099,7 +6407,7 @@
           <p:cNvPr id="21" name="內容版面配置區 2">
             <a:extLst>
               <a:ext uri="{FF2B5EF4-FFF2-40B4-BE49-F238E27FC236}">
-                <a16:creationId xmlns:a16="http://schemas.microsoft.com/office/drawing/2014/main" xmlns="" id="{E09B3CAD-22B9-BC48-9D7D-2345FF14DD38}"/>
+                <a16:creationId xmlns="" xmlns:a16="http://schemas.microsoft.com/office/drawing/2014/main" id="{E09B3CAD-22B9-BC48-9D7D-2345FF14DD38}"/>
               </a:ext>
             </a:extLst>
           </p:cNvPr>
@@ -6980,7 +7288,7 @@
           <p:cNvPr id="5" name="Group 4">
             <a:extLst>
               <a:ext uri="{FF2B5EF4-FFF2-40B4-BE49-F238E27FC236}">
-                <a16:creationId xmlns:a16="http://schemas.microsoft.com/office/drawing/2014/main" xmlns="" id="{4DADA6C2-E637-F642-95E5-0309E3EB9F41}"/>
+                <a16:creationId xmlns="" xmlns:a16="http://schemas.microsoft.com/office/drawing/2014/main" id="{4DADA6C2-E637-F642-95E5-0309E3EB9F41}"/>
               </a:ext>
             </a:extLst>
           </p:cNvPr>
@@ -7000,7 +7308,7 @@
             <p:cNvPr id="17" name="箭號: 五邊形 12">
               <a:extLst>
                 <a:ext uri="{FF2B5EF4-FFF2-40B4-BE49-F238E27FC236}">
-                  <a16:creationId xmlns:a16="http://schemas.microsoft.com/office/drawing/2014/main" xmlns="" id="{C3424005-2947-5749-B94D-7EE01D59B97D}"/>
+                  <a16:creationId xmlns="" xmlns:a16="http://schemas.microsoft.com/office/drawing/2014/main" id="{C3424005-2947-5749-B94D-7EE01D59B97D}"/>
                 </a:ext>
               </a:extLst>
             </p:cNvPr>
@@ -7052,7 +7360,7 @@
             <p:cNvPr id="16" name="箭號: 五邊形 12">
               <a:extLst>
                 <a:ext uri="{FF2B5EF4-FFF2-40B4-BE49-F238E27FC236}">
-                  <a16:creationId xmlns:a16="http://schemas.microsoft.com/office/drawing/2014/main" xmlns="" id="{78B68587-E393-9C46-A4CA-137BCC2B13AD}"/>
+                  <a16:creationId xmlns="" xmlns:a16="http://schemas.microsoft.com/office/drawing/2014/main" id="{78B68587-E393-9C46-A4CA-137BCC2B13AD}"/>
                 </a:ext>
               </a:extLst>
             </p:cNvPr>
@@ -7520,7 +7828,7 @@
           <p:cNvPr id="18" name="內容版面配置區 2">
             <a:extLst>
               <a:ext uri="{FF2B5EF4-FFF2-40B4-BE49-F238E27FC236}">
-                <a16:creationId xmlns:a16="http://schemas.microsoft.com/office/drawing/2014/main" xmlns="" id="{BB9680E6-3D9F-FF42-BA19-F206A773FE60}"/>
+                <a16:creationId xmlns="" xmlns:a16="http://schemas.microsoft.com/office/drawing/2014/main" id="{BB9680E6-3D9F-FF42-BA19-F206A773FE60}"/>
               </a:ext>
             </a:extLst>
           </p:cNvPr>
@@ -7693,7 +8001,7 @@
           <p:cNvPr id="15" name="Group 14">
             <a:extLst>
               <a:ext uri="{FF2B5EF4-FFF2-40B4-BE49-F238E27FC236}">
-                <a16:creationId xmlns:a16="http://schemas.microsoft.com/office/drawing/2014/main" xmlns="" id="{7108562A-19D8-3347-A5CB-8FD2094D2AC6}"/>
+                <a16:creationId xmlns="" xmlns:a16="http://schemas.microsoft.com/office/drawing/2014/main" id="{7108562A-19D8-3347-A5CB-8FD2094D2AC6}"/>
               </a:ext>
             </a:extLst>
           </p:cNvPr>
@@ -7713,7 +8021,7 @@
             <p:cNvPr id="16" name="箭號: 五邊形 12">
               <a:extLst>
                 <a:ext uri="{FF2B5EF4-FFF2-40B4-BE49-F238E27FC236}">
-                  <a16:creationId xmlns:a16="http://schemas.microsoft.com/office/drawing/2014/main" xmlns="" id="{0350FA7D-8512-F24E-9F36-7F4296D197F2}"/>
+                  <a16:creationId xmlns="" xmlns:a16="http://schemas.microsoft.com/office/drawing/2014/main" id="{0350FA7D-8512-F24E-9F36-7F4296D197F2}"/>
                 </a:ext>
               </a:extLst>
             </p:cNvPr>
@@ -7765,7 +8073,7 @@
             <p:cNvPr id="17" name="箭號: 五邊形 12">
               <a:extLst>
                 <a:ext uri="{FF2B5EF4-FFF2-40B4-BE49-F238E27FC236}">
-                  <a16:creationId xmlns:a16="http://schemas.microsoft.com/office/drawing/2014/main" xmlns="" id="{125DE2BA-1E8B-2447-AEBE-4BDB2873316E}"/>
+                  <a16:creationId xmlns="" xmlns:a16="http://schemas.microsoft.com/office/drawing/2014/main" id="{125DE2BA-1E8B-2447-AEBE-4BDB2873316E}"/>
                 </a:ext>
               </a:extLst>
             </p:cNvPr>
@@ -7824,7 +8132,7 @@
             <p:cNvPr id="18" name="箭號: 五邊形 12">
               <a:extLst>
                 <a:ext uri="{FF2B5EF4-FFF2-40B4-BE49-F238E27FC236}">
-                  <a16:creationId xmlns:a16="http://schemas.microsoft.com/office/drawing/2014/main" xmlns="" id="{467877CF-B77C-BE4F-8D6F-89063BBFC3DE}"/>
+                  <a16:creationId xmlns="" xmlns:a16="http://schemas.microsoft.com/office/drawing/2014/main" id="{467877CF-B77C-BE4F-8D6F-89063BBFC3DE}"/>
                 </a:ext>
               </a:extLst>
             </p:cNvPr>
@@ -8187,7 +8495,7 @@
           <p:cNvPr id="22" name="標題 1">
             <a:extLst>
               <a:ext uri="{FF2B5EF4-FFF2-40B4-BE49-F238E27FC236}">
-                <a16:creationId xmlns:a16="http://schemas.microsoft.com/office/drawing/2014/main" xmlns="" id="{6E193196-9107-784C-A964-C67153D060CB}"/>
+                <a16:creationId xmlns="" xmlns:a16="http://schemas.microsoft.com/office/drawing/2014/main" id="{6E193196-9107-784C-A964-C67153D060CB}"/>
               </a:ext>
             </a:extLst>
           </p:cNvPr>
@@ -8230,7 +8538,7 @@
           <p:cNvPr id="24" name="文字版面配置區 3">
             <a:extLst>
               <a:ext uri="{FF2B5EF4-FFF2-40B4-BE49-F238E27FC236}">
-                <a16:creationId xmlns:a16="http://schemas.microsoft.com/office/drawing/2014/main" xmlns="" id="{5922BEEB-F3AC-E443-B34D-CE264A982284}"/>
+                <a16:creationId xmlns="" xmlns:a16="http://schemas.microsoft.com/office/drawing/2014/main" id="{5922BEEB-F3AC-E443-B34D-CE264A982284}"/>
               </a:ext>
             </a:extLst>
           </p:cNvPr>
@@ -8927,12 +9235,527 @@
                 <a:ea typeface="Times New Roman" charset="0"/>
                 <a:cs typeface="Times New Roman" charset="0"/>
               </a:rPr>
-              <a:t>Reference</a:t>
+              <a:t>Directivities</a:t>
             </a:r>
             <a:endParaRPr kumimoji="1" lang="zh-TW" altLang="en-US" dirty="0">
               <a:latin typeface="Times New Roman" charset="0"/>
               <a:ea typeface="Times New Roman" charset="0"/>
               <a:cs typeface="Times New Roman" charset="0"/>
+            </a:endParaRPr>
+          </a:p>
+        </p:txBody>
+      </p:sp>
+      <p:sp>
+        <p:nvSpPr>
+          <p:cNvPr id="4" name="投影片編號版面配置區 3"/>
+          <p:cNvSpPr>
+            <a:spLocks noGrp="1"/>
+          </p:cNvSpPr>
+          <p:nvPr>
+            <p:ph type="sldNum" sz="quarter" idx="12"/>
+          </p:nvPr>
+        </p:nvSpPr>
+        <p:spPr/>
+        <p:txBody>
+          <a:bodyPr/>
+          <a:lstStyle/>
+          <a:p>
+            <a:fld id="{3EBBE1F4-AE36-AD42-8177-96288CD18AD2}" type="slidenum">
+              <a:rPr lang="en-US" smtClean="0"/>
+              <a:pPr/>
+              <a:t>10</a:t>
+            </a:fld>
+            <a:endParaRPr lang="en-US"/>
+          </a:p>
+        </p:txBody>
+      </p:sp>
+      <mc:AlternateContent xmlns:mc="http://schemas.openxmlformats.org/markup-compatibility/2006">
+        <mc:Choice xmlns:a14="http://schemas.microsoft.com/office/drawing/2010/main" Requires="a14">
+          <p:sp>
+            <p:nvSpPr>
+              <p:cNvPr id="7" name="內容版面配置區 6"/>
+              <p:cNvSpPr>
+                <a:spLocks noGrp="1"/>
+              </p:cNvSpPr>
+              <p:nvPr>
+                <p:ph idx="1"/>
+              </p:nvPr>
+            </p:nvSpPr>
+            <p:spPr>
+              <a:xfrm>
+                <a:off x="1261776" y="1770422"/>
+                <a:ext cx="5306976" cy="4610906"/>
+              </a:xfrm>
+            </p:spPr>
+            <p:txBody>
+              <a:bodyPr/>
+              <a:lstStyle/>
+              <a:p>
+                <a:pPr marL="11112" indent="0" algn="ctr">
+                  <a:buNone/>
+                </a:pPr>
+                <a14:m>
+                  <m:oMathPara xmlns:m="http://schemas.openxmlformats.org/officeDocument/2006/math">
+                    <m:oMathParaPr>
+                      <m:jc m:val="left"/>
+                    </m:oMathParaPr>
+                    <m:oMath xmlns:m="http://schemas.openxmlformats.org/officeDocument/2006/math">
+                      <m:r>
+                        <a:rPr kumimoji="1" lang="en-US" altLang="zh-TW" sz="4000" b="0" i="1" smtClean="0">
+                          <a:latin typeface="Cambria Math" charset="0"/>
+                          <a:ea typeface="Times New Roman" charset="0"/>
+                          <a:cs typeface="Times New Roman" charset="0"/>
+                        </a:rPr>
+                        <m:t>𝐷</m:t>
+                      </m:r>
+                      <m:r>
+                        <a:rPr kumimoji="1" lang="en-US" altLang="zh-TW" sz="4000" b="0" i="1" smtClean="0">
+                          <a:latin typeface="Cambria Math" charset="0"/>
+                          <a:ea typeface="Times New Roman" charset="0"/>
+                          <a:cs typeface="Times New Roman" charset="0"/>
+                        </a:rPr>
+                        <m:t>=</m:t>
+                      </m:r>
+                      <m:f>
+                        <m:fPr>
+                          <m:ctrlPr>
+                            <a:rPr kumimoji="1" lang="mr-IN" altLang="zh-TW" sz="4000" b="0" i="1" smtClean="0">
+                              <a:latin typeface="Cambria Math" charset="0"/>
+                              <a:ea typeface="Times New Roman" charset="0"/>
+                              <a:cs typeface="Times New Roman" charset="0"/>
+                            </a:rPr>
+                          </m:ctrlPr>
+                        </m:fPr>
+                        <m:num>
+                          <m:r>
+                            <a:rPr kumimoji="1" lang="en-US" altLang="zh-TW" sz="4000" b="0" i="1" smtClean="0">
+                              <a:latin typeface="Cambria Math" charset="0"/>
+                              <a:ea typeface="Times New Roman" charset="0"/>
+                              <a:cs typeface="Times New Roman" charset="0"/>
+                            </a:rPr>
+                            <m:t>2</m:t>
+                          </m:r>
+                        </m:num>
+                        <m:den>
+                          <m:r>
+                            <a:rPr kumimoji="1" lang="en-US" altLang="zh-TW" sz="4000" b="0" i="1" smtClean="0">
+                              <a:latin typeface="Cambria Math" charset="0"/>
+                              <a:ea typeface="Times New Roman" charset="0"/>
+                              <a:cs typeface="Times New Roman" charset="0"/>
+                            </a:rPr>
+                            <m:t>1−</m:t>
+                          </m:r>
+                          <m:r>
+                            <a:rPr kumimoji="1" lang="en-US" altLang="zh-TW" sz="4000" b="0" i="1" smtClean="0">
+                              <a:latin typeface="Cambria Math" charset="0"/>
+                              <a:ea typeface="Times New Roman" charset="0"/>
+                              <a:cs typeface="Times New Roman" charset="0"/>
+                            </a:rPr>
+                            <m:t>𝑐𝑜𝑠</m:t>
+                          </m:r>
+                          <m:f>
+                            <m:fPr>
+                              <m:ctrlPr>
+                                <a:rPr kumimoji="1" lang="mr-IN" altLang="zh-TW" sz="4000" b="0" i="1" smtClean="0">
+                                  <a:latin typeface="Cambria Math" charset="0"/>
+                                  <a:ea typeface="Times New Roman" charset="0"/>
+                                  <a:cs typeface="Times New Roman" charset="0"/>
+                                </a:rPr>
+                              </m:ctrlPr>
+                            </m:fPr>
+                            <m:num>
+                              <m:r>
+                                <a:rPr kumimoji="1" lang="mr-IN" altLang="zh-TW" sz="4000" b="0" i="1" smtClean="0">
+                                  <a:latin typeface="Cambria Math" charset="0"/>
+                                  <a:ea typeface="Cambria Math" charset="0"/>
+                                  <a:cs typeface="Cambria Math" charset="0"/>
+                                </a:rPr>
+                                <m:t>𝜃</m:t>
+                              </m:r>
+                            </m:num>
+                            <m:den>
+                              <m:r>
+                                <a:rPr kumimoji="1" lang="en-US" altLang="zh-TW" sz="4000" b="0" i="1" smtClean="0">
+                                  <a:latin typeface="Cambria Math" charset="0"/>
+                                  <a:ea typeface="Times New Roman" charset="0"/>
+                                  <a:cs typeface="Times New Roman" charset="0"/>
+                                </a:rPr>
+                                <m:t>2</m:t>
+                              </m:r>
+                            </m:den>
+                          </m:f>
+                        </m:den>
+                      </m:f>
+                    </m:oMath>
+                  </m:oMathPara>
+                </a14:m>
+                <a:endParaRPr kumimoji="1" lang="en-US" altLang="zh-TW" sz="4000" b="0" dirty="0" smtClean="0">
+                  <a:latin typeface="Times New Roman" charset="0"/>
+                  <a:ea typeface="Times New Roman" charset="0"/>
+                  <a:cs typeface="Times New Roman" charset="0"/>
+                </a:endParaRPr>
+              </a:p>
+              <a:p>
+                <a:pPr marL="11112" indent="0" algn="ctr">
+                  <a:lnSpc>
+                    <a:spcPct val="150000"/>
+                  </a:lnSpc>
+                  <a:buNone/>
+                </a:pPr>
+                <a14:m>
+                  <m:oMathPara xmlns:m="http://schemas.openxmlformats.org/officeDocument/2006/math">
+                    <m:oMathParaPr>
+                      <m:jc m:val="left"/>
+                    </m:oMathParaPr>
+                    <m:oMath xmlns:m="http://schemas.openxmlformats.org/officeDocument/2006/math">
+                      <m:sSub>
+                        <m:sSubPr>
+                          <m:ctrlPr>
+                            <a:rPr kumimoji="1" lang="en-US" altLang="zh-TW" sz="4000" i="1" smtClean="0">
+                              <a:latin typeface="Cambria Math" charset="0"/>
+                              <a:ea typeface="Times New Roman" charset="0"/>
+                              <a:cs typeface="Times New Roman" charset="0"/>
+                            </a:rPr>
+                          </m:ctrlPr>
+                        </m:sSubPr>
+                        <m:e>
+                          <m:r>
+                            <a:rPr kumimoji="1" lang="en-US" altLang="zh-TW" sz="4000" b="0" i="1" smtClean="0">
+                              <a:latin typeface="Cambria Math" charset="0"/>
+                              <a:ea typeface="Times New Roman" charset="0"/>
+                              <a:cs typeface="Times New Roman" charset="0"/>
+                            </a:rPr>
+                            <m:t>𝐷</m:t>
+                          </m:r>
+                        </m:e>
+                        <m:sub>
+                          <m:r>
+                            <a:rPr kumimoji="1" lang="en-US" altLang="zh-TW" sz="4000" b="0" i="1" smtClean="0">
+                              <a:latin typeface="Cambria Math" charset="0"/>
+                              <a:ea typeface="Times New Roman" charset="0"/>
+                              <a:cs typeface="Times New Roman" charset="0"/>
+                            </a:rPr>
+                            <m:t>𝑑𝐵𝑖</m:t>
+                          </m:r>
+                        </m:sub>
+                      </m:sSub>
+                      <m:r>
+                        <a:rPr kumimoji="1" lang="en-US" altLang="zh-TW" sz="4000" b="0" i="1" smtClean="0">
+                          <a:latin typeface="Cambria Math" charset="0"/>
+                          <a:ea typeface="Times New Roman" charset="0"/>
+                          <a:cs typeface="Times New Roman" charset="0"/>
+                        </a:rPr>
+                        <m:t>=10</m:t>
+                      </m:r>
+                      <m:r>
+                        <a:rPr kumimoji="1" lang="en-US" altLang="zh-TW" sz="4000" b="0" i="1" smtClean="0">
+                          <a:latin typeface="Cambria Math" charset="0"/>
+                          <a:ea typeface="Cambria Math" charset="0"/>
+                          <a:cs typeface="Cambria Math" charset="0"/>
+                        </a:rPr>
+                        <m:t>∙</m:t>
+                      </m:r>
+                      <m:sSub>
+                        <m:sSubPr>
+                          <m:ctrlPr>
+                            <a:rPr kumimoji="1" lang="en-US" altLang="zh-TW" sz="4000" b="0" i="1" smtClean="0">
+                              <a:latin typeface="Cambria Math" charset="0"/>
+                              <a:ea typeface="Cambria Math" charset="0"/>
+                              <a:cs typeface="Cambria Math" charset="0"/>
+                            </a:rPr>
+                          </m:ctrlPr>
+                        </m:sSubPr>
+                        <m:e>
+                          <m:r>
+                            <a:rPr kumimoji="1" lang="en-US" altLang="zh-TW" sz="4000" b="0" i="1" smtClean="0">
+                              <a:latin typeface="Cambria Math" charset="0"/>
+                              <a:ea typeface="Cambria Math" charset="0"/>
+                              <a:cs typeface="Cambria Math" charset="0"/>
+                            </a:rPr>
+                            <m:t>𝑙𝑜𝑔</m:t>
+                          </m:r>
+                        </m:e>
+                        <m:sub>
+                          <m:r>
+                            <a:rPr kumimoji="1" lang="en-US" altLang="zh-TW" sz="4000" b="0" i="1" smtClean="0">
+                              <a:latin typeface="Cambria Math" charset="0"/>
+                              <a:ea typeface="Cambria Math" charset="0"/>
+                              <a:cs typeface="Cambria Math" charset="0"/>
+                            </a:rPr>
+                            <m:t>10</m:t>
+                          </m:r>
+                        </m:sub>
+                      </m:sSub>
+                      <m:r>
+                        <a:rPr kumimoji="1" lang="en-US" altLang="zh-TW" sz="4000" b="0" i="1" smtClean="0">
+                          <a:latin typeface="Cambria Math" charset="0"/>
+                          <a:ea typeface="Cambria Math" charset="0"/>
+                          <a:cs typeface="Cambria Math" charset="0"/>
+                        </a:rPr>
+                        <m:t>𝐷</m:t>
+                      </m:r>
+                    </m:oMath>
+                  </m:oMathPara>
+                </a14:m>
+                <a:endParaRPr kumimoji="1" lang="zh-TW" altLang="en-US" sz="4000" dirty="0">
+                  <a:latin typeface="Times New Roman" charset="0"/>
+                  <a:ea typeface="Times New Roman" charset="0"/>
+                  <a:cs typeface="Times New Roman" charset="0"/>
+                </a:endParaRPr>
+              </a:p>
+            </p:txBody>
+          </p:sp>
+        </mc:Choice>
+        <mc:Fallback>
+          <p:sp>
+            <p:nvSpPr>
+              <p:cNvPr id="7" name="內容版面配置區 6"/>
+              <p:cNvSpPr>
+                <a:spLocks noGrp="1" noRot="1" noChangeAspect="1" noMove="1" noResize="1" noEditPoints="1" noAdjustHandles="1" noChangeArrowheads="1" noChangeShapeType="1" noTextEdit="1"/>
+              </p:cNvSpPr>
+              <p:nvPr>
+                <p:ph idx="1"/>
+              </p:nvPr>
+            </p:nvSpPr>
+            <p:spPr>
+              <a:xfrm>
+                <a:off x="1261776" y="1770422"/>
+                <a:ext cx="5306976" cy="4610906"/>
+              </a:xfrm>
+              <a:blipFill rotWithShape="0">
+                <a:blip r:embed="rId3"/>
+                <a:stretch>
+                  <a:fillRect/>
+                </a:stretch>
+              </a:blipFill>
+            </p:spPr>
+            <p:txBody>
+              <a:bodyPr/>
+              <a:lstStyle/>
+              <a:p>
+                <a:r>
+                  <a:rPr lang="zh-TW" altLang="en-US">
+                    <a:noFill/>
+                  </a:rPr>
+                  <a:t> </a:t>
+                </a:r>
+              </a:p>
+            </p:txBody>
+          </p:sp>
+        </mc:Fallback>
+      </mc:AlternateContent>
+    </p:spTree>
+    <p:extLst>
+      <p:ext uri="{BB962C8B-B14F-4D97-AF65-F5344CB8AC3E}">
+        <p14:creationId xmlns:p14="http://schemas.microsoft.com/office/powerpoint/2010/main" val="1135273034"/>
+      </p:ext>
+    </p:extLst>
+  </p:cSld>
+  <p:clrMapOvr>
+    <a:masterClrMapping/>
+  </p:clrMapOvr>
+  <mc:AlternateContent xmlns:mc="http://schemas.openxmlformats.org/markup-compatibility/2006" xmlns:p14="http://schemas.microsoft.com/office/powerpoint/2010/main">
+    <mc:Choice Requires="p14">
+      <p:transition spd="med" p14:dur="700">
+        <p:fade/>
+      </p:transition>
+    </mc:Choice>
+    <mc:Fallback xmlns="">
+      <p:transition spd="med">
+        <p:fade/>
+      </p:transition>
+    </mc:Fallback>
+  </mc:AlternateContent>
+  <p:timing>
+    <p:tnLst>
+      <p:par>
+        <p:cTn id="1" dur="indefinite" restart="never" nodeType="tmRoot"/>
+      </p:par>
+    </p:tnLst>
+  </p:timing>
+</p:sld>
+</file>
+
+<file path=ppt/slides/slide11.xml><?xml version="1.0" encoding="utf-8"?>
+<p:sld xmlns:a="http://schemas.openxmlformats.org/drawingml/2006/main" xmlns:r="http://schemas.openxmlformats.org/officeDocument/2006/relationships" xmlns:p="http://schemas.openxmlformats.org/presentationml/2006/main">
+  <p:cSld>
+    <p:spTree>
+      <p:nvGrpSpPr>
+        <p:cNvPr id="1" name=""/>
+        <p:cNvGrpSpPr/>
+        <p:nvPr/>
+      </p:nvGrpSpPr>
+      <p:grpSpPr>
+        <a:xfrm>
+          <a:off x="0" y="0"/>
+          <a:ext cx="0" cy="0"/>
+          <a:chOff x="0" y="0"/>
+          <a:chExt cx="0" cy="0"/>
+        </a:xfrm>
+      </p:grpSpPr>
+      <p:sp>
+        <p:nvSpPr>
+          <p:cNvPr id="2" name="標題 1"/>
+          <p:cNvSpPr>
+            <a:spLocks noGrp="1"/>
+          </p:cNvSpPr>
+          <p:nvPr>
+            <p:ph type="title"/>
+          </p:nvPr>
+        </p:nvSpPr>
+        <p:spPr/>
+        <p:txBody>
+          <a:bodyPr/>
+          <a:lstStyle/>
+          <a:p>
+            <a:r>
+              <a:rPr kumimoji="1" lang="en-US" altLang="zh-TW" dirty="0" smtClean="0">
+                <a:latin typeface="Times New Roman" charset="0"/>
+                <a:ea typeface="Times New Roman" charset="0"/>
+                <a:cs typeface="Times New Roman" charset="0"/>
+              </a:rPr>
+              <a:t>Isotropic radiator</a:t>
+            </a:r>
+            <a:endParaRPr kumimoji="1" lang="zh-TW" altLang="en-US" dirty="0">
+              <a:latin typeface="Times New Roman" charset="0"/>
+              <a:ea typeface="Times New Roman" charset="0"/>
+              <a:cs typeface="Times New Roman" charset="0"/>
+            </a:endParaRPr>
+          </a:p>
+        </p:txBody>
+      </p:sp>
+      <p:sp>
+        <p:nvSpPr>
+          <p:cNvPr id="4" name="投影片編號版面配置區 3"/>
+          <p:cNvSpPr>
+            <a:spLocks noGrp="1"/>
+          </p:cNvSpPr>
+          <p:nvPr>
+            <p:ph type="sldNum" sz="quarter" idx="12"/>
+          </p:nvPr>
+        </p:nvSpPr>
+        <p:spPr/>
+        <p:txBody>
+          <a:bodyPr/>
+          <a:lstStyle/>
+          <a:p>
+            <a:fld id="{3EBBE1F4-AE36-AD42-8177-96288CD18AD2}" type="slidenum">
+              <a:rPr lang="en-US" smtClean="0"/>
+              <a:pPr/>
+              <a:t>11</a:t>
+            </a:fld>
+            <a:endParaRPr lang="en-US"/>
+          </a:p>
+        </p:txBody>
+      </p:sp>
+      <p:sp>
+        <p:nvSpPr>
+          <p:cNvPr id="7" name="內容版面配置區 6"/>
+          <p:cNvSpPr>
+            <a:spLocks noGrp="1"/>
+          </p:cNvSpPr>
+          <p:nvPr>
+            <p:ph idx="1"/>
+          </p:nvPr>
+        </p:nvSpPr>
+        <p:spPr>
+          <a:xfrm>
+            <a:off x="1261775" y="1770422"/>
+            <a:ext cx="9668449" cy="4610906"/>
+          </a:xfrm>
+        </p:spPr>
+        <p:txBody>
+          <a:bodyPr/>
+          <a:lstStyle/>
+          <a:p>
+            <a:pPr marL="11112" indent="0" algn="ctr">
+              <a:lnSpc>
+                <a:spcPct val="150000"/>
+              </a:lnSpc>
+              <a:buNone/>
+            </a:pPr>
+            <a:endParaRPr kumimoji="1" lang="zh-TW" altLang="en-US" sz="3200" dirty="0">
+              <a:latin typeface="Times New Roman" charset="0"/>
+              <a:ea typeface="Times New Roman" charset="0"/>
+              <a:cs typeface="Times New Roman" charset="0"/>
+            </a:endParaRPr>
+          </a:p>
+        </p:txBody>
+      </p:sp>
+    </p:spTree>
+    <p:extLst>
+      <p:ext uri="{BB962C8B-B14F-4D97-AF65-F5344CB8AC3E}">
+        <p14:creationId xmlns:p14="http://schemas.microsoft.com/office/powerpoint/2010/main" val="39696206"/>
+      </p:ext>
+    </p:extLst>
+  </p:cSld>
+  <p:clrMapOvr>
+    <a:masterClrMapping/>
+  </p:clrMapOvr>
+  <mc:AlternateContent xmlns:mc="http://schemas.openxmlformats.org/markup-compatibility/2006" xmlns:p14="http://schemas.microsoft.com/office/powerpoint/2010/main">
+    <mc:Choice Requires="p14">
+      <p:transition spd="med" p14:dur="700">
+        <p:fade/>
+      </p:transition>
+    </mc:Choice>
+    <mc:Fallback xmlns="">
+      <p:transition spd="med">
+        <p:fade/>
+      </p:transition>
+    </mc:Fallback>
+  </mc:AlternateContent>
+  <p:timing>
+    <p:tnLst>
+      <p:par>
+        <p:cTn id="1" dur="indefinite" restart="never" nodeType="tmRoot"/>
+      </p:par>
+    </p:tnLst>
+  </p:timing>
+</p:sld>
+</file>
+
+<file path=ppt/slides/slide12.xml><?xml version="1.0" encoding="utf-8"?>
+<p:sld xmlns:a="http://schemas.openxmlformats.org/drawingml/2006/main" xmlns:r="http://schemas.openxmlformats.org/officeDocument/2006/relationships" xmlns:p="http://schemas.openxmlformats.org/presentationml/2006/main">
+  <p:cSld>
+    <p:spTree>
+      <p:nvGrpSpPr>
+        <p:cNvPr id="1" name=""/>
+        <p:cNvGrpSpPr/>
+        <p:nvPr/>
+      </p:nvGrpSpPr>
+      <p:grpSpPr>
+        <a:xfrm>
+          <a:off x="0" y="0"/>
+          <a:ext cx="0" cy="0"/>
+          <a:chOff x="0" y="0"/>
+          <a:chExt cx="0" cy="0"/>
+        </a:xfrm>
+      </p:grpSpPr>
+      <p:sp>
+        <p:nvSpPr>
+          <p:cNvPr id="2" name="標題 1"/>
+          <p:cNvSpPr>
+            <a:spLocks noGrp="1"/>
+          </p:cNvSpPr>
+          <p:nvPr>
+            <p:ph type="title"/>
+          </p:nvPr>
+        </p:nvSpPr>
+        <p:spPr/>
+        <p:txBody>
+          <a:bodyPr/>
+          <a:lstStyle/>
+          <a:p>
+            <a:r>
+              <a:rPr lang="en-US" altLang="zh-TW" dirty="0" smtClean="0">
+                <a:latin typeface="Times New Roman" panose="02020603050405020304" pitchFamily="18" charset="0"/>
+                <a:cs typeface="Times New Roman" panose="02020603050405020304" pitchFamily="18" charset="0"/>
+              </a:rPr>
+              <a:t>Outline</a:t>
+            </a:r>
+            <a:endParaRPr lang="zh-TW" altLang="en-US" dirty="0">
+              <a:latin typeface="Times New Roman" panose="02020603050405020304" pitchFamily="18" charset="0"/>
+              <a:cs typeface="Times New Roman" panose="02020603050405020304" pitchFamily="18" charset="0"/>
             </a:endParaRPr>
           </a:p>
         </p:txBody>
@@ -8954,104 +9777,58 @@
           <a:p>
             <a:pPr>
               <a:lnSpc>
-                <a:spcPct val="200000"/>
+                <a:spcPct val="150000"/>
               </a:lnSpc>
             </a:pPr>
             <a:r>
-              <a:rPr kumimoji="1" lang="en-US" altLang="zh-TW" dirty="0">
+              <a:rPr lang="en-US" altLang="zh-TW" sz="3200" b="1" dirty="0" smtClean="0">
                 <a:latin typeface="Times New Roman" charset="0"/>
                 <a:ea typeface="Times New Roman" charset="0"/>
                 <a:cs typeface="Times New Roman" charset="0"/>
-                <a:hlinkClick r:id="rId2"/>
               </a:rPr>
-              <a:t>https://www.flaticon.com</a:t>
-            </a:r>
-            <a:r>
-              <a:rPr kumimoji="1" lang="en-US" altLang="zh-TW" dirty="0" smtClean="0">
+              <a:t>Channel</a:t>
+            </a:r>
+          </a:p>
+          <a:p>
+            <a:pPr>
+              <a:lnSpc>
+                <a:spcPct val="150000"/>
+              </a:lnSpc>
+            </a:pPr>
+            <a:r>
+              <a:rPr lang="en-US" altLang="zh-TW" sz="3200" b="1" dirty="0" err="1" smtClean="0">
                 <a:latin typeface="Times New Roman" charset="0"/>
                 <a:ea typeface="Times New Roman" charset="0"/>
                 <a:cs typeface="Times New Roman" charset="0"/>
-                <a:hlinkClick r:id="rId2"/>
               </a:rPr>
-              <a:t>/</a:t>
-            </a:r>
-            <a:endParaRPr kumimoji="1" lang="en-US" altLang="zh-TW" dirty="0" smtClean="0">
-              <a:latin typeface="Times New Roman" charset="0"/>
-              <a:ea typeface="Times New Roman" charset="0"/>
-              <a:cs typeface="Times New Roman" charset="0"/>
-            </a:endParaRPr>
-          </a:p>
-          <a:p>
-            <a:pPr>
-              <a:lnSpc>
-                <a:spcPct val="200000"/>
-              </a:lnSpc>
-            </a:pPr>
-            <a:r>
-              <a:rPr kumimoji="1" lang="en-US" altLang="zh-TW" dirty="0">
+              <a:t>Friis</a:t>
+            </a:r>
+            <a:r>
+              <a:rPr lang="en-US" altLang="zh-TW" sz="3200" b="1" dirty="0" smtClean="0">
                 <a:latin typeface="Times New Roman" charset="0"/>
                 <a:ea typeface="Times New Roman" charset="0"/>
                 <a:cs typeface="Times New Roman" charset="0"/>
-                <a:hlinkClick r:id="rId3"/>
               </a:rPr>
-              <a:t>https://</a:t>
-            </a:r>
-            <a:r>
-              <a:rPr kumimoji="1" lang="en-US" altLang="zh-TW" dirty="0" smtClean="0">
+              <a:t> Transmission Equation</a:t>
+            </a:r>
+          </a:p>
+          <a:p>
+            <a:pPr>
+              <a:lnSpc>
+                <a:spcPct val="150000"/>
+              </a:lnSpc>
+            </a:pPr>
+            <a:r>
+              <a:rPr lang="en-US" altLang="zh-TW" sz="3200" b="1" dirty="0" smtClean="0">
                 <a:latin typeface="Times New Roman" charset="0"/>
                 <a:ea typeface="Times New Roman" charset="0"/>
                 <a:cs typeface="Times New Roman" charset="0"/>
-                <a:hlinkClick r:id="rId3"/>
               </a:rPr>
-              <a:t>www.sitebuilderreport.com/stock-up</a:t>
-            </a:r>
-            <a:endParaRPr kumimoji="1" lang="en-US" altLang="zh-TW" dirty="0" smtClean="0">
-              <a:latin typeface="Times New Roman" charset="0"/>
-              <a:ea typeface="Times New Roman" charset="0"/>
-              <a:cs typeface="Times New Roman" charset="0"/>
-            </a:endParaRPr>
-          </a:p>
-          <a:p>
-            <a:pPr>
-              <a:lnSpc>
-                <a:spcPct val="200000"/>
-              </a:lnSpc>
-            </a:pPr>
-            <a:r>
-              <a:rPr kumimoji="1" lang="en-US" altLang="zh-TW" dirty="0">
-                <a:latin typeface="Times New Roman" charset="0"/>
-                <a:ea typeface="Times New Roman" charset="0"/>
-                <a:cs typeface="Times New Roman" charset="0"/>
-                <a:hlinkClick r:id="rId4"/>
-              </a:rPr>
-              <a:t>https://</a:t>
-            </a:r>
-            <a:r>
-              <a:rPr kumimoji="1" lang="en-US" altLang="zh-TW" dirty="0" smtClean="0">
-                <a:latin typeface="Times New Roman" charset="0"/>
-                <a:ea typeface="Times New Roman" charset="0"/>
-                <a:cs typeface="Times New Roman" charset="0"/>
-                <a:hlinkClick r:id="rId4"/>
-              </a:rPr>
-              <a:t>cs.nju.edu.cn/lxie/publication/INFOCOM2018Wang.pdf</a:t>
-            </a:r>
-            <a:endParaRPr kumimoji="1" lang="en-US" altLang="zh-TW" dirty="0" smtClean="0">
-              <a:latin typeface="Times New Roman" charset="0"/>
-              <a:ea typeface="Times New Roman" charset="0"/>
-              <a:cs typeface="Times New Roman" charset="0"/>
-            </a:endParaRPr>
-          </a:p>
-          <a:p>
-            <a:pPr>
-              <a:lnSpc>
-                <a:spcPct val="200000"/>
-              </a:lnSpc>
-            </a:pPr>
-            <a:endParaRPr kumimoji="1" lang="zh-TW" altLang="en-US" dirty="0">
-              <a:latin typeface="Times New Roman" charset="0"/>
-              <a:ea typeface="Times New Roman" charset="0"/>
-              <a:cs typeface="Times New Roman" charset="0"/>
-            </a:endParaRPr>
+              <a:t>RFID</a:t>
+            </a:r>
+          </a:p>
+          <a:p>
+            <a:endParaRPr lang="zh-TW" altLang="en-US" dirty="0"/>
           </a:p>
         </p:txBody>
       </p:sp>
@@ -9073,7 +9850,484 @@
             <a:fld id="{3EBBE1F4-AE36-AD42-8177-96288CD18AD2}" type="slidenum">
               <a:rPr lang="en-US" smtClean="0"/>
               <a:pPr/>
-              <a:t>10</a:t>
+              <a:t>12</a:t>
+            </a:fld>
+            <a:endParaRPr lang="en-US"/>
+          </a:p>
+        </p:txBody>
+      </p:sp>
+      <p:sp>
+        <p:nvSpPr>
+          <p:cNvPr id="5" name="矩形 4"/>
+          <p:cNvSpPr/>
+          <p:nvPr/>
+        </p:nvSpPr>
+        <p:spPr>
+          <a:xfrm>
+            <a:off x="0" y="-148281"/>
+            <a:ext cx="12282616" cy="7364627"/>
+          </a:xfrm>
+          <a:prstGeom prst="rect">
+            <a:avLst/>
+          </a:prstGeom>
+          <a:solidFill>
+            <a:schemeClr val="tx1">
+              <a:lumMod val="65000"/>
+              <a:lumOff val="35000"/>
+              <a:alpha val="86000"/>
+            </a:schemeClr>
+          </a:solidFill>
+        </p:spPr>
+        <p:style>
+          <a:lnRef idx="2">
+            <a:schemeClr val="accent1">
+              <a:shade val="50000"/>
+            </a:schemeClr>
+          </a:lnRef>
+          <a:fillRef idx="1">
+            <a:schemeClr val="accent1"/>
+          </a:fillRef>
+          <a:effectRef idx="0">
+            <a:schemeClr val="accent1"/>
+          </a:effectRef>
+          <a:fontRef idx="minor">
+            <a:schemeClr val="lt1"/>
+          </a:fontRef>
+        </p:style>
+        <p:txBody>
+          <a:bodyPr rtlCol="0" anchor="ctr"/>
+          <a:lstStyle/>
+          <a:p>
+            <a:pPr algn="ctr"/>
+            <a:endParaRPr lang="zh-TW" altLang="en-US"/>
+          </a:p>
+        </p:txBody>
+      </p:sp>
+      <p:sp>
+        <p:nvSpPr>
+          <p:cNvPr id="8" name="內容版面配置區 2"/>
+          <p:cNvSpPr txBox="1">
+            <a:spLocks/>
+          </p:cNvSpPr>
+          <p:nvPr/>
+        </p:nvSpPr>
+        <p:spPr>
+          <a:xfrm>
+            <a:off x="335362" y="3159486"/>
+            <a:ext cx="11521280" cy="4610906"/>
+          </a:xfrm>
+          <a:prstGeom prst="rect">
+            <a:avLst/>
+          </a:prstGeom>
+        </p:spPr>
+        <p:txBody>
+          <a:bodyPr/>
+          <a:lstStyle>
+            <a:lvl1pPr marL="403225" indent="-392113" algn="l" defTabSz="914400" rtl="0" eaLnBrk="1" latinLnBrk="0" hangingPunct="1">
+              <a:lnSpc>
+                <a:spcPct val="100000"/>
+              </a:lnSpc>
+              <a:spcBef>
+                <a:spcPts val="0"/>
+              </a:spcBef>
+              <a:buFont typeface="Helvetica" pitchFamily="2" charset="0"/>
+              <a:buChar char="●"/>
+              <a:tabLst/>
+              <a:defRPr sz="2800" kern="1200" baseline="0">
+                <a:solidFill>
+                  <a:schemeClr val="tx1"/>
+                </a:solidFill>
+                <a:latin typeface="Arial" panose="020B0604020202020204" pitchFamily="34" charset="0"/>
+                <a:ea typeface="微軟正黑體" panose="020B0604030504040204" pitchFamily="34" charset="-120"/>
+                <a:cs typeface="Arial" panose="020B0604020202020204" pitchFamily="34" charset="0"/>
+              </a:defRPr>
+            </a:lvl1pPr>
+            <a:lvl2pPr marL="808038" indent="-404813" algn="l" defTabSz="914400" rtl="0" eaLnBrk="1" latinLnBrk="0" hangingPunct="1">
+              <a:lnSpc>
+                <a:spcPct val="100000"/>
+              </a:lnSpc>
+              <a:spcBef>
+                <a:spcPts val="0"/>
+              </a:spcBef>
+              <a:buFont typeface="Helvetica" pitchFamily="2" charset="0"/>
+              <a:buChar char="●"/>
+              <a:tabLst/>
+              <a:defRPr sz="2800" kern="1200" baseline="0">
+                <a:solidFill>
+                  <a:schemeClr val="tx1"/>
+                </a:solidFill>
+                <a:latin typeface="Arial" panose="020B0604020202020204" pitchFamily="34" charset="0"/>
+                <a:ea typeface="微軟正黑體" panose="020B0604030504040204" pitchFamily="34" charset="-120"/>
+                <a:cs typeface="Arial" panose="020B0604020202020204" pitchFamily="34" charset="0"/>
+              </a:defRPr>
+            </a:lvl2pPr>
+            <a:lvl3pPr marL="1157288" indent="-349250" algn="l" defTabSz="914400" rtl="0" eaLnBrk="1" latinLnBrk="0" hangingPunct="1">
+              <a:lnSpc>
+                <a:spcPct val="100000"/>
+              </a:lnSpc>
+              <a:spcBef>
+                <a:spcPts val="0"/>
+              </a:spcBef>
+              <a:buFont typeface="Helvetica" pitchFamily="2" charset="0"/>
+              <a:buChar char="●"/>
+              <a:tabLst/>
+              <a:defRPr sz="2800" kern="1200" baseline="0">
+                <a:solidFill>
+                  <a:schemeClr val="tx1"/>
+                </a:solidFill>
+                <a:latin typeface="Arial" panose="020B0604020202020204" pitchFamily="34" charset="0"/>
+                <a:ea typeface="微軟正黑體" panose="020B0604030504040204" pitchFamily="34" charset="-120"/>
+                <a:cs typeface="Arial" panose="020B0604020202020204" pitchFamily="34" charset="0"/>
+              </a:defRPr>
+            </a:lvl3pPr>
+            <a:lvl4pPr marL="1516063" indent="-358775" algn="l" defTabSz="914400" rtl="0" eaLnBrk="1" latinLnBrk="0" hangingPunct="1">
+              <a:lnSpc>
+                <a:spcPct val="100000"/>
+              </a:lnSpc>
+              <a:spcBef>
+                <a:spcPts val="0"/>
+              </a:spcBef>
+              <a:buFont typeface="Helvetica" pitchFamily="2" charset="0"/>
+              <a:buChar char="●"/>
+              <a:tabLst/>
+              <a:defRPr sz="2800" kern="1200" baseline="0">
+                <a:solidFill>
+                  <a:schemeClr val="tx1"/>
+                </a:solidFill>
+                <a:latin typeface="Arial" panose="020B0604020202020204" pitchFamily="34" charset="0"/>
+                <a:ea typeface="微軟正黑體" panose="020B0604030504040204" pitchFamily="34" charset="-120"/>
+                <a:cs typeface="Arial" panose="020B0604020202020204" pitchFamily="34" charset="0"/>
+              </a:defRPr>
+            </a:lvl4pPr>
+            <a:lvl5pPr marL="1876425" indent="-360363" algn="l" defTabSz="914400" rtl="0" eaLnBrk="1" latinLnBrk="0" hangingPunct="1">
+              <a:lnSpc>
+                <a:spcPct val="100000"/>
+              </a:lnSpc>
+              <a:spcBef>
+                <a:spcPts val="0"/>
+              </a:spcBef>
+              <a:buFont typeface="Helvetica" pitchFamily="2" charset="0"/>
+              <a:buChar char="●"/>
+              <a:tabLst/>
+              <a:defRPr sz="2800" kern="1200" baseline="0">
+                <a:solidFill>
+                  <a:schemeClr val="tx1"/>
+                </a:solidFill>
+                <a:latin typeface="Arial" panose="020B0604020202020204" pitchFamily="34" charset="0"/>
+                <a:ea typeface="微軟正黑體" panose="020B0604030504040204" pitchFamily="34" charset="-120"/>
+                <a:cs typeface="Arial" panose="020B0604020202020204" pitchFamily="34" charset="0"/>
+              </a:defRPr>
+            </a:lvl5pPr>
+            <a:lvl6pPr marL="2514600" indent="-228600" algn="l" defTabSz="914400" rtl="0" eaLnBrk="1" latinLnBrk="0" hangingPunct="1">
+              <a:lnSpc>
+                <a:spcPct val="90000"/>
+              </a:lnSpc>
+              <a:spcBef>
+                <a:spcPts val="500"/>
+              </a:spcBef>
+              <a:buFont typeface="Arial" panose="020B0604020202020204" pitchFamily="34" charset="0"/>
+              <a:buChar char="•"/>
+              <a:defRPr sz="1800" kern="1200">
+                <a:solidFill>
+                  <a:schemeClr val="tx1"/>
+                </a:solidFill>
+                <a:latin typeface="+mn-lt"/>
+                <a:ea typeface="+mn-ea"/>
+                <a:cs typeface="+mn-cs"/>
+              </a:defRPr>
+            </a:lvl6pPr>
+            <a:lvl7pPr marL="2971800" indent="-228600" algn="l" defTabSz="914400" rtl="0" eaLnBrk="1" latinLnBrk="0" hangingPunct="1">
+              <a:lnSpc>
+                <a:spcPct val="90000"/>
+              </a:lnSpc>
+              <a:spcBef>
+                <a:spcPts val="500"/>
+              </a:spcBef>
+              <a:buFont typeface="Arial" panose="020B0604020202020204" pitchFamily="34" charset="0"/>
+              <a:buChar char="•"/>
+              <a:defRPr sz="1800" kern="1200">
+                <a:solidFill>
+                  <a:schemeClr val="tx1"/>
+                </a:solidFill>
+                <a:latin typeface="+mn-lt"/>
+                <a:ea typeface="+mn-ea"/>
+                <a:cs typeface="+mn-cs"/>
+              </a:defRPr>
+            </a:lvl7pPr>
+            <a:lvl8pPr marL="3429000" indent="-228600" algn="l" defTabSz="914400" rtl="0" eaLnBrk="1" latinLnBrk="0" hangingPunct="1">
+              <a:lnSpc>
+                <a:spcPct val="90000"/>
+              </a:lnSpc>
+              <a:spcBef>
+                <a:spcPts val="500"/>
+              </a:spcBef>
+              <a:buFont typeface="Arial" panose="020B0604020202020204" pitchFamily="34" charset="0"/>
+              <a:buChar char="•"/>
+              <a:defRPr sz="1800" kern="1200">
+                <a:solidFill>
+                  <a:schemeClr val="tx1"/>
+                </a:solidFill>
+                <a:latin typeface="+mn-lt"/>
+                <a:ea typeface="+mn-ea"/>
+                <a:cs typeface="+mn-cs"/>
+              </a:defRPr>
+            </a:lvl8pPr>
+            <a:lvl9pPr marL="3886200" indent="-228600" algn="l" defTabSz="914400" rtl="0" eaLnBrk="1" latinLnBrk="0" hangingPunct="1">
+              <a:lnSpc>
+                <a:spcPct val="90000"/>
+              </a:lnSpc>
+              <a:spcBef>
+                <a:spcPts val="500"/>
+              </a:spcBef>
+              <a:buFont typeface="Arial" panose="020B0604020202020204" pitchFamily="34" charset="0"/>
+              <a:buChar char="•"/>
+              <a:defRPr sz="1800" kern="1200">
+                <a:solidFill>
+                  <a:schemeClr val="tx1"/>
+                </a:solidFill>
+                <a:latin typeface="+mn-lt"/>
+                <a:ea typeface="+mn-ea"/>
+                <a:cs typeface="+mn-cs"/>
+              </a:defRPr>
+            </a:lvl9pPr>
+          </a:lstStyle>
+          <a:p>
+            <a:pPr>
+              <a:lnSpc>
+                <a:spcPct val="150000"/>
+              </a:lnSpc>
+            </a:pPr>
+            <a:r>
+              <a:rPr lang="en-US" altLang="zh-TW" sz="3200" b="1" dirty="0" smtClean="0">
+                <a:solidFill>
+                  <a:srgbClr val="FFFF00"/>
+                </a:solidFill>
+                <a:latin typeface="Times New Roman" charset="0"/>
+                <a:ea typeface="Times New Roman" charset="0"/>
+                <a:cs typeface="Times New Roman" charset="0"/>
+              </a:rPr>
+              <a:t>RFID</a:t>
+            </a:r>
+          </a:p>
+        </p:txBody>
+      </p:sp>
+    </p:spTree>
+    <p:extLst>
+      <p:ext uri="{BB962C8B-B14F-4D97-AF65-F5344CB8AC3E}">
+        <p14:creationId xmlns:p14="http://schemas.microsoft.com/office/powerpoint/2010/main" val="568981971"/>
+      </p:ext>
+    </p:extLst>
+  </p:cSld>
+  <p:clrMapOvr>
+    <a:masterClrMapping/>
+  </p:clrMapOvr>
+  <mc:AlternateContent xmlns:mc="http://schemas.openxmlformats.org/markup-compatibility/2006" xmlns:p14="http://schemas.microsoft.com/office/powerpoint/2010/main">
+    <mc:Choice Requires="p14">
+      <p:transition spd="med" p14:dur="700">
+        <p:fade/>
+      </p:transition>
+    </mc:Choice>
+    <mc:Fallback xmlns="">
+      <p:transition spd="med">
+        <p:fade/>
+      </p:transition>
+    </mc:Fallback>
+  </mc:AlternateContent>
+  <p:timing>
+    <p:tnLst>
+      <p:par>
+        <p:cTn id="1" dur="indefinite" restart="never" nodeType="tmRoot"/>
+      </p:par>
+    </p:tnLst>
+  </p:timing>
+</p:sld>
+</file>
+
+<file path=ppt/slides/slide13.xml><?xml version="1.0" encoding="utf-8"?>
+<p:sld xmlns:a="http://schemas.openxmlformats.org/drawingml/2006/main" xmlns:r="http://schemas.openxmlformats.org/officeDocument/2006/relationships" xmlns:p="http://schemas.openxmlformats.org/presentationml/2006/main">
+  <p:cSld>
+    <p:spTree>
+      <p:nvGrpSpPr>
+        <p:cNvPr id="1" name=""/>
+        <p:cNvGrpSpPr/>
+        <p:nvPr/>
+      </p:nvGrpSpPr>
+      <p:grpSpPr>
+        <a:xfrm>
+          <a:off x="0" y="0"/>
+          <a:ext cx="0" cy="0"/>
+          <a:chOff x="0" y="0"/>
+          <a:chExt cx="0" cy="0"/>
+        </a:xfrm>
+      </p:grpSpPr>
+      <p:sp>
+        <p:nvSpPr>
+          <p:cNvPr id="2" name="標題 1"/>
+          <p:cNvSpPr>
+            <a:spLocks noGrp="1"/>
+          </p:cNvSpPr>
+          <p:nvPr>
+            <p:ph type="title"/>
+          </p:nvPr>
+        </p:nvSpPr>
+        <p:spPr/>
+        <p:txBody>
+          <a:bodyPr/>
+          <a:lstStyle/>
+          <a:p>
+            <a:r>
+              <a:rPr kumimoji="1" lang="en-US" altLang="zh-TW" dirty="0" smtClean="0">
+                <a:latin typeface="Times New Roman" charset="0"/>
+                <a:ea typeface="Times New Roman" charset="0"/>
+                <a:cs typeface="Times New Roman" charset="0"/>
+              </a:rPr>
+              <a:t>Reference</a:t>
+            </a:r>
+            <a:endParaRPr kumimoji="1" lang="zh-TW" altLang="en-US" dirty="0">
+              <a:latin typeface="Times New Roman" charset="0"/>
+              <a:ea typeface="Times New Roman" charset="0"/>
+              <a:cs typeface="Times New Roman" charset="0"/>
+            </a:endParaRPr>
+          </a:p>
+        </p:txBody>
+      </p:sp>
+      <p:sp>
+        <p:nvSpPr>
+          <p:cNvPr id="3" name="內容版面配置區 2"/>
+          <p:cNvSpPr>
+            <a:spLocks noGrp="1"/>
+          </p:cNvSpPr>
+          <p:nvPr>
+            <p:ph idx="1"/>
+          </p:nvPr>
+        </p:nvSpPr>
+        <p:spPr/>
+        <p:txBody>
+          <a:bodyPr/>
+          <a:lstStyle/>
+          <a:p>
+            <a:pPr>
+              <a:lnSpc>
+                <a:spcPct val="200000"/>
+              </a:lnSpc>
+            </a:pPr>
+            <a:r>
+              <a:rPr kumimoji="1" lang="en-US" altLang="zh-TW" dirty="0">
+                <a:latin typeface="Times New Roman" charset="0"/>
+                <a:ea typeface="Times New Roman" charset="0"/>
+                <a:cs typeface="Times New Roman" charset="0"/>
+                <a:hlinkClick r:id="rId2"/>
+              </a:rPr>
+              <a:t>https://www.flaticon.com</a:t>
+            </a:r>
+            <a:r>
+              <a:rPr kumimoji="1" lang="en-US" altLang="zh-TW" dirty="0" smtClean="0">
+                <a:latin typeface="Times New Roman" charset="0"/>
+                <a:ea typeface="Times New Roman" charset="0"/>
+                <a:cs typeface="Times New Roman" charset="0"/>
+                <a:hlinkClick r:id="rId2"/>
+              </a:rPr>
+              <a:t>/</a:t>
+            </a:r>
+            <a:endParaRPr kumimoji="1" lang="en-US" altLang="zh-TW" dirty="0" smtClean="0">
+              <a:latin typeface="Times New Roman" charset="0"/>
+              <a:ea typeface="Times New Roman" charset="0"/>
+              <a:cs typeface="Times New Roman" charset="0"/>
+            </a:endParaRPr>
+          </a:p>
+          <a:p>
+            <a:pPr>
+              <a:lnSpc>
+                <a:spcPct val="200000"/>
+              </a:lnSpc>
+            </a:pPr>
+            <a:r>
+              <a:rPr kumimoji="1" lang="en-US" altLang="zh-TW" dirty="0">
+                <a:latin typeface="Times New Roman" charset="0"/>
+                <a:ea typeface="Times New Roman" charset="0"/>
+                <a:cs typeface="Times New Roman" charset="0"/>
+                <a:hlinkClick r:id="rId3"/>
+              </a:rPr>
+              <a:t>https://</a:t>
+            </a:r>
+            <a:r>
+              <a:rPr kumimoji="1" lang="en-US" altLang="zh-TW" dirty="0" smtClean="0">
+                <a:latin typeface="Times New Roman" charset="0"/>
+                <a:ea typeface="Times New Roman" charset="0"/>
+                <a:cs typeface="Times New Roman" charset="0"/>
+                <a:hlinkClick r:id="rId3"/>
+              </a:rPr>
+              <a:t>www.sitebuilderreport.com/stock-up</a:t>
+            </a:r>
+            <a:endParaRPr kumimoji="1" lang="en-US" altLang="zh-TW" dirty="0" smtClean="0">
+              <a:latin typeface="Times New Roman" charset="0"/>
+              <a:ea typeface="Times New Roman" charset="0"/>
+              <a:cs typeface="Times New Roman" charset="0"/>
+            </a:endParaRPr>
+          </a:p>
+          <a:p>
+            <a:pPr>
+              <a:lnSpc>
+                <a:spcPct val="200000"/>
+              </a:lnSpc>
+            </a:pPr>
+            <a:r>
+              <a:rPr kumimoji="1" lang="en-US" altLang="zh-TW" dirty="0">
+                <a:latin typeface="Times New Roman" charset="0"/>
+                <a:ea typeface="Times New Roman" charset="0"/>
+                <a:cs typeface="Times New Roman" charset="0"/>
+                <a:hlinkClick r:id="rId4"/>
+              </a:rPr>
+              <a:t>https://</a:t>
+            </a:r>
+            <a:r>
+              <a:rPr kumimoji="1" lang="en-US" altLang="zh-TW" dirty="0" smtClean="0">
+                <a:latin typeface="Times New Roman" charset="0"/>
+                <a:ea typeface="Times New Roman" charset="0"/>
+                <a:cs typeface="Times New Roman" charset="0"/>
+                <a:hlinkClick r:id="rId4"/>
+              </a:rPr>
+              <a:t>cs.nju.edu.cn/lxie/publication/INFOCOM2018Wang.pdf</a:t>
+            </a:r>
+            <a:endParaRPr kumimoji="1" lang="en-US" altLang="zh-TW" dirty="0" smtClean="0">
+              <a:latin typeface="Times New Roman" charset="0"/>
+              <a:ea typeface="Times New Roman" charset="0"/>
+              <a:cs typeface="Times New Roman" charset="0"/>
+            </a:endParaRPr>
+          </a:p>
+          <a:p>
+            <a:pPr>
+              <a:lnSpc>
+                <a:spcPct val="200000"/>
+              </a:lnSpc>
+            </a:pPr>
+            <a:endParaRPr kumimoji="1" lang="zh-TW" altLang="en-US" dirty="0">
+              <a:latin typeface="Times New Roman" charset="0"/>
+              <a:ea typeface="Times New Roman" charset="0"/>
+              <a:cs typeface="Times New Roman" charset="0"/>
+            </a:endParaRPr>
+          </a:p>
+        </p:txBody>
+      </p:sp>
+      <p:sp>
+        <p:nvSpPr>
+          <p:cNvPr id="4" name="投影片編號版面配置區 3"/>
+          <p:cNvSpPr>
+            <a:spLocks noGrp="1"/>
+          </p:cNvSpPr>
+          <p:nvPr>
+            <p:ph type="sldNum" sz="quarter" idx="12"/>
+          </p:nvPr>
+        </p:nvSpPr>
+        <p:spPr/>
+        <p:txBody>
+          <a:bodyPr/>
+          <a:lstStyle/>
+          <a:p>
+            <a:fld id="{3EBBE1F4-AE36-AD42-8177-96288CD18AD2}" type="slidenum">
+              <a:rPr lang="en-US" smtClean="0"/>
+              <a:pPr/>
+              <a:t>13</a:t>
             </a:fld>
             <a:endParaRPr lang="en-US"/>
           </a:p>
@@ -10727,13 +11981,13 @@
   <p:clrMapOvr>
     <a:masterClrMapping/>
   </p:clrMapOvr>
-  <mc:AlternateContent xmlns:mc="http://schemas.openxmlformats.org/markup-compatibility/2006">
-    <mc:Choice xmlns:p14="http://schemas.microsoft.com/office/powerpoint/2010/main" Requires="p14">
+  <mc:AlternateContent xmlns:mc="http://schemas.openxmlformats.org/markup-compatibility/2006" xmlns:p14="http://schemas.microsoft.com/office/powerpoint/2010/main">
+    <mc:Choice Requires="p14">
       <p:transition spd="med" p14:dur="700">
         <p:fade/>
       </p:transition>
     </mc:Choice>
-    <mc:Fallback>
+    <mc:Fallback xmlns="">
       <p:transition spd="med">
         <p:fade/>
       </p:transition>
@@ -10835,8 +12089,8 @@
           </a:p>
         </p:txBody>
       </p:sp>
-      <mc:AlternateContent xmlns:mc="http://schemas.openxmlformats.org/markup-compatibility/2006">
-        <mc:Choice xmlns:a14="http://schemas.microsoft.com/office/drawing/2010/main" Requires="a14">
+      <mc:AlternateContent xmlns:mc="http://schemas.openxmlformats.org/markup-compatibility/2006" xmlns:a14="http://schemas.microsoft.com/office/drawing/2010/main">
+        <mc:Choice Requires="a14">
           <p:sp>
             <p:nvSpPr>
               <p:cNvPr id="3" name="內容版面配置區 2"/>
@@ -11074,7 +12328,7 @@
             </p:txBody>
           </p:sp>
         </mc:Choice>
-        <mc:Fallback>
+        <mc:Fallback xmlns="">
           <p:sp>
             <p:nvSpPr>
               <p:cNvPr id="3" name="內容版面配置區 2"/>
@@ -11136,8 +12390,8 @@
           </a:p>
         </p:txBody>
       </p:sp>
-      <mc:AlternateContent xmlns:mc="http://schemas.openxmlformats.org/markup-compatibility/2006">
-        <mc:Choice xmlns:a14="http://schemas.microsoft.com/office/drawing/2010/main" Requires="a14">
+      <mc:AlternateContent xmlns:mc="http://schemas.openxmlformats.org/markup-compatibility/2006" xmlns:a14="http://schemas.microsoft.com/office/drawing/2010/main">
+        <mc:Choice Requires="a14">
           <p:sp>
             <p:nvSpPr>
               <p:cNvPr id="6" name="矩形 5"/>
@@ -11165,7 +12419,7 @@
                       <m:sSubPr>
                         <m:ctrlPr>
                           <a:rPr kumimoji="1" lang="en-US" altLang="zh-TW" sz="2400" i="1">
-                            <a:latin typeface="Times New Roman" charset="0"/>
+                            <a:latin typeface="Cambria Math" charset="0"/>
                             <a:ea typeface="Times New Roman" charset="0"/>
                             <a:cs typeface="Times New Roman" charset="0"/>
                           </a:rPr>
@@ -11174,7 +12428,7 @@
                       <m:e>
                         <m:r>
                           <a:rPr kumimoji="1" lang="en-US" altLang="zh-TW" sz="2400" i="1">
-                            <a:latin typeface="Times New Roman" charset="0"/>
+                            <a:latin typeface="Cambria Math" charset="0"/>
                             <a:ea typeface="Times New Roman" charset="0"/>
                             <a:cs typeface="Times New Roman" charset="0"/>
                           </a:rPr>
@@ -11184,7 +12438,7 @@
                       <m:sub>
                         <m:r>
                           <a:rPr kumimoji="1" lang="en-US" altLang="zh-TW" sz="2400" i="1">
-                            <a:latin typeface="Times New Roman" charset="0"/>
+                            <a:latin typeface="Cambria Math" charset="0"/>
                             <a:ea typeface="Times New Roman" charset="0"/>
                             <a:cs typeface="Times New Roman" charset="0"/>
                           </a:rPr>
@@ -11226,7 +12480,7 @@
                       <m:sSubPr>
                         <m:ctrlPr>
                           <a:rPr kumimoji="1" lang="en-US" altLang="zh-TW" sz="2400" i="1">
-                            <a:latin typeface="Times New Roman" charset="0"/>
+                            <a:latin typeface="Cambria Math" charset="0"/>
                             <a:ea typeface="Times New Roman" charset="0"/>
                             <a:cs typeface="Times New Roman" charset="0"/>
                           </a:rPr>
@@ -11235,7 +12489,7 @@
                       <m:e>
                         <m:r>
                           <a:rPr kumimoji="1" lang="en-US" altLang="zh-TW" sz="2400" i="1">
-                            <a:latin typeface="Times New Roman" charset="0"/>
+                            <a:latin typeface="Cambria Math" charset="0"/>
                             <a:ea typeface="Times New Roman" charset="0"/>
                             <a:cs typeface="Times New Roman" charset="0"/>
                           </a:rPr>
@@ -11245,7 +12499,7 @@
                       <m:sub>
                         <m:r>
                           <a:rPr kumimoji="1" lang="en-US" altLang="zh-TW" sz="2400" i="1">
-                            <a:latin typeface="Times New Roman" charset="0"/>
+                            <a:latin typeface="Cambria Math" charset="0"/>
                             <a:ea typeface="Times New Roman" charset="0"/>
                             <a:cs typeface="Times New Roman" charset="0"/>
                           </a:rPr>
@@ -11287,7 +12541,7 @@
                       <m:sSubPr>
                         <m:ctrlPr>
                           <a:rPr kumimoji="1" lang="en-US" altLang="zh-TW" sz="2400" i="1">
-                            <a:latin typeface="Times New Roman" charset="0"/>
+                            <a:latin typeface="Cambria Math" charset="0"/>
                             <a:ea typeface="Times New Roman" charset="0"/>
                             <a:cs typeface="Times New Roman" charset="0"/>
                           </a:rPr>
@@ -11296,7 +12550,7 @@
                       <m:e>
                         <m:r>
                           <a:rPr kumimoji="1" lang="en-US" altLang="zh-TW" sz="2400" i="1">
-                            <a:latin typeface="Times New Roman" charset="0"/>
+                            <a:latin typeface="Cambria Math" charset="0"/>
                             <a:ea typeface="Times New Roman" charset="0"/>
                             <a:cs typeface="Times New Roman" charset="0"/>
                           </a:rPr>
@@ -11306,7 +12560,7 @@
                       <m:sub>
                         <m:r>
                           <a:rPr kumimoji="1" lang="en-US" altLang="zh-TW" sz="2400" i="1">
-                            <a:latin typeface="Times New Roman" charset="0"/>
+                            <a:latin typeface="Cambria Math" charset="0"/>
                             <a:ea typeface="Times New Roman" charset="0"/>
                             <a:cs typeface="Times New Roman" charset="0"/>
                           </a:rPr>
@@ -11348,7 +12602,7 @@
                       <m:sSubPr>
                         <m:ctrlPr>
                           <a:rPr kumimoji="1" lang="en-US" altLang="zh-TW" sz="2400" i="1">
-                            <a:latin typeface="Times New Roman" charset="0"/>
+                            <a:latin typeface="Cambria Math" charset="0"/>
                             <a:ea typeface="Times New Roman" charset="0"/>
                             <a:cs typeface="Times New Roman" charset="0"/>
                           </a:rPr>
@@ -11357,7 +12611,7 @@
                       <m:e>
                         <m:r>
                           <a:rPr kumimoji="1" lang="en-US" altLang="zh-TW" sz="2400" i="1">
-                            <a:latin typeface="Times New Roman" charset="0"/>
+                            <a:latin typeface="Cambria Math" charset="0"/>
                             <a:ea typeface="Times New Roman" charset="0"/>
                             <a:cs typeface="Times New Roman" charset="0"/>
                           </a:rPr>
@@ -11367,7 +12621,7 @@
                       <m:sub>
                         <m:r>
                           <a:rPr kumimoji="1" lang="en-US" altLang="zh-TW" sz="2400" i="1">
-                            <a:latin typeface="Times New Roman" charset="0"/>
+                            <a:latin typeface="Cambria Math" charset="0"/>
                             <a:ea typeface="Times New Roman" charset="0"/>
                             <a:cs typeface="Times New Roman" charset="0"/>
                           </a:rPr>
@@ -11399,15 +12653,7 @@
                     <a:ea typeface="Times New Roman" charset="0"/>
                     <a:cs typeface="Times New Roman" charset="0"/>
                   </a:rPr>
-                  <a:t> </a:t>
-                </a:r>
-                <a:r>
-                  <a:rPr kumimoji="1" lang="en-US" altLang="zh-TW" sz="2400" dirty="0">
-                    <a:latin typeface="Times New Roman" charset="0"/>
-                    <a:ea typeface="Times New Roman" charset="0"/>
-                    <a:cs typeface="Times New Roman" charset="0"/>
-                  </a:rPr>
-                  <a:t>antenna</a:t>
+                  <a:t> antenna</a:t>
                 </a:r>
                 <a:endParaRPr kumimoji="1" lang="zh-TW" altLang="en-US" sz="2400" dirty="0">
                   <a:latin typeface="Times New Roman" charset="0"/>
@@ -11422,15 +12668,7 @@
                     <a:ea typeface="Times New Roman" charset="0"/>
                     <a:cs typeface="Times New Roman" charset="0"/>
                   </a:rPr>
-                  <a:t>d</a:t>
-                </a:r>
-                <a:r>
-                  <a:rPr kumimoji="1" lang="en-US" altLang="zh-TW" sz="2400" dirty="0">
-                    <a:latin typeface="Times New Roman" charset="0"/>
-                    <a:ea typeface="Times New Roman" charset="0"/>
-                    <a:cs typeface="Times New Roman" charset="0"/>
-                  </a:rPr>
-                  <a:t> : distance between antennas</a:t>
+                  <a:t>d : distance between antennas</a:t>
                 </a:r>
               </a:p>
               <a:p>
@@ -11438,7 +12676,7 @@
                   <m:oMath xmlns:m="http://schemas.openxmlformats.org/officeDocument/2006/math">
                     <m:r>
                       <a:rPr kumimoji="1" lang="en-US" altLang="zh-TW" sz="2400" i="1">
-                        <a:latin typeface="Times New Roman" charset="0"/>
+                        <a:latin typeface="Cambria Math" charset="0"/>
                         <a:ea typeface="Times New Roman" charset="0"/>
                         <a:cs typeface="Times New Roman" charset="0"/>
                       </a:rPr>
@@ -11463,7 +12701,7 @@
             </p:txBody>
           </p:sp>
         </mc:Choice>
-        <mc:Fallback>
+        <mc:Fallback xmlns="">
           <p:sp>
             <p:nvSpPr>
               <p:cNvPr id="6" name="矩形 5"/>
@@ -11512,13 +12750,13 @@
   <p:clrMapOvr>
     <a:masterClrMapping/>
   </p:clrMapOvr>
-  <mc:AlternateContent xmlns:mc="http://schemas.openxmlformats.org/markup-compatibility/2006">
-    <mc:Choice xmlns:p14="http://schemas.microsoft.com/office/powerpoint/2010/main" Requires="p14">
+  <mc:AlternateContent xmlns:mc="http://schemas.openxmlformats.org/markup-compatibility/2006" xmlns:p14="http://schemas.microsoft.com/office/powerpoint/2010/main">
+    <mc:Choice Requires="p14">
       <p:transition spd="med" p14:dur="700">
         <p:fade/>
       </p:transition>
     </mc:Choice>
-    <mc:Fallback>
+    <mc:Fallback xmlns="">
       <p:transition spd="med">
         <p:fade/>
       </p:transition>
@@ -11606,73 +12844,337 @@
           </a:p>
         </p:txBody>
       </p:sp>
-      <p:sp>
-        <p:nvSpPr>
-          <p:cNvPr id="7" name="內容版面配置區 6"/>
-          <p:cNvSpPr>
-            <a:spLocks noGrp="1"/>
-          </p:cNvSpPr>
-          <p:nvPr>
-            <p:ph idx="1"/>
-          </p:nvPr>
-        </p:nvSpPr>
-        <p:spPr/>
-        <p:txBody>
-          <a:bodyPr/>
-          <a:lstStyle/>
-          <a:p>
-            <a:pPr>
-              <a:lnSpc>
-                <a:spcPct val="150000"/>
-              </a:lnSpc>
-            </a:pPr>
-            <a:r>
-              <a:rPr kumimoji="1" lang="en-US" altLang="zh-TW" sz="3200" dirty="0" smtClean="0">
-                <a:latin typeface="Times New Roman" charset="0"/>
-                <a:ea typeface="Times New Roman" charset="0"/>
-                <a:cs typeface="Times New Roman" charset="0"/>
-              </a:rPr>
-              <a:t>Few follower of </a:t>
-            </a:r>
-            <a:r>
-              <a:rPr kumimoji="1" lang="en-US" altLang="zh-TW" sz="3200" dirty="0" err="1" smtClean="0">
-                <a:latin typeface="Times New Roman" charset="0"/>
-                <a:ea typeface="Times New Roman" charset="0"/>
-                <a:cs typeface="Times New Roman" charset="0"/>
-              </a:rPr>
-              <a:t>Friis</a:t>
-            </a:r>
-            <a:r>
-              <a:rPr kumimoji="1" lang="en-US" altLang="zh-TW" sz="3200" dirty="0" smtClean="0">
-                <a:latin typeface="Times New Roman" charset="0"/>
-                <a:ea typeface="Times New Roman" charset="0"/>
-                <a:cs typeface="Times New Roman" charset="0"/>
-              </a:rPr>
-              <a:t> </a:t>
-            </a:r>
-          </a:p>
-          <a:p>
-            <a:pPr>
-              <a:lnSpc>
-                <a:spcPct val="150000"/>
-              </a:lnSpc>
-            </a:pPr>
-            <a:r>
-              <a:rPr kumimoji="1" lang="en-US" altLang="zh-TW" sz="3200" smtClean="0">
-                <a:latin typeface="Times New Roman" charset="0"/>
-                <a:ea typeface="Times New Roman" charset="0"/>
-                <a:cs typeface="Times New Roman" charset="0"/>
-              </a:rPr>
-              <a:t>Replacing </a:t>
-            </a:r>
-            <a:endParaRPr kumimoji="1" lang="zh-TW" altLang="en-US" sz="3200" dirty="0">
-              <a:latin typeface="Times New Roman" charset="0"/>
-              <a:ea typeface="Times New Roman" charset="0"/>
-              <a:cs typeface="Times New Roman" charset="0"/>
-            </a:endParaRPr>
-          </a:p>
-        </p:txBody>
-      </p:sp>
+      <mc:AlternateContent xmlns:mc="http://schemas.openxmlformats.org/markup-compatibility/2006" xmlns:a14="http://schemas.microsoft.com/office/drawing/2010/main">
+        <mc:Choice Requires="a14">
+          <p:sp>
+            <p:nvSpPr>
+              <p:cNvPr id="7" name="內容版面配置區 6"/>
+              <p:cNvSpPr>
+                <a:spLocks noGrp="1"/>
+              </p:cNvSpPr>
+              <p:nvPr>
+                <p:ph idx="1"/>
+              </p:nvPr>
+            </p:nvSpPr>
+            <p:spPr/>
+            <p:txBody>
+              <a:bodyPr/>
+              <a:lstStyle/>
+              <a:p>
+                <a:pPr>
+                  <a:lnSpc>
+                    <a:spcPct val="150000"/>
+                  </a:lnSpc>
+                </a:pPr>
+                <a:r>
+                  <a:rPr kumimoji="1" lang="en-US" altLang="zh-TW" sz="3200" dirty="0" smtClean="0">
+                    <a:latin typeface="Times New Roman" charset="0"/>
+                    <a:ea typeface="Times New Roman" charset="0"/>
+                    <a:cs typeface="Times New Roman" charset="0"/>
+                  </a:rPr>
+                  <a:t>Few follower of </a:t>
+                </a:r>
+                <a:r>
+                  <a:rPr kumimoji="1" lang="en-US" altLang="zh-TW" sz="3200" dirty="0" err="1" smtClean="0">
+                    <a:latin typeface="Times New Roman" charset="0"/>
+                    <a:ea typeface="Times New Roman" charset="0"/>
+                    <a:cs typeface="Times New Roman" charset="0"/>
+                  </a:rPr>
+                  <a:t>Friis</a:t>
+                </a:r>
+                <a:r>
+                  <a:rPr kumimoji="1" lang="en-US" altLang="zh-TW" sz="3200" dirty="0" smtClean="0">
+                    <a:latin typeface="Times New Roman" charset="0"/>
+                    <a:ea typeface="Times New Roman" charset="0"/>
+                    <a:cs typeface="Times New Roman" charset="0"/>
+                  </a:rPr>
+                  <a:t> </a:t>
+                </a:r>
+              </a:p>
+              <a:p>
+                <a:pPr>
+                  <a:lnSpc>
+                    <a:spcPct val="150000"/>
+                  </a:lnSpc>
+                </a:pPr>
+                <a:r>
+                  <a:rPr kumimoji="1" lang="en-US" altLang="zh-TW" sz="3200" dirty="0" smtClean="0">
+                    <a:latin typeface="Times New Roman" charset="0"/>
+                    <a:ea typeface="Times New Roman" charset="0"/>
+                    <a:cs typeface="Times New Roman" charset="0"/>
+                  </a:rPr>
+                  <a:t>Replacing the effective antenna areas with directivity counterparts yields</a:t>
+                </a:r>
+              </a:p>
+              <a:p>
+                <a:pPr marL="11112" indent="0">
+                  <a:lnSpc>
+                    <a:spcPct val="150000"/>
+                  </a:lnSpc>
+                  <a:buNone/>
+                </a:pPr>
+                <a14:m>
+                  <m:oMathPara xmlns:m="http://schemas.openxmlformats.org/officeDocument/2006/math">
+                    <m:oMathParaPr>
+                      <m:jc m:val="centerGroup"/>
+                    </m:oMathParaPr>
+                    <m:oMath xmlns:m="http://schemas.openxmlformats.org/officeDocument/2006/math">
+                      <m:f>
+                        <m:fPr>
+                          <m:ctrlPr>
+                            <a:rPr kumimoji="1" lang="mr-IN" altLang="zh-TW" sz="4000" i="1">
+                              <a:latin typeface="Cambria Math" charset="0"/>
+                            </a:rPr>
+                          </m:ctrlPr>
+                        </m:fPr>
+                        <m:num>
+                          <m:sSub>
+                            <m:sSubPr>
+                              <m:ctrlPr>
+                                <a:rPr kumimoji="1" lang="en-US" altLang="zh-TW" sz="4000" i="1">
+                                  <a:latin typeface="Cambria Math" charset="0"/>
+                                </a:rPr>
+                              </m:ctrlPr>
+                            </m:sSubPr>
+                            <m:e>
+                              <m:r>
+                                <a:rPr kumimoji="1" lang="en-US" altLang="zh-TW" sz="4000" i="1">
+                                  <a:latin typeface="Cambria Math" charset="0"/>
+                                </a:rPr>
+                                <m:t>𝑃</m:t>
+                              </m:r>
+                            </m:e>
+                            <m:sub>
+                              <m:r>
+                                <a:rPr kumimoji="1" lang="en-US" altLang="zh-TW" sz="4000" i="1">
+                                  <a:latin typeface="Cambria Math" charset="0"/>
+                                </a:rPr>
+                                <m:t>𝑟</m:t>
+                              </m:r>
+                            </m:sub>
+                          </m:sSub>
+                        </m:num>
+                        <m:den>
+                          <m:sSub>
+                            <m:sSubPr>
+                              <m:ctrlPr>
+                                <a:rPr kumimoji="1" lang="en-US" altLang="zh-TW" sz="4000" i="1">
+                                  <a:latin typeface="Cambria Math" charset="0"/>
+                                </a:rPr>
+                              </m:ctrlPr>
+                            </m:sSubPr>
+                            <m:e>
+                              <m:r>
+                                <a:rPr kumimoji="1" lang="en-US" altLang="zh-TW" sz="4000" i="1">
+                                  <a:latin typeface="Cambria Math" charset="0"/>
+                                </a:rPr>
+                                <m:t>𝑃</m:t>
+                              </m:r>
+                            </m:e>
+                            <m:sub>
+                              <m:r>
+                                <a:rPr kumimoji="1" lang="en-US" altLang="zh-TW" sz="4000" i="1">
+                                  <a:latin typeface="Cambria Math" charset="0"/>
+                                </a:rPr>
+                                <m:t>𝑡</m:t>
+                              </m:r>
+                            </m:sub>
+                          </m:sSub>
+                        </m:den>
+                      </m:f>
+                      <m:r>
+                        <a:rPr kumimoji="1" lang="en-US" altLang="zh-TW" sz="4000" i="1">
+                          <a:latin typeface="Cambria Math" charset="0"/>
+                        </a:rPr>
+                        <m:t>=</m:t>
+                      </m:r>
+                      <m:sSub>
+                        <m:sSubPr>
+                          <m:ctrlPr>
+                            <a:rPr kumimoji="1" lang="en-US" altLang="zh-TW" sz="4000" i="1">
+                              <a:latin typeface="Cambria Math" charset="0"/>
+                            </a:rPr>
+                          </m:ctrlPr>
+                        </m:sSubPr>
+                        <m:e>
+                          <m:r>
+                            <a:rPr kumimoji="1" lang="en-US" altLang="zh-TW" sz="4000" b="0" i="1" smtClean="0">
+                              <a:latin typeface="Cambria Math" charset="0"/>
+                            </a:rPr>
+                            <m:t>𝐷</m:t>
+                          </m:r>
+                        </m:e>
+                        <m:sub>
+                          <m:r>
+                            <a:rPr kumimoji="1" lang="en-US" altLang="zh-TW" sz="4000" i="1">
+                              <a:latin typeface="Cambria Math" charset="0"/>
+                            </a:rPr>
+                            <m:t>𝑡</m:t>
+                          </m:r>
+                        </m:sub>
+                      </m:sSub>
+                      <m:sSub>
+                        <m:sSubPr>
+                          <m:ctrlPr>
+                            <a:rPr kumimoji="1" lang="en-US" altLang="zh-TW" sz="4000" i="1">
+                              <a:latin typeface="Cambria Math" charset="0"/>
+                            </a:rPr>
+                          </m:ctrlPr>
+                        </m:sSubPr>
+                        <m:e>
+                          <m:r>
+                            <a:rPr kumimoji="1" lang="en-US" altLang="zh-TW" sz="4000" b="0" i="1" smtClean="0">
+                              <a:latin typeface="Cambria Math" charset="0"/>
+                            </a:rPr>
+                            <m:t>𝐷</m:t>
+                          </m:r>
+                        </m:e>
+                        <m:sub>
+                          <m:r>
+                            <a:rPr kumimoji="1" lang="en-US" altLang="zh-TW" sz="4000" b="0" i="1" smtClean="0">
+                              <a:latin typeface="Cambria Math" charset="0"/>
+                            </a:rPr>
+                            <m:t>𝑟</m:t>
+                          </m:r>
+                        </m:sub>
+                      </m:sSub>
+                      <m:sSup>
+                        <m:sSupPr>
+                          <m:ctrlPr>
+                            <a:rPr kumimoji="1" lang="en-US" altLang="zh-TW" sz="4000" i="1" smtClean="0">
+                              <a:latin typeface="Cambria Math" charset="0"/>
+                            </a:rPr>
+                          </m:ctrlPr>
+                        </m:sSupPr>
+                        <m:e>
+                          <m:r>
+                            <a:rPr kumimoji="1" lang="en-US" altLang="zh-TW" sz="4000" b="0" i="1" smtClean="0">
+                              <a:latin typeface="Cambria Math" charset="0"/>
+                            </a:rPr>
+                            <m:t>(</m:t>
+                          </m:r>
+                          <m:f>
+                            <m:fPr>
+                              <m:ctrlPr>
+                                <a:rPr kumimoji="1" lang="mr-IN" altLang="zh-TW" sz="4000" i="1">
+                                  <a:latin typeface="Cambria Math" charset="0"/>
+                                </a:rPr>
+                              </m:ctrlPr>
+                            </m:fPr>
+                            <m:num>
+                              <m:r>
+                                <a:rPr kumimoji="1" lang="en-US" altLang="zh-TW" sz="4000" i="1">
+                                  <a:latin typeface="Cambria Math" charset="0"/>
+                                  <a:ea typeface="Cambria Math" charset="0"/>
+                                  <a:cs typeface="Cambria Math" charset="0"/>
+                                </a:rPr>
+                                <m:t>𝜆</m:t>
+                              </m:r>
+                            </m:num>
+                            <m:den>
+                              <m:r>
+                                <a:rPr kumimoji="1" lang="en-US" altLang="zh-TW" sz="4000" i="1" smtClean="0">
+                                  <a:solidFill>
+                                    <a:schemeClr val="tx1"/>
+                                  </a:solidFill>
+                                  <a:latin typeface="Cambria Math" charset="0"/>
+                                </a:rPr>
+                                <m:t>4</m:t>
+                              </m:r>
+                              <m:r>
+                                <a:rPr kumimoji="1" lang="en-US" altLang="zh-TW" sz="4000" i="1">
+                                  <a:solidFill>
+                                    <a:schemeClr val="tx1"/>
+                                  </a:solidFill>
+                                  <a:latin typeface="Cambria Math" charset="0"/>
+                                  <a:ea typeface="Cambria Math" charset="0"/>
+                                  <a:cs typeface="Cambria Math" charset="0"/>
+                                </a:rPr>
+                                <m:t>𝜋</m:t>
+                              </m:r>
+                              <m:r>
+                                <a:rPr kumimoji="1" lang="en-US" altLang="zh-TW" sz="4000" i="1">
+                                  <a:solidFill>
+                                    <a:schemeClr val="tx1"/>
+                                  </a:solidFill>
+                                  <a:latin typeface="Cambria Math" charset="0"/>
+                                  <a:ea typeface="Cambria Math" charset="0"/>
+                                  <a:cs typeface="Cambria Math" charset="0"/>
+                                </a:rPr>
+                                <m:t>𝑑</m:t>
+                              </m:r>
+                            </m:den>
+                          </m:f>
+                          <m:r>
+                            <a:rPr kumimoji="1" lang="en-US" altLang="zh-TW" sz="4000" b="0" i="1" smtClean="0">
+                              <a:latin typeface="Cambria Math" charset="0"/>
+                            </a:rPr>
+                            <m:t>)</m:t>
+                          </m:r>
+                        </m:e>
+                        <m:sup>
+                          <m:r>
+                            <a:rPr kumimoji="1" lang="en-US" altLang="zh-TW" sz="4000" b="0" i="1" smtClean="0">
+                              <a:latin typeface="Cambria Math" charset="0"/>
+                            </a:rPr>
+                            <m:t>2</m:t>
+                          </m:r>
+                        </m:sup>
+                      </m:sSup>
+                    </m:oMath>
+                  </m:oMathPara>
+                </a14:m>
+                <a:endParaRPr kumimoji="1" lang="en-US" altLang="zh-TW" sz="4000" dirty="0"/>
+              </a:p>
+              <a:p>
+                <a:pPr>
+                  <a:lnSpc>
+                    <a:spcPct val="150000"/>
+                  </a:lnSpc>
+                </a:pPr>
+                <a:endParaRPr kumimoji="1" lang="zh-TW" altLang="en-US" sz="3200" dirty="0">
+                  <a:latin typeface="Times New Roman" charset="0"/>
+                  <a:ea typeface="Times New Roman" charset="0"/>
+                  <a:cs typeface="Times New Roman" charset="0"/>
+                </a:endParaRPr>
+              </a:p>
+            </p:txBody>
+          </p:sp>
+        </mc:Choice>
+        <mc:Fallback xmlns="">
+          <p:sp>
+            <p:nvSpPr>
+              <p:cNvPr id="7" name="內容版面配置區 6"/>
+              <p:cNvSpPr>
+                <a:spLocks noGrp="1" noRot="1" noChangeAspect="1" noMove="1" noResize="1" noEditPoints="1" noAdjustHandles="1" noChangeArrowheads="1" noChangeShapeType="1" noTextEdit="1"/>
+              </p:cNvSpPr>
+              <p:nvPr>
+                <p:ph idx="1"/>
+              </p:nvPr>
+            </p:nvSpPr>
+            <p:spPr>
+              <a:blipFill rotWithShape="0">
+                <a:blip r:embed="rId3"/>
+                <a:stretch>
+                  <a:fillRect l="-1217" r="-847"/>
+                </a:stretch>
+              </a:blipFill>
+            </p:spPr>
+            <p:txBody>
+              <a:bodyPr/>
+              <a:lstStyle/>
+              <a:p>
+                <a:r>
+                  <a:rPr lang="zh-TW" altLang="en-US">
+                    <a:noFill/>
+                  </a:rPr>
+                  <a:t> </a:t>
+                </a:r>
+              </a:p>
+            </p:txBody>
+          </p:sp>
+        </mc:Fallback>
+      </mc:AlternateContent>
     </p:spTree>
     <p:extLst>
       <p:ext uri="{BB962C8B-B14F-4D97-AF65-F5344CB8AC3E}">
@@ -11683,13 +13185,13 @@
   <p:clrMapOvr>
     <a:masterClrMapping/>
   </p:clrMapOvr>
-  <mc:AlternateContent xmlns:mc="http://schemas.openxmlformats.org/markup-compatibility/2006">
-    <mc:Choice xmlns:p14="http://schemas.microsoft.com/office/powerpoint/2010/main" Requires="p14">
+  <mc:AlternateContent xmlns:mc="http://schemas.openxmlformats.org/markup-compatibility/2006" xmlns:p14="http://schemas.microsoft.com/office/powerpoint/2010/main">
+    <mc:Choice Requires="p14">
       <p:transition spd="med" p14:dur="700">
         <p:fade/>
       </p:transition>
     </mc:Choice>
-    <mc:Fallback>
+    <mc:Fallback xmlns="">
       <p:transition spd="med">
         <p:fade/>
       </p:transition>
@@ -11738,88 +13240,18 @@
           <a:lstStyle/>
           <a:p>
             <a:r>
-              <a:rPr lang="en-US" altLang="zh-TW" dirty="0" smtClean="0">
-                <a:latin typeface="Times New Roman" panose="02020603050405020304" pitchFamily="18" charset="0"/>
-                <a:cs typeface="Times New Roman" panose="02020603050405020304" pitchFamily="18" charset="0"/>
-              </a:rPr>
-              <a:t>Outline</a:t>
-            </a:r>
-            <a:endParaRPr lang="zh-TW" altLang="en-US" dirty="0">
-              <a:latin typeface="Times New Roman" panose="02020603050405020304" pitchFamily="18" charset="0"/>
-              <a:cs typeface="Times New Roman" panose="02020603050405020304" pitchFamily="18" charset="0"/>
-            </a:endParaRPr>
-          </a:p>
-        </p:txBody>
-      </p:sp>
-      <p:sp>
-        <p:nvSpPr>
-          <p:cNvPr id="3" name="內容版面配置區 2"/>
-          <p:cNvSpPr>
-            <a:spLocks noGrp="1"/>
-          </p:cNvSpPr>
-          <p:nvPr>
-            <p:ph idx="1"/>
-          </p:nvPr>
-        </p:nvSpPr>
-        <p:spPr/>
-        <p:txBody>
-          <a:bodyPr/>
-          <a:lstStyle/>
-          <a:p>
-            <a:pPr>
-              <a:lnSpc>
-                <a:spcPct val="150000"/>
-              </a:lnSpc>
-            </a:pPr>
-            <a:r>
-              <a:rPr lang="en-US" altLang="zh-TW" sz="3200" b="1" dirty="0" smtClean="0">
+              <a:rPr kumimoji="1" lang="en-US" altLang="zh-TW" dirty="0" smtClean="0">
                 <a:latin typeface="Times New Roman" charset="0"/>
                 <a:ea typeface="Times New Roman" charset="0"/>
                 <a:cs typeface="Times New Roman" charset="0"/>
               </a:rPr>
-              <a:t>Channel</a:t>
-            </a:r>
-          </a:p>
-          <a:p>
-            <a:pPr>
-              <a:lnSpc>
-                <a:spcPct val="150000"/>
-              </a:lnSpc>
-            </a:pPr>
-            <a:r>
-              <a:rPr lang="en-US" altLang="zh-TW" sz="3200" b="1" dirty="0" err="1" smtClean="0">
-                <a:latin typeface="Times New Roman" charset="0"/>
-                <a:ea typeface="Times New Roman" charset="0"/>
-                <a:cs typeface="Times New Roman" charset="0"/>
-              </a:rPr>
-              <a:t>Friis</a:t>
-            </a:r>
-            <a:r>
-              <a:rPr lang="en-US" altLang="zh-TW" sz="3200" b="1" dirty="0" smtClean="0">
-                <a:latin typeface="Times New Roman" charset="0"/>
-                <a:ea typeface="Times New Roman" charset="0"/>
-                <a:cs typeface="Times New Roman" charset="0"/>
-              </a:rPr>
-              <a:t> Transmission Equation</a:t>
-            </a:r>
-          </a:p>
-          <a:p>
-            <a:pPr>
-              <a:lnSpc>
-                <a:spcPct val="150000"/>
-              </a:lnSpc>
-            </a:pPr>
-            <a:r>
-              <a:rPr lang="en-US" altLang="zh-TW" sz="3200" b="1" dirty="0" smtClean="0">
-                <a:latin typeface="Times New Roman" charset="0"/>
-                <a:ea typeface="Times New Roman" charset="0"/>
-                <a:cs typeface="Times New Roman" charset="0"/>
-              </a:rPr>
-              <a:t>RFID</a:t>
-            </a:r>
-          </a:p>
-          <a:p>
-            <a:endParaRPr lang="zh-TW" altLang="en-US" dirty="0"/>
+              <a:t>Contemporary Formula</a:t>
+            </a:r>
+            <a:endParaRPr kumimoji="1" lang="zh-TW" altLang="en-US" dirty="0">
+              <a:latin typeface="Times New Roman" charset="0"/>
+              <a:ea typeface="Times New Roman" charset="0"/>
+              <a:cs typeface="Times New Roman" charset="0"/>
+            </a:endParaRPr>
           </a:p>
         </p:txBody>
       </p:sp>
@@ -11847,265 +13279,545 @@
           </a:p>
         </p:txBody>
       </p:sp>
-      <p:sp>
-        <p:nvSpPr>
-          <p:cNvPr id="5" name="矩形 4"/>
-          <p:cNvSpPr/>
-          <p:nvPr/>
-        </p:nvSpPr>
-        <p:spPr>
-          <a:xfrm>
-            <a:off x="0" y="-148281"/>
-            <a:ext cx="12282616" cy="7364627"/>
-          </a:xfrm>
-          <a:prstGeom prst="rect">
-            <a:avLst/>
-          </a:prstGeom>
-          <a:solidFill>
-            <a:schemeClr val="tx1">
-              <a:lumMod val="65000"/>
-              <a:lumOff val="35000"/>
-              <a:alpha val="86000"/>
-            </a:schemeClr>
-          </a:solidFill>
-        </p:spPr>
-        <p:style>
-          <a:lnRef idx="2">
-            <a:schemeClr val="accent1">
-              <a:shade val="50000"/>
-            </a:schemeClr>
-          </a:lnRef>
-          <a:fillRef idx="1">
-            <a:schemeClr val="accent1"/>
-          </a:fillRef>
-          <a:effectRef idx="0">
-            <a:schemeClr val="accent1"/>
-          </a:effectRef>
-          <a:fontRef idx="minor">
-            <a:schemeClr val="lt1"/>
-          </a:fontRef>
-        </p:style>
-        <p:txBody>
-          <a:bodyPr rtlCol="0" anchor="ctr"/>
-          <a:lstStyle/>
-          <a:p>
-            <a:pPr algn="ctr"/>
-            <a:endParaRPr lang="zh-TW" altLang="en-US"/>
-          </a:p>
-        </p:txBody>
-      </p:sp>
-      <p:sp>
-        <p:nvSpPr>
-          <p:cNvPr id="8" name="內容版面配置區 2"/>
-          <p:cNvSpPr txBox="1">
-            <a:spLocks/>
-          </p:cNvSpPr>
-          <p:nvPr/>
-        </p:nvSpPr>
-        <p:spPr>
-          <a:xfrm>
-            <a:off x="335362" y="3159486"/>
-            <a:ext cx="11521280" cy="4610906"/>
-          </a:xfrm>
-          <a:prstGeom prst="rect">
-            <a:avLst/>
-          </a:prstGeom>
-        </p:spPr>
-        <p:txBody>
-          <a:bodyPr/>
-          <a:lstStyle>
-            <a:lvl1pPr marL="403225" indent="-392113" algn="l" defTabSz="914400" rtl="0" eaLnBrk="1" latinLnBrk="0" hangingPunct="1">
-              <a:lnSpc>
-                <a:spcPct val="100000"/>
-              </a:lnSpc>
-              <a:spcBef>
-                <a:spcPts val="0"/>
-              </a:spcBef>
-              <a:buFont typeface="Helvetica" pitchFamily="2" charset="0"/>
-              <a:buChar char="●"/>
-              <a:tabLst/>
-              <a:defRPr sz="2800" kern="1200" baseline="0">
-                <a:solidFill>
-                  <a:schemeClr val="tx1"/>
-                </a:solidFill>
-                <a:latin typeface="Arial" panose="020B0604020202020204" pitchFamily="34" charset="0"/>
-                <a:ea typeface="微軟正黑體" panose="020B0604030504040204" pitchFamily="34" charset="-120"/>
-                <a:cs typeface="Arial" panose="020B0604020202020204" pitchFamily="34" charset="0"/>
-              </a:defRPr>
-            </a:lvl1pPr>
-            <a:lvl2pPr marL="808038" indent="-404813" algn="l" defTabSz="914400" rtl="0" eaLnBrk="1" latinLnBrk="0" hangingPunct="1">
-              <a:lnSpc>
-                <a:spcPct val="100000"/>
-              </a:lnSpc>
-              <a:spcBef>
-                <a:spcPts val="0"/>
-              </a:spcBef>
-              <a:buFont typeface="Helvetica" pitchFamily="2" charset="0"/>
-              <a:buChar char="●"/>
-              <a:tabLst/>
-              <a:defRPr sz="2800" kern="1200" baseline="0">
-                <a:solidFill>
-                  <a:schemeClr val="tx1"/>
-                </a:solidFill>
-                <a:latin typeface="Arial" panose="020B0604020202020204" pitchFamily="34" charset="0"/>
-                <a:ea typeface="微軟正黑體" panose="020B0604030504040204" pitchFamily="34" charset="-120"/>
-                <a:cs typeface="Arial" panose="020B0604020202020204" pitchFamily="34" charset="0"/>
-              </a:defRPr>
-            </a:lvl2pPr>
-            <a:lvl3pPr marL="1157288" indent="-349250" algn="l" defTabSz="914400" rtl="0" eaLnBrk="1" latinLnBrk="0" hangingPunct="1">
-              <a:lnSpc>
-                <a:spcPct val="100000"/>
-              </a:lnSpc>
-              <a:spcBef>
-                <a:spcPts val="0"/>
-              </a:spcBef>
-              <a:buFont typeface="Helvetica" pitchFamily="2" charset="0"/>
-              <a:buChar char="●"/>
-              <a:tabLst/>
-              <a:defRPr sz="2800" kern="1200" baseline="0">
-                <a:solidFill>
-                  <a:schemeClr val="tx1"/>
-                </a:solidFill>
-                <a:latin typeface="Arial" panose="020B0604020202020204" pitchFamily="34" charset="0"/>
-                <a:ea typeface="微軟正黑體" panose="020B0604030504040204" pitchFamily="34" charset="-120"/>
-                <a:cs typeface="Arial" panose="020B0604020202020204" pitchFamily="34" charset="0"/>
-              </a:defRPr>
-            </a:lvl3pPr>
-            <a:lvl4pPr marL="1516063" indent="-358775" algn="l" defTabSz="914400" rtl="0" eaLnBrk="1" latinLnBrk="0" hangingPunct="1">
-              <a:lnSpc>
-                <a:spcPct val="100000"/>
-              </a:lnSpc>
-              <a:spcBef>
-                <a:spcPts val="0"/>
-              </a:spcBef>
-              <a:buFont typeface="Helvetica" pitchFamily="2" charset="0"/>
-              <a:buChar char="●"/>
-              <a:tabLst/>
-              <a:defRPr sz="2800" kern="1200" baseline="0">
-                <a:solidFill>
-                  <a:schemeClr val="tx1"/>
-                </a:solidFill>
-                <a:latin typeface="Arial" panose="020B0604020202020204" pitchFamily="34" charset="0"/>
-                <a:ea typeface="微軟正黑體" panose="020B0604030504040204" pitchFamily="34" charset="-120"/>
-                <a:cs typeface="Arial" panose="020B0604020202020204" pitchFamily="34" charset="0"/>
-              </a:defRPr>
-            </a:lvl4pPr>
-            <a:lvl5pPr marL="1876425" indent="-360363" algn="l" defTabSz="914400" rtl="0" eaLnBrk="1" latinLnBrk="0" hangingPunct="1">
-              <a:lnSpc>
-                <a:spcPct val="100000"/>
-              </a:lnSpc>
-              <a:spcBef>
-                <a:spcPts val="0"/>
-              </a:spcBef>
-              <a:buFont typeface="Helvetica" pitchFamily="2" charset="0"/>
-              <a:buChar char="●"/>
-              <a:tabLst/>
-              <a:defRPr sz="2800" kern="1200" baseline="0">
-                <a:solidFill>
-                  <a:schemeClr val="tx1"/>
-                </a:solidFill>
-                <a:latin typeface="Arial" panose="020B0604020202020204" pitchFamily="34" charset="0"/>
-                <a:ea typeface="微軟正黑體" panose="020B0604030504040204" pitchFamily="34" charset="-120"/>
-                <a:cs typeface="Arial" panose="020B0604020202020204" pitchFamily="34" charset="0"/>
-              </a:defRPr>
-            </a:lvl5pPr>
-            <a:lvl6pPr marL="2514600" indent="-228600" algn="l" defTabSz="914400" rtl="0" eaLnBrk="1" latinLnBrk="0" hangingPunct="1">
-              <a:lnSpc>
-                <a:spcPct val="90000"/>
-              </a:lnSpc>
-              <a:spcBef>
-                <a:spcPts val="500"/>
-              </a:spcBef>
-              <a:buFont typeface="Arial" panose="020B0604020202020204" pitchFamily="34" charset="0"/>
-              <a:buChar char="•"/>
-              <a:defRPr sz="1800" kern="1200">
-                <a:solidFill>
-                  <a:schemeClr val="tx1"/>
-                </a:solidFill>
-                <a:latin typeface="+mn-lt"/>
-                <a:ea typeface="+mn-ea"/>
-                <a:cs typeface="+mn-cs"/>
-              </a:defRPr>
-            </a:lvl6pPr>
-            <a:lvl7pPr marL="2971800" indent="-228600" algn="l" defTabSz="914400" rtl="0" eaLnBrk="1" latinLnBrk="0" hangingPunct="1">
-              <a:lnSpc>
-                <a:spcPct val="90000"/>
-              </a:lnSpc>
-              <a:spcBef>
-                <a:spcPts val="500"/>
-              </a:spcBef>
-              <a:buFont typeface="Arial" panose="020B0604020202020204" pitchFamily="34" charset="0"/>
-              <a:buChar char="•"/>
-              <a:defRPr sz="1800" kern="1200">
-                <a:solidFill>
-                  <a:schemeClr val="tx1"/>
-                </a:solidFill>
-                <a:latin typeface="+mn-lt"/>
-                <a:ea typeface="+mn-ea"/>
-                <a:cs typeface="+mn-cs"/>
-              </a:defRPr>
-            </a:lvl7pPr>
-            <a:lvl8pPr marL="3429000" indent="-228600" algn="l" defTabSz="914400" rtl="0" eaLnBrk="1" latinLnBrk="0" hangingPunct="1">
-              <a:lnSpc>
-                <a:spcPct val="90000"/>
-              </a:lnSpc>
-              <a:spcBef>
-                <a:spcPts val="500"/>
-              </a:spcBef>
-              <a:buFont typeface="Arial" panose="020B0604020202020204" pitchFamily="34" charset="0"/>
-              <a:buChar char="•"/>
-              <a:defRPr sz="1800" kern="1200">
-                <a:solidFill>
-                  <a:schemeClr val="tx1"/>
-                </a:solidFill>
-                <a:latin typeface="+mn-lt"/>
-                <a:ea typeface="+mn-ea"/>
-                <a:cs typeface="+mn-cs"/>
-              </a:defRPr>
-            </a:lvl8pPr>
-            <a:lvl9pPr marL="3886200" indent="-228600" algn="l" defTabSz="914400" rtl="0" eaLnBrk="1" latinLnBrk="0" hangingPunct="1">
-              <a:lnSpc>
-                <a:spcPct val="90000"/>
-              </a:lnSpc>
-              <a:spcBef>
-                <a:spcPts val="500"/>
-              </a:spcBef>
-              <a:buFont typeface="Arial" panose="020B0604020202020204" pitchFamily="34" charset="0"/>
-              <a:buChar char="•"/>
-              <a:defRPr sz="1800" kern="1200">
-                <a:solidFill>
-                  <a:schemeClr val="tx1"/>
-                </a:solidFill>
-                <a:latin typeface="+mn-lt"/>
-                <a:ea typeface="+mn-ea"/>
-                <a:cs typeface="+mn-cs"/>
-              </a:defRPr>
-            </a:lvl9pPr>
-          </a:lstStyle>
-          <a:p>
-            <a:pPr>
-              <a:lnSpc>
-                <a:spcPct val="150000"/>
-              </a:lnSpc>
-            </a:pPr>
-            <a:r>
-              <a:rPr lang="en-US" altLang="zh-TW" sz="3200" b="1" dirty="0" smtClean="0">
-                <a:solidFill>
-                  <a:srgbClr val="FFFF00"/>
-                </a:solidFill>
-                <a:latin typeface="Times New Roman" charset="0"/>
-                <a:ea typeface="Times New Roman" charset="0"/>
-                <a:cs typeface="Times New Roman" charset="0"/>
-              </a:rPr>
-              <a:t>RFID</a:t>
-            </a:r>
-          </a:p>
-        </p:txBody>
-      </p:sp>
+      <mc:AlternateContent xmlns:mc="http://schemas.openxmlformats.org/markup-compatibility/2006">
+        <mc:Choice xmlns:a14="http://schemas.microsoft.com/office/drawing/2010/main" Requires="a14">
+          <p:sp>
+            <p:nvSpPr>
+              <p:cNvPr id="7" name="內容版面配置區 6"/>
+              <p:cNvSpPr>
+                <a:spLocks noGrp="1"/>
+              </p:cNvSpPr>
+              <p:nvPr>
+                <p:ph idx="1"/>
+              </p:nvPr>
+            </p:nvSpPr>
+            <p:spPr>
+              <a:xfrm>
+                <a:off x="1261775" y="1770422"/>
+                <a:ext cx="9668449" cy="4610906"/>
+              </a:xfrm>
+            </p:spPr>
+            <p:txBody>
+              <a:bodyPr/>
+              <a:lstStyle/>
+              <a:p>
+                <a:pPr marL="11112" indent="0" algn="ctr">
+                  <a:lnSpc>
+                    <a:spcPct val="150000"/>
+                  </a:lnSpc>
+                  <a:buNone/>
+                </a:pPr>
+                <a14:m>
+                  <m:oMathPara xmlns:m="http://schemas.openxmlformats.org/officeDocument/2006/math">
+                    <m:oMathParaPr>
+                      <m:jc m:val="center"/>
+                    </m:oMathParaPr>
+                    <m:oMath xmlns:m="http://schemas.openxmlformats.org/officeDocument/2006/math">
+                      <m:f>
+                        <m:fPr>
+                          <m:ctrlPr>
+                            <a:rPr kumimoji="1" lang="mr-IN" altLang="zh-TW" sz="4000" i="1" smtClean="0">
+                              <a:latin typeface="Cambria Math" charset="0"/>
+                            </a:rPr>
+                          </m:ctrlPr>
+                        </m:fPr>
+                        <m:num>
+                          <m:sSub>
+                            <m:sSubPr>
+                              <m:ctrlPr>
+                                <a:rPr kumimoji="1" lang="en-US" altLang="zh-TW" sz="4000" i="1">
+                                  <a:latin typeface="Cambria Math" charset="0"/>
+                                </a:rPr>
+                              </m:ctrlPr>
+                            </m:sSubPr>
+                            <m:e>
+                              <m:r>
+                                <a:rPr kumimoji="1" lang="en-US" altLang="zh-TW" sz="4000" i="1">
+                                  <a:latin typeface="Cambria Math" charset="0"/>
+                                </a:rPr>
+                                <m:t>𝑃</m:t>
+                              </m:r>
+                            </m:e>
+                            <m:sub>
+                              <m:r>
+                                <a:rPr kumimoji="1" lang="en-US" altLang="zh-TW" sz="4000" i="1">
+                                  <a:latin typeface="Cambria Math" charset="0"/>
+                                </a:rPr>
+                                <m:t>𝑟</m:t>
+                              </m:r>
+                            </m:sub>
+                          </m:sSub>
+                        </m:num>
+                        <m:den>
+                          <m:sSub>
+                            <m:sSubPr>
+                              <m:ctrlPr>
+                                <a:rPr kumimoji="1" lang="en-US" altLang="zh-TW" sz="4000" i="1">
+                                  <a:latin typeface="Cambria Math" charset="0"/>
+                                </a:rPr>
+                              </m:ctrlPr>
+                            </m:sSubPr>
+                            <m:e>
+                              <m:r>
+                                <a:rPr kumimoji="1" lang="en-US" altLang="zh-TW" sz="4000" i="1">
+                                  <a:latin typeface="Cambria Math" charset="0"/>
+                                </a:rPr>
+                                <m:t>𝑃</m:t>
+                              </m:r>
+                            </m:e>
+                            <m:sub>
+                              <m:r>
+                                <a:rPr kumimoji="1" lang="en-US" altLang="zh-TW" sz="4000" i="1">
+                                  <a:latin typeface="Cambria Math" charset="0"/>
+                                </a:rPr>
+                                <m:t>𝑡</m:t>
+                              </m:r>
+                            </m:sub>
+                          </m:sSub>
+                        </m:den>
+                      </m:f>
+                      <m:r>
+                        <a:rPr kumimoji="1" lang="en-US" altLang="zh-TW" sz="4000" i="1">
+                          <a:latin typeface="Cambria Math" charset="0"/>
+                        </a:rPr>
+                        <m:t>=</m:t>
+                      </m:r>
+                      <m:sSub>
+                        <m:sSubPr>
+                          <m:ctrlPr>
+                            <a:rPr kumimoji="1" lang="en-US" altLang="zh-TW" sz="4000" i="1">
+                              <a:latin typeface="Cambria Math" charset="0"/>
+                            </a:rPr>
+                          </m:ctrlPr>
+                        </m:sSubPr>
+                        <m:e>
+                          <m:r>
+                            <a:rPr kumimoji="1" lang="en-US" altLang="zh-TW" sz="4000" b="0" i="1" smtClean="0">
+                              <a:latin typeface="Cambria Math" charset="0"/>
+                            </a:rPr>
+                            <m:t>𝐷</m:t>
+                          </m:r>
+                        </m:e>
+                        <m:sub>
+                          <m:r>
+                            <a:rPr kumimoji="1" lang="en-US" altLang="zh-TW" sz="4000" i="1">
+                              <a:latin typeface="Cambria Math" charset="0"/>
+                            </a:rPr>
+                            <m:t>𝑡</m:t>
+                          </m:r>
+                        </m:sub>
+                      </m:sSub>
+                      <m:sSub>
+                        <m:sSubPr>
+                          <m:ctrlPr>
+                            <a:rPr kumimoji="1" lang="en-US" altLang="zh-TW" sz="4000" i="1">
+                              <a:latin typeface="Cambria Math" charset="0"/>
+                            </a:rPr>
+                          </m:ctrlPr>
+                        </m:sSubPr>
+                        <m:e>
+                          <m:r>
+                            <a:rPr kumimoji="1" lang="en-US" altLang="zh-TW" sz="4000" b="0" i="1" smtClean="0">
+                              <a:latin typeface="Cambria Math" charset="0"/>
+                            </a:rPr>
+                            <m:t>𝐷</m:t>
+                          </m:r>
+                        </m:e>
+                        <m:sub>
+                          <m:r>
+                            <a:rPr kumimoji="1" lang="en-US" altLang="zh-TW" sz="4000" b="0" i="1" smtClean="0">
+                              <a:latin typeface="Cambria Math" charset="0"/>
+                            </a:rPr>
+                            <m:t>𝑟</m:t>
+                          </m:r>
+                        </m:sub>
+                      </m:sSub>
+                      <m:sSup>
+                        <m:sSupPr>
+                          <m:ctrlPr>
+                            <a:rPr kumimoji="1" lang="en-US" altLang="zh-TW" sz="4000" i="1" smtClean="0">
+                              <a:latin typeface="Cambria Math" charset="0"/>
+                            </a:rPr>
+                          </m:ctrlPr>
+                        </m:sSupPr>
+                        <m:e>
+                          <m:r>
+                            <a:rPr kumimoji="1" lang="en-US" altLang="zh-TW" sz="4000" b="0" i="1" smtClean="0">
+                              <a:latin typeface="Cambria Math" charset="0"/>
+                            </a:rPr>
+                            <m:t>(</m:t>
+                          </m:r>
+                          <m:f>
+                            <m:fPr>
+                              <m:ctrlPr>
+                                <a:rPr kumimoji="1" lang="mr-IN" altLang="zh-TW" sz="4000" i="1">
+                                  <a:latin typeface="Cambria Math" charset="0"/>
+                                </a:rPr>
+                              </m:ctrlPr>
+                            </m:fPr>
+                            <m:num>
+                              <m:r>
+                                <a:rPr kumimoji="1" lang="en-US" altLang="zh-TW" sz="4000" i="1">
+                                  <a:latin typeface="Cambria Math" charset="0"/>
+                                  <a:ea typeface="Cambria Math" charset="0"/>
+                                  <a:cs typeface="Cambria Math" charset="0"/>
+                                </a:rPr>
+                                <m:t>𝜆</m:t>
+                              </m:r>
+                            </m:num>
+                            <m:den>
+                              <m:r>
+                                <a:rPr kumimoji="1" lang="en-US" altLang="zh-TW" sz="4000" i="1" smtClean="0">
+                                  <a:solidFill>
+                                    <a:schemeClr val="tx1"/>
+                                  </a:solidFill>
+                                  <a:latin typeface="Cambria Math" charset="0"/>
+                                </a:rPr>
+                                <m:t>4</m:t>
+                              </m:r>
+                              <m:r>
+                                <a:rPr kumimoji="1" lang="en-US" altLang="zh-TW" sz="4000" i="1">
+                                  <a:solidFill>
+                                    <a:schemeClr val="tx1"/>
+                                  </a:solidFill>
+                                  <a:latin typeface="Cambria Math" charset="0"/>
+                                  <a:ea typeface="Cambria Math" charset="0"/>
+                                  <a:cs typeface="Cambria Math" charset="0"/>
+                                </a:rPr>
+                                <m:t>𝜋</m:t>
+                              </m:r>
+                              <m:r>
+                                <a:rPr kumimoji="1" lang="en-US" altLang="zh-TW" sz="4000" i="1">
+                                  <a:solidFill>
+                                    <a:schemeClr val="tx1"/>
+                                  </a:solidFill>
+                                  <a:latin typeface="Cambria Math" charset="0"/>
+                                  <a:ea typeface="Cambria Math" charset="0"/>
+                                  <a:cs typeface="Cambria Math" charset="0"/>
+                                </a:rPr>
+                                <m:t>𝑑</m:t>
+                              </m:r>
+                            </m:den>
+                          </m:f>
+                          <m:r>
+                            <a:rPr kumimoji="1" lang="en-US" altLang="zh-TW" sz="4000" b="0" i="1" smtClean="0">
+                              <a:latin typeface="Cambria Math" charset="0"/>
+                            </a:rPr>
+                            <m:t>)</m:t>
+                          </m:r>
+                        </m:e>
+                        <m:sup>
+                          <m:r>
+                            <a:rPr kumimoji="1" lang="en-US" altLang="zh-TW" sz="4000" b="0" i="1" smtClean="0">
+                              <a:latin typeface="Cambria Math" charset="0"/>
+                            </a:rPr>
+                            <m:t>2</m:t>
+                          </m:r>
+                        </m:sup>
+                      </m:sSup>
+                    </m:oMath>
+                  </m:oMathPara>
+                </a14:m>
+                <a:endParaRPr kumimoji="1" lang="en-US" altLang="zh-TW" sz="4000" dirty="0" smtClean="0"/>
+              </a:p>
+              <a:p>
+                <a:pPr marL="11112" indent="0" algn="ctr">
+                  <a:lnSpc>
+                    <a:spcPct val="150000"/>
+                  </a:lnSpc>
+                  <a:buNone/>
+                </a:pPr>
+                <a14:m>
+                  <m:oMathPara xmlns:m="http://schemas.openxmlformats.org/officeDocument/2006/math">
+                    <m:oMathParaPr>
+                      <m:jc m:val="center"/>
+                    </m:oMathParaPr>
+                    <m:oMath xmlns:m="http://schemas.openxmlformats.org/officeDocument/2006/math">
+                      <m:sSub>
+                        <m:sSubPr>
+                          <m:ctrlPr>
+                            <a:rPr kumimoji="1" lang="en-US" altLang="zh-TW" sz="4000" i="1">
+                              <a:latin typeface="Cambria Math" charset="0"/>
+                            </a:rPr>
+                          </m:ctrlPr>
+                        </m:sSubPr>
+                        <m:e>
+                          <m:r>
+                            <a:rPr kumimoji="1" lang="en-US" altLang="zh-TW" sz="4000" i="1">
+                              <a:latin typeface="Cambria Math" charset="0"/>
+                            </a:rPr>
+                            <m:t>𝑃</m:t>
+                          </m:r>
+                        </m:e>
+                        <m:sub>
+                          <m:r>
+                            <a:rPr kumimoji="1" lang="en-US" altLang="zh-TW" sz="4000" i="1">
+                              <a:latin typeface="Cambria Math" charset="0"/>
+                            </a:rPr>
+                            <m:t>𝑟</m:t>
+                          </m:r>
+                        </m:sub>
+                      </m:sSub>
+                      <m:r>
+                        <a:rPr kumimoji="1" lang="en-US" altLang="zh-TW" sz="4000" b="0" i="1" smtClean="0">
+                          <a:latin typeface="Cambria Math" charset="0"/>
+                        </a:rPr>
+                        <m:t>(</m:t>
+                      </m:r>
+                      <m:r>
+                        <a:rPr kumimoji="1" lang="en-US" altLang="zh-TW" sz="4000" b="0" i="1" smtClean="0">
+                          <a:latin typeface="Cambria Math" charset="0"/>
+                        </a:rPr>
+                        <m:t>𝑑𝐵𝑚</m:t>
+                      </m:r>
+                      <m:r>
+                        <a:rPr kumimoji="1" lang="en-US" altLang="zh-TW" sz="4000" b="0" i="1" smtClean="0">
+                          <a:latin typeface="Cambria Math" charset="0"/>
+                        </a:rPr>
+                        <m:t>)</m:t>
+                      </m:r>
+                      <m:r>
+                        <a:rPr kumimoji="1" lang="en-US" altLang="zh-TW" sz="4000" b="0" i="0" smtClean="0">
+                          <a:latin typeface="Cambria Math" charset="0"/>
+                        </a:rPr>
+                        <m:t>=</m:t>
+                      </m:r>
+                      <m:sSub>
+                        <m:sSubPr>
+                          <m:ctrlPr>
+                            <a:rPr kumimoji="1" lang="en-US" altLang="zh-TW" sz="4000" i="1">
+                              <a:latin typeface="Cambria Math" charset="0"/>
+                            </a:rPr>
+                          </m:ctrlPr>
+                        </m:sSubPr>
+                        <m:e>
+                          <m:r>
+                            <a:rPr kumimoji="1" lang="en-US" altLang="zh-TW" sz="4000" i="1">
+                              <a:latin typeface="Cambria Math" charset="0"/>
+                            </a:rPr>
+                            <m:t>𝑃</m:t>
+                          </m:r>
+                        </m:e>
+                        <m:sub>
+                          <m:r>
+                            <a:rPr kumimoji="1" lang="en-US" altLang="zh-TW" sz="4000" b="0" i="1" smtClean="0">
+                              <a:latin typeface="Cambria Math" charset="0"/>
+                            </a:rPr>
+                            <m:t>𝑡</m:t>
+                          </m:r>
+                        </m:sub>
+                      </m:sSub>
+                      <m:r>
+                        <a:rPr kumimoji="1" lang="en-US" altLang="zh-TW" sz="4000" b="0" i="1" smtClean="0">
+                          <a:latin typeface="Cambria Math" charset="0"/>
+                        </a:rPr>
+                        <m:t>+</m:t>
+                      </m:r>
+                      <m:sSub>
+                        <m:sSubPr>
+                          <m:ctrlPr>
+                            <a:rPr kumimoji="1" lang="en-US" altLang="zh-TW" sz="4000" i="1">
+                              <a:latin typeface="Cambria Math" charset="0"/>
+                            </a:rPr>
+                          </m:ctrlPr>
+                        </m:sSubPr>
+                        <m:e>
+                          <m:r>
+                            <a:rPr kumimoji="1" lang="en-US" altLang="zh-TW" sz="4000" b="0" i="1" smtClean="0">
+                              <a:latin typeface="Cambria Math" charset="0"/>
+                            </a:rPr>
+                            <m:t>𝐷</m:t>
+                          </m:r>
+                        </m:e>
+                        <m:sub>
+                          <m:r>
+                            <a:rPr kumimoji="1" lang="en-US" altLang="zh-TW" sz="4000" i="1">
+                              <a:latin typeface="Cambria Math" charset="0"/>
+                            </a:rPr>
+                            <m:t>𝑟</m:t>
+                          </m:r>
+                        </m:sub>
+                      </m:sSub>
+                      <m:r>
+                        <a:rPr kumimoji="1" lang="en-US" altLang="zh-TW" sz="4000" b="0" i="1" smtClean="0">
+                          <a:latin typeface="Cambria Math" charset="0"/>
+                        </a:rPr>
+                        <m:t>+</m:t>
+                      </m:r>
+                      <m:sSub>
+                        <m:sSubPr>
+                          <m:ctrlPr>
+                            <a:rPr kumimoji="1" lang="en-US" altLang="zh-TW" sz="4000" i="1">
+                              <a:latin typeface="Cambria Math" charset="0"/>
+                            </a:rPr>
+                          </m:ctrlPr>
+                        </m:sSubPr>
+                        <m:e>
+                          <m:r>
+                            <a:rPr kumimoji="1" lang="en-US" altLang="zh-TW" sz="4000" b="0" i="1" smtClean="0">
+                              <a:latin typeface="Cambria Math" charset="0"/>
+                            </a:rPr>
+                            <m:t>𝐷</m:t>
+                          </m:r>
+                        </m:e>
+                        <m:sub>
+                          <m:r>
+                            <a:rPr kumimoji="1" lang="en-US" altLang="zh-TW" sz="4000" b="0" i="1" smtClean="0">
+                              <a:latin typeface="Cambria Math" charset="0"/>
+                            </a:rPr>
+                            <m:t>𝑡</m:t>
+                          </m:r>
+                        </m:sub>
+                      </m:sSub>
+                      <m:r>
+                        <a:rPr kumimoji="1" lang="en-US" altLang="zh-TW" sz="4000" b="0" i="1" smtClean="0">
+                          <a:latin typeface="Cambria Math" charset="0"/>
+                        </a:rPr>
+                        <m:t>+20</m:t>
+                      </m:r>
+                      <m:sSub>
+                        <m:sSubPr>
+                          <m:ctrlPr>
+                            <a:rPr kumimoji="1" lang="en-US" altLang="zh-TW" sz="4000" b="0" i="1" smtClean="0">
+                              <a:latin typeface="Cambria Math" charset="0"/>
+                            </a:rPr>
+                          </m:ctrlPr>
+                        </m:sSubPr>
+                        <m:e>
+                          <m:r>
+                            <a:rPr kumimoji="1" lang="en-US" altLang="zh-TW" sz="4000" b="0" i="1" smtClean="0">
+                              <a:latin typeface="Cambria Math" charset="0"/>
+                            </a:rPr>
+                            <m:t>𝑙𝑜𝑔</m:t>
+                          </m:r>
+                        </m:e>
+                        <m:sub>
+                          <m:r>
+                            <a:rPr kumimoji="1" lang="en-US" altLang="zh-TW" sz="4000" b="0" i="1" smtClean="0">
+                              <a:latin typeface="Cambria Math" charset="0"/>
+                            </a:rPr>
+                            <m:t>10</m:t>
+                          </m:r>
+                        </m:sub>
+                      </m:sSub>
+                      <m:r>
+                        <a:rPr kumimoji="1" lang="en-US" altLang="zh-TW" sz="4000" i="1">
+                          <a:latin typeface="Cambria Math" charset="0"/>
+                        </a:rPr>
+                        <m:t>(</m:t>
+                      </m:r>
+                      <m:f>
+                        <m:fPr>
+                          <m:ctrlPr>
+                            <a:rPr kumimoji="1" lang="mr-IN" altLang="zh-TW" sz="4000" i="1">
+                              <a:latin typeface="Cambria Math" charset="0"/>
+                            </a:rPr>
+                          </m:ctrlPr>
+                        </m:fPr>
+                        <m:num>
+                          <m:r>
+                            <a:rPr kumimoji="1" lang="en-US" altLang="zh-TW" sz="4000" i="1">
+                              <a:latin typeface="Cambria Math" charset="0"/>
+                              <a:ea typeface="Cambria Math" charset="0"/>
+                              <a:cs typeface="Cambria Math" charset="0"/>
+                            </a:rPr>
+                            <m:t>𝜆</m:t>
+                          </m:r>
+                        </m:num>
+                        <m:den>
+                          <m:r>
+                            <a:rPr kumimoji="1" lang="en-US" altLang="zh-TW" sz="4000" i="1">
+                              <a:latin typeface="Cambria Math" charset="0"/>
+                            </a:rPr>
+                            <m:t>4</m:t>
+                          </m:r>
+                          <m:r>
+                            <a:rPr kumimoji="1" lang="en-US" altLang="zh-TW" sz="4000" i="1">
+                              <a:latin typeface="Cambria Math" charset="0"/>
+                              <a:ea typeface="Cambria Math" charset="0"/>
+                              <a:cs typeface="Cambria Math" charset="0"/>
+                            </a:rPr>
+                            <m:t>𝜋</m:t>
+                          </m:r>
+                          <m:r>
+                            <a:rPr kumimoji="1" lang="en-US" altLang="zh-TW" sz="4000" i="1">
+                              <a:latin typeface="Cambria Math" charset="0"/>
+                              <a:ea typeface="Cambria Math" charset="0"/>
+                              <a:cs typeface="Cambria Math" charset="0"/>
+                            </a:rPr>
+                            <m:t>𝑑</m:t>
+                          </m:r>
+                        </m:den>
+                      </m:f>
+                      <m:r>
+                        <a:rPr kumimoji="1" lang="en-US" altLang="zh-TW" sz="4000" i="1">
+                          <a:latin typeface="Cambria Math" charset="0"/>
+                        </a:rPr>
+                        <m:t>)</m:t>
+                      </m:r>
+                    </m:oMath>
+                  </m:oMathPara>
+                </a14:m>
+                <a:endParaRPr kumimoji="1" lang="en-US" altLang="zh-TW" sz="4000" dirty="0"/>
+              </a:p>
+              <a:p>
+                <a:pPr marL="11112" indent="0" algn="ctr">
+                  <a:lnSpc>
+                    <a:spcPct val="150000"/>
+                  </a:lnSpc>
+                  <a:buNone/>
+                </a:pPr>
+                <a:endParaRPr kumimoji="1" lang="zh-TW" altLang="en-US" sz="3200" dirty="0">
+                  <a:latin typeface="Times New Roman" charset="0"/>
+                  <a:ea typeface="Times New Roman" charset="0"/>
+                  <a:cs typeface="Times New Roman" charset="0"/>
+                </a:endParaRPr>
+              </a:p>
+            </p:txBody>
+          </p:sp>
+        </mc:Choice>
+        <mc:Fallback>
+          <p:sp>
+            <p:nvSpPr>
+              <p:cNvPr id="7" name="內容版面配置區 6"/>
+              <p:cNvSpPr>
+                <a:spLocks noGrp="1" noRot="1" noChangeAspect="1" noMove="1" noResize="1" noEditPoints="1" noAdjustHandles="1" noChangeArrowheads="1" noChangeShapeType="1" noTextEdit="1"/>
+              </p:cNvSpPr>
+              <p:nvPr>
+                <p:ph idx="1"/>
+              </p:nvPr>
+            </p:nvSpPr>
+            <p:spPr>
+              <a:xfrm>
+                <a:off x="1261775" y="1770422"/>
+                <a:ext cx="9668449" cy="4610906"/>
+              </a:xfrm>
+              <a:blipFill rotWithShape="0">
+                <a:blip r:embed="rId3"/>
+                <a:stretch>
+                  <a:fillRect/>
+                </a:stretch>
+              </a:blipFill>
+            </p:spPr>
+            <p:txBody>
+              <a:bodyPr/>
+              <a:lstStyle/>
+              <a:p>
+                <a:r>
+                  <a:rPr lang="zh-TW" altLang="en-US">
+                    <a:noFill/>
+                  </a:rPr>
+                  <a:t> </a:t>
+                </a:r>
+              </a:p>
+            </p:txBody>
+          </p:sp>
+        </mc:Fallback>
+      </mc:AlternateContent>
     </p:spTree>
     <p:extLst>
       <p:ext uri="{BB962C8B-B14F-4D97-AF65-F5344CB8AC3E}">
-        <p14:creationId xmlns:p14="http://schemas.microsoft.com/office/powerpoint/2010/main" val="568981971"/>
+        <p14:creationId xmlns:p14="http://schemas.microsoft.com/office/powerpoint/2010/main" val="2083369087"/>
       </p:ext>
     </p:extLst>
   </p:cSld>

--- a/Freshman_Training.pptx
+++ b/Freshman_Training.pptx
@@ -5,7 +5,7 @@
     <p:sldMasterId id="2147483660" r:id="rId1"/>
   </p:sldMasterIdLst>
   <p:notesMasterIdLst>
-    <p:notesMasterId r:id="rId15"/>
+    <p:notesMasterId r:id="rId16"/>
   </p:notesMasterIdLst>
   <p:sldIdLst>
     <p:sldId id="256" r:id="rId2"/>
@@ -19,8 +19,9 @@
     <p:sldId id="310" r:id="rId10"/>
     <p:sldId id="311" r:id="rId11"/>
     <p:sldId id="312" r:id="rId12"/>
-    <p:sldId id="305" r:id="rId13"/>
-    <p:sldId id="301" r:id="rId14"/>
+    <p:sldId id="313" r:id="rId13"/>
+    <p:sldId id="305" r:id="rId14"/>
+    <p:sldId id="301" r:id="rId15"/>
   </p:sldIdLst>
   <p:sldSz cx="12192000" cy="6858000"/>
   <p:notesSz cx="6858000" cy="9144000"/>
@@ -143,6 +144,7 @@
             <p14:sldId id="310"/>
             <p14:sldId id="311"/>
             <p14:sldId id="312"/>
+            <p14:sldId id="313"/>
           </p14:sldIdLst>
         </p14:section>
         <p14:section name="RFID" id="{3EA3CAAF-261C-BD4E-8DFC-CD96A350342D}">
@@ -658,6 +660,34 @@
               <a:rPr kumimoji="1" lang="en-US" altLang="zh-TW" dirty="0" smtClean="0"/>
               <a:t>performance </a:t>
             </a:r>
+            <a:endParaRPr kumimoji="1" lang="zh-TW" altLang="en-US" dirty="0" smtClean="0"/>
+          </a:p>
+          <a:p>
+            <a:r>
+              <a:rPr kumimoji="1" lang="en-US" altLang="zh-TW" err="1" smtClean="0"/>
+              <a:t>Friis</a:t>
+            </a:r>
+            <a:r>
+              <a:rPr kumimoji="1" lang="en-US" altLang="zh-TW" baseline="0" smtClean="0"/>
+              <a:t> </a:t>
+            </a:r>
+            <a:r>
+              <a:rPr kumimoji="1" lang="zh-TW" altLang="en-US" baseline="0" smtClean="0"/>
+              <a:t>認為</a:t>
+            </a:r>
+            <a:r>
+              <a:rPr kumimoji="1" lang="zh-TW" altLang="en-US" smtClean="0"/>
+              <a:t>現有</a:t>
+            </a:r>
+            <a:r>
+              <a:rPr kumimoji="1" lang="zh-TW" altLang="en-US" dirty="0" smtClean="0"/>
+              <a:t>的公式都</a:t>
+            </a:r>
+            <a:r>
+              <a:rPr kumimoji="1" lang="zh-TW" altLang="en-US" smtClean="0"/>
+              <a:t>太多係數要記</a:t>
+            </a:r>
+            <a:endParaRPr kumimoji="1" lang="en-US" altLang="zh-TW" dirty="0" smtClean="0"/>
           </a:p>
           <a:p>
             <a:r>
@@ -887,6 +917,29 @@
             </a:r>
           </a:p>
           <a:p>
+            <a:r>
+              <a:rPr lang="en-US" altLang="zh-TW" sz="1200" b="0" i="0" kern="1200" dirty="0" smtClean="0">
+                <a:solidFill>
+                  <a:schemeClr val="tx1"/>
+                </a:solidFill>
+                <a:effectLst/>
+                <a:latin typeface="+mn-lt"/>
+                <a:ea typeface="+mn-ea"/>
+                <a:cs typeface="+mn-cs"/>
+              </a:rPr>
+              <a:t>the antenna directivities are linear values</a:t>
+            </a:r>
+            <a:endParaRPr lang="zh-TW" altLang="en-US" sz="1200" b="0" i="0" kern="1200" dirty="0" smtClean="0">
+              <a:solidFill>
+                <a:schemeClr val="tx1"/>
+              </a:solidFill>
+              <a:effectLst/>
+              <a:latin typeface="+mn-lt"/>
+              <a:ea typeface="+mn-ea"/>
+              <a:cs typeface="+mn-cs"/>
+            </a:endParaRPr>
+          </a:p>
+          <a:p>
             <a:endParaRPr lang="en-US" altLang="zh-TW" sz="1200" b="0" i="0" kern="1200" dirty="0" smtClean="0">
               <a:solidFill>
                 <a:schemeClr val="tx1"/>
@@ -980,8 +1033,8 @@
           <a:lstStyle/>
           <a:p>
             <a:r>
-              <a:rPr kumimoji="1" lang="zh-TW" altLang="en-US" smtClean="0"/>
-              <a:t>放圖</a:t>
+              <a:rPr kumimoji="1" lang="zh-TW" altLang="en-US" dirty="0" smtClean="0"/>
+              <a:t>看個角度的訊號最強</a:t>
             </a:r>
             <a:endParaRPr kumimoji="1" lang="zh-TW" altLang="en-US" dirty="0"/>
           </a:p>
@@ -1067,6 +1120,10 @@
           <a:bodyPr/>
           <a:lstStyle/>
           <a:p>
+            <a:r>
+              <a:rPr kumimoji="1" lang="zh-TW" altLang="en-US" dirty="0" smtClean="0"/>
+              <a:t>點來源</a:t>
+            </a:r>
             <a:endParaRPr kumimoji="1" lang="zh-TW" altLang="en-US" dirty="0"/>
           </a:p>
         </p:txBody>
@@ -1098,6 +1155,102 @@
     <p:extLst>
       <p:ext uri="{BB962C8B-B14F-4D97-AF65-F5344CB8AC3E}">
         <p14:creationId xmlns:p14="http://schemas.microsoft.com/office/powerpoint/2010/main" val="1454203672"/>
+      </p:ext>
+    </p:extLst>
+  </p:cSld>
+  <p:clrMapOvr>
+    <a:masterClrMapping/>
+  </p:clrMapOvr>
+</p:notes>
+</file>
+
+<file path=ppt/notesSlides/notesSlide7.xml><?xml version="1.0" encoding="utf-8"?>
+<p:notes xmlns:a="http://schemas.openxmlformats.org/drawingml/2006/main" xmlns:r="http://schemas.openxmlformats.org/officeDocument/2006/relationships" xmlns:p="http://schemas.openxmlformats.org/presentationml/2006/main">
+  <p:cSld>
+    <p:spTree>
+      <p:nvGrpSpPr>
+        <p:cNvPr id="1" name=""/>
+        <p:cNvGrpSpPr/>
+        <p:nvPr/>
+      </p:nvGrpSpPr>
+      <p:grpSpPr>
+        <a:xfrm>
+          <a:off x="0" y="0"/>
+          <a:ext cx="0" cy="0"/>
+          <a:chOff x="0" y="0"/>
+          <a:chExt cx="0" cy="0"/>
+        </a:xfrm>
+      </p:grpSpPr>
+      <p:sp>
+        <p:nvSpPr>
+          <p:cNvPr id="2" name="投影片影像版面配置區 1"/>
+          <p:cNvSpPr>
+            <a:spLocks noGrp="1" noRot="1" noChangeAspect="1"/>
+          </p:cNvSpPr>
+          <p:nvPr>
+            <p:ph type="sldImg"/>
+          </p:nvPr>
+        </p:nvSpPr>
+        <p:spPr/>
+      </p:sp>
+      <p:sp>
+        <p:nvSpPr>
+          <p:cNvPr id="3" name="備忘稿版面配置區 2"/>
+          <p:cNvSpPr>
+            <a:spLocks noGrp="1"/>
+          </p:cNvSpPr>
+          <p:nvPr>
+            <p:ph type="body" idx="1"/>
+          </p:nvPr>
+        </p:nvSpPr>
+        <p:spPr/>
+        <p:txBody>
+          <a:bodyPr/>
+          <a:lstStyle/>
+          <a:p>
+            <a:r>
+              <a:rPr kumimoji="1" lang="zh-TW" altLang="en-US" dirty="0" smtClean="0"/>
+              <a:t>最後還是加入了 </a:t>
+            </a:r>
+            <a:r>
+              <a:rPr kumimoji="1" lang="en-US" altLang="zh-TW" dirty="0" smtClean="0"/>
+              <a:t>directivity </a:t>
+            </a:r>
+            <a:r>
+              <a:rPr kumimoji="1" lang="zh-TW" altLang="en-US" dirty="0" smtClean="0"/>
+              <a:t>來呈現天線的效能</a:t>
+            </a:r>
+            <a:endParaRPr kumimoji="1" lang="zh-TW" altLang="en-US" dirty="0"/>
+          </a:p>
+        </p:txBody>
+      </p:sp>
+      <p:sp>
+        <p:nvSpPr>
+          <p:cNvPr id="4" name="投影片編號版面配置區 3"/>
+          <p:cNvSpPr>
+            <a:spLocks noGrp="1"/>
+          </p:cNvSpPr>
+          <p:nvPr>
+            <p:ph type="sldNum" sz="quarter" idx="10"/>
+          </p:nvPr>
+        </p:nvSpPr>
+        <p:spPr/>
+        <p:txBody>
+          <a:bodyPr/>
+          <a:lstStyle/>
+          <a:p>
+            <a:fld id="{C79F9334-C2B5-40DC-A82F-94CC416C9799}" type="slidenum">
+              <a:rPr lang="zh-TW" altLang="en-US" smtClean="0"/>
+              <a:t>12</a:t>
+            </a:fld>
+            <a:endParaRPr lang="zh-TW" altLang="en-US"/>
+          </a:p>
+        </p:txBody>
+      </p:sp>
+    </p:spTree>
+    <p:extLst>
+      <p:ext uri="{BB962C8B-B14F-4D97-AF65-F5344CB8AC3E}">
+        <p14:creationId xmlns:p14="http://schemas.microsoft.com/office/powerpoint/2010/main" val="601892381"/>
       </p:ext>
     </p:extLst>
   </p:cSld>
@@ -1859,6 +2012,18 @@
   <p:clrMapOvr>
     <a:masterClrMapping/>
   </p:clrMapOvr>
+  <mc:AlternateContent xmlns:mc="http://schemas.openxmlformats.org/markup-compatibility/2006">
+    <mc:Choice xmlns:p14="http://schemas.microsoft.com/office/powerpoint/2010/main" Requires="p14">
+      <p:transition spd="med" p14:dur="700">
+        <p:fade/>
+      </p:transition>
+    </mc:Choice>
+    <mc:Fallback>
+      <p:transition spd="med">
+        <p:fade/>
+      </p:transition>
+    </mc:Fallback>
+  </mc:AlternateContent>
 </p:sldLayout>
 </file>
 
@@ -2446,6 +2611,18 @@
   <p:clrMapOvr>
     <a:masterClrMapping/>
   </p:clrMapOvr>
+  <mc:AlternateContent xmlns:mc="http://schemas.openxmlformats.org/markup-compatibility/2006">
+    <mc:Choice xmlns:p14="http://schemas.microsoft.com/office/powerpoint/2010/main" Requires="p14">
+      <p:transition spd="med" p14:dur="700">
+        <p:fade/>
+      </p:transition>
+    </mc:Choice>
+    <mc:Fallback>
+      <p:transition spd="med">
+        <p:fade/>
+      </p:transition>
+    </mc:Fallback>
+  </mc:AlternateContent>
 </p:sldLayout>
 </file>
 
@@ -3042,6 +3219,18 @@
   <p:clrMapOvr>
     <a:masterClrMapping/>
   </p:clrMapOvr>
+  <mc:AlternateContent xmlns:mc="http://schemas.openxmlformats.org/markup-compatibility/2006">
+    <mc:Choice xmlns:p14="http://schemas.microsoft.com/office/powerpoint/2010/main" Requires="p14">
+      <p:transition spd="med" p14:dur="700">
+        <p:fade/>
+      </p:transition>
+    </mc:Choice>
+    <mc:Fallback>
+      <p:transition spd="med">
+        <p:fade/>
+      </p:transition>
+    </mc:Fallback>
+  </mc:AlternateContent>
 </p:sldLayout>
 </file>
 
@@ -3801,6 +3990,18 @@
   <p:clrMapOvr>
     <a:masterClrMapping/>
   </p:clrMapOvr>
+  <mc:AlternateContent xmlns:mc="http://schemas.openxmlformats.org/markup-compatibility/2006">
+    <mc:Choice xmlns:p14="http://schemas.microsoft.com/office/powerpoint/2010/main" Requires="p14">
+      <p:transition spd="med" p14:dur="700">
+        <p:fade/>
+      </p:transition>
+    </mc:Choice>
+    <mc:Fallback>
+      <p:transition spd="med">
+        <p:fade/>
+      </p:transition>
+    </mc:Fallback>
+  </mc:AlternateContent>
 </p:sldLayout>
 </file>
 
@@ -4393,6 +4594,18 @@
   <p:clrMapOvr>
     <a:masterClrMapping/>
   </p:clrMapOvr>
+  <mc:AlternateContent xmlns:mc="http://schemas.openxmlformats.org/markup-compatibility/2006">
+    <mc:Choice xmlns:p14="http://schemas.microsoft.com/office/powerpoint/2010/main" Requires="p14">
+      <p:transition spd="med" p14:dur="700">
+        <p:fade/>
+      </p:transition>
+    </mc:Choice>
+    <mc:Fallback>
+      <p:transition spd="med">
+        <p:fade/>
+      </p:transition>
+    </mc:Fallback>
+  </mc:AlternateContent>
 </p:sldLayout>
 </file>
 
@@ -4925,6 +5138,18 @@
   <p:clrMapOvr>
     <a:masterClrMapping/>
   </p:clrMapOvr>
+  <mc:AlternateContent xmlns:mc="http://schemas.openxmlformats.org/markup-compatibility/2006">
+    <mc:Choice xmlns:p14="http://schemas.microsoft.com/office/powerpoint/2010/main" Requires="p14">
+      <p:transition spd="med" p14:dur="700">
+        <p:fade/>
+      </p:transition>
+    </mc:Choice>
+    <mc:Fallback>
+      <p:transition spd="med">
+        <p:fade/>
+      </p:transition>
+    </mc:Fallback>
+  </mc:AlternateContent>
 </p:sldLayout>
 </file>
 
@@ -5669,6 +5894,18 @@
   <p:clrMapOvr>
     <a:masterClrMapping/>
   </p:clrMapOvr>
+  <mc:AlternateContent xmlns:mc="http://schemas.openxmlformats.org/markup-compatibility/2006">
+    <mc:Choice xmlns:p14="http://schemas.microsoft.com/office/powerpoint/2010/main" Requires="p14">
+      <p:transition spd="med" p14:dur="700">
+        <p:fade/>
+      </p:transition>
+    </mc:Choice>
+    <mc:Fallback>
+      <p:transition spd="med">
+        <p:fade/>
+      </p:transition>
+    </mc:Fallback>
+  </mc:AlternateContent>
 </p:sldLayout>
 </file>
 
@@ -6555,6 +6792,18 @@
   <p:clrMapOvr>
     <a:masterClrMapping/>
   </p:clrMapOvr>
+  <mc:AlternateContent xmlns:mc="http://schemas.openxmlformats.org/markup-compatibility/2006">
+    <mc:Choice xmlns:p14="http://schemas.microsoft.com/office/powerpoint/2010/main" Requires="p14">
+      <p:transition spd="med" p14:dur="700">
+        <p:fade/>
+      </p:transition>
+    </mc:Choice>
+    <mc:Fallback>
+      <p:transition spd="med">
+        <p:fade/>
+      </p:transition>
+    </mc:Fallback>
+  </mc:AlternateContent>
 </p:sldLayout>
 </file>
 
@@ -7005,6 +7254,18 @@
   <p:clrMapOvr>
     <a:masterClrMapping/>
   </p:clrMapOvr>
+  <mc:AlternateContent xmlns:mc="http://schemas.openxmlformats.org/markup-compatibility/2006">
+    <mc:Choice xmlns:p14="http://schemas.microsoft.com/office/powerpoint/2010/main" Requires="p14">
+      <p:transition spd="med" p14:dur="700">
+        <p:fade/>
+      </p:transition>
+    </mc:Choice>
+    <mc:Fallback>
+      <p:transition spd="med">
+        <p:fade/>
+      </p:transition>
+    </mc:Fallback>
+  </mc:AlternateContent>
 </p:sldLayout>
 </file>
 
@@ -7263,6 +7524,18 @@
   <p:clrMapOvr>
     <a:masterClrMapping/>
   </p:clrMapOvr>
+  <mc:AlternateContent xmlns:mc="http://schemas.openxmlformats.org/markup-compatibility/2006">
+    <mc:Choice xmlns:p14="http://schemas.microsoft.com/office/powerpoint/2010/main" Requires="p14">
+      <p:transition spd="med" p14:dur="700">
+        <p:fade/>
+      </p:transition>
+    </mc:Choice>
+    <mc:Fallback>
+      <p:transition spd="med">
+        <p:fade/>
+      </p:transition>
+    </mc:Fallback>
+  </mc:AlternateContent>
 </p:sldLayout>
 </file>
 
@@ -7976,6 +8249,18 @@
   <p:clrMapOvr>
     <a:masterClrMapping/>
   </p:clrMapOvr>
+  <mc:AlternateContent xmlns:mc="http://schemas.openxmlformats.org/markup-compatibility/2006">
+    <mc:Choice xmlns:p14="http://schemas.microsoft.com/office/powerpoint/2010/main" Requires="p14">
+      <p:transition spd="med" p14:dur="700">
+        <p:fade/>
+      </p:transition>
+    </mc:Choice>
+    <mc:Fallback>
+      <p:transition spd="med">
+        <p:fade/>
+      </p:transition>
+    </mc:Fallback>
+  </mc:AlternateContent>
 </p:sldLayout>
 </file>
 
@@ -8628,6 +8913,18 @@
   <p:clrMapOvr>
     <a:masterClrMapping/>
   </p:clrMapOvr>
+  <mc:AlternateContent xmlns:mc="http://schemas.openxmlformats.org/markup-compatibility/2006">
+    <mc:Choice xmlns:p14="http://schemas.microsoft.com/office/powerpoint/2010/main" Requires="p14">
+      <p:transition spd="med" p14:dur="700">
+        <p:fade/>
+      </p:transition>
+    </mc:Choice>
+    <mc:Fallback>
+      <p:transition spd="med">
+        <p:fade/>
+      </p:transition>
+    </mc:Fallback>
+  </mc:AlternateContent>
 </p:sldLayout>
 </file>
 
@@ -8675,6 +8972,18 @@
     <p:sldLayoutId id="2147483671" r:id="rId11"/>
     <p:sldLayoutId id="2147483674" r:id="rId12"/>
   </p:sldLayoutIdLst>
+  <mc:AlternateContent xmlns:mc="http://schemas.openxmlformats.org/markup-compatibility/2006">
+    <mc:Choice xmlns:p14="http://schemas.microsoft.com/office/powerpoint/2010/main" Requires="p14">
+      <p:transition spd="med" p14:dur="700">
+        <p:fade/>
+      </p:transition>
+    </mc:Choice>
+    <mc:Fallback>
+      <p:transition spd="med">
+        <p:fade/>
+      </p:transition>
+    </mc:Fallback>
+  </mc:AlternateContent>
   <p:hf hdr="0" ftr="0" dt="0"/>
   <p:txStyles>
     <p:titleStyle>
@@ -9175,13 +9484,13 @@
   <p:clrMapOvr>
     <a:masterClrMapping/>
   </p:clrMapOvr>
-  <mc:AlternateContent xmlns:mc="http://schemas.openxmlformats.org/markup-compatibility/2006" xmlns:p14="http://schemas.microsoft.com/office/powerpoint/2010/main">
-    <mc:Choice Requires="p14">
+  <mc:AlternateContent xmlns:mc="http://schemas.openxmlformats.org/markup-compatibility/2006">
+    <mc:Choice xmlns:p14="http://schemas.microsoft.com/office/powerpoint/2010/main" Requires="p14">
       <p:transition spd="med" p14:dur="700">
         <p:fade/>
       </p:transition>
     </mc:Choice>
-    <mc:Fallback xmlns="">
+    <mc:Fallback>
       <p:transition spd="med">
         <p:fade/>
       </p:transition>
@@ -9283,7 +9592,7 @@
             </p:nvSpPr>
             <p:spPr>
               <a:xfrm>
-                <a:off x="1261776" y="1770422"/>
+                <a:off x="1411067" y="2311600"/>
                 <a:ext cx="5306976" cy="4610906"/>
               </a:xfrm>
             </p:spPr>
@@ -9398,7 +9707,7 @@
               <a:p>
                 <a:pPr marL="11112" indent="0" algn="ctr">
                   <a:lnSpc>
-                    <a:spcPct val="150000"/>
+                    <a:spcPct val="200000"/>
                   </a:lnSpc>
                   <a:buNone/>
                 </a:pPr>
@@ -9519,7 +9828,7 @@
             </p:nvSpPr>
             <p:spPr>
               <a:xfrm>
-                <a:off x="1261776" y="1770422"/>
+                <a:off x="1411067" y="2311600"/>
                 <a:ext cx="5306976" cy="4610906"/>
               </a:xfrm>
               <a:blipFill rotWithShape="0">
@@ -9544,6 +9853,36 @@
           </p:sp>
         </mc:Fallback>
       </mc:AlternateContent>
+      <p:pic>
+        <p:nvPicPr>
+          <p:cNvPr id="6" name="圖片 5"/>
+          <p:cNvPicPr>
+            <a:picLocks noChangeAspect="1"/>
+          </p:cNvPicPr>
+          <p:nvPr/>
+        </p:nvPicPr>
+        <p:blipFill>
+          <a:blip r:embed="rId4">
+            <a:extLst>
+              <a:ext uri="{28A0092B-C50C-407E-A947-70E740481C1C}">
+                <a14:useLocalDpi xmlns:a14="http://schemas.microsoft.com/office/drawing/2010/main" val="0"/>
+              </a:ext>
+            </a:extLst>
+          </a:blip>
+          <a:stretch>
+            <a:fillRect/>
+          </a:stretch>
+        </p:blipFill>
+        <p:spPr>
+          <a:xfrm>
+            <a:off x="6344816" y="1612508"/>
+            <a:ext cx="5133945" cy="5133945"/>
+          </a:xfrm>
+          <a:prstGeom prst="rect">
+            <a:avLst/>
+          </a:prstGeom>
+        </p:spPr>
+      </p:pic>
     </p:spTree>
     <p:extLst>
       <p:ext uri="{BB962C8B-B14F-4D97-AF65-F5344CB8AC3E}">
@@ -9554,13 +9893,13 @@
   <p:clrMapOvr>
     <a:masterClrMapping/>
   </p:clrMapOvr>
-  <mc:AlternateContent xmlns:mc="http://schemas.openxmlformats.org/markup-compatibility/2006" xmlns:p14="http://schemas.microsoft.com/office/powerpoint/2010/main">
-    <mc:Choice Requires="p14">
+  <mc:AlternateContent xmlns:mc="http://schemas.openxmlformats.org/markup-compatibility/2006">
+    <mc:Choice xmlns:p14="http://schemas.microsoft.com/office/powerpoint/2010/main" Requires="p14">
       <p:transition spd="med" p14:dur="700">
         <p:fade/>
       </p:transition>
     </mc:Choice>
-    <mc:Fallback xmlns="">
+    <mc:Fallback>
       <p:transition spd="med">
         <p:fade/>
       </p:transition>
@@ -9614,7 +9953,15 @@
                 <a:ea typeface="Times New Roman" charset="0"/>
                 <a:cs typeface="Times New Roman" charset="0"/>
               </a:rPr>
-              <a:t>Isotropic radiator</a:t>
+              <a:t>Isotropic </a:t>
+            </a:r>
+            <a:r>
+              <a:rPr kumimoji="1" lang="en-US" altLang="zh-TW" dirty="0" smtClean="0">
+                <a:latin typeface="Times New Roman" charset="0"/>
+                <a:ea typeface="Times New Roman" charset="0"/>
+                <a:cs typeface="Times New Roman" charset="0"/>
+              </a:rPr>
+              <a:t>Radiator</a:t>
             </a:r>
             <a:endParaRPr kumimoji="1" lang="zh-TW" altLang="en-US" dirty="0">
               <a:latin typeface="Times New Roman" charset="0"/>
@@ -9648,40 +9995,37 @@
           </a:p>
         </p:txBody>
       </p:sp>
-      <p:sp>
-        <p:nvSpPr>
-          <p:cNvPr id="7" name="內容版面配置區 6"/>
-          <p:cNvSpPr>
-            <a:spLocks noGrp="1"/>
-          </p:cNvSpPr>
+      <p:pic>
+        <p:nvPicPr>
+          <p:cNvPr id="3" name="Isotropic_radiator_animation_240x240x8frame_0.4sec_OoP7iC.mp4">
+            <a:hlinkClick r:id="" action="ppaction://media"/>
+          </p:cNvPr>
+          <p:cNvPicPr>
+            <a:picLocks noGrp="1" noChangeAspect="1"/>
+          </p:cNvPicPr>
           <p:nvPr>
             <p:ph idx="1"/>
+            <a:videoFile r:link="rId2"/>
+            <p:extLst>
+              <p:ext uri="{DAA4B4D4-6D71-4841-9C94-3DE7FCFB9230}">
+                <p14:media xmlns:p14="http://schemas.microsoft.com/office/powerpoint/2010/main" r:embed="rId1"/>
+              </p:ext>
+            </p:extLst>
           </p:nvPr>
-        </p:nvSpPr>
+        </p:nvPicPr>
+        <p:blipFill>
+          <a:blip r:embed="rId5"/>
+          <a:stretch>
+            <a:fillRect/>
+          </a:stretch>
+        </p:blipFill>
         <p:spPr>
           <a:xfrm>
-            <a:off x="1261775" y="1770422"/>
-            <a:ext cx="9668449" cy="4610906"/>
+            <a:off x="3790950" y="1770063"/>
+            <a:ext cx="4611688" cy="4611687"/>
           </a:xfrm>
         </p:spPr>
-        <p:txBody>
-          <a:bodyPr/>
-          <a:lstStyle/>
-          <a:p>
-            <a:pPr marL="11112" indent="0" algn="ctr">
-              <a:lnSpc>
-                <a:spcPct val="150000"/>
-              </a:lnSpc>
-              <a:buNone/>
-            </a:pPr>
-            <a:endParaRPr kumimoji="1" lang="zh-TW" altLang="en-US" sz="3200" dirty="0">
-              <a:latin typeface="Times New Roman" charset="0"/>
-              <a:ea typeface="Times New Roman" charset="0"/>
-              <a:cs typeface="Times New Roman" charset="0"/>
-            </a:endParaRPr>
-          </a:p>
-        </p:txBody>
-      </p:sp>
+      </p:pic>
     </p:spTree>
     <p:extLst>
       <p:ext uri="{BB962C8B-B14F-4D97-AF65-F5344CB8AC3E}">
@@ -9692,13 +10036,969 @@
   <p:clrMapOvr>
     <a:masterClrMapping/>
   </p:clrMapOvr>
-  <mc:AlternateContent xmlns:mc="http://schemas.openxmlformats.org/markup-compatibility/2006" xmlns:p14="http://schemas.microsoft.com/office/powerpoint/2010/main">
-    <mc:Choice Requires="p14">
+  <mc:AlternateContent xmlns:mc="http://schemas.openxmlformats.org/markup-compatibility/2006">
+    <mc:Choice xmlns:p14="http://schemas.microsoft.com/office/powerpoint/2010/main" Requires="p14">
       <p:transition spd="med" p14:dur="700">
         <p:fade/>
       </p:transition>
     </mc:Choice>
-    <mc:Fallback xmlns="">
+    <mc:Fallback>
+      <p:transition spd="med">
+        <p:fade/>
+      </p:transition>
+    </mc:Fallback>
+  </mc:AlternateContent>
+  <p:timing>
+    <p:tnLst>
+      <p:par>
+        <p:cTn id="1" dur="indefinite" restart="never" nodeType="tmRoot">
+          <p:childTnLst>
+            <p:seq concurrent="1" nextAc="seek">
+              <p:cTn id="2" dur="indefinite" nodeType="mainSeq">
+                <p:childTnLst>
+                  <p:par>
+                    <p:cTn id="3" fill="hold">
+                      <p:stCondLst>
+                        <p:cond delay="indefinite"/>
+                        <p:cond evt="onBegin" delay="0">
+                          <p:tn val="2"/>
+                        </p:cond>
+                      </p:stCondLst>
+                      <p:childTnLst>
+                        <p:par>
+                          <p:cTn id="4" fill="hold">
+                            <p:stCondLst>
+                              <p:cond delay="0"/>
+                            </p:stCondLst>
+                            <p:childTnLst>
+                              <p:par>
+                                <p:cTn id="5" presetID="1" presetClass="mediacall" presetSubtype="0" fill="hold" nodeType="afterEffect">
+                                  <p:stCondLst>
+                                    <p:cond delay="0"/>
+                                  </p:stCondLst>
+                                  <p:childTnLst>
+                                    <p:cmd type="call" cmd="playFrom(0.0)">
+                                      <p:cBhvr>
+                                        <p:cTn id="6" dur="400" fill="hold"/>
+                                        <p:tgtEl>
+                                          <p:spTgt spid="3"/>
+                                        </p:tgtEl>
+                                      </p:cBhvr>
+                                    </p:cmd>
+                                  </p:childTnLst>
+                                </p:cTn>
+                              </p:par>
+                            </p:childTnLst>
+                          </p:cTn>
+                        </p:par>
+                      </p:childTnLst>
+                    </p:cTn>
+                  </p:par>
+                </p:childTnLst>
+              </p:cTn>
+              <p:prevCondLst>
+                <p:cond evt="onPrev" delay="0">
+                  <p:tgtEl>
+                    <p:sldTgt/>
+                  </p:tgtEl>
+                </p:cond>
+              </p:prevCondLst>
+              <p:nextCondLst>
+                <p:cond evt="onNext" delay="0">
+                  <p:tgtEl>
+                    <p:sldTgt/>
+                  </p:tgtEl>
+                </p:cond>
+              </p:nextCondLst>
+            </p:seq>
+            <p:video>
+              <p:cMediaNode vol="80000">
+                <p:cTn id="7" repeatCount="indefinite" fill="hold" display="0">
+                  <p:stCondLst>
+                    <p:cond delay="indefinite"/>
+                  </p:stCondLst>
+                </p:cTn>
+                <p:tgtEl>
+                  <p:spTgt spid="3"/>
+                </p:tgtEl>
+              </p:cMediaNode>
+            </p:video>
+            <p:seq concurrent="1" nextAc="seek">
+              <p:cTn id="8" restart="whenNotActive" fill="hold" evtFilter="cancelBubble" nodeType="interactiveSeq">
+                <p:stCondLst>
+                  <p:cond evt="onClick" delay="0">
+                    <p:tgtEl>
+                      <p:spTgt spid="3"/>
+                    </p:tgtEl>
+                  </p:cond>
+                </p:stCondLst>
+                <p:endSync evt="end" delay="0">
+                  <p:rtn val="all"/>
+                </p:endSync>
+                <p:childTnLst>
+                  <p:par>
+                    <p:cTn id="9" fill="hold">
+                      <p:stCondLst>
+                        <p:cond delay="0"/>
+                      </p:stCondLst>
+                      <p:childTnLst>
+                        <p:par>
+                          <p:cTn id="10" fill="hold">
+                            <p:stCondLst>
+                              <p:cond delay="0"/>
+                            </p:stCondLst>
+                            <p:childTnLst>
+                              <p:par>
+                                <p:cTn id="11" presetID="2" presetClass="mediacall" presetSubtype="0" fill="hold" nodeType="clickEffect">
+                                  <p:stCondLst>
+                                    <p:cond delay="0"/>
+                                  </p:stCondLst>
+                                  <p:childTnLst>
+                                    <p:cmd type="call" cmd="togglePause">
+                                      <p:cBhvr>
+                                        <p:cTn id="12" dur="1" fill="hold"/>
+                                        <p:tgtEl>
+                                          <p:spTgt spid="3"/>
+                                        </p:tgtEl>
+                                      </p:cBhvr>
+                                    </p:cmd>
+                                  </p:childTnLst>
+                                </p:cTn>
+                              </p:par>
+                            </p:childTnLst>
+                          </p:cTn>
+                        </p:par>
+                      </p:childTnLst>
+                    </p:cTn>
+                  </p:par>
+                </p:childTnLst>
+              </p:cTn>
+              <p:nextCondLst>
+                <p:cond evt="onClick" delay="0">
+                  <p:tgtEl>
+                    <p:spTgt spid="3"/>
+                  </p:tgtEl>
+                </p:cond>
+              </p:nextCondLst>
+            </p:seq>
+          </p:childTnLst>
+        </p:cTn>
+      </p:par>
+    </p:tnLst>
+  </p:timing>
+</p:sld>
+</file>
+
+<file path=ppt/slides/slide12.xml><?xml version="1.0" encoding="utf-8"?>
+<p:sld xmlns:a="http://schemas.openxmlformats.org/drawingml/2006/main" xmlns:r="http://schemas.openxmlformats.org/officeDocument/2006/relationships" xmlns:p="http://schemas.openxmlformats.org/presentationml/2006/main">
+  <p:cSld>
+    <p:spTree>
+      <p:nvGrpSpPr>
+        <p:cNvPr id="1" name=""/>
+        <p:cNvGrpSpPr/>
+        <p:nvPr/>
+      </p:nvGrpSpPr>
+      <p:grpSpPr>
+        <a:xfrm>
+          <a:off x="0" y="0"/>
+          <a:ext cx="0" cy="0"/>
+          <a:chOff x="0" y="0"/>
+          <a:chExt cx="0" cy="0"/>
+        </a:xfrm>
+      </p:grpSpPr>
+      <p:sp>
+        <p:nvSpPr>
+          <p:cNvPr id="2" name="投影片編號版面配置區 1"/>
+          <p:cNvSpPr>
+            <a:spLocks noGrp="1"/>
+          </p:cNvSpPr>
+          <p:nvPr>
+            <p:ph type="sldNum" sz="quarter" idx="12"/>
+          </p:nvPr>
+        </p:nvSpPr>
+        <p:spPr/>
+        <p:txBody>
+          <a:bodyPr/>
+          <a:lstStyle/>
+          <a:p>
+            <a:fld id="{3EBBE1F4-AE36-AD42-8177-96288CD18AD2}" type="slidenum">
+              <a:rPr lang="en-US" smtClean="0"/>
+              <a:t>12</a:t>
+            </a:fld>
+            <a:endParaRPr lang="en-US"/>
+          </a:p>
+        </p:txBody>
+      </p:sp>
+      <mc:AlternateContent xmlns:mc="http://schemas.openxmlformats.org/markup-compatibility/2006">
+        <mc:Choice xmlns:a14="http://schemas.microsoft.com/office/drawing/2010/main" Requires="a14">
+          <p:sp>
+            <p:nvSpPr>
+              <p:cNvPr id="3" name="內容版面配置區 2"/>
+              <p:cNvSpPr txBox="1">
+                <a:spLocks/>
+              </p:cNvSpPr>
+              <p:nvPr/>
+            </p:nvSpPr>
+            <p:spPr>
+              <a:xfrm>
+                <a:off x="801891" y="2685808"/>
+                <a:ext cx="3840855" cy="1178870"/>
+              </a:xfrm>
+              <a:prstGeom prst="rect">
+                <a:avLst/>
+              </a:prstGeom>
+            </p:spPr>
+            <p:txBody>
+              <a:bodyPr/>
+              <a:lstStyle>
+                <a:lvl1pPr marL="228600" indent="-228600" algn="l" defTabSz="914400" rtl="0" eaLnBrk="1" latinLnBrk="0" hangingPunct="1">
+                  <a:lnSpc>
+                    <a:spcPct val="90000"/>
+                  </a:lnSpc>
+                  <a:spcBef>
+                    <a:spcPts val="1000"/>
+                  </a:spcBef>
+                  <a:buFont typeface="Arial" panose="020B0604020202020204" pitchFamily="34" charset="0"/>
+                  <a:buChar char="•"/>
+                  <a:defRPr sz="2800" kern="1200" baseline="0">
+                    <a:solidFill>
+                      <a:schemeClr val="tx1"/>
+                    </a:solidFill>
+                    <a:latin typeface="Calibri" panose="020F0502020204030204" pitchFamily="34" charset="0"/>
+                    <a:ea typeface="微軟正黑體" panose="020B0604030504040204" pitchFamily="34" charset="-120"/>
+                    <a:cs typeface="+mn-cs"/>
+                  </a:defRPr>
+                </a:lvl1pPr>
+                <a:lvl2pPr marL="685800" indent="-228600" algn="l" defTabSz="914400" rtl="0" eaLnBrk="1" latinLnBrk="0" hangingPunct="1">
+                  <a:lnSpc>
+                    <a:spcPct val="90000"/>
+                  </a:lnSpc>
+                  <a:spcBef>
+                    <a:spcPts val="500"/>
+                  </a:spcBef>
+                  <a:buFont typeface="Arial" panose="020B0604020202020204" pitchFamily="34" charset="0"/>
+                  <a:buChar char="•"/>
+                  <a:defRPr sz="2400" kern="1200" baseline="0">
+                    <a:solidFill>
+                      <a:schemeClr val="tx1"/>
+                    </a:solidFill>
+                    <a:latin typeface="Calibri" panose="020F0502020204030204" pitchFamily="34" charset="0"/>
+                    <a:ea typeface="微軟正黑體" panose="020B0604030504040204" pitchFamily="34" charset="-120"/>
+                    <a:cs typeface="+mn-cs"/>
+                  </a:defRPr>
+                </a:lvl2pPr>
+                <a:lvl3pPr marL="1143000" indent="-228600" algn="l" defTabSz="914400" rtl="0" eaLnBrk="1" latinLnBrk="0" hangingPunct="1">
+                  <a:lnSpc>
+                    <a:spcPct val="90000"/>
+                  </a:lnSpc>
+                  <a:spcBef>
+                    <a:spcPts val="500"/>
+                  </a:spcBef>
+                  <a:buFont typeface="Arial" panose="020B0604020202020204" pitchFamily="34" charset="0"/>
+                  <a:buChar char="•"/>
+                  <a:defRPr sz="2000" kern="1200" baseline="0">
+                    <a:solidFill>
+                      <a:schemeClr val="tx1"/>
+                    </a:solidFill>
+                    <a:latin typeface="Calibri" panose="020F0502020204030204" pitchFamily="34" charset="0"/>
+                    <a:ea typeface="微軟正黑體" panose="020B0604030504040204" pitchFamily="34" charset="-120"/>
+                    <a:cs typeface="+mn-cs"/>
+                  </a:defRPr>
+                </a:lvl3pPr>
+                <a:lvl4pPr marL="1600200" indent="-228600" algn="l" defTabSz="914400" rtl="0" eaLnBrk="1" latinLnBrk="0" hangingPunct="1">
+                  <a:lnSpc>
+                    <a:spcPct val="90000"/>
+                  </a:lnSpc>
+                  <a:spcBef>
+                    <a:spcPts val="500"/>
+                  </a:spcBef>
+                  <a:buFont typeface="Arial" panose="020B0604020202020204" pitchFamily="34" charset="0"/>
+                  <a:buChar char="•"/>
+                  <a:defRPr sz="1800" kern="1200" baseline="0">
+                    <a:solidFill>
+                      <a:schemeClr val="tx1"/>
+                    </a:solidFill>
+                    <a:latin typeface="Calibri" panose="020F0502020204030204" pitchFamily="34" charset="0"/>
+                    <a:ea typeface="微軟正黑體" panose="020B0604030504040204" pitchFamily="34" charset="-120"/>
+                    <a:cs typeface="+mn-cs"/>
+                  </a:defRPr>
+                </a:lvl4pPr>
+                <a:lvl5pPr marL="2057400" indent="-228600" algn="l" defTabSz="914400" rtl="0" eaLnBrk="1" latinLnBrk="0" hangingPunct="1">
+                  <a:lnSpc>
+                    <a:spcPct val="90000"/>
+                  </a:lnSpc>
+                  <a:spcBef>
+                    <a:spcPts val="500"/>
+                  </a:spcBef>
+                  <a:buFont typeface="Arial" panose="020B0604020202020204" pitchFamily="34" charset="0"/>
+                  <a:buChar char="•"/>
+                  <a:defRPr sz="1800" kern="1200" baseline="0">
+                    <a:solidFill>
+                      <a:schemeClr val="tx1"/>
+                    </a:solidFill>
+                    <a:latin typeface="Calibri" panose="020F0502020204030204" pitchFamily="34" charset="0"/>
+                    <a:ea typeface="微軟正黑體" panose="020B0604030504040204" pitchFamily="34" charset="-120"/>
+                    <a:cs typeface="+mn-cs"/>
+                  </a:defRPr>
+                </a:lvl5pPr>
+                <a:lvl6pPr marL="2514600" indent="-228600" algn="l" defTabSz="914400" rtl="0" eaLnBrk="1" latinLnBrk="0" hangingPunct="1">
+                  <a:lnSpc>
+                    <a:spcPct val="90000"/>
+                  </a:lnSpc>
+                  <a:spcBef>
+                    <a:spcPts val="500"/>
+                  </a:spcBef>
+                  <a:buFont typeface="Arial" panose="020B0604020202020204" pitchFamily="34" charset="0"/>
+                  <a:buChar char="•"/>
+                  <a:defRPr sz="1800" kern="1200">
+                    <a:solidFill>
+                      <a:schemeClr val="tx1"/>
+                    </a:solidFill>
+                    <a:latin typeface="+mn-lt"/>
+                    <a:ea typeface="+mn-ea"/>
+                    <a:cs typeface="+mn-cs"/>
+                  </a:defRPr>
+                </a:lvl6pPr>
+                <a:lvl7pPr marL="2971800" indent="-228600" algn="l" defTabSz="914400" rtl="0" eaLnBrk="1" latinLnBrk="0" hangingPunct="1">
+                  <a:lnSpc>
+                    <a:spcPct val="90000"/>
+                  </a:lnSpc>
+                  <a:spcBef>
+                    <a:spcPts val="500"/>
+                  </a:spcBef>
+                  <a:buFont typeface="Arial" panose="020B0604020202020204" pitchFamily="34" charset="0"/>
+                  <a:buChar char="•"/>
+                  <a:defRPr sz="1800" kern="1200">
+                    <a:solidFill>
+                      <a:schemeClr val="tx1"/>
+                    </a:solidFill>
+                    <a:latin typeface="+mn-lt"/>
+                    <a:ea typeface="+mn-ea"/>
+                    <a:cs typeface="+mn-cs"/>
+                  </a:defRPr>
+                </a:lvl7pPr>
+                <a:lvl8pPr marL="3429000" indent="-228600" algn="l" defTabSz="914400" rtl="0" eaLnBrk="1" latinLnBrk="0" hangingPunct="1">
+                  <a:lnSpc>
+                    <a:spcPct val="90000"/>
+                  </a:lnSpc>
+                  <a:spcBef>
+                    <a:spcPts val="500"/>
+                  </a:spcBef>
+                  <a:buFont typeface="Arial" panose="020B0604020202020204" pitchFamily="34" charset="0"/>
+                  <a:buChar char="•"/>
+                  <a:defRPr sz="1800" kern="1200">
+                    <a:solidFill>
+                      <a:schemeClr val="tx1"/>
+                    </a:solidFill>
+                    <a:latin typeface="+mn-lt"/>
+                    <a:ea typeface="+mn-ea"/>
+                    <a:cs typeface="+mn-cs"/>
+                  </a:defRPr>
+                </a:lvl8pPr>
+                <a:lvl9pPr marL="3886200" indent="-228600" algn="l" defTabSz="914400" rtl="0" eaLnBrk="1" latinLnBrk="0" hangingPunct="1">
+                  <a:lnSpc>
+                    <a:spcPct val="90000"/>
+                  </a:lnSpc>
+                  <a:spcBef>
+                    <a:spcPts val="500"/>
+                  </a:spcBef>
+                  <a:buFont typeface="Arial" panose="020B0604020202020204" pitchFamily="34" charset="0"/>
+                  <a:buChar char="•"/>
+                  <a:defRPr sz="1800" kern="1200">
+                    <a:solidFill>
+                      <a:schemeClr val="tx1"/>
+                    </a:solidFill>
+                    <a:latin typeface="+mn-lt"/>
+                    <a:ea typeface="+mn-ea"/>
+                    <a:cs typeface="+mn-cs"/>
+                  </a:defRPr>
+                </a:lvl9pPr>
+              </a:lstStyle>
+              <a:p>
+                <a:pPr marL="11112" indent="0">
+                  <a:buFont typeface="Arial" panose="020B0604020202020204" pitchFamily="34" charset="0"/>
+                  <a:buNone/>
+                </a:pPr>
+                <a14:m>
+                  <m:oMathPara xmlns:m="http://schemas.openxmlformats.org/officeDocument/2006/math">
+                    <m:oMathParaPr>
+                      <m:jc m:val="centerGroup"/>
+                    </m:oMathParaPr>
+                    <m:oMath xmlns:m="http://schemas.openxmlformats.org/officeDocument/2006/math">
+                      <m:f>
+                        <m:fPr>
+                          <m:ctrlPr>
+                            <a:rPr kumimoji="1" lang="mr-IN" altLang="zh-TW" sz="4000" i="1" smtClean="0">
+                              <a:latin typeface="Cambria Math" charset="0"/>
+                            </a:rPr>
+                          </m:ctrlPr>
+                        </m:fPr>
+                        <m:num>
+                          <m:sSub>
+                            <m:sSubPr>
+                              <m:ctrlPr>
+                                <a:rPr kumimoji="1" lang="en-US" altLang="zh-TW" sz="4000" i="1">
+                                  <a:latin typeface="Cambria Math" charset="0"/>
+                                </a:rPr>
+                              </m:ctrlPr>
+                            </m:sSubPr>
+                            <m:e>
+                              <m:r>
+                                <a:rPr kumimoji="1" lang="en-US" altLang="zh-TW" sz="4000" i="1">
+                                  <a:latin typeface="Cambria Math" charset="0"/>
+                                </a:rPr>
+                                <m:t>𝑃</m:t>
+                              </m:r>
+                            </m:e>
+                            <m:sub>
+                              <m:r>
+                                <a:rPr kumimoji="1" lang="en-US" altLang="zh-TW" sz="4000" i="1" smtClean="0">
+                                  <a:latin typeface="Cambria Math" charset="0"/>
+                                </a:rPr>
+                                <m:t>𝑟</m:t>
+                              </m:r>
+                            </m:sub>
+                          </m:sSub>
+                        </m:num>
+                        <m:den>
+                          <m:sSub>
+                            <m:sSubPr>
+                              <m:ctrlPr>
+                                <a:rPr kumimoji="1" lang="en-US" altLang="zh-TW" sz="4000" i="1" smtClean="0">
+                                  <a:latin typeface="Cambria Math" charset="0"/>
+                                </a:rPr>
+                              </m:ctrlPr>
+                            </m:sSubPr>
+                            <m:e>
+                              <m:r>
+                                <a:rPr kumimoji="1" lang="en-US" altLang="zh-TW" sz="4000" i="1" smtClean="0">
+                                  <a:latin typeface="Cambria Math" charset="0"/>
+                                </a:rPr>
+                                <m:t>𝑃</m:t>
+                              </m:r>
+                            </m:e>
+                            <m:sub>
+                              <m:r>
+                                <a:rPr kumimoji="1" lang="en-US" altLang="zh-TW" sz="4000" i="1" smtClean="0">
+                                  <a:latin typeface="Cambria Math" charset="0"/>
+                                </a:rPr>
+                                <m:t>𝑡</m:t>
+                              </m:r>
+                            </m:sub>
+                          </m:sSub>
+                        </m:den>
+                      </m:f>
+                      <m:r>
+                        <a:rPr kumimoji="1" lang="en-US" altLang="zh-TW" sz="4000" i="1" smtClean="0">
+                          <a:latin typeface="Cambria Math" charset="0"/>
+                        </a:rPr>
+                        <m:t>=(</m:t>
+                      </m:r>
+                      <m:f>
+                        <m:fPr>
+                          <m:ctrlPr>
+                            <a:rPr kumimoji="1" lang="mr-IN" altLang="zh-TW" sz="4000" i="1">
+                              <a:latin typeface="Cambria Math" charset="0"/>
+                            </a:rPr>
+                          </m:ctrlPr>
+                        </m:fPr>
+                        <m:num>
+                          <m:sSub>
+                            <m:sSubPr>
+                              <m:ctrlPr>
+                                <a:rPr kumimoji="1" lang="en-US" altLang="zh-TW" sz="4000" i="1" smtClean="0">
+                                  <a:solidFill>
+                                    <a:schemeClr val="tx1"/>
+                                  </a:solidFill>
+                                  <a:latin typeface="Cambria Math" charset="0"/>
+                                </a:rPr>
+                              </m:ctrlPr>
+                            </m:sSubPr>
+                            <m:e>
+                              <m:r>
+                                <a:rPr kumimoji="1" lang="en-US" altLang="zh-TW" sz="4000" i="1" smtClean="0">
+                                  <a:solidFill>
+                                    <a:schemeClr val="tx1"/>
+                                  </a:solidFill>
+                                  <a:latin typeface="Cambria Math" charset="0"/>
+                                </a:rPr>
+                                <m:t>𝐴</m:t>
+                              </m:r>
+                            </m:e>
+                            <m:sub>
+                              <m:r>
+                                <a:rPr kumimoji="1" lang="en-US" altLang="zh-TW" sz="4000" i="1">
+                                  <a:solidFill>
+                                    <a:schemeClr val="tx1"/>
+                                  </a:solidFill>
+                                  <a:latin typeface="Cambria Math" charset="0"/>
+                                </a:rPr>
+                                <m:t>𝑟</m:t>
+                              </m:r>
+                            </m:sub>
+                          </m:sSub>
+                          <m:sSub>
+                            <m:sSubPr>
+                              <m:ctrlPr>
+                                <a:rPr kumimoji="1" lang="en-US" altLang="zh-TW" sz="4000" i="1">
+                                  <a:solidFill>
+                                    <a:schemeClr val="tx1"/>
+                                  </a:solidFill>
+                                  <a:latin typeface="Cambria Math" charset="0"/>
+                                </a:rPr>
+                              </m:ctrlPr>
+                            </m:sSubPr>
+                            <m:e>
+                              <m:r>
+                                <a:rPr kumimoji="1" lang="en-US" altLang="zh-TW" sz="4000" i="1" smtClean="0">
+                                  <a:solidFill>
+                                    <a:schemeClr val="tx1"/>
+                                  </a:solidFill>
+                                  <a:latin typeface="Cambria Math" charset="0"/>
+                                </a:rPr>
+                                <m:t>𝐴</m:t>
+                              </m:r>
+                            </m:e>
+                            <m:sub>
+                              <m:r>
+                                <a:rPr kumimoji="1" lang="en-US" altLang="zh-TW" sz="4000" i="1">
+                                  <a:solidFill>
+                                    <a:schemeClr val="tx1"/>
+                                  </a:solidFill>
+                                  <a:latin typeface="Cambria Math" charset="0"/>
+                                </a:rPr>
+                                <m:t>𝑡</m:t>
+                              </m:r>
+                            </m:sub>
+                          </m:sSub>
+                        </m:num>
+                        <m:den>
+                          <m:sSup>
+                            <m:sSupPr>
+                              <m:ctrlPr>
+                                <a:rPr kumimoji="1" lang="en-US" altLang="zh-TW" sz="4000" i="1" smtClean="0">
+                                  <a:latin typeface="Cambria Math" charset="0"/>
+                                </a:rPr>
+                              </m:ctrlPr>
+                            </m:sSupPr>
+                            <m:e>
+                              <m:r>
+                                <a:rPr kumimoji="1" lang="en-US" altLang="zh-TW" sz="4000" i="1" smtClean="0">
+                                  <a:latin typeface="Cambria Math" charset="0"/>
+                                </a:rPr>
+                                <m:t>𝑑</m:t>
+                              </m:r>
+                            </m:e>
+                            <m:sup>
+                              <m:r>
+                                <a:rPr kumimoji="1" lang="en-US" altLang="zh-TW" sz="4000" i="1" smtClean="0">
+                                  <a:latin typeface="Cambria Math" charset="0"/>
+                                </a:rPr>
+                                <m:t>2</m:t>
+                              </m:r>
+                            </m:sup>
+                          </m:sSup>
+                          <m:sSup>
+                            <m:sSupPr>
+                              <m:ctrlPr>
+                                <a:rPr kumimoji="1" lang="en-US" altLang="zh-TW" sz="4000" i="1">
+                                  <a:latin typeface="Cambria Math" charset="0"/>
+                                </a:rPr>
+                              </m:ctrlPr>
+                            </m:sSupPr>
+                            <m:e>
+                              <m:r>
+                                <a:rPr kumimoji="1" lang="en-US" altLang="zh-TW" sz="4000" i="1" smtClean="0">
+                                  <a:latin typeface="Cambria Math" charset="0"/>
+                                  <a:ea typeface="Cambria Math" charset="0"/>
+                                  <a:cs typeface="Cambria Math" charset="0"/>
+                                </a:rPr>
+                                <m:t>𝜆</m:t>
+                              </m:r>
+                            </m:e>
+                            <m:sup>
+                              <m:r>
+                                <a:rPr kumimoji="1" lang="en-US" altLang="zh-TW" sz="4000" i="1">
+                                  <a:latin typeface="Cambria Math" charset="0"/>
+                                </a:rPr>
+                                <m:t>2</m:t>
+                              </m:r>
+                            </m:sup>
+                          </m:sSup>
+                        </m:den>
+                      </m:f>
+                      <m:r>
+                        <a:rPr kumimoji="1" lang="en-US" altLang="zh-TW" sz="4000" i="1" smtClean="0">
+                          <a:latin typeface="Cambria Math" charset="0"/>
+                        </a:rPr>
+                        <m:t>)</m:t>
+                      </m:r>
+                    </m:oMath>
+                  </m:oMathPara>
+                </a14:m>
+                <a:endParaRPr kumimoji="1" lang="en-US" altLang="zh-TW" sz="4000" dirty="0" smtClean="0"/>
+              </a:p>
+            </p:txBody>
+          </p:sp>
+        </mc:Choice>
+        <mc:Fallback>
+          <p:sp>
+            <p:nvSpPr>
+              <p:cNvPr id="3" name="內容版面配置區 2"/>
+              <p:cNvSpPr txBox="1">
+                <a:spLocks noRot="1" noChangeAspect="1" noMove="1" noResize="1" noEditPoints="1" noAdjustHandles="1" noChangeArrowheads="1" noChangeShapeType="1" noTextEdit="1"/>
+              </p:cNvSpPr>
+              <p:nvPr/>
+            </p:nvSpPr>
+            <p:spPr>
+              <a:xfrm>
+                <a:off x="801891" y="2685808"/>
+                <a:ext cx="3840855" cy="1178870"/>
+              </a:xfrm>
+              <a:prstGeom prst="rect">
+                <a:avLst/>
+              </a:prstGeom>
+              <a:blipFill rotWithShape="0">
+                <a:blip r:embed="rId3"/>
+                <a:stretch>
+                  <a:fillRect b="-2073"/>
+                </a:stretch>
+              </a:blipFill>
+            </p:spPr>
+            <p:txBody>
+              <a:bodyPr/>
+              <a:lstStyle/>
+              <a:p>
+                <a:r>
+                  <a:rPr lang="zh-TW" altLang="en-US">
+                    <a:noFill/>
+                  </a:rPr>
+                  <a:t> </a:t>
+                </a:r>
+              </a:p>
+            </p:txBody>
+          </p:sp>
+        </mc:Fallback>
+      </mc:AlternateContent>
+      <mc:AlternateContent xmlns:mc="http://schemas.openxmlformats.org/markup-compatibility/2006">
+        <mc:Choice xmlns:a14="http://schemas.microsoft.com/office/drawing/2010/main" Requires="a14">
+          <p:sp>
+            <p:nvSpPr>
+              <p:cNvPr id="4" name="矩形 3"/>
+              <p:cNvSpPr/>
+              <p:nvPr/>
+            </p:nvSpPr>
+            <p:spPr>
+              <a:xfrm>
+                <a:off x="7028742" y="2592588"/>
+                <a:ext cx="4072140" cy="1365310"/>
+              </a:xfrm>
+              <a:prstGeom prst="rect">
+                <a:avLst/>
+              </a:prstGeom>
+            </p:spPr>
+            <p:txBody>
+              <a:bodyPr wrap="none">
+                <a:spAutoFit/>
+              </a:bodyPr>
+              <a:lstStyle/>
+              <a:p>
+                <a14:m>
+                  <m:oMathPara xmlns:m="http://schemas.openxmlformats.org/officeDocument/2006/math">
+                    <m:oMathParaPr>
+                      <m:jc m:val="centerGroup"/>
+                    </m:oMathParaPr>
+                    <m:oMath xmlns:m="http://schemas.openxmlformats.org/officeDocument/2006/math">
+                      <m:f>
+                        <m:fPr>
+                          <m:ctrlPr>
+                            <a:rPr kumimoji="1" lang="mr-IN" altLang="zh-TW" sz="4000" i="1">
+                              <a:latin typeface="Cambria Math" charset="0"/>
+                            </a:rPr>
+                          </m:ctrlPr>
+                        </m:fPr>
+                        <m:num>
+                          <m:sSub>
+                            <m:sSubPr>
+                              <m:ctrlPr>
+                                <a:rPr kumimoji="1" lang="en-US" altLang="zh-TW" sz="4000" i="1">
+                                  <a:latin typeface="Cambria Math" charset="0"/>
+                                </a:rPr>
+                              </m:ctrlPr>
+                            </m:sSubPr>
+                            <m:e>
+                              <m:r>
+                                <a:rPr kumimoji="1" lang="en-US" altLang="zh-TW" sz="4000" i="1">
+                                  <a:latin typeface="Cambria Math" charset="0"/>
+                                </a:rPr>
+                                <m:t>𝑃</m:t>
+                              </m:r>
+                            </m:e>
+                            <m:sub>
+                              <m:r>
+                                <a:rPr kumimoji="1" lang="en-US" altLang="zh-TW" sz="4000" i="1">
+                                  <a:latin typeface="Cambria Math" charset="0"/>
+                                </a:rPr>
+                                <m:t>𝑟</m:t>
+                              </m:r>
+                            </m:sub>
+                          </m:sSub>
+                        </m:num>
+                        <m:den>
+                          <m:sSub>
+                            <m:sSubPr>
+                              <m:ctrlPr>
+                                <a:rPr kumimoji="1" lang="en-US" altLang="zh-TW" sz="4000" i="1">
+                                  <a:latin typeface="Cambria Math" charset="0"/>
+                                </a:rPr>
+                              </m:ctrlPr>
+                            </m:sSubPr>
+                            <m:e>
+                              <m:r>
+                                <a:rPr kumimoji="1" lang="en-US" altLang="zh-TW" sz="4000" i="1">
+                                  <a:latin typeface="Cambria Math" charset="0"/>
+                                </a:rPr>
+                                <m:t>𝑃</m:t>
+                              </m:r>
+                            </m:e>
+                            <m:sub>
+                              <m:r>
+                                <a:rPr kumimoji="1" lang="en-US" altLang="zh-TW" sz="4000" i="1">
+                                  <a:latin typeface="Cambria Math" charset="0"/>
+                                </a:rPr>
+                                <m:t>𝑡</m:t>
+                              </m:r>
+                            </m:sub>
+                          </m:sSub>
+                        </m:den>
+                      </m:f>
+                      <m:r>
+                        <a:rPr kumimoji="1" lang="en-US" altLang="zh-TW" sz="4000" i="1">
+                          <a:latin typeface="Cambria Math" charset="0"/>
+                        </a:rPr>
+                        <m:t>=</m:t>
+                      </m:r>
+                      <m:sSub>
+                        <m:sSubPr>
+                          <m:ctrlPr>
+                            <a:rPr kumimoji="1" lang="en-US" altLang="zh-TW" sz="4000" i="1">
+                              <a:latin typeface="Cambria Math" charset="0"/>
+                            </a:rPr>
+                          </m:ctrlPr>
+                        </m:sSubPr>
+                        <m:e>
+                          <m:r>
+                            <a:rPr kumimoji="1" lang="en-US" altLang="zh-TW" sz="4000" i="1">
+                              <a:latin typeface="Cambria Math" charset="0"/>
+                            </a:rPr>
+                            <m:t>𝐷</m:t>
+                          </m:r>
+                        </m:e>
+                        <m:sub>
+                          <m:r>
+                            <a:rPr kumimoji="1" lang="en-US" altLang="zh-TW" sz="4000" i="1">
+                              <a:latin typeface="Cambria Math" charset="0"/>
+                            </a:rPr>
+                            <m:t>𝑡</m:t>
+                          </m:r>
+                        </m:sub>
+                      </m:sSub>
+                      <m:sSub>
+                        <m:sSubPr>
+                          <m:ctrlPr>
+                            <a:rPr kumimoji="1" lang="en-US" altLang="zh-TW" sz="4000" i="1">
+                              <a:latin typeface="Cambria Math" charset="0"/>
+                            </a:rPr>
+                          </m:ctrlPr>
+                        </m:sSubPr>
+                        <m:e>
+                          <m:r>
+                            <a:rPr kumimoji="1" lang="en-US" altLang="zh-TW" sz="4000" i="1">
+                              <a:latin typeface="Cambria Math" charset="0"/>
+                            </a:rPr>
+                            <m:t>𝐷</m:t>
+                          </m:r>
+                        </m:e>
+                        <m:sub>
+                          <m:r>
+                            <a:rPr kumimoji="1" lang="en-US" altLang="zh-TW" sz="4000" i="1">
+                              <a:latin typeface="Cambria Math" charset="0"/>
+                            </a:rPr>
+                            <m:t>𝑟</m:t>
+                          </m:r>
+                        </m:sub>
+                      </m:sSub>
+                      <m:sSup>
+                        <m:sSupPr>
+                          <m:ctrlPr>
+                            <a:rPr kumimoji="1" lang="en-US" altLang="zh-TW" sz="4000" i="1">
+                              <a:latin typeface="Cambria Math" charset="0"/>
+                            </a:rPr>
+                          </m:ctrlPr>
+                        </m:sSupPr>
+                        <m:e>
+                          <m:r>
+                            <a:rPr kumimoji="1" lang="en-US" altLang="zh-TW" sz="4000" i="1">
+                              <a:latin typeface="Cambria Math" charset="0"/>
+                            </a:rPr>
+                            <m:t>(</m:t>
+                          </m:r>
+                          <m:f>
+                            <m:fPr>
+                              <m:ctrlPr>
+                                <a:rPr kumimoji="1" lang="mr-IN" altLang="zh-TW" sz="4000" i="1">
+                                  <a:latin typeface="Cambria Math" charset="0"/>
+                                </a:rPr>
+                              </m:ctrlPr>
+                            </m:fPr>
+                            <m:num>
+                              <m:r>
+                                <a:rPr kumimoji="1" lang="en-US" altLang="zh-TW" sz="4000" i="1">
+                                  <a:latin typeface="Cambria Math" charset="0"/>
+                                  <a:ea typeface="Cambria Math" charset="0"/>
+                                  <a:cs typeface="Cambria Math" charset="0"/>
+                                </a:rPr>
+                                <m:t>𝜆</m:t>
+                              </m:r>
+                            </m:num>
+                            <m:den>
+                              <m:r>
+                                <a:rPr kumimoji="1" lang="en-US" altLang="zh-TW" sz="4000" i="1">
+                                  <a:latin typeface="Cambria Math" charset="0"/>
+                                </a:rPr>
+                                <m:t>4</m:t>
+                              </m:r>
+                              <m:r>
+                                <a:rPr kumimoji="1" lang="en-US" altLang="zh-TW" sz="4000" i="1">
+                                  <a:latin typeface="Cambria Math" charset="0"/>
+                                  <a:ea typeface="Cambria Math" charset="0"/>
+                                  <a:cs typeface="Cambria Math" charset="0"/>
+                                </a:rPr>
+                                <m:t>𝜋</m:t>
+                              </m:r>
+                              <m:r>
+                                <a:rPr kumimoji="1" lang="en-US" altLang="zh-TW" sz="4000" i="1">
+                                  <a:latin typeface="Cambria Math" charset="0"/>
+                                  <a:ea typeface="Cambria Math" charset="0"/>
+                                  <a:cs typeface="Cambria Math" charset="0"/>
+                                </a:rPr>
+                                <m:t>𝑑</m:t>
+                              </m:r>
+                            </m:den>
+                          </m:f>
+                          <m:r>
+                            <a:rPr kumimoji="1" lang="en-US" altLang="zh-TW" sz="4000" i="1">
+                              <a:latin typeface="Cambria Math" charset="0"/>
+                            </a:rPr>
+                            <m:t>)</m:t>
+                          </m:r>
+                        </m:e>
+                        <m:sup>
+                          <m:r>
+                            <a:rPr kumimoji="1" lang="en-US" altLang="zh-TW" sz="4000" i="1">
+                              <a:latin typeface="Cambria Math" charset="0"/>
+                            </a:rPr>
+                            <m:t>2</m:t>
+                          </m:r>
+                        </m:sup>
+                      </m:sSup>
+                    </m:oMath>
+                  </m:oMathPara>
+                </a14:m>
+                <a:endParaRPr lang="zh-TW" altLang="en-US" sz="4000" dirty="0"/>
+              </a:p>
+            </p:txBody>
+          </p:sp>
+        </mc:Choice>
+        <mc:Fallback>
+          <p:sp>
+            <p:nvSpPr>
+              <p:cNvPr id="4" name="矩形 3"/>
+              <p:cNvSpPr>
+                <a:spLocks noRot="1" noChangeAspect="1" noMove="1" noResize="1" noEditPoints="1" noAdjustHandles="1" noChangeArrowheads="1" noChangeShapeType="1" noTextEdit="1"/>
+              </p:cNvSpPr>
+              <p:nvPr/>
+            </p:nvSpPr>
+            <p:spPr>
+              <a:xfrm>
+                <a:off x="7028742" y="2592588"/>
+                <a:ext cx="4072140" cy="1365310"/>
+              </a:xfrm>
+              <a:prstGeom prst="rect">
+                <a:avLst/>
+              </a:prstGeom>
+              <a:blipFill rotWithShape="0">
+                <a:blip r:embed="rId4"/>
+                <a:stretch>
+                  <a:fillRect/>
+                </a:stretch>
+              </a:blipFill>
+            </p:spPr>
+            <p:txBody>
+              <a:bodyPr/>
+              <a:lstStyle/>
+              <a:p>
+                <a:r>
+                  <a:rPr lang="zh-TW" altLang="en-US">
+                    <a:noFill/>
+                  </a:rPr>
+                  <a:t> </a:t>
+                </a:r>
+              </a:p>
+            </p:txBody>
+          </p:sp>
+        </mc:Fallback>
+      </mc:AlternateContent>
+      <p:cxnSp>
+        <p:nvCxnSpPr>
+          <p:cNvPr id="6" name="直線箭頭接點 5"/>
+          <p:cNvCxnSpPr/>
+          <p:nvPr/>
+        </p:nvCxnSpPr>
+        <p:spPr>
+          <a:xfrm>
+            <a:off x="4437475" y="3275243"/>
+            <a:ext cx="2385996" cy="0"/>
+          </a:xfrm>
+          <a:prstGeom prst="straightConnector1">
+            <a:avLst/>
+          </a:prstGeom>
+          <a:ln w="165100">
+            <a:tailEnd type="arrow" w="lg" len="med"/>
+          </a:ln>
+        </p:spPr>
+        <p:style>
+          <a:lnRef idx="1">
+            <a:schemeClr val="accent1"/>
+          </a:lnRef>
+          <a:fillRef idx="0">
+            <a:schemeClr val="accent1"/>
+          </a:fillRef>
+          <a:effectRef idx="0">
+            <a:schemeClr val="accent1"/>
+          </a:effectRef>
+          <a:fontRef idx="minor">
+            <a:schemeClr val="tx1"/>
+          </a:fontRef>
+        </p:style>
+      </p:cxnSp>
+    </p:spTree>
+    <p:extLst>
+      <p:ext uri="{BB962C8B-B14F-4D97-AF65-F5344CB8AC3E}">
+        <p14:creationId xmlns:p14="http://schemas.microsoft.com/office/powerpoint/2010/main" val="1079904124"/>
+      </p:ext>
+    </p:extLst>
+  </p:cSld>
+  <p:clrMapOvr>
+    <a:masterClrMapping/>
+  </p:clrMapOvr>
+  <mc:AlternateContent xmlns:mc="http://schemas.openxmlformats.org/markup-compatibility/2006">
+    <mc:Choice xmlns:p14="http://schemas.microsoft.com/office/powerpoint/2010/main" Requires="p14">
+      <p:transition spd="med" p14:dur="700">
+        <p:fade/>
+      </p:transition>
+    </mc:Choice>
+    <mc:Fallback>
       <p:transition spd="med">
         <p:fade/>
       </p:transition>
@@ -9714,7 +11014,7 @@
 </p:sld>
 </file>
 
-<file path=ppt/slides/slide12.xml><?xml version="1.0" encoding="utf-8"?>
+<file path=ppt/slides/slide13.xml><?xml version="1.0" encoding="utf-8"?>
 <p:sld xmlns:a="http://schemas.openxmlformats.org/drawingml/2006/main" xmlns:r="http://schemas.openxmlformats.org/officeDocument/2006/relationships" xmlns:p="http://schemas.openxmlformats.org/presentationml/2006/main">
   <p:cSld>
     <p:spTree>
@@ -9850,7 +11150,7 @@
             <a:fld id="{3EBBE1F4-AE36-AD42-8177-96288CD18AD2}" type="slidenum">
               <a:rPr lang="en-US" smtClean="0"/>
               <a:pPr/>
-              <a:t>12</a:t>
+              <a:t>13</a:t>
             </a:fld>
             <a:endParaRPr lang="en-US"/>
           </a:p>
@@ -10121,13 +11421,13 @@
   <p:clrMapOvr>
     <a:masterClrMapping/>
   </p:clrMapOvr>
-  <mc:AlternateContent xmlns:mc="http://schemas.openxmlformats.org/markup-compatibility/2006" xmlns:p14="http://schemas.microsoft.com/office/powerpoint/2010/main">
-    <mc:Choice Requires="p14">
+  <mc:AlternateContent xmlns:mc="http://schemas.openxmlformats.org/markup-compatibility/2006">
+    <mc:Choice xmlns:p14="http://schemas.microsoft.com/office/powerpoint/2010/main" Requires="p14">
       <p:transition spd="med" p14:dur="700">
         <p:fade/>
       </p:transition>
     </mc:Choice>
-    <mc:Fallback xmlns="">
+    <mc:Fallback>
       <p:transition spd="med">
         <p:fade/>
       </p:transition>
@@ -10143,7 +11443,7 @@
 </p:sld>
 </file>
 
-<file path=ppt/slides/slide13.xml><?xml version="1.0" encoding="utf-8"?>
+<file path=ppt/slides/slide14.xml><?xml version="1.0" encoding="utf-8"?>
 <p:sld xmlns:a="http://schemas.openxmlformats.org/drawingml/2006/main" xmlns:r="http://schemas.openxmlformats.org/officeDocument/2006/relationships" xmlns:p="http://schemas.openxmlformats.org/presentationml/2006/main">
   <p:cSld>
     <p:spTree>
@@ -10327,7 +11627,7 @@
             <a:fld id="{3EBBE1F4-AE36-AD42-8177-96288CD18AD2}" type="slidenum">
               <a:rPr lang="en-US" smtClean="0"/>
               <a:pPr/>
-              <a:t>13</a:t>
+              <a:t>14</a:t>
             </a:fld>
             <a:endParaRPr lang="en-US"/>
           </a:p>
@@ -10343,13 +11643,13 @@
   <p:clrMapOvr>
     <a:masterClrMapping/>
   </p:clrMapOvr>
-  <mc:AlternateContent xmlns:mc="http://schemas.openxmlformats.org/markup-compatibility/2006" xmlns:p14="http://schemas.microsoft.com/office/powerpoint/2010/main">
-    <mc:Choice Requires="p14">
+  <mc:AlternateContent xmlns:mc="http://schemas.openxmlformats.org/markup-compatibility/2006">
+    <mc:Choice xmlns:p14="http://schemas.microsoft.com/office/powerpoint/2010/main" Requires="p14">
       <p:transition spd="med" p14:dur="700">
         <p:fade/>
       </p:transition>
     </mc:Choice>
-    <mc:Fallback xmlns="">
+    <mc:Fallback>
       <p:transition spd="med">
         <p:fade/>
       </p:transition>
@@ -10517,13 +11817,13 @@
   <p:clrMapOvr>
     <a:masterClrMapping/>
   </p:clrMapOvr>
-  <mc:AlternateContent xmlns:mc="http://schemas.openxmlformats.org/markup-compatibility/2006" xmlns:p14="http://schemas.microsoft.com/office/powerpoint/2010/main">
-    <mc:Choice Requires="p14">
+  <mc:AlternateContent xmlns:mc="http://schemas.openxmlformats.org/markup-compatibility/2006">
+    <mc:Choice xmlns:p14="http://schemas.microsoft.com/office/powerpoint/2010/main" Requires="p14">
       <p:transition spd="med" p14:dur="700">
         <p:fade/>
       </p:transition>
     </mc:Choice>
-    <mc:Fallback xmlns="">
+    <mc:Fallback>
       <p:transition spd="med">
         <p:fade/>
       </p:transition>
@@ -10946,13 +12246,13 @@
   <p:clrMapOvr>
     <a:masterClrMapping/>
   </p:clrMapOvr>
-  <mc:AlternateContent xmlns:mc="http://schemas.openxmlformats.org/markup-compatibility/2006" xmlns:p14="http://schemas.microsoft.com/office/powerpoint/2010/main">
-    <mc:Choice Requires="p14">
+  <mc:AlternateContent xmlns:mc="http://schemas.openxmlformats.org/markup-compatibility/2006">
+    <mc:Choice xmlns:p14="http://schemas.microsoft.com/office/powerpoint/2010/main" Requires="p14">
       <p:transition spd="med" p14:dur="700">
         <p:fade/>
       </p:transition>
     </mc:Choice>
-    <mc:Fallback xmlns="">
+    <mc:Fallback>
       <p:transition spd="med">
         <p:fade/>
       </p:transition>
@@ -11312,6 +12612,18 @@
   <p:clrMapOvr>
     <a:masterClrMapping/>
   </p:clrMapOvr>
+  <mc:AlternateContent xmlns:mc="http://schemas.openxmlformats.org/markup-compatibility/2006">
+    <mc:Choice xmlns:p14="http://schemas.microsoft.com/office/powerpoint/2010/main" Requires="p14">
+      <p:transition spd="med" p14:dur="700">
+        <p:fade/>
+      </p:transition>
+    </mc:Choice>
+    <mc:Fallback>
+      <p:transition spd="med">
+        <p:fade/>
+      </p:transition>
+    </mc:Fallback>
+  </mc:AlternateContent>
 </p:sld>
 </file>
 
@@ -11733,13 +13045,13 @@
   <p:clrMapOvr>
     <a:masterClrMapping/>
   </p:clrMapOvr>
-  <mc:AlternateContent xmlns:mc="http://schemas.openxmlformats.org/markup-compatibility/2006" xmlns:p14="http://schemas.microsoft.com/office/powerpoint/2010/main">
-    <mc:Choice Requires="p14">
+  <mc:AlternateContent xmlns:mc="http://schemas.openxmlformats.org/markup-compatibility/2006">
+    <mc:Choice xmlns:p14="http://schemas.microsoft.com/office/powerpoint/2010/main" Requires="p14">
       <p:transition spd="med" p14:dur="700">
         <p:fade/>
       </p:transition>
     </mc:Choice>
-    <mc:Fallback xmlns="">
+    <mc:Fallback>
       <p:transition spd="med">
         <p:fade/>
       </p:transition>
@@ -11981,13 +13293,13 @@
   <p:clrMapOvr>
     <a:masterClrMapping/>
   </p:clrMapOvr>
-  <mc:AlternateContent xmlns:mc="http://schemas.openxmlformats.org/markup-compatibility/2006" xmlns:p14="http://schemas.microsoft.com/office/powerpoint/2010/main">
-    <mc:Choice Requires="p14">
+  <mc:AlternateContent xmlns:mc="http://schemas.openxmlformats.org/markup-compatibility/2006">
+    <mc:Choice xmlns:p14="http://schemas.microsoft.com/office/powerpoint/2010/main" Requires="p14">
       <p:transition spd="med" p14:dur="700">
         <p:fade/>
       </p:transition>
     </mc:Choice>
-    <mc:Fallback xmlns="">
+    <mc:Fallback>
       <p:transition spd="med">
         <p:fade/>
       </p:transition>
@@ -12089,8 +13401,8 @@
           </a:p>
         </p:txBody>
       </p:sp>
-      <mc:AlternateContent xmlns:mc="http://schemas.openxmlformats.org/markup-compatibility/2006" xmlns:a14="http://schemas.microsoft.com/office/drawing/2010/main">
-        <mc:Choice Requires="a14">
+      <mc:AlternateContent xmlns:mc="http://schemas.openxmlformats.org/markup-compatibility/2006">
+        <mc:Choice xmlns:a14="http://schemas.microsoft.com/office/drawing/2010/main" Requires="a14">
           <p:sp>
             <p:nvSpPr>
               <p:cNvPr id="3" name="內容版面配置區 2"/>
@@ -12111,224 +13423,232 @@
               <a:bodyPr/>
               <a:lstStyle/>
               <a:p>
+                <a:pPr marL="11112" indent="0">
+                  <a:buNone/>
+                </a:pPr>
                 <a14:m>
-                  <m:oMath xmlns:m="http://schemas.openxmlformats.org/officeDocument/2006/math">
-                    <m:f>
-                      <m:fPr>
-                        <m:ctrlPr>
-                          <a:rPr kumimoji="1" lang="mr-IN" altLang="zh-TW" sz="4000" i="1" smtClean="0">
-                            <a:latin typeface="Cambria Math" charset="0"/>
-                          </a:rPr>
-                        </m:ctrlPr>
-                      </m:fPr>
-                      <m:num>
-                        <m:sSub>
-                          <m:sSubPr>
-                            <m:ctrlPr>
-                              <a:rPr kumimoji="1" lang="en-US" altLang="zh-TW" sz="4000" i="1">
-                                <a:latin typeface="Cambria Math" charset="0"/>
-                              </a:rPr>
-                            </m:ctrlPr>
-                          </m:sSubPr>
-                          <m:e>
-                            <m:r>
-                              <a:rPr kumimoji="1" lang="en-US" altLang="zh-TW" sz="4000" i="1">
-                                <a:latin typeface="Cambria Math" charset="0"/>
-                              </a:rPr>
-                              <m:t>𝑃</m:t>
-                            </m:r>
-                          </m:e>
-                          <m:sub>
-                            <m:r>
-                              <a:rPr kumimoji="1" lang="en-US" altLang="zh-TW" sz="4000" b="0" i="1" smtClean="0">
-                                <a:latin typeface="Cambria Math" charset="0"/>
-                              </a:rPr>
-                              <m:t>𝑟</m:t>
-                            </m:r>
-                          </m:sub>
-                        </m:sSub>
-                      </m:num>
-                      <m:den>
-                        <m:sSub>
-                          <m:sSubPr>
-                            <m:ctrlPr>
-                              <a:rPr kumimoji="1" lang="en-US" altLang="zh-TW" sz="4000" i="1" smtClean="0">
-                                <a:latin typeface="Cambria Math" charset="0"/>
-                              </a:rPr>
-                            </m:ctrlPr>
-                          </m:sSubPr>
-                          <m:e>
-                            <m:r>
-                              <a:rPr kumimoji="1" lang="en-US" altLang="zh-TW" sz="4000" b="0" i="1" smtClean="0">
-                                <a:latin typeface="Cambria Math" charset="0"/>
-                              </a:rPr>
-                              <m:t>𝑃</m:t>
-                            </m:r>
-                          </m:e>
-                          <m:sub>
-                            <m:r>
-                              <a:rPr kumimoji="1" lang="en-US" altLang="zh-TW" sz="4000" b="0" i="1" smtClean="0">
-                                <a:latin typeface="Cambria Math" charset="0"/>
-                              </a:rPr>
-                              <m:t>𝑡</m:t>
-                            </m:r>
-                          </m:sub>
-                        </m:sSub>
-                      </m:den>
-                    </m:f>
-                    <m:r>
-                      <a:rPr kumimoji="1" lang="en-US" altLang="zh-TW" sz="4000" b="0" i="1" smtClean="0">
-                        <a:latin typeface="Cambria Math" charset="0"/>
-                      </a:rPr>
-                      <m:t>=(</m:t>
-                    </m:r>
-                    <m:f>
-                      <m:fPr>
-                        <m:ctrlPr>
-                          <a:rPr kumimoji="1" lang="mr-IN" altLang="zh-TW" sz="4000" i="1">
-                            <a:latin typeface="Cambria Math" charset="0"/>
-                          </a:rPr>
-                        </m:ctrlPr>
-                      </m:fPr>
-                      <m:num>
-                        <m:sSub>
-                          <m:sSubPr>
-                            <m:ctrlPr>
-                              <a:rPr kumimoji="1" lang="en-US" altLang="zh-TW" sz="4000" i="1" smtClean="0">
-                                <a:solidFill>
-                                  <a:schemeClr val="accent1"/>
-                                </a:solidFill>
-                                <a:latin typeface="Cambria Math" charset="0"/>
-                              </a:rPr>
-                            </m:ctrlPr>
-                          </m:sSubPr>
-                          <m:e>
-                            <m:r>
-                              <a:rPr kumimoji="1" lang="en-US" altLang="zh-TW" sz="4000" b="0" i="1" smtClean="0">
-                                <a:solidFill>
-                                  <a:schemeClr val="accent1"/>
-                                </a:solidFill>
-                                <a:latin typeface="Cambria Math" charset="0"/>
-                              </a:rPr>
-                              <m:t>𝐴</m:t>
-                            </m:r>
-                          </m:e>
-                          <m:sub>
-                            <m:r>
-                              <a:rPr kumimoji="1" lang="en-US" altLang="zh-TW" sz="4000" i="1">
-                                <a:solidFill>
-                                  <a:schemeClr val="accent1"/>
-                                </a:solidFill>
-                                <a:latin typeface="Cambria Math" charset="0"/>
-                              </a:rPr>
-                              <m:t>𝑟</m:t>
-                            </m:r>
-                          </m:sub>
-                        </m:sSub>
-                        <m:sSub>
-                          <m:sSubPr>
-                            <m:ctrlPr>
-                              <a:rPr kumimoji="1" lang="en-US" altLang="zh-TW" sz="4000" i="1">
-                                <a:solidFill>
-                                  <a:schemeClr val="accent1"/>
-                                </a:solidFill>
-                                <a:latin typeface="Cambria Math" charset="0"/>
-                              </a:rPr>
-                            </m:ctrlPr>
-                          </m:sSubPr>
-                          <m:e>
-                            <m:r>
-                              <a:rPr kumimoji="1" lang="en-US" altLang="zh-TW" sz="4000" b="0" i="1" smtClean="0">
-                                <a:solidFill>
-                                  <a:schemeClr val="accent1"/>
-                                </a:solidFill>
-                                <a:latin typeface="Cambria Math" charset="0"/>
-                              </a:rPr>
-                              <m:t>𝐴</m:t>
-                            </m:r>
-                          </m:e>
-                          <m:sub>
-                            <m:r>
-                              <a:rPr kumimoji="1" lang="en-US" altLang="zh-TW" sz="4000" i="1">
-                                <a:solidFill>
-                                  <a:schemeClr val="accent1"/>
-                                </a:solidFill>
-                                <a:latin typeface="Cambria Math" charset="0"/>
-                              </a:rPr>
-                              <m:t>𝑡</m:t>
-                            </m:r>
-                          </m:sub>
-                        </m:sSub>
-                      </m:num>
-                      <m:den>
-                        <m:sSup>
-                          <m:sSupPr>
-                            <m:ctrlPr>
-                              <a:rPr kumimoji="1" lang="en-US" altLang="zh-TW" sz="4000" i="1" smtClean="0">
-                                <a:latin typeface="Cambria Math" charset="0"/>
-                              </a:rPr>
-                            </m:ctrlPr>
-                          </m:sSupPr>
-                          <m:e>
-                            <m:r>
-                              <a:rPr kumimoji="1" lang="en-US" altLang="zh-TW" sz="4000" b="0" i="1" smtClean="0">
-                                <a:latin typeface="Cambria Math" charset="0"/>
-                              </a:rPr>
-                              <m:t>𝑑</m:t>
-                            </m:r>
-                          </m:e>
-                          <m:sup>
-                            <m:r>
-                              <a:rPr kumimoji="1" lang="en-US" altLang="zh-TW" sz="4000" b="0" i="1" smtClean="0">
-                                <a:latin typeface="Cambria Math" charset="0"/>
-                              </a:rPr>
-                              <m:t>2</m:t>
-                            </m:r>
-                          </m:sup>
-                        </m:sSup>
-                        <m:sSup>
-                          <m:sSupPr>
-                            <m:ctrlPr>
-                              <a:rPr kumimoji="1" lang="en-US" altLang="zh-TW" sz="4000" i="1">
-                                <a:latin typeface="Cambria Math" charset="0"/>
-                              </a:rPr>
-                            </m:ctrlPr>
-                          </m:sSupPr>
-                          <m:e>
-                            <m:r>
-                              <a:rPr kumimoji="1" lang="en-US" altLang="zh-TW" sz="4000" i="1" smtClean="0">
-                                <a:latin typeface="Cambria Math" charset="0"/>
-                                <a:ea typeface="Cambria Math" charset="0"/>
-                                <a:cs typeface="Cambria Math" charset="0"/>
-                              </a:rPr>
-                              <m:t>𝜆</m:t>
-                            </m:r>
-                          </m:e>
-                          <m:sup>
-                            <m:r>
-                              <a:rPr kumimoji="1" lang="en-US" altLang="zh-TW" sz="4000" i="1">
-                                <a:latin typeface="Cambria Math" charset="0"/>
-                              </a:rPr>
-                              <m:t>2</m:t>
-                            </m:r>
-                          </m:sup>
-                        </m:sSup>
-                      </m:den>
-                    </m:f>
-                    <m:r>
-                      <a:rPr kumimoji="1" lang="en-US" altLang="zh-TW" sz="4000" b="0" i="1" smtClean="0">
-                        <a:latin typeface="Cambria Math" charset="0"/>
-                      </a:rPr>
-                      <m:t>)</m:t>
-                    </m:r>
-                  </m:oMath>
+                  <m:oMathPara xmlns:m="http://schemas.openxmlformats.org/officeDocument/2006/math">
+                    <m:oMathParaPr>
+                      <m:jc m:val="centerGroup"/>
+                    </m:oMathParaPr>
+                    <m:oMath xmlns:m="http://schemas.openxmlformats.org/officeDocument/2006/math">
+                      <m:f>
+                        <m:fPr>
+                          <m:ctrlPr>
+                            <a:rPr kumimoji="1" lang="mr-IN" altLang="zh-TW" sz="4000" i="1" smtClean="0">
+                              <a:latin typeface="Cambria Math" charset="0"/>
+                            </a:rPr>
+                          </m:ctrlPr>
+                        </m:fPr>
+                        <m:num>
+                          <m:sSub>
+                            <m:sSubPr>
+                              <m:ctrlPr>
+                                <a:rPr kumimoji="1" lang="en-US" altLang="zh-TW" sz="4000" i="1">
+                                  <a:latin typeface="Cambria Math" charset="0"/>
+                                </a:rPr>
+                              </m:ctrlPr>
+                            </m:sSubPr>
+                            <m:e>
+                              <m:r>
+                                <a:rPr kumimoji="1" lang="en-US" altLang="zh-TW" sz="4000" i="1">
+                                  <a:latin typeface="Cambria Math" charset="0"/>
+                                </a:rPr>
+                                <m:t>𝑃</m:t>
+                              </m:r>
+                            </m:e>
+                            <m:sub>
+                              <m:r>
+                                <a:rPr kumimoji="1" lang="en-US" altLang="zh-TW" sz="4000" b="0" i="1" smtClean="0">
+                                  <a:latin typeface="Cambria Math" charset="0"/>
+                                </a:rPr>
+                                <m:t>𝑟</m:t>
+                              </m:r>
+                            </m:sub>
+                          </m:sSub>
+                        </m:num>
+                        <m:den>
+                          <m:sSub>
+                            <m:sSubPr>
+                              <m:ctrlPr>
+                                <a:rPr kumimoji="1" lang="en-US" altLang="zh-TW" sz="4000" i="1" smtClean="0">
+                                  <a:latin typeface="Cambria Math" charset="0"/>
+                                </a:rPr>
+                              </m:ctrlPr>
+                            </m:sSubPr>
+                            <m:e>
+                              <m:r>
+                                <a:rPr kumimoji="1" lang="en-US" altLang="zh-TW" sz="4000" b="0" i="1" smtClean="0">
+                                  <a:latin typeface="Cambria Math" charset="0"/>
+                                </a:rPr>
+                                <m:t>𝑃</m:t>
+                              </m:r>
+                            </m:e>
+                            <m:sub>
+                              <m:r>
+                                <a:rPr kumimoji="1" lang="en-US" altLang="zh-TW" sz="4000" b="0" i="1" smtClean="0">
+                                  <a:latin typeface="Cambria Math" charset="0"/>
+                                </a:rPr>
+                                <m:t>𝑡</m:t>
+                              </m:r>
+                            </m:sub>
+                          </m:sSub>
+                        </m:den>
+                      </m:f>
+                      <m:r>
+                        <a:rPr kumimoji="1" lang="en-US" altLang="zh-TW" sz="4000" b="0" i="1" smtClean="0">
+                          <a:latin typeface="Cambria Math" charset="0"/>
+                        </a:rPr>
+                        <m:t>=(</m:t>
+                      </m:r>
+                      <m:f>
+                        <m:fPr>
+                          <m:ctrlPr>
+                            <a:rPr kumimoji="1" lang="mr-IN" altLang="zh-TW" sz="4000" i="1">
+                              <a:latin typeface="Cambria Math" charset="0"/>
+                            </a:rPr>
+                          </m:ctrlPr>
+                        </m:fPr>
+                        <m:num>
+                          <m:sSub>
+                            <m:sSubPr>
+                              <m:ctrlPr>
+                                <a:rPr kumimoji="1" lang="en-US" altLang="zh-TW" sz="4000" i="1" smtClean="0">
+                                  <a:solidFill>
+                                    <a:schemeClr val="accent1"/>
+                                  </a:solidFill>
+                                  <a:latin typeface="Cambria Math" charset="0"/>
+                                </a:rPr>
+                              </m:ctrlPr>
+                            </m:sSubPr>
+                            <m:e>
+                              <m:r>
+                                <a:rPr kumimoji="1" lang="en-US" altLang="zh-TW" sz="4000" b="0" i="1" smtClean="0">
+                                  <a:solidFill>
+                                    <a:schemeClr val="accent1"/>
+                                  </a:solidFill>
+                                  <a:latin typeface="Cambria Math" charset="0"/>
+                                </a:rPr>
+                                <m:t>𝐴</m:t>
+                              </m:r>
+                            </m:e>
+                            <m:sub>
+                              <m:r>
+                                <a:rPr kumimoji="1" lang="en-US" altLang="zh-TW" sz="4000" i="1">
+                                  <a:solidFill>
+                                    <a:schemeClr val="accent1"/>
+                                  </a:solidFill>
+                                  <a:latin typeface="Cambria Math" charset="0"/>
+                                </a:rPr>
+                                <m:t>𝑟</m:t>
+                              </m:r>
+                            </m:sub>
+                          </m:sSub>
+                          <m:sSub>
+                            <m:sSubPr>
+                              <m:ctrlPr>
+                                <a:rPr kumimoji="1" lang="en-US" altLang="zh-TW" sz="4000" i="1">
+                                  <a:solidFill>
+                                    <a:schemeClr val="accent1"/>
+                                  </a:solidFill>
+                                  <a:latin typeface="Cambria Math" charset="0"/>
+                                </a:rPr>
+                              </m:ctrlPr>
+                            </m:sSubPr>
+                            <m:e>
+                              <m:r>
+                                <a:rPr kumimoji="1" lang="en-US" altLang="zh-TW" sz="4000" b="0" i="1" smtClean="0">
+                                  <a:solidFill>
+                                    <a:schemeClr val="accent1"/>
+                                  </a:solidFill>
+                                  <a:latin typeface="Cambria Math" charset="0"/>
+                                </a:rPr>
+                                <m:t>𝐴</m:t>
+                              </m:r>
+                            </m:e>
+                            <m:sub>
+                              <m:r>
+                                <a:rPr kumimoji="1" lang="en-US" altLang="zh-TW" sz="4000" i="1">
+                                  <a:solidFill>
+                                    <a:schemeClr val="accent1"/>
+                                  </a:solidFill>
+                                  <a:latin typeface="Cambria Math" charset="0"/>
+                                </a:rPr>
+                                <m:t>𝑡</m:t>
+                              </m:r>
+                            </m:sub>
+                          </m:sSub>
+                        </m:num>
+                        <m:den>
+                          <m:sSup>
+                            <m:sSupPr>
+                              <m:ctrlPr>
+                                <a:rPr kumimoji="1" lang="en-US" altLang="zh-TW" sz="4000" i="1" smtClean="0">
+                                  <a:latin typeface="Cambria Math" charset="0"/>
+                                </a:rPr>
+                              </m:ctrlPr>
+                            </m:sSupPr>
+                            <m:e>
+                              <m:r>
+                                <a:rPr kumimoji="1" lang="en-US" altLang="zh-TW" sz="4000" b="0" i="1" smtClean="0">
+                                  <a:latin typeface="Cambria Math" charset="0"/>
+                                </a:rPr>
+                                <m:t>𝑑</m:t>
+                              </m:r>
+                            </m:e>
+                            <m:sup>
+                              <m:r>
+                                <a:rPr kumimoji="1" lang="en-US" altLang="zh-TW" sz="4000" b="0" i="1" smtClean="0">
+                                  <a:latin typeface="Cambria Math" charset="0"/>
+                                </a:rPr>
+                                <m:t>2</m:t>
+                              </m:r>
+                            </m:sup>
+                          </m:sSup>
+                          <m:sSup>
+                            <m:sSupPr>
+                              <m:ctrlPr>
+                                <a:rPr kumimoji="1" lang="en-US" altLang="zh-TW" sz="4000" i="1">
+                                  <a:latin typeface="Cambria Math" charset="0"/>
+                                </a:rPr>
+                              </m:ctrlPr>
+                            </m:sSupPr>
+                            <m:e>
+                              <m:r>
+                                <a:rPr kumimoji="1" lang="en-US" altLang="zh-TW" sz="4000" i="1" smtClean="0">
+                                  <a:latin typeface="Cambria Math" charset="0"/>
+                                  <a:ea typeface="Cambria Math" charset="0"/>
+                                  <a:cs typeface="Cambria Math" charset="0"/>
+                                </a:rPr>
+                                <m:t>𝜆</m:t>
+                              </m:r>
+                            </m:e>
+                            <m:sup>
+                              <m:r>
+                                <a:rPr kumimoji="1" lang="en-US" altLang="zh-TW" sz="4000" i="1">
+                                  <a:latin typeface="Cambria Math" charset="0"/>
+                                </a:rPr>
+                                <m:t>2</m:t>
+                              </m:r>
+                            </m:sup>
+                          </m:sSup>
+                        </m:den>
+                      </m:f>
+                      <m:r>
+                        <a:rPr kumimoji="1" lang="en-US" altLang="zh-TW" sz="4000" b="0" i="1" smtClean="0">
+                          <a:latin typeface="Cambria Math" charset="0"/>
+                        </a:rPr>
+                        <m:t>)</m:t>
+                      </m:r>
+                    </m:oMath>
+                  </m:oMathPara>
                 </a14:m>
                 <a:endParaRPr kumimoji="1" lang="en-US" altLang="zh-TW" sz="4000" dirty="0" smtClean="0"/>
               </a:p>
             </p:txBody>
           </p:sp>
         </mc:Choice>
-        <mc:Fallback xmlns="">
+        <mc:Fallback>
           <p:sp>
             <p:nvSpPr>
               <p:cNvPr id="3" name="內容版面配置區 2"/>
@@ -12347,7 +13667,7 @@
               <a:blipFill rotWithShape="0">
                 <a:blip r:embed="rId3"/>
                 <a:stretch>
-                  <a:fillRect/>
+                  <a:fillRect b="-10363"/>
                 </a:stretch>
               </a:blipFill>
             </p:spPr>
@@ -12390,8 +13710,8 @@
           </a:p>
         </p:txBody>
       </p:sp>
-      <mc:AlternateContent xmlns:mc="http://schemas.openxmlformats.org/markup-compatibility/2006" xmlns:a14="http://schemas.microsoft.com/office/drawing/2010/main">
-        <mc:Choice Requires="a14">
+      <mc:AlternateContent xmlns:mc="http://schemas.openxmlformats.org/markup-compatibility/2006">
+        <mc:Choice xmlns:a14="http://schemas.microsoft.com/office/drawing/2010/main" Requires="a14">
           <p:sp>
             <p:nvSpPr>
               <p:cNvPr id="6" name="矩形 5"/>
@@ -12400,7 +13720,7 @@
             </p:nvSpPr>
             <p:spPr>
               <a:xfrm>
-                <a:off x="384412" y="2879678"/>
+                <a:off x="384412" y="3047627"/>
                 <a:ext cx="7583606" cy="2308324"/>
               </a:xfrm>
               <a:prstGeom prst="rect">
@@ -12701,7 +14021,7 @@
             </p:txBody>
           </p:sp>
         </mc:Choice>
-        <mc:Fallback xmlns="">
+        <mc:Fallback>
           <p:sp>
             <p:nvSpPr>
               <p:cNvPr id="6" name="矩形 5"/>
@@ -12712,7 +14032,7 @@
             </p:nvSpPr>
             <p:spPr>
               <a:xfrm>
-                <a:off x="384412" y="2879678"/>
+                <a:off x="384412" y="3047627"/>
                 <a:ext cx="7583606" cy="2308324"/>
               </a:xfrm>
               <a:prstGeom prst="rect">
@@ -12750,13 +14070,13 @@
   <p:clrMapOvr>
     <a:masterClrMapping/>
   </p:clrMapOvr>
-  <mc:AlternateContent xmlns:mc="http://schemas.openxmlformats.org/markup-compatibility/2006" xmlns:p14="http://schemas.microsoft.com/office/powerpoint/2010/main">
-    <mc:Choice Requires="p14">
+  <mc:AlternateContent xmlns:mc="http://schemas.openxmlformats.org/markup-compatibility/2006">
+    <mc:Choice xmlns:p14="http://schemas.microsoft.com/office/powerpoint/2010/main" Requires="p14">
       <p:transition spd="med" p14:dur="700">
         <p:fade/>
       </p:transition>
     </mc:Choice>
-    <mc:Fallback xmlns="">
+    <mc:Fallback>
       <p:transition spd="med">
         <p:fade/>
       </p:transition>
@@ -13185,13 +14505,13 @@
   <p:clrMapOvr>
     <a:masterClrMapping/>
   </p:clrMapOvr>
-  <mc:AlternateContent xmlns:mc="http://schemas.openxmlformats.org/markup-compatibility/2006" xmlns:p14="http://schemas.microsoft.com/office/powerpoint/2010/main">
-    <mc:Choice Requires="p14">
+  <mc:AlternateContent xmlns:mc="http://schemas.openxmlformats.org/markup-compatibility/2006">
+    <mc:Choice xmlns:p14="http://schemas.microsoft.com/office/powerpoint/2010/main" Requires="p14">
       <p:transition spd="med" p14:dur="700">
         <p:fade/>
       </p:transition>
     </mc:Choice>
-    <mc:Fallback xmlns="">
+    <mc:Fallback>
       <p:transition spd="med">
         <p:fade/>
       </p:transition>
@@ -13824,13 +15144,13 @@
   <p:clrMapOvr>
     <a:masterClrMapping/>
   </p:clrMapOvr>
-  <mc:AlternateContent xmlns:mc="http://schemas.openxmlformats.org/markup-compatibility/2006" xmlns:p14="http://schemas.microsoft.com/office/powerpoint/2010/main">
-    <mc:Choice Requires="p14">
+  <mc:AlternateContent xmlns:mc="http://schemas.openxmlformats.org/markup-compatibility/2006">
+    <mc:Choice xmlns:p14="http://schemas.microsoft.com/office/powerpoint/2010/main" Requires="p14">
       <p:transition spd="med" p14:dur="700">
         <p:fade/>
       </p:transition>
     </mc:Choice>
-    <mc:Fallback xmlns="">
+    <mc:Fallback>
       <p:transition spd="med">
         <p:fade/>
       </p:transition>

--- a/Freshman_Training.pptx
+++ b/Freshman_Training.pptx
@@ -664,28 +664,20 @@
           </a:p>
           <a:p>
             <a:r>
-              <a:rPr kumimoji="1" lang="en-US" altLang="zh-TW" err="1" smtClean="0"/>
+              <a:rPr kumimoji="1" lang="en-US" altLang="zh-TW" dirty="0" err="1" smtClean="0"/>
               <a:t>Friis</a:t>
             </a:r>
             <a:r>
-              <a:rPr kumimoji="1" lang="en-US" altLang="zh-TW" baseline="0" smtClean="0"/>
+              <a:rPr kumimoji="1" lang="en-US" altLang="zh-TW" baseline="0" dirty="0" smtClean="0"/>
               <a:t> </a:t>
             </a:r>
             <a:r>
-              <a:rPr kumimoji="1" lang="zh-TW" altLang="en-US" baseline="0" smtClean="0"/>
+              <a:rPr kumimoji="1" lang="zh-TW" altLang="en-US" baseline="0" dirty="0" smtClean="0"/>
               <a:t>認為</a:t>
             </a:r>
             <a:r>
-              <a:rPr kumimoji="1" lang="zh-TW" altLang="en-US" smtClean="0"/>
-              <a:t>現有</a:t>
-            </a:r>
-            <a:r>
               <a:rPr kumimoji="1" lang="zh-TW" altLang="en-US" dirty="0" smtClean="0"/>
-              <a:t>的公式都</a:t>
-            </a:r>
-            <a:r>
-              <a:rPr kumimoji="1" lang="zh-TW" altLang="en-US" smtClean="0"/>
-              <a:t>太多係數要記</a:t>
+              <a:t>現有的公式都太多係數要記</a:t>
             </a:r>
             <a:endParaRPr kumimoji="1" lang="en-US" altLang="zh-TW" dirty="0" smtClean="0"/>
           </a:p>
@@ -11512,22 +11504,13 @@
               </a:lnSpc>
             </a:pPr>
             <a:r>
-              <a:rPr kumimoji="1" lang="en-US" altLang="zh-TW" dirty="0">
-                <a:latin typeface="Times New Roman" charset="0"/>
-                <a:ea typeface="Times New Roman" charset="0"/>
-                <a:cs typeface="Times New Roman" charset="0"/>
-                <a:hlinkClick r:id="rId2"/>
-              </a:rPr>
-              <a:t>https://www.flaticon.com</a:t>
-            </a:r>
-            <a:r>
               <a:rPr kumimoji="1" lang="en-US" altLang="zh-TW" dirty="0" smtClean="0">
                 <a:latin typeface="Times New Roman" charset="0"/>
                 <a:ea typeface="Times New Roman" charset="0"/>
                 <a:cs typeface="Times New Roman" charset="0"/>
                 <a:hlinkClick r:id="rId2"/>
               </a:rPr>
-              <a:t>/</a:t>
+              <a:t>https://www.flaticon.com/</a:t>
             </a:r>
             <a:endParaRPr kumimoji="1" lang="en-US" altLang="zh-TW" dirty="0" smtClean="0">
               <a:latin typeface="Times New Roman" charset="0"/>
@@ -11541,15 +11524,6 @@
                 <a:spcPct val="200000"/>
               </a:lnSpc>
             </a:pPr>
-            <a:r>
-              <a:rPr kumimoji="1" lang="en-US" altLang="zh-TW" dirty="0">
-                <a:latin typeface="Times New Roman" charset="0"/>
-                <a:ea typeface="Times New Roman" charset="0"/>
-                <a:cs typeface="Times New Roman" charset="0"/>
-                <a:hlinkClick r:id="rId3"/>
-              </a:rPr>
-              <a:t>https://</a:t>
-            </a:r>
             <a:r>
               <a:rPr kumimoji="1" lang="en-US" altLang="zh-TW" dirty="0" smtClean="0">
                 <a:latin typeface="Times New Roman" charset="0"/>
@@ -11557,7 +11531,7 @@
                 <a:cs typeface="Times New Roman" charset="0"/>
                 <a:hlinkClick r:id="rId3"/>
               </a:rPr>
-              <a:t>www.sitebuilderreport.com/stock-up</a:t>
+              <a:t>https://www.sitebuilderreport.com/stock-up</a:t>
             </a:r>
             <a:endParaRPr kumimoji="1" lang="en-US" altLang="zh-TW" dirty="0" smtClean="0">
               <a:latin typeface="Times New Roman" charset="0"/>
@@ -11572,24 +11546,22 @@
               </a:lnSpc>
             </a:pPr>
             <a:r>
-              <a:rPr kumimoji="1" lang="en-US" altLang="zh-TW" dirty="0">
+              <a:rPr lang="en-US" altLang="zh-TW" dirty="0" smtClean="0">
                 <a:latin typeface="Times New Roman" charset="0"/>
                 <a:ea typeface="Times New Roman" charset="0"/>
                 <a:cs typeface="Times New Roman" charset="0"/>
                 <a:hlinkClick r:id="rId4"/>
               </a:rPr>
-              <a:t>https://</a:t>
-            </a:r>
-            <a:r>
-              <a:rPr kumimoji="1" lang="en-US" altLang="zh-TW" dirty="0" smtClean="0">
-                <a:latin typeface="Times New Roman" charset="0"/>
-                <a:ea typeface="Times New Roman" charset="0"/>
-                <a:cs typeface="Times New Roman" charset="0"/>
-                <a:hlinkClick r:id="rId4"/>
-              </a:rPr>
-              <a:t>cs.nju.edu.cn/lxie/publication/INFOCOM2018Wang.pdf</a:t>
-            </a:r>
-            <a:endParaRPr kumimoji="1" lang="en-US" altLang="zh-TW" dirty="0" smtClean="0">
+              <a:t>https://en.wikipedia.org/wiki/Friis_transmission_equation</a:t>
+            </a:r>
+            <a:endParaRPr lang="en-US" altLang="zh-TW" dirty="0" smtClean="0">
+              <a:latin typeface="Times New Roman" charset="0"/>
+              <a:ea typeface="Times New Roman" charset="0"/>
+              <a:cs typeface="Times New Roman" charset="0"/>
+            </a:endParaRPr>
+          </a:p>
+          <a:p>
+            <a:endParaRPr lang="en-US" altLang="zh-TW" dirty="0" smtClean="0">
               <a:latin typeface="Times New Roman" charset="0"/>
               <a:ea typeface="Times New Roman" charset="0"/>
               <a:cs typeface="Times New Roman" charset="0"/>

--- a/Freshman_Training.pptx
+++ b/Freshman_Training.pptx
@@ -248,7 +248,7 @@
           <a:p>
             <a:fld id="{D417A10C-87C9-49E5-AE05-110105D8C539}" type="datetimeFigureOut">
               <a:rPr lang="zh-TW" altLang="en-US" smtClean="0"/>
-              <a:t>2018/7/2</a:t>
+              <a:t>2018/7/3</a:t>
             </a:fld>
             <a:endParaRPr lang="zh-TW" altLang="en-US"/>
           </a:p>
@@ -1304,7 +1304,7 @@
           <p:cNvPr id="20" name="Group 19">
             <a:extLst>
               <a:ext uri="{FF2B5EF4-FFF2-40B4-BE49-F238E27FC236}">
-                <a16:creationId xmlns="" xmlns:a16="http://schemas.microsoft.com/office/drawing/2014/main" id="{C3ED851A-5624-9445-94A3-FC256390EFF0}"/>
+                <a16:creationId xmlns:a16="http://schemas.microsoft.com/office/drawing/2014/main" xmlns="" id="{C3ED851A-5624-9445-94A3-FC256390EFF0}"/>
               </a:ext>
             </a:extLst>
           </p:cNvPr>
@@ -1324,7 +1324,7 @@
             <p:cNvPr id="21" name="箭號: 五邊形 12">
               <a:extLst>
                 <a:ext uri="{FF2B5EF4-FFF2-40B4-BE49-F238E27FC236}">
-                  <a16:creationId xmlns="" xmlns:a16="http://schemas.microsoft.com/office/drawing/2014/main" id="{7DED8486-E1FD-814E-B2DE-F488A3CEA671}"/>
+                  <a16:creationId xmlns:a16="http://schemas.microsoft.com/office/drawing/2014/main" xmlns="" id="{7DED8486-E1FD-814E-B2DE-F488A3CEA671}"/>
                 </a:ext>
               </a:extLst>
             </p:cNvPr>
@@ -1376,7 +1376,7 @@
             <p:cNvPr id="23" name="箭號: 五邊形 12">
               <a:extLst>
                 <a:ext uri="{FF2B5EF4-FFF2-40B4-BE49-F238E27FC236}">
-                  <a16:creationId xmlns="" xmlns:a16="http://schemas.microsoft.com/office/drawing/2014/main" id="{8C392F49-5181-FA4B-9412-A387B34C316C}"/>
+                  <a16:creationId xmlns:a16="http://schemas.microsoft.com/office/drawing/2014/main" xmlns="" id="{8C392F49-5181-FA4B-9412-A387B34C316C}"/>
                 </a:ext>
               </a:extLst>
             </p:cNvPr>
@@ -1435,7 +1435,7 @@
             <p:cNvPr id="26" name="箭號: 五邊形 12">
               <a:extLst>
                 <a:ext uri="{FF2B5EF4-FFF2-40B4-BE49-F238E27FC236}">
-                  <a16:creationId xmlns="" xmlns:a16="http://schemas.microsoft.com/office/drawing/2014/main" id="{A2A2AEE9-8884-2D45-AA3A-3CE8B669A441}"/>
+                  <a16:creationId xmlns:a16="http://schemas.microsoft.com/office/drawing/2014/main" xmlns="" id="{A2A2AEE9-8884-2D45-AA3A-3CE8B669A441}"/>
                 </a:ext>
               </a:extLst>
             </p:cNvPr>
@@ -1864,7 +1864,7 @@
           <p:cNvPr id="34" name="Text Placeholder 3">
             <a:extLst>
               <a:ext uri="{FF2B5EF4-FFF2-40B4-BE49-F238E27FC236}">
-                <a16:creationId xmlns="" xmlns:a16="http://schemas.microsoft.com/office/drawing/2014/main" id="{CB4F27FF-A5B2-0945-A886-8994C9CF0F9A}"/>
+                <a16:creationId xmlns:a16="http://schemas.microsoft.com/office/drawing/2014/main" xmlns="" id="{CB4F27FF-A5B2-0945-A886-8994C9CF0F9A}"/>
               </a:ext>
             </a:extLst>
           </p:cNvPr>
@@ -1918,7 +1918,7 @@
           <p:cNvPr id="35" name="Content Placeholder 5">
             <a:extLst>
               <a:ext uri="{FF2B5EF4-FFF2-40B4-BE49-F238E27FC236}">
-                <a16:creationId xmlns="" xmlns:a16="http://schemas.microsoft.com/office/drawing/2014/main" id="{1CE5651F-F4F6-9D45-A553-66B6FFCA522B}"/>
+                <a16:creationId xmlns:a16="http://schemas.microsoft.com/office/drawing/2014/main" xmlns="" id="{1CE5651F-F4F6-9D45-A553-66B6FFCA522B}"/>
               </a:ext>
             </a:extLst>
           </p:cNvPr>
@@ -1966,7 +1966,7 @@
           <p:cNvPr id="6" name="Picture 5">
             <a:extLst>
               <a:ext uri="{FF2B5EF4-FFF2-40B4-BE49-F238E27FC236}">
-                <a16:creationId xmlns="" xmlns:a16="http://schemas.microsoft.com/office/drawing/2014/main" id="{5BB22815-3E3B-0B48-9DCA-B05C2D5B9D70}"/>
+                <a16:creationId xmlns:a16="http://schemas.microsoft.com/office/drawing/2014/main" xmlns="" id="{5BB22815-3E3B-0B48-9DCA-B05C2D5B9D70}"/>
               </a:ext>
             </a:extLst>
           </p:cNvPr>
@@ -2004,13 +2004,13 @@
   <p:clrMapOvr>
     <a:masterClrMapping/>
   </p:clrMapOvr>
-  <mc:AlternateContent xmlns:mc="http://schemas.openxmlformats.org/markup-compatibility/2006">
-    <mc:Choice xmlns:p14="http://schemas.microsoft.com/office/powerpoint/2010/main" Requires="p14">
+  <mc:AlternateContent xmlns:mc="http://schemas.openxmlformats.org/markup-compatibility/2006" xmlns:p14="http://schemas.microsoft.com/office/powerpoint/2010/main">
+    <mc:Choice Requires="p14">
       <p:transition spd="med" p14:dur="700">
         <p:fade/>
       </p:transition>
     </mc:Choice>
-    <mc:Fallback>
+    <mc:Fallback xmlns="">
       <p:transition spd="med">
         <p:fade/>
       </p:transition>
@@ -2603,13 +2603,13 @@
   <p:clrMapOvr>
     <a:masterClrMapping/>
   </p:clrMapOvr>
-  <mc:AlternateContent xmlns:mc="http://schemas.openxmlformats.org/markup-compatibility/2006">
-    <mc:Choice xmlns:p14="http://schemas.microsoft.com/office/powerpoint/2010/main" Requires="p14">
+  <mc:AlternateContent xmlns:mc="http://schemas.openxmlformats.org/markup-compatibility/2006" xmlns:p14="http://schemas.microsoft.com/office/powerpoint/2010/main">
+    <mc:Choice Requires="p14">
       <p:transition spd="med" p14:dur="700">
         <p:fade/>
       </p:transition>
     </mc:Choice>
-    <mc:Fallback>
+    <mc:Fallback xmlns="">
       <p:transition spd="med">
         <p:fade/>
       </p:transition>
@@ -3068,7 +3068,7 @@
           <p:cNvPr id="15" name="直排文字版面配置區 2">
             <a:extLst>
               <a:ext uri="{FF2B5EF4-FFF2-40B4-BE49-F238E27FC236}">
-                <a16:creationId xmlns="" xmlns:a16="http://schemas.microsoft.com/office/drawing/2014/main" id="{5B0754CD-A593-D647-8F43-33A88CDADB61}"/>
+                <a16:creationId xmlns:a16="http://schemas.microsoft.com/office/drawing/2014/main" xmlns="" id="{5B0754CD-A593-D647-8F43-33A88CDADB61}"/>
               </a:ext>
             </a:extLst>
           </p:cNvPr>
@@ -3211,13 +3211,13 @@
   <p:clrMapOvr>
     <a:masterClrMapping/>
   </p:clrMapOvr>
-  <mc:AlternateContent xmlns:mc="http://schemas.openxmlformats.org/markup-compatibility/2006">
-    <mc:Choice xmlns:p14="http://schemas.microsoft.com/office/powerpoint/2010/main" Requires="p14">
+  <mc:AlternateContent xmlns:mc="http://schemas.openxmlformats.org/markup-compatibility/2006" xmlns:p14="http://schemas.microsoft.com/office/powerpoint/2010/main">
+    <mc:Choice Requires="p14">
       <p:transition spd="med" p14:dur="700">
         <p:fade/>
       </p:transition>
     </mc:Choice>
-    <mc:Fallback>
+    <mc:Fallback xmlns="">
       <p:transition spd="med">
         <p:fade/>
       </p:transition>
@@ -3278,7 +3278,7 @@
           <p:cNvPr id="20" name="Group 19">
             <a:extLst>
               <a:ext uri="{FF2B5EF4-FFF2-40B4-BE49-F238E27FC236}">
-                <a16:creationId xmlns="" xmlns:a16="http://schemas.microsoft.com/office/drawing/2014/main" id="{C3ED851A-5624-9445-94A3-FC256390EFF0}"/>
+                <a16:creationId xmlns:a16="http://schemas.microsoft.com/office/drawing/2014/main" xmlns="" id="{C3ED851A-5624-9445-94A3-FC256390EFF0}"/>
               </a:ext>
             </a:extLst>
           </p:cNvPr>
@@ -3298,7 +3298,7 @@
             <p:cNvPr id="21" name="箭號: 五邊形 12">
               <a:extLst>
                 <a:ext uri="{FF2B5EF4-FFF2-40B4-BE49-F238E27FC236}">
-                  <a16:creationId xmlns="" xmlns:a16="http://schemas.microsoft.com/office/drawing/2014/main" id="{7DED8486-E1FD-814E-B2DE-F488A3CEA671}"/>
+                  <a16:creationId xmlns:a16="http://schemas.microsoft.com/office/drawing/2014/main" xmlns="" id="{7DED8486-E1FD-814E-B2DE-F488A3CEA671}"/>
                 </a:ext>
               </a:extLst>
             </p:cNvPr>
@@ -3350,7 +3350,7 @@
             <p:cNvPr id="23" name="箭號: 五邊形 12">
               <a:extLst>
                 <a:ext uri="{FF2B5EF4-FFF2-40B4-BE49-F238E27FC236}">
-                  <a16:creationId xmlns="" xmlns:a16="http://schemas.microsoft.com/office/drawing/2014/main" id="{8C392F49-5181-FA4B-9412-A387B34C316C}"/>
+                  <a16:creationId xmlns:a16="http://schemas.microsoft.com/office/drawing/2014/main" xmlns="" id="{8C392F49-5181-FA4B-9412-A387B34C316C}"/>
                 </a:ext>
               </a:extLst>
             </p:cNvPr>
@@ -3409,7 +3409,7 @@
             <p:cNvPr id="26" name="箭號: 五邊形 12">
               <a:extLst>
                 <a:ext uri="{FF2B5EF4-FFF2-40B4-BE49-F238E27FC236}">
-                  <a16:creationId xmlns="" xmlns:a16="http://schemas.microsoft.com/office/drawing/2014/main" id="{A2A2AEE9-8884-2D45-AA3A-3CE8B669A441}"/>
+                  <a16:creationId xmlns:a16="http://schemas.microsoft.com/office/drawing/2014/main" xmlns="" id="{A2A2AEE9-8884-2D45-AA3A-3CE8B669A441}"/>
                 </a:ext>
               </a:extLst>
             </p:cNvPr>
@@ -3838,7 +3838,7 @@
           <p:cNvPr id="34" name="Text Placeholder 3">
             <a:extLst>
               <a:ext uri="{FF2B5EF4-FFF2-40B4-BE49-F238E27FC236}">
-                <a16:creationId xmlns="" xmlns:a16="http://schemas.microsoft.com/office/drawing/2014/main" id="{CB4F27FF-A5B2-0945-A886-8994C9CF0F9A}"/>
+                <a16:creationId xmlns:a16="http://schemas.microsoft.com/office/drawing/2014/main" xmlns="" id="{CB4F27FF-A5B2-0945-A886-8994C9CF0F9A}"/>
               </a:ext>
             </a:extLst>
           </p:cNvPr>
@@ -3892,7 +3892,7 @@
           <p:cNvPr id="35" name="Content Placeholder 5">
             <a:extLst>
               <a:ext uri="{FF2B5EF4-FFF2-40B4-BE49-F238E27FC236}">
-                <a16:creationId xmlns="" xmlns:a16="http://schemas.microsoft.com/office/drawing/2014/main" id="{1CE5651F-F4F6-9D45-A553-66B6FFCA522B}"/>
+                <a16:creationId xmlns:a16="http://schemas.microsoft.com/office/drawing/2014/main" xmlns="" id="{1CE5651F-F4F6-9D45-A553-66B6FFCA522B}"/>
               </a:ext>
             </a:extLst>
           </p:cNvPr>
@@ -3940,7 +3940,7 @@
           <p:cNvPr id="6" name="Picture 5">
             <a:extLst>
               <a:ext uri="{FF2B5EF4-FFF2-40B4-BE49-F238E27FC236}">
-                <a16:creationId xmlns="" xmlns:a16="http://schemas.microsoft.com/office/drawing/2014/main" id="{5BB22815-3E3B-0B48-9DCA-B05C2D5B9D70}"/>
+                <a16:creationId xmlns:a16="http://schemas.microsoft.com/office/drawing/2014/main" xmlns="" id="{5BB22815-3E3B-0B48-9DCA-B05C2D5B9D70}"/>
               </a:ext>
             </a:extLst>
           </p:cNvPr>
@@ -3982,13 +3982,13 @@
   <p:clrMapOvr>
     <a:masterClrMapping/>
   </p:clrMapOvr>
-  <mc:AlternateContent xmlns:mc="http://schemas.openxmlformats.org/markup-compatibility/2006">
-    <mc:Choice xmlns:p14="http://schemas.microsoft.com/office/powerpoint/2010/main" Requires="p14">
+  <mc:AlternateContent xmlns:mc="http://schemas.openxmlformats.org/markup-compatibility/2006" xmlns:p14="http://schemas.microsoft.com/office/powerpoint/2010/main">
+    <mc:Choice Requires="p14">
       <p:transition spd="med" p14:dur="700">
         <p:fade/>
       </p:transition>
     </mc:Choice>
-    <mc:Fallback>
+    <mc:Fallback xmlns="">
       <p:transition spd="med">
         <p:fade/>
       </p:transition>
@@ -4586,13 +4586,13 @@
   <p:clrMapOvr>
     <a:masterClrMapping/>
   </p:clrMapOvr>
-  <mc:AlternateContent xmlns:mc="http://schemas.openxmlformats.org/markup-compatibility/2006">
-    <mc:Choice xmlns:p14="http://schemas.microsoft.com/office/powerpoint/2010/main" Requires="p14">
+  <mc:AlternateContent xmlns:mc="http://schemas.openxmlformats.org/markup-compatibility/2006" xmlns:p14="http://schemas.microsoft.com/office/powerpoint/2010/main">
+    <mc:Choice Requires="p14">
       <p:transition spd="med" p14:dur="700">
         <p:fade/>
       </p:transition>
     </mc:Choice>
-    <mc:Fallback>
+    <mc:Fallback xmlns="">
       <p:transition spd="med">
         <p:fade/>
       </p:transition>
@@ -4652,7 +4652,7 @@
           <p:cNvPr id="12" name="Group 11">
             <a:extLst>
               <a:ext uri="{FF2B5EF4-FFF2-40B4-BE49-F238E27FC236}">
-                <a16:creationId xmlns="" xmlns:a16="http://schemas.microsoft.com/office/drawing/2014/main" id="{FECCA331-FFA6-F840-9C60-BF25ACF3BDB5}"/>
+                <a16:creationId xmlns:a16="http://schemas.microsoft.com/office/drawing/2014/main" xmlns="" id="{FECCA331-FFA6-F840-9C60-BF25ACF3BDB5}"/>
               </a:ext>
             </a:extLst>
           </p:cNvPr>
@@ -4672,7 +4672,7 @@
             <p:cNvPr id="13" name="箭號: 五邊形 12">
               <a:extLst>
                 <a:ext uri="{FF2B5EF4-FFF2-40B4-BE49-F238E27FC236}">
-                  <a16:creationId xmlns="" xmlns:a16="http://schemas.microsoft.com/office/drawing/2014/main" id="{1ECC6466-4EFD-5345-BC17-67AB57731DB7}"/>
+                  <a16:creationId xmlns:a16="http://schemas.microsoft.com/office/drawing/2014/main" xmlns="" id="{1ECC6466-4EFD-5345-BC17-67AB57731DB7}"/>
                 </a:ext>
               </a:extLst>
             </p:cNvPr>
@@ -4724,7 +4724,7 @@
             <p:cNvPr id="14" name="箭號: 五邊形 12">
               <a:extLst>
                 <a:ext uri="{FF2B5EF4-FFF2-40B4-BE49-F238E27FC236}">
-                  <a16:creationId xmlns="" xmlns:a16="http://schemas.microsoft.com/office/drawing/2014/main" id="{6CF55724-0A99-E64A-AB4C-0938CB62E153}"/>
+                  <a16:creationId xmlns:a16="http://schemas.microsoft.com/office/drawing/2014/main" xmlns="" id="{6CF55724-0A99-E64A-AB4C-0938CB62E153}"/>
                 </a:ext>
               </a:extLst>
             </p:cNvPr>
@@ -4783,7 +4783,7 @@
             <p:cNvPr id="15" name="箭號: 五邊形 12">
               <a:extLst>
                 <a:ext uri="{FF2B5EF4-FFF2-40B4-BE49-F238E27FC236}">
-                  <a16:creationId xmlns="" xmlns:a16="http://schemas.microsoft.com/office/drawing/2014/main" id="{D65D1FB8-4CF4-8B4A-A307-6F7F618C0D88}"/>
+                  <a16:creationId xmlns:a16="http://schemas.microsoft.com/office/drawing/2014/main" xmlns="" id="{D65D1FB8-4CF4-8B4A-A307-6F7F618C0D88}"/>
                 </a:ext>
               </a:extLst>
             </p:cNvPr>
@@ -5092,7 +5092,7 @@
           <p:cNvPr id="5" name="Picture 4">
             <a:extLst>
               <a:ext uri="{FF2B5EF4-FFF2-40B4-BE49-F238E27FC236}">
-                <a16:creationId xmlns="" xmlns:a16="http://schemas.microsoft.com/office/drawing/2014/main" id="{33C27645-19DC-4542-810A-E94761D6E227}"/>
+                <a16:creationId xmlns:a16="http://schemas.microsoft.com/office/drawing/2014/main" xmlns="" id="{33C27645-19DC-4542-810A-E94761D6E227}"/>
               </a:ext>
             </a:extLst>
           </p:cNvPr>
@@ -5130,13 +5130,13 @@
   <p:clrMapOvr>
     <a:masterClrMapping/>
   </p:clrMapOvr>
-  <mc:AlternateContent xmlns:mc="http://schemas.openxmlformats.org/markup-compatibility/2006">
-    <mc:Choice xmlns:p14="http://schemas.microsoft.com/office/powerpoint/2010/main" Requires="p14">
+  <mc:AlternateContent xmlns:mc="http://schemas.openxmlformats.org/markup-compatibility/2006" xmlns:p14="http://schemas.microsoft.com/office/powerpoint/2010/main">
+    <mc:Choice Requires="p14">
       <p:transition spd="med" p14:dur="700">
         <p:fade/>
       </p:transition>
     </mc:Choice>
-    <mc:Fallback>
+    <mc:Fallback xmlns="">
       <p:transition spd="med">
         <p:fade/>
       </p:transition>
@@ -5591,7 +5591,7 @@
           <p:cNvPr id="23" name="內容版面配置區 2">
             <a:extLst>
               <a:ext uri="{FF2B5EF4-FFF2-40B4-BE49-F238E27FC236}">
-                <a16:creationId xmlns="" xmlns:a16="http://schemas.microsoft.com/office/drawing/2014/main" id="{9D1178A4-A62F-AE47-B4FD-DFBDEBC0B7E1}"/>
+                <a16:creationId xmlns:a16="http://schemas.microsoft.com/office/drawing/2014/main" xmlns="" id="{9D1178A4-A62F-AE47-B4FD-DFBDEBC0B7E1}"/>
               </a:ext>
             </a:extLst>
           </p:cNvPr>
@@ -5738,7 +5738,7 @@
           <p:cNvPr id="24" name="內容版面配置區 2">
             <a:extLst>
               <a:ext uri="{FF2B5EF4-FFF2-40B4-BE49-F238E27FC236}">
-                <a16:creationId xmlns="" xmlns:a16="http://schemas.microsoft.com/office/drawing/2014/main" id="{18BDE748-AF06-9848-B53D-40087470A386}"/>
+                <a16:creationId xmlns:a16="http://schemas.microsoft.com/office/drawing/2014/main" xmlns="" id="{18BDE748-AF06-9848-B53D-40087470A386}"/>
               </a:ext>
             </a:extLst>
           </p:cNvPr>
@@ -5886,13 +5886,13 @@
   <p:clrMapOvr>
     <a:masterClrMapping/>
   </p:clrMapOvr>
-  <mc:AlternateContent xmlns:mc="http://schemas.openxmlformats.org/markup-compatibility/2006">
-    <mc:Choice xmlns:p14="http://schemas.microsoft.com/office/powerpoint/2010/main" Requires="p14">
+  <mc:AlternateContent xmlns:mc="http://schemas.openxmlformats.org/markup-compatibility/2006" xmlns:p14="http://schemas.microsoft.com/office/powerpoint/2010/main">
+    <mc:Choice Requires="p14">
       <p:transition spd="med" p14:dur="700">
         <p:fade/>
       </p:transition>
     </mc:Choice>
-    <mc:Fallback>
+    <mc:Fallback xmlns="">
       <p:transition spd="med">
         <p:fade/>
       </p:transition>
@@ -6489,7 +6489,7 @@
           <p:cNvPr id="20" name="內容版面配置區 2">
             <a:extLst>
               <a:ext uri="{FF2B5EF4-FFF2-40B4-BE49-F238E27FC236}">
-                <a16:creationId xmlns="" xmlns:a16="http://schemas.microsoft.com/office/drawing/2014/main" id="{9A4A12A5-18A4-CA4A-8E68-97EAFD19927B}"/>
+                <a16:creationId xmlns:a16="http://schemas.microsoft.com/office/drawing/2014/main" xmlns="" id="{9A4A12A5-18A4-CA4A-8E68-97EAFD19927B}"/>
               </a:ext>
             </a:extLst>
           </p:cNvPr>
@@ -6636,7 +6636,7 @@
           <p:cNvPr id="21" name="內容版面配置區 2">
             <a:extLst>
               <a:ext uri="{FF2B5EF4-FFF2-40B4-BE49-F238E27FC236}">
-                <a16:creationId xmlns="" xmlns:a16="http://schemas.microsoft.com/office/drawing/2014/main" id="{E09B3CAD-22B9-BC48-9D7D-2345FF14DD38}"/>
+                <a16:creationId xmlns:a16="http://schemas.microsoft.com/office/drawing/2014/main" xmlns="" id="{E09B3CAD-22B9-BC48-9D7D-2345FF14DD38}"/>
               </a:ext>
             </a:extLst>
           </p:cNvPr>
@@ -6784,13 +6784,13 @@
   <p:clrMapOvr>
     <a:masterClrMapping/>
   </p:clrMapOvr>
-  <mc:AlternateContent xmlns:mc="http://schemas.openxmlformats.org/markup-compatibility/2006">
-    <mc:Choice xmlns:p14="http://schemas.microsoft.com/office/powerpoint/2010/main" Requires="p14">
+  <mc:AlternateContent xmlns:mc="http://schemas.openxmlformats.org/markup-compatibility/2006" xmlns:p14="http://schemas.microsoft.com/office/powerpoint/2010/main">
+    <mc:Choice Requires="p14">
       <p:transition spd="med" p14:dur="700">
         <p:fade/>
       </p:transition>
     </mc:Choice>
-    <mc:Fallback>
+    <mc:Fallback xmlns="">
       <p:transition spd="med">
         <p:fade/>
       </p:transition>
@@ -7246,13 +7246,13 @@
   <p:clrMapOvr>
     <a:masterClrMapping/>
   </p:clrMapOvr>
-  <mc:AlternateContent xmlns:mc="http://schemas.openxmlformats.org/markup-compatibility/2006">
-    <mc:Choice xmlns:p14="http://schemas.microsoft.com/office/powerpoint/2010/main" Requires="p14">
+  <mc:AlternateContent xmlns:mc="http://schemas.openxmlformats.org/markup-compatibility/2006" xmlns:p14="http://schemas.microsoft.com/office/powerpoint/2010/main">
+    <mc:Choice Requires="p14">
       <p:transition spd="med" p14:dur="700">
         <p:fade/>
       </p:transition>
     </mc:Choice>
-    <mc:Fallback>
+    <mc:Fallback xmlns="">
       <p:transition spd="med">
         <p:fade/>
       </p:transition>
@@ -7516,13 +7516,13 @@
   <p:clrMapOvr>
     <a:masterClrMapping/>
   </p:clrMapOvr>
-  <mc:AlternateContent xmlns:mc="http://schemas.openxmlformats.org/markup-compatibility/2006">
-    <mc:Choice xmlns:p14="http://schemas.microsoft.com/office/powerpoint/2010/main" Requires="p14">
+  <mc:AlternateContent xmlns:mc="http://schemas.openxmlformats.org/markup-compatibility/2006" xmlns:p14="http://schemas.microsoft.com/office/powerpoint/2010/main">
+    <mc:Choice Requires="p14">
       <p:transition spd="med" p14:dur="700">
         <p:fade/>
       </p:transition>
     </mc:Choice>
-    <mc:Fallback>
+    <mc:Fallback xmlns="">
       <p:transition spd="med">
         <p:fade/>
       </p:transition>
@@ -7553,7 +7553,7 @@
           <p:cNvPr id="5" name="Group 4">
             <a:extLst>
               <a:ext uri="{FF2B5EF4-FFF2-40B4-BE49-F238E27FC236}">
-                <a16:creationId xmlns="" xmlns:a16="http://schemas.microsoft.com/office/drawing/2014/main" id="{4DADA6C2-E637-F642-95E5-0309E3EB9F41}"/>
+                <a16:creationId xmlns:a16="http://schemas.microsoft.com/office/drawing/2014/main" xmlns="" id="{4DADA6C2-E637-F642-95E5-0309E3EB9F41}"/>
               </a:ext>
             </a:extLst>
           </p:cNvPr>
@@ -7573,7 +7573,7 @@
             <p:cNvPr id="17" name="箭號: 五邊形 12">
               <a:extLst>
                 <a:ext uri="{FF2B5EF4-FFF2-40B4-BE49-F238E27FC236}">
-                  <a16:creationId xmlns="" xmlns:a16="http://schemas.microsoft.com/office/drawing/2014/main" id="{C3424005-2947-5749-B94D-7EE01D59B97D}"/>
+                  <a16:creationId xmlns:a16="http://schemas.microsoft.com/office/drawing/2014/main" xmlns="" id="{C3424005-2947-5749-B94D-7EE01D59B97D}"/>
                 </a:ext>
               </a:extLst>
             </p:cNvPr>
@@ -7625,7 +7625,7 @@
             <p:cNvPr id="16" name="箭號: 五邊形 12">
               <a:extLst>
                 <a:ext uri="{FF2B5EF4-FFF2-40B4-BE49-F238E27FC236}">
-                  <a16:creationId xmlns="" xmlns:a16="http://schemas.microsoft.com/office/drawing/2014/main" id="{78B68587-E393-9C46-A4CA-137BCC2B13AD}"/>
+                  <a16:creationId xmlns:a16="http://schemas.microsoft.com/office/drawing/2014/main" xmlns="" id="{78B68587-E393-9C46-A4CA-137BCC2B13AD}"/>
                 </a:ext>
               </a:extLst>
             </p:cNvPr>
@@ -8093,7 +8093,7 @@
           <p:cNvPr id="18" name="內容版面配置區 2">
             <a:extLst>
               <a:ext uri="{FF2B5EF4-FFF2-40B4-BE49-F238E27FC236}">
-                <a16:creationId xmlns="" xmlns:a16="http://schemas.microsoft.com/office/drawing/2014/main" id="{BB9680E6-3D9F-FF42-BA19-F206A773FE60}"/>
+                <a16:creationId xmlns:a16="http://schemas.microsoft.com/office/drawing/2014/main" xmlns="" id="{BB9680E6-3D9F-FF42-BA19-F206A773FE60}"/>
               </a:ext>
             </a:extLst>
           </p:cNvPr>
@@ -8241,13 +8241,13 @@
   <p:clrMapOvr>
     <a:masterClrMapping/>
   </p:clrMapOvr>
-  <mc:AlternateContent xmlns:mc="http://schemas.openxmlformats.org/markup-compatibility/2006">
-    <mc:Choice xmlns:p14="http://schemas.microsoft.com/office/powerpoint/2010/main" Requires="p14">
+  <mc:AlternateContent xmlns:mc="http://schemas.openxmlformats.org/markup-compatibility/2006" xmlns:p14="http://schemas.microsoft.com/office/powerpoint/2010/main">
+    <mc:Choice Requires="p14">
       <p:transition spd="med" p14:dur="700">
         <p:fade/>
       </p:transition>
     </mc:Choice>
-    <mc:Fallback>
+    <mc:Fallback xmlns="">
       <p:transition spd="med">
         <p:fade/>
       </p:transition>
@@ -8278,7 +8278,7 @@
           <p:cNvPr id="15" name="Group 14">
             <a:extLst>
               <a:ext uri="{FF2B5EF4-FFF2-40B4-BE49-F238E27FC236}">
-                <a16:creationId xmlns="" xmlns:a16="http://schemas.microsoft.com/office/drawing/2014/main" id="{7108562A-19D8-3347-A5CB-8FD2094D2AC6}"/>
+                <a16:creationId xmlns:a16="http://schemas.microsoft.com/office/drawing/2014/main" xmlns="" id="{7108562A-19D8-3347-A5CB-8FD2094D2AC6}"/>
               </a:ext>
             </a:extLst>
           </p:cNvPr>
@@ -8298,7 +8298,7 @@
             <p:cNvPr id="16" name="箭號: 五邊形 12">
               <a:extLst>
                 <a:ext uri="{FF2B5EF4-FFF2-40B4-BE49-F238E27FC236}">
-                  <a16:creationId xmlns="" xmlns:a16="http://schemas.microsoft.com/office/drawing/2014/main" id="{0350FA7D-8512-F24E-9F36-7F4296D197F2}"/>
+                  <a16:creationId xmlns:a16="http://schemas.microsoft.com/office/drawing/2014/main" xmlns="" id="{0350FA7D-8512-F24E-9F36-7F4296D197F2}"/>
                 </a:ext>
               </a:extLst>
             </p:cNvPr>
@@ -8350,7 +8350,7 @@
             <p:cNvPr id="17" name="箭號: 五邊形 12">
               <a:extLst>
                 <a:ext uri="{FF2B5EF4-FFF2-40B4-BE49-F238E27FC236}">
-                  <a16:creationId xmlns="" xmlns:a16="http://schemas.microsoft.com/office/drawing/2014/main" id="{125DE2BA-1E8B-2447-AEBE-4BDB2873316E}"/>
+                  <a16:creationId xmlns:a16="http://schemas.microsoft.com/office/drawing/2014/main" xmlns="" id="{125DE2BA-1E8B-2447-AEBE-4BDB2873316E}"/>
                 </a:ext>
               </a:extLst>
             </p:cNvPr>
@@ -8409,7 +8409,7 @@
             <p:cNvPr id="18" name="箭號: 五邊形 12">
               <a:extLst>
                 <a:ext uri="{FF2B5EF4-FFF2-40B4-BE49-F238E27FC236}">
-                  <a16:creationId xmlns="" xmlns:a16="http://schemas.microsoft.com/office/drawing/2014/main" id="{467877CF-B77C-BE4F-8D6F-89063BBFC3DE}"/>
+                  <a16:creationId xmlns:a16="http://schemas.microsoft.com/office/drawing/2014/main" xmlns="" id="{467877CF-B77C-BE4F-8D6F-89063BBFC3DE}"/>
                 </a:ext>
               </a:extLst>
             </p:cNvPr>
@@ -8772,7 +8772,7 @@
           <p:cNvPr id="22" name="標題 1">
             <a:extLst>
               <a:ext uri="{FF2B5EF4-FFF2-40B4-BE49-F238E27FC236}">
-                <a16:creationId xmlns="" xmlns:a16="http://schemas.microsoft.com/office/drawing/2014/main" id="{6E193196-9107-784C-A964-C67153D060CB}"/>
+                <a16:creationId xmlns:a16="http://schemas.microsoft.com/office/drawing/2014/main" xmlns="" id="{6E193196-9107-784C-A964-C67153D060CB}"/>
               </a:ext>
             </a:extLst>
           </p:cNvPr>
@@ -8815,7 +8815,7 @@
           <p:cNvPr id="24" name="文字版面配置區 3">
             <a:extLst>
               <a:ext uri="{FF2B5EF4-FFF2-40B4-BE49-F238E27FC236}">
-                <a16:creationId xmlns="" xmlns:a16="http://schemas.microsoft.com/office/drawing/2014/main" id="{5922BEEB-F3AC-E443-B34D-CE264A982284}"/>
+                <a16:creationId xmlns:a16="http://schemas.microsoft.com/office/drawing/2014/main" xmlns="" id="{5922BEEB-F3AC-E443-B34D-CE264A982284}"/>
               </a:ext>
             </a:extLst>
           </p:cNvPr>
@@ -8905,13 +8905,13 @@
   <p:clrMapOvr>
     <a:masterClrMapping/>
   </p:clrMapOvr>
-  <mc:AlternateContent xmlns:mc="http://schemas.openxmlformats.org/markup-compatibility/2006">
-    <mc:Choice xmlns:p14="http://schemas.microsoft.com/office/powerpoint/2010/main" Requires="p14">
+  <mc:AlternateContent xmlns:mc="http://schemas.openxmlformats.org/markup-compatibility/2006" xmlns:p14="http://schemas.microsoft.com/office/powerpoint/2010/main">
+    <mc:Choice Requires="p14">
       <p:transition spd="med" p14:dur="700">
         <p:fade/>
       </p:transition>
     </mc:Choice>
-    <mc:Fallback>
+    <mc:Fallback xmlns="">
       <p:transition spd="med">
         <p:fade/>
       </p:transition>
@@ -8964,13 +8964,13 @@
     <p:sldLayoutId id="2147483671" r:id="rId11"/>
     <p:sldLayoutId id="2147483674" r:id="rId12"/>
   </p:sldLayoutIdLst>
-  <mc:AlternateContent xmlns:mc="http://schemas.openxmlformats.org/markup-compatibility/2006">
-    <mc:Choice xmlns:p14="http://schemas.microsoft.com/office/powerpoint/2010/main" Requires="p14">
+  <mc:AlternateContent xmlns:mc="http://schemas.openxmlformats.org/markup-compatibility/2006" xmlns:p14="http://schemas.microsoft.com/office/powerpoint/2010/main">
+    <mc:Choice Requires="p14">
       <p:transition spd="med" p14:dur="700">
         <p:fade/>
       </p:transition>
     </mc:Choice>
-    <mc:Fallback>
+    <mc:Fallback xmlns="">
       <p:transition spd="med">
         <p:fade/>
       </p:transition>
@@ -9476,13 +9476,13 @@
   <p:clrMapOvr>
     <a:masterClrMapping/>
   </p:clrMapOvr>
-  <mc:AlternateContent xmlns:mc="http://schemas.openxmlformats.org/markup-compatibility/2006">
-    <mc:Choice xmlns:p14="http://schemas.microsoft.com/office/powerpoint/2010/main" Requires="p14">
+  <mc:AlternateContent xmlns:mc="http://schemas.openxmlformats.org/markup-compatibility/2006" xmlns:p14="http://schemas.microsoft.com/office/powerpoint/2010/main">
+    <mc:Choice Requires="p14">
       <p:transition spd="med" p14:dur="700">
         <p:fade/>
       </p:transition>
     </mc:Choice>
-    <mc:Fallback>
+    <mc:Fallback xmlns="">
       <p:transition spd="med">
         <p:fade/>
       </p:transition>
@@ -9570,8 +9570,8 @@
           </a:p>
         </p:txBody>
       </p:sp>
-      <mc:AlternateContent xmlns:mc="http://schemas.openxmlformats.org/markup-compatibility/2006">
-        <mc:Choice xmlns:a14="http://schemas.microsoft.com/office/drawing/2010/main" Requires="a14">
+      <mc:AlternateContent xmlns:mc="http://schemas.openxmlformats.org/markup-compatibility/2006" xmlns:a14="http://schemas.microsoft.com/office/drawing/2010/main">
+        <mc:Choice Requires="a14">
           <p:sp>
             <p:nvSpPr>
               <p:cNvPr id="7" name="內容版面配置區 6"/>
@@ -9807,7 +9807,7 @@
             </p:txBody>
           </p:sp>
         </mc:Choice>
-        <mc:Fallback>
+        <mc:Fallback xmlns="">
           <p:sp>
             <p:nvSpPr>
               <p:cNvPr id="7" name="內容版面配置區 6"/>
@@ -9885,13 +9885,13 @@
   <p:clrMapOvr>
     <a:masterClrMapping/>
   </p:clrMapOvr>
-  <mc:AlternateContent xmlns:mc="http://schemas.openxmlformats.org/markup-compatibility/2006">
-    <mc:Choice xmlns:p14="http://schemas.microsoft.com/office/powerpoint/2010/main" Requires="p14">
+  <mc:AlternateContent xmlns:mc="http://schemas.openxmlformats.org/markup-compatibility/2006" xmlns:p14="http://schemas.microsoft.com/office/powerpoint/2010/main">
+    <mc:Choice Requires="p14">
       <p:transition spd="med" p14:dur="700">
         <p:fade/>
       </p:transition>
     </mc:Choice>
-    <mc:Fallback>
+    <mc:Fallback xmlns="">
       <p:transition spd="med">
         <p:fade/>
       </p:transition>
@@ -9945,15 +9945,7 @@
                 <a:ea typeface="Times New Roman" charset="0"/>
                 <a:cs typeface="Times New Roman" charset="0"/>
               </a:rPr>
-              <a:t>Isotropic </a:t>
-            </a:r>
-            <a:r>
-              <a:rPr kumimoji="1" lang="en-US" altLang="zh-TW" dirty="0" smtClean="0">
-                <a:latin typeface="Times New Roman" charset="0"/>
-                <a:ea typeface="Times New Roman" charset="0"/>
-                <a:cs typeface="Times New Roman" charset="0"/>
-              </a:rPr>
-              <a:t>Radiator</a:t>
+              <a:t>Isotropic Radiator</a:t>
             </a:r>
             <a:endParaRPr kumimoji="1" lang="zh-TW" altLang="en-US" dirty="0">
               <a:latin typeface="Times New Roman" charset="0"/>
@@ -10028,13 +10020,13 @@
   <p:clrMapOvr>
     <a:masterClrMapping/>
   </p:clrMapOvr>
-  <mc:AlternateContent xmlns:mc="http://schemas.openxmlformats.org/markup-compatibility/2006">
-    <mc:Choice xmlns:p14="http://schemas.microsoft.com/office/powerpoint/2010/main" Requires="p14">
+  <mc:AlternateContent xmlns:mc="http://schemas.openxmlformats.org/markup-compatibility/2006" xmlns:p14="http://schemas.microsoft.com/office/powerpoint/2010/main">
+    <mc:Choice Requires="p14">
       <p:transition spd="med" p14:dur="700">
         <p:fade/>
       </p:transition>
     </mc:Choice>
-    <mc:Fallback>
+    <mc:Fallback xmlns="">
       <p:transition spd="med">
         <p:fade/>
       </p:transition>
@@ -10221,8 +10213,8 @@
           </a:p>
         </p:txBody>
       </p:sp>
-      <mc:AlternateContent xmlns:mc="http://schemas.openxmlformats.org/markup-compatibility/2006">
-        <mc:Choice xmlns:a14="http://schemas.microsoft.com/office/drawing/2010/main" Requires="a14">
+      <mc:AlternateContent xmlns:mc="http://schemas.openxmlformats.org/markup-compatibility/2006" xmlns:a14="http://schemas.microsoft.com/office/drawing/2010/main">
+        <mc:Choice Requires="a14">
           <p:sp>
             <p:nvSpPr>
               <p:cNvPr id="3" name="內容版面配置區 2"/>
@@ -10633,7 +10625,7 @@
             </p:txBody>
           </p:sp>
         </mc:Choice>
-        <mc:Fallback>
+        <mc:Fallback xmlns="">
           <p:sp>
             <p:nvSpPr>
               <p:cNvPr id="3" name="內容版面配置區 2"/>
@@ -10672,8 +10664,8 @@
           </p:sp>
         </mc:Fallback>
       </mc:AlternateContent>
-      <mc:AlternateContent xmlns:mc="http://schemas.openxmlformats.org/markup-compatibility/2006">
-        <mc:Choice xmlns:a14="http://schemas.microsoft.com/office/drawing/2010/main" Requires="a14">
+      <mc:AlternateContent xmlns:mc="http://schemas.openxmlformats.org/markup-compatibility/2006" xmlns:a14="http://schemas.microsoft.com/office/drawing/2010/main">
+        <mc:Choice Requires="a14">
           <p:sp>
             <p:nvSpPr>
               <p:cNvPr id="4" name="矩形 3"/>
@@ -10695,6 +10687,7 @@
               </a:bodyPr>
               <a:lstStyle/>
               <a:p>
+                <a:pPr/>
                 <a14:m>
                   <m:oMathPara xmlns:m="http://schemas.openxmlformats.org/officeDocument/2006/math">
                     <m:oMathParaPr>
@@ -10902,7 +10895,7 @@
             </p:txBody>
           </p:sp>
         </mc:Choice>
-        <mc:Fallback>
+        <mc:Fallback xmlns="">
           <p:sp>
             <p:nvSpPr>
               <p:cNvPr id="4" name="矩形 3"/>
@@ -10984,13 +10977,13 @@
   <p:clrMapOvr>
     <a:masterClrMapping/>
   </p:clrMapOvr>
-  <mc:AlternateContent xmlns:mc="http://schemas.openxmlformats.org/markup-compatibility/2006">
-    <mc:Choice xmlns:p14="http://schemas.microsoft.com/office/powerpoint/2010/main" Requires="p14">
+  <mc:AlternateContent xmlns:mc="http://schemas.openxmlformats.org/markup-compatibility/2006" xmlns:p14="http://schemas.microsoft.com/office/powerpoint/2010/main">
+    <mc:Choice Requires="p14">
       <p:transition spd="med" p14:dur="700">
         <p:fade/>
       </p:transition>
     </mc:Choice>
-    <mc:Fallback>
+    <mc:Fallback xmlns="">
       <p:transition spd="med">
         <p:fade/>
       </p:transition>
@@ -11413,13 +11406,13 @@
   <p:clrMapOvr>
     <a:masterClrMapping/>
   </p:clrMapOvr>
-  <mc:AlternateContent xmlns:mc="http://schemas.openxmlformats.org/markup-compatibility/2006">
-    <mc:Choice xmlns:p14="http://schemas.microsoft.com/office/powerpoint/2010/main" Requires="p14">
+  <mc:AlternateContent xmlns:mc="http://schemas.openxmlformats.org/markup-compatibility/2006" xmlns:p14="http://schemas.microsoft.com/office/powerpoint/2010/main">
+    <mc:Choice Requires="p14">
       <p:transition spd="med" p14:dur="700">
         <p:fade/>
       </p:transition>
     </mc:Choice>
-    <mc:Fallback>
+    <mc:Fallback xmlns="">
       <p:transition spd="med">
         <p:fade/>
       </p:transition>
@@ -11615,13 +11608,13 @@
   <p:clrMapOvr>
     <a:masterClrMapping/>
   </p:clrMapOvr>
-  <mc:AlternateContent xmlns:mc="http://schemas.openxmlformats.org/markup-compatibility/2006">
-    <mc:Choice xmlns:p14="http://schemas.microsoft.com/office/powerpoint/2010/main" Requires="p14">
+  <mc:AlternateContent xmlns:mc="http://schemas.openxmlformats.org/markup-compatibility/2006" xmlns:p14="http://schemas.microsoft.com/office/powerpoint/2010/main">
+    <mc:Choice Requires="p14">
       <p:transition spd="med" p14:dur="700">
         <p:fade/>
       </p:transition>
     </mc:Choice>
-    <mc:Fallback>
+    <mc:Fallback xmlns="">
       <p:transition spd="med">
         <p:fade/>
       </p:transition>
@@ -11789,13 +11782,13 @@
   <p:clrMapOvr>
     <a:masterClrMapping/>
   </p:clrMapOvr>
-  <mc:AlternateContent xmlns:mc="http://schemas.openxmlformats.org/markup-compatibility/2006">
-    <mc:Choice xmlns:p14="http://schemas.microsoft.com/office/powerpoint/2010/main" Requires="p14">
+  <mc:AlternateContent xmlns:mc="http://schemas.openxmlformats.org/markup-compatibility/2006" xmlns:p14="http://schemas.microsoft.com/office/powerpoint/2010/main">
+    <mc:Choice Requires="p14">
       <p:transition spd="med" p14:dur="700">
         <p:fade/>
       </p:transition>
     </mc:Choice>
-    <mc:Fallback>
+    <mc:Fallback xmlns="">
       <p:transition spd="med">
         <p:fade/>
       </p:transition>
@@ -12218,13 +12211,13 @@
   <p:clrMapOvr>
     <a:masterClrMapping/>
   </p:clrMapOvr>
-  <mc:AlternateContent xmlns:mc="http://schemas.openxmlformats.org/markup-compatibility/2006">
-    <mc:Choice xmlns:p14="http://schemas.microsoft.com/office/powerpoint/2010/main" Requires="p14">
+  <mc:AlternateContent xmlns:mc="http://schemas.openxmlformats.org/markup-compatibility/2006" xmlns:p14="http://schemas.microsoft.com/office/powerpoint/2010/main">
+    <mc:Choice Requires="p14">
       <p:transition spd="med" p14:dur="700">
         <p:fade/>
       </p:transition>
     </mc:Choice>
-    <mc:Fallback>
+    <mc:Fallback xmlns="">
       <p:transition spd="med">
         <p:fade/>
       </p:transition>
@@ -12272,7 +12265,19 @@
           <a:bodyPr/>
           <a:lstStyle/>
           <a:p>
-            <a:endParaRPr kumimoji="1" lang="zh-TW" altLang="en-US"/>
+            <a:r>
+              <a:rPr kumimoji="1" lang="en-US" altLang="zh-TW" dirty="0" smtClean="0">
+                <a:latin typeface="Times New Roman" charset="0"/>
+                <a:ea typeface="Times New Roman" charset="0"/>
+                <a:cs typeface="Times New Roman" charset="0"/>
+              </a:rPr>
+              <a:t>Signal Representation</a:t>
+            </a:r>
+            <a:endParaRPr kumimoji="1" lang="zh-TW" altLang="en-US" dirty="0">
+              <a:latin typeface="Times New Roman" charset="0"/>
+              <a:ea typeface="Times New Roman" charset="0"/>
+              <a:cs typeface="Times New Roman" charset="0"/>
+            </a:endParaRPr>
           </a:p>
         </p:txBody>
       </p:sp>
@@ -12292,15 +12297,69 @@
           <a:lstStyle/>
           <a:p>
             <a:r>
-              <a:rPr kumimoji="1" lang="en-US" altLang="zh-TW" dirty="0" smtClean="0"/>
+              <a:rPr kumimoji="1" lang="en-US" altLang="zh-TW" sz="3600" dirty="0" smtClean="0">
+                <a:latin typeface="Times New Roman" charset="0"/>
+                <a:ea typeface="Times New Roman" charset="0"/>
+                <a:cs typeface="Times New Roman" charset="0"/>
+              </a:rPr>
               <a:t>General form</a:t>
             </a:r>
           </a:p>
           <a:p>
-            <a:endParaRPr kumimoji="1" lang="en-US" altLang="zh-TW" dirty="0"/>
-          </a:p>
-          <a:p>
-            <a:endParaRPr kumimoji="1" lang="en-US" altLang="zh-TW" dirty="0" smtClean="0"/>
+            <a:endParaRPr kumimoji="1" lang="en-US" altLang="zh-TW" sz="3600" dirty="0">
+              <a:latin typeface="Times New Roman" charset="0"/>
+              <a:ea typeface="Times New Roman" charset="0"/>
+              <a:cs typeface="Times New Roman" charset="0"/>
+            </a:endParaRPr>
+          </a:p>
+          <a:p>
+            <a:endParaRPr kumimoji="1" lang="en-US" altLang="zh-TW" sz="3600" dirty="0" smtClean="0">
+              <a:latin typeface="Times New Roman" charset="0"/>
+              <a:ea typeface="Times New Roman" charset="0"/>
+              <a:cs typeface="Times New Roman" charset="0"/>
+            </a:endParaRPr>
+          </a:p>
+          <a:p>
+            <a:endParaRPr kumimoji="1" lang="en-US" altLang="zh-TW" sz="3600" dirty="0" smtClean="0">
+              <a:latin typeface="Times New Roman" charset="0"/>
+              <a:ea typeface="Times New Roman" charset="0"/>
+              <a:cs typeface="Times New Roman" charset="0"/>
+            </a:endParaRPr>
+          </a:p>
+          <a:p>
+            <a:endParaRPr kumimoji="1" lang="en-US" altLang="zh-TW" sz="3600" dirty="0" smtClean="0">
+              <a:latin typeface="Times New Roman" charset="0"/>
+              <a:ea typeface="Times New Roman" charset="0"/>
+              <a:cs typeface="Times New Roman" charset="0"/>
+            </a:endParaRPr>
+          </a:p>
+          <a:p>
+            <a:r>
+              <a:rPr kumimoji="1" lang="en-US" altLang="zh-TW" sz="3600" dirty="0" smtClean="0">
+                <a:latin typeface="Times New Roman" charset="0"/>
+                <a:ea typeface="Times New Roman" charset="0"/>
+                <a:cs typeface="Times New Roman" charset="0"/>
+              </a:rPr>
+              <a:t>Called the canonical representation of a </a:t>
+            </a:r>
+          </a:p>
+          <a:p>
+            <a:pPr marL="11112" indent="0">
+              <a:buNone/>
+            </a:pPr>
+            <a:r>
+              <a:rPr kumimoji="1" lang="en-US" altLang="zh-TW" sz="3600" dirty="0" smtClean="0">
+                <a:latin typeface="Times New Roman" charset="0"/>
+                <a:ea typeface="Times New Roman" charset="0"/>
+                <a:cs typeface="Times New Roman" charset="0"/>
+              </a:rPr>
+              <a:t>    band-pass signal</a:t>
+            </a:r>
+            <a:endParaRPr kumimoji="1" lang="en-US" altLang="zh-TW" sz="3600" dirty="0">
+              <a:latin typeface="Times New Roman" charset="0"/>
+              <a:ea typeface="Times New Roman" charset="0"/>
+              <a:cs typeface="Times New Roman" charset="0"/>
+            </a:endParaRPr>
           </a:p>
         </p:txBody>
       </p:sp>
@@ -12336,8 +12395,8 @@
         </p:nvSpPr>
         <p:spPr>
           <a:xfrm>
-            <a:off x="3461538" y="3117024"/>
-            <a:ext cx="1444626" cy="430887"/>
+            <a:off x="1643881" y="3353525"/>
+            <a:ext cx="1832553" cy="523220"/>
           </a:xfrm>
           <a:prstGeom prst="rect">
             <a:avLst/>
@@ -12351,17 +12410,23 @@
           <a:lstStyle/>
           <a:p>
             <a:r>
-              <a:rPr lang="en-US" sz="2200" dirty="0" smtClean="0">
+              <a:rPr lang="en-US" sz="2800" b="1" dirty="0" smtClean="0">
                 <a:solidFill>
                   <a:schemeClr val="accent2"/>
                 </a:solidFill>
+                <a:latin typeface="Times New Roman" charset="0"/>
+                <a:ea typeface="Times New Roman" charset="0"/>
+                <a:cs typeface="Times New Roman" charset="0"/>
               </a:rPr>
               <a:t>amplitude </a:t>
             </a:r>
-            <a:endParaRPr lang="en-US" sz="2200" dirty="0">
+            <a:endParaRPr lang="en-US" sz="2200" b="1" dirty="0">
               <a:solidFill>
                 <a:schemeClr val="accent2"/>
               </a:solidFill>
+              <a:latin typeface="Times New Roman" charset="0"/>
+              <a:ea typeface="Times New Roman" charset="0"/>
+              <a:cs typeface="Times New Roman" charset="0"/>
             </a:endParaRPr>
           </a:p>
         </p:txBody>
@@ -12374,8 +12439,8 @@
         </p:nvSpPr>
         <p:spPr>
           <a:xfrm>
-            <a:off x="5271390" y="3106271"/>
-            <a:ext cx="1336776" cy="430887"/>
+            <a:off x="3928020" y="3353525"/>
+            <a:ext cx="1713867" cy="523220"/>
           </a:xfrm>
           <a:prstGeom prst="rect">
             <a:avLst/>
@@ -12389,17 +12454,23 @@
           <a:lstStyle/>
           <a:p>
             <a:r>
-              <a:rPr lang="en-US" sz="2200" dirty="0" smtClean="0">
+              <a:rPr lang="en-US" sz="2800" b="1" dirty="0" smtClean="0">
                 <a:solidFill>
                   <a:schemeClr val="accent2"/>
                 </a:solidFill>
+                <a:latin typeface="Times New Roman" charset="0"/>
+                <a:ea typeface="Times New Roman" charset="0"/>
+                <a:cs typeface="Times New Roman" charset="0"/>
               </a:rPr>
               <a:t>frequency</a:t>
             </a:r>
-            <a:endParaRPr lang="en-US" sz="2200" dirty="0">
+            <a:endParaRPr lang="en-US" sz="2800" b="1" dirty="0">
               <a:solidFill>
                 <a:schemeClr val="accent2"/>
               </a:solidFill>
+              <a:latin typeface="Times New Roman" charset="0"/>
+              <a:ea typeface="Times New Roman" charset="0"/>
+              <a:cs typeface="Times New Roman" charset="0"/>
             </a:endParaRPr>
           </a:p>
         </p:txBody>
@@ -12412,8 +12483,8 @@
         </p:nvSpPr>
         <p:spPr>
           <a:xfrm>
-            <a:off x="6984925" y="3111616"/>
-            <a:ext cx="865943" cy="430887"/>
+            <a:off x="7017508" y="3353525"/>
+            <a:ext cx="1063112" cy="523220"/>
           </a:xfrm>
           <a:prstGeom prst="rect">
             <a:avLst/>
@@ -12427,17 +12498,23 @@
           <a:lstStyle/>
           <a:p>
             <a:r>
-              <a:rPr lang="en-US" sz="2200" smtClean="0">
+              <a:rPr lang="en-US" sz="2800" b="1" dirty="0" smtClean="0">
                 <a:solidFill>
                   <a:schemeClr val="accent2"/>
                 </a:solidFill>
+                <a:latin typeface="Times New Roman" charset="0"/>
+                <a:ea typeface="Times New Roman" charset="0"/>
+                <a:cs typeface="Times New Roman" charset="0"/>
               </a:rPr>
               <a:t>phase</a:t>
             </a:r>
-            <a:endParaRPr lang="en-US" sz="2200">
+            <a:endParaRPr lang="en-US" sz="2200" b="1" dirty="0">
               <a:solidFill>
                 <a:schemeClr val="accent2"/>
               </a:solidFill>
+              <a:latin typeface="Times New Roman" charset="0"/>
+              <a:ea typeface="Times New Roman" charset="0"/>
+              <a:cs typeface="Times New Roman" charset="0"/>
             </a:endParaRPr>
           </a:p>
         </p:txBody>
@@ -12445,18 +12522,20 @@
       <p:cxnSp>
         <p:nvCxnSpPr>
           <p:cNvPr id="8" name="Straight Arrow Connector 16"/>
-          <p:cNvCxnSpPr/>
+          <p:cNvCxnSpPr>
+            <a:stCxn id="5" idx="0"/>
+          </p:cNvCxnSpPr>
           <p:nvPr/>
         </p:nvCxnSpPr>
         <p:spPr>
           <a:xfrm flipV="1">
-            <a:off x="4183851" y="2916890"/>
-            <a:ext cx="389089" cy="200134"/>
+            <a:off x="2560158" y="2862542"/>
+            <a:ext cx="1367862" cy="490983"/>
           </a:xfrm>
           <a:prstGeom prst="straightConnector1">
             <a:avLst/>
           </a:prstGeom>
-          <a:ln w="12700">
+          <a:ln w="76200">
             <a:solidFill>
               <a:schemeClr val="accent2"/>
             </a:solidFill>
@@ -12481,18 +12560,20 @@
       <p:cxnSp>
         <p:nvCxnSpPr>
           <p:cNvPr id="9" name="Straight Arrow Connector 18"/>
-          <p:cNvCxnSpPr/>
+          <p:cNvCxnSpPr>
+            <a:stCxn id="6" idx="0"/>
+          </p:cNvCxnSpPr>
           <p:nvPr/>
         </p:nvCxnSpPr>
         <p:spPr>
-          <a:xfrm flipH="1" flipV="1">
-            <a:off x="6026551" y="2916890"/>
-            <a:ext cx="152766" cy="304800"/>
+          <a:xfrm flipV="1">
+            <a:off x="4784954" y="2969226"/>
+            <a:ext cx="701446" cy="384299"/>
           </a:xfrm>
           <a:prstGeom prst="straightConnector1">
             <a:avLst/>
           </a:prstGeom>
-          <a:ln w="12700">
+          <a:ln w="76200">
             <a:solidFill>
               <a:schemeClr val="accent2"/>
             </a:solidFill>
@@ -12517,18 +12598,20 @@
       <p:cxnSp>
         <p:nvCxnSpPr>
           <p:cNvPr id="10" name="Straight Arrow Connector 21"/>
-          <p:cNvCxnSpPr/>
+          <p:cNvCxnSpPr>
+            <a:stCxn id="7" idx="0"/>
+          </p:cNvCxnSpPr>
           <p:nvPr/>
         </p:nvCxnSpPr>
         <p:spPr>
           <a:xfrm flipH="1" flipV="1">
-            <a:off x="7070519" y="2916890"/>
-            <a:ext cx="395627" cy="304799"/>
+            <a:off x="6862021" y="2969226"/>
+            <a:ext cx="687043" cy="384299"/>
           </a:xfrm>
           <a:prstGeom prst="straightConnector1">
             <a:avLst/>
           </a:prstGeom>
-          <a:ln w="12700">
+          <a:ln w="76200">
             <a:solidFill>
               <a:schemeClr val="accent2"/>
             </a:solidFill>
@@ -12566,14 +12649,418 @@
         </p:blipFill>
         <p:spPr>
           <a:xfrm>
-            <a:off x="3636132" y="2568548"/>
-            <a:ext cx="3632200" cy="317500"/>
+            <a:off x="2691817" y="2486003"/>
+            <a:ext cx="4576515" cy="400045"/>
           </a:xfrm>
           <a:prstGeom prst="rect">
             <a:avLst/>
           </a:prstGeom>
         </p:spPr>
       </p:pic>
+      <p:cxnSp>
+        <p:nvCxnSpPr>
+          <p:cNvPr id="25" name="直線箭頭接點 24"/>
+          <p:cNvCxnSpPr/>
+          <p:nvPr/>
+        </p:nvCxnSpPr>
+        <p:spPr>
+          <a:xfrm flipV="1">
+            <a:off x="7549064" y="6232845"/>
+            <a:ext cx="3889472" cy="78869"/>
+          </a:xfrm>
+          <a:prstGeom prst="straightConnector1">
+            <a:avLst/>
+          </a:prstGeom>
+          <a:ln w="38100">
+            <a:solidFill>
+              <a:schemeClr val="tx1">
+                <a:lumMod val="95000"/>
+                <a:lumOff val="5000"/>
+              </a:schemeClr>
+            </a:solidFill>
+            <a:tailEnd type="arrow" w="lg" len="med"/>
+          </a:ln>
+        </p:spPr>
+        <p:style>
+          <a:lnRef idx="1">
+            <a:schemeClr val="accent1"/>
+          </a:lnRef>
+          <a:fillRef idx="0">
+            <a:schemeClr val="accent1"/>
+          </a:fillRef>
+          <a:effectRef idx="0">
+            <a:schemeClr val="accent1"/>
+          </a:effectRef>
+          <a:fontRef idx="minor">
+            <a:schemeClr val="tx1"/>
+          </a:fontRef>
+        </p:style>
+      </p:cxnSp>
+      <p:cxnSp>
+        <p:nvCxnSpPr>
+          <p:cNvPr id="26" name="直線箭頭接點 25"/>
+          <p:cNvCxnSpPr/>
+          <p:nvPr/>
+        </p:nvCxnSpPr>
+        <p:spPr>
+          <a:xfrm flipH="1" flipV="1">
+            <a:off x="8373576" y="3511655"/>
+            <a:ext cx="40225" cy="3222577"/>
+          </a:xfrm>
+          <a:prstGeom prst="straightConnector1">
+            <a:avLst/>
+          </a:prstGeom>
+          <a:ln w="38100">
+            <a:solidFill>
+              <a:schemeClr val="tx1">
+                <a:lumMod val="95000"/>
+                <a:lumOff val="5000"/>
+              </a:schemeClr>
+            </a:solidFill>
+            <a:tailEnd type="arrow" w="lg" len="med"/>
+          </a:ln>
+        </p:spPr>
+        <p:style>
+          <a:lnRef idx="1">
+            <a:schemeClr val="accent1"/>
+          </a:lnRef>
+          <a:fillRef idx="0">
+            <a:schemeClr val="accent1"/>
+          </a:fillRef>
+          <a:effectRef idx="0">
+            <a:schemeClr val="accent1"/>
+          </a:effectRef>
+          <a:fontRef idx="minor">
+            <a:schemeClr val="tx1"/>
+          </a:fontRef>
+        </p:style>
+      </p:cxnSp>
+      <p:grpSp>
+        <p:nvGrpSpPr>
+          <p:cNvPr id="36" name="群組 35"/>
+          <p:cNvGrpSpPr/>
+          <p:nvPr/>
+        </p:nvGrpSpPr>
+        <p:grpSpPr>
+          <a:xfrm>
+            <a:off x="8395140" y="3925692"/>
+            <a:ext cx="2989795" cy="2365651"/>
+            <a:chOff x="8395140" y="3925692"/>
+            <a:chExt cx="2989795" cy="2365651"/>
+          </a:xfrm>
+        </p:grpSpPr>
+        <p:cxnSp>
+          <p:nvCxnSpPr>
+            <p:cNvPr id="29" name="直線箭頭接點 28"/>
+            <p:cNvCxnSpPr/>
+            <p:nvPr/>
+          </p:nvCxnSpPr>
+          <p:spPr>
+            <a:xfrm flipV="1">
+              <a:off x="8395140" y="4584615"/>
+              <a:ext cx="2428370" cy="1706728"/>
+            </a:xfrm>
+            <a:prstGeom prst="straightConnector1">
+              <a:avLst/>
+            </a:prstGeom>
+            <a:ln w="38100">
+              <a:solidFill>
+                <a:schemeClr val="tx1">
+                  <a:lumMod val="95000"/>
+                  <a:lumOff val="5000"/>
+                </a:schemeClr>
+              </a:solidFill>
+              <a:tailEnd type="arrow" w="lg" len="med"/>
+            </a:ln>
+          </p:spPr>
+          <p:style>
+            <a:lnRef idx="1">
+              <a:schemeClr val="accent1"/>
+            </a:lnRef>
+            <a:fillRef idx="0">
+              <a:schemeClr val="accent1"/>
+            </a:fillRef>
+            <a:effectRef idx="0">
+              <a:schemeClr val="accent1"/>
+            </a:effectRef>
+            <a:fontRef idx="minor">
+              <a:schemeClr val="tx1"/>
+            </a:fontRef>
+          </p:style>
+        </p:cxnSp>
+        <p:sp>
+          <p:nvSpPr>
+            <p:cNvPr id="32" name="文字方塊 31"/>
+            <p:cNvSpPr txBox="1"/>
+            <p:nvPr/>
+          </p:nvSpPr>
+          <p:spPr>
+            <a:xfrm>
+              <a:off x="10597983" y="3925692"/>
+              <a:ext cx="786952" cy="584775"/>
+            </a:xfrm>
+            <a:prstGeom prst="rect">
+              <a:avLst/>
+            </a:prstGeom>
+          </p:spPr>
+          <p:txBody>
+            <a:bodyPr vert="horz" wrap="square" lIns="91440" tIns="45720" rIns="91440" bIns="45720" rtlCol="0" anchor="ctr">
+              <a:spAutoFit/>
+            </a:bodyPr>
+            <a:lstStyle/>
+            <a:p>
+              <a:r>
+                <a:rPr kumimoji="1" lang="en-US" altLang="zh-TW" sz="3200" dirty="0">
+                  <a:solidFill>
+                    <a:schemeClr val="tx1">
+                      <a:lumMod val="65000"/>
+                      <a:lumOff val="35000"/>
+                    </a:schemeClr>
+                  </a:solidFill>
+                  <a:latin typeface="Times New Roman" charset="0"/>
+                  <a:ea typeface="Times New Roman" charset="0"/>
+                  <a:cs typeface="Times New Roman" charset="0"/>
+                </a:rPr>
+                <a:t>s</a:t>
+              </a:r>
+              <a:r>
+                <a:rPr kumimoji="1" lang="en-US" altLang="zh-TW" sz="3200" b="0" baseline="0" dirty="0" smtClean="0">
+                  <a:solidFill>
+                    <a:schemeClr val="tx1">
+                      <a:lumMod val="65000"/>
+                      <a:lumOff val="35000"/>
+                    </a:schemeClr>
+                  </a:solidFill>
+                  <a:latin typeface="Times New Roman" charset="0"/>
+                  <a:ea typeface="Times New Roman" charset="0"/>
+                  <a:cs typeface="Times New Roman" charset="0"/>
+                </a:rPr>
+                <a:t>(t)</a:t>
+              </a:r>
+              <a:endParaRPr kumimoji="1" lang="zh-TW" altLang="en-US" sz="3200" b="0" baseline="0" dirty="0">
+                <a:solidFill>
+                  <a:schemeClr val="tx1">
+                    <a:lumMod val="65000"/>
+                    <a:lumOff val="35000"/>
+                  </a:schemeClr>
+                </a:solidFill>
+                <a:latin typeface="Times New Roman" charset="0"/>
+                <a:ea typeface="Times New Roman" charset="0"/>
+                <a:cs typeface="Times New Roman" charset="0"/>
+              </a:endParaRPr>
+            </a:p>
+          </p:txBody>
+        </p:sp>
+      </p:grpSp>
+      <p:sp>
+        <p:nvSpPr>
+          <p:cNvPr id="34" name="文字方塊 33"/>
+          <p:cNvSpPr txBox="1"/>
+          <p:nvPr/>
+        </p:nvSpPr>
+        <p:spPr>
+          <a:xfrm>
+            <a:off x="8001664" y="2925170"/>
+            <a:ext cx="786952" cy="584775"/>
+          </a:xfrm>
+          <a:prstGeom prst="rect">
+            <a:avLst/>
+          </a:prstGeom>
+        </p:spPr>
+        <p:txBody>
+          <a:bodyPr vert="horz" wrap="square" lIns="91440" tIns="45720" rIns="91440" bIns="45720" rtlCol="0" anchor="ctr">
+            <a:spAutoFit/>
+          </a:bodyPr>
+          <a:lstStyle/>
+          <a:p>
+            <a:pPr algn="ctr"/>
+            <a:r>
+              <a:rPr kumimoji="1" lang="en-US" altLang="zh-TW" sz="3200" smtClean="0">
+                <a:solidFill>
+                  <a:schemeClr val="tx1">
+                    <a:lumMod val="65000"/>
+                    <a:lumOff val="35000"/>
+                  </a:schemeClr>
+                </a:solidFill>
+                <a:latin typeface="Times New Roman" charset="0"/>
+                <a:ea typeface="Times New Roman" charset="0"/>
+                <a:cs typeface="Times New Roman" charset="0"/>
+              </a:rPr>
+              <a:t>Q</a:t>
+            </a:r>
+            <a:endParaRPr kumimoji="1" lang="zh-TW" altLang="en-US" sz="3200" b="0" baseline="0" dirty="0">
+              <a:solidFill>
+                <a:schemeClr val="tx1">
+                  <a:lumMod val="65000"/>
+                  <a:lumOff val="35000"/>
+                </a:schemeClr>
+              </a:solidFill>
+              <a:latin typeface="Times New Roman" charset="0"/>
+              <a:ea typeface="Times New Roman" charset="0"/>
+              <a:cs typeface="Times New Roman" charset="0"/>
+            </a:endParaRPr>
+          </a:p>
+        </p:txBody>
+      </p:sp>
+      <p:sp>
+        <p:nvSpPr>
+          <p:cNvPr id="35" name="文字方塊 34"/>
+          <p:cNvSpPr txBox="1"/>
+          <p:nvPr/>
+        </p:nvSpPr>
+        <p:spPr>
+          <a:xfrm>
+            <a:off x="11278740" y="5900876"/>
+            <a:ext cx="786952" cy="584775"/>
+          </a:xfrm>
+          <a:prstGeom prst="rect">
+            <a:avLst/>
+          </a:prstGeom>
+        </p:spPr>
+        <p:txBody>
+          <a:bodyPr vert="horz" wrap="square" lIns="91440" tIns="45720" rIns="91440" bIns="45720" rtlCol="0" anchor="ctr">
+            <a:spAutoFit/>
+          </a:bodyPr>
+          <a:lstStyle/>
+          <a:p>
+            <a:pPr algn="ctr"/>
+            <a:r>
+              <a:rPr kumimoji="1" lang="en-US" altLang="zh-TW" sz="3200" dirty="0">
+                <a:solidFill>
+                  <a:schemeClr val="tx1">
+                    <a:lumMod val="65000"/>
+                    <a:lumOff val="35000"/>
+                  </a:schemeClr>
+                </a:solidFill>
+                <a:latin typeface="Times New Roman" charset="0"/>
+                <a:ea typeface="Times New Roman" charset="0"/>
+                <a:cs typeface="Times New Roman" charset="0"/>
+              </a:rPr>
+              <a:t>I</a:t>
+            </a:r>
+            <a:endParaRPr kumimoji="1" lang="zh-TW" altLang="en-US" sz="3200" b="0" baseline="0" dirty="0">
+              <a:solidFill>
+                <a:schemeClr val="tx1">
+                  <a:lumMod val="65000"/>
+                  <a:lumOff val="35000"/>
+                </a:schemeClr>
+              </a:solidFill>
+              <a:latin typeface="Times New Roman" charset="0"/>
+              <a:ea typeface="Times New Roman" charset="0"/>
+              <a:cs typeface="Times New Roman" charset="0"/>
+            </a:endParaRPr>
+          </a:p>
+        </p:txBody>
+      </p:sp>
+      <p:grpSp>
+        <p:nvGrpSpPr>
+          <p:cNvPr id="39" name="群組 38"/>
+          <p:cNvGrpSpPr/>
+          <p:nvPr/>
+        </p:nvGrpSpPr>
+        <p:grpSpPr>
+          <a:xfrm>
+            <a:off x="8413801" y="4584615"/>
+            <a:ext cx="2409709" cy="1687664"/>
+            <a:chOff x="8413801" y="4584615"/>
+            <a:chExt cx="2409709" cy="1687664"/>
+          </a:xfrm>
+        </p:grpSpPr>
+        <p:sp>
+          <p:nvSpPr>
+            <p:cNvPr id="33" name="文字方塊 32"/>
+            <p:cNvSpPr txBox="1"/>
+            <p:nvPr/>
+          </p:nvSpPr>
+          <p:spPr>
+            <a:xfrm>
+              <a:off x="9081663" y="4734399"/>
+              <a:ext cx="786952" cy="584775"/>
+            </a:xfrm>
+            <a:prstGeom prst="rect">
+              <a:avLst/>
+            </a:prstGeom>
+          </p:spPr>
+          <p:txBody>
+            <a:bodyPr vert="horz" wrap="square" lIns="91440" tIns="45720" rIns="91440" bIns="45720" rtlCol="0" anchor="ctr">
+              <a:spAutoFit/>
+            </a:bodyPr>
+            <a:lstStyle/>
+            <a:p>
+              <a:r>
+                <a:rPr kumimoji="1" lang="en-US" altLang="zh-TW" sz="3200" dirty="0" smtClean="0">
+                  <a:solidFill>
+                    <a:schemeClr val="tx1">
+                      <a:lumMod val="65000"/>
+                      <a:lumOff val="35000"/>
+                    </a:schemeClr>
+                  </a:solidFill>
+                  <a:latin typeface="Times New Roman" charset="0"/>
+                  <a:ea typeface="Times New Roman" charset="0"/>
+                  <a:cs typeface="Times New Roman" charset="0"/>
+                </a:rPr>
+                <a:t>a</a:t>
+              </a:r>
+              <a:r>
+                <a:rPr kumimoji="1" lang="en-US" altLang="zh-TW" sz="3200" b="0" baseline="0" dirty="0" smtClean="0">
+                  <a:solidFill>
+                    <a:schemeClr val="tx1">
+                      <a:lumMod val="65000"/>
+                      <a:lumOff val="35000"/>
+                    </a:schemeClr>
+                  </a:solidFill>
+                  <a:latin typeface="Times New Roman" charset="0"/>
+                  <a:ea typeface="Times New Roman" charset="0"/>
+                  <a:cs typeface="Times New Roman" charset="0"/>
+                </a:rPr>
+                <a:t>(t)</a:t>
+              </a:r>
+              <a:endParaRPr kumimoji="1" lang="zh-TW" altLang="en-US" sz="3200" b="0" baseline="0" dirty="0">
+                <a:solidFill>
+                  <a:schemeClr val="tx1">
+                    <a:lumMod val="65000"/>
+                    <a:lumOff val="35000"/>
+                  </a:schemeClr>
+                </a:solidFill>
+                <a:latin typeface="Times New Roman" charset="0"/>
+                <a:ea typeface="Times New Roman" charset="0"/>
+                <a:cs typeface="Times New Roman" charset="0"/>
+              </a:endParaRPr>
+            </a:p>
+          </p:txBody>
+        </p:sp>
+        <p:cxnSp>
+          <p:nvCxnSpPr>
+            <p:cNvPr id="38" name="直線接點 37"/>
+            <p:cNvCxnSpPr/>
+            <p:nvPr/>
+          </p:nvCxnSpPr>
+          <p:spPr>
+            <a:xfrm flipV="1">
+              <a:off x="8413801" y="4584615"/>
+              <a:ext cx="2409709" cy="1687664"/>
+            </a:xfrm>
+            <a:prstGeom prst="line">
+              <a:avLst/>
+            </a:prstGeom>
+            <a:ln w="38100"/>
+          </p:spPr>
+          <p:style>
+            <a:lnRef idx="1">
+              <a:schemeClr val="accent1"/>
+            </a:lnRef>
+            <a:fillRef idx="0">
+              <a:schemeClr val="accent1"/>
+            </a:fillRef>
+            <a:effectRef idx="0">
+              <a:schemeClr val="accent1"/>
+            </a:effectRef>
+            <a:fontRef idx="minor">
+              <a:schemeClr val="tx1"/>
+            </a:fontRef>
+          </p:style>
+        </p:cxnSp>
+      </p:grpSp>
     </p:spTree>
     <p:extLst>
       <p:ext uri="{BB962C8B-B14F-4D97-AF65-F5344CB8AC3E}">
@@ -12584,18 +13071,242 @@
   <p:clrMapOvr>
     <a:masterClrMapping/>
   </p:clrMapOvr>
-  <mc:AlternateContent xmlns:mc="http://schemas.openxmlformats.org/markup-compatibility/2006">
-    <mc:Choice xmlns:p14="http://schemas.microsoft.com/office/powerpoint/2010/main" Requires="p14">
+  <mc:AlternateContent xmlns:mc="http://schemas.openxmlformats.org/markup-compatibility/2006" xmlns:p14="http://schemas.microsoft.com/office/powerpoint/2010/main">
+    <mc:Choice Requires="p14">
       <p:transition spd="med" p14:dur="700">
         <p:fade/>
       </p:transition>
     </mc:Choice>
-    <mc:Fallback>
+    <mc:Fallback xmlns="">
       <p:transition spd="med">
         <p:fade/>
       </p:transition>
     </mc:Fallback>
   </mc:AlternateContent>
+  <p:timing>
+    <p:tnLst>
+      <p:par>
+        <p:cTn id="1" dur="indefinite" restart="never" nodeType="tmRoot">
+          <p:childTnLst>
+            <p:seq concurrent="1" nextAc="seek">
+              <p:cTn id="2" dur="indefinite" nodeType="mainSeq">
+                <p:childTnLst>
+                  <p:par>
+                    <p:cTn id="3" fill="hold">
+                      <p:stCondLst>
+                        <p:cond delay="indefinite"/>
+                      </p:stCondLst>
+                      <p:childTnLst>
+                        <p:par>
+                          <p:cTn id="4" fill="hold">
+                            <p:stCondLst>
+                              <p:cond delay="0"/>
+                            </p:stCondLst>
+                            <p:childTnLst>
+                              <p:par>
+                                <p:cTn id="5" presetID="10" presetClass="entr" presetSubtype="0" fill="hold" nodeType="clickEffect">
+                                  <p:stCondLst>
+                                    <p:cond delay="0"/>
+                                  </p:stCondLst>
+                                  <p:childTnLst>
+                                    <p:set>
+                                      <p:cBhvr>
+                                        <p:cTn id="6" dur="1" fill="hold">
+                                          <p:stCondLst>
+                                            <p:cond delay="0"/>
+                                          </p:stCondLst>
+                                        </p:cTn>
+                                        <p:tgtEl>
+                                          <p:spTgt spid="36"/>
+                                        </p:tgtEl>
+                                        <p:attrNameLst>
+                                          <p:attrName>style.visibility</p:attrName>
+                                        </p:attrNameLst>
+                                      </p:cBhvr>
+                                      <p:to>
+                                        <p:strVal val="visible"/>
+                                      </p:to>
+                                    </p:set>
+                                    <p:animEffect transition="in" filter="fade">
+                                      <p:cBhvr>
+                                        <p:cTn id="7" dur="500"/>
+                                        <p:tgtEl>
+                                          <p:spTgt spid="36"/>
+                                        </p:tgtEl>
+                                      </p:cBhvr>
+                                    </p:animEffect>
+                                  </p:childTnLst>
+                                </p:cTn>
+                              </p:par>
+                            </p:childTnLst>
+                          </p:cTn>
+                        </p:par>
+                      </p:childTnLst>
+                    </p:cTn>
+                  </p:par>
+                  <p:par>
+                    <p:cTn id="8" fill="hold">
+                      <p:stCondLst>
+                        <p:cond delay="indefinite"/>
+                      </p:stCondLst>
+                      <p:childTnLst>
+                        <p:par>
+                          <p:cTn id="9" fill="hold">
+                            <p:stCondLst>
+                              <p:cond delay="0"/>
+                            </p:stCondLst>
+                            <p:childTnLst>
+                              <p:par>
+                                <p:cTn id="10" presetID="10" presetClass="entr" presetSubtype="0" fill="hold" nodeType="clickEffect">
+                                  <p:stCondLst>
+                                    <p:cond delay="0"/>
+                                  </p:stCondLst>
+                                  <p:childTnLst>
+                                    <p:set>
+                                      <p:cBhvr>
+                                        <p:cTn id="11" dur="1" fill="hold">
+                                          <p:stCondLst>
+                                            <p:cond delay="0"/>
+                                          </p:stCondLst>
+                                        </p:cTn>
+                                        <p:tgtEl>
+                                          <p:spTgt spid="39"/>
+                                        </p:tgtEl>
+                                        <p:attrNameLst>
+                                          <p:attrName>style.visibility</p:attrName>
+                                        </p:attrNameLst>
+                                      </p:cBhvr>
+                                      <p:to>
+                                        <p:strVal val="visible"/>
+                                      </p:to>
+                                    </p:set>
+                                    <p:animEffect transition="in" filter="fade">
+                                      <p:cBhvr>
+                                        <p:cTn id="12" dur="500"/>
+                                        <p:tgtEl>
+                                          <p:spTgt spid="39"/>
+                                        </p:tgtEl>
+                                      </p:cBhvr>
+                                    </p:animEffect>
+                                  </p:childTnLst>
+                                </p:cTn>
+                              </p:par>
+                              <p:par>
+                                <p:cTn id="13" presetID="10" presetClass="exit" presetSubtype="0" fill="hold" nodeType="withEffect">
+                                  <p:stCondLst>
+                                    <p:cond delay="0"/>
+                                  </p:stCondLst>
+                                  <p:childTnLst>
+                                    <p:animEffect transition="out" filter="fade">
+                                      <p:cBhvr>
+                                        <p:cTn id="14" dur="500"/>
+                                        <p:tgtEl>
+                                          <p:spTgt spid="36"/>
+                                        </p:tgtEl>
+                                      </p:cBhvr>
+                                    </p:animEffect>
+                                    <p:set>
+                                      <p:cBhvr>
+                                        <p:cTn id="15" dur="1" fill="hold">
+                                          <p:stCondLst>
+                                            <p:cond delay="499"/>
+                                          </p:stCondLst>
+                                        </p:cTn>
+                                        <p:tgtEl>
+                                          <p:spTgt spid="36"/>
+                                        </p:tgtEl>
+                                        <p:attrNameLst>
+                                          <p:attrName>style.visibility</p:attrName>
+                                        </p:attrNameLst>
+                                      </p:cBhvr>
+                                      <p:to>
+                                        <p:strVal val="hidden"/>
+                                      </p:to>
+                                    </p:set>
+                                  </p:childTnLst>
+                                </p:cTn>
+                              </p:par>
+                            </p:childTnLst>
+                          </p:cTn>
+                        </p:par>
+                      </p:childTnLst>
+                    </p:cTn>
+                  </p:par>
+                  <p:par>
+                    <p:cTn id="16" fill="hold">
+                      <p:stCondLst>
+                        <p:cond delay="indefinite"/>
+                      </p:stCondLst>
+                      <p:childTnLst>
+                        <p:par>
+                          <p:cTn id="17" fill="hold">
+                            <p:stCondLst>
+                              <p:cond delay="0"/>
+                            </p:stCondLst>
+                            <p:childTnLst>
+                              <p:par>
+                                <p:cTn id="18" presetID="10" presetClass="entr" presetSubtype="0" fill="hold" nodeType="clickEffect">
+                                  <p:stCondLst>
+                                    <p:cond delay="0"/>
+                                  </p:stCondLst>
+                                  <p:childTnLst>
+                                    <p:set>
+                                      <p:cBhvr>
+                                        <p:cTn id="19" dur="1" fill="hold">
+                                          <p:stCondLst>
+                                            <p:cond delay="0"/>
+                                          </p:stCondLst>
+                                        </p:cTn>
+                                        <p:tgtEl>
+                                          <p:spTgt spid="36"/>
+                                        </p:tgtEl>
+                                        <p:attrNameLst>
+                                          <p:attrName>style.visibility</p:attrName>
+                                        </p:attrNameLst>
+                                      </p:cBhvr>
+                                      <p:to>
+                                        <p:strVal val="visible"/>
+                                      </p:to>
+                                    </p:set>
+                                    <p:animEffect transition="in" filter="fade">
+                                      <p:cBhvr>
+                                        <p:cTn id="20" dur="500"/>
+                                        <p:tgtEl>
+                                          <p:spTgt spid="36"/>
+                                        </p:tgtEl>
+                                      </p:cBhvr>
+                                    </p:animEffect>
+                                  </p:childTnLst>
+                                </p:cTn>
+                              </p:par>
+                            </p:childTnLst>
+                          </p:cTn>
+                        </p:par>
+                      </p:childTnLst>
+                    </p:cTn>
+                  </p:par>
+                </p:childTnLst>
+              </p:cTn>
+              <p:prevCondLst>
+                <p:cond evt="onPrev" delay="0">
+                  <p:tgtEl>
+                    <p:sldTgt/>
+                  </p:tgtEl>
+                </p:cond>
+              </p:prevCondLst>
+              <p:nextCondLst>
+                <p:cond evt="onNext" delay="0">
+                  <p:tgtEl>
+                    <p:sldTgt/>
+                  </p:tgtEl>
+                </p:cond>
+              </p:nextCondLst>
+            </p:seq>
+          </p:childTnLst>
+        </p:cTn>
+      </p:par>
+    </p:tnLst>
+  </p:timing>
 </p:sld>
 </file>
 
@@ -13017,13 +13728,13 @@
   <p:clrMapOvr>
     <a:masterClrMapping/>
   </p:clrMapOvr>
-  <mc:AlternateContent xmlns:mc="http://schemas.openxmlformats.org/markup-compatibility/2006">
-    <mc:Choice xmlns:p14="http://schemas.microsoft.com/office/powerpoint/2010/main" Requires="p14">
+  <mc:AlternateContent xmlns:mc="http://schemas.openxmlformats.org/markup-compatibility/2006" xmlns:p14="http://schemas.microsoft.com/office/powerpoint/2010/main">
+    <mc:Choice Requires="p14">
       <p:transition spd="med" p14:dur="700">
         <p:fade/>
       </p:transition>
     </mc:Choice>
-    <mc:Fallback>
+    <mc:Fallback xmlns="">
       <p:transition spd="med">
         <p:fade/>
       </p:transition>
@@ -13265,13 +13976,13 @@
   <p:clrMapOvr>
     <a:masterClrMapping/>
   </p:clrMapOvr>
-  <mc:AlternateContent xmlns:mc="http://schemas.openxmlformats.org/markup-compatibility/2006">
-    <mc:Choice xmlns:p14="http://schemas.microsoft.com/office/powerpoint/2010/main" Requires="p14">
+  <mc:AlternateContent xmlns:mc="http://schemas.openxmlformats.org/markup-compatibility/2006" xmlns:p14="http://schemas.microsoft.com/office/powerpoint/2010/main">
+    <mc:Choice Requires="p14">
       <p:transition spd="med" p14:dur="700">
         <p:fade/>
       </p:transition>
     </mc:Choice>
-    <mc:Fallback>
+    <mc:Fallback xmlns="">
       <p:transition spd="med">
         <p:fade/>
       </p:transition>
@@ -13373,8 +14084,8 @@
           </a:p>
         </p:txBody>
       </p:sp>
-      <mc:AlternateContent xmlns:mc="http://schemas.openxmlformats.org/markup-compatibility/2006">
-        <mc:Choice xmlns:a14="http://schemas.microsoft.com/office/drawing/2010/main" Requires="a14">
+      <mc:AlternateContent xmlns:mc="http://schemas.openxmlformats.org/markup-compatibility/2006" xmlns:a14="http://schemas.microsoft.com/office/drawing/2010/main">
+        <mc:Choice Requires="a14">
           <p:sp>
             <p:nvSpPr>
               <p:cNvPr id="3" name="內容版面配置區 2"/>
@@ -13620,7 +14331,7 @@
             </p:txBody>
           </p:sp>
         </mc:Choice>
-        <mc:Fallback>
+        <mc:Fallback xmlns="">
           <p:sp>
             <p:nvSpPr>
               <p:cNvPr id="3" name="內容版面配置區 2"/>
@@ -13682,8 +14393,8 @@
           </a:p>
         </p:txBody>
       </p:sp>
-      <mc:AlternateContent xmlns:mc="http://schemas.openxmlformats.org/markup-compatibility/2006">
-        <mc:Choice xmlns:a14="http://schemas.microsoft.com/office/drawing/2010/main" Requires="a14">
+      <mc:AlternateContent xmlns:mc="http://schemas.openxmlformats.org/markup-compatibility/2006" xmlns:a14="http://schemas.microsoft.com/office/drawing/2010/main">
+        <mc:Choice Requires="a14">
           <p:sp>
             <p:nvSpPr>
               <p:cNvPr id="6" name="矩形 5"/>
@@ -13993,7 +14704,7 @@
             </p:txBody>
           </p:sp>
         </mc:Choice>
-        <mc:Fallback>
+        <mc:Fallback xmlns="">
           <p:sp>
             <p:nvSpPr>
               <p:cNvPr id="6" name="矩形 5"/>
@@ -14042,13 +14753,13 @@
   <p:clrMapOvr>
     <a:masterClrMapping/>
   </p:clrMapOvr>
-  <mc:AlternateContent xmlns:mc="http://schemas.openxmlformats.org/markup-compatibility/2006">
-    <mc:Choice xmlns:p14="http://schemas.microsoft.com/office/powerpoint/2010/main" Requires="p14">
+  <mc:AlternateContent xmlns:mc="http://schemas.openxmlformats.org/markup-compatibility/2006" xmlns:p14="http://schemas.microsoft.com/office/powerpoint/2010/main">
+    <mc:Choice Requires="p14">
       <p:transition spd="med" p14:dur="700">
         <p:fade/>
       </p:transition>
     </mc:Choice>
-    <mc:Fallback>
+    <mc:Fallback xmlns="">
       <p:transition spd="med">
         <p:fade/>
       </p:transition>
@@ -14477,13 +15188,13 @@
   <p:clrMapOvr>
     <a:masterClrMapping/>
   </p:clrMapOvr>
-  <mc:AlternateContent xmlns:mc="http://schemas.openxmlformats.org/markup-compatibility/2006">
-    <mc:Choice xmlns:p14="http://schemas.microsoft.com/office/powerpoint/2010/main" Requires="p14">
+  <mc:AlternateContent xmlns:mc="http://schemas.openxmlformats.org/markup-compatibility/2006" xmlns:p14="http://schemas.microsoft.com/office/powerpoint/2010/main">
+    <mc:Choice Requires="p14">
       <p:transition spd="med" p14:dur="700">
         <p:fade/>
       </p:transition>
     </mc:Choice>
-    <mc:Fallback>
+    <mc:Fallback xmlns="">
       <p:transition spd="med">
         <p:fade/>
       </p:transition>
@@ -14571,8 +15282,8 @@
           </a:p>
         </p:txBody>
       </p:sp>
-      <mc:AlternateContent xmlns:mc="http://schemas.openxmlformats.org/markup-compatibility/2006">
-        <mc:Choice xmlns:a14="http://schemas.microsoft.com/office/drawing/2010/main" Requires="a14">
+      <mc:AlternateContent xmlns:mc="http://schemas.openxmlformats.org/markup-compatibility/2006" xmlns:a14="http://schemas.microsoft.com/office/drawing/2010/main">
+        <mc:Choice Requires="a14">
           <p:sp>
             <p:nvSpPr>
               <p:cNvPr id="7" name="內容版面配置區 6"/>
@@ -15068,7 +15779,7 @@
             </p:txBody>
           </p:sp>
         </mc:Choice>
-        <mc:Fallback>
+        <mc:Fallback xmlns="">
           <p:sp>
             <p:nvSpPr>
               <p:cNvPr id="7" name="內容版面配置區 6"/>
@@ -15116,13 +15827,13 @@
   <p:clrMapOvr>
     <a:masterClrMapping/>
   </p:clrMapOvr>
-  <mc:AlternateContent xmlns:mc="http://schemas.openxmlformats.org/markup-compatibility/2006">
-    <mc:Choice xmlns:p14="http://schemas.microsoft.com/office/powerpoint/2010/main" Requires="p14">
+  <mc:AlternateContent xmlns:mc="http://schemas.openxmlformats.org/markup-compatibility/2006" xmlns:p14="http://schemas.microsoft.com/office/powerpoint/2010/main">
+    <mc:Choice Requires="p14">
       <p:transition spd="med" p14:dur="700">
         <p:fade/>
       </p:transition>
     </mc:Choice>
-    <mc:Fallback>
+    <mc:Fallback xmlns="">
       <p:transition spd="med">
         <p:fade/>
       </p:transition>

--- a/Freshman_Training.pptx
+++ b/Freshman_Training.pptx
@@ -13061,6 +13061,75 @@
           </p:style>
         </p:cxnSp>
       </p:grpSp>
+      <p:sp>
+        <p:nvSpPr>
+          <p:cNvPr id="15" name="弧線 14"/>
+          <p:cNvSpPr/>
+          <p:nvPr/>
+        </p:nvSpPr>
+        <p:spPr>
+          <a:xfrm>
+            <a:off x="8895053" y="5766318"/>
+            <a:ext cx="528868" cy="967914"/>
+          </a:xfrm>
+          <a:prstGeom prst="arc">
+            <a:avLst/>
+          </a:prstGeom>
+          <a:ln w="38100"/>
+        </p:spPr>
+        <p:style>
+          <a:lnRef idx="1">
+            <a:schemeClr val="accent1"/>
+          </a:lnRef>
+          <a:fillRef idx="0">
+            <a:schemeClr val="accent1"/>
+          </a:fillRef>
+          <a:effectRef idx="0">
+            <a:schemeClr val="accent1"/>
+          </a:effectRef>
+          <a:fontRef idx="minor">
+            <a:schemeClr val="tx1"/>
+          </a:fontRef>
+        </p:style>
+        <p:txBody>
+          <a:bodyPr rtlCol="0" anchor="ctr"/>
+          <a:lstStyle/>
+          <a:p>
+            <a:pPr algn="ctr"/>
+            <a:endParaRPr kumimoji="1" lang="zh-TW" altLang="en-US"/>
+          </a:p>
+        </p:txBody>
+      </p:sp>
+      <p:pic>
+        <p:nvPicPr>
+          <p:cNvPr id="16" name="圖片 15"/>
+          <p:cNvPicPr>
+            <a:picLocks noChangeAspect="1"/>
+          </p:cNvPicPr>
+          <p:nvPr/>
+        </p:nvPicPr>
+        <p:blipFill>
+          <a:blip r:embed="rId3">
+            <a:extLst>
+              <a:ext uri="{28A0092B-C50C-407E-A947-70E740481C1C}">
+                <a14:useLocalDpi xmlns:a14="http://schemas.microsoft.com/office/drawing/2010/main" val="0"/>
+              </a:ext>
+            </a:extLst>
+          </a:blip>
+          <a:stretch>
+            <a:fillRect/>
+          </a:stretch>
+        </p:blipFill>
+        <p:spPr>
+          <a:xfrm>
+            <a:off x="9518139" y="5640073"/>
+            <a:ext cx="2110318" cy="456285"/>
+          </a:xfrm>
+          <a:prstGeom prst="rect">
+            <a:avLst/>
+          </a:prstGeom>
+        </p:spPr>
+      </p:pic>
     </p:spTree>
     <p:extLst>
       <p:ext uri="{BB962C8B-B14F-4D97-AF65-F5344CB8AC3E}">

--- a/Freshman_Training.pptx
+++ b/Freshman_Training.pptx
@@ -248,7 +248,7 @@
           <a:p>
             <a:fld id="{D417A10C-87C9-49E5-AE05-110105D8C539}" type="datetimeFigureOut">
               <a:rPr lang="zh-TW" altLang="en-US" smtClean="0"/>
-              <a:t>2018/7/3</a:t>
+              <a:t>2018/7/4</a:t>
             </a:fld>
             <a:endParaRPr lang="zh-TW" altLang="en-US"/>
           </a:p>
@@ -1304,7 +1304,7 @@
           <p:cNvPr id="20" name="Group 19">
             <a:extLst>
               <a:ext uri="{FF2B5EF4-FFF2-40B4-BE49-F238E27FC236}">
-                <a16:creationId xmlns:a16="http://schemas.microsoft.com/office/drawing/2014/main" xmlns="" id="{C3ED851A-5624-9445-94A3-FC256390EFF0}"/>
+                <a16:creationId xmlns="" xmlns:a16="http://schemas.microsoft.com/office/drawing/2014/main" id="{C3ED851A-5624-9445-94A3-FC256390EFF0}"/>
               </a:ext>
             </a:extLst>
           </p:cNvPr>
@@ -1324,7 +1324,7 @@
             <p:cNvPr id="21" name="箭號: 五邊形 12">
               <a:extLst>
                 <a:ext uri="{FF2B5EF4-FFF2-40B4-BE49-F238E27FC236}">
-                  <a16:creationId xmlns:a16="http://schemas.microsoft.com/office/drawing/2014/main" xmlns="" id="{7DED8486-E1FD-814E-B2DE-F488A3CEA671}"/>
+                  <a16:creationId xmlns="" xmlns:a16="http://schemas.microsoft.com/office/drawing/2014/main" id="{7DED8486-E1FD-814E-B2DE-F488A3CEA671}"/>
                 </a:ext>
               </a:extLst>
             </p:cNvPr>
@@ -1376,7 +1376,7 @@
             <p:cNvPr id="23" name="箭號: 五邊形 12">
               <a:extLst>
                 <a:ext uri="{FF2B5EF4-FFF2-40B4-BE49-F238E27FC236}">
-                  <a16:creationId xmlns:a16="http://schemas.microsoft.com/office/drawing/2014/main" xmlns="" id="{8C392F49-5181-FA4B-9412-A387B34C316C}"/>
+                  <a16:creationId xmlns="" xmlns:a16="http://schemas.microsoft.com/office/drawing/2014/main" id="{8C392F49-5181-FA4B-9412-A387B34C316C}"/>
                 </a:ext>
               </a:extLst>
             </p:cNvPr>
@@ -1435,7 +1435,7 @@
             <p:cNvPr id="26" name="箭號: 五邊形 12">
               <a:extLst>
                 <a:ext uri="{FF2B5EF4-FFF2-40B4-BE49-F238E27FC236}">
-                  <a16:creationId xmlns:a16="http://schemas.microsoft.com/office/drawing/2014/main" xmlns="" id="{A2A2AEE9-8884-2D45-AA3A-3CE8B669A441}"/>
+                  <a16:creationId xmlns="" xmlns:a16="http://schemas.microsoft.com/office/drawing/2014/main" id="{A2A2AEE9-8884-2D45-AA3A-3CE8B669A441}"/>
                 </a:ext>
               </a:extLst>
             </p:cNvPr>
@@ -1864,7 +1864,7 @@
           <p:cNvPr id="34" name="Text Placeholder 3">
             <a:extLst>
               <a:ext uri="{FF2B5EF4-FFF2-40B4-BE49-F238E27FC236}">
-                <a16:creationId xmlns:a16="http://schemas.microsoft.com/office/drawing/2014/main" xmlns="" id="{CB4F27FF-A5B2-0945-A886-8994C9CF0F9A}"/>
+                <a16:creationId xmlns="" xmlns:a16="http://schemas.microsoft.com/office/drawing/2014/main" id="{CB4F27FF-A5B2-0945-A886-8994C9CF0F9A}"/>
               </a:ext>
             </a:extLst>
           </p:cNvPr>
@@ -1918,7 +1918,7 @@
           <p:cNvPr id="35" name="Content Placeholder 5">
             <a:extLst>
               <a:ext uri="{FF2B5EF4-FFF2-40B4-BE49-F238E27FC236}">
-                <a16:creationId xmlns:a16="http://schemas.microsoft.com/office/drawing/2014/main" xmlns="" id="{1CE5651F-F4F6-9D45-A553-66B6FFCA522B}"/>
+                <a16:creationId xmlns="" xmlns:a16="http://schemas.microsoft.com/office/drawing/2014/main" id="{1CE5651F-F4F6-9D45-A553-66B6FFCA522B}"/>
               </a:ext>
             </a:extLst>
           </p:cNvPr>
@@ -1966,7 +1966,7 @@
           <p:cNvPr id="6" name="Picture 5">
             <a:extLst>
               <a:ext uri="{FF2B5EF4-FFF2-40B4-BE49-F238E27FC236}">
-                <a16:creationId xmlns:a16="http://schemas.microsoft.com/office/drawing/2014/main" xmlns="" id="{5BB22815-3E3B-0B48-9DCA-B05C2D5B9D70}"/>
+                <a16:creationId xmlns="" xmlns:a16="http://schemas.microsoft.com/office/drawing/2014/main" id="{5BB22815-3E3B-0B48-9DCA-B05C2D5B9D70}"/>
               </a:ext>
             </a:extLst>
           </p:cNvPr>
@@ -3068,7 +3068,7 @@
           <p:cNvPr id="15" name="直排文字版面配置區 2">
             <a:extLst>
               <a:ext uri="{FF2B5EF4-FFF2-40B4-BE49-F238E27FC236}">
-                <a16:creationId xmlns:a16="http://schemas.microsoft.com/office/drawing/2014/main" xmlns="" id="{5B0754CD-A593-D647-8F43-33A88CDADB61}"/>
+                <a16:creationId xmlns="" xmlns:a16="http://schemas.microsoft.com/office/drawing/2014/main" id="{5B0754CD-A593-D647-8F43-33A88CDADB61}"/>
               </a:ext>
             </a:extLst>
           </p:cNvPr>
@@ -3278,7 +3278,7 @@
           <p:cNvPr id="20" name="Group 19">
             <a:extLst>
               <a:ext uri="{FF2B5EF4-FFF2-40B4-BE49-F238E27FC236}">
-                <a16:creationId xmlns:a16="http://schemas.microsoft.com/office/drawing/2014/main" xmlns="" id="{C3ED851A-5624-9445-94A3-FC256390EFF0}"/>
+                <a16:creationId xmlns="" xmlns:a16="http://schemas.microsoft.com/office/drawing/2014/main" id="{C3ED851A-5624-9445-94A3-FC256390EFF0}"/>
               </a:ext>
             </a:extLst>
           </p:cNvPr>
@@ -3298,7 +3298,7 @@
             <p:cNvPr id="21" name="箭號: 五邊形 12">
               <a:extLst>
                 <a:ext uri="{FF2B5EF4-FFF2-40B4-BE49-F238E27FC236}">
-                  <a16:creationId xmlns:a16="http://schemas.microsoft.com/office/drawing/2014/main" xmlns="" id="{7DED8486-E1FD-814E-B2DE-F488A3CEA671}"/>
+                  <a16:creationId xmlns="" xmlns:a16="http://schemas.microsoft.com/office/drawing/2014/main" id="{7DED8486-E1FD-814E-B2DE-F488A3CEA671}"/>
                 </a:ext>
               </a:extLst>
             </p:cNvPr>
@@ -3350,7 +3350,7 @@
             <p:cNvPr id="23" name="箭號: 五邊形 12">
               <a:extLst>
                 <a:ext uri="{FF2B5EF4-FFF2-40B4-BE49-F238E27FC236}">
-                  <a16:creationId xmlns:a16="http://schemas.microsoft.com/office/drawing/2014/main" xmlns="" id="{8C392F49-5181-FA4B-9412-A387B34C316C}"/>
+                  <a16:creationId xmlns="" xmlns:a16="http://schemas.microsoft.com/office/drawing/2014/main" id="{8C392F49-5181-FA4B-9412-A387B34C316C}"/>
                 </a:ext>
               </a:extLst>
             </p:cNvPr>
@@ -3409,7 +3409,7 @@
             <p:cNvPr id="26" name="箭號: 五邊形 12">
               <a:extLst>
                 <a:ext uri="{FF2B5EF4-FFF2-40B4-BE49-F238E27FC236}">
-                  <a16:creationId xmlns:a16="http://schemas.microsoft.com/office/drawing/2014/main" xmlns="" id="{A2A2AEE9-8884-2D45-AA3A-3CE8B669A441}"/>
+                  <a16:creationId xmlns="" xmlns:a16="http://schemas.microsoft.com/office/drawing/2014/main" id="{A2A2AEE9-8884-2D45-AA3A-3CE8B669A441}"/>
                 </a:ext>
               </a:extLst>
             </p:cNvPr>
@@ -3838,7 +3838,7 @@
           <p:cNvPr id="34" name="Text Placeholder 3">
             <a:extLst>
               <a:ext uri="{FF2B5EF4-FFF2-40B4-BE49-F238E27FC236}">
-                <a16:creationId xmlns:a16="http://schemas.microsoft.com/office/drawing/2014/main" xmlns="" id="{CB4F27FF-A5B2-0945-A886-8994C9CF0F9A}"/>
+                <a16:creationId xmlns="" xmlns:a16="http://schemas.microsoft.com/office/drawing/2014/main" id="{CB4F27FF-A5B2-0945-A886-8994C9CF0F9A}"/>
               </a:ext>
             </a:extLst>
           </p:cNvPr>
@@ -3892,7 +3892,7 @@
           <p:cNvPr id="35" name="Content Placeholder 5">
             <a:extLst>
               <a:ext uri="{FF2B5EF4-FFF2-40B4-BE49-F238E27FC236}">
-                <a16:creationId xmlns:a16="http://schemas.microsoft.com/office/drawing/2014/main" xmlns="" id="{1CE5651F-F4F6-9D45-A553-66B6FFCA522B}"/>
+                <a16:creationId xmlns="" xmlns:a16="http://schemas.microsoft.com/office/drawing/2014/main" id="{1CE5651F-F4F6-9D45-A553-66B6FFCA522B}"/>
               </a:ext>
             </a:extLst>
           </p:cNvPr>
@@ -3940,7 +3940,7 @@
           <p:cNvPr id="6" name="Picture 5">
             <a:extLst>
               <a:ext uri="{FF2B5EF4-FFF2-40B4-BE49-F238E27FC236}">
-                <a16:creationId xmlns:a16="http://schemas.microsoft.com/office/drawing/2014/main" xmlns="" id="{5BB22815-3E3B-0B48-9DCA-B05C2D5B9D70}"/>
+                <a16:creationId xmlns="" xmlns:a16="http://schemas.microsoft.com/office/drawing/2014/main" id="{5BB22815-3E3B-0B48-9DCA-B05C2D5B9D70}"/>
               </a:ext>
             </a:extLst>
           </p:cNvPr>
@@ -4652,7 +4652,7 @@
           <p:cNvPr id="12" name="Group 11">
             <a:extLst>
               <a:ext uri="{FF2B5EF4-FFF2-40B4-BE49-F238E27FC236}">
-                <a16:creationId xmlns:a16="http://schemas.microsoft.com/office/drawing/2014/main" xmlns="" id="{FECCA331-FFA6-F840-9C60-BF25ACF3BDB5}"/>
+                <a16:creationId xmlns="" xmlns:a16="http://schemas.microsoft.com/office/drawing/2014/main" id="{FECCA331-FFA6-F840-9C60-BF25ACF3BDB5}"/>
               </a:ext>
             </a:extLst>
           </p:cNvPr>
@@ -4672,7 +4672,7 @@
             <p:cNvPr id="13" name="箭號: 五邊形 12">
               <a:extLst>
                 <a:ext uri="{FF2B5EF4-FFF2-40B4-BE49-F238E27FC236}">
-                  <a16:creationId xmlns:a16="http://schemas.microsoft.com/office/drawing/2014/main" xmlns="" id="{1ECC6466-4EFD-5345-BC17-67AB57731DB7}"/>
+                  <a16:creationId xmlns="" xmlns:a16="http://schemas.microsoft.com/office/drawing/2014/main" id="{1ECC6466-4EFD-5345-BC17-67AB57731DB7}"/>
                 </a:ext>
               </a:extLst>
             </p:cNvPr>
@@ -4724,7 +4724,7 @@
             <p:cNvPr id="14" name="箭號: 五邊形 12">
               <a:extLst>
                 <a:ext uri="{FF2B5EF4-FFF2-40B4-BE49-F238E27FC236}">
-                  <a16:creationId xmlns:a16="http://schemas.microsoft.com/office/drawing/2014/main" xmlns="" id="{6CF55724-0A99-E64A-AB4C-0938CB62E153}"/>
+                  <a16:creationId xmlns="" xmlns:a16="http://schemas.microsoft.com/office/drawing/2014/main" id="{6CF55724-0A99-E64A-AB4C-0938CB62E153}"/>
                 </a:ext>
               </a:extLst>
             </p:cNvPr>
@@ -4783,7 +4783,7 @@
             <p:cNvPr id="15" name="箭號: 五邊形 12">
               <a:extLst>
                 <a:ext uri="{FF2B5EF4-FFF2-40B4-BE49-F238E27FC236}">
-                  <a16:creationId xmlns:a16="http://schemas.microsoft.com/office/drawing/2014/main" xmlns="" id="{D65D1FB8-4CF4-8B4A-A307-6F7F618C0D88}"/>
+                  <a16:creationId xmlns="" xmlns:a16="http://schemas.microsoft.com/office/drawing/2014/main" id="{D65D1FB8-4CF4-8B4A-A307-6F7F618C0D88}"/>
                 </a:ext>
               </a:extLst>
             </p:cNvPr>
@@ -5092,7 +5092,7 @@
           <p:cNvPr id="5" name="Picture 4">
             <a:extLst>
               <a:ext uri="{FF2B5EF4-FFF2-40B4-BE49-F238E27FC236}">
-                <a16:creationId xmlns:a16="http://schemas.microsoft.com/office/drawing/2014/main" xmlns="" id="{33C27645-19DC-4542-810A-E94761D6E227}"/>
+                <a16:creationId xmlns="" xmlns:a16="http://schemas.microsoft.com/office/drawing/2014/main" id="{33C27645-19DC-4542-810A-E94761D6E227}"/>
               </a:ext>
             </a:extLst>
           </p:cNvPr>
@@ -5591,7 +5591,7 @@
           <p:cNvPr id="23" name="內容版面配置區 2">
             <a:extLst>
               <a:ext uri="{FF2B5EF4-FFF2-40B4-BE49-F238E27FC236}">
-                <a16:creationId xmlns:a16="http://schemas.microsoft.com/office/drawing/2014/main" xmlns="" id="{9D1178A4-A62F-AE47-B4FD-DFBDEBC0B7E1}"/>
+                <a16:creationId xmlns="" xmlns:a16="http://schemas.microsoft.com/office/drawing/2014/main" id="{9D1178A4-A62F-AE47-B4FD-DFBDEBC0B7E1}"/>
               </a:ext>
             </a:extLst>
           </p:cNvPr>
@@ -5738,7 +5738,7 @@
           <p:cNvPr id="24" name="內容版面配置區 2">
             <a:extLst>
               <a:ext uri="{FF2B5EF4-FFF2-40B4-BE49-F238E27FC236}">
-                <a16:creationId xmlns:a16="http://schemas.microsoft.com/office/drawing/2014/main" xmlns="" id="{18BDE748-AF06-9848-B53D-40087470A386}"/>
+                <a16:creationId xmlns="" xmlns:a16="http://schemas.microsoft.com/office/drawing/2014/main" id="{18BDE748-AF06-9848-B53D-40087470A386}"/>
               </a:ext>
             </a:extLst>
           </p:cNvPr>
@@ -6489,7 +6489,7 @@
           <p:cNvPr id="20" name="內容版面配置區 2">
             <a:extLst>
               <a:ext uri="{FF2B5EF4-FFF2-40B4-BE49-F238E27FC236}">
-                <a16:creationId xmlns:a16="http://schemas.microsoft.com/office/drawing/2014/main" xmlns="" id="{9A4A12A5-18A4-CA4A-8E68-97EAFD19927B}"/>
+                <a16:creationId xmlns="" xmlns:a16="http://schemas.microsoft.com/office/drawing/2014/main" id="{9A4A12A5-18A4-CA4A-8E68-97EAFD19927B}"/>
               </a:ext>
             </a:extLst>
           </p:cNvPr>
@@ -6636,7 +6636,7 @@
           <p:cNvPr id="21" name="內容版面配置區 2">
             <a:extLst>
               <a:ext uri="{FF2B5EF4-FFF2-40B4-BE49-F238E27FC236}">
-                <a16:creationId xmlns:a16="http://schemas.microsoft.com/office/drawing/2014/main" xmlns="" id="{E09B3CAD-22B9-BC48-9D7D-2345FF14DD38}"/>
+                <a16:creationId xmlns="" xmlns:a16="http://schemas.microsoft.com/office/drawing/2014/main" id="{E09B3CAD-22B9-BC48-9D7D-2345FF14DD38}"/>
               </a:ext>
             </a:extLst>
           </p:cNvPr>
@@ -7553,7 +7553,7 @@
           <p:cNvPr id="5" name="Group 4">
             <a:extLst>
               <a:ext uri="{FF2B5EF4-FFF2-40B4-BE49-F238E27FC236}">
-                <a16:creationId xmlns:a16="http://schemas.microsoft.com/office/drawing/2014/main" xmlns="" id="{4DADA6C2-E637-F642-95E5-0309E3EB9F41}"/>
+                <a16:creationId xmlns="" xmlns:a16="http://schemas.microsoft.com/office/drawing/2014/main" id="{4DADA6C2-E637-F642-95E5-0309E3EB9F41}"/>
               </a:ext>
             </a:extLst>
           </p:cNvPr>
@@ -7573,7 +7573,7 @@
             <p:cNvPr id="17" name="箭號: 五邊形 12">
               <a:extLst>
                 <a:ext uri="{FF2B5EF4-FFF2-40B4-BE49-F238E27FC236}">
-                  <a16:creationId xmlns:a16="http://schemas.microsoft.com/office/drawing/2014/main" xmlns="" id="{C3424005-2947-5749-B94D-7EE01D59B97D}"/>
+                  <a16:creationId xmlns="" xmlns:a16="http://schemas.microsoft.com/office/drawing/2014/main" id="{C3424005-2947-5749-B94D-7EE01D59B97D}"/>
                 </a:ext>
               </a:extLst>
             </p:cNvPr>
@@ -7625,7 +7625,7 @@
             <p:cNvPr id="16" name="箭號: 五邊形 12">
               <a:extLst>
                 <a:ext uri="{FF2B5EF4-FFF2-40B4-BE49-F238E27FC236}">
-                  <a16:creationId xmlns:a16="http://schemas.microsoft.com/office/drawing/2014/main" xmlns="" id="{78B68587-E393-9C46-A4CA-137BCC2B13AD}"/>
+                  <a16:creationId xmlns="" xmlns:a16="http://schemas.microsoft.com/office/drawing/2014/main" id="{78B68587-E393-9C46-A4CA-137BCC2B13AD}"/>
                 </a:ext>
               </a:extLst>
             </p:cNvPr>
@@ -8093,7 +8093,7 @@
           <p:cNvPr id="18" name="內容版面配置區 2">
             <a:extLst>
               <a:ext uri="{FF2B5EF4-FFF2-40B4-BE49-F238E27FC236}">
-                <a16:creationId xmlns:a16="http://schemas.microsoft.com/office/drawing/2014/main" xmlns="" id="{BB9680E6-3D9F-FF42-BA19-F206A773FE60}"/>
+                <a16:creationId xmlns="" xmlns:a16="http://schemas.microsoft.com/office/drawing/2014/main" id="{BB9680E6-3D9F-FF42-BA19-F206A773FE60}"/>
               </a:ext>
             </a:extLst>
           </p:cNvPr>
@@ -8278,7 +8278,7 @@
           <p:cNvPr id="15" name="Group 14">
             <a:extLst>
               <a:ext uri="{FF2B5EF4-FFF2-40B4-BE49-F238E27FC236}">
-                <a16:creationId xmlns:a16="http://schemas.microsoft.com/office/drawing/2014/main" xmlns="" id="{7108562A-19D8-3347-A5CB-8FD2094D2AC6}"/>
+                <a16:creationId xmlns="" xmlns:a16="http://schemas.microsoft.com/office/drawing/2014/main" id="{7108562A-19D8-3347-A5CB-8FD2094D2AC6}"/>
               </a:ext>
             </a:extLst>
           </p:cNvPr>
@@ -8298,7 +8298,7 @@
             <p:cNvPr id="16" name="箭號: 五邊形 12">
               <a:extLst>
                 <a:ext uri="{FF2B5EF4-FFF2-40B4-BE49-F238E27FC236}">
-                  <a16:creationId xmlns:a16="http://schemas.microsoft.com/office/drawing/2014/main" xmlns="" id="{0350FA7D-8512-F24E-9F36-7F4296D197F2}"/>
+                  <a16:creationId xmlns="" xmlns:a16="http://schemas.microsoft.com/office/drawing/2014/main" id="{0350FA7D-8512-F24E-9F36-7F4296D197F2}"/>
                 </a:ext>
               </a:extLst>
             </p:cNvPr>
@@ -8350,7 +8350,7 @@
             <p:cNvPr id="17" name="箭號: 五邊形 12">
               <a:extLst>
                 <a:ext uri="{FF2B5EF4-FFF2-40B4-BE49-F238E27FC236}">
-                  <a16:creationId xmlns:a16="http://schemas.microsoft.com/office/drawing/2014/main" xmlns="" id="{125DE2BA-1E8B-2447-AEBE-4BDB2873316E}"/>
+                  <a16:creationId xmlns="" xmlns:a16="http://schemas.microsoft.com/office/drawing/2014/main" id="{125DE2BA-1E8B-2447-AEBE-4BDB2873316E}"/>
                 </a:ext>
               </a:extLst>
             </p:cNvPr>
@@ -8409,7 +8409,7 @@
             <p:cNvPr id="18" name="箭號: 五邊形 12">
               <a:extLst>
                 <a:ext uri="{FF2B5EF4-FFF2-40B4-BE49-F238E27FC236}">
-                  <a16:creationId xmlns:a16="http://schemas.microsoft.com/office/drawing/2014/main" xmlns="" id="{467877CF-B77C-BE4F-8D6F-89063BBFC3DE}"/>
+                  <a16:creationId xmlns="" xmlns:a16="http://schemas.microsoft.com/office/drawing/2014/main" id="{467877CF-B77C-BE4F-8D6F-89063BBFC3DE}"/>
                 </a:ext>
               </a:extLst>
             </p:cNvPr>
@@ -8772,7 +8772,7 @@
           <p:cNvPr id="22" name="標題 1">
             <a:extLst>
               <a:ext uri="{FF2B5EF4-FFF2-40B4-BE49-F238E27FC236}">
-                <a16:creationId xmlns:a16="http://schemas.microsoft.com/office/drawing/2014/main" xmlns="" id="{6E193196-9107-784C-A964-C67153D060CB}"/>
+                <a16:creationId xmlns="" xmlns:a16="http://schemas.microsoft.com/office/drawing/2014/main" id="{6E193196-9107-784C-A964-C67153D060CB}"/>
               </a:ext>
             </a:extLst>
           </p:cNvPr>
@@ -8815,7 +8815,7 @@
           <p:cNvPr id="24" name="文字版面配置區 3">
             <a:extLst>
               <a:ext uri="{FF2B5EF4-FFF2-40B4-BE49-F238E27FC236}">
-                <a16:creationId xmlns:a16="http://schemas.microsoft.com/office/drawing/2014/main" xmlns="" id="{5922BEEB-F3AC-E443-B34D-CE264A982284}"/>
+                <a16:creationId xmlns="" xmlns:a16="http://schemas.microsoft.com/office/drawing/2014/main" id="{5922BEEB-F3AC-E443-B34D-CE264A982284}"/>
               </a:ext>
             </a:extLst>
           </p:cNvPr>
@@ -13061,75 +13061,153 @@
           </p:style>
         </p:cxnSp>
       </p:grpSp>
+      <p:grpSp>
+        <p:nvGrpSpPr>
+          <p:cNvPr id="12" name="群組 11"/>
+          <p:cNvGrpSpPr/>
+          <p:nvPr/>
+        </p:nvGrpSpPr>
+        <p:grpSpPr>
+          <a:xfrm>
+            <a:off x="8895053" y="5640073"/>
+            <a:ext cx="2733404" cy="1094159"/>
+            <a:chOff x="8895053" y="5640073"/>
+            <a:chExt cx="2733404" cy="1094159"/>
+          </a:xfrm>
+        </p:grpSpPr>
+        <p:sp>
+          <p:nvSpPr>
+            <p:cNvPr id="15" name="弧線 14"/>
+            <p:cNvSpPr/>
+            <p:nvPr/>
+          </p:nvSpPr>
+          <p:spPr>
+            <a:xfrm>
+              <a:off x="8895053" y="5766318"/>
+              <a:ext cx="528868" cy="967914"/>
+            </a:xfrm>
+            <a:prstGeom prst="arc">
+              <a:avLst/>
+            </a:prstGeom>
+            <a:ln w="38100"/>
+          </p:spPr>
+          <p:style>
+            <a:lnRef idx="1">
+              <a:schemeClr val="accent1"/>
+            </a:lnRef>
+            <a:fillRef idx="0">
+              <a:schemeClr val="accent1"/>
+            </a:fillRef>
+            <a:effectRef idx="0">
+              <a:schemeClr val="accent1"/>
+            </a:effectRef>
+            <a:fontRef idx="minor">
+              <a:schemeClr val="tx1"/>
+            </a:fontRef>
+          </p:style>
+          <p:txBody>
+            <a:bodyPr rtlCol="0" anchor="ctr"/>
+            <a:lstStyle/>
+            <a:p>
+              <a:pPr algn="ctr"/>
+              <a:endParaRPr kumimoji="1" lang="zh-TW" altLang="en-US"/>
+            </a:p>
+          </p:txBody>
+        </p:sp>
+        <p:pic>
+          <p:nvPicPr>
+            <p:cNvPr id="16" name="圖片 15"/>
+            <p:cNvPicPr>
+              <a:picLocks noChangeAspect="1"/>
+            </p:cNvPicPr>
+            <p:nvPr/>
+          </p:nvPicPr>
+          <p:blipFill>
+            <a:blip r:embed="rId3">
+              <a:extLst>
+                <a:ext uri="{28A0092B-C50C-407E-A947-70E740481C1C}">
+                  <a14:useLocalDpi xmlns:a14="http://schemas.microsoft.com/office/drawing/2010/main" val="0"/>
+                </a:ext>
+              </a:extLst>
+            </a:blip>
+            <a:stretch>
+              <a:fillRect/>
+            </a:stretch>
+          </p:blipFill>
+          <p:spPr>
+            <a:xfrm>
+              <a:off x="9518139" y="5640073"/>
+              <a:ext cx="2110318" cy="456285"/>
+            </a:xfrm>
+            <a:prstGeom prst="rect">
+              <a:avLst/>
+            </a:prstGeom>
+          </p:spPr>
+        </p:pic>
+      </p:grpSp>
       <p:sp>
         <p:nvSpPr>
-          <p:cNvPr id="15" name="弧線 14"/>
-          <p:cNvSpPr/>
+          <p:cNvPr id="27" name="文字方塊 26"/>
+          <p:cNvSpPr txBox="1"/>
           <p:nvPr/>
         </p:nvSpPr>
         <p:spPr>
           <a:xfrm>
-            <a:off x="8895053" y="5766318"/>
-            <a:ext cx="528868" cy="967914"/>
-          </a:xfrm>
-          <a:prstGeom prst="arc">
-            <a:avLst/>
-          </a:prstGeom>
-          <a:ln w="38100"/>
-        </p:spPr>
-        <p:style>
-          <a:lnRef idx="1">
-            <a:schemeClr val="accent1"/>
-          </a:lnRef>
-          <a:fillRef idx="0">
-            <a:schemeClr val="accent1"/>
-          </a:fillRef>
-          <a:effectRef idx="0">
-            <a:schemeClr val="accent1"/>
-          </a:effectRef>
-          <a:fontRef idx="minor">
-            <a:schemeClr val="tx1"/>
-          </a:fontRef>
-        </p:style>
-        <p:txBody>
-          <a:bodyPr rtlCol="0" anchor="ctr"/>
-          <a:lstStyle/>
-          <a:p>
-            <a:pPr algn="ctr"/>
-            <a:endParaRPr kumimoji="1" lang="zh-TW" altLang="en-US"/>
-          </a:p>
-        </p:txBody>
-      </p:sp>
-      <p:pic>
-        <p:nvPicPr>
-          <p:cNvPr id="16" name="圖片 15"/>
-          <p:cNvPicPr>
-            <a:picLocks noChangeAspect="1"/>
-          </p:cNvPicPr>
-          <p:nvPr/>
-        </p:nvPicPr>
-        <p:blipFill>
-          <a:blip r:embed="rId3">
-            <a:extLst>
-              <a:ext uri="{28A0092B-C50C-407E-A947-70E740481C1C}">
-                <a14:useLocalDpi xmlns:a14="http://schemas.microsoft.com/office/drawing/2010/main" val="0"/>
-              </a:ext>
-            </a:extLst>
-          </a:blip>
-          <a:stretch>
-            <a:fillRect/>
-          </a:stretch>
-        </p:blipFill>
-        <p:spPr>
-          <a:xfrm>
-            <a:off x="9518139" y="5640073"/>
-            <a:ext cx="2110318" cy="456285"/>
+            <a:off x="9084775" y="4737511"/>
+            <a:ext cx="786952" cy="584775"/>
           </a:xfrm>
           <a:prstGeom prst="rect">
             <a:avLst/>
           </a:prstGeom>
         </p:spPr>
-      </p:pic>
+        <p:txBody>
+          <a:bodyPr vert="horz" wrap="square" lIns="91440" tIns="45720" rIns="91440" bIns="45720" rtlCol="0" anchor="ctr">
+            <a:spAutoFit/>
+          </a:bodyPr>
+          <a:lstStyle/>
+          <a:p>
+            <a:r>
+              <a:rPr kumimoji="1" lang="en-US" altLang="zh-TW" sz="3200" dirty="0" smtClean="0">
+                <a:solidFill>
+                  <a:schemeClr val="tx1">
+                    <a:lumMod val="65000"/>
+                    <a:lumOff val="35000"/>
+                  </a:schemeClr>
+                </a:solidFill>
+                <a:latin typeface="Times New Roman" charset="0"/>
+                <a:ea typeface="Times New Roman" charset="0"/>
+                <a:cs typeface="Times New Roman" charset="0"/>
+              </a:rPr>
+              <a:t>a</a:t>
+            </a:r>
+            <a:r>
+              <a:rPr kumimoji="1" lang="en-US" altLang="zh-TW" sz="3200" b="0" baseline="0" dirty="0" smtClean="0">
+                <a:solidFill>
+                  <a:schemeClr val="tx1">
+                    <a:lumMod val="65000"/>
+                    <a:lumOff val="35000"/>
+                  </a:schemeClr>
+                </a:solidFill>
+                <a:latin typeface="Times New Roman" charset="0"/>
+                <a:ea typeface="Times New Roman" charset="0"/>
+                <a:cs typeface="Times New Roman" charset="0"/>
+              </a:rPr>
+              <a:t>(t)</a:t>
+            </a:r>
+            <a:endParaRPr kumimoji="1" lang="zh-TW" altLang="en-US" sz="3200" b="0" baseline="0" dirty="0">
+              <a:solidFill>
+                <a:schemeClr val="tx1">
+                  <a:lumMod val="65000"/>
+                  <a:lumOff val="35000"/>
+                </a:schemeClr>
+              </a:solidFill>
+              <a:latin typeface="Times New Roman" charset="0"/>
+              <a:ea typeface="Times New Roman" charset="0"/>
+              <a:cs typeface="Times New Roman" charset="0"/>
+            </a:endParaRPr>
+          </a:p>
+        </p:txBody>
+      </p:sp>
     </p:spTree>
     <p:extLst>
       <p:ext uri="{BB962C8B-B14F-4D97-AF65-F5344CB8AC3E}">
@@ -13348,6 +13426,121 @@
                                   </p:childTnLst>
                                 </p:cTn>
                               </p:par>
+                              <p:par>
+                                <p:cTn id="21" presetID="10" presetClass="exit" presetSubtype="0" fill="hold" nodeType="withEffect">
+                                  <p:stCondLst>
+                                    <p:cond delay="0"/>
+                                  </p:stCondLst>
+                                  <p:childTnLst>
+                                    <p:animEffect transition="out" filter="fade">
+                                      <p:cBhvr>
+                                        <p:cTn id="22" dur="500"/>
+                                        <p:tgtEl>
+                                          <p:spTgt spid="39"/>
+                                        </p:tgtEl>
+                                      </p:cBhvr>
+                                    </p:animEffect>
+                                    <p:set>
+                                      <p:cBhvr>
+                                        <p:cTn id="23" dur="1" fill="hold">
+                                          <p:stCondLst>
+                                            <p:cond delay="499"/>
+                                          </p:stCondLst>
+                                        </p:cTn>
+                                        <p:tgtEl>
+                                          <p:spTgt spid="39"/>
+                                        </p:tgtEl>
+                                        <p:attrNameLst>
+                                          <p:attrName>style.visibility</p:attrName>
+                                        </p:attrNameLst>
+                                      </p:cBhvr>
+                                      <p:to>
+                                        <p:strVal val="hidden"/>
+                                      </p:to>
+                                    </p:set>
+                                  </p:childTnLst>
+                                </p:cTn>
+                              </p:par>
+                            </p:childTnLst>
+                          </p:cTn>
+                        </p:par>
+                      </p:childTnLst>
+                    </p:cTn>
+                  </p:par>
+                  <p:par>
+                    <p:cTn id="24" fill="hold">
+                      <p:stCondLst>
+                        <p:cond delay="indefinite"/>
+                      </p:stCondLst>
+                      <p:childTnLst>
+                        <p:par>
+                          <p:cTn id="25" fill="hold">
+                            <p:stCondLst>
+                              <p:cond delay="0"/>
+                            </p:stCondLst>
+                            <p:childTnLst>
+                              <p:par>
+                                <p:cTn id="26" presetID="10" presetClass="entr" presetSubtype="0" fill="hold" nodeType="clickEffect">
+                                  <p:stCondLst>
+                                    <p:cond delay="0"/>
+                                  </p:stCondLst>
+                                  <p:childTnLst>
+                                    <p:set>
+                                      <p:cBhvr>
+                                        <p:cTn id="27" dur="1" fill="hold">
+                                          <p:stCondLst>
+                                            <p:cond delay="0"/>
+                                          </p:stCondLst>
+                                        </p:cTn>
+                                        <p:tgtEl>
+                                          <p:spTgt spid="12"/>
+                                        </p:tgtEl>
+                                        <p:attrNameLst>
+                                          <p:attrName>style.visibility</p:attrName>
+                                        </p:attrNameLst>
+                                      </p:cBhvr>
+                                      <p:to>
+                                        <p:strVal val="visible"/>
+                                      </p:to>
+                                    </p:set>
+                                    <p:animEffect transition="in" filter="fade">
+                                      <p:cBhvr>
+                                        <p:cTn id="28" dur="500"/>
+                                        <p:tgtEl>
+                                          <p:spTgt spid="12"/>
+                                        </p:tgtEl>
+                                      </p:cBhvr>
+                                    </p:animEffect>
+                                  </p:childTnLst>
+                                </p:cTn>
+                              </p:par>
+                              <p:par>
+                                <p:cTn id="29" presetID="1" presetClass="entr" presetSubtype="0" fill="hold" grpId="0" nodeType="withEffect">
+                                  <p:stCondLst>
+                                    <p:cond delay="0"/>
+                                  </p:stCondLst>
+                                  <p:childTnLst>
+                                    <p:set>
+                                      <p:cBhvr>
+                                        <p:cTn id="30" dur="1" fill="hold">
+                                          <p:stCondLst>
+                                            <p:cond delay="0"/>
+                                          </p:stCondLst>
+                                        </p:cTn>
+                                        <p:tgtEl>
+                                          <p:spTgt spid="27"/>
+                                        </p:tgtEl>
+                                        <p:attrNameLst>
+                                          <p:attrName>style.visibility</p:attrName>
+                                        </p:attrNameLst>
+                                      </p:cBhvr>
+                                      <p:to>
+                                        <p:strVal val="visible"/>
+                                      </p:to>
+                                    </p:set>
+                                  </p:childTnLst>
+                                </p:cTn>
+                              </p:par>
                             </p:childTnLst>
                           </p:cTn>
                         </p:par>
@@ -13375,6 +13568,9 @@
         </p:cTn>
       </p:par>
     </p:tnLst>
+    <p:bldLst>
+      <p:bldP spid="27" grpId="0"/>
+    </p:bldLst>
   </p:timing>
 </p:sld>
 </file>

--- a/Freshman_Training.pptx
+++ b/Freshman_Training.pptx
@@ -5,23 +5,24 @@
     <p:sldMasterId id="2147483660" r:id="rId1"/>
   </p:sldMasterIdLst>
   <p:notesMasterIdLst>
-    <p:notesMasterId r:id="rId16"/>
+    <p:notesMasterId r:id="rId17"/>
   </p:notesMasterIdLst>
   <p:sldIdLst>
     <p:sldId id="256" r:id="rId2"/>
     <p:sldId id="257" r:id="rId3"/>
     <p:sldId id="303" r:id="rId4"/>
     <p:sldId id="306" r:id="rId5"/>
-    <p:sldId id="304" r:id="rId6"/>
-    <p:sldId id="308" r:id="rId7"/>
-    <p:sldId id="307" r:id="rId8"/>
-    <p:sldId id="309" r:id="rId9"/>
-    <p:sldId id="310" r:id="rId10"/>
-    <p:sldId id="311" r:id="rId11"/>
-    <p:sldId id="312" r:id="rId12"/>
-    <p:sldId id="313" r:id="rId13"/>
-    <p:sldId id="305" r:id="rId14"/>
-    <p:sldId id="301" r:id="rId15"/>
+    <p:sldId id="314" r:id="rId6"/>
+    <p:sldId id="304" r:id="rId7"/>
+    <p:sldId id="308" r:id="rId8"/>
+    <p:sldId id="307" r:id="rId9"/>
+    <p:sldId id="309" r:id="rId10"/>
+    <p:sldId id="310" r:id="rId11"/>
+    <p:sldId id="311" r:id="rId12"/>
+    <p:sldId id="312" r:id="rId13"/>
+    <p:sldId id="313" r:id="rId14"/>
+    <p:sldId id="305" r:id="rId15"/>
+    <p:sldId id="301" r:id="rId16"/>
   </p:sldIdLst>
   <p:sldSz cx="12192000" cy="6858000"/>
   <p:notesSz cx="6858000" cy="9144000"/>
@@ -133,6 +134,7 @@
           <p14:sldIdLst>
             <p14:sldId id="303"/>
             <p14:sldId id="306"/>
+            <p14:sldId id="314"/>
           </p14:sldIdLst>
         </p14:section>
         <p14:section name="Friis" id="{C428E832-B5F1-8843-AEE0-707319BB8BD9}">
@@ -723,7 +725,7 @@
           <a:p>
             <a:fld id="{C79F9334-C2B5-40DC-A82F-94CC416C9799}" type="slidenum">
               <a:rPr lang="zh-TW" altLang="en-US" smtClean="0"/>
-              <a:t>6</a:t>
+              <a:t>7</a:t>
             </a:fld>
             <a:endParaRPr lang="zh-TW" altLang="en-US"/>
           </a:p>
@@ -807,7 +809,7 @@
           <a:p>
             <a:fld id="{C79F9334-C2B5-40DC-A82F-94CC416C9799}" type="slidenum">
               <a:rPr lang="zh-TW" altLang="en-US" smtClean="0"/>
-              <a:t>8</a:t>
+              <a:t>9</a:t>
             </a:fld>
             <a:endParaRPr lang="zh-TW" altLang="en-US"/>
           </a:p>
@@ -961,7 +963,7 @@
           <a:p>
             <a:fld id="{C79F9334-C2B5-40DC-A82F-94CC416C9799}" type="slidenum">
               <a:rPr lang="zh-TW" altLang="en-US" smtClean="0"/>
-              <a:t>9</a:t>
+              <a:t>10</a:t>
             </a:fld>
             <a:endParaRPr lang="zh-TW" altLang="en-US"/>
           </a:p>
@@ -1049,7 +1051,7 @@
           <a:p>
             <a:fld id="{C79F9334-C2B5-40DC-A82F-94CC416C9799}" type="slidenum">
               <a:rPr lang="zh-TW" altLang="en-US" smtClean="0"/>
-              <a:t>10</a:t>
+              <a:t>11</a:t>
             </a:fld>
             <a:endParaRPr lang="zh-TW" altLang="en-US"/>
           </a:p>
@@ -1137,7 +1139,7 @@
           <a:p>
             <a:fld id="{C79F9334-C2B5-40DC-A82F-94CC416C9799}" type="slidenum">
               <a:rPr lang="zh-TW" altLang="en-US" smtClean="0"/>
-              <a:t>11</a:t>
+              <a:t>12</a:t>
             </a:fld>
             <a:endParaRPr lang="zh-TW" altLang="en-US"/>
           </a:p>
@@ -1233,7 +1235,7 @@
           <a:p>
             <a:fld id="{C79F9334-C2B5-40DC-A82F-94CC416C9799}" type="slidenum">
               <a:rPr lang="zh-TW" altLang="en-US" smtClean="0"/>
-              <a:t>12</a:t>
+              <a:t>13</a:t>
             </a:fld>
             <a:endParaRPr lang="zh-TW" altLang="en-US"/>
           </a:p>
@@ -9536,7 +9538,7 @@
                 <a:ea typeface="Times New Roman" charset="0"/>
                 <a:cs typeface="Times New Roman" charset="0"/>
               </a:rPr>
-              <a:t>Directivities</a:t>
+              <a:t>Contemporary Formula</a:t>
             </a:r>
             <a:endParaRPr kumimoji="1" lang="zh-TW" altLang="en-US" dirty="0">
               <a:latin typeface="Times New Roman" charset="0"/>
@@ -9565,6 +9567,645 @@
               <a:rPr lang="en-US" smtClean="0"/>
               <a:pPr/>
               <a:t>10</a:t>
+            </a:fld>
+            <a:endParaRPr lang="en-US"/>
+          </a:p>
+        </p:txBody>
+      </p:sp>
+      <mc:AlternateContent xmlns:mc="http://schemas.openxmlformats.org/markup-compatibility/2006" xmlns:a14="http://schemas.microsoft.com/office/drawing/2010/main">
+        <mc:Choice Requires="a14">
+          <p:sp>
+            <p:nvSpPr>
+              <p:cNvPr id="7" name="內容版面配置區 6"/>
+              <p:cNvSpPr>
+                <a:spLocks noGrp="1"/>
+              </p:cNvSpPr>
+              <p:nvPr>
+                <p:ph idx="1"/>
+              </p:nvPr>
+            </p:nvSpPr>
+            <p:spPr>
+              <a:xfrm>
+                <a:off x="1261775" y="1770422"/>
+                <a:ext cx="9668449" cy="4610906"/>
+              </a:xfrm>
+            </p:spPr>
+            <p:txBody>
+              <a:bodyPr/>
+              <a:lstStyle/>
+              <a:p>
+                <a:pPr marL="11112" indent="0" algn="ctr">
+                  <a:lnSpc>
+                    <a:spcPct val="150000"/>
+                  </a:lnSpc>
+                  <a:buNone/>
+                </a:pPr>
+                <a14:m>
+                  <m:oMathPara xmlns:m="http://schemas.openxmlformats.org/officeDocument/2006/math">
+                    <m:oMathParaPr>
+                      <m:jc m:val="center"/>
+                    </m:oMathParaPr>
+                    <m:oMath xmlns:m="http://schemas.openxmlformats.org/officeDocument/2006/math">
+                      <m:f>
+                        <m:fPr>
+                          <m:ctrlPr>
+                            <a:rPr kumimoji="1" lang="mr-IN" altLang="zh-TW" sz="4000" i="1" smtClean="0">
+                              <a:latin typeface="Cambria Math" charset="0"/>
+                            </a:rPr>
+                          </m:ctrlPr>
+                        </m:fPr>
+                        <m:num>
+                          <m:sSub>
+                            <m:sSubPr>
+                              <m:ctrlPr>
+                                <a:rPr kumimoji="1" lang="en-US" altLang="zh-TW" sz="4000" i="1">
+                                  <a:latin typeface="Cambria Math" charset="0"/>
+                                </a:rPr>
+                              </m:ctrlPr>
+                            </m:sSubPr>
+                            <m:e>
+                              <m:r>
+                                <a:rPr kumimoji="1" lang="en-US" altLang="zh-TW" sz="4000" i="1">
+                                  <a:latin typeface="Cambria Math" charset="0"/>
+                                </a:rPr>
+                                <m:t>𝑃</m:t>
+                              </m:r>
+                            </m:e>
+                            <m:sub>
+                              <m:r>
+                                <a:rPr kumimoji="1" lang="en-US" altLang="zh-TW" sz="4000" i="1">
+                                  <a:latin typeface="Cambria Math" charset="0"/>
+                                </a:rPr>
+                                <m:t>𝑟</m:t>
+                              </m:r>
+                            </m:sub>
+                          </m:sSub>
+                        </m:num>
+                        <m:den>
+                          <m:sSub>
+                            <m:sSubPr>
+                              <m:ctrlPr>
+                                <a:rPr kumimoji="1" lang="en-US" altLang="zh-TW" sz="4000" i="1">
+                                  <a:latin typeface="Cambria Math" charset="0"/>
+                                </a:rPr>
+                              </m:ctrlPr>
+                            </m:sSubPr>
+                            <m:e>
+                              <m:r>
+                                <a:rPr kumimoji="1" lang="en-US" altLang="zh-TW" sz="4000" i="1">
+                                  <a:latin typeface="Cambria Math" charset="0"/>
+                                </a:rPr>
+                                <m:t>𝑃</m:t>
+                              </m:r>
+                            </m:e>
+                            <m:sub>
+                              <m:r>
+                                <a:rPr kumimoji="1" lang="en-US" altLang="zh-TW" sz="4000" i="1">
+                                  <a:latin typeface="Cambria Math" charset="0"/>
+                                </a:rPr>
+                                <m:t>𝑡</m:t>
+                              </m:r>
+                            </m:sub>
+                          </m:sSub>
+                        </m:den>
+                      </m:f>
+                      <m:r>
+                        <a:rPr kumimoji="1" lang="en-US" altLang="zh-TW" sz="4000" i="1">
+                          <a:latin typeface="Cambria Math" charset="0"/>
+                        </a:rPr>
+                        <m:t>=</m:t>
+                      </m:r>
+                      <m:sSub>
+                        <m:sSubPr>
+                          <m:ctrlPr>
+                            <a:rPr kumimoji="1" lang="en-US" altLang="zh-TW" sz="4000" i="1">
+                              <a:latin typeface="Cambria Math" charset="0"/>
+                            </a:rPr>
+                          </m:ctrlPr>
+                        </m:sSubPr>
+                        <m:e>
+                          <m:r>
+                            <a:rPr kumimoji="1" lang="en-US" altLang="zh-TW" sz="4000" b="0" i="1" smtClean="0">
+                              <a:latin typeface="Cambria Math" charset="0"/>
+                            </a:rPr>
+                            <m:t>𝐷</m:t>
+                          </m:r>
+                        </m:e>
+                        <m:sub>
+                          <m:r>
+                            <a:rPr kumimoji="1" lang="en-US" altLang="zh-TW" sz="4000" i="1">
+                              <a:latin typeface="Cambria Math" charset="0"/>
+                            </a:rPr>
+                            <m:t>𝑡</m:t>
+                          </m:r>
+                        </m:sub>
+                      </m:sSub>
+                      <m:sSub>
+                        <m:sSubPr>
+                          <m:ctrlPr>
+                            <a:rPr kumimoji="1" lang="en-US" altLang="zh-TW" sz="4000" i="1">
+                              <a:latin typeface="Cambria Math" charset="0"/>
+                            </a:rPr>
+                          </m:ctrlPr>
+                        </m:sSubPr>
+                        <m:e>
+                          <m:r>
+                            <a:rPr kumimoji="1" lang="en-US" altLang="zh-TW" sz="4000" b="0" i="1" smtClean="0">
+                              <a:latin typeface="Cambria Math" charset="0"/>
+                            </a:rPr>
+                            <m:t>𝐷</m:t>
+                          </m:r>
+                        </m:e>
+                        <m:sub>
+                          <m:r>
+                            <a:rPr kumimoji="1" lang="en-US" altLang="zh-TW" sz="4000" b="0" i="1" smtClean="0">
+                              <a:latin typeface="Cambria Math" charset="0"/>
+                            </a:rPr>
+                            <m:t>𝑟</m:t>
+                          </m:r>
+                        </m:sub>
+                      </m:sSub>
+                      <m:sSup>
+                        <m:sSupPr>
+                          <m:ctrlPr>
+                            <a:rPr kumimoji="1" lang="en-US" altLang="zh-TW" sz="4000" i="1" smtClean="0">
+                              <a:latin typeface="Cambria Math" charset="0"/>
+                            </a:rPr>
+                          </m:ctrlPr>
+                        </m:sSupPr>
+                        <m:e>
+                          <m:r>
+                            <a:rPr kumimoji="1" lang="en-US" altLang="zh-TW" sz="4000" b="0" i="1" smtClean="0">
+                              <a:latin typeface="Cambria Math" charset="0"/>
+                            </a:rPr>
+                            <m:t>(</m:t>
+                          </m:r>
+                          <m:f>
+                            <m:fPr>
+                              <m:ctrlPr>
+                                <a:rPr kumimoji="1" lang="mr-IN" altLang="zh-TW" sz="4000" i="1">
+                                  <a:latin typeface="Cambria Math" charset="0"/>
+                                </a:rPr>
+                              </m:ctrlPr>
+                            </m:fPr>
+                            <m:num>
+                              <m:r>
+                                <a:rPr kumimoji="1" lang="en-US" altLang="zh-TW" sz="4000" i="1">
+                                  <a:latin typeface="Cambria Math" charset="0"/>
+                                  <a:ea typeface="Cambria Math" charset="0"/>
+                                  <a:cs typeface="Cambria Math" charset="0"/>
+                                </a:rPr>
+                                <m:t>𝜆</m:t>
+                              </m:r>
+                            </m:num>
+                            <m:den>
+                              <m:r>
+                                <a:rPr kumimoji="1" lang="en-US" altLang="zh-TW" sz="4000" i="1" smtClean="0">
+                                  <a:solidFill>
+                                    <a:schemeClr val="tx1"/>
+                                  </a:solidFill>
+                                  <a:latin typeface="Cambria Math" charset="0"/>
+                                </a:rPr>
+                                <m:t>4</m:t>
+                              </m:r>
+                              <m:r>
+                                <a:rPr kumimoji="1" lang="en-US" altLang="zh-TW" sz="4000" i="1">
+                                  <a:solidFill>
+                                    <a:schemeClr val="tx1"/>
+                                  </a:solidFill>
+                                  <a:latin typeface="Cambria Math" charset="0"/>
+                                  <a:ea typeface="Cambria Math" charset="0"/>
+                                  <a:cs typeface="Cambria Math" charset="0"/>
+                                </a:rPr>
+                                <m:t>𝜋</m:t>
+                              </m:r>
+                              <m:r>
+                                <a:rPr kumimoji="1" lang="en-US" altLang="zh-TW" sz="4000" i="1">
+                                  <a:solidFill>
+                                    <a:schemeClr val="tx1"/>
+                                  </a:solidFill>
+                                  <a:latin typeface="Cambria Math" charset="0"/>
+                                  <a:ea typeface="Cambria Math" charset="0"/>
+                                  <a:cs typeface="Cambria Math" charset="0"/>
+                                </a:rPr>
+                                <m:t>𝑑</m:t>
+                              </m:r>
+                            </m:den>
+                          </m:f>
+                          <m:r>
+                            <a:rPr kumimoji="1" lang="en-US" altLang="zh-TW" sz="4000" b="0" i="1" smtClean="0">
+                              <a:latin typeface="Cambria Math" charset="0"/>
+                            </a:rPr>
+                            <m:t>)</m:t>
+                          </m:r>
+                        </m:e>
+                        <m:sup>
+                          <m:r>
+                            <a:rPr kumimoji="1" lang="en-US" altLang="zh-TW" sz="4000" b="0" i="1" smtClean="0">
+                              <a:latin typeface="Cambria Math" charset="0"/>
+                            </a:rPr>
+                            <m:t>2</m:t>
+                          </m:r>
+                        </m:sup>
+                      </m:sSup>
+                    </m:oMath>
+                  </m:oMathPara>
+                </a14:m>
+                <a:endParaRPr kumimoji="1" lang="en-US" altLang="zh-TW" sz="4000" dirty="0" smtClean="0"/>
+              </a:p>
+              <a:p>
+                <a:pPr marL="11112" indent="0" algn="ctr">
+                  <a:lnSpc>
+                    <a:spcPct val="150000"/>
+                  </a:lnSpc>
+                  <a:buNone/>
+                </a:pPr>
+                <a14:m>
+                  <m:oMathPara xmlns:m="http://schemas.openxmlformats.org/officeDocument/2006/math">
+                    <m:oMathParaPr>
+                      <m:jc m:val="center"/>
+                    </m:oMathParaPr>
+                    <m:oMath xmlns:m="http://schemas.openxmlformats.org/officeDocument/2006/math">
+                      <m:sSub>
+                        <m:sSubPr>
+                          <m:ctrlPr>
+                            <a:rPr kumimoji="1" lang="en-US" altLang="zh-TW" sz="4000" i="1">
+                              <a:latin typeface="Cambria Math" charset="0"/>
+                            </a:rPr>
+                          </m:ctrlPr>
+                        </m:sSubPr>
+                        <m:e>
+                          <m:r>
+                            <a:rPr kumimoji="1" lang="en-US" altLang="zh-TW" sz="4000" i="1">
+                              <a:latin typeface="Cambria Math" charset="0"/>
+                            </a:rPr>
+                            <m:t>𝑃</m:t>
+                          </m:r>
+                        </m:e>
+                        <m:sub>
+                          <m:r>
+                            <a:rPr kumimoji="1" lang="en-US" altLang="zh-TW" sz="4000" i="1">
+                              <a:latin typeface="Cambria Math" charset="0"/>
+                            </a:rPr>
+                            <m:t>𝑟</m:t>
+                          </m:r>
+                        </m:sub>
+                      </m:sSub>
+                      <m:r>
+                        <a:rPr kumimoji="1" lang="en-US" altLang="zh-TW" sz="4000" b="0" i="1" smtClean="0">
+                          <a:latin typeface="Cambria Math" charset="0"/>
+                        </a:rPr>
+                        <m:t>(</m:t>
+                      </m:r>
+                      <m:r>
+                        <a:rPr kumimoji="1" lang="en-US" altLang="zh-TW" sz="4000" b="0" i="1" smtClean="0">
+                          <a:latin typeface="Cambria Math" charset="0"/>
+                        </a:rPr>
+                        <m:t>𝑑𝐵𝑚</m:t>
+                      </m:r>
+                      <m:r>
+                        <a:rPr kumimoji="1" lang="en-US" altLang="zh-TW" sz="4000" b="0" i="1" smtClean="0">
+                          <a:latin typeface="Cambria Math" charset="0"/>
+                        </a:rPr>
+                        <m:t>)</m:t>
+                      </m:r>
+                      <m:r>
+                        <a:rPr kumimoji="1" lang="en-US" altLang="zh-TW" sz="4000" b="0" i="0" smtClean="0">
+                          <a:latin typeface="Cambria Math" charset="0"/>
+                        </a:rPr>
+                        <m:t>=</m:t>
+                      </m:r>
+                      <m:sSub>
+                        <m:sSubPr>
+                          <m:ctrlPr>
+                            <a:rPr kumimoji="1" lang="en-US" altLang="zh-TW" sz="4000" i="1">
+                              <a:latin typeface="Cambria Math" charset="0"/>
+                            </a:rPr>
+                          </m:ctrlPr>
+                        </m:sSubPr>
+                        <m:e>
+                          <m:r>
+                            <a:rPr kumimoji="1" lang="en-US" altLang="zh-TW" sz="4000" i="1">
+                              <a:latin typeface="Cambria Math" charset="0"/>
+                            </a:rPr>
+                            <m:t>𝑃</m:t>
+                          </m:r>
+                        </m:e>
+                        <m:sub>
+                          <m:r>
+                            <a:rPr kumimoji="1" lang="en-US" altLang="zh-TW" sz="4000" b="0" i="1" smtClean="0">
+                              <a:latin typeface="Cambria Math" charset="0"/>
+                            </a:rPr>
+                            <m:t>𝑡</m:t>
+                          </m:r>
+                        </m:sub>
+                      </m:sSub>
+                      <m:r>
+                        <a:rPr kumimoji="1" lang="en-US" altLang="zh-TW" sz="4000" b="0" i="1" smtClean="0">
+                          <a:latin typeface="Cambria Math" charset="0"/>
+                        </a:rPr>
+                        <m:t>+</m:t>
+                      </m:r>
+                      <m:sSub>
+                        <m:sSubPr>
+                          <m:ctrlPr>
+                            <a:rPr kumimoji="1" lang="en-US" altLang="zh-TW" sz="4000" i="1">
+                              <a:latin typeface="Cambria Math" charset="0"/>
+                            </a:rPr>
+                          </m:ctrlPr>
+                        </m:sSubPr>
+                        <m:e>
+                          <m:r>
+                            <a:rPr kumimoji="1" lang="en-US" altLang="zh-TW" sz="4000" b="0" i="1" smtClean="0">
+                              <a:latin typeface="Cambria Math" charset="0"/>
+                            </a:rPr>
+                            <m:t>𝐷</m:t>
+                          </m:r>
+                        </m:e>
+                        <m:sub>
+                          <m:r>
+                            <a:rPr kumimoji="1" lang="en-US" altLang="zh-TW" sz="4000" i="1">
+                              <a:latin typeface="Cambria Math" charset="0"/>
+                            </a:rPr>
+                            <m:t>𝑟</m:t>
+                          </m:r>
+                        </m:sub>
+                      </m:sSub>
+                      <m:r>
+                        <a:rPr kumimoji="1" lang="en-US" altLang="zh-TW" sz="4000" b="0" i="1" smtClean="0">
+                          <a:latin typeface="Cambria Math" charset="0"/>
+                        </a:rPr>
+                        <m:t>+</m:t>
+                      </m:r>
+                      <m:sSub>
+                        <m:sSubPr>
+                          <m:ctrlPr>
+                            <a:rPr kumimoji="1" lang="en-US" altLang="zh-TW" sz="4000" i="1">
+                              <a:latin typeface="Cambria Math" charset="0"/>
+                            </a:rPr>
+                          </m:ctrlPr>
+                        </m:sSubPr>
+                        <m:e>
+                          <m:r>
+                            <a:rPr kumimoji="1" lang="en-US" altLang="zh-TW" sz="4000" b="0" i="1" smtClean="0">
+                              <a:latin typeface="Cambria Math" charset="0"/>
+                            </a:rPr>
+                            <m:t>𝐷</m:t>
+                          </m:r>
+                        </m:e>
+                        <m:sub>
+                          <m:r>
+                            <a:rPr kumimoji="1" lang="en-US" altLang="zh-TW" sz="4000" b="0" i="1" smtClean="0">
+                              <a:latin typeface="Cambria Math" charset="0"/>
+                            </a:rPr>
+                            <m:t>𝑡</m:t>
+                          </m:r>
+                        </m:sub>
+                      </m:sSub>
+                      <m:r>
+                        <a:rPr kumimoji="1" lang="en-US" altLang="zh-TW" sz="4000" b="0" i="1" smtClean="0">
+                          <a:latin typeface="Cambria Math" charset="0"/>
+                        </a:rPr>
+                        <m:t>+20</m:t>
+                      </m:r>
+                      <m:sSub>
+                        <m:sSubPr>
+                          <m:ctrlPr>
+                            <a:rPr kumimoji="1" lang="en-US" altLang="zh-TW" sz="4000" b="0" i="1" smtClean="0">
+                              <a:latin typeface="Cambria Math" charset="0"/>
+                            </a:rPr>
+                          </m:ctrlPr>
+                        </m:sSubPr>
+                        <m:e>
+                          <m:r>
+                            <a:rPr kumimoji="1" lang="en-US" altLang="zh-TW" sz="4000" b="0" i="1" smtClean="0">
+                              <a:latin typeface="Cambria Math" charset="0"/>
+                            </a:rPr>
+                            <m:t>𝑙𝑜𝑔</m:t>
+                          </m:r>
+                        </m:e>
+                        <m:sub>
+                          <m:r>
+                            <a:rPr kumimoji="1" lang="en-US" altLang="zh-TW" sz="4000" b="0" i="1" smtClean="0">
+                              <a:latin typeface="Cambria Math" charset="0"/>
+                            </a:rPr>
+                            <m:t>10</m:t>
+                          </m:r>
+                        </m:sub>
+                      </m:sSub>
+                      <m:r>
+                        <a:rPr kumimoji="1" lang="en-US" altLang="zh-TW" sz="4000" i="1">
+                          <a:latin typeface="Cambria Math" charset="0"/>
+                        </a:rPr>
+                        <m:t>(</m:t>
+                      </m:r>
+                      <m:f>
+                        <m:fPr>
+                          <m:ctrlPr>
+                            <a:rPr kumimoji="1" lang="mr-IN" altLang="zh-TW" sz="4000" i="1">
+                              <a:latin typeface="Cambria Math" charset="0"/>
+                            </a:rPr>
+                          </m:ctrlPr>
+                        </m:fPr>
+                        <m:num>
+                          <m:r>
+                            <a:rPr kumimoji="1" lang="en-US" altLang="zh-TW" sz="4000" i="1">
+                              <a:latin typeface="Cambria Math" charset="0"/>
+                              <a:ea typeface="Cambria Math" charset="0"/>
+                              <a:cs typeface="Cambria Math" charset="0"/>
+                            </a:rPr>
+                            <m:t>𝜆</m:t>
+                          </m:r>
+                        </m:num>
+                        <m:den>
+                          <m:r>
+                            <a:rPr kumimoji="1" lang="en-US" altLang="zh-TW" sz="4000" i="1">
+                              <a:latin typeface="Cambria Math" charset="0"/>
+                            </a:rPr>
+                            <m:t>4</m:t>
+                          </m:r>
+                          <m:r>
+                            <a:rPr kumimoji="1" lang="en-US" altLang="zh-TW" sz="4000" i="1">
+                              <a:latin typeface="Cambria Math" charset="0"/>
+                              <a:ea typeface="Cambria Math" charset="0"/>
+                              <a:cs typeface="Cambria Math" charset="0"/>
+                            </a:rPr>
+                            <m:t>𝜋</m:t>
+                          </m:r>
+                          <m:r>
+                            <a:rPr kumimoji="1" lang="en-US" altLang="zh-TW" sz="4000" i="1">
+                              <a:latin typeface="Cambria Math" charset="0"/>
+                              <a:ea typeface="Cambria Math" charset="0"/>
+                              <a:cs typeface="Cambria Math" charset="0"/>
+                            </a:rPr>
+                            <m:t>𝑑</m:t>
+                          </m:r>
+                        </m:den>
+                      </m:f>
+                      <m:r>
+                        <a:rPr kumimoji="1" lang="en-US" altLang="zh-TW" sz="4000" i="1">
+                          <a:latin typeface="Cambria Math" charset="0"/>
+                        </a:rPr>
+                        <m:t>)</m:t>
+                      </m:r>
+                    </m:oMath>
+                  </m:oMathPara>
+                </a14:m>
+                <a:endParaRPr kumimoji="1" lang="en-US" altLang="zh-TW" sz="4000" dirty="0"/>
+              </a:p>
+              <a:p>
+                <a:pPr marL="11112" indent="0" algn="ctr">
+                  <a:lnSpc>
+                    <a:spcPct val="150000"/>
+                  </a:lnSpc>
+                  <a:buNone/>
+                </a:pPr>
+                <a:endParaRPr kumimoji="1" lang="zh-TW" altLang="en-US" sz="3200" dirty="0">
+                  <a:latin typeface="Times New Roman" charset="0"/>
+                  <a:ea typeface="Times New Roman" charset="0"/>
+                  <a:cs typeface="Times New Roman" charset="0"/>
+                </a:endParaRPr>
+              </a:p>
+            </p:txBody>
+          </p:sp>
+        </mc:Choice>
+        <mc:Fallback xmlns="">
+          <p:sp>
+            <p:nvSpPr>
+              <p:cNvPr id="7" name="內容版面配置區 6"/>
+              <p:cNvSpPr>
+                <a:spLocks noGrp="1" noRot="1" noChangeAspect="1" noMove="1" noResize="1" noEditPoints="1" noAdjustHandles="1" noChangeArrowheads="1" noChangeShapeType="1" noTextEdit="1"/>
+              </p:cNvSpPr>
+              <p:nvPr>
+                <p:ph idx="1"/>
+              </p:nvPr>
+            </p:nvSpPr>
+            <p:spPr>
+              <a:xfrm>
+                <a:off x="1261775" y="1770422"/>
+                <a:ext cx="9668449" cy="4610906"/>
+              </a:xfrm>
+              <a:blipFill rotWithShape="0">
+                <a:blip r:embed="rId3"/>
+                <a:stretch>
+                  <a:fillRect/>
+                </a:stretch>
+              </a:blipFill>
+            </p:spPr>
+            <p:txBody>
+              <a:bodyPr/>
+              <a:lstStyle/>
+              <a:p>
+                <a:r>
+                  <a:rPr lang="zh-TW" altLang="en-US">
+                    <a:noFill/>
+                  </a:rPr>
+                  <a:t> </a:t>
+                </a:r>
+              </a:p>
+            </p:txBody>
+          </p:sp>
+        </mc:Fallback>
+      </mc:AlternateContent>
+    </p:spTree>
+    <p:extLst>
+      <p:ext uri="{BB962C8B-B14F-4D97-AF65-F5344CB8AC3E}">
+        <p14:creationId xmlns:p14="http://schemas.microsoft.com/office/powerpoint/2010/main" val="2083369087"/>
+      </p:ext>
+    </p:extLst>
+  </p:cSld>
+  <p:clrMapOvr>
+    <a:masterClrMapping/>
+  </p:clrMapOvr>
+  <mc:AlternateContent xmlns:mc="http://schemas.openxmlformats.org/markup-compatibility/2006" xmlns:p14="http://schemas.microsoft.com/office/powerpoint/2010/main">
+    <mc:Choice Requires="p14">
+      <p:transition spd="med" p14:dur="700">
+        <p:fade/>
+      </p:transition>
+    </mc:Choice>
+    <mc:Fallback xmlns="">
+      <p:transition spd="med">
+        <p:fade/>
+      </p:transition>
+    </mc:Fallback>
+  </mc:AlternateContent>
+  <p:timing>
+    <p:tnLst>
+      <p:par>
+        <p:cTn id="1" dur="indefinite" restart="never" nodeType="tmRoot"/>
+      </p:par>
+    </p:tnLst>
+  </p:timing>
+</p:sld>
+</file>
+
+<file path=ppt/slides/slide11.xml><?xml version="1.0" encoding="utf-8"?>
+<p:sld xmlns:a="http://schemas.openxmlformats.org/drawingml/2006/main" xmlns:r="http://schemas.openxmlformats.org/officeDocument/2006/relationships" xmlns:p="http://schemas.openxmlformats.org/presentationml/2006/main">
+  <p:cSld>
+    <p:spTree>
+      <p:nvGrpSpPr>
+        <p:cNvPr id="1" name=""/>
+        <p:cNvGrpSpPr/>
+        <p:nvPr/>
+      </p:nvGrpSpPr>
+      <p:grpSpPr>
+        <a:xfrm>
+          <a:off x="0" y="0"/>
+          <a:ext cx="0" cy="0"/>
+          <a:chOff x="0" y="0"/>
+          <a:chExt cx="0" cy="0"/>
+        </a:xfrm>
+      </p:grpSpPr>
+      <p:sp>
+        <p:nvSpPr>
+          <p:cNvPr id="2" name="標題 1"/>
+          <p:cNvSpPr>
+            <a:spLocks noGrp="1"/>
+          </p:cNvSpPr>
+          <p:nvPr>
+            <p:ph type="title"/>
+          </p:nvPr>
+        </p:nvSpPr>
+        <p:spPr/>
+        <p:txBody>
+          <a:bodyPr/>
+          <a:lstStyle/>
+          <a:p>
+            <a:r>
+              <a:rPr kumimoji="1" lang="en-US" altLang="zh-TW" dirty="0" smtClean="0">
+                <a:latin typeface="Times New Roman" charset="0"/>
+                <a:ea typeface="Times New Roman" charset="0"/>
+                <a:cs typeface="Times New Roman" charset="0"/>
+              </a:rPr>
+              <a:t>Directivities</a:t>
+            </a:r>
+            <a:endParaRPr kumimoji="1" lang="zh-TW" altLang="en-US" dirty="0">
+              <a:latin typeface="Times New Roman" charset="0"/>
+              <a:ea typeface="Times New Roman" charset="0"/>
+              <a:cs typeface="Times New Roman" charset="0"/>
+            </a:endParaRPr>
+          </a:p>
+        </p:txBody>
+      </p:sp>
+      <p:sp>
+        <p:nvSpPr>
+          <p:cNvPr id="4" name="投影片編號版面配置區 3"/>
+          <p:cNvSpPr>
+            <a:spLocks noGrp="1"/>
+          </p:cNvSpPr>
+          <p:nvPr>
+            <p:ph type="sldNum" sz="quarter" idx="12"/>
+          </p:nvPr>
+        </p:nvSpPr>
+        <p:spPr/>
+        <p:txBody>
+          <a:bodyPr/>
+          <a:lstStyle/>
+          <a:p>
+            <a:fld id="{3EBBE1F4-AE36-AD42-8177-96288CD18AD2}" type="slidenum">
+              <a:rPr lang="en-US" smtClean="0"/>
+              <a:pPr/>
+              <a:t>11</a:t>
             </a:fld>
             <a:endParaRPr lang="en-US"/>
           </a:p>
@@ -9907,7 +10548,7 @@
 </p:sld>
 </file>
 
-<file path=ppt/slides/slide11.xml><?xml version="1.0" encoding="utf-8"?>
+<file path=ppt/slides/slide12.xml><?xml version="1.0" encoding="utf-8"?>
 <p:sld xmlns:a="http://schemas.openxmlformats.org/drawingml/2006/main" xmlns:r="http://schemas.openxmlformats.org/officeDocument/2006/relationships" xmlns:p="http://schemas.openxmlformats.org/presentationml/2006/main">
   <p:cSld>
     <p:spTree>
@@ -9973,7 +10614,7 @@
             <a:fld id="{3EBBE1F4-AE36-AD42-8177-96288CD18AD2}" type="slidenum">
               <a:rPr lang="en-US" smtClean="0"/>
               <a:pPr/>
-              <a:t>11</a:t>
+              <a:t>12</a:t>
             </a:fld>
             <a:endParaRPr lang="en-US"/>
           </a:p>
@@ -10173,7 +10814,7 @@
 </p:sld>
 </file>
 
-<file path=ppt/slides/slide12.xml><?xml version="1.0" encoding="utf-8"?>
+<file path=ppt/slides/slide13.xml><?xml version="1.0" encoding="utf-8"?>
 <p:sld xmlns:a="http://schemas.openxmlformats.org/drawingml/2006/main" xmlns:r="http://schemas.openxmlformats.org/officeDocument/2006/relationships" xmlns:p="http://schemas.openxmlformats.org/presentationml/2006/main">
   <p:cSld>
     <p:spTree>
@@ -10207,7 +10848,7 @@
           <a:p>
             <a:fld id="{3EBBE1F4-AE36-AD42-8177-96288CD18AD2}" type="slidenum">
               <a:rPr lang="en-US" smtClean="0"/>
-              <a:t>12</a:t>
+              <a:t>13</a:t>
             </a:fld>
             <a:endParaRPr lang="en-US"/>
           </a:p>
@@ -10999,7 +11640,7 @@
 </p:sld>
 </file>
 
-<file path=ppt/slides/slide13.xml><?xml version="1.0" encoding="utf-8"?>
+<file path=ppt/slides/slide14.xml><?xml version="1.0" encoding="utf-8"?>
 <p:sld xmlns:a="http://schemas.openxmlformats.org/drawingml/2006/main" xmlns:r="http://schemas.openxmlformats.org/officeDocument/2006/relationships" xmlns:p="http://schemas.openxmlformats.org/presentationml/2006/main">
   <p:cSld>
     <p:spTree>
@@ -11135,7 +11776,7 @@
             <a:fld id="{3EBBE1F4-AE36-AD42-8177-96288CD18AD2}" type="slidenum">
               <a:rPr lang="en-US" smtClean="0"/>
               <a:pPr/>
-              <a:t>13</a:t>
+              <a:t>14</a:t>
             </a:fld>
             <a:endParaRPr lang="en-US"/>
           </a:p>
@@ -11428,7 +12069,7 @@
 </p:sld>
 </file>
 
-<file path=ppt/slides/slide14.xml><?xml version="1.0" encoding="utf-8"?>
+<file path=ppt/slides/slide15.xml><?xml version="1.0" encoding="utf-8"?>
 <p:sld xmlns:a="http://schemas.openxmlformats.org/drawingml/2006/main" xmlns:r="http://schemas.openxmlformats.org/officeDocument/2006/relationships" xmlns:p="http://schemas.openxmlformats.org/presentationml/2006/main">
   <p:cSld>
     <p:spTree>
@@ -11592,7 +12233,7 @@
             <a:fld id="{3EBBE1F4-AE36-AD42-8177-96288CD18AD2}" type="slidenum">
               <a:rPr lang="en-US" smtClean="0"/>
               <a:pPr/>
-              <a:t>14</a:t>
+              <a:t>15</a:t>
             </a:fld>
             <a:endParaRPr lang="en-US"/>
           </a:p>
@@ -13607,17 +14248,7 @@
           <a:bodyPr/>
           <a:lstStyle/>
           <a:p>
-            <a:r>
-              <a:rPr lang="en-US" altLang="zh-TW" dirty="0" smtClean="0">
-                <a:latin typeface="Times New Roman" panose="02020603050405020304" pitchFamily="18" charset="0"/>
-                <a:cs typeface="Times New Roman" panose="02020603050405020304" pitchFamily="18" charset="0"/>
-              </a:rPr>
-              <a:t>Outline</a:t>
-            </a:r>
-            <a:endParaRPr lang="zh-TW" altLang="en-US" dirty="0">
-              <a:latin typeface="Times New Roman" panose="02020603050405020304" pitchFamily="18" charset="0"/>
-              <a:cs typeface="Times New Roman" panose="02020603050405020304" pitchFamily="18" charset="0"/>
-            </a:endParaRPr>
+            <a:endParaRPr kumimoji="1" lang="zh-TW" altLang="en-US"/>
           </a:p>
         </p:txBody>
       </p:sp>
@@ -13636,60 +14267,7 @@
           <a:bodyPr/>
           <a:lstStyle/>
           <a:p>
-            <a:pPr>
-              <a:lnSpc>
-                <a:spcPct val="150000"/>
-              </a:lnSpc>
-            </a:pPr>
-            <a:r>
-              <a:rPr lang="en-US" altLang="zh-TW" sz="3200" b="1" dirty="0" smtClean="0">
-                <a:latin typeface="Times New Roman" charset="0"/>
-                <a:ea typeface="Times New Roman" charset="0"/>
-                <a:cs typeface="Times New Roman" charset="0"/>
-              </a:rPr>
-              <a:t>Channel</a:t>
-            </a:r>
-          </a:p>
-          <a:p>
-            <a:pPr>
-              <a:lnSpc>
-                <a:spcPct val="150000"/>
-              </a:lnSpc>
-            </a:pPr>
-            <a:r>
-              <a:rPr lang="en-US" altLang="zh-TW" sz="3200" b="1" dirty="0" err="1" smtClean="0">
-                <a:latin typeface="Times New Roman" charset="0"/>
-                <a:ea typeface="Times New Roman" charset="0"/>
-                <a:cs typeface="Times New Roman" charset="0"/>
-              </a:rPr>
-              <a:t>Friis</a:t>
-            </a:r>
-            <a:r>
-              <a:rPr lang="en-US" altLang="zh-TW" sz="3200" b="1" dirty="0" smtClean="0">
-                <a:latin typeface="Times New Roman" charset="0"/>
-                <a:ea typeface="Times New Roman" charset="0"/>
-                <a:cs typeface="Times New Roman" charset="0"/>
-              </a:rPr>
-              <a:t> Transmission Equation</a:t>
-            </a:r>
-          </a:p>
-          <a:p>
-            <a:pPr>
-              <a:lnSpc>
-                <a:spcPct val="150000"/>
-              </a:lnSpc>
-            </a:pPr>
-            <a:r>
-              <a:rPr lang="en-US" altLang="zh-TW" sz="3200" b="1" dirty="0" smtClean="0">
-                <a:latin typeface="Times New Roman" charset="0"/>
-                <a:ea typeface="Times New Roman" charset="0"/>
-                <a:cs typeface="Times New Roman" charset="0"/>
-              </a:rPr>
-              <a:t>RFID</a:t>
-            </a:r>
-          </a:p>
-          <a:p>
-            <a:endParaRPr lang="zh-TW" altLang="en-US" dirty="0"/>
+            <a:endParaRPr kumimoji="1" lang="zh-TW" altLang="en-US"/>
           </a:p>
         </p:txBody>
       </p:sp>
@@ -13712,6 +14290,180 @@
               <a:rPr lang="en-US" smtClean="0"/>
               <a:pPr/>
               <a:t>5</a:t>
+            </a:fld>
+            <a:endParaRPr lang="en-US"/>
+          </a:p>
+        </p:txBody>
+      </p:sp>
+    </p:spTree>
+    <p:extLst>
+      <p:ext uri="{BB962C8B-B14F-4D97-AF65-F5344CB8AC3E}">
+        <p14:creationId xmlns:p14="http://schemas.microsoft.com/office/powerpoint/2010/main" val="629206791"/>
+      </p:ext>
+    </p:extLst>
+  </p:cSld>
+  <p:clrMapOvr>
+    <a:masterClrMapping/>
+  </p:clrMapOvr>
+  <mc:AlternateContent xmlns:mc="http://schemas.openxmlformats.org/markup-compatibility/2006">
+    <mc:Choice xmlns:p14="http://schemas.microsoft.com/office/powerpoint/2010/main" Requires="p14">
+      <p:transition spd="med" p14:dur="700">
+        <p:fade/>
+      </p:transition>
+    </mc:Choice>
+    <mc:Fallback>
+      <p:transition spd="med">
+        <p:fade/>
+      </p:transition>
+    </mc:Fallback>
+  </mc:AlternateContent>
+  <p:timing>
+    <p:tnLst>
+      <p:par>
+        <p:cTn id="1" dur="indefinite" restart="never" nodeType="tmRoot"/>
+      </p:par>
+    </p:tnLst>
+  </p:timing>
+</p:sld>
+</file>
+
+<file path=ppt/slides/slide6.xml><?xml version="1.0" encoding="utf-8"?>
+<p:sld xmlns:a="http://schemas.openxmlformats.org/drawingml/2006/main" xmlns:r="http://schemas.openxmlformats.org/officeDocument/2006/relationships" xmlns:p="http://schemas.openxmlformats.org/presentationml/2006/main">
+  <p:cSld>
+    <p:spTree>
+      <p:nvGrpSpPr>
+        <p:cNvPr id="1" name=""/>
+        <p:cNvGrpSpPr/>
+        <p:nvPr/>
+      </p:nvGrpSpPr>
+      <p:grpSpPr>
+        <a:xfrm>
+          <a:off x="0" y="0"/>
+          <a:ext cx="0" cy="0"/>
+          <a:chOff x="0" y="0"/>
+          <a:chExt cx="0" cy="0"/>
+        </a:xfrm>
+      </p:grpSpPr>
+      <p:sp>
+        <p:nvSpPr>
+          <p:cNvPr id="2" name="標題 1"/>
+          <p:cNvSpPr>
+            <a:spLocks noGrp="1"/>
+          </p:cNvSpPr>
+          <p:nvPr>
+            <p:ph type="title"/>
+          </p:nvPr>
+        </p:nvSpPr>
+        <p:spPr/>
+        <p:txBody>
+          <a:bodyPr/>
+          <a:lstStyle/>
+          <a:p>
+            <a:r>
+              <a:rPr lang="en-US" altLang="zh-TW" dirty="0" smtClean="0">
+                <a:latin typeface="Times New Roman" panose="02020603050405020304" pitchFamily="18" charset="0"/>
+                <a:cs typeface="Times New Roman" panose="02020603050405020304" pitchFamily="18" charset="0"/>
+              </a:rPr>
+              <a:t>Outline</a:t>
+            </a:r>
+            <a:endParaRPr lang="zh-TW" altLang="en-US" dirty="0">
+              <a:latin typeface="Times New Roman" panose="02020603050405020304" pitchFamily="18" charset="0"/>
+              <a:cs typeface="Times New Roman" panose="02020603050405020304" pitchFamily="18" charset="0"/>
+            </a:endParaRPr>
+          </a:p>
+        </p:txBody>
+      </p:sp>
+      <p:sp>
+        <p:nvSpPr>
+          <p:cNvPr id="3" name="內容版面配置區 2"/>
+          <p:cNvSpPr>
+            <a:spLocks noGrp="1"/>
+          </p:cNvSpPr>
+          <p:nvPr>
+            <p:ph idx="1"/>
+          </p:nvPr>
+        </p:nvSpPr>
+        <p:spPr/>
+        <p:txBody>
+          <a:bodyPr/>
+          <a:lstStyle/>
+          <a:p>
+            <a:pPr>
+              <a:lnSpc>
+                <a:spcPct val="150000"/>
+              </a:lnSpc>
+            </a:pPr>
+            <a:r>
+              <a:rPr lang="en-US" altLang="zh-TW" sz="3200" b="1" dirty="0" smtClean="0">
+                <a:latin typeface="Times New Roman" charset="0"/>
+                <a:ea typeface="Times New Roman" charset="0"/>
+                <a:cs typeface="Times New Roman" charset="0"/>
+              </a:rPr>
+              <a:t>Channel</a:t>
+            </a:r>
+          </a:p>
+          <a:p>
+            <a:pPr>
+              <a:lnSpc>
+                <a:spcPct val="150000"/>
+              </a:lnSpc>
+            </a:pPr>
+            <a:r>
+              <a:rPr lang="en-US" altLang="zh-TW" sz="3200" b="1" dirty="0" err="1" smtClean="0">
+                <a:latin typeface="Times New Roman" charset="0"/>
+                <a:ea typeface="Times New Roman" charset="0"/>
+                <a:cs typeface="Times New Roman" charset="0"/>
+              </a:rPr>
+              <a:t>Friis</a:t>
+            </a:r>
+            <a:r>
+              <a:rPr lang="en-US" altLang="zh-TW" sz="3200" b="1" dirty="0" smtClean="0">
+                <a:latin typeface="Times New Roman" charset="0"/>
+                <a:ea typeface="Times New Roman" charset="0"/>
+                <a:cs typeface="Times New Roman" charset="0"/>
+              </a:rPr>
+              <a:t> Transmission Equation</a:t>
+            </a:r>
+          </a:p>
+          <a:p>
+            <a:pPr>
+              <a:lnSpc>
+                <a:spcPct val="150000"/>
+              </a:lnSpc>
+            </a:pPr>
+            <a:r>
+              <a:rPr lang="en-US" altLang="zh-TW" sz="3200" b="1" dirty="0" smtClean="0">
+                <a:latin typeface="Times New Roman" charset="0"/>
+                <a:ea typeface="Times New Roman" charset="0"/>
+                <a:cs typeface="Times New Roman" charset="0"/>
+              </a:rPr>
+              <a:t>RFID</a:t>
+            </a:r>
+          </a:p>
+          <a:p>
+            <a:endParaRPr lang="zh-TW" altLang="en-US" dirty="0"/>
+          </a:p>
+        </p:txBody>
+      </p:sp>
+      <p:sp>
+        <p:nvSpPr>
+          <p:cNvPr id="4" name="投影片編號版面配置區 3"/>
+          <p:cNvSpPr>
+            <a:spLocks noGrp="1"/>
+          </p:cNvSpPr>
+          <p:nvPr>
+            <p:ph type="sldNum" sz="quarter" idx="12"/>
+          </p:nvPr>
+        </p:nvSpPr>
+        <p:spPr/>
+        <p:txBody>
+          <a:bodyPr/>
+          <a:lstStyle/>
+          <a:p>
+            <a:fld id="{3EBBE1F4-AE36-AD42-8177-96288CD18AD2}" type="slidenum">
+              <a:rPr lang="en-US" smtClean="0"/>
+              <a:pPr/>
+              <a:t>6</a:t>
             </a:fld>
             <a:endParaRPr lang="en-US"/>
           </a:p>
@@ -14015,7 +14767,7 @@
 </p:sld>
 </file>
 
-<file path=ppt/slides/slide6.xml><?xml version="1.0" encoding="utf-8"?>
+<file path=ppt/slides/slide7.xml><?xml version="1.0" encoding="utf-8"?>
 <p:sld xmlns:a="http://schemas.openxmlformats.org/drawingml/2006/main" xmlns:r="http://schemas.openxmlformats.org/officeDocument/2006/relationships" xmlns:p="http://schemas.openxmlformats.org/presentationml/2006/main">
   <p:cSld>
     <p:spTree>
@@ -14127,7 +14879,7 @@
             <a:fld id="{3EBBE1F4-AE36-AD42-8177-96288CD18AD2}" type="slidenum">
               <a:rPr lang="en-US" smtClean="0"/>
               <a:pPr/>
-              <a:t>6</a:t>
+              <a:t>7</a:t>
             </a:fld>
             <a:endParaRPr lang="en-US"/>
           </a:p>
@@ -14263,7 +15015,7 @@
 </p:sld>
 </file>
 
-<file path=ppt/slides/slide7.xml><?xml version="1.0" encoding="utf-8"?>
+<file path=ppt/slides/slide8.xml><?xml version="1.0" encoding="utf-8"?>
 <p:sld xmlns:a="http://schemas.openxmlformats.org/drawingml/2006/main" xmlns:r="http://schemas.openxmlformats.org/officeDocument/2006/relationships" xmlns:p="http://schemas.openxmlformats.org/presentationml/2006/main">
   <p:cSld>
     <p:spTree>
@@ -14652,7 +15404,7 @@
             <a:fld id="{3EBBE1F4-AE36-AD42-8177-96288CD18AD2}" type="slidenum">
               <a:rPr lang="en-US" smtClean="0"/>
               <a:pPr/>
-              <a:t>7</a:t>
+              <a:t>8</a:t>
             </a:fld>
             <a:endParaRPr lang="en-US"/>
           </a:p>
@@ -15040,7 +15792,7 @@
 </p:sld>
 </file>
 
-<file path=ppt/slides/slide8.xml><?xml version="1.0" encoding="utf-8"?>
+<file path=ppt/slides/slide9.xml><?xml version="1.0" encoding="utf-8"?>
 <p:sld xmlns:a="http://schemas.openxmlformats.org/drawingml/2006/main" xmlns:r="http://schemas.openxmlformats.org/officeDocument/2006/relationships" xmlns:p="http://schemas.openxmlformats.org/presentationml/2006/main">
   <p:cSld>
     <p:spTree>
@@ -15106,7 +15858,7 @@
             <a:fld id="{3EBBE1F4-AE36-AD42-8177-96288CD18AD2}" type="slidenum">
               <a:rPr lang="en-US" smtClean="0"/>
               <a:pPr/>
-              <a:t>8</a:t>
+              <a:t>9</a:t>
             </a:fld>
             <a:endParaRPr lang="en-US"/>
           </a:p>
@@ -15447,645 +16199,6 @@
     <p:extLst>
       <p:ext uri="{BB962C8B-B14F-4D97-AF65-F5344CB8AC3E}">
         <p14:creationId xmlns:p14="http://schemas.microsoft.com/office/powerpoint/2010/main" val="22115708"/>
-      </p:ext>
-    </p:extLst>
-  </p:cSld>
-  <p:clrMapOvr>
-    <a:masterClrMapping/>
-  </p:clrMapOvr>
-  <mc:AlternateContent xmlns:mc="http://schemas.openxmlformats.org/markup-compatibility/2006" xmlns:p14="http://schemas.microsoft.com/office/powerpoint/2010/main">
-    <mc:Choice Requires="p14">
-      <p:transition spd="med" p14:dur="700">
-        <p:fade/>
-      </p:transition>
-    </mc:Choice>
-    <mc:Fallback xmlns="">
-      <p:transition spd="med">
-        <p:fade/>
-      </p:transition>
-    </mc:Fallback>
-  </mc:AlternateContent>
-  <p:timing>
-    <p:tnLst>
-      <p:par>
-        <p:cTn id="1" dur="indefinite" restart="never" nodeType="tmRoot"/>
-      </p:par>
-    </p:tnLst>
-  </p:timing>
-</p:sld>
-</file>
-
-<file path=ppt/slides/slide9.xml><?xml version="1.0" encoding="utf-8"?>
-<p:sld xmlns:a="http://schemas.openxmlformats.org/drawingml/2006/main" xmlns:r="http://schemas.openxmlformats.org/officeDocument/2006/relationships" xmlns:p="http://schemas.openxmlformats.org/presentationml/2006/main">
-  <p:cSld>
-    <p:spTree>
-      <p:nvGrpSpPr>
-        <p:cNvPr id="1" name=""/>
-        <p:cNvGrpSpPr/>
-        <p:nvPr/>
-      </p:nvGrpSpPr>
-      <p:grpSpPr>
-        <a:xfrm>
-          <a:off x="0" y="0"/>
-          <a:ext cx="0" cy="0"/>
-          <a:chOff x="0" y="0"/>
-          <a:chExt cx="0" cy="0"/>
-        </a:xfrm>
-      </p:grpSpPr>
-      <p:sp>
-        <p:nvSpPr>
-          <p:cNvPr id="2" name="標題 1"/>
-          <p:cNvSpPr>
-            <a:spLocks noGrp="1"/>
-          </p:cNvSpPr>
-          <p:nvPr>
-            <p:ph type="title"/>
-          </p:nvPr>
-        </p:nvSpPr>
-        <p:spPr/>
-        <p:txBody>
-          <a:bodyPr/>
-          <a:lstStyle/>
-          <a:p>
-            <a:r>
-              <a:rPr kumimoji="1" lang="en-US" altLang="zh-TW" dirty="0" smtClean="0">
-                <a:latin typeface="Times New Roman" charset="0"/>
-                <a:ea typeface="Times New Roman" charset="0"/>
-                <a:cs typeface="Times New Roman" charset="0"/>
-              </a:rPr>
-              <a:t>Contemporary Formula</a:t>
-            </a:r>
-            <a:endParaRPr kumimoji="1" lang="zh-TW" altLang="en-US" dirty="0">
-              <a:latin typeface="Times New Roman" charset="0"/>
-              <a:ea typeface="Times New Roman" charset="0"/>
-              <a:cs typeface="Times New Roman" charset="0"/>
-            </a:endParaRPr>
-          </a:p>
-        </p:txBody>
-      </p:sp>
-      <p:sp>
-        <p:nvSpPr>
-          <p:cNvPr id="4" name="投影片編號版面配置區 3"/>
-          <p:cNvSpPr>
-            <a:spLocks noGrp="1"/>
-          </p:cNvSpPr>
-          <p:nvPr>
-            <p:ph type="sldNum" sz="quarter" idx="12"/>
-          </p:nvPr>
-        </p:nvSpPr>
-        <p:spPr/>
-        <p:txBody>
-          <a:bodyPr/>
-          <a:lstStyle/>
-          <a:p>
-            <a:fld id="{3EBBE1F4-AE36-AD42-8177-96288CD18AD2}" type="slidenum">
-              <a:rPr lang="en-US" smtClean="0"/>
-              <a:pPr/>
-              <a:t>9</a:t>
-            </a:fld>
-            <a:endParaRPr lang="en-US"/>
-          </a:p>
-        </p:txBody>
-      </p:sp>
-      <mc:AlternateContent xmlns:mc="http://schemas.openxmlformats.org/markup-compatibility/2006" xmlns:a14="http://schemas.microsoft.com/office/drawing/2010/main">
-        <mc:Choice Requires="a14">
-          <p:sp>
-            <p:nvSpPr>
-              <p:cNvPr id="7" name="內容版面配置區 6"/>
-              <p:cNvSpPr>
-                <a:spLocks noGrp="1"/>
-              </p:cNvSpPr>
-              <p:nvPr>
-                <p:ph idx="1"/>
-              </p:nvPr>
-            </p:nvSpPr>
-            <p:spPr>
-              <a:xfrm>
-                <a:off x="1261775" y="1770422"/>
-                <a:ext cx="9668449" cy="4610906"/>
-              </a:xfrm>
-            </p:spPr>
-            <p:txBody>
-              <a:bodyPr/>
-              <a:lstStyle/>
-              <a:p>
-                <a:pPr marL="11112" indent="0" algn="ctr">
-                  <a:lnSpc>
-                    <a:spcPct val="150000"/>
-                  </a:lnSpc>
-                  <a:buNone/>
-                </a:pPr>
-                <a14:m>
-                  <m:oMathPara xmlns:m="http://schemas.openxmlformats.org/officeDocument/2006/math">
-                    <m:oMathParaPr>
-                      <m:jc m:val="center"/>
-                    </m:oMathParaPr>
-                    <m:oMath xmlns:m="http://schemas.openxmlformats.org/officeDocument/2006/math">
-                      <m:f>
-                        <m:fPr>
-                          <m:ctrlPr>
-                            <a:rPr kumimoji="1" lang="mr-IN" altLang="zh-TW" sz="4000" i="1" smtClean="0">
-                              <a:latin typeface="Cambria Math" charset="0"/>
-                            </a:rPr>
-                          </m:ctrlPr>
-                        </m:fPr>
-                        <m:num>
-                          <m:sSub>
-                            <m:sSubPr>
-                              <m:ctrlPr>
-                                <a:rPr kumimoji="1" lang="en-US" altLang="zh-TW" sz="4000" i="1">
-                                  <a:latin typeface="Cambria Math" charset="0"/>
-                                </a:rPr>
-                              </m:ctrlPr>
-                            </m:sSubPr>
-                            <m:e>
-                              <m:r>
-                                <a:rPr kumimoji="1" lang="en-US" altLang="zh-TW" sz="4000" i="1">
-                                  <a:latin typeface="Cambria Math" charset="0"/>
-                                </a:rPr>
-                                <m:t>𝑃</m:t>
-                              </m:r>
-                            </m:e>
-                            <m:sub>
-                              <m:r>
-                                <a:rPr kumimoji="1" lang="en-US" altLang="zh-TW" sz="4000" i="1">
-                                  <a:latin typeface="Cambria Math" charset="0"/>
-                                </a:rPr>
-                                <m:t>𝑟</m:t>
-                              </m:r>
-                            </m:sub>
-                          </m:sSub>
-                        </m:num>
-                        <m:den>
-                          <m:sSub>
-                            <m:sSubPr>
-                              <m:ctrlPr>
-                                <a:rPr kumimoji="1" lang="en-US" altLang="zh-TW" sz="4000" i="1">
-                                  <a:latin typeface="Cambria Math" charset="0"/>
-                                </a:rPr>
-                              </m:ctrlPr>
-                            </m:sSubPr>
-                            <m:e>
-                              <m:r>
-                                <a:rPr kumimoji="1" lang="en-US" altLang="zh-TW" sz="4000" i="1">
-                                  <a:latin typeface="Cambria Math" charset="0"/>
-                                </a:rPr>
-                                <m:t>𝑃</m:t>
-                              </m:r>
-                            </m:e>
-                            <m:sub>
-                              <m:r>
-                                <a:rPr kumimoji="1" lang="en-US" altLang="zh-TW" sz="4000" i="1">
-                                  <a:latin typeface="Cambria Math" charset="0"/>
-                                </a:rPr>
-                                <m:t>𝑡</m:t>
-                              </m:r>
-                            </m:sub>
-                          </m:sSub>
-                        </m:den>
-                      </m:f>
-                      <m:r>
-                        <a:rPr kumimoji="1" lang="en-US" altLang="zh-TW" sz="4000" i="1">
-                          <a:latin typeface="Cambria Math" charset="0"/>
-                        </a:rPr>
-                        <m:t>=</m:t>
-                      </m:r>
-                      <m:sSub>
-                        <m:sSubPr>
-                          <m:ctrlPr>
-                            <a:rPr kumimoji="1" lang="en-US" altLang="zh-TW" sz="4000" i="1">
-                              <a:latin typeface="Cambria Math" charset="0"/>
-                            </a:rPr>
-                          </m:ctrlPr>
-                        </m:sSubPr>
-                        <m:e>
-                          <m:r>
-                            <a:rPr kumimoji="1" lang="en-US" altLang="zh-TW" sz="4000" b="0" i="1" smtClean="0">
-                              <a:latin typeface="Cambria Math" charset="0"/>
-                            </a:rPr>
-                            <m:t>𝐷</m:t>
-                          </m:r>
-                        </m:e>
-                        <m:sub>
-                          <m:r>
-                            <a:rPr kumimoji="1" lang="en-US" altLang="zh-TW" sz="4000" i="1">
-                              <a:latin typeface="Cambria Math" charset="0"/>
-                            </a:rPr>
-                            <m:t>𝑡</m:t>
-                          </m:r>
-                        </m:sub>
-                      </m:sSub>
-                      <m:sSub>
-                        <m:sSubPr>
-                          <m:ctrlPr>
-                            <a:rPr kumimoji="1" lang="en-US" altLang="zh-TW" sz="4000" i="1">
-                              <a:latin typeface="Cambria Math" charset="0"/>
-                            </a:rPr>
-                          </m:ctrlPr>
-                        </m:sSubPr>
-                        <m:e>
-                          <m:r>
-                            <a:rPr kumimoji="1" lang="en-US" altLang="zh-TW" sz="4000" b="0" i="1" smtClean="0">
-                              <a:latin typeface="Cambria Math" charset="0"/>
-                            </a:rPr>
-                            <m:t>𝐷</m:t>
-                          </m:r>
-                        </m:e>
-                        <m:sub>
-                          <m:r>
-                            <a:rPr kumimoji="1" lang="en-US" altLang="zh-TW" sz="4000" b="0" i="1" smtClean="0">
-                              <a:latin typeface="Cambria Math" charset="0"/>
-                            </a:rPr>
-                            <m:t>𝑟</m:t>
-                          </m:r>
-                        </m:sub>
-                      </m:sSub>
-                      <m:sSup>
-                        <m:sSupPr>
-                          <m:ctrlPr>
-                            <a:rPr kumimoji="1" lang="en-US" altLang="zh-TW" sz="4000" i="1" smtClean="0">
-                              <a:latin typeface="Cambria Math" charset="0"/>
-                            </a:rPr>
-                          </m:ctrlPr>
-                        </m:sSupPr>
-                        <m:e>
-                          <m:r>
-                            <a:rPr kumimoji="1" lang="en-US" altLang="zh-TW" sz="4000" b="0" i="1" smtClean="0">
-                              <a:latin typeface="Cambria Math" charset="0"/>
-                            </a:rPr>
-                            <m:t>(</m:t>
-                          </m:r>
-                          <m:f>
-                            <m:fPr>
-                              <m:ctrlPr>
-                                <a:rPr kumimoji="1" lang="mr-IN" altLang="zh-TW" sz="4000" i="1">
-                                  <a:latin typeface="Cambria Math" charset="0"/>
-                                </a:rPr>
-                              </m:ctrlPr>
-                            </m:fPr>
-                            <m:num>
-                              <m:r>
-                                <a:rPr kumimoji="1" lang="en-US" altLang="zh-TW" sz="4000" i="1">
-                                  <a:latin typeface="Cambria Math" charset="0"/>
-                                  <a:ea typeface="Cambria Math" charset="0"/>
-                                  <a:cs typeface="Cambria Math" charset="0"/>
-                                </a:rPr>
-                                <m:t>𝜆</m:t>
-                              </m:r>
-                            </m:num>
-                            <m:den>
-                              <m:r>
-                                <a:rPr kumimoji="1" lang="en-US" altLang="zh-TW" sz="4000" i="1" smtClean="0">
-                                  <a:solidFill>
-                                    <a:schemeClr val="tx1"/>
-                                  </a:solidFill>
-                                  <a:latin typeface="Cambria Math" charset="0"/>
-                                </a:rPr>
-                                <m:t>4</m:t>
-                              </m:r>
-                              <m:r>
-                                <a:rPr kumimoji="1" lang="en-US" altLang="zh-TW" sz="4000" i="1">
-                                  <a:solidFill>
-                                    <a:schemeClr val="tx1"/>
-                                  </a:solidFill>
-                                  <a:latin typeface="Cambria Math" charset="0"/>
-                                  <a:ea typeface="Cambria Math" charset="0"/>
-                                  <a:cs typeface="Cambria Math" charset="0"/>
-                                </a:rPr>
-                                <m:t>𝜋</m:t>
-                              </m:r>
-                              <m:r>
-                                <a:rPr kumimoji="1" lang="en-US" altLang="zh-TW" sz="4000" i="1">
-                                  <a:solidFill>
-                                    <a:schemeClr val="tx1"/>
-                                  </a:solidFill>
-                                  <a:latin typeface="Cambria Math" charset="0"/>
-                                  <a:ea typeface="Cambria Math" charset="0"/>
-                                  <a:cs typeface="Cambria Math" charset="0"/>
-                                </a:rPr>
-                                <m:t>𝑑</m:t>
-                              </m:r>
-                            </m:den>
-                          </m:f>
-                          <m:r>
-                            <a:rPr kumimoji="1" lang="en-US" altLang="zh-TW" sz="4000" b="0" i="1" smtClean="0">
-                              <a:latin typeface="Cambria Math" charset="0"/>
-                            </a:rPr>
-                            <m:t>)</m:t>
-                          </m:r>
-                        </m:e>
-                        <m:sup>
-                          <m:r>
-                            <a:rPr kumimoji="1" lang="en-US" altLang="zh-TW" sz="4000" b="0" i="1" smtClean="0">
-                              <a:latin typeface="Cambria Math" charset="0"/>
-                            </a:rPr>
-                            <m:t>2</m:t>
-                          </m:r>
-                        </m:sup>
-                      </m:sSup>
-                    </m:oMath>
-                  </m:oMathPara>
-                </a14:m>
-                <a:endParaRPr kumimoji="1" lang="en-US" altLang="zh-TW" sz="4000" dirty="0" smtClean="0"/>
-              </a:p>
-              <a:p>
-                <a:pPr marL="11112" indent="0" algn="ctr">
-                  <a:lnSpc>
-                    <a:spcPct val="150000"/>
-                  </a:lnSpc>
-                  <a:buNone/>
-                </a:pPr>
-                <a14:m>
-                  <m:oMathPara xmlns:m="http://schemas.openxmlformats.org/officeDocument/2006/math">
-                    <m:oMathParaPr>
-                      <m:jc m:val="center"/>
-                    </m:oMathParaPr>
-                    <m:oMath xmlns:m="http://schemas.openxmlformats.org/officeDocument/2006/math">
-                      <m:sSub>
-                        <m:sSubPr>
-                          <m:ctrlPr>
-                            <a:rPr kumimoji="1" lang="en-US" altLang="zh-TW" sz="4000" i="1">
-                              <a:latin typeface="Cambria Math" charset="0"/>
-                            </a:rPr>
-                          </m:ctrlPr>
-                        </m:sSubPr>
-                        <m:e>
-                          <m:r>
-                            <a:rPr kumimoji="1" lang="en-US" altLang="zh-TW" sz="4000" i="1">
-                              <a:latin typeface="Cambria Math" charset="0"/>
-                            </a:rPr>
-                            <m:t>𝑃</m:t>
-                          </m:r>
-                        </m:e>
-                        <m:sub>
-                          <m:r>
-                            <a:rPr kumimoji="1" lang="en-US" altLang="zh-TW" sz="4000" i="1">
-                              <a:latin typeface="Cambria Math" charset="0"/>
-                            </a:rPr>
-                            <m:t>𝑟</m:t>
-                          </m:r>
-                        </m:sub>
-                      </m:sSub>
-                      <m:r>
-                        <a:rPr kumimoji="1" lang="en-US" altLang="zh-TW" sz="4000" b="0" i="1" smtClean="0">
-                          <a:latin typeface="Cambria Math" charset="0"/>
-                        </a:rPr>
-                        <m:t>(</m:t>
-                      </m:r>
-                      <m:r>
-                        <a:rPr kumimoji="1" lang="en-US" altLang="zh-TW" sz="4000" b="0" i="1" smtClean="0">
-                          <a:latin typeface="Cambria Math" charset="0"/>
-                        </a:rPr>
-                        <m:t>𝑑𝐵𝑚</m:t>
-                      </m:r>
-                      <m:r>
-                        <a:rPr kumimoji="1" lang="en-US" altLang="zh-TW" sz="4000" b="0" i="1" smtClean="0">
-                          <a:latin typeface="Cambria Math" charset="0"/>
-                        </a:rPr>
-                        <m:t>)</m:t>
-                      </m:r>
-                      <m:r>
-                        <a:rPr kumimoji="1" lang="en-US" altLang="zh-TW" sz="4000" b="0" i="0" smtClean="0">
-                          <a:latin typeface="Cambria Math" charset="0"/>
-                        </a:rPr>
-                        <m:t>=</m:t>
-                      </m:r>
-                      <m:sSub>
-                        <m:sSubPr>
-                          <m:ctrlPr>
-                            <a:rPr kumimoji="1" lang="en-US" altLang="zh-TW" sz="4000" i="1">
-                              <a:latin typeface="Cambria Math" charset="0"/>
-                            </a:rPr>
-                          </m:ctrlPr>
-                        </m:sSubPr>
-                        <m:e>
-                          <m:r>
-                            <a:rPr kumimoji="1" lang="en-US" altLang="zh-TW" sz="4000" i="1">
-                              <a:latin typeface="Cambria Math" charset="0"/>
-                            </a:rPr>
-                            <m:t>𝑃</m:t>
-                          </m:r>
-                        </m:e>
-                        <m:sub>
-                          <m:r>
-                            <a:rPr kumimoji="1" lang="en-US" altLang="zh-TW" sz="4000" b="0" i="1" smtClean="0">
-                              <a:latin typeface="Cambria Math" charset="0"/>
-                            </a:rPr>
-                            <m:t>𝑡</m:t>
-                          </m:r>
-                        </m:sub>
-                      </m:sSub>
-                      <m:r>
-                        <a:rPr kumimoji="1" lang="en-US" altLang="zh-TW" sz="4000" b="0" i="1" smtClean="0">
-                          <a:latin typeface="Cambria Math" charset="0"/>
-                        </a:rPr>
-                        <m:t>+</m:t>
-                      </m:r>
-                      <m:sSub>
-                        <m:sSubPr>
-                          <m:ctrlPr>
-                            <a:rPr kumimoji="1" lang="en-US" altLang="zh-TW" sz="4000" i="1">
-                              <a:latin typeface="Cambria Math" charset="0"/>
-                            </a:rPr>
-                          </m:ctrlPr>
-                        </m:sSubPr>
-                        <m:e>
-                          <m:r>
-                            <a:rPr kumimoji="1" lang="en-US" altLang="zh-TW" sz="4000" b="0" i="1" smtClean="0">
-                              <a:latin typeface="Cambria Math" charset="0"/>
-                            </a:rPr>
-                            <m:t>𝐷</m:t>
-                          </m:r>
-                        </m:e>
-                        <m:sub>
-                          <m:r>
-                            <a:rPr kumimoji="1" lang="en-US" altLang="zh-TW" sz="4000" i="1">
-                              <a:latin typeface="Cambria Math" charset="0"/>
-                            </a:rPr>
-                            <m:t>𝑟</m:t>
-                          </m:r>
-                        </m:sub>
-                      </m:sSub>
-                      <m:r>
-                        <a:rPr kumimoji="1" lang="en-US" altLang="zh-TW" sz="4000" b="0" i="1" smtClean="0">
-                          <a:latin typeface="Cambria Math" charset="0"/>
-                        </a:rPr>
-                        <m:t>+</m:t>
-                      </m:r>
-                      <m:sSub>
-                        <m:sSubPr>
-                          <m:ctrlPr>
-                            <a:rPr kumimoji="1" lang="en-US" altLang="zh-TW" sz="4000" i="1">
-                              <a:latin typeface="Cambria Math" charset="0"/>
-                            </a:rPr>
-                          </m:ctrlPr>
-                        </m:sSubPr>
-                        <m:e>
-                          <m:r>
-                            <a:rPr kumimoji="1" lang="en-US" altLang="zh-TW" sz="4000" b="0" i="1" smtClean="0">
-                              <a:latin typeface="Cambria Math" charset="0"/>
-                            </a:rPr>
-                            <m:t>𝐷</m:t>
-                          </m:r>
-                        </m:e>
-                        <m:sub>
-                          <m:r>
-                            <a:rPr kumimoji="1" lang="en-US" altLang="zh-TW" sz="4000" b="0" i="1" smtClean="0">
-                              <a:latin typeface="Cambria Math" charset="0"/>
-                            </a:rPr>
-                            <m:t>𝑡</m:t>
-                          </m:r>
-                        </m:sub>
-                      </m:sSub>
-                      <m:r>
-                        <a:rPr kumimoji="1" lang="en-US" altLang="zh-TW" sz="4000" b="0" i="1" smtClean="0">
-                          <a:latin typeface="Cambria Math" charset="0"/>
-                        </a:rPr>
-                        <m:t>+20</m:t>
-                      </m:r>
-                      <m:sSub>
-                        <m:sSubPr>
-                          <m:ctrlPr>
-                            <a:rPr kumimoji="1" lang="en-US" altLang="zh-TW" sz="4000" b="0" i="1" smtClean="0">
-                              <a:latin typeface="Cambria Math" charset="0"/>
-                            </a:rPr>
-                          </m:ctrlPr>
-                        </m:sSubPr>
-                        <m:e>
-                          <m:r>
-                            <a:rPr kumimoji="1" lang="en-US" altLang="zh-TW" sz="4000" b="0" i="1" smtClean="0">
-                              <a:latin typeface="Cambria Math" charset="0"/>
-                            </a:rPr>
-                            <m:t>𝑙𝑜𝑔</m:t>
-                          </m:r>
-                        </m:e>
-                        <m:sub>
-                          <m:r>
-                            <a:rPr kumimoji="1" lang="en-US" altLang="zh-TW" sz="4000" b="0" i="1" smtClean="0">
-                              <a:latin typeface="Cambria Math" charset="0"/>
-                            </a:rPr>
-                            <m:t>10</m:t>
-                          </m:r>
-                        </m:sub>
-                      </m:sSub>
-                      <m:r>
-                        <a:rPr kumimoji="1" lang="en-US" altLang="zh-TW" sz="4000" i="1">
-                          <a:latin typeface="Cambria Math" charset="0"/>
-                        </a:rPr>
-                        <m:t>(</m:t>
-                      </m:r>
-                      <m:f>
-                        <m:fPr>
-                          <m:ctrlPr>
-                            <a:rPr kumimoji="1" lang="mr-IN" altLang="zh-TW" sz="4000" i="1">
-                              <a:latin typeface="Cambria Math" charset="0"/>
-                            </a:rPr>
-                          </m:ctrlPr>
-                        </m:fPr>
-                        <m:num>
-                          <m:r>
-                            <a:rPr kumimoji="1" lang="en-US" altLang="zh-TW" sz="4000" i="1">
-                              <a:latin typeface="Cambria Math" charset="0"/>
-                              <a:ea typeface="Cambria Math" charset="0"/>
-                              <a:cs typeface="Cambria Math" charset="0"/>
-                            </a:rPr>
-                            <m:t>𝜆</m:t>
-                          </m:r>
-                        </m:num>
-                        <m:den>
-                          <m:r>
-                            <a:rPr kumimoji="1" lang="en-US" altLang="zh-TW" sz="4000" i="1">
-                              <a:latin typeface="Cambria Math" charset="0"/>
-                            </a:rPr>
-                            <m:t>4</m:t>
-                          </m:r>
-                          <m:r>
-                            <a:rPr kumimoji="1" lang="en-US" altLang="zh-TW" sz="4000" i="1">
-                              <a:latin typeface="Cambria Math" charset="0"/>
-                              <a:ea typeface="Cambria Math" charset="0"/>
-                              <a:cs typeface="Cambria Math" charset="0"/>
-                            </a:rPr>
-                            <m:t>𝜋</m:t>
-                          </m:r>
-                          <m:r>
-                            <a:rPr kumimoji="1" lang="en-US" altLang="zh-TW" sz="4000" i="1">
-                              <a:latin typeface="Cambria Math" charset="0"/>
-                              <a:ea typeface="Cambria Math" charset="0"/>
-                              <a:cs typeface="Cambria Math" charset="0"/>
-                            </a:rPr>
-                            <m:t>𝑑</m:t>
-                          </m:r>
-                        </m:den>
-                      </m:f>
-                      <m:r>
-                        <a:rPr kumimoji="1" lang="en-US" altLang="zh-TW" sz="4000" i="1">
-                          <a:latin typeface="Cambria Math" charset="0"/>
-                        </a:rPr>
-                        <m:t>)</m:t>
-                      </m:r>
-                    </m:oMath>
-                  </m:oMathPara>
-                </a14:m>
-                <a:endParaRPr kumimoji="1" lang="en-US" altLang="zh-TW" sz="4000" dirty="0"/>
-              </a:p>
-              <a:p>
-                <a:pPr marL="11112" indent="0" algn="ctr">
-                  <a:lnSpc>
-                    <a:spcPct val="150000"/>
-                  </a:lnSpc>
-                  <a:buNone/>
-                </a:pPr>
-                <a:endParaRPr kumimoji="1" lang="zh-TW" altLang="en-US" sz="3200" dirty="0">
-                  <a:latin typeface="Times New Roman" charset="0"/>
-                  <a:ea typeface="Times New Roman" charset="0"/>
-                  <a:cs typeface="Times New Roman" charset="0"/>
-                </a:endParaRPr>
-              </a:p>
-            </p:txBody>
-          </p:sp>
-        </mc:Choice>
-        <mc:Fallback xmlns="">
-          <p:sp>
-            <p:nvSpPr>
-              <p:cNvPr id="7" name="內容版面配置區 6"/>
-              <p:cNvSpPr>
-                <a:spLocks noGrp="1" noRot="1" noChangeAspect="1" noMove="1" noResize="1" noEditPoints="1" noAdjustHandles="1" noChangeArrowheads="1" noChangeShapeType="1" noTextEdit="1"/>
-              </p:cNvSpPr>
-              <p:nvPr>
-                <p:ph idx="1"/>
-              </p:nvPr>
-            </p:nvSpPr>
-            <p:spPr>
-              <a:xfrm>
-                <a:off x="1261775" y="1770422"/>
-                <a:ext cx="9668449" cy="4610906"/>
-              </a:xfrm>
-              <a:blipFill rotWithShape="0">
-                <a:blip r:embed="rId3"/>
-                <a:stretch>
-                  <a:fillRect/>
-                </a:stretch>
-              </a:blipFill>
-            </p:spPr>
-            <p:txBody>
-              <a:bodyPr/>
-              <a:lstStyle/>
-              <a:p>
-                <a:r>
-                  <a:rPr lang="zh-TW" altLang="en-US">
-                    <a:noFill/>
-                  </a:rPr>
-                  <a:t> </a:t>
-                </a:r>
-              </a:p>
-            </p:txBody>
-          </p:sp>
-        </mc:Fallback>
-      </mc:AlternateContent>
-    </p:spTree>
-    <p:extLst>
-      <p:ext uri="{BB962C8B-B14F-4D97-AF65-F5344CB8AC3E}">
-        <p14:creationId xmlns:p14="http://schemas.microsoft.com/office/powerpoint/2010/main" val="2083369087"/>
       </p:ext>
     </p:extLst>
   </p:cSld>

--- a/Freshman_Training.pptx
+++ b/Freshman_Training.pptx
@@ -5,7 +5,7 @@
     <p:sldMasterId id="2147483660" r:id="rId1"/>
   </p:sldMasterIdLst>
   <p:notesMasterIdLst>
-    <p:notesMasterId r:id="rId17"/>
+    <p:notesMasterId r:id="rId21"/>
   </p:notesMasterIdLst>
   <p:sldIdLst>
     <p:sldId id="256" r:id="rId2"/>
@@ -13,16 +13,20 @@
     <p:sldId id="303" r:id="rId4"/>
     <p:sldId id="306" r:id="rId5"/>
     <p:sldId id="314" r:id="rId6"/>
-    <p:sldId id="304" r:id="rId7"/>
-    <p:sldId id="308" r:id="rId8"/>
-    <p:sldId id="307" r:id="rId9"/>
-    <p:sldId id="309" r:id="rId10"/>
-    <p:sldId id="310" r:id="rId11"/>
-    <p:sldId id="311" r:id="rId12"/>
-    <p:sldId id="312" r:id="rId13"/>
-    <p:sldId id="313" r:id="rId14"/>
-    <p:sldId id="305" r:id="rId15"/>
-    <p:sldId id="301" r:id="rId16"/>
+    <p:sldId id="315" r:id="rId7"/>
+    <p:sldId id="316" r:id="rId8"/>
+    <p:sldId id="317" r:id="rId9"/>
+    <p:sldId id="318" r:id="rId10"/>
+    <p:sldId id="304" r:id="rId11"/>
+    <p:sldId id="308" r:id="rId12"/>
+    <p:sldId id="307" r:id="rId13"/>
+    <p:sldId id="309" r:id="rId14"/>
+    <p:sldId id="310" r:id="rId15"/>
+    <p:sldId id="311" r:id="rId16"/>
+    <p:sldId id="312" r:id="rId17"/>
+    <p:sldId id="313" r:id="rId18"/>
+    <p:sldId id="305" r:id="rId19"/>
+    <p:sldId id="301" r:id="rId20"/>
   </p:sldIdLst>
   <p:sldSz cx="12192000" cy="6858000"/>
   <p:notesSz cx="6858000" cy="9144000"/>
@@ -135,6 +139,10 @@
             <p14:sldId id="303"/>
             <p14:sldId id="306"/>
             <p14:sldId id="314"/>
+            <p14:sldId id="315"/>
+            <p14:sldId id="316"/>
+            <p14:sldId id="317"/>
+            <p14:sldId id="318"/>
           </p14:sldIdLst>
         </p14:section>
         <p14:section name="Friis" id="{C428E832-B5F1-8843-AEE0-707319BB8BD9}">
@@ -631,83 +639,132 @@
         </p:nvSpPr>
         <p:spPr/>
       </p:sp>
-      <p:sp>
-        <p:nvSpPr>
-          <p:cNvPr id="3" name="備忘稿版面配置區 2"/>
-          <p:cNvSpPr>
-            <a:spLocks noGrp="1"/>
-          </p:cNvSpPr>
-          <p:nvPr>
-            <p:ph type="body" idx="1"/>
-          </p:nvPr>
-        </p:nvSpPr>
-        <p:spPr/>
-        <p:txBody>
-          <a:bodyPr/>
-          <a:lstStyle/>
-          <a:p>
-            <a:r>
-              <a:rPr kumimoji="1" lang="zh-TW" altLang="en-US" dirty="0" smtClean="0"/>
-              <a:t>通常會用 </a:t>
-            </a:r>
-            <a:r>
-              <a:rPr kumimoji="1" lang="en-US" altLang="zh-TW" dirty="0" smtClean="0"/>
-              <a:t>gain </a:t>
-            </a:r>
-            <a:r>
-              <a:rPr kumimoji="1" lang="zh-TW" altLang="en-US" dirty="0" smtClean="0"/>
-              <a:t>表達天線的 </a:t>
-            </a:r>
-            <a:r>
-              <a:rPr kumimoji="1" lang="en-US" altLang="zh-TW" dirty="0" smtClean="0"/>
-              <a:t>performance </a:t>
-            </a:r>
-            <a:endParaRPr kumimoji="1" lang="zh-TW" altLang="en-US" dirty="0" smtClean="0"/>
-          </a:p>
-          <a:p>
-            <a:r>
-              <a:rPr kumimoji="1" lang="en-US" altLang="zh-TW" dirty="0" err="1" smtClean="0"/>
-              <a:t>Friis</a:t>
-            </a:r>
-            <a:r>
-              <a:rPr kumimoji="1" lang="en-US" altLang="zh-TW" baseline="0" dirty="0" smtClean="0"/>
-              <a:t> </a:t>
-            </a:r>
-            <a:r>
-              <a:rPr kumimoji="1" lang="zh-TW" altLang="en-US" baseline="0" dirty="0" smtClean="0"/>
-              <a:t>認為</a:t>
-            </a:r>
-            <a:r>
-              <a:rPr kumimoji="1" lang="zh-TW" altLang="en-US" dirty="0" smtClean="0"/>
-              <a:t>現有的公式都太多係數要記</a:t>
-            </a:r>
-            <a:endParaRPr kumimoji="1" lang="en-US" altLang="zh-TW" dirty="0" smtClean="0"/>
-          </a:p>
-          <a:p>
-            <a:r>
-              <a:rPr kumimoji="1" lang="en-US" altLang="zh-TW" dirty="0" smtClean="0"/>
-              <a:t>Capture area </a:t>
-            </a:r>
-            <a:r>
-              <a:rPr kumimoji="1" lang="zh-TW" altLang="en-US" dirty="0" smtClean="0"/>
-              <a:t>展現 </a:t>
-            </a:r>
-            <a:r>
-              <a:rPr kumimoji="1" lang="en-US" altLang="zh-TW" dirty="0" smtClean="0"/>
-              <a:t>free space radio</a:t>
-            </a:r>
-            <a:r>
-              <a:rPr kumimoji="1" lang="en-US" altLang="zh-TW" baseline="0" dirty="0" smtClean="0"/>
-              <a:t> circuit </a:t>
-            </a:r>
-            <a:r>
-              <a:rPr kumimoji="1" lang="zh-TW" altLang="en-US" baseline="0" dirty="0" smtClean="0"/>
-              <a:t>的特色</a:t>
-            </a:r>
-            <a:endParaRPr kumimoji="1" lang="zh-TW" altLang="en-US" dirty="0"/>
-          </a:p>
-        </p:txBody>
-      </p:sp>
+      <mc:AlternateContent xmlns:mc="http://schemas.openxmlformats.org/markup-compatibility/2006">
+        <mc:Choice xmlns:a14="http://schemas.microsoft.com/office/drawing/2010/main" Requires="a14">
+          <p:sp>
+            <p:nvSpPr>
+              <p:cNvPr id="3" name="備忘稿版面配置區 2"/>
+              <p:cNvSpPr>
+                <a:spLocks noGrp="1"/>
+              </p:cNvSpPr>
+              <p:nvPr>
+                <p:ph type="body" idx="1"/>
+              </p:nvPr>
+            </p:nvSpPr>
+            <p:spPr/>
+            <p:txBody>
+              <a:bodyPr/>
+              <a:lstStyle/>
+              <a:p>
+                <a:r>
+                  <a:rPr kumimoji="1" lang="en-US" altLang="zh-TW" dirty="0" smtClean="0"/>
+                  <a:t>Time -&gt;</a:t>
+                </a:r>
+                <a:r>
+                  <a:rPr kumimoji="1" lang="en-US" altLang="zh-TW" baseline="0" dirty="0" smtClean="0"/>
+                  <a:t> FFT -&gt; freq</a:t>
+                </a:r>
+                <a:r>
+                  <a:rPr kumimoji="1" lang="en-US" altLang="zh-TW" baseline="0" dirty="0" smtClean="0"/>
+                  <a:t>.     </a:t>
+                </a:r>
+                <a14:m>
+                  <m:oMath xmlns:m="http://schemas.openxmlformats.org/officeDocument/2006/math">
+                    <m:r>
+                      <a:rPr kumimoji="1" lang="en-US" altLang="zh-TW" sz="1200" i="1" smtClean="0">
+                        <a:latin typeface="Cambria Math" charset="0"/>
+                        <a:ea typeface="Cambria Math" charset="0"/>
+                        <a:cs typeface="Cambria Math" charset="0"/>
+                      </a:rPr>
+                      <m:t>𝜔</m:t>
+                    </m:r>
+                    <m:r>
+                      <a:rPr kumimoji="1" lang="en-US" altLang="zh-TW" sz="1200" b="0" i="1" smtClean="0">
+                        <a:latin typeface="Cambria Math" charset="0"/>
+                        <a:ea typeface="Cambria Math" charset="0"/>
+                        <a:cs typeface="Cambria Math" charset="0"/>
+                      </a:rPr>
+                      <m:t>=2</m:t>
+                    </m:r>
+                    <m:r>
+                      <a:rPr kumimoji="1" lang="en-US" altLang="zh-TW" sz="1200" b="0" i="1" smtClean="0">
+                        <a:latin typeface="Cambria Math" charset="0"/>
+                        <a:ea typeface="Cambria Math" charset="0"/>
+                        <a:cs typeface="Cambria Math" charset="0"/>
+                      </a:rPr>
+                      <m:t>𝜋</m:t>
+                    </m:r>
+                    <m:r>
+                      <a:rPr kumimoji="1" lang="en-US" altLang="zh-TW" sz="1200" b="0" i="1" smtClean="0">
+                        <a:latin typeface="Cambria Math" charset="0"/>
+                        <a:ea typeface="Cambria Math" charset="0"/>
+                        <a:cs typeface="Cambria Math" charset="0"/>
+                      </a:rPr>
+                      <m:t>𝑓</m:t>
+                    </m:r>
+                  </m:oMath>
+                </a14:m>
+                <a:endParaRPr kumimoji="1" lang="zh-TW" altLang="en-US" sz="1200" dirty="0"/>
+              </a:p>
+              <a:p>
+                <a:endParaRPr kumimoji="1" lang="zh-TW" altLang="en-US" dirty="0"/>
+              </a:p>
+            </p:txBody>
+          </p:sp>
+        </mc:Choice>
+        <mc:Fallback>
+          <p:sp>
+            <p:nvSpPr>
+              <p:cNvPr id="3" name="備忘稿版面配置區 2"/>
+              <p:cNvSpPr>
+                <a:spLocks noGrp="1"/>
+              </p:cNvSpPr>
+              <p:nvPr>
+                <p:ph type="body" idx="1"/>
+              </p:nvPr>
+            </p:nvSpPr>
+            <p:spPr/>
+            <p:txBody>
+              <a:bodyPr/>
+              <a:lstStyle/>
+              <a:p>
+                <a:r>
+                  <a:rPr kumimoji="1" lang="en-US" altLang="zh-TW" dirty="0" smtClean="0"/>
+                  <a:t>Time -&gt;</a:t>
+                </a:r>
+                <a:r>
+                  <a:rPr kumimoji="1" lang="en-US" altLang="zh-TW" baseline="0" dirty="0" smtClean="0"/>
+                  <a:t> FFT -&gt; freq</a:t>
+                </a:r>
+                <a:r>
+                  <a:rPr kumimoji="1" lang="en-US" altLang="zh-TW" baseline="0" dirty="0" smtClean="0"/>
+                  <a:t>.     </a:t>
+                </a:r>
+                <a:r>
+                  <a:rPr kumimoji="1" lang="en-US" altLang="zh-TW" sz="1200" i="0" smtClean="0">
+                    <a:latin typeface="Cambria Math" charset="0"/>
+                    <a:ea typeface="Cambria Math" charset="0"/>
+                    <a:cs typeface="Cambria Math" charset="0"/>
+                  </a:rPr>
+                  <a:t>𝜔</a:t>
+                </a:r>
+                <a:r>
+                  <a:rPr kumimoji="1" lang="en-US" altLang="zh-TW" sz="1200" b="0" i="0" smtClean="0">
+                    <a:latin typeface="Cambria Math" charset="0"/>
+                    <a:ea typeface="Cambria Math" charset="0"/>
+                    <a:cs typeface="Cambria Math" charset="0"/>
+                  </a:rPr>
+                  <a:t>=2𝜋𝑓</a:t>
+                </a:r>
+                <a:endParaRPr kumimoji="1" lang="zh-TW" altLang="en-US" sz="1200" dirty="0"/>
+              </a:p>
+              <a:p>
+                <a:endParaRPr kumimoji="1" lang="zh-TW" altLang="en-US" dirty="0"/>
+              </a:p>
+            </p:txBody>
+          </p:sp>
+        </mc:Fallback>
+      </mc:AlternateContent>
       <p:sp>
         <p:nvSpPr>
           <p:cNvPr id="4" name="投影片編號版面配置區 3"/>
@@ -725,7 +782,7 @@
           <a:p>
             <a:fld id="{C79F9334-C2B5-40DC-A82F-94CC416C9799}" type="slidenum">
               <a:rPr lang="zh-TW" altLang="en-US" smtClean="0"/>
-              <a:t>7</a:t>
+              <a:t>5</a:t>
             </a:fld>
             <a:endParaRPr lang="zh-TW" altLang="en-US"/>
           </a:p>
@@ -734,7 +791,7 @@
     </p:spTree>
     <p:extLst>
       <p:ext uri="{BB962C8B-B14F-4D97-AF65-F5344CB8AC3E}">
-        <p14:creationId xmlns:p14="http://schemas.microsoft.com/office/powerpoint/2010/main" val="854770306"/>
+        <p14:creationId xmlns:p14="http://schemas.microsoft.com/office/powerpoint/2010/main" val="1421075239"/>
       </p:ext>
     </p:extLst>
   </p:cSld>
@@ -773,25 +830,132 @@
         </p:nvSpPr>
         <p:spPr/>
       </p:sp>
-      <p:sp>
-        <p:nvSpPr>
-          <p:cNvPr id="3" name="備忘稿版面配置區 2"/>
-          <p:cNvSpPr>
-            <a:spLocks noGrp="1"/>
-          </p:cNvSpPr>
-          <p:nvPr>
-            <p:ph type="body" idx="1"/>
-          </p:nvPr>
-        </p:nvSpPr>
-        <p:spPr/>
-        <p:txBody>
-          <a:bodyPr/>
-          <a:lstStyle/>
-          <a:p>
-            <a:endParaRPr kumimoji="1" lang="zh-TW" altLang="en-US" dirty="0"/>
-          </a:p>
-        </p:txBody>
-      </p:sp>
+      <mc:AlternateContent xmlns:mc="http://schemas.openxmlformats.org/markup-compatibility/2006">
+        <mc:Choice xmlns:a14="http://schemas.microsoft.com/office/drawing/2010/main" Requires="a14">
+          <p:sp>
+            <p:nvSpPr>
+              <p:cNvPr id="3" name="備忘稿版面配置區 2"/>
+              <p:cNvSpPr>
+                <a:spLocks noGrp="1"/>
+              </p:cNvSpPr>
+              <p:nvPr>
+                <p:ph type="body" idx="1"/>
+              </p:nvPr>
+            </p:nvSpPr>
+            <p:spPr/>
+            <p:txBody>
+              <a:bodyPr/>
+              <a:lstStyle/>
+              <a:p>
+                <a:r>
+                  <a:rPr kumimoji="1" lang="en-US" altLang="zh-TW" dirty="0" smtClean="0"/>
+                  <a:t>Time -&gt;</a:t>
+                </a:r>
+                <a:r>
+                  <a:rPr kumimoji="1" lang="en-US" altLang="zh-TW" baseline="0" dirty="0" smtClean="0"/>
+                  <a:t> FFT -&gt; freq</a:t>
+                </a:r>
+                <a:r>
+                  <a:rPr kumimoji="1" lang="en-US" altLang="zh-TW" baseline="0" dirty="0" smtClean="0"/>
+                  <a:t>.     </a:t>
+                </a:r>
+                <a14:m>
+                  <m:oMath xmlns:m="http://schemas.openxmlformats.org/officeDocument/2006/math">
+                    <m:r>
+                      <a:rPr kumimoji="1" lang="en-US" altLang="zh-TW" sz="1200" i="1" smtClean="0">
+                        <a:latin typeface="Cambria Math" charset="0"/>
+                        <a:ea typeface="Cambria Math" charset="0"/>
+                        <a:cs typeface="Cambria Math" charset="0"/>
+                      </a:rPr>
+                      <m:t>𝜔</m:t>
+                    </m:r>
+                    <m:r>
+                      <a:rPr kumimoji="1" lang="en-US" altLang="zh-TW" sz="1200" b="0" i="1" smtClean="0">
+                        <a:latin typeface="Cambria Math" charset="0"/>
+                        <a:ea typeface="Cambria Math" charset="0"/>
+                        <a:cs typeface="Cambria Math" charset="0"/>
+                      </a:rPr>
+                      <m:t>=2</m:t>
+                    </m:r>
+                    <m:r>
+                      <a:rPr kumimoji="1" lang="en-US" altLang="zh-TW" sz="1200" b="0" i="1" smtClean="0">
+                        <a:latin typeface="Cambria Math" charset="0"/>
+                        <a:ea typeface="Cambria Math" charset="0"/>
+                        <a:cs typeface="Cambria Math" charset="0"/>
+                      </a:rPr>
+                      <m:t>𝜋</m:t>
+                    </m:r>
+                    <m:r>
+                      <a:rPr kumimoji="1" lang="en-US" altLang="zh-TW" sz="1200" b="0" i="1" smtClean="0">
+                        <a:latin typeface="Cambria Math" charset="0"/>
+                        <a:ea typeface="Cambria Math" charset="0"/>
+                        <a:cs typeface="Cambria Math" charset="0"/>
+                      </a:rPr>
+                      <m:t>𝑓</m:t>
+                    </m:r>
+                  </m:oMath>
+                </a14:m>
+                <a:endParaRPr kumimoji="1" lang="zh-TW" altLang="en-US" sz="1200" dirty="0"/>
+              </a:p>
+              <a:p>
+                <a:endParaRPr kumimoji="1" lang="zh-TW" altLang="en-US" dirty="0"/>
+              </a:p>
+            </p:txBody>
+          </p:sp>
+        </mc:Choice>
+        <mc:Fallback>
+          <p:sp>
+            <p:nvSpPr>
+              <p:cNvPr id="3" name="備忘稿版面配置區 2"/>
+              <p:cNvSpPr>
+                <a:spLocks noGrp="1"/>
+              </p:cNvSpPr>
+              <p:nvPr>
+                <p:ph type="body" idx="1"/>
+              </p:nvPr>
+            </p:nvSpPr>
+            <p:spPr/>
+            <p:txBody>
+              <a:bodyPr/>
+              <a:lstStyle/>
+              <a:p>
+                <a:r>
+                  <a:rPr kumimoji="1" lang="en-US" altLang="zh-TW" dirty="0" smtClean="0"/>
+                  <a:t>Time -&gt;</a:t>
+                </a:r>
+                <a:r>
+                  <a:rPr kumimoji="1" lang="en-US" altLang="zh-TW" baseline="0" dirty="0" smtClean="0"/>
+                  <a:t> FFT -&gt; freq</a:t>
+                </a:r>
+                <a:r>
+                  <a:rPr kumimoji="1" lang="en-US" altLang="zh-TW" baseline="0" dirty="0" smtClean="0"/>
+                  <a:t>.     </a:t>
+                </a:r>
+                <a:r>
+                  <a:rPr kumimoji="1" lang="en-US" altLang="zh-TW" sz="1200" i="0" smtClean="0">
+                    <a:latin typeface="Cambria Math" charset="0"/>
+                    <a:ea typeface="Cambria Math" charset="0"/>
+                    <a:cs typeface="Cambria Math" charset="0"/>
+                  </a:rPr>
+                  <a:t>𝜔</a:t>
+                </a:r>
+                <a:r>
+                  <a:rPr kumimoji="1" lang="en-US" altLang="zh-TW" sz="1200" b="0" i="0" smtClean="0">
+                    <a:latin typeface="Cambria Math" charset="0"/>
+                    <a:ea typeface="Cambria Math" charset="0"/>
+                    <a:cs typeface="Cambria Math" charset="0"/>
+                  </a:rPr>
+                  <a:t>=2𝜋𝑓</a:t>
+                </a:r>
+                <a:endParaRPr kumimoji="1" lang="zh-TW" altLang="en-US" sz="1200" dirty="0"/>
+              </a:p>
+              <a:p>
+                <a:endParaRPr kumimoji="1" lang="zh-TW" altLang="en-US" dirty="0"/>
+              </a:p>
+            </p:txBody>
+          </p:sp>
+        </mc:Fallback>
+      </mc:AlternateContent>
       <p:sp>
         <p:nvSpPr>
           <p:cNvPr id="4" name="投影片編號版面配置區 3"/>
@@ -809,7 +973,7 @@
           <a:p>
             <a:fld id="{C79F9334-C2B5-40DC-A82F-94CC416C9799}" type="slidenum">
               <a:rPr lang="zh-TW" altLang="en-US" smtClean="0"/>
-              <a:t>9</a:t>
+              <a:t>6</a:t>
             </a:fld>
             <a:endParaRPr lang="zh-TW" altLang="en-US"/>
           </a:p>
@@ -818,7 +982,7 @@
     </p:spTree>
     <p:extLst>
       <p:ext uri="{BB962C8B-B14F-4D97-AF65-F5344CB8AC3E}">
-        <p14:creationId xmlns:p14="http://schemas.microsoft.com/office/powerpoint/2010/main" val="184033425"/>
+        <p14:creationId xmlns:p14="http://schemas.microsoft.com/office/powerpoint/2010/main" val="774761677"/>
       </p:ext>
     </p:extLst>
   </p:cSld>
@@ -873,76 +1037,64 @@
           <a:lstStyle/>
           <a:p>
             <a:r>
-              <a:rPr lang="en-US" altLang="zh-TW" sz="1200" b="0" i="0" kern="1200" dirty="0" smtClean="0">
-                <a:solidFill>
-                  <a:schemeClr val="tx1"/>
-                </a:solidFill>
-                <a:effectLst/>
-                <a:latin typeface="+mn-lt"/>
-                <a:ea typeface="+mn-ea"/>
-                <a:cs typeface="+mn-cs"/>
-              </a:rPr>
-              <a:t>D_{t}  and D_{r}  are the antenna </a:t>
+              <a:rPr kumimoji="1" lang="zh-TW" altLang="en-US" dirty="0" smtClean="0"/>
+              <a:t>通常會用 </a:t>
             </a:r>
             <a:r>
-              <a:rPr lang="en-US" altLang="zh-TW" sz="1200" b="0" i="0" u="none" strike="noStrike" kern="1200" dirty="0" smtClean="0">
-                <a:solidFill>
-                  <a:schemeClr val="tx1"/>
-                </a:solidFill>
-                <a:effectLst/>
-                <a:latin typeface="+mn-lt"/>
-                <a:ea typeface="+mn-ea"/>
-                <a:cs typeface="+mn-cs"/>
-                <a:hlinkClick r:id="rId3" tooltip="Directivity"/>
-              </a:rPr>
-              <a:t>directivities</a:t>
+              <a:rPr kumimoji="1" lang="en-US" altLang="zh-TW" dirty="0" smtClean="0"/>
+              <a:t>gain </a:t>
             </a:r>
             <a:r>
-              <a:rPr lang="en-US" altLang="zh-TW" sz="1200" b="0" i="0" kern="1200" dirty="0" smtClean="0">
-                <a:solidFill>
-                  <a:schemeClr val="tx1"/>
-                </a:solidFill>
-                <a:effectLst/>
-                <a:latin typeface="+mn-lt"/>
-                <a:ea typeface="+mn-ea"/>
-                <a:cs typeface="+mn-cs"/>
-              </a:rPr>
-              <a:t> </a:t>
+              <a:rPr kumimoji="1" lang="zh-TW" altLang="en-US" dirty="0" smtClean="0"/>
+              <a:t>表達天線的 </a:t>
             </a:r>
-          </a:p>
-          <a:p>
             <a:r>
-              <a:rPr lang="en-US" altLang="zh-TW" sz="1200" b="0" i="0" kern="1200" dirty="0" smtClean="0">
-                <a:solidFill>
-                  <a:schemeClr val="tx1"/>
-                </a:solidFill>
-                <a:effectLst/>
-                <a:latin typeface="+mn-lt"/>
-                <a:ea typeface="+mn-ea"/>
-                <a:cs typeface="+mn-cs"/>
-              </a:rPr>
-              <a:t>the antenna directivities are linear values</a:t>
+              <a:rPr kumimoji="1" lang="en-US" altLang="zh-TW" dirty="0" smtClean="0"/>
+              <a:t>performance </a:t>
             </a:r>
-            <a:endParaRPr lang="zh-TW" altLang="en-US" sz="1200" b="0" i="0" kern="1200" dirty="0" smtClean="0">
-              <a:solidFill>
-                <a:schemeClr val="tx1"/>
-              </a:solidFill>
-              <a:effectLst/>
-              <a:latin typeface="+mn-lt"/>
-              <a:ea typeface="+mn-ea"/>
-              <a:cs typeface="+mn-cs"/>
-            </a:endParaRPr>
-          </a:p>
-          <a:p>
-            <a:endParaRPr lang="en-US" altLang="zh-TW" sz="1200" b="0" i="0" kern="1200" dirty="0" smtClean="0">
-              <a:solidFill>
-                <a:schemeClr val="tx1"/>
-              </a:solidFill>
-              <a:effectLst/>
-              <a:latin typeface="+mn-lt"/>
-              <a:ea typeface="+mn-ea"/>
-              <a:cs typeface="+mn-cs"/>
-            </a:endParaRPr>
+            <a:endParaRPr kumimoji="1" lang="zh-TW" altLang="en-US" dirty="0" smtClean="0"/>
+          </a:p>
+          <a:p>
+            <a:r>
+              <a:rPr kumimoji="1" lang="en-US" altLang="zh-TW" dirty="0" err="1" smtClean="0"/>
+              <a:t>Friis</a:t>
+            </a:r>
+            <a:r>
+              <a:rPr kumimoji="1" lang="en-US" altLang="zh-TW" baseline="0" dirty="0" smtClean="0"/>
+              <a:t> </a:t>
+            </a:r>
+            <a:r>
+              <a:rPr kumimoji="1" lang="zh-TW" altLang="en-US" baseline="0" dirty="0" smtClean="0"/>
+              <a:t>認為</a:t>
+            </a:r>
+            <a:r>
+              <a:rPr kumimoji="1" lang="zh-TW" altLang="en-US" dirty="0" smtClean="0"/>
+              <a:t>現有的公式都太多係數要記</a:t>
+            </a:r>
+            <a:endParaRPr kumimoji="1" lang="en-US" altLang="zh-TW" dirty="0" smtClean="0"/>
+          </a:p>
+          <a:p>
+            <a:r>
+              <a:rPr kumimoji="1" lang="en-US" altLang="zh-TW" dirty="0" smtClean="0"/>
+              <a:t>Capture area </a:t>
+            </a:r>
+            <a:r>
+              <a:rPr kumimoji="1" lang="zh-TW" altLang="en-US" dirty="0" smtClean="0"/>
+              <a:t>展現 </a:t>
+            </a:r>
+            <a:r>
+              <a:rPr kumimoji="1" lang="en-US" altLang="zh-TW" dirty="0" smtClean="0"/>
+              <a:t>free space radio</a:t>
+            </a:r>
+            <a:r>
+              <a:rPr kumimoji="1" lang="en-US" altLang="zh-TW" baseline="0" dirty="0" smtClean="0"/>
+              <a:t> circuit </a:t>
+            </a:r>
+            <a:r>
+              <a:rPr kumimoji="1" lang="zh-TW" altLang="en-US" baseline="0" dirty="0" smtClean="0"/>
+              <a:t>的特色</a:t>
+            </a:r>
+            <a:endParaRPr kumimoji="1" lang="zh-TW" altLang="en-US" dirty="0"/>
           </a:p>
         </p:txBody>
       </p:sp>
@@ -963,7 +1115,7 @@
           <a:p>
             <a:fld id="{C79F9334-C2B5-40DC-A82F-94CC416C9799}" type="slidenum">
               <a:rPr lang="zh-TW" altLang="en-US" smtClean="0"/>
-              <a:t>10</a:t>
+              <a:t>11</a:t>
             </a:fld>
             <a:endParaRPr lang="zh-TW" altLang="en-US"/>
           </a:p>
@@ -972,7 +1124,7 @@
     </p:spTree>
     <p:extLst>
       <p:ext uri="{BB962C8B-B14F-4D97-AF65-F5344CB8AC3E}">
-        <p14:creationId xmlns:p14="http://schemas.microsoft.com/office/powerpoint/2010/main" val="463380874"/>
+        <p14:creationId xmlns:p14="http://schemas.microsoft.com/office/powerpoint/2010/main" val="854770306"/>
       </p:ext>
     </p:extLst>
   </p:cSld>
@@ -1026,10 +1178,6 @@
           <a:bodyPr/>
           <a:lstStyle/>
           <a:p>
-            <a:r>
-              <a:rPr kumimoji="1" lang="zh-TW" altLang="en-US" dirty="0" smtClean="0"/>
-              <a:t>看個角度的訊號最強</a:t>
-            </a:r>
             <a:endParaRPr kumimoji="1" lang="zh-TW" altLang="en-US" dirty="0"/>
           </a:p>
         </p:txBody>
@@ -1051,7 +1199,7 @@
           <a:p>
             <a:fld id="{C79F9334-C2B5-40DC-A82F-94CC416C9799}" type="slidenum">
               <a:rPr lang="zh-TW" altLang="en-US" smtClean="0"/>
-              <a:t>11</a:t>
+              <a:t>13</a:t>
             </a:fld>
             <a:endParaRPr lang="zh-TW" altLang="en-US"/>
           </a:p>
@@ -1060,7 +1208,7 @@
     </p:spTree>
     <p:extLst>
       <p:ext uri="{BB962C8B-B14F-4D97-AF65-F5344CB8AC3E}">
-        <p14:creationId xmlns:p14="http://schemas.microsoft.com/office/powerpoint/2010/main" val="141678843"/>
+        <p14:creationId xmlns:p14="http://schemas.microsoft.com/office/powerpoint/2010/main" val="184033425"/>
       </p:ext>
     </p:extLst>
   </p:cSld>
@@ -1115,10 +1263,76 @@
           <a:lstStyle/>
           <a:p>
             <a:r>
-              <a:rPr kumimoji="1" lang="zh-TW" altLang="en-US" dirty="0" smtClean="0"/>
-              <a:t>點來源</a:t>
+              <a:rPr lang="en-US" altLang="zh-TW" sz="1200" b="0" i="0" kern="1200" dirty="0" smtClean="0">
+                <a:solidFill>
+                  <a:schemeClr val="tx1"/>
+                </a:solidFill>
+                <a:effectLst/>
+                <a:latin typeface="+mn-lt"/>
+                <a:ea typeface="+mn-ea"/>
+                <a:cs typeface="+mn-cs"/>
+              </a:rPr>
+              <a:t>D_{t}  and D_{r}  are the antenna </a:t>
             </a:r>
-            <a:endParaRPr kumimoji="1" lang="zh-TW" altLang="en-US" dirty="0"/>
+            <a:r>
+              <a:rPr lang="en-US" altLang="zh-TW" sz="1200" b="0" i="0" u="none" strike="noStrike" kern="1200" dirty="0" smtClean="0">
+                <a:solidFill>
+                  <a:schemeClr val="tx1"/>
+                </a:solidFill>
+                <a:effectLst/>
+                <a:latin typeface="+mn-lt"/>
+                <a:ea typeface="+mn-ea"/>
+                <a:cs typeface="+mn-cs"/>
+                <a:hlinkClick r:id="rId3" tooltip="Directivity"/>
+              </a:rPr>
+              <a:t>directivities</a:t>
+            </a:r>
+            <a:r>
+              <a:rPr lang="en-US" altLang="zh-TW" sz="1200" b="0" i="0" kern="1200" dirty="0" smtClean="0">
+                <a:solidFill>
+                  <a:schemeClr val="tx1"/>
+                </a:solidFill>
+                <a:effectLst/>
+                <a:latin typeface="+mn-lt"/>
+                <a:ea typeface="+mn-ea"/>
+                <a:cs typeface="+mn-cs"/>
+              </a:rPr>
+              <a:t> </a:t>
+            </a:r>
+          </a:p>
+          <a:p>
+            <a:r>
+              <a:rPr lang="en-US" altLang="zh-TW" sz="1200" b="0" i="0" kern="1200" dirty="0" smtClean="0">
+                <a:solidFill>
+                  <a:schemeClr val="tx1"/>
+                </a:solidFill>
+                <a:effectLst/>
+                <a:latin typeface="+mn-lt"/>
+                <a:ea typeface="+mn-ea"/>
+                <a:cs typeface="+mn-cs"/>
+              </a:rPr>
+              <a:t>the antenna directivities are linear values</a:t>
+            </a:r>
+            <a:endParaRPr lang="zh-TW" altLang="en-US" sz="1200" b="0" i="0" kern="1200" dirty="0" smtClean="0">
+              <a:solidFill>
+                <a:schemeClr val="tx1"/>
+              </a:solidFill>
+              <a:effectLst/>
+              <a:latin typeface="+mn-lt"/>
+              <a:ea typeface="+mn-ea"/>
+              <a:cs typeface="+mn-cs"/>
+            </a:endParaRPr>
+          </a:p>
+          <a:p>
+            <a:endParaRPr lang="en-US" altLang="zh-TW" sz="1200" b="0" i="0" kern="1200" dirty="0" smtClean="0">
+              <a:solidFill>
+                <a:schemeClr val="tx1"/>
+              </a:solidFill>
+              <a:effectLst/>
+              <a:latin typeface="+mn-lt"/>
+              <a:ea typeface="+mn-ea"/>
+              <a:cs typeface="+mn-cs"/>
+            </a:endParaRPr>
           </a:p>
         </p:txBody>
       </p:sp>
@@ -1139,7 +1353,7 @@
           <a:p>
             <a:fld id="{C79F9334-C2B5-40DC-A82F-94CC416C9799}" type="slidenum">
               <a:rPr lang="zh-TW" altLang="en-US" smtClean="0"/>
-              <a:t>12</a:t>
+              <a:t>14</a:t>
             </a:fld>
             <a:endParaRPr lang="zh-TW" altLang="en-US"/>
           </a:p>
@@ -1148,7 +1362,7 @@
     </p:spTree>
     <p:extLst>
       <p:ext uri="{BB962C8B-B14F-4D97-AF65-F5344CB8AC3E}">
-        <p14:creationId xmlns:p14="http://schemas.microsoft.com/office/powerpoint/2010/main" val="1454203672"/>
+        <p14:creationId xmlns:p14="http://schemas.microsoft.com/office/powerpoint/2010/main" val="463380874"/>
       </p:ext>
     </p:extLst>
   </p:cSld>
@@ -1204,15 +1418,7 @@
           <a:p>
             <a:r>
               <a:rPr kumimoji="1" lang="zh-TW" altLang="en-US" dirty="0" smtClean="0"/>
-              <a:t>最後還是加入了 </a:t>
-            </a:r>
-            <a:r>
-              <a:rPr kumimoji="1" lang="en-US" altLang="zh-TW" dirty="0" smtClean="0"/>
-              <a:t>directivity </a:t>
-            </a:r>
-            <a:r>
-              <a:rPr kumimoji="1" lang="zh-TW" altLang="en-US" dirty="0" smtClean="0"/>
-              <a:t>來呈現天線的效能</a:t>
+              <a:t>看個角度的訊號最強</a:t>
             </a:r>
             <a:endParaRPr kumimoji="1" lang="zh-TW" altLang="en-US" dirty="0"/>
           </a:p>
@@ -1235,7 +1441,191 @@
           <a:p>
             <a:fld id="{C79F9334-C2B5-40DC-A82F-94CC416C9799}" type="slidenum">
               <a:rPr lang="zh-TW" altLang="en-US" smtClean="0"/>
-              <a:t>13</a:t>
+              <a:t>15</a:t>
+            </a:fld>
+            <a:endParaRPr lang="zh-TW" altLang="en-US"/>
+          </a:p>
+        </p:txBody>
+      </p:sp>
+    </p:spTree>
+    <p:extLst>
+      <p:ext uri="{BB962C8B-B14F-4D97-AF65-F5344CB8AC3E}">
+        <p14:creationId xmlns:p14="http://schemas.microsoft.com/office/powerpoint/2010/main" val="141678843"/>
+      </p:ext>
+    </p:extLst>
+  </p:cSld>
+  <p:clrMapOvr>
+    <a:masterClrMapping/>
+  </p:clrMapOvr>
+</p:notes>
+</file>
+
+<file path=ppt/notesSlides/notesSlide8.xml><?xml version="1.0" encoding="utf-8"?>
+<p:notes xmlns:a="http://schemas.openxmlformats.org/drawingml/2006/main" xmlns:r="http://schemas.openxmlformats.org/officeDocument/2006/relationships" xmlns:p="http://schemas.openxmlformats.org/presentationml/2006/main">
+  <p:cSld>
+    <p:spTree>
+      <p:nvGrpSpPr>
+        <p:cNvPr id="1" name=""/>
+        <p:cNvGrpSpPr/>
+        <p:nvPr/>
+      </p:nvGrpSpPr>
+      <p:grpSpPr>
+        <a:xfrm>
+          <a:off x="0" y="0"/>
+          <a:ext cx="0" cy="0"/>
+          <a:chOff x="0" y="0"/>
+          <a:chExt cx="0" cy="0"/>
+        </a:xfrm>
+      </p:grpSpPr>
+      <p:sp>
+        <p:nvSpPr>
+          <p:cNvPr id="2" name="投影片影像版面配置區 1"/>
+          <p:cNvSpPr>
+            <a:spLocks noGrp="1" noRot="1" noChangeAspect="1"/>
+          </p:cNvSpPr>
+          <p:nvPr>
+            <p:ph type="sldImg"/>
+          </p:nvPr>
+        </p:nvSpPr>
+        <p:spPr/>
+      </p:sp>
+      <p:sp>
+        <p:nvSpPr>
+          <p:cNvPr id="3" name="備忘稿版面配置區 2"/>
+          <p:cNvSpPr>
+            <a:spLocks noGrp="1"/>
+          </p:cNvSpPr>
+          <p:nvPr>
+            <p:ph type="body" idx="1"/>
+          </p:nvPr>
+        </p:nvSpPr>
+        <p:spPr/>
+        <p:txBody>
+          <a:bodyPr/>
+          <a:lstStyle/>
+          <a:p>
+            <a:r>
+              <a:rPr kumimoji="1" lang="zh-TW" altLang="en-US" dirty="0" smtClean="0"/>
+              <a:t>點來源</a:t>
+            </a:r>
+            <a:endParaRPr kumimoji="1" lang="zh-TW" altLang="en-US" dirty="0"/>
+          </a:p>
+        </p:txBody>
+      </p:sp>
+      <p:sp>
+        <p:nvSpPr>
+          <p:cNvPr id="4" name="投影片編號版面配置區 3"/>
+          <p:cNvSpPr>
+            <a:spLocks noGrp="1"/>
+          </p:cNvSpPr>
+          <p:nvPr>
+            <p:ph type="sldNum" sz="quarter" idx="10"/>
+          </p:nvPr>
+        </p:nvSpPr>
+        <p:spPr/>
+        <p:txBody>
+          <a:bodyPr/>
+          <a:lstStyle/>
+          <a:p>
+            <a:fld id="{C79F9334-C2B5-40DC-A82F-94CC416C9799}" type="slidenum">
+              <a:rPr lang="zh-TW" altLang="en-US" smtClean="0"/>
+              <a:t>16</a:t>
+            </a:fld>
+            <a:endParaRPr lang="zh-TW" altLang="en-US"/>
+          </a:p>
+        </p:txBody>
+      </p:sp>
+    </p:spTree>
+    <p:extLst>
+      <p:ext uri="{BB962C8B-B14F-4D97-AF65-F5344CB8AC3E}">
+        <p14:creationId xmlns:p14="http://schemas.microsoft.com/office/powerpoint/2010/main" val="1454203672"/>
+      </p:ext>
+    </p:extLst>
+  </p:cSld>
+  <p:clrMapOvr>
+    <a:masterClrMapping/>
+  </p:clrMapOvr>
+</p:notes>
+</file>
+
+<file path=ppt/notesSlides/notesSlide9.xml><?xml version="1.0" encoding="utf-8"?>
+<p:notes xmlns:a="http://schemas.openxmlformats.org/drawingml/2006/main" xmlns:r="http://schemas.openxmlformats.org/officeDocument/2006/relationships" xmlns:p="http://schemas.openxmlformats.org/presentationml/2006/main">
+  <p:cSld>
+    <p:spTree>
+      <p:nvGrpSpPr>
+        <p:cNvPr id="1" name=""/>
+        <p:cNvGrpSpPr/>
+        <p:nvPr/>
+      </p:nvGrpSpPr>
+      <p:grpSpPr>
+        <a:xfrm>
+          <a:off x="0" y="0"/>
+          <a:ext cx="0" cy="0"/>
+          <a:chOff x="0" y="0"/>
+          <a:chExt cx="0" cy="0"/>
+        </a:xfrm>
+      </p:grpSpPr>
+      <p:sp>
+        <p:nvSpPr>
+          <p:cNvPr id="2" name="投影片影像版面配置區 1"/>
+          <p:cNvSpPr>
+            <a:spLocks noGrp="1" noRot="1" noChangeAspect="1"/>
+          </p:cNvSpPr>
+          <p:nvPr>
+            <p:ph type="sldImg"/>
+          </p:nvPr>
+        </p:nvSpPr>
+        <p:spPr/>
+      </p:sp>
+      <p:sp>
+        <p:nvSpPr>
+          <p:cNvPr id="3" name="備忘稿版面配置區 2"/>
+          <p:cNvSpPr>
+            <a:spLocks noGrp="1"/>
+          </p:cNvSpPr>
+          <p:nvPr>
+            <p:ph type="body" idx="1"/>
+          </p:nvPr>
+        </p:nvSpPr>
+        <p:spPr/>
+        <p:txBody>
+          <a:bodyPr/>
+          <a:lstStyle/>
+          <a:p>
+            <a:r>
+              <a:rPr kumimoji="1" lang="zh-TW" altLang="en-US" dirty="0" smtClean="0"/>
+              <a:t>最後還是加入了 </a:t>
+            </a:r>
+            <a:r>
+              <a:rPr kumimoji="1" lang="en-US" altLang="zh-TW" dirty="0" smtClean="0"/>
+              <a:t>directivity </a:t>
+            </a:r>
+            <a:r>
+              <a:rPr kumimoji="1" lang="zh-TW" altLang="en-US" dirty="0" smtClean="0"/>
+              <a:t>來呈現天線的效能</a:t>
+            </a:r>
+            <a:endParaRPr kumimoji="1" lang="zh-TW" altLang="en-US" dirty="0"/>
+          </a:p>
+        </p:txBody>
+      </p:sp>
+      <p:sp>
+        <p:nvSpPr>
+          <p:cNvPr id="4" name="投影片編號版面配置區 3"/>
+          <p:cNvSpPr>
+            <a:spLocks noGrp="1"/>
+          </p:cNvSpPr>
+          <p:nvPr>
+            <p:ph type="sldNum" sz="quarter" idx="10"/>
+          </p:nvPr>
+        </p:nvSpPr>
+        <p:spPr/>
+        <p:txBody>
+          <a:bodyPr/>
+          <a:lstStyle/>
+          <a:p>
+            <a:fld id="{C79F9334-C2B5-40DC-A82F-94CC416C9799}" type="slidenum">
+              <a:rPr lang="zh-TW" altLang="en-US" smtClean="0"/>
+              <a:t>17</a:t>
             </a:fld>
             <a:endParaRPr lang="zh-TW" altLang="en-US"/>
           </a:p>
@@ -1306,7 +1696,7 @@
           <p:cNvPr id="20" name="Group 19">
             <a:extLst>
               <a:ext uri="{FF2B5EF4-FFF2-40B4-BE49-F238E27FC236}">
-                <a16:creationId xmlns="" xmlns:a16="http://schemas.microsoft.com/office/drawing/2014/main" id="{C3ED851A-5624-9445-94A3-FC256390EFF0}"/>
+                <a16:creationId xmlns:a16="http://schemas.microsoft.com/office/drawing/2014/main" xmlns="" id="{C3ED851A-5624-9445-94A3-FC256390EFF0}"/>
               </a:ext>
             </a:extLst>
           </p:cNvPr>
@@ -1326,7 +1716,7 @@
             <p:cNvPr id="21" name="箭號: 五邊形 12">
               <a:extLst>
                 <a:ext uri="{FF2B5EF4-FFF2-40B4-BE49-F238E27FC236}">
-                  <a16:creationId xmlns="" xmlns:a16="http://schemas.microsoft.com/office/drawing/2014/main" id="{7DED8486-E1FD-814E-B2DE-F488A3CEA671}"/>
+                  <a16:creationId xmlns:a16="http://schemas.microsoft.com/office/drawing/2014/main" xmlns="" id="{7DED8486-E1FD-814E-B2DE-F488A3CEA671}"/>
                 </a:ext>
               </a:extLst>
             </p:cNvPr>
@@ -1378,7 +1768,7 @@
             <p:cNvPr id="23" name="箭號: 五邊形 12">
               <a:extLst>
                 <a:ext uri="{FF2B5EF4-FFF2-40B4-BE49-F238E27FC236}">
-                  <a16:creationId xmlns="" xmlns:a16="http://schemas.microsoft.com/office/drawing/2014/main" id="{8C392F49-5181-FA4B-9412-A387B34C316C}"/>
+                  <a16:creationId xmlns:a16="http://schemas.microsoft.com/office/drawing/2014/main" xmlns="" id="{8C392F49-5181-FA4B-9412-A387B34C316C}"/>
                 </a:ext>
               </a:extLst>
             </p:cNvPr>
@@ -1437,7 +1827,7 @@
             <p:cNvPr id="26" name="箭號: 五邊形 12">
               <a:extLst>
                 <a:ext uri="{FF2B5EF4-FFF2-40B4-BE49-F238E27FC236}">
-                  <a16:creationId xmlns="" xmlns:a16="http://schemas.microsoft.com/office/drawing/2014/main" id="{A2A2AEE9-8884-2D45-AA3A-3CE8B669A441}"/>
+                  <a16:creationId xmlns:a16="http://schemas.microsoft.com/office/drawing/2014/main" xmlns="" id="{A2A2AEE9-8884-2D45-AA3A-3CE8B669A441}"/>
                 </a:ext>
               </a:extLst>
             </p:cNvPr>
@@ -1866,7 +2256,7 @@
           <p:cNvPr id="34" name="Text Placeholder 3">
             <a:extLst>
               <a:ext uri="{FF2B5EF4-FFF2-40B4-BE49-F238E27FC236}">
-                <a16:creationId xmlns="" xmlns:a16="http://schemas.microsoft.com/office/drawing/2014/main" id="{CB4F27FF-A5B2-0945-A886-8994C9CF0F9A}"/>
+                <a16:creationId xmlns:a16="http://schemas.microsoft.com/office/drawing/2014/main" xmlns="" id="{CB4F27FF-A5B2-0945-A886-8994C9CF0F9A}"/>
               </a:ext>
             </a:extLst>
           </p:cNvPr>
@@ -1920,7 +2310,7 @@
           <p:cNvPr id="35" name="Content Placeholder 5">
             <a:extLst>
               <a:ext uri="{FF2B5EF4-FFF2-40B4-BE49-F238E27FC236}">
-                <a16:creationId xmlns="" xmlns:a16="http://schemas.microsoft.com/office/drawing/2014/main" id="{1CE5651F-F4F6-9D45-A553-66B6FFCA522B}"/>
+                <a16:creationId xmlns:a16="http://schemas.microsoft.com/office/drawing/2014/main" xmlns="" id="{1CE5651F-F4F6-9D45-A553-66B6FFCA522B}"/>
               </a:ext>
             </a:extLst>
           </p:cNvPr>
@@ -1968,7 +2358,7 @@
           <p:cNvPr id="6" name="Picture 5">
             <a:extLst>
               <a:ext uri="{FF2B5EF4-FFF2-40B4-BE49-F238E27FC236}">
-                <a16:creationId xmlns="" xmlns:a16="http://schemas.microsoft.com/office/drawing/2014/main" id="{5BB22815-3E3B-0B48-9DCA-B05C2D5B9D70}"/>
+                <a16:creationId xmlns:a16="http://schemas.microsoft.com/office/drawing/2014/main" xmlns="" id="{5BB22815-3E3B-0B48-9DCA-B05C2D5B9D70}"/>
               </a:ext>
             </a:extLst>
           </p:cNvPr>
@@ -3070,7 +3460,7 @@
           <p:cNvPr id="15" name="直排文字版面配置區 2">
             <a:extLst>
               <a:ext uri="{FF2B5EF4-FFF2-40B4-BE49-F238E27FC236}">
-                <a16:creationId xmlns="" xmlns:a16="http://schemas.microsoft.com/office/drawing/2014/main" id="{5B0754CD-A593-D647-8F43-33A88CDADB61}"/>
+                <a16:creationId xmlns:a16="http://schemas.microsoft.com/office/drawing/2014/main" xmlns="" id="{5B0754CD-A593-D647-8F43-33A88CDADB61}"/>
               </a:ext>
             </a:extLst>
           </p:cNvPr>
@@ -3280,7 +3670,7 @@
           <p:cNvPr id="20" name="Group 19">
             <a:extLst>
               <a:ext uri="{FF2B5EF4-FFF2-40B4-BE49-F238E27FC236}">
-                <a16:creationId xmlns="" xmlns:a16="http://schemas.microsoft.com/office/drawing/2014/main" id="{C3ED851A-5624-9445-94A3-FC256390EFF0}"/>
+                <a16:creationId xmlns:a16="http://schemas.microsoft.com/office/drawing/2014/main" xmlns="" id="{C3ED851A-5624-9445-94A3-FC256390EFF0}"/>
               </a:ext>
             </a:extLst>
           </p:cNvPr>
@@ -3300,7 +3690,7 @@
             <p:cNvPr id="21" name="箭號: 五邊形 12">
               <a:extLst>
                 <a:ext uri="{FF2B5EF4-FFF2-40B4-BE49-F238E27FC236}">
-                  <a16:creationId xmlns="" xmlns:a16="http://schemas.microsoft.com/office/drawing/2014/main" id="{7DED8486-E1FD-814E-B2DE-F488A3CEA671}"/>
+                  <a16:creationId xmlns:a16="http://schemas.microsoft.com/office/drawing/2014/main" xmlns="" id="{7DED8486-E1FD-814E-B2DE-F488A3CEA671}"/>
                 </a:ext>
               </a:extLst>
             </p:cNvPr>
@@ -3352,7 +3742,7 @@
             <p:cNvPr id="23" name="箭號: 五邊形 12">
               <a:extLst>
                 <a:ext uri="{FF2B5EF4-FFF2-40B4-BE49-F238E27FC236}">
-                  <a16:creationId xmlns="" xmlns:a16="http://schemas.microsoft.com/office/drawing/2014/main" id="{8C392F49-5181-FA4B-9412-A387B34C316C}"/>
+                  <a16:creationId xmlns:a16="http://schemas.microsoft.com/office/drawing/2014/main" xmlns="" id="{8C392F49-5181-FA4B-9412-A387B34C316C}"/>
                 </a:ext>
               </a:extLst>
             </p:cNvPr>
@@ -3411,7 +3801,7 @@
             <p:cNvPr id="26" name="箭號: 五邊形 12">
               <a:extLst>
                 <a:ext uri="{FF2B5EF4-FFF2-40B4-BE49-F238E27FC236}">
-                  <a16:creationId xmlns="" xmlns:a16="http://schemas.microsoft.com/office/drawing/2014/main" id="{A2A2AEE9-8884-2D45-AA3A-3CE8B669A441}"/>
+                  <a16:creationId xmlns:a16="http://schemas.microsoft.com/office/drawing/2014/main" xmlns="" id="{A2A2AEE9-8884-2D45-AA3A-3CE8B669A441}"/>
                 </a:ext>
               </a:extLst>
             </p:cNvPr>
@@ -3840,7 +4230,7 @@
           <p:cNvPr id="34" name="Text Placeholder 3">
             <a:extLst>
               <a:ext uri="{FF2B5EF4-FFF2-40B4-BE49-F238E27FC236}">
-                <a16:creationId xmlns="" xmlns:a16="http://schemas.microsoft.com/office/drawing/2014/main" id="{CB4F27FF-A5B2-0945-A886-8994C9CF0F9A}"/>
+                <a16:creationId xmlns:a16="http://schemas.microsoft.com/office/drawing/2014/main" xmlns="" id="{CB4F27FF-A5B2-0945-A886-8994C9CF0F9A}"/>
               </a:ext>
             </a:extLst>
           </p:cNvPr>
@@ -3894,7 +4284,7 @@
           <p:cNvPr id="35" name="Content Placeholder 5">
             <a:extLst>
               <a:ext uri="{FF2B5EF4-FFF2-40B4-BE49-F238E27FC236}">
-                <a16:creationId xmlns="" xmlns:a16="http://schemas.microsoft.com/office/drawing/2014/main" id="{1CE5651F-F4F6-9D45-A553-66B6FFCA522B}"/>
+                <a16:creationId xmlns:a16="http://schemas.microsoft.com/office/drawing/2014/main" xmlns="" id="{1CE5651F-F4F6-9D45-A553-66B6FFCA522B}"/>
               </a:ext>
             </a:extLst>
           </p:cNvPr>
@@ -3942,7 +4332,7 @@
           <p:cNvPr id="6" name="Picture 5">
             <a:extLst>
               <a:ext uri="{FF2B5EF4-FFF2-40B4-BE49-F238E27FC236}">
-                <a16:creationId xmlns="" xmlns:a16="http://schemas.microsoft.com/office/drawing/2014/main" id="{5BB22815-3E3B-0B48-9DCA-B05C2D5B9D70}"/>
+                <a16:creationId xmlns:a16="http://schemas.microsoft.com/office/drawing/2014/main" xmlns="" id="{5BB22815-3E3B-0B48-9DCA-B05C2D5B9D70}"/>
               </a:ext>
             </a:extLst>
           </p:cNvPr>
@@ -4654,7 +5044,7 @@
           <p:cNvPr id="12" name="Group 11">
             <a:extLst>
               <a:ext uri="{FF2B5EF4-FFF2-40B4-BE49-F238E27FC236}">
-                <a16:creationId xmlns="" xmlns:a16="http://schemas.microsoft.com/office/drawing/2014/main" id="{FECCA331-FFA6-F840-9C60-BF25ACF3BDB5}"/>
+                <a16:creationId xmlns:a16="http://schemas.microsoft.com/office/drawing/2014/main" xmlns="" id="{FECCA331-FFA6-F840-9C60-BF25ACF3BDB5}"/>
               </a:ext>
             </a:extLst>
           </p:cNvPr>
@@ -4674,7 +5064,7 @@
             <p:cNvPr id="13" name="箭號: 五邊形 12">
               <a:extLst>
                 <a:ext uri="{FF2B5EF4-FFF2-40B4-BE49-F238E27FC236}">
-                  <a16:creationId xmlns="" xmlns:a16="http://schemas.microsoft.com/office/drawing/2014/main" id="{1ECC6466-4EFD-5345-BC17-67AB57731DB7}"/>
+                  <a16:creationId xmlns:a16="http://schemas.microsoft.com/office/drawing/2014/main" xmlns="" id="{1ECC6466-4EFD-5345-BC17-67AB57731DB7}"/>
                 </a:ext>
               </a:extLst>
             </p:cNvPr>
@@ -4726,7 +5116,7 @@
             <p:cNvPr id="14" name="箭號: 五邊形 12">
               <a:extLst>
                 <a:ext uri="{FF2B5EF4-FFF2-40B4-BE49-F238E27FC236}">
-                  <a16:creationId xmlns="" xmlns:a16="http://schemas.microsoft.com/office/drawing/2014/main" id="{6CF55724-0A99-E64A-AB4C-0938CB62E153}"/>
+                  <a16:creationId xmlns:a16="http://schemas.microsoft.com/office/drawing/2014/main" xmlns="" id="{6CF55724-0A99-E64A-AB4C-0938CB62E153}"/>
                 </a:ext>
               </a:extLst>
             </p:cNvPr>
@@ -4785,7 +5175,7 @@
             <p:cNvPr id="15" name="箭號: 五邊形 12">
               <a:extLst>
                 <a:ext uri="{FF2B5EF4-FFF2-40B4-BE49-F238E27FC236}">
-                  <a16:creationId xmlns="" xmlns:a16="http://schemas.microsoft.com/office/drawing/2014/main" id="{D65D1FB8-4CF4-8B4A-A307-6F7F618C0D88}"/>
+                  <a16:creationId xmlns:a16="http://schemas.microsoft.com/office/drawing/2014/main" xmlns="" id="{D65D1FB8-4CF4-8B4A-A307-6F7F618C0D88}"/>
                 </a:ext>
               </a:extLst>
             </p:cNvPr>
@@ -5094,7 +5484,7 @@
           <p:cNvPr id="5" name="Picture 4">
             <a:extLst>
               <a:ext uri="{FF2B5EF4-FFF2-40B4-BE49-F238E27FC236}">
-                <a16:creationId xmlns="" xmlns:a16="http://schemas.microsoft.com/office/drawing/2014/main" id="{33C27645-19DC-4542-810A-E94761D6E227}"/>
+                <a16:creationId xmlns:a16="http://schemas.microsoft.com/office/drawing/2014/main" xmlns="" id="{33C27645-19DC-4542-810A-E94761D6E227}"/>
               </a:ext>
             </a:extLst>
           </p:cNvPr>
@@ -5593,7 +5983,7 @@
           <p:cNvPr id="23" name="內容版面配置區 2">
             <a:extLst>
               <a:ext uri="{FF2B5EF4-FFF2-40B4-BE49-F238E27FC236}">
-                <a16:creationId xmlns="" xmlns:a16="http://schemas.microsoft.com/office/drawing/2014/main" id="{9D1178A4-A62F-AE47-B4FD-DFBDEBC0B7E1}"/>
+                <a16:creationId xmlns:a16="http://schemas.microsoft.com/office/drawing/2014/main" xmlns="" id="{9D1178A4-A62F-AE47-B4FD-DFBDEBC0B7E1}"/>
               </a:ext>
             </a:extLst>
           </p:cNvPr>
@@ -5740,7 +6130,7 @@
           <p:cNvPr id="24" name="內容版面配置區 2">
             <a:extLst>
               <a:ext uri="{FF2B5EF4-FFF2-40B4-BE49-F238E27FC236}">
-                <a16:creationId xmlns="" xmlns:a16="http://schemas.microsoft.com/office/drawing/2014/main" id="{18BDE748-AF06-9848-B53D-40087470A386}"/>
+                <a16:creationId xmlns:a16="http://schemas.microsoft.com/office/drawing/2014/main" xmlns="" id="{18BDE748-AF06-9848-B53D-40087470A386}"/>
               </a:ext>
             </a:extLst>
           </p:cNvPr>
@@ -6491,7 +6881,7 @@
           <p:cNvPr id="20" name="內容版面配置區 2">
             <a:extLst>
               <a:ext uri="{FF2B5EF4-FFF2-40B4-BE49-F238E27FC236}">
-                <a16:creationId xmlns="" xmlns:a16="http://schemas.microsoft.com/office/drawing/2014/main" id="{9A4A12A5-18A4-CA4A-8E68-97EAFD19927B}"/>
+                <a16:creationId xmlns:a16="http://schemas.microsoft.com/office/drawing/2014/main" xmlns="" id="{9A4A12A5-18A4-CA4A-8E68-97EAFD19927B}"/>
               </a:ext>
             </a:extLst>
           </p:cNvPr>
@@ -6638,7 +7028,7 @@
           <p:cNvPr id="21" name="內容版面配置區 2">
             <a:extLst>
               <a:ext uri="{FF2B5EF4-FFF2-40B4-BE49-F238E27FC236}">
-                <a16:creationId xmlns="" xmlns:a16="http://schemas.microsoft.com/office/drawing/2014/main" id="{E09B3CAD-22B9-BC48-9D7D-2345FF14DD38}"/>
+                <a16:creationId xmlns:a16="http://schemas.microsoft.com/office/drawing/2014/main" xmlns="" id="{E09B3CAD-22B9-BC48-9D7D-2345FF14DD38}"/>
               </a:ext>
             </a:extLst>
           </p:cNvPr>
@@ -7555,7 +7945,7 @@
           <p:cNvPr id="5" name="Group 4">
             <a:extLst>
               <a:ext uri="{FF2B5EF4-FFF2-40B4-BE49-F238E27FC236}">
-                <a16:creationId xmlns="" xmlns:a16="http://schemas.microsoft.com/office/drawing/2014/main" id="{4DADA6C2-E637-F642-95E5-0309E3EB9F41}"/>
+                <a16:creationId xmlns:a16="http://schemas.microsoft.com/office/drawing/2014/main" xmlns="" id="{4DADA6C2-E637-F642-95E5-0309E3EB9F41}"/>
               </a:ext>
             </a:extLst>
           </p:cNvPr>
@@ -7575,7 +7965,7 @@
             <p:cNvPr id="17" name="箭號: 五邊形 12">
               <a:extLst>
                 <a:ext uri="{FF2B5EF4-FFF2-40B4-BE49-F238E27FC236}">
-                  <a16:creationId xmlns="" xmlns:a16="http://schemas.microsoft.com/office/drawing/2014/main" id="{C3424005-2947-5749-B94D-7EE01D59B97D}"/>
+                  <a16:creationId xmlns:a16="http://schemas.microsoft.com/office/drawing/2014/main" xmlns="" id="{C3424005-2947-5749-B94D-7EE01D59B97D}"/>
                 </a:ext>
               </a:extLst>
             </p:cNvPr>
@@ -7627,7 +8017,7 @@
             <p:cNvPr id="16" name="箭號: 五邊形 12">
               <a:extLst>
                 <a:ext uri="{FF2B5EF4-FFF2-40B4-BE49-F238E27FC236}">
-                  <a16:creationId xmlns="" xmlns:a16="http://schemas.microsoft.com/office/drawing/2014/main" id="{78B68587-E393-9C46-A4CA-137BCC2B13AD}"/>
+                  <a16:creationId xmlns:a16="http://schemas.microsoft.com/office/drawing/2014/main" xmlns="" id="{78B68587-E393-9C46-A4CA-137BCC2B13AD}"/>
                 </a:ext>
               </a:extLst>
             </p:cNvPr>
@@ -8095,7 +8485,7 @@
           <p:cNvPr id="18" name="內容版面配置區 2">
             <a:extLst>
               <a:ext uri="{FF2B5EF4-FFF2-40B4-BE49-F238E27FC236}">
-                <a16:creationId xmlns="" xmlns:a16="http://schemas.microsoft.com/office/drawing/2014/main" id="{BB9680E6-3D9F-FF42-BA19-F206A773FE60}"/>
+                <a16:creationId xmlns:a16="http://schemas.microsoft.com/office/drawing/2014/main" xmlns="" id="{BB9680E6-3D9F-FF42-BA19-F206A773FE60}"/>
               </a:ext>
             </a:extLst>
           </p:cNvPr>
@@ -8280,7 +8670,7 @@
           <p:cNvPr id="15" name="Group 14">
             <a:extLst>
               <a:ext uri="{FF2B5EF4-FFF2-40B4-BE49-F238E27FC236}">
-                <a16:creationId xmlns="" xmlns:a16="http://schemas.microsoft.com/office/drawing/2014/main" id="{7108562A-19D8-3347-A5CB-8FD2094D2AC6}"/>
+                <a16:creationId xmlns:a16="http://schemas.microsoft.com/office/drawing/2014/main" xmlns="" id="{7108562A-19D8-3347-A5CB-8FD2094D2AC6}"/>
               </a:ext>
             </a:extLst>
           </p:cNvPr>
@@ -8300,7 +8690,7 @@
             <p:cNvPr id="16" name="箭號: 五邊形 12">
               <a:extLst>
                 <a:ext uri="{FF2B5EF4-FFF2-40B4-BE49-F238E27FC236}">
-                  <a16:creationId xmlns="" xmlns:a16="http://schemas.microsoft.com/office/drawing/2014/main" id="{0350FA7D-8512-F24E-9F36-7F4296D197F2}"/>
+                  <a16:creationId xmlns:a16="http://schemas.microsoft.com/office/drawing/2014/main" xmlns="" id="{0350FA7D-8512-F24E-9F36-7F4296D197F2}"/>
                 </a:ext>
               </a:extLst>
             </p:cNvPr>
@@ -8352,7 +8742,7 @@
             <p:cNvPr id="17" name="箭號: 五邊形 12">
               <a:extLst>
                 <a:ext uri="{FF2B5EF4-FFF2-40B4-BE49-F238E27FC236}">
-                  <a16:creationId xmlns="" xmlns:a16="http://schemas.microsoft.com/office/drawing/2014/main" id="{125DE2BA-1E8B-2447-AEBE-4BDB2873316E}"/>
+                  <a16:creationId xmlns:a16="http://schemas.microsoft.com/office/drawing/2014/main" xmlns="" id="{125DE2BA-1E8B-2447-AEBE-4BDB2873316E}"/>
                 </a:ext>
               </a:extLst>
             </p:cNvPr>
@@ -8411,7 +8801,7 @@
             <p:cNvPr id="18" name="箭號: 五邊形 12">
               <a:extLst>
                 <a:ext uri="{FF2B5EF4-FFF2-40B4-BE49-F238E27FC236}">
-                  <a16:creationId xmlns="" xmlns:a16="http://schemas.microsoft.com/office/drawing/2014/main" id="{467877CF-B77C-BE4F-8D6F-89063BBFC3DE}"/>
+                  <a16:creationId xmlns:a16="http://schemas.microsoft.com/office/drawing/2014/main" xmlns="" id="{467877CF-B77C-BE4F-8D6F-89063BBFC3DE}"/>
                 </a:ext>
               </a:extLst>
             </p:cNvPr>
@@ -8774,7 +9164,7 @@
           <p:cNvPr id="22" name="標題 1">
             <a:extLst>
               <a:ext uri="{FF2B5EF4-FFF2-40B4-BE49-F238E27FC236}">
-                <a16:creationId xmlns="" xmlns:a16="http://schemas.microsoft.com/office/drawing/2014/main" id="{6E193196-9107-784C-A964-C67153D060CB}"/>
+                <a16:creationId xmlns:a16="http://schemas.microsoft.com/office/drawing/2014/main" xmlns="" id="{6E193196-9107-784C-A964-C67153D060CB}"/>
               </a:ext>
             </a:extLst>
           </p:cNvPr>
@@ -8817,7 +9207,7 @@
           <p:cNvPr id="24" name="文字版面配置區 3">
             <a:extLst>
               <a:ext uri="{FF2B5EF4-FFF2-40B4-BE49-F238E27FC236}">
-                <a16:creationId xmlns="" xmlns:a16="http://schemas.microsoft.com/office/drawing/2014/main" id="{5922BEEB-F3AC-E443-B34D-CE264A982284}"/>
+                <a16:creationId xmlns:a16="http://schemas.microsoft.com/office/drawing/2014/main" xmlns="" id="{5922BEEB-F3AC-E443-B34D-CE264A982284}"/>
               </a:ext>
             </a:extLst>
           </p:cNvPr>
@@ -9533,18 +9923,88 @@
           <a:lstStyle/>
           <a:p>
             <a:r>
-              <a:rPr kumimoji="1" lang="en-US" altLang="zh-TW" dirty="0" smtClean="0">
+              <a:rPr lang="en-US" altLang="zh-TW" dirty="0" smtClean="0">
+                <a:latin typeface="Times New Roman" panose="02020603050405020304" pitchFamily="18" charset="0"/>
+                <a:cs typeface="Times New Roman" panose="02020603050405020304" pitchFamily="18" charset="0"/>
+              </a:rPr>
+              <a:t>Outline</a:t>
+            </a:r>
+            <a:endParaRPr lang="zh-TW" altLang="en-US" dirty="0">
+              <a:latin typeface="Times New Roman" panose="02020603050405020304" pitchFamily="18" charset="0"/>
+              <a:cs typeface="Times New Roman" panose="02020603050405020304" pitchFamily="18" charset="0"/>
+            </a:endParaRPr>
+          </a:p>
+        </p:txBody>
+      </p:sp>
+      <p:sp>
+        <p:nvSpPr>
+          <p:cNvPr id="3" name="內容版面配置區 2"/>
+          <p:cNvSpPr>
+            <a:spLocks noGrp="1"/>
+          </p:cNvSpPr>
+          <p:nvPr>
+            <p:ph idx="1"/>
+          </p:nvPr>
+        </p:nvSpPr>
+        <p:spPr/>
+        <p:txBody>
+          <a:bodyPr/>
+          <a:lstStyle/>
+          <a:p>
+            <a:pPr>
+              <a:lnSpc>
+                <a:spcPct val="150000"/>
+              </a:lnSpc>
+            </a:pPr>
+            <a:r>
+              <a:rPr lang="en-US" altLang="zh-TW" sz="3200" b="1" dirty="0" smtClean="0">
                 <a:latin typeface="Times New Roman" charset="0"/>
                 <a:ea typeface="Times New Roman" charset="0"/>
                 <a:cs typeface="Times New Roman" charset="0"/>
               </a:rPr>
-              <a:t>Contemporary Formula</a:t>
+              <a:t>Channel</a:t>
             </a:r>
-            <a:endParaRPr kumimoji="1" lang="zh-TW" altLang="en-US" dirty="0">
-              <a:latin typeface="Times New Roman" charset="0"/>
-              <a:ea typeface="Times New Roman" charset="0"/>
-              <a:cs typeface="Times New Roman" charset="0"/>
-            </a:endParaRPr>
+          </a:p>
+          <a:p>
+            <a:pPr>
+              <a:lnSpc>
+                <a:spcPct val="150000"/>
+              </a:lnSpc>
+            </a:pPr>
+            <a:r>
+              <a:rPr lang="en-US" altLang="zh-TW" sz="3200" b="1" dirty="0" err="1" smtClean="0">
+                <a:latin typeface="Times New Roman" charset="0"/>
+                <a:ea typeface="Times New Roman" charset="0"/>
+                <a:cs typeface="Times New Roman" charset="0"/>
+              </a:rPr>
+              <a:t>Friis</a:t>
+            </a:r>
+            <a:r>
+              <a:rPr lang="en-US" altLang="zh-TW" sz="3200" b="1" dirty="0" smtClean="0">
+                <a:latin typeface="Times New Roman" charset="0"/>
+                <a:ea typeface="Times New Roman" charset="0"/>
+                <a:cs typeface="Times New Roman" charset="0"/>
+              </a:rPr>
+              <a:t> Transmission Equation</a:t>
+            </a:r>
+          </a:p>
+          <a:p>
+            <a:pPr>
+              <a:lnSpc>
+                <a:spcPct val="150000"/>
+              </a:lnSpc>
+            </a:pPr>
+            <a:r>
+              <a:rPr lang="en-US" altLang="zh-TW" sz="3200" b="1" dirty="0" smtClean="0">
+                <a:latin typeface="Times New Roman" charset="0"/>
+                <a:ea typeface="Times New Roman" charset="0"/>
+                <a:cs typeface="Times New Roman" charset="0"/>
+              </a:rPr>
+              <a:t>RFID</a:t>
+            </a:r>
+          </a:p>
+          <a:p>
+            <a:endParaRPr lang="zh-TW" altLang="en-US" dirty="0"/>
           </a:p>
         </p:txBody>
       </p:sp>
@@ -9567,6 +10027,1836 @@
               <a:rPr lang="en-US" smtClean="0"/>
               <a:pPr/>
               <a:t>10</a:t>
+            </a:fld>
+            <a:endParaRPr lang="en-US"/>
+          </a:p>
+        </p:txBody>
+      </p:sp>
+      <p:sp>
+        <p:nvSpPr>
+          <p:cNvPr id="5" name="矩形 4"/>
+          <p:cNvSpPr/>
+          <p:nvPr/>
+        </p:nvSpPr>
+        <p:spPr>
+          <a:xfrm>
+            <a:off x="0" y="-148281"/>
+            <a:ext cx="12282616" cy="7364627"/>
+          </a:xfrm>
+          <a:prstGeom prst="rect">
+            <a:avLst/>
+          </a:prstGeom>
+          <a:solidFill>
+            <a:schemeClr val="tx1">
+              <a:lumMod val="65000"/>
+              <a:lumOff val="35000"/>
+              <a:alpha val="86000"/>
+            </a:schemeClr>
+          </a:solidFill>
+        </p:spPr>
+        <p:style>
+          <a:lnRef idx="2">
+            <a:schemeClr val="accent1">
+              <a:shade val="50000"/>
+            </a:schemeClr>
+          </a:lnRef>
+          <a:fillRef idx="1">
+            <a:schemeClr val="accent1"/>
+          </a:fillRef>
+          <a:effectRef idx="0">
+            <a:schemeClr val="accent1"/>
+          </a:effectRef>
+          <a:fontRef idx="minor">
+            <a:schemeClr val="lt1"/>
+          </a:fontRef>
+        </p:style>
+        <p:txBody>
+          <a:bodyPr rtlCol="0" anchor="ctr"/>
+          <a:lstStyle/>
+          <a:p>
+            <a:pPr algn="ctr"/>
+            <a:endParaRPr lang="zh-TW" altLang="en-US"/>
+          </a:p>
+        </p:txBody>
+      </p:sp>
+      <p:sp>
+        <p:nvSpPr>
+          <p:cNvPr id="8" name="內容版面配置區 2"/>
+          <p:cNvSpPr txBox="1">
+            <a:spLocks/>
+          </p:cNvSpPr>
+          <p:nvPr/>
+        </p:nvSpPr>
+        <p:spPr>
+          <a:xfrm>
+            <a:off x="335362" y="2441032"/>
+            <a:ext cx="11521280" cy="4610906"/>
+          </a:xfrm>
+          <a:prstGeom prst="rect">
+            <a:avLst/>
+          </a:prstGeom>
+        </p:spPr>
+        <p:txBody>
+          <a:bodyPr/>
+          <a:lstStyle>
+            <a:lvl1pPr marL="403225" indent="-392113" algn="l" defTabSz="914400" rtl="0" eaLnBrk="1" latinLnBrk="0" hangingPunct="1">
+              <a:lnSpc>
+                <a:spcPct val="100000"/>
+              </a:lnSpc>
+              <a:spcBef>
+                <a:spcPts val="0"/>
+              </a:spcBef>
+              <a:buFont typeface="Helvetica" pitchFamily="2" charset="0"/>
+              <a:buChar char="●"/>
+              <a:tabLst/>
+              <a:defRPr sz="2800" kern="1200" baseline="0">
+                <a:solidFill>
+                  <a:schemeClr val="tx1"/>
+                </a:solidFill>
+                <a:latin typeface="Arial" panose="020B0604020202020204" pitchFamily="34" charset="0"/>
+                <a:ea typeface="微軟正黑體" panose="020B0604030504040204" pitchFamily="34" charset="-120"/>
+                <a:cs typeface="Arial" panose="020B0604020202020204" pitchFamily="34" charset="0"/>
+              </a:defRPr>
+            </a:lvl1pPr>
+            <a:lvl2pPr marL="808038" indent="-404813" algn="l" defTabSz="914400" rtl="0" eaLnBrk="1" latinLnBrk="0" hangingPunct="1">
+              <a:lnSpc>
+                <a:spcPct val="100000"/>
+              </a:lnSpc>
+              <a:spcBef>
+                <a:spcPts val="0"/>
+              </a:spcBef>
+              <a:buFont typeface="Helvetica" pitchFamily="2" charset="0"/>
+              <a:buChar char="●"/>
+              <a:tabLst/>
+              <a:defRPr sz="2800" kern="1200" baseline="0">
+                <a:solidFill>
+                  <a:schemeClr val="tx1"/>
+                </a:solidFill>
+                <a:latin typeface="Arial" panose="020B0604020202020204" pitchFamily="34" charset="0"/>
+                <a:ea typeface="微軟正黑體" panose="020B0604030504040204" pitchFamily="34" charset="-120"/>
+                <a:cs typeface="Arial" panose="020B0604020202020204" pitchFamily="34" charset="0"/>
+              </a:defRPr>
+            </a:lvl2pPr>
+            <a:lvl3pPr marL="1157288" indent="-349250" algn="l" defTabSz="914400" rtl="0" eaLnBrk="1" latinLnBrk="0" hangingPunct="1">
+              <a:lnSpc>
+                <a:spcPct val="100000"/>
+              </a:lnSpc>
+              <a:spcBef>
+                <a:spcPts val="0"/>
+              </a:spcBef>
+              <a:buFont typeface="Helvetica" pitchFamily="2" charset="0"/>
+              <a:buChar char="●"/>
+              <a:tabLst/>
+              <a:defRPr sz="2800" kern="1200" baseline="0">
+                <a:solidFill>
+                  <a:schemeClr val="tx1"/>
+                </a:solidFill>
+                <a:latin typeface="Arial" panose="020B0604020202020204" pitchFamily="34" charset="0"/>
+                <a:ea typeface="微軟正黑體" panose="020B0604030504040204" pitchFamily="34" charset="-120"/>
+                <a:cs typeface="Arial" panose="020B0604020202020204" pitchFamily="34" charset="0"/>
+              </a:defRPr>
+            </a:lvl3pPr>
+            <a:lvl4pPr marL="1516063" indent="-358775" algn="l" defTabSz="914400" rtl="0" eaLnBrk="1" latinLnBrk="0" hangingPunct="1">
+              <a:lnSpc>
+                <a:spcPct val="100000"/>
+              </a:lnSpc>
+              <a:spcBef>
+                <a:spcPts val="0"/>
+              </a:spcBef>
+              <a:buFont typeface="Helvetica" pitchFamily="2" charset="0"/>
+              <a:buChar char="●"/>
+              <a:tabLst/>
+              <a:defRPr sz="2800" kern="1200" baseline="0">
+                <a:solidFill>
+                  <a:schemeClr val="tx1"/>
+                </a:solidFill>
+                <a:latin typeface="Arial" panose="020B0604020202020204" pitchFamily="34" charset="0"/>
+                <a:ea typeface="微軟正黑體" panose="020B0604030504040204" pitchFamily="34" charset="-120"/>
+                <a:cs typeface="Arial" panose="020B0604020202020204" pitchFamily="34" charset="0"/>
+              </a:defRPr>
+            </a:lvl4pPr>
+            <a:lvl5pPr marL="1876425" indent="-360363" algn="l" defTabSz="914400" rtl="0" eaLnBrk="1" latinLnBrk="0" hangingPunct="1">
+              <a:lnSpc>
+                <a:spcPct val="100000"/>
+              </a:lnSpc>
+              <a:spcBef>
+                <a:spcPts val="0"/>
+              </a:spcBef>
+              <a:buFont typeface="Helvetica" pitchFamily="2" charset="0"/>
+              <a:buChar char="●"/>
+              <a:tabLst/>
+              <a:defRPr sz="2800" kern="1200" baseline="0">
+                <a:solidFill>
+                  <a:schemeClr val="tx1"/>
+                </a:solidFill>
+                <a:latin typeface="Arial" panose="020B0604020202020204" pitchFamily="34" charset="0"/>
+                <a:ea typeface="微軟正黑體" panose="020B0604030504040204" pitchFamily="34" charset="-120"/>
+                <a:cs typeface="Arial" panose="020B0604020202020204" pitchFamily="34" charset="0"/>
+              </a:defRPr>
+            </a:lvl5pPr>
+            <a:lvl6pPr marL="2514600" indent="-228600" algn="l" defTabSz="914400" rtl="0" eaLnBrk="1" latinLnBrk="0" hangingPunct="1">
+              <a:lnSpc>
+                <a:spcPct val="90000"/>
+              </a:lnSpc>
+              <a:spcBef>
+                <a:spcPts val="500"/>
+              </a:spcBef>
+              <a:buFont typeface="Arial" panose="020B0604020202020204" pitchFamily="34" charset="0"/>
+              <a:buChar char="•"/>
+              <a:defRPr sz="1800" kern="1200">
+                <a:solidFill>
+                  <a:schemeClr val="tx1"/>
+                </a:solidFill>
+                <a:latin typeface="+mn-lt"/>
+                <a:ea typeface="+mn-ea"/>
+                <a:cs typeface="+mn-cs"/>
+              </a:defRPr>
+            </a:lvl6pPr>
+            <a:lvl7pPr marL="2971800" indent="-228600" algn="l" defTabSz="914400" rtl="0" eaLnBrk="1" latinLnBrk="0" hangingPunct="1">
+              <a:lnSpc>
+                <a:spcPct val="90000"/>
+              </a:lnSpc>
+              <a:spcBef>
+                <a:spcPts val="500"/>
+              </a:spcBef>
+              <a:buFont typeface="Arial" panose="020B0604020202020204" pitchFamily="34" charset="0"/>
+              <a:buChar char="•"/>
+              <a:defRPr sz="1800" kern="1200">
+                <a:solidFill>
+                  <a:schemeClr val="tx1"/>
+                </a:solidFill>
+                <a:latin typeface="+mn-lt"/>
+                <a:ea typeface="+mn-ea"/>
+                <a:cs typeface="+mn-cs"/>
+              </a:defRPr>
+            </a:lvl7pPr>
+            <a:lvl8pPr marL="3429000" indent="-228600" algn="l" defTabSz="914400" rtl="0" eaLnBrk="1" latinLnBrk="0" hangingPunct="1">
+              <a:lnSpc>
+                <a:spcPct val="90000"/>
+              </a:lnSpc>
+              <a:spcBef>
+                <a:spcPts val="500"/>
+              </a:spcBef>
+              <a:buFont typeface="Arial" panose="020B0604020202020204" pitchFamily="34" charset="0"/>
+              <a:buChar char="•"/>
+              <a:defRPr sz="1800" kern="1200">
+                <a:solidFill>
+                  <a:schemeClr val="tx1"/>
+                </a:solidFill>
+                <a:latin typeface="+mn-lt"/>
+                <a:ea typeface="+mn-ea"/>
+                <a:cs typeface="+mn-cs"/>
+              </a:defRPr>
+            </a:lvl8pPr>
+            <a:lvl9pPr marL="3886200" indent="-228600" algn="l" defTabSz="914400" rtl="0" eaLnBrk="1" latinLnBrk="0" hangingPunct="1">
+              <a:lnSpc>
+                <a:spcPct val="90000"/>
+              </a:lnSpc>
+              <a:spcBef>
+                <a:spcPts val="500"/>
+              </a:spcBef>
+              <a:buFont typeface="Arial" panose="020B0604020202020204" pitchFamily="34" charset="0"/>
+              <a:buChar char="•"/>
+              <a:defRPr sz="1800" kern="1200">
+                <a:solidFill>
+                  <a:schemeClr val="tx1"/>
+                </a:solidFill>
+                <a:latin typeface="+mn-lt"/>
+                <a:ea typeface="+mn-ea"/>
+                <a:cs typeface="+mn-cs"/>
+              </a:defRPr>
+            </a:lvl9pPr>
+          </a:lstStyle>
+          <a:p>
+            <a:pPr>
+              <a:lnSpc>
+                <a:spcPct val="150000"/>
+              </a:lnSpc>
+            </a:pPr>
+            <a:r>
+              <a:rPr lang="en-US" altLang="zh-TW" sz="3200" b="1" dirty="0" err="1" smtClean="0">
+                <a:solidFill>
+                  <a:srgbClr val="FFFF00"/>
+                </a:solidFill>
+                <a:latin typeface="Times New Roman" charset="0"/>
+                <a:ea typeface="Times New Roman" charset="0"/>
+                <a:cs typeface="Times New Roman" charset="0"/>
+              </a:rPr>
+              <a:t>Friis</a:t>
+            </a:r>
+            <a:r>
+              <a:rPr lang="en-US" altLang="zh-TW" sz="3200" b="1" dirty="0" smtClean="0">
+                <a:solidFill>
+                  <a:srgbClr val="FFFF00"/>
+                </a:solidFill>
+                <a:latin typeface="Times New Roman" charset="0"/>
+                <a:ea typeface="Times New Roman" charset="0"/>
+                <a:cs typeface="Times New Roman" charset="0"/>
+              </a:rPr>
+              <a:t> Transmission Equation</a:t>
+            </a:r>
+          </a:p>
+        </p:txBody>
+      </p:sp>
+    </p:spTree>
+    <p:extLst>
+      <p:ext uri="{BB962C8B-B14F-4D97-AF65-F5344CB8AC3E}">
+        <p14:creationId xmlns:p14="http://schemas.microsoft.com/office/powerpoint/2010/main" val="1111125836"/>
+      </p:ext>
+    </p:extLst>
+  </p:cSld>
+  <p:clrMapOvr>
+    <a:masterClrMapping/>
+  </p:clrMapOvr>
+  <mc:AlternateContent xmlns:mc="http://schemas.openxmlformats.org/markup-compatibility/2006" xmlns:p14="http://schemas.microsoft.com/office/powerpoint/2010/main">
+    <mc:Choice Requires="p14">
+      <p:transition spd="med" p14:dur="700">
+        <p:fade/>
+      </p:transition>
+    </mc:Choice>
+    <mc:Fallback xmlns="">
+      <p:transition spd="med">
+        <p:fade/>
+      </p:transition>
+    </mc:Fallback>
+  </mc:AlternateContent>
+  <p:timing>
+    <p:tnLst>
+      <p:par>
+        <p:cTn id="1" dur="indefinite" restart="never" nodeType="tmRoot"/>
+      </p:par>
+    </p:tnLst>
+  </p:timing>
+</p:sld>
+</file>
+
+<file path=ppt/slides/slide11.xml><?xml version="1.0" encoding="utf-8"?>
+<p:sld xmlns:a="http://schemas.openxmlformats.org/drawingml/2006/main" xmlns:r="http://schemas.openxmlformats.org/officeDocument/2006/relationships" xmlns:p="http://schemas.openxmlformats.org/presentationml/2006/main">
+  <p:cSld>
+    <p:spTree>
+      <p:nvGrpSpPr>
+        <p:cNvPr id="1" name=""/>
+        <p:cNvGrpSpPr/>
+        <p:nvPr/>
+      </p:nvGrpSpPr>
+      <p:grpSpPr>
+        <a:xfrm>
+          <a:off x="0" y="0"/>
+          <a:ext cx="0" cy="0"/>
+          <a:chOff x="0" y="0"/>
+          <a:chExt cx="0" cy="0"/>
+        </a:xfrm>
+      </p:grpSpPr>
+      <p:pic>
+        <p:nvPicPr>
+          <p:cNvPr id="8" name="圖片 7"/>
+          <p:cNvPicPr>
+            <a:picLocks noChangeAspect="1"/>
+          </p:cNvPicPr>
+          <p:nvPr/>
+        </p:nvPicPr>
+        <p:blipFill>
+          <a:blip r:embed="rId3">
+            <a:extLst>
+              <a:ext uri="{28A0092B-C50C-407E-A947-70E740481C1C}">
+                <a14:useLocalDpi xmlns:a14="http://schemas.microsoft.com/office/drawing/2010/main" val="0"/>
+              </a:ext>
+            </a:extLst>
+          </a:blip>
+          <a:stretch>
+            <a:fillRect/>
+          </a:stretch>
+        </p:blipFill>
+        <p:spPr>
+          <a:xfrm>
+            <a:off x="4834448" y="3548417"/>
+            <a:ext cx="6086277" cy="3020351"/>
+          </a:xfrm>
+          <a:prstGeom prst="rect">
+            <a:avLst/>
+          </a:prstGeom>
+        </p:spPr>
+      </p:pic>
+      <p:sp>
+        <p:nvSpPr>
+          <p:cNvPr id="2" name="標題 1"/>
+          <p:cNvSpPr>
+            <a:spLocks noGrp="1"/>
+          </p:cNvSpPr>
+          <p:nvPr>
+            <p:ph type="title"/>
+          </p:nvPr>
+        </p:nvSpPr>
+        <p:spPr/>
+        <p:txBody>
+          <a:bodyPr/>
+          <a:lstStyle/>
+          <a:p>
+            <a:r>
+              <a:rPr kumimoji="1" lang="en-US" altLang="zh-TW" dirty="0" smtClean="0">
+                <a:latin typeface="Times New Roman" charset="0"/>
+                <a:ea typeface="Times New Roman" charset="0"/>
+                <a:cs typeface="Times New Roman" charset="0"/>
+              </a:rPr>
+              <a:t>Why </a:t>
+            </a:r>
+            <a:r>
+              <a:rPr kumimoji="1" lang="en-US" altLang="zh-TW" dirty="0" err="1" smtClean="0">
+                <a:latin typeface="Times New Roman" charset="0"/>
+                <a:ea typeface="Times New Roman" charset="0"/>
+                <a:cs typeface="Times New Roman" charset="0"/>
+              </a:rPr>
+              <a:t>Friis</a:t>
+            </a:r>
+            <a:r>
+              <a:rPr kumimoji="1" lang="en-US" altLang="zh-TW" dirty="0" smtClean="0">
+                <a:latin typeface="Times New Roman" charset="0"/>
+                <a:ea typeface="Times New Roman" charset="0"/>
+                <a:cs typeface="Times New Roman" charset="0"/>
+              </a:rPr>
+              <a:t>’ Formula</a:t>
+            </a:r>
+            <a:endParaRPr kumimoji="1" lang="zh-TW" altLang="en-US" dirty="0">
+              <a:latin typeface="Times New Roman" charset="0"/>
+              <a:ea typeface="Times New Roman" charset="0"/>
+              <a:cs typeface="Times New Roman" charset="0"/>
+            </a:endParaRPr>
+          </a:p>
+        </p:txBody>
+      </p:sp>
+      <p:sp>
+        <p:nvSpPr>
+          <p:cNvPr id="4" name="投影片編號版面配置區 3"/>
+          <p:cNvSpPr>
+            <a:spLocks noGrp="1"/>
+          </p:cNvSpPr>
+          <p:nvPr>
+            <p:ph type="sldNum" sz="quarter" idx="12"/>
+          </p:nvPr>
+        </p:nvSpPr>
+        <p:spPr/>
+        <p:txBody>
+          <a:bodyPr/>
+          <a:lstStyle/>
+          <a:p>
+            <a:fld id="{3EBBE1F4-AE36-AD42-8177-96288CD18AD2}" type="slidenum">
+              <a:rPr lang="en-US" smtClean="0"/>
+              <a:pPr/>
+              <a:t>11</a:t>
+            </a:fld>
+            <a:endParaRPr lang="en-US"/>
+          </a:p>
+        </p:txBody>
+      </p:sp>
+      <p:sp>
+        <p:nvSpPr>
+          <p:cNvPr id="7" name="內容版面配置區 6"/>
+          <p:cNvSpPr>
+            <a:spLocks noGrp="1"/>
+          </p:cNvSpPr>
+          <p:nvPr>
+            <p:ph idx="1"/>
+          </p:nvPr>
+        </p:nvSpPr>
+        <p:spPr/>
+        <p:txBody>
+          <a:bodyPr/>
+          <a:lstStyle/>
+          <a:p>
+            <a:r>
+              <a:rPr kumimoji="1" lang="en-US" altLang="zh-TW" sz="3200" dirty="0" smtClean="0">
+                <a:latin typeface="Times New Roman" charset="0"/>
+                <a:ea typeface="Times New Roman" charset="0"/>
+                <a:cs typeface="Times New Roman" charset="0"/>
+              </a:rPr>
+              <a:t>Dispense with the usage of </a:t>
+            </a:r>
+            <a:r>
+              <a:rPr kumimoji="1" lang="en-US" altLang="zh-TW" sz="3200" dirty="0" smtClean="0">
+                <a:solidFill>
+                  <a:schemeClr val="accent1"/>
+                </a:solidFill>
+                <a:latin typeface="Times New Roman" charset="0"/>
+                <a:ea typeface="Times New Roman" charset="0"/>
+                <a:cs typeface="Times New Roman" charset="0"/>
+              </a:rPr>
+              <a:t>directivity</a:t>
+            </a:r>
+            <a:r>
+              <a:rPr kumimoji="1" lang="en-US" altLang="zh-TW" sz="3200" dirty="0" smtClean="0">
+                <a:latin typeface="Times New Roman" charset="0"/>
+                <a:ea typeface="Times New Roman" charset="0"/>
+                <a:cs typeface="Times New Roman" charset="0"/>
+              </a:rPr>
+              <a:t> or </a:t>
+            </a:r>
+            <a:r>
+              <a:rPr kumimoji="1" lang="en-US" altLang="zh-TW" sz="3200" dirty="0" smtClean="0">
+                <a:solidFill>
+                  <a:schemeClr val="accent1"/>
+                </a:solidFill>
+                <a:latin typeface="Times New Roman" charset="0"/>
+                <a:ea typeface="Times New Roman" charset="0"/>
+                <a:cs typeface="Times New Roman" charset="0"/>
+              </a:rPr>
+              <a:t>gain</a:t>
+            </a:r>
+            <a:r>
+              <a:rPr kumimoji="1" lang="en-US" altLang="zh-TW" sz="3200" dirty="0" smtClean="0">
+                <a:latin typeface="Times New Roman" charset="0"/>
+                <a:ea typeface="Times New Roman" charset="0"/>
+                <a:cs typeface="Times New Roman" charset="0"/>
+              </a:rPr>
+              <a:t> when describing antenna performance</a:t>
+            </a:r>
+          </a:p>
+          <a:p>
+            <a:pPr>
+              <a:lnSpc>
+                <a:spcPct val="150000"/>
+              </a:lnSpc>
+            </a:pPr>
+            <a:r>
+              <a:rPr kumimoji="1" lang="en-US" altLang="zh-TW" sz="3200" dirty="0" smtClean="0">
+                <a:latin typeface="Times New Roman" charset="0"/>
+                <a:ea typeface="Times New Roman" charset="0"/>
+                <a:cs typeface="Times New Roman" charset="0"/>
+              </a:rPr>
+              <a:t>Descriptor of antenna </a:t>
+            </a:r>
+            <a:r>
+              <a:rPr kumimoji="1" lang="en-US" altLang="zh-TW" sz="3200" dirty="0" smtClean="0">
+                <a:solidFill>
+                  <a:schemeClr val="accent1"/>
+                </a:solidFill>
+                <a:latin typeface="Times New Roman" charset="0"/>
+                <a:ea typeface="Times New Roman" charset="0"/>
+                <a:cs typeface="Times New Roman" charset="0"/>
+              </a:rPr>
+              <a:t>capture area</a:t>
+            </a:r>
+            <a:endParaRPr kumimoji="1" lang="zh-TW" altLang="en-US" sz="3200" dirty="0">
+              <a:solidFill>
+                <a:schemeClr val="accent1"/>
+              </a:solidFill>
+              <a:latin typeface="Times New Roman" charset="0"/>
+              <a:ea typeface="Times New Roman" charset="0"/>
+              <a:cs typeface="Times New Roman" charset="0"/>
+            </a:endParaRPr>
+          </a:p>
+        </p:txBody>
+      </p:sp>
+    </p:spTree>
+    <p:extLst>
+      <p:ext uri="{BB962C8B-B14F-4D97-AF65-F5344CB8AC3E}">
+        <p14:creationId xmlns:p14="http://schemas.microsoft.com/office/powerpoint/2010/main" val="555166482"/>
+      </p:ext>
+    </p:extLst>
+  </p:cSld>
+  <p:clrMapOvr>
+    <a:masterClrMapping/>
+  </p:clrMapOvr>
+  <mc:AlternateContent xmlns:mc="http://schemas.openxmlformats.org/markup-compatibility/2006" xmlns:p14="http://schemas.microsoft.com/office/powerpoint/2010/main">
+    <mc:Choice Requires="p14">
+      <p:transition spd="med" p14:dur="700">
+        <p:fade/>
+      </p:transition>
+    </mc:Choice>
+    <mc:Fallback xmlns="">
+      <p:transition spd="med">
+        <p:fade/>
+      </p:transition>
+    </mc:Fallback>
+  </mc:AlternateContent>
+  <p:timing>
+    <p:tnLst>
+      <p:par>
+        <p:cTn id="1" dur="indefinite" restart="never" nodeType="tmRoot"/>
+      </p:par>
+    </p:tnLst>
+  </p:timing>
+</p:sld>
+</file>
+
+<file path=ppt/slides/slide12.xml><?xml version="1.0" encoding="utf-8"?>
+<p:sld xmlns:a="http://schemas.openxmlformats.org/drawingml/2006/main" xmlns:r="http://schemas.openxmlformats.org/officeDocument/2006/relationships" xmlns:p="http://schemas.openxmlformats.org/presentationml/2006/main">
+  <p:cSld>
+    <p:spTree>
+      <p:nvGrpSpPr>
+        <p:cNvPr id="1" name=""/>
+        <p:cNvGrpSpPr/>
+        <p:nvPr/>
+      </p:nvGrpSpPr>
+      <p:grpSpPr>
+        <a:xfrm>
+          <a:off x="0" y="0"/>
+          <a:ext cx="0" cy="0"/>
+          <a:chOff x="0" y="0"/>
+          <a:chExt cx="0" cy="0"/>
+        </a:xfrm>
+      </p:grpSpPr>
+      <p:pic>
+        <p:nvPicPr>
+          <p:cNvPr id="7" name="圖片 6"/>
+          <p:cNvPicPr>
+            <a:picLocks noChangeAspect="1"/>
+          </p:cNvPicPr>
+          <p:nvPr/>
+        </p:nvPicPr>
+        <p:blipFill>
+          <a:blip r:embed="rId2">
+            <a:extLst>
+              <a:ext uri="{28A0092B-C50C-407E-A947-70E740481C1C}">
+                <a14:useLocalDpi xmlns:a14="http://schemas.microsoft.com/office/drawing/2010/main" val="0"/>
+              </a:ext>
+            </a:extLst>
+          </a:blip>
+          <a:stretch>
+            <a:fillRect/>
+          </a:stretch>
+        </p:blipFill>
+        <p:spPr>
+          <a:xfrm>
+            <a:off x="5246973" y="3739487"/>
+            <a:ext cx="5673752" cy="2815633"/>
+          </a:xfrm>
+          <a:prstGeom prst="rect">
+            <a:avLst/>
+          </a:prstGeom>
+        </p:spPr>
+      </p:pic>
+      <p:sp>
+        <p:nvSpPr>
+          <p:cNvPr id="2" name="標題 1"/>
+          <p:cNvSpPr>
+            <a:spLocks noGrp="1"/>
+          </p:cNvSpPr>
+          <p:nvPr>
+            <p:ph type="title"/>
+          </p:nvPr>
+        </p:nvSpPr>
+        <p:spPr/>
+        <p:txBody>
+          <a:bodyPr/>
+          <a:lstStyle/>
+          <a:p>
+            <a:r>
+              <a:rPr kumimoji="1" lang="en-US" altLang="zh-TW" dirty="0" err="1" smtClean="0">
+                <a:latin typeface="Times New Roman" charset="0"/>
+                <a:ea typeface="Times New Roman" charset="0"/>
+                <a:cs typeface="Times New Roman" charset="0"/>
+              </a:rPr>
+              <a:t>Friis</a:t>
+            </a:r>
+            <a:r>
+              <a:rPr kumimoji="1" lang="en-US" altLang="zh-TW" dirty="0" smtClean="0">
+                <a:latin typeface="Times New Roman" charset="0"/>
+                <a:ea typeface="Times New Roman" charset="0"/>
+                <a:cs typeface="Times New Roman" charset="0"/>
+              </a:rPr>
+              <a:t>’ Original Formula</a:t>
+            </a:r>
+            <a:endParaRPr kumimoji="1" lang="zh-TW" altLang="en-US" dirty="0">
+              <a:latin typeface="Times New Roman" charset="0"/>
+              <a:ea typeface="Times New Roman" charset="0"/>
+              <a:cs typeface="Times New Roman" charset="0"/>
+            </a:endParaRPr>
+          </a:p>
+        </p:txBody>
+      </p:sp>
+      <mc:AlternateContent xmlns:mc="http://schemas.openxmlformats.org/markup-compatibility/2006" xmlns:a14="http://schemas.microsoft.com/office/drawing/2010/main">
+        <mc:Choice Requires="a14">
+          <p:sp>
+            <p:nvSpPr>
+              <p:cNvPr id="3" name="內容版面配置區 2"/>
+              <p:cNvSpPr>
+                <a:spLocks noGrp="1"/>
+              </p:cNvSpPr>
+              <p:nvPr>
+                <p:ph idx="1"/>
+              </p:nvPr>
+            </p:nvSpPr>
+            <p:spPr>
+              <a:xfrm>
+                <a:off x="335360" y="1700808"/>
+                <a:ext cx="3840855" cy="1178870"/>
+              </a:xfrm>
+            </p:spPr>
+            <p:txBody>
+              <a:bodyPr/>
+              <a:lstStyle/>
+              <a:p>
+                <a:pPr marL="11112" indent="0">
+                  <a:buNone/>
+                </a:pPr>
+                <a14:m>
+                  <m:oMathPara xmlns:m="http://schemas.openxmlformats.org/officeDocument/2006/math">
+                    <m:oMathParaPr>
+                      <m:jc m:val="centerGroup"/>
+                    </m:oMathParaPr>
+                    <m:oMath xmlns:m="http://schemas.openxmlformats.org/officeDocument/2006/math">
+                      <m:f>
+                        <m:fPr>
+                          <m:ctrlPr>
+                            <a:rPr kumimoji="1" lang="mr-IN" altLang="zh-TW" sz="4000" i="1" smtClean="0">
+                              <a:latin typeface="Cambria Math" charset="0"/>
+                            </a:rPr>
+                          </m:ctrlPr>
+                        </m:fPr>
+                        <m:num>
+                          <m:sSub>
+                            <m:sSubPr>
+                              <m:ctrlPr>
+                                <a:rPr kumimoji="1" lang="en-US" altLang="zh-TW" sz="4000" i="1">
+                                  <a:latin typeface="Cambria Math" charset="0"/>
+                                </a:rPr>
+                              </m:ctrlPr>
+                            </m:sSubPr>
+                            <m:e>
+                              <m:r>
+                                <a:rPr kumimoji="1" lang="en-US" altLang="zh-TW" sz="4000" i="1">
+                                  <a:latin typeface="Cambria Math" charset="0"/>
+                                </a:rPr>
+                                <m:t>𝑃</m:t>
+                              </m:r>
+                            </m:e>
+                            <m:sub>
+                              <m:r>
+                                <a:rPr kumimoji="1" lang="en-US" altLang="zh-TW" sz="4000" b="0" i="1" smtClean="0">
+                                  <a:latin typeface="Cambria Math" charset="0"/>
+                                </a:rPr>
+                                <m:t>𝑟</m:t>
+                              </m:r>
+                            </m:sub>
+                          </m:sSub>
+                        </m:num>
+                        <m:den>
+                          <m:sSub>
+                            <m:sSubPr>
+                              <m:ctrlPr>
+                                <a:rPr kumimoji="1" lang="en-US" altLang="zh-TW" sz="4000" i="1" smtClean="0">
+                                  <a:latin typeface="Cambria Math" charset="0"/>
+                                </a:rPr>
+                              </m:ctrlPr>
+                            </m:sSubPr>
+                            <m:e>
+                              <m:r>
+                                <a:rPr kumimoji="1" lang="en-US" altLang="zh-TW" sz="4000" b="0" i="1" smtClean="0">
+                                  <a:latin typeface="Cambria Math" charset="0"/>
+                                </a:rPr>
+                                <m:t>𝑃</m:t>
+                              </m:r>
+                            </m:e>
+                            <m:sub>
+                              <m:r>
+                                <a:rPr kumimoji="1" lang="en-US" altLang="zh-TW" sz="4000" b="0" i="1" smtClean="0">
+                                  <a:latin typeface="Cambria Math" charset="0"/>
+                                </a:rPr>
+                                <m:t>𝑡</m:t>
+                              </m:r>
+                            </m:sub>
+                          </m:sSub>
+                        </m:den>
+                      </m:f>
+                      <m:r>
+                        <a:rPr kumimoji="1" lang="en-US" altLang="zh-TW" sz="4000" b="0" i="1" smtClean="0">
+                          <a:latin typeface="Cambria Math" charset="0"/>
+                        </a:rPr>
+                        <m:t>=(</m:t>
+                      </m:r>
+                      <m:f>
+                        <m:fPr>
+                          <m:ctrlPr>
+                            <a:rPr kumimoji="1" lang="mr-IN" altLang="zh-TW" sz="4000" i="1">
+                              <a:latin typeface="Cambria Math" charset="0"/>
+                            </a:rPr>
+                          </m:ctrlPr>
+                        </m:fPr>
+                        <m:num>
+                          <m:sSub>
+                            <m:sSubPr>
+                              <m:ctrlPr>
+                                <a:rPr kumimoji="1" lang="en-US" altLang="zh-TW" sz="4000" i="1" smtClean="0">
+                                  <a:solidFill>
+                                    <a:schemeClr val="accent1"/>
+                                  </a:solidFill>
+                                  <a:latin typeface="Cambria Math" charset="0"/>
+                                </a:rPr>
+                              </m:ctrlPr>
+                            </m:sSubPr>
+                            <m:e>
+                              <m:r>
+                                <a:rPr kumimoji="1" lang="en-US" altLang="zh-TW" sz="4000" b="0" i="1" smtClean="0">
+                                  <a:solidFill>
+                                    <a:schemeClr val="accent1"/>
+                                  </a:solidFill>
+                                  <a:latin typeface="Cambria Math" charset="0"/>
+                                </a:rPr>
+                                <m:t>𝐴</m:t>
+                              </m:r>
+                            </m:e>
+                            <m:sub>
+                              <m:r>
+                                <a:rPr kumimoji="1" lang="en-US" altLang="zh-TW" sz="4000" i="1">
+                                  <a:solidFill>
+                                    <a:schemeClr val="accent1"/>
+                                  </a:solidFill>
+                                  <a:latin typeface="Cambria Math" charset="0"/>
+                                </a:rPr>
+                                <m:t>𝑟</m:t>
+                              </m:r>
+                            </m:sub>
+                          </m:sSub>
+                          <m:sSub>
+                            <m:sSubPr>
+                              <m:ctrlPr>
+                                <a:rPr kumimoji="1" lang="en-US" altLang="zh-TW" sz="4000" i="1">
+                                  <a:solidFill>
+                                    <a:schemeClr val="accent1"/>
+                                  </a:solidFill>
+                                  <a:latin typeface="Cambria Math" charset="0"/>
+                                </a:rPr>
+                              </m:ctrlPr>
+                            </m:sSubPr>
+                            <m:e>
+                              <m:r>
+                                <a:rPr kumimoji="1" lang="en-US" altLang="zh-TW" sz="4000" b="0" i="1" smtClean="0">
+                                  <a:solidFill>
+                                    <a:schemeClr val="accent1"/>
+                                  </a:solidFill>
+                                  <a:latin typeface="Cambria Math" charset="0"/>
+                                </a:rPr>
+                                <m:t>𝐴</m:t>
+                              </m:r>
+                            </m:e>
+                            <m:sub>
+                              <m:r>
+                                <a:rPr kumimoji="1" lang="en-US" altLang="zh-TW" sz="4000" i="1">
+                                  <a:solidFill>
+                                    <a:schemeClr val="accent1"/>
+                                  </a:solidFill>
+                                  <a:latin typeface="Cambria Math" charset="0"/>
+                                </a:rPr>
+                                <m:t>𝑡</m:t>
+                              </m:r>
+                            </m:sub>
+                          </m:sSub>
+                        </m:num>
+                        <m:den>
+                          <m:sSup>
+                            <m:sSupPr>
+                              <m:ctrlPr>
+                                <a:rPr kumimoji="1" lang="en-US" altLang="zh-TW" sz="4000" i="1" smtClean="0">
+                                  <a:latin typeface="Cambria Math" charset="0"/>
+                                </a:rPr>
+                              </m:ctrlPr>
+                            </m:sSupPr>
+                            <m:e>
+                              <m:r>
+                                <a:rPr kumimoji="1" lang="en-US" altLang="zh-TW" sz="4000" b="0" i="1" smtClean="0">
+                                  <a:latin typeface="Cambria Math" charset="0"/>
+                                </a:rPr>
+                                <m:t>𝑑</m:t>
+                              </m:r>
+                            </m:e>
+                            <m:sup>
+                              <m:r>
+                                <a:rPr kumimoji="1" lang="en-US" altLang="zh-TW" sz="4000" b="0" i="1" smtClean="0">
+                                  <a:latin typeface="Cambria Math" charset="0"/>
+                                </a:rPr>
+                                <m:t>2</m:t>
+                              </m:r>
+                            </m:sup>
+                          </m:sSup>
+                          <m:sSup>
+                            <m:sSupPr>
+                              <m:ctrlPr>
+                                <a:rPr kumimoji="1" lang="en-US" altLang="zh-TW" sz="4000" i="1">
+                                  <a:latin typeface="Cambria Math" charset="0"/>
+                                </a:rPr>
+                              </m:ctrlPr>
+                            </m:sSupPr>
+                            <m:e>
+                              <m:r>
+                                <a:rPr kumimoji="1" lang="en-US" altLang="zh-TW" sz="4000" i="1" smtClean="0">
+                                  <a:latin typeface="Cambria Math" charset="0"/>
+                                  <a:ea typeface="Cambria Math" charset="0"/>
+                                  <a:cs typeface="Cambria Math" charset="0"/>
+                                </a:rPr>
+                                <m:t>𝜆</m:t>
+                              </m:r>
+                            </m:e>
+                            <m:sup>
+                              <m:r>
+                                <a:rPr kumimoji="1" lang="en-US" altLang="zh-TW" sz="4000" i="1">
+                                  <a:latin typeface="Cambria Math" charset="0"/>
+                                </a:rPr>
+                                <m:t>2</m:t>
+                              </m:r>
+                            </m:sup>
+                          </m:sSup>
+                        </m:den>
+                      </m:f>
+                      <m:r>
+                        <a:rPr kumimoji="1" lang="en-US" altLang="zh-TW" sz="4000" b="0" i="1" smtClean="0">
+                          <a:latin typeface="Cambria Math" charset="0"/>
+                        </a:rPr>
+                        <m:t>)</m:t>
+                      </m:r>
+                    </m:oMath>
+                  </m:oMathPara>
+                </a14:m>
+                <a:endParaRPr kumimoji="1" lang="en-US" altLang="zh-TW" sz="4000" dirty="0" smtClean="0"/>
+              </a:p>
+            </p:txBody>
+          </p:sp>
+        </mc:Choice>
+        <mc:Fallback xmlns="">
+          <p:sp>
+            <p:nvSpPr>
+              <p:cNvPr id="3" name="內容版面配置區 2"/>
+              <p:cNvSpPr>
+                <a:spLocks noGrp="1" noRot="1" noChangeAspect="1" noMove="1" noResize="1" noEditPoints="1" noAdjustHandles="1" noChangeArrowheads="1" noChangeShapeType="1" noTextEdit="1"/>
+              </p:cNvSpPr>
+              <p:nvPr>
+                <p:ph idx="1"/>
+              </p:nvPr>
+            </p:nvSpPr>
+            <p:spPr>
+              <a:xfrm>
+                <a:off x="335360" y="1700808"/>
+                <a:ext cx="3840855" cy="1178870"/>
+              </a:xfrm>
+              <a:blipFill rotWithShape="0">
+                <a:blip r:embed="rId3"/>
+                <a:stretch>
+                  <a:fillRect b="-10363"/>
+                </a:stretch>
+              </a:blipFill>
+            </p:spPr>
+            <p:txBody>
+              <a:bodyPr/>
+              <a:lstStyle/>
+              <a:p>
+                <a:r>
+                  <a:rPr lang="zh-TW" altLang="en-US">
+                    <a:noFill/>
+                  </a:rPr>
+                  <a:t> </a:t>
+                </a:r>
+              </a:p>
+            </p:txBody>
+          </p:sp>
+        </mc:Fallback>
+      </mc:AlternateContent>
+      <p:sp>
+        <p:nvSpPr>
+          <p:cNvPr id="4" name="投影片編號版面配置區 3"/>
+          <p:cNvSpPr>
+            <a:spLocks noGrp="1"/>
+          </p:cNvSpPr>
+          <p:nvPr>
+            <p:ph type="sldNum" sz="quarter" idx="12"/>
+          </p:nvPr>
+        </p:nvSpPr>
+        <p:spPr/>
+        <p:txBody>
+          <a:bodyPr/>
+          <a:lstStyle/>
+          <a:p>
+            <a:fld id="{3EBBE1F4-AE36-AD42-8177-96288CD18AD2}" type="slidenum">
+              <a:rPr lang="en-US" smtClean="0"/>
+              <a:pPr/>
+              <a:t>12</a:t>
+            </a:fld>
+            <a:endParaRPr lang="en-US"/>
+          </a:p>
+        </p:txBody>
+      </p:sp>
+      <mc:AlternateContent xmlns:mc="http://schemas.openxmlformats.org/markup-compatibility/2006" xmlns:a14="http://schemas.microsoft.com/office/drawing/2010/main">
+        <mc:Choice Requires="a14">
+          <p:sp>
+            <p:nvSpPr>
+              <p:cNvPr id="6" name="矩形 5"/>
+              <p:cNvSpPr/>
+              <p:nvPr/>
+            </p:nvSpPr>
+            <p:spPr>
+              <a:xfrm>
+                <a:off x="384412" y="3047627"/>
+                <a:ext cx="7583606" cy="2308324"/>
+              </a:xfrm>
+              <a:prstGeom prst="rect">
+                <a:avLst/>
+              </a:prstGeom>
+            </p:spPr>
+            <p:txBody>
+              <a:bodyPr wrap="square">
+                <a:spAutoFit/>
+              </a:bodyPr>
+              <a:lstStyle/>
+              <a:p>
+                <a14:m>
+                  <m:oMath xmlns:m="http://schemas.openxmlformats.org/officeDocument/2006/math">
+                    <m:sSub>
+                      <m:sSubPr>
+                        <m:ctrlPr>
+                          <a:rPr kumimoji="1" lang="en-US" altLang="zh-TW" sz="2400" i="1">
+                            <a:latin typeface="Cambria Math" charset="0"/>
+                            <a:ea typeface="Times New Roman" charset="0"/>
+                            <a:cs typeface="Times New Roman" charset="0"/>
+                          </a:rPr>
+                        </m:ctrlPr>
+                      </m:sSubPr>
+                      <m:e>
+                        <m:r>
+                          <a:rPr kumimoji="1" lang="en-US" altLang="zh-TW" sz="2400" i="1">
+                            <a:latin typeface="Cambria Math" charset="0"/>
+                            <a:ea typeface="Times New Roman" charset="0"/>
+                            <a:cs typeface="Times New Roman" charset="0"/>
+                          </a:rPr>
+                          <m:t>𝑃</m:t>
+                        </m:r>
+                      </m:e>
+                      <m:sub>
+                        <m:r>
+                          <a:rPr kumimoji="1" lang="en-US" altLang="zh-TW" sz="2400" i="1">
+                            <a:latin typeface="Cambria Math" charset="0"/>
+                            <a:ea typeface="Times New Roman" charset="0"/>
+                            <a:cs typeface="Times New Roman" charset="0"/>
+                          </a:rPr>
+                          <m:t>𝑟</m:t>
+                        </m:r>
+                      </m:sub>
+                    </m:sSub>
+                  </m:oMath>
+                </a14:m>
+                <a:r>
+                  <a:rPr kumimoji="1" lang="en-US" altLang="zh-TW" sz="2400" dirty="0">
+                    <a:latin typeface="Times New Roman" charset="0"/>
+                    <a:ea typeface="Times New Roman" charset="0"/>
+                    <a:cs typeface="Times New Roman" charset="0"/>
+                  </a:rPr>
+                  <a:t> : power available at </a:t>
+                </a:r>
+                <a:r>
+                  <a:rPr kumimoji="1" lang="en-US" altLang="zh-TW" sz="2400" dirty="0" err="1">
+                    <a:latin typeface="Times New Roman" charset="0"/>
+                    <a:ea typeface="Times New Roman" charset="0"/>
+                    <a:cs typeface="Times New Roman" charset="0"/>
+                  </a:rPr>
+                  <a:t>rx</a:t>
+                </a:r>
+                <a:r>
+                  <a:rPr kumimoji="1" lang="en-US" altLang="zh-TW" sz="2400" dirty="0">
+                    <a:latin typeface="Times New Roman" charset="0"/>
+                    <a:ea typeface="Times New Roman" charset="0"/>
+                    <a:cs typeface="Times New Roman" charset="0"/>
+                  </a:rPr>
+                  <a:t> antenna output terminals</a:t>
+                </a:r>
+              </a:p>
+              <a:p>
+                <a14:m>
+                  <m:oMath xmlns:m="http://schemas.openxmlformats.org/officeDocument/2006/math">
+                    <m:sSub>
+                      <m:sSubPr>
+                        <m:ctrlPr>
+                          <a:rPr kumimoji="1" lang="en-US" altLang="zh-TW" sz="2400" i="1">
+                            <a:latin typeface="Cambria Math" charset="0"/>
+                            <a:ea typeface="Times New Roman" charset="0"/>
+                            <a:cs typeface="Times New Roman" charset="0"/>
+                          </a:rPr>
+                        </m:ctrlPr>
+                      </m:sSubPr>
+                      <m:e>
+                        <m:r>
+                          <a:rPr kumimoji="1" lang="en-US" altLang="zh-TW" sz="2400" i="1">
+                            <a:latin typeface="Cambria Math" charset="0"/>
+                            <a:ea typeface="Times New Roman" charset="0"/>
+                            <a:cs typeface="Times New Roman" charset="0"/>
+                          </a:rPr>
+                          <m:t>𝑃</m:t>
+                        </m:r>
+                      </m:e>
+                      <m:sub>
+                        <m:r>
+                          <a:rPr kumimoji="1" lang="en-US" altLang="zh-TW" sz="2400" i="1">
+                            <a:latin typeface="Cambria Math" charset="0"/>
+                            <a:ea typeface="Times New Roman" charset="0"/>
+                            <a:cs typeface="Times New Roman" charset="0"/>
+                          </a:rPr>
+                          <m:t>𝑡</m:t>
+                        </m:r>
+                      </m:sub>
+                    </m:sSub>
+                  </m:oMath>
+                </a14:m>
+                <a:r>
+                  <a:rPr kumimoji="1" lang="en-US" altLang="zh-TW" sz="2400" dirty="0">
+                    <a:latin typeface="Times New Roman" charset="0"/>
+                    <a:ea typeface="Times New Roman" charset="0"/>
+                    <a:cs typeface="Times New Roman" charset="0"/>
+                  </a:rPr>
+                  <a:t> : power fed into the </a:t>
+                </a:r>
+                <a:r>
+                  <a:rPr kumimoji="1" lang="en-US" altLang="zh-TW" sz="2400" dirty="0" err="1">
+                    <a:latin typeface="Times New Roman" charset="0"/>
+                    <a:ea typeface="Times New Roman" charset="0"/>
+                    <a:cs typeface="Times New Roman" charset="0"/>
+                  </a:rPr>
+                  <a:t>tx</a:t>
+                </a:r>
+                <a:r>
+                  <a:rPr kumimoji="1" lang="en-US" altLang="zh-TW" sz="2400" dirty="0">
+                    <a:latin typeface="Times New Roman" charset="0"/>
+                    <a:ea typeface="Times New Roman" charset="0"/>
+                    <a:cs typeface="Times New Roman" charset="0"/>
+                  </a:rPr>
+                  <a:t> antenna input terminals</a:t>
+                </a:r>
+              </a:p>
+              <a:p>
+                <a14:m>
+                  <m:oMath xmlns:m="http://schemas.openxmlformats.org/officeDocument/2006/math">
+                    <m:sSub>
+                      <m:sSubPr>
+                        <m:ctrlPr>
+                          <a:rPr kumimoji="1" lang="en-US" altLang="zh-TW" sz="2400" i="1">
+                            <a:latin typeface="Cambria Math" charset="0"/>
+                            <a:ea typeface="Times New Roman" charset="0"/>
+                            <a:cs typeface="Times New Roman" charset="0"/>
+                          </a:rPr>
+                        </m:ctrlPr>
+                      </m:sSubPr>
+                      <m:e>
+                        <m:r>
+                          <a:rPr kumimoji="1" lang="en-US" altLang="zh-TW" sz="2400" i="1">
+                            <a:latin typeface="Cambria Math" charset="0"/>
+                            <a:ea typeface="Times New Roman" charset="0"/>
+                            <a:cs typeface="Times New Roman" charset="0"/>
+                          </a:rPr>
+                          <m:t>𝐴</m:t>
+                        </m:r>
+                      </m:e>
+                      <m:sub>
+                        <m:r>
+                          <a:rPr kumimoji="1" lang="en-US" altLang="zh-TW" sz="2400" i="1">
+                            <a:latin typeface="Cambria Math" charset="0"/>
+                            <a:ea typeface="Times New Roman" charset="0"/>
+                            <a:cs typeface="Times New Roman" charset="0"/>
+                          </a:rPr>
+                          <m:t>𝑟</m:t>
+                        </m:r>
+                      </m:sub>
+                    </m:sSub>
+                  </m:oMath>
+                </a14:m>
+                <a:r>
+                  <a:rPr kumimoji="1" lang="en-US" altLang="zh-TW" sz="2400" dirty="0">
+                    <a:latin typeface="Times New Roman" charset="0"/>
+                    <a:ea typeface="Times New Roman" charset="0"/>
+                    <a:cs typeface="Times New Roman" charset="0"/>
+                  </a:rPr>
+                  <a:t> : the effective area of </a:t>
+                </a:r>
+                <a:r>
+                  <a:rPr kumimoji="1" lang="en-US" altLang="zh-TW" sz="2400" dirty="0" err="1">
+                    <a:latin typeface="Times New Roman" charset="0"/>
+                    <a:ea typeface="Times New Roman" charset="0"/>
+                    <a:cs typeface="Times New Roman" charset="0"/>
+                  </a:rPr>
+                  <a:t>rx</a:t>
+                </a:r>
+                <a:r>
+                  <a:rPr kumimoji="1" lang="en-US" altLang="zh-TW" sz="2400" dirty="0">
+                    <a:latin typeface="Times New Roman" charset="0"/>
+                    <a:ea typeface="Times New Roman" charset="0"/>
+                    <a:cs typeface="Times New Roman" charset="0"/>
+                  </a:rPr>
+                  <a:t> antenna</a:t>
+                </a:r>
+              </a:p>
+              <a:p>
+                <a14:m>
+                  <m:oMath xmlns:m="http://schemas.openxmlformats.org/officeDocument/2006/math">
+                    <m:sSub>
+                      <m:sSubPr>
+                        <m:ctrlPr>
+                          <a:rPr kumimoji="1" lang="en-US" altLang="zh-TW" sz="2400" i="1">
+                            <a:latin typeface="Cambria Math" charset="0"/>
+                            <a:ea typeface="Times New Roman" charset="0"/>
+                            <a:cs typeface="Times New Roman" charset="0"/>
+                          </a:rPr>
+                        </m:ctrlPr>
+                      </m:sSubPr>
+                      <m:e>
+                        <m:r>
+                          <a:rPr kumimoji="1" lang="en-US" altLang="zh-TW" sz="2400" i="1">
+                            <a:latin typeface="Cambria Math" charset="0"/>
+                            <a:ea typeface="Times New Roman" charset="0"/>
+                            <a:cs typeface="Times New Roman" charset="0"/>
+                          </a:rPr>
+                          <m:t>𝐴</m:t>
+                        </m:r>
+                      </m:e>
+                      <m:sub>
+                        <m:r>
+                          <a:rPr kumimoji="1" lang="en-US" altLang="zh-TW" sz="2400" i="1">
+                            <a:latin typeface="Cambria Math" charset="0"/>
+                            <a:ea typeface="Times New Roman" charset="0"/>
+                            <a:cs typeface="Times New Roman" charset="0"/>
+                          </a:rPr>
+                          <m:t>𝑡</m:t>
+                        </m:r>
+                      </m:sub>
+                    </m:sSub>
+                  </m:oMath>
+                </a14:m>
+                <a:r>
+                  <a:rPr kumimoji="1" lang="en-US" altLang="zh-TW" sz="2400" dirty="0">
+                    <a:latin typeface="Times New Roman" charset="0"/>
+                    <a:ea typeface="Times New Roman" charset="0"/>
+                    <a:cs typeface="Times New Roman" charset="0"/>
+                  </a:rPr>
+                  <a:t> : the effective area of </a:t>
+                </a:r>
+                <a:r>
+                  <a:rPr kumimoji="1" lang="en-US" altLang="zh-TW" sz="2400" dirty="0" err="1">
+                    <a:latin typeface="Times New Roman" charset="0"/>
+                    <a:ea typeface="Times New Roman" charset="0"/>
+                    <a:cs typeface="Times New Roman" charset="0"/>
+                  </a:rPr>
+                  <a:t>tx</a:t>
+                </a:r>
+                <a:r>
+                  <a:rPr kumimoji="1" lang="en-US" altLang="zh-TW" sz="2400" dirty="0">
+                    <a:latin typeface="Times New Roman" charset="0"/>
+                    <a:ea typeface="Times New Roman" charset="0"/>
+                    <a:cs typeface="Times New Roman" charset="0"/>
+                  </a:rPr>
+                  <a:t> antenna</a:t>
+                </a:r>
+                <a:endParaRPr kumimoji="1" lang="zh-TW" altLang="en-US" sz="2400" dirty="0">
+                  <a:latin typeface="Times New Roman" charset="0"/>
+                  <a:ea typeface="Times New Roman" charset="0"/>
+                  <a:cs typeface="Times New Roman" charset="0"/>
+                </a:endParaRPr>
+              </a:p>
+              <a:p>
+                <a:r>
+                  <a:rPr kumimoji="1" lang="en-US" altLang="zh-TW" sz="2400" dirty="0">
+                    <a:latin typeface="Times New Roman" charset="0"/>
+                    <a:ea typeface="Times New Roman" charset="0"/>
+                    <a:cs typeface="Times New Roman" charset="0"/>
+                  </a:rPr>
+                  <a:t>d : distance between antennas</a:t>
+                </a:r>
+              </a:p>
+              <a:p>
+                <a14:m>
+                  <m:oMath xmlns:m="http://schemas.openxmlformats.org/officeDocument/2006/math">
+                    <m:r>
+                      <a:rPr kumimoji="1" lang="en-US" altLang="zh-TW" sz="2400" i="1">
+                        <a:latin typeface="Cambria Math" charset="0"/>
+                        <a:ea typeface="Times New Roman" charset="0"/>
+                        <a:cs typeface="Times New Roman" charset="0"/>
+                      </a:rPr>
+                      <m:t>𝜆</m:t>
+                    </m:r>
+                  </m:oMath>
+                </a14:m>
+                <a:r>
+                  <a:rPr kumimoji="1" lang="en-US" altLang="zh-TW" sz="2400" dirty="0">
+                    <a:latin typeface="Times New Roman" charset="0"/>
+                    <a:ea typeface="Times New Roman" charset="0"/>
+                    <a:cs typeface="Times New Roman" charset="0"/>
+                  </a:rPr>
+                  <a:t> : wavelength</a:t>
+                </a:r>
+                <a:endParaRPr kumimoji="1" lang="zh-TW" altLang="en-US" sz="2400" dirty="0">
+                  <a:latin typeface="Times New Roman" charset="0"/>
+                  <a:ea typeface="Times New Roman" charset="0"/>
+                  <a:cs typeface="Times New Roman" charset="0"/>
+                </a:endParaRPr>
+              </a:p>
+            </p:txBody>
+          </p:sp>
+        </mc:Choice>
+        <mc:Fallback xmlns="">
+          <p:sp>
+            <p:nvSpPr>
+              <p:cNvPr id="6" name="矩形 5"/>
+              <p:cNvSpPr>
+                <a:spLocks noRot="1" noChangeAspect="1" noMove="1" noResize="1" noEditPoints="1" noAdjustHandles="1" noChangeArrowheads="1" noChangeShapeType="1" noTextEdit="1"/>
+              </p:cNvSpPr>
+              <p:nvPr/>
+            </p:nvSpPr>
+            <p:spPr>
+              <a:xfrm>
+                <a:off x="384412" y="3047627"/>
+                <a:ext cx="7583606" cy="2308324"/>
+              </a:xfrm>
+              <a:prstGeom prst="rect">
+                <a:avLst/>
+              </a:prstGeom>
+              <a:blipFill rotWithShape="0">
+                <a:blip r:embed="rId4"/>
+                <a:stretch>
+                  <a:fillRect l="-1206" t="-2111" b="-5013"/>
+                </a:stretch>
+              </a:blipFill>
+            </p:spPr>
+            <p:txBody>
+              <a:bodyPr/>
+              <a:lstStyle/>
+              <a:p>
+                <a:r>
+                  <a:rPr lang="zh-TW" altLang="en-US">
+                    <a:noFill/>
+                  </a:rPr>
+                  <a:t> </a:t>
+                </a:r>
+              </a:p>
+            </p:txBody>
+          </p:sp>
+        </mc:Fallback>
+      </mc:AlternateContent>
+    </p:spTree>
+    <p:extLst>
+      <p:ext uri="{BB962C8B-B14F-4D97-AF65-F5344CB8AC3E}">
+        <p14:creationId xmlns:p14="http://schemas.microsoft.com/office/powerpoint/2010/main" val="1539763203"/>
+      </p:ext>
+    </p:extLst>
+  </p:cSld>
+  <p:clrMapOvr>
+    <a:masterClrMapping/>
+  </p:clrMapOvr>
+  <mc:AlternateContent xmlns:mc="http://schemas.openxmlformats.org/markup-compatibility/2006" xmlns:p14="http://schemas.microsoft.com/office/powerpoint/2010/main">
+    <mc:Choice Requires="p14">
+      <p:transition spd="med" p14:dur="700">
+        <p:fade/>
+      </p:transition>
+    </mc:Choice>
+    <mc:Fallback xmlns="">
+      <p:transition spd="med">
+        <p:fade/>
+      </p:transition>
+    </mc:Fallback>
+  </mc:AlternateContent>
+  <p:timing>
+    <p:tnLst>
+      <p:par>
+        <p:cTn id="1" dur="indefinite" restart="never" nodeType="tmRoot"/>
+      </p:par>
+    </p:tnLst>
+  </p:timing>
+</p:sld>
+</file>
+
+<file path=ppt/slides/slide13.xml><?xml version="1.0" encoding="utf-8"?>
+<p:sld xmlns:a="http://schemas.openxmlformats.org/drawingml/2006/main" xmlns:r="http://schemas.openxmlformats.org/officeDocument/2006/relationships" xmlns:p="http://schemas.openxmlformats.org/presentationml/2006/main">
+  <p:cSld>
+    <p:spTree>
+      <p:nvGrpSpPr>
+        <p:cNvPr id="1" name=""/>
+        <p:cNvGrpSpPr/>
+        <p:nvPr/>
+      </p:nvGrpSpPr>
+      <p:grpSpPr>
+        <a:xfrm>
+          <a:off x="0" y="0"/>
+          <a:ext cx="0" cy="0"/>
+          <a:chOff x="0" y="0"/>
+          <a:chExt cx="0" cy="0"/>
+        </a:xfrm>
+      </p:grpSpPr>
+      <p:sp>
+        <p:nvSpPr>
+          <p:cNvPr id="2" name="標題 1"/>
+          <p:cNvSpPr>
+            <a:spLocks noGrp="1"/>
+          </p:cNvSpPr>
+          <p:nvPr>
+            <p:ph type="title"/>
+          </p:nvPr>
+        </p:nvSpPr>
+        <p:spPr/>
+        <p:txBody>
+          <a:bodyPr/>
+          <a:lstStyle/>
+          <a:p>
+            <a:r>
+              <a:rPr kumimoji="1" lang="en-US" altLang="zh-TW" dirty="0" smtClean="0">
+                <a:latin typeface="Times New Roman" charset="0"/>
+                <a:ea typeface="Times New Roman" charset="0"/>
+                <a:cs typeface="Times New Roman" charset="0"/>
+              </a:rPr>
+              <a:t>Contemporary Formula</a:t>
+            </a:r>
+            <a:endParaRPr kumimoji="1" lang="zh-TW" altLang="en-US" dirty="0">
+              <a:latin typeface="Times New Roman" charset="0"/>
+              <a:ea typeface="Times New Roman" charset="0"/>
+              <a:cs typeface="Times New Roman" charset="0"/>
+            </a:endParaRPr>
+          </a:p>
+        </p:txBody>
+      </p:sp>
+      <p:sp>
+        <p:nvSpPr>
+          <p:cNvPr id="4" name="投影片編號版面配置區 3"/>
+          <p:cNvSpPr>
+            <a:spLocks noGrp="1"/>
+          </p:cNvSpPr>
+          <p:nvPr>
+            <p:ph type="sldNum" sz="quarter" idx="12"/>
+          </p:nvPr>
+        </p:nvSpPr>
+        <p:spPr/>
+        <p:txBody>
+          <a:bodyPr/>
+          <a:lstStyle/>
+          <a:p>
+            <a:fld id="{3EBBE1F4-AE36-AD42-8177-96288CD18AD2}" type="slidenum">
+              <a:rPr lang="en-US" smtClean="0"/>
+              <a:pPr/>
+              <a:t>13</a:t>
+            </a:fld>
+            <a:endParaRPr lang="en-US"/>
+          </a:p>
+        </p:txBody>
+      </p:sp>
+      <mc:AlternateContent xmlns:mc="http://schemas.openxmlformats.org/markup-compatibility/2006" xmlns:a14="http://schemas.microsoft.com/office/drawing/2010/main">
+        <mc:Choice Requires="a14">
+          <p:sp>
+            <p:nvSpPr>
+              <p:cNvPr id="7" name="內容版面配置區 6"/>
+              <p:cNvSpPr>
+                <a:spLocks noGrp="1"/>
+              </p:cNvSpPr>
+              <p:nvPr>
+                <p:ph idx="1"/>
+              </p:nvPr>
+            </p:nvSpPr>
+            <p:spPr/>
+            <p:txBody>
+              <a:bodyPr/>
+              <a:lstStyle/>
+              <a:p>
+                <a:pPr>
+                  <a:lnSpc>
+                    <a:spcPct val="150000"/>
+                  </a:lnSpc>
+                </a:pPr>
+                <a:r>
+                  <a:rPr kumimoji="1" lang="en-US" altLang="zh-TW" sz="3200" dirty="0" smtClean="0">
+                    <a:latin typeface="Times New Roman" charset="0"/>
+                    <a:ea typeface="Times New Roman" charset="0"/>
+                    <a:cs typeface="Times New Roman" charset="0"/>
+                  </a:rPr>
+                  <a:t>Few follower of </a:t>
+                </a:r>
+                <a:r>
+                  <a:rPr kumimoji="1" lang="en-US" altLang="zh-TW" sz="3200" dirty="0" err="1" smtClean="0">
+                    <a:latin typeface="Times New Roman" charset="0"/>
+                    <a:ea typeface="Times New Roman" charset="0"/>
+                    <a:cs typeface="Times New Roman" charset="0"/>
+                  </a:rPr>
+                  <a:t>Friis</a:t>
+                </a:r>
+                <a:r>
+                  <a:rPr kumimoji="1" lang="en-US" altLang="zh-TW" sz="3200" dirty="0" smtClean="0">
+                    <a:latin typeface="Times New Roman" charset="0"/>
+                    <a:ea typeface="Times New Roman" charset="0"/>
+                    <a:cs typeface="Times New Roman" charset="0"/>
+                  </a:rPr>
+                  <a:t> </a:t>
+                </a:r>
+              </a:p>
+              <a:p>
+                <a:pPr>
+                  <a:lnSpc>
+                    <a:spcPct val="150000"/>
+                  </a:lnSpc>
+                </a:pPr>
+                <a:r>
+                  <a:rPr kumimoji="1" lang="en-US" altLang="zh-TW" sz="3200" dirty="0" smtClean="0">
+                    <a:latin typeface="Times New Roman" charset="0"/>
+                    <a:ea typeface="Times New Roman" charset="0"/>
+                    <a:cs typeface="Times New Roman" charset="0"/>
+                  </a:rPr>
+                  <a:t>Replacing the effective antenna areas with directivity counterparts yields</a:t>
+                </a:r>
+              </a:p>
+              <a:p>
+                <a:pPr marL="11112" indent="0">
+                  <a:lnSpc>
+                    <a:spcPct val="150000"/>
+                  </a:lnSpc>
+                  <a:buNone/>
+                </a:pPr>
+                <a14:m>
+                  <m:oMathPara xmlns:m="http://schemas.openxmlformats.org/officeDocument/2006/math">
+                    <m:oMathParaPr>
+                      <m:jc m:val="centerGroup"/>
+                    </m:oMathParaPr>
+                    <m:oMath xmlns:m="http://schemas.openxmlformats.org/officeDocument/2006/math">
+                      <m:f>
+                        <m:fPr>
+                          <m:ctrlPr>
+                            <a:rPr kumimoji="1" lang="mr-IN" altLang="zh-TW" sz="4000" i="1">
+                              <a:latin typeface="Cambria Math" charset="0"/>
+                            </a:rPr>
+                          </m:ctrlPr>
+                        </m:fPr>
+                        <m:num>
+                          <m:sSub>
+                            <m:sSubPr>
+                              <m:ctrlPr>
+                                <a:rPr kumimoji="1" lang="en-US" altLang="zh-TW" sz="4000" i="1">
+                                  <a:latin typeface="Cambria Math" charset="0"/>
+                                </a:rPr>
+                              </m:ctrlPr>
+                            </m:sSubPr>
+                            <m:e>
+                              <m:r>
+                                <a:rPr kumimoji="1" lang="en-US" altLang="zh-TW" sz="4000" i="1">
+                                  <a:latin typeface="Cambria Math" charset="0"/>
+                                </a:rPr>
+                                <m:t>𝑃</m:t>
+                              </m:r>
+                            </m:e>
+                            <m:sub>
+                              <m:r>
+                                <a:rPr kumimoji="1" lang="en-US" altLang="zh-TW" sz="4000" i="1">
+                                  <a:latin typeface="Cambria Math" charset="0"/>
+                                </a:rPr>
+                                <m:t>𝑟</m:t>
+                              </m:r>
+                            </m:sub>
+                          </m:sSub>
+                        </m:num>
+                        <m:den>
+                          <m:sSub>
+                            <m:sSubPr>
+                              <m:ctrlPr>
+                                <a:rPr kumimoji="1" lang="en-US" altLang="zh-TW" sz="4000" i="1">
+                                  <a:latin typeface="Cambria Math" charset="0"/>
+                                </a:rPr>
+                              </m:ctrlPr>
+                            </m:sSubPr>
+                            <m:e>
+                              <m:r>
+                                <a:rPr kumimoji="1" lang="en-US" altLang="zh-TW" sz="4000" i="1">
+                                  <a:latin typeface="Cambria Math" charset="0"/>
+                                </a:rPr>
+                                <m:t>𝑃</m:t>
+                              </m:r>
+                            </m:e>
+                            <m:sub>
+                              <m:r>
+                                <a:rPr kumimoji="1" lang="en-US" altLang="zh-TW" sz="4000" i="1">
+                                  <a:latin typeface="Cambria Math" charset="0"/>
+                                </a:rPr>
+                                <m:t>𝑡</m:t>
+                              </m:r>
+                            </m:sub>
+                          </m:sSub>
+                        </m:den>
+                      </m:f>
+                      <m:r>
+                        <a:rPr kumimoji="1" lang="en-US" altLang="zh-TW" sz="4000" i="1">
+                          <a:latin typeface="Cambria Math" charset="0"/>
+                        </a:rPr>
+                        <m:t>=</m:t>
+                      </m:r>
+                      <m:sSub>
+                        <m:sSubPr>
+                          <m:ctrlPr>
+                            <a:rPr kumimoji="1" lang="en-US" altLang="zh-TW" sz="4000" i="1">
+                              <a:latin typeface="Cambria Math" charset="0"/>
+                            </a:rPr>
+                          </m:ctrlPr>
+                        </m:sSubPr>
+                        <m:e>
+                          <m:r>
+                            <a:rPr kumimoji="1" lang="en-US" altLang="zh-TW" sz="4000" b="0" i="1" smtClean="0">
+                              <a:latin typeface="Cambria Math" charset="0"/>
+                            </a:rPr>
+                            <m:t>𝐷</m:t>
+                          </m:r>
+                        </m:e>
+                        <m:sub>
+                          <m:r>
+                            <a:rPr kumimoji="1" lang="en-US" altLang="zh-TW" sz="4000" i="1">
+                              <a:latin typeface="Cambria Math" charset="0"/>
+                            </a:rPr>
+                            <m:t>𝑡</m:t>
+                          </m:r>
+                        </m:sub>
+                      </m:sSub>
+                      <m:sSub>
+                        <m:sSubPr>
+                          <m:ctrlPr>
+                            <a:rPr kumimoji="1" lang="en-US" altLang="zh-TW" sz="4000" i="1">
+                              <a:latin typeface="Cambria Math" charset="0"/>
+                            </a:rPr>
+                          </m:ctrlPr>
+                        </m:sSubPr>
+                        <m:e>
+                          <m:r>
+                            <a:rPr kumimoji="1" lang="en-US" altLang="zh-TW" sz="4000" b="0" i="1" smtClean="0">
+                              <a:latin typeface="Cambria Math" charset="0"/>
+                            </a:rPr>
+                            <m:t>𝐷</m:t>
+                          </m:r>
+                        </m:e>
+                        <m:sub>
+                          <m:r>
+                            <a:rPr kumimoji="1" lang="en-US" altLang="zh-TW" sz="4000" b="0" i="1" smtClean="0">
+                              <a:latin typeface="Cambria Math" charset="0"/>
+                            </a:rPr>
+                            <m:t>𝑟</m:t>
+                          </m:r>
+                        </m:sub>
+                      </m:sSub>
+                      <m:sSup>
+                        <m:sSupPr>
+                          <m:ctrlPr>
+                            <a:rPr kumimoji="1" lang="en-US" altLang="zh-TW" sz="4000" i="1" smtClean="0">
+                              <a:latin typeface="Cambria Math" charset="0"/>
+                            </a:rPr>
+                          </m:ctrlPr>
+                        </m:sSupPr>
+                        <m:e>
+                          <m:r>
+                            <a:rPr kumimoji="1" lang="en-US" altLang="zh-TW" sz="4000" b="0" i="1" smtClean="0">
+                              <a:latin typeface="Cambria Math" charset="0"/>
+                            </a:rPr>
+                            <m:t>(</m:t>
+                          </m:r>
+                          <m:f>
+                            <m:fPr>
+                              <m:ctrlPr>
+                                <a:rPr kumimoji="1" lang="mr-IN" altLang="zh-TW" sz="4000" i="1">
+                                  <a:latin typeface="Cambria Math" charset="0"/>
+                                </a:rPr>
+                              </m:ctrlPr>
+                            </m:fPr>
+                            <m:num>
+                              <m:r>
+                                <a:rPr kumimoji="1" lang="en-US" altLang="zh-TW" sz="4000" i="1">
+                                  <a:latin typeface="Cambria Math" charset="0"/>
+                                  <a:ea typeface="Cambria Math" charset="0"/>
+                                  <a:cs typeface="Cambria Math" charset="0"/>
+                                </a:rPr>
+                                <m:t>𝜆</m:t>
+                              </m:r>
+                            </m:num>
+                            <m:den>
+                              <m:r>
+                                <a:rPr kumimoji="1" lang="en-US" altLang="zh-TW" sz="4000" i="1" smtClean="0">
+                                  <a:solidFill>
+                                    <a:schemeClr val="tx1"/>
+                                  </a:solidFill>
+                                  <a:latin typeface="Cambria Math" charset="0"/>
+                                </a:rPr>
+                                <m:t>4</m:t>
+                              </m:r>
+                              <m:r>
+                                <a:rPr kumimoji="1" lang="en-US" altLang="zh-TW" sz="4000" i="1">
+                                  <a:solidFill>
+                                    <a:schemeClr val="tx1"/>
+                                  </a:solidFill>
+                                  <a:latin typeface="Cambria Math" charset="0"/>
+                                  <a:ea typeface="Cambria Math" charset="0"/>
+                                  <a:cs typeface="Cambria Math" charset="0"/>
+                                </a:rPr>
+                                <m:t>𝜋</m:t>
+                              </m:r>
+                              <m:r>
+                                <a:rPr kumimoji="1" lang="en-US" altLang="zh-TW" sz="4000" i="1">
+                                  <a:solidFill>
+                                    <a:schemeClr val="tx1"/>
+                                  </a:solidFill>
+                                  <a:latin typeface="Cambria Math" charset="0"/>
+                                  <a:ea typeface="Cambria Math" charset="0"/>
+                                  <a:cs typeface="Cambria Math" charset="0"/>
+                                </a:rPr>
+                                <m:t>𝑑</m:t>
+                              </m:r>
+                            </m:den>
+                          </m:f>
+                          <m:r>
+                            <a:rPr kumimoji="1" lang="en-US" altLang="zh-TW" sz="4000" b="0" i="1" smtClean="0">
+                              <a:latin typeface="Cambria Math" charset="0"/>
+                            </a:rPr>
+                            <m:t>)</m:t>
+                          </m:r>
+                        </m:e>
+                        <m:sup>
+                          <m:r>
+                            <a:rPr kumimoji="1" lang="en-US" altLang="zh-TW" sz="4000" b="0" i="1" smtClean="0">
+                              <a:latin typeface="Cambria Math" charset="0"/>
+                            </a:rPr>
+                            <m:t>2</m:t>
+                          </m:r>
+                        </m:sup>
+                      </m:sSup>
+                    </m:oMath>
+                  </m:oMathPara>
+                </a14:m>
+                <a:endParaRPr kumimoji="1" lang="en-US" altLang="zh-TW" sz="4000" dirty="0"/>
+              </a:p>
+              <a:p>
+                <a:pPr>
+                  <a:lnSpc>
+                    <a:spcPct val="150000"/>
+                  </a:lnSpc>
+                </a:pPr>
+                <a:endParaRPr kumimoji="1" lang="zh-TW" altLang="en-US" sz="3200" dirty="0">
+                  <a:latin typeface="Times New Roman" charset="0"/>
+                  <a:ea typeface="Times New Roman" charset="0"/>
+                  <a:cs typeface="Times New Roman" charset="0"/>
+                </a:endParaRPr>
+              </a:p>
+            </p:txBody>
+          </p:sp>
+        </mc:Choice>
+        <mc:Fallback xmlns="">
+          <p:sp>
+            <p:nvSpPr>
+              <p:cNvPr id="7" name="內容版面配置區 6"/>
+              <p:cNvSpPr>
+                <a:spLocks noGrp="1" noRot="1" noChangeAspect="1" noMove="1" noResize="1" noEditPoints="1" noAdjustHandles="1" noChangeArrowheads="1" noChangeShapeType="1" noTextEdit="1"/>
+              </p:cNvSpPr>
+              <p:nvPr>
+                <p:ph idx="1"/>
+              </p:nvPr>
+            </p:nvSpPr>
+            <p:spPr>
+              <a:blipFill rotWithShape="0">
+                <a:blip r:embed="rId3"/>
+                <a:stretch>
+                  <a:fillRect l="-1217" r="-847"/>
+                </a:stretch>
+              </a:blipFill>
+            </p:spPr>
+            <p:txBody>
+              <a:bodyPr/>
+              <a:lstStyle/>
+              <a:p>
+                <a:r>
+                  <a:rPr lang="zh-TW" altLang="en-US">
+                    <a:noFill/>
+                  </a:rPr>
+                  <a:t> </a:t>
+                </a:r>
+              </a:p>
+            </p:txBody>
+          </p:sp>
+        </mc:Fallback>
+      </mc:AlternateContent>
+    </p:spTree>
+    <p:extLst>
+      <p:ext uri="{BB962C8B-B14F-4D97-AF65-F5344CB8AC3E}">
+        <p14:creationId xmlns:p14="http://schemas.microsoft.com/office/powerpoint/2010/main" val="22115708"/>
+      </p:ext>
+    </p:extLst>
+  </p:cSld>
+  <p:clrMapOvr>
+    <a:masterClrMapping/>
+  </p:clrMapOvr>
+  <mc:AlternateContent xmlns:mc="http://schemas.openxmlformats.org/markup-compatibility/2006" xmlns:p14="http://schemas.microsoft.com/office/powerpoint/2010/main">
+    <mc:Choice Requires="p14">
+      <p:transition spd="med" p14:dur="700">
+        <p:fade/>
+      </p:transition>
+    </mc:Choice>
+    <mc:Fallback xmlns="">
+      <p:transition spd="med">
+        <p:fade/>
+      </p:transition>
+    </mc:Fallback>
+  </mc:AlternateContent>
+  <p:timing>
+    <p:tnLst>
+      <p:par>
+        <p:cTn id="1" dur="indefinite" restart="never" nodeType="tmRoot"/>
+      </p:par>
+    </p:tnLst>
+  </p:timing>
+</p:sld>
+</file>
+
+<file path=ppt/slides/slide14.xml><?xml version="1.0" encoding="utf-8"?>
+<p:sld xmlns:a="http://schemas.openxmlformats.org/drawingml/2006/main" xmlns:r="http://schemas.openxmlformats.org/officeDocument/2006/relationships" xmlns:p="http://schemas.openxmlformats.org/presentationml/2006/main">
+  <p:cSld>
+    <p:spTree>
+      <p:nvGrpSpPr>
+        <p:cNvPr id="1" name=""/>
+        <p:cNvGrpSpPr/>
+        <p:nvPr/>
+      </p:nvGrpSpPr>
+      <p:grpSpPr>
+        <a:xfrm>
+          <a:off x="0" y="0"/>
+          <a:ext cx="0" cy="0"/>
+          <a:chOff x="0" y="0"/>
+          <a:chExt cx="0" cy="0"/>
+        </a:xfrm>
+      </p:grpSpPr>
+      <p:sp>
+        <p:nvSpPr>
+          <p:cNvPr id="2" name="標題 1"/>
+          <p:cNvSpPr>
+            <a:spLocks noGrp="1"/>
+          </p:cNvSpPr>
+          <p:nvPr>
+            <p:ph type="title"/>
+          </p:nvPr>
+        </p:nvSpPr>
+        <p:spPr/>
+        <p:txBody>
+          <a:bodyPr/>
+          <a:lstStyle/>
+          <a:p>
+            <a:r>
+              <a:rPr kumimoji="1" lang="en-US" altLang="zh-TW" dirty="0" smtClean="0">
+                <a:latin typeface="Times New Roman" charset="0"/>
+                <a:ea typeface="Times New Roman" charset="0"/>
+                <a:cs typeface="Times New Roman" charset="0"/>
+              </a:rPr>
+              <a:t>Contemporary Formula</a:t>
+            </a:r>
+            <a:endParaRPr kumimoji="1" lang="zh-TW" altLang="en-US" dirty="0">
+              <a:latin typeface="Times New Roman" charset="0"/>
+              <a:ea typeface="Times New Roman" charset="0"/>
+              <a:cs typeface="Times New Roman" charset="0"/>
+            </a:endParaRPr>
+          </a:p>
+        </p:txBody>
+      </p:sp>
+      <p:sp>
+        <p:nvSpPr>
+          <p:cNvPr id="4" name="投影片編號版面配置區 3"/>
+          <p:cNvSpPr>
+            <a:spLocks noGrp="1"/>
+          </p:cNvSpPr>
+          <p:nvPr>
+            <p:ph type="sldNum" sz="quarter" idx="12"/>
+          </p:nvPr>
+        </p:nvSpPr>
+        <p:spPr/>
+        <p:txBody>
+          <a:bodyPr/>
+          <a:lstStyle/>
+          <a:p>
+            <a:fld id="{3EBBE1F4-AE36-AD42-8177-96288CD18AD2}" type="slidenum">
+              <a:rPr lang="en-US" smtClean="0"/>
+              <a:pPr/>
+              <a:t>14</a:t>
             </a:fld>
             <a:endParaRPr lang="en-US"/>
           </a:p>
@@ -10139,7 +12429,7 @@
 </p:sld>
 </file>
 
-<file path=ppt/slides/slide11.xml><?xml version="1.0" encoding="utf-8"?>
+<file path=ppt/slides/slide15.xml><?xml version="1.0" encoding="utf-8"?>
 <p:sld xmlns:a="http://schemas.openxmlformats.org/drawingml/2006/main" xmlns:r="http://schemas.openxmlformats.org/officeDocument/2006/relationships" xmlns:p="http://schemas.openxmlformats.org/presentationml/2006/main">
   <p:cSld>
     <p:spTree>
@@ -10205,7 +12495,7 @@
             <a:fld id="{3EBBE1F4-AE36-AD42-8177-96288CD18AD2}" type="slidenum">
               <a:rPr lang="en-US" smtClean="0"/>
               <a:pPr/>
-              <a:t>11</a:t>
+              <a:t>15</a:t>
             </a:fld>
             <a:endParaRPr lang="en-US"/>
           </a:p>
@@ -10548,7 +12838,7 @@
 </p:sld>
 </file>
 
-<file path=ppt/slides/slide12.xml><?xml version="1.0" encoding="utf-8"?>
+<file path=ppt/slides/slide16.xml><?xml version="1.0" encoding="utf-8"?>
 <p:sld xmlns:a="http://schemas.openxmlformats.org/drawingml/2006/main" xmlns:r="http://schemas.openxmlformats.org/officeDocument/2006/relationships" xmlns:p="http://schemas.openxmlformats.org/presentationml/2006/main">
   <p:cSld>
     <p:spTree>
@@ -10614,7 +12904,7 @@
             <a:fld id="{3EBBE1F4-AE36-AD42-8177-96288CD18AD2}" type="slidenum">
               <a:rPr lang="en-US" smtClean="0"/>
               <a:pPr/>
-              <a:t>12</a:t>
+              <a:t>16</a:t>
             </a:fld>
             <a:endParaRPr lang="en-US"/>
           </a:p>
@@ -10814,7 +13104,7 @@
 </p:sld>
 </file>
 
-<file path=ppt/slides/slide13.xml><?xml version="1.0" encoding="utf-8"?>
+<file path=ppt/slides/slide17.xml><?xml version="1.0" encoding="utf-8"?>
 <p:sld xmlns:a="http://schemas.openxmlformats.org/drawingml/2006/main" xmlns:r="http://schemas.openxmlformats.org/officeDocument/2006/relationships" xmlns:p="http://schemas.openxmlformats.org/presentationml/2006/main">
   <p:cSld>
     <p:spTree>
@@ -10848,7 +13138,7 @@
           <a:p>
             <a:fld id="{3EBBE1F4-AE36-AD42-8177-96288CD18AD2}" type="slidenum">
               <a:rPr lang="en-US" smtClean="0"/>
-              <a:t>13</a:t>
+              <a:t>17</a:t>
             </a:fld>
             <a:endParaRPr lang="en-US"/>
           </a:p>
@@ -11640,7 +13930,7 @@
 </p:sld>
 </file>
 
-<file path=ppt/slides/slide14.xml><?xml version="1.0" encoding="utf-8"?>
+<file path=ppt/slides/slide18.xml><?xml version="1.0" encoding="utf-8"?>
 <p:sld xmlns:a="http://schemas.openxmlformats.org/drawingml/2006/main" xmlns:r="http://schemas.openxmlformats.org/officeDocument/2006/relationships" xmlns:p="http://schemas.openxmlformats.org/presentationml/2006/main">
   <p:cSld>
     <p:spTree>
@@ -11776,7 +14066,7 @@
             <a:fld id="{3EBBE1F4-AE36-AD42-8177-96288CD18AD2}" type="slidenum">
               <a:rPr lang="en-US" smtClean="0"/>
               <a:pPr/>
-              <a:t>14</a:t>
+              <a:t>18</a:t>
             </a:fld>
             <a:endParaRPr lang="en-US"/>
           </a:p>
@@ -12069,7 +14359,7 @@
 </p:sld>
 </file>
 
-<file path=ppt/slides/slide15.xml><?xml version="1.0" encoding="utf-8"?>
+<file path=ppt/slides/slide19.xml><?xml version="1.0" encoding="utf-8"?>
 <p:sld xmlns:a="http://schemas.openxmlformats.org/drawingml/2006/main" xmlns:r="http://schemas.openxmlformats.org/officeDocument/2006/relationships" xmlns:p="http://schemas.openxmlformats.org/presentationml/2006/main">
   <p:cSld>
     <p:spTree>
@@ -12233,7 +14523,7 @@
             <a:fld id="{3EBBE1F4-AE36-AD42-8177-96288CD18AD2}" type="slidenum">
               <a:rPr lang="en-US" smtClean="0"/>
               <a:pPr/>
-              <a:t>15</a:t>
+              <a:t>19</a:t>
             </a:fld>
             <a:endParaRPr lang="en-US"/>
           </a:p>
@@ -14248,29 +16538,720 @@
           <a:bodyPr/>
           <a:lstStyle/>
           <a:p>
-            <a:endParaRPr kumimoji="1" lang="zh-TW" altLang="en-US"/>
+            <a:r>
+              <a:rPr kumimoji="1" lang="en-US" altLang="zh-TW" dirty="0" smtClean="0">
+                <a:latin typeface="Times New Roman" charset="0"/>
+                <a:ea typeface="Times New Roman" charset="0"/>
+                <a:cs typeface="Times New Roman" charset="0"/>
+              </a:rPr>
+              <a:t>Linear Channels</a:t>
+            </a:r>
+            <a:endParaRPr kumimoji="1" lang="zh-TW" altLang="en-US" dirty="0">
+              <a:latin typeface="Times New Roman" charset="0"/>
+              <a:ea typeface="Times New Roman" charset="0"/>
+              <a:cs typeface="Times New Roman" charset="0"/>
+            </a:endParaRPr>
           </a:p>
         </p:txBody>
       </p:sp>
-      <p:sp>
-        <p:nvSpPr>
-          <p:cNvPr id="3" name="內容版面配置區 2"/>
-          <p:cNvSpPr>
-            <a:spLocks noGrp="1"/>
-          </p:cNvSpPr>
-          <p:nvPr>
-            <p:ph idx="1"/>
-          </p:nvPr>
-        </p:nvSpPr>
-        <p:spPr/>
-        <p:txBody>
-          <a:bodyPr/>
-          <a:lstStyle/>
-          <a:p>
-            <a:endParaRPr kumimoji="1" lang="zh-TW" altLang="en-US"/>
-          </a:p>
-        </p:txBody>
-      </p:sp>
+      <mc:AlternateContent xmlns:mc="http://schemas.openxmlformats.org/markup-compatibility/2006">
+        <mc:Choice xmlns:a14="http://schemas.microsoft.com/office/drawing/2010/main" Requires="a14">
+          <p:sp>
+            <p:nvSpPr>
+              <p:cNvPr id="3" name="內容版面配置區 2"/>
+              <p:cNvSpPr>
+                <a:spLocks noGrp="1"/>
+              </p:cNvSpPr>
+              <p:nvPr>
+                <p:ph idx="1"/>
+              </p:nvPr>
+            </p:nvSpPr>
+            <p:spPr/>
+            <p:txBody>
+              <a:bodyPr/>
+              <a:lstStyle/>
+              <a:p>
+                <a:r>
+                  <a:rPr kumimoji="1" lang="en-US" altLang="zh-TW" sz="3200" dirty="0" smtClean="0">
+                    <a:latin typeface="Times New Roman" charset="0"/>
+                    <a:ea typeface="Times New Roman" charset="0"/>
+                    <a:cs typeface="Times New Roman" charset="0"/>
+                  </a:rPr>
+                  <a:t>Change to </a:t>
+                </a:r>
+                <a:r>
+                  <a:rPr kumimoji="1" lang="en-US" altLang="zh-TW" sz="3200" dirty="0" err="1" smtClean="0">
+                    <a:solidFill>
+                      <a:srgbClr val="FF0000"/>
+                    </a:solidFill>
+                    <a:latin typeface="Times New Roman" charset="0"/>
+                    <a:ea typeface="Times New Roman" charset="0"/>
+                    <a:cs typeface="Times New Roman" charset="0"/>
+                  </a:rPr>
+                  <a:t>Cartesianorrectangularform</a:t>
+                </a:r>
+                <a:endParaRPr kumimoji="1" lang="en-US" altLang="zh-TW" sz="3200" dirty="0">
+                  <a:solidFill>
+                    <a:srgbClr val="FF0000"/>
+                  </a:solidFill>
+                  <a:latin typeface="Times New Roman" charset="0"/>
+                  <a:ea typeface="Times New Roman" charset="0"/>
+                  <a:cs typeface="Times New Roman" charset="0"/>
+                </a:endParaRPr>
+              </a:p>
+              <a:p>
+                <a:pPr marL="11112" indent="0">
+                  <a:lnSpc>
+                    <a:spcPct val="150000"/>
+                  </a:lnSpc>
+                  <a:buNone/>
+                </a:pPr>
+                <a:r>
+                  <a:rPr kumimoji="1" lang="en-US" altLang="zh-TW" sz="3600" dirty="0">
+                    <a:solidFill>
+                      <a:srgbClr val="FF0000"/>
+                    </a:solidFill>
+                    <a:latin typeface="Times New Roman" charset="0"/>
+                    <a:ea typeface="Times New Roman" charset="0"/>
+                    <a:cs typeface="Times New Roman" charset="0"/>
+                  </a:rPr>
+                  <a:t> </a:t>
+                </a:r>
+                <a:r>
+                  <a:rPr kumimoji="1" lang="en-US" altLang="zh-TW" sz="3600" dirty="0" smtClean="0">
+                    <a:solidFill>
+                      <a:srgbClr val="FF0000"/>
+                    </a:solidFill>
+                    <a:latin typeface="Times New Roman" charset="0"/>
+                    <a:ea typeface="Times New Roman" charset="0"/>
+                    <a:cs typeface="Times New Roman" charset="0"/>
+                  </a:rPr>
+                  <a:t>           </a:t>
+                </a:r>
+                <a14:m>
+                  <m:oMath xmlns:m="http://schemas.openxmlformats.org/officeDocument/2006/math">
+                    <m:r>
+                      <a:rPr kumimoji="1" lang="en-US" altLang="zh-TW" sz="3600" b="0" i="1" smtClean="0">
+                        <a:latin typeface="Cambria Math" charset="0"/>
+                      </a:rPr>
+                      <m:t>𝑠</m:t>
+                    </m:r>
+                    <m:d>
+                      <m:dPr>
+                        <m:ctrlPr>
+                          <a:rPr kumimoji="1" lang="en-US" altLang="zh-TW" sz="3600" b="0" i="1" smtClean="0">
+                            <a:latin typeface="Cambria Math" charset="0"/>
+                          </a:rPr>
+                        </m:ctrlPr>
+                      </m:dPr>
+                      <m:e>
+                        <m:r>
+                          <a:rPr kumimoji="1" lang="en-US" altLang="zh-TW" sz="3600" b="0" i="1" smtClean="0">
+                            <a:latin typeface="Cambria Math" charset="0"/>
+                          </a:rPr>
+                          <m:t>𝑡</m:t>
+                        </m:r>
+                      </m:e>
+                    </m:d>
+                    <m:r>
+                      <a:rPr kumimoji="1" lang="en-US" altLang="zh-TW" sz="3600" b="0" i="1" smtClean="0">
+                        <a:latin typeface="Cambria Math" charset="0"/>
+                      </a:rPr>
+                      <m:t>=</m:t>
+                    </m:r>
+                    <m:r>
+                      <a:rPr kumimoji="1" lang="en-US" altLang="zh-TW" sz="3600" b="0" i="1" smtClean="0">
+                        <a:latin typeface="Cambria Math" charset="0"/>
+                      </a:rPr>
+                      <m:t>𝑎</m:t>
+                    </m:r>
+                    <m:d>
+                      <m:dPr>
+                        <m:ctrlPr>
+                          <a:rPr kumimoji="1" lang="en-US" altLang="zh-TW" sz="3600" b="0" i="1" smtClean="0">
+                            <a:latin typeface="Cambria Math" charset="0"/>
+                          </a:rPr>
+                        </m:ctrlPr>
+                      </m:dPr>
+                      <m:e>
+                        <m:r>
+                          <a:rPr kumimoji="1" lang="en-US" altLang="zh-TW" sz="3600" b="0" i="1" smtClean="0">
+                            <a:latin typeface="Cambria Math" charset="0"/>
+                          </a:rPr>
+                          <m:t>𝑡</m:t>
+                        </m:r>
+                      </m:e>
+                    </m:d>
+                    <m:func>
+                      <m:funcPr>
+                        <m:ctrlPr>
+                          <a:rPr kumimoji="1" lang="en-US" altLang="zh-TW" sz="3600" b="0" i="1" smtClean="0">
+                            <a:latin typeface="Cambria Math" charset="0"/>
+                          </a:rPr>
+                        </m:ctrlPr>
+                      </m:funcPr>
+                      <m:fName>
+                        <m:r>
+                          <m:rPr>
+                            <m:sty m:val="p"/>
+                          </m:rPr>
+                          <a:rPr kumimoji="1" lang="en-US" altLang="zh-TW" sz="3600" b="0" i="0" smtClean="0">
+                            <a:latin typeface="Cambria Math" charset="0"/>
+                          </a:rPr>
+                          <m:t>cos</m:t>
+                        </m:r>
+                      </m:fName>
+                      <m:e>
+                        <m:d>
+                          <m:dPr>
+                            <m:ctrlPr>
+                              <a:rPr kumimoji="1" lang="en-US" altLang="zh-TW" sz="3600" b="0" i="1" smtClean="0">
+                                <a:latin typeface="Cambria Math" charset="0"/>
+                              </a:rPr>
+                            </m:ctrlPr>
+                          </m:dPr>
+                          <m:e>
+                            <m:r>
+                              <a:rPr kumimoji="1" lang="en-US" altLang="zh-TW" sz="3600" b="0" i="1" smtClean="0">
+                                <a:latin typeface="Cambria Math" charset="0"/>
+                              </a:rPr>
+                              <m:t>2</m:t>
+                            </m:r>
+                            <m:r>
+                              <a:rPr kumimoji="1" lang="en-US" altLang="zh-TW" sz="3600" b="0" i="1" smtClean="0">
+                                <a:latin typeface="Cambria Math" charset="0"/>
+                                <a:ea typeface="Cambria Math" charset="0"/>
+                                <a:cs typeface="Cambria Math" charset="0"/>
+                              </a:rPr>
+                              <m:t>𝜋</m:t>
+                            </m:r>
+                            <m:sSub>
+                              <m:sSubPr>
+                                <m:ctrlPr>
+                                  <a:rPr kumimoji="1" lang="en-US" altLang="zh-TW" sz="3600" b="0" i="1" smtClean="0">
+                                    <a:latin typeface="Cambria Math" charset="0"/>
+                                    <a:ea typeface="Cambria Math" charset="0"/>
+                                    <a:cs typeface="Cambria Math" charset="0"/>
+                                  </a:rPr>
+                                </m:ctrlPr>
+                              </m:sSubPr>
+                              <m:e>
+                                <m:r>
+                                  <a:rPr kumimoji="1" lang="en-US" altLang="zh-TW" sz="3600" b="0" i="1" smtClean="0">
+                                    <a:latin typeface="Cambria Math" charset="0"/>
+                                    <a:ea typeface="Cambria Math" charset="0"/>
+                                    <a:cs typeface="Cambria Math" charset="0"/>
+                                  </a:rPr>
+                                  <m:t>𝑓</m:t>
+                                </m:r>
+                              </m:e>
+                              <m:sub>
+                                <m:r>
+                                  <a:rPr kumimoji="1" lang="en-US" altLang="zh-TW" sz="3600" b="0" i="1" smtClean="0">
+                                    <a:latin typeface="Cambria Math" charset="0"/>
+                                    <a:ea typeface="Cambria Math" charset="0"/>
+                                    <a:cs typeface="Cambria Math" charset="0"/>
+                                  </a:rPr>
+                                  <m:t>𝑐</m:t>
+                                </m:r>
+                              </m:sub>
+                            </m:sSub>
+                            <m:r>
+                              <a:rPr kumimoji="1" lang="en-US" altLang="zh-TW" sz="3600" b="0" i="1" smtClean="0">
+                                <a:latin typeface="Cambria Math" charset="0"/>
+                                <a:ea typeface="Cambria Math" charset="0"/>
+                                <a:cs typeface="Cambria Math" charset="0"/>
+                              </a:rPr>
+                              <m:t>𝑡</m:t>
+                            </m:r>
+                            <m:r>
+                              <a:rPr kumimoji="1" lang="en-US" altLang="zh-TW" sz="3600" b="0" i="1" smtClean="0">
+                                <a:latin typeface="Cambria Math" charset="0"/>
+                                <a:ea typeface="Cambria Math" charset="0"/>
+                                <a:cs typeface="Cambria Math" charset="0"/>
+                              </a:rPr>
+                              <m:t>+</m:t>
+                            </m:r>
+                            <m:r>
+                              <a:rPr kumimoji="1" lang="en-US" altLang="zh-TW" sz="3600" b="0" i="1" smtClean="0">
+                                <a:latin typeface="Cambria Math" charset="0"/>
+                                <a:ea typeface="Cambria Math" charset="0"/>
+                                <a:cs typeface="Cambria Math" charset="0"/>
+                              </a:rPr>
+                              <m:t>𝜙</m:t>
+                            </m:r>
+                            <m:d>
+                              <m:dPr>
+                                <m:ctrlPr>
+                                  <a:rPr kumimoji="1" lang="en-US" altLang="zh-TW" sz="3600" b="0" i="1" smtClean="0">
+                                    <a:latin typeface="Cambria Math" charset="0"/>
+                                    <a:ea typeface="Cambria Math" charset="0"/>
+                                    <a:cs typeface="Cambria Math" charset="0"/>
+                                  </a:rPr>
+                                </m:ctrlPr>
+                              </m:dPr>
+                              <m:e>
+                                <m:r>
+                                  <a:rPr kumimoji="1" lang="en-US" altLang="zh-TW" sz="3600" b="0" i="1" smtClean="0">
+                                    <a:latin typeface="Cambria Math" charset="0"/>
+                                    <a:ea typeface="Cambria Math" charset="0"/>
+                                    <a:cs typeface="Cambria Math" charset="0"/>
+                                  </a:rPr>
+                                  <m:t>𝑡</m:t>
+                                </m:r>
+                              </m:e>
+                            </m:d>
+                          </m:e>
+                        </m:d>
+                      </m:e>
+                    </m:func>
+                  </m:oMath>
+                </a14:m>
+                <a:endParaRPr kumimoji="1" lang="en-US" altLang="zh-TW" sz="3600" b="0" i="1" dirty="0" smtClean="0">
+                  <a:latin typeface="Cambria Math" charset="0"/>
+                </a:endParaRPr>
+              </a:p>
+              <a:p>
+                <a:pPr>
+                  <a:lnSpc>
+                    <a:spcPct val="150000"/>
+                  </a:lnSpc>
+                </a:pPr>
+                <a:r>
+                  <a:rPr kumimoji="1" lang="en-US" altLang="zh-TW" sz="3200" dirty="0" smtClean="0">
+                    <a:latin typeface="Times New Roman" charset="0"/>
+                    <a:ea typeface="Times New Roman" charset="0"/>
+                    <a:cs typeface="Times New Roman" charset="0"/>
+                  </a:rPr>
+                  <a:t>Amplitude and Phase</a:t>
+                </a:r>
+                <a:endParaRPr kumimoji="1" lang="en-US" altLang="zh-TW" sz="3200" dirty="0">
+                  <a:latin typeface="Times New Roman" charset="0"/>
+                  <a:ea typeface="Times New Roman" charset="0"/>
+                  <a:cs typeface="Times New Roman" charset="0"/>
+                </a:endParaRPr>
+              </a:p>
+              <a:p>
+                <a:pPr marL="11112" indent="0">
+                  <a:lnSpc>
+                    <a:spcPct val="150000"/>
+                  </a:lnSpc>
+                  <a:buNone/>
+                </a:pPr>
+                <a:r>
+                  <a:rPr kumimoji="1" lang="en-US" altLang="zh-TW" sz="3600" dirty="0">
+                    <a:latin typeface="Times New Roman" charset="0"/>
+                    <a:ea typeface="Times New Roman" charset="0"/>
+                    <a:cs typeface="Times New Roman" charset="0"/>
+                  </a:rPr>
+                  <a:t> </a:t>
+                </a:r>
+                <a:r>
+                  <a:rPr kumimoji="1" lang="en-US" altLang="zh-TW" sz="3600" dirty="0" smtClean="0">
+                    <a:latin typeface="Times New Roman" charset="0"/>
+                    <a:ea typeface="Times New Roman" charset="0"/>
+                    <a:cs typeface="Times New Roman" charset="0"/>
+                  </a:rPr>
+                  <a:t> </a:t>
+                </a:r>
+                <a14:m>
+                  <m:oMath xmlns:m="http://schemas.openxmlformats.org/officeDocument/2006/math">
+                    <m:r>
+                      <a:rPr kumimoji="1" lang="en-US" altLang="zh-TW" sz="3600" b="0" i="0" smtClean="0">
+                        <a:latin typeface="Cambria Math" charset="0"/>
+                      </a:rPr>
+                      <m:t>        </m:t>
+                    </m:r>
+                    <m:r>
+                      <a:rPr kumimoji="1" lang="en-US" altLang="zh-TW" sz="3600" b="0" i="1" smtClean="0">
+                        <a:latin typeface="Cambria Math" charset="0"/>
+                      </a:rPr>
+                      <m:t>𝑎</m:t>
+                    </m:r>
+                    <m:d>
+                      <m:dPr>
+                        <m:ctrlPr>
+                          <a:rPr kumimoji="1" lang="en-US" altLang="zh-TW" sz="3600" b="0" i="1" smtClean="0">
+                            <a:latin typeface="Cambria Math" charset="0"/>
+                          </a:rPr>
+                        </m:ctrlPr>
+                      </m:dPr>
+                      <m:e>
+                        <m:r>
+                          <a:rPr kumimoji="1" lang="en-US" altLang="zh-TW" sz="3600" b="0" i="1" smtClean="0">
+                            <a:latin typeface="Cambria Math" charset="0"/>
+                          </a:rPr>
+                          <m:t>𝑡</m:t>
+                        </m:r>
+                      </m:e>
+                    </m:d>
+                    <m:r>
+                      <a:rPr kumimoji="1" lang="en-US" altLang="zh-TW" sz="3600" b="0" i="1" smtClean="0">
+                        <a:latin typeface="Cambria Math" charset="0"/>
+                      </a:rPr>
+                      <m:t>=</m:t>
+                    </m:r>
+                    <m:rad>
+                      <m:radPr>
+                        <m:degHide m:val="on"/>
+                        <m:ctrlPr>
+                          <a:rPr kumimoji="1" lang="en-US" altLang="zh-TW" sz="3600" b="0" i="1" smtClean="0">
+                            <a:latin typeface="Cambria Math" charset="0"/>
+                          </a:rPr>
+                        </m:ctrlPr>
+                      </m:radPr>
+                      <m:deg/>
+                      <m:e>
+                        <m:sSubSup>
+                          <m:sSubSupPr>
+                            <m:ctrlPr>
+                              <a:rPr kumimoji="1" lang="en-US" altLang="zh-TW" sz="3600" b="0" i="1" smtClean="0">
+                                <a:latin typeface="Cambria Math" charset="0"/>
+                              </a:rPr>
+                            </m:ctrlPr>
+                          </m:sSubSupPr>
+                          <m:e>
+                            <m:r>
+                              <a:rPr kumimoji="1" lang="en-US" altLang="zh-TW" sz="3600" b="0" i="1" smtClean="0">
+                                <a:latin typeface="Cambria Math" charset="0"/>
+                              </a:rPr>
+                              <m:t>𝑠</m:t>
+                            </m:r>
+                          </m:e>
+                          <m:sub>
+                            <m:r>
+                              <a:rPr kumimoji="1" lang="en-US" altLang="zh-TW" sz="3600" b="0" i="1" smtClean="0">
+                                <a:latin typeface="Cambria Math" charset="0"/>
+                              </a:rPr>
+                              <m:t>𝐼</m:t>
+                            </m:r>
+                          </m:sub>
+                          <m:sup>
+                            <m:r>
+                              <a:rPr kumimoji="1" lang="en-US" altLang="zh-TW" sz="3600" b="0" i="1" smtClean="0">
+                                <a:latin typeface="Cambria Math" charset="0"/>
+                              </a:rPr>
+                              <m:t>2</m:t>
+                            </m:r>
+                          </m:sup>
+                        </m:sSubSup>
+                        <m:d>
+                          <m:dPr>
+                            <m:ctrlPr>
+                              <a:rPr kumimoji="1" lang="en-US" altLang="zh-TW" sz="3600" b="0" i="1" smtClean="0">
+                                <a:latin typeface="Cambria Math" charset="0"/>
+                              </a:rPr>
+                            </m:ctrlPr>
+                          </m:dPr>
+                          <m:e>
+                            <m:r>
+                              <a:rPr kumimoji="1" lang="en-US" altLang="zh-TW" sz="3600" b="0" i="1" smtClean="0">
+                                <a:latin typeface="Cambria Math" charset="0"/>
+                              </a:rPr>
+                              <m:t>𝑡</m:t>
+                            </m:r>
+                          </m:e>
+                        </m:d>
+                        <m:r>
+                          <a:rPr kumimoji="1" lang="en-US" altLang="zh-TW" sz="3600" b="0" i="1" smtClean="0">
+                            <a:latin typeface="Cambria Math" charset="0"/>
+                          </a:rPr>
+                          <m:t>+</m:t>
+                        </m:r>
+                        <m:sSubSup>
+                          <m:sSubSupPr>
+                            <m:ctrlPr>
+                              <a:rPr kumimoji="1" lang="en-US" altLang="zh-TW" sz="3600" i="1">
+                                <a:latin typeface="Cambria Math" charset="0"/>
+                              </a:rPr>
+                            </m:ctrlPr>
+                          </m:sSubSupPr>
+                          <m:e>
+                            <m:r>
+                              <a:rPr kumimoji="1" lang="en-US" altLang="zh-TW" sz="3600" i="1">
+                                <a:latin typeface="Cambria Math" charset="0"/>
+                              </a:rPr>
+                              <m:t>𝑠</m:t>
+                            </m:r>
+                          </m:e>
+                          <m:sub>
+                            <m:r>
+                              <a:rPr kumimoji="1" lang="en-US" altLang="zh-TW" sz="3600" b="0" i="1" smtClean="0">
+                                <a:latin typeface="Cambria Math" charset="0"/>
+                              </a:rPr>
+                              <m:t>𝑄</m:t>
+                            </m:r>
+                          </m:sub>
+                          <m:sup>
+                            <m:r>
+                              <a:rPr kumimoji="1" lang="en-US" altLang="zh-TW" sz="3600" i="1">
+                                <a:latin typeface="Cambria Math" charset="0"/>
+                              </a:rPr>
+                              <m:t>2</m:t>
+                            </m:r>
+                          </m:sup>
+                        </m:sSubSup>
+                        <m:d>
+                          <m:dPr>
+                            <m:ctrlPr>
+                              <a:rPr kumimoji="1" lang="en-US" altLang="zh-TW" sz="3600" i="1">
+                                <a:latin typeface="Cambria Math" charset="0"/>
+                              </a:rPr>
+                            </m:ctrlPr>
+                          </m:dPr>
+                          <m:e>
+                            <m:r>
+                              <a:rPr kumimoji="1" lang="en-US" altLang="zh-TW" sz="3600" i="1">
+                                <a:latin typeface="Cambria Math" charset="0"/>
+                              </a:rPr>
+                              <m:t>𝑡</m:t>
+                            </m:r>
+                          </m:e>
+                        </m:d>
+                      </m:e>
+                    </m:rad>
+                    <m:r>
+                      <a:rPr kumimoji="1" lang="en-US" altLang="zh-TW" sz="3600" b="0" i="1" smtClean="0">
+                        <a:latin typeface="Cambria Math" charset="0"/>
+                      </a:rPr>
+                      <m:t>               </m:t>
+                    </m:r>
+                    <m:r>
+                      <a:rPr kumimoji="1" lang="en-US" altLang="zh-TW" sz="3600" b="0" i="1" smtClean="0">
+                        <a:latin typeface="Cambria Math" charset="0"/>
+                        <a:ea typeface="Cambria Math" charset="0"/>
+                        <a:cs typeface="Cambria Math" charset="0"/>
+                      </a:rPr>
+                      <m:t>𝜙</m:t>
+                    </m:r>
+                    <m:d>
+                      <m:dPr>
+                        <m:ctrlPr>
+                          <a:rPr kumimoji="1" lang="en-US" altLang="zh-TW" sz="3600" b="0" i="1" smtClean="0">
+                            <a:latin typeface="Cambria Math" charset="0"/>
+                          </a:rPr>
+                        </m:ctrlPr>
+                      </m:dPr>
+                      <m:e>
+                        <m:r>
+                          <a:rPr kumimoji="1" lang="en-US" altLang="zh-TW" sz="3600" b="0" i="1" smtClean="0">
+                            <a:latin typeface="Cambria Math" charset="0"/>
+                          </a:rPr>
+                          <m:t>𝑡</m:t>
+                        </m:r>
+                      </m:e>
+                    </m:d>
+                    <m:r>
+                      <a:rPr kumimoji="1" lang="en-US" altLang="zh-TW" sz="3600" b="0" i="1" smtClean="0">
+                        <a:latin typeface="Cambria Math" charset="0"/>
+                      </a:rPr>
+                      <m:t>=</m:t>
+                    </m:r>
+                    <m:sSup>
+                      <m:sSupPr>
+                        <m:ctrlPr>
+                          <a:rPr kumimoji="1" lang="en-US" altLang="zh-TW" sz="3600" b="0" i="1" smtClean="0">
+                            <a:latin typeface="Cambria Math" charset="0"/>
+                          </a:rPr>
+                        </m:ctrlPr>
+                      </m:sSupPr>
+                      <m:e>
+                        <m:r>
+                          <a:rPr kumimoji="1" lang="en-US" altLang="zh-TW" sz="3600" b="0" i="1" smtClean="0">
+                            <a:latin typeface="Cambria Math" charset="0"/>
+                          </a:rPr>
+                          <m:t>𝑡𝑎𝑛</m:t>
+                        </m:r>
+                      </m:e>
+                      <m:sup>
+                        <m:r>
+                          <a:rPr kumimoji="1" lang="en-US" altLang="zh-TW" sz="3600" b="0" i="1" smtClean="0">
+                            <a:latin typeface="Cambria Math" charset="0"/>
+                          </a:rPr>
+                          <m:t>−1</m:t>
+                        </m:r>
+                      </m:sup>
+                    </m:sSup>
+                    <m:r>
+                      <a:rPr kumimoji="1" lang="en-US" altLang="zh-TW" sz="3600" b="0" i="1" smtClean="0">
+                        <a:latin typeface="Cambria Math" charset="0"/>
+                      </a:rPr>
+                      <m:t>(</m:t>
+                    </m:r>
+                    <m:f>
+                      <m:fPr>
+                        <m:ctrlPr>
+                          <a:rPr kumimoji="1" lang="mr-IN" altLang="zh-TW" sz="3600" b="0" i="1" smtClean="0">
+                            <a:latin typeface="Cambria Math" charset="0"/>
+                          </a:rPr>
+                        </m:ctrlPr>
+                      </m:fPr>
+                      <m:num>
+                        <m:sSub>
+                          <m:sSubPr>
+                            <m:ctrlPr>
+                              <a:rPr kumimoji="1" lang="en-US" altLang="zh-TW" sz="3600" i="1">
+                                <a:latin typeface="Cambria Math" charset="0"/>
+                                <a:ea typeface="Cambria Math" charset="0"/>
+                                <a:cs typeface="Cambria Math" charset="0"/>
+                              </a:rPr>
+                            </m:ctrlPr>
+                          </m:sSubPr>
+                          <m:e>
+                            <m:r>
+                              <a:rPr kumimoji="1" lang="en-US" altLang="zh-TW" sz="3600" b="0" i="1" smtClean="0">
+                                <a:latin typeface="Cambria Math" charset="0"/>
+                                <a:ea typeface="Cambria Math" charset="0"/>
+                                <a:cs typeface="Cambria Math" charset="0"/>
+                              </a:rPr>
+                              <m:t>𝑠</m:t>
+                            </m:r>
+                          </m:e>
+                          <m:sub>
+                            <m:r>
+                              <a:rPr kumimoji="1" lang="en-US" altLang="zh-TW" sz="3600" b="0" i="1" smtClean="0">
+                                <a:latin typeface="Cambria Math" charset="0"/>
+                                <a:ea typeface="Cambria Math" charset="0"/>
+                                <a:cs typeface="Cambria Math" charset="0"/>
+                              </a:rPr>
+                              <m:t>𝑄</m:t>
+                            </m:r>
+                          </m:sub>
+                        </m:sSub>
+                        <m:r>
+                          <a:rPr kumimoji="1" lang="en-US" altLang="zh-TW" sz="3600" b="0" i="1" smtClean="0">
+                            <a:latin typeface="Cambria Math" charset="0"/>
+                            <a:ea typeface="Cambria Math" charset="0"/>
+                            <a:cs typeface="Cambria Math" charset="0"/>
+                          </a:rPr>
+                          <m:t>(</m:t>
+                        </m:r>
+                        <m:r>
+                          <a:rPr kumimoji="1" lang="en-US" altLang="zh-TW" sz="3600" b="0" i="1" smtClean="0">
+                            <a:latin typeface="Cambria Math" charset="0"/>
+                            <a:ea typeface="Cambria Math" charset="0"/>
+                            <a:cs typeface="Cambria Math" charset="0"/>
+                          </a:rPr>
+                          <m:t>𝑡</m:t>
+                        </m:r>
+                        <m:r>
+                          <a:rPr kumimoji="1" lang="en-US" altLang="zh-TW" sz="3600" b="0" i="1" smtClean="0">
+                            <a:latin typeface="Cambria Math" charset="0"/>
+                            <a:ea typeface="Cambria Math" charset="0"/>
+                            <a:cs typeface="Cambria Math" charset="0"/>
+                          </a:rPr>
+                          <m:t>)</m:t>
+                        </m:r>
+                      </m:num>
+                      <m:den>
+                        <m:sSub>
+                          <m:sSubPr>
+                            <m:ctrlPr>
+                              <a:rPr kumimoji="1" lang="en-US" altLang="zh-TW" sz="3600" i="1">
+                                <a:latin typeface="Cambria Math" charset="0"/>
+                                <a:ea typeface="Cambria Math" charset="0"/>
+                                <a:cs typeface="Cambria Math" charset="0"/>
+                              </a:rPr>
+                            </m:ctrlPr>
+                          </m:sSubPr>
+                          <m:e>
+                            <m:r>
+                              <a:rPr kumimoji="1" lang="en-US" altLang="zh-TW" sz="3600" i="1">
+                                <a:latin typeface="Cambria Math" charset="0"/>
+                                <a:ea typeface="Cambria Math" charset="0"/>
+                                <a:cs typeface="Cambria Math" charset="0"/>
+                              </a:rPr>
+                              <m:t>𝑠</m:t>
+                            </m:r>
+                          </m:e>
+                          <m:sub>
+                            <m:r>
+                              <a:rPr kumimoji="1" lang="en-US" altLang="zh-TW" sz="3600" b="0" i="1" smtClean="0">
+                                <a:latin typeface="Cambria Math" charset="0"/>
+                                <a:ea typeface="Cambria Math" charset="0"/>
+                                <a:cs typeface="Cambria Math" charset="0"/>
+                              </a:rPr>
+                              <m:t>𝐼</m:t>
+                            </m:r>
+                          </m:sub>
+                        </m:sSub>
+                        <m:r>
+                          <a:rPr kumimoji="1" lang="en-US" altLang="zh-TW" sz="3600" i="1">
+                            <a:latin typeface="Cambria Math" charset="0"/>
+                            <a:ea typeface="Cambria Math" charset="0"/>
+                            <a:cs typeface="Cambria Math" charset="0"/>
+                          </a:rPr>
+                          <m:t>(</m:t>
+                        </m:r>
+                        <m:r>
+                          <a:rPr kumimoji="1" lang="en-US" altLang="zh-TW" sz="3600" i="1">
+                            <a:latin typeface="Cambria Math" charset="0"/>
+                            <a:ea typeface="Cambria Math" charset="0"/>
+                            <a:cs typeface="Cambria Math" charset="0"/>
+                          </a:rPr>
+                          <m:t>𝑡</m:t>
+                        </m:r>
+                        <m:r>
+                          <a:rPr kumimoji="1" lang="en-US" altLang="zh-TW" sz="3600" i="1">
+                            <a:latin typeface="Cambria Math" charset="0"/>
+                            <a:ea typeface="Cambria Math" charset="0"/>
+                            <a:cs typeface="Cambria Math" charset="0"/>
+                          </a:rPr>
+                          <m:t>)</m:t>
+                        </m:r>
+                      </m:den>
+                    </m:f>
+                    <m:r>
+                      <a:rPr kumimoji="1" lang="en-US" altLang="zh-TW" sz="3600" b="0" i="1" smtClean="0">
+                        <a:latin typeface="Cambria Math" charset="0"/>
+                      </a:rPr>
+                      <m:t>)</m:t>
+                    </m:r>
+                  </m:oMath>
+                </a14:m>
+                <a:endParaRPr kumimoji="1" lang="en-US" altLang="zh-TW" sz="3600" dirty="0" smtClean="0">
+                  <a:solidFill>
+                    <a:schemeClr val="accent1"/>
+                  </a:solidFill>
+                </a:endParaRPr>
+              </a:p>
+            </p:txBody>
+          </p:sp>
+        </mc:Choice>
+        <mc:Fallback>
+          <p:sp>
+            <p:nvSpPr>
+              <p:cNvPr id="3" name="內容版面配置區 2"/>
+              <p:cNvSpPr>
+                <a:spLocks noGrp="1" noRot="1" noChangeAspect="1" noMove="1" noResize="1" noEditPoints="1" noAdjustHandles="1" noChangeArrowheads="1" noChangeShapeType="1" noTextEdit="1"/>
+              </p:cNvSpPr>
+              <p:nvPr>
+                <p:ph idx="1"/>
+              </p:nvPr>
+            </p:nvSpPr>
+            <p:spPr>
+              <a:blipFill rotWithShape="0">
+                <a:blip r:embed="rId3"/>
+                <a:stretch>
+                  <a:fillRect l="-1217" t="-1852"/>
+                </a:stretch>
+              </a:blipFill>
+            </p:spPr>
+            <p:txBody>
+              <a:bodyPr/>
+              <a:lstStyle/>
+              <a:p>
+                <a:r>
+                  <a:rPr lang="zh-TW" altLang="en-US">
+                    <a:noFill/>
+                  </a:rPr>
+                  <a:t> </a:t>
+                </a:r>
+              </a:p>
+            </p:txBody>
+          </p:sp>
+        </mc:Fallback>
+      </mc:AlternateContent>
       <p:sp>
         <p:nvSpPr>
           <p:cNvPr id="4" name="投影片編號版面配置區 3"/>
@@ -14305,13 +17286,13 @@
   <p:clrMapOvr>
     <a:masterClrMapping/>
   </p:clrMapOvr>
-  <mc:AlternateContent xmlns:mc="http://schemas.openxmlformats.org/markup-compatibility/2006">
-    <mc:Choice xmlns:p14="http://schemas.microsoft.com/office/powerpoint/2010/main" Requires="p14">
+  <mc:AlternateContent xmlns:mc="http://schemas.openxmlformats.org/markup-compatibility/2006" xmlns:p14="http://schemas.microsoft.com/office/powerpoint/2010/main">
+    <mc:Choice Requires="p14">
       <p:transition spd="med" p14:dur="700">
         <p:fade/>
       </p:transition>
     </mc:Choice>
-    <mc:Fallback>
+    <mc:Fallback xmlns="">
       <p:transition spd="med">
         <p:fade/>
       </p:transition>
@@ -14360,91 +17341,1017 @@
           <a:lstStyle/>
           <a:p>
             <a:r>
-              <a:rPr lang="en-US" altLang="zh-TW" dirty="0" smtClean="0">
-                <a:latin typeface="Times New Roman" panose="02020603050405020304" pitchFamily="18" charset="0"/>
-                <a:cs typeface="Times New Roman" panose="02020603050405020304" pitchFamily="18" charset="0"/>
-              </a:rPr>
-              <a:t>Outline</a:t>
-            </a:r>
-            <a:endParaRPr lang="zh-TW" altLang="en-US" dirty="0">
-              <a:latin typeface="Times New Roman" panose="02020603050405020304" pitchFamily="18" charset="0"/>
-              <a:cs typeface="Times New Roman" panose="02020603050405020304" pitchFamily="18" charset="0"/>
-            </a:endParaRPr>
-          </a:p>
-        </p:txBody>
-      </p:sp>
-      <p:sp>
-        <p:nvSpPr>
-          <p:cNvPr id="3" name="內容版面配置區 2"/>
-          <p:cNvSpPr>
-            <a:spLocks noGrp="1"/>
-          </p:cNvSpPr>
-          <p:nvPr>
-            <p:ph idx="1"/>
-          </p:nvPr>
-        </p:nvSpPr>
-        <p:spPr/>
-        <p:txBody>
-          <a:bodyPr/>
-          <a:lstStyle/>
-          <a:p>
-            <a:pPr>
-              <a:lnSpc>
-                <a:spcPct val="150000"/>
-              </a:lnSpc>
-            </a:pPr>
-            <a:r>
-              <a:rPr lang="en-US" altLang="zh-TW" sz="3200" b="1" dirty="0" smtClean="0">
+              <a:rPr kumimoji="1" lang="en-US" altLang="zh-TW" dirty="0" smtClean="0">
                 <a:latin typeface="Times New Roman" charset="0"/>
                 <a:ea typeface="Times New Roman" charset="0"/>
                 <a:cs typeface="Times New Roman" charset="0"/>
               </a:rPr>
-              <a:t>Channel</a:t>
+              <a:t>Linear Channels</a:t>
             </a:r>
-          </a:p>
-          <a:p>
-            <a:pPr>
-              <a:lnSpc>
-                <a:spcPct val="150000"/>
-              </a:lnSpc>
-            </a:pPr>
-            <a:r>
-              <a:rPr lang="en-US" altLang="zh-TW" sz="3200" b="1" dirty="0" err="1" smtClean="0">
-                <a:latin typeface="Times New Roman" charset="0"/>
-                <a:ea typeface="Times New Roman" charset="0"/>
-                <a:cs typeface="Times New Roman" charset="0"/>
-              </a:rPr>
-              <a:t>Friis</a:t>
-            </a:r>
-            <a:r>
-              <a:rPr lang="en-US" altLang="zh-TW" sz="3200" b="1" dirty="0" smtClean="0">
-                <a:latin typeface="Times New Roman" charset="0"/>
-                <a:ea typeface="Times New Roman" charset="0"/>
-                <a:cs typeface="Times New Roman" charset="0"/>
-              </a:rPr>
-              <a:t> Transmission Equation</a:t>
-            </a:r>
-          </a:p>
-          <a:p>
-            <a:pPr>
-              <a:lnSpc>
-                <a:spcPct val="150000"/>
-              </a:lnSpc>
-            </a:pPr>
-            <a:r>
-              <a:rPr lang="en-US" altLang="zh-TW" sz="3200" b="1" dirty="0" smtClean="0">
-                <a:latin typeface="Times New Roman" charset="0"/>
-                <a:ea typeface="Times New Roman" charset="0"/>
-                <a:cs typeface="Times New Roman" charset="0"/>
-              </a:rPr>
-              <a:t>RFID</a:t>
-            </a:r>
-          </a:p>
-          <a:p>
-            <a:endParaRPr lang="zh-TW" altLang="en-US" dirty="0"/>
+            <a:endParaRPr kumimoji="1" lang="zh-TW" altLang="en-US" dirty="0">
+              <a:latin typeface="Times New Roman" charset="0"/>
+              <a:ea typeface="Times New Roman" charset="0"/>
+              <a:cs typeface="Times New Roman" charset="0"/>
+            </a:endParaRPr>
           </a:p>
         </p:txBody>
       </p:sp>
+      <mc:AlternateContent xmlns:mc="http://schemas.openxmlformats.org/markup-compatibility/2006">
+        <mc:Choice xmlns:a14="http://schemas.microsoft.com/office/drawing/2010/main" Requires="a14">
+          <p:sp>
+            <p:nvSpPr>
+              <p:cNvPr id="3" name="內容版面配置區 2"/>
+              <p:cNvSpPr>
+                <a:spLocks noGrp="1"/>
+              </p:cNvSpPr>
+              <p:nvPr>
+                <p:ph idx="1"/>
+              </p:nvPr>
+            </p:nvSpPr>
+            <p:spPr/>
+            <p:txBody>
+              <a:bodyPr/>
+              <a:lstStyle/>
+              <a:p>
+                <a:r>
+                  <a:rPr kumimoji="1" lang="en-US" altLang="zh-TW" sz="3200" dirty="0" smtClean="0">
+                    <a:latin typeface="Times New Roman" charset="0"/>
+                    <a:ea typeface="Times New Roman" charset="0"/>
+                    <a:cs typeface="Times New Roman" charset="0"/>
+                  </a:rPr>
+                  <a:t>Change to </a:t>
+                </a:r>
+                <a:r>
+                  <a:rPr kumimoji="1" lang="en-US" altLang="zh-TW" sz="3200" dirty="0" err="1" smtClean="0">
+                    <a:solidFill>
+                      <a:srgbClr val="FF0000"/>
+                    </a:solidFill>
+                    <a:latin typeface="Times New Roman" charset="0"/>
+                    <a:ea typeface="Times New Roman" charset="0"/>
+                    <a:cs typeface="Times New Roman" charset="0"/>
+                  </a:rPr>
+                  <a:t>Cartesianorrectangularform</a:t>
+                </a:r>
+                <a:endParaRPr kumimoji="1" lang="en-US" altLang="zh-TW" sz="3200" dirty="0">
+                  <a:solidFill>
+                    <a:srgbClr val="FF0000"/>
+                  </a:solidFill>
+                  <a:latin typeface="Times New Roman" charset="0"/>
+                  <a:ea typeface="Times New Roman" charset="0"/>
+                  <a:cs typeface="Times New Roman" charset="0"/>
+                </a:endParaRPr>
+              </a:p>
+              <a:p>
+                <a:pPr marL="11112" indent="0">
+                  <a:lnSpc>
+                    <a:spcPct val="150000"/>
+                  </a:lnSpc>
+                  <a:buNone/>
+                </a:pPr>
+                <a:r>
+                  <a:rPr kumimoji="1" lang="en-US" altLang="zh-TW" sz="3600" dirty="0">
+                    <a:solidFill>
+                      <a:srgbClr val="FF0000"/>
+                    </a:solidFill>
+                    <a:latin typeface="Times New Roman" charset="0"/>
+                    <a:ea typeface="Times New Roman" charset="0"/>
+                    <a:cs typeface="Times New Roman" charset="0"/>
+                  </a:rPr>
+                  <a:t> </a:t>
+                </a:r>
+                <a:r>
+                  <a:rPr kumimoji="1" lang="en-US" altLang="zh-TW" sz="3600" dirty="0" smtClean="0">
+                    <a:solidFill>
+                      <a:srgbClr val="FF0000"/>
+                    </a:solidFill>
+                    <a:latin typeface="Times New Roman" charset="0"/>
+                    <a:ea typeface="Times New Roman" charset="0"/>
+                    <a:cs typeface="Times New Roman" charset="0"/>
+                  </a:rPr>
+                  <a:t>           </a:t>
+                </a:r>
+                <a14:m>
+                  <m:oMath xmlns:m="http://schemas.openxmlformats.org/officeDocument/2006/math">
+                    <m:r>
+                      <a:rPr kumimoji="1" lang="en-US" altLang="zh-TW" sz="3600" b="0" i="1" smtClean="0">
+                        <a:latin typeface="Cambria Math" charset="0"/>
+                      </a:rPr>
+                      <m:t>𝑠</m:t>
+                    </m:r>
+                    <m:d>
+                      <m:dPr>
+                        <m:ctrlPr>
+                          <a:rPr kumimoji="1" lang="en-US" altLang="zh-TW" sz="3600" b="0" i="1" smtClean="0">
+                            <a:latin typeface="Cambria Math" charset="0"/>
+                          </a:rPr>
+                        </m:ctrlPr>
+                      </m:dPr>
+                      <m:e>
+                        <m:r>
+                          <a:rPr kumimoji="1" lang="en-US" altLang="zh-TW" sz="3600" b="0" i="1" smtClean="0">
+                            <a:latin typeface="Cambria Math" charset="0"/>
+                          </a:rPr>
+                          <m:t>𝑡</m:t>
+                        </m:r>
+                      </m:e>
+                    </m:d>
+                    <m:r>
+                      <a:rPr kumimoji="1" lang="en-US" altLang="zh-TW" sz="3600" b="0" i="1" smtClean="0">
+                        <a:latin typeface="Cambria Math" charset="0"/>
+                      </a:rPr>
+                      <m:t>=</m:t>
+                    </m:r>
+                    <m:r>
+                      <a:rPr kumimoji="1" lang="en-US" altLang="zh-TW" sz="3600" b="0" i="1" smtClean="0">
+                        <a:latin typeface="Cambria Math" charset="0"/>
+                      </a:rPr>
+                      <m:t>𝑎</m:t>
+                    </m:r>
+                    <m:d>
+                      <m:dPr>
+                        <m:ctrlPr>
+                          <a:rPr kumimoji="1" lang="en-US" altLang="zh-TW" sz="3600" b="0" i="1" smtClean="0">
+                            <a:latin typeface="Cambria Math" charset="0"/>
+                          </a:rPr>
+                        </m:ctrlPr>
+                      </m:dPr>
+                      <m:e>
+                        <m:r>
+                          <a:rPr kumimoji="1" lang="en-US" altLang="zh-TW" sz="3600" b="0" i="1" smtClean="0">
+                            <a:latin typeface="Cambria Math" charset="0"/>
+                          </a:rPr>
+                          <m:t>𝑡</m:t>
+                        </m:r>
+                      </m:e>
+                    </m:d>
+                    <m:func>
+                      <m:funcPr>
+                        <m:ctrlPr>
+                          <a:rPr kumimoji="1" lang="en-US" altLang="zh-TW" sz="3600" b="0" i="1" smtClean="0">
+                            <a:latin typeface="Cambria Math" charset="0"/>
+                          </a:rPr>
+                        </m:ctrlPr>
+                      </m:funcPr>
+                      <m:fName>
+                        <m:r>
+                          <m:rPr>
+                            <m:sty m:val="p"/>
+                          </m:rPr>
+                          <a:rPr kumimoji="1" lang="en-US" altLang="zh-TW" sz="3600" b="0" i="0" smtClean="0">
+                            <a:latin typeface="Cambria Math" charset="0"/>
+                          </a:rPr>
+                          <m:t>cos</m:t>
+                        </m:r>
+                      </m:fName>
+                      <m:e>
+                        <m:d>
+                          <m:dPr>
+                            <m:ctrlPr>
+                              <a:rPr kumimoji="1" lang="en-US" altLang="zh-TW" sz="3600" b="0" i="1" smtClean="0">
+                                <a:latin typeface="Cambria Math" charset="0"/>
+                              </a:rPr>
+                            </m:ctrlPr>
+                          </m:dPr>
+                          <m:e>
+                            <m:r>
+                              <a:rPr kumimoji="1" lang="en-US" altLang="zh-TW" sz="3600" b="0" i="1" smtClean="0">
+                                <a:latin typeface="Cambria Math" charset="0"/>
+                              </a:rPr>
+                              <m:t>2</m:t>
+                            </m:r>
+                            <m:r>
+                              <a:rPr kumimoji="1" lang="en-US" altLang="zh-TW" sz="3600" b="0" i="1" smtClean="0">
+                                <a:latin typeface="Cambria Math" charset="0"/>
+                                <a:ea typeface="Cambria Math" charset="0"/>
+                                <a:cs typeface="Cambria Math" charset="0"/>
+                              </a:rPr>
+                              <m:t>𝜋</m:t>
+                            </m:r>
+                            <m:sSub>
+                              <m:sSubPr>
+                                <m:ctrlPr>
+                                  <a:rPr kumimoji="1" lang="en-US" altLang="zh-TW" sz="3600" b="0" i="1" smtClean="0">
+                                    <a:latin typeface="Cambria Math" charset="0"/>
+                                    <a:ea typeface="Cambria Math" charset="0"/>
+                                    <a:cs typeface="Cambria Math" charset="0"/>
+                                  </a:rPr>
+                                </m:ctrlPr>
+                              </m:sSubPr>
+                              <m:e>
+                                <m:r>
+                                  <a:rPr kumimoji="1" lang="en-US" altLang="zh-TW" sz="3600" b="0" i="1" smtClean="0">
+                                    <a:latin typeface="Cambria Math" charset="0"/>
+                                    <a:ea typeface="Cambria Math" charset="0"/>
+                                    <a:cs typeface="Cambria Math" charset="0"/>
+                                  </a:rPr>
+                                  <m:t>𝑓</m:t>
+                                </m:r>
+                              </m:e>
+                              <m:sub>
+                                <m:r>
+                                  <a:rPr kumimoji="1" lang="en-US" altLang="zh-TW" sz="3600" b="0" i="1" smtClean="0">
+                                    <a:latin typeface="Cambria Math" charset="0"/>
+                                    <a:ea typeface="Cambria Math" charset="0"/>
+                                    <a:cs typeface="Cambria Math" charset="0"/>
+                                  </a:rPr>
+                                  <m:t>𝑐</m:t>
+                                </m:r>
+                              </m:sub>
+                            </m:sSub>
+                            <m:r>
+                              <a:rPr kumimoji="1" lang="en-US" altLang="zh-TW" sz="3600" b="0" i="1" smtClean="0">
+                                <a:latin typeface="Cambria Math" charset="0"/>
+                                <a:ea typeface="Cambria Math" charset="0"/>
+                                <a:cs typeface="Cambria Math" charset="0"/>
+                              </a:rPr>
+                              <m:t>𝑡</m:t>
+                            </m:r>
+                            <m:r>
+                              <a:rPr kumimoji="1" lang="en-US" altLang="zh-TW" sz="3600" b="0" i="1" smtClean="0">
+                                <a:latin typeface="Cambria Math" charset="0"/>
+                                <a:ea typeface="Cambria Math" charset="0"/>
+                                <a:cs typeface="Cambria Math" charset="0"/>
+                              </a:rPr>
+                              <m:t>+</m:t>
+                            </m:r>
+                            <m:r>
+                              <a:rPr kumimoji="1" lang="en-US" altLang="zh-TW" sz="3600" b="0" i="1" smtClean="0">
+                                <a:latin typeface="Cambria Math" charset="0"/>
+                                <a:ea typeface="Cambria Math" charset="0"/>
+                                <a:cs typeface="Cambria Math" charset="0"/>
+                              </a:rPr>
+                              <m:t>𝜙</m:t>
+                            </m:r>
+                            <m:d>
+                              <m:dPr>
+                                <m:ctrlPr>
+                                  <a:rPr kumimoji="1" lang="en-US" altLang="zh-TW" sz="3600" b="0" i="1" smtClean="0">
+                                    <a:latin typeface="Cambria Math" charset="0"/>
+                                    <a:ea typeface="Cambria Math" charset="0"/>
+                                    <a:cs typeface="Cambria Math" charset="0"/>
+                                  </a:rPr>
+                                </m:ctrlPr>
+                              </m:dPr>
+                              <m:e>
+                                <m:r>
+                                  <a:rPr kumimoji="1" lang="en-US" altLang="zh-TW" sz="3600" b="0" i="1" smtClean="0">
+                                    <a:latin typeface="Cambria Math" charset="0"/>
+                                    <a:ea typeface="Cambria Math" charset="0"/>
+                                    <a:cs typeface="Cambria Math" charset="0"/>
+                                  </a:rPr>
+                                  <m:t>𝑡</m:t>
+                                </m:r>
+                              </m:e>
+                            </m:d>
+                          </m:e>
+                        </m:d>
+                      </m:e>
+                    </m:func>
+                  </m:oMath>
+                </a14:m>
+                <a:endParaRPr kumimoji="1" lang="en-US" altLang="zh-TW" sz="3600" b="0" i="1" dirty="0" smtClean="0">
+                  <a:latin typeface="Cambria Math" charset="0"/>
+                </a:endParaRPr>
+              </a:p>
+              <a:p>
+                <a:pPr marL="11112" indent="0" algn="ctr">
+                  <a:lnSpc>
+                    <a:spcPct val="150000"/>
+                  </a:lnSpc>
+                  <a:buNone/>
+                </a:pPr>
+                <a:r>
+                  <a:rPr kumimoji="1" lang="en-US" altLang="zh-TW" sz="3600" b="0" dirty="0" smtClean="0"/>
+                  <a:t> </a:t>
+                </a:r>
+                <a:r>
+                  <a:rPr kumimoji="1" lang="en-US" altLang="zh-TW" sz="3600" b="0" dirty="0" smtClean="0"/>
+                  <a:t>   </a:t>
+                </a:r>
+                <a14:m>
+                  <m:oMath xmlns:m="http://schemas.openxmlformats.org/officeDocument/2006/math">
+                    <m:r>
+                      <a:rPr kumimoji="1" lang="en-US" altLang="zh-TW" sz="3600" b="0" i="1" smtClean="0">
+                        <a:latin typeface="Cambria Math" charset="0"/>
+                      </a:rPr>
+                      <m:t>=</m:t>
+                    </m:r>
+                    <m:sSub>
+                      <m:sSubPr>
+                        <m:ctrlPr>
+                          <a:rPr kumimoji="1" lang="en-US" altLang="zh-TW" sz="3600" b="0" i="1" smtClean="0">
+                            <a:latin typeface="Cambria Math" charset="0"/>
+                          </a:rPr>
+                        </m:ctrlPr>
+                      </m:sSubPr>
+                      <m:e>
+                        <m:r>
+                          <a:rPr kumimoji="1" lang="en-US" altLang="zh-TW" sz="3600" b="0" i="1" smtClean="0">
+                            <a:latin typeface="Cambria Math" charset="0"/>
+                          </a:rPr>
+                          <m:t>𝑠</m:t>
+                        </m:r>
+                      </m:e>
+                      <m:sub>
+                        <m:r>
+                          <a:rPr kumimoji="1" lang="en-US" altLang="zh-TW" sz="3600" b="0" i="1" smtClean="0">
+                            <a:latin typeface="Cambria Math" charset="0"/>
+                          </a:rPr>
+                          <m:t>𝐼</m:t>
+                        </m:r>
+                      </m:sub>
+                    </m:sSub>
+                    <m:d>
+                      <m:dPr>
+                        <m:ctrlPr>
+                          <a:rPr kumimoji="1" lang="en-US" altLang="zh-TW" sz="3600" b="0" i="1" smtClean="0">
+                            <a:latin typeface="Cambria Math" charset="0"/>
+                          </a:rPr>
+                        </m:ctrlPr>
+                      </m:dPr>
+                      <m:e>
+                        <m:r>
+                          <a:rPr kumimoji="1" lang="en-US" altLang="zh-TW" sz="3600" b="0" i="1" smtClean="0">
+                            <a:latin typeface="Cambria Math" charset="0"/>
+                          </a:rPr>
+                          <m:t>𝑡</m:t>
+                        </m:r>
+                      </m:e>
+                    </m:d>
+                    <m:func>
+                      <m:funcPr>
+                        <m:ctrlPr>
+                          <a:rPr kumimoji="1" lang="en-US" altLang="zh-TW" sz="3600" b="0" i="1" smtClean="0">
+                            <a:latin typeface="Cambria Math" charset="0"/>
+                          </a:rPr>
+                        </m:ctrlPr>
+                      </m:funcPr>
+                      <m:fName>
+                        <m:r>
+                          <m:rPr>
+                            <m:sty m:val="p"/>
+                          </m:rPr>
+                          <a:rPr kumimoji="1" lang="en-US" altLang="zh-TW" sz="3600" b="0" i="0" smtClean="0">
+                            <a:solidFill>
+                              <a:srgbClr val="FF0000"/>
+                            </a:solidFill>
+                            <a:latin typeface="Cambria Math" charset="0"/>
+                          </a:rPr>
+                          <m:t>cos</m:t>
+                        </m:r>
+                      </m:fName>
+                      <m:e>
+                        <m:d>
+                          <m:dPr>
+                            <m:ctrlPr>
+                              <a:rPr kumimoji="1" lang="en-US" altLang="zh-TW" sz="3600" b="0" i="1" smtClean="0">
+                                <a:latin typeface="Cambria Math" charset="0"/>
+                              </a:rPr>
+                            </m:ctrlPr>
+                          </m:dPr>
+                          <m:e>
+                            <m:r>
+                              <a:rPr kumimoji="1" lang="en-US" altLang="zh-TW" sz="3600" b="0" i="1" smtClean="0">
+                                <a:latin typeface="Cambria Math" charset="0"/>
+                              </a:rPr>
+                              <m:t>2</m:t>
+                            </m:r>
+                            <m:r>
+                              <a:rPr kumimoji="1" lang="en-US" altLang="zh-TW" sz="3600" b="0" i="1" smtClean="0">
+                                <a:latin typeface="Cambria Math" charset="0"/>
+                                <a:ea typeface="Cambria Math" charset="0"/>
+                                <a:cs typeface="Cambria Math" charset="0"/>
+                              </a:rPr>
+                              <m:t>𝜋</m:t>
+                            </m:r>
+                            <m:sSub>
+                              <m:sSubPr>
+                                <m:ctrlPr>
+                                  <a:rPr kumimoji="1" lang="en-US" altLang="zh-TW" sz="3600" i="1">
+                                    <a:latin typeface="Cambria Math" charset="0"/>
+                                    <a:ea typeface="Cambria Math" charset="0"/>
+                                    <a:cs typeface="Cambria Math" charset="0"/>
+                                  </a:rPr>
+                                </m:ctrlPr>
+                              </m:sSubPr>
+                              <m:e>
+                                <m:r>
+                                  <a:rPr kumimoji="1" lang="en-US" altLang="zh-TW" sz="3600" i="1">
+                                    <a:latin typeface="Cambria Math" charset="0"/>
+                                    <a:ea typeface="Cambria Math" charset="0"/>
+                                    <a:cs typeface="Cambria Math" charset="0"/>
+                                  </a:rPr>
+                                  <m:t>𝑓</m:t>
+                                </m:r>
+                              </m:e>
+                              <m:sub>
+                                <m:r>
+                                  <a:rPr kumimoji="1" lang="en-US" altLang="zh-TW" sz="3600" i="1">
+                                    <a:latin typeface="Cambria Math" charset="0"/>
+                                    <a:ea typeface="Cambria Math" charset="0"/>
+                                    <a:cs typeface="Cambria Math" charset="0"/>
+                                  </a:rPr>
+                                  <m:t>𝑐</m:t>
+                                </m:r>
+                              </m:sub>
+                            </m:sSub>
+                            <m:r>
+                              <a:rPr kumimoji="1" lang="en-US" altLang="zh-TW" sz="3600" i="1">
+                                <a:latin typeface="Cambria Math" charset="0"/>
+                                <a:ea typeface="Cambria Math" charset="0"/>
+                                <a:cs typeface="Cambria Math" charset="0"/>
+                              </a:rPr>
+                              <m:t>𝑡</m:t>
+                            </m:r>
+                          </m:e>
+                        </m:d>
+                      </m:e>
+                    </m:func>
+                    <m:r>
+                      <a:rPr kumimoji="1" lang="en-US" altLang="zh-TW" sz="3600" b="0" i="1" smtClean="0">
+                        <a:solidFill>
+                          <a:srgbClr val="FF0000"/>
+                        </a:solidFill>
+                        <a:latin typeface="Cambria Math" charset="0"/>
+                      </a:rPr>
+                      <m:t>−</m:t>
+                    </m:r>
+                    <m:sSub>
+                      <m:sSubPr>
+                        <m:ctrlPr>
+                          <a:rPr kumimoji="1" lang="en-US" altLang="zh-TW" sz="3600" i="1">
+                            <a:latin typeface="Cambria Math" charset="0"/>
+                          </a:rPr>
+                        </m:ctrlPr>
+                      </m:sSubPr>
+                      <m:e>
+                        <m:r>
+                          <a:rPr kumimoji="1" lang="en-US" altLang="zh-TW" sz="3600" i="1">
+                            <a:latin typeface="Cambria Math" charset="0"/>
+                          </a:rPr>
+                          <m:t>𝑠</m:t>
+                        </m:r>
+                      </m:e>
+                      <m:sub>
+                        <m:r>
+                          <a:rPr kumimoji="1" lang="en-US" altLang="zh-TW" sz="3600" b="0" i="1" smtClean="0">
+                            <a:solidFill>
+                              <a:srgbClr val="FF0000"/>
+                            </a:solidFill>
+                            <a:latin typeface="Cambria Math" charset="0"/>
+                          </a:rPr>
+                          <m:t>𝑄</m:t>
+                        </m:r>
+                      </m:sub>
+                    </m:sSub>
+                    <m:d>
+                      <m:dPr>
+                        <m:ctrlPr>
+                          <a:rPr kumimoji="1" lang="en-US" altLang="zh-TW" sz="3600" i="1">
+                            <a:latin typeface="Cambria Math" charset="0"/>
+                          </a:rPr>
+                        </m:ctrlPr>
+                      </m:dPr>
+                      <m:e>
+                        <m:r>
+                          <a:rPr kumimoji="1" lang="en-US" altLang="zh-TW" sz="3600" i="1">
+                            <a:latin typeface="Cambria Math" charset="0"/>
+                          </a:rPr>
+                          <m:t>𝑡</m:t>
+                        </m:r>
+                      </m:e>
+                    </m:d>
+                    <m:func>
+                      <m:funcPr>
+                        <m:ctrlPr>
+                          <a:rPr kumimoji="1" lang="en-US" altLang="zh-TW" sz="3600" i="1">
+                            <a:latin typeface="Cambria Math" charset="0"/>
+                          </a:rPr>
+                        </m:ctrlPr>
+                      </m:funcPr>
+                      <m:fName>
+                        <m:r>
+                          <m:rPr>
+                            <m:sty m:val="p"/>
+                          </m:rPr>
+                          <a:rPr kumimoji="1" lang="en-US" altLang="zh-TW" sz="3600" b="0" i="0" smtClean="0">
+                            <a:solidFill>
+                              <a:srgbClr val="FF0000"/>
+                            </a:solidFill>
+                            <a:latin typeface="Cambria Math" charset="0"/>
+                          </a:rPr>
+                          <m:t>sin</m:t>
+                        </m:r>
+                      </m:fName>
+                      <m:e>
+                        <m:d>
+                          <m:dPr>
+                            <m:ctrlPr>
+                              <a:rPr kumimoji="1" lang="en-US" altLang="zh-TW" sz="3600" i="1">
+                                <a:latin typeface="Cambria Math" charset="0"/>
+                              </a:rPr>
+                            </m:ctrlPr>
+                          </m:dPr>
+                          <m:e>
+                            <m:r>
+                              <a:rPr kumimoji="1" lang="en-US" altLang="zh-TW" sz="3600" i="1">
+                                <a:latin typeface="Cambria Math" charset="0"/>
+                              </a:rPr>
+                              <m:t>2</m:t>
+                            </m:r>
+                            <m:r>
+                              <a:rPr kumimoji="1" lang="en-US" altLang="zh-TW" sz="3600" i="1">
+                                <a:latin typeface="Cambria Math" charset="0"/>
+                                <a:ea typeface="Cambria Math" charset="0"/>
+                                <a:cs typeface="Cambria Math" charset="0"/>
+                              </a:rPr>
+                              <m:t>𝜋</m:t>
+                            </m:r>
+                            <m:sSub>
+                              <m:sSubPr>
+                                <m:ctrlPr>
+                                  <a:rPr kumimoji="1" lang="en-US" altLang="zh-TW" sz="3600" i="1">
+                                    <a:latin typeface="Cambria Math" charset="0"/>
+                                    <a:ea typeface="Cambria Math" charset="0"/>
+                                    <a:cs typeface="Cambria Math" charset="0"/>
+                                  </a:rPr>
+                                </m:ctrlPr>
+                              </m:sSubPr>
+                              <m:e>
+                                <m:r>
+                                  <a:rPr kumimoji="1" lang="en-US" altLang="zh-TW" sz="3600" i="1">
+                                    <a:latin typeface="Cambria Math" charset="0"/>
+                                    <a:ea typeface="Cambria Math" charset="0"/>
+                                    <a:cs typeface="Cambria Math" charset="0"/>
+                                  </a:rPr>
+                                  <m:t>𝑓</m:t>
+                                </m:r>
+                              </m:e>
+                              <m:sub>
+                                <m:r>
+                                  <a:rPr kumimoji="1" lang="en-US" altLang="zh-TW" sz="3600" i="1">
+                                    <a:latin typeface="Cambria Math" charset="0"/>
+                                    <a:ea typeface="Cambria Math" charset="0"/>
+                                    <a:cs typeface="Cambria Math" charset="0"/>
+                                  </a:rPr>
+                                  <m:t>𝑐</m:t>
+                                </m:r>
+                              </m:sub>
+                            </m:sSub>
+                            <m:r>
+                              <a:rPr kumimoji="1" lang="en-US" altLang="zh-TW" sz="3600" i="1">
+                                <a:latin typeface="Cambria Math" charset="0"/>
+                                <a:ea typeface="Cambria Math" charset="0"/>
+                                <a:cs typeface="Cambria Math" charset="0"/>
+                              </a:rPr>
+                              <m:t>𝑡</m:t>
+                            </m:r>
+                          </m:e>
+                        </m:d>
+                      </m:e>
+                    </m:func>
+                  </m:oMath>
+                </a14:m>
+                <a:endParaRPr kumimoji="1" lang="en-US" altLang="zh-TW" sz="3600" b="0" i="1" dirty="0" smtClean="0">
+                  <a:latin typeface="Cambria Math" charset="0"/>
+                </a:endParaRPr>
+              </a:p>
+              <a:p>
+                <a:r>
+                  <a:rPr kumimoji="1" lang="en-US" altLang="zh-TW" sz="3200" dirty="0" smtClean="0">
+                    <a:latin typeface="Times New Roman" charset="0"/>
+                    <a:ea typeface="Times New Roman" charset="0"/>
+                    <a:cs typeface="Times New Roman" charset="0"/>
+                  </a:rPr>
+                  <a:t>Time domain to Frequency domain</a:t>
+                </a:r>
+                <a:endParaRPr kumimoji="1" lang="en-US" altLang="zh-TW" sz="3200" dirty="0">
+                  <a:latin typeface="Times New Roman" charset="0"/>
+                  <a:ea typeface="Times New Roman" charset="0"/>
+                  <a:cs typeface="Times New Roman" charset="0"/>
+                </a:endParaRPr>
+              </a:p>
+              <a:p>
+                <a:pPr marL="11112" indent="0">
+                  <a:lnSpc>
+                    <a:spcPct val="150000"/>
+                  </a:lnSpc>
+                  <a:buNone/>
+                </a:pPr>
+                <a:r>
+                  <a:rPr kumimoji="1" lang="en-US" altLang="zh-TW" sz="3600" dirty="0">
+                    <a:latin typeface="Times New Roman" charset="0"/>
+                    <a:ea typeface="Times New Roman" charset="0"/>
+                    <a:cs typeface="Times New Roman" charset="0"/>
+                  </a:rPr>
+                  <a:t> </a:t>
+                </a:r>
+                <a:r>
+                  <a:rPr kumimoji="1" lang="en-US" altLang="zh-TW" sz="3600" dirty="0" smtClean="0">
+                    <a:latin typeface="Times New Roman" charset="0"/>
+                    <a:ea typeface="Times New Roman" charset="0"/>
+                    <a:cs typeface="Times New Roman" charset="0"/>
+                  </a:rPr>
+                  <a:t>           </a:t>
+                </a:r>
+                <a14:m>
+                  <m:oMath xmlns:m="http://schemas.openxmlformats.org/officeDocument/2006/math">
+                    <m:r>
+                      <a:rPr kumimoji="1" lang="en-US" altLang="zh-TW" sz="3600" b="0" i="0" smtClean="0">
+                        <a:latin typeface="Cambria Math" charset="0"/>
+                      </a:rPr>
+                      <m:t>            </m:t>
+                    </m:r>
+                    <m:r>
+                      <a:rPr kumimoji="1" lang="en-US" altLang="zh-TW" sz="3600" b="0" i="1" smtClean="0">
+                        <a:latin typeface="Cambria Math" charset="0"/>
+                      </a:rPr>
+                      <m:t>𝑦</m:t>
+                    </m:r>
+                    <m:d>
+                      <m:dPr>
+                        <m:ctrlPr>
+                          <a:rPr kumimoji="1" lang="en-US" altLang="zh-TW" sz="3600" b="0" i="1" smtClean="0">
+                            <a:latin typeface="Cambria Math" charset="0"/>
+                          </a:rPr>
+                        </m:ctrlPr>
+                      </m:dPr>
+                      <m:e>
+                        <m:r>
+                          <a:rPr kumimoji="1" lang="en-US" altLang="zh-TW" sz="3600" b="0" i="1" smtClean="0">
+                            <a:latin typeface="Cambria Math" charset="0"/>
+                          </a:rPr>
+                          <m:t>𝑡</m:t>
+                        </m:r>
+                      </m:e>
+                    </m:d>
+                    <m:r>
+                      <a:rPr kumimoji="1" lang="en-US" altLang="zh-TW" sz="3600" b="0" i="1" smtClean="0">
+                        <a:latin typeface="Cambria Math" charset="0"/>
+                      </a:rPr>
+                      <m:t>= </m:t>
+                    </m:r>
+                    <m:r>
+                      <a:rPr kumimoji="1" lang="en-US" altLang="zh-TW" sz="3600" b="0" i="1" smtClean="0">
+                        <a:latin typeface="Cambria Math" charset="0"/>
+                        <a:ea typeface="Cambria Math" charset="0"/>
+                        <a:cs typeface="Cambria Math" charset="0"/>
+                      </a:rPr>
+                      <m:t>𝛼</m:t>
+                    </m:r>
+                    <m:r>
+                      <a:rPr kumimoji="1" lang="en-US" altLang="zh-TW" sz="3600" b="0" i="1" smtClean="0">
+                        <a:latin typeface="Cambria Math" charset="0"/>
+                        <a:ea typeface="Cambria Math" charset="0"/>
+                        <a:cs typeface="Cambria Math" charset="0"/>
+                      </a:rPr>
+                      <m:t>∙</m:t>
+                    </m:r>
+                    <m:r>
+                      <a:rPr kumimoji="1" lang="en-US" altLang="zh-TW" sz="3600" b="0" i="1" smtClean="0">
+                        <a:latin typeface="Cambria Math" charset="0"/>
+                        <a:ea typeface="Cambria Math" charset="0"/>
+                        <a:cs typeface="Cambria Math" charset="0"/>
+                      </a:rPr>
+                      <m:t>𝑠</m:t>
+                    </m:r>
+                    <m:d>
+                      <m:dPr>
+                        <m:ctrlPr>
+                          <a:rPr kumimoji="1" lang="en-US" altLang="zh-TW" sz="3600" b="0" i="1" smtClean="0">
+                            <a:latin typeface="Cambria Math" charset="0"/>
+                            <a:ea typeface="Cambria Math" charset="0"/>
+                            <a:cs typeface="Cambria Math" charset="0"/>
+                          </a:rPr>
+                        </m:ctrlPr>
+                      </m:dPr>
+                      <m:e>
+                        <m:r>
+                          <a:rPr kumimoji="1" lang="en-US" altLang="zh-TW" sz="3600" b="0" i="1" smtClean="0">
+                            <a:latin typeface="Cambria Math" charset="0"/>
+                            <a:ea typeface="Cambria Math" charset="0"/>
+                            <a:cs typeface="Cambria Math" charset="0"/>
+                          </a:rPr>
+                          <m:t>𝑡</m:t>
+                        </m:r>
+                        <m:r>
+                          <a:rPr kumimoji="1" lang="en-US" altLang="zh-TW" sz="3600" b="0" i="1" smtClean="0">
+                            <a:latin typeface="Cambria Math" charset="0"/>
+                            <a:ea typeface="Cambria Math" charset="0"/>
+                            <a:cs typeface="Cambria Math" charset="0"/>
+                          </a:rPr>
+                          <m:t>−</m:t>
+                        </m:r>
+                        <m:sSub>
+                          <m:sSubPr>
+                            <m:ctrlPr>
+                              <a:rPr kumimoji="1" lang="en-US" altLang="zh-TW" sz="3600" b="0" i="1" smtClean="0">
+                                <a:latin typeface="Cambria Math" charset="0"/>
+                                <a:ea typeface="Cambria Math" charset="0"/>
+                                <a:cs typeface="Cambria Math" charset="0"/>
+                              </a:rPr>
+                            </m:ctrlPr>
+                          </m:sSubPr>
+                          <m:e>
+                            <m:r>
+                              <a:rPr kumimoji="1" lang="en-US" altLang="zh-TW" sz="3600" b="0" i="1" smtClean="0">
+                                <a:latin typeface="Cambria Math" charset="0"/>
+                                <a:ea typeface="Cambria Math" charset="0"/>
+                                <a:cs typeface="Cambria Math" charset="0"/>
+                              </a:rPr>
+                              <m:t>𝑡</m:t>
+                            </m:r>
+                          </m:e>
+                          <m:sub>
+                            <m:r>
+                              <a:rPr kumimoji="1" lang="en-US" altLang="zh-TW" sz="3600" b="0" i="1" smtClean="0">
+                                <a:latin typeface="Cambria Math" charset="0"/>
+                                <a:ea typeface="Cambria Math" charset="0"/>
+                                <a:cs typeface="Cambria Math" charset="0"/>
+                              </a:rPr>
+                              <m:t>𝑑</m:t>
+                            </m:r>
+                          </m:sub>
+                        </m:sSub>
+                      </m:e>
+                    </m:d>
+                  </m:oMath>
+                </a14:m>
+                <a:endParaRPr kumimoji="1" lang="en-US" altLang="zh-TW" sz="3600" b="0" i="1" dirty="0" smtClean="0">
+                  <a:latin typeface="Cambria Math" charset="0"/>
+                  <a:ea typeface="Cambria Math" charset="0"/>
+                  <a:cs typeface="Cambria Math" charset="0"/>
+                </a:endParaRPr>
+              </a:p>
+              <a:p>
+                <a:pPr marL="11112" indent="0">
+                  <a:lnSpc>
+                    <a:spcPct val="150000"/>
+                  </a:lnSpc>
+                  <a:buNone/>
+                </a:pPr>
+                <a:r>
+                  <a:rPr kumimoji="1" lang="en-US" altLang="zh-TW" sz="3600" b="0" dirty="0" smtClean="0"/>
+                  <a:t>                </a:t>
+                </a:r>
+                <a14:m>
+                  <m:oMath xmlns:m="http://schemas.openxmlformats.org/officeDocument/2006/math">
+                    <m:groupChr>
+                      <m:groupChrPr>
+                        <m:chr m:val="⇒"/>
+                        <m:pos m:val="top"/>
+                        <m:ctrlPr>
+                          <a:rPr kumimoji="1" lang="en-US" altLang="zh-TW" sz="3600" b="0" i="1" smtClean="0">
+                            <a:latin typeface="Cambria Math" charset="0"/>
+                          </a:rPr>
+                        </m:ctrlPr>
+                      </m:groupChrPr>
+                      <m:e/>
+                    </m:groupChr>
+                    <m:r>
+                      <a:rPr kumimoji="1" lang="en-US" altLang="zh-TW" sz="3600" b="0" i="1" smtClean="0">
+                        <a:latin typeface="Cambria Math" charset="0"/>
+                      </a:rPr>
+                      <m:t>𝑌</m:t>
+                    </m:r>
+                    <m:d>
+                      <m:dPr>
+                        <m:ctrlPr>
+                          <a:rPr kumimoji="1" lang="en-US" altLang="zh-TW" sz="3600" b="0" i="1" smtClean="0">
+                            <a:latin typeface="Cambria Math" charset="0"/>
+                          </a:rPr>
+                        </m:ctrlPr>
+                      </m:dPr>
+                      <m:e>
+                        <m:r>
+                          <a:rPr kumimoji="1" lang="en-US" altLang="zh-TW" sz="3600" b="0" i="1" smtClean="0">
+                            <a:latin typeface="Cambria Math" charset="0"/>
+                          </a:rPr>
+                          <m:t>𝑓</m:t>
+                        </m:r>
+                      </m:e>
+                    </m:d>
+                    <m:r>
+                      <a:rPr kumimoji="1" lang="en-US" altLang="zh-TW" sz="3600" b="0" i="1" smtClean="0">
+                        <a:latin typeface="Cambria Math" charset="0"/>
+                      </a:rPr>
+                      <m:t>=</m:t>
+                    </m:r>
+                    <m:r>
+                      <a:rPr kumimoji="1" lang="en-US" altLang="zh-TW" sz="3600" b="0" i="1" smtClean="0">
+                        <a:solidFill>
+                          <a:schemeClr val="accent1"/>
+                        </a:solidFill>
+                        <a:latin typeface="Cambria Math" charset="0"/>
+                        <a:ea typeface="Cambria Math" charset="0"/>
+                        <a:cs typeface="Cambria Math" charset="0"/>
+                      </a:rPr>
+                      <m:t>𝛼</m:t>
+                    </m:r>
+                    <m:r>
+                      <a:rPr kumimoji="1" lang="en-US" altLang="zh-TW" sz="3600" b="0" i="1" smtClean="0">
+                        <a:latin typeface="Cambria Math" charset="0"/>
+                        <a:ea typeface="Cambria Math" charset="0"/>
+                        <a:cs typeface="Cambria Math" charset="0"/>
+                      </a:rPr>
+                      <m:t>∙</m:t>
+                    </m:r>
+                    <m:sSup>
+                      <m:sSupPr>
+                        <m:ctrlPr>
+                          <a:rPr kumimoji="1" lang="en-US" altLang="zh-TW" sz="3600" b="0" i="1" smtClean="0">
+                            <a:latin typeface="Cambria Math" charset="0"/>
+                            <a:ea typeface="Cambria Math" charset="0"/>
+                            <a:cs typeface="Cambria Math" charset="0"/>
+                          </a:rPr>
+                        </m:ctrlPr>
+                      </m:sSupPr>
+                      <m:e>
+                        <m:r>
+                          <a:rPr kumimoji="1" lang="en-US" altLang="zh-TW" sz="3600" b="0" i="1" smtClean="0">
+                            <a:solidFill>
+                              <a:schemeClr val="accent1"/>
+                            </a:solidFill>
+                            <a:latin typeface="Cambria Math" charset="0"/>
+                            <a:ea typeface="Cambria Math" charset="0"/>
+                            <a:cs typeface="Cambria Math" charset="0"/>
+                          </a:rPr>
+                          <m:t>𝑒</m:t>
+                        </m:r>
+                      </m:e>
+                      <m:sup>
+                        <m:r>
+                          <a:rPr kumimoji="1" lang="en-US" altLang="zh-TW" sz="3600" b="0" i="1" smtClean="0">
+                            <a:solidFill>
+                              <a:schemeClr val="accent1"/>
+                            </a:solidFill>
+                            <a:latin typeface="Cambria Math" charset="0"/>
+                            <a:ea typeface="Cambria Math" charset="0"/>
+                            <a:cs typeface="Cambria Math" charset="0"/>
+                          </a:rPr>
+                          <m:t>−</m:t>
+                        </m:r>
+                        <m:r>
+                          <a:rPr kumimoji="1" lang="en-US" altLang="zh-TW" sz="3600" b="0" i="1" smtClean="0">
+                            <a:latin typeface="Cambria Math" charset="0"/>
+                            <a:ea typeface="Cambria Math" charset="0"/>
+                            <a:cs typeface="Cambria Math" charset="0"/>
+                          </a:rPr>
+                          <m:t>2</m:t>
+                        </m:r>
+                        <m:r>
+                          <a:rPr kumimoji="1" lang="en-US" altLang="zh-TW" sz="3600" b="0" i="1" smtClean="0">
+                            <a:solidFill>
+                              <a:schemeClr val="accent1"/>
+                            </a:solidFill>
+                            <a:latin typeface="Cambria Math" charset="0"/>
+                            <a:ea typeface="Cambria Math" charset="0"/>
+                            <a:cs typeface="Cambria Math" charset="0"/>
+                          </a:rPr>
+                          <m:t>𝑗</m:t>
+                        </m:r>
+                        <m:r>
+                          <a:rPr kumimoji="1" lang="en-US" altLang="zh-TW" sz="3600" b="0" i="1" smtClean="0">
+                            <a:latin typeface="Cambria Math" charset="0"/>
+                            <a:ea typeface="Cambria Math" charset="0"/>
+                            <a:cs typeface="Cambria Math" charset="0"/>
+                          </a:rPr>
+                          <m:t>𝜋</m:t>
+                        </m:r>
+                        <m:r>
+                          <a:rPr kumimoji="1" lang="en-US" altLang="zh-TW" sz="3600" b="0" i="1" smtClean="0">
+                            <a:latin typeface="Cambria Math" charset="0"/>
+                            <a:ea typeface="Cambria Math" charset="0"/>
+                            <a:cs typeface="Cambria Math" charset="0"/>
+                          </a:rPr>
+                          <m:t>𝑓</m:t>
+                        </m:r>
+                        <m:sSub>
+                          <m:sSubPr>
+                            <m:ctrlPr>
+                              <a:rPr kumimoji="1" lang="en-US" altLang="zh-TW" sz="3600" i="1">
+                                <a:latin typeface="Cambria Math" charset="0"/>
+                                <a:ea typeface="Cambria Math" charset="0"/>
+                                <a:cs typeface="Cambria Math" charset="0"/>
+                              </a:rPr>
+                            </m:ctrlPr>
+                          </m:sSubPr>
+                          <m:e>
+                            <m:r>
+                              <a:rPr kumimoji="1" lang="en-US" altLang="zh-TW" sz="3600" i="1">
+                                <a:latin typeface="Cambria Math" charset="0"/>
+                                <a:ea typeface="Cambria Math" charset="0"/>
+                                <a:cs typeface="Cambria Math" charset="0"/>
+                              </a:rPr>
+                              <m:t>𝑡</m:t>
+                            </m:r>
+                          </m:e>
+                          <m:sub>
+                            <m:r>
+                              <a:rPr kumimoji="1" lang="en-US" altLang="zh-TW" sz="3600" i="1">
+                                <a:latin typeface="Cambria Math" charset="0"/>
+                                <a:ea typeface="Cambria Math" charset="0"/>
+                                <a:cs typeface="Cambria Math" charset="0"/>
+                              </a:rPr>
+                              <m:t>𝑑</m:t>
+                            </m:r>
+                          </m:sub>
+                        </m:sSub>
+                      </m:sup>
+                    </m:sSup>
+                    <m:r>
+                      <a:rPr kumimoji="1" lang="en-US" altLang="zh-TW" sz="3600" b="0" i="1" smtClean="0">
+                        <a:latin typeface="Cambria Math" charset="0"/>
+                        <a:ea typeface="Cambria Math" charset="0"/>
+                        <a:cs typeface="Cambria Math" charset="0"/>
+                      </a:rPr>
+                      <m:t>∙</m:t>
+                    </m:r>
+                    <m:r>
+                      <a:rPr kumimoji="1" lang="en-US" altLang="zh-TW" sz="3600" b="0" i="1" smtClean="0">
+                        <a:latin typeface="Cambria Math" charset="0"/>
+                        <a:ea typeface="Cambria Math" charset="0"/>
+                        <a:cs typeface="Cambria Math" charset="0"/>
+                      </a:rPr>
+                      <m:t>𝑆</m:t>
+                    </m:r>
+                    <m:r>
+                      <a:rPr kumimoji="1" lang="en-US" altLang="zh-TW" sz="3600" b="0" i="1" smtClean="0">
+                        <a:latin typeface="Cambria Math" charset="0"/>
+                        <a:ea typeface="Cambria Math" charset="0"/>
+                        <a:cs typeface="Cambria Math" charset="0"/>
+                      </a:rPr>
+                      <m:t>(</m:t>
+                    </m:r>
+                    <m:r>
+                      <a:rPr kumimoji="1" lang="en-US" altLang="zh-TW" sz="3600" b="0" i="1" smtClean="0">
+                        <a:latin typeface="Cambria Math" charset="0"/>
+                        <a:ea typeface="Cambria Math" charset="0"/>
+                        <a:cs typeface="Cambria Math" charset="0"/>
+                      </a:rPr>
+                      <m:t>𝑓</m:t>
+                    </m:r>
+                    <m:r>
+                      <a:rPr kumimoji="1" lang="en-US" altLang="zh-TW" sz="3600" b="0" i="1" smtClean="0">
+                        <a:latin typeface="Cambria Math" charset="0"/>
+                        <a:ea typeface="Cambria Math" charset="0"/>
+                        <a:cs typeface="Cambria Math" charset="0"/>
+                      </a:rPr>
+                      <m:t>)⋯</m:t>
+                    </m:r>
+                  </m:oMath>
+                </a14:m>
+                <a:r>
+                  <a:rPr kumimoji="1" lang="en-US" altLang="zh-TW" sz="3200" dirty="0" smtClean="0">
+                    <a:solidFill>
+                      <a:schemeClr val="accent1"/>
+                    </a:solidFill>
+                  </a:rPr>
+                  <a:t>polarform</a:t>
+                </a:r>
+                <a:endParaRPr kumimoji="1" lang="en-US" altLang="zh-TW" sz="3600" dirty="0" smtClean="0">
+                  <a:solidFill>
+                    <a:schemeClr val="accent1"/>
+                  </a:solidFill>
+                </a:endParaRPr>
+              </a:p>
+            </p:txBody>
+          </p:sp>
+        </mc:Choice>
+        <mc:Fallback>
+          <p:sp>
+            <p:nvSpPr>
+              <p:cNvPr id="3" name="內容版面配置區 2"/>
+              <p:cNvSpPr>
+                <a:spLocks noGrp="1" noRot="1" noChangeAspect="1" noMove="1" noResize="1" noEditPoints="1" noAdjustHandles="1" noChangeArrowheads="1" noChangeShapeType="1" noTextEdit="1"/>
+              </p:cNvSpPr>
+              <p:nvPr>
+                <p:ph idx="1"/>
+              </p:nvPr>
+            </p:nvSpPr>
+            <p:spPr>
+              <a:blipFill rotWithShape="0">
+                <a:blip r:embed="rId3"/>
+                <a:stretch>
+                  <a:fillRect l="-1217" t="-1852" b="-2778"/>
+                </a:stretch>
+              </a:blipFill>
+            </p:spPr>
+            <p:txBody>
+              <a:bodyPr/>
+              <a:lstStyle/>
+              <a:p>
+                <a:r>
+                  <a:rPr lang="zh-TW" altLang="en-US">
+                    <a:noFill/>
+                  </a:rPr>
+                  <a:t> </a:t>
+                </a:r>
+              </a:p>
+            </p:txBody>
+          </p:sp>
+        </mc:Fallback>
+      </mc:AlternateContent>
       <p:sp>
         <p:nvSpPr>
           <p:cNvPr id="4" name="投影片編號版面配置區 3"/>
@@ -14469,276 +18376,10 @@
           </a:p>
         </p:txBody>
       </p:sp>
-      <p:sp>
-        <p:nvSpPr>
-          <p:cNvPr id="5" name="矩形 4"/>
-          <p:cNvSpPr/>
-          <p:nvPr/>
-        </p:nvSpPr>
-        <p:spPr>
-          <a:xfrm>
-            <a:off x="0" y="-148281"/>
-            <a:ext cx="12282616" cy="7364627"/>
-          </a:xfrm>
-          <a:prstGeom prst="rect">
-            <a:avLst/>
-          </a:prstGeom>
-          <a:solidFill>
-            <a:schemeClr val="tx1">
-              <a:lumMod val="65000"/>
-              <a:lumOff val="35000"/>
-              <a:alpha val="86000"/>
-            </a:schemeClr>
-          </a:solidFill>
-        </p:spPr>
-        <p:style>
-          <a:lnRef idx="2">
-            <a:schemeClr val="accent1">
-              <a:shade val="50000"/>
-            </a:schemeClr>
-          </a:lnRef>
-          <a:fillRef idx="1">
-            <a:schemeClr val="accent1"/>
-          </a:fillRef>
-          <a:effectRef idx="0">
-            <a:schemeClr val="accent1"/>
-          </a:effectRef>
-          <a:fontRef idx="minor">
-            <a:schemeClr val="lt1"/>
-          </a:fontRef>
-        </p:style>
-        <p:txBody>
-          <a:bodyPr rtlCol="0" anchor="ctr"/>
-          <a:lstStyle/>
-          <a:p>
-            <a:pPr algn="ctr"/>
-            <a:endParaRPr lang="zh-TW" altLang="en-US"/>
-          </a:p>
-        </p:txBody>
-      </p:sp>
-      <p:sp>
-        <p:nvSpPr>
-          <p:cNvPr id="8" name="內容版面配置區 2"/>
-          <p:cNvSpPr txBox="1">
-            <a:spLocks/>
-          </p:cNvSpPr>
-          <p:nvPr/>
-        </p:nvSpPr>
-        <p:spPr>
-          <a:xfrm>
-            <a:off x="335362" y="2441032"/>
-            <a:ext cx="11521280" cy="4610906"/>
-          </a:xfrm>
-          <a:prstGeom prst="rect">
-            <a:avLst/>
-          </a:prstGeom>
-        </p:spPr>
-        <p:txBody>
-          <a:bodyPr/>
-          <a:lstStyle>
-            <a:lvl1pPr marL="403225" indent="-392113" algn="l" defTabSz="914400" rtl="0" eaLnBrk="1" latinLnBrk="0" hangingPunct="1">
-              <a:lnSpc>
-                <a:spcPct val="100000"/>
-              </a:lnSpc>
-              <a:spcBef>
-                <a:spcPts val="0"/>
-              </a:spcBef>
-              <a:buFont typeface="Helvetica" pitchFamily="2" charset="0"/>
-              <a:buChar char="●"/>
-              <a:tabLst/>
-              <a:defRPr sz="2800" kern="1200" baseline="0">
-                <a:solidFill>
-                  <a:schemeClr val="tx1"/>
-                </a:solidFill>
-                <a:latin typeface="Arial" panose="020B0604020202020204" pitchFamily="34" charset="0"/>
-                <a:ea typeface="微軟正黑體" panose="020B0604030504040204" pitchFamily="34" charset="-120"/>
-                <a:cs typeface="Arial" panose="020B0604020202020204" pitchFamily="34" charset="0"/>
-              </a:defRPr>
-            </a:lvl1pPr>
-            <a:lvl2pPr marL="808038" indent="-404813" algn="l" defTabSz="914400" rtl="0" eaLnBrk="1" latinLnBrk="0" hangingPunct="1">
-              <a:lnSpc>
-                <a:spcPct val="100000"/>
-              </a:lnSpc>
-              <a:spcBef>
-                <a:spcPts val="0"/>
-              </a:spcBef>
-              <a:buFont typeface="Helvetica" pitchFamily="2" charset="0"/>
-              <a:buChar char="●"/>
-              <a:tabLst/>
-              <a:defRPr sz="2800" kern="1200" baseline="0">
-                <a:solidFill>
-                  <a:schemeClr val="tx1"/>
-                </a:solidFill>
-                <a:latin typeface="Arial" panose="020B0604020202020204" pitchFamily="34" charset="0"/>
-                <a:ea typeface="微軟正黑體" panose="020B0604030504040204" pitchFamily="34" charset="-120"/>
-                <a:cs typeface="Arial" panose="020B0604020202020204" pitchFamily="34" charset="0"/>
-              </a:defRPr>
-            </a:lvl2pPr>
-            <a:lvl3pPr marL="1157288" indent="-349250" algn="l" defTabSz="914400" rtl="0" eaLnBrk="1" latinLnBrk="0" hangingPunct="1">
-              <a:lnSpc>
-                <a:spcPct val="100000"/>
-              </a:lnSpc>
-              <a:spcBef>
-                <a:spcPts val="0"/>
-              </a:spcBef>
-              <a:buFont typeface="Helvetica" pitchFamily="2" charset="0"/>
-              <a:buChar char="●"/>
-              <a:tabLst/>
-              <a:defRPr sz="2800" kern="1200" baseline="0">
-                <a:solidFill>
-                  <a:schemeClr val="tx1"/>
-                </a:solidFill>
-                <a:latin typeface="Arial" panose="020B0604020202020204" pitchFamily="34" charset="0"/>
-                <a:ea typeface="微軟正黑體" panose="020B0604030504040204" pitchFamily="34" charset="-120"/>
-                <a:cs typeface="Arial" panose="020B0604020202020204" pitchFamily="34" charset="0"/>
-              </a:defRPr>
-            </a:lvl3pPr>
-            <a:lvl4pPr marL="1516063" indent="-358775" algn="l" defTabSz="914400" rtl="0" eaLnBrk="1" latinLnBrk="0" hangingPunct="1">
-              <a:lnSpc>
-                <a:spcPct val="100000"/>
-              </a:lnSpc>
-              <a:spcBef>
-                <a:spcPts val="0"/>
-              </a:spcBef>
-              <a:buFont typeface="Helvetica" pitchFamily="2" charset="0"/>
-              <a:buChar char="●"/>
-              <a:tabLst/>
-              <a:defRPr sz="2800" kern="1200" baseline="0">
-                <a:solidFill>
-                  <a:schemeClr val="tx1"/>
-                </a:solidFill>
-                <a:latin typeface="Arial" panose="020B0604020202020204" pitchFamily="34" charset="0"/>
-                <a:ea typeface="微軟正黑體" panose="020B0604030504040204" pitchFamily="34" charset="-120"/>
-                <a:cs typeface="Arial" panose="020B0604020202020204" pitchFamily="34" charset="0"/>
-              </a:defRPr>
-            </a:lvl4pPr>
-            <a:lvl5pPr marL="1876425" indent="-360363" algn="l" defTabSz="914400" rtl="0" eaLnBrk="1" latinLnBrk="0" hangingPunct="1">
-              <a:lnSpc>
-                <a:spcPct val="100000"/>
-              </a:lnSpc>
-              <a:spcBef>
-                <a:spcPts val="0"/>
-              </a:spcBef>
-              <a:buFont typeface="Helvetica" pitchFamily="2" charset="0"/>
-              <a:buChar char="●"/>
-              <a:tabLst/>
-              <a:defRPr sz="2800" kern="1200" baseline="0">
-                <a:solidFill>
-                  <a:schemeClr val="tx1"/>
-                </a:solidFill>
-                <a:latin typeface="Arial" panose="020B0604020202020204" pitchFamily="34" charset="0"/>
-                <a:ea typeface="微軟正黑體" panose="020B0604030504040204" pitchFamily="34" charset="-120"/>
-                <a:cs typeface="Arial" panose="020B0604020202020204" pitchFamily="34" charset="0"/>
-              </a:defRPr>
-            </a:lvl5pPr>
-            <a:lvl6pPr marL="2514600" indent="-228600" algn="l" defTabSz="914400" rtl="0" eaLnBrk="1" latinLnBrk="0" hangingPunct="1">
-              <a:lnSpc>
-                <a:spcPct val="90000"/>
-              </a:lnSpc>
-              <a:spcBef>
-                <a:spcPts val="500"/>
-              </a:spcBef>
-              <a:buFont typeface="Arial" panose="020B0604020202020204" pitchFamily="34" charset="0"/>
-              <a:buChar char="•"/>
-              <a:defRPr sz="1800" kern="1200">
-                <a:solidFill>
-                  <a:schemeClr val="tx1"/>
-                </a:solidFill>
-                <a:latin typeface="+mn-lt"/>
-                <a:ea typeface="+mn-ea"/>
-                <a:cs typeface="+mn-cs"/>
-              </a:defRPr>
-            </a:lvl6pPr>
-            <a:lvl7pPr marL="2971800" indent="-228600" algn="l" defTabSz="914400" rtl="0" eaLnBrk="1" latinLnBrk="0" hangingPunct="1">
-              <a:lnSpc>
-                <a:spcPct val="90000"/>
-              </a:lnSpc>
-              <a:spcBef>
-                <a:spcPts val="500"/>
-              </a:spcBef>
-              <a:buFont typeface="Arial" panose="020B0604020202020204" pitchFamily="34" charset="0"/>
-              <a:buChar char="•"/>
-              <a:defRPr sz="1800" kern="1200">
-                <a:solidFill>
-                  <a:schemeClr val="tx1"/>
-                </a:solidFill>
-                <a:latin typeface="+mn-lt"/>
-                <a:ea typeface="+mn-ea"/>
-                <a:cs typeface="+mn-cs"/>
-              </a:defRPr>
-            </a:lvl7pPr>
-            <a:lvl8pPr marL="3429000" indent="-228600" algn="l" defTabSz="914400" rtl="0" eaLnBrk="1" latinLnBrk="0" hangingPunct="1">
-              <a:lnSpc>
-                <a:spcPct val="90000"/>
-              </a:lnSpc>
-              <a:spcBef>
-                <a:spcPts val="500"/>
-              </a:spcBef>
-              <a:buFont typeface="Arial" panose="020B0604020202020204" pitchFamily="34" charset="0"/>
-              <a:buChar char="•"/>
-              <a:defRPr sz="1800" kern="1200">
-                <a:solidFill>
-                  <a:schemeClr val="tx1"/>
-                </a:solidFill>
-                <a:latin typeface="+mn-lt"/>
-                <a:ea typeface="+mn-ea"/>
-                <a:cs typeface="+mn-cs"/>
-              </a:defRPr>
-            </a:lvl8pPr>
-            <a:lvl9pPr marL="3886200" indent="-228600" algn="l" defTabSz="914400" rtl="0" eaLnBrk="1" latinLnBrk="0" hangingPunct="1">
-              <a:lnSpc>
-                <a:spcPct val="90000"/>
-              </a:lnSpc>
-              <a:spcBef>
-                <a:spcPts val="500"/>
-              </a:spcBef>
-              <a:buFont typeface="Arial" panose="020B0604020202020204" pitchFamily="34" charset="0"/>
-              <a:buChar char="•"/>
-              <a:defRPr sz="1800" kern="1200">
-                <a:solidFill>
-                  <a:schemeClr val="tx1"/>
-                </a:solidFill>
-                <a:latin typeface="+mn-lt"/>
-                <a:ea typeface="+mn-ea"/>
-                <a:cs typeface="+mn-cs"/>
-              </a:defRPr>
-            </a:lvl9pPr>
-          </a:lstStyle>
-          <a:p>
-            <a:pPr>
-              <a:lnSpc>
-                <a:spcPct val="150000"/>
-              </a:lnSpc>
-            </a:pPr>
-            <a:r>
-              <a:rPr lang="en-US" altLang="zh-TW" sz="3200" b="1" dirty="0" err="1" smtClean="0">
-                <a:solidFill>
-                  <a:srgbClr val="FFFF00"/>
-                </a:solidFill>
-                <a:latin typeface="Times New Roman" charset="0"/>
-                <a:ea typeface="Times New Roman" charset="0"/>
-                <a:cs typeface="Times New Roman" charset="0"/>
-              </a:rPr>
-              <a:t>Friis</a:t>
-            </a:r>
-            <a:r>
-              <a:rPr lang="en-US" altLang="zh-TW" sz="3200" b="1" dirty="0" smtClean="0">
-                <a:solidFill>
-                  <a:srgbClr val="FFFF00"/>
-                </a:solidFill>
-                <a:latin typeface="Times New Roman" charset="0"/>
-                <a:ea typeface="Times New Roman" charset="0"/>
-                <a:cs typeface="Times New Roman" charset="0"/>
-              </a:rPr>
-              <a:t> Transmission Equation</a:t>
-            </a:r>
-          </a:p>
-        </p:txBody>
-      </p:sp>
     </p:spTree>
     <p:extLst>
       <p:ext uri="{BB962C8B-B14F-4D97-AF65-F5344CB8AC3E}">
-        <p14:creationId xmlns:p14="http://schemas.microsoft.com/office/powerpoint/2010/main" val="1111125836"/>
+        <p14:creationId xmlns:p14="http://schemas.microsoft.com/office/powerpoint/2010/main" val="849226577"/>
       </p:ext>
     </p:extLst>
   </p:cSld>
@@ -14784,36 +18425,6 @@
           <a:chExt cx="0" cy="0"/>
         </a:xfrm>
       </p:grpSpPr>
-      <p:pic>
-        <p:nvPicPr>
-          <p:cNvPr id="8" name="圖片 7"/>
-          <p:cNvPicPr>
-            <a:picLocks noChangeAspect="1"/>
-          </p:cNvPicPr>
-          <p:nvPr/>
-        </p:nvPicPr>
-        <p:blipFill>
-          <a:blip r:embed="rId3">
-            <a:extLst>
-              <a:ext uri="{28A0092B-C50C-407E-A947-70E740481C1C}">
-                <a14:useLocalDpi xmlns:a14="http://schemas.microsoft.com/office/drawing/2010/main" val="0"/>
-              </a:ext>
-            </a:extLst>
-          </a:blip>
-          <a:stretch>
-            <a:fillRect/>
-          </a:stretch>
-        </p:blipFill>
-        <p:spPr>
-          <a:xfrm>
-            <a:off x="4834448" y="3548417"/>
-            <a:ext cx="6086277" cy="3020351"/>
-          </a:xfrm>
-          <a:prstGeom prst="rect">
-            <a:avLst/>
-          </a:prstGeom>
-        </p:spPr>
-      </p:pic>
       <p:sp>
         <p:nvSpPr>
           <p:cNvPr id="2" name="標題 1"/>
@@ -14830,34 +18441,29 @@
           <a:lstStyle/>
           <a:p>
             <a:r>
-              <a:rPr kumimoji="1" lang="en-US" altLang="zh-TW" dirty="0" smtClean="0">
-                <a:latin typeface="Times New Roman" charset="0"/>
-                <a:ea typeface="Times New Roman" charset="0"/>
-                <a:cs typeface="Times New Roman" charset="0"/>
-              </a:rPr>
-              <a:t>Why </a:t>
+              <a:rPr kumimoji="1" lang="en-US" altLang="zh-TW" dirty="0" smtClean="0"/>
+              <a:t>Channel Fading</a:t>
             </a:r>
-            <a:r>
-              <a:rPr kumimoji="1" lang="en-US" altLang="zh-TW" dirty="0" err="1" smtClean="0">
-                <a:latin typeface="Times New Roman" charset="0"/>
-                <a:ea typeface="Times New Roman" charset="0"/>
-                <a:cs typeface="Times New Roman" charset="0"/>
-              </a:rPr>
-              <a:t>Friis</a:t>
-            </a:r>
-            <a:r>
-              <a:rPr kumimoji="1" lang="en-US" altLang="zh-TW" dirty="0" smtClean="0">
-                <a:latin typeface="Times New Roman" charset="0"/>
-                <a:ea typeface="Times New Roman" charset="0"/>
-                <a:cs typeface="Times New Roman" charset="0"/>
-              </a:rPr>
-              <a:t>’ Formula</a:t>
-            </a:r>
-            <a:endParaRPr kumimoji="1" lang="zh-TW" altLang="en-US" dirty="0">
-              <a:latin typeface="Times New Roman" charset="0"/>
-              <a:ea typeface="Times New Roman" charset="0"/>
-              <a:cs typeface="Times New Roman" charset="0"/>
-            </a:endParaRPr>
+            <a:endParaRPr kumimoji="1" lang="zh-TW" altLang="en-US" dirty="0"/>
+          </a:p>
+        </p:txBody>
+      </p:sp>
+      <p:sp>
+        <p:nvSpPr>
+          <p:cNvPr id="3" name="內容版面配置區 2"/>
+          <p:cNvSpPr>
+            <a:spLocks noGrp="1"/>
+          </p:cNvSpPr>
+          <p:nvPr>
+            <p:ph idx="1"/>
+          </p:nvPr>
+        </p:nvSpPr>
+        <p:spPr/>
+        <p:txBody>
+          <a:bodyPr/>
+          <a:lstStyle/>
+          <a:p>
+            <a:endParaRPr kumimoji="1" lang="zh-TW" altLang="en-US"/>
           </a:p>
         </p:txBody>
       </p:sp>
@@ -14885,133 +18491,28 @@
           </a:p>
         </p:txBody>
       </p:sp>
-      <p:sp>
-        <p:nvSpPr>
-          <p:cNvPr id="7" name="內容版面配置區 6"/>
-          <p:cNvSpPr>
-            <a:spLocks noGrp="1"/>
-          </p:cNvSpPr>
-          <p:nvPr>
-            <p:ph idx="1"/>
-          </p:nvPr>
-        </p:nvSpPr>
-        <p:spPr/>
-        <p:txBody>
-          <a:bodyPr/>
-          <a:lstStyle/>
-          <a:p>
-            <a:r>
-              <a:rPr kumimoji="1" lang="en-US" altLang="zh-TW" sz="3200" dirty="0" smtClean="0">
-                <a:latin typeface="Times New Roman" charset="0"/>
-                <a:ea typeface="Times New Roman" charset="0"/>
-                <a:cs typeface="Times New Roman" charset="0"/>
-              </a:rPr>
-              <a:t>Dispense with the usage of </a:t>
-            </a:r>
-            <a:r>
-              <a:rPr kumimoji="1" lang="en-US" altLang="zh-TW" sz="3200" dirty="0" smtClean="0">
-                <a:solidFill>
-                  <a:schemeClr val="accent1"/>
-                </a:solidFill>
-                <a:latin typeface="Times New Roman" charset="0"/>
-                <a:ea typeface="Times New Roman" charset="0"/>
-                <a:cs typeface="Times New Roman" charset="0"/>
-              </a:rPr>
-              <a:t>directivity</a:t>
-            </a:r>
-            <a:r>
-              <a:rPr kumimoji="1" lang="en-US" altLang="zh-TW" sz="3200" dirty="0" smtClean="0">
-                <a:latin typeface="Times New Roman" charset="0"/>
-                <a:ea typeface="Times New Roman" charset="0"/>
-                <a:cs typeface="Times New Roman" charset="0"/>
-              </a:rPr>
-              <a:t> or </a:t>
-            </a:r>
-            <a:r>
-              <a:rPr kumimoji="1" lang="en-US" altLang="zh-TW" sz="3200" dirty="0" smtClean="0">
-                <a:solidFill>
-                  <a:schemeClr val="accent1"/>
-                </a:solidFill>
-                <a:latin typeface="Times New Roman" charset="0"/>
-                <a:ea typeface="Times New Roman" charset="0"/>
-                <a:cs typeface="Times New Roman" charset="0"/>
-              </a:rPr>
-              <a:t>gain</a:t>
-            </a:r>
-            <a:r>
-              <a:rPr kumimoji="1" lang="en-US" altLang="zh-TW" sz="3200" dirty="0" smtClean="0">
-                <a:latin typeface="Times New Roman" charset="0"/>
-                <a:ea typeface="Times New Roman" charset="0"/>
-                <a:cs typeface="Times New Roman" charset="0"/>
-              </a:rPr>
-              <a:t> when describing antenna performance</a:t>
-            </a:r>
-          </a:p>
-          <a:p>
-            <a:pPr>
-              <a:lnSpc>
-                <a:spcPct val="150000"/>
-              </a:lnSpc>
-            </a:pPr>
-            <a:r>
-              <a:rPr kumimoji="1" lang="en-US" altLang="zh-TW" sz="3200" dirty="0" smtClean="0">
-                <a:latin typeface="Times New Roman" charset="0"/>
-                <a:ea typeface="Times New Roman" charset="0"/>
-                <a:cs typeface="Times New Roman" charset="0"/>
-              </a:rPr>
-              <a:t>Descriptor of antenna </a:t>
-            </a:r>
-            <a:r>
-              <a:rPr kumimoji="1" lang="en-US" altLang="zh-TW" sz="3200" dirty="0" smtClean="0">
-                <a:solidFill>
-                  <a:schemeClr val="accent1"/>
-                </a:solidFill>
-                <a:latin typeface="Times New Roman" charset="0"/>
-                <a:ea typeface="Times New Roman" charset="0"/>
-                <a:cs typeface="Times New Roman" charset="0"/>
-              </a:rPr>
-              <a:t>capture area</a:t>
-            </a:r>
-            <a:endParaRPr kumimoji="1" lang="zh-TW" altLang="en-US" sz="3200" dirty="0">
-              <a:solidFill>
-                <a:schemeClr val="accent1"/>
-              </a:solidFill>
-              <a:latin typeface="Times New Roman" charset="0"/>
-              <a:ea typeface="Times New Roman" charset="0"/>
-              <a:cs typeface="Times New Roman" charset="0"/>
-            </a:endParaRPr>
-          </a:p>
-        </p:txBody>
-      </p:sp>
     </p:spTree>
     <p:extLst>
       <p:ext uri="{BB962C8B-B14F-4D97-AF65-F5344CB8AC3E}">
-        <p14:creationId xmlns:p14="http://schemas.microsoft.com/office/powerpoint/2010/main" val="555166482"/>
+        <p14:creationId xmlns:p14="http://schemas.microsoft.com/office/powerpoint/2010/main" val="1570010807"/>
       </p:ext>
     </p:extLst>
   </p:cSld>
   <p:clrMapOvr>
     <a:masterClrMapping/>
   </p:clrMapOvr>
-  <mc:AlternateContent xmlns:mc="http://schemas.openxmlformats.org/markup-compatibility/2006" xmlns:p14="http://schemas.microsoft.com/office/powerpoint/2010/main">
-    <mc:Choice Requires="p14">
+  <mc:AlternateContent xmlns:mc="http://schemas.openxmlformats.org/markup-compatibility/2006">
+    <mc:Choice xmlns:p14="http://schemas.microsoft.com/office/powerpoint/2010/main" Requires="p14">
       <p:transition spd="med" p14:dur="700">
         <p:fade/>
       </p:transition>
     </mc:Choice>
-    <mc:Fallback xmlns="">
+    <mc:Fallback>
       <p:transition spd="med">
         <p:fade/>
       </p:transition>
     </mc:Fallback>
   </mc:AlternateContent>
-  <p:timing>
-    <p:tnLst>
-      <p:par>
-        <p:cTn id="1" dur="indefinite" restart="never" nodeType="tmRoot"/>
-      </p:par>
-    </p:tnLst>
-  </p:timing>
 </p:sld>
 </file>
 
@@ -15032,36 +18533,6 @@
           <a:chExt cx="0" cy="0"/>
         </a:xfrm>
       </p:grpSpPr>
-      <p:pic>
-        <p:nvPicPr>
-          <p:cNvPr id="7" name="圖片 6"/>
-          <p:cNvPicPr>
-            <a:picLocks noChangeAspect="1"/>
-          </p:cNvPicPr>
-          <p:nvPr/>
-        </p:nvPicPr>
-        <p:blipFill>
-          <a:blip r:embed="rId2">
-            <a:extLst>
-              <a:ext uri="{28A0092B-C50C-407E-A947-70E740481C1C}">
-                <a14:useLocalDpi xmlns:a14="http://schemas.microsoft.com/office/drawing/2010/main" val="0"/>
-              </a:ext>
-            </a:extLst>
-          </a:blip>
-          <a:stretch>
-            <a:fillRect/>
-          </a:stretch>
-        </p:blipFill>
-        <p:spPr>
-          <a:xfrm>
-            <a:off x="5246973" y="3739487"/>
-            <a:ext cx="5673752" cy="2815633"/>
-          </a:xfrm>
-          <a:prstGeom prst="rect">
-            <a:avLst/>
-          </a:prstGeom>
-        </p:spPr>
-      </p:pic>
       <p:sp>
         <p:nvSpPr>
           <p:cNvPr id="2" name="標題 1"/>
@@ -15078,314 +18549,32 @@
           <a:lstStyle/>
           <a:p>
             <a:r>
-              <a:rPr kumimoji="1" lang="en-US" altLang="zh-TW" dirty="0" err="1" smtClean="0">
-                <a:latin typeface="Times New Roman" charset="0"/>
-                <a:ea typeface="Times New Roman" charset="0"/>
-                <a:cs typeface="Times New Roman" charset="0"/>
-              </a:rPr>
-              <a:t>Friis</a:t>
+              <a:rPr kumimoji="1" lang="en-US" altLang="zh-TW" dirty="0" smtClean="0"/>
+              <a:t>Phase Delay</a:t>
             </a:r>
-            <a:r>
-              <a:rPr kumimoji="1" lang="en-US" altLang="zh-TW" dirty="0" smtClean="0">
-                <a:latin typeface="Times New Roman" charset="0"/>
-                <a:ea typeface="Times New Roman" charset="0"/>
-                <a:cs typeface="Times New Roman" charset="0"/>
-              </a:rPr>
-              <a:t>’ Original Formula</a:t>
-            </a:r>
-            <a:endParaRPr kumimoji="1" lang="zh-TW" altLang="en-US" dirty="0">
-              <a:latin typeface="Times New Roman" charset="0"/>
-              <a:ea typeface="Times New Roman" charset="0"/>
-              <a:cs typeface="Times New Roman" charset="0"/>
-            </a:endParaRPr>
+            <a:endParaRPr kumimoji="1" lang="zh-TW" altLang="en-US" dirty="0"/>
           </a:p>
         </p:txBody>
       </p:sp>
-      <mc:AlternateContent xmlns:mc="http://schemas.openxmlformats.org/markup-compatibility/2006" xmlns:a14="http://schemas.microsoft.com/office/drawing/2010/main">
-        <mc:Choice Requires="a14">
-          <p:sp>
-            <p:nvSpPr>
-              <p:cNvPr id="3" name="內容版面配置區 2"/>
-              <p:cNvSpPr>
-                <a:spLocks noGrp="1"/>
-              </p:cNvSpPr>
-              <p:nvPr>
-                <p:ph idx="1"/>
-              </p:nvPr>
-            </p:nvSpPr>
-            <p:spPr>
-              <a:xfrm>
-                <a:off x="335360" y="1700808"/>
-                <a:ext cx="3840855" cy="1178870"/>
-              </a:xfrm>
-            </p:spPr>
-            <p:txBody>
-              <a:bodyPr/>
-              <a:lstStyle/>
-              <a:p>
-                <a:pPr marL="11112" indent="0">
-                  <a:buNone/>
-                </a:pPr>
-                <a14:m>
-                  <m:oMathPara xmlns:m="http://schemas.openxmlformats.org/officeDocument/2006/math">
-                    <m:oMathParaPr>
-                      <m:jc m:val="centerGroup"/>
-                    </m:oMathParaPr>
-                    <m:oMath xmlns:m="http://schemas.openxmlformats.org/officeDocument/2006/math">
-                      <m:f>
-                        <m:fPr>
-                          <m:ctrlPr>
-                            <a:rPr kumimoji="1" lang="mr-IN" altLang="zh-TW" sz="4000" i="1" smtClean="0">
-                              <a:latin typeface="Cambria Math" charset="0"/>
-                            </a:rPr>
-                          </m:ctrlPr>
-                        </m:fPr>
-                        <m:num>
-                          <m:sSub>
-                            <m:sSubPr>
-                              <m:ctrlPr>
-                                <a:rPr kumimoji="1" lang="en-US" altLang="zh-TW" sz="4000" i="1">
-                                  <a:latin typeface="Cambria Math" charset="0"/>
-                                </a:rPr>
-                              </m:ctrlPr>
-                            </m:sSubPr>
-                            <m:e>
-                              <m:r>
-                                <a:rPr kumimoji="1" lang="en-US" altLang="zh-TW" sz="4000" i="1">
-                                  <a:latin typeface="Cambria Math" charset="0"/>
-                                </a:rPr>
-                                <m:t>𝑃</m:t>
-                              </m:r>
-                            </m:e>
-                            <m:sub>
-                              <m:r>
-                                <a:rPr kumimoji="1" lang="en-US" altLang="zh-TW" sz="4000" b="0" i="1" smtClean="0">
-                                  <a:latin typeface="Cambria Math" charset="0"/>
-                                </a:rPr>
-                                <m:t>𝑟</m:t>
-                              </m:r>
-                            </m:sub>
-                          </m:sSub>
-                        </m:num>
-                        <m:den>
-                          <m:sSub>
-                            <m:sSubPr>
-                              <m:ctrlPr>
-                                <a:rPr kumimoji="1" lang="en-US" altLang="zh-TW" sz="4000" i="1" smtClean="0">
-                                  <a:latin typeface="Cambria Math" charset="0"/>
-                                </a:rPr>
-                              </m:ctrlPr>
-                            </m:sSubPr>
-                            <m:e>
-                              <m:r>
-                                <a:rPr kumimoji="1" lang="en-US" altLang="zh-TW" sz="4000" b="0" i="1" smtClean="0">
-                                  <a:latin typeface="Cambria Math" charset="0"/>
-                                </a:rPr>
-                                <m:t>𝑃</m:t>
-                              </m:r>
-                            </m:e>
-                            <m:sub>
-                              <m:r>
-                                <a:rPr kumimoji="1" lang="en-US" altLang="zh-TW" sz="4000" b="0" i="1" smtClean="0">
-                                  <a:latin typeface="Cambria Math" charset="0"/>
-                                </a:rPr>
-                                <m:t>𝑡</m:t>
-                              </m:r>
-                            </m:sub>
-                          </m:sSub>
-                        </m:den>
-                      </m:f>
-                      <m:r>
-                        <a:rPr kumimoji="1" lang="en-US" altLang="zh-TW" sz="4000" b="0" i="1" smtClean="0">
-                          <a:latin typeface="Cambria Math" charset="0"/>
-                        </a:rPr>
-                        <m:t>=(</m:t>
-                      </m:r>
-                      <m:f>
-                        <m:fPr>
-                          <m:ctrlPr>
-                            <a:rPr kumimoji="1" lang="mr-IN" altLang="zh-TW" sz="4000" i="1">
-                              <a:latin typeface="Cambria Math" charset="0"/>
-                            </a:rPr>
-                          </m:ctrlPr>
-                        </m:fPr>
-                        <m:num>
-                          <m:sSub>
-                            <m:sSubPr>
-                              <m:ctrlPr>
-                                <a:rPr kumimoji="1" lang="en-US" altLang="zh-TW" sz="4000" i="1" smtClean="0">
-                                  <a:solidFill>
-                                    <a:schemeClr val="accent1"/>
-                                  </a:solidFill>
-                                  <a:latin typeface="Cambria Math" charset="0"/>
-                                </a:rPr>
-                              </m:ctrlPr>
-                            </m:sSubPr>
-                            <m:e>
-                              <m:r>
-                                <a:rPr kumimoji="1" lang="en-US" altLang="zh-TW" sz="4000" b="0" i="1" smtClean="0">
-                                  <a:solidFill>
-                                    <a:schemeClr val="accent1"/>
-                                  </a:solidFill>
-                                  <a:latin typeface="Cambria Math" charset="0"/>
-                                </a:rPr>
-                                <m:t>𝐴</m:t>
-                              </m:r>
-                            </m:e>
-                            <m:sub>
-                              <m:r>
-                                <a:rPr kumimoji="1" lang="en-US" altLang="zh-TW" sz="4000" i="1">
-                                  <a:solidFill>
-                                    <a:schemeClr val="accent1"/>
-                                  </a:solidFill>
-                                  <a:latin typeface="Cambria Math" charset="0"/>
-                                </a:rPr>
-                                <m:t>𝑟</m:t>
-                              </m:r>
-                            </m:sub>
-                          </m:sSub>
-                          <m:sSub>
-                            <m:sSubPr>
-                              <m:ctrlPr>
-                                <a:rPr kumimoji="1" lang="en-US" altLang="zh-TW" sz="4000" i="1">
-                                  <a:solidFill>
-                                    <a:schemeClr val="accent1"/>
-                                  </a:solidFill>
-                                  <a:latin typeface="Cambria Math" charset="0"/>
-                                </a:rPr>
-                              </m:ctrlPr>
-                            </m:sSubPr>
-                            <m:e>
-                              <m:r>
-                                <a:rPr kumimoji="1" lang="en-US" altLang="zh-TW" sz="4000" b="0" i="1" smtClean="0">
-                                  <a:solidFill>
-                                    <a:schemeClr val="accent1"/>
-                                  </a:solidFill>
-                                  <a:latin typeface="Cambria Math" charset="0"/>
-                                </a:rPr>
-                                <m:t>𝐴</m:t>
-                              </m:r>
-                            </m:e>
-                            <m:sub>
-                              <m:r>
-                                <a:rPr kumimoji="1" lang="en-US" altLang="zh-TW" sz="4000" i="1">
-                                  <a:solidFill>
-                                    <a:schemeClr val="accent1"/>
-                                  </a:solidFill>
-                                  <a:latin typeface="Cambria Math" charset="0"/>
-                                </a:rPr>
-                                <m:t>𝑡</m:t>
-                              </m:r>
-                            </m:sub>
-                          </m:sSub>
-                        </m:num>
-                        <m:den>
-                          <m:sSup>
-                            <m:sSupPr>
-                              <m:ctrlPr>
-                                <a:rPr kumimoji="1" lang="en-US" altLang="zh-TW" sz="4000" i="1" smtClean="0">
-                                  <a:latin typeface="Cambria Math" charset="0"/>
-                                </a:rPr>
-                              </m:ctrlPr>
-                            </m:sSupPr>
-                            <m:e>
-                              <m:r>
-                                <a:rPr kumimoji="1" lang="en-US" altLang="zh-TW" sz="4000" b="0" i="1" smtClean="0">
-                                  <a:latin typeface="Cambria Math" charset="0"/>
-                                </a:rPr>
-                                <m:t>𝑑</m:t>
-                              </m:r>
-                            </m:e>
-                            <m:sup>
-                              <m:r>
-                                <a:rPr kumimoji="1" lang="en-US" altLang="zh-TW" sz="4000" b="0" i="1" smtClean="0">
-                                  <a:latin typeface="Cambria Math" charset="0"/>
-                                </a:rPr>
-                                <m:t>2</m:t>
-                              </m:r>
-                            </m:sup>
-                          </m:sSup>
-                          <m:sSup>
-                            <m:sSupPr>
-                              <m:ctrlPr>
-                                <a:rPr kumimoji="1" lang="en-US" altLang="zh-TW" sz="4000" i="1">
-                                  <a:latin typeface="Cambria Math" charset="0"/>
-                                </a:rPr>
-                              </m:ctrlPr>
-                            </m:sSupPr>
-                            <m:e>
-                              <m:r>
-                                <a:rPr kumimoji="1" lang="en-US" altLang="zh-TW" sz="4000" i="1" smtClean="0">
-                                  <a:latin typeface="Cambria Math" charset="0"/>
-                                  <a:ea typeface="Cambria Math" charset="0"/>
-                                  <a:cs typeface="Cambria Math" charset="0"/>
-                                </a:rPr>
-                                <m:t>𝜆</m:t>
-                              </m:r>
-                            </m:e>
-                            <m:sup>
-                              <m:r>
-                                <a:rPr kumimoji="1" lang="en-US" altLang="zh-TW" sz="4000" i="1">
-                                  <a:latin typeface="Cambria Math" charset="0"/>
-                                </a:rPr>
-                                <m:t>2</m:t>
-                              </m:r>
-                            </m:sup>
-                          </m:sSup>
-                        </m:den>
-                      </m:f>
-                      <m:r>
-                        <a:rPr kumimoji="1" lang="en-US" altLang="zh-TW" sz="4000" b="0" i="1" smtClean="0">
-                          <a:latin typeface="Cambria Math" charset="0"/>
-                        </a:rPr>
-                        <m:t>)</m:t>
-                      </m:r>
-                    </m:oMath>
-                  </m:oMathPara>
-                </a14:m>
-                <a:endParaRPr kumimoji="1" lang="en-US" altLang="zh-TW" sz="4000" dirty="0" smtClean="0"/>
-              </a:p>
-            </p:txBody>
-          </p:sp>
-        </mc:Choice>
-        <mc:Fallback xmlns="">
-          <p:sp>
-            <p:nvSpPr>
-              <p:cNvPr id="3" name="內容版面配置區 2"/>
-              <p:cNvSpPr>
-                <a:spLocks noGrp="1" noRot="1" noChangeAspect="1" noMove="1" noResize="1" noEditPoints="1" noAdjustHandles="1" noChangeArrowheads="1" noChangeShapeType="1" noTextEdit="1"/>
-              </p:cNvSpPr>
-              <p:nvPr>
-                <p:ph idx="1"/>
-              </p:nvPr>
-            </p:nvSpPr>
-            <p:spPr>
-              <a:xfrm>
-                <a:off x="335360" y="1700808"/>
-                <a:ext cx="3840855" cy="1178870"/>
-              </a:xfrm>
-              <a:blipFill rotWithShape="0">
-                <a:blip r:embed="rId3"/>
-                <a:stretch>
-                  <a:fillRect b="-10363"/>
-                </a:stretch>
-              </a:blipFill>
-            </p:spPr>
-            <p:txBody>
-              <a:bodyPr/>
-              <a:lstStyle/>
-              <a:p>
-                <a:r>
-                  <a:rPr lang="zh-TW" altLang="en-US">
-                    <a:noFill/>
-                  </a:rPr>
-                  <a:t> </a:t>
-                </a:r>
-              </a:p>
-            </p:txBody>
-          </p:sp>
-        </mc:Fallback>
-      </mc:AlternateContent>
+      <p:sp>
+        <p:nvSpPr>
+          <p:cNvPr id="3" name="內容版面配置區 2"/>
+          <p:cNvSpPr>
+            <a:spLocks noGrp="1"/>
+          </p:cNvSpPr>
+          <p:nvPr>
+            <p:ph idx="1"/>
+          </p:nvPr>
+        </p:nvSpPr>
+        <p:spPr/>
+        <p:txBody>
+          <a:bodyPr/>
+          <a:lstStyle/>
+          <a:p>
+            <a:endParaRPr kumimoji="1" lang="zh-TW" altLang="en-US"/>
+          </a:p>
+        </p:txBody>
+      </p:sp>
       <p:sp>
         <p:nvSpPr>
           <p:cNvPr id="4" name="投影片編號版面配置區 3"/>
@@ -15410,360 +18599,10 @@
           </a:p>
         </p:txBody>
       </p:sp>
-      <mc:AlternateContent xmlns:mc="http://schemas.openxmlformats.org/markup-compatibility/2006" xmlns:a14="http://schemas.microsoft.com/office/drawing/2010/main">
-        <mc:Choice Requires="a14">
-          <p:sp>
-            <p:nvSpPr>
-              <p:cNvPr id="6" name="矩形 5"/>
-              <p:cNvSpPr/>
-              <p:nvPr/>
-            </p:nvSpPr>
-            <p:spPr>
-              <a:xfrm>
-                <a:off x="384412" y="3047627"/>
-                <a:ext cx="7583606" cy="2308324"/>
-              </a:xfrm>
-              <a:prstGeom prst="rect">
-                <a:avLst/>
-              </a:prstGeom>
-            </p:spPr>
-            <p:txBody>
-              <a:bodyPr wrap="square">
-                <a:spAutoFit/>
-              </a:bodyPr>
-              <a:lstStyle/>
-              <a:p>
-                <a14:m>
-                  <m:oMath xmlns:m="http://schemas.openxmlformats.org/officeDocument/2006/math">
-                    <m:sSub>
-                      <m:sSubPr>
-                        <m:ctrlPr>
-                          <a:rPr kumimoji="1" lang="en-US" altLang="zh-TW" sz="2400" i="1">
-                            <a:latin typeface="Cambria Math" charset="0"/>
-                            <a:ea typeface="Times New Roman" charset="0"/>
-                            <a:cs typeface="Times New Roman" charset="0"/>
-                          </a:rPr>
-                        </m:ctrlPr>
-                      </m:sSubPr>
-                      <m:e>
-                        <m:r>
-                          <a:rPr kumimoji="1" lang="en-US" altLang="zh-TW" sz="2400" i="1">
-                            <a:latin typeface="Cambria Math" charset="0"/>
-                            <a:ea typeface="Times New Roman" charset="0"/>
-                            <a:cs typeface="Times New Roman" charset="0"/>
-                          </a:rPr>
-                          <m:t>𝑃</m:t>
-                        </m:r>
-                      </m:e>
-                      <m:sub>
-                        <m:r>
-                          <a:rPr kumimoji="1" lang="en-US" altLang="zh-TW" sz="2400" i="1">
-                            <a:latin typeface="Cambria Math" charset="0"/>
-                            <a:ea typeface="Times New Roman" charset="0"/>
-                            <a:cs typeface="Times New Roman" charset="0"/>
-                          </a:rPr>
-                          <m:t>𝑟</m:t>
-                        </m:r>
-                      </m:sub>
-                    </m:sSub>
-                  </m:oMath>
-                </a14:m>
-                <a:r>
-                  <a:rPr kumimoji="1" lang="en-US" altLang="zh-TW" sz="2400" dirty="0">
-                    <a:latin typeface="Times New Roman" charset="0"/>
-                    <a:ea typeface="Times New Roman" charset="0"/>
-                    <a:cs typeface="Times New Roman" charset="0"/>
-                  </a:rPr>
-                  <a:t> : power available at </a:t>
-                </a:r>
-                <a:r>
-                  <a:rPr kumimoji="1" lang="en-US" altLang="zh-TW" sz="2400" dirty="0" err="1">
-                    <a:latin typeface="Times New Roman" charset="0"/>
-                    <a:ea typeface="Times New Roman" charset="0"/>
-                    <a:cs typeface="Times New Roman" charset="0"/>
-                  </a:rPr>
-                  <a:t>rx</a:t>
-                </a:r>
-                <a:r>
-                  <a:rPr kumimoji="1" lang="en-US" altLang="zh-TW" sz="2400" dirty="0">
-                    <a:latin typeface="Times New Roman" charset="0"/>
-                    <a:ea typeface="Times New Roman" charset="0"/>
-                    <a:cs typeface="Times New Roman" charset="0"/>
-                  </a:rPr>
-                  <a:t> antenna output terminals</a:t>
-                </a:r>
-              </a:p>
-              <a:p>
-                <a14:m>
-                  <m:oMath xmlns:m="http://schemas.openxmlformats.org/officeDocument/2006/math">
-                    <m:sSub>
-                      <m:sSubPr>
-                        <m:ctrlPr>
-                          <a:rPr kumimoji="1" lang="en-US" altLang="zh-TW" sz="2400" i="1">
-                            <a:latin typeface="Cambria Math" charset="0"/>
-                            <a:ea typeface="Times New Roman" charset="0"/>
-                            <a:cs typeface="Times New Roman" charset="0"/>
-                          </a:rPr>
-                        </m:ctrlPr>
-                      </m:sSubPr>
-                      <m:e>
-                        <m:r>
-                          <a:rPr kumimoji="1" lang="en-US" altLang="zh-TW" sz="2400" i="1">
-                            <a:latin typeface="Cambria Math" charset="0"/>
-                            <a:ea typeface="Times New Roman" charset="0"/>
-                            <a:cs typeface="Times New Roman" charset="0"/>
-                          </a:rPr>
-                          <m:t>𝑃</m:t>
-                        </m:r>
-                      </m:e>
-                      <m:sub>
-                        <m:r>
-                          <a:rPr kumimoji="1" lang="en-US" altLang="zh-TW" sz="2400" i="1">
-                            <a:latin typeface="Cambria Math" charset="0"/>
-                            <a:ea typeface="Times New Roman" charset="0"/>
-                            <a:cs typeface="Times New Roman" charset="0"/>
-                          </a:rPr>
-                          <m:t>𝑡</m:t>
-                        </m:r>
-                      </m:sub>
-                    </m:sSub>
-                  </m:oMath>
-                </a14:m>
-                <a:r>
-                  <a:rPr kumimoji="1" lang="en-US" altLang="zh-TW" sz="2400" dirty="0">
-                    <a:latin typeface="Times New Roman" charset="0"/>
-                    <a:ea typeface="Times New Roman" charset="0"/>
-                    <a:cs typeface="Times New Roman" charset="0"/>
-                  </a:rPr>
-                  <a:t> : power fed into the </a:t>
-                </a:r>
-                <a:r>
-                  <a:rPr kumimoji="1" lang="en-US" altLang="zh-TW" sz="2400" dirty="0" err="1">
-                    <a:latin typeface="Times New Roman" charset="0"/>
-                    <a:ea typeface="Times New Roman" charset="0"/>
-                    <a:cs typeface="Times New Roman" charset="0"/>
-                  </a:rPr>
-                  <a:t>tx</a:t>
-                </a:r>
-                <a:r>
-                  <a:rPr kumimoji="1" lang="en-US" altLang="zh-TW" sz="2400" dirty="0">
-                    <a:latin typeface="Times New Roman" charset="0"/>
-                    <a:ea typeface="Times New Roman" charset="0"/>
-                    <a:cs typeface="Times New Roman" charset="0"/>
-                  </a:rPr>
-                  <a:t> antenna input terminals</a:t>
-                </a:r>
-              </a:p>
-              <a:p>
-                <a14:m>
-                  <m:oMath xmlns:m="http://schemas.openxmlformats.org/officeDocument/2006/math">
-                    <m:sSub>
-                      <m:sSubPr>
-                        <m:ctrlPr>
-                          <a:rPr kumimoji="1" lang="en-US" altLang="zh-TW" sz="2400" i="1">
-                            <a:latin typeface="Cambria Math" charset="0"/>
-                            <a:ea typeface="Times New Roman" charset="0"/>
-                            <a:cs typeface="Times New Roman" charset="0"/>
-                          </a:rPr>
-                        </m:ctrlPr>
-                      </m:sSubPr>
-                      <m:e>
-                        <m:r>
-                          <a:rPr kumimoji="1" lang="en-US" altLang="zh-TW" sz="2400" i="1">
-                            <a:latin typeface="Cambria Math" charset="0"/>
-                            <a:ea typeface="Times New Roman" charset="0"/>
-                            <a:cs typeface="Times New Roman" charset="0"/>
-                          </a:rPr>
-                          <m:t>𝐴</m:t>
-                        </m:r>
-                      </m:e>
-                      <m:sub>
-                        <m:r>
-                          <a:rPr kumimoji="1" lang="en-US" altLang="zh-TW" sz="2400" i="1">
-                            <a:latin typeface="Cambria Math" charset="0"/>
-                            <a:ea typeface="Times New Roman" charset="0"/>
-                            <a:cs typeface="Times New Roman" charset="0"/>
-                          </a:rPr>
-                          <m:t>𝑟</m:t>
-                        </m:r>
-                      </m:sub>
-                    </m:sSub>
-                  </m:oMath>
-                </a14:m>
-                <a:r>
-                  <a:rPr kumimoji="1" lang="en-US" altLang="zh-TW" sz="2400" dirty="0">
-                    <a:latin typeface="Times New Roman" charset="0"/>
-                    <a:ea typeface="Times New Roman" charset="0"/>
-                    <a:cs typeface="Times New Roman" charset="0"/>
-                  </a:rPr>
-                  <a:t> : the effective area of </a:t>
-                </a:r>
-                <a:r>
-                  <a:rPr kumimoji="1" lang="en-US" altLang="zh-TW" sz="2400" dirty="0" err="1">
-                    <a:latin typeface="Times New Roman" charset="0"/>
-                    <a:ea typeface="Times New Roman" charset="0"/>
-                    <a:cs typeface="Times New Roman" charset="0"/>
-                  </a:rPr>
-                  <a:t>rx</a:t>
-                </a:r>
-                <a:r>
-                  <a:rPr kumimoji="1" lang="en-US" altLang="zh-TW" sz="2400" dirty="0">
-                    <a:latin typeface="Times New Roman" charset="0"/>
-                    <a:ea typeface="Times New Roman" charset="0"/>
-                    <a:cs typeface="Times New Roman" charset="0"/>
-                  </a:rPr>
-                  <a:t> antenna</a:t>
-                </a:r>
-              </a:p>
-              <a:p>
-                <a14:m>
-                  <m:oMath xmlns:m="http://schemas.openxmlformats.org/officeDocument/2006/math">
-                    <m:sSub>
-                      <m:sSubPr>
-                        <m:ctrlPr>
-                          <a:rPr kumimoji="1" lang="en-US" altLang="zh-TW" sz="2400" i="1">
-                            <a:latin typeface="Cambria Math" charset="0"/>
-                            <a:ea typeface="Times New Roman" charset="0"/>
-                            <a:cs typeface="Times New Roman" charset="0"/>
-                          </a:rPr>
-                        </m:ctrlPr>
-                      </m:sSubPr>
-                      <m:e>
-                        <m:r>
-                          <a:rPr kumimoji="1" lang="en-US" altLang="zh-TW" sz="2400" i="1">
-                            <a:latin typeface="Cambria Math" charset="0"/>
-                            <a:ea typeface="Times New Roman" charset="0"/>
-                            <a:cs typeface="Times New Roman" charset="0"/>
-                          </a:rPr>
-                          <m:t>𝐴</m:t>
-                        </m:r>
-                      </m:e>
-                      <m:sub>
-                        <m:r>
-                          <a:rPr kumimoji="1" lang="en-US" altLang="zh-TW" sz="2400" i="1">
-                            <a:latin typeface="Cambria Math" charset="0"/>
-                            <a:ea typeface="Times New Roman" charset="0"/>
-                            <a:cs typeface="Times New Roman" charset="0"/>
-                          </a:rPr>
-                          <m:t>𝑡</m:t>
-                        </m:r>
-                      </m:sub>
-                    </m:sSub>
-                  </m:oMath>
-                </a14:m>
-                <a:r>
-                  <a:rPr kumimoji="1" lang="en-US" altLang="zh-TW" sz="2400" dirty="0">
-                    <a:latin typeface="Times New Roman" charset="0"/>
-                    <a:ea typeface="Times New Roman" charset="0"/>
-                    <a:cs typeface="Times New Roman" charset="0"/>
-                  </a:rPr>
-                  <a:t> : the effective area of </a:t>
-                </a:r>
-                <a:r>
-                  <a:rPr kumimoji="1" lang="en-US" altLang="zh-TW" sz="2400" dirty="0" err="1">
-                    <a:latin typeface="Times New Roman" charset="0"/>
-                    <a:ea typeface="Times New Roman" charset="0"/>
-                    <a:cs typeface="Times New Roman" charset="0"/>
-                  </a:rPr>
-                  <a:t>tx</a:t>
-                </a:r>
-                <a:r>
-                  <a:rPr kumimoji="1" lang="en-US" altLang="zh-TW" sz="2400" dirty="0">
-                    <a:latin typeface="Times New Roman" charset="0"/>
-                    <a:ea typeface="Times New Roman" charset="0"/>
-                    <a:cs typeface="Times New Roman" charset="0"/>
-                  </a:rPr>
-                  <a:t> antenna</a:t>
-                </a:r>
-                <a:endParaRPr kumimoji="1" lang="zh-TW" altLang="en-US" sz="2400" dirty="0">
-                  <a:latin typeface="Times New Roman" charset="0"/>
-                  <a:ea typeface="Times New Roman" charset="0"/>
-                  <a:cs typeface="Times New Roman" charset="0"/>
-                </a:endParaRPr>
-              </a:p>
-              <a:p>
-                <a:r>
-                  <a:rPr kumimoji="1" lang="en-US" altLang="zh-TW" sz="2400" dirty="0">
-                    <a:latin typeface="Times New Roman" charset="0"/>
-                    <a:ea typeface="Times New Roman" charset="0"/>
-                    <a:cs typeface="Times New Roman" charset="0"/>
-                  </a:rPr>
-                  <a:t>d : distance between antennas</a:t>
-                </a:r>
-              </a:p>
-              <a:p>
-                <a14:m>
-                  <m:oMath xmlns:m="http://schemas.openxmlformats.org/officeDocument/2006/math">
-                    <m:r>
-                      <a:rPr kumimoji="1" lang="en-US" altLang="zh-TW" sz="2400" i="1">
-                        <a:latin typeface="Cambria Math" charset="0"/>
-                        <a:ea typeface="Times New Roman" charset="0"/>
-                        <a:cs typeface="Times New Roman" charset="0"/>
-                      </a:rPr>
-                      <m:t>𝜆</m:t>
-                    </m:r>
-                  </m:oMath>
-                </a14:m>
-                <a:r>
-                  <a:rPr kumimoji="1" lang="en-US" altLang="zh-TW" sz="2400" dirty="0">
-                    <a:latin typeface="Times New Roman" charset="0"/>
-                    <a:ea typeface="Times New Roman" charset="0"/>
-                    <a:cs typeface="Times New Roman" charset="0"/>
-                  </a:rPr>
-                  <a:t> : wavelength</a:t>
-                </a:r>
-                <a:endParaRPr kumimoji="1" lang="zh-TW" altLang="en-US" sz="2400" dirty="0">
-                  <a:latin typeface="Times New Roman" charset="0"/>
-                  <a:ea typeface="Times New Roman" charset="0"/>
-                  <a:cs typeface="Times New Roman" charset="0"/>
-                </a:endParaRPr>
-              </a:p>
-            </p:txBody>
-          </p:sp>
-        </mc:Choice>
-        <mc:Fallback xmlns="">
-          <p:sp>
-            <p:nvSpPr>
-              <p:cNvPr id="6" name="矩形 5"/>
-              <p:cNvSpPr>
-                <a:spLocks noRot="1" noChangeAspect="1" noMove="1" noResize="1" noEditPoints="1" noAdjustHandles="1" noChangeArrowheads="1" noChangeShapeType="1" noTextEdit="1"/>
-              </p:cNvSpPr>
-              <p:nvPr/>
-            </p:nvSpPr>
-            <p:spPr>
-              <a:xfrm>
-                <a:off x="384412" y="3047627"/>
-                <a:ext cx="7583606" cy="2308324"/>
-              </a:xfrm>
-              <a:prstGeom prst="rect">
-                <a:avLst/>
-              </a:prstGeom>
-              <a:blipFill rotWithShape="0">
-                <a:blip r:embed="rId4"/>
-                <a:stretch>
-                  <a:fillRect l="-1206" t="-2111" b="-5013"/>
-                </a:stretch>
-              </a:blipFill>
-            </p:spPr>
-            <p:txBody>
-              <a:bodyPr/>
-              <a:lstStyle/>
-              <a:p>
-                <a:r>
-                  <a:rPr lang="zh-TW" altLang="en-US">
-                    <a:noFill/>
-                  </a:rPr>
-                  <a:t> </a:t>
-                </a:r>
-              </a:p>
-            </p:txBody>
-          </p:sp>
-        </mc:Fallback>
-      </mc:AlternateContent>
     </p:spTree>
     <p:extLst>
       <p:ext uri="{BB962C8B-B14F-4D97-AF65-F5344CB8AC3E}">
-        <p14:creationId xmlns:p14="http://schemas.microsoft.com/office/powerpoint/2010/main" val="1539763203"/>
+        <p14:creationId xmlns:p14="http://schemas.microsoft.com/office/powerpoint/2010/main" val="263194865"/>
       </p:ext>
     </p:extLst>
   </p:cSld>
@@ -15782,13 +18621,6 @@
       </p:transition>
     </mc:Fallback>
   </mc:AlternateContent>
-  <p:timing>
-    <p:tnLst>
-      <p:par>
-        <p:cTn id="1" dur="indefinite" restart="never" nodeType="tmRoot"/>
-      </p:par>
-    </p:tnLst>
-  </p:timing>
 </p:sld>
 </file>
 
@@ -15825,18 +18657,29 @@
           <a:lstStyle/>
           <a:p>
             <a:r>
-              <a:rPr kumimoji="1" lang="en-US" altLang="zh-TW" dirty="0" smtClean="0">
-                <a:latin typeface="Times New Roman" charset="0"/>
-                <a:ea typeface="Times New Roman" charset="0"/>
-                <a:cs typeface="Times New Roman" charset="0"/>
-              </a:rPr>
-              <a:t>Contemporary Formula</a:t>
+              <a:rPr kumimoji="1" lang="en-US" altLang="zh-TW" dirty="0" smtClean="0"/>
+              <a:t>Path Loss</a:t>
             </a:r>
-            <a:endParaRPr kumimoji="1" lang="zh-TW" altLang="en-US" dirty="0">
-              <a:latin typeface="Times New Roman" charset="0"/>
-              <a:ea typeface="Times New Roman" charset="0"/>
-              <a:cs typeface="Times New Roman" charset="0"/>
-            </a:endParaRPr>
+            <a:endParaRPr kumimoji="1" lang="zh-TW" altLang="en-US" dirty="0"/>
+          </a:p>
+        </p:txBody>
+      </p:sp>
+      <p:sp>
+        <p:nvSpPr>
+          <p:cNvPr id="3" name="內容版面配置區 2"/>
+          <p:cNvSpPr>
+            <a:spLocks noGrp="1"/>
+          </p:cNvSpPr>
+          <p:nvPr>
+            <p:ph idx="1"/>
+          </p:nvPr>
+        </p:nvSpPr>
+        <p:spPr/>
+        <p:txBody>
+          <a:bodyPr/>
+          <a:lstStyle/>
+          <a:p>
+            <a:endParaRPr kumimoji="1" lang="zh-TW" altLang="en-US"/>
           </a:p>
         </p:txBody>
       </p:sp>
@@ -15864,341 +18707,10 @@
           </a:p>
         </p:txBody>
       </p:sp>
-      <mc:AlternateContent xmlns:mc="http://schemas.openxmlformats.org/markup-compatibility/2006" xmlns:a14="http://schemas.microsoft.com/office/drawing/2010/main">
-        <mc:Choice Requires="a14">
-          <p:sp>
-            <p:nvSpPr>
-              <p:cNvPr id="7" name="內容版面配置區 6"/>
-              <p:cNvSpPr>
-                <a:spLocks noGrp="1"/>
-              </p:cNvSpPr>
-              <p:nvPr>
-                <p:ph idx="1"/>
-              </p:nvPr>
-            </p:nvSpPr>
-            <p:spPr/>
-            <p:txBody>
-              <a:bodyPr/>
-              <a:lstStyle/>
-              <a:p>
-                <a:pPr>
-                  <a:lnSpc>
-                    <a:spcPct val="150000"/>
-                  </a:lnSpc>
-                </a:pPr>
-                <a:r>
-                  <a:rPr kumimoji="1" lang="en-US" altLang="zh-TW" sz="3200" dirty="0" smtClean="0">
-                    <a:latin typeface="Times New Roman" charset="0"/>
-                    <a:ea typeface="Times New Roman" charset="0"/>
-                    <a:cs typeface="Times New Roman" charset="0"/>
-                  </a:rPr>
-                  <a:t>Few follower of </a:t>
-                </a:r>
-                <a:r>
-                  <a:rPr kumimoji="1" lang="en-US" altLang="zh-TW" sz="3200" dirty="0" err="1" smtClean="0">
-                    <a:latin typeface="Times New Roman" charset="0"/>
-                    <a:ea typeface="Times New Roman" charset="0"/>
-                    <a:cs typeface="Times New Roman" charset="0"/>
-                  </a:rPr>
-                  <a:t>Friis</a:t>
-                </a:r>
-                <a:r>
-                  <a:rPr kumimoji="1" lang="en-US" altLang="zh-TW" sz="3200" dirty="0" smtClean="0">
-                    <a:latin typeface="Times New Roman" charset="0"/>
-                    <a:ea typeface="Times New Roman" charset="0"/>
-                    <a:cs typeface="Times New Roman" charset="0"/>
-                  </a:rPr>
-                  <a:t> </a:t>
-                </a:r>
-              </a:p>
-              <a:p>
-                <a:pPr>
-                  <a:lnSpc>
-                    <a:spcPct val="150000"/>
-                  </a:lnSpc>
-                </a:pPr>
-                <a:r>
-                  <a:rPr kumimoji="1" lang="en-US" altLang="zh-TW" sz="3200" dirty="0" smtClean="0">
-                    <a:latin typeface="Times New Roman" charset="0"/>
-                    <a:ea typeface="Times New Roman" charset="0"/>
-                    <a:cs typeface="Times New Roman" charset="0"/>
-                  </a:rPr>
-                  <a:t>Replacing the effective antenna areas with directivity counterparts yields</a:t>
-                </a:r>
-              </a:p>
-              <a:p>
-                <a:pPr marL="11112" indent="0">
-                  <a:lnSpc>
-                    <a:spcPct val="150000"/>
-                  </a:lnSpc>
-                  <a:buNone/>
-                </a:pPr>
-                <a14:m>
-                  <m:oMathPara xmlns:m="http://schemas.openxmlformats.org/officeDocument/2006/math">
-                    <m:oMathParaPr>
-                      <m:jc m:val="centerGroup"/>
-                    </m:oMathParaPr>
-                    <m:oMath xmlns:m="http://schemas.openxmlformats.org/officeDocument/2006/math">
-                      <m:f>
-                        <m:fPr>
-                          <m:ctrlPr>
-                            <a:rPr kumimoji="1" lang="mr-IN" altLang="zh-TW" sz="4000" i="1">
-                              <a:latin typeface="Cambria Math" charset="0"/>
-                            </a:rPr>
-                          </m:ctrlPr>
-                        </m:fPr>
-                        <m:num>
-                          <m:sSub>
-                            <m:sSubPr>
-                              <m:ctrlPr>
-                                <a:rPr kumimoji="1" lang="en-US" altLang="zh-TW" sz="4000" i="1">
-                                  <a:latin typeface="Cambria Math" charset="0"/>
-                                </a:rPr>
-                              </m:ctrlPr>
-                            </m:sSubPr>
-                            <m:e>
-                              <m:r>
-                                <a:rPr kumimoji="1" lang="en-US" altLang="zh-TW" sz="4000" i="1">
-                                  <a:latin typeface="Cambria Math" charset="0"/>
-                                </a:rPr>
-                                <m:t>𝑃</m:t>
-                              </m:r>
-                            </m:e>
-                            <m:sub>
-                              <m:r>
-                                <a:rPr kumimoji="1" lang="en-US" altLang="zh-TW" sz="4000" i="1">
-                                  <a:latin typeface="Cambria Math" charset="0"/>
-                                </a:rPr>
-                                <m:t>𝑟</m:t>
-                              </m:r>
-                            </m:sub>
-                          </m:sSub>
-                        </m:num>
-                        <m:den>
-                          <m:sSub>
-                            <m:sSubPr>
-                              <m:ctrlPr>
-                                <a:rPr kumimoji="1" lang="en-US" altLang="zh-TW" sz="4000" i="1">
-                                  <a:latin typeface="Cambria Math" charset="0"/>
-                                </a:rPr>
-                              </m:ctrlPr>
-                            </m:sSubPr>
-                            <m:e>
-                              <m:r>
-                                <a:rPr kumimoji="1" lang="en-US" altLang="zh-TW" sz="4000" i="1">
-                                  <a:latin typeface="Cambria Math" charset="0"/>
-                                </a:rPr>
-                                <m:t>𝑃</m:t>
-                              </m:r>
-                            </m:e>
-                            <m:sub>
-                              <m:r>
-                                <a:rPr kumimoji="1" lang="en-US" altLang="zh-TW" sz="4000" i="1">
-                                  <a:latin typeface="Cambria Math" charset="0"/>
-                                </a:rPr>
-                                <m:t>𝑡</m:t>
-                              </m:r>
-                            </m:sub>
-                          </m:sSub>
-                        </m:den>
-                      </m:f>
-                      <m:r>
-                        <a:rPr kumimoji="1" lang="en-US" altLang="zh-TW" sz="4000" i="1">
-                          <a:latin typeface="Cambria Math" charset="0"/>
-                        </a:rPr>
-                        <m:t>=</m:t>
-                      </m:r>
-                      <m:sSub>
-                        <m:sSubPr>
-                          <m:ctrlPr>
-                            <a:rPr kumimoji="1" lang="en-US" altLang="zh-TW" sz="4000" i="1">
-                              <a:latin typeface="Cambria Math" charset="0"/>
-                            </a:rPr>
-                          </m:ctrlPr>
-                        </m:sSubPr>
-                        <m:e>
-                          <m:r>
-                            <a:rPr kumimoji="1" lang="en-US" altLang="zh-TW" sz="4000" b="0" i="1" smtClean="0">
-                              <a:latin typeface="Cambria Math" charset="0"/>
-                            </a:rPr>
-                            <m:t>𝐷</m:t>
-                          </m:r>
-                        </m:e>
-                        <m:sub>
-                          <m:r>
-                            <a:rPr kumimoji="1" lang="en-US" altLang="zh-TW" sz="4000" i="1">
-                              <a:latin typeface="Cambria Math" charset="0"/>
-                            </a:rPr>
-                            <m:t>𝑡</m:t>
-                          </m:r>
-                        </m:sub>
-                      </m:sSub>
-                      <m:sSub>
-                        <m:sSubPr>
-                          <m:ctrlPr>
-                            <a:rPr kumimoji="1" lang="en-US" altLang="zh-TW" sz="4000" i="1">
-                              <a:latin typeface="Cambria Math" charset="0"/>
-                            </a:rPr>
-                          </m:ctrlPr>
-                        </m:sSubPr>
-                        <m:e>
-                          <m:r>
-                            <a:rPr kumimoji="1" lang="en-US" altLang="zh-TW" sz="4000" b="0" i="1" smtClean="0">
-                              <a:latin typeface="Cambria Math" charset="0"/>
-                            </a:rPr>
-                            <m:t>𝐷</m:t>
-                          </m:r>
-                        </m:e>
-                        <m:sub>
-                          <m:r>
-                            <a:rPr kumimoji="1" lang="en-US" altLang="zh-TW" sz="4000" b="0" i="1" smtClean="0">
-                              <a:latin typeface="Cambria Math" charset="0"/>
-                            </a:rPr>
-                            <m:t>𝑟</m:t>
-                          </m:r>
-                        </m:sub>
-                      </m:sSub>
-                      <m:sSup>
-                        <m:sSupPr>
-                          <m:ctrlPr>
-                            <a:rPr kumimoji="1" lang="en-US" altLang="zh-TW" sz="4000" i="1" smtClean="0">
-                              <a:latin typeface="Cambria Math" charset="0"/>
-                            </a:rPr>
-                          </m:ctrlPr>
-                        </m:sSupPr>
-                        <m:e>
-                          <m:r>
-                            <a:rPr kumimoji="1" lang="en-US" altLang="zh-TW" sz="4000" b="0" i="1" smtClean="0">
-                              <a:latin typeface="Cambria Math" charset="0"/>
-                            </a:rPr>
-                            <m:t>(</m:t>
-                          </m:r>
-                          <m:f>
-                            <m:fPr>
-                              <m:ctrlPr>
-                                <a:rPr kumimoji="1" lang="mr-IN" altLang="zh-TW" sz="4000" i="1">
-                                  <a:latin typeface="Cambria Math" charset="0"/>
-                                </a:rPr>
-                              </m:ctrlPr>
-                            </m:fPr>
-                            <m:num>
-                              <m:r>
-                                <a:rPr kumimoji="1" lang="en-US" altLang="zh-TW" sz="4000" i="1">
-                                  <a:latin typeface="Cambria Math" charset="0"/>
-                                  <a:ea typeface="Cambria Math" charset="0"/>
-                                  <a:cs typeface="Cambria Math" charset="0"/>
-                                </a:rPr>
-                                <m:t>𝜆</m:t>
-                              </m:r>
-                            </m:num>
-                            <m:den>
-                              <m:r>
-                                <a:rPr kumimoji="1" lang="en-US" altLang="zh-TW" sz="4000" i="1" smtClean="0">
-                                  <a:solidFill>
-                                    <a:schemeClr val="tx1"/>
-                                  </a:solidFill>
-                                  <a:latin typeface="Cambria Math" charset="0"/>
-                                </a:rPr>
-                                <m:t>4</m:t>
-                              </m:r>
-                              <m:r>
-                                <a:rPr kumimoji="1" lang="en-US" altLang="zh-TW" sz="4000" i="1">
-                                  <a:solidFill>
-                                    <a:schemeClr val="tx1"/>
-                                  </a:solidFill>
-                                  <a:latin typeface="Cambria Math" charset="0"/>
-                                  <a:ea typeface="Cambria Math" charset="0"/>
-                                  <a:cs typeface="Cambria Math" charset="0"/>
-                                </a:rPr>
-                                <m:t>𝜋</m:t>
-                              </m:r>
-                              <m:r>
-                                <a:rPr kumimoji="1" lang="en-US" altLang="zh-TW" sz="4000" i="1">
-                                  <a:solidFill>
-                                    <a:schemeClr val="tx1"/>
-                                  </a:solidFill>
-                                  <a:latin typeface="Cambria Math" charset="0"/>
-                                  <a:ea typeface="Cambria Math" charset="0"/>
-                                  <a:cs typeface="Cambria Math" charset="0"/>
-                                </a:rPr>
-                                <m:t>𝑑</m:t>
-                              </m:r>
-                            </m:den>
-                          </m:f>
-                          <m:r>
-                            <a:rPr kumimoji="1" lang="en-US" altLang="zh-TW" sz="4000" b="0" i="1" smtClean="0">
-                              <a:latin typeface="Cambria Math" charset="0"/>
-                            </a:rPr>
-                            <m:t>)</m:t>
-                          </m:r>
-                        </m:e>
-                        <m:sup>
-                          <m:r>
-                            <a:rPr kumimoji="1" lang="en-US" altLang="zh-TW" sz="4000" b="0" i="1" smtClean="0">
-                              <a:latin typeface="Cambria Math" charset="0"/>
-                            </a:rPr>
-                            <m:t>2</m:t>
-                          </m:r>
-                        </m:sup>
-                      </m:sSup>
-                    </m:oMath>
-                  </m:oMathPara>
-                </a14:m>
-                <a:endParaRPr kumimoji="1" lang="en-US" altLang="zh-TW" sz="4000" dirty="0"/>
-              </a:p>
-              <a:p>
-                <a:pPr>
-                  <a:lnSpc>
-                    <a:spcPct val="150000"/>
-                  </a:lnSpc>
-                </a:pPr>
-                <a:endParaRPr kumimoji="1" lang="zh-TW" altLang="en-US" sz="3200" dirty="0">
-                  <a:latin typeface="Times New Roman" charset="0"/>
-                  <a:ea typeface="Times New Roman" charset="0"/>
-                  <a:cs typeface="Times New Roman" charset="0"/>
-                </a:endParaRPr>
-              </a:p>
-            </p:txBody>
-          </p:sp>
-        </mc:Choice>
-        <mc:Fallback xmlns="">
-          <p:sp>
-            <p:nvSpPr>
-              <p:cNvPr id="7" name="內容版面配置區 6"/>
-              <p:cNvSpPr>
-                <a:spLocks noGrp="1" noRot="1" noChangeAspect="1" noMove="1" noResize="1" noEditPoints="1" noAdjustHandles="1" noChangeArrowheads="1" noChangeShapeType="1" noTextEdit="1"/>
-              </p:cNvSpPr>
-              <p:nvPr>
-                <p:ph idx="1"/>
-              </p:nvPr>
-            </p:nvSpPr>
-            <p:spPr>
-              <a:blipFill rotWithShape="0">
-                <a:blip r:embed="rId3"/>
-                <a:stretch>
-                  <a:fillRect l="-1217" r="-847"/>
-                </a:stretch>
-              </a:blipFill>
-            </p:spPr>
-            <p:txBody>
-              <a:bodyPr/>
-              <a:lstStyle/>
-              <a:p>
-                <a:r>
-                  <a:rPr lang="zh-TW" altLang="en-US">
-                    <a:noFill/>
-                  </a:rPr>
-                  <a:t> </a:t>
-                </a:r>
-              </a:p>
-            </p:txBody>
-          </p:sp>
-        </mc:Fallback>
-      </mc:AlternateContent>
     </p:spTree>
     <p:extLst>
       <p:ext uri="{BB962C8B-B14F-4D97-AF65-F5344CB8AC3E}">
-        <p14:creationId xmlns:p14="http://schemas.microsoft.com/office/powerpoint/2010/main" val="22115708"/>
+        <p14:creationId xmlns:p14="http://schemas.microsoft.com/office/powerpoint/2010/main" val="596092803"/>
       </p:ext>
     </p:extLst>
   </p:cSld>
@@ -16217,13 +18729,6 @@
       </p:transition>
     </mc:Fallback>
   </mc:AlternateContent>
-  <p:timing>
-    <p:tnLst>
-      <p:par>
-        <p:cTn id="1" dur="indefinite" restart="never" nodeType="tmRoot"/>
-      </p:par>
-    </p:tnLst>
-  </p:timing>
 </p:sld>
 </file>
 

--- a/Freshman_Training.pptx
+++ b/Freshman_Training.pptx
@@ -258,7 +258,7 @@
           <a:p>
             <a:fld id="{D417A10C-87C9-49E5-AE05-110105D8C539}" type="datetimeFigureOut">
               <a:rPr lang="zh-TW" altLang="en-US" smtClean="0"/>
-              <a:t>2018/7/4</a:t>
+              <a:t>2018/7/5</a:t>
             </a:fld>
             <a:endParaRPr lang="zh-TW" altLang="en-US"/>
           </a:p>
@@ -639,8 +639,8 @@
         </p:nvSpPr>
         <p:spPr/>
       </p:sp>
-      <mc:AlternateContent xmlns:mc="http://schemas.openxmlformats.org/markup-compatibility/2006">
-        <mc:Choice xmlns:a14="http://schemas.microsoft.com/office/drawing/2010/main" Requires="a14">
+      <mc:AlternateContent xmlns:mc="http://schemas.openxmlformats.org/markup-compatibility/2006" xmlns:a14="http://schemas.microsoft.com/office/drawing/2010/main">
+        <mc:Choice Requires="a14">
           <p:sp>
             <p:nvSpPr>
               <p:cNvPr id="3" name="備忘稿版面配置區 2"/>
@@ -662,11 +662,7 @@
                 </a:r>
                 <a:r>
                   <a:rPr kumimoji="1" lang="en-US" altLang="zh-TW" baseline="0" dirty="0" smtClean="0"/>
-                  <a:t> FFT -&gt; freq</a:t>
-                </a:r>
-                <a:r>
-                  <a:rPr kumimoji="1" lang="en-US" altLang="zh-TW" baseline="0" dirty="0" smtClean="0"/>
-                  <a:t>.     </a:t>
+                  <a:t> FFT -&gt; freq.     </a:t>
                 </a:r>
                 <a14:m>
                   <m:oMath xmlns:m="http://schemas.openxmlformats.org/officeDocument/2006/math">
@@ -712,7 +708,7 @@
             </p:txBody>
           </p:sp>
         </mc:Choice>
-        <mc:Fallback>
+        <mc:Fallback xmlns="">
           <p:sp>
             <p:nvSpPr>
               <p:cNvPr id="3" name="備忘稿版面配置區 2"/>
@@ -830,8 +826,8 @@
         </p:nvSpPr>
         <p:spPr/>
       </p:sp>
-      <mc:AlternateContent xmlns:mc="http://schemas.openxmlformats.org/markup-compatibility/2006">
-        <mc:Choice xmlns:a14="http://schemas.microsoft.com/office/drawing/2010/main" Requires="a14">
+      <mc:AlternateContent xmlns:mc="http://schemas.openxmlformats.org/markup-compatibility/2006" xmlns:a14="http://schemas.microsoft.com/office/drawing/2010/main">
+        <mc:Choice Requires="a14">
           <p:sp>
             <p:nvSpPr>
               <p:cNvPr id="3" name="備忘稿版面配置區 2"/>
@@ -853,11 +849,7 @@
                 </a:r>
                 <a:r>
                   <a:rPr kumimoji="1" lang="en-US" altLang="zh-TW" baseline="0" dirty="0" smtClean="0"/>
-                  <a:t> FFT -&gt; freq</a:t>
-                </a:r>
-                <a:r>
-                  <a:rPr kumimoji="1" lang="en-US" altLang="zh-TW" baseline="0" dirty="0" smtClean="0"/>
-                  <a:t>.     </a:t>
+                  <a:t> FFT -&gt; freq.     </a:t>
                 </a:r>
                 <a14:m>
                   <m:oMath xmlns:m="http://schemas.openxmlformats.org/officeDocument/2006/math">
@@ -903,7 +895,7 @@
             </p:txBody>
           </p:sp>
         </mc:Choice>
-        <mc:Fallback>
+        <mc:Fallback xmlns="">
           <p:sp>
             <p:nvSpPr>
               <p:cNvPr id="3" name="備忘稿版面配置區 2"/>
@@ -1696,7 +1688,7 @@
           <p:cNvPr id="20" name="Group 19">
             <a:extLst>
               <a:ext uri="{FF2B5EF4-FFF2-40B4-BE49-F238E27FC236}">
-                <a16:creationId xmlns:a16="http://schemas.microsoft.com/office/drawing/2014/main" xmlns="" id="{C3ED851A-5624-9445-94A3-FC256390EFF0}"/>
+                <a16:creationId xmlns="" xmlns:a16="http://schemas.microsoft.com/office/drawing/2014/main" id="{C3ED851A-5624-9445-94A3-FC256390EFF0}"/>
               </a:ext>
             </a:extLst>
           </p:cNvPr>
@@ -1716,7 +1708,7 @@
             <p:cNvPr id="21" name="箭號: 五邊形 12">
               <a:extLst>
                 <a:ext uri="{FF2B5EF4-FFF2-40B4-BE49-F238E27FC236}">
-                  <a16:creationId xmlns:a16="http://schemas.microsoft.com/office/drawing/2014/main" xmlns="" id="{7DED8486-E1FD-814E-B2DE-F488A3CEA671}"/>
+                  <a16:creationId xmlns="" xmlns:a16="http://schemas.microsoft.com/office/drawing/2014/main" id="{7DED8486-E1FD-814E-B2DE-F488A3CEA671}"/>
                 </a:ext>
               </a:extLst>
             </p:cNvPr>
@@ -1768,7 +1760,7 @@
             <p:cNvPr id="23" name="箭號: 五邊形 12">
               <a:extLst>
                 <a:ext uri="{FF2B5EF4-FFF2-40B4-BE49-F238E27FC236}">
-                  <a16:creationId xmlns:a16="http://schemas.microsoft.com/office/drawing/2014/main" xmlns="" id="{8C392F49-5181-FA4B-9412-A387B34C316C}"/>
+                  <a16:creationId xmlns="" xmlns:a16="http://schemas.microsoft.com/office/drawing/2014/main" id="{8C392F49-5181-FA4B-9412-A387B34C316C}"/>
                 </a:ext>
               </a:extLst>
             </p:cNvPr>
@@ -1827,7 +1819,7 @@
             <p:cNvPr id="26" name="箭號: 五邊形 12">
               <a:extLst>
                 <a:ext uri="{FF2B5EF4-FFF2-40B4-BE49-F238E27FC236}">
-                  <a16:creationId xmlns:a16="http://schemas.microsoft.com/office/drawing/2014/main" xmlns="" id="{A2A2AEE9-8884-2D45-AA3A-3CE8B669A441}"/>
+                  <a16:creationId xmlns="" xmlns:a16="http://schemas.microsoft.com/office/drawing/2014/main" id="{A2A2AEE9-8884-2D45-AA3A-3CE8B669A441}"/>
                 </a:ext>
               </a:extLst>
             </p:cNvPr>
@@ -2256,7 +2248,7 @@
           <p:cNvPr id="34" name="Text Placeholder 3">
             <a:extLst>
               <a:ext uri="{FF2B5EF4-FFF2-40B4-BE49-F238E27FC236}">
-                <a16:creationId xmlns:a16="http://schemas.microsoft.com/office/drawing/2014/main" xmlns="" id="{CB4F27FF-A5B2-0945-A886-8994C9CF0F9A}"/>
+                <a16:creationId xmlns="" xmlns:a16="http://schemas.microsoft.com/office/drawing/2014/main" id="{CB4F27FF-A5B2-0945-A886-8994C9CF0F9A}"/>
               </a:ext>
             </a:extLst>
           </p:cNvPr>
@@ -2310,7 +2302,7 @@
           <p:cNvPr id="35" name="Content Placeholder 5">
             <a:extLst>
               <a:ext uri="{FF2B5EF4-FFF2-40B4-BE49-F238E27FC236}">
-                <a16:creationId xmlns:a16="http://schemas.microsoft.com/office/drawing/2014/main" xmlns="" id="{1CE5651F-F4F6-9D45-A553-66B6FFCA522B}"/>
+                <a16:creationId xmlns="" xmlns:a16="http://schemas.microsoft.com/office/drawing/2014/main" id="{1CE5651F-F4F6-9D45-A553-66B6FFCA522B}"/>
               </a:ext>
             </a:extLst>
           </p:cNvPr>
@@ -2358,7 +2350,7 @@
           <p:cNvPr id="6" name="Picture 5">
             <a:extLst>
               <a:ext uri="{FF2B5EF4-FFF2-40B4-BE49-F238E27FC236}">
-                <a16:creationId xmlns:a16="http://schemas.microsoft.com/office/drawing/2014/main" xmlns="" id="{5BB22815-3E3B-0B48-9DCA-B05C2D5B9D70}"/>
+                <a16:creationId xmlns="" xmlns:a16="http://schemas.microsoft.com/office/drawing/2014/main" id="{5BB22815-3E3B-0B48-9DCA-B05C2D5B9D70}"/>
               </a:ext>
             </a:extLst>
           </p:cNvPr>
@@ -3460,7 +3452,7 @@
           <p:cNvPr id="15" name="直排文字版面配置區 2">
             <a:extLst>
               <a:ext uri="{FF2B5EF4-FFF2-40B4-BE49-F238E27FC236}">
-                <a16:creationId xmlns:a16="http://schemas.microsoft.com/office/drawing/2014/main" xmlns="" id="{5B0754CD-A593-D647-8F43-33A88CDADB61}"/>
+                <a16:creationId xmlns="" xmlns:a16="http://schemas.microsoft.com/office/drawing/2014/main" id="{5B0754CD-A593-D647-8F43-33A88CDADB61}"/>
               </a:ext>
             </a:extLst>
           </p:cNvPr>
@@ -3670,7 +3662,7 @@
           <p:cNvPr id="20" name="Group 19">
             <a:extLst>
               <a:ext uri="{FF2B5EF4-FFF2-40B4-BE49-F238E27FC236}">
-                <a16:creationId xmlns:a16="http://schemas.microsoft.com/office/drawing/2014/main" xmlns="" id="{C3ED851A-5624-9445-94A3-FC256390EFF0}"/>
+                <a16:creationId xmlns="" xmlns:a16="http://schemas.microsoft.com/office/drawing/2014/main" id="{C3ED851A-5624-9445-94A3-FC256390EFF0}"/>
               </a:ext>
             </a:extLst>
           </p:cNvPr>
@@ -3690,7 +3682,7 @@
             <p:cNvPr id="21" name="箭號: 五邊形 12">
               <a:extLst>
                 <a:ext uri="{FF2B5EF4-FFF2-40B4-BE49-F238E27FC236}">
-                  <a16:creationId xmlns:a16="http://schemas.microsoft.com/office/drawing/2014/main" xmlns="" id="{7DED8486-E1FD-814E-B2DE-F488A3CEA671}"/>
+                  <a16:creationId xmlns="" xmlns:a16="http://schemas.microsoft.com/office/drawing/2014/main" id="{7DED8486-E1FD-814E-B2DE-F488A3CEA671}"/>
                 </a:ext>
               </a:extLst>
             </p:cNvPr>
@@ -3742,7 +3734,7 @@
             <p:cNvPr id="23" name="箭號: 五邊形 12">
               <a:extLst>
                 <a:ext uri="{FF2B5EF4-FFF2-40B4-BE49-F238E27FC236}">
-                  <a16:creationId xmlns:a16="http://schemas.microsoft.com/office/drawing/2014/main" xmlns="" id="{8C392F49-5181-FA4B-9412-A387B34C316C}"/>
+                  <a16:creationId xmlns="" xmlns:a16="http://schemas.microsoft.com/office/drawing/2014/main" id="{8C392F49-5181-FA4B-9412-A387B34C316C}"/>
                 </a:ext>
               </a:extLst>
             </p:cNvPr>
@@ -3801,7 +3793,7 @@
             <p:cNvPr id="26" name="箭號: 五邊形 12">
               <a:extLst>
                 <a:ext uri="{FF2B5EF4-FFF2-40B4-BE49-F238E27FC236}">
-                  <a16:creationId xmlns:a16="http://schemas.microsoft.com/office/drawing/2014/main" xmlns="" id="{A2A2AEE9-8884-2D45-AA3A-3CE8B669A441}"/>
+                  <a16:creationId xmlns="" xmlns:a16="http://schemas.microsoft.com/office/drawing/2014/main" id="{A2A2AEE9-8884-2D45-AA3A-3CE8B669A441}"/>
                 </a:ext>
               </a:extLst>
             </p:cNvPr>
@@ -4230,7 +4222,7 @@
           <p:cNvPr id="34" name="Text Placeholder 3">
             <a:extLst>
               <a:ext uri="{FF2B5EF4-FFF2-40B4-BE49-F238E27FC236}">
-                <a16:creationId xmlns:a16="http://schemas.microsoft.com/office/drawing/2014/main" xmlns="" id="{CB4F27FF-A5B2-0945-A886-8994C9CF0F9A}"/>
+                <a16:creationId xmlns="" xmlns:a16="http://schemas.microsoft.com/office/drawing/2014/main" id="{CB4F27FF-A5B2-0945-A886-8994C9CF0F9A}"/>
               </a:ext>
             </a:extLst>
           </p:cNvPr>
@@ -4284,7 +4276,7 @@
           <p:cNvPr id="35" name="Content Placeholder 5">
             <a:extLst>
               <a:ext uri="{FF2B5EF4-FFF2-40B4-BE49-F238E27FC236}">
-                <a16:creationId xmlns:a16="http://schemas.microsoft.com/office/drawing/2014/main" xmlns="" id="{1CE5651F-F4F6-9D45-A553-66B6FFCA522B}"/>
+                <a16:creationId xmlns="" xmlns:a16="http://schemas.microsoft.com/office/drawing/2014/main" id="{1CE5651F-F4F6-9D45-A553-66B6FFCA522B}"/>
               </a:ext>
             </a:extLst>
           </p:cNvPr>
@@ -4332,7 +4324,7 @@
           <p:cNvPr id="6" name="Picture 5">
             <a:extLst>
               <a:ext uri="{FF2B5EF4-FFF2-40B4-BE49-F238E27FC236}">
-                <a16:creationId xmlns:a16="http://schemas.microsoft.com/office/drawing/2014/main" xmlns="" id="{5BB22815-3E3B-0B48-9DCA-B05C2D5B9D70}"/>
+                <a16:creationId xmlns="" xmlns:a16="http://schemas.microsoft.com/office/drawing/2014/main" id="{5BB22815-3E3B-0B48-9DCA-B05C2D5B9D70}"/>
               </a:ext>
             </a:extLst>
           </p:cNvPr>
@@ -5044,7 +5036,7 @@
           <p:cNvPr id="12" name="Group 11">
             <a:extLst>
               <a:ext uri="{FF2B5EF4-FFF2-40B4-BE49-F238E27FC236}">
-                <a16:creationId xmlns:a16="http://schemas.microsoft.com/office/drawing/2014/main" xmlns="" id="{FECCA331-FFA6-F840-9C60-BF25ACF3BDB5}"/>
+                <a16:creationId xmlns="" xmlns:a16="http://schemas.microsoft.com/office/drawing/2014/main" id="{FECCA331-FFA6-F840-9C60-BF25ACF3BDB5}"/>
               </a:ext>
             </a:extLst>
           </p:cNvPr>
@@ -5064,7 +5056,7 @@
             <p:cNvPr id="13" name="箭號: 五邊形 12">
               <a:extLst>
                 <a:ext uri="{FF2B5EF4-FFF2-40B4-BE49-F238E27FC236}">
-                  <a16:creationId xmlns:a16="http://schemas.microsoft.com/office/drawing/2014/main" xmlns="" id="{1ECC6466-4EFD-5345-BC17-67AB57731DB7}"/>
+                  <a16:creationId xmlns="" xmlns:a16="http://schemas.microsoft.com/office/drawing/2014/main" id="{1ECC6466-4EFD-5345-BC17-67AB57731DB7}"/>
                 </a:ext>
               </a:extLst>
             </p:cNvPr>
@@ -5116,7 +5108,7 @@
             <p:cNvPr id="14" name="箭號: 五邊形 12">
               <a:extLst>
                 <a:ext uri="{FF2B5EF4-FFF2-40B4-BE49-F238E27FC236}">
-                  <a16:creationId xmlns:a16="http://schemas.microsoft.com/office/drawing/2014/main" xmlns="" id="{6CF55724-0A99-E64A-AB4C-0938CB62E153}"/>
+                  <a16:creationId xmlns="" xmlns:a16="http://schemas.microsoft.com/office/drawing/2014/main" id="{6CF55724-0A99-E64A-AB4C-0938CB62E153}"/>
                 </a:ext>
               </a:extLst>
             </p:cNvPr>
@@ -5175,7 +5167,7 @@
             <p:cNvPr id="15" name="箭號: 五邊形 12">
               <a:extLst>
                 <a:ext uri="{FF2B5EF4-FFF2-40B4-BE49-F238E27FC236}">
-                  <a16:creationId xmlns:a16="http://schemas.microsoft.com/office/drawing/2014/main" xmlns="" id="{D65D1FB8-4CF4-8B4A-A307-6F7F618C0D88}"/>
+                  <a16:creationId xmlns="" xmlns:a16="http://schemas.microsoft.com/office/drawing/2014/main" id="{D65D1FB8-4CF4-8B4A-A307-6F7F618C0D88}"/>
                 </a:ext>
               </a:extLst>
             </p:cNvPr>
@@ -5484,7 +5476,7 @@
           <p:cNvPr id="5" name="Picture 4">
             <a:extLst>
               <a:ext uri="{FF2B5EF4-FFF2-40B4-BE49-F238E27FC236}">
-                <a16:creationId xmlns:a16="http://schemas.microsoft.com/office/drawing/2014/main" xmlns="" id="{33C27645-19DC-4542-810A-E94761D6E227}"/>
+                <a16:creationId xmlns="" xmlns:a16="http://schemas.microsoft.com/office/drawing/2014/main" id="{33C27645-19DC-4542-810A-E94761D6E227}"/>
               </a:ext>
             </a:extLst>
           </p:cNvPr>
@@ -5983,7 +5975,7 @@
           <p:cNvPr id="23" name="內容版面配置區 2">
             <a:extLst>
               <a:ext uri="{FF2B5EF4-FFF2-40B4-BE49-F238E27FC236}">
-                <a16:creationId xmlns:a16="http://schemas.microsoft.com/office/drawing/2014/main" xmlns="" id="{9D1178A4-A62F-AE47-B4FD-DFBDEBC0B7E1}"/>
+                <a16:creationId xmlns="" xmlns:a16="http://schemas.microsoft.com/office/drawing/2014/main" id="{9D1178A4-A62F-AE47-B4FD-DFBDEBC0B7E1}"/>
               </a:ext>
             </a:extLst>
           </p:cNvPr>
@@ -6130,7 +6122,7 @@
           <p:cNvPr id="24" name="內容版面配置區 2">
             <a:extLst>
               <a:ext uri="{FF2B5EF4-FFF2-40B4-BE49-F238E27FC236}">
-                <a16:creationId xmlns:a16="http://schemas.microsoft.com/office/drawing/2014/main" xmlns="" id="{18BDE748-AF06-9848-B53D-40087470A386}"/>
+                <a16:creationId xmlns="" xmlns:a16="http://schemas.microsoft.com/office/drawing/2014/main" id="{18BDE748-AF06-9848-B53D-40087470A386}"/>
               </a:ext>
             </a:extLst>
           </p:cNvPr>
@@ -6881,7 +6873,7 @@
           <p:cNvPr id="20" name="內容版面配置區 2">
             <a:extLst>
               <a:ext uri="{FF2B5EF4-FFF2-40B4-BE49-F238E27FC236}">
-                <a16:creationId xmlns:a16="http://schemas.microsoft.com/office/drawing/2014/main" xmlns="" id="{9A4A12A5-18A4-CA4A-8E68-97EAFD19927B}"/>
+                <a16:creationId xmlns="" xmlns:a16="http://schemas.microsoft.com/office/drawing/2014/main" id="{9A4A12A5-18A4-CA4A-8E68-97EAFD19927B}"/>
               </a:ext>
             </a:extLst>
           </p:cNvPr>
@@ -7028,7 +7020,7 @@
           <p:cNvPr id="21" name="內容版面配置區 2">
             <a:extLst>
               <a:ext uri="{FF2B5EF4-FFF2-40B4-BE49-F238E27FC236}">
-                <a16:creationId xmlns:a16="http://schemas.microsoft.com/office/drawing/2014/main" xmlns="" id="{E09B3CAD-22B9-BC48-9D7D-2345FF14DD38}"/>
+                <a16:creationId xmlns="" xmlns:a16="http://schemas.microsoft.com/office/drawing/2014/main" id="{E09B3CAD-22B9-BC48-9D7D-2345FF14DD38}"/>
               </a:ext>
             </a:extLst>
           </p:cNvPr>
@@ -7945,7 +7937,7 @@
           <p:cNvPr id="5" name="Group 4">
             <a:extLst>
               <a:ext uri="{FF2B5EF4-FFF2-40B4-BE49-F238E27FC236}">
-                <a16:creationId xmlns:a16="http://schemas.microsoft.com/office/drawing/2014/main" xmlns="" id="{4DADA6C2-E637-F642-95E5-0309E3EB9F41}"/>
+                <a16:creationId xmlns="" xmlns:a16="http://schemas.microsoft.com/office/drawing/2014/main" id="{4DADA6C2-E637-F642-95E5-0309E3EB9F41}"/>
               </a:ext>
             </a:extLst>
           </p:cNvPr>
@@ -7965,7 +7957,7 @@
             <p:cNvPr id="17" name="箭號: 五邊形 12">
               <a:extLst>
                 <a:ext uri="{FF2B5EF4-FFF2-40B4-BE49-F238E27FC236}">
-                  <a16:creationId xmlns:a16="http://schemas.microsoft.com/office/drawing/2014/main" xmlns="" id="{C3424005-2947-5749-B94D-7EE01D59B97D}"/>
+                  <a16:creationId xmlns="" xmlns:a16="http://schemas.microsoft.com/office/drawing/2014/main" id="{C3424005-2947-5749-B94D-7EE01D59B97D}"/>
                 </a:ext>
               </a:extLst>
             </p:cNvPr>
@@ -8017,7 +8009,7 @@
             <p:cNvPr id="16" name="箭號: 五邊形 12">
               <a:extLst>
                 <a:ext uri="{FF2B5EF4-FFF2-40B4-BE49-F238E27FC236}">
-                  <a16:creationId xmlns:a16="http://schemas.microsoft.com/office/drawing/2014/main" xmlns="" id="{78B68587-E393-9C46-A4CA-137BCC2B13AD}"/>
+                  <a16:creationId xmlns="" xmlns:a16="http://schemas.microsoft.com/office/drawing/2014/main" id="{78B68587-E393-9C46-A4CA-137BCC2B13AD}"/>
                 </a:ext>
               </a:extLst>
             </p:cNvPr>
@@ -8485,7 +8477,7 @@
           <p:cNvPr id="18" name="內容版面配置區 2">
             <a:extLst>
               <a:ext uri="{FF2B5EF4-FFF2-40B4-BE49-F238E27FC236}">
-                <a16:creationId xmlns:a16="http://schemas.microsoft.com/office/drawing/2014/main" xmlns="" id="{BB9680E6-3D9F-FF42-BA19-F206A773FE60}"/>
+                <a16:creationId xmlns="" xmlns:a16="http://schemas.microsoft.com/office/drawing/2014/main" id="{BB9680E6-3D9F-FF42-BA19-F206A773FE60}"/>
               </a:ext>
             </a:extLst>
           </p:cNvPr>
@@ -8670,7 +8662,7 @@
           <p:cNvPr id="15" name="Group 14">
             <a:extLst>
               <a:ext uri="{FF2B5EF4-FFF2-40B4-BE49-F238E27FC236}">
-                <a16:creationId xmlns:a16="http://schemas.microsoft.com/office/drawing/2014/main" xmlns="" id="{7108562A-19D8-3347-A5CB-8FD2094D2AC6}"/>
+                <a16:creationId xmlns="" xmlns:a16="http://schemas.microsoft.com/office/drawing/2014/main" id="{7108562A-19D8-3347-A5CB-8FD2094D2AC6}"/>
               </a:ext>
             </a:extLst>
           </p:cNvPr>
@@ -8690,7 +8682,7 @@
             <p:cNvPr id="16" name="箭號: 五邊形 12">
               <a:extLst>
                 <a:ext uri="{FF2B5EF4-FFF2-40B4-BE49-F238E27FC236}">
-                  <a16:creationId xmlns:a16="http://schemas.microsoft.com/office/drawing/2014/main" xmlns="" id="{0350FA7D-8512-F24E-9F36-7F4296D197F2}"/>
+                  <a16:creationId xmlns="" xmlns:a16="http://schemas.microsoft.com/office/drawing/2014/main" id="{0350FA7D-8512-F24E-9F36-7F4296D197F2}"/>
                 </a:ext>
               </a:extLst>
             </p:cNvPr>
@@ -8742,7 +8734,7 @@
             <p:cNvPr id="17" name="箭號: 五邊形 12">
               <a:extLst>
                 <a:ext uri="{FF2B5EF4-FFF2-40B4-BE49-F238E27FC236}">
-                  <a16:creationId xmlns:a16="http://schemas.microsoft.com/office/drawing/2014/main" xmlns="" id="{125DE2BA-1E8B-2447-AEBE-4BDB2873316E}"/>
+                  <a16:creationId xmlns="" xmlns:a16="http://schemas.microsoft.com/office/drawing/2014/main" id="{125DE2BA-1E8B-2447-AEBE-4BDB2873316E}"/>
                 </a:ext>
               </a:extLst>
             </p:cNvPr>
@@ -8801,7 +8793,7 @@
             <p:cNvPr id="18" name="箭號: 五邊形 12">
               <a:extLst>
                 <a:ext uri="{FF2B5EF4-FFF2-40B4-BE49-F238E27FC236}">
-                  <a16:creationId xmlns:a16="http://schemas.microsoft.com/office/drawing/2014/main" xmlns="" id="{467877CF-B77C-BE4F-8D6F-89063BBFC3DE}"/>
+                  <a16:creationId xmlns="" xmlns:a16="http://schemas.microsoft.com/office/drawing/2014/main" id="{467877CF-B77C-BE4F-8D6F-89063BBFC3DE}"/>
                 </a:ext>
               </a:extLst>
             </p:cNvPr>
@@ -9164,7 +9156,7 @@
           <p:cNvPr id="22" name="標題 1">
             <a:extLst>
               <a:ext uri="{FF2B5EF4-FFF2-40B4-BE49-F238E27FC236}">
-                <a16:creationId xmlns:a16="http://schemas.microsoft.com/office/drawing/2014/main" xmlns="" id="{6E193196-9107-784C-A964-C67153D060CB}"/>
+                <a16:creationId xmlns="" xmlns:a16="http://schemas.microsoft.com/office/drawing/2014/main" id="{6E193196-9107-784C-A964-C67153D060CB}"/>
               </a:ext>
             </a:extLst>
           </p:cNvPr>
@@ -9207,7 +9199,7 @@
           <p:cNvPr id="24" name="文字版面配置區 3">
             <a:extLst>
               <a:ext uri="{FF2B5EF4-FFF2-40B4-BE49-F238E27FC236}">
-                <a16:creationId xmlns:a16="http://schemas.microsoft.com/office/drawing/2014/main" xmlns="" id="{5922BEEB-F3AC-E443-B34D-CE264A982284}"/>
+                <a16:creationId xmlns="" xmlns:a16="http://schemas.microsoft.com/office/drawing/2014/main" id="{5922BEEB-F3AC-E443-B34D-CE264A982284}"/>
               </a:ext>
             </a:extLst>
           </p:cNvPr>
@@ -9698,7 +9690,28 @@
                 <a:latin typeface="Times New Roman" panose="02020603050405020304" pitchFamily="18" charset="0"/>
                 <a:cs typeface="Times New Roman" panose="02020603050405020304" pitchFamily="18" charset="0"/>
               </a:rPr>
-              <a:t>Freshman Training Shop</a:t>
+              <a:t>Freshman </a:t>
+            </a:r>
+            <a:r>
+              <a:rPr lang="en-US" altLang="zh-TW" sz="4800" smtClean="0">
+                <a:latin typeface="Times New Roman" panose="02020603050405020304" pitchFamily="18" charset="0"/>
+                <a:cs typeface="Times New Roman" panose="02020603050405020304" pitchFamily="18" charset="0"/>
+              </a:rPr>
+              <a:t>Training </a:t>
+            </a:r>
+            <a:r>
+              <a:rPr lang="en-US" altLang="zh-TW" sz="4800" smtClean="0">
+                <a:latin typeface="Times New Roman" panose="02020603050405020304" pitchFamily="18" charset="0"/>
+                <a:cs typeface="Times New Roman" panose="02020603050405020304" pitchFamily="18" charset="0"/>
+              </a:rPr>
+              <a:t>Course</a:t>
+            </a:r>
+            <a:r>
+              <a:rPr lang="en-US" altLang="zh-TW" sz="4800" dirty="0" smtClean="0">
+                <a:latin typeface="Times New Roman" panose="02020603050405020304" pitchFamily="18" charset="0"/>
+                <a:cs typeface="Times New Roman" panose="02020603050405020304" pitchFamily="18" charset="0"/>
+              </a:rPr>
+              <a:t/>
             </a:r>
             <a:br>
               <a:rPr lang="en-US" altLang="zh-TW" sz="4800" dirty="0" smtClean="0">
@@ -16554,8 +16567,8 @@
           </a:p>
         </p:txBody>
       </p:sp>
-      <mc:AlternateContent xmlns:mc="http://schemas.openxmlformats.org/markup-compatibility/2006">
-        <mc:Choice xmlns:a14="http://schemas.microsoft.com/office/drawing/2010/main" Requires="a14">
+      <mc:AlternateContent xmlns:mc="http://schemas.openxmlformats.org/markup-compatibility/2006" xmlns:a14="http://schemas.microsoft.com/office/drawing/2010/main">
+        <mc:Choice Requires="a14">
           <p:sp>
             <p:nvSpPr>
               <p:cNvPr id="3" name="內容版面配置區 2"/>
@@ -17218,7 +17231,7 @@
             </p:txBody>
           </p:sp>
         </mc:Choice>
-        <mc:Fallback>
+        <mc:Fallback xmlns="">
           <p:sp>
             <p:nvSpPr>
               <p:cNvPr id="3" name="內容版面配置區 2"/>
@@ -17356,8 +17369,8 @@
           </a:p>
         </p:txBody>
       </p:sp>
-      <mc:AlternateContent xmlns:mc="http://schemas.openxmlformats.org/markup-compatibility/2006">
-        <mc:Choice xmlns:a14="http://schemas.microsoft.com/office/drawing/2010/main" Requires="a14">
+      <mc:AlternateContent xmlns:mc="http://schemas.openxmlformats.org/markup-compatibility/2006" xmlns:a14="http://schemas.microsoft.com/office/drawing/2010/main">
+        <mc:Choice Requires="a14">
           <p:sp>
             <p:nvSpPr>
               <p:cNvPr id="3" name="內容版面配置區 2"/>
@@ -17622,11 +17635,7 @@
                 </a:pPr>
                 <a:r>
                   <a:rPr kumimoji="1" lang="en-US" altLang="zh-TW" sz="3600" b="0" dirty="0" smtClean="0"/>
-                  <a:t> </a:t>
-                </a:r>
-                <a:r>
-                  <a:rPr kumimoji="1" lang="en-US" altLang="zh-TW" sz="3600" b="0" dirty="0" smtClean="0"/>
-                  <a:t>   </a:t>
+                  <a:t>    </a:t>
                 </a:r>
                 <a14:m>
                   <m:oMath xmlns:m="http://schemas.openxmlformats.org/officeDocument/2006/math">
@@ -18318,7 +18327,7 @@
             </p:txBody>
           </p:sp>
         </mc:Choice>
-        <mc:Fallback>
+        <mc:Fallback xmlns="">
           <p:sp>
             <p:nvSpPr>
               <p:cNvPr id="3" name="內容版面配置區 2"/>
@@ -18501,13 +18510,13 @@
   <p:clrMapOvr>
     <a:masterClrMapping/>
   </p:clrMapOvr>
-  <mc:AlternateContent xmlns:mc="http://schemas.openxmlformats.org/markup-compatibility/2006">
-    <mc:Choice xmlns:p14="http://schemas.microsoft.com/office/powerpoint/2010/main" Requires="p14">
+  <mc:AlternateContent xmlns:mc="http://schemas.openxmlformats.org/markup-compatibility/2006" xmlns:p14="http://schemas.microsoft.com/office/powerpoint/2010/main">
+    <mc:Choice Requires="p14">
       <p:transition spd="med" p14:dur="700">
         <p:fade/>
       </p:transition>
     </mc:Choice>
-    <mc:Fallback>
+    <mc:Fallback xmlns="">
       <p:transition spd="med">
         <p:fade/>
       </p:transition>

--- a/Freshman_Training.pptx
+++ b/Freshman_Training.pptx
@@ -5,7 +5,7 @@
     <p:sldMasterId id="2147483660" r:id="rId1"/>
   </p:sldMasterIdLst>
   <p:notesMasterIdLst>
-    <p:notesMasterId r:id="rId21"/>
+    <p:notesMasterId r:id="rId24"/>
   </p:notesMasterIdLst>
   <p:sldIdLst>
     <p:sldId id="256" r:id="rId2"/>
@@ -14,19 +14,22 @@
     <p:sldId id="306" r:id="rId5"/>
     <p:sldId id="314" r:id="rId6"/>
     <p:sldId id="315" r:id="rId7"/>
-    <p:sldId id="316" r:id="rId8"/>
+    <p:sldId id="319" r:id="rId8"/>
     <p:sldId id="317" r:id="rId9"/>
-    <p:sldId id="318" r:id="rId10"/>
-    <p:sldId id="304" r:id="rId11"/>
-    <p:sldId id="308" r:id="rId12"/>
-    <p:sldId id="307" r:id="rId13"/>
-    <p:sldId id="309" r:id="rId14"/>
-    <p:sldId id="310" r:id="rId15"/>
-    <p:sldId id="311" r:id="rId16"/>
-    <p:sldId id="312" r:id="rId17"/>
-    <p:sldId id="313" r:id="rId18"/>
-    <p:sldId id="305" r:id="rId19"/>
-    <p:sldId id="301" r:id="rId20"/>
+    <p:sldId id="316" r:id="rId10"/>
+    <p:sldId id="321" r:id="rId11"/>
+    <p:sldId id="322" r:id="rId12"/>
+    <p:sldId id="318" r:id="rId13"/>
+    <p:sldId id="304" r:id="rId14"/>
+    <p:sldId id="308" r:id="rId15"/>
+    <p:sldId id="307" r:id="rId16"/>
+    <p:sldId id="309" r:id="rId17"/>
+    <p:sldId id="310" r:id="rId18"/>
+    <p:sldId id="311" r:id="rId19"/>
+    <p:sldId id="312" r:id="rId20"/>
+    <p:sldId id="313" r:id="rId21"/>
+    <p:sldId id="305" r:id="rId22"/>
+    <p:sldId id="301" r:id="rId23"/>
   </p:sldIdLst>
   <p:sldSz cx="12192000" cy="6858000"/>
   <p:notesSz cx="6858000" cy="9144000"/>
@@ -140,8 +143,11 @@
             <p14:sldId id="306"/>
             <p14:sldId id="314"/>
             <p14:sldId id="315"/>
+            <p14:sldId id="319"/>
+            <p14:sldId id="317"/>
             <p14:sldId id="316"/>
-            <p14:sldId id="317"/>
+            <p14:sldId id="321"/>
+            <p14:sldId id="322"/>
             <p14:sldId id="318"/>
           </p14:sldIdLst>
         </p14:section>
@@ -258,7 +264,7 @@
           <a:p>
             <a:fld id="{D417A10C-87C9-49E5-AE05-110105D8C539}" type="datetimeFigureOut">
               <a:rPr lang="zh-TW" altLang="en-US" smtClean="0"/>
-              <a:t>2018/7/5</a:t>
+              <a:t>2018/7/6</a:t>
             </a:fld>
             <a:endParaRPr lang="zh-TW" altLang="en-US"/>
           </a:p>
@@ -601,6 +607,102 @@
     <p:extLst>
       <p:ext uri="{BB962C8B-B14F-4D97-AF65-F5344CB8AC3E}">
         <p14:creationId xmlns:p14="http://schemas.microsoft.com/office/powerpoint/2010/main" val="1683901315"/>
+      </p:ext>
+    </p:extLst>
+  </p:cSld>
+  <p:clrMapOvr>
+    <a:masterClrMapping/>
+  </p:clrMapOvr>
+</p:notes>
+</file>
+
+<file path=ppt/notesSlides/notesSlide10.xml><?xml version="1.0" encoding="utf-8"?>
+<p:notes xmlns:a="http://schemas.openxmlformats.org/drawingml/2006/main" xmlns:r="http://schemas.openxmlformats.org/officeDocument/2006/relationships" xmlns:p="http://schemas.openxmlformats.org/presentationml/2006/main">
+  <p:cSld>
+    <p:spTree>
+      <p:nvGrpSpPr>
+        <p:cNvPr id="1" name=""/>
+        <p:cNvGrpSpPr/>
+        <p:nvPr/>
+      </p:nvGrpSpPr>
+      <p:grpSpPr>
+        <a:xfrm>
+          <a:off x="0" y="0"/>
+          <a:ext cx="0" cy="0"/>
+          <a:chOff x="0" y="0"/>
+          <a:chExt cx="0" cy="0"/>
+        </a:xfrm>
+      </p:grpSpPr>
+      <p:sp>
+        <p:nvSpPr>
+          <p:cNvPr id="2" name="投影片影像版面配置區 1"/>
+          <p:cNvSpPr>
+            <a:spLocks noGrp="1" noRot="1" noChangeAspect="1"/>
+          </p:cNvSpPr>
+          <p:nvPr>
+            <p:ph type="sldImg"/>
+          </p:nvPr>
+        </p:nvSpPr>
+        <p:spPr/>
+      </p:sp>
+      <p:sp>
+        <p:nvSpPr>
+          <p:cNvPr id="3" name="備忘稿版面配置區 2"/>
+          <p:cNvSpPr>
+            <a:spLocks noGrp="1"/>
+          </p:cNvSpPr>
+          <p:nvPr>
+            <p:ph type="body" idx="1"/>
+          </p:nvPr>
+        </p:nvSpPr>
+        <p:spPr/>
+        <p:txBody>
+          <a:bodyPr/>
+          <a:lstStyle/>
+          <a:p>
+            <a:r>
+              <a:rPr kumimoji="1" lang="zh-TW" altLang="en-US" dirty="0" smtClean="0"/>
+              <a:t>最後還是加入了 </a:t>
+            </a:r>
+            <a:r>
+              <a:rPr kumimoji="1" lang="en-US" altLang="zh-TW" dirty="0" smtClean="0"/>
+              <a:t>directivity </a:t>
+            </a:r>
+            <a:r>
+              <a:rPr kumimoji="1" lang="zh-TW" altLang="en-US" dirty="0" smtClean="0"/>
+              <a:t>來呈現天線的效能</a:t>
+            </a:r>
+            <a:endParaRPr kumimoji="1" lang="zh-TW" altLang="en-US" dirty="0"/>
+          </a:p>
+        </p:txBody>
+      </p:sp>
+      <p:sp>
+        <p:nvSpPr>
+          <p:cNvPr id="4" name="投影片編號版面配置區 3"/>
+          <p:cNvSpPr>
+            <a:spLocks noGrp="1"/>
+          </p:cNvSpPr>
+          <p:nvPr>
+            <p:ph type="sldNum" sz="quarter" idx="10"/>
+          </p:nvPr>
+        </p:nvSpPr>
+        <p:spPr/>
+        <p:txBody>
+          <a:bodyPr/>
+          <a:lstStyle/>
+          <a:p>
+            <a:fld id="{C79F9334-C2B5-40DC-A82F-94CC416C9799}" type="slidenum">
+              <a:rPr lang="zh-TW" altLang="en-US" smtClean="0"/>
+              <a:t>20</a:t>
+            </a:fld>
+            <a:endParaRPr lang="zh-TW" altLang="en-US"/>
+          </a:p>
+        </p:txBody>
+      </p:sp>
+    </p:spTree>
+    <p:extLst>
+      <p:ext uri="{BB962C8B-B14F-4D97-AF65-F5344CB8AC3E}">
+        <p14:creationId xmlns:p14="http://schemas.microsoft.com/office/powerpoint/2010/main" val="601892381"/>
       </p:ext>
     </p:extLst>
   </p:cSld>
@@ -1029,6 +1131,112 @@
           <a:lstStyle/>
           <a:p>
             <a:r>
+              <a:rPr kumimoji="1" lang="en-US" altLang="zh-TW" dirty="0" smtClean="0"/>
+              <a:t>Time domain </a:t>
+            </a:r>
+            <a:r>
+              <a:rPr kumimoji="1" lang="zh-TW" altLang="en-US" dirty="0" smtClean="0"/>
+              <a:t>送</a:t>
+            </a:r>
+          </a:p>
+          <a:p>
+            <a:r>
+              <a:rPr kumimoji="1" lang="en-US" altLang="zh-TW" dirty="0" smtClean="0"/>
+              <a:t>Frequency</a:t>
+            </a:r>
+            <a:r>
+              <a:rPr kumimoji="1" lang="en-US" altLang="zh-TW" baseline="0" dirty="0" smtClean="0"/>
+              <a:t> domain </a:t>
+            </a:r>
+            <a:r>
+              <a:rPr kumimoji="1" lang="zh-TW" altLang="en-US" baseline="0" dirty="0" smtClean="0"/>
+              <a:t>分析</a:t>
+            </a:r>
+            <a:endParaRPr kumimoji="1" lang="zh-TW" altLang="en-US" dirty="0"/>
+          </a:p>
+        </p:txBody>
+      </p:sp>
+      <p:sp>
+        <p:nvSpPr>
+          <p:cNvPr id="4" name="投影片編號版面配置區 3"/>
+          <p:cNvSpPr>
+            <a:spLocks noGrp="1"/>
+          </p:cNvSpPr>
+          <p:nvPr>
+            <p:ph type="sldNum" sz="quarter" idx="10"/>
+          </p:nvPr>
+        </p:nvSpPr>
+        <p:spPr/>
+        <p:txBody>
+          <a:bodyPr/>
+          <a:lstStyle/>
+          <a:p>
+            <a:fld id="{C79F9334-C2B5-40DC-A82F-94CC416C9799}" type="slidenum">
+              <a:rPr lang="zh-TW" altLang="en-US" smtClean="0"/>
+              <a:t>7</a:t>
+            </a:fld>
+            <a:endParaRPr lang="zh-TW" altLang="en-US"/>
+          </a:p>
+        </p:txBody>
+      </p:sp>
+    </p:spTree>
+    <p:extLst>
+      <p:ext uri="{BB962C8B-B14F-4D97-AF65-F5344CB8AC3E}">
+        <p14:creationId xmlns:p14="http://schemas.microsoft.com/office/powerpoint/2010/main" val="533234664"/>
+      </p:ext>
+    </p:extLst>
+  </p:cSld>
+  <p:clrMapOvr>
+    <a:masterClrMapping/>
+  </p:clrMapOvr>
+</p:notes>
+</file>
+
+<file path=ppt/notesSlides/notesSlide5.xml><?xml version="1.0" encoding="utf-8"?>
+<p:notes xmlns:a="http://schemas.openxmlformats.org/drawingml/2006/main" xmlns:r="http://schemas.openxmlformats.org/officeDocument/2006/relationships" xmlns:p="http://schemas.openxmlformats.org/presentationml/2006/main">
+  <p:cSld>
+    <p:spTree>
+      <p:nvGrpSpPr>
+        <p:cNvPr id="1" name=""/>
+        <p:cNvGrpSpPr/>
+        <p:nvPr/>
+      </p:nvGrpSpPr>
+      <p:grpSpPr>
+        <a:xfrm>
+          <a:off x="0" y="0"/>
+          <a:ext cx="0" cy="0"/>
+          <a:chOff x="0" y="0"/>
+          <a:chExt cx="0" cy="0"/>
+        </a:xfrm>
+      </p:grpSpPr>
+      <p:sp>
+        <p:nvSpPr>
+          <p:cNvPr id="2" name="投影片影像版面配置區 1"/>
+          <p:cNvSpPr>
+            <a:spLocks noGrp="1" noRot="1" noChangeAspect="1"/>
+          </p:cNvSpPr>
+          <p:nvPr>
+            <p:ph type="sldImg"/>
+          </p:nvPr>
+        </p:nvSpPr>
+        <p:spPr/>
+      </p:sp>
+      <p:sp>
+        <p:nvSpPr>
+          <p:cNvPr id="3" name="備忘稿版面配置區 2"/>
+          <p:cNvSpPr>
+            <a:spLocks noGrp="1"/>
+          </p:cNvSpPr>
+          <p:nvPr>
+            <p:ph type="body" idx="1"/>
+          </p:nvPr>
+        </p:nvSpPr>
+        <p:spPr/>
+        <p:txBody>
+          <a:bodyPr/>
+          <a:lstStyle/>
+          <a:p>
+            <a:r>
               <a:rPr kumimoji="1" lang="zh-TW" altLang="en-US" dirty="0" smtClean="0"/>
               <a:t>通常會用 </a:t>
             </a:r>
@@ -1107,7 +1315,7 @@
           <a:p>
             <a:fld id="{C79F9334-C2B5-40DC-A82F-94CC416C9799}" type="slidenum">
               <a:rPr lang="zh-TW" altLang="en-US" smtClean="0"/>
-              <a:t>11</a:t>
+              <a:t>14</a:t>
             </a:fld>
             <a:endParaRPr lang="zh-TW" altLang="en-US"/>
           </a:p>
@@ -1126,7 +1334,7 @@
 </p:notes>
 </file>
 
-<file path=ppt/notesSlides/notesSlide5.xml><?xml version="1.0" encoding="utf-8"?>
+<file path=ppt/notesSlides/notesSlide6.xml><?xml version="1.0" encoding="utf-8"?>
 <p:notes xmlns:a="http://schemas.openxmlformats.org/drawingml/2006/main" xmlns:r="http://schemas.openxmlformats.org/officeDocument/2006/relationships" xmlns:p="http://schemas.openxmlformats.org/presentationml/2006/main">
   <p:cSld>
     <p:spTree>
@@ -1191,7 +1399,7 @@
           <a:p>
             <a:fld id="{C79F9334-C2B5-40DC-A82F-94CC416C9799}" type="slidenum">
               <a:rPr lang="zh-TW" altLang="en-US" smtClean="0"/>
-              <a:t>13</a:t>
+              <a:t>16</a:t>
             </a:fld>
             <a:endParaRPr lang="zh-TW" altLang="en-US"/>
           </a:p>
@@ -1210,7 +1418,7 @@
 </p:notes>
 </file>
 
-<file path=ppt/notesSlides/notesSlide6.xml><?xml version="1.0" encoding="utf-8"?>
+<file path=ppt/notesSlides/notesSlide7.xml><?xml version="1.0" encoding="utf-8"?>
 <p:notes xmlns:a="http://schemas.openxmlformats.org/drawingml/2006/main" xmlns:r="http://schemas.openxmlformats.org/officeDocument/2006/relationships" xmlns:p="http://schemas.openxmlformats.org/presentationml/2006/main">
   <p:cSld>
     <p:spTree>
@@ -1345,7 +1553,7 @@
           <a:p>
             <a:fld id="{C79F9334-C2B5-40DC-A82F-94CC416C9799}" type="slidenum">
               <a:rPr lang="zh-TW" altLang="en-US" smtClean="0"/>
-              <a:t>14</a:t>
+              <a:t>17</a:t>
             </a:fld>
             <a:endParaRPr lang="zh-TW" altLang="en-US"/>
           </a:p>
@@ -1364,7 +1572,7 @@
 </p:notes>
 </file>
 
-<file path=ppt/notesSlides/notesSlide7.xml><?xml version="1.0" encoding="utf-8"?>
+<file path=ppt/notesSlides/notesSlide8.xml><?xml version="1.0" encoding="utf-8"?>
 <p:notes xmlns:a="http://schemas.openxmlformats.org/drawingml/2006/main" xmlns:r="http://schemas.openxmlformats.org/officeDocument/2006/relationships" xmlns:p="http://schemas.openxmlformats.org/presentationml/2006/main">
   <p:cSld>
     <p:spTree>
@@ -1433,7 +1641,7 @@
           <a:p>
             <a:fld id="{C79F9334-C2B5-40DC-A82F-94CC416C9799}" type="slidenum">
               <a:rPr lang="zh-TW" altLang="en-US" smtClean="0"/>
-              <a:t>15</a:t>
+              <a:t>18</a:t>
             </a:fld>
             <a:endParaRPr lang="zh-TW" altLang="en-US"/>
           </a:p>
@@ -1452,7 +1660,7 @@
 </p:notes>
 </file>
 
-<file path=ppt/notesSlides/notesSlide8.xml><?xml version="1.0" encoding="utf-8"?>
+<file path=ppt/notesSlides/notesSlide9.xml><?xml version="1.0" encoding="utf-8"?>
 <p:notes xmlns:a="http://schemas.openxmlformats.org/drawingml/2006/main" xmlns:r="http://schemas.openxmlformats.org/officeDocument/2006/relationships" xmlns:p="http://schemas.openxmlformats.org/presentationml/2006/main">
   <p:cSld>
     <p:spTree>
@@ -1521,7 +1729,7 @@
           <a:p>
             <a:fld id="{C79F9334-C2B5-40DC-A82F-94CC416C9799}" type="slidenum">
               <a:rPr lang="zh-TW" altLang="en-US" smtClean="0"/>
-              <a:t>16</a:t>
+              <a:t>19</a:t>
             </a:fld>
             <a:endParaRPr lang="zh-TW" altLang="en-US"/>
           </a:p>
@@ -1531,102 +1739,6 @@
     <p:extLst>
       <p:ext uri="{BB962C8B-B14F-4D97-AF65-F5344CB8AC3E}">
         <p14:creationId xmlns:p14="http://schemas.microsoft.com/office/powerpoint/2010/main" val="1454203672"/>
-      </p:ext>
-    </p:extLst>
-  </p:cSld>
-  <p:clrMapOvr>
-    <a:masterClrMapping/>
-  </p:clrMapOvr>
-</p:notes>
-</file>
-
-<file path=ppt/notesSlides/notesSlide9.xml><?xml version="1.0" encoding="utf-8"?>
-<p:notes xmlns:a="http://schemas.openxmlformats.org/drawingml/2006/main" xmlns:r="http://schemas.openxmlformats.org/officeDocument/2006/relationships" xmlns:p="http://schemas.openxmlformats.org/presentationml/2006/main">
-  <p:cSld>
-    <p:spTree>
-      <p:nvGrpSpPr>
-        <p:cNvPr id="1" name=""/>
-        <p:cNvGrpSpPr/>
-        <p:nvPr/>
-      </p:nvGrpSpPr>
-      <p:grpSpPr>
-        <a:xfrm>
-          <a:off x="0" y="0"/>
-          <a:ext cx="0" cy="0"/>
-          <a:chOff x="0" y="0"/>
-          <a:chExt cx="0" cy="0"/>
-        </a:xfrm>
-      </p:grpSpPr>
-      <p:sp>
-        <p:nvSpPr>
-          <p:cNvPr id="2" name="投影片影像版面配置區 1"/>
-          <p:cNvSpPr>
-            <a:spLocks noGrp="1" noRot="1" noChangeAspect="1"/>
-          </p:cNvSpPr>
-          <p:nvPr>
-            <p:ph type="sldImg"/>
-          </p:nvPr>
-        </p:nvSpPr>
-        <p:spPr/>
-      </p:sp>
-      <p:sp>
-        <p:nvSpPr>
-          <p:cNvPr id="3" name="備忘稿版面配置區 2"/>
-          <p:cNvSpPr>
-            <a:spLocks noGrp="1"/>
-          </p:cNvSpPr>
-          <p:nvPr>
-            <p:ph type="body" idx="1"/>
-          </p:nvPr>
-        </p:nvSpPr>
-        <p:spPr/>
-        <p:txBody>
-          <a:bodyPr/>
-          <a:lstStyle/>
-          <a:p>
-            <a:r>
-              <a:rPr kumimoji="1" lang="zh-TW" altLang="en-US" dirty="0" smtClean="0"/>
-              <a:t>最後還是加入了 </a:t>
-            </a:r>
-            <a:r>
-              <a:rPr kumimoji="1" lang="en-US" altLang="zh-TW" dirty="0" smtClean="0"/>
-              <a:t>directivity </a:t>
-            </a:r>
-            <a:r>
-              <a:rPr kumimoji="1" lang="zh-TW" altLang="en-US" dirty="0" smtClean="0"/>
-              <a:t>來呈現天線的效能</a:t>
-            </a:r>
-            <a:endParaRPr kumimoji="1" lang="zh-TW" altLang="en-US" dirty="0"/>
-          </a:p>
-        </p:txBody>
-      </p:sp>
-      <p:sp>
-        <p:nvSpPr>
-          <p:cNvPr id="4" name="投影片編號版面配置區 3"/>
-          <p:cNvSpPr>
-            <a:spLocks noGrp="1"/>
-          </p:cNvSpPr>
-          <p:nvPr>
-            <p:ph type="sldNum" sz="quarter" idx="10"/>
-          </p:nvPr>
-        </p:nvSpPr>
-        <p:spPr/>
-        <p:txBody>
-          <a:bodyPr/>
-          <a:lstStyle/>
-          <a:p>
-            <a:fld id="{C79F9334-C2B5-40DC-A82F-94CC416C9799}" type="slidenum">
-              <a:rPr lang="zh-TW" altLang="en-US" smtClean="0"/>
-              <a:t>17</a:t>
-            </a:fld>
-            <a:endParaRPr lang="zh-TW" altLang="en-US"/>
-          </a:p>
-        </p:txBody>
-      </p:sp>
-    </p:spTree>
-    <p:extLst>
-      <p:ext uri="{BB962C8B-B14F-4D97-AF65-F5344CB8AC3E}">
-        <p14:creationId xmlns:p14="http://schemas.microsoft.com/office/powerpoint/2010/main" val="601892381"/>
       </p:ext>
     </p:extLst>
   </p:cSld>
@@ -9697,14 +9809,7 @@
                 <a:latin typeface="Times New Roman" panose="02020603050405020304" pitchFamily="18" charset="0"/>
                 <a:cs typeface="Times New Roman" panose="02020603050405020304" pitchFamily="18" charset="0"/>
               </a:rPr>
-              <a:t>Training </a:t>
-            </a:r>
-            <a:r>
-              <a:rPr lang="en-US" altLang="zh-TW" sz="4800" smtClean="0">
-                <a:latin typeface="Times New Roman" panose="02020603050405020304" pitchFamily="18" charset="0"/>
-                <a:cs typeface="Times New Roman" panose="02020603050405020304" pitchFamily="18" charset="0"/>
-              </a:rPr>
-              <a:t>Course</a:t>
+              <a:t>Training Course</a:t>
             </a:r>
             <a:r>
               <a:rPr lang="en-US" altLang="zh-TW" sz="4800" dirty="0" smtClean="0">
@@ -9936,6 +10041,1102 @@
           <a:lstStyle/>
           <a:p>
             <a:r>
+              <a:rPr kumimoji="1" lang="en-US" altLang="zh-TW" dirty="0"/>
+              <a:t>Channel Fading</a:t>
+            </a:r>
+            <a:endParaRPr kumimoji="1" lang="zh-TW" altLang="en-US" dirty="0"/>
+          </a:p>
+        </p:txBody>
+      </p:sp>
+      <mc:AlternateContent xmlns:mc="http://schemas.openxmlformats.org/markup-compatibility/2006">
+        <mc:Choice xmlns:a14="http://schemas.microsoft.com/office/drawing/2010/main" Requires="a14">
+          <p:sp>
+            <p:nvSpPr>
+              <p:cNvPr id="3" name="內容版面配置區 2"/>
+              <p:cNvSpPr>
+                <a:spLocks noGrp="1"/>
+              </p:cNvSpPr>
+              <p:nvPr>
+                <p:ph idx="1"/>
+              </p:nvPr>
+            </p:nvSpPr>
+            <p:spPr/>
+            <p:txBody>
+              <a:bodyPr/>
+              <a:lstStyle/>
+              <a:p>
+                <a:r>
+                  <a:rPr kumimoji="1" lang="en-US" altLang="zh-TW" sz="3200" dirty="0" smtClean="0">
+                    <a:latin typeface="Times New Roman" charset="0"/>
+                    <a:ea typeface="Times New Roman" charset="0"/>
+                    <a:cs typeface="Times New Roman" charset="0"/>
+                  </a:rPr>
+                  <a:t>Coherence Time </a:t>
+                </a:r>
+                <a:r>
+                  <a:rPr kumimoji="1" lang="en-US" altLang="zh-TW" sz="3200" dirty="0" err="1" smtClean="0">
+                    <a:latin typeface="Times New Roman" charset="0"/>
+                    <a:ea typeface="Times New Roman" charset="0"/>
+                    <a:cs typeface="Times New Roman" charset="0"/>
+                  </a:rPr>
+                  <a:t>v.s</a:t>
+                </a:r>
+                <a:r>
+                  <a:rPr kumimoji="1" lang="en-US" altLang="zh-TW" sz="3200" dirty="0" smtClean="0">
+                    <a:latin typeface="Times New Roman" charset="0"/>
+                    <a:ea typeface="Times New Roman" charset="0"/>
+                    <a:cs typeface="Times New Roman" charset="0"/>
+                  </a:rPr>
+                  <a:t>. Doppler Spread</a:t>
+                </a:r>
+              </a:p>
+              <a:p>
+                <a:pPr>
+                  <a:lnSpc>
+                    <a:spcPct val="150000"/>
+                  </a:lnSpc>
+                </a:pPr>
+                <a:r>
+                  <a:rPr kumimoji="1" lang="en-US" altLang="zh-TW" sz="3200" dirty="0">
+                    <a:latin typeface="Times New Roman" charset="0"/>
+                    <a:ea typeface="Times New Roman" charset="0"/>
+                    <a:cs typeface="Times New Roman" charset="0"/>
+                  </a:rPr>
+                  <a:t>Coherence </a:t>
+                </a:r>
+                <a:r>
+                  <a:rPr kumimoji="1" lang="en-US" altLang="zh-TW" sz="3200" dirty="0" smtClean="0">
+                    <a:latin typeface="Times New Roman" charset="0"/>
+                    <a:ea typeface="Times New Roman" charset="0"/>
+                    <a:cs typeface="Times New Roman" charset="0"/>
+                  </a:rPr>
+                  <a:t>Time </a:t>
+                </a:r>
+                <a14:m>
+                  <m:oMath xmlns:m="http://schemas.openxmlformats.org/officeDocument/2006/math">
+                    <m:sSub>
+                      <m:sSubPr>
+                        <m:ctrlPr>
+                          <a:rPr kumimoji="1" lang="en-US" altLang="zh-TW" sz="3200" i="1" smtClean="0">
+                            <a:solidFill>
+                              <a:srgbClr val="FF0000"/>
+                            </a:solidFill>
+                            <a:latin typeface="Times New Roman" charset="0"/>
+                            <a:ea typeface="Times New Roman" charset="0"/>
+                            <a:cs typeface="Times New Roman" charset="0"/>
+                          </a:rPr>
+                        </m:ctrlPr>
+                      </m:sSubPr>
+                      <m:e>
+                        <m:r>
+                          <a:rPr kumimoji="1" lang="en-US" altLang="zh-TW" sz="3200" b="0" i="1" smtClean="0">
+                            <a:solidFill>
+                              <a:srgbClr val="FF0000"/>
+                            </a:solidFill>
+                            <a:latin typeface="Times New Roman" charset="0"/>
+                            <a:ea typeface="Times New Roman" charset="0"/>
+                            <a:cs typeface="Times New Roman" charset="0"/>
+                          </a:rPr>
+                          <m:t>𝑇</m:t>
+                        </m:r>
+                      </m:e>
+                      <m:sub>
+                        <m:r>
+                          <a:rPr kumimoji="1" lang="en-US" altLang="zh-TW" sz="3200" b="0" i="1" smtClean="0">
+                            <a:solidFill>
+                              <a:srgbClr val="FF0000"/>
+                            </a:solidFill>
+                            <a:latin typeface="Times New Roman" charset="0"/>
+                            <a:ea typeface="Times New Roman" charset="0"/>
+                            <a:cs typeface="Times New Roman" charset="0"/>
+                          </a:rPr>
+                          <m:t>𝑐</m:t>
+                        </m:r>
+                      </m:sub>
+                    </m:sSub>
+                  </m:oMath>
+                </a14:m>
+                <a:r>
+                  <a:rPr kumimoji="1" lang="en-US" altLang="zh-TW" sz="3200" dirty="0" smtClean="0">
+                    <a:latin typeface="Times New Roman" charset="0"/>
+                    <a:ea typeface="Times New Roman" charset="0"/>
+                    <a:cs typeface="Times New Roman" charset="0"/>
+                  </a:rPr>
+                  <a:t> : </a:t>
+                </a:r>
+                <a:r>
+                  <a:rPr lang="en-US" altLang="zh-TW" sz="3200" dirty="0">
+                    <a:latin typeface="Times New Roman" charset="0"/>
+                    <a:ea typeface="Times New Roman" charset="0"/>
+                    <a:cs typeface="Times New Roman" charset="0"/>
+                  </a:rPr>
+                  <a:t>the time duration over which </a:t>
+                </a:r>
+                <a:r>
+                  <a:rPr lang="en-US" altLang="zh-TW" sz="3200" dirty="0">
+                    <a:solidFill>
+                      <a:srgbClr val="FF0000"/>
+                    </a:solidFill>
+                    <a:latin typeface="Times New Roman" charset="0"/>
+                    <a:ea typeface="Times New Roman" charset="0"/>
+                    <a:cs typeface="Times New Roman" charset="0"/>
+                  </a:rPr>
+                  <a:t>the </a:t>
+                </a:r>
+                <a:r>
+                  <a:rPr lang="en-US" altLang="zh-TW" sz="3200" dirty="0" smtClean="0">
+                    <a:solidFill>
+                      <a:srgbClr val="FF0000"/>
+                    </a:solidFill>
+                    <a:latin typeface="Times New Roman" charset="0"/>
+                    <a:ea typeface="Times New Roman" charset="0"/>
+                    <a:cs typeface="Times New Roman" charset="0"/>
+                  </a:rPr>
+                  <a:t>channel impulse </a:t>
+                </a:r>
+                <a:r>
+                  <a:rPr lang="en-US" altLang="zh-TW" sz="3200" dirty="0">
+                    <a:solidFill>
+                      <a:srgbClr val="FF0000"/>
+                    </a:solidFill>
+                    <a:latin typeface="Times New Roman" charset="0"/>
+                    <a:ea typeface="Times New Roman" charset="0"/>
+                    <a:cs typeface="Times New Roman" charset="0"/>
+                  </a:rPr>
+                  <a:t>response</a:t>
+                </a:r>
+                <a:r>
+                  <a:rPr lang="en-US" altLang="zh-TW" sz="3200" dirty="0">
+                    <a:solidFill>
+                      <a:schemeClr val="accent1"/>
+                    </a:solidFill>
+                    <a:latin typeface="Times New Roman" charset="0"/>
+                    <a:ea typeface="Times New Roman" charset="0"/>
+                    <a:cs typeface="Times New Roman" charset="0"/>
+                  </a:rPr>
+                  <a:t> </a:t>
+                </a:r>
+                <a:r>
+                  <a:rPr lang="en-US" altLang="zh-TW" sz="3200" dirty="0">
+                    <a:latin typeface="Times New Roman" charset="0"/>
+                    <a:ea typeface="Times New Roman" charset="0"/>
+                    <a:cs typeface="Times New Roman" charset="0"/>
+                  </a:rPr>
+                  <a:t>is considered to </a:t>
+                </a:r>
+                <a:r>
+                  <a:rPr lang="en-US" altLang="zh-TW" sz="3200" dirty="0">
+                    <a:solidFill>
+                      <a:srgbClr val="FF0000"/>
+                    </a:solidFill>
+                    <a:latin typeface="Times New Roman" charset="0"/>
+                    <a:ea typeface="Times New Roman" charset="0"/>
+                    <a:cs typeface="Times New Roman" charset="0"/>
+                  </a:rPr>
+                  <a:t>be not </a:t>
+                </a:r>
+                <a:r>
+                  <a:rPr lang="en-US" altLang="zh-TW" sz="3200" dirty="0" smtClean="0">
+                    <a:solidFill>
+                      <a:srgbClr val="FF0000"/>
+                    </a:solidFill>
+                    <a:latin typeface="Times New Roman" charset="0"/>
+                    <a:ea typeface="Times New Roman" charset="0"/>
+                    <a:cs typeface="Times New Roman" charset="0"/>
+                  </a:rPr>
+                  <a:t>varying</a:t>
+                </a:r>
+              </a:p>
+              <a:p>
+                <a:pPr>
+                  <a:lnSpc>
+                    <a:spcPct val="150000"/>
+                  </a:lnSpc>
+                </a:pPr>
+                <a:r>
+                  <a:rPr kumimoji="1" lang="en-US" altLang="zh-TW" sz="3200" dirty="0">
+                    <a:latin typeface="Times New Roman" charset="0"/>
+                    <a:ea typeface="Times New Roman" charset="0"/>
+                    <a:cs typeface="Times New Roman" charset="0"/>
+                  </a:rPr>
+                  <a:t>Doppler </a:t>
+                </a:r>
+                <a:r>
+                  <a:rPr kumimoji="1" lang="en-US" altLang="zh-TW" sz="3200" dirty="0" smtClean="0">
+                    <a:latin typeface="Times New Roman" charset="0"/>
+                    <a:ea typeface="Times New Roman" charset="0"/>
+                    <a:cs typeface="Times New Roman" charset="0"/>
+                  </a:rPr>
+                  <a:t>Spread </a:t>
+                </a:r>
+                <a14:m>
+                  <m:oMath xmlns:m="http://schemas.openxmlformats.org/officeDocument/2006/math">
+                    <m:sSub>
+                      <m:sSubPr>
+                        <m:ctrlPr>
+                          <a:rPr kumimoji="1" lang="en-US" altLang="zh-TW" sz="3200" i="1" smtClean="0">
+                            <a:solidFill>
+                              <a:schemeClr val="accent1"/>
+                            </a:solidFill>
+                            <a:latin typeface="Times New Roman" charset="0"/>
+                            <a:ea typeface="Times New Roman" charset="0"/>
+                            <a:cs typeface="Times New Roman" charset="0"/>
+                          </a:rPr>
+                        </m:ctrlPr>
+                      </m:sSubPr>
+                      <m:e>
+                        <m:r>
+                          <a:rPr kumimoji="1" lang="en-US" altLang="zh-TW" sz="3200" b="0" i="1" smtClean="0">
+                            <a:solidFill>
+                              <a:schemeClr val="accent1"/>
+                            </a:solidFill>
+                            <a:latin typeface="Times New Roman" charset="0"/>
+                            <a:ea typeface="Times New Roman" charset="0"/>
+                            <a:cs typeface="Times New Roman" charset="0"/>
+                          </a:rPr>
+                          <m:t>𝐷</m:t>
+                        </m:r>
+                      </m:e>
+                      <m:sub>
+                        <m:r>
+                          <a:rPr kumimoji="1" lang="en-US" altLang="zh-TW" sz="3200" b="0" i="1" smtClean="0">
+                            <a:solidFill>
+                              <a:schemeClr val="accent1"/>
+                            </a:solidFill>
+                            <a:latin typeface="Times New Roman" charset="0"/>
+                            <a:ea typeface="Times New Roman" charset="0"/>
+                            <a:cs typeface="Times New Roman" charset="0"/>
+                          </a:rPr>
+                          <m:t>𝑠</m:t>
+                        </m:r>
+                      </m:sub>
+                    </m:sSub>
+                  </m:oMath>
+                </a14:m>
+                <a:r>
+                  <a:rPr kumimoji="1" lang="en-US" altLang="zh-TW" sz="3200" dirty="0" smtClean="0">
+                    <a:latin typeface="Times New Roman" charset="0"/>
+                    <a:ea typeface="Times New Roman" charset="0"/>
+                    <a:cs typeface="Times New Roman" charset="0"/>
+                  </a:rPr>
+                  <a:t> : the difference between the </a:t>
+                </a:r>
+                <a:r>
+                  <a:rPr kumimoji="1" lang="en-US" altLang="zh-TW" sz="3200" dirty="0" smtClean="0">
+                    <a:solidFill>
+                      <a:schemeClr val="accent1"/>
+                    </a:solidFill>
+                    <a:latin typeface="Times New Roman" charset="0"/>
+                    <a:ea typeface="Times New Roman" charset="0"/>
+                    <a:cs typeface="Times New Roman" charset="0"/>
+                  </a:rPr>
+                  <a:t>Doppler shifts </a:t>
+                </a:r>
+                <a:r>
+                  <a:rPr kumimoji="1" lang="en-US" altLang="zh-TW" sz="3200" dirty="0" smtClean="0">
+                    <a:latin typeface="Times New Roman" charset="0"/>
+                    <a:ea typeface="Times New Roman" charset="0"/>
+                    <a:cs typeface="Times New Roman" charset="0"/>
+                  </a:rPr>
+                  <a:t>of two paths</a:t>
+                </a:r>
+              </a:p>
+              <a:p>
+                <a:pPr marL="11112" indent="0">
+                  <a:buNone/>
+                </a:pPr>
+                <a:r>
+                  <a:rPr kumimoji="1" lang="en-US" altLang="zh-TW" sz="3200" dirty="0" smtClean="0">
+                    <a:solidFill>
+                      <a:srgbClr val="FF0000"/>
+                    </a:solidFill>
+                    <a:ea typeface="Times New Roman" charset="0"/>
+                    <a:cs typeface="Times New Roman" charset="0"/>
+                  </a:rPr>
+                  <a:t>					</a:t>
+                </a:r>
+                <a14:m>
+                  <m:oMath xmlns:m="http://schemas.openxmlformats.org/officeDocument/2006/math">
+                    <m:sSub>
+                      <m:sSubPr>
+                        <m:ctrlPr>
+                          <a:rPr kumimoji="1" lang="en-US" altLang="zh-TW" sz="4000" i="1">
+                            <a:solidFill>
+                              <a:srgbClr val="FF0000"/>
+                            </a:solidFill>
+                            <a:latin typeface="Cambria Math" charset="0"/>
+                            <a:ea typeface="Times New Roman" charset="0"/>
+                            <a:cs typeface="Times New Roman" charset="0"/>
+                          </a:rPr>
+                        </m:ctrlPr>
+                      </m:sSubPr>
+                      <m:e>
+                        <m:r>
+                          <a:rPr kumimoji="1" lang="en-US" altLang="zh-TW" sz="4000" i="1">
+                            <a:solidFill>
+                              <a:srgbClr val="FF0000"/>
+                            </a:solidFill>
+                            <a:latin typeface="Cambria Math" charset="0"/>
+                            <a:ea typeface="Times New Roman" charset="0"/>
+                            <a:cs typeface="Times New Roman" charset="0"/>
+                          </a:rPr>
+                          <m:t>𝑇</m:t>
+                        </m:r>
+                      </m:e>
+                      <m:sub>
+                        <m:r>
+                          <a:rPr kumimoji="1" lang="en-US" altLang="zh-TW" sz="4000" i="1">
+                            <a:solidFill>
+                              <a:srgbClr val="FF0000"/>
+                            </a:solidFill>
+                            <a:latin typeface="Cambria Math" charset="0"/>
+                            <a:ea typeface="Times New Roman" charset="0"/>
+                            <a:cs typeface="Times New Roman" charset="0"/>
+                          </a:rPr>
+                          <m:t>𝑐</m:t>
+                        </m:r>
+                      </m:sub>
+                    </m:sSub>
+                    <m:r>
+                      <a:rPr kumimoji="1" lang="en-US" altLang="zh-TW" sz="4000" i="1" smtClean="0">
+                        <a:solidFill>
+                          <a:schemeClr val="tx1"/>
+                        </a:solidFill>
+                        <a:latin typeface="Cambria Math" charset="0"/>
+                        <a:ea typeface="Cambria Math" charset="0"/>
+                        <a:cs typeface="Cambria Math" charset="0"/>
+                      </a:rPr>
+                      <m:t>∝</m:t>
+                    </m:r>
+                    <m:f>
+                      <m:fPr>
+                        <m:ctrlPr>
+                          <a:rPr kumimoji="1" lang="mr-IN" altLang="zh-TW" sz="4000" i="1" smtClean="0">
+                            <a:solidFill>
+                              <a:srgbClr val="FF0000"/>
+                            </a:solidFill>
+                            <a:latin typeface="Cambria Math" charset="0"/>
+                            <a:ea typeface="Cambria Math" charset="0"/>
+                            <a:cs typeface="Cambria Math" charset="0"/>
+                          </a:rPr>
+                        </m:ctrlPr>
+                      </m:fPr>
+                      <m:num>
+                        <m:r>
+                          <a:rPr kumimoji="1" lang="en-US" altLang="zh-TW" sz="4000" b="0" i="1" smtClean="0">
+                            <a:solidFill>
+                              <a:schemeClr val="tx1"/>
+                            </a:solidFill>
+                            <a:latin typeface="Cambria Math" charset="0"/>
+                            <a:ea typeface="Cambria Math" charset="0"/>
+                            <a:cs typeface="Cambria Math" charset="0"/>
+                          </a:rPr>
+                          <m:t>1</m:t>
+                        </m:r>
+                      </m:num>
+                      <m:den>
+                        <m:sSub>
+                          <m:sSubPr>
+                            <m:ctrlPr>
+                              <a:rPr kumimoji="1" lang="en-US" altLang="zh-TW" sz="4000" i="1">
+                                <a:solidFill>
+                                  <a:schemeClr val="accent1"/>
+                                </a:solidFill>
+                                <a:latin typeface="Cambria Math" charset="0"/>
+                                <a:ea typeface="Times New Roman" charset="0"/>
+                                <a:cs typeface="Times New Roman" charset="0"/>
+                              </a:rPr>
+                            </m:ctrlPr>
+                          </m:sSubPr>
+                          <m:e>
+                            <m:r>
+                              <a:rPr kumimoji="1" lang="en-US" altLang="zh-TW" sz="4000" i="1">
+                                <a:solidFill>
+                                  <a:schemeClr val="accent1"/>
+                                </a:solidFill>
+                                <a:latin typeface="Cambria Math" charset="0"/>
+                                <a:ea typeface="Times New Roman" charset="0"/>
+                                <a:cs typeface="Times New Roman" charset="0"/>
+                              </a:rPr>
+                              <m:t>𝐷</m:t>
+                            </m:r>
+                          </m:e>
+                          <m:sub>
+                            <m:r>
+                              <a:rPr kumimoji="1" lang="en-US" altLang="zh-TW" sz="4000" i="1">
+                                <a:solidFill>
+                                  <a:schemeClr val="accent1"/>
+                                </a:solidFill>
+                                <a:latin typeface="Cambria Math" charset="0"/>
+                                <a:ea typeface="Times New Roman" charset="0"/>
+                                <a:cs typeface="Times New Roman" charset="0"/>
+                              </a:rPr>
+                              <m:t>𝑠</m:t>
+                            </m:r>
+                          </m:sub>
+                        </m:sSub>
+                      </m:den>
+                    </m:f>
+                  </m:oMath>
+                </a14:m>
+                <a:endParaRPr kumimoji="1" lang="zh-TW" altLang="en-US" sz="3200" dirty="0">
+                  <a:latin typeface="Times New Roman" charset="0"/>
+                  <a:ea typeface="Times New Roman" charset="0"/>
+                  <a:cs typeface="Times New Roman" charset="0"/>
+                </a:endParaRPr>
+              </a:p>
+            </p:txBody>
+          </p:sp>
+        </mc:Choice>
+        <mc:Fallback>
+          <p:sp>
+            <p:nvSpPr>
+              <p:cNvPr id="3" name="內容版面配置區 2"/>
+              <p:cNvSpPr>
+                <a:spLocks noGrp="1" noRot="1" noChangeAspect="1" noMove="1" noResize="1" noEditPoints="1" noAdjustHandles="1" noChangeArrowheads="1" noChangeShapeType="1" noTextEdit="1"/>
+              </p:cNvSpPr>
+              <p:nvPr>
+                <p:ph idx="1"/>
+              </p:nvPr>
+            </p:nvSpPr>
+            <p:spPr>
+              <a:blipFill rotWithShape="0">
+                <a:blip r:embed="rId2"/>
+                <a:stretch>
+                  <a:fillRect l="-1217" t="-1852"/>
+                </a:stretch>
+              </a:blipFill>
+            </p:spPr>
+            <p:txBody>
+              <a:bodyPr/>
+              <a:lstStyle/>
+              <a:p>
+                <a:r>
+                  <a:rPr lang="zh-TW" altLang="en-US">
+                    <a:noFill/>
+                  </a:rPr>
+                  <a:t> </a:t>
+                </a:r>
+              </a:p>
+            </p:txBody>
+          </p:sp>
+        </mc:Fallback>
+      </mc:AlternateContent>
+      <p:sp>
+        <p:nvSpPr>
+          <p:cNvPr id="4" name="投影片編號版面配置區 3"/>
+          <p:cNvSpPr>
+            <a:spLocks noGrp="1"/>
+          </p:cNvSpPr>
+          <p:nvPr>
+            <p:ph type="sldNum" sz="quarter" idx="12"/>
+          </p:nvPr>
+        </p:nvSpPr>
+        <p:spPr/>
+        <p:txBody>
+          <a:bodyPr/>
+          <a:lstStyle/>
+          <a:p>
+            <a:fld id="{3EBBE1F4-AE36-AD42-8177-96288CD18AD2}" type="slidenum">
+              <a:rPr lang="en-US" smtClean="0"/>
+              <a:pPr/>
+              <a:t>10</a:t>
+            </a:fld>
+            <a:endParaRPr lang="en-US"/>
+          </a:p>
+        </p:txBody>
+      </p:sp>
+    </p:spTree>
+    <p:extLst>
+      <p:ext uri="{BB962C8B-B14F-4D97-AF65-F5344CB8AC3E}">
+        <p14:creationId xmlns:p14="http://schemas.microsoft.com/office/powerpoint/2010/main" val="1814054625"/>
+      </p:ext>
+    </p:extLst>
+  </p:cSld>
+  <p:clrMapOvr>
+    <a:masterClrMapping/>
+  </p:clrMapOvr>
+  <mc:AlternateContent xmlns:mc="http://schemas.openxmlformats.org/markup-compatibility/2006" xmlns:p14="http://schemas.microsoft.com/office/powerpoint/2010/main">
+    <mc:Choice Requires="p14">
+      <p:transition spd="med" p14:dur="700">
+        <p:fade/>
+      </p:transition>
+    </mc:Choice>
+    <mc:Fallback xmlns="">
+      <p:transition spd="med">
+        <p:fade/>
+      </p:transition>
+    </mc:Fallback>
+  </mc:AlternateContent>
+  <p:timing>
+    <p:tnLst>
+      <p:par>
+        <p:cTn id="1" dur="indefinite" restart="never" nodeType="tmRoot"/>
+      </p:par>
+    </p:tnLst>
+  </p:timing>
+</p:sld>
+</file>
+
+<file path=ppt/slides/slide11.xml><?xml version="1.0" encoding="utf-8"?>
+<p:sld xmlns:a="http://schemas.openxmlformats.org/drawingml/2006/main" xmlns:r="http://schemas.openxmlformats.org/officeDocument/2006/relationships" xmlns:p="http://schemas.openxmlformats.org/presentationml/2006/main">
+  <p:cSld>
+    <p:spTree>
+      <p:nvGrpSpPr>
+        <p:cNvPr id="1" name=""/>
+        <p:cNvGrpSpPr/>
+        <p:nvPr/>
+      </p:nvGrpSpPr>
+      <p:grpSpPr>
+        <a:xfrm>
+          <a:off x="0" y="0"/>
+          <a:ext cx="0" cy="0"/>
+          <a:chOff x="0" y="0"/>
+          <a:chExt cx="0" cy="0"/>
+        </a:xfrm>
+      </p:grpSpPr>
+      <p:sp>
+        <p:nvSpPr>
+          <p:cNvPr id="2" name="標題 1"/>
+          <p:cNvSpPr>
+            <a:spLocks noGrp="1"/>
+          </p:cNvSpPr>
+          <p:nvPr>
+            <p:ph type="title"/>
+          </p:nvPr>
+        </p:nvSpPr>
+        <p:spPr/>
+        <p:txBody>
+          <a:bodyPr/>
+          <a:lstStyle/>
+          <a:p>
+            <a:r>
+              <a:rPr kumimoji="1" lang="en-US" altLang="zh-TW" dirty="0"/>
+              <a:t>Channel Fading</a:t>
+            </a:r>
+            <a:endParaRPr kumimoji="1" lang="zh-TW" altLang="en-US" dirty="0"/>
+          </a:p>
+        </p:txBody>
+      </p:sp>
+      <mc:AlternateContent xmlns:mc="http://schemas.openxmlformats.org/markup-compatibility/2006">
+        <mc:Choice xmlns:a14="http://schemas.microsoft.com/office/drawing/2010/main" Requires="a14">
+          <p:sp>
+            <p:nvSpPr>
+              <p:cNvPr id="3" name="內容版面配置區 2"/>
+              <p:cNvSpPr>
+                <a:spLocks noGrp="1"/>
+              </p:cNvSpPr>
+              <p:nvPr>
+                <p:ph idx="1"/>
+              </p:nvPr>
+            </p:nvSpPr>
+            <p:spPr>
+              <a:xfrm>
+                <a:off x="335360" y="1700808"/>
+                <a:ext cx="11521280" cy="4680520"/>
+              </a:xfrm>
+            </p:spPr>
+            <p:txBody>
+              <a:bodyPr/>
+              <a:lstStyle/>
+              <a:p>
+                <a:pPr marL="11112" indent="0">
+                  <a:buNone/>
+                </a:pPr>
+                <a:r>
+                  <a:rPr kumimoji="1" lang="en-US" altLang="zh-TW" sz="3200" dirty="0" smtClean="0">
+                    <a:solidFill>
+                      <a:srgbClr val="FF0000"/>
+                    </a:solidFill>
+                    <a:ea typeface="Times New Roman" charset="0"/>
+                    <a:cs typeface="Times New Roman" charset="0"/>
+                  </a:rPr>
+                  <a:t>					</a:t>
+                </a:r>
+              </a:p>
+              <a:p>
+                <a:pPr marL="11112" indent="0">
+                  <a:buNone/>
+                </a:pPr>
+                <a:endParaRPr kumimoji="1" lang="en-US" altLang="zh-TW" sz="3200" i="1" dirty="0">
+                  <a:solidFill>
+                    <a:srgbClr val="FF0000"/>
+                  </a:solidFill>
+                  <a:latin typeface="Cambria Math" charset="0"/>
+                  <a:ea typeface="Times New Roman" charset="0"/>
+                  <a:cs typeface="Times New Roman" charset="0"/>
+                </a:endParaRPr>
+              </a:p>
+              <a:p>
+                <a:pPr marL="11112" indent="0" algn="ctr">
+                  <a:buNone/>
+                </a:pPr>
+                <a:endParaRPr kumimoji="1" lang="en-US" altLang="zh-TW" sz="3200" i="1" dirty="0" smtClean="0">
+                  <a:solidFill>
+                    <a:srgbClr val="FF0000"/>
+                  </a:solidFill>
+                  <a:latin typeface="Cambria Math" charset="0"/>
+                  <a:ea typeface="Times New Roman" charset="0"/>
+                  <a:cs typeface="Times New Roman" charset="0"/>
+                </a:endParaRPr>
+              </a:p>
+              <a:p>
+                <a:pPr marL="11112" indent="0">
+                  <a:buNone/>
+                </a:pPr>
+                <a:endParaRPr kumimoji="1" lang="en-US" altLang="zh-TW" sz="3200" i="1" dirty="0">
+                  <a:solidFill>
+                    <a:srgbClr val="FF0000"/>
+                  </a:solidFill>
+                  <a:latin typeface="Cambria Math" charset="0"/>
+                  <a:ea typeface="Times New Roman" charset="0"/>
+                  <a:cs typeface="Times New Roman" charset="0"/>
+                </a:endParaRPr>
+              </a:p>
+              <a:p>
+                <a:pPr marL="11112" indent="0">
+                  <a:buNone/>
+                </a:pPr>
+                <a14:m>
+                  <m:oMathPara xmlns:m="http://schemas.openxmlformats.org/officeDocument/2006/math">
+                    <m:oMathParaPr>
+                      <m:jc m:val="center"/>
+                    </m:oMathParaPr>
+                    <m:oMath xmlns:m="http://schemas.openxmlformats.org/officeDocument/2006/math">
+                      <m:sSub>
+                        <m:sSubPr>
+                          <m:ctrlPr>
+                            <a:rPr kumimoji="1" lang="en-US" altLang="zh-TW" sz="4000" i="1">
+                              <a:solidFill>
+                                <a:srgbClr val="FF0000"/>
+                              </a:solidFill>
+                              <a:latin typeface="Cambria Math" charset="0"/>
+                              <a:ea typeface="Times New Roman" charset="0"/>
+                              <a:cs typeface="Times New Roman" charset="0"/>
+                            </a:rPr>
+                          </m:ctrlPr>
+                        </m:sSubPr>
+                        <m:e>
+                          <m:r>
+                            <a:rPr kumimoji="1" lang="en-US" altLang="zh-TW" sz="4000" i="1">
+                              <a:solidFill>
+                                <a:srgbClr val="FF0000"/>
+                              </a:solidFill>
+                              <a:latin typeface="Cambria Math" charset="0"/>
+                              <a:ea typeface="Times New Roman" charset="0"/>
+                              <a:cs typeface="Times New Roman" charset="0"/>
+                            </a:rPr>
+                            <m:t>𝑇</m:t>
+                          </m:r>
+                        </m:e>
+                        <m:sub>
+                          <m:r>
+                            <a:rPr kumimoji="1" lang="en-US" altLang="zh-TW" sz="4000" i="1">
+                              <a:solidFill>
+                                <a:srgbClr val="FF0000"/>
+                              </a:solidFill>
+                              <a:latin typeface="Cambria Math" charset="0"/>
+                              <a:ea typeface="Times New Roman" charset="0"/>
+                              <a:cs typeface="Times New Roman" charset="0"/>
+                            </a:rPr>
+                            <m:t>𝑐</m:t>
+                          </m:r>
+                        </m:sub>
+                      </m:sSub>
+                      <m:r>
+                        <a:rPr kumimoji="1" lang="en-US" altLang="zh-TW" sz="4000" i="1" smtClean="0">
+                          <a:solidFill>
+                            <a:schemeClr val="tx1"/>
+                          </a:solidFill>
+                          <a:latin typeface="Cambria Math" charset="0"/>
+                          <a:ea typeface="Cambria Math" charset="0"/>
+                          <a:cs typeface="Cambria Math" charset="0"/>
+                        </a:rPr>
+                        <m:t>∝</m:t>
+                      </m:r>
+                      <m:f>
+                        <m:fPr>
+                          <m:ctrlPr>
+                            <a:rPr kumimoji="1" lang="mr-IN" altLang="zh-TW" sz="4000" i="1" smtClean="0">
+                              <a:solidFill>
+                                <a:srgbClr val="FF0000"/>
+                              </a:solidFill>
+                              <a:latin typeface="Cambria Math" charset="0"/>
+                              <a:ea typeface="Cambria Math" charset="0"/>
+                              <a:cs typeface="Cambria Math" charset="0"/>
+                            </a:rPr>
+                          </m:ctrlPr>
+                        </m:fPr>
+                        <m:num>
+                          <m:r>
+                            <a:rPr kumimoji="1" lang="en-US" altLang="zh-TW" sz="4000" b="0" i="1" smtClean="0">
+                              <a:solidFill>
+                                <a:schemeClr val="tx1"/>
+                              </a:solidFill>
+                              <a:latin typeface="Cambria Math" charset="0"/>
+                              <a:ea typeface="Cambria Math" charset="0"/>
+                              <a:cs typeface="Cambria Math" charset="0"/>
+                            </a:rPr>
+                            <m:t>1</m:t>
+                          </m:r>
+                        </m:num>
+                        <m:den>
+                          <m:sSub>
+                            <m:sSubPr>
+                              <m:ctrlPr>
+                                <a:rPr kumimoji="1" lang="en-US" altLang="zh-TW" sz="4000" i="1">
+                                  <a:solidFill>
+                                    <a:schemeClr val="accent1"/>
+                                  </a:solidFill>
+                                  <a:latin typeface="Cambria Math" charset="0"/>
+                                  <a:ea typeface="Times New Roman" charset="0"/>
+                                  <a:cs typeface="Times New Roman" charset="0"/>
+                                </a:rPr>
+                              </m:ctrlPr>
+                            </m:sSubPr>
+                            <m:e>
+                              <m:r>
+                                <a:rPr kumimoji="1" lang="en-US" altLang="zh-TW" sz="4000" i="1">
+                                  <a:solidFill>
+                                    <a:schemeClr val="accent1"/>
+                                  </a:solidFill>
+                                  <a:latin typeface="Cambria Math" charset="0"/>
+                                  <a:ea typeface="Times New Roman" charset="0"/>
+                                  <a:cs typeface="Times New Roman" charset="0"/>
+                                </a:rPr>
+                                <m:t>𝐷</m:t>
+                              </m:r>
+                            </m:e>
+                            <m:sub>
+                              <m:r>
+                                <a:rPr kumimoji="1" lang="en-US" altLang="zh-TW" sz="4000" i="1">
+                                  <a:solidFill>
+                                    <a:schemeClr val="accent1"/>
+                                  </a:solidFill>
+                                  <a:latin typeface="Cambria Math" charset="0"/>
+                                  <a:ea typeface="Times New Roman" charset="0"/>
+                                  <a:cs typeface="Times New Roman" charset="0"/>
+                                </a:rPr>
+                                <m:t>𝑠</m:t>
+                              </m:r>
+                            </m:sub>
+                          </m:sSub>
+                        </m:den>
+                      </m:f>
+                    </m:oMath>
+                  </m:oMathPara>
+                </a14:m>
+                <a:endParaRPr kumimoji="1" lang="zh-TW" altLang="en-US" sz="3200" dirty="0">
+                  <a:latin typeface="Times New Roman" charset="0"/>
+                  <a:ea typeface="Times New Roman" charset="0"/>
+                  <a:cs typeface="Times New Roman" charset="0"/>
+                </a:endParaRPr>
+              </a:p>
+            </p:txBody>
+          </p:sp>
+        </mc:Choice>
+        <mc:Fallback>
+          <p:sp>
+            <p:nvSpPr>
+              <p:cNvPr id="3" name="內容版面配置區 2"/>
+              <p:cNvSpPr>
+                <a:spLocks noGrp="1" noRot="1" noChangeAspect="1" noMove="1" noResize="1" noEditPoints="1" noAdjustHandles="1" noChangeArrowheads="1" noChangeShapeType="1" noTextEdit="1"/>
+              </p:cNvSpPr>
+              <p:nvPr>
+                <p:ph idx="1"/>
+              </p:nvPr>
+            </p:nvSpPr>
+            <p:spPr>
+              <a:xfrm>
+                <a:off x="335360" y="1700808"/>
+                <a:ext cx="11521280" cy="4680520"/>
+              </a:xfrm>
+              <a:blipFill rotWithShape="0">
+                <a:blip r:embed="rId2"/>
+                <a:stretch>
+                  <a:fillRect/>
+                </a:stretch>
+              </a:blipFill>
+            </p:spPr>
+            <p:txBody>
+              <a:bodyPr/>
+              <a:lstStyle/>
+              <a:p>
+                <a:r>
+                  <a:rPr lang="zh-TW" altLang="en-US">
+                    <a:noFill/>
+                  </a:rPr>
+                  <a:t> </a:t>
+                </a:r>
+              </a:p>
+            </p:txBody>
+          </p:sp>
+        </mc:Fallback>
+      </mc:AlternateContent>
+      <p:sp>
+        <p:nvSpPr>
+          <p:cNvPr id="4" name="投影片編號版面配置區 3"/>
+          <p:cNvSpPr>
+            <a:spLocks noGrp="1"/>
+          </p:cNvSpPr>
+          <p:nvPr>
+            <p:ph type="sldNum" sz="quarter" idx="12"/>
+          </p:nvPr>
+        </p:nvSpPr>
+        <p:spPr/>
+        <p:txBody>
+          <a:bodyPr/>
+          <a:lstStyle/>
+          <a:p>
+            <a:fld id="{3EBBE1F4-AE36-AD42-8177-96288CD18AD2}" type="slidenum">
+              <a:rPr lang="en-US" smtClean="0"/>
+              <a:pPr/>
+              <a:t>11</a:t>
+            </a:fld>
+            <a:endParaRPr lang="en-US"/>
+          </a:p>
+        </p:txBody>
+      </p:sp>
+      <p:pic>
+        <p:nvPicPr>
+          <p:cNvPr id="5" name="圖片 4"/>
+          <p:cNvPicPr>
+            <a:picLocks noChangeAspect="1"/>
+          </p:cNvPicPr>
+          <p:nvPr/>
+        </p:nvPicPr>
+        <p:blipFill>
+          <a:blip r:embed="rId3">
+            <a:extLst>
+              <a:ext uri="{28A0092B-C50C-407E-A947-70E740481C1C}">
+                <a14:useLocalDpi xmlns:a14="http://schemas.microsoft.com/office/drawing/2010/main" val="0"/>
+              </a:ext>
+            </a:extLst>
+          </a:blip>
+          <a:stretch>
+            <a:fillRect/>
+          </a:stretch>
+        </p:blipFill>
+        <p:spPr>
+          <a:xfrm>
+            <a:off x="1334994" y="1968500"/>
+            <a:ext cx="2552700" cy="2298700"/>
+          </a:xfrm>
+          <a:prstGeom prst="rect">
+            <a:avLst/>
+          </a:prstGeom>
+        </p:spPr>
+      </p:pic>
+      <p:pic>
+        <p:nvPicPr>
+          <p:cNvPr id="6" name="圖片 5"/>
+          <p:cNvPicPr>
+            <a:picLocks noChangeAspect="1"/>
+          </p:cNvPicPr>
+          <p:nvPr/>
+        </p:nvPicPr>
+        <p:blipFill>
+          <a:blip r:embed="rId4">
+            <a:extLst>
+              <a:ext uri="{28A0092B-C50C-407E-A947-70E740481C1C}">
+                <a14:useLocalDpi xmlns:a14="http://schemas.microsoft.com/office/drawing/2010/main" val="0"/>
+              </a:ext>
+            </a:extLst>
+          </a:blip>
+          <a:stretch>
+            <a:fillRect/>
+          </a:stretch>
+        </p:blipFill>
+        <p:spPr>
+          <a:xfrm>
+            <a:off x="8226067" y="1905000"/>
+            <a:ext cx="3073400" cy="2362200"/>
+          </a:xfrm>
+          <a:prstGeom prst="rect">
+            <a:avLst/>
+          </a:prstGeom>
+        </p:spPr>
+      </p:pic>
+    </p:spTree>
+    <p:extLst>
+      <p:ext uri="{BB962C8B-B14F-4D97-AF65-F5344CB8AC3E}">
+        <p14:creationId xmlns:p14="http://schemas.microsoft.com/office/powerpoint/2010/main" val="1884467484"/>
+      </p:ext>
+    </p:extLst>
+  </p:cSld>
+  <p:clrMapOvr>
+    <a:masterClrMapping/>
+  </p:clrMapOvr>
+  <mc:AlternateContent xmlns:mc="http://schemas.openxmlformats.org/markup-compatibility/2006" xmlns:p14="http://schemas.microsoft.com/office/powerpoint/2010/main">
+    <mc:Choice Requires="p14">
+      <p:transition spd="med" p14:dur="700">
+        <p:fade/>
+      </p:transition>
+    </mc:Choice>
+    <mc:Fallback xmlns="">
+      <p:transition spd="med">
+        <p:fade/>
+      </p:transition>
+    </mc:Fallback>
+  </mc:AlternateContent>
+  <p:timing>
+    <p:tnLst>
+      <p:par>
+        <p:cTn id="1" dur="indefinite" restart="never" nodeType="tmRoot"/>
+      </p:par>
+    </p:tnLst>
+  </p:timing>
+</p:sld>
+</file>
+
+<file path=ppt/slides/slide12.xml><?xml version="1.0" encoding="utf-8"?>
+<p:sld xmlns:a="http://schemas.openxmlformats.org/drawingml/2006/main" xmlns:r="http://schemas.openxmlformats.org/officeDocument/2006/relationships" xmlns:p="http://schemas.openxmlformats.org/presentationml/2006/main">
+  <p:cSld>
+    <p:spTree>
+      <p:nvGrpSpPr>
+        <p:cNvPr id="1" name=""/>
+        <p:cNvGrpSpPr/>
+        <p:nvPr/>
+      </p:nvGrpSpPr>
+      <p:grpSpPr>
+        <a:xfrm>
+          <a:off x="0" y="0"/>
+          <a:ext cx="0" cy="0"/>
+          <a:chOff x="0" y="0"/>
+          <a:chExt cx="0" cy="0"/>
+        </a:xfrm>
+      </p:grpSpPr>
+      <p:sp>
+        <p:nvSpPr>
+          <p:cNvPr id="2" name="標題 1"/>
+          <p:cNvSpPr>
+            <a:spLocks noGrp="1"/>
+          </p:cNvSpPr>
+          <p:nvPr>
+            <p:ph type="title"/>
+          </p:nvPr>
+        </p:nvSpPr>
+        <p:spPr/>
+        <p:txBody>
+          <a:bodyPr/>
+          <a:lstStyle/>
+          <a:p>
+            <a:r>
+              <a:rPr kumimoji="1" lang="en-US" altLang="zh-TW" dirty="0" smtClean="0"/>
+              <a:t>Path Loss</a:t>
+            </a:r>
+            <a:endParaRPr kumimoji="1" lang="zh-TW" altLang="en-US" dirty="0"/>
+          </a:p>
+        </p:txBody>
+      </p:sp>
+      <p:sp>
+        <p:nvSpPr>
+          <p:cNvPr id="3" name="內容版面配置區 2"/>
+          <p:cNvSpPr>
+            <a:spLocks noGrp="1"/>
+          </p:cNvSpPr>
+          <p:nvPr>
+            <p:ph idx="1"/>
+          </p:nvPr>
+        </p:nvSpPr>
+        <p:spPr/>
+        <p:txBody>
+          <a:bodyPr/>
+          <a:lstStyle/>
+          <a:p>
+            <a:endParaRPr kumimoji="1" lang="zh-TW" altLang="en-US"/>
+          </a:p>
+        </p:txBody>
+      </p:sp>
+      <p:sp>
+        <p:nvSpPr>
+          <p:cNvPr id="4" name="投影片編號版面配置區 3"/>
+          <p:cNvSpPr>
+            <a:spLocks noGrp="1"/>
+          </p:cNvSpPr>
+          <p:nvPr>
+            <p:ph type="sldNum" sz="quarter" idx="12"/>
+          </p:nvPr>
+        </p:nvSpPr>
+        <p:spPr/>
+        <p:txBody>
+          <a:bodyPr/>
+          <a:lstStyle/>
+          <a:p>
+            <a:fld id="{3EBBE1F4-AE36-AD42-8177-96288CD18AD2}" type="slidenum">
+              <a:rPr lang="en-US" smtClean="0"/>
+              <a:pPr/>
+              <a:t>12</a:t>
+            </a:fld>
+            <a:endParaRPr lang="en-US"/>
+          </a:p>
+        </p:txBody>
+      </p:sp>
+    </p:spTree>
+    <p:extLst>
+      <p:ext uri="{BB962C8B-B14F-4D97-AF65-F5344CB8AC3E}">
+        <p14:creationId xmlns:p14="http://schemas.microsoft.com/office/powerpoint/2010/main" val="596092803"/>
+      </p:ext>
+    </p:extLst>
+  </p:cSld>
+  <p:clrMapOvr>
+    <a:masterClrMapping/>
+  </p:clrMapOvr>
+  <mc:AlternateContent xmlns:mc="http://schemas.openxmlformats.org/markup-compatibility/2006" xmlns:p14="http://schemas.microsoft.com/office/powerpoint/2010/main">
+    <mc:Choice Requires="p14">
+      <p:transition spd="med" p14:dur="700">
+        <p:fade/>
+      </p:transition>
+    </mc:Choice>
+    <mc:Fallback xmlns="">
+      <p:transition spd="med">
+        <p:fade/>
+      </p:transition>
+    </mc:Fallback>
+  </mc:AlternateContent>
+  <p:timing>
+    <p:tnLst>
+      <p:par>
+        <p:cTn id="1" dur="indefinite" restart="never" nodeType="tmRoot"/>
+      </p:par>
+    </p:tnLst>
+  </p:timing>
+</p:sld>
+</file>
+
+<file path=ppt/slides/slide13.xml><?xml version="1.0" encoding="utf-8"?>
+<p:sld xmlns:a="http://schemas.openxmlformats.org/drawingml/2006/main" xmlns:r="http://schemas.openxmlformats.org/officeDocument/2006/relationships" xmlns:p="http://schemas.openxmlformats.org/presentationml/2006/main">
+  <p:cSld>
+    <p:spTree>
+      <p:nvGrpSpPr>
+        <p:cNvPr id="1" name=""/>
+        <p:cNvGrpSpPr/>
+        <p:nvPr/>
+      </p:nvGrpSpPr>
+      <p:grpSpPr>
+        <a:xfrm>
+          <a:off x="0" y="0"/>
+          <a:ext cx="0" cy="0"/>
+          <a:chOff x="0" y="0"/>
+          <a:chExt cx="0" cy="0"/>
+        </a:xfrm>
+      </p:grpSpPr>
+      <p:sp>
+        <p:nvSpPr>
+          <p:cNvPr id="2" name="標題 1"/>
+          <p:cNvSpPr>
+            <a:spLocks noGrp="1"/>
+          </p:cNvSpPr>
+          <p:nvPr>
+            <p:ph type="title"/>
+          </p:nvPr>
+        </p:nvSpPr>
+        <p:spPr/>
+        <p:txBody>
+          <a:bodyPr/>
+          <a:lstStyle/>
+          <a:p>
+            <a:r>
               <a:rPr lang="en-US" altLang="zh-TW" dirty="0" smtClean="0">
                 <a:latin typeface="Times New Roman" panose="02020603050405020304" pitchFamily="18" charset="0"/>
                 <a:cs typeface="Times New Roman" panose="02020603050405020304" pitchFamily="18" charset="0"/>
@@ -10039,7 +11240,7 @@
             <a:fld id="{3EBBE1F4-AE36-AD42-8177-96288CD18AD2}" type="slidenum">
               <a:rPr lang="en-US" smtClean="0"/>
               <a:pPr/>
-              <a:t>10</a:t>
+              <a:t>13</a:t>
             </a:fld>
             <a:endParaRPr lang="en-US"/>
           </a:p>
@@ -10343,7 +11544,7 @@
 </p:sld>
 </file>
 
-<file path=ppt/slides/slide11.xml><?xml version="1.0" encoding="utf-8"?>
+<file path=ppt/slides/slide14.xml><?xml version="1.0" encoding="utf-8"?>
 <p:sld xmlns:a="http://schemas.openxmlformats.org/drawingml/2006/main" xmlns:r="http://schemas.openxmlformats.org/officeDocument/2006/relationships" xmlns:p="http://schemas.openxmlformats.org/presentationml/2006/main">
   <p:cSld>
     <p:spTree>
@@ -10455,7 +11656,7 @@
             <a:fld id="{3EBBE1F4-AE36-AD42-8177-96288CD18AD2}" type="slidenum">
               <a:rPr lang="en-US" smtClean="0"/>
               <a:pPr/>
-              <a:t>11</a:t>
+              <a:t>14</a:t>
             </a:fld>
             <a:endParaRPr lang="en-US"/>
           </a:p>
@@ -10591,7 +11792,7 @@
 </p:sld>
 </file>
 
-<file path=ppt/slides/slide12.xml><?xml version="1.0" encoding="utf-8"?>
+<file path=ppt/slides/slide15.xml><?xml version="1.0" encoding="utf-8"?>
 <p:sld xmlns:a="http://schemas.openxmlformats.org/drawingml/2006/main" xmlns:r="http://schemas.openxmlformats.org/officeDocument/2006/relationships" xmlns:p="http://schemas.openxmlformats.org/presentationml/2006/main">
   <p:cSld>
     <p:spTree>
@@ -10980,7 +12181,7 @@
             <a:fld id="{3EBBE1F4-AE36-AD42-8177-96288CD18AD2}" type="slidenum">
               <a:rPr lang="en-US" smtClean="0"/>
               <a:pPr/>
-              <a:t>12</a:t>
+              <a:t>15</a:t>
             </a:fld>
             <a:endParaRPr lang="en-US"/>
           </a:p>
@@ -11368,7 +12569,7 @@
 </p:sld>
 </file>
 
-<file path=ppt/slides/slide13.xml><?xml version="1.0" encoding="utf-8"?>
+<file path=ppt/slides/slide16.xml><?xml version="1.0" encoding="utf-8"?>
 <p:sld xmlns:a="http://schemas.openxmlformats.org/drawingml/2006/main" xmlns:r="http://schemas.openxmlformats.org/officeDocument/2006/relationships" xmlns:p="http://schemas.openxmlformats.org/presentationml/2006/main">
   <p:cSld>
     <p:spTree>
@@ -11434,7 +12635,7 @@
             <a:fld id="{3EBBE1F4-AE36-AD42-8177-96288CD18AD2}" type="slidenum">
               <a:rPr lang="en-US" smtClean="0"/>
               <a:pPr/>
-              <a:t>13</a:t>
+              <a:t>16</a:t>
             </a:fld>
             <a:endParaRPr lang="en-US"/>
           </a:p>
@@ -11803,7 +13004,7 @@
 </p:sld>
 </file>
 
-<file path=ppt/slides/slide14.xml><?xml version="1.0" encoding="utf-8"?>
+<file path=ppt/slides/slide17.xml><?xml version="1.0" encoding="utf-8"?>
 <p:sld xmlns:a="http://schemas.openxmlformats.org/drawingml/2006/main" xmlns:r="http://schemas.openxmlformats.org/officeDocument/2006/relationships" xmlns:p="http://schemas.openxmlformats.org/presentationml/2006/main">
   <p:cSld>
     <p:spTree>
@@ -11869,7 +13070,7 @@
             <a:fld id="{3EBBE1F4-AE36-AD42-8177-96288CD18AD2}" type="slidenum">
               <a:rPr lang="en-US" smtClean="0"/>
               <a:pPr/>
-              <a:t>14</a:t>
+              <a:t>17</a:t>
             </a:fld>
             <a:endParaRPr lang="en-US"/>
           </a:p>
@@ -12442,7 +13643,7 @@
 </p:sld>
 </file>
 
-<file path=ppt/slides/slide15.xml><?xml version="1.0" encoding="utf-8"?>
+<file path=ppt/slides/slide18.xml><?xml version="1.0" encoding="utf-8"?>
 <p:sld xmlns:a="http://schemas.openxmlformats.org/drawingml/2006/main" xmlns:r="http://schemas.openxmlformats.org/officeDocument/2006/relationships" xmlns:p="http://schemas.openxmlformats.org/presentationml/2006/main">
   <p:cSld>
     <p:spTree>
@@ -12508,7 +13709,7 @@
             <a:fld id="{3EBBE1F4-AE36-AD42-8177-96288CD18AD2}" type="slidenum">
               <a:rPr lang="en-US" smtClean="0"/>
               <a:pPr/>
-              <a:t>15</a:t>
+              <a:t>18</a:t>
             </a:fld>
             <a:endParaRPr lang="en-US"/>
           </a:p>
@@ -12851,7 +14052,7 @@
 </p:sld>
 </file>
 
-<file path=ppt/slides/slide16.xml><?xml version="1.0" encoding="utf-8"?>
+<file path=ppt/slides/slide19.xml><?xml version="1.0" encoding="utf-8"?>
 <p:sld xmlns:a="http://schemas.openxmlformats.org/drawingml/2006/main" xmlns:r="http://schemas.openxmlformats.org/officeDocument/2006/relationships" xmlns:p="http://schemas.openxmlformats.org/presentationml/2006/main">
   <p:cSld>
     <p:spTree>
@@ -12917,7 +14118,7 @@
             <a:fld id="{3EBBE1F4-AE36-AD42-8177-96288CD18AD2}" type="slidenum">
               <a:rPr lang="en-US" smtClean="0"/>
               <a:pPr/>
-              <a:t>16</a:t>
+              <a:t>19</a:t>
             </a:fld>
             <a:endParaRPr lang="en-US"/>
           </a:p>
@@ -13117,7 +14318,181 @@
 </p:sld>
 </file>
 
-<file path=ppt/slides/slide17.xml><?xml version="1.0" encoding="utf-8"?>
+<file path=ppt/slides/slide2.xml><?xml version="1.0" encoding="utf-8"?>
+<p:sld xmlns:a="http://schemas.openxmlformats.org/drawingml/2006/main" xmlns:r="http://schemas.openxmlformats.org/officeDocument/2006/relationships" xmlns:p="http://schemas.openxmlformats.org/presentationml/2006/main">
+  <p:cSld>
+    <p:spTree>
+      <p:nvGrpSpPr>
+        <p:cNvPr id="1" name=""/>
+        <p:cNvGrpSpPr/>
+        <p:nvPr/>
+      </p:nvGrpSpPr>
+      <p:grpSpPr>
+        <a:xfrm>
+          <a:off x="0" y="0"/>
+          <a:ext cx="0" cy="0"/>
+          <a:chOff x="0" y="0"/>
+          <a:chExt cx="0" cy="0"/>
+        </a:xfrm>
+      </p:grpSpPr>
+      <p:sp>
+        <p:nvSpPr>
+          <p:cNvPr id="2" name="標題 1"/>
+          <p:cNvSpPr>
+            <a:spLocks noGrp="1"/>
+          </p:cNvSpPr>
+          <p:nvPr>
+            <p:ph type="title"/>
+          </p:nvPr>
+        </p:nvSpPr>
+        <p:spPr/>
+        <p:txBody>
+          <a:bodyPr/>
+          <a:lstStyle/>
+          <a:p>
+            <a:r>
+              <a:rPr lang="en-US" altLang="zh-TW" dirty="0" smtClean="0">
+                <a:latin typeface="Times New Roman" panose="02020603050405020304" pitchFamily="18" charset="0"/>
+                <a:cs typeface="Times New Roman" panose="02020603050405020304" pitchFamily="18" charset="0"/>
+              </a:rPr>
+              <a:t>Outline</a:t>
+            </a:r>
+            <a:endParaRPr lang="zh-TW" altLang="en-US" dirty="0">
+              <a:latin typeface="Times New Roman" panose="02020603050405020304" pitchFamily="18" charset="0"/>
+              <a:cs typeface="Times New Roman" panose="02020603050405020304" pitchFamily="18" charset="0"/>
+            </a:endParaRPr>
+          </a:p>
+        </p:txBody>
+      </p:sp>
+      <p:sp>
+        <p:nvSpPr>
+          <p:cNvPr id="3" name="內容版面配置區 2"/>
+          <p:cNvSpPr>
+            <a:spLocks noGrp="1"/>
+          </p:cNvSpPr>
+          <p:nvPr>
+            <p:ph idx="1"/>
+          </p:nvPr>
+        </p:nvSpPr>
+        <p:spPr/>
+        <p:txBody>
+          <a:bodyPr/>
+          <a:lstStyle/>
+          <a:p>
+            <a:pPr>
+              <a:lnSpc>
+                <a:spcPct val="150000"/>
+              </a:lnSpc>
+            </a:pPr>
+            <a:r>
+              <a:rPr lang="en-US" altLang="zh-TW" sz="3200" b="1" dirty="0" smtClean="0">
+                <a:latin typeface="Times New Roman" charset="0"/>
+                <a:ea typeface="Times New Roman" charset="0"/>
+                <a:cs typeface="Times New Roman" charset="0"/>
+              </a:rPr>
+              <a:t>Channel</a:t>
+            </a:r>
+          </a:p>
+          <a:p>
+            <a:pPr>
+              <a:lnSpc>
+                <a:spcPct val="150000"/>
+              </a:lnSpc>
+            </a:pPr>
+            <a:r>
+              <a:rPr lang="en-US" altLang="zh-TW" sz="3200" b="1" dirty="0" err="1" smtClean="0">
+                <a:latin typeface="Times New Roman" charset="0"/>
+                <a:ea typeface="Times New Roman" charset="0"/>
+                <a:cs typeface="Times New Roman" charset="0"/>
+              </a:rPr>
+              <a:t>Friis</a:t>
+            </a:r>
+            <a:r>
+              <a:rPr lang="en-US" altLang="zh-TW" sz="3200" b="1" dirty="0" smtClean="0">
+                <a:latin typeface="Times New Roman" charset="0"/>
+                <a:ea typeface="Times New Roman" charset="0"/>
+                <a:cs typeface="Times New Roman" charset="0"/>
+              </a:rPr>
+              <a:t> Transmission Equation</a:t>
+            </a:r>
+          </a:p>
+          <a:p>
+            <a:pPr>
+              <a:lnSpc>
+                <a:spcPct val="150000"/>
+              </a:lnSpc>
+            </a:pPr>
+            <a:r>
+              <a:rPr lang="en-US" altLang="zh-TW" sz="3200" b="1" dirty="0" smtClean="0">
+                <a:latin typeface="Times New Roman" charset="0"/>
+                <a:ea typeface="Times New Roman" charset="0"/>
+                <a:cs typeface="Times New Roman" charset="0"/>
+              </a:rPr>
+              <a:t>RFID</a:t>
+            </a:r>
+          </a:p>
+          <a:p>
+            <a:endParaRPr lang="zh-TW" altLang="en-US" dirty="0"/>
+          </a:p>
+        </p:txBody>
+      </p:sp>
+      <p:sp>
+        <p:nvSpPr>
+          <p:cNvPr id="4" name="投影片編號版面配置區 3"/>
+          <p:cNvSpPr>
+            <a:spLocks noGrp="1"/>
+          </p:cNvSpPr>
+          <p:nvPr>
+            <p:ph type="sldNum" sz="quarter" idx="12"/>
+          </p:nvPr>
+        </p:nvSpPr>
+        <p:spPr/>
+        <p:txBody>
+          <a:bodyPr/>
+          <a:lstStyle/>
+          <a:p>
+            <a:fld id="{3EBBE1F4-AE36-AD42-8177-96288CD18AD2}" type="slidenum">
+              <a:rPr lang="en-US" smtClean="0"/>
+              <a:pPr/>
+              <a:t>2</a:t>
+            </a:fld>
+            <a:endParaRPr lang="en-US"/>
+          </a:p>
+        </p:txBody>
+      </p:sp>
+    </p:spTree>
+    <p:extLst>
+      <p:ext uri="{BB962C8B-B14F-4D97-AF65-F5344CB8AC3E}">
+        <p14:creationId xmlns:p14="http://schemas.microsoft.com/office/powerpoint/2010/main" val="195901084"/>
+      </p:ext>
+    </p:extLst>
+  </p:cSld>
+  <p:clrMapOvr>
+    <a:masterClrMapping/>
+  </p:clrMapOvr>
+  <mc:AlternateContent xmlns:mc="http://schemas.openxmlformats.org/markup-compatibility/2006" xmlns:p14="http://schemas.microsoft.com/office/powerpoint/2010/main">
+    <mc:Choice Requires="p14">
+      <p:transition spd="med" p14:dur="700">
+        <p:fade/>
+      </p:transition>
+    </mc:Choice>
+    <mc:Fallback xmlns="">
+      <p:transition spd="med">
+        <p:fade/>
+      </p:transition>
+    </mc:Fallback>
+  </mc:AlternateContent>
+  <p:timing>
+    <p:tnLst>
+      <p:par>
+        <p:cTn id="1" dur="indefinite" restart="never" nodeType="tmRoot"/>
+      </p:par>
+    </p:tnLst>
+  </p:timing>
+</p:sld>
+</file>
+
+<file path=ppt/slides/slide20.xml><?xml version="1.0" encoding="utf-8"?>
 <p:sld xmlns:a="http://schemas.openxmlformats.org/drawingml/2006/main" xmlns:r="http://schemas.openxmlformats.org/officeDocument/2006/relationships" xmlns:p="http://schemas.openxmlformats.org/presentationml/2006/main">
   <p:cSld>
     <p:spTree>
@@ -13151,7 +14526,7 @@
           <a:p>
             <a:fld id="{3EBBE1F4-AE36-AD42-8177-96288CD18AD2}" type="slidenum">
               <a:rPr lang="en-US" smtClean="0"/>
-              <a:t>17</a:t>
+              <a:t>20</a:t>
             </a:fld>
             <a:endParaRPr lang="en-US"/>
           </a:p>
@@ -13943,7 +15318,7 @@
 </p:sld>
 </file>
 
-<file path=ppt/slides/slide18.xml><?xml version="1.0" encoding="utf-8"?>
+<file path=ppt/slides/slide21.xml><?xml version="1.0" encoding="utf-8"?>
 <p:sld xmlns:a="http://schemas.openxmlformats.org/drawingml/2006/main" xmlns:r="http://schemas.openxmlformats.org/officeDocument/2006/relationships" xmlns:p="http://schemas.openxmlformats.org/presentationml/2006/main">
   <p:cSld>
     <p:spTree>
@@ -14079,7 +15454,7 @@
             <a:fld id="{3EBBE1F4-AE36-AD42-8177-96288CD18AD2}" type="slidenum">
               <a:rPr lang="en-US" smtClean="0"/>
               <a:pPr/>
-              <a:t>18</a:t>
+              <a:t>21</a:t>
             </a:fld>
             <a:endParaRPr lang="en-US"/>
           </a:p>
@@ -14372,7 +15747,7 @@
 </p:sld>
 </file>
 
-<file path=ppt/slides/slide19.xml><?xml version="1.0" encoding="utf-8"?>
+<file path=ppt/slides/slide22.xml><?xml version="1.0" encoding="utf-8"?>
 <p:sld xmlns:a="http://schemas.openxmlformats.org/drawingml/2006/main" xmlns:r="http://schemas.openxmlformats.org/officeDocument/2006/relationships" xmlns:p="http://schemas.openxmlformats.org/presentationml/2006/main">
   <p:cSld>
     <p:spTree>
@@ -14536,7 +15911,7 @@
             <a:fld id="{3EBBE1F4-AE36-AD42-8177-96288CD18AD2}" type="slidenum">
               <a:rPr lang="en-US" smtClean="0"/>
               <a:pPr/>
-              <a:t>19</a:t>
+              <a:t>22</a:t>
             </a:fld>
             <a:endParaRPr lang="en-US"/>
           </a:p>
@@ -14546,180 +15921,6 @@
     <p:extLst>
       <p:ext uri="{BB962C8B-B14F-4D97-AF65-F5344CB8AC3E}">
         <p14:creationId xmlns:p14="http://schemas.microsoft.com/office/powerpoint/2010/main" val="1339123551"/>
-      </p:ext>
-    </p:extLst>
-  </p:cSld>
-  <p:clrMapOvr>
-    <a:masterClrMapping/>
-  </p:clrMapOvr>
-  <mc:AlternateContent xmlns:mc="http://schemas.openxmlformats.org/markup-compatibility/2006" xmlns:p14="http://schemas.microsoft.com/office/powerpoint/2010/main">
-    <mc:Choice Requires="p14">
-      <p:transition spd="med" p14:dur="700">
-        <p:fade/>
-      </p:transition>
-    </mc:Choice>
-    <mc:Fallback xmlns="">
-      <p:transition spd="med">
-        <p:fade/>
-      </p:transition>
-    </mc:Fallback>
-  </mc:AlternateContent>
-  <p:timing>
-    <p:tnLst>
-      <p:par>
-        <p:cTn id="1" dur="indefinite" restart="never" nodeType="tmRoot"/>
-      </p:par>
-    </p:tnLst>
-  </p:timing>
-</p:sld>
-</file>
-
-<file path=ppt/slides/slide2.xml><?xml version="1.0" encoding="utf-8"?>
-<p:sld xmlns:a="http://schemas.openxmlformats.org/drawingml/2006/main" xmlns:r="http://schemas.openxmlformats.org/officeDocument/2006/relationships" xmlns:p="http://schemas.openxmlformats.org/presentationml/2006/main">
-  <p:cSld>
-    <p:spTree>
-      <p:nvGrpSpPr>
-        <p:cNvPr id="1" name=""/>
-        <p:cNvGrpSpPr/>
-        <p:nvPr/>
-      </p:nvGrpSpPr>
-      <p:grpSpPr>
-        <a:xfrm>
-          <a:off x="0" y="0"/>
-          <a:ext cx="0" cy="0"/>
-          <a:chOff x="0" y="0"/>
-          <a:chExt cx="0" cy="0"/>
-        </a:xfrm>
-      </p:grpSpPr>
-      <p:sp>
-        <p:nvSpPr>
-          <p:cNvPr id="2" name="標題 1"/>
-          <p:cNvSpPr>
-            <a:spLocks noGrp="1"/>
-          </p:cNvSpPr>
-          <p:nvPr>
-            <p:ph type="title"/>
-          </p:nvPr>
-        </p:nvSpPr>
-        <p:spPr/>
-        <p:txBody>
-          <a:bodyPr/>
-          <a:lstStyle/>
-          <a:p>
-            <a:r>
-              <a:rPr lang="en-US" altLang="zh-TW" dirty="0" smtClean="0">
-                <a:latin typeface="Times New Roman" panose="02020603050405020304" pitchFamily="18" charset="0"/>
-                <a:cs typeface="Times New Roman" panose="02020603050405020304" pitchFamily="18" charset="0"/>
-              </a:rPr>
-              <a:t>Outline</a:t>
-            </a:r>
-            <a:endParaRPr lang="zh-TW" altLang="en-US" dirty="0">
-              <a:latin typeface="Times New Roman" panose="02020603050405020304" pitchFamily="18" charset="0"/>
-              <a:cs typeface="Times New Roman" panose="02020603050405020304" pitchFamily="18" charset="0"/>
-            </a:endParaRPr>
-          </a:p>
-        </p:txBody>
-      </p:sp>
-      <p:sp>
-        <p:nvSpPr>
-          <p:cNvPr id="3" name="內容版面配置區 2"/>
-          <p:cNvSpPr>
-            <a:spLocks noGrp="1"/>
-          </p:cNvSpPr>
-          <p:nvPr>
-            <p:ph idx="1"/>
-          </p:nvPr>
-        </p:nvSpPr>
-        <p:spPr/>
-        <p:txBody>
-          <a:bodyPr/>
-          <a:lstStyle/>
-          <a:p>
-            <a:pPr>
-              <a:lnSpc>
-                <a:spcPct val="150000"/>
-              </a:lnSpc>
-            </a:pPr>
-            <a:r>
-              <a:rPr lang="en-US" altLang="zh-TW" sz="3200" b="1" dirty="0" smtClean="0">
-                <a:latin typeface="Times New Roman" charset="0"/>
-                <a:ea typeface="Times New Roman" charset="0"/>
-                <a:cs typeface="Times New Roman" charset="0"/>
-              </a:rPr>
-              <a:t>Channel</a:t>
-            </a:r>
-          </a:p>
-          <a:p>
-            <a:pPr>
-              <a:lnSpc>
-                <a:spcPct val="150000"/>
-              </a:lnSpc>
-            </a:pPr>
-            <a:r>
-              <a:rPr lang="en-US" altLang="zh-TW" sz="3200" b="1" dirty="0" err="1" smtClean="0">
-                <a:latin typeface="Times New Roman" charset="0"/>
-                <a:ea typeface="Times New Roman" charset="0"/>
-                <a:cs typeface="Times New Roman" charset="0"/>
-              </a:rPr>
-              <a:t>Friis</a:t>
-            </a:r>
-            <a:r>
-              <a:rPr lang="en-US" altLang="zh-TW" sz="3200" b="1" dirty="0" smtClean="0">
-                <a:latin typeface="Times New Roman" charset="0"/>
-                <a:ea typeface="Times New Roman" charset="0"/>
-                <a:cs typeface="Times New Roman" charset="0"/>
-              </a:rPr>
-              <a:t> Transmission Equation</a:t>
-            </a:r>
-          </a:p>
-          <a:p>
-            <a:pPr>
-              <a:lnSpc>
-                <a:spcPct val="150000"/>
-              </a:lnSpc>
-            </a:pPr>
-            <a:r>
-              <a:rPr lang="en-US" altLang="zh-TW" sz="3200" b="1" dirty="0" smtClean="0">
-                <a:latin typeface="Times New Roman" charset="0"/>
-                <a:ea typeface="Times New Roman" charset="0"/>
-                <a:cs typeface="Times New Roman" charset="0"/>
-              </a:rPr>
-              <a:t>RFID</a:t>
-            </a:r>
-          </a:p>
-          <a:p>
-            <a:endParaRPr lang="zh-TW" altLang="en-US" dirty="0"/>
-          </a:p>
-        </p:txBody>
-      </p:sp>
-      <p:sp>
-        <p:nvSpPr>
-          <p:cNvPr id="4" name="投影片編號版面配置區 3"/>
-          <p:cNvSpPr>
-            <a:spLocks noGrp="1"/>
-          </p:cNvSpPr>
-          <p:nvPr>
-            <p:ph type="sldNum" sz="quarter" idx="12"/>
-          </p:nvPr>
-        </p:nvSpPr>
-        <p:spPr/>
-        <p:txBody>
-          <a:bodyPr/>
-          <a:lstStyle/>
-          <a:p>
-            <a:fld id="{3EBBE1F4-AE36-AD42-8177-96288CD18AD2}" type="slidenum">
-              <a:rPr lang="en-US" smtClean="0"/>
-              <a:pPr/>
-              <a:t>2</a:t>
-            </a:fld>
-            <a:endParaRPr lang="en-US"/>
-          </a:p>
-        </p:txBody>
-      </p:sp>
-    </p:spTree>
-    <p:extLst>
-      <p:ext uri="{BB962C8B-B14F-4D97-AF65-F5344CB8AC3E}">
-        <p14:creationId xmlns:p14="http://schemas.microsoft.com/office/powerpoint/2010/main" val="195901084"/>
       </p:ext>
     </p:extLst>
   </p:cSld>
@@ -18451,31 +19652,620 @@
           <a:p>
             <a:r>
               <a:rPr kumimoji="1" lang="en-US" altLang="zh-TW" dirty="0" smtClean="0"/>
-              <a:t>Channel Fading</a:t>
+              <a:t>Channel</a:t>
             </a:r>
             <a:endParaRPr kumimoji="1" lang="zh-TW" altLang="en-US" dirty="0"/>
           </a:p>
         </p:txBody>
       </p:sp>
-      <p:sp>
-        <p:nvSpPr>
-          <p:cNvPr id="3" name="內容版面配置區 2"/>
-          <p:cNvSpPr>
-            <a:spLocks noGrp="1"/>
-          </p:cNvSpPr>
-          <p:nvPr>
-            <p:ph idx="1"/>
-          </p:nvPr>
-        </p:nvSpPr>
-        <p:spPr/>
-        <p:txBody>
-          <a:bodyPr/>
-          <a:lstStyle/>
-          <a:p>
-            <a:endParaRPr kumimoji="1" lang="zh-TW" altLang="en-US"/>
-          </a:p>
-        </p:txBody>
-      </p:sp>
+      <mc:AlternateContent xmlns:mc="http://schemas.openxmlformats.org/markup-compatibility/2006" xmlns:a14="http://schemas.microsoft.com/office/drawing/2010/main">
+        <mc:Choice Requires="a14">
+          <p:sp>
+            <p:nvSpPr>
+              <p:cNvPr id="3" name="內容版面配置區 2"/>
+              <p:cNvSpPr>
+                <a:spLocks noGrp="1"/>
+              </p:cNvSpPr>
+              <p:nvPr>
+                <p:ph idx="1"/>
+              </p:nvPr>
+            </p:nvSpPr>
+            <p:spPr/>
+            <p:txBody>
+              <a:bodyPr/>
+              <a:lstStyle/>
+              <a:p>
+                <a:r>
+                  <a:rPr kumimoji="1" lang="en-US" altLang="zh-TW" sz="3200" dirty="0" smtClean="0">
+                    <a:latin typeface="Times New Roman" charset="0"/>
+                    <a:ea typeface="Times New Roman" charset="0"/>
+                    <a:cs typeface="Times New Roman" charset="0"/>
+                  </a:rPr>
+                  <a:t>Signal is sent in time domain, but </a:t>
+                </a:r>
+                <a:r>
+                  <a:rPr kumimoji="1" lang="en-US" altLang="zh-TW" sz="3200" dirty="0" smtClean="0">
+                    <a:solidFill>
+                      <a:srgbClr val="FF0000"/>
+                    </a:solidFill>
+                    <a:latin typeface="Times New Roman" charset="0"/>
+                    <a:ea typeface="Times New Roman" charset="0"/>
+                    <a:cs typeface="Times New Roman" charset="0"/>
+                  </a:rPr>
+                  <a:t>processed in frequency domain</a:t>
+                </a:r>
+                <a:r>
+                  <a:rPr kumimoji="1" lang="en-US" altLang="zh-TW" sz="3200" dirty="0" smtClean="0">
+                    <a:latin typeface="Times New Roman" charset="0"/>
+                    <a:ea typeface="Times New Roman" charset="0"/>
+                    <a:cs typeface="Times New Roman" charset="0"/>
+                  </a:rPr>
+                  <a:t>.</a:t>
+                </a:r>
+              </a:p>
+              <a:p>
+                <a:pPr>
+                  <a:lnSpc>
+                    <a:spcPct val="150000"/>
+                  </a:lnSpc>
+                </a:pPr>
+                <a:r>
+                  <a:rPr kumimoji="1" lang="en-US" altLang="zh-TW" sz="3200" b="0" dirty="0" smtClean="0">
+                    <a:latin typeface="Times New Roman" charset="0"/>
+                    <a:ea typeface="Times New Roman" charset="0"/>
+                    <a:cs typeface="Times New Roman" charset="0"/>
+                  </a:rPr>
+                  <a:t>Signal in frequency domain</a:t>
+                </a:r>
+              </a:p>
+              <a:p>
+                <a:pPr marL="11112" indent="0">
+                  <a:lnSpc>
+                    <a:spcPct val="150000"/>
+                  </a:lnSpc>
+                  <a:buNone/>
+                </a:pPr>
+                <a:r>
+                  <a:rPr kumimoji="1" lang="en-US" altLang="zh-TW" sz="3200" b="0" dirty="0" smtClean="0">
+                    <a:ea typeface="Times New Roman" charset="0"/>
+                    <a:cs typeface="Times New Roman" charset="0"/>
+                  </a:rPr>
+                  <a:t>			</a:t>
+                </a:r>
+                <a14:m>
+                  <m:oMath xmlns:m="http://schemas.openxmlformats.org/officeDocument/2006/math">
+                    <m:r>
+                      <a:rPr kumimoji="1" lang="en-US" altLang="zh-TW" sz="4000" b="0" i="1" smtClean="0">
+                        <a:latin typeface="Cambria Math" charset="0"/>
+                        <a:ea typeface="Times New Roman" charset="0"/>
+                        <a:cs typeface="Times New Roman" charset="0"/>
+                      </a:rPr>
+                      <m:t>𝑌</m:t>
+                    </m:r>
+                    <m:r>
+                      <a:rPr kumimoji="1" lang="en-US" altLang="zh-TW" sz="4000" b="0" i="1" smtClean="0">
+                        <a:latin typeface="Cambria Math" charset="0"/>
+                        <a:ea typeface="Times New Roman" charset="0"/>
+                        <a:cs typeface="Times New Roman" charset="0"/>
+                      </a:rPr>
+                      <m:t>=</m:t>
+                    </m:r>
+                    <m:r>
+                      <a:rPr kumimoji="1" lang="en-US" altLang="zh-TW" sz="4000" b="0" i="1" smtClean="0">
+                        <a:latin typeface="Cambria Math" charset="0"/>
+                        <a:ea typeface="Times New Roman" charset="0"/>
+                        <a:cs typeface="Times New Roman" charset="0"/>
+                      </a:rPr>
+                      <m:t>h</m:t>
+                    </m:r>
+                    <m:r>
+                      <a:rPr kumimoji="1" lang="en-US" altLang="zh-TW" sz="4000" b="0" i="1" smtClean="0">
+                        <a:latin typeface="Cambria Math" charset="0"/>
+                        <a:ea typeface="Cambria Math" charset="0"/>
+                        <a:cs typeface="Cambria Math" charset="0"/>
+                      </a:rPr>
+                      <m:t>∙</m:t>
+                    </m:r>
+                    <m:r>
+                      <a:rPr kumimoji="1" lang="en-US" altLang="zh-TW" sz="4000" b="0" i="1" smtClean="0">
+                        <a:latin typeface="Cambria Math" charset="0"/>
+                        <a:ea typeface="Times New Roman" charset="0"/>
+                        <a:cs typeface="Times New Roman" charset="0"/>
+                      </a:rPr>
+                      <m:t>𝑋</m:t>
+                    </m:r>
+                    <m:r>
+                      <a:rPr kumimoji="1" lang="en-US" altLang="zh-TW" sz="4000" b="0" i="1" smtClean="0">
+                        <a:latin typeface="Cambria Math" charset="0"/>
+                        <a:ea typeface="Times New Roman" charset="0"/>
+                        <a:cs typeface="Times New Roman" charset="0"/>
+                      </a:rPr>
+                      <m:t>=</m:t>
+                    </m:r>
+                    <m:r>
+                      <a:rPr kumimoji="1" lang="en-US" altLang="zh-TW" sz="4000" i="1">
+                        <a:solidFill>
+                          <a:schemeClr val="accent1"/>
+                        </a:solidFill>
+                        <a:latin typeface="Cambria Math" charset="0"/>
+                        <a:ea typeface="Cambria Math" charset="0"/>
+                        <a:cs typeface="Cambria Math" charset="0"/>
+                      </a:rPr>
+                      <m:t>𝛼</m:t>
+                    </m:r>
+                    <m:r>
+                      <a:rPr kumimoji="1" lang="en-US" altLang="zh-TW" sz="4000" i="1">
+                        <a:latin typeface="Cambria Math" charset="0"/>
+                        <a:ea typeface="Cambria Math" charset="0"/>
+                        <a:cs typeface="Cambria Math" charset="0"/>
+                      </a:rPr>
+                      <m:t>∙</m:t>
+                    </m:r>
+                    <m:sSup>
+                      <m:sSupPr>
+                        <m:ctrlPr>
+                          <a:rPr kumimoji="1" lang="en-US" altLang="zh-TW" sz="4000" i="1">
+                            <a:latin typeface="Cambria Math" charset="0"/>
+                            <a:ea typeface="Cambria Math" charset="0"/>
+                            <a:cs typeface="Cambria Math" charset="0"/>
+                          </a:rPr>
+                        </m:ctrlPr>
+                      </m:sSupPr>
+                      <m:e>
+                        <m:r>
+                          <a:rPr kumimoji="1" lang="en-US" altLang="zh-TW" sz="4000" i="1">
+                            <a:solidFill>
+                              <a:schemeClr val="accent1"/>
+                            </a:solidFill>
+                            <a:latin typeface="Cambria Math" charset="0"/>
+                            <a:ea typeface="Cambria Math" charset="0"/>
+                            <a:cs typeface="Cambria Math" charset="0"/>
+                          </a:rPr>
+                          <m:t>𝑒</m:t>
+                        </m:r>
+                      </m:e>
+                      <m:sup>
+                        <m:r>
+                          <a:rPr kumimoji="1" lang="en-US" altLang="zh-TW" sz="4000" i="1">
+                            <a:solidFill>
+                              <a:schemeClr val="accent1"/>
+                            </a:solidFill>
+                            <a:latin typeface="Cambria Math" charset="0"/>
+                            <a:ea typeface="Cambria Math" charset="0"/>
+                            <a:cs typeface="Cambria Math" charset="0"/>
+                          </a:rPr>
+                          <m:t>−</m:t>
+                        </m:r>
+                        <m:r>
+                          <a:rPr kumimoji="1" lang="en-US" altLang="zh-TW" sz="4000" i="1">
+                            <a:latin typeface="Cambria Math" charset="0"/>
+                            <a:ea typeface="Cambria Math" charset="0"/>
+                            <a:cs typeface="Cambria Math" charset="0"/>
+                          </a:rPr>
+                          <m:t>2</m:t>
+                        </m:r>
+                        <m:r>
+                          <a:rPr kumimoji="1" lang="en-US" altLang="zh-TW" sz="4000" i="1">
+                            <a:solidFill>
+                              <a:schemeClr val="accent1"/>
+                            </a:solidFill>
+                            <a:latin typeface="Cambria Math" charset="0"/>
+                            <a:ea typeface="Cambria Math" charset="0"/>
+                            <a:cs typeface="Cambria Math" charset="0"/>
+                          </a:rPr>
+                          <m:t>𝑗</m:t>
+                        </m:r>
+                        <m:r>
+                          <a:rPr kumimoji="1" lang="en-US" altLang="zh-TW" sz="4000" i="1">
+                            <a:latin typeface="Cambria Math" charset="0"/>
+                            <a:ea typeface="Cambria Math" charset="0"/>
+                            <a:cs typeface="Cambria Math" charset="0"/>
+                          </a:rPr>
+                          <m:t>𝜋</m:t>
+                        </m:r>
+                        <m:r>
+                          <a:rPr kumimoji="1" lang="en-US" altLang="zh-TW" sz="4000" i="1">
+                            <a:latin typeface="Cambria Math" charset="0"/>
+                            <a:ea typeface="Cambria Math" charset="0"/>
+                            <a:cs typeface="Cambria Math" charset="0"/>
+                          </a:rPr>
+                          <m:t>𝑓</m:t>
+                        </m:r>
+                        <m:sSub>
+                          <m:sSubPr>
+                            <m:ctrlPr>
+                              <a:rPr kumimoji="1" lang="en-US" altLang="zh-TW" sz="4000" i="1">
+                                <a:latin typeface="Cambria Math" charset="0"/>
+                                <a:ea typeface="Cambria Math" charset="0"/>
+                                <a:cs typeface="Cambria Math" charset="0"/>
+                              </a:rPr>
+                            </m:ctrlPr>
+                          </m:sSubPr>
+                          <m:e>
+                            <m:r>
+                              <a:rPr kumimoji="1" lang="en-US" altLang="zh-TW" sz="4000" i="1">
+                                <a:latin typeface="Cambria Math" charset="0"/>
+                                <a:ea typeface="Cambria Math" charset="0"/>
+                                <a:cs typeface="Cambria Math" charset="0"/>
+                              </a:rPr>
+                              <m:t>𝑡</m:t>
+                            </m:r>
+                          </m:e>
+                          <m:sub>
+                            <m:r>
+                              <a:rPr kumimoji="1" lang="en-US" altLang="zh-TW" sz="4000" i="1">
+                                <a:latin typeface="Cambria Math" charset="0"/>
+                                <a:ea typeface="Cambria Math" charset="0"/>
+                                <a:cs typeface="Cambria Math" charset="0"/>
+                              </a:rPr>
+                              <m:t>𝑑</m:t>
+                            </m:r>
+                          </m:sub>
+                        </m:sSub>
+                      </m:sup>
+                    </m:sSup>
+                    <m:r>
+                      <a:rPr kumimoji="1" lang="en-US" altLang="zh-TW" sz="4000" i="1" smtClean="0">
+                        <a:latin typeface="Cambria Math" charset="0"/>
+                        <a:ea typeface="Cambria Math" charset="0"/>
+                        <a:cs typeface="Cambria Math" charset="0"/>
+                      </a:rPr>
+                      <m:t>∙</m:t>
+                    </m:r>
+                    <m:r>
+                      <a:rPr kumimoji="1" lang="en-US" altLang="zh-TW" sz="4000" b="0" i="1" smtClean="0">
+                        <a:latin typeface="Cambria Math" charset="0"/>
+                        <a:ea typeface="Cambria Math" charset="0"/>
+                        <a:cs typeface="Cambria Math" charset="0"/>
+                      </a:rPr>
+                      <m:t>𝑋</m:t>
+                    </m:r>
+                  </m:oMath>
+                </a14:m>
+                <a:endParaRPr kumimoji="1" lang="en-US" altLang="zh-TW" sz="4000" b="0" i="1" dirty="0" smtClean="0">
+                  <a:latin typeface="Cambria Math" charset="0"/>
+                  <a:ea typeface="Cambria Math" charset="0"/>
+                  <a:cs typeface="Cambria Math" charset="0"/>
+                </a:endParaRPr>
+              </a:p>
+              <a:p>
+                <a:pPr marL="11112" indent="0">
+                  <a:lnSpc>
+                    <a:spcPct val="150000"/>
+                  </a:lnSpc>
+                  <a:buNone/>
+                </a:pPr>
+                <a:r>
+                  <a:rPr kumimoji="1" lang="en-US" altLang="zh-TW" sz="3600" b="0" dirty="0" smtClean="0">
+                    <a:ea typeface="Cambria Math" charset="0"/>
+                    <a:cs typeface="Cambria Math" charset="0"/>
+                  </a:rPr>
+                  <a:t>      	</a:t>
+                </a:r>
+                <a:r>
+                  <a:rPr kumimoji="1" lang="en-US" altLang="zh-TW" sz="3600" dirty="0">
+                    <a:solidFill>
+                      <a:schemeClr val="accent1"/>
+                    </a:solidFill>
+                    <a:ea typeface="Cambria Math" charset="0"/>
+                    <a:cs typeface="Cambria Math" charset="0"/>
+                  </a:rPr>
+                  <a:t>C</a:t>
+                </a:r>
+                <a:r>
+                  <a:rPr kumimoji="1" lang="en-US" altLang="zh-TW" sz="3600" b="0" dirty="0" smtClean="0">
+                    <a:solidFill>
+                      <a:schemeClr val="accent1"/>
+                    </a:solidFill>
+                    <a:ea typeface="Cambria Math" charset="0"/>
+                    <a:cs typeface="Cambria Math" charset="0"/>
+                  </a:rPr>
+                  <a:t>hannel</a:t>
+                </a:r>
+                <a:r>
+                  <a:rPr kumimoji="1" lang="en-US" altLang="zh-TW" sz="3600" b="0" dirty="0" smtClean="0">
+                    <a:ea typeface="Cambria Math" charset="0"/>
+                    <a:cs typeface="Cambria Math" charset="0"/>
+                  </a:rPr>
+                  <a:t>	    </a:t>
+                </a:r>
+                <a14:m>
+                  <m:oMath xmlns:m="http://schemas.openxmlformats.org/officeDocument/2006/math">
+                    <m:r>
+                      <a:rPr kumimoji="1" lang="en-US" altLang="zh-TW" sz="4000" b="0" i="1" smtClean="0">
+                        <a:latin typeface="Cambria Math" charset="0"/>
+                        <a:ea typeface="Cambria Math" charset="0"/>
+                        <a:cs typeface="Cambria Math" charset="0"/>
+                      </a:rPr>
+                      <m:t>h</m:t>
+                    </m:r>
+                    <m:r>
+                      <a:rPr kumimoji="1" lang="en-US" altLang="zh-TW" sz="4000" b="0" i="1" smtClean="0">
+                        <a:latin typeface="Cambria Math" charset="0"/>
+                        <a:ea typeface="Cambria Math" charset="0"/>
+                        <a:cs typeface="Cambria Math" charset="0"/>
+                      </a:rPr>
+                      <m:t>=</m:t>
+                    </m:r>
+                    <m:r>
+                      <a:rPr kumimoji="1" lang="en-US" altLang="zh-TW" sz="4000" i="1">
+                        <a:solidFill>
+                          <a:schemeClr val="accent1"/>
+                        </a:solidFill>
+                        <a:latin typeface="Cambria Math" charset="0"/>
+                        <a:ea typeface="Cambria Math" charset="0"/>
+                        <a:cs typeface="Cambria Math" charset="0"/>
+                      </a:rPr>
+                      <m:t>𝛼</m:t>
+                    </m:r>
+                    <m:r>
+                      <a:rPr kumimoji="1" lang="en-US" altLang="zh-TW" sz="4000" i="1">
+                        <a:latin typeface="Cambria Math" charset="0"/>
+                        <a:ea typeface="Cambria Math" charset="0"/>
+                        <a:cs typeface="Cambria Math" charset="0"/>
+                      </a:rPr>
+                      <m:t>∙</m:t>
+                    </m:r>
+                    <m:sSup>
+                      <m:sSupPr>
+                        <m:ctrlPr>
+                          <a:rPr kumimoji="1" lang="en-US" altLang="zh-TW" sz="4000" i="1">
+                            <a:latin typeface="Cambria Math" charset="0"/>
+                            <a:ea typeface="Cambria Math" charset="0"/>
+                            <a:cs typeface="Cambria Math" charset="0"/>
+                          </a:rPr>
+                        </m:ctrlPr>
+                      </m:sSupPr>
+                      <m:e>
+                        <m:r>
+                          <a:rPr kumimoji="1" lang="en-US" altLang="zh-TW" sz="4000" i="1">
+                            <a:solidFill>
+                              <a:schemeClr val="accent1"/>
+                            </a:solidFill>
+                            <a:latin typeface="Cambria Math" charset="0"/>
+                            <a:ea typeface="Cambria Math" charset="0"/>
+                            <a:cs typeface="Cambria Math" charset="0"/>
+                          </a:rPr>
+                          <m:t>𝑒</m:t>
+                        </m:r>
+                      </m:e>
+                      <m:sup>
+                        <m:r>
+                          <a:rPr kumimoji="1" lang="en-US" altLang="zh-TW" sz="4000" i="1">
+                            <a:solidFill>
+                              <a:schemeClr val="accent1"/>
+                            </a:solidFill>
+                            <a:latin typeface="Cambria Math" charset="0"/>
+                            <a:ea typeface="Cambria Math" charset="0"/>
+                            <a:cs typeface="Cambria Math" charset="0"/>
+                          </a:rPr>
+                          <m:t>−</m:t>
+                        </m:r>
+                        <m:r>
+                          <a:rPr kumimoji="1" lang="en-US" altLang="zh-TW" sz="4000" i="1">
+                            <a:latin typeface="Cambria Math" charset="0"/>
+                            <a:ea typeface="Cambria Math" charset="0"/>
+                            <a:cs typeface="Cambria Math" charset="0"/>
+                          </a:rPr>
+                          <m:t>2</m:t>
+                        </m:r>
+                        <m:r>
+                          <a:rPr kumimoji="1" lang="en-US" altLang="zh-TW" sz="4000" i="1">
+                            <a:solidFill>
+                              <a:schemeClr val="accent1"/>
+                            </a:solidFill>
+                            <a:latin typeface="Cambria Math" charset="0"/>
+                            <a:ea typeface="Cambria Math" charset="0"/>
+                            <a:cs typeface="Cambria Math" charset="0"/>
+                          </a:rPr>
+                          <m:t>𝑗</m:t>
+                        </m:r>
+                        <m:r>
+                          <a:rPr kumimoji="1" lang="en-US" altLang="zh-TW" sz="4000" i="1">
+                            <a:latin typeface="Cambria Math" charset="0"/>
+                            <a:ea typeface="Cambria Math" charset="0"/>
+                            <a:cs typeface="Cambria Math" charset="0"/>
+                          </a:rPr>
+                          <m:t>𝜋</m:t>
+                        </m:r>
+                        <m:r>
+                          <a:rPr kumimoji="1" lang="en-US" altLang="zh-TW" sz="4000" i="1">
+                            <a:latin typeface="Cambria Math" charset="0"/>
+                            <a:ea typeface="Cambria Math" charset="0"/>
+                            <a:cs typeface="Cambria Math" charset="0"/>
+                          </a:rPr>
+                          <m:t>𝑓</m:t>
+                        </m:r>
+                        <m:sSub>
+                          <m:sSubPr>
+                            <m:ctrlPr>
+                              <a:rPr kumimoji="1" lang="en-US" altLang="zh-TW" sz="4000" i="1">
+                                <a:latin typeface="Cambria Math" charset="0"/>
+                                <a:ea typeface="Cambria Math" charset="0"/>
+                                <a:cs typeface="Cambria Math" charset="0"/>
+                              </a:rPr>
+                            </m:ctrlPr>
+                          </m:sSubPr>
+                          <m:e>
+                            <m:r>
+                              <a:rPr kumimoji="1" lang="en-US" altLang="zh-TW" sz="4000" i="1">
+                                <a:latin typeface="Cambria Math" charset="0"/>
+                                <a:ea typeface="Cambria Math" charset="0"/>
+                                <a:cs typeface="Cambria Math" charset="0"/>
+                              </a:rPr>
+                              <m:t>𝑡</m:t>
+                            </m:r>
+                          </m:e>
+                          <m:sub>
+                            <m:r>
+                              <a:rPr kumimoji="1" lang="en-US" altLang="zh-TW" sz="4000" i="1">
+                                <a:latin typeface="Cambria Math" charset="0"/>
+                                <a:ea typeface="Cambria Math" charset="0"/>
+                                <a:cs typeface="Cambria Math" charset="0"/>
+                              </a:rPr>
+                              <m:t>𝑑</m:t>
+                            </m:r>
+                          </m:sub>
+                        </m:sSub>
+                      </m:sup>
+                    </m:sSup>
+                  </m:oMath>
+                </a14:m>
+                <a:endParaRPr kumimoji="1" lang="en-US" altLang="zh-TW" sz="3600" dirty="0" smtClean="0">
+                  <a:latin typeface="Cambria Math" charset="0"/>
+                  <a:ea typeface="Cambria Math" charset="0"/>
+                  <a:cs typeface="Cambria Math" charset="0"/>
+                </a:endParaRPr>
+              </a:p>
+              <a:p>
+                <a:pPr marL="11112" indent="0">
+                  <a:lnSpc>
+                    <a:spcPct val="150000"/>
+                  </a:lnSpc>
+                  <a:buNone/>
+                </a:pPr>
+                <a:r>
+                  <a:rPr kumimoji="1" lang="en-US" altLang="zh-TW" sz="4000" dirty="0" smtClean="0">
+                    <a:ea typeface="Cambria Math" charset="0"/>
+                    <a:cs typeface="Cambria Math" charset="0"/>
+                  </a:rPr>
+                  <a:t>	</a:t>
+                </a:r>
+                <a:r>
+                  <a:rPr kumimoji="1" lang="en-US" altLang="zh-TW" sz="4000" dirty="0" smtClean="0">
+                    <a:solidFill>
+                      <a:srgbClr val="FF0000"/>
+                    </a:solidFill>
+                    <a:ea typeface="Cambria Math" charset="0"/>
+                    <a:cs typeface="Cambria Math" charset="0"/>
+                  </a:rPr>
+                  <a:t>Phase</a:t>
+                </a:r>
+                <a:r>
+                  <a:rPr kumimoji="1" lang="en-US" altLang="zh-TW" sz="4000" dirty="0" smtClean="0">
+                    <a:ea typeface="Cambria Math" charset="0"/>
+                    <a:cs typeface="Cambria Math" charset="0"/>
+                  </a:rPr>
+                  <a:t> 	  	</a:t>
+                </a:r>
+                <a14:m>
+                  <m:oMath xmlns:m="http://schemas.openxmlformats.org/officeDocument/2006/math">
+                    <m:r>
+                      <a:rPr kumimoji="1" lang="en-US" altLang="zh-TW" sz="3600" i="1" smtClean="0">
+                        <a:latin typeface="Cambria Math" charset="0"/>
+                        <a:ea typeface="Cambria Math" charset="0"/>
+                        <a:cs typeface="Cambria Math" charset="0"/>
+                      </a:rPr>
+                      <m:t>𝜑</m:t>
+                    </m:r>
+                    <m:r>
+                      <a:rPr kumimoji="1" lang="en-US" altLang="zh-TW" sz="3600" b="0" i="1" smtClean="0">
+                        <a:latin typeface="Cambria Math" charset="0"/>
+                        <a:ea typeface="Cambria Math" charset="0"/>
+                        <a:cs typeface="Cambria Math" charset="0"/>
+                      </a:rPr>
+                      <m:t>=</m:t>
+                    </m:r>
+                    <m:r>
+                      <a:rPr kumimoji="1" lang="en-US" altLang="zh-TW" sz="4000" i="1">
+                        <a:latin typeface="Cambria Math" charset="0"/>
+                        <a:ea typeface="Cambria Math" charset="0"/>
+                        <a:cs typeface="Cambria Math" charset="0"/>
+                      </a:rPr>
+                      <m:t>2</m:t>
+                    </m:r>
+                    <m:r>
+                      <a:rPr kumimoji="1" lang="en-US" altLang="zh-TW" sz="4000" i="1">
+                        <a:latin typeface="Cambria Math" charset="0"/>
+                        <a:ea typeface="Cambria Math" charset="0"/>
+                        <a:cs typeface="Cambria Math" charset="0"/>
+                      </a:rPr>
+                      <m:t>𝜋</m:t>
+                    </m:r>
+                    <m:r>
+                      <a:rPr kumimoji="1" lang="en-US" altLang="zh-TW" sz="4000" i="1">
+                        <a:latin typeface="Cambria Math" charset="0"/>
+                        <a:ea typeface="Cambria Math" charset="0"/>
+                        <a:cs typeface="Cambria Math" charset="0"/>
+                      </a:rPr>
+                      <m:t>𝑓</m:t>
+                    </m:r>
+                    <m:sSub>
+                      <m:sSubPr>
+                        <m:ctrlPr>
+                          <a:rPr kumimoji="1" lang="en-US" altLang="zh-TW" sz="4000" i="1">
+                            <a:latin typeface="Cambria Math" charset="0"/>
+                            <a:ea typeface="Cambria Math" charset="0"/>
+                            <a:cs typeface="Cambria Math" charset="0"/>
+                          </a:rPr>
+                        </m:ctrlPr>
+                      </m:sSubPr>
+                      <m:e>
+                        <m:r>
+                          <a:rPr kumimoji="1" lang="en-US" altLang="zh-TW" sz="4000" i="1">
+                            <a:latin typeface="Cambria Math" charset="0"/>
+                            <a:ea typeface="Cambria Math" charset="0"/>
+                            <a:cs typeface="Cambria Math" charset="0"/>
+                          </a:rPr>
+                          <m:t>𝑡</m:t>
+                        </m:r>
+                      </m:e>
+                      <m:sub>
+                        <m:r>
+                          <a:rPr kumimoji="1" lang="en-US" altLang="zh-TW" sz="4000" i="1">
+                            <a:latin typeface="Cambria Math" charset="0"/>
+                            <a:ea typeface="Cambria Math" charset="0"/>
+                            <a:cs typeface="Cambria Math" charset="0"/>
+                          </a:rPr>
+                          <m:t>𝑑</m:t>
+                        </m:r>
+                      </m:sub>
+                    </m:sSub>
+                  </m:oMath>
+                </a14:m>
+                <a:endParaRPr kumimoji="1" lang="zh-TW" altLang="en-US" sz="4400" dirty="0">
+                  <a:latin typeface="Cambria Math" charset="0"/>
+                  <a:ea typeface="Cambria Math" charset="0"/>
+                  <a:cs typeface="Cambria Math" charset="0"/>
+                </a:endParaRPr>
+              </a:p>
+            </p:txBody>
+          </p:sp>
+        </mc:Choice>
+        <mc:Fallback xmlns="">
+          <p:sp>
+            <p:nvSpPr>
+              <p:cNvPr id="3" name="內容版面配置區 2"/>
+              <p:cNvSpPr>
+                <a:spLocks noGrp="1" noRot="1" noChangeAspect="1" noMove="1" noResize="1" noEditPoints="1" noAdjustHandles="1" noChangeArrowheads="1" noChangeShapeType="1" noTextEdit="1"/>
+              </p:cNvSpPr>
+              <p:nvPr>
+                <p:ph idx="1"/>
+              </p:nvPr>
+            </p:nvSpPr>
+            <p:spPr>
+              <a:blipFill rotWithShape="0">
+                <a:blip r:embed="rId3"/>
+                <a:stretch>
+                  <a:fillRect l="-1217" t="-1852"/>
+                </a:stretch>
+              </a:blipFill>
+            </p:spPr>
+            <p:txBody>
+              <a:bodyPr/>
+              <a:lstStyle/>
+              <a:p>
+                <a:r>
+                  <a:rPr lang="zh-TW" altLang="en-US">
+                    <a:noFill/>
+                  </a:rPr>
+                  <a:t> </a:t>
+                </a:r>
+              </a:p>
+            </p:txBody>
+          </p:sp>
+        </mc:Fallback>
+      </mc:AlternateContent>
       <p:sp>
         <p:nvSpPr>
           <p:cNvPr id="4" name="投影片編號版面配置區 3"/>
@@ -18503,7 +20293,7 @@
     </p:spTree>
     <p:extLst>
       <p:ext uri="{BB962C8B-B14F-4D97-AF65-F5344CB8AC3E}">
-        <p14:creationId xmlns:p14="http://schemas.microsoft.com/office/powerpoint/2010/main" val="1570010807"/>
+        <p14:creationId xmlns:p14="http://schemas.microsoft.com/office/powerpoint/2010/main" val="1777821800"/>
       </p:ext>
     </p:extLst>
   </p:cSld>
@@ -18565,25 +20355,482 @@
           </a:p>
         </p:txBody>
       </p:sp>
-      <p:sp>
-        <p:nvSpPr>
-          <p:cNvPr id="3" name="內容版面配置區 2"/>
-          <p:cNvSpPr>
-            <a:spLocks noGrp="1"/>
-          </p:cNvSpPr>
-          <p:nvPr>
-            <p:ph idx="1"/>
-          </p:nvPr>
-        </p:nvSpPr>
-        <p:spPr/>
-        <p:txBody>
-          <a:bodyPr/>
-          <a:lstStyle/>
-          <a:p>
-            <a:endParaRPr kumimoji="1" lang="zh-TW" altLang="en-US"/>
-          </a:p>
-        </p:txBody>
-      </p:sp>
+      <mc:AlternateContent xmlns:mc="http://schemas.openxmlformats.org/markup-compatibility/2006" xmlns:a14="http://schemas.microsoft.com/office/drawing/2010/main">
+        <mc:Choice Requires="a14">
+          <p:sp>
+            <p:nvSpPr>
+              <p:cNvPr id="3" name="內容版面配置區 2"/>
+              <p:cNvSpPr>
+                <a:spLocks noGrp="1"/>
+              </p:cNvSpPr>
+              <p:nvPr>
+                <p:ph idx="1"/>
+              </p:nvPr>
+            </p:nvSpPr>
+            <p:spPr>
+              <a:xfrm>
+                <a:off x="335360" y="1700808"/>
+                <a:ext cx="9965636" cy="4610906"/>
+              </a:xfrm>
+            </p:spPr>
+            <p:txBody>
+              <a:bodyPr/>
+              <a:lstStyle/>
+              <a:p>
+                <a:r>
+                  <a:rPr kumimoji="1" lang="en-US" altLang="zh-TW" sz="3600" dirty="0" smtClean="0">
+                    <a:latin typeface="Times New Roman" charset="0"/>
+                    <a:ea typeface="Times New Roman" charset="0"/>
+                    <a:cs typeface="Times New Roman" charset="0"/>
+                  </a:rPr>
+                  <a:t>Phase delay in </a:t>
+                </a:r>
+                <a:r>
+                  <a:rPr kumimoji="1" lang="en-US" altLang="zh-TW" sz="3600" dirty="0" smtClean="0">
+                    <a:solidFill>
+                      <a:srgbClr val="FF0000"/>
+                    </a:solidFill>
+                    <a:latin typeface="Times New Roman" charset="0"/>
+                    <a:ea typeface="Times New Roman" charset="0"/>
+                    <a:cs typeface="Times New Roman" charset="0"/>
+                  </a:rPr>
+                  <a:t>frequency domain</a:t>
+                </a:r>
+                <a:r>
+                  <a:rPr kumimoji="1" lang="en-US" altLang="zh-TW" sz="3600" dirty="0" smtClean="0">
+                    <a:latin typeface="Times New Roman" charset="0"/>
+                    <a:ea typeface="Times New Roman" charset="0"/>
+                    <a:cs typeface="Times New Roman" charset="0"/>
+                  </a:rPr>
+                  <a:t> is the delay in </a:t>
+                </a:r>
+                <a:r>
+                  <a:rPr kumimoji="1" lang="en-US" altLang="zh-TW" sz="3600" dirty="0" smtClean="0">
+                    <a:solidFill>
+                      <a:srgbClr val="FF0000"/>
+                    </a:solidFill>
+                    <a:latin typeface="Times New Roman" charset="0"/>
+                    <a:ea typeface="Times New Roman" charset="0"/>
+                    <a:cs typeface="Times New Roman" charset="0"/>
+                  </a:rPr>
+                  <a:t>time domain</a:t>
+                </a:r>
+                <a:r>
+                  <a:rPr kumimoji="1" lang="en-US" altLang="zh-TW" sz="3600" dirty="0" smtClean="0">
+                    <a:latin typeface="Times New Roman" charset="0"/>
+                    <a:ea typeface="Times New Roman" charset="0"/>
+                    <a:cs typeface="Times New Roman" charset="0"/>
+                  </a:rPr>
+                  <a:t>.</a:t>
+                </a:r>
+              </a:p>
+              <a:p>
+                <a:pPr marL="11112" indent="0">
+                  <a:lnSpc>
+                    <a:spcPct val="200000"/>
+                  </a:lnSpc>
+                  <a:buNone/>
+                </a:pPr>
+                <a:r>
+                  <a:rPr kumimoji="1" lang="en-US" altLang="zh-TW" sz="3600" dirty="0" smtClean="0">
+                    <a:ea typeface="Cambria Math" charset="0"/>
+                    <a:cs typeface="Cambria Math" charset="0"/>
+                  </a:rPr>
+                  <a:t>	</a:t>
+                </a:r>
+                <a14:m>
+                  <m:oMath xmlns:m="http://schemas.openxmlformats.org/officeDocument/2006/math">
+                    <m:r>
+                      <a:rPr kumimoji="1" lang="en-US" altLang="zh-TW" sz="3200" i="1">
+                        <a:latin typeface="Cambria Math" charset="0"/>
+                        <a:ea typeface="Cambria Math" charset="0"/>
+                        <a:cs typeface="Cambria Math" charset="0"/>
+                      </a:rPr>
+                      <m:t>𝜑</m:t>
+                    </m:r>
+                    <m:r>
+                      <a:rPr kumimoji="1" lang="en-US" altLang="zh-TW" sz="3200" i="1">
+                        <a:latin typeface="Cambria Math" charset="0"/>
+                        <a:ea typeface="Cambria Math" charset="0"/>
+                        <a:cs typeface="Cambria Math" charset="0"/>
+                      </a:rPr>
+                      <m:t>=</m:t>
+                    </m:r>
+                    <m:r>
+                      <a:rPr kumimoji="1" lang="en-US" altLang="zh-TW" sz="3600" i="1">
+                        <a:latin typeface="Cambria Math" charset="0"/>
+                        <a:ea typeface="Cambria Math" charset="0"/>
+                        <a:cs typeface="Cambria Math" charset="0"/>
+                      </a:rPr>
+                      <m:t>2</m:t>
+                    </m:r>
+                    <m:r>
+                      <a:rPr kumimoji="1" lang="en-US" altLang="zh-TW" sz="3600" i="1">
+                        <a:latin typeface="Cambria Math" charset="0"/>
+                        <a:ea typeface="Cambria Math" charset="0"/>
+                        <a:cs typeface="Cambria Math" charset="0"/>
+                      </a:rPr>
+                      <m:t>𝜋</m:t>
+                    </m:r>
+                    <m:r>
+                      <a:rPr kumimoji="1" lang="en-US" altLang="zh-TW" sz="3600" i="1">
+                        <a:latin typeface="Cambria Math" charset="0"/>
+                        <a:ea typeface="Cambria Math" charset="0"/>
+                        <a:cs typeface="Cambria Math" charset="0"/>
+                      </a:rPr>
+                      <m:t>𝑓</m:t>
+                    </m:r>
+                    <m:sSub>
+                      <m:sSubPr>
+                        <m:ctrlPr>
+                          <a:rPr kumimoji="1" lang="en-US" altLang="zh-TW" sz="3600" i="1" smtClean="0">
+                            <a:solidFill>
+                              <a:schemeClr val="accent1"/>
+                            </a:solidFill>
+                            <a:latin typeface="Cambria Math" charset="0"/>
+                            <a:ea typeface="Cambria Math" charset="0"/>
+                            <a:cs typeface="Cambria Math" charset="0"/>
+                          </a:rPr>
+                        </m:ctrlPr>
+                      </m:sSubPr>
+                      <m:e>
+                        <m:r>
+                          <a:rPr kumimoji="1" lang="en-US" altLang="zh-TW" sz="3600" i="1">
+                            <a:solidFill>
+                              <a:schemeClr val="accent1"/>
+                            </a:solidFill>
+                            <a:latin typeface="Cambria Math" charset="0"/>
+                            <a:ea typeface="Cambria Math" charset="0"/>
+                            <a:cs typeface="Cambria Math" charset="0"/>
+                          </a:rPr>
+                          <m:t>𝑡</m:t>
+                        </m:r>
+                      </m:e>
+                      <m:sub>
+                        <m:r>
+                          <a:rPr kumimoji="1" lang="en-US" altLang="zh-TW" sz="3600" i="1">
+                            <a:solidFill>
+                              <a:schemeClr val="accent1"/>
+                            </a:solidFill>
+                            <a:latin typeface="Cambria Math" charset="0"/>
+                            <a:ea typeface="Cambria Math" charset="0"/>
+                            <a:cs typeface="Cambria Math" charset="0"/>
+                          </a:rPr>
+                          <m:t>𝑑</m:t>
+                        </m:r>
+                      </m:sub>
+                    </m:sSub>
+                  </m:oMath>
+                </a14:m>
+                <a:endParaRPr kumimoji="1" lang="en-US" altLang="zh-TW" sz="3600" dirty="0" smtClean="0">
+                  <a:latin typeface="Times New Roman" charset="0"/>
+                  <a:ea typeface="Times New Roman" charset="0"/>
+                  <a:cs typeface="Times New Roman" charset="0"/>
+                </a:endParaRPr>
+              </a:p>
+              <a:p>
+                <a:pPr marL="11112" indent="0">
+                  <a:buNone/>
+                </a:pPr>
+                <a:endParaRPr kumimoji="1" lang="en-US" altLang="zh-TW" sz="3600" i="1" dirty="0" smtClean="0">
+                  <a:latin typeface="Cambria Math" charset="0"/>
+                </a:endParaRPr>
+              </a:p>
+              <a:p>
+                <a:pPr marL="11112" indent="0">
+                  <a:buNone/>
+                </a:pPr>
+                <a:r>
+                  <a:rPr kumimoji="1" lang="en-US" altLang="zh-TW" sz="3600" dirty="0" smtClean="0"/>
+                  <a:t>   </a:t>
+                </a:r>
+                <a14:m>
+                  <m:oMath xmlns:m="http://schemas.openxmlformats.org/officeDocument/2006/math">
+                    <m:r>
+                      <a:rPr kumimoji="1" lang="en-US" altLang="zh-TW" sz="3600" i="1">
+                        <a:latin typeface="Cambria Math" charset="0"/>
+                      </a:rPr>
+                      <m:t>𝑦</m:t>
+                    </m:r>
+                    <m:d>
+                      <m:dPr>
+                        <m:ctrlPr>
+                          <a:rPr kumimoji="1" lang="en-US" altLang="zh-TW" sz="3600" i="1">
+                            <a:latin typeface="Cambria Math" charset="0"/>
+                          </a:rPr>
+                        </m:ctrlPr>
+                      </m:dPr>
+                      <m:e>
+                        <m:r>
+                          <a:rPr kumimoji="1" lang="en-US" altLang="zh-TW" sz="3600" i="1">
+                            <a:latin typeface="Cambria Math" charset="0"/>
+                          </a:rPr>
+                          <m:t>𝑡</m:t>
+                        </m:r>
+                      </m:e>
+                    </m:d>
+                    <m:r>
+                      <a:rPr kumimoji="1" lang="en-US" altLang="zh-TW" sz="3600" i="1">
+                        <a:latin typeface="Cambria Math" charset="0"/>
+                      </a:rPr>
+                      <m:t>= </m:t>
+                    </m:r>
+                    <m:r>
+                      <a:rPr kumimoji="1" lang="en-US" altLang="zh-TW" sz="3600" i="1">
+                        <a:latin typeface="Cambria Math" charset="0"/>
+                        <a:ea typeface="Cambria Math" charset="0"/>
+                        <a:cs typeface="Cambria Math" charset="0"/>
+                      </a:rPr>
+                      <m:t>𝛼</m:t>
+                    </m:r>
+                    <m:r>
+                      <a:rPr kumimoji="1" lang="en-US" altLang="zh-TW" sz="3600" i="1">
+                        <a:latin typeface="Cambria Math" charset="0"/>
+                        <a:ea typeface="Cambria Math" charset="0"/>
+                        <a:cs typeface="Cambria Math" charset="0"/>
+                      </a:rPr>
+                      <m:t>∙</m:t>
+                    </m:r>
+                    <m:r>
+                      <a:rPr kumimoji="1" lang="en-US" altLang="zh-TW" sz="3600" i="1">
+                        <a:latin typeface="Cambria Math" charset="0"/>
+                        <a:ea typeface="Cambria Math" charset="0"/>
+                        <a:cs typeface="Cambria Math" charset="0"/>
+                      </a:rPr>
+                      <m:t>𝑠</m:t>
+                    </m:r>
+                    <m:d>
+                      <m:dPr>
+                        <m:ctrlPr>
+                          <a:rPr kumimoji="1" lang="en-US" altLang="zh-TW" sz="3600" i="1">
+                            <a:latin typeface="Cambria Math" charset="0"/>
+                            <a:ea typeface="Cambria Math" charset="0"/>
+                            <a:cs typeface="Cambria Math" charset="0"/>
+                          </a:rPr>
+                        </m:ctrlPr>
+                      </m:dPr>
+                      <m:e>
+                        <m:r>
+                          <a:rPr kumimoji="1" lang="en-US" altLang="zh-TW" sz="3600" i="1">
+                            <a:latin typeface="Cambria Math" charset="0"/>
+                            <a:ea typeface="Cambria Math" charset="0"/>
+                            <a:cs typeface="Cambria Math" charset="0"/>
+                          </a:rPr>
+                          <m:t>𝑡</m:t>
+                        </m:r>
+                        <m:r>
+                          <a:rPr kumimoji="1" lang="en-US" altLang="zh-TW" sz="3600" i="1">
+                            <a:latin typeface="Cambria Math" charset="0"/>
+                            <a:ea typeface="Cambria Math" charset="0"/>
+                            <a:cs typeface="Cambria Math" charset="0"/>
+                          </a:rPr>
+                          <m:t>−</m:t>
+                        </m:r>
+                        <m:sSub>
+                          <m:sSubPr>
+                            <m:ctrlPr>
+                              <a:rPr kumimoji="1" lang="en-US" altLang="zh-TW" sz="3600" i="1" smtClean="0">
+                                <a:solidFill>
+                                  <a:schemeClr val="accent1"/>
+                                </a:solidFill>
+                                <a:latin typeface="Cambria Math" charset="0"/>
+                                <a:ea typeface="Cambria Math" charset="0"/>
+                                <a:cs typeface="Cambria Math" charset="0"/>
+                              </a:rPr>
+                            </m:ctrlPr>
+                          </m:sSubPr>
+                          <m:e>
+                            <m:r>
+                              <a:rPr kumimoji="1" lang="en-US" altLang="zh-TW" sz="3600" i="1">
+                                <a:solidFill>
+                                  <a:schemeClr val="accent1"/>
+                                </a:solidFill>
+                                <a:latin typeface="Cambria Math" charset="0"/>
+                                <a:ea typeface="Cambria Math" charset="0"/>
+                                <a:cs typeface="Cambria Math" charset="0"/>
+                              </a:rPr>
+                              <m:t>𝑡</m:t>
+                            </m:r>
+                          </m:e>
+                          <m:sub>
+                            <m:r>
+                              <a:rPr kumimoji="1" lang="en-US" altLang="zh-TW" sz="3600" i="1">
+                                <a:solidFill>
+                                  <a:schemeClr val="accent1"/>
+                                </a:solidFill>
+                                <a:latin typeface="Cambria Math" charset="0"/>
+                                <a:ea typeface="Cambria Math" charset="0"/>
+                                <a:cs typeface="Cambria Math" charset="0"/>
+                              </a:rPr>
+                              <m:t>𝑑</m:t>
+                            </m:r>
+                          </m:sub>
+                        </m:sSub>
+                      </m:e>
+                    </m:d>
+                  </m:oMath>
+                </a14:m>
+                <a:endParaRPr kumimoji="1" lang="en-US" altLang="zh-TW" sz="3600" dirty="0" smtClean="0">
+                  <a:latin typeface="Times New Roman" charset="0"/>
+                  <a:ea typeface="Times New Roman" charset="0"/>
+                  <a:cs typeface="Times New Roman" charset="0"/>
+                </a:endParaRPr>
+              </a:p>
+              <a:p>
+                <a:pPr marL="11112" indent="0">
+                  <a:buNone/>
+                </a:pPr>
+                <a:endParaRPr kumimoji="1" lang="en-US" altLang="zh-TW" sz="3600" dirty="0">
+                  <a:latin typeface="Times New Roman" charset="0"/>
+                  <a:ea typeface="Times New Roman" charset="0"/>
+                  <a:cs typeface="Times New Roman" charset="0"/>
+                </a:endParaRPr>
+              </a:p>
+              <a:p>
+                <a:pPr marL="11112" indent="0">
+                  <a:buNone/>
+                </a:pPr>
+                <a:r>
+                  <a:rPr kumimoji="1" lang="en-US" altLang="zh-TW" sz="3600" b="0" dirty="0" smtClean="0">
+                    <a:solidFill>
+                      <a:schemeClr val="accent1"/>
+                    </a:solidFill>
+                    <a:ea typeface="Times New Roman" charset="0"/>
+                    <a:cs typeface="Times New Roman" charset="0"/>
+                  </a:rPr>
+                  <a:t>	</a:t>
+                </a:r>
+                <a14:m>
+                  <m:oMath xmlns:m="http://schemas.openxmlformats.org/officeDocument/2006/math">
+                    <m:r>
+                      <a:rPr kumimoji="1" lang="en-US" altLang="zh-TW" sz="3600" b="0" i="1" smtClean="0">
+                        <a:solidFill>
+                          <a:schemeClr val="accent1"/>
+                        </a:solidFill>
+                        <a:latin typeface="Cambria Math" charset="0"/>
+                        <a:ea typeface="Times New Roman" charset="0"/>
+                        <a:cs typeface="Times New Roman" charset="0"/>
+                      </a:rPr>
+                      <m:t>𝑃</m:t>
+                    </m:r>
+                    <m:d>
+                      <m:dPr>
+                        <m:ctrlPr>
+                          <a:rPr kumimoji="1" lang="en-US" altLang="zh-TW" sz="3600" b="0" i="1" smtClean="0">
+                            <a:solidFill>
+                              <a:schemeClr val="accent1"/>
+                            </a:solidFill>
+                            <a:latin typeface="Cambria Math" charset="0"/>
+                            <a:ea typeface="Times New Roman" charset="0"/>
+                            <a:cs typeface="Times New Roman" charset="0"/>
+                          </a:rPr>
+                        </m:ctrlPr>
+                      </m:dPr>
+                      <m:e>
+                        <m:r>
+                          <a:rPr kumimoji="1" lang="en-US" altLang="zh-TW" sz="3600" b="0" i="1" smtClean="0">
+                            <a:solidFill>
+                              <a:schemeClr val="accent1"/>
+                            </a:solidFill>
+                            <a:latin typeface="Cambria Math" charset="0"/>
+                            <a:ea typeface="Times New Roman" charset="0"/>
+                            <a:cs typeface="Times New Roman" charset="0"/>
+                          </a:rPr>
+                          <m:t>𝑓</m:t>
+                        </m:r>
+                      </m:e>
+                    </m:d>
+                    <m:r>
+                      <a:rPr kumimoji="1" lang="en-US" altLang="zh-TW" sz="3600" b="0" i="1" smtClean="0">
+                        <a:latin typeface="Cambria Math" charset="0"/>
+                        <a:ea typeface="Times New Roman" charset="0"/>
+                        <a:cs typeface="Times New Roman" charset="0"/>
+                      </a:rPr>
+                      <m:t>=−</m:t>
+                    </m:r>
+                    <m:f>
+                      <m:fPr>
+                        <m:ctrlPr>
+                          <a:rPr kumimoji="1" lang="mr-IN" altLang="zh-TW" sz="3600" b="0" i="1" smtClean="0">
+                            <a:latin typeface="Cambria Math" charset="0"/>
+                            <a:ea typeface="Times New Roman" charset="0"/>
+                            <a:cs typeface="Times New Roman" charset="0"/>
+                          </a:rPr>
+                        </m:ctrlPr>
+                      </m:fPr>
+                      <m:num>
+                        <m:r>
+                          <a:rPr kumimoji="1" lang="mr-IN" altLang="zh-TW" sz="3600" b="0" i="1" smtClean="0">
+                            <a:latin typeface="Cambria Math" charset="0"/>
+                            <a:ea typeface="Cambria Math" charset="0"/>
+                            <a:cs typeface="Cambria Math" charset="0"/>
+                          </a:rPr>
+                          <m:t>𝜑</m:t>
+                        </m:r>
+                      </m:num>
+                      <m:den>
+                        <m:r>
+                          <a:rPr kumimoji="1" lang="mr-IN" altLang="zh-TW" sz="3600" b="0" i="1" smtClean="0">
+                            <a:latin typeface="Cambria Math" charset="0"/>
+                            <a:ea typeface="Cambria Math" charset="0"/>
+                            <a:cs typeface="Cambria Math" charset="0"/>
+                          </a:rPr>
+                          <m:t>𝜔</m:t>
+                        </m:r>
+                      </m:den>
+                    </m:f>
+                  </m:oMath>
+                </a14:m>
+                <a:endParaRPr kumimoji="1" lang="en-US" altLang="zh-TW" sz="3600" dirty="0" smtClean="0">
+                  <a:latin typeface="Times New Roman" charset="0"/>
+                  <a:ea typeface="Times New Roman" charset="0"/>
+                  <a:cs typeface="Times New Roman" charset="0"/>
+                </a:endParaRPr>
+              </a:p>
+              <a:p>
+                <a:endParaRPr kumimoji="1" lang="zh-TW" altLang="en-US" dirty="0"/>
+              </a:p>
+            </p:txBody>
+          </p:sp>
+        </mc:Choice>
+        <mc:Fallback xmlns="">
+          <p:sp>
+            <p:nvSpPr>
+              <p:cNvPr id="3" name="內容版面配置區 2"/>
+              <p:cNvSpPr>
+                <a:spLocks noGrp="1" noRot="1" noChangeAspect="1" noMove="1" noResize="1" noEditPoints="1" noAdjustHandles="1" noChangeArrowheads="1" noChangeShapeType="1" noTextEdit="1"/>
+              </p:cNvSpPr>
+              <p:nvPr>
+                <p:ph idx="1"/>
+              </p:nvPr>
+            </p:nvSpPr>
+            <p:spPr>
+              <a:xfrm>
+                <a:off x="335360" y="1700808"/>
+                <a:ext cx="9965636" cy="4610906"/>
+              </a:xfrm>
+              <a:blipFill rotWithShape="0">
+                <a:blip r:embed="rId2"/>
+                <a:stretch>
+                  <a:fillRect l="-1713" t="-2116" b="-265"/>
+                </a:stretch>
+              </a:blipFill>
+            </p:spPr>
+            <p:txBody>
+              <a:bodyPr/>
+              <a:lstStyle/>
+              <a:p>
+                <a:r>
+                  <a:rPr lang="zh-TW" altLang="en-US">
+                    <a:noFill/>
+                  </a:rPr>
+                  <a:t> </a:t>
+                </a:r>
+              </a:p>
+            </p:txBody>
+          </p:sp>
+        </mc:Fallback>
+      </mc:AlternateContent>
       <p:sp>
         <p:nvSpPr>
           <p:cNvPr id="4" name="投影片編號版面配置區 3"/>
@@ -18608,6 +20855,36 @@
           </a:p>
         </p:txBody>
       </p:sp>
+      <p:pic>
+        <p:nvPicPr>
+          <p:cNvPr id="5" name="圖片 4"/>
+          <p:cNvPicPr>
+            <a:picLocks noChangeAspect="1"/>
+          </p:cNvPicPr>
+          <p:nvPr/>
+        </p:nvPicPr>
+        <p:blipFill>
+          <a:blip r:embed="rId3">
+            <a:extLst>
+              <a:ext uri="{28A0092B-C50C-407E-A947-70E740481C1C}">
+                <a14:useLocalDpi xmlns:a14="http://schemas.microsoft.com/office/drawing/2010/main" val="0"/>
+              </a:ext>
+            </a:extLst>
+          </a:blip>
+          <a:stretch>
+            <a:fillRect/>
+          </a:stretch>
+        </p:blipFill>
+        <p:spPr>
+          <a:xfrm>
+            <a:off x="4961598" y="3149802"/>
+            <a:ext cx="6139284" cy="2855481"/>
+          </a:xfrm>
+          <a:prstGeom prst="rect">
+            <a:avLst/>
+          </a:prstGeom>
+        </p:spPr>
+      </p:pic>
     </p:spTree>
     <p:extLst>
       <p:ext uri="{BB962C8B-B14F-4D97-AF65-F5344CB8AC3E}">
@@ -18630,6 +20907,13 @@
       </p:transition>
     </mc:Fallback>
   </mc:AlternateContent>
+  <p:timing>
+    <p:tnLst>
+      <p:par>
+        <p:cTn id="1" dur="indefinite" restart="never" nodeType="tmRoot"/>
+      </p:par>
+    </p:tnLst>
+  </p:timing>
 </p:sld>
 </file>
 
@@ -18667,28 +20951,9 @@
           <a:p>
             <a:r>
               <a:rPr kumimoji="1" lang="en-US" altLang="zh-TW" dirty="0" smtClean="0"/>
-              <a:t>Path Loss</a:t>
+              <a:t>Channel Fading</a:t>
             </a:r>
             <a:endParaRPr kumimoji="1" lang="zh-TW" altLang="en-US" dirty="0"/>
-          </a:p>
-        </p:txBody>
-      </p:sp>
-      <p:sp>
-        <p:nvSpPr>
-          <p:cNvPr id="3" name="內容版面配置區 2"/>
-          <p:cNvSpPr>
-            <a:spLocks noGrp="1"/>
-          </p:cNvSpPr>
-          <p:nvPr>
-            <p:ph idx="1"/>
-          </p:nvPr>
-        </p:nvSpPr>
-        <p:spPr/>
-        <p:txBody>
-          <a:bodyPr/>
-          <a:lstStyle/>
-          <a:p>
-            <a:endParaRPr kumimoji="1" lang="zh-TW" altLang="en-US"/>
           </a:p>
         </p:txBody>
       </p:sp>
@@ -18716,10 +20981,517 @@
           </a:p>
         </p:txBody>
       </p:sp>
+      <p:pic>
+        <p:nvPicPr>
+          <p:cNvPr id="60" name="內容版面配置區 59"/>
+          <p:cNvPicPr>
+            <a:picLocks noGrp="1" noChangeAspect="1"/>
+          </p:cNvPicPr>
+          <p:nvPr>
+            <p:ph idx="1"/>
+          </p:nvPr>
+        </p:nvPicPr>
+        <p:blipFill>
+          <a:blip r:embed="rId2">
+            <a:extLst>
+              <a:ext uri="{28A0092B-C50C-407E-A947-70E740481C1C}">
+                <a14:useLocalDpi xmlns:a14="http://schemas.microsoft.com/office/drawing/2010/main" val="0"/>
+              </a:ext>
+            </a:extLst>
+          </a:blip>
+          <a:stretch>
+            <a:fillRect/>
+          </a:stretch>
+        </p:blipFill>
+        <p:spPr>
+          <a:xfrm>
+            <a:off x="335360" y="1769641"/>
+            <a:ext cx="7117527" cy="4611687"/>
+          </a:xfrm>
+        </p:spPr>
+      </p:pic>
+      <p:cxnSp>
+        <p:nvCxnSpPr>
+          <p:cNvPr id="62" name="直線接點 61"/>
+          <p:cNvCxnSpPr/>
+          <p:nvPr/>
+        </p:nvCxnSpPr>
+        <p:spPr>
+          <a:xfrm>
+            <a:off x="5915756" y="4555158"/>
+            <a:ext cx="1537131" cy="583227"/>
+          </a:xfrm>
+          <a:prstGeom prst="line">
+            <a:avLst/>
+          </a:prstGeom>
+          <a:ln w="12700">
+            <a:solidFill>
+              <a:srgbClr val="F60F1F"/>
+            </a:solidFill>
+          </a:ln>
+        </p:spPr>
+        <p:style>
+          <a:lnRef idx="1">
+            <a:schemeClr val="accent1"/>
+          </a:lnRef>
+          <a:fillRef idx="0">
+            <a:schemeClr val="accent1"/>
+          </a:fillRef>
+          <a:effectRef idx="0">
+            <a:schemeClr val="accent1"/>
+          </a:effectRef>
+          <a:fontRef idx="minor">
+            <a:schemeClr val="tx1"/>
+          </a:fontRef>
+        </p:style>
+      </p:cxnSp>
+      <p:sp>
+        <p:nvSpPr>
+          <p:cNvPr id="69" name="文字方塊 68"/>
+          <p:cNvSpPr txBox="1"/>
+          <p:nvPr/>
+        </p:nvSpPr>
+        <p:spPr>
+          <a:xfrm>
+            <a:off x="6795896" y="4410655"/>
+            <a:ext cx="4575290" cy="1015663"/>
+          </a:xfrm>
+          <a:prstGeom prst="rect">
+            <a:avLst/>
+          </a:prstGeom>
+        </p:spPr>
+        <p:txBody>
+          <a:bodyPr vert="horz" wrap="none" lIns="91440" tIns="45720" rIns="91440" bIns="45720" rtlCol="0" anchor="ctr">
+            <a:spAutoFit/>
+          </a:bodyPr>
+          <a:lstStyle/>
+          <a:p>
+            <a:pPr algn="ctr"/>
+            <a:r>
+              <a:rPr lang="en-US" altLang="zh-TW" sz="2800" dirty="0">
+                <a:solidFill>
+                  <a:srgbClr val="FF0000"/>
+                </a:solidFill>
+                <a:latin typeface="Times New Roman" charset="0"/>
+                <a:ea typeface="Times New Roman" charset="0"/>
+                <a:cs typeface="Times New Roman" charset="0"/>
+              </a:rPr>
+              <a:t>Fluctuation of the local mean: </a:t>
+            </a:r>
+            <a:endParaRPr lang="en-US" altLang="zh-TW" sz="2800" dirty="0" smtClean="0">
+              <a:solidFill>
+                <a:srgbClr val="FF0000"/>
+              </a:solidFill>
+              <a:latin typeface="Times New Roman" charset="0"/>
+              <a:ea typeface="Times New Roman" charset="0"/>
+              <a:cs typeface="Times New Roman" charset="0"/>
+            </a:endParaRPr>
+          </a:p>
+          <a:p>
+            <a:pPr algn="ctr"/>
+            <a:r>
+              <a:rPr lang="en-US" altLang="zh-TW" sz="3200" b="1" dirty="0" smtClean="0">
+                <a:solidFill>
+                  <a:srgbClr val="FF0000"/>
+                </a:solidFill>
+                <a:latin typeface="Times New Roman" charset="0"/>
+                <a:ea typeface="Times New Roman" charset="0"/>
+                <a:cs typeface="Times New Roman" charset="0"/>
+              </a:rPr>
+              <a:t>Large-scale</a:t>
+            </a:r>
+            <a:r>
+              <a:rPr lang="en-US" altLang="zh-TW" sz="3200" dirty="0" smtClean="0">
+                <a:solidFill>
+                  <a:srgbClr val="FF0000"/>
+                </a:solidFill>
+                <a:latin typeface="Times New Roman" charset="0"/>
+                <a:ea typeface="Times New Roman" charset="0"/>
+                <a:cs typeface="Times New Roman" charset="0"/>
+              </a:rPr>
+              <a:t> </a:t>
+            </a:r>
+            <a:r>
+              <a:rPr lang="en-US" altLang="zh-TW" sz="2800" dirty="0" smtClean="0">
+                <a:solidFill>
+                  <a:srgbClr val="FF0000"/>
+                </a:solidFill>
+                <a:latin typeface="Times New Roman" charset="0"/>
+                <a:ea typeface="Times New Roman" charset="0"/>
+                <a:cs typeface="Times New Roman" charset="0"/>
+              </a:rPr>
+              <a:t>fading</a:t>
+            </a:r>
+            <a:endParaRPr lang="en-US" altLang="zh-TW" sz="2800" dirty="0">
+              <a:solidFill>
+                <a:srgbClr val="FF0000"/>
+              </a:solidFill>
+              <a:latin typeface="Times New Roman" charset="0"/>
+              <a:ea typeface="Times New Roman" charset="0"/>
+              <a:cs typeface="Times New Roman" charset="0"/>
+            </a:endParaRPr>
+          </a:p>
+        </p:txBody>
+      </p:sp>
+      <p:cxnSp>
+        <p:nvCxnSpPr>
+          <p:cNvPr id="71" name="直線箭頭接點 70"/>
+          <p:cNvCxnSpPr/>
+          <p:nvPr/>
+        </p:nvCxnSpPr>
+        <p:spPr>
+          <a:xfrm flipV="1">
+            <a:off x="6206515" y="2909152"/>
+            <a:ext cx="1246372" cy="506496"/>
+          </a:xfrm>
+          <a:prstGeom prst="straightConnector1">
+            <a:avLst/>
+          </a:prstGeom>
+          <a:ln w="12700">
+            <a:headEnd type="triangle" w="lg" len="med"/>
+            <a:tailEnd type="none"/>
+          </a:ln>
+        </p:spPr>
+        <p:style>
+          <a:lnRef idx="1">
+            <a:schemeClr val="accent1"/>
+          </a:lnRef>
+          <a:fillRef idx="0">
+            <a:schemeClr val="accent1"/>
+          </a:fillRef>
+          <a:effectRef idx="0">
+            <a:schemeClr val="accent1"/>
+          </a:effectRef>
+          <a:fontRef idx="minor">
+            <a:schemeClr val="tx1"/>
+          </a:fontRef>
+        </p:style>
+      </p:cxnSp>
+      <p:sp>
+        <p:nvSpPr>
+          <p:cNvPr id="76" name="文字方塊 75"/>
+          <p:cNvSpPr txBox="1"/>
+          <p:nvPr/>
+        </p:nvSpPr>
+        <p:spPr>
+          <a:xfrm>
+            <a:off x="6805101" y="2147219"/>
+            <a:ext cx="4575290" cy="1015663"/>
+          </a:xfrm>
+          <a:prstGeom prst="rect">
+            <a:avLst/>
+          </a:prstGeom>
+        </p:spPr>
+        <p:txBody>
+          <a:bodyPr vert="horz" wrap="none" lIns="91440" tIns="45720" rIns="91440" bIns="45720" rtlCol="0" anchor="ctr">
+            <a:spAutoFit/>
+          </a:bodyPr>
+          <a:lstStyle/>
+          <a:p>
+            <a:pPr algn="ctr"/>
+            <a:r>
+              <a:rPr lang="en-US" altLang="zh-TW" sz="2800" dirty="0">
+                <a:solidFill>
+                  <a:schemeClr val="accent1"/>
+                </a:solidFill>
+                <a:latin typeface="Times New Roman" charset="0"/>
+                <a:ea typeface="Times New Roman" charset="0"/>
+                <a:cs typeface="Times New Roman" charset="0"/>
+              </a:rPr>
+              <a:t>Fluctuation of the local mean: </a:t>
+            </a:r>
+          </a:p>
+          <a:p>
+            <a:pPr algn="ctr"/>
+            <a:r>
+              <a:rPr lang="en-US" altLang="zh-TW" sz="3200" b="1" dirty="0" smtClean="0">
+                <a:solidFill>
+                  <a:schemeClr val="accent1"/>
+                </a:solidFill>
+                <a:latin typeface="Times New Roman" charset="0"/>
+                <a:ea typeface="Times New Roman" charset="0"/>
+                <a:cs typeface="Times New Roman" charset="0"/>
+              </a:rPr>
+              <a:t>Small-scale</a:t>
+            </a:r>
+            <a:r>
+              <a:rPr lang="en-US" altLang="zh-TW" sz="3200" dirty="0" smtClean="0">
+                <a:solidFill>
+                  <a:schemeClr val="accent1"/>
+                </a:solidFill>
+                <a:latin typeface="Times New Roman" charset="0"/>
+                <a:ea typeface="Times New Roman" charset="0"/>
+                <a:cs typeface="Times New Roman" charset="0"/>
+              </a:rPr>
+              <a:t> </a:t>
+            </a:r>
+            <a:r>
+              <a:rPr lang="en-US" altLang="zh-TW" sz="2800" dirty="0" smtClean="0">
+                <a:solidFill>
+                  <a:schemeClr val="accent1"/>
+                </a:solidFill>
+                <a:latin typeface="Times New Roman" charset="0"/>
+                <a:ea typeface="Times New Roman" charset="0"/>
+                <a:cs typeface="Times New Roman" charset="0"/>
+              </a:rPr>
+              <a:t>fading</a:t>
+            </a:r>
+            <a:endParaRPr lang="en-US" altLang="zh-TW" sz="2800" dirty="0">
+              <a:solidFill>
+                <a:schemeClr val="accent1"/>
+              </a:solidFill>
+              <a:latin typeface="Times New Roman" charset="0"/>
+              <a:ea typeface="Times New Roman" charset="0"/>
+              <a:cs typeface="Times New Roman" charset="0"/>
+            </a:endParaRPr>
+          </a:p>
+        </p:txBody>
+      </p:sp>
+      <mc:AlternateContent xmlns:mc="http://schemas.openxmlformats.org/markup-compatibility/2006" xmlns:a14="http://schemas.microsoft.com/office/drawing/2010/main">
+        <mc:Choice Requires="a14">
+          <p:sp>
+            <p:nvSpPr>
+              <p:cNvPr id="77" name="文字方塊 76"/>
+              <p:cNvSpPr txBox="1"/>
+              <p:nvPr/>
+            </p:nvSpPr>
+            <p:spPr>
+              <a:xfrm>
+                <a:off x="7267467" y="5609783"/>
+                <a:ext cx="3632148" cy="954107"/>
+              </a:xfrm>
+              <a:prstGeom prst="rect">
+                <a:avLst/>
+              </a:prstGeom>
+            </p:spPr>
+            <p:txBody>
+              <a:bodyPr vert="horz" wrap="none" lIns="91440" tIns="45720" rIns="91440" bIns="45720" rtlCol="0" anchor="ctr">
+                <a:spAutoFit/>
+              </a:bodyPr>
+              <a:lstStyle/>
+              <a:p>
+                <a14:m>
+                  <m:oMath xmlns:m="http://schemas.openxmlformats.org/officeDocument/2006/math">
+                    <m:sSub>
+                      <m:sSubPr>
+                        <m:ctrlPr>
+                          <a:rPr kumimoji="1" lang="en-US" altLang="zh-TW" sz="2800" b="0" i="1" baseline="0" smtClean="0">
+                            <a:solidFill>
+                              <a:schemeClr val="tx1">
+                                <a:lumMod val="65000"/>
+                                <a:lumOff val="35000"/>
+                              </a:schemeClr>
+                            </a:solidFill>
+                            <a:latin typeface="Cambria Math" charset="0"/>
+                            <a:ea typeface="微軟正黑體" panose="020B0604030504040204" pitchFamily="34" charset="-120"/>
+                            <a:cs typeface="Arial" panose="020B0604020202020204" pitchFamily="34" charset="0"/>
+                          </a:rPr>
+                        </m:ctrlPr>
+                      </m:sSubPr>
+                      <m:e>
+                        <m:r>
+                          <a:rPr kumimoji="1" lang="en-US" altLang="zh-TW" sz="2800" b="0" i="1" baseline="0" smtClean="0">
+                            <a:solidFill>
+                              <a:schemeClr val="tx1">
+                                <a:lumMod val="65000"/>
+                                <a:lumOff val="35000"/>
+                              </a:schemeClr>
+                            </a:solidFill>
+                            <a:latin typeface="Cambria Math" charset="0"/>
+                            <a:ea typeface="微軟正黑體" panose="020B0604030504040204" pitchFamily="34" charset="-120"/>
+                            <a:cs typeface="Arial" panose="020B0604020202020204" pitchFamily="34" charset="0"/>
+                          </a:rPr>
+                          <m:t>𝑃</m:t>
+                        </m:r>
+                      </m:e>
+                      <m:sub>
+                        <m:r>
+                          <a:rPr kumimoji="1" lang="en-US" altLang="zh-TW" sz="2800" b="0" i="1" baseline="0" smtClean="0">
+                            <a:solidFill>
+                              <a:schemeClr val="tx1">
+                                <a:lumMod val="65000"/>
+                                <a:lumOff val="35000"/>
+                              </a:schemeClr>
+                            </a:solidFill>
+                            <a:latin typeface="Cambria Math" charset="0"/>
+                            <a:ea typeface="微軟正黑體" panose="020B0604030504040204" pitchFamily="34" charset="-120"/>
+                            <a:cs typeface="Arial" panose="020B0604020202020204" pitchFamily="34" charset="0"/>
+                          </a:rPr>
+                          <m:t>𝑡</m:t>
+                        </m:r>
+                      </m:sub>
+                    </m:sSub>
+                  </m:oMath>
+                </a14:m>
+                <a:r>
+                  <a:rPr kumimoji="1" lang="en-US" altLang="zh-TW" sz="2800" b="0" baseline="0" dirty="0" smtClean="0">
+                    <a:solidFill>
+                      <a:schemeClr val="tx1">
+                        <a:lumMod val="65000"/>
+                        <a:lumOff val="35000"/>
+                      </a:schemeClr>
+                    </a:solidFill>
+                    <a:latin typeface="Calibri" panose="020F0502020204030204" pitchFamily="34" charset="0"/>
+                    <a:ea typeface="微軟正黑體" panose="020B0604030504040204" pitchFamily="34" charset="-120"/>
+                    <a:cs typeface="Arial" panose="020B0604020202020204" pitchFamily="34" charset="0"/>
+                  </a:rPr>
+                  <a:t> : transmission power</a:t>
+                </a:r>
+              </a:p>
+              <a:p>
+                <a14:m>
+                  <m:oMath xmlns:m="http://schemas.openxmlformats.org/officeDocument/2006/math">
+                    <m:sSub>
+                      <m:sSubPr>
+                        <m:ctrlPr>
+                          <a:rPr kumimoji="1" lang="en-US" altLang="zh-TW" sz="2800" i="1">
+                            <a:solidFill>
+                              <a:schemeClr val="tx1">
+                                <a:lumMod val="65000"/>
+                                <a:lumOff val="35000"/>
+                              </a:schemeClr>
+                            </a:solidFill>
+                            <a:latin typeface="Cambria Math" charset="0"/>
+                            <a:ea typeface="微軟正黑體" panose="020B0604030504040204" pitchFamily="34" charset="-120"/>
+                            <a:cs typeface="Arial" panose="020B0604020202020204" pitchFamily="34" charset="0"/>
+                          </a:rPr>
+                        </m:ctrlPr>
+                      </m:sSubPr>
+                      <m:e>
+                        <m:r>
+                          <a:rPr kumimoji="1" lang="en-US" altLang="zh-TW" sz="2800" i="1">
+                            <a:solidFill>
+                              <a:schemeClr val="tx1">
+                                <a:lumMod val="65000"/>
+                                <a:lumOff val="35000"/>
+                              </a:schemeClr>
+                            </a:solidFill>
+                            <a:latin typeface="Cambria Math" charset="0"/>
+                            <a:ea typeface="微軟正黑體" panose="020B0604030504040204" pitchFamily="34" charset="-120"/>
+                            <a:cs typeface="Arial" panose="020B0604020202020204" pitchFamily="34" charset="0"/>
+                          </a:rPr>
+                          <m:t>𝑃</m:t>
+                        </m:r>
+                      </m:e>
+                      <m:sub>
+                        <m:r>
+                          <a:rPr kumimoji="1" lang="en-US" altLang="zh-TW" sz="2800" b="0" i="1" smtClean="0">
+                            <a:solidFill>
+                              <a:schemeClr val="tx1">
+                                <a:lumMod val="65000"/>
+                                <a:lumOff val="35000"/>
+                              </a:schemeClr>
+                            </a:solidFill>
+                            <a:latin typeface="Cambria Math" charset="0"/>
+                            <a:ea typeface="微軟正黑體" panose="020B0604030504040204" pitchFamily="34" charset="-120"/>
+                            <a:cs typeface="Arial" panose="020B0604020202020204" pitchFamily="34" charset="0"/>
+                          </a:rPr>
+                          <m:t>𝑟</m:t>
+                        </m:r>
+                      </m:sub>
+                    </m:sSub>
+                  </m:oMath>
+                </a14:m>
+                <a:r>
+                  <a:rPr kumimoji="1" lang="en-US" altLang="zh-TW" sz="2800" dirty="0">
+                    <a:solidFill>
+                      <a:schemeClr val="tx1">
+                        <a:lumMod val="65000"/>
+                        <a:lumOff val="35000"/>
+                      </a:schemeClr>
+                    </a:solidFill>
+                    <a:latin typeface="Calibri" panose="020F0502020204030204" pitchFamily="34" charset="0"/>
+                    <a:ea typeface="微軟正黑體" panose="020B0604030504040204" pitchFamily="34" charset="-120"/>
+                    <a:cs typeface="Arial" panose="020B0604020202020204" pitchFamily="34" charset="0"/>
+                  </a:rPr>
+                  <a:t> : </a:t>
+                </a:r>
+                <a:r>
+                  <a:rPr kumimoji="1" lang="en-US" altLang="zh-TW" sz="2800" dirty="0" smtClean="0">
+                    <a:solidFill>
+                      <a:schemeClr val="tx1">
+                        <a:lumMod val="65000"/>
+                        <a:lumOff val="35000"/>
+                      </a:schemeClr>
+                    </a:solidFill>
+                    <a:latin typeface="Calibri" panose="020F0502020204030204" pitchFamily="34" charset="0"/>
+                    <a:ea typeface="微軟正黑體" panose="020B0604030504040204" pitchFamily="34" charset="-120"/>
+                    <a:cs typeface="Arial" panose="020B0604020202020204" pitchFamily="34" charset="0"/>
+                  </a:rPr>
+                  <a:t>received </a:t>
+                </a:r>
+                <a:r>
+                  <a:rPr kumimoji="1" lang="en-US" altLang="zh-TW" sz="2800" dirty="0">
+                    <a:solidFill>
+                      <a:schemeClr val="tx1">
+                        <a:lumMod val="65000"/>
+                        <a:lumOff val="35000"/>
+                      </a:schemeClr>
+                    </a:solidFill>
+                    <a:latin typeface="Calibri" panose="020F0502020204030204" pitchFamily="34" charset="0"/>
+                    <a:ea typeface="微軟正黑體" panose="020B0604030504040204" pitchFamily="34" charset="-120"/>
+                    <a:cs typeface="Arial" panose="020B0604020202020204" pitchFamily="34" charset="0"/>
+                  </a:rPr>
+                  <a:t>power</a:t>
+                </a:r>
+                <a:endParaRPr kumimoji="1" lang="zh-TW" altLang="en-US" sz="2800" b="0" baseline="0" dirty="0">
+                  <a:solidFill>
+                    <a:schemeClr val="tx1">
+                      <a:lumMod val="65000"/>
+                      <a:lumOff val="35000"/>
+                    </a:schemeClr>
+                  </a:solidFill>
+                  <a:latin typeface="Calibri" panose="020F0502020204030204" pitchFamily="34" charset="0"/>
+                  <a:ea typeface="微軟正黑體" panose="020B0604030504040204" pitchFamily="34" charset="-120"/>
+                  <a:cs typeface="Arial" panose="020B0604020202020204" pitchFamily="34" charset="0"/>
+                </a:endParaRPr>
+              </a:p>
+            </p:txBody>
+          </p:sp>
+        </mc:Choice>
+        <mc:Fallback xmlns="">
+          <p:sp>
+            <p:nvSpPr>
+              <p:cNvPr id="77" name="文字方塊 76"/>
+              <p:cNvSpPr txBox="1">
+                <a:spLocks noRot="1" noChangeAspect="1" noMove="1" noResize="1" noEditPoints="1" noAdjustHandles="1" noChangeArrowheads="1" noChangeShapeType="1" noTextEdit="1"/>
+              </p:cNvSpPr>
+              <p:nvPr/>
+            </p:nvSpPr>
+            <p:spPr>
+              <a:xfrm>
+                <a:off x="7267467" y="5609783"/>
+                <a:ext cx="3632148" cy="954107"/>
+              </a:xfrm>
+              <a:prstGeom prst="rect">
+                <a:avLst/>
+              </a:prstGeom>
+              <a:blipFill rotWithShape="0">
+                <a:blip r:embed="rId3"/>
+                <a:stretch>
+                  <a:fillRect t="-5732" r="-2349" b="-17834"/>
+                </a:stretch>
+              </a:blipFill>
+            </p:spPr>
+            <p:txBody>
+              <a:bodyPr/>
+              <a:lstStyle/>
+              <a:p>
+                <a:r>
+                  <a:rPr lang="zh-TW" altLang="en-US">
+                    <a:noFill/>
+                  </a:rPr>
+                  <a:t> </a:t>
+                </a:r>
+              </a:p>
+            </p:txBody>
+          </p:sp>
+        </mc:Fallback>
+      </mc:AlternateContent>
     </p:spTree>
     <p:extLst>
       <p:ext uri="{BB962C8B-B14F-4D97-AF65-F5344CB8AC3E}">
-        <p14:creationId xmlns:p14="http://schemas.microsoft.com/office/powerpoint/2010/main" val="596092803"/>
+        <p14:creationId xmlns:p14="http://schemas.microsoft.com/office/powerpoint/2010/main" val="1570010807"/>
       </p:ext>
     </p:extLst>
   </p:cSld>
@@ -18738,6 +21510,13 @@
       </p:transition>
     </mc:Fallback>
   </mc:AlternateContent>
+  <p:timing>
+    <p:tnLst>
+      <p:par>
+        <p:cTn id="1" dur="indefinite" restart="never" nodeType="tmRoot"/>
+      </p:par>
+    </p:tnLst>
+  </p:timing>
 </p:sld>
 </file>
 

--- a/Freshman_Training.pptx
+++ b/Freshman_Training.pptx
@@ -5,7 +5,7 @@
     <p:sldMasterId id="2147483660" r:id="rId1"/>
   </p:sldMasterIdLst>
   <p:notesMasterIdLst>
-    <p:notesMasterId r:id="rId24"/>
+    <p:notesMasterId r:id="rId30"/>
   </p:notesMasterIdLst>
   <p:sldIdLst>
     <p:sldId id="256" r:id="rId2"/>
@@ -17,19 +17,25 @@
     <p:sldId id="319" r:id="rId8"/>
     <p:sldId id="317" r:id="rId9"/>
     <p:sldId id="316" r:id="rId10"/>
-    <p:sldId id="321" r:id="rId11"/>
-    <p:sldId id="322" r:id="rId12"/>
-    <p:sldId id="318" r:id="rId13"/>
-    <p:sldId id="304" r:id="rId14"/>
-    <p:sldId id="308" r:id="rId15"/>
-    <p:sldId id="307" r:id="rId16"/>
-    <p:sldId id="309" r:id="rId17"/>
-    <p:sldId id="310" r:id="rId18"/>
-    <p:sldId id="311" r:id="rId19"/>
-    <p:sldId id="312" r:id="rId20"/>
-    <p:sldId id="313" r:id="rId21"/>
-    <p:sldId id="305" r:id="rId22"/>
-    <p:sldId id="301" r:id="rId23"/>
+    <p:sldId id="323" r:id="rId11"/>
+    <p:sldId id="321" r:id="rId12"/>
+    <p:sldId id="322" r:id="rId13"/>
+    <p:sldId id="324" r:id="rId14"/>
+    <p:sldId id="325" r:id="rId15"/>
+    <p:sldId id="326" r:id="rId16"/>
+    <p:sldId id="327" r:id="rId17"/>
+    <p:sldId id="328" r:id="rId18"/>
+    <p:sldId id="318" r:id="rId19"/>
+    <p:sldId id="304" r:id="rId20"/>
+    <p:sldId id="308" r:id="rId21"/>
+    <p:sldId id="307" r:id="rId22"/>
+    <p:sldId id="309" r:id="rId23"/>
+    <p:sldId id="310" r:id="rId24"/>
+    <p:sldId id="311" r:id="rId25"/>
+    <p:sldId id="312" r:id="rId26"/>
+    <p:sldId id="313" r:id="rId27"/>
+    <p:sldId id="305" r:id="rId28"/>
+    <p:sldId id="301" r:id="rId29"/>
   </p:sldIdLst>
   <p:sldSz cx="12192000" cy="6858000"/>
   <p:notesSz cx="6858000" cy="9144000"/>
@@ -146,8 +152,14 @@
             <p14:sldId id="319"/>
             <p14:sldId id="317"/>
             <p14:sldId id="316"/>
+            <p14:sldId id="323"/>
             <p14:sldId id="321"/>
             <p14:sldId id="322"/>
+            <p14:sldId id="324"/>
+            <p14:sldId id="325"/>
+            <p14:sldId id="326"/>
+            <p14:sldId id="327"/>
+            <p14:sldId id="328"/>
             <p14:sldId id="318"/>
           </p14:sldIdLst>
         </p14:section>
@@ -693,7 +705,7 @@
           <a:p>
             <a:fld id="{C79F9334-C2B5-40DC-A82F-94CC416C9799}" type="slidenum">
               <a:rPr lang="zh-TW" altLang="en-US" smtClean="0"/>
-              <a:t>20</a:t>
+              <a:t>26</a:t>
             </a:fld>
             <a:endParaRPr lang="zh-TW" altLang="en-US"/>
           </a:p>
@@ -1315,7 +1327,7 @@
           <a:p>
             <a:fld id="{C79F9334-C2B5-40DC-A82F-94CC416C9799}" type="slidenum">
               <a:rPr lang="zh-TW" altLang="en-US" smtClean="0"/>
-              <a:t>14</a:t>
+              <a:t>20</a:t>
             </a:fld>
             <a:endParaRPr lang="zh-TW" altLang="en-US"/>
           </a:p>
@@ -1399,7 +1411,7 @@
           <a:p>
             <a:fld id="{C79F9334-C2B5-40DC-A82F-94CC416C9799}" type="slidenum">
               <a:rPr lang="zh-TW" altLang="en-US" smtClean="0"/>
-              <a:t>16</a:t>
+              <a:t>22</a:t>
             </a:fld>
             <a:endParaRPr lang="zh-TW" altLang="en-US"/>
           </a:p>
@@ -1553,7 +1565,7 @@
           <a:p>
             <a:fld id="{C79F9334-C2B5-40DC-A82F-94CC416C9799}" type="slidenum">
               <a:rPr lang="zh-TW" altLang="en-US" smtClean="0"/>
-              <a:t>17</a:t>
+              <a:t>23</a:t>
             </a:fld>
             <a:endParaRPr lang="zh-TW" altLang="en-US"/>
           </a:p>
@@ -1641,7 +1653,7 @@
           <a:p>
             <a:fld id="{C79F9334-C2B5-40DC-A82F-94CC416C9799}" type="slidenum">
               <a:rPr lang="zh-TW" altLang="en-US" smtClean="0"/>
-              <a:t>18</a:t>
+              <a:t>24</a:t>
             </a:fld>
             <a:endParaRPr lang="zh-TW" altLang="en-US"/>
           </a:p>
@@ -1729,7 +1741,7 @@
           <a:p>
             <a:fld id="{C79F9334-C2B5-40DC-A82F-94CC416C9799}" type="slidenum">
               <a:rPr lang="zh-TW" altLang="en-US" smtClean="0"/>
-              <a:t>19</a:t>
+              <a:t>25</a:t>
             </a:fld>
             <a:endParaRPr lang="zh-TW" altLang="en-US"/>
           </a:p>
@@ -10027,6 +10039,130 @@
       </p:grpSpPr>
       <p:sp>
         <p:nvSpPr>
+          <p:cNvPr id="2" name="投影片編號版面配置區 1"/>
+          <p:cNvSpPr>
+            <a:spLocks noGrp="1"/>
+          </p:cNvSpPr>
+          <p:nvPr>
+            <p:ph type="sldNum" sz="quarter" idx="12"/>
+          </p:nvPr>
+        </p:nvSpPr>
+        <p:spPr/>
+        <p:txBody>
+          <a:bodyPr/>
+          <a:lstStyle/>
+          <a:p>
+            <a:fld id="{3EBBE1F4-AE36-AD42-8177-96288CD18AD2}" type="slidenum">
+              <a:rPr lang="en-US" smtClean="0"/>
+              <a:t>10</a:t>
+            </a:fld>
+            <a:endParaRPr lang="en-US"/>
+          </a:p>
+        </p:txBody>
+      </p:sp>
+      <p:sp>
+        <p:nvSpPr>
+          <p:cNvPr id="3" name="矩形 2"/>
+          <p:cNvSpPr/>
+          <p:nvPr/>
+        </p:nvSpPr>
+        <p:spPr>
+          <a:xfrm>
+            <a:off x="0" y="-148281"/>
+            <a:ext cx="12282616" cy="7364627"/>
+          </a:xfrm>
+          <a:prstGeom prst="rect">
+            <a:avLst/>
+          </a:prstGeom>
+          <a:solidFill>
+            <a:schemeClr val="tx1">
+              <a:lumMod val="65000"/>
+              <a:lumOff val="35000"/>
+              <a:alpha val="86000"/>
+            </a:schemeClr>
+          </a:solidFill>
+        </p:spPr>
+        <p:style>
+          <a:lnRef idx="2">
+            <a:schemeClr val="accent1">
+              <a:shade val="50000"/>
+            </a:schemeClr>
+          </a:lnRef>
+          <a:fillRef idx="1">
+            <a:schemeClr val="accent1"/>
+          </a:fillRef>
+          <a:effectRef idx="0">
+            <a:schemeClr val="accent1"/>
+          </a:effectRef>
+          <a:fontRef idx="minor">
+            <a:schemeClr val="lt1"/>
+          </a:fontRef>
+        </p:style>
+        <p:txBody>
+          <a:bodyPr rtlCol="0" anchor="ctr"/>
+          <a:lstStyle/>
+          <a:p>
+            <a:pPr algn="ctr"/>
+            <a:r>
+              <a:rPr lang="en-US" altLang="zh-TW" sz="6000" b="1" dirty="0" smtClean="0">
+                <a:latin typeface="Times New Roman" charset="0"/>
+                <a:ea typeface="Times New Roman" charset="0"/>
+                <a:cs typeface="Times New Roman" charset="0"/>
+              </a:rPr>
+              <a:t>Small-Scale Fading</a:t>
+            </a:r>
+            <a:endParaRPr lang="zh-TW" altLang="en-US" sz="6000" b="1" dirty="0">
+              <a:latin typeface="Times New Roman" charset="0"/>
+              <a:ea typeface="Times New Roman" charset="0"/>
+              <a:cs typeface="Times New Roman" charset="0"/>
+            </a:endParaRPr>
+          </a:p>
+        </p:txBody>
+      </p:sp>
+    </p:spTree>
+    <p:extLst>
+      <p:ext uri="{BB962C8B-B14F-4D97-AF65-F5344CB8AC3E}">
+        <p14:creationId xmlns:p14="http://schemas.microsoft.com/office/powerpoint/2010/main" val="432575987"/>
+      </p:ext>
+    </p:extLst>
+  </p:cSld>
+  <p:clrMapOvr>
+    <a:masterClrMapping/>
+  </p:clrMapOvr>
+  <mc:AlternateContent xmlns:mc="http://schemas.openxmlformats.org/markup-compatibility/2006">
+    <mc:Choice xmlns:p14="http://schemas.microsoft.com/office/powerpoint/2010/main" Requires="p14">
+      <p:transition spd="med" p14:dur="700">
+        <p:fade/>
+      </p:transition>
+    </mc:Choice>
+    <mc:Fallback>
+      <p:transition spd="med">
+        <p:fade/>
+      </p:transition>
+    </mc:Fallback>
+  </mc:AlternateContent>
+</p:sld>
+</file>
+
+<file path=ppt/slides/slide11.xml><?xml version="1.0" encoding="utf-8"?>
+<p:sld xmlns:a="http://schemas.openxmlformats.org/drawingml/2006/main" xmlns:r="http://schemas.openxmlformats.org/officeDocument/2006/relationships" xmlns:p="http://schemas.openxmlformats.org/presentationml/2006/main">
+  <p:cSld>
+    <p:spTree>
+      <p:nvGrpSpPr>
+        <p:cNvPr id="1" name=""/>
+        <p:cNvGrpSpPr/>
+        <p:nvPr/>
+      </p:nvGrpSpPr>
+      <p:grpSpPr>
+        <a:xfrm>
+          <a:off x="0" y="0"/>
+          <a:ext cx="0" cy="0"/>
+          <a:chOff x="0" y="0"/>
+          <a:chExt cx="0" cy="0"/>
+        </a:xfrm>
+      </p:grpSpPr>
+      <p:sp>
+        <p:nvSpPr>
           <p:cNvPr id="2" name="標題 1"/>
           <p:cNvSpPr>
             <a:spLocks noGrp="1"/>
@@ -10540,7 +10676,7 @@
             <a:fld id="{3EBBE1F4-AE36-AD42-8177-96288CD18AD2}" type="slidenum">
               <a:rPr lang="en-US" smtClean="0"/>
               <a:pPr/>
-              <a:t>10</a:t>
+              <a:t>11</a:t>
             </a:fld>
             <a:endParaRPr lang="en-US"/>
           </a:p>
@@ -10578,7 +10714,7 @@
 </p:sld>
 </file>
 
-<file path=ppt/slides/slide11.xml><?xml version="1.0" encoding="utf-8"?>
+<file path=ppt/slides/slide12.xml><?xml version="1.0" encoding="utf-8"?>
 <p:sld xmlns:a="http://schemas.openxmlformats.org/drawingml/2006/main" xmlns:r="http://schemas.openxmlformats.org/officeDocument/2006/relationships" xmlns:p="http://schemas.openxmlformats.org/presentationml/2006/main">
   <p:cSld>
     <p:spTree>
@@ -10633,7 +10769,7 @@
             <p:spPr>
               <a:xfrm>
                 <a:off x="335360" y="1700808"/>
-                <a:ext cx="11521280" cy="4680520"/>
+                <a:ext cx="11521280" cy="4215898"/>
               </a:xfrm>
             </p:spPr>
             <p:txBody>
@@ -10695,136 +10831,145 @@
               </a:p>
               <a:p>
                 <a:pPr marL="11112" indent="0">
+                  <a:lnSpc>
+                    <a:spcPct val="150000"/>
+                  </a:lnSpc>
                   <a:buNone/>
                 </a:pPr>
+                <a:r>
+                  <a:rPr kumimoji="1" lang="en-US" altLang="zh-TW" sz="4000" i="1" dirty="0" smtClean="0">
+                    <a:solidFill>
+                      <a:srgbClr val="FF0000"/>
+                    </a:solidFill>
+                    <a:latin typeface="Cambria Math" charset="0"/>
+                    <a:ea typeface="Times New Roman" charset="0"/>
+                    <a:cs typeface="Times New Roman" charset="0"/>
+                  </a:rPr>
+                  <a:t>                      			    </a:t>
+                </a:r>
                 <a14:m>
-                  <m:oMathPara xmlns:m="http://schemas.openxmlformats.org/officeDocument/2006/math">
-                    <m:oMathParaPr>
-                      <m:jc m:val="center"/>
-                    </m:oMathParaPr>
-                    <m:oMath xmlns:m="http://schemas.openxmlformats.org/officeDocument/2006/math">
-                      <m:sSub>
-                        <m:sSubPr>
-                          <m:ctrlPr>
-                            <a:rPr kumimoji="1" lang="en-US" altLang="zh-TW" sz="4000" i="1">
-                              <a:solidFill>
-                                <a:srgbClr val="FF0000"/>
-                              </a:solidFill>
-                              <a:latin typeface="Cambria Math" charset="0"/>
-                              <a:ea typeface="Times New Roman" charset="0"/>
-                              <a:cs typeface="Times New Roman" charset="0"/>
-                            </a:rPr>
-                          </m:ctrlPr>
-                        </m:sSubPr>
-                        <m:e>
-                          <m:r>
-                            <a:rPr kumimoji="1" lang="en-US" altLang="zh-TW" sz="4000" i="1">
-                              <a:solidFill>
-                                <a:srgbClr val="FF0000"/>
-                              </a:solidFill>
-                              <a:latin typeface="Cambria Math" charset="0"/>
-                              <a:ea typeface="Times New Roman" charset="0"/>
-                              <a:cs typeface="Times New Roman" charset="0"/>
-                            </a:rPr>
-                            <m:t>𝑇</m:t>
-                          </m:r>
-                        </m:e>
-                        <m:sub>
-                          <m:r>
-                            <a:rPr kumimoji="1" lang="en-US" altLang="zh-TW" sz="4000" i="1">
-                              <a:solidFill>
-                                <a:srgbClr val="FF0000"/>
-                              </a:solidFill>
-                              <a:latin typeface="Cambria Math" charset="0"/>
-                              <a:ea typeface="Times New Roman" charset="0"/>
-                              <a:cs typeface="Times New Roman" charset="0"/>
-                            </a:rPr>
-                            <m:t>𝑐</m:t>
-                          </m:r>
-                        </m:sub>
-                      </m:sSub>
-                      <m:r>
-                        <a:rPr kumimoji="1" lang="en-US" altLang="zh-TW" sz="4000" i="1" smtClean="0">
-                          <a:solidFill>
-                            <a:schemeClr val="tx1"/>
-                          </a:solidFill>
-                          <a:latin typeface="Cambria Math" charset="0"/>
-                          <a:ea typeface="Cambria Math" charset="0"/>
-                          <a:cs typeface="Cambria Math" charset="0"/>
-                        </a:rPr>
-                        <m:t>∝</m:t>
-                      </m:r>
-                      <m:f>
-                        <m:fPr>
-                          <m:ctrlPr>
-                            <a:rPr kumimoji="1" lang="mr-IN" altLang="zh-TW" sz="4000" i="1" smtClean="0">
-                              <a:solidFill>
-                                <a:srgbClr val="FF0000"/>
-                              </a:solidFill>
-                              <a:latin typeface="Cambria Math" charset="0"/>
-                              <a:ea typeface="Cambria Math" charset="0"/>
-                              <a:cs typeface="Cambria Math" charset="0"/>
-                            </a:rPr>
-                          </m:ctrlPr>
-                        </m:fPr>
-                        <m:num>
-                          <m:r>
-                            <a:rPr kumimoji="1" lang="en-US" altLang="zh-TW" sz="4000" b="0" i="1" smtClean="0">
-                              <a:solidFill>
-                                <a:schemeClr val="tx1"/>
-                              </a:solidFill>
-                              <a:latin typeface="Cambria Math" charset="0"/>
-                              <a:ea typeface="Cambria Math" charset="0"/>
-                              <a:cs typeface="Cambria Math" charset="0"/>
-                            </a:rPr>
-                            <m:t>1</m:t>
-                          </m:r>
-                        </m:num>
-                        <m:den>
-                          <m:sSub>
-                            <m:sSubPr>
-                              <m:ctrlPr>
-                                <a:rPr kumimoji="1" lang="en-US" altLang="zh-TW" sz="4000" i="1">
-                                  <a:solidFill>
-                                    <a:schemeClr val="accent1"/>
-                                  </a:solidFill>
-                                  <a:latin typeface="Cambria Math" charset="0"/>
-                                  <a:ea typeface="Times New Roman" charset="0"/>
-                                  <a:cs typeface="Times New Roman" charset="0"/>
-                                </a:rPr>
-                              </m:ctrlPr>
-                            </m:sSubPr>
-                            <m:e>
-                              <m:r>
-                                <a:rPr kumimoji="1" lang="en-US" altLang="zh-TW" sz="4000" i="1">
-                                  <a:solidFill>
-                                    <a:schemeClr val="accent1"/>
-                                  </a:solidFill>
-                                  <a:latin typeface="Cambria Math" charset="0"/>
-                                  <a:ea typeface="Times New Roman" charset="0"/>
-                                  <a:cs typeface="Times New Roman" charset="0"/>
-                                </a:rPr>
-                                <m:t>𝐷</m:t>
-                              </m:r>
-                            </m:e>
-                            <m:sub>
-                              <m:r>
-                                <a:rPr kumimoji="1" lang="en-US" altLang="zh-TW" sz="4000" i="1">
-                                  <a:solidFill>
-                                    <a:schemeClr val="accent1"/>
-                                  </a:solidFill>
-                                  <a:latin typeface="Cambria Math" charset="0"/>
-                                  <a:ea typeface="Times New Roman" charset="0"/>
-                                  <a:cs typeface="Times New Roman" charset="0"/>
-                                </a:rPr>
-                                <m:t>𝑠</m:t>
-                              </m:r>
-                            </m:sub>
-                          </m:sSub>
-                        </m:den>
-                      </m:f>
-                    </m:oMath>
-                  </m:oMathPara>
+                  <m:oMath xmlns:m="http://schemas.openxmlformats.org/officeDocument/2006/math">
+                    <m:sSub>
+                      <m:sSubPr>
+                        <m:ctrlPr>
+                          <a:rPr kumimoji="1" lang="en-US" altLang="zh-TW" sz="3200" i="1">
+                            <a:solidFill>
+                              <a:srgbClr val="FF0000"/>
+                            </a:solidFill>
+                            <a:latin typeface="Cambria Math" charset="0"/>
+                            <a:ea typeface="Times New Roman" charset="0"/>
+                            <a:cs typeface="Times New Roman" charset="0"/>
+                          </a:rPr>
+                        </m:ctrlPr>
+                      </m:sSubPr>
+                      <m:e>
+                        <m:r>
+                          <a:rPr kumimoji="1" lang="en-US" altLang="zh-TW" sz="3200" i="1">
+                            <a:solidFill>
+                              <a:srgbClr val="FF0000"/>
+                            </a:solidFill>
+                            <a:latin typeface="Cambria Math" charset="0"/>
+                            <a:ea typeface="Times New Roman" charset="0"/>
+                            <a:cs typeface="Times New Roman" charset="0"/>
+                          </a:rPr>
+                          <m:t>𝑇</m:t>
+                        </m:r>
+                      </m:e>
+                      <m:sub>
+                        <m:r>
+                          <a:rPr kumimoji="1" lang="en-US" altLang="zh-TW" sz="3200" i="1">
+                            <a:solidFill>
+                              <a:srgbClr val="FF0000"/>
+                            </a:solidFill>
+                            <a:latin typeface="Cambria Math" charset="0"/>
+                            <a:ea typeface="Times New Roman" charset="0"/>
+                            <a:cs typeface="Times New Roman" charset="0"/>
+                          </a:rPr>
+                          <m:t>𝑐</m:t>
+                        </m:r>
+                      </m:sub>
+                    </m:sSub>
+                    <m:r>
+                      <a:rPr kumimoji="1" lang="en-US" altLang="zh-TW" sz="3200" i="1" smtClean="0">
+                        <a:solidFill>
+                          <a:schemeClr val="tx1"/>
+                        </a:solidFill>
+                        <a:latin typeface="Cambria Math" charset="0"/>
+                        <a:ea typeface="Cambria Math" charset="0"/>
+                        <a:cs typeface="Cambria Math" charset="0"/>
+                      </a:rPr>
+                      <m:t>∝</m:t>
+                    </m:r>
+                    <m:f>
+                      <m:fPr>
+                        <m:ctrlPr>
+                          <a:rPr kumimoji="1" lang="mr-IN" altLang="zh-TW" sz="3200" i="1" smtClean="0">
+                            <a:solidFill>
+                              <a:srgbClr val="FF0000"/>
+                            </a:solidFill>
+                            <a:latin typeface="Cambria Math" charset="0"/>
+                            <a:ea typeface="Cambria Math" charset="0"/>
+                            <a:cs typeface="Cambria Math" charset="0"/>
+                          </a:rPr>
+                        </m:ctrlPr>
+                      </m:fPr>
+                      <m:num>
+                        <m:r>
+                          <a:rPr kumimoji="1" lang="en-US" altLang="zh-TW" sz="3200" b="0" i="1" smtClean="0">
+                            <a:solidFill>
+                              <a:schemeClr val="tx1"/>
+                            </a:solidFill>
+                            <a:latin typeface="Cambria Math" charset="0"/>
+                            <a:ea typeface="Cambria Math" charset="0"/>
+                            <a:cs typeface="Cambria Math" charset="0"/>
+                          </a:rPr>
+                          <m:t>1</m:t>
+                        </m:r>
+                      </m:num>
+                      <m:den>
+                        <m:sSub>
+                          <m:sSubPr>
+                            <m:ctrlPr>
+                              <a:rPr kumimoji="1" lang="en-US" altLang="zh-TW" sz="3200" i="1">
+                                <a:solidFill>
+                                  <a:schemeClr val="accent1"/>
+                                </a:solidFill>
+                                <a:latin typeface="Cambria Math" charset="0"/>
+                                <a:ea typeface="Times New Roman" charset="0"/>
+                                <a:cs typeface="Times New Roman" charset="0"/>
+                              </a:rPr>
+                            </m:ctrlPr>
+                          </m:sSubPr>
+                          <m:e>
+                            <m:r>
+                              <a:rPr kumimoji="1" lang="en-US" altLang="zh-TW" sz="3200" i="1">
+                                <a:solidFill>
+                                  <a:schemeClr val="accent1"/>
+                                </a:solidFill>
+                                <a:latin typeface="Cambria Math" charset="0"/>
+                                <a:ea typeface="Times New Roman" charset="0"/>
+                                <a:cs typeface="Times New Roman" charset="0"/>
+                              </a:rPr>
+                              <m:t>𝐷</m:t>
+                            </m:r>
+                          </m:e>
+                          <m:sub>
+                            <m:r>
+                              <a:rPr kumimoji="1" lang="en-US" altLang="zh-TW" sz="3200" i="1">
+                                <a:solidFill>
+                                  <a:schemeClr val="accent1"/>
+                                </a:solidFill>
+                                <a:latin typeface="Cambria Math" charset="0"/>
+                                <a:ea typeface="Times New Roman" charset="0"/>
+                                <a:cs typeface="Times New Roman" charset="0"/>
+                              </a:rPr>
+                              <m:t>𝑠</m:t>
+                            </m:r>
+                          </m:sub>
+                        </m:sSub>
+                      </m:den>
+                    </m:f>
+                  </m:oMath>
                 </a14:m>
                 <a:endParaRPr kumimoji="1" lang="zh-TW" altLang="en-US" sz="3200" dirty="0">
                   <a:latin typeface="Times New Roman" charset="0"/>
@@ -10849,7 +10994,7 @@
             <p:spPr>
               <a:xfrm>
                 <a:off x="335360" y="1700808"/>
-                <a:ext cx="11521280" cy="4680520"/>
+                <a:ext cx="11521280" cy="4215898"/>
               </a:xfrm>
               <a:blipFill rotWithShape="0">
                 <a:blip r:embed="rId2"/>
@@ -10891,7 +11036,7 @@
             <a:fld id="{3EBBE1F4-AE36-AD42-8177-96288CD18AD2}" type="slidenum">
               <a:rPr lang="en-US" smtClean="0"/>
               <a:pPr/>
-              <a:t>11</a:t>
+              <a:t>12</a:t>
             </a:fld>
             <a:endParaRPr lang="en-US"/>
           </a:p>
@@ -10957,6 +11102,936 @@
           </a:prstGeom>
         </p:spPr>
       </p:pic>
+      <p:cxnSp>
+        <p:nvCxnSpPr>
+          <p:cNvPr id="8" name="直線箭頭接點 7"/>
+          <p:cNvCxnSpPr/>
+          <p:nvPr/>
+        </p:nvCxnSpPr>
+        <p:spPr>
+          <a:xfrm>
+            <a:off x="4320984" y="2581837"/>
+            <a:ext cx="3478306" cy="17929"/>
+          </a:xfrm>
+          <a:prstGeom prst="straightConnector1">
+            <a:avLst/>
+          </a:prstGeom>
+          <a:ln w="76200">
+            <a:tailEnd type="triangle" w="lg" len="med"/>
+          </a:ln>
+        </p:spPr>
+        <p:style>
+          <a:lnRef idx="1">
+            <a:schemeClr val="accent1"/>
+          </a:lnRef>
+          <a:fillRef idx="0">
+            <a:schemeClr val="accent1"/>
+          </a:fillRef>
+          <a:effectRef idx="0">
+            <a:schemeClr val="accent1"/>
+          </a:effectRef>
+          <a:fontRef idx="minor">
+            <a:schemeClr val="tx1"/>
+          </a:fontRef>
+        </p:style>
+      </p:cxnSp>
+      <p:cxnSp>
+        <p:nvCxnSpPr>
+          <p:cNvPr id="9" name="直線箭頭接點 8"/>
+          <p:cNvCxnSpPr/>
+          <p:nvPr/>
+        </p:nvCxnSpPr>
+        <p:spPr>
+          <a:xfrm>
+            <a:off x="4320989" y="3521776"/>
+            <a:ext cx="3478306" cy="17929"/>
+          </a:xfrm>
+          <a:prstGeom prst="straightConnector1">
+            <a:avLst/>
+          </a:prstGeom>
+          <a:ln w="76200">
+            <a:headEnd type="triangle" w="lg" len="med"/>
+            <a:tailEnd type="none" w="lg" len="med"/>
+          </a:ln>
+        </p:spPr>
+        <p:style>
+          <a:lnRef idx="1">
+            <a:schemeClr val="accent1"/>
+          </a:lnRef>
+          <a:fillRef idx="0">
+            <a:schemeClr val="accent1"/>
+          </a:fillRef>
+          <a:effectRef idx="0">
+            <a:schemeClr val="accent1"/>
+          </a:effectRef>
+          <a:fontRef idx="minor">
+            <a:schemeClr val="tx1"/>
+          </a:fontRef>
+        </p:style>
+      </p:cxnSp>
+      <mc:AlternateContent xmlns:mc="http://schemas.openxmlformats.org/markup-compatibility/2006">
+        <mc:Choice xmlns:a14="http://schemas.microsoft.com/office/drawing/2010/main" Requires="a14">
+          <p:sp>
+            <p:nvSpPr>
+              <p:cNvPr id="10" name="文字方塊 9"/>
+              <p:cNvSpPr txBox="1"/>
+              <p:nvPr/>
+            </p:nvSpPr>
+            <p:spPr>
+              <a:xfrm>
+                <a:off x="2167633" y="3901750"/>
+                <a:ext cx="756809" cy="707886"/>
+              </a:xfrm>
+              <a:prstGeom prst="rect">
+                <a:avLst/>
+              </a:prstGeom>
+            </p:spPr>
+            <p:txBody>
+              <a:bodyPr vert="horz" wrap="none" lIns="91440" tIns="45720" rIns="91440" bIns="45720" rtlCol="0" anchor="ctr">
+                <a:spAutoFit/>
+              </a:bodyPr>
+              <a:lstStyle/>
+              <a:p>
+                <a14:m>
+                  <m:oMathPara xmlns:m="http://schemas.openxmlformats.org/officeDocument/2006/math">
+                    <m:oMathParaPr>
+                      <m:jc m:val="centerGroup"/>
+                    </m:oMathParaPr>
+                    <m:oMath xmlns:m="http://schemas.openxmlformats.org/officeDocument/2006/math">
+                      <m:sSub>
+                        <m:sSubPr>
+                          <m:ctrlPr>
+                            <a:rPr kumimoji="1" lang="en-US" altLang="zh-TW" sz="4000" i="1">
+                              <a:solidFill>
+                                <a:srgbClr val="FF0000"/>
+                              </a:solidFill>
+                              <a:latin typeface="Cambria Math" charset="0"/>
+                              <a:ea typeface="Times New Roman" charset="0"/>
+                              <a:cs typeface="Times New Roman" charset="0"/>
+                            </a:rPr>
+                          </m:ctrlPr>
+                        </m:sSubPr>
+                        <m:e>
+                          <m:r>
+                            <a:rPr kumimoji="1" lang="en-US" altLang="zh-TW" sz="4000" i="1">
+                              <a:solidFill>
+                                <a:srgbClr val="FF0000"/>
+                              </a:solidFill>
+                              <a:latin typeface="Cambria Math" charset="0"/>
+                              <a:ea typeface="Times New Roman" charset="0"/>
+                              <a:cs typeface="Times New Roman" charset="0"/>
+                            </a:rPr>
+                            <m:t>𝑇</m:t>
+                          </m:r>
+                        </m:e>
+                        <m:sub>
+                          <m:r>
+                            <a:rPr kumimoji="1" lang="en-US" altLang="zh-TW" sz="4000" i="1">
+                              <a:solidFill>
+                                <a:srgbClr val="FF0000"/>
+                              </a:solidFill>
+                              <a:latin typeface="Cambria Math" charset="0"/>
+                              <a:ea typeface="Times New Roman" charset="0"/>
+                              <a:cs typeface="Times New Roman" charset="0"/>
+                            </a:rPr>
+                            <m:t>𝑐</m:t>
+                          </m:r>
+                        </m:sub>
+                      </m:sSub>
+                    </m:oMath>
+                  </m:oMathPara>
+                </a14:m>
+                <a:endParaRPr kumimoji="1" lang="zh-TW" altLang="en-US" sz="4000" b="0" baseline="0" dirty="0">
+                  <a:solidFill>
+                    <a:schemeClr val="tx1">
+                      <a:lumMod val="65000"/>
+                      <a:lumOff val="35000"/>
+                    </a:schemeClr>
+                  </a:solidFill>
+                  <a:latin typeface="Calibri" panose="020F0502020204030204" pitchFamily="34" charset="0"/>
+                  <a:ea typeface="微軟正黑體" panose="020B0604030504040204" pitchFamily="34" charset="-120"/>
+                  <a:cs typeface="Arial" panose="020B0604020202020204" pitchFamily="34" charset="0"/>
+                </a:endParaRPr>
+              </a:p>
+            </p:txBody>
+          </p:sp>
+        </mc:Choice>
+        <mc:Fallback>
+          <p:sp>
+            <p:nvSpPr>
+              <p:cNvPr id="10" name="文字方塊 9"/>
+              <p:cNvSpPr txBox="1">
+                <a:spLocks noRot="1" noChangeAspect="1" noMove="1" noResize="1" noEditPoints="1" noAdjustHandles="1" noChangeArrowheads="1" noChangeShapeType="1" noTextEdit="1"/>
+              </p:cNvSpPr>
+              <p:nvPr/>
+            </p:nvSpPr>
+            <p:spPr>
+              <a:xfrm>
+                <a:off x="2167633" y="3901750"/>
+                <a:ext cx="756809" cy="707886"/>
+              </a:xfrm>
+              <a:prstGeom prst="rect">
+                <a:avLst/>
+              </a:prstGeom>
+              <a:blipFill rotWithShape="0">
+                <a:blip r:embed="rId5"/>
+                <a:stretch>
+                  <a:fillRect/>
+                </a:stretch>
+              </a:blipFill>
+            </p:spPr>
+            <p:txBody>
+              <a:bodyPr/>
+              <a:lstStyle/>
+              <a:p>
+                <a:r>
+                  <a:rPr lang="zh-TW" altLang="en-US">
+                    <a:noFill/>
+                  </a:rPr>
+                  <a:t> </a:t>
+                </a:r>
+              </a:p>
+            </p:txBody>
+          </p:sp>
+        </mc:Fallback>
+      </mc:AlternateContent>
+      <mc:AlternateContent xmlns:mc="http://schemas.openxmlformats.org/markup-compatibility/2006">
+        <mc:Choice xmlns:a14="http://schemas.microsoft.com/office/drawing/2010/main" Requires="a14">
+          <p:sp>
+            <p:nvSpPr>
+              <p:cNvPr id="11" name="文字方塊 10"/>
+              <p:cNvSpPr txBox="1"/>
+              <p:nvPr/>
+            </p:nvSpPr>
+            <p:spPr>
+              <a:xfrm>
+                <a:off x="9384362" y="4009322"/>
+                <a:ext cx="835998" cy="707886"/>
+              </a:xfrm>
+              <a:prstGeom prst="rect">
+                <a:avLst/>
+              </a:prstGeom>
+            </p:spPr>
+            <p:txBody>
+              <a:bodyPr vert="horz" wrap="none" lIns="91440" tIns="45720" rIns="91440" bIns="45720" rtlCol="0" anchor="ctr">
+                <a:spAutoFit/>
+              </a:bodyPr>
+              <a:lstStyle/>
+              <a:p>
+                <a14:m>
+                  <m:oMathPara xmlns:m="http://schemas.openxmlformats.org/officeDocument/2006/math">
+                    <m:oMathParaPr>
+                      <m:jc m:val="centerGroup"/>
+                    </m:oMathParaPr>
+                    <m:oMath xmlns:m="http://schemas.openxmlformats.org/officeDocument/2006/math">
+                      <m:sSub>
+                        <m:sSubPr>
+                          <m:ctrlPr>
+                            <a:rPr kumimoji="1" lang="en-US" altLang="zh-TW" sz="4000" i="1">
+                              <a:solidFill>
+                                <a:schemeClr val="accent1"/>
+                              </a:solidFill>
+                              <a:latin typeface="Cambria Math" charset="0"/>
+                              <a:ea typeface="Times New Roman" charset="0"/>
+                              <a:cs typeface="Times New Roman" charset="0"/>
+                            </a:rPr>
+                          </m:ctrlPr>
+                        </m:sSubPr>
+                        <m:e>
+                          <m:r>
+                            <a:rPr kumimoji="1" lang="en-US" altLang="zh-TW" sz="4000" i="1">
+                              <a:solidFill>
+                                <a:schemeClr val="accent1"/>
+                              </a:solidFill>
+                              <a:latin typeface="Cambria Math" charset="0"/>
+                              <a:ea typeface="Times New Roman" charset="0"/>
+                              <a:cs typeface="Times New Roman" charset="0"/>
+                            </a:rPr>
+                            <m:t>𝐷</m:t>
+                          </m:r>
+                        </m:e>
+                        <m:sub>
+                          <m:r>
+                            <a:rPr kumimoji="1" lang="en-US" altLang="zh-TW" sz="4000" i="1">
+                              <a:solidFill>
+                                <a:schemeClr val="accent1"/>
+                              </a:solidFill>
+                              <a:latin typeface="Cambria Math" charset="0"/>
+                              <a:ea typeface="Times New Roman" charset="0"/>
+                              <a:cs typeface="Times New Roman" charset="0"/>
+                            </a:rPr>
+                            <m:t>𝑠</m:t>
+                          </m:r>
+                        </m:sub>
+                      </m:sSub>
+                    </m:oMath>
+                  </m:oMathPara>
+                </a14:m>
+                <a:endParaRPr kumimoji="1" lang="zh-TW" altLang="en-US" sz="4000" b="0" baseline="0" dirty="0">
+                  <a:solidFill>
+                    <a:schemeClr val="tx1">
+                      <a:lumMod val="65000"/>
+                      <a:lumOff val="35000"/>
+                    </a:schemeClr>
+                  </a:solidFill>
+                  <a:latin typeface="Calibri" panose="020F0502020204030204" pitchFamily="34" charset="0"/>
+                  <a:ea typeface="微軟正黑體" panose="020B0604030504040204" pitchFamily="34" charset="-120"/>
+                  <a:cs typeface="Arial" panose="020B0604020202020204" pitchFamily="34" charset="0"/>
+                </a:endParaRPr>
+              </a:p>
+            </p:txBody>
+          </p:sp>
+        </mc:Choice>
+        <mc:Fallback>
+          <p:sp>
+            <p:nvSpPr>
+              <p:cNvPr id="11" name="文字方塊 10"/>
+              <p:cNvSpPr txBox="1">
+                <a:spLocks noRot="1" noChangeAspect="1" noMove="1" noResize="1" noEditPoints="1" noAdjustHandles="1" noChangeArrowheads="1" noChangeShapeType="1" noTextEdit="1"/>
+              </p:cNvSpPr>
+              <p:nvPr/>
+            </p:nvSpPr>
+            <p:spPr>
+              <a:xfrm>
+                <a:off x="9384362" y="4009322"/>
+                <a:ext cx="835998" cy="707886"/>
+              </a:xfrm>
+              <a:prstGeom prst="rect">
+                <a:avLst/>
+              </a:prstGeom>
+              <a:blipFill rotWithShape="0">
+                <a:blip r:embed="rId6"/>
+                <a:stretch>
+                  <a:fillRect/>
+                </a:stretch>
+              </a:blipFill>
+            </p:spPr>
+            <p:txBody>
+              <a:bodyPr/>
+              <a:lstStyle/>
+              <a:p>
+                <a:r>
+                  <a:rPr lang="zh-TW" altLang="en-US">
+                    <a:noFill/>
+                  </a:rPr>
+                  <a:t> </a:t>
+                </a:r>
+              </a:p>
+            </p:txBody>
+          </p:sp>
+        </mc:Fallback>
+      </mc:AlternateContent>
+      <p:sp>
+        <p:nvSpPr>
+          <p:cNvPr id="12" name="文字方塊 11"/>
+          <p:cNvSpPr txBox="1"/>
+          <p:nvPr/>
+        </p:nvSpPr>
+        <p:spPr>
+          <a:xfrm>
+            <a:off x="5611887" y="1935506"/>
+            <a:ext cx="889987" cy="584775"/>
+          </a:xfrm>
+          <a:prstGeom prst="rect">
+            <a:avLst/>
+          </a:prstGeom>
+        </p:spPr>
+        <p:txBody>
+          <a:bodyPr vert="horz" wrap="none" lIns="91440" tIns="45720" rIns="91440" bIns="45720" rtlCol="0" anchor="ctr">
+            <a:spAutoFit/>
+          </a:bodyPr>
+          <a:lstStyle/>
+          <a:p>
+            <a:pPr algn="ctr"/>
+            <a:r>
+              <a:rPr kumimoji="1" lang="en-US" altLang="zh-TW" sz="3200" b="0" baseline="0" dirty="0" smtClean="0">
+                <a:solidFill>
+                  <a:schemeClr val="tx1">
+                    <a:lumMod val="65000"/>
+                    <a:lumOff val="35000"/>
+                  </a:schemeClr>
+                </a:solidFill>
+                <a:latin typeface="Times New Roman" charset="0"/>
+                <a:ea typeface="Times New Roman" charset="0"/>
+                <a:cs typeface="Times New Roman" charset="0"/>
+              </a:rPr>
+              <a:t>FFT</a:t>
+            </a:r>
+            <a:endParaRPr kumimoji="1" lang="zh-TW" altLang="en-US" sz="3200" b="0" baseline="0" dirty="0">
+              <a:solidFill>
+                <a:schemeClr val="tx1">
+                  <a:lumMod val="65000"/>
+                  <a:lumOff val="35000"/>
+                </a:schemeClr>
+              </a:solidFill>
+              <a:latin typeface="Times New Roman" charset="0"/>
+              <a:ea typeface="Times New Roman" charset="0"/>
+              <a:cs typeface="Times New Roman" charset="0"/>
+            </a:endParaRPr>
+          </a:p>
+        </p:txBody>
+      </p:sp>
+      <p:sp>
+        <p:nvSpPr>
+          <p:cNvPr id="13" name="文字方塊 12"/>
+          <p:cNvSpPr txBox="1"/>
+          <p:nvPr/>
+        </p:nvSpPr>
+        <p:spPr>
+          <a:xfrm>
+            <a:off x="5554980" y="2895597"/>
+            <a:ext cx="1003800" cy="584775"/>
+          </a:xfrm>
+          <a:prstGeom prst="rect">
+            <a:avLst/>
+          </a:prstGeom>
+        </p:spPr>
+        <p:txBody>
+          <a:bodyPr vert="horz" wrap="none" lIns="91440" tIns="45720" rIns="91440" bIns="45720" rtlCol="0" anchor="ctr">
+            <a:spAutoFit/>
+          </a:bodyPr>
+          <a:lstStyle/>
+          <a:p>
+            <a:pPr algn="ctr"/>
+            <a:r>
+              <a:rPr kumimoji="1" lang="en-US" altLang="zh-TW" sz="3200" b="0" baseline="0" dirty="0" err="1" smtClean="0">
+                <a:solidFill>
+                  <a:schemeClr val="tx1">
+                    <a:lumMod val="65000"/>
+                    <a:lumOff val="35000"/>
+                  </a:schemeClr>
+                </a:solidFill>
+                <a:latin typeface="Times New Roman" charset="0"/>
+                <a:ea typeface="Times New Roman" charset="0"/>
+                <a:cs typeface="Times New Roman" charset="0"/>
+              </a:rPr>
+              <a:t>iFFT</a:t>
+            </a:r>
+            <a:endParaRPr kumimoji="1" lang="zh-TW" altLang="en-US" sz="3200" b="0" baseline="0" dirty="0">
+              <a:solidFill>
+                <a:schemeClr val="tx1">
+                  <a:lumMod val="65000"/>
+                  <a:lumOff val="35000"/>
+                </a:schemeClr>
+              </a:solidFill>
+              <a:latin typeface="Times New Roman" charset="0"/>
+              <a:ea typeface="Times New Roman" charset="0"/>
+              <a:cs typeface="Times New Roman" charset="0"/>
+            </a:endParaRPr>
+          </a:p>
+        </p:txBody>
+      </p:sp>
+      <p:sp>
+        <p:nvSpPr>
+          <p:cNvPr id="14" name="文字方塊 13"/>
+          <p:cNvSpPr txBox="1"/>
+          <p:nvPr/>
+        </p:nvSpPr>
+        <p:spPr>
+          <a:xfrm>
+            <a:off x="1324390" y="4592171"/>
+            <a:ext cx="2443298" cy="523220"/>
+          </a:xfrm>
+          <a:prstGeom prst="rect">
+            <a:avLst/>
+          </a:prstGeom>
+        </p:spPr>
+        <p:txBody>
+          <a:bodyPr vert="horz" wrap="none" lIns="91440" tIns="45720" rIns="91440" bIns="45720" rtlCol="0" anchor="ctr">
+            <a:spAutoFit/>
+          </a:bodyPr>
+          <a:lstStyle/>
+          <a:p>
+            <a:pPr algn="ctr"/>
+            <a:r>
+              <a:rPr kumimoji="1" lang="en-US" altLang="zh-TW" sz="2800" b="0" baseline="0" dirty="0" smtClean="0">
+                <a:solidFill>
+                  <a:schemeClr val="tx1">
+                    <a:lumMod val="65000"/>
+                    <a:lumOff val="35000"/>
+                  </a:schemeClr>
+                </a:solidFill>
+                <a:latin typeface="Times New Roman" charset="0"/>
+                <a:ea typeface="Times New Roman" charset="0"/>
+                <a:cs typeface="Times New Roman" charset="0"/>
+              </a:rPr>
+              <a:t>Coherence time</a:t>
+            </a:r>
+            <a:endParaRPr kumimoji="1" lang="zh-TW" altLang="en-US" sz="2800" b="0" baseline="0" dirty="0">
+              <a:solidFill>
+                <a:schemeClr val="tx1">
+                  <a:lumMod val="65000"/>
+                  <a:lumOff val="35000"/>
+                </a:schemeClr>
+              </a:solidFill>
+              <a:latin typeface="Times New Roman" charset="0"/>
+              <a:ea typeface="Times New Roman" charset="0"/>
+              <a:cs typeface="Times New Roman" charset="0"/>
+            </a:endParaRPr>
+          </a:p>
+        </p:txBody>
+      </p:sp>
+      <p:sp>
+        <p:nvSpPr>
+          <p:cNvPr id="15" name="文字方塊 14"/>
+          <p:cNvSpPr txBox="1"/>
+          <p:nvPr/>
+        </p:nvSpPr>
+        <p:spPr>
+          <a:xfrm>
+            <a:off x="8538715" y="4592171"/>
+            <a:ext cx="2448107" cy="523220"/>
+          </a:xfrm>
+          <a:prstGeom prst="rect">
+            <a:avLst/>
+          </a:prstGeom>
+        </p:spPr>
+        <p:txBody>
+          <a:bodyPr vert="horz" wrap="none" lIns="91440" tIns="45720" rIns="91440" bIns="45720" rtlCol="0" anchor="ctr">
+            <a:spAutoFit/>
+          </a:bodyPr>
+          <a:lstStyle/>
+          <a:p>
+            <a:pPr algn="ctr"/>
+            <a:r>
+              <a:rPr kumimoji="1" lang="en-US" altLang="zh-TW" sz="2800" b="0" baseline="0" dirty="0" smtClean="0">
+                <a:solidFill>
+                  <a:schemeClr val="tx1">
+                    <a:lumMod val="65000"/>
+                    <a:lumOff val="35000"/>
+                  </a:schemeClr>
+                </a:solidFill>
+                <a:latin typeface="Times New Roman" charset="0"/>
+                <a:ea typeface="Times New Roman" charset="0"/>
+                <a:cs typeface="Times New Roman" charset="0"/>
+              </a:rPr>
+              <a:t>Doppler Spread</a:t>
+            </a:r>
+            <a:endParaRPr kumimoji="1" lang="zh-TW" altLang="en-US" sz="2800" b="0" baseline="0" dirty="0">
+              <a:solidFill>
+                <a:schemeClr val="tx1">
+                  <a:lumMod val="65000"/>
+                  <a:lumOff val="35000"/>
+                </a:schemeClr>
+              </a:solidFill>
+              <a:latin typeface="Times New Roman" charset="0"/>
+              <a:ea typeface="Times New Roman" charset="0"/>
+              <a:cs typeface="Times New Roman" charset="0"/>
+            </a:endParaRPr>
+          </a:p>
+        </p:txBody>
+      </p:sp>
+      <p:sp>
+        <p:nvSpPr>
+          <p:cNvPr id="16" name="文字方塊 15"/>
+          <p:cNvSpPr txBox="1"/>
+          <p:nvPr/>
+        </p:nvSpPr>
+        <p:spPr>
+          <a:xfrm>
+            <a:off x="1789522" y="5513782"/>
+            <a:ext cx="2531462" cy="646331"/>
+          </a:xfrm>
+          <a:prstGeom prst="rect">
+            <a:avLst/>
+          </a:prstGeom>
+        </p:spPr>
+        <p:txBody>
+          <a:bodyPr vert="horz" wrap="none" lIns="91440" tIns="45720" rIns="91440" bIns="45720" rtlCol="0" anchor="ctr">
+            <a:spAutoFit/>
+          </a:bodyPr>
+          <a:lstStyle/>
+          <a:p>
+            <a:r>
+              <a:rPr kumimoji="1" lang="en-US" altLang="zh-TW" sz="3600" b="0" baseline="0" dirty="0" smtClean="0">
+                <a:solidFill>
+                  <a:srgbClr val="FF0000"/>
+                </a:solidFill>
+                <a:latin typeface="Times New Roman" charset="0"/>
+                <a:ea typeface="Times New Roman" charset="0"/>
+                <a:cs typeface="Times New Roman" charset="0"/>
+              </a:rPr>
+              <a:t>Slow Fading</a:t>
+            </a:r>
+          </a:p>
+        </p:txBody>
+      </p:sp>
+      <mc:AlternateContent xmlns:mc="http://schemas.openxmlformats.org/markup-compatibility/2006">
+        <mc:Choice xmlns:a14="http://schemas.microsoft.com/office/drawing/2010/main" Requires="a14">
+          <p:sp>
+            <p:nvSpPr>
+              <p:cNvPr id="17" name="文字方塊 16"/>
+              <p:cNvSpPr txBox="1"/>
+              <p:nvPr/>
+            </p:nvSpPr>
+            <p:spPr>
+              <a:xfrm>
+                <a:off x="4672373" y="5308800"/>
+                <a:ext cx="5206297" cy="1261884"/>
+              </a:xfrm>
+              <a:prstGeom prst="rect">
+                <a:avLst/>
+              </a:prstGeom>
+            </p:spPr>
+            <p:txBody>
+              <a:bodyPr vert="horz" wrap="none" lIns="91440" tIns="45720" rIns="91440" bIns="45720" rtlCol="0" anchor="ctr">
+                <a:spAutoFit/>
+              </a:bodyPr>
+              <a:lstStyle/>
+              <a:p>
+                <a:r>
+                  <a:rPr kumimoji="1" lang="en-US" altLang="zh-TW" sz="3600" b="0" baseline="0" dirty="0" smtClean="0">
+                    <a:solidFill>
+                      <a:schemeClr val="tx1">
+                        <a:lumMod val="65000"/>
+                        <a:lumOff val="35000"/>
+                      </a:schemeClr>
+                    </a:solidFill>
+                    <a:latin typeface="Times New Roman" charset="0"/>
+                    <a:ea typeface="Times New Roman" charset="0"/>
+                    <a:cs typeface="Times New Roman" charset="0"/>
+                  </a:rPr>
+                  <a:t>Symbol time</a:t>
+                </a:r>
+                <a:r>
+                  <a:rPr kumimoji="1" lang="en-US" altLang="zh-TW" sz="3600" b="0" dirty="0" smtClean="0">
+                    <a:solidFill>
+                      <a:schemeClr val="tx1">
+                        <a:lumMod val="65000"/>
+                        <a:lumOff val="35000"/>
+                      </a:schemeClr>
+                    </a:solidFill>
+                    <a:latin typeface="Times New Roman" charset="0"/>
+                    <a:ea typeface="Times New Roman" charset="0"/>
+                    <a:cs typeface="Times New Roman" charset="0"/>
+                  </a:rPr>
+                  <a:t> </a:t>
+                </a:r>
+                <a14:m>
+                  <m:oMath xmlns:m="http://schemas.openxmlformats.org/officeDocument/2006/math">
+                    <m:r>
+                      <a:rPr kumimoji="1" lang="en-US" altLang="zh-TW" sz="3600" b="0" i="1" smtClean="0">
+                        <a:solidFill>
+                          <a:schemeClr val="tx1">
+                            <a:lumMod val="65000"/>
+                            <a:lumOff val="35000"/>
+                          </a:schemeClr>
+                        </a:solidFill>
+                        <a:latin typeface="Cambria Math" charset="0"/>
+                        <a:ea typeface="Times New Roman" charset="0"/>
+                        <a:cs typeface="Times New Roman" charset="0"/>
+                      </a:rPr>
+                      <m:t>𝑇</m:t>
+                    </m:r>
+                    <m:r>
+                      <a:rPr kumimoji="1" lang="en-US" altLang="zh-TW" sz="3600" b="0" i="1" smtClean="0">
+                        <a:solidFill>
+                          <a:schemeClr val="tx1">
+                            <a:lumMod val="65000"/>
+                            <a:lumOff val="35000"/>
+                          </a:schemeClr>
+                        </a:solidFill>
+                        <a:latin typeface="Cambria Math" charset="0"/>
+                        <a:ea typeface="Cambria Math" charset="0"/>
+                        <a:cs typeface="Cambria Math" charset="0"/>
+                      </a:rPr>
+                      <m:t>≪</m:t>
+                    </m:r>
+                    <m:sSub>
+                      <m:sSubPr>
+                        <m:ctrlPr>
+                          <a:rPr kumimoji="1" lang="en-US" altLang="zh-TW" sz="3600" i="1">
+                            <a:solidFill>
+                              <a:srgbClr val="FF0000"/>
+                            </a:solidFill>
+                            <a:latin typeface="Cambria Math" charset="0"/>
+                            <a:ea typeface="Times New Roman" charset="0"/>
+                            <a:cs typeface="Times New Roman" charset="0"/>
+                          </a:rPr>
+                        </m:ctrlPr>
+                      </m:sSubPr>
+                      <m:e>
+                        <m:r>
+                          <a:rPr kumimoji="1" lang="en-US" altLang="zh-TW" sz="3600" i="1">
+                            <a:solidFill>
+                              <a:srgbClr val="FF0000"/>
+                            </a:solidFill>
+                            <a:latin typeface="Cambria Math" charset="0"/>
+                            <a:ea typeface="Times New Roman" charset="0"/>
+                            <a:cs typeface="Times New Roman" charset="0"/>
+                          </a:rPr>
+                          <m:t>𝑇</m:t>
+                        </m:r>
+                      </m:e>
+                      <m:sub>
+                        <m:r>
+                          <a:rPr kumimoji="1" lang="en-US" altLang="zh-TW" sz="3600" i="1">
+                            <a:solidFill>
+                              <a:srgbClr val="FF0000"/>
+                            </a:solidFill>
+                            <a:latin typeface="Cambria Math" charset="0"/>
+                            <a:ea typeface="Times New Roman" charset="0"/>
+                            <a:cs typeface="Times New Roman" charset="0"/>
+                          </a:rPr>
+                          <m:t>𝑐</m:t>
+                        </m:r>
+                      </m:sub>
+                    </m:sSub>
+                  </m:oMath>
+                </a14:m>
+                <a:endParaRPr kumimoji="1" lang="en-US" altLang="zh-TW" sz="3600" b="0" baseline="0" dirty="0" smtClean="0">
+                  <a:solidFill>
+                    <a:schemeClr val="tx1">
+                      <a:lumMod val="65000"/>
+                      <a:lumOff val="35000"/>
+                    </a:schemeClr>
+                  </a:solidFill>
+                  <a:latin typeface="Times New Roman" charset="0"/>
+                  <a:ea typeface="Times New Roman" charset="0"/>
+                  <a:cs typeface="Times New Roman" charset="0"/>
+                </a:endParaRPr>
+              </a:p>
+              <a:p>
+                <a:r>
+                  <a:rPr kumimoji="1" lang="en-US" altLang="zh-TW" sz="3600" dirty="0" smtClean="0">
+                    <a:solidFill>
+                      <a:schemeClr val="tx1">
+                        <a:lumMod val="65000"/>
+                        <a:lumOff val="35000"/>
+                      </a:schemeClr>
+                    </a:solidFill>
+                    <a:latin typeface="Times New Roman" charset="0"/>
+                    <a:ea typeface="Times New Roman" charset="0"/>
+                    <a:cs typeface="Times New Roman" charset="0"/>
+                  </a:rPr>
+                  <a:t>Signal bandwidth </a:t>
+                </a:r>
+                <a14:m>
+                  <m:oMath xmlns:m="http://schemas.openxmlformats.org/officeDocument/2006/math">
+                    <m:r>
+                      <a:rPr kumimoji="1" lang="en-US" altLang="zh-TW" sz="3600" b="0" i="1" smtClean="0">
+                        <a:solidFill>
+                          <a:schemeClr val="tx1">
+                            <a:lumMod val="65000"/>
+                            <a:lumOff val="35000"/>
+                          </a:schemeClr>
+                        </a:solidFill>
+                        <a:latin typeface="Cambria Math" charset="0"/>
+                        <a:ea typeface="Times New Roman" charset="0"/>
+                        <a:cs typeface="Times New Roman" charset="0"/>
+                      </a:rPr>
+                      <m:t>𝑊</m:t>
+                    </m:r>
+                    <m:r>
+                      <a:rPr kumimoji="1" lang="en-US" altLang="zh-TW" sz="3600" i="1" smtClean="0">
+                        <a:solidFill>
+                          <a:schemeClr val="tx1">
+                            <a:lumMod val="65000"/>
+                            <a:lumOff val="35000"/>
+                          </a:schemeClr>
+                        </a:solidFill>
+                        <a:latin typeface="Cambria Math" charset="0"/>
+                        <a:ea typeface="Cambria Math" charset="0"/>
+                        <a:cs typeface="Cambria Math" charset="0"/>
+                      </a:rPr>
+                      <m:t>≫</m:t>
+                    </m:r>
+                    <m:sSub>
+                      <m:sSubPr>
+                        <m:ctrlPr>
+                          <a:rPr kumimoji="1" lang="en-US" altLang="zh-TW" sz="4000" i="1">
+                            <a:solidFill>
+                              <a:schemeClr val="accent1"/>
+                            </a:solidFill>
+                            <a:latin typeface="Cambria Math" charset="0"/>
+                            <a:ea typeface="Times New Roman" charset="0"/>
+                            <a:cs typeface="Times New Roman" charset="0"/>
+                          </a:rPr>
+                        </m:ctrlPr>
+                      </m:sSubPr>
+                      <m:e>
+                        <m:r>
+                          <a:rPr kumimoji="1" lang="en-US" altLang="zh-TW" sz="4000" i="1">
+                            <a:solidFill>
+                              <a:schemeClr val="accent1"/>
+                            </a:solidFill>
+                            <a:latin typeface="Cambria Math" charset="0"/>
+                            <a:ea typeface="Times New Roman" charset="0"/>
+                            <a:cs typeface="Times New Roman" charset="0"/>
+                          </a:rPr>
+                          <m:t>𝐷</m:t>
+                        </m:r>
+                      </m:e>
+                      <m:sub>
+                        <m:r>
+                          <a:rPr kumimoji="1" lang="en-US" altLang="zh-TW" sz="4000" i="1">
+                            <a:solidFill>
+                              <a:schemeClr val="accent1"/>
+                            </a:solidFill>
+                            <a:latin typeface="Cambria Math" charset="0"/>
+                            <a:ea typeface="Times New Roman" charset="0"/>
+                            <a:cs typeface="Times New Roman" charset="0"/>
+                          </a:rPr>
+                          <m:t>𝑠</m:t>
+                        </m:r>
+                      </m:sub>
+                    </m:sSub>
+                  </m:oMath>
+                </a14:m>
+                <a:endParaRPr kumimoji="1" lang="en-US" altLang="zh-TW" sz="4000" dirty="0">
+                  <a:solidFill>
+                    <a:schemeClr val="tx1">
+                      <a:lumMod val="65000"/>
+                      <a:lumOff val="35000"/>
+                    </a:schemeClr>
+                  </a:solidFill>
+                  <a:latin typeface="Times New Roman" charset="0"/>
+                  <a:ea typeface="Times New Roman" charset="0"/>
+                  <a:cs typeface="Times New Roman" charset="0"/>
+                </a:endParaRPr>
+              </a:p>
+            </p:txBody>
+          </p:sp>
+        </mc:Choice>
+        <mc:Fallback>
+          <p:sp>
+            <p:nvSpPr>
+              <p:cNvPr id="17" name="文字方塊 16"/>
+              <p:cNvSpPr txBox="1">
+                <a:spLocks noRot="1" noChangeAspect="1" noMove="1" noResize="1" noEditPoints="1" noAdjustHandles="1" noChangeArrowheads="1" noChangeShapeType="1" noTextEdit="1"/>
+              </p:cNvSpPr>
+              <p:nvPr/>
+            </p:nvSpPr>
+            <p:spPr>
+              <a:xfrm>
+                <a:off x="4672373" y="5308800"/>
+                <a:ext cx="5206297" cy="1261884"/>
+              </a:xfrm>
+              <a:prstGeom prst="rect">
+                <a:avLst/>
+              </a:prstGeom>
+              <a:blipFill rotWithShape="0">
+                <a:blip r:embed="rId7"/>
+                <a:stretch>
+                  <a:fillRect l="-3509" t="-7729" b="-16425"/>
+                </a:stretch>
+              </a:blipFill>
+            </p:spPr>
+            <p:txBody>
+              <a:bodyPr/>
+              <a:lstStyle/>
+              <a:p>
+                <a:r>
+                  <a:rPr lang="zh-TW" altLang="en-US">
+                    <a:noFill/>
+                  </a:rPr>
+                  <a:t> </a:t>
+                </a:r>
+              </a:p>
+            </p:txBody>
+          </p:sp>
+        </mc:Fallback>
+      </mc:AlternateContent>
+      <p:sp>
+        <p:nvSpPr>
+          <p:cNvPr id="18" name="文字方塊 17"/>
+          <p:cNvSpPr txBox="1"/>
+          <p:nvPr/>
+        </p:nvSpPr>
+        <p:spPr>
+          <a:xfrm>
+            <a:off x="1458911" y="1625461"/>
+            <a:ext cx="2174249" cy="523220"/>
+          </a:xfrm>
+          <a:prstGeom prst="rect">
+            <a:avLst/>
+          </a:prstGeom>
+        </p:spPr>
+        <p:txBody>
+          <a:bodyPr vert="horz" wrap="none" lIns="91440" tIns="45720" rIns="91440" bIns="45720" rtlCol="0" anchor="ctr">
+            <a:spAutoFit/>
+          </a:bodyPr>
+          <a:lstStyle/>
+          <a:p>
+            <a:pPr algn="ctr"/>
+            <a:r>
+              <a:rPr kumimoji="1" lang="en-US" altLang="zh-TW" sz="2800" b="0" baseline="0" dirty="0" smtClean="0">
+                <a:solidFill>
+                  <a:schemeClr val="tx1">
+                    <a:lumMod val="65000"/>
+                    <a:lumOff val="35000"/>
+                  </a:schemeClr>
+                </a:solidFill>
+                <a:latin typeface="Times New Roman" charset="0"/>
+                <a:ea typeface="Times New Roman" charset="0"/>
+                <a:cs typeface="Times New Roman" charset="0"/>
+              </a:rPr>
+              <a:t>Time Domain</a:t>
+            </a:r>
+            <a:endParaRPr kumimoji="1" lang="zh-TW" altLang="en-US" sz="2800" b="0" baseline="0" dirty="0">
+              <a:solidFill>
+                <a:schemeClr val="tx1">
+                  <a:lumMod val="65000"/>
+                  <a:lumOff val="35000"/>
+                </a:schemeClr>
+              </a:solidFill>
+              <a:latin typeface="Times New Roman" charset="0"/>
+              <a:ea typeface="Times New Roman" charset="0"/>
+              <a:cs typeface="Times New Roman" charset="0"/>
+            </a:endParaRPr>
+          </a:p>
+        </p:txBody>
+      </p:sp>
+      <p:sp>
+        <p:nvSpPr>
+          <p:cNvPr id="19" name="文字方塊 18"/>
+          <p:cNvSpPr txBox="1"/>
+          <p:nvPr/>
+        </p:nvSpPr>
+        <p:spPr>
+          <a:xfrm>
+            <a:off x="8290247" y="1625461"/>
+            <a:ext cx="2945037" cy="523220"/>
+          </a:xfrm>
+          <a:prstGeom prst="rect">
+            <a:avLst/>
+          </a:prstGeom>
+        </p:spPr>
+        <p:txBody>
+          <a:bodyPr vert="horz" wrap="none" lIns="91440" tIns="45720" rIns="91440" bIns="45720" rtlCol="0" anchor="ctr">
+            <a:spAutoFit/>
+          </a:bodyPr>
+          <a:lstStyle/>
+          <a:p>
+            <a:pPr algn="ctr"/>
+            <a:r>
+              <a:rPr kumimoji="1" lang="en-US" altLang="zh-TW" sz="2800" b="0" baseline="0" dirty="0" smtClean="0">
+                <a:solidFill>
+                  <a:schemeClr val="tx1">
+                    <a:lumMod val="65000"/>
+                    <a:lumOff val="35000"/>
+                  </a:schemeClr>
+                </a:solidFill>
+                <a:latin typeface="Times New Roman" charset="0"/>
+                <a:ea typeface="Times New Roman" charset="0"/>
+                <a:cs typeface="Times New Roman" charset="0"/>
+              </a:rPr>
+              <a:t>Frequency Domain</a:t>
+            </a:r>
+            <a:endParaRPr kumimoji="1" lang="zh-TW" altLang="en-US" sz="2800" b="0" baseline="0" dirty="0">
+              <a:solidFill>
+                <a:schemeClr val="tx1">
+                  <a:lumMod val="65000"/>
+                  <a:lumOff val="35000"/>
+                </a:schemeClr>
+              </a:solidFill>
+              <a:latin typeface="Times New Roman" charset="0"/>
+              <a:ea typeface="Times New Roman" charset="0"/>
+              <a:cs typeface="Times New Roman" charset="0"/>
+            </a:endParaRPr>
+          </a:p>
+        </p:txBody>
+      </p:sp>
     </p:spTree>
     <p:extLst>
       <p:ext uri="{BB962C8B-B14F-4D97-AF65-F5344CB8AC3E}">
@@ -10989,7 +12064,4800 @@
 </p:sld>
 </file>
 
-<file path=ppt/slides/slide12.xml><?xml version="1.0" encoding="utf-8"?>
+<file path=ppt/slides/slide13.xml><?xml version="1.0" encoding="utf-8"?>
+<p:sld xmlns:a="http://schemas.openxmlformats.org/drawingml/2006/main" xmlns:r="http://schemas.openxmlformats.org/officeDocument/2006/relationships" xmlns:p="http://schemas.openxmlformats.org/presentationml/2006/main">
+  <p:cSld>
+    <p:spTree>
+      <p:nvGrpSpPr>
+        <p:cNvPr id="1" name=""/>
+        <p:cNvGrpSpPr/>
+        <p:nvPr/>
+      </p:nvGrpSpPr>
+      <p:grpSpPr>
+        <a:xfrm>
+          <a:off x="0" y="0"/>
+          <a:ext cx="0" cy="0"/>
+          <a:chOff x="0" y="0"/>
+          <a:chExt cx="0" cy="0"/>
+        </a:xfrm>
+      </p:grpSpPr>
+      <p:sp>
+        <p:nvSpPr>
+          <p:cNvPr id="2" name="標題 1"/>
+          <p:cNvSpPr>
+            <a:spLocks noGrp="1"/>
+          </p:cNvSpPr>
+          <p:nvPr>
+            <p:ph type="title"/>
+          </p:nvPr>
+        </p:nvSpPr>
+        <p:spPr/>
+        <p:txBody>
+          <a:bodyPr/>
+          <a:lstStyle/>
+          <a:p>
+            <a:r>
+              <a:rPr kumimoji="1" lang="en-US" altLang="zh-TW" dirty="0"/>
+              <a:t>Channel Fading</a:t>
+            </a:r>
+            <a:endParaRPr kumimoji="1" lang="zh-TW" altLang="en-US" dirty="0"/>
+          </a:p>
+        </p:txBody>
+      </p:sp>
+      <mc:AlternateContent xmlns:mc="http://schemas.openxmlformats.org/markup-compatibility/2006">
+        <mc:Choice xmlns:a14="http://schemas.microsoft.com/office/drawing/2010/main" Requires="a14">
+          <p:sp>
+            <p:nvSpPr>
+              <p:cNvPr id="3" name="內容版面配置區 2"/>
+              <p:cNvSpPr>
+                <a:spLocks noGrp="1"/>
+              </p:cNvSpPr>
+              <p:nvPr>
+                <p:ph idx="1"/>
+              </p:nvPr>
+            </p:nvSpPr>
+            <p:spPr>
+              <a:xfrm>
+                <a:off x="335360" y="1700808"/>
+                <a:ext cx="11521280" cy="4215898"/>
+              </a:xfrm>
+            </p:spPr>
+            <p:txBody>
+              <a:bodyPr/>
+              <a:lstStyle/>
+              <a:p>
+                <a:pPr marL="11112" indent="0">
+                  <a:buNone/>
+                </a:pPr>
+                <a:r>
+                  <a:rPr kumimoji="1" lang="en-US" altLang="zh-TW" sz="3200" dirty="0" smtClean="0">
+                    <a:solidFill>
+                      <a:srgbClr val="FF0000"/>
+                    </a:solidFill>
+                    <a:ea typeface="Times New Roman" charset="0"/>
+                    <a:cs typeface="Times New Roman" charset="0"/>
+                  </a:rPr>
+                  <a:t>					</a:t>
+                </a:r>
+              </a:p>
+              <a:p>
+                <a:pPr marL="11112" indent="0">
+                  <a:buNone/>
+                </a:pPr>
+                <a:endParaRPr kumimoji="1" lang="en-US" altLang="zh-TW" sz="3200" i="1" dirty="0">
+                  <a:solidFill>
+                    <a:srgbClr val="FF0000"/>
+                  </a:solidFill>
+                  <a:latin typeface="Cambria Math" charset="0"/>
+                  <a:ea typeface="Times New Roman" charset="0"/>
+                  <a:cs typeface="Times New Roman" charset="0"/>
+                </a:endParaRPr>
+              </a:p>
+              <a:p>
+                <a:pPr marL="11112" indent="0" algn="ctr">
+                  <a:buNone/>
+                </a:pPr>
+                <a:endParaRPr kumimoji="1" lang="en-US" altLang="zh-TW" sz="3200" i="1" dirty="0" smtClean="0">
+                  <a:solidFill>
+                    <a:srgbClr val="FF0000"/>
+                  </a:solidFill>
+                  <a:latin typeface="Cambria Math" charset="0"/>
+                  <a:ea typeface="Times New Roman" charset="0"/>
+                  <a:cs typeface="Times New Roman" charset="0"/>
+                </a:endParaRPr>
+              </a:p>
+              <a:p>
+                <a:pPr marL="11112" indent="0">
+                  <a:buNone/>
+                </a:pPr>
+                <a:endParaRPr kumimoji="1" lang="en-US" altLang="zh-TW" sz="3200" i="1" dirty="0">
+                  <a:solidFill>
+                    <a:srgbClr val="FF0000"/>
+                  </a:solidFill>
+                  <a:latin typeface="Cambria Math" charset="0"/>
+                  <a:ea typeface="Times New Roman" charset="0"/>
+                  <a:cs typeface="Times New Roman" charset="0"/>
+                </a:endParaRPr>
+              </a:p>
+              <a:p>
+                <a:pPr marL="11112" indent="0">
+                  <a:lnSpc>
+                    <a:spcPct val="150000"/>
+                  </a:lnSpc>
+                  <a:buNone/>
+                </a:pPr>
+                <a:r>
+                  <a:rPr kumimoji="1" lang="en-US" altLang="zh-TW" sz="4000" i="1" dirty="0" smtClean="0">
+                    <a:solidFill>
+                      <a:srgbClr val="FF0000"/>
+                    </a:solidFill>
+                    <a:latin typeface="Cambria Math" charset="0"/>
+                    <a:ea typeface="Times New Roman" charset="0"/>
+                    <a:cs typeface="Times New Roman" charset="0"/>
+                  </a:rPr>
+                  <a:t>                      			    </a:t>
+                </a:r>
+                <a14:m>
+                  <m:oMath xmlns:m="http://schemas.openxmlformats.org/officeDocument/2006/math">
+                    <m:sSub>
+                      <m:sSubPr>
+                        <m:ctrlPr>
+                          <a:rPr kumimoji="1" lang="en-US" altLang="zh-TW" sz="3200" i="1">
+                            <a:solidFill>
+                              <a:srgbClr val="FF0000"/>
+                            </a:solidFill>
+                            <a:latin typeface="Cambria Math" charset="0"/>
+                            <a:ea typeface="Times New Roman" charset="0"/>
+                            <a:cs typeface="Times New Roman" charset="0"/>
+                          </a:rPr>
+                        </m:ctrlPr>
+                      </m:sSubPr>
+                      <m:e>
+                        <m:r>
+                          <a:rPr kumimoji="1" lang="en-US" altLang="zh-TW" sz="3200" i="1">
+                            <a:solidFill>
+                              <a:srgbClr val="FF0000"/>
+                            </a:solidFill>
+                            <a:latin typeface="Cambria Math" charset="0"/>
+                            <a:ea typeface="Times New Roman" charset="0"/>
+                            <a:cs typeface="Times New Roman" charset="0"/>
+                          </a:rPr>
+                          <m:t>𝑇</m:t>
+                        </m:r>
+                      </m:e>
+                      <m:sub>
+                        <m:r>
+                          <a:rPr kumimoji="1" lang="en-US" altLang="zh-TW" sz="3200" i="1">
+                            <a:solidFill>
+                              <a:srgbClr val="FF0000"/>
+                            </a:solidFill>
+                            <a:latin typeface="Cambria Math" charset="0"/>
+                            <a:ea typeface="Times New Roman" charset="0"/>
+                            <a:cs typeface="Times New Roman" charset="0"/>
+                          </a:rPr>
+                          <m:t>𝑐</m:t>
+                        </m:r>
+                      </m:sub>
+                    </m:sSub>
+                    <m:r>
+                      <a:rPr kumimoji="1" lang="en-US" altLang="zh-TW" sz="3200" i="1" smtClean="0">
+                        <a:solidFill>
+                          <a:schemeClr val="tx1"/>
+                        </a:solidFill>
+                        <a:latin typeface="Cambria Math" charset="0"/>
+                        <a:ea typeface="Cambria Math" charset="0"/>
+                        <a:cs typeface="Cambria Math" charset="0"/>
+                      </a:rPr>
+                      <m:t>∝</m:t>
+                    </m:r>
+                    <m:f>
+                      <m:fPr>
+                        <m:ctrlPr>
+                          <a:rPr kumimoji="1" lang="mr-IN" altLang="zh-TW" sz="3200" i="1" smtClean="0">
+                            <a:solidFill>
+                              <a:srgbClr val="FF0000"/>
+                            </a:solidFill>
+                            <a:latin typeface="Cambria Math" charset="0"/>
+                            <a:ea typeface="Cambria Math" charset="0"/>
+                            <a:cs typeface="Cambria Math" charset="0"/>
+                          </a:rPr>
+                        </m:ctrlPr>
+                      </m:fPr>
+                      <m:num>
+                        <m:r>
+                          <a:rPr kumimoji="1" lang="en-US" altLang="zh-TW" sz="3200" b="0" i="1" smtClean="0">
+                            <a:solidFill>
+                              <a:schemeClr val="tx1"/>
+                            </a:solidFill>
+                            <a:latin typeface="Cambria Math" charset="0"/>
+                            <a:ea typeface="Cambria Math" charset="0"/>
+                            <a:cs typeface="Cambria Math" charset="0"/>
+                          </a:rPr>
+                          <m:t>1</m:t>
+                        </m:r>
+                      </m:num>
+                      <m:den>
+                        <m:sSub>
+                          <m:sSubPr>
+                            <m:ctrlPr>
+                              <a:rPr kumimoji="1" lang="en-US" altLang="zh-TW" sz="3200" i="1">
+                                <a:solidFill>
+                                  <a:schemeClr val="accent1"/>
+                                </a:solidFill>
+                                <a:latin typeface="Cambria Math" charset="0"/>
+                                <a:ea typeface="Times New Roman" charset="0"/>
+                                <a:cs typeface="Times New Roman" charset="0"/>
+                              </a:rPr>
+                            </m:ctrlPr>
+                          </m:sSubPr>
+                          <m:e>
+                            <m:r>
+                              <a:rPr kumimoji="1" lang="en-US" altLang="zh-TW" sz="3200" i="1">
+                                <a:solidFill>
+                                  <a:schemeClr val="accent1"/>
+                                </a:solidFill>
+                                <a:latin typeface="Cambria Math" charset="0"/>
+                                <a:ea typeface="Times New Roman" charset="0"/>
+                                <a:cs typeface="Times New Roman" charset="0"/>
+                              </a:rPr>
+                              <m:t>𝐷</m:t>
+                            </m:r>
+                          </m:e>
+                          <m:sub>
+                            <m:r>
+                              <a:rPr kumimoji="1" lang="en-US" altLang="zh-TW" sz="3200" i="1">
+                                <a:solidFill>
+                                  <a:schemeClr val="accent1"/>
+                                </a:solidFill>
+                                <a:latin typeface="Cambria Math" charset="0"/>
+                                <a:ea typeface="Times New Roman" charset="0"/>
+                                <a:cs typeface="Times New Roman" charset="0"/>
+                              </a:rPr>
+                              <m:t>𝑠</m:t>
+                            </m:r>
+                          </m:sub>
+                        </m:sSub>
+                      </m:den>
+                    </m:f>
+                  </m:oMath>
+                </a14:m>
+                <a:endParaRPr kumimoji="1" lang="zh-TW" altLang="en-US" sz="3200" dirty="0">
+                  <a:latin typeface="Times New Roman" charset="0"/>
+                  <a:ea typeface="Times New Roman" charset="0"/>
+                  <a:cs typeface="Times New Roman" charset="0"/>
+                </a:endParaRPr>
+              </a:p>
+            </p:txBody>
+          </p:sp>
+        </mc:Choice>
+        <mc:Fallback>
+          <p:sp>
+            <p:nvSpPr>
+              <p:cNvPr id="3" name="內容版面配置區 2"/>
+              <p:cNvSpPr>
+                <a:spLocks noGrp="1" noRot="1" noChangeAspect="1" noMove="1" noResize="1" noEditPoints="1" noAdjustHandles="1" noChangeArrowheads="1" noChangeShapeType="1" noTextEdit="1"/>
+              </p:cNvSpPr>
+              <p:nvPr>
+                <p:ph idx="1"/>
+              </p:nvPr>
+            </p:nvSpPr>
+            <p:spPr>
+              <a:xfrm>
+                <a:off x="335360" y="1700808"/>
+                <a:ext cx="11521280" cy="4215898"/>
+              </a:xfrm>
+              <a:blipFill rotWithShape="0">
+                <a:blip r:embed="rId2"/>
+                <a:stretch>
+                  <a:fillRect/>
+                </a:stretch>
+              </a:blipFill>
+            </p:spPr>
+            <p:txBody>
+              <a:bodyPr/>
+              <a:lstStyle/>
+              <a:p>
+                <a:r>
+                  <a:rPr lang="zh-TW" altLang="en-US">
+                    <a:noFill/>
+                  </a:rPr>
+                  <a:t> </a:t>
+                </a:r>
+              </a:p>
+            </p:txBody>
+          </p:sp>
+        </mc:Fallback>
+      </mc:AlternateContent>
+      <p:sp>
+        <p:nvSpPr>
+          <p:cNvPr id="4" name="投影片編號版面配置區 3"/>
+          <p:cNvSpPr>
+            <a:spLocks noGrp="1"/>
+          </p:cNvSpPr>
+          <p:nvPr>
+            <p:ph type="sldNum" sz="quarter" idx="12"/>
+          </p:nvPr>
+        </p:nvSpPr>
+        <p:spPr/>
+        <p:txBody>
+          <a:bodyPr/>
+          <a:lstStyle/>
+          <a:p>
+            <a:fld id="{3EBBE1F4-AE36-AD42-8177-96288CD18AD2}" type="slidenum">
+              <a:rPr lang="en-US" smtClean="0"/>
+              <a:pPr/>
+              <a:t>13</a:t>
+            </a:fld>
+            <a:endParaRPr lang="en-US"/>
+          </a:p>
+        </p:txBody>
+      </p:sp>
+      <p:pic>
+        <p:nvPicPr>
+          <p:cNvPr id="5" name="圖片 4"/>
+          <p:cNvPicPr>
+            <a:picLocks noChangeAspect="1"/>
+          </p:cNvPicPr>
+          <p:nvPr/>
+        </p:nvPicPr>
+        <p:blipFill>
+          <a:blip r:embed="rId3">
+            <a:extLst>
+              <a:ext uri="{28A0092B-C50C-407E-A947-70E740481C1C}">
+                <a14:useLocalDpi xmlns:a14="http://schemas.microsoft.com/office/drawing/2010/main" val="0"/>
+              </a:ext>
+            </a:extLst>
+          </a:blip>
+          <a:stretch>
+            <a:fillRect/>
+          </a:stretch>
+        </p:blipFill>
+        <p:spPr>
+          <a:xfrm>
+            <a:off x="1334994" y="1968500"/>
+            <a:ext cx="2552700" cy="2298700"/>
+          </a:xfrm>
+          <a:prstGeom prst="rect">
+            <a:avLst/>
+          </a:prstGeom>
+        </p:spPr>
+      </p:pic>
+      <p:pic>
+        <p:nvPicPr>
+          <p:cNvPr id="6" name="圖片 5"/>
+          <p:cNvPicPr>
+            <a:picLocks noChangeAspect="1"/>
+          </p:cNvPicPr>
+          <p:nvPr/>
+        </p:nvPicPr>
+        <p:blipFill>
+          <a:blip r:embed="rId4">
+            <a:extLst>
+              <a:ext uri="{28A0092B-C50C-407E-A947-70E740481C1C}">
+                <a14:useLocalDpi xmlns:a14="http://schemas.microsoft.com/office/drawing/2010/main" val="0"/>
+              </a:ext>
+            </a:extLst>
+          </a:blip>
+          <a:stretch>
+            <a:fillRect/>
+          </a:stretch>
+        </p:blipFill>
+        <p:spPr>
+          <a:xfrm>
+            <a:off x="8226067" y="1905000"/>
+            <a:ext cx="3073400" cy="2362200"/>
+          </a:xfrm>
+          <a:prstGeom prst="rect">
+            <a:avLst/>
+          </a:prstGeom>
+        </p:spPr>
+      </p:pic>
+      <p:cxnSp>
+        <p:nvCxnSpPr>
+          <p:cNvPr id="8" name="直線箭頭接點 7"/>
+          <p:cNvCxnSpPr/>
+          <p:nvPr/>
+        </p:nvCxnSpPr>
+        <p:spPr>
+          <a:xfrm>
+            <a:off x="4320984" y="2581837"/>
+            <a:ext cx="3478306" cy="17929"/>
+          </a:xfrm>
+          <a:prstGeom prst="straightConnector1">
+            <a:avLst/>
+          </a:prstGeom>
+          <a:ln w="76200">
+            <a:tailEnd type="triangle" w="lg" len="med"/>
+          </a:ln>
+        </p:spPr>
+        <p:style>
+          <a:lnRef idx="1">
+            <a:schemeClr val="accent1"/>
+          </a:lnRef>
+          <a:fillRef idx="0">
+            <a:schemeClr val="accent1"/>
+          </a:fillRef>
+          <a:effectRef idx="0">
+            <a:schemeClr val="accent1"/>
+          </a:effectRef>
+          <a:fontRef idx="minor">
+            <a:schemeClr val="tx1"/>
+          </a:fontRef>
+        </p:style>
+      </p:cxnSp>
+      <p:cxnSp>
+        <p:nvCxnSpPr>
+          <p:cNvPr id="9" name="直線箭頭接點 8"/>
+          <p:cNvCxnSpPr/>
+          <p:nvPr/>
+        </p:nvCxnSpPr>
+        <p:spPr>
+          <a:xfrm>
+            <a:off x="4320989" y="3521776"/>
+            <a:ext cx="3478306" cy="17929"/>
+          </a:xfrm>
+          <a:prstGeom prst="straightConnector1">
+            <a:avLst/>
+          </a:prstGeom>
+          <a:ln w="76200">
+            <a:headEnd type="triangle" w="lg" len="med"/>
+            <a:tailEnd type="none" w="lg" len="med"/>
+          </a:ln>
+        </p:spPr>
+        <p:style>
+          <a:lnRef idx="1">
+            <a:schemeClr val="accent1"/>
+          </a:lnRef>
+          <a:fillRef idx="0">
+            <a:schemeClr val="accent1"/>
+          </a:fillRef>
+          <a:effectRef idx="0">
+            <a:schemeClr val="accent1"/>
+          </a:effectRef>
+          <a:fontRef idx="minor">
+            <a:schemeClr val="tx1"/>
+          </a:fontRef>
+        </p:style>
+      </p:cxnSp>
+      <mc:AlternateContent xmlns:mc="http://schemas.openxmlformats.org/markup-compatibility/2006">
+        <mc:Choice xmlns:a14="http://schemas.microsoft.com/office/drawing/2010/main" Requires="a14">
+          <p:sp>
+            <p:nvSpPr>
+              <p:cNvPr id="10" name="文字方塊 9"/>
+              <p:cNvSpPr txBox="1"/>
+              <p:nvPr/>
+            </p:nvSpPr>
+            <p:spPr>
+              <a:xfrm>
+                <a:off x="2167633" y="3901750"/>
+                <a:ext cx="756809" cy="707886"/>
+              </a:xfrm>
+              <a:prstGeom prst="rect">
+                <a:avLst/>
+              </a:prstGeom>
+            </p:spPr>
+            <p:txBody>
+              <a:bodyPr vert="horz" wrap="none" lIns="91440" tIns="45720" rIns="91440" bIns="45720" rtlCol="0" anchor="ctr">
+                <a:spAutoFit/>
+              </a:bodyPr>
+              <a:lstStyle/>
+              <a:p>
+                <a14:m>
+                  <m:oMathPara xmlns:m="http://schemas.openxmlformats.org/officeDocument/2006/math">
+                    <m:oMathParaPr>
+                      <m:jc m:val="centerGroup"/>
+                    </m:oMathParaPr>
+                    <m:oMath xmlns:m="http://schemas.openxmlformats.org/officeDocument/2006/math">
+                      <m:sSub>
+                        <m:sSubPr>
+                          <m:ctrlPr>
+                            <a:rPr kumimoji="1" lang="en-US" altLang="zh-TW" sz="4000" i="1">
+                              <a:solidFill>
+                                <a:srgbClr val="FF0000"/>
+                              </a:solidFill>
+                              <a:latin typeface="Cambria Math" charset="0"/>
+                              <a:ea typeface="Times New Roman" charset="0"/>
+                              <a:cs typeface="Times New Roman" charset="0"/>
+                            </a:rPr>
+                          </m:ctrlPr>
+                        </m:sSubPr>
+                        <m:e>
+                          <m:r>
+                            <a:rPr kumimoji="1" lang="en-US" altLang="zh-TW" sz="4000" i="1">
+                              <a:solidFill>
+                                <a:srgbClr val="FF0000"/>
+                              </a:solidFill>
+                              <a:latin typeface="Cambria Math" charset="0"/>
+                              <a:ea typeface="Times New Roman" charset="0"/>
+                              <a:cs typeface="Times New Roman" charset="0"/>
+                            </a:rPr>
+                            <m:t>𝑇</m:t>
+                          </m:r>
+                        </m:e>
+                        <m:sub>
+                          <m:r>
+                            <a:rPr kumimoji="1" lang="en-US" altLang="zh-TW" sz="4000" i="1">
+                              <a:solidFill>
+                                <a:srgbClr val="FF0000"/>
+                              </a:solidFill>
+                              <a:latin typeface="Cambria Math" charset="0"/>
+                              <a:ea typeface="Times New Roman" charset="0"/>
+                              <a:cs typeface="Times New Roman" charset="0"/>
+                            </a:rPr>
+                            <m:t>𝑐</m:t>
+                          </m:r>
+                        </m:sub>
+                      </m:sSub>
+                    </m:oMath>
+                  </m:oMathPara>
+                </a14:m>
+                <a:endParaRPr kumimoji="1" lang="zh-TW" altLang="en-US" sz="4000" b="0" baseline="0" dirty="0">
+                  <a:solidFill>
+                    <a:schemeClr val="tx1">
+                      <a:lumMod val="65000"/>
+                      <a:lumOff val="35000"/>
+                    </a:schemeClr>
+                  </a:solidFill>
+                  <a:latin typeface="Calibri" panose="020F0502020204030204" pitchFamily="34" charset="0"/>
+                  <a:ea typeface="微軟正黑體" panose="020B0604030504040204" pitchFamily="34" charset="-120"/>
+                  <a:cs typeface="Arial" panose="020B0604020202020204" pitchFamily="34" charset="0"/>
+                </a:endParaRPr>
+              </a:p>
+            </p:txBody>
+          </p:sp>
+        </mc:Choice>
+        <mc:Fallback>
+          <p:sp>
+            <p:nvSpPr>
+              <p:cNvPr id="10" name="文字方塊 9"/>
+              <p:cNvSpPr txBox="1">
+                <a:spLocks noRot="1" noChangeAspect="1" noMove="1" noResize="1" noEditPoints="1" noAdjustHandles="1" noChangeArrowheads="1" noChangeShapeType="1" noTextEdit="1"/>
+              </p:cNvSpPr>
+              <p:nvPr/>
+            </p:nvSpPr>
+            <p:spPr>
+              <a:xfrm>
+                <a:off x="2167633" y="3901750"/>
+                <a:ext cx="756809" cy="707886"/>
+              </a:xfrm>
+              <a:prstGeom prst="rect">
+                <a:avLst/>
+              </a:prstGeom>
+              <a:blipFill rotWithShape="0">
+                <a:blip r:embed="rId5"/>
+                <a:stretch>
+                  <a:fillRect/>
+                </a:stretch>
+              </a:blipFill>
+            </p:spPr>
+            <p:txBody>
+              <a:bodyPr/>
+              <a:lstStyle/>
+              <a:p>
+                <a:r>
+                  <a:rPr lang="zh-TW" altLang="en-US">
+                    <a:noFill/>
+                  </a:rPr>
+                  <a:t> </a:t>
+                </a:r>
+              </a:p>
+            </p:txBody>
+          </p:sp>
+        </mc:Fallback>
+      </mc:AlternateContent>
+      <mc:AlternateContent xmlns:mc="http://schemas.openxmlformats.org/markup-compatibility/2006">
+        <mc:Choice xmlns:a14="http://schemas.microsoft.com/office/drawing/2010/main" Requires="a14">
+          <p:sp>
+            <p:nvSpPr>
+              <p:cNvPr id="11" name="文字方塊 10"/>
+              <p:cNvSpPr txBox="1"/>
+              <p:nvPr/>
+            </p:nvSpPr>
+            <p:spPr>
+              <a:xfrm>
+                <a:off x="9384362" y="4009322"/>
+                <a:ext cx="835998" cy="707886"/>
+              </a:xfrm>
+              <a:prstGeom prst="rect">
+                <a:avLst/>
+              </a:prstGeom>
+            </p:spPr>
+            <p:txBody>
+              <a:bodyPr vert="horz" wrap="none" lIns="91440" tIns="45720" rIns="91440" bIns="45720" rtlCol="0" anchor="ctr">
+                <a:spAutoFit/>
+              </a:bodyPr>
+              <a:lstStyle/>
+              <a:p>
+                <a14:m>
+                  <m:oMathPara xmlns:m="http://schemas.openxmlformats.org/officeDocument/2006/math">
+                    <m:oMathParaPr>
+                      <m:jc m:val="centerGroup"/>
+                    </m:oMathParaPr>
+                    <m:oMath xmlns:m="http://schemas.openxmlformats.org/officeDocument/2006/math">
+                      <m:sSub>
+                        <m:sSubPr>
+                          <m:ctrlPr>
+                            <a:rPr kumimoji="1" lang="en-US" altLang="zh-TW" sz="4000" i="1">
+                              <a:solidFill>
+                                <a:schemeClr val="accent1"/>
+                              </a:solidFill>
+                              <a:latin typeface="Cambria Math" charset="0"/>
+                              <a:ea typeface="Times New Roman" charset="0"/>
+                              <a:cs typeface="Times New Roman" charset="0"/>
+                            </a:rPr>
+                          </m:ctrlPr>
+                        </m:sSubPr>
+                        <m:e>
+                          <m:r>
+                            <a:rPr kumimoji="1" lang="en-US" altLang="zh-TW" sz="4000" i="1">
+                              <a:solidFill>
+                                <a:schemeClr val="accent1"/>
+                              </a:solidFill>
+                              <a:latin typeface="Cambria Math" charset="0"/>
+                              <a:ea typeface="Times New Roman" charset="0"/>
+                              <a:cs typeface="Times New Roman" charset="0"/>
+                            </a:rPr>
+                            <m:t>𝐷</m:t>
+                          </m:r>
+                        </m:e>
+                        <m:sub>
+                          <m:r>
+                            <a:rPr kumimoji="1" lang="en-US" altLang="zh-TW" sz="4000" i="1">
+                              <a:solidFill>
+                                <a:schemeClr val="accent1"/>
+                              </a:solidFill>
+                              <a:latin typeface="Cambria Math" charset="0"/>
+                              <a:ea typeface="Times New Roman" charset="0"/>
+                              <a:cs typeface="Times New Roman" charset="0"/>
+                            </a:rPr>
+                            <m:t>𝑠</m:t>
+                          </m:r>
+                        </m:sub>
+                      </m:sSub>
+                    </m:oMath>
+                  </m:oMathPara>
+                </a14:m>
+                <a:endParaRPr kumimoji="1" lang="zh-TW" altLang="en-US" sz="4000" b="0" baseline="0" dirty="0">
+                  <a:solidFill>
+                    <a:schemeClr val="tx1">
+                      <a:lumMod val="65000"/>
+                      <a:lumOff val="35000"/>
+                    </a:schemeClr>
+                  </a:solidFill>
+                  <a:latin typeface="Calibri" panose="020F0502020204030204" pitchFamily="34" charset="0"/>
+                  <a:ea typeface="微軟正黑體" panose="020B0604030504040204" pitchFamily="34" charset="-120"/>
+                  <a:cs typeface="Arial" panose="020B0604020202020204" pitchFamily="34" charset="0"/>
+                </a:endParaRPr>
+              </a:p>
+            </p:txBody>
+          </p:sp>
+        </mc:Choice>
+        <mc:Fallback>
+          <p:sp>
+            <p:nvSpPr>
+              <p:cNvPr id="11" name="文字方塊 10"/>
+              <p:cNvSpPr txBox="1">
+                <a:spLocks noRot="1" noChangeAspect="1" noMove="1" noResize="1" noEditPoints="1" noAdjustHandles="1" noChangeArrowheads="1" noChangeShapeType="1" noTextEdit="1"/>
+              </p:cNvSpPr>
+              <p:nvPr/>
+            </p:nvSpPr>
+            <p:spPr>
+              <a:xfrm>
+                <a:off x="9384362" y="4009322"/>
+                <a:ext cx="835998" cy="707886"/>
+              </a:xfrm>
+              <a:prstGeom prst="rect">
+                <a:avLst/>
+              </a:prstGeom>
+              <a:blipFill rotWithShape="0">
+                <a:blip r:embed="rId6"/>
+                <a:stretch>
+                  <a:fillRect/>
+                </a:stretch>
+              </a:blipFill>
+            </p:spPr>
+            <p:txBody>
+              <a:bodyPr/>
+              <a:lstStyle/>
+              <a:p>
+                <a:r>
+                  <a:rPr lang="zh-TW" altLang="en-US">
+                    <a:noFill/>
+                  </a:rPr>
+                  <a:t> </a:t>
+                </a:r>
+              </a:p>
+            </p:txBody>
+          </p:sp>
+        </mc:Fallback>
+      </mc:AlternateContent>
+      <p:sp>
+        <p:nvSpPr>
+          <p:cNvPr id="12" name="文字方塊 11"/>
+          <p:cNvSpPr txBox="1"/>
+          <p:nvPr/>
+        </p:nvSpPr>
+        <p:spPr>
+          <a:xfrm>
+            <a:off x="5611887" y="1935506"/>
+            <a:ext cx="889987" cy="584775"/>
+          </a:xfrm>
+          <a:prstGeom prst="rect">
+            <a:avLst/>
+          </a:prstGeom>
+        </p:spPr>
+        <p:txBody>
+          <a:bodyPr vert="horz" wrap="none" lIns="91440" tIns="45720" rIns="91440" bIns="45720" rtlCol="0" anchor="ctr">
+            <a:spAutoFit/>
+          </a:bodyPr>
+          <a:lstStyle/>
+          <a:p>
+            <a:pPr algn="ctr"/>
+            <a:r>
+              <a:rPr kumimoji="1" lang="en-US" altLang="zh-TW" sz="3200" b="0" baseline="0" dirty="0" smtClean="0">
+                <a:solidFill>
+                  <a:schemeClr val="tx1">
+                    <a:lumMod val="65000"/>
+                    <a:lumOff val="35000"/>
+                  </a:schemeClr>
+                </a:solidFill>
+                <a:latin typeface="Times New Roman" charset="0"/>
+                <a:ea typeface="Times New Roman" charset="0"/>
+                <a:cs typeface="Times New Roman" charset="0"/>
+              </a:rPr>
+              <a:t>FFT</a:t>
+            </a:r>
+            <a:endParaRPr kumimoji="1" lang="zh-TW" altLang="en-US" sz="3200" b="0" baseline="0" dirty="0">
+              <a:solidFill>
+                <a:schemeClr val="tx1">
+                  <a:lumMod val="65000"/>
+                  <a:lumOff val="35000"/>
+                </a:schemeClr>
+              </a:solidFill>
+              <a:latin typeface="Times New Roman" charset="0"/>
+              <a:ea typeface="Times New Roman" charset="0"/>
+              <a:cs typeface="Times New Roman" charset="0"/>
+            </a:endParaRPr>
+          </a:p>
+        </p:txBody>
+      </p:sp>
+      <p:sp>
+        <p:nvSpPr>
+          <p:cNvPr id="13" name="文字方塊 12"/>
+          <p:cNvSpPr txBox="1"/>
+          <p:nvPr/>
+        </p:nvSpPr>
+        <p:spPr>
+          <a:xfrm>
+            <a:off x="5554980" y="2895597"/>
+            <a:ext cx="1003800" cy="584775"/>
+          </a:xfrm>
+          <a:prstGeom prst="rect">
+            <a:avLst/>
+          </a:prstGeom>
+        </p:spPr>
+        <p:txBody>
+          <a:bodyPr vert="horz" wrap="none" lIns="91440" tIns="45720" rIns="91440" bIns="45720" rtlCol="0" anchor="ctr">
+            <a:spAutoFit/>
+          </a:bodyPr>
+          <a:lstStyle/>
+          <a:p>
+            <a:pPr algn="ctr"/>
+            <a:r>
+              <a:rPr kumimoji="1" lang="en-US" altLang="zh-TW" sz="3200" b="0" baseline="0" dirty="0" err="1" smtClean="0">
+                <a:solidFill>
+                  <a:schemeClr val="tx1">
+                    <a:lumMod val="65000"/>
+                    <a:lumOff val="35000"/>
+                  </a:schemeClr>
+                </a:solidFill>
+                <a:latin typeface="Times New Roman" charset="0"/>
+                <a:ea typeface="Times New Roman" charset="0"/>
+                <a:cs typeface="Times New Roman" charset="0"/>
+              </a:rPr>
+              <a:t>iFFT</a:t>
+            </a:r>
+            <a:endParaRPr kumimoji="1" lang="zh-TW" altLang="en-US" sz="3200" b="0" baseline="0" dirty="0">
+              <a:solidFill>
+                <a:schemeClr val="tx1">
+                  <a:lumMod val="65000"/>
+                  <a:lumOff val="35000"/>
+                </a:schemeClr>
+              </a:solidFill>
+              <a:latin typeface="Times New Roman" charset="0"/>
+              <a:ea typeface="Times New Roman" charset="0"/>
+              <a:cs typeface="Times New Roman" charset="0"/>
+            </a:endParaRPr>
+          </a:p>
+        </p:txBody>
+      </p:sp>
+      <p:sp>
+        <p:nvSpPr>
+          <p:cNvPr id="16" name="文字方塊 15"/>
+          <p:cNvSpPr txBox="1"/>
+          <p:nvPr/>
+        </p:nvSpPr>
+        <p:spPr>
+          <a:xfrm>
+            <a:off x="1771593" y="5513782"/>
+            <a:ext cx="2351926" cy="646331"/>
+          </a:xfrm>
+          <a:prstGeom prst="rect">
+            <a:avLst/>
+          </a:prstGeom>
+        </p:spPr>
+        <p:txBody>
+          <a:bodyPr vert="horz" wrap="none" lIns="91440" tIns="45720" rIns="91440" bIns="45720" rtlCol="0" anchor="ctr">
+            <a:spAutoFit/>
+          </a:bodyPr>
+          <a:lstStyle/>
+          <a:p>
+            <a:r>
+              <a:rPr kumimoji="1" lang="en-US" altLang="zh-TW" sz="3600" b="0" baseline="0" smtClean="0">
+                <a:solidFill>
+                  <a:srgbClr val="FF0000"/>
+                </a:solidFill>
+                <a:latin typeface="Times New Roman" charset="0"/>
+                <a:ea typeface="Times New Roman" charset="0"/>
+                <a:cs typeface="Times New Roman" charset="0"/>
+              </a:rPr>
+              <a:t>Fast Fading</a:t>
+            </a:r>
+            <a:endParaRPr kumimoji="1" lang="en-US" altLang="zh-TW" sz="3600" b="0" baseline="0" dirty="0" smtClean="0">
+              <a:solidFill>
+                <a:srgbClr val="FF0000"/>
+              </a:solidFill>
+              <a:latin typeface="Times New Roman" charset="0"/>
+              <a:ea typeface="Times New Roman" charset="0"/>
+              <a:cs typeface="Times New Roman" charset="0"/>
+            </a:endParaRPr>
+          </a:p>
+        </p:txBody>
+      </p:sp>
+      <mc:AlternateContent xmlns:mc="http://schemas.openxmlformats.org/markup-compatibility/2006">
+        <mc:Choice xmlns:a14="http://schemas.microsoft.com/office/drawing/2010/main" Requires="a14">
+          <p:sp>
+            <p:nvSpPr>
+              <p:cNvPr id="17" name="文字方塊 16"/>
+              <p:cNvSpPr txBox="1"/>
+              <p:nvPr/>
+            </p:nvSpPr>
+            <p:spPr>
+              <a:xfrm>
+                <a:off x="4672373" y="5308800"/>
+                <a:ext cx="5206297" cy="1261884"/>
+              </a:xfrm>
+              <a:prstGeom prst="rect">
+                <a:avLst/>
+              </a:prstGeom>
+            </p:spPr>
+            <p:txBody>
+              <a:bodyPr vert="horz" wrap="none" lIns="91440" tIns="45720" rIns="91440" bIns="45720" rtlCol="0" anchor="ctr">
+                <a:spAutoFit/>
+              </a:bodyPr>
+              <a:lstStyle/>
+              <a:p>
+                <a:r>
+                  <a:rPr kumimoji="1" lang="en-US" altLang="zh-TW" sz="3600" b="0" baseline="0" dirty="0" smtClean="0">
+                    <a:solidFill>
+                      <a:schemeClr val="tx1">
+                        <a:lumMod val="65000"/>
+                        <a:lumOff val="35000"/>
+                      </a:schemeClr>
+                    </a:solidFill>
+                    <a:latin typeface="Times New Roman" charset="0"/>
+                    <a:ea typeface="Times New Roman" charset="0"/>
+                    <a:cs typeface="Times New Roman" charset="0"/>
+                  </a:rPr>
+                  <a:t>Symbol time</a:t>
+                </a:r>
+                <a:r>
+                  <a:rPr kumimoji="1" lang="en-US" altLang="zh-TW" sz="3600" b="0" dirty="0" smtClean="0">
+                    <a:solidFill>
+                      <a:schemeClr val="tx1">
+                        <a:lumMod val="65000"/>
+                        <a:lumOff val="35000"/>
+                      </a:schemeClr>
+                    </a:solidFill>
+                    <a:latin typeface="Times New Roman" charset="0"/>
+                    <a:ea typeface="Times New Roman" charset="0"/>
+                    <a:cs typeface="Times New Roman" charset="0"/>
+                  </a:rPr>
+                  <a:t> </a:t>
+                </a:r>
+                <a14:m>
+                  <m:oMath xmlns:m="http://schemas.openxmlformats.org/officeDocument/2006/math">
+                    <m:r>
+                      <a:rPr kumimoji="1" lang="en-US" altLang="zh-TW" sz="3600" b="0" i="1" smtClean="0">
+                        <a:solidFill>
+                          <a:schemeClr val="tx1">
+                            <a:lumMod val="65000"/>
+                            <a:lumOff val="35000"/>
+                          </a:schemeClr>
+                        </a:solidFill>
+                        <a:latin typeface="Cambria Math" charset="0"/>
+                        <a:ea typeface="Times New Roman" charset="0"/>
+                        <a:cs typeface="Times New Roman" charset="0"/>
+                      </a:rPr>
+                      <m:t>𝑇</m:t>
+                    </m:r>
+                    <m:r>
+                      <a:rPr kumimoji="1" lang="en-US" altLang="zh-TW" sz="3600" b="0" i="1" smtClean="0">
+                        <a:solidFill>
+                          <a:schemeClr val="tx1">
+                            <a:lumMod val="65000"/>
+                            <a:lumOff val="35000"/>
+                          </a:schemeClr>
+                        </a:solidFill>
+                        <a:latin typeface="Cambria Math" charset="0"/>
+                        <a:ea typeface="Cambria Math" charset="0"/>
+                        <a:cs typeface="Cambria Math" charset="0"/>
+                      </a:rPr>
+                      <m:t>≫</m:t>
+                    </m:r>
+                    <m:sSub>
+                      <m:sSubPr>
+                        <m:ctrlPr>
+                          <a:rPr kumimoji="1" lang="en-US" altLang="zh-TW" sz="3600" i="1">
+                            <a:solidFill>
+                              <a:srgbClr val="FF0000"/>
+                            </a:solidFill>
+                            <a:latin typeface="Cambria Math" charset="0"/>
+                            <a:ea typeface="Times New Roman" charset="0"/>
+                            <a:cs typeface="Times New Roman" charset="0"/>
+                          </a:rPr>
+                        </m:ctrlPr>
+                      </m:sSubPr>
+                      <m:e>
+                        <m:r>
+                          <a:rPr kumimoji="1" lang="en-US" altLang="zh-TW" sz="3600" i="1">
+                            <a:solidFill>
+                              <a:srgbClr val="FF0000"/>
+                            </a:solidFill>
+                            <a:latin typeface="Cambria Math" charset="0"/>
+                            <a:ea typeface="Times New Roman" charset="0"/>
+                            <a:cs typeface="Times New Roman" charset="0"/>
+                          </a:rPr>
+                          <m:t>𝑇</m:t>
+                        </m:r>
+                      </m:e>
+                      <m:sub>
+                        <m:r>
+                          <a:rPr kumimoji="1" lang="en-US" altLang="zh-TW" sz="3600" i="1">
+                            <a:solidFill>
+                              <a:srgbClr val="FF0000"/>
+                            </a:solidFill>
+                            <a:latin typeface="Cambria Math" charset="0"/>
+                            <a:ea typeface="Times New Roman" charset="0"/>
+                            <a:cs typeface="Times New Roman" charset="0"/>
+                          </a:rPr>
+                          <m:t>𝑐</m:t>
+                        </m:r>
+                      </m:sub>
+                    </m:sSub>
+                  </m:oMath>
+                </a14:m>
+                <a:endParaRPr kumimoji="1" lang="en-US" altLang="zh-TW" sz="3600" b="0" baseline="0" dirty="0" smtClean="0">
+                  <a:solidFill>
+                    <a:schemeClr val="tx1">
+                      <a:lumMod val="65000"/>
+                      <a:lumOff val="35000"/>
+                    </a:schemeClr>
+                  </a:solidFill>
+                  <a:latin typeface="Times New Roman" charset="0"/>
+                  <a:ea typeface="Times New Roman" charset="0"/>
+                  <a:cs typeface="Times New Roman" charset="0"/>
+                </a:endParaRPr>
+              </a:p>
+              <a:p>
+                <a:r>
+                  <a:rPr kumimoji="1" lang="en-US" altLang="zh-TW" sz="3600" dirty="0" smtClean="0">
+                    <a:solidFill>
+                      <a:schemeClr val="tx1">
+                        <a:lumMod val="65000"/>
+                        <a:lumOff val="35000"/>
+                      </a:schemeClr>
+                    </a:solidFill>
+                    <a:latin typeface="Times New Roman" charset="0"/>
+                    <a:ea typeface="Times New Roman" charset="0"/>
+                    <a:cs typeface="Times New Roman" charset="0"/>
+                  </a:rPr>
+                  <a:t>Signal bandwidth </a:t>
+                </a:r>
+                <a14:m>
+                  <m:oMath xmlns:m="http://schemas.openxmlformats.org/officeDocument/2006/math">
+                    <m:r>
+                      <a:rPr kumimoji="1" lang="en-US" altLang="zh-TW" sz="3600" b="0" i="1" smtClean="0">
+                        <a:solidFill>
+                          <a:schemeClr val="tx1">
+                            <a:lumMod val="65000"/>
+                            <a:lumOff val="35000"/>
+                          </a:schemeClr>
+                        </a:solidFill>
+                        <a:latin typeface="Cambria Math" charset="0"/>
+                        <a:ea typeface="Times New Roman" charset="0"/>
+                        <a:cs typeface="Times New Roman" charset="0"/>
+                      </a:rPr>
+                      <m:t>𝑊</m:t>
+                    </m:r>
+                    <m:r>
+                      <a:rPr kumimoji="1" lang="en-US" altLang="zh-TW" sz="3600" i="1">
+                        <a:solidFill>
+                          <a:schemeClr val="tx1">
+                            <a:lumMod val="65000"/>
+                            <a:lumOff val="35000"/>
+                          </a:schemeClr>
+                        </a:solidFill>
+                        <a:latin typeface="Cambria Math" charset="0"/>
+                        <a:ea typeface="Cambria Math" charset="0"/>
+                        <a:cs typeface="Cambria Math" charset="0"/>
+                      </a:rPr>
+                      <m:t>≪</m:t>
+                    </m:r>
+                    <m:sSub>
+                      <m:sSubPr>
+                        <m:ctrlPr>
+                          <a:rPr kumimoji="1" lang="en-US" altLang="zh-TW" sz="4000" i="1">
+                            <a:solidFill>
+                              <a:schemeClr val="accent1"/>
+                            </a:solidFill>
+                            <a:latin typeface="Cambria Math" charset="0"/>
+                            <a:ea typeface="Times New Roman" charset="0"/>
+                            <a:cs typeface="Times New Roman" charset="0"/>
+                          </a:rPr>
+                        </m:ctrlPr>
+                      </m:sSubPr>
+                      <m:e>
+                        <m:r>
+                          <a:rPr kumimoji="1" lang="en-US" altLang="zh-TW" sz="4000" i="1">
+                            <a:solidFill>
+                              <a:schemeClr val="accent1"/>
+                            </a:solidFill>
+                            <a:latin typeface="Cambria Math" charset="0"/>
+                            <a:ea typeface="Times New Roman" charset="0"/>
+                            <a:cs typeface="Times New Roman" charset="0"/>
+                          </a:rPr>
+                          <m:t>𝐷</m:t>
+                        </m:r>
+                      </m:e>
+                      <m:sub>
+                        <m:r>
+                          <a:rPr kumimoji="1" lang="en-US" altLang="zh-TW" sz="4000" i="1">
+                            <a:solidFill>
+                              <a:schemeClr val="accent1"/>
+                            </a:solidFill>
+                            <a:latin typeface="Cambria Math" charset="0"/>
+                            <a:ea typeface="Times New Roman" charset="0"/>
+                            <a:cs typeface="Times New Roman" charset="0"/>
+                          </a:rPr>
+                          <m:t>𝑠</m:t>
+                        </m:r>
+                      </m:sub>
+                    </m:sSub>
+                  </m:oMath>
+                </a14:m>
+                <a:endParaRPr kumimoji="1" lang="en-US" altLang="zh-TW" sz="4000" dirty="0">
+                  <a:solidFill>
+                    <a:schemeClr val="tx1">
+                      <a:lumMod val="65000"/>
+                      <a:lumOff val="35000"/>
+                    </a:schemeClr>
+                  </a:solidFill>
+                  <a:latin typeface="Times New Roman" charset="0"/>
+                  <a:ea typeface="Times New Roman" charset="0"/>
+                  <a:cs typeface="Times New Roman" charset="0"/>
+                </a:endParaRPr>
+              </a:p>
+            </p:txBody>
+          </p:sp>
+        </mc:Choice>
+        <mc:Fallback>
+          <p:sp>
+            <p:nvSpPr>
+              <p:cNvPr id="17" name="文字方塊 16"/>
+              <p:cNvSpPr txBox="1">
+                <a:spLocks noRot="1" noChangeAspect="1" noMove="1" noResize="1" noEditPoints="1" noAdjustHandles="1" noChangeArrowheads="1" noChangeShapeType="1" noTextEdit="1"/>
+              </p:cNvSpPr>
+              <p:nvPr/>
+            </p:nvSpPr>
+            <p:spPr>
+              <a:xfrm>
+                <a:off x="4672373" y="5308800"/>
+                <a:ext cx="5206297" cy="1261884"/>
+              </a:xfrm>
+              <a:prstGeom prst="rect">
+                <a:avLst/>
+              </a:prstGeom>
+              <a:blipFill rotWithShape="0">
+                <a:blip r:embed="rId7"/>
+                <a:stretch>
+                  <a:fillRect l="-3509" t="-7729" b="-16425"/>
+                </a:stretch>
+              </a:blipFill>
+            </p:spPr>
+            <p:txBody>
+              <a:bodyPr/>
+              <a:lstStyle/>
+              <a:p>
+                <a:r>
+                  <a:rPr lang="zh-TW" altLang="en-US">
+                    <a:noFill/>
+                  </a:rPr>
+                  <a:t> </a:t>
+                </a:r>
+              </a:p>
+            </p:txBody>
+          </p:sp>
+        </mc:Fallback>
+      </mc:AlternateContent>
+      <p:sp>
+        <p:nvSpPr>
+          <p:cNvPr id="18" name="文字方塊 17"/>
+          <p:cNvSpPr txBox="1"/>
+          <p:nvPr/>
+        </p:nvSpPr>
+        <p:spPr>
+          <a:xfrm>
+            <a:off x="1458911" y="1625461"/>
+            <a:ext cx="2174249" cy="523220"/>
+          </a:xfrm>
+          <a:prstGeom prst="rect">
+            <a:avLst/>
+          </a:prstGeom>
+        </p:spPr>
+        <p:txBody>
+          <a:bodyPr vert="horz" wrap="none" lIns="91440" tIns="45720" rIns="91440" bIns="45720" rtlCol="0" anchor="ctr">
+            <a:spAutoFit/>
+          </a:bodyPr>
+          <a:lstStyle/>
+          <a:p>
+            <a:pPr algn="ctr"/>
+            <a:r>
+              <a:rPr kumimoji="1" lang="en-US" altLang="zh-TW" sz="2800" b="0" baseline="0" dirty="0" smtClean="0">
+                <a:solidFill>
+                  <a:schemeClr val="tx1">
+                    <a:lumMod val="65000"/>
+                    <a:lumOff val="35000"/>
+                  </a:schemeClr>
+                </a:solidFill>
+                <a:latin typeface="Times New Roman" charset="0"/>
+                <a:ea typeface="Times New Roman" charset="0"/>
+                <a:cs typeface="Times New Roman" charset="0"/>
+              </a:rPr>
+              <a:t>Time Domain</a:t>
+            </a:r>
+            <a:endParaRPr kumimoji="1" lang="zh-TW" altLang="en-US" sz="2800" b="0" baseline="0" dirty="0">
+              <a:solidFill>
+                <a:schemeClr val="tx1">
+                  <a:lumMod val="65000"/>
+                  <a:lumOff val="35000"/>
+                </a:schemeClr>
+              </a:solidFill>
+              <a:latin typeface="Times New Roman" charset="0"/>
+              <a:ea typeface="Times New Roman" charset="0"/>
+              <a:cs typeface="Times New Roman" charset="0"/>
+            </a:endParaRPr>
+          </a:p>
+        </p:txBody>
+      </p:sp>
+      <p:sp>
+        <p:nvSpPr>
+          <p:cNvPr id="19" name="文字方塊 18"/>
+          <p:cNvSpPr txBox="1"/>
+          <p:nvPr/>
+        </p:nvSpPr>
+        <p:spPr>
+          <a:xfrm>
+            <a:off x="8290247" y="1625461"/>
+            <a:ext cx="2945037" cy="523220"/>
+          </a:xfrm>
+          <a:prstGeom prst="rect">
+            <a:avLst/>
+          </a:prstGeom>
+        </p:spPr>
+        <p:txBody>
+          <a:bodyPr vert="horz" wrap="none" lIns="91440" tIns="45720" rIns="91440" bIns="45720" rtlCol="0" anchor="ctr">
+            <a:spAutoFit/>
+          </a:bodyPr>
+          <a:lstStyle/>
+          <a:p>
+            <a:pPr algn="ctr"/>
+            <a:r>
+              <a:rPr kumimoji="1" lang="en-US" altLang="zh-TW" sz="2800" b="0" baseline="0" dirty="0" smtClean="0">
+                <a:solidFill>
+                  <a:schemeClr val="tx1">
+                    <a:lumMod val="65000"/>
+                    <a:lumOff val="35000"/>
+                  </a:schemeClr>
+                </a:solidFill>
+                <a:latin typeface="Times New Roman" charset="0"/>
+                <a:ea typeface="Times New Roman" charset="0"/>
+                <a:cs typeface="Times New Roman" charset="0"/>
+              </a:rPr>
+              <a:t>Frequency Domain</a:t>
+            </a:r>
+            <a:endParaRPr kumimoji="1" lang="zh-TW" altLang="en-US" sz="2800" b="0" baseline="0" dirty="0">
+              <a:solidFill>
+                <a:schemeClr val="tx1">
+                  <a:lumMod val="65000"/>
+                  <a:lumOff val="35000"/>
+                </a:schemeClr>
+              </a:solidFill>
+              <a:latin typeface="Times New Roman" charset="0"/>
+              <a:ea typeface="Times New Roman" charset="0"/>
+              <a:cs typeface="Times New Roman" charset="0"/>
+            </a:endParaRPr>
+          </a:p>
+        </p:txBody>
+      </p:sp>
+      <p:sp>
+        <p:nvSpPr>
+          <p:cNvPr id="20" name="文字方塊 19"/>
+          <p:cNvSpPr txBox="1"/>
+          <p:nvPr/>
+        </p:nvSpPr>
+        <p:spPr>
+          <a:xfrm>
+            <a:off x="1324390" y="4592171"/>
+            <a:ext cx="2443298" cy="523220"/>
+          </a:xfrm>
+          <a:prstGeom prst="rect">
+            <a:avLst/>
+          </a:prstGeom>
+        </p:spPr>
+        <p:txBody>
+          <a:bodyPr vert="horz" wrap="none" lIns="91440" tIns="45720" rIns="91440" bIns="45720" rtlCol="0" anchor="ctr">
+            <a:spAutoFit/>
+          </a:bodyPr>
+          <a:lstStyle/>
+          <a:p>
+            <a:pPr algn="ctr"/>
+            <a:r>
+              <a:rPr kumimoji="1" lang="en-US" altLang="zh-TW" sz="2800" b="0" baseline="0" dirty="0" smtClean="0">
+                <a:solidFill>
+                  <a:schemeClr val="tx1">
+                    <a:lumMod val="65000"/>
+                    <a:lumOff val="35000"/>
+                  </a:schemeClr>
+                </a:solidFill>
+                <a:latin typeface="Times New Roman" charset="0"/>
+                <a:ea typeface="Times New Roman" charset="0"/>
+                <a:cs typeface="Times New Roman" charset="0"/>
+              </a:rPr>
+              <a:t>Coherence time</a:t>
+            </a:r>
+            <a:endParaRPr kumimoji="1" lang="zh-TW" altLang="en-US" sz="2800" b="0" baseline="0" dirty="0">
+              <a:solidFill>
+                <a:schemeClr val="tx1">
+                  <a:lumMod val="65000"/>
+                  <a:lumOff val="35000"/>
+                </a:schemeClr>
+              </a:solidFill>
+              <a:latin typeface="Times New Roman" charset="0"/>
+              <a:ea typeface="Times New Roman" charset="0"/>
+              <a:cs typeface="Times New Roman" charset="0"/>
+            </a:endParaRPr>
+          </a:p>
+        </p:txBody>
+      </p:sp>
+      <p:sp>
+        <p:nvSpPr>
+          <p:cNvPr id="21" name="文字方塊 20"/>
+          <p:cNvSpPr txBox="1"/>
+          <p:nvPr/>
+        </p:nvSpPr>
+        <p:spPr>
+          <a:xfrm>
+            <a:off x="8538715" y="4592171"/>
+            <a:ext cx="2448107" cy="523220"/>
+          </a:xfrm>
+          <a:prstGeom prst="rect">
+            <a:avLst/>
+          </a:prstGeom>
+        </p:spPr>
+        <p:txBody>
+          <a:bodyPr vert="horz" wrap="none" lIns="91440" tIns="45720" rIns="91440" bIns="45720" rtlCol="0" anchor="ctr">
+            <a:spAutoFit/>
+          </a:bodyPr>
+          <a:lstStyle/>
+          <a:p>
+            <a:pPr algn="ctr"/>
+            <a:r>
+              <a:rPr kumimoji="1" lang="en-US" altLang="zh-TW" sz="2800" b="0" baseline="0" dirty="0" smtClean="0">
+                <a:solidFill>
+                  <a:schemeClr val="tx1">
+                    <a:lumMod val="65000"/>
+                    <a:lumOff val="35000"/>
+                  </a:schemeClr>
+                </a:solidFill>
+                <a:latin typeface="Times New Roman" charset="0"/>
+                <a:ea typeface="Times New Roman" charset="0"/>
+                <a:cs typeface="Times New Roman" charset="0"/>
+              </a:rPr>
+              <a:t>Doppler Spread</a:t>
+            </a:r>
+            <a:endParaRPr kumimoji="1" lang="zh-TW" altLang="en-US" sz="2800" b="0" baseline="0" dirty="0">
+              <a:solidFill>
+                <a:schemeClr val="tx1">
+                  <a:lumMod val="65000"/>
+                  <a:lumOff val="35000"/>
+                </a:schemeClr>
+              </a:solidFill>
+              <a:latin typeface="Times New Roman" charset="0"/>
+              <a:ea typeface="Times New Roman" charset="0"/>
+              <a:cs typeface="Times New Roman" charset="0"/>
+            </a:endParaRPr>
+          </a:p>
+        </p:txBody>
+      </p:sp>
+    </p:spTree>
+    <p:extLst>
+      <p:ext uri="{BB962C8B-B14F-4D97-AF65-F5344CB8AC3E}">
+        <p14:creationId xmlns:p14="http://schemas.microsoft.com/office/powerpoint/2010/main" val="1531627910"/>
+      </p:ext>
+    </p:extLst>
+  </p:cSld>
+  <p:clrMapOvr>
+    <a:masterClrMapping/>
+  </p:clrMapOvr>
+  <mc:AlternateContent xmlns:mc="http://schemas.openxmlformats.org/markup-compatibility/2006" xmlns:p14="http://schemas.microsoft.com/office/powerpoint/2010/main">
+    <mc:Choice Requires="p14">
+      <p:transition spd="med" p14:dur="700">
+        <p:fade/>
+      </p:transition>
+    </mc:Choice>
+    <mc:Fallback xmlns="">
+      <p:transition spd="med">
+        <p:fade/>
+      </p:transition>
+    </mc:Fallback>
+  </mc:AlternateContent>
+  <p:timing>
+    <p:tnLst>
+      <p:par>
+        <p:cTn id="1" dur="indefinite" restart="never" nodeType="tmRoot"/>
+      </p:par>
+    </p:tnLst>
+  </p:timing>
+</p:sld>
+</file>
+
+<file path=ppt/slides/slide14.xml><?xml version="1.0" encoding="utf-8"?>
+<p:sld xmlns:a="http://schemas.openxmlformats.org/drawingml/2006/main" xmlns:r="http://schemas.openxmlformats.org/officeDocument/2006/relationships" xmlns:p="http://schemas.openxmlformats.org/presentationml/2006/main">
+  <p:cSld>
+    <p:spTree>
+      <p:nvGrpSpPr>
+        <p:cNvPr id="1" name=""/>
+        <p:cNvGrpSpPr/>
+        <p:nvPr/>
+      </p:nvGrpSpPr>
+      <p:grpSpPr>
+        <a:xfrm>
+          <a:off x="0" y="0"/>
+          <a:ext cx="0" cy="0"/>
+          <a:chOff x="0" y="0"/>
+          <a:chExt cx="0" cy="0"/>
+        </a:xfrm>
+      </p:grpSpPr>
+      <p:sp>
+        <p:nvSpPr>
+          <p:cNvPr id="2" name="標題 1"/>
+          <p:cNvSpPr>
+            <a:spLocks noGrp="1"/>
+          </p:cNvSpPr>
+          <p:nvPr>
+            <p:ph type="title"/>
+          </p:nvPr>
+        </p:nvSpPr>
+        <p:spPr/>
+        <p:txBody>
+          <a:bodyPr/>
+          <a:lstStyle/>
+          <a:p>
+            <a:r>
+              <a:rPr kumimoji="1" lang="en-US" altLang="zh-TW" dirty="0"/>
+              <a:t>Channel Fading</a:t>
+            </a:r>
+            <a:endParaRPr kumimoji="1" lang="zh-TW" altLang="en-US" dirty="0"/>
+          </a:p>
+        </p:txBody>
+      </p:sp>
+      <mc:AlternateContent xmlns:mc="http://schemas.openxmlformats.org/markup-compatibility/2006">
+        <mc:Choice xmlns:a14="http://schemas.microsoft.com/office/drawing/2010/main" Requires="a14">
+          <p:sp>
+            <p:nvSpPr>
+              <p:cNvPr id="3" name="內容版面配置區 2"/>
+              <p:cNvSpPr>
+                <a:spLocks noGrp="1"/>
+              </p:cNvSpPr>
+              <p:nvPr>
+                <p:ph idx="1"/>
+              </p:nvPr>
+            </p:nvSpPr>
+            <p:spPr/>
+            <p:txBody>
+              <a:bodyPr/>
+              <a:lstStyle/>
+              <a:p>
+                <a:r>
+                  <a:rPr kumimoji="1" lang="en-US" altLang="zh-TW" sz="3200" dirty="0" smtClean="0">
+                    <a:latin typeface="Times New Roman" charset="0"/>
+                    <a:ea typeface="Times New Roman" charset="0"/>
+                    <a:cs typeface="Times New Roman" charset="0"/>
+                  </a:rPr>
+                  <a:t>Coherence Bandwidth </a:t>
+                </a:r>
+                <a:r>
+                  <a:rPr kumimoji="1" lang="en-US" altLang="zh-TW" sz="3200" dirty="0" err="1" smtClean="0">
+                    <a:latin typeface="Times New Roman" charset="0"/>
+                    <a:ea typeface="Times New Roman" charset="0"/>
+                    <a:cs typeface="Times New Roman" charset="0"/>
+                  </a:rPr>
+                  <a:t>v.s</a:t>
+                </a:r>
+                <a:r>
+                  <a:rPr kumimoji="1" lang="en-US" altLang="zh-TW" sz="3200" dirty="0" smtClean="0">
+                    <a:latin typeface="Times New Roman" charset="0"/>
+                    <a:ea typeface="Times New Roman" charset="0"/>
+                    <a:cs typeface="Times New Roman" charset="0"/>
+                  </a:rPr>
+                  <a:t>. </a:t>
+                </a:r>
+                <a:r>
+                  <a:rPr kumimoji="1" lang="en-US" altLang="zh-TW" sz="3200" dirty="0" smtClean="0">
+                    <a:latin typeface="Times New Roman" charset="0"/>
+                    <a:ea typeface="Times New Roman" charset="0"/>
+                    <a:cs typeface="Times New Roman" charset="0"/>
+                  </a:rPr>
+                  <a:t>Delay </a:t>
+                </a:r>
+                <a:r>
+                  <a:rPr kumimoji="1" lang="en-US" altLang="zh-TW" sz="3200" dirty="0" smtClean="0">
+                    <a:latin typeface="Times New Roman" charset="0"/>
+                    <a:ea typeface="Times New Roman" charset="0"/>
+                    <a:cs typeface="Times New Roman" charset="0"/>
+                  </a:rPr>
+                  <a:t>Spread</a:t>
+                </a:r>
+              </a:p>
+              <a:p>
+                <a:pPr>
+                  <a:lnSpc>
+                    <a:spcPct val="150000"/>
+                  </a:lnSpc>
+                </a:pPr>
+                <a:r>
+                  <a:rPr kumimoji="1" lang="en-US" altLang="zh-TW" sz="3200" dirty="0">
+                    <a:latin typeface="Times New Roman" charset="0"/>
+                    <a:ea typeface="Times New Roman" charset="0"/>
+                    <a:cs typeface="Times New Roman" charset="0"/>
+                  </a:rPr>
+                  <a:t>Coherence </a:t>
+                </a:r>
+                <a:r>
+                  <a:rPr kumimoji="1" lang="en-US" altLang="zh-TW" sz="3200" dirty="0" smtClean="0">
+                    <a:latin typeface="Times New Roman" charset="0"/>
+                    <a:ea typeface="Times New Roman" charset="0"/>
+                    <a:cs typeface="Times New Roman" charset="0"/>
+                  </a:rPr>
+                  <a:t>Bandwidth </a:t>
+                </a:r>
+                <a14:m>
+                  <m:oMath xmlns:m="http://schemas.openxmlformats.org/officeDocument/2006/math">
+                    <m:sSub>
+                      <m:sSubPr>
+                        <m:ctrlPr>
+                          <a:rPr kumimoji="1" lang="en-US" altLang="zh-TW" sz="3200" i="1" smtClean="0">
+                            <a:solidFill>
+                              <a:srgbClr val="FF0000"/>
+                            </a:solidFill>
+                            <a:latin typeface="Times New Roman" charset="0"/>
+                            <a:ea typeface="Times New Roman" charset="0"/>
+                            <a:cs typeface="Times New Roman" charset="0"/>
+                          </a:rPr>
+                        </m:ctrlPr>
+                      </m:sSubPr>
+                      <m:e>
+                        <m:r>
+                          <a:rPr kumimoji="1" lang="en-US" altLang="zh-TW" sz="3200" b="0" i="1" smtClean="0">
+                            <a:solidFill>
+                              <a:srgbClr val="FF0000"/>
+                            </a:solidFill>
+                            <a:latin typeface="Cambria Math" charset="0"/>
+                            <a:ea typeface="Times New Roman" charset="0"/>
+                            <a:cs typeface="Times New Roman" charset="0"/>
+                          </a:rPr>
+                          <m:t>𝑊</m:t>
+                        </m:r>
+                      </m:e>
+                      <m:sub>
+                        <m:r>
+                          <a:rPr kumimoji="1" lang="en-US" altLang="zh-TW" sz="3200" b="0" i="1" smtClean="0">
+                            <a:solidFill>
+                              <a:srgbClr val="FF0000"/>
+                            </a:solidFill>
+                            <a:latin typeface="Times New Roman" charset="0"/>
+                            <a:ea typeface="Times New Roman" charset="0"/>
+                            <a:cs typeface="Times New Roman" charset="0"/>
+                          </a:rPr>
+                          <m:t>𝑐</m:t>
+                        </m:r>
+                      </m:sub>
+                    </m:sSub>
+                  </m:oMath>
+                </a14:m>
+                <a:r>
+                  <a:rPr kumimoji="1" lang="en-US" altLang="zh-TW" sz="3200" dirty="0" smtClean="0">
+                    <a:latin typeface="Times New Roman" charset="0"/>
+                    <a:ea typeface="Times New Roman" charset="0"/>
+                    <a:cs typeface="Times New Roman" charset="0"/>
+                  </a:rPr>
+                  <a:t> : </a:t>
+                </a:r>
+                <a:r>
+                  <a:rPr lang="en-US" altLang="zh-TW" sz="3200" dirty="0">
+                    <a:latin typeface="Times New Roman" charset="0"/>
+                    <a:ea typeface="Times New Roman" charset="0"/>
+                    <a:cs typeface="Times New Roman" charset="0"/>
+                  </a:rPr>
+                  <a:t>the approximate maximum </a:t>
+                </a:r>
+                <a:r>
+                  <a:rPr lang="en-US" altLang="zh-TW" sz="3200" dirty="0" smtClean="0">
+                    <a:latin typeface="Times New Roman" charset="0"/>
+                    <a:ea typeface="Times New Roman" charset="0"/>
+                    <a:cs typeface="Times New Roman" charset="0"/>
+                  </a:rPr>
+                  <a:t>bandwidth </a:t>
+                </a:r>
+                <a:r>
+                  <a:rPr lang="en-US" altLang="zh-TW" sz="3200" dirty="0">
+                    <a:latin typeface="Times New Roman" charset="0"/>
+                    <a:ea typeface="Times New Roman" charset="0"/>
+                    <a:cs typeface="Times New Roman" charset="0"/>
+                  </a:rPr>
+                  <a:t>over which two frequencies of a signal are likely to experience </a:t>
+                </a:r>
+                <a:r>
+                  <a:rPr lang="en-US" altLang="zh-TW" sz="3200" dirty="0" smtClean="0">
+                    <a:latin typeface="Times New Roman" charset="0"/>
+                    <a:ea typeface="Times New Roman" charset="0"/>
+                    <a:cs typeface="Times New Roman" charset="0"/>
+                  </a:rPr>
+                  <a:t>comparable</a:t>
+                </a:r>
+                <a:endParaRPr lang="en-US" altLang="zh-TW" sz="3200" dirty="0" smtClean="0">
+                  <a:solidFill>
+                    <a:srgbClr val="FF0000"/>
+                  </a:solidFill>
+                  <a:latin typeface="Times New Roman" charset="0"/>
+                  <a:ea typeface="Times New Roman" charset="0"/>
+                  <a:cs typeface="Times New Roman" charset="0"/>
+                </a:endParaRPr>
+              </a:p>
+              <a:p>
+                <a:r>
+                  <a:rPr kumimoji="1" lang="en-US" altLang="zh-TW" sz="3200" dirty="0" smtClean="0">
+                    <a:latin typeface="Times New Roman" charset="0"/>
+                    <a:ea typeface="Times New Roman" charset="0"/>
+                    <a:cs typeface="Times New Roman" charset="0"/>
+                  </a:rPr>
+                  <a:t>D</a:t>
+                </a:r>
+                <a:r>
+                  <a:rPr kumimoji="1" lang="en-US" altLang="zh-TW" sz="3200" dirty="0" smtClean="0">
+                    <a:latin typeface="Times New Roman" charset="0"/>
+                    <a:ea typeface="Times New Roman" charset="0"/>
+                    <a:cs typeface="Times New Roman" charset="0"/>
+                  </a:rPr>
+                  <a:t>elay </a:t>
+                </a:r>
+                <a:r>
+                  <a:rPr kumimoji="1" lang="en-US" altLang="zh-TW" sz="3200" dirty="0" smtClean="0">
+                    <a:latin typeface="Times New Roman" charset="0"/>
+                    <a:ea typeface="Times New Roman" charset="0"/>
+                    <a:cs typeface="Times New Roman" charset="0"/>
+                  </a:rPr>
+                  <a:t>Spread </a:t>
+                </a:r>
+                <a14:m>
+                  <m:oMath xmlns:m="http://schemas.openxmlformats.org/officeDocument/2006/math">
+                    <m:sSub>
+                      <m:sSubPr>
+                        <m:ctrlPr>
+                          <a:rPr kumimoji="1" lang="en-US" altLang="zh-TW" sz="3200" i="1" smtClean="0">
+                            <a:solidFill>
+                              <a:schemeClr val="accent1"/>
+                            </a:solidFill>
+                            <a:latin typeface="Times New Roman" charset="0"/>
+                            <a:ea typeface="Times New Roman" charset="0"/>
+                            <a:cs typeface="Times New Roman" charset="0"/>
+                          </a:rPr>
+                        </m:ctrlPr>
+                      </m:sSubPr>
+                      <m:e>
+                        <m:r>
+                          <a:rPr kumimoji="1" lang="en-US" altLang="zh-TW" sz="3200" b="0" i="1" smtClean="0">
+                            <a:solidFill>
+                              <a:schemeClr val="accent1"/>
+                            </a:solidFill>
+                            <a:latin typeface="Cambria Math" charset="0"/>
+                            <a:ea typeface="Times New Roman" charset="0"/>
+                            <a:cs typeface="Times New Roman" charset="0"/>
+                          </a:rPr>
+                          <m:t>𝑇</m:t>
+                        </m:r>
+                      </m:e>
+                      <m:sub>
+                        <m:r>
+                          <a:rPr kumimoji="1" lang="en-US" altLang="zh-TW" sz="3200" b="0" i="1" smtClean="0">
+                            <a:solidFill>
+                              <a:schemeClr val="accent1"/>
+                            </a:solidFill>
+                            <a:latin typeface="Cambria Math" charset="0"/>
+                            <a:ea typeface="Times New Roman" charset="0"/>
+                            <a:cs typeface="Times New Roman" charset="0"/>
+                          </a:rPr>
+                          <m:t>𝑑</m:t>
+                        </m:r>
+                      </m:sub>
+                    </m:sSub>
+                  </m:oMath>
+                </a14:m>
+                <a:r>
+                  <a:rPr kumimoji="1" lang="en-US" altLang="zh-TW" sz="3200" dirty="0" smtClean="0">
+                    <a:latin typeface="Times New Roman" charset="0"/>
+                    <a:ea typeface="Times New Roman" charset="0"/>
+                    <a:cs typeface="Times New Roman" charset="0"/>
+                  </a:rPr>
+                  <a:t> : the difference between the </a:t>
+                </a:r>
+                <a:r>
+                  <a:rPr kumimoji="1" lang="en-US" altLang="zh-TW" sz="3200" dirty="0">
+                    <a:solidFill>
+                      <a:schemeClr val="accent1"/>
+                    </a:solidFill>
+                    <a:latin typeface="Times New Roman" charset="0"/>
+                    <a:ea typeface="Times New Roman" charset="0"/>
+                    <a:cs typeface="Times New Roman" charset="0"/>
+                  </a:rPr>
+                  <a:t>p</a:t>
+                </a:r>
+                <a:r>
+                  <a:rPr kumimoji="1" lang="en-US" altLang="zh-TW" sz="3200" dirty="0" smtClean="0">
+                    <a:solidFill>
+                      <a:schemeClr val="accent1"/>
+                    </a:solidFill>
+                    <a:latin typeface="Times New Roman" charset="0"/>
+                    <a:ea typeface="Times New Roman" charset="0"/>
+                    <a:cs typeface="Times New Roman" charset="0"/>
+                  </a:rPr>
+                  <a:t>ropagation delay </a:t>
+                </a:r>
+                <a:r>
+                  <a:rPr kumimoji="1" lang="en-US" altLang="zh-TW" sz="3200" dirty="0" smtClean="0">
+                    <a:latin typeface="Times New Roman" charset="0"/>
+                    <a:ea typeface="Times New Roman" charset="0"/>
+                    <a:cs typeface="Times New Roman" charset="0"/>
+                  </a:rPr>
+                  <a:t>of two </a:t>
+                </a:r>
+                <a:r>
+                  <a:rPr kumimoji="1" lang="en-US" altLang="zh-TW" sz="3200" dirty="0" smtClean="0">
+                    <a:latin typeface="Times New Roman" charset="0"/>
+                    <a:ea typeface="Times New Roman" charset="0"/>
+                    <a:cs typeface="Times New Roman" charset="0"/>
+                  </a:rPr>
+                  <a:t>paths			</a:t>
+                </a:r>
+                <a14:m>
+                  <m:oMath xmlns:m="http://schemas.openxmlformats.org/officeDocument/2006/math">
+                    <m:sSub>
+                      <m:sSubPr>
+                        <m:ctrlPr>
+                          <a:rPr kumimoji="1" lang="en-US" altLang="zh-TW" sz="4000" i="1">
+                            <a:solidFill>
+                              <a:schemeClr val="accent1"/>
+                            </a:solidFill>
+                            <a:latin typeface="Cambria Math" charset="0"/>
+                            <a:ea typeface="Times New Roman" charset="0"/>
+                            <a:cs typeface="Times New Roman" charset="0"/>
+                          </a:rPr>
+                        </m:ctrlPr>
+                      </m:sSubPr>
+                      <m:e>
+                        <m:r>
+                          <a:rPr kumimoji="1" lang="en-US" altLang="zh-TW" sz="4000" b="0" i="1" smtClean="0">
+                            <a:solidFill>
+                              <a:schemeClr val="accent1"/>
+                            </a:solidFill>
+                            <a:latin typeface="Cambria Math" charset="0"/>
+                            <a:ea typeface="Times New Roman" charset="0"/>
+                            <a:cs typeface="Times New Roman" charset="0"/>
+                          </a:rPr>
+                          <m:t>𝑇</m:t>
+                        </m:r>
+                      </m:e>
+                      <m:sub>
+                        <m:r>
+                          <a:rPr kumimoji="1" lang="en-US" altLang="zh-TW" sz="4000" b="0" i="1" smtClean="0">
+                            <a:solidFill>
+                              <a:schemeClr val="accent1"/>
+                            </a:solidFill>
+                            <a:latin typeface="Cambria Math" charset="0"/>
+                            <a:ea typeface="Times New Roman" charset="0"/>
+                            <a:cs typeface="Times New Roman" charset="0"/>
+                          </a:rPr>
+                          <m:t>𝑑</m:t>
+                        </m:r>
+                      </m:sub>
+                    </m:sSub>
+                    <m:r>
+                      <a:rPr kumimoji="1" lang="en-US" altLang="zh-TW" sz="4000" i="1" smtClean="0">
+                        <a:solidFill>
+                          <a:schemeClr val="tx1"/>
+                        </a:solidFill>
+                        <a:latin typeface="Cambria Math" charset="0"/>
+                        <a:ea typeface="Cambria Math" charset="0"/>
+                        <a:cs typeface="Cambria Math" charset="0"/>
+                      </a:rPr>
+                      <m:t>∝</m:t>
+                    </m:r>
+                    <m:f>
+                      <m:fPr>
+                        <m:ctrlPr>
+                          <a:rPr kumimoji="1" lang="mr-IN" altLang="zh-TW" sz="4000" i="1" smtClean="0">
+                            <a:solidFill>
+                              <a:srgbClr val="FF0000"/>
+                            </a:solidFill>
+                            <a:latin typeface="Cambria Math" charset="0"/>
+                            <a:ea typeface="Cambria Math" charset="0"/>
+                            <a:cs typeface="Cambria Math" charset="0"/>
+                          </a:rPr>
+                        </m:ctrlPr>
+                      </m:fPr>
+                      <m:num>
+                        <m:r>
+                          <a:rPr kumimoji="1" lang="en-US" altLang="zh-TW" sz="4000" b="0" i="1" smtClean="0">
+                            <a:solidFill>
+                              <a:schemeClr val="tx1"/>
+                            </a:solidFill>
+                            <a:latin typeface="Cambria Math" charset="0"/>
+                            <a:ea typeface="Cambria Math" charset="0"/>
+                            <a:cs typeface="Cambria Math" charset="0"/>
+                          </a:rPr>
+                          <m:t>1</m:t>
+                        </m:r>
+                      </m:num>
+                      <m:den>
+                        <m:sSub>
+                          <m:sSubPr>
+                            <m:ctrlPr>
+                              <a:rPr kumimoji="1" lang="en-US" altLang="zh-TW" sz="4000" i="1">
+                                <a:solidFill>
+                                  <a:srgbClr val="FF0000"/>
+                                </a:solidFill>
+                                <a:latin typeface="Cambria Math" charset="0"/>
+                                <a:ea typeface="Times New Roman" charset="0"/>
+                                <a:cs typeface="Times New Roman" charset="0"/>
+                              </a:rPr>
+                            </m:ctrlPr>
+                          </m:sSubPr>
+                          <m:e>
+                            <m:r>
+                              <a:rPr kumimoji="1" lang="en-US" altLang="zh-TW" sz="4000" b="0" i="1" smtClean="0">
+                                <a:solidFill>
+                                  <a:srgbClr val="FF0000"/>
+                                </a:solidFill>
+                                <a:latin typeface="Cambria Math" charset="0"/>
+                                <a:ea typeface="Times New Roman" charset="0"/>
+                                <a:cs typeface="Times New Roman" charset="0"/>
+                              </a:rPr>
+                              <m:t>𝑊</m:t>
+                            </m:r>
+                          </m:e>
+                          <m:sub>
+                            <m:r>
+                              <a:rPr kumimoji="1" lang="en-US" altLang="zh-TW" sz="4000" i="1">
+                                <a:solidFill>
+                                  <a:srgbClr val="FF0000"/>
+                                </a:solidFill>
+                                <a:latin typeface="Cambria Math" charset="0"/>
+                                <a:ea typeface="Times New Roman" charset="0"/>
+                                <a:cs typeface="Times New Roman" charset="0"/>
+                              </a:rPr>
+                              <m:t>𝑐</m:t>
+                            </m:r>
+                          </m:sub>
+                        </m:sSub>
+                      </m:den>
+                    </m:f>
+                  </m:oMath>
+                </a14:m>
+                <a:endParaRPr kumimoji="1" lang="zh-TW" altLang="en-US" sz="3200" dirty="0">
+                  <a:latin typeface="Times New Roman" charset="0"/>
+                  <a:ea typeface="Times New Roman" charset="0"/>
+                  <a:cs typeface="Times New Roman" charset="0"/>
+                </a:endParaRPr>
+              </a:p>
+            </p:txBody>
+          </p:sp>
+        </mc:Choice>
+        <mc:Fallback>
+          <p:sp>
+            <p:nvSpPr>
+              <p:cNvPr id="3" name="內容版面配置區 2"/>
+              <p:cNvSpPr>
+                <a:spLocks noGrp="1" noRot="1" noChangeAspect="1" noMove="1" noResize="1" noEditPoints="1" noAdjustHandles="1" noChangeArrowheads="1" noChangeShapeType="1" noTextEdit="1"/>
+              </p:cNvSpPr>
+              <p:nvPr>
+                <p:ph idx="1"/>
+              </p:nvPr>
+            </p:nvSpPr>
+            <p:spPr>
+              <a:blipFill rotWithShape="0">
+                <a:blip r:embed="rId2"/>
+                <a:stretch>
+                  <a:fillRect l="-1217" t="-1852" r="-1005"/>
+                </a:stretch>
+              </a:blipFill>
+            </p:spPr>
+            <p:txBody>
+              <a:bodyPr/>
+              <a:lstStyle/>
+              <a:p>
+                <a:r>
+                  <a:rPr lang="zh-TW" altLang="en-US">
+                    <a:noFill/>
+                  </a:rPr>
+                  <a:t> </a:t>
+                </a:r>
+              </a:p>
+            </p:txBody>
+          </p:sp>
+        </mc:Fallback>
+      </mc:AlternateContent>
+      <p:sp>
+        <p:nvSpPr>
+          <p:cNvPr id="4" name="投影片編號版面配置區 3"/>
+          <p:cNvSpPr>
+            <a:spLocks noGrp="1"/>
+          </p:cNvSpPr>
+          <p:nvPr>
+            <p:ph type="sldNum" sz="quarter" idx="12"/>
+          </p:nvPr>
+        </p:nvSpPr>
+        <p:spPr/>
+        <p:txBody>
+          <a:bodyPr/>
+          <a:lstStyle/>
+          <a:p>
+            <a:fld id="{3EBBE1F4-AE36-AD42-8177-96288CD18AD2}" type="slidenum">
+              <a:rPr lang="en-US" smtClean="0"/>
+              <a:pPr/>
+              <a:t>14</a:t>
+            </a:fld>
+            <a:endParaRPr lang="en-US"/>
+          </a:p>
+        </p:txBody>
+      </p:sp>
+    </p:spTree>
+    <p:extLst>
+      <p:ext uri="{BB962C8B-B14F-4D97-AF65-F5344CB8AC3E}">
+        <p14:creationId xmlns:p14="http://schemas.microsoft.com/office/powerpoint/2010/main" val="1628220953"/>
+      </p:ext>
+    </p:extLst>
+  </p:cSld>
+  <p:clrMapOvr>
+    <a:masterClrMapping/>
+  </p:clrMapOvr>
+  <mc:AlternateContent xmlns:mc="http://schemas.openxmlformats.org/markup-compatibility/2006" xmlns:p14="http://schemas.microsoft.com/office/powerpoint/2010/main">
+    <mc:Choice Requires="p14">
+      <p:transition spd="med" p14:dur="700">
+        <p:fade/>
+      </p:transition>
+    </mc:Choice>
+    <mc:Fallback xmlns="">
+      <p:transition spd="med">
+        <p:fade/>
+      </p:transition>
+    </mc:Fallback>
+  </mc:AlternateContent>
+  <p:timing>
+    <p:tnLst>
+      <p:par>
+        <p:cTn id="1" dur="indefinite" restart="never" nodeType="tmRoot"/>
+      </p:par>
+    </p:tnLst>
+  </p:timing>
+</p:sld>
+</file>
+
+<file path=ppt/slides/slide15.xml><?xml version="1.0" encoding="utf-8"?>
+<p:sld xmlns:a="http://schemas.openxmlformats.org/drawingml/2006/main" xmlns:r="http://schemas.openxmlformats.org/officeDocument/2006/relationships" xmlns:p="http://schemas.openxmlformats.org/presentationml/2006/main">
+  <p:cSld>
+    <p:spTree>
+      <p:nvGrpSpPr>
+        <p:cNvPr id="1" name=""/>
+        <p:cNvGrpSpPr/>
+        <p:nvPr/>
+      </p:nvGrpSpPr>
+      <p:grpSpPr>
+        <a:xfrm>
+          <a:off x="0" y="0"/>
+          <a:ext cx="0" cy="0"/>
+          <a:chOff x="0" y="0"/>
+          <a:chExt cx="0" cy="0"/>
+        </a:xfrm>
+      </p:grpSpPr>
+      <p:pic>
+        <p:nvPicPr>
+          <p:cNvPr id="20" name="圖片 19"/>
+          <p:cNvPicPr>
+            <a:picLocks noChangeAspect="1"/>
+          </p:cNvPicPr>
+          <p:nvPr/>
+        </p:nvPicPr>
+        <p:blipFill>
+          <a:blip r:embed="rId2">
+            <a:extLst>
+              <a:ext uri="{28A0092B-C50C-407E-A947-70E740481C1C}">
+                <a14:useLocalDpi xmlns:a14="http://schemas.microsoft.com/office/drawing/2010/main" val="0"/>
+              </a:ext>
+            </a:extLst>
+          </a:blip>
+          <a:stretch>
+            <a:fillRect/>
+          </a:stretch>
+        </p:blipFill>
+        <p:spPr>
+          <a:xfrm>
+            <a:off x="8833395" y="2224028"/>
+            <a:ext cx="1858740" cy="2159577"/>
+          </a:xfrm>
+          <a:prstGeom prst="rect">
+            <a:avLst/>
+          </a:prstGeom>
+        </p:spPr>
+      </p:pic>
+      <p:pic>
+        <p:nvPicPr>
+          <p:cNvPr id="7" name="圖片 6"/>
+          <p:cNvPicPr>
+            <a:picLocks noChangeAspect="1"/>
+          </p:cNvPicPr>
+          <p:nvPr/>
+        </p:nvPicPr>
+        <p:blipFill>
+          <a:blip r:embed="rId3">
+            <a:extLst>
+              <a:ext uri="{28A0092B-C50C-407E-A947-70E740481C1C}">
+                <a14:useLocalDpi xmlns:a14="http://schemas.microsoft.com/office/drawing/2010/main" val="0"/>
+              </a:ext>
+            </a:extLst>
+          </a:blip>
+          <a:stretch>
+            <a:fillRect/>
+          </a:stretch>
+        </p:blipFill>
+        <p:spPr>
+          <a:xfrm>
+            <a:off x="1165158" y="2149080"/>
+            <a:ext cx="2832100" cy="2044700"/>
+          </a:xfrm>
+          <a:prstGeom prst="rect">
+            <a:avLst/>
+          </a:prstGeom>
+        </p:spPr>
+      </p:pic>
+      <p:sp>
+        <p:nvSpPr>
+          <p:cNvPr id="2" name="標題 1"/>
+          <p:cNvSpPr>
+            <a:spLocks noGrp="1"/>
+          </p:cNvSpPr>
+          <p:nvPr>
+            <p:ph type="title"/>
+          </p:nvPr>
+        </p:nvSpPr>
+        <p:spPr/>
+        <p:txBody>
+          <a:bodyPr/>
+          <a:lstStyle/>
+          <a:p>
+            <a:r>
+              <a:rPr kumimoji="1" lang="en-US" altLang="zh-TW" dirty="0"/>
+              <a:t>Channel Fading</a:t>
+            </a:r>
+            <a:endParaRPr kumimoji="1" lang="zh-TW" altLang="en-US" dirty="0"/>
+          </a:p>
+        </p:txBody>
+      </p:sp>
+      <mc:AlternateContent xmlns:mc="http://schemas.openxmlformats.org/markup-compatibility/2006">
+        <mc:Choice xmlns:a14="http://schemas.microsoft.com/office/drawing/2010/main" Requires="a14">
+          <p:sp>
+            <p:nvSpPr>
+              <p:cNvPr id="3" name="內容版面配置區 2"/>
+              <p:cNvSpPr>
+                <a:spLocks noGrp="1"/>
+              </p:cNvSpPr>
+              <p:nvPr>
+                <p:ph idx="1"/>
+              </p:nvPr>
+            </p:nvSpPr>
+            <p:spPr>
+              <a:xfrm>
+                <a:off x="335360" y="1700808"/>
+                <a:ext cx="11521280" cy="4215898"/>
+              </a:xfrm>
+            </p:spPr>
+            <p:txBody>
+              <a:bodyPr/>
+              <a:lstStyle/>
+              <a:p>
+                <a:pPr marL="11112" indent="0">
+                  <a:buNone/>
+                </a:pPr>
+                <a:r>
+                  <a:rPr kumimoji="1" lang="en-US" altLang="zh-TW" sz="3200" dirty="0" smtClean="0">
+                    <a:solidFill>
+                      <a:srgbClr val="FF0000"/>
+                    </a:solidFill>
+                    <a:ea typeface="Times New Roman" charset="0"/>
+                    <a:cs typeface="Times New Roman" charset="0"/>
+                  </a:rPr>
+                  <a:t>					</a:t>
+                </a:r>
+              </a:p>
+              <a:p>
+                <a:pPr marL="11112" indent="0">
+                  <a:buNone/>
+                </a:pPr>
+                <a:endParaRPr kumimoji="1" lang="en-US" altLang="zh-TW" sz="3200" i="1" dirty="0">
+                  <a:solidFill>
+                    <a:srgbClr val="FF0000"/>
+                  </a:solidFill>
+                  <a:latin typeface="Cambria Math" charset="0"/>
+                  <a:ea typeface="Times New Roman" charset="0"/>
+                  <a:cs typeface="Times New Roman" charset="0"/>
+                </a:endParaRPr>
+              </a:p>
+              <a:p>
+                <a:pPr marL="11112" indent="0" algn="ctr">
+                  <a:buNone/>
+                </a:pPr>
+                <a:endParaRPr kumimoji="1" lang="en-US" altLang="zh-TW" sz="3200" i="1" dirty="0" smtClean="0">
+                  <a:solidFill>
+                    <a:srgbClr val="FF0000"/>
+                  </a:solidFill>
+                  <a:latin typeface="Cambria Math" charset="0"/>
+                  <a:ea typeface="Times New Roman" charset="0"/>
+                  <a:cs typeface="Times New Roman" charset="0"/>
+                </a:endParaRPr>
+              </a:p>
+              <a:p>
+                <a:pPr marL="11112" indent="0">
+                  <a:buNone/>
+                </a:pPr>
+                <a:endParaRPr kumimoji="1" lang="en-US" altLang="zh-TW" sz="3200" i="1" dirty="0">
+                  <a:solidFill>
+                    <a:srgbClr val="FF0000"/>
+                  </a:solidFill>
+                  <a:latin typeface="Cambria Math" charset="0"/>
+                  <a:ea typeface="Times New Roman" charset="0"/>
+                  <a:cs typeface="Times New Roman" charset="0"/>
+                </a:endParaRPr>
+              </a:p>
+              <a:p>
+                <a:pPr marL="11112" indent="0">
+                  <a:lnSpc>
+                    <a:spcPct val="150000"/>
+                  </a:lnSpc>
+                  <a:buNone/>
+                </a:pPr>
+                <a:r>
+                  <a:rPr kumimoji="1" lang="en-US" altLang="zh-TW" sz="4000" i="1" dirty="0" smtClean="0">
+                    <a:solidFill>
+                      <a:srgbClr val="FF0000"/>
+                    </a:solidFill>
+                    <a:latin typeface="Cambria Math" charset="0"/>
+                    <a:ea typeface="Times New Roman" charset="0"/>
+                    <a:cs typeface="Times New Roman" charset="0"/>
+                  </a:rPr>
+                  <a:t>                      			    </a:t>
+                </a:r>
+                <a14:m>
+                  <m:oMath xmlns:m="http://schemas.openxmlformats.org/officeDocument/2006/math">
+                    <m:sSub>
+                      <m:sSubPr>
+                        <m:ctrlPr>
+                          <a:rPr kumimoji="1" lang="en-US" altLang="zh-TW" sz="3200" i="1">
+                            <a:solidFill>
+                              <a:srgbClr val="FF0000"/>
+                            </a:solidFill>
+                            <a:latin typeface="Cambria Math" charset="0"/>
+                            <a:ea typeface="Times New Roman" charset="0"/>
+                            <a:cs typeface="Times New Roman" charset="0"/>
+                          </a:rPr>
+                        </m:ctrlPr>
+                      </m:sSubPr>
+                      <m:e>
+                        <m:r>
+                          <a:rPr kumimoji="1" lang="en-US" altLang="zh-TW" sz="3200" b="0" i="1" smtClean="0">
+                            <a:solidFill>
+                              <a:srgbClr val="FF0000"/>
+                            </a:solidFill>
+                            <a:latin typeface="Cambria Math" charset="0"/>
+                            <a:ea typeface="Times New Roman" charset="0"/>
+                            <a:cs typeface="Times New Roman" charset="0"/>
+                          </a:rPr>
+                          <m:t>𝑊</m:t>
+                        </m:r>
+                      </m:e>
+                      <m:sub>
+                        <m:r>
+                          <a:rPr kumimoji="1" lang="en-US" altLang="zh-TW" sz="3200" i="1">
+                            <a:solidFill>
+                              <a:srgbClr val="FF0000"/>
+                            </a:solidFill>
+                            <a:latin typeface="Cambria Math" charset="0"/>
+                            <a:ea typeface="Times New Roman" charset="0"/>
+                            <a:cs typeface="Times New Roman" charset="0"/>
+                          </a:rPr>
+                          <m:t>𝑐</m:t>
+                        </m:r>
+                      </m:sub>
+                    </m:sSub>
+                    <m:r>
+                      <a:rPr kumimoji="1" lang="en-US" altLang="zh-TW" sz="3200" i="1" smtClean="0">
+                        <a:solidFill>
+                          <a:schemeClr val="tx1"/>
+                        </a:solidFill>
+                        <a:latin typeface="Cambria Math" charset="0"/>
+                        <a:ea typeface="Cambria Math" charset="0"/>
+                        <a:cs typeface="Cambria Math" charset="0"/>
+                      </a:rPr>
+                      <m:t>∝</m:t>
+                    </m:r>
+                    <m:f>
+                      <m:fPr>
+                        <m:ctrlPr>
+                          <a:rPr kumimoji="1" lang="mr-IN" altLang="zh-TW" sz="3200" i="1" smtClean="0">
+                            <a:solidFill>
+                              <a:srgbClr val="FF0000"/>
+                            </a:solidFill>
+                            <a:latin typeface="Cambria Math" charset="0"/>
+                            <a:ea typeface="Cambria Math" charset="0"/>
+                            <a:cs typeface="Cambria Math" charset="0"/>
+                          </a:rPr>
+                        </m:ctrlPr>
+                      </m:fPr>
+                      <m:num>
+                        <m:r>
+                          <a:rPr kumimoji="1" lang="en-US" altLang="zh-TW" sz="3200" b="0" i="1" smtClean="0">
+                            <a:solidFill>
+                              <a:schemeClr val="tx1"/>
+                            </a:solidFill>
+                            <a:latin typeface="Cambria Math" charset="0"/>
+                            <a:ea typeface="Cambria Math" charset="0"/>
+                            <a:cs typeface="Cambria Math" charset="0"/>
+                          </a:rPr>
+                          <m:t>1</m:t>
+                        </m:r>
+                      </m:num>
+                      <m:den>
+                        <m:sSub>
+                          <m:sSubPr>
+                            <m:ctrlPr>
+                              <a:rPr kumimoji="1" lang="en-US" altLang="zh-TW" sz="3200" i="1">
+                                <a:solidFill>
+                                  <a:schemeClr val="accent1"/>
+                                </a:solidFill>
+                                <a:latin typeface="Cambria Math" charset="0"/>
+                                <a:ea typeface="Times New Roman" charset="0"/>
+                                <a:cs typeface="Times New Roman" charset="0"/>
+                              </a:rPr>
+                            </m:ctrlPr>
+                          </m:sSubPr>
+                          <m:e>
+                            <m:r>
+                              <a:rPr kumimoji="1" lang="en-US" altLang="zh-TW" sz="3200" b="0" i="1" smtClean="0">
+                                <a:solidFill>
+                                  <a:schemeClr val="accent1"/>
+                                </a:solidFill>
+                                <a:latin typeface="Cambria Math" charset="0"/>
+                                <a:ea typeface="Times New Roman" charset="0"/>
+                                <a:cs typeface="Times New Roman" charset="0"/>
+                              </a:rPr>
+                              <m:t>𝑇</m:t>
+                            </m:r>
+                          </m:e>
+                          <m:sub>
+                            <m:r>
+                              <a:rPr kumimoji="1" lang="en-US" altLang="zh-TW" sz="3200" b="0" i="1" smtClean="0">
+                                <a:solidFill>
+                                  <a:schemeClr val="accent1"/>
+                                </a:solidFill>
+                                <a:latin typeface="Cambria Math" charset="0"/>
+                                <a:ea typeface="Times New Roman" charset="0"/>
+                                <a:cs typeface="Times New Roman" charset="0"/>
+                              </a:rPr>
+                              <m:t>𝑑</m:t>
+                            </m:r>
+                          </m:sub>
+                        </m:sSub>
+                      </m:den>
+                    </m:f>
+                  </m:oMath>
+                </a14:m>
+                <a:endParaRPr kumimoji="1" lang="zh-TW" altLang="en-US" sz="3200" dirty="0">
+                  <a:latin typeface="Times New Roman" charset="0"/>
+                  <a:ea typeface="Times New Roman" charset="0"/>
+                  <a:cs typeface="Times New Roman" charset="0"/>
+                </a:endParaRPr>
+              </a:p>
+            </p:txBody>
+          </p:sp>
+        </mc:Choice>
+        <mc:Fallback>
+          <p:sp>
+            <p:nvSpPr>
+              <p:cNvPr id="3" name="內容版面配置區 2"/>
+              <p:cNvSpPr>
+                <a:spLocks noGrp="1" noRot="1" noChangeAspect="1" noMove="1" noResize="1" noEditPoints="1" noAdjustHandles="1" noChangeArrowheads="1" noChangeShapeType="1" noTextEdit="1"/>
+              </p:cNvSpPr>
+              <p:nvPr>
+                <p:ph idx="1"/>
+              </p:nvPr>
+            </p:nvSpPr>
+            <p:spPr>
+              <a:xfrm>
+                <a:off x="335360" y="1700808"/>
+                <a:ext cx="11521280" cy="4215898"/>
+              </a:xfrm>
+              <a:blipFill rotWithShape="0">
+                <a:blip r:embed="rId4"/>
+                <a:stretch>
+                  <a:fillRect/>
+                </a:stretch>
+              </a:blipFill>
+            </p:spPr>
+            <p:txBody>
+              <a:bodyPr/>
+              <a:lstStyle/>
+              <a:p>
+                <a:r>
+                  <a:rPr lang="zh-TW" altLang="en-US">
+                    <a:noFill/>
+                  </a:rPr>
+                  <a:t> </a:t>
+                </a:r>
+              </a:p>
+            </p:txBody>
+          </p:sp>
+        </mc:Fallback>
+      </mc:AlternateContent>
+      <p:sp>
+        <p:nvSpPr>
+          <p:cNvPr id="4" name="投影片編號版面配置區 3"/>
+          <p:cNvSpPr>
+            <a:spLocks noGrp="1"/>
+          </p:cNvSpPr>
+          <p:nvPr>
+            <p:ph type="sldNum" sz="quarter" idx="12"/>
+          </p:nvPr>
+        </p:nvSpPr>
+        <p:spPr/>
+        <p:txBody>
+          <a:bodyPr/>
+          <a:lstStyle/>
+          <a:p>
+            <a:fld id="{3EBBE1F4-AE36-AD42-8177-96288CD18AD2}" type="slidenum">
+              <a:rPr lang="en-US" smtClean="0"/>
+              <a:pPr/>
+              <a:t>15</a:t>
+            </a:fld>
+            <a:endParaRPr lang="en-US"/>
+          </a:p>
+        </p:txBody>
+      </p:sp>
+      <p:cxnSp>
+        <p:nvCxnSpPr>
+          <p:cNvPr id="8" name="直線箭頭接點 7"/>
+          <p:cNvCxnSpPr/>
+          <p:nvPr/>
+        </p:nvCxnSpPr>
+        <p:spPr>
+          <a:xfrm>
+            <a:off x="4320984" y="2581837"/>
+            <a:ext cx="3478306" cy="17929"/>
+          </a:xfrm>
+          <a:prstGeom prst="straightConnector1">
+            <a:avLst/>
+          </a:prstGeom>
+          <a:ln w="76200">
+            <a:tailEnd type="triangle" w="lg" len="med"/>
+          </a:ln>
+        </p:spPr>
+        <p:style>
+          <a:lnRef idx="1">
+            <a:schemeClr val="accent1"/>
+          </a:lnRef>
+          <a:fillRef idx="0">
+            <a:schemeClr val="accent1"/>
+          </a:fillRef>
+          <a:effectRef idx="0">
+            <a:schemeClr val="accent1"/>
+          </a:effectRef>
+          <a:fontRef idx="minor">
+            <a:schemeClr val="tx1"/>
+          </a:fontRef>
+        </p:style>
+      </p:cxnSp>
+      <p:cxnSp>
+        <p:nvCxnSpPr>
+          <p:cNvPr id="9" name="直線箭頭接點 8"/>
+          <p:cNvCxnSpPr/>
+          <p:nvPr/>
+        </p:nvCxnSpPr>
+        <p:spPr>
+          <a:xfrm>
+            <a:off x="4320989" y="3521776"/>
+            <a:ext cx="3478306" cy="17929"/>
+          </a:xfrm>
+          <a:prstGeom prst="straightConnector1">
+            <a:avLst/>
+          </a:prstGeom>
+          <a:ln w="76200">
+            <a:headEnd type="triangle" w="lg" len="med"/>
+            <a:tailEnd type="none" w="lg" len="med"/>
+          </a:ln>
+        </p:spPr>
+        <p:style>
+          <a:lnRef idx="1">
+            <a:schemeClr val="accent1"/>
+          </a:lnRef>
+          <a:fillRef idx="0">
+            <a:schemeClr val="accent1"/>
+          </a:fillRef>
+          <a:effectRef idx="0">
+            <a:schemeClr val="accent1"/>
+          </a:effectRef>
+          <a:fontRef idx="minor">
+            <a:schemeClr val="tx1"/>
+          </a:fontRef>
+        </p:style>
+      </p:cxnSp>
+      <mc:AlternateContent xmlns:mc="http://schemas.openxmlformats.org/markup-compatibility/2006">
+        <mc:Choice xmlns:a14="http://schemas.microsoft.com/office/drawing/2010/main" Requires="a14">
+          <p:sp>
+            <p:nvSpPr>
+              <p:cNvPr id="10" name="文字方塊 9"/>
+              <p:cNvSpPr txBox="1"/>
+              <p:nvPr/>
+            </p:nvSpPr>
+            <p:spPr>
+              <a:xfrm>
+                <a:off x="2167633" y="3901750"/>
+                <a:ext cx="899477" cy="707886"/>
+              </a:xfrm>
+              <a:prstGeom prst="rect">
+                <a:avLst/>
+              </a:prstGeom>
+            </p:spPr>
+            <p:txBody>
+              <a:bodyPr vert="horz" wrap="none" lIns="91440" tIns="45720" rIns="91440" bIns="45720" rtlCol="0" anchor="ctr">
+                <a:spAutoFit/>
+              </a:bodyPr>
+              <a:lstStyle/>
+              <a:p>
+                <a14:m>
+                  <m:oMathPara xmlns:m="http://schemas.openxmlformats.org/officeDocument/2006/math">
+                    <m:oMathParaPr>
+                      <m:jc m:val="centerGroup"/>
+                    </m:oMathParaPr>
+                    <m:oMath xmlns:m="http://schemas.openxmlformats.org/officeDocument/2006/math">
+                      <m:sSub>
+                        <m:sSubPr>
+                          <m:ctrlPr>
+                            <a:rPr kumimoji="1" lang="en-US" altLang="zh-TW" sz="4000" i="1" smtClean="0">
+                              <a:solidFill>
+                                <a:srgbClr val="FF0000"/>
+                              </a:solidFill>
+                              <a:latin typeface="Cambria Math" charset="0"/>
+                              <a:ea typeface="Times New Roman" charset="0"/>
+                              <a:cs typeface="Times New Roman" charset="0"/>
+                            </a:rPr>
+                          </m:ctrlPr>
+                        </m:sSubPr>
+                        <m:e>
+                          <m:r>
+                            <a:rPr kumimoji="1" lang="en-US" altLang="zh-TW" sz="4000" b="0" i="1" smtClean="0">
+                              <a:solidFill>
+                                <a:srgbClr val="FF0000"/>
+                              </a:solidFill>
+                              <a:latin typeface="Cambria Math" charset="0"/>
+                              <a:ea typeface="Times New Roman" charset="0"/>
+                              <a:cs typeface="Times New Roman" charset="0"/>
+                            </a:rPr>
+                            <m:t>𝑊</m:t>
+                          </m:r>
+                        </m:e>
+                        <m:sub>
+                          <m:r>
+                            <a:rPr kumimoji="1" lang="en-US" altLang="zh-TW" sz="4000" i="1">
+                              <a:solidFill>
+                                <a:srgbClr val="FF0000"/>
+                              </a:solidFill>
+                              <a:latin typeface="Cambria Math" charset="0"/>
+                              <a:ea typeface="Times New Roman" charset="0"/>
+                              <a:cs typeface="Times New Roman" charset="0"/>
+                            </a:rPr>
+                            <m:t>𝑐</m:t>
+                          </m:r>
+                        </m:sub>
+                      </m:sSub>
+                    </m:oMath>
+                  </m:oMathPara>
+                </a14:m>
+                <a:endParaRPr kumimoji="1" lang="zh-TW" altLang="en-US" sz="4000" b="0" baseline="0" dirty="0">
+                  <a:solidFill>
+                    <a:schemeClr val="tx1">
+                      <a:lumMod val="65000"/>
+                      <a:lumOff val="35000"/>
+                    </a:schemeClr>
+                  </a:solidFill>
+                  <a:latin typeface="Calibri" panose="020F0502020204030204" pitchFamily="34" charset="0"/>
+                  <a:ea typeface="微軟正黑體" panose="020B0604030504040204" pitchFamily="34" charset="-120"/>
+                  <a:cs typeface="Arial" panose="020B0604020202020204" pitchFamily="34" charset="0"/>
+                </a:endParaRPr>
+              </a:p>
+            </p:txBody>
+          </p:sp>
+        </mc:Choice>
+        <mc:Fallback>
+          <p:sp>
+            <p:nvSpPr>
+              <p:cNvPr id="10" name="文字方塊 9"/>
+              <p:cNvSpPr txBox="1">
+                <a:spLocks noRot="1" noChangeAspect="1" noMove="1" noResize="1" noEditPoints="1" noAdjustHandles="1" noChangeArrowheads="1" noChangeShapeType="1" noTextEdit="1"/>
+              </p:cNvSpPr>
+              <p:nvPr/>
+            </p:nvSpPr>
+            <p:spPr>
+              <a:xfrm>
+                <a:off x="2167633" y="3901750"/>
+                <a:ext cx="899477" cy="707886"/>
+              </a:xfrm>
+              <a:prstGeom prst="rect">
+                <a:avLst/>
+              </a:prstGeom>
+              <a:blipFill rotWithShape="0">
+                <a:blip r:embed="rId5"/>
+                <a:stretch>
+                  <a:fillRect/>
+                </a:stretch>
+              </a:blipFill>
+            </p:spPr>
+            <p:txBody>
+              <a:bodyPr/>
+              <a:lstStyle/>
+              <a:p>
+                <a:r>
+                  <a:rPr lang="zh-TW" altLang="en-US">
+                    <a:noFill/>
+                  </a:rPr>
+                  <a:t> </a:t>
+                </a:r>
+              </a:p>
+            </p:txBody>
+          </p:sp>
+        </mc:Fallback>
+      </mc:AlternateContent>
+      <mc:AlternateContent xmlns:mc="http://schemas.openxmlformats.org/markup-compatibility/2006">
+        <mc:Choice xmlns:a14="http://schemas.microsoft.com/office/drawing/2010/main" Requires="a14">
+          <p:sp>
+            <p:nvSpPr>
+              <p:cNvPr id="11" name="文字方塊 10"/>
+              <p:cNvSpPr txBox="1"/>
+              <p:nvPr/>
+            </p:nvSpPr>
+            <p:spPr>
+              <a:xfrm>
+                <a:off x="10264884" y="3919126"/>
+                <a:ext cx="821572" cy="707886"/>
+              </a:xfrm>
+              <a:prstGeom prst="rect">
+                <a:avLst/>
+              </a:prstGeom>
+            </p:spPr>
+            <p:txBody>
+              <a:bodyPr vert="horz" wrap="none" lIns="91440" tIns="45720" rIns="91440" bIns="45720" rtlCol="0" anchor="ctr">
+                <a:spAutoFit/>
+              </a:bodyPr>
+              <a:lstStyle/>
+              <a:p>
+                <a14:m>
+                  <m:oMathPara xmlns:m="http://schemas.openxmlformats.org/officeDocument/2006/math">
+                    <m:oMathParaPr>
+                      <m:jc m:val="centerGroup"/>
+                    </m:oMathParaPr>
+                    <m:oMath xmlns:m="http://schemas.openxmlformats.org/officeDocument/2006/math">
+                      <m:sSub>
+                        <m:sSubPr>
+                          <m:ctrlPr>
+                            <a:rPr kumimoji="1" lang="en-US" altLang="zh-TW" sz="4000" i="1" smtClean="0">
+                              <a:solidFill>
+                                <a:schemeClr val="accent1"/>
+                              </a:solidFill>
+                              <a:latin typeface="Cambria Math" charset="0"/>
+                              <a:ea typeface="Times New Roman" charset="0"/>
+                              <a:cs typeface="Times New Roman" charset="0"/>
+                            </a:rPr>
+                          </m:ctrlPr>
+                        </m:sSubPr>
+                        <m:e>
+                          <m:r>
+                            <a:rPr kumimoji="1" lang="en-US" altLang="zh-TW" sz="4000" b="0" i="1" smtClean="0">
+                              <a:solidFill>
+                                <a:schemeClr val="accent1"/>
+                              </a:solidFill>
+                              <a:latin typeface="Cambria Math" charset="0"/>
+                              <a:ea typeface="Times New Roman" charset="0"/>
+                              <a:cs typeface="Times New Roman" charset="0"/>
+                            </a:rPr>
+                            <m:t>𝑇</m:t>
+                          </m:r>
+                        </m:e>
+                        <m:sub>
+                          <m:r>
+                            <a:rPr kumimoji="1" lang="en-US" altLang="zh-TW" sz="4000" b="0" i="1" smtClean="0">
+                              <a:solidFill>
+                                <a:schemeClr val="accent1"/>
+                              </a:solidFill>
+                              <a:latin typeface="Cambria Math" charset="0"/>
+                              <a:ea typeface="Times New Roman" charset="0"/>
+                              <a:cs typeface="Times New Roman" charset="0"/>
+                            </a:rPr>
+                            <m:t>𝑑</m:t>
+                          </m:r>
+                        </m:sub>
+                      </m:sSub>
+                    </m:oMath>
+                  </m:oMathPara>
+                </a14:m>
+                <a:endParaRPr kumimoji="1" lang="zh-TW" altLang="en-US" sz="4000" b="0" baseline="0" dirty="0">
+                  <a:solidFill>
+                    <a:schemeClr val="tx1">
+                      <a:lumMod val="65000"/>
+                      <a:lumOff val="35000"/>
+                    </a:schemeClr>
+                  </a:solidFill>
+                  <a:latin typeface="Calibri" panose="020F0502020204030204" pitchFamily="34" charset="0"/>
+                  <a:ea typeface="微軟正黑體" panose="020B0604030504040204" pitchFamily="34" charset="-120"/>
+                  <a:cs typeface="Arial" panose="020B0604020202020204" pitchFamily="34" charset="0"/>
+                </a:endParaRPr>
+              </a:p>
+            </p:txBody>
+          </p:sp>
+        </mc:Choice>
+        <mc:Fallback>
+          <p:sp>
+            <p:nvSpPr>
+              <p:cNvPr id="11" name="文字方塊 10"/>
+              <p:cNvSpPr txBox="1">
+                <a:spLocks noRot="1" noChangeAspect="1" noMove="1" noResize="1" noEditPoints="1" noAdjustHandles="1" noChangeArrowheads="1" noChangeShapeType="1" noTextEdit="1"/>
+              </p:cNvSpPr>
+              <p:nvPr/>
+            </p:nvSpPr>
+            <p:spPr>
+              <a:xfrm>
+                <a:off x="10264884" y="3919126"/>
+                <a:ext cx="821572" cy="707886"/>
+              </a:xfrm>
+              <a:prstGeom prst="rect">
+                <a:avLst/>
+              </a:prstGeom>
+              <a:blipFill rotWithShape="0">
+                <a:blip r:embed="rId6"/>
+                <a:stretch>
+                  <a:fillRect/>
+                </a:stretch>
+              </a:blipFill>
+            </p:spPr>
+            <p:txBody>
+              <a:bodyPr/>
+              <a:lstStyle/>
+              <a:p>
+                <a:r>
+                  <a:rPr lang="zh-TW" altLang="en-US">
+                    <a:noFill/>
+                  </a:rPr>
+                  <a:t> </a:t>
+                </a:r>
+              </a:p>
+            </p:txBody>
+          </p:sp>
+        </mc:Fallback>
+      </mc:AlternateContent>
+      <p:sp>
+        <p:nvSpPr>
+          <p:cNvPr id="12" name="文字方塊 11"/>
+          <p:cNvSpPr txBox="1"/>
+          <p:nvPr/>
+        </p:nvSpPr>
+        <p:spPr>
+          <a:xfrm>
+            <a:off x="5554980" y="1935506"/>
+            <a:ext cx="1003801" cy="584775"/>
+          </a:xfrm>
+          <a:prstGeom prst="rect">
+            <a:avLst/>
+          </a:prstGeom>
+        </p:spPr>
+        <p:txBody>
+          <a:bodyPr vert="horz" wrap="none" lIns="91440" tIns="45720" rIns="91440" bIns="45720" rtlCol="0" anchor="ctr">
+            <a:spAutoFit/>
+          </a:bodyPr>
+          <a:lstStyle/>
+          <a:p>
+            <a:pPr algn="ctr"/>
+            <a:r>
+              <a:rPr kumimoji="1" lang="en-US" altLang="zh-TW" sz="3200" b="0" baseline="0" dirty="0" err="1" smtClean="0">
+                <a:solidFill>
+                  <a:schemeClr val="tx1">
+                    <a:lumMod val="65000"/>
+                    <a:lumOff val="35000"/>
+                  </a:schemeClr>
+                </a:solidFill>
+                <a:latin typeface="Times New Roman" charset="0"/>
+                <a:ea typeface="Times New Roman" charset="0"/>
+                <a:cs typeface="Times New Roman" charset="0"/>
+              </a:rPr>
+              <a:t>iFFT</a:t>
+            </a:r>
+            <a:endParaRPr kumimoji="1" lang="zh-TW" altLang="en-US" sz="3200" b="0" baseline="0" dirty="0">
+              <a:solidFill>
+                <a:schemeClr val="tx1">
+                  <a:lumMod val="65000"/>
+                  <a:lumOff val="35000"/>
+                </a:schemeClr>
+              </a:solidFill>
+              <a:latin typeface="Times New Roman" charset="0"/>
+              <a:ea typeface="Times New Roman" charset="0"/>
+              <a:cs typeface="Times New Roman" charset="0"/>
+            </a:endParaRPr>
+          </a:p>
+        </p:txBody>
+      </p:sp>
+      <p:sp>
+        <p:nvSpPr>
+          <p:cNvPr id="13" name="文字方塊 12"/>
+          <p:cNvSpPr txBox="1"/>
+          <p:nvPr/>
+        </p:nvSpPr>
+        <p:spPr>
+          <a:xfrm>
+            <a:off x="5611886" y="2895597"/>
+            <a:ext cx="889987" cy="584775"/>
+          </a:xfrm>
+          <a:prstGeom prst="rect">
+            <a:avLst/>
+          </a:prstGeom>
+        </p:spPr>
+        <p:txBody>
+          <a:bodyPr vert="horz" wrap="none" lIns="91440" tIns="45720" rIns="91440" bIns="45720" rtlCol="0" anchor="ctr">
+            <a:spAutoFit/>
+          </a:bodyPr>
+          <a:lstStyle/>
+          <a:p>
+            <a:pPr algn="ctr"/>
+            <a:r>
+              <a:rPr kumimoji="1" lang="en-US" altLang="zh-TW" sz="3200" b="0" baseline="0" dirty="0" smtClean="0">
+                <a:solidFill>
+                  <a:schemeClr val="tx1">
+                    <a:lumMod val="65000"/>
+                    <a:lumOff val="35000"/>
+                  </a:schemeClr>
+                </a:solidFill>
+                <a:latin typeface="Times New Roman" charset="0"/>
+                <a:ea typeface="Times New Roman" charset="0"/>
+                <a:cs typeface="Times New Roman" charset="0"/>
+              </a:rPr>
+              <a:t>FFT</a:t>
+            </a:r>
+            <a:endParaRPr kumimoji="1" lang="zh-TW" altLang="en-US" sz="3200" b="0" baseline="0" dirty="0">
+              <a:solidFill>
+                <a:schemeClr val="tx1">
+                  <a:lumMod val="65000"/>
+                  <a:lumOff val="35000"/>
+                </a:schemeClr>
+              </a:solidFill>
+              <a:latin typeface="Times New Roman" charset="0"/>
+              <a:ea typeface="Times New Roman" charset="0"/>
+              <a:cs typeface="Times New Roman" charset="0"/>
+            </a:endParaRPr>
+          </a:p>
+        </p:txBody>
+      </p:sp>
+      <p:sp>
+        <p:nvSpPr>
+          <p:cNvPr id="14" name="文字方塊 13"/>
+          <p:cNvSpPr txBox="1"/>
+          <p:nvPr/>
+        </p:nvSpPr>
+        <p:spPr>
+          <a:xfrm>
+            <a:off x="855515" y="4592171"/>
+            <a:ext cx="3381054" cy="523220"/>
+          </a:xfrm>
+          <a:prstGeom prst="rect">
+            <a:avLst/>
+          </a:prstGeom>
+        </p:spPr>
+        <p:txBody>
+          <a:bodyPr vert="horz" wrap="none" lIns="91440" tIns="45720" rIns="91440" bIns="45720" rtlCol="0" anchor="ctr">
+            <a:spAutoFit/>
+          </a:bodyPr>
+          <a:lstStyle/>
+          <a:p>
+            <a:pPr algn="ctr"/>
+            <a:r>
+              <a:rPr kumimoji="1" lang="en-US" altLang="zh-TW" sz="2800" b="0" baseline="0" dirty="0" smtClean="0">
+                <a:solidFill>
+                  <a:schemeClr val="tx1">
+                    <a:lumMod val="65000"/>
+                    <a:lumOff val="35000"/>
+                  </a:schemeClr>
+                </a:solidFill>
+                <a:latin typeface="Times New Roman" charset="0"/>
+                <a:ea typeface="Times New Roman" charset="0"/>
+                <a:cs typeface="Times New Roman" charset="0"/>
+              </a:rPr>
+              <a:t>Coherence Bandwidth</a:t>
+            </a:r>
+            <a:endParaRPr kumimoji="1" lang="zh-TW" altLang="en-US" sz="2800" b="0" baseline="0" dirty="0">
+              <a:solidFill>
+                <a:schemeClr val="tx1">
+                  <a:lumMod val="65000"/>
+                  <a:lumOff val="35000"/>
+                </a:schemeClr>
+              </a:solidFill>
+              <a:latin typeface="Times New Roman" charset="0"/>
+              <a:ea typeface="Times New Roman" charset="0"/>
+              <a:cs typeface="Times New Roman" charset="0"/>
+            </a:endParaRPr>
+          </a:p>
+        </p:txBody>
+      </p:sp>
+      <p:sp>
+        <p:nvSpPr>
+          <p:cNvPr id="15" name="文字方塊 14"/>
+          <p:cNvSpPr txBox="1"/>
+          <p:nvPr/>
+        </p:nvSpPr>
+        <p:spPr>
+          <a:xfrm>
+            <a:off x="8699016" y="4592171"/>
+            <a:ext cx="2127505" cy="523220"/>
+          </a:xfrm>
+          <a:prstGeom prst="rect">
+            <a:avLst/>
+          </a:prstGeom>
+        </p:spPr>
+        <p:txBody>
+          <a:bodyPr vert="horz" wrap="none" lIns="91440" tIns="45720" rIns="91440" bIns="45720" rtlCol="0" anchor="ctr">
+            <a:spAutoFit/>
+          </a:bodyPr>
+          <a:lstStyle/>
+          <a:p>
+            <a:pPr algn="ctr"/>
+            <a:r>
+              <a:rPr kumimoji="1" lang="en-US" altLang="zh-TW" sz="2800" b="0" baseline="0" dirty="0" smtClean="0">
+                <a:solidFill>
+                  <a:schemeClr val="tx1">
+                    <a:lumMod val="65000"/>
+                    <a:lumOff val="35000"/>
+                  </a:schemeClr>
+                </a:solidFill>
+                <a:latin typeface="Times New Roman" charset="0"/>
+                <a:ea typeface="Times New Roman" charset="0"/>
+                <a:cs typeface="Times New Roman" charset="0"/>
+              </a:rPr>
+              <a:t>Delay Spread</a:t>
+            </a:r>
+            <a:endParaRPr kumimoji="1" lang="zh-TW" altLang="en-US" sz="2800" b="0" baseline="0" dirty="0">
+              <a:solidFill>
+                <a:schemeClr val="tx1">
+                  <a:lumMod val="65000"/>
+                  <a:lumOff val="35000"/>
+                </a:schemeClr>
+              </a:solidFill>
+              <a:latin typeface="Times New Roman" charset="0"/>
+              <a:ea typeface="Times New Roman" charset="0"/>
+              <a:cs typeface="Times New Roman" charset="0"/>
+            </a:endParaRPr>
+          </a:p>
+        </p:txBody>
+      </p:sp>
+      <p:sp>
+        <p:nvSpPr>
+          <p:cNvPr id="16" name="文字方塊 15"/>
+          <p:cNvSpPr txBox="1"/>
+          <p:nvPr/>
+        </p:nvSpPr>
+        <p:spPr>
+          <a:xfrm>
+            <a:off x="1789522" y="5513782"/>
+            <a:ext cx="2300630" cy="646331"/>
+          </a:xfrm>
+          <a:prstGeom prst="rect">
+            <a:avLst/>
+          </a:prstGeom>
+        </p:spPr>
+        <p:txBody>
+          <a:bodyPr vert="horz" wrap="none" lIns="91440" tIns="45720" rIns="91440" bIns="45720" rtlCol="0" anchor="ctr">
+            <a:spAutoFit/>
+          </a:bodyPr>
+          <a:lstStyle/>
+          <a:p>
+            <a:r>
+              <a:rPr kumimoji="1" lang="en-US" altLang="zh-TW" sz="3600" dirty="0" smtClean="0">
+                <a:solidFill>
+                  <a:srgbClr val="FF0000"/>
+                </a:solidFill>
+                <a:latin typeface="Times New Roman" charset="0"/>
+                <a:ea typeface="Times New Roman" charset="0"/>
+                <a:cs typeface="Times New Roman" charset="0"/>
+              </a:rPr>
+              <a:t>Flat</a:t>
+            </a:r>
+            <a:r>
+              <a:rPr kumimoji="1" lang="en-US" altLang="zh-TW" sz="3600" b="0" baseline="0" dirty="0" smtClean="0">
+                <a:solidFill>
+                  <a:srgbClr val="FF0000"/>
+                </a:solidFill>
+                <a:latin typeface="Times New Roman" charset="0"/>
+                <a:ea typeface="Times New Roman" charset="0"/>
+                <a:cs typeface="Times New Roman" charset="0"/>
+              </a:rPr>
+              <a:t> Fading</a:t>
+            </a:r>
+          </a:p>
+        </p:txBody>
+      </p:sp>
+      <mc:AlternateContent xmlns:mc="http://schemas.openxmlformats.org/markup-compatibility/2006">
+        <mc:Choice xmlns:a14="http://schemas.microsoft.com/office/drawing/2010/main" Requires="a14">
+          <p:sp>
+            <p:nvSpPr>
+              <p:cNvPr id="17" name="文字方塊 16"/>
+              <p:cNvSpPr txBox="1"/>
+              <p:nvPr/>
+            </p:nvSpPr>
+            <p:spPr>
+              <a:xfrm>
+                <a:off x="4672373" y="5308800"/>
+                <a:ext cx="5210081" cy="1261884"/>
+              </a:xfrm>
+              <a:prstGeom prst="rect">
+                <a:avLst/>
+              </a:prstGeom>
+            </p:spPr>
+            <p:txBody>
+              <a:bodyPr vert="horz" wrap="none" lIns="91440" tIns="45720" rIns="91440" bIns="45720" rtlCol="0" anchor="ctr">
+                <a:spAutoFit/>
+              </a:bodyPr>
+              <a:lstStyle/>
+              <a:p>
+                <a:r>
+                  <a:rPr kumimoji="1" lang="en-US" altLang="zh-TW" sz="3600" dirty="0">
+                    <a:solidFill>
+                      <a:schemeClr val="tx1">
+                        <a:lumMod val="65000"/>
+                        <a:lumOff val="35000"/>
+                      </a:schemeClr>
+                    </a:solidFill>
+                    <a:latin typeface="Times New Roman" charset="0"/>
+                    <a:ea typeface="Times New Roman" charset="0"/>
+                    <a:cs typeface="Times New Roman" charset="0"/>
+                  </a:rPr>
+                  <a:t>Signal bandwidth </a:t>
+                </a:r>
+                <a14:m>
+                  <m:oMath xmlns:m="http://schemas.openxmlformats.org/officeDocument/2006/math">
+                    <m:r>
+                      <a:rPr kumimoji="1" lang="en-US" altLang="zh-TW" sz="3600" b="0" i="1" smtClean="0">
+                        <a:solidFill>
+                          <a:schemeClr val="tx1">
+                            <a:lumMod val="65000"/>
+                            <a:lumOff val="35000"/>
+                          </a:schemeClr>
+                        </a:solidFill>
+                        <a:latin typeface="Cambria Math" charset="0"/>
+                        <a:ea typeface="Times New Roman" charset="0"/>
+                        <a:cs typeface="Times New Roman" charset="0"/>
+                      </a:rPr>
+                      <m:t>𝑊</m:t>
+                    </m:r>
+                    <m:r>
+                      <a:rPr kumimoji="1" lang="en-US" altLang="zh-TW" sz="3600" b="0" i="1" smtClean="0">
+                        <a:solidFill>
+                          <a:schemeClr val="tx1">
+                            <a:lumMod val="65000"/>
+                            <a:lumOff val="35000"/>
+                          </a:schemeClr>
+                        </a:solidFill>
+                        <a:latin typeface="Cambria Math" charset="0"/>
+                        <a:ea typeface="Cambria Math" charset="0"/>
+                        <a:cs typeface="Cambria Math" charset="0"/>
+                      </a:rPr>
+                      <m:t>≪</m:t>
+                    </m:r>
+                    <m:sSub>
+                      <m:sSubPr>
+                        <m:ctrlPr>
+                          <a:rPr kumimoji="1" lang="en-US" altLang="zh-TW" sz="3600" i="1">
+                            <a:solidFill>
+                              <a:srgbClr val="FF0000"/>
+                            </a:solidFill>
+                            <a:latin typeface="Cambria Math" charset="0"/>
+                            <a:ea typeface="Times New Roman" charset="0"/>
+                            <a:cs typeface="Times New Roman" charset="0"/>
+                          </a:rPr>
+                        </m:ctrlPr>
+                      </m:sSubPr>
+                      <m:e>
+                        <m:r>
+                          <a:rPr kumimoji="1" lang="en-US" altLang="zh-TW" sz="3600" b="0" i="1" smtClean="0">
+                            <a:solidFill>
+                              <a:srgbClr val="FF0000"/>
+                            </a:solidFill>
+                            <a:latin typeface="Cambria Math" charset="0"/>
+                            <a:ea typeface="Times New Roman" charset="0"/>
+                            <a:cs typeface="Times New Roman" charset="0"/>
+                          </a:rPr>
+                          <m:t>𝑊</m:t>
+                        </m:r>
+                      </m:e>
+                      <m:sub>
+                        <m:r>
+                          <a:rPr kumimoji="1" lang="en-US" altLang="zh-TW" sz="3600" i="1">
+                            <a:solidFill>
+                              <a:srgbClr val="FF0000"/>
+                            </a:solidFill>
+                            <a:latin typeface="Cambria Math" charset="0"/>
+                            <a:ea typeface="Times New Roman" charset="0"/>
+                            <a:cs typeface="Times New Roman" charset="0"/>
+                          </a:rPr>
+                          <m:t>𝑐</m:t>
+                        </m:r>
+                      </m:sub>
+                    </m:sSub>
+                  </m:oMath>
+                </a14:m>
+                <a:endParaRPr kumimoji="1" lang="en-US" altLang="zh-TW" sz="3600" b="0" baseline="0" dirty="0" smtClean="0">
+                  <a:solidFill>
+                    <a:schemeClr val="tx1">
+                      <a:lumMod val="65000"/>
+                      <a:lumOff val="35000"/>
+                    </a:schemeClr>
+                  </a:solidFill>
+                  <a:latin typeface="Times New Roman" charset="0"/>
+                  <a:ea typeface="Times New Roman" charset="0"/>
+                  <a:cs typeface="Times New Roman" charset="0"/>
+                </a:endParaRPr>
+              </a:p>
+              <a:p>
+                <a:r>
+                  <a:rPr kumimoji="1" lang="en-US" altLang="zh-TW" sz="3600" dirty="0">
+                    <a:solidFill>
+                      <a:schemeClr val="tx1">
+                        <a:lumMod val="65000"/>
+                        <a:lumOff val="35000"/>
+                      </a:schemeClr>
+                    </a:solidFill>
+                    <a:latin typeface="Times New Roman" charset="0"/>
+                    <a:ea typeface="Times New Roman" charset="0"/>
+                    <a:cs typeface="Times New Roman" charset="0"/>
+                  </a:rPr>
+                  <a:t>Symbol time </a:t>
+                </a:r>
+                <a14:m>
+                  <m:oMath xmlns:m="http://schemas.openxmlformats.org/officeDocument/2006/math">
+                    <m:r>
+                      <a:rPr kumimoji="1" lang="en-US" altLang="zh-TW" sz="3600" b="0" i="1" smtClean="0">
+                        <a:solidFill>
+                          <a:schemeClr val="tx1">
+                            <a:lumMod val="65000"/>
+                            <a:lumOff val="35000"/>
+                          </a:schemeClr>
+                        </a:solidFill>
+                        <a:latin typeface="Cambria Math" charset="0"/>
+                        <a:ea typeface="Times New Roman" charset="0"/>
+                        <a:cs typeface="Times New Roman" charset="0"/>
+                      </a:rPr>
+                      <m:t>𝑇</m:t>
+                    </m:r>
+                    <m:r>
+                      <a:rPr kumimoji="1" lang="en-US" altLang="zh-TW" sz="3600" i="1" smtClean="0">
+                        <a:solidFill>
+                          <a:schemeClr val="tx1">
+                            <a:lumMod val="65000"/>
+                            <a:lumOff val="35000"/>
+                          </a:schemeClr>
+                        </a:solidFill>
+                        <a:latin typeface="Cambria Math" charset="0"/>
+                        <a:ea typeface="Cambria Math" charset="0"/>
+                        <a:cs typeface="Cambria Math" charset="0"/>
+                      </a:rPr>
+                      <m:t>≫</m:t>
+                    </m:r>
+                    <m:sSub>
+                      <m:sSubPr>
+                        <m:ctrlPr>
+                          <a:rPr kumimoji="1" lang="en-US" altLang="zh-TW" sz="4000" i="1">
+                            <a:solidFill>
+                              <a:schemeClr val="accent1"/>
+                            </a:solidFill>
+                            <a:latin typeface="Cambria Math" charset="0"/>
+                            <a:ea typeface="Times New Roman" charset="0"/>
+                            <a:cs typeface="Times New Roman" charset="0"/>
+                          </a:rPr>
+                        </m:ctrlPr>
+                      </m:sSubPr>
+                      <m:e>
+                        <m:r>
+                          <a:rPr kumimoji="1" lang="en-US" altLang="zh-TW" sz="4000" b="0" i="1" smtClean="0">
+                            <a:solidFill>
+                              <a:schemeClr val="accent1"/>
+                            </a:solidFill>
+                            <a:latin typeface="Cambria Math" charset="0"/>
+                            <a:ea typeface="Times New Roman" charset="0"/>
+                            <a:cs typeface="Times New Roman" charset="0"/>
+                          </a:rPr>
+                          <m:t>𝑇</m:t>
+                        </m:r>
+                      </m:e>
+                      <m:sub>
+                        <m:r>
+                          <a:rPr kumimoji="1" lang="en-US" altLang="zh-TW" sz="4000" b="0" i="1" smtClean="0">
+                            <a:solidFill>
+                              <a:schemeClr val="accent1"/>
+                            </a:solidFill>
+                            <a:latin typeface="Cambria Math" charset="0"/>
+                            <a:ea typeface="Times New Roman" charset="0"/>
+                            <a:cs typeface="Times New Roman" charset="0"/>
+                          </a:rPr>
+                          <m:t>𝑑</m:t>
+                        </m:r>
+                      </m:sub>
+                    </m:sSub>
+                  </m:oMath>
+                </a14:m>
+                <a:endParaRPr kumimoji="1" lang="en-US" altLang="zh-TW" sz="4000" dirty="0">
+                  <a:solidFill>
+                    <a:schemeClr val="tx1">
+                      <a:lumMod val="65000"/>
+                      <a:lumOff val="35000"/>
+                    </a:schemeClr>
+                  </a:solidFill>
+                  <a:latin typeface="Times New Roman" charset="0"/>
+                  <a:ea typeface="Times New Roman" charset="0"/>
+                  <a:cs typeface="Times New Roman" charset="0"/>
+                </a:endParaRPr>
+              </a:p>
+            </p:txBody>
+          </p:sp>
+        </mc:Choice>
+        <mc:Fallback>
+          <p:sp>
+            <p:nvSpPr>
+              <p:cNvPr id="17" name="文字方塊 16"/>
+              <p:cNvSpPr txBox="1">
+                <a:spLocks noRot="1" noChangeAspect="1" noMove="1" noResize="1" noEditPoints="1" noAdjustHandles="1" noChangeArrowheads="1" noChangeShapeType="1" noTextEdit="1"/>
+              </p:cNvSpPr>
+              <p:nvPr/>
+            </p:nvSpPr>
+            <p:spPr>
+              <a:xfrm>
+                <a:off x="4672373" y="5308800"/>
+                <a:ext cx="5210081" cy="1261884"/>
+              </a:xfrm>
+              <a:prstGeom prst="rect">
+                <a:avLst/>
+              </a:prstGeom>
+              <a:blipFill rotWithShape="0">
+                <a:blip r:embed="rId7"/>
+                <a:stretch>
+                  <a:fillRect l="-3509" t="-7729" b="-16425"/>
+                </a:stretch>
+              </a:blipFill>
+            </p:spPr>
+            <p:txBody>
+              <a:bodyPr/>
+              <a:lstStyle/>
+              <a:p>
+                <a:r>
+                  <a:rPr lang="zh-TW" altLang="en-US">
+                    <a:noFill/>
+                  </a:rPr>
+                  <a:t> </a:t>
+                </a:r>
+              </a:p>
+            </p:txBody>
+          </p:sp>
+        </mc:Fallback>
+      </mc:AlternateContent>
+      <p:sp>
+        <p:nvSpPr>
+          <p:cNvPr id="18" name="文字方塊 17"/>
+          <p:cNvSpPr txBox="1"/>
+          <p:nvPr/>
+        </p:nvSpPr>
+        <p:spPr>
+          <a:xfrm>
+            <a:off x="878477" y="1625461"/>
+            <a:ext cx="2945037" cy="523220"/>
+          </a:xfrm>
+          <a:prstGeom prst="rect">
+            <a:avLst/>
+          </a:prstGeom>
+        </p:spPr>
+        <p:txBody>
+          <a:bodyPr vert="horz" wrap="none" lIns="91440" tIns="45720" rIns="91440" bIns="45720" rtlCol="0" anchor="ctr">
+            <a:spAutoFit/>
+          </a:bodyPr>
+          <a:lstStyle/>
+          <a:p>
+            <a:pPr algn="ctr"/>
+            <a:r>
+              <a:rPr kumimoji="1" lang="en-US" altLang="zh-TW" sz="2800" smtClean="0">
+                <a:solidFill>
+                  <a:schemeClr val="tx1">
+                    <a:lumMod val="65000"/>
+                    <a:lumOff val="35000"/>
+                  </a:schemeClr>
+                </a:solidFill>
+                <a:latin typeface="Times New Roman" charset="0"/>
+                <a:ea typeface="Times New Roman" charset="0"/>
+                <a:cs typeface="Times New Roman" charset="0"/>
+              </a:rPr>
+              <a:t>Frequency</a:t>
+            </a:r>
+            <a:r>
+              <a:rPr kumimoji="1" lang="en-US" altLang="zh-TW" sz="2800" b="0" baseline="0" smtClean="0">
+                <a:solidFill>
+                  <a:schemeClr val="tx1">
+                    <a:lumMod val="65000"/>
+                    <a:lumOff val="35000"/>
+                  </a:schemeClr>
+                </a:solidFill>
+                <a:latin typeface="Times New Roman" charset="0"/>
+                <a:ea typeface="Times New Roman" charset="0"/>
+                <a:cs typeface="Times New Roman" charset="0"/>
+              </a:rPr>
+              <a:t> </a:t>
+            </a:r>
+            <a:r>
+              <a:rPr kumimoji="1" lang="en-US" altLang="zh-TW" sz="2800" b="0" baseline="0" dirty="0" smtClean="0">
+                <a:solidFill>
+                  <a:schemeClr val="tx1">
+                    <a:lumMod val="65000"/>
+                    <a:lumOff val="35000"/>
+                  </a:schemeClr>
+                </a:solidFill>
+                <a:latin typeface="Times New Roman" charset="0"/>
+                <a:ea typeface="Times New Roman" charset="0"/>
+                <a:cs typeface="Times New Roman" charset="0"/>
+              </a:rPr>
+              <a:t>Domain</a:t>
+            </a:r>
+            <a:endParaRPr kumimoji="1" lang="zh-TW" altLang="en-US" sz="2800" b="0" baseline="0" dirty="0">
+              <a:solidFill>
+                <a:schemeClr val="tx1">
+                  <a:lumMod val="65000"/>
+                  <a:lumOff val="35000"/>
+                </a:schemeClr>
+              </a:solidFill>
+              <a:latin typeface="Times New Roman" charset="0"/>
+              <a:ea typeface="Times New Roman" charset="0"/>
+              <a:cs typeface="Times New Roman" charset="0"/>
+            </a:endParaRPr>
+          </a:p>
+        </p:txBody>
+      </p:sp>
+      <p:sp>
+        <p:nvSpPr>
+          <p:cNvPr id="19" name="文字方塊 18"/>
+          <p:cNvSpPr txBox="1"/>
+          <p:nvPr/>
+        </p:nvSpPr>
+        <p:spPr>
+          <a:xfrm>
+            <a:off x="8675640" y="1625461"/>
+            <a:ext cx="2174250" cy="523220"/>
+          </a:xfrm>
+          <a:prstGeom prst="rect">
+            <a:avLst/>
+          </a:prstGeom>
+        </p:spPr>
+        <p:txBody>
+          <a:bodyPr vert="horz" wrap="none" lIns="91440" tIns="45720" rIns="91440" bIns="45720" rtlCol="0" anchor="ctr">
+            <a:spAutoFit/>
+          </a:bodyPr>
+          <a:lstStyle/>
+          <a:p>
+            <a:pPr algn="ctr"/>
+            <a:r>
+              <a:rPr kumimoji="1" lang="en-US" altLang="zh-TW" sz="2800" b="0" baseline="0" smtClean="0">
+                <a:solidFill>
+                  <a:schemeClr val="tx1">
+                    <a:lumMod val="65000"/>
+                    <a:lumOff val="35000"/>
+                  </a:schemeClr>
+                </a:solidFill>
+                <a:latin typeface="Times New Roman" charset="0"/>
+                <a:ea typeface="Times New Roman" charset="0"/>
+                <a:cs typeface="Times New Roman" charset="0"/>
+              </a:rPr>
+              <a:t>Time Domain</a:t>
+            </a:r>
+            <a:endParaRPr kumimoji="1" lang="zh-TW" altLang="en-US" sz="2800" b="0" baseline="0" dirty="0">
+              <a:solidFill>
+                <a:schemeClr val="tx1">
+                  <a:lumMod val="65000"/>
+                  <a:lumOff val="35000"/>
+                </a:schemeClr>
+              </a:solidFill>
+              <a:latin typeface="Times New Roman" charset="0"/>
+              <a:ea typeface="Times New Roman" charset="0"/>
+              <a:cs typeface="Times New Roman" charset="0"/>
+            </a:endParaRPr>
+          </a:p>
+        </p:txBody>
+      </p:sp>
+    </p:spTree>
+    <p:extLst>
+      <p:ext uri="{BB962C8B-B14F-4D97-AF65-F5344CB8AC3E}">
+        <p14:creationId xmlns:p14="http://schemas.microsoft.com/office/powerpoint/2010/main" val="738211165"/>
+      </p:ext>
+    </p:extLst>
+  </p:cSld>
+  <p:clrMapOvr>
+    <a:masterClrMapping/>
+  </p:clrMapOvr>
+  <mc:AlternateContent xmlns:mc="http://schemas.openxmlformats.org/markup-compatibility/2006" xmlns:p14="http://schemas.microsoft.com/office/powerpoint/2010/main">
+    <mc:Choice Requires="p14">
+      <p:transition spd="med" p14:dur="700">
+        <p:fade/>
+      </p:transition>
+    </mc:Choice>
+    <mc:Fallback xmlns="">
+      <p:transition spd="med">
+        <p:fade/>
+      </p:transition>
+    </mc:Fallback>
+  </mc:AlternateContent>
+  <p:timing>
+    <p:tnLst>
+      <p:par>
+        <p:cTn id="1" dur="indefinite" restart="never" nodeType="tmRoot"/>
+      </p:par>
+    </p:tnLst>
+  </p:timing>
+</p:sld>
+</file>
+
+<file path=ppt/slides/slide16.xml><?xml version="1.0" encoding="utf-8"?>
+<p:sld xmlns:a="http://schemas.openxmlformats.org/drawingml/2006/main" xmlns:r="http://schemas.openxmlformats.org/officeDocument/2006/relationships" xmlns:p="http://schemas.openxmlformats.org/presentationml/2006/main">
+  <p:cSld>
+    <p:spTree>
+      <p:nvGrpSpPr>
+        <p:cNvPr id="1" name=""/>
+        <p:cNvGrpSpPr/>
+        <p:nvPr/>
+      </p:nvGrpSpPr>
+      <p:grpSpPr>
+        <a:xfrm>
+          <a:off x="0" y="0"/>
+          <a:ext cx="0" cy="0"/>
+          <a:chOff x="0" y="0"/>
+          <a:chExt cx="0" cy="0"/>
+        </a:xfrm>
+      </p:grpSpPr>
+      <p:pic>
+        <p:nvPicPr>
+          <p:cNvPr id="20" name="圖片 19"/>
+          <p:cNvPicPr>
+            <a:picLocks noChangeAspect="1"/>
+          </p:cNvPicPr>
+          <p:nvPr/>
+        </p:nvPicPr>
+        <p:blipFill>
+          <a:blip r:embed="rId2">
+            <a:extLst>
+              <a:ext uri="{28A0092B-C50C-407E-A947-70E740481C1C}">
+                <a14:useLocalDpi xmlns:a14="http://schemas.microsoft.com/office/drawing/2010/main" val="0"/>
+              </a:ext>
+            </a:extLst>
+          </a:blip>
+          <a:stretch>
+            <a:fillRect/>
+          </a:stretch>
+        </p:blipFill>
+        <p:spPr>
+          <a:xfrm>
+            <a:off x="8833395" y="2224028"/>
+            <a:ext cx="1858740" cy="2159577"/>
+          </a:xfrm>
+          <a:prstGeom prst="rect">
+            <a:avLst/>
+          </a:prstGeom>
+        </p:spPr>
+      </p:pic>
+      <p:pic>
+        <p:nvPicPr>
+          <p:cNvPr id="7" name="圖片 6"/>
+          <p:cNvPicPr>
+            <a:picLocks noChangeAspect="1"/>
+          </p:cNvPicPr>
+          <p:nvPr/>
+        </p:nvPicPr>
+        <p:blipFill>
+          <a:blip r:embed="rId3">
+            <a:extLst>
+              <a:ext uri="{28A0092B-C50C-407E-A947-70E740481C1C}">
+                <a14:useLocalDpi xmlns:a14="http://schemas.microsoft.com/office/drawing/2010/main" val="0"/>
+              </a:ext>
+            </a:extLst>
+          </a:blip>
+          <a:stretch>
+            <a:fillRect/>
+          </a:stretch>
+        </p:blipFill>
+        <p:spPr>
+          <a:xfrm>
+            <a:off x="1165158" y="2149080"/>
+            <a:ext cx="2832100" cy="2044700"/>
+          </a:xfrm>
+          <a:prstGeom prst="rect">
+            <a:avLst/>
+          </a:prstGeom>
+        </p:spPr>
+      </p:pic>
+      <p:sp>
+        <p:nvSpPr>
+          <p:cNvPr id="2" name="標題 1"/>
+          <p:cNvSpPr>
+            <a:spLocks noGrp="1"/>
+          </p:cNvSpPr>
+          <p:nvPr>
+            <p:ph type="title"/>
+          </p:nvPr>
+        </p:nvSpPr>
+        <p:spPr/>
+        <p:txBody>
+          <a:bodyPr/>
+          <a:lstStyle/>
+          <a:p>
+            <a:r>
+              <a:rPr kumimoji="1" lang="en-US" altLang="zh-TW" dirty="0"/>
+              <a:t>Channel Fading</a:t>
+            </a:r>
+            <a:endParaRPr kumimoji="1" lang="zh-TW" altLang="en-US" dirty="0"/>
+          </a:p>
+        </p:txBody>
+      </p:sp>
+      <mc:AlternateContent xmlns:mc="http://schemas.openxmlformats.org/markup-compatibility/2006">
+        <mc:Choice xmlns:a14="http://schemas.microsoft.com/office/drawing/2010/main" Requires="a14">
+          <p:sp>
+            <p:nvSpPr>
+              <p:cNvPr id="3" name="內容版面配置區 2"/>
+              <p:cNvSpPr>
+                <a:spLocks noGrp="1"/>
+              </p:cNvSpPr>
+              <p:nvPr>
+                <p:ph idx="1"/>
+              </p:nvPr>
+            </p:nvSpPr>
+            <p:spPr>
+              <a:xfrm>
+                <a:off x="335360" y="1700808"/>
+                <a:ext cx="11521280" cy="4215898"/>
+              </a:xfrm>
+            </p:spPr>
+            <p:txBody>
+              <a:bodyPr/>
+              <a:lstStyle/>
+              <a:p>
+                <a:pPr marL="11112" indent="0">
+                  <a:buNone/>
+                </a:pPr>
+                <a:r>
+                  <a:rPr kumimoji="1" lang="en-US" altLang="zh-TW" sz="3200" dirty="0" smtClean="0">
+                    <a:solidFill>
+                      <a:srgbClr val="FF0000"/>
+                    </a:solidFill>
+                    <a:ea typeface="Times New Roman" charset="0"/>
+                    <a:cs typeface="Times New Roman" charset="0"/>
+                  </a:rPr>
+                  <a:t>					</a:t>
+                </a:r>
+              </a:p>
+              <a:p>
+                <a:pPr marL="11112" indent="0">
+                  <a:buNone/>
+                </a:pPr>
+                <a:endParaRPr kumimoji="1" lang="en-US" altLang="zh-TW" sz="3200" i="1" dirty="0">
+                  <a:solidFill>
+                    <a:srgbClr val="FF0000"/>
+                  </a:solidFill>
+                  <a:latin typeface="Cambria Math" charset="0"/>
+                  <a:ea typeface="Times New Roman" charset="0"/>
+                  <a:cs typeface="Times New Roman" charset="0"/>
+                </a:endParaRPr>
+              </a:p>
+              <a:p>
+                <a:pPr marL="11112" indent="0" algn="ctr">
+                  <a:buNone/>
+                </a:pPr>
+                <a:endParaRPr kumimoji="1" lang="en-US" altLang="zh-TW" sz="3200" i="1" dirty="0" smtClean="0">
+                  <a:solidFill>
+                    <a:srgbClr val="FF0000"/>
+                  </a:solidFill>
+                  <a:latin typeface="Cambria Math" charset="0"/>
+                  <a:ea typeface="Times New Roman" charset="0"/>
+                  <a:cs typeface="Times New Roman" charset="0"/>
+                </a:endParaRPr>
+              </a:p>
+              <a:p>
+                <a:pPr marL="11112" indent="0">
+                  <a:buNone/>
+                </a:pPr>
+                <a:endParaRPr kumimoji="1" lang="en-US" altLang="zh-TW" sz="3200" i="1" dirty="0">
+                  <a:solidFill>
+                    <a:srgbClr val="FF0000"/>
+                  </a:solidFill>
+                  <a:latin typeface="Cambria Math" charset="0"/>
+                  <a:ea typeface="Times New Roman" charset="0"/>
+                  <a:cs typeface="Times New Roman" charset="0"/>
+                </a:endParaRPr>
+              </a:p>
+              <a:p>
+                <a:pPr marL="11112" indent="0">
+                  <a:lnSpc>
+                    <a:spcPct val="150000"/>
+                  </a:lnSpc>
+                  <a:buNone/>
+                </a:pPr>
+                <a:r>
+                  <a:rPr kumimoji="1" lang="en-US" altLang="zh-TW" sz="4000" i="1" dirty="0" smtClean="0">
+                    <a:solidFill>
+                      <a:srgbClr val="FF0000"/>
+                    </a:solidFill>
+                    <a:latin typeface="Cambria Math" charset="0"/>
+                    <a:ea typeface="Times New Roman" charset="0"/>
+                    <a:cs typeface="Times New Roman" charset="0"/>
+                  </a:rPr>
+                  <a:t>                      			    </a:t>
+                </a:r>
+                <a14:m>
+                  <m:oMath xmlns:m="http://schemas.openxmlformats.org/officeDocument/2006/math">
+                    <m:sSub>
+                      <m:sSubPr>
+                        <m:ctrlPr>
+                          <a:rPr kumimoji="1" lang="en-US" altLang="zh-TW" sz="3200" i="1">
+                            <a:solidFill>
+                              <a:srgbClr val="FF0000"/>
+                            </a:solidFill>
+                            <a:latin typeface="Cambria Math" charset="0"/>
+                            <a:ea typeface="Times New Roman" charset="0"/>
+                            <a:cs typeface="Times New Roman" charset="0"/>
+                          </a:rPr>
+                        </m:ctrlPr>
+                      </m:sSubPr>
+                      <m:e>
+                        <m:r>
+                          <a:rPr kumimoji="1" lang="en-US" altLang="zh-TW" sz="3200" b="0" i="1" smtClean="0">
+                            <a:solidFill>
+                              <a:srgbClr val="FF0000"/>
+                            </a:solidFill>
+                            <a:latin typeface="Cambria Math" charset="0"/>
+                            <a:ea typeface="Times New Roman" charset="0"/>
+                            <a:cs typeface="Times New Roman" charset="0"/>
+                          </a:rPr>
+                          <m:t>𝑊</m:t>
+                        </m:r>
+                      </m:e>
+                      <m:sub>
+                        <m:r>
+                          <a:rPr kumimoji="1" lang="en-US" altLang="zh-TW" sz="3200" i="1">
+                            <a:solidFill>
+                              <a:srgbClr val="FF0000"/>
+                            </a:solidFill>
+                            <a:latin typeface="Cambria Math" charset="0"/>
+                            <a:ea typeface="Times New Roman" charset="0"/>
+                            <a:cs typeface="Times New Roman" charset="0"/>
+                          </a:rPr>
+                          <m:t>𝑐</m:t>
+                        </m:r>
+                      </m:sub>
+                    </m:sSub>
+                    <m:r>
+                      <a:rPr kumimoji="1" lang="en-US" altLang="zh-TW" sz="3200" i="1" smtClean="0">
+                        <a:solidFill>
+                          <a:schemeClr val="tx1"/>
+                        </a:solidFill>
+                        <a:latin typeface="Cambria Math" charset="0"/>
+                        <a:ea typeface="Cambria Math" charset="0"/>
+                        <a:cs typeface="Cambria Math" charset="0"/>
+                      </a:rPr>
+                      <m:t>∝</m:t>
+                    </m:r>
+                    <m:f>
+                      <m:fPr>
+                        <m:ctrlPr>
+                          <a:rPr kumimoji="1" lang="mr-IN" altLang="zh-TW" sz="3200" i="1" smtClean="0">
+                            <a:solidFill>
+                              <a:srgbClr val="FF0000"/>
+                            </a:solidFill>
+                            <a:latin typeface="Cambria Math" charset="0"/>
+                            <a:ea typeface="Cambria Math" charset="0"/>
+                            <a:cs typeface="Cambria Math" charset="0"/>
+                          </a:rPr>
+                        </m:ctrlPr>
+                      </m:fPr>
+                      <m:num>
+                        <m:r>
+                          <a:rPr kumimoji="1" lang="en-US" altLang="zh-TW" sz="3200" b="0" i="1" smtClean="0">
+                            <a:solidFill>
+                              <a:schemeClr val="tx1"/>
+                            </a:solidFill>
+                            <a:latin typeface="Cambria Math" charset="0"/>
+                            <a:ea typeface="Cambria Math" charset="0"/>
+                            <a:cs typeface="Cambria Math" charset="0"/>
+                          </a:rPr>
+                          <m:t>1</m:t>
+                        </m:r>
+                      </m:num>
+                      <m:den>
+                        <m:sSub>
+                          <m:sSubPr>
+                            <m:ctrlPr>
+                              <a:rPr kumimoji="1" lang="en-US" altLang="zh-TW" sz="3200" i="1">
+                                <a:solidFill>
+                                  <a:schemeClr val="accent1"/>
+                                </a:solidFill>
+                                <a:latin typeface="Cambria Math" charset="0"/>
+                                <a:ea typeface="Times New Roman" charset="0"/>
+                                <a:cs typeface="Times New Roman" charset="0"/>
+                              </a:rPr>
+                            </m:ctrlPr>
+                          </m:sSubPr>
+                          <m:e>
+                            <m:r>
+                              <a:rPr kumimoji="1" lang="en-US" altLang="zh-TW" sz="3200" b="0" i="1" smtClean="0">
+                                <a:solidFill>
+                                  <a:schemeClr val="accent1"/>
+                                </a:solidFill>
+                                <a:latin typeface="Cambria Math" charset="0"/>
+                                <a:ea typeface="Times New Roman" charset="0"/>
+                                <a:cs typeface="Times New Roman" charset="0"/>
+                              </a:rPr>
+                              <m:t>𝑇</m:t>
+                            </m:r>
+                          </m:e>
+                          <m:sub>
+                            <m:r>
+                              <a:rPr kumimoji="1" lang="en-US" altLang="zh-TW" sz="3200" b="0" i="1" smtClean="0">
+                                <a:solidFill>
+                                  <a:schemeClr val="accent1"/>
+                                </a:solidFill>
+                                <a:latin typeface="Cambria Math" charset="0"/>
+                                <a:ea typeface="Times New Roman" charset="0"/>
+                                <a:cs typeface="Times New Roman" charset="0"/>
+                              </a:rPr>
+                              <m:t>𝑑</m:t>
+                            </m:r>
+                          </m:sub>
+                        </m:sSub>
+                      </m:den>
+                    </m:f>
+                  </m:oMath>
+                </a14:m>
+                <a:endParaRPr kumimoji="1" lang="zh-TW" altLang="en-US" sz="3200" dirty="0">
+                  <a:latin typeface="Times New Roman" charset="0"/>
+                  <a:ea typeface="Times New Roman" charset="0"/>
+                  <a:cs typeface="Times New Roman" charset="0"/>
+                </a:endParaRPr>
+              </a:p>
+            </p:txBody>
+          </p:sp>
+        </mc:Choice>
+        <mc:Fallback>
+          <p:sp>
+            <p:nvSpPr>
+              <p:cNvPr id="3" name="內容版面配置區 2"/>
+              <p:cNvSpPr>
+                <a:spLocks noGrp="1" noRot="1" noChangeAspect="1" noMove="1" noResize="1" noEditPoints="1" noAdjustHandles="1" noChangeArrowheads="1" noChangeShapeType="1" noTextEdit="1"/>
+              </p:cNvSpPr>
+              <p:nvPr>
+                <p:ph idx="1"/>
+              </p:nvPr>
+            </p:nvSpPr>
+            <p:spPr>
+              <a:xfrm>
+                <a:off x="335360" y="1700808"/>
+                <a:ext cx="11521280" cy="4215898"/>
+              </a:xfrm>
+              <a:blipFill rotWithShape="0">
+                <a:blip r:embed="rId4"/>
+                <a:stretch>
+                  <a:fillRect/>
+                </a:stretch>
+              </a:blipFill>
+            </p:spPr>
+            <p:txBody>
+              <a:bodyPr/>
+              <a:lstStyle/>
+              <a:p>
+                <a:r>
+                  <a:rPr lang="zh-TW" altLang="en-US">
+                    <a:noFill/>
+                  </a:rPr>
+                  <a:t> </a:t>
+                </a:r>
+              </a:p>
+            </p:txBody>
+          </p:sp>
+        </mc:Fallback>
+      </mc:AlternateContent>
+      <p:sp>
+        <p:nvSpPr>
+          <p:cNvPr id="4" name="投影片編號版面配置區 3"/>
+          <p:cNvSpPr>
+            <a:spLocks noGrp="1"/>
+          </p:cNvSpPr>
+          <p:nvPr>
+            <p:ph type="sldNum" sz="quarter" idx="12"/>
+          </p:nvPr>
+        </p:nvSpPr>
+        <p:spPr/>
+        <p:txBody>
+          <a:bodyPr/>
+          <a:lstStyle/>
+          <a:p>
+            <a:fld id="{3EBBE1F4-AE36-AD42-8177-96288CD18AD2}" type="slidenum">
+              <a:rPr lang="en-US" smtClean="0"/>
+              <a:pPr/>
+              <a:t>16</a:t>
+            </a:fld>
+            <a:endParaRPr lang="en-US"/>
+          </a:p>
+        </p:txBody>
+      </p:sp>
+      <p:cxnSp>
+        <p:nvCxnSpPr>
+          <p:cNvPr id="8" name="直線箭頭接點 7"/>
+          <p:cNvCxnSpPr/>
+          <p:nvPr/>
+        </p:nvCxnSpPr>
+        <p:spPr>
+          <a:xfrm>
+            <a:off x="4320984" y="2581837"/>
+            <a:ext cx="3478306" cy="17929"/>
+          </a:xfrm>
+          <a:prstGeom prst="straightConnector1">
+            <a:avLst/>
+          </a:prstGeom>
+          <a:ln w="76200">
+            <a:tailEnd type="triangle" w="lg" len="med"/>
+          </a:ln>
+        </p:spPr>
+        <p:style>
+          <a:lnRef idx="1">
+            <a:schemeClr val="accent1"/>
+          </a:lnRef>
+          <a:fillRef idx="0">
+            <a:schemeClr val="accent1"/>
+          </a:fillRef>
+          <a:effectRef idx="0">
+            <a:schemeClr val="accent1"/>
+          </a:effectRef>
+          <a:fontRef idx="minor">
+            <a:schemeClr val="tx1"/>
+          </a:fontRef>
+        </p:style>
+      </p:cxnSp>
+      <p:cxnSp>
+        <p:nvCxnSpPr>
+          <p:cNvPr id="9" name="直線箭頭接點 8"/>
+          <p:cNvCxnSpPr/>
+          <p:nvPr/>
+        </p:nvCxnSpPr>
+        <p:spPr>
+          <a:xfrm>
+            <a:off x="4320989" y="3521776"/>
+            <a:ext cx="3478306" cy="17929"/>
+          </a:xfrm>
+          <a:prstGeom prst="straightConnector1">
+            <a:avLst/>
+          </a:prstGeom>
+          <a:ln w="76200">
+            <a:headEnd type="triangle" w="lg" len="med"/>
+            <a:tailEnd type="none" w="lg" len="med"/>
+          </a:ln>
+        </p:spPr>
+        <p:style>
+          <a:lnRef idx="1">
+            <a:schemeClr val="accent1"/>
+          </a:lnRef>
+          <a:fillRef idx="0">
+            <a:schemeClr val="accent1"/>
+          </a:fillRef>
+          <a:effectRef idx="0">
+            <a:schemeClr val="accent1"/>
+          </a:effectRef>
+          <a:fontRef idx="minor">
+            <a:schemeClr val="tx1"/>
+          </a:fontRef>
+        </p:style>
+      </p:cxnSp>
+      <mc:AlternateContent xmlns:mc="http://schemas.openxmlformats.org/markup-compatibility/2006">
+        <mc:Choice xmlns:a14="http://schemas.microsoft.com/office/drawing/2010/main" Requires="a14">
+          <p:sp>
+            <p:nvSpPr>
+              <p:cNvPr id="10" name="文字方塊 9"/>
+              <p:cNvSpPr txBox="1"/>
+              <p:nvPr/>
+            </p:nvSpPr>
+            <p:spPr>
+              <a:xfrm>
+                <a:off x="2167633" y="3901750"/>
+                <a:ext cx="899477" cy="707886"/>
+              </a:xfrm>
+              <a:prstGeom prst="rect">
+                <a:avLst/>
+              </a:prstGeom>
+            </p:spPr>
+            <p:txBody>
+              <a:bodyPr vert="horz" wrap="none" lIns="91440" tIns="45720" rIns="91440" bIns="45720" rtlCol="0" anchor="ctr">
+                <a:spAutoFit/>
+              </a:bodyPr>
+              <a:lstStyle/>
+              <a:p>
+                <a14:m>
+                  <m:oMathPara xmlns:m="http://schemas.openxmlformats.org/officeDocument/2006/math">
+                    <m:oMathParaPr>
+                      <m:jc m:val="centerGroup"/>
+                    </m:oMathParaPr>
+                    <m:oMath xmlns:m="http://schemas.openxmlformats.org/officeDocument/2006/math">
+                      <m:sSub>
+                        <m:sSubPr>
+                          <m:ctrlPr>
+                            <a:rPr kumimoji="1" lang="en-US" altLang="zh-TW" sz="4000" i="1" smtClean="0">
+                              <a:solidFill>
+                                <a:srgbClr val="FF0000"/>
+                              </a:solidFill>
+                              <a:latin typeface="Cambria Math" charset="0"/>
+                              <a:ea typeface="Times New Roman" charset="0"/>
+                              <a:cs typeface="Times New Roman" charset="0"/>
+                            </a:rPr>
+                          </m:ctrlPr>
+                        </m:sSubPr>
+                        <m:e>
+                          <m:r>
+                            <a:rPr kumimoji="1" lang="en-US" altLang="zh-TW" sz="4000" b="0" i="1" smtClean="0">
+                              <a:solidFill>
+                                <a:srgbClr val="FF0000"/>
+                              </a:solidFill>
+                              <a:latin typeface="Cambria Math" charset="0"/>
+                              <a:ea typeface="Times New Roman" charset="0"/>
+                              <a:cs typeface="Times New Roman" charset="0"/>
+                            </a:rPr>
+                            <m:t>𝑊</m:t>
+                          </m:r>
+                        </m:e>
+                        <m:sub>
+                          <m:r>
+                            <a:rPr kumimoji="1" lang="en-US" altLang="zh-TW" sz="4000" i="1">
+                              <a:solidFill>
+                                <a:srgbClr val="FF0000"/>
+                              </a:solidFill>
+                              <a:latin typeface="Cambria Math" charset="0"/>
+                              <a:ea typeface="Times New Roman" charset="0"/>
+                              <a:cs typeface="Times New Roman" charset="0"/>
+                            </a:rPr>
+                            <m:t>𝑐</m:t>
+                          </m:r>
+                        </m:sub>
+                      </m:sSub>
+                    </m:oMath>
+                  </m:oMathPara>
+                </a14:m>
+                <a:endParaRPr kumimoji="1" lang="zh-TW" altLang="en-US" sz="4000" b="0" baseline="0" dirty="0">
+                  <a:solidFill>
+                    <a:schemeClr val="tx1">
+                      <a:lumMod val="65000"/>
+                      <a:lumOff val="35000"/>
+                    </a:schemeClr>
+                  </a:solidFill>
+                  <a:latin typeface="Calibri" panose="020F0502020204030204" pitchFamily="34" charset="0"/>
+                  <a:ea typeface="微軟正黑體" panose="020B0604030504040204" pitchFamily="34" charset="-120"/>
+                  <a:cs typeface="Arial" panose="020B0604020202020204" pitchFamily="34" charset="0"/>
+                </a:endParaRPr>
+              </a:p>
+            </p:txBody>
+          </p:sp>
+        </mc:Choice>
+        <mc:Fallback>
+          <p:sp>
+            <p:nvSpPr>
+              <p:cNvPr id="10" name="文字方塊 9"/>
+              <p:cNvSpPr txBox="1">
+                <a:spLocks noRot="1" noChangeAspect="1" noMove="1" noResize="1" noEditPoints="1" noAdjustHandles="1" noChangeArrowheads="1" noChangeShapeType="1" noTextEdit="1"/>
+              </p:cNvSpPr>
+              <p:nvPr/>
+            </p:nvSpPr>
+            <p:spPr>
+              <a:xfrm>
+                <a:off x="2167633" y="3901750"/>
+                <a:ext cx="899477" cy="707886"/>
+              </a:xfrm>
+              <a:prstGeom prst="rect">
+                <a:avLst/>
+              </a:prstGeom>
+              <a:blipFill rotWithShape="0">
+                <a:blip r:embed="rId5"/>
+                <a:stretch>
+                  <a:fillRect/>
+                </a:stretch>
+              </a:blipFill>
+            </p:spPr>
+            <p:txBody>
+              <a:bodyPr/>
+              <a:lstStyle/>
+              <a:p>
+                <a:r>
+                  <a:rPr lang="zh-TW" altLang="en-US">
+                    <a:noFill/>
+                  </a:rPr>
+                  <a:t> </a:t>
+                </a:r>
+              </a:p>
+            </p:txBody>
+          </p:sp>
+        </mc:Fallback>
+      </mc:AlternateContent>
+      <mc:AlternateContent xmlns:mc="http://schemas.openxmlformats.org/markup-compatibility/2006">
+        <mc:Choice xmlns:a14="http://schemas.microsoft.com/office/drawing/2010/main" Requires="a14">
+          <p:sp>
+            <p:nvSpPr>
+              <p:cNvPr id="11" name="文字方塊 10"/>
+              <p:cNvSpPr txBox="1"/>
+              <p:nvPr/>
+            </p:nvSpPr>
+            <p:spPr>
+              <a:xfrm>
+                <a:off x="10264884" y="3919126"/>
+                <a:ext cx="821572" cy="707886"/>
+              </a:xfrm>
+              <a:prstGeom prst="rect">
+                <a:avLst/>
+              </a:prstGeom>
+            </p:spPr>
+            <p:txBody>
+              <a:bodyPr vert="horz" wrap="none" lIns="91440" tIns="45720" rIns="91440" bIns="45720" rtlCol="0" anchor="ctr">
+                <a:spAutoFit/>
+              </a:bodyPr>
+              <a:lstStyle/>
+              <a:p>
+                <a14:m>
+                  <m:oMathPara xmlns:m="http://schemas.openxmlformats.org/officeDocument/2006/math">
+                    <m:oMathParaPr>
+                      <m:jc m:val="centerGroup"/>
+                    </m:oMathParaPr>
+                    <m:oMath xmlns:m="http://schemas.openxmlformats.org/officeDocument/2006/math">
+                      <m:sSub>
+                        <m:sSubPr>
+                          <m:ctrlPr>
+                            <a:rPr kumimoji="1" lang="en-US" altLang="zh-TW" sz="4000" i="1" smtClean="0">
+                              <a:solidFill>
+                                <a:schemeClr val="accent1"/>
+                              </a:solidFill>
+                              <a:latin typeface="Cambria Math" charset="0"/>
+                              <a:ea typeface="Times New Roman" charset="0"/>
+                              <a:cs typeface="Times New Roman" charset="0"/>
+                            </a:rPr>
+                          </m:ctrlPr>
+                        </m:sSubPr>
+                        <m:e>
+                          <m:r>
+                            <a:rPr kumimoji="1" lang="en-US" altLang="zh-TW" sz="4000" b="0" i="1" smtClean="0">
+                              <a:solidFill>
+                                <a:schemeClr val="accent1"/>
+                              </a:solidFill>
+                              <a:latin typeface="Cambria Math" charset="0"/>
+                              <a:ea typeface="Times New Roman" charset="0"/>
+                              <a:cs typeface="Times New Roman" charset="0"/>
+                            </a:rPr>
+                            <m:t>𝑇</m:t>
+                          </m:r>
+                        </m:e>
+                        <m:sub>
+                          <m:r>
+                            <a:rPr kumimoji="1" lang="en-US" altLang="zh-TW" sz="4000" b="0" i="1" smtClean="0">
+                              <a:solidFill>
+                                <a:schemeClr val="accent1"/>
+                              </a:solidFill>
+                              <a:latin typeface="Cambria Math" charset="0"/>
+                              <a:ea typeface="Times New Roman" charset="0"/>
+                              <a:cs typeface="Times New Roman" charset="0"/>
+                            </a:rPr>
+                            <m:t>𝑑</m:t>
+                          </m:r>
+                        </m:sub>
+                      </m:sSub>
+                    </m:oMath>
+                  </m:oMathPara>
+                </a14:m>
+                <a:endParaRPr kumimoji="1" lang="zh-TW" altLang="en-US" sz="4000" b="0" baseline="0" dirty="0">
+                  <a:solidFill>
+                    <a:schemeClr val="tx1">
+                      <a:lumMod val="65000"/>
+                      <a:lumOff val="35000"/>
+                    </a:schemeClr>
+                  </a:solidFill>
+                  <a:latin typeface="Calibri" panose="020F0502020204030204" pitchFamily="34" charset="0"/>
+                  <a:ea typeface="微軟正黑體" panose="020B0604030504040204" pitchFamily="34" charset="-120"/>
+                  <a:cs typeface="Arial" panose="020B0604020202020204" pitchFamily="34" charset="0"/>
+                </a:endParaRPr>
+              </a:p>
+            </p:txBody>
+          </p:sp>
+        </mc:Choice>
+        <mc:Fallback>
+          <p:sp>
+            <p:nvSpPr>
+              <p:cNvPr id="11" name="文字方塊 10"/>
+              <p:cNvSpPr txBox="1">
+                <a:spLocks noRot="1" noChangeAspect="1" noMove="1" noResize="1" noEditPoints="1" noAdjustHandles="1" noChangeArrowheads="1" noChangeShapeType="1" noTextEdit="1"/>
+              </p:cNvSpPr>
+              <p:nvPr/>
+            </p:nvSpPr>
+            <p:spPr>
+              <a:xfrm>
+                <a:off x="10264884" y="3919126"/>
+                <a:ext cx="821572" cy="707886"/>
+              </a:xfrm>
+              <a:prstGeom prst="rect">
+                <a:avLst/>
+              </a:prstGeom>
+              <a:blipFill rotWithShape="0">
+                <a:blip r:embed="rId6"/>
+                <a:stretch>
+                  <a:fillRect/>
+                </a:stretch>
+              </a:blipFill>
+            </p:spPr>
+            <p:txBody>
+              <a:bodyPr/>
+              <a:lstStyle/>
+              <a:p>
+                <a:r>
+                  <a:rPr lang="zh-TW" altLang="en-US">
+                    <a:noFill/>
+                  </a:rPr>
+                  <a:t> </a:t>
+                </a:r>
+              </a:p>
+            </p:txBody>
+          </p:sp>
+        </mc:Fallback>
+      </mc:AlternateContent>
+      <p:sp>
+        <p:nvSpPr>
+          <p:cNvPr id="12" name="文字方塊 11"/>
+          <p:cNvSpPr txBox="1"/>
+          <p:nvPr/>
+        </p:nvSpPr>
+        <p:spPr>
+          <a:xfrm>
+            <a:off x="5554980" y="1935506"/>
+            <a:ext cx="1003801" cy="584775"/>
+          </a:xfrm>
+          <a:prstGeom prst="rect">
+            <a:avLst/>
+          </a:prstGeom>
+        </p:spPr>
+        <p:txBody>
+          <a:bodyPr vert="horz" wrap="none" lIns="91440" tIns="45720" rIns="91440" bIns="45720" rtlCol="0" anchor="ctr">
+            <a:spAutoFit/>
+          </a:bodyPr>
+          <a:lstStyle/>
+          <a:p>
+            <a:pPr algn="ctr"/>
+            <a:r>
+              <a:rPr kumimoji="1" lang="en-US" altLang="zh-TW" sz="3200" b="0" baseline="0" dirty="0" err="1" smtClean="0">
+                <a:solidFill>
+                  <a:schemeClr val="tx1">
+                    <a:lumMod val="65000"/>
+                    <a:lumOff val="35000"/>
+                  </a:schemeClr>
+                </a:solidFill>
+                <a:latin typeface="Times New Roman" charset="0"/>
+                <a:ea typeface="Times New Roman" charset="0"/>
+                <a:cs typeface="Times New Roman" charset="0"/>
+              </a:rPr>
+              <a:t>iFFT</a:t>
+            </a:r>
+            <a:endParaRPr kumimoji="1" lang="zh-TW" altLang="en-US" sz="3200" b="0" baseline="0" dirty="0">
+              <a:solidFill>
+                <a:schemeClr val="tx1">
+                  <a:lumMod val="65000"/>
+                  <a:lumOff val="35000"/>
+                </a:schemeClr>
+              </a:solidFill>
+              <a:latin typeface="Times New Roman" charset="0"/>
+              <a:ea typeface="Times New Roman" charset="0"/>
+              <a:cs typeface="Times New Roman" charset="0"/>
+            </a:endParaRPr>
+          </a:p>
+        </p:txBody>
+      </p:sp>
+      <p:sp>
+        <p:nvSpPr>
+          <p:cNvPr id="13" name="文字方塊 12"/>
+          <p:cNvSpPr txBox="1"/>
+          <p:nvPr/>
+        </p:nvSpPr>
+        <p:spPr>
+          <a:xfrm>
+            <a:off x="5611886" y="2895597"/>
+            <a:ext cx="889987" cy="584775"/>
+          </a:xfrm>
+          <a:prstGeom prst="rect">
+            <a:avLst/>
+          </a:prstGeom>
+        </p:spPr>
+        <p:txBody>
+          <a:bodyPr vert="horz" wrap="none" lIns="91440" tIns="45720" rIns="91440" bIns="45720" rtlCol="0" anchor="ctr">
+            <a:spAutoFit/>
+          </a:bodyPr>
+          <a:lstStyle/>
+          <a:p>
+            <a:pPr algn="ctr"/>
+            <a:r>
+              <a:rPr kumimoji="1" lang="en-US" altLang="zh-TW" sz="3200" b="0" baseline="0" dirty="0" smtClean="0">
+                <a:solidFill>
+                  <a:schemeClr val="tx1">
+                    <a:lumMod val="65000"/>
+                    <a:lumOff val="35000"/>
+                  </a:schemeClr>
+                </a:solidFill>
+                <a:latin typeface="Times New Roman" charset="0"/>
+                <a:ea typeface="Times New Roman" charset="0"/>
+                <a:cs typeface="Times New Roman" charset="0"/>
+              </a:rPr>
+              <a:t>FFT</a:t>
+            </a:r>
+            <a:endParaRPr kumimoji="1" lang="zh-TW" altLang="en-US" sz="3200" b="0" baseline="0" dirty="0">
+              <a:solidFill>
+                <a:schemeClr val="tx1">
+                  <a:lumMod val="65000"/>
+                  <a:lumOff val="35000"/>
+                </a:schemeClr>
+              </a:solidFill>
+              <a:latin typeface="Times New Roman" charset="0"/>
+              <a:ea typeface="Times New Roman" charset="0"/>
+              <a:cs typeface="Times New Roman" charset="0"/>
+            </a:endParaRPr>
+          </a:p>
+        </p:txBody>
+      </p:sp>
+      <p:sp>
+        <p:nvSpPr>
+          <p:cNvPr id="14" name="文字方塊 13"/>
+          <p:cNvSpPr txBox="1"/>
+          <p:nvPr/>
+        </p:nvSpPr>
+        <p:spPr>
+          <a:xfrm>
+            <a:off x="855515" y="4592171"/>
+            <a:ext cx="3381054" cy="523220"/>
+          </a:xfrm>
+          <a:prstGeom prst="rect">
+            <a:avLst/>
+          </a:prstGeom>
+        </p:spPr>
+        <p:txBody>
+          <a:bodyPr vert="horz" wrap="none" lIns="91440" tIns="45720" rIns="91440" bIns="45720" rtlCol="0" anchor="ctr">
+            <a:spAutoFit/>
+          </a:bodyPr>
+          <a:lstStyle/>
+          <a:p>
+            <a:pPr algn="ctr"/>
+            <a:r>
+              <a:rPr kumimoji="1" lang="en-US" altLang="zh-TW" sz="2800" b="0" baseline="0" dirty="0" smtClean="0">
+                <a:solidFill>
+                  <a:schemeClr val="tx1">
+                    <a:lumMod val="65000"/>
+                    <a:lumOff val="35000"/>
+                  </a:schemeClr>
+                </a:solidFill>
+                <a:latin typeface="Times New Roman" charset="0"/>
+                <a:ea typeface="Times New Roman" charset="0"/>
+                <a:cs typeface="Times New Roman" charset="0"/>
+              </a:rPr>
+              <a:t>Coherence Bandwidth</a:t>
+            </a:r>
+            <a:endParaRPr kumimoji="1" lang="zh-TW" altLang="en-US" sz="2800" b="0" baseline="0" dirty="0">
+              <a:solidFill>
+                <a:schemeClr val="tx1">
+                  <a:lumMod val="65000"/>
+                  <a:lumOff val="35000"/>
+                </a:schemeClr>
+              </a:solidFill>
+              <a:latin typeface="Times New Roman" charset="0"/>
+              <a:ea typeface="Times New Roman" charset="0"/>
+              <a:cs typeface="Times New Roman" charset="0"/>
+            </a:endParaRPr>
+          </a:p>
+        </p:txBody>
+      </p:sp>
+      <p:sp>
+        <p:nvSpPr>
+          <p:cNvPr id="15" name="文字方塊 14"/>
+          <p:cNvSpPr txBox="1"/>
+          <p:nvPr/>
+        </p:nvSpPr>
+        <p:spPr>
+          <a:xfrm>
+            <a:off x="8699016" y="4592171"/>
+            <a:ext cx="2127505" cy="523220"/>
+          </a:xfrm>
+          <a:prstGeom prst="rect">
+            <a:avLst/>
+          </a:prstGeom>
+        </p:spPr>
+        <p:txBody>
+          <a:bodyPr vert="horz" wrap="none" lIns="91440" tIns="45720" rIns="91440" bIns="45720" rtlCol="0" anchor="ctr">
+            <a:spAutoFit/>
+          </a:bodyPr>
+          <a:lstStyle/>
+          <a:p>
+            <a:pPr algn="ctr"/>
+            <a:r>
+              <a:rPr kumimoji="1" lang="en-US" altLang="zh-TW" sz="2800" b="0" baseline="0" dirty="0" smtClean="0">
+                <a:solidFill>
+                  <a:schemeClr val="tx1">
+                    <a:lumMod val="65000"/>
+                    <a:lumOff val="35000"/>
+                  </a:schemeClr>
+                </a:solidFill>
+                <a:latin typeface="Times New Roman" charset="0"/>
+                <a:ea typeface="Times New Roman" charset="0"/>
+                <a:cs typeface="Times New Roman" charset="0"/>
+              </a:rPr>
+              <a:t>Delay Spread</a:t>
+            </a:r>
+            <a:endParaRPr kumimoji="1" lang="zh-TW" altLang="en-US" sz="2800" b="0" baseline="0" dirty="0">
+              <a:solidFill>
+                <a:schemeClr val="tx1">
+                  <a:lumMod val="65000"/>
+                  <a:lumOff val="35000"/>
+                </a:schemeClr>
+              </a:solidFill>
+              <a:latin typeface="Times New Roman" charset="0"/>
+              <a:ea typeface="Times New Roman" charset="0"/>
+              <a:cs typeface="Times New Roman" charset="0"/>
+            </a:endParaRPr>
+          </a:p>
+        </p:txBody>
+      </p:sp>
+      <p:sp>
+        <p:nvSpPr>
+          <p:cNvPr id="16" name="文字方塊 15"/>
+          <p:cNvSpPr txBox="1"/>
+          <p:nvPr/>
+        </p:nvSpPr>
+        <p:spPr>
+          <a:xfrm>
+            <a:off x="878477" y="5347776"/>
+            <a:ext cx="3491661" cy="1077218"/>
+          </a:xfrm>
+          <a:prstGeom prst="rect">
+            <a:avLst/>
+          </a:prstGeom>
+        </p:spPr>
+        <p:txBody>
+          <a:bodyPr vert="horz" wrap="none" lIns="91440" tIns="45720" rIns="91440" bIns="45720" rtlCol="0" anchor="ctr">
+            <a:spAutoFit/>
+          </a:bodyPr>
+          <a:lstStyle/>
+          <a:p>
+            <a:r>
+              <a:rPr kumimoji="1" lang="en-US" altLang="zh-TW" sz="3200" dirty="0" smtClean="0">
+                <a:solidFill>
+                  <a:srgbClr val="FF0000"/>
+                </a:solidFill>
+                <a:latin typeface="Times New Roman" charset="0"/>
+                <a:ea typeface="Times New Roman" charset="0"/>
+                <a:cs typeface="Times New Roman" charset="0"/>
+              </a:rPr>
+              <a:t>Frequency-selective</a:t>
+            </a:r>
+          </a:p>
+          <a:p>
+            <a:r>
+              <a:rPr kumimoji="1" lang="en-US" altLang="zh-TW" sz="3200" b="0" baseline="0" dirty="0" smtClean="0">
+                <a:solidFill>
+                  <a:srgbClr val="FF0000"/>
+                </a:solidFill>
+                <a:latin typeface="Times New Roman" charset="0"/>
+                <a:ea typeface="Times New Roman" charset="0"/>
+                <a:cs typeface="Times New Roman" charset="0"/>
+              </a:rPr>
+              <a:t>Fading</a:t>
+            </a:r>
+          </a:p>
+        </p:txBody>
+      </p:sp>
+      <mc:AlternateContent xmlns:mc="http://schemas.openxmlformats.org/markup-compatibility/2006">
+        <mc:Choice xmlns:a14="http://schemas.microsoft.com/office/drawing/2010/main" Requires="a14">
+          <p:sp>
+            <p:nvSpPr>
+              <p:cNvPr id="17" name="文字方塊 16"/>
+              <p:cNvSpPr txBox="1"/>
+              <p:nvPr/>
+            </p:nvSpPr>
+            <p:spPr>
+              <a:xfrm>
+                <a:off x="4672373" y="5308800"/>
+                <a:ext cx="5210081" cy="1261884"/>
+              </a:xfrm>
+              <a:prstGeom prst="rect">
+                <a:avLst/>
+              </a:prstGeom>
+            </p:spPr>
+            <p:txBody>
+              <a:bodyPr vert="horz" wrap="none" lIns="91440" tIns="45720" rIns="91440" bIns="45720" rtlCol="0" anchor="ctr">
+                <a:spAutoFit/>
+              </a:bodyPr>
+              <a:lstStyle/>
+              <a:p>
+                <a:r>
+                  <a:rPr kumimoji="1" lang="en-US" altLang="zh-TW" sz="3600" dirty="0">
+                    <a:solidFill>
+                      <a:schemeClr val="tx1">
+                        <a:lumMod val="65000"/>
+                        <a:lumOff val="35000"/>
+                      </a:schemeClr>
+                    </a:solidFill>
+                    <a:latin typeface="Times New Roman" charset="0"/>
+                    <a:ea typeface="Times New Roman" charset="0"/>
+                    <a:cs typeface="Times New Roman" charset="0"/>
+                  </a:rPr>
+                  <a:t>Signal bandwidth </a:t>
+                </a:r>
+                <a14:m>
+                  <m:oMath xmlns:m="http://schemas.openxmlformats.org/officeDocument/2006/math">
+                    <m:r>
+                      <a:rPr kumimoji="1" lang="en-US" altLang="zh-TW" sz="3600" b="0" i="1" smtClean="0">
+                        <a:solidFill>
+                          <a:schemeClr val="tx1">
+                            <a:lumMod val="65000"/>
+                            <a:lumOff val="35000"/>
+                          </a:schemeClr>
+                        </a:solidFill>
+                        <a:latin typeface="Cambria Math" charset="0"/>
+                        <a:ea typeface="Times New Roman" charset="0"/>
+                        <a:cs typeface="Times New Roman" charset="0"/>
+                      </a:rPr>
+                      <m:t>𝑊</m:t>
+                    </m:r>
+                    <m:r>
+                      <a:rPr kumimoji="1" lang="en-US" altLang="zh-TW" sz="3600" b="0" i="1" smtClean="0">
+                        <a:solidFill>
+                          <a:schemeClr val="tx1">
+                            <a:lumMod val="65000"/>
+                            <a:lumOff val="35000"/>
+                          </a:schemeClr>
+                        </a:solidFill>
+                        <a:latin typeface="Cambria Math" charset="0"/>
+                        <a:ea typeface="Cambria Math" charset="0"/>
+                        <a:cs typeface="Cambria Math" charset="0"/>
+                      </a:rPr>
+                      <m:t>≫</m:t>
+                    </m:r>
+                    <m:sSub>
+                      <m:sSubPr>
+                        <m:ctrlPr>
+                          <a:rPr kumimoji="1" lang="en-US" altLang="zh-TW" sz="3600" i="1">
+                            <a:solidFill>
+                              <a:srgbClr val="FF0000"/>
+                            </a:solidFill>
+                            <a:latin typeface="Cambria Math" charset="0"/>
+                            <a:ea typeface="Times New Roman" charset="0"/>
+                            <a:cs typeface="Times New Roman" charset="0"/>
+                          </a:rPr>
+                        </m:ctrlPr>
+                      </m:sSubPr>
+                      <m:e>
+                        <m:r>
+                          <a:rPr kumimoji="1" lang="en-US" altLang="zh-TW" sz="3600" b="0" i="1" smtClean="0">
+                            <a:solidFill>
+                              <a:srgbClr val="FF0000"/>
+                            </a:solidFill>
+                            <a:latin typeface="Cambria Math" charset="0"/>
+                            <a:ea typeface="Times New Roman" charset="0"/>
+                            <a:cs typeface="Times New Roman" charset="0"/>
+                          </a:rPr>
+                          <m:t>𝑊</m:t>
+                        </m:r>
+                      </m:e>
+                      <m:sub>
+                        <m:r>
+                          <a:rPr kumimoji="1" lang="en-US" altLang="zh-TW" sz="3600" i="1">
+                            <a:solidFill>
+                              <a:srgbClr val="FF0000"/>
+                            </a:solidFill>
+                            <a:latin typeface="Cambria Math" charset="0"/>
+                            <a:ea typeface="Times New Roman" charset="0"/>
+                            <a:cs typeface="Times New Roman" charset="0"/>
+                          </a:rPr>
+                          <m:t>𝑐</m:t>
+                        </m:r>
+                      </m:sub>
+                    </m:sSub>
+                  </m:oMath>
+                </a14:m>
+                <a:endParaRPr kumimoji="1" lang="en-US" altLang="zh-TW" sz="3600" b="0" baseline="0" dirty="0" smtClean="0">
+                  <a:solidFill>
+                    <a:schemeClr val="tx1">
+                      <a:lumMod val="65000"/>
+                      <a:lumOff val="35000"/>
+                    </a:schemeClr>
+                  </a:solidFill>
+                  <a:latin typeface="Times New Roman" charset="0"/>
+                  <a:ea typeface="Times New Roman" charset="0"/>
+                  <a:cs typeface="Times New Roman" charset="0"/>
+                </a:endParaRPr>
+              </a:p>
+              <a:p>
+                <a:r>
+                  <a:rPr kumimoji="1" lang="en-US" altLang="zh-TW" sz="3600" dirty="0">
+                    <a:solidFill>
+                      <a:schemeClr val="tx1">
+                        <a:lumMod val="65000"/>
+                        <a:lumOff val="35000"/>
+                      </a:schemeClr>
+                    </a:solidFill>
+                    <a:latin typeface="Times New Roman" charset="0"/>
+                    <a:ea typeface="Times New Roman" charset="0"/>
+                    <a:cs typeface="Times New Roman" charset="0"/>
+                  </a:rPr>
+                  <a:t>Symbol time </a:t>
+                </a:r>
+                <a14:m>
+                  <m:oMath xmlns:m="http://schemas.openxmlformats.org/officeDocument/2006/math">
+                    <m:r>
+                      <a:rPr kumimoji="1" lang="en-US" altLang="zh-TW" sz="3600" b="0" i="1" smtClean="0">
+                        <a:solidFill>
+                          <a:schemeClr val="tx1">
+                            <a:lumMod val="65000"/>
+                            <a:lumOff val="35000"/>
+                          </a:schemeClr>
+                        </a:solidFill>
+                        <a:latin typeface="Cambria Math" charset="0"/>
+                        <a:ea typeface="Times New Roman" charset="0"/>
+                        <a:cs typeface="Times New Roman" charset="0"/>
+                      </a:rPr>
+                      <m:t>𝑇</m:t>
+                    </m:r>
+                    <m:r>
+                      <a:rPr kumimoji="1" lang="en-US" altLang="zh-TW" sz="3600" i="1" smtClean="0">
+                        <a:solidFill>
+                          <a:schemeClr val="tx1">
+                            <a:lumMod val="65000"/>
+                            <a:lumOff val="35000"/>
+                          </a:schemeClr>
+                        </a:solidFill>
+                        <a:latin typeface="Cambria Math" charset="0"/>
+                        <a:ea typeface="Cambria Math" charset="0"/>
+                        <a:cs typeface="Cambria Math" charset="0"/>
+                      </a:rPr>
+                      <m:t>≪</m:t>
+                    </m:r>
+                    <m:sSub>
+                      <m:sSubPr>
+                        <m:ctrlPr>
+                          <a:rPr kumimoji="1" lang="en-US" altLang="zh-TW" sz="4000" i="1">
+                            <a:solidFill>
+                              <a:schemeClr val="accent1"/>
+                            </a:solidFill>
+                            <a:latin typeface="Cambria Math" charset="0"/>
+                            <a:ea typeface="Times New Roman" charset="0"/>
+                            <a:cs typeface="Times New Roman" charset="0"/>
+                          </a:rPr>
+                        </m:ctrlPr>
+                      </m:sSubPr>
+                      <m:e>
+                        <m:r>
+                          <a:rPr kumimoji="1" lang="en-US" altLang="zh-TW" sz="4000" b="0" i="1" smtClean="0">
+                            <a:solidFill>
+                              <a:schemeClr val="accent1"/>
+                            </a:solidFill>
+                            <a:latin typeface="Cambria Math" charset="0"/>
+                            <a:ea typeface="Times New Roman" charset="0"/>
+                            <a:cs typeface="Times New Roman" charset="0"/>
+                          </a:rPr>
+                          <m:t>𝑇</m:t>
+                        </m:r>
+                      </m:e>
+                      <m:sub>
+                        <m:r>
+                          <a:rPr kumimoji="1" lang="en-US" altLang="zh-TW" sz="4000" b="0" i="1" smtClean="0">
+                            <a:solidFill>
+                              <a:schemeClr val="accent1"/>
+                            </a:solidFill>
+                            <a:latin typeface="Cambria Math" charset="0"/>
+                            <a:ea typeface="Times New Roman" charset="0"/>
+                            <a:cs typeface="Times New Roman" charset="0"/>
+                          </a:rPr>
+                          <m:t>𝑑</m:t>
+                        </m:r>
+                      </m:sub>
+                    </m:sSub>
+                  </m:oMath>
+                </a14:m>
+                <a:endParaRPr kumimoji="1" lang="en-US" altLang="zh-TW" sz="4000" dirty="0">
+                  <a:solidFill>
+                    <a:schemeClr val="tx1">
+                      <a:lumMod val="65000"/>
+                      <a:lumOff val="35000"/>
+                    </a:schemeClr>
+                  </a:solidFill>
+                  <a:latin typeface="Times New Roman" charset="0"/>
+                  <a:ea typeface="Times New Roman" charset="0"/>
+                  <a:cs typeface="Times New Roman" charset="0"/>
+                </a:endParaRPr>
+              </a:p>
+            </p:txBody>
+          </p:sp>
+        </mc:Choice>
+        <mc:Fallback>
+          <p:sp>
+            <p:nvSpPr>
+              <p:cNvPr id="17" name="文字方塊 16"/>
+              <p:cNvSpPr txBox="1">
+                <a:spLocks noRot="1" noChangeAspect="1" noMove="1" noResize="1" noEditPoints="1" noAdjustHandles="1" noChangeArrowheads="1" noChangeShapeType="1" noTextEdit="1"/>
+              </p:cNvSpPr>
+              <p:nvPr/>
+            </p:nvSpPr>
+            <p:spPr>
+              <a:xfrm>
+                <a:off x="4672373" y="5308800"/>
+                <a:ext cx="5210081" cy="1261884"/>
+              </a:xfrm>
+              <a:prstGeom prst="rect">
+                <a:avLst/>
+              </a:prstGeom>
+              <a:blipFill rotWithShape="0">
+                <a:blip r:embed="rId7"/>
+                <a:stretch>
+                  <a:fillRect l="-3509" t="-7729" b="-16425"/>
+                </a:stretch>
+              </a:blipFill>
+            </p:spPr>
+            <p:txBody>
+              <a:bodyPr/>
+              <a:lstStyle/>
+              <a:p>
+                <a:r>
+                  <a:rPr lang="zh-TW" altLang="en-US">
+                    <a:noFill/>
+                  </a:rPr>
+                  <a:t> </a:t>
+                </a:r>
+              </a:p>
+            </p:txBody>
+          </p:sp>
+        </mc:Fallback>
+      </mc:AlternateContent>
+      <p:sp>
+        <p:nvSpPr>
+          <p:cNvPr id="18" name="文字方塊 17"/>
+          <p:cNvSpPr txBox="1"/>
+          <p:nvPr/>
+        </p:nvSpPr>
+        <p:spPr>
+          <a:xfrm>
+            <a:off x="878477" y="1625461"/>
+            <a:ext cx="2945037" cy="523220"/>
+          </a:xfrm>
+          <a:prstGeom prst="rect">
+            <a:avLst/>
+          </a:prstGeom>
+        </p:spPr>
+        <p:txBody>
+          <a:bodyPr vert="horz" wrap="none" lIns="91440" tIns="45720" rIns="91440" bIns="45720" rtlCol="0" anchor="ctr">
+            <a:spAutoFit/>
+          </a:bodyPr>
+          <a:lstStyle/>
+          <a:p>
+            <a:pPr algn="ctr"/>
+            <a:r>
+              <a:rPr kumimoji="1" lang="en-US" altLang="zh-TW" sz="2800" smtClean="0">
+                <a:solidFill>
+                  <a:schemeClr val="tx1">
+                    <a:lumMod val="65000"/>
+                    <a:lumOff val="35000"/>
+                  </a:schemeClr>
+                </a:solidFill>
+                <a:latin typeface="Times New Roman" charset="0"/>
+                <a:ea typeface="Times New Roman" charset="0"/>
+                <a:cs typeface="Times New Roman" charset="0"/>
+              </a:rPr>
+              <a:t>Frequency</a:t>
+            </a:r>
+            <a:r>
+              <a:rPr kumimoji="1" lang="en-US" altLang="zh-TW" sz="2800" b="0" baseline="0" smtClean="0">
+                <a:solidFill>
+                  <a:schemeClr val="tx1">
+                    <a:lumMod val="65000"/>
+                    <a:lumOff val="35000"/>
+                  </a:schemeClr>
+                </a:solidFill>
+                <a:latin typeface="Times New Roman" charset="0"/>
+                <a:ea typeface="Times New Roman" charset="0"/>
+                <a:cs typeface="Times New Roman" charset="0"/>
+              </a:rPr>
+              <a:t> </a:t>
+            </a:r>
+            <a:r>
+              <a:rPr kumimoji="1" lang="en-US" altLang="zh-TW" sz="2800" b="0" baseline="0" dirty="0" smtClean="0">
+                <a:solidFill>
+                  <a:schemeClr val="tx1">
+                    <a:lumMod val="65000"/>
+                    <a:lumOff val="35000"/>
+                  </a:schemeClr>
+                </a:solidFill>
+                <a:latin typeface="Times New Roman" charset="0"/>
+                <a:ea typeface="Times New Roman" charset="0"/>
+                <a:cs typeface="Times New Roman" charset="0"/>
+              </a:rPr>
+              <a:t>Domain</a:t>
+            </a:r>
+            <a:endParaRPr kumimoji="1" lang="zh-TW" altLang="en-US" sz="2800" b="0" baseline="0" dirty="0">
+              <a:solidFill>
+                <a:schemeClr val="tx1">
+                  <a:lumMod val="65000"/>
+                  <a:lumOff val="35000"/>
+                </a:schemeClr>
+              </a:solidFill>
+              <a:latin typeface="Times New Roman" charset="0"/>
+              <a:ea typeface="Times New Roman" charset="0"/>
+              <a:cs typeface="Times New Roman" charset="0"/>
+            </a:endParaRPr>
+          </a:p>
+        </p:txBody>
+      </p:sp>
+      <p:sp>
+        <p:nvSpPr>
+          <p:cNvPr id="19" name="文字方塊 18"/>
+          <p:cNvSpPr txBox="1"/>
+          <p:nvPr/>
+        </p:nvSpPr>
+        <p:spPr>
+          <a:xfrm>
+            <a:off x="8675640" y="1625461"/>
+            <a:ext cx="2174250" cy="523220"/>
+          </a:xfrm>
+          <a:prstGeom prst="rect">
+            <a:avLst/>
+          </a:prstGeom>
+        </p:spPr>
+        <p:txBody>
+          <a:bodyPr vert="horz" wrap="none" lIns="91440" tIns="45720" rIns="91440" bIns="45720" rtlCol="0" anchor="ctr">
+            <a:spAutoFit/>
+          </a:bodyPr>
+          <a:lstStyle/>
+          <a:p>
+            <a:pPr algn="ctr"/>
+            <a:r>
+              <a:rPr kumimoji="1" lang="en-US" altLang="zh-TW" sz="2800" b="0" baseline="0" smtClean="0">
+                <a:solidFill>
+                  <a:schemeClr val="tx1">
+                    <a:lumMod val="65000"/>
+                    <a:lumOff val="35000"/>
+                  </a:schemeClr>
+                </a:solidFill>
+                <a:latin typeface="Times New Roman" charset="0"/>
+                <a:ea typeface="Times New Roman" charset="0"/>
+                <a:cs typeface="Times New Roman" charset="0"/>
+              </a:rPr>
+              <a:t>Time Domain</a:t>
+            </a:r>
+            <a:endParaRPr kumimoji="1" lang="zh-TW" altLang="en-US" sz="2800" b="0" baseline="0" dirty="0">
+              <a:solidFill>
+                <a:schemeClr val="tx1">
+                  <a:lumMod val="65000"/>
+                  <a:lumOff val="35000"/>
+                </a:schemeClr>
+              </a:solidFill>
+              <a:latin typeface="Times New Roman" charset="0"/>
+              <a:ea typeface="Times New Roman" charset="0"/>
+              <a:cs typeface="Times New Roman" charset="0"/>
+            </a:endParaRPr>
+          </a:p>
+        </p:txBody>
+      </p:sp>
+    </p:spTree>
+    <p:extLst>
+      <p:ext uri="{BB962C8B-B14F-4D97-AF65-F5344CB8AC3E}">
+        <p14:creationId xmlns:p14="http://schemas.microsoft.com/office/powerpoint/2010/main" val="1188166703"/>
+      </p:ext>
+    </p:extLst>
+  </p:cSld>
+  <p:clrMapOvr>
+    <a:masterClrMapping/>
+  </p:clrMapOvr>
+  <mc:AlternateContent xmlns:mc="http://schemas.openxmlformats.org/markup-compatibility/2006" xmlns:p14="http://schemas.microsoft.com/office/powerpoint/2010/main">
+    <mc:Choice Requires="p14">
+      <p:transition spd="med" p14:dur="700">
+        <p:fade/>
+      </p:transition>
+    </mc:Choice>
+    <mc:Fallback xmlns="">
+      <p:transition spd="med">
+        <p:fade/>
+      </p:transition>
+    </mc:Fallback>
+  </mc:AlternateContent>
+  <p:timing>
+    <p:tnLst>
+      <p:par>
+        <p:cTn id="1" dur="indefinite" restart="never" nodeType="tmRoot"/>
+      </p:par>
+    </p:tnLst>
+  </p:timing>
+</p:sld>
+</file>
+
+<file path=ppt/slides/slide17.xml><?xml version="1.0" encoding="utf-8"?>
+<p:sld xmlns:a="http://schemas.openxmlformats.org/drawingml/2006/main" xmlns:r="http://schemas.openxmlformats.org/officeDocument/2006/relationships" xmlns:p="http://schemas.openxmlformats.org/presentationml/2006/main">
+  <p:cSld>
+    <p:spTree>
+      <p:nvGrpSpPr>
+        <p:cNvPr id="1" name=""/>
+        <p:cNvGrpSpPr/>
+        <p:nvPr/>
+      </p:nvGrpSpPr>
+      <p:grpSpPr>
+        <a:xfrm>
+          <a:off x="0" y="0"/>
+          <a:ext cx="0" cy="0"/>
+          <a:chOff x="0" y="0"/>
+          <a:chExt cx="0" cy="0"/>
+        </a:xfrm>
+      </p:grpSpPr>
+      <p:sp>
+        <p:nvSpPr>
+          <p:cNvPr id="2" name="投影片編號版面配置區 1"/>
+          <p:cNvSpPr>
+            <a:spLocks noGrp="1"/>
+          </p:cNvSpPr>
+          <p:nvPr>
+            <p:ph type="sldNum" sz="quarter" idx="12"/>
+          </p:nvPr>
+        </p:nvSpPr>
+        <p:spPr/>
+        <p:txBody>
+          <a:bodyPr/>
+          <a:lstStyle/>
+          <a:p>
+            <a:fld id="{3EBBE1F4-AE36-AD42-8177-96288CD18AD2}" type="slidenum">
+              <a:rPr lang="en-US" smtClean="0"/>
+              <a:t>17</a:t>
+            </a:fld>
+            <a:endParaRPr lang="en-US"/>
+          </a:p>
+        </p:txBody>
+      </p:sp>
+      <p:sp>
+        <p:nvSpPr>
+          <p:cNvPr id="3" name="矩形 2"/>
+          <p:cNvSpPr/>
+          <p:nvPr/>
+        </p:nvSpPr>
+        <p:spPr>
+          <a:xfrm>
+            <a:off x="0" y="-148281"/>
+            <a:ext cx="12282616" cy="7364627"/>
+          </a:xfrm>
+          <a:prstGeom prst="rect">
+            <a:avLst/>
+          </a:prstGeom>
+          <a:solidFill>
+            <a:schemeClr val="tx1">
+              <a:lumMod val="65000"/>
+              <a:lumOff val="35000"/>
+              <a:alpha val="86000"/>
+            </a:schemeClr>
+          </a:solidFill>
+        </p:spPr>
+        <p:style>
+          <a:lnRef idx="2">
+            <a:schemeClr val="accent1">
+              <a:shade val="50000"/>
+            </a:schemeClr>
+          </a:lnRef>
+          <a:fillRef idx="1">
+            <a:schemeClr val="accent1"/>
+          </a:fillRef>
+          <a:effectRef idx="0">
+            <a:schemeClr val="accent1"/>
+          </a:effectRef>
+          <a:fontRef idx="minor">
+            <a:schemeClr val="lt1"/>
+          </a:fontRef>
+        </p:style>
+        <p:txBody>
+          <a:bodyPr rtlCol="0" anchor="ctr"/>
+          <a:lstStyle/>
+          <a:p>
+            <a:pPr algn="ctr"/>
+            <a:r>
+              <a:rPr lang="en-US" altLang="zh-TW" sz="6000" b="1" smtClean="0">
+                <a:latin typeface="Times New Roman" charset="0"/>
+                <a:ea typeface="Times New Roman" charset="0"/>
+                <a:cs typeface="Times New Roman" charset="0"/>
+              </a:rPr>
+              <a:t>Large-Scale </a:t>
+            </a:r>
+            <a:r>
+              <a:rPr lang="en-US" altLang="zh-TW" sz="6000" b="1" dirty="0" smtClean="0">
+                <a:latin typeface="Times New Roman" charset="0"/>
+                <a:ea typeface="Times New Roman" charset="0"/>
+                <a:cs typeface="Times New Roman" charset="0"/>
+              </a:rPr>
+              <a:t>Fading</a:t>
+            </a:r>
+            <a:endParaRPr lang="zh-TW" altLang="en-US" sz="6000" b="1" dirty="0">
+              <a:latin typeface="Times New Roman" charset="0"/>
+              <a:ea typeface="Times New Roman" charset="0"/>
+              <a:cs typeface="Times New Roman" charset="0"/>
+            </a:endParaRPr>
+          </a:p>
+        </p:txBody>
+      </p:sp>
+    </p:spTree>
+    <p:extLst>
+      <p:ext uri="{BB962C8B-B14F-4D97-AF65-F5344CB8AC3E}">
+        <p14:creationId xmlns:p14="http://schemas.microsoft.com/office/powerpoint/2010/main" val="2045946095"/>
+      </p:ext>
+    </p:extLst>
+  </p:cSld>
+  <p:clrMapOvr>
+    <a:masterClrMapping/>
+  </p:clrMapOvr>
+  <mc:AlternateContent xmlns:mc="http://schemas.openxmlformats.org/markup-compatibility/2006" xmlns:p14="http://schemas.microsoft.com/office/powerpoint/2010/main">
+    <mc:Choice Requires="p14">
+      <p:transition spd="med" p14:dur="700">
+        <p:fade/>
+      </p:transition>
+    </mc:Choice>
+    <mc:Fallback xmlns="">
+      <p:transition spd="med">
+        <p:fade/>
+      </p:transition>
+    </mc:Fallback>
+  </mc:AlternateContent>
+</p:sld>
+</file>
+
+<file path=ppt/slides/slide18.xml><?xml version="1.0" encoding="utf-8"?>
 <p:sld xmlns:a="http://schemas.openxmlformats.org/drawingml/2006/main" xmlns:r="http://schemas.openxmlformats.org/officeDocument/2006/relationships" xmlns:p="http://schemas.openxmlformats.org/presentationml/2006/main">
   <p:cSld>
     <p:spTree>
@@ -11066,7 +16934,7 @@
             <a:fld id="{3EBBE1F4-AE36-AD42-8177-96288CD18AD2}" type="slidenum">
               <a:rPr lang="en-US" smtClean="0"/>
               <a:pPr/>
-              <a:t>12</a:t>
+              <a:t>18</a:t>
             </a:fld>
             <a:endParaRPr lang="en-US"/>
           </a:p>
@@ -11104,7 +16972,7 @@
 </p:sld>
 </file>
 
-<file path=ppt/slides/slide13.xml><?xml version="1.0" encoding="utf-8"?>
+<file path=ppt/slides/slide19.xml><?xml version="1.0" encoding="utf-8"?>
 <p:sld xmlns:a="http://schemas.openxmlformats.org/drawingml/2006/main" xmlns:r="http://schemas.openxmlformats.org/officeDocument/2006/relationships" xmlns:p="http://schemas.openxmlformats.org/presentationml/2006/main">
   <p:cSld>
     <p:spTree>
@@ -11240,7 +17108,7 @@
             <a:fld id="{3EBBE1F4-AE36-AD42-8177-96288CD18AD2}" type="slidenum">
               <a:rPr lang="en-US" smtClean="0"/>
               <a:pPr/>
-              <a:t>13</a:t>
+              <a:t>19</a:t>
             </a:fld>
             <a:endParaRPr lang="en-US"/>
           </a:p>
@@ -11544,7 +17412,181 @@
 </p:sld>
 </file>
 
-<file path=ppt/slides/slide14.xml><?xml version="1.0" encoding="utf-8"?>
+<file path=ppt/slides/slide2.xml><?xml version="1.0" encoding="utf-8"?>
+<p:sld xmlns:a="http://schemas.openxmlformats.org/drawingml/2006/main" xmlns:r="http://schemas.openxmlformats.org/officeDocument/2006/relationships" xmlns:p="http://schemas.openxmlformats.org/presentationml/2006/main">
+  <p:cSld>
+    <p:spTree>
+      <p:nvGrpSpPr>
+        <p:cNvPr id="1" name=""/>
+        <p:cNvGrpSpPr/>
+        <p:nvPr/>
+      </p:nvGrpSpPr>
+      <p:grpSpPr>
+        <a:xfrm>
+          <a:off x="0" y="0"/>
+          <a:ext cx="0" cy="0"/>
+          <a:chOff x="0" y="0"/>
+          <a:chExt cx="0" cy="0"/>
+        </a:xfrm>
+      </p:grpSpPr>
+      <p:sp>
+        <p:nvSpPr>
+          <p:cNvPr id="2" name="標題 1"/>
+          <p:cNvSpPr>
+            <a:spLocks noGrp="1"/>
+          </p:cNvSpPr>
+          <p:nvPr>
+            <p:ph type="title"/>
+          </p:nvPr>
+        </p:nvSpPr>
+        <p:spPr/>
+        <p:txBody>
+          <a:bodyPr/>
+          <a:lstStyle/>
+          <a:p>
+            <a:r>
+              <a:rPr lang="en-US" altLang="zh-TW" dirty="0" smtClean="0">
+                <a:latin typeface="Times New Roman" panose="02020603050405020304" pitchFamily="18" charset="0"/>
+                <a:cs typeface="Times New Roman" panose="02020603050405020304" pitchFamily="18" charset="0"/>
+              </a:rPr>
+              <a:t>Outline</a:t>
+            </a:r>
+            <a:endParaRPr lang="zh-TW" altLang="en-US" dirty="0">
+              <a:latin typeface="Times New Roman" panose="02020603050405020304" pitchFamily="18" charset="0"/>
+              <a:cs typeface="Times New Roman" panose="02020603050405020304" pitchFamily="18" charset="0"/>
+            </a:endParaRPr>
+          </a:p>
+        </p:txBody>
+      </p:sp>
+      <p:sp>
+        <p:nvSpPr>
+          <p:cNvPr id="3" name="內容版面配置區 2"/>
+          <p:cNvSpPr>
+            <a:spLocks noGrp="1"/>
+          </p:cNvSpPr>
+          <p:nvPr>
+            <p:ph idx="1"/>
+          </p:nvPr>
+        </p:nvSpPr>
+        <p:spPr/>
+        <p:txBody>
+          <a:bodyPr/>
+          <a:lstStyle/>
+          <a:p>
+            <a:pPr>
+              <a:lnSpc>
+                <a:spcPct val="150000"/>
+              </a:lnSpc>
+            </a:pPr>
+            <a:r>
+              <a:rPr lang="en-US" altLang="zh-TW" sz="3200" b="1" dirty="0" smtClean="0">
+                <a:latin typeface="Times New Roman" charset="0"/>
+                <a:ea typeface="Times New Roman" charset="0"/>
+                <a:cs typeface="Times New Roman" charset="0"/>
+              </a:rPr>
+              <a:t>Channel</a:t>
+            </a:r>
+          </a:p>
+          <a:p>
+            <a:pPr>
+              <a:lnSpc>
+                <a:spcPct val="150000"/>
+              </a:lnSpc>
+            </a:pPr>
+            <a:r>
+              <a:rPr lang="en-US" altLang="zh-TW" sz="3200" b="1" dirty="0" err="1" smtClean="0">
+                <a:latin typeface="Times New Roman" charset="0"/>
+                <a:ea typeface="Times New Roman" charset="0"/>
+                <a:cs typeface="Times New Roman" charset="0"/>
+              </a:rPr>
+              <a:t>Friis</a:t>
+            </a:r>
+            <a:r>
+              <a:rPr lang="en-US" altLang="zh-TW" sz="3200" b="1" dirty="0" smtClean="0">
+                <a:latin typeface="Times New Roman" charset="0"/>
+                <a:ea typeface="Times New Roman" charset="0"/>
+                <a:cs typeface="Times New Roman" charset="0"/>
+              </a:rPr>
+              <a:t> Transmission Equation</a:t>
+            </a:r>
+          </a:p>
+          <a:p>
+            <a:pPr>
+              <a:lnSpc>
+                <a:spcPct val="150000"/>
+              </a:lnSpc>
+            </a:pPr>
+            <a:r>
+              <a:rPr lang="en-US" altLang="zh-TW" sz="3200" b="1" dirty="0" smtClean="0">
+                <a:latin typeface="Times New Roman" charset="0"/>
+                <a:ea typeface="Times New Roman" charset="0"/>
+                <a:cs typeface="Times New Roman" charset="0"/>
+              </a:rPr>
+              <a:t>RFID</a:t>
+            </a:r>
+          </a:p>
+          <a:p>
+            <a:endParaRPr lang="zh-TW" altLang="en-US" dirty="0"/>
+          </a:p>
+        </p:txBody>
+      </p:sp>
+      <p:sp>
+        <p:nvSpPr>
+          <p:cNvPr id="4" name="投影片編號版面配置區 3"/>
+          <p:cNvSpPr>
+            <a:spLocks noGrp="1"/>
+          </p:cNvSpPr>
+          <p:nvPr>
+            <p:ph type="sldNum" sz="quarter" idx="12"/>
+          </p:nvPr>
+        </p:nvSpPr>
+        <p:spPr/>
+        <p:txBody>
+          <a:bodyPr/>
+          <a:lstStyle/>
+          <a:p>
+            <a:fld id="{3EBBE1F4-AE36-AD42-8177-96288CD18AD2}" type="slidenum">
+              <a:rPr lang="en-US" smtClean="0"/>
+              <a:pPr/>
+              <a:t>2</a:t>
+            </a:fld>
+            <a:endParaRPr lang="en-US"/>
+          </a:p>
+        </p:txBody>
+      </p:sp>
+    </p:spTree>
+    <p:extLst>
+      <p:ext uri="{BB962C8B-B14F-4D97-AF65-F5344CB8AC3E}">
+        <p14:creationId xmlns:p14="http://schemas.microsoft.com/office/powerpoint/2010/main" val="195901084"/>
+      </p:ext>
+    </p:extLst>
+  </p:cSld>
+  <p:clrMapOvr>
+    <a:masterClrMapping/>
+  </p:clrMapOvr>
+  <mc:AlternateContent xmlns:mc="http://schemas.openxmlformats.org/markup-compatibility/2006" xmlns:p14="http://schemas.microsoft.com/office/powerpoint/2010/main">
+    <mc:Choice Requires="p14">
+      <p:transition spd="med" p14:dur="700">
+        <p:fade/>
+      </p:transition>
+    </mc:Choice>
+    <mc:Fallback xmlns="">
+      <p:transition spd="med">
+        <p:fade/>
+      </p:transition>
+    </mc:Fallback>
+  </mc:AlternateContent>
+  <p:timing>
+    <p:tnLst>
+      <p:par>
+        <p:cTn id="1" dur="indefinite" restart="never" nodeType="tmRoot"/>
+      </p:par>
+    </p:tnLst>
+  </p:timing>
+</p:sld>
+</file>
+
+<file path=ppt/slides/slide20.xml><?xml version="1.0" encoding="utf-8"?>
 <p:sld xmlns:a="http://schemas.openxmlformats.org/drawingml/2006/main" xmlns:r="http://schemas.openxmlformats.org/officeDocument/2006/relationships" xmlns:p="http://schemas.openxmlformats.org/presentationml/2006/main">
   <p:cSld>
     <p:spTree>
@@ -11656,7 +17698,7 @@
             <a:fld id="{3EBBE1F4-AE36-AD42-8177-96288CD18AD2}" type="slidenum">
               <a:rPr lang="en-US" smtClean="0"/>
               <a:pPr/>
-              <a:t>14</a:t>
+              <a:t>20</a:t>
             </a:fld>
             <a:endParaRPr lang="en-US"/>
           </a:p>
@@ -11792,7 +17834,7 @@
 </p:sld>
 </file>
 
-<file path=ppt/slides/slide15.xml><?xml version="1.0" encoding="utf-8"?>
+<file path=ppt/slides/slide21.xml><?xml version="1.0" encoding="utf-8"?>
 <p:sld xmlns:a="http://schemas.openxmlformats.org/drawingml/2006/main" xmlns:r="http://schemas.openxmlformats.org/officeDocument/2006/relationships" xmlns:p="http://schemas.openxmlformats.org/presentationml/2006/main">
   <p:cSld>
     <p:spTree>
@@ -12181,7 +18223,7 @@
             <a:fld id="{3EBBE1F4-AE36-AD42-8177-96288CD18AD2}" type="slidenum">
               <a:rPr lang="en-US" smtClean="0"/>
               <a:pPr/>
-              <a:t>15</a:t>
+              <a:t>21</a:t>
             </a:fld>
             <a:endParaRPr lang="en-US"/>
           </a:p>
@@ -12569,7 +18611,7 @@
 </p:sld>
 </file>
 
-<file path=ppt/slides/slide16.xml><?xml version="1.0" encoding="utf-8"?>
+<file path=ppt/slides/slide22.xml><?xml version="1.0" encoding="utf-8"?>
 <p:sld xmlns:a="http://schemas.openxmlformats.org/drawingml/2006/main" xmlns:r="http://schemas.openxmlformats.org/officeDocument/2006/relationships" xmlns:p="http://schemas.openxmlformats.org/presentationml/2006/main">
   <p:cSld>
     <p:spTree>
@@ -12635,7 +18677,7 @@
             <a:fld id="{3EBBE1F4-AE36-AD42-8177-96288CD18AD2}" type="slidenum">
               <a:rPr lang="en-US" smtClean="0"/>
               <a:pPr/>
-              <a:t>16</a:t>
+              <a:t>22</a:t>
             </a:fld>
             <a:endParaRPr lang="en-US"/>
           </a:p>
@@ -13004,7 +19046,7 @@
 </p:sld>
 </file>
 
-<file path=ppt/slides/slide17.xml><?xml version="1.0" encoding="utf-8"?>
+<file path=ppt/slides/slide23.xml><?xml version="1.0" encoding="utf-8"?>
 <p:sld xmlns:a="http://schemas.openxmlformats.org/drawingml/2006/main" xmlns:r="http://schemas.openxmlformats.org/officeDocument/2006/relationships" xmlns:p="http://schemas.openxmlformats.org/presentationml/2006/main">
   <p:cSld>
     <p:spTree>
@@ -13070,7 +19112,7 @@
             <a:fld id="{3EBBE1F4-AE36-AD42-8177-96288CD18AD2}" type="slidenum">
               <a:rPr lang="en-US" smtClean="0"/>
               <a:pPr/>
-              <a:t>17</a:t>
+              <a:t>23</a:t>
             </a:fld>
             <a:endParaRPr lang="en-US"/>
           </a:p>
@@ -13643,7 +19685,7 @@
 </p:sld>
 </file>
 
-<file path=ppt/slides/slide18.xml><?xml version="1.0" encoding="utf-8"?>
+<file path=ppt/slides/slide24.xml><?xml version="1.0" encoding="utf-8"?>
 <p:sld xmlns:a="http://schemas.openxmlformats.org/drawingml/2006/main" xmlns:r="http://schemas.openxmlformats.org/officeDocument/2006/relationships" xmlns:p="http://schemas.openxmlformats.org/presentationml/2006/main">
   <p:cSld>
     <p:spTree>
@@ -13709,7 +19751,7 @@
             <a:fld id="{3EBBE1F4-AE36-AD42-8177-96288CD18AD2}" type="slidenum">
               <a:rPr lang="en-US" smtClean="0"/>
               <a:pPr/>
-              <a:t>18</a:t>
+              <a:t>24</a:t>
             </a:fld>
             <a:endParaRPr lang="en-US"/>
           </a:p>
@@ -14052,7 +20094,7 @@
 </p:sld>
 </file>
 
-<file path=ppt/slides/slide19.xml><?xml version="1.0" encoding="utf-8"?>
+<file path=ppt/slides/slide25.xml><?xml version="1.0" encoding="utf-8"?>
 <p:sld xmlns:a="http://schemas.openxmlformats.org/drawingml/2006/main" xmlns:r="http://schemas.openxmlformats.org/officeDocument/2006/relationships" xmlns:p="http://schemas.openxmlformats.org/presentationml/2006/main">
   <p:cSld>
     <p:spTree>
@@ -14118,7 +20160,7 @@
             <a:fld id="{3EBBE1F4-AE36-AD42-8177-96288CD18AD2}" type="slidenum">
               <a:rPr lang="en-US" smtClean="0"/>
               <a:pPr/>
-              <a:t>19</a:t>
+              <a:t>25</a:t>
             </a:fld>
             <a:endParaRPr lang="en-US"/>
           </a:p>
@@ -14318,181 +20360,7 @@
 </p:sld>
 </file>
 
-<file path=ppt/slides/slide2.xml><?xml version="1.0" encoding="utf-8"?>
-<p:sld xmlns:a="http://schemas.openxmlformats.org/drawingml/2006/main" xmlns:r="http://schemas.openxmlformats.org/officeDocument/2006/relationships" xmlns:p="http://schemas.openxmlformats.org/presentationml/2006/main">
-  <p:cSld>
-    <p:spTree>
-      <p:nvGrpSpPr>
-        <p:cNvPr id="1" name=""/>
-        <p:cNvGrpSpPr/>
-        <p:nvPr/>
-      </p:nvGrpSpPr>
-      <p:grpSpPr>
-        <a:xfrm>
-          <a:off x="0" y="0"/>
-          <a:ext cx="0" cy="0"/>
-          <a:chOff x="0" y="0"/>
-          <a:chExt cx="0" cy="0"/>
-        </a:xfrm>
-      </p:grpSpPr>
-      <p:sp>
-        <p:nvSpPr>
-          <p:cNvPr id="2" name="標題 1"/>
-          <p:cNvSpPr>
-            <a:spLocks noGrp="1"/>
-          </p:cNvSpPr>
-          <p:nvPr>
-            <p:ph type="title"/>
-          </p:nvPr>
-        </p:nvSpPr>
-        <p:spPr/>
-        <p:txBody>
-          <a:bodyPr/>
-          <a:lstStyle/>
-          <a:p>
-            <a:r>
-              <a:rPr lang="en-US" altLang="zh-TW" dirty="0" smtClean="0">
-                <a:latin typeface="Times New Roman" panose="02020603050405020304" pitchFamily="18" charset="0"/>
-                <a:cs typeface="Times New Roman" panose="02020603050405020304" pitchFamily="18" charset="0"/>
-              </a:rPr>
-              <a:t>Outline</a:t>
-            </a:r>
-            <a:endParaRPr lang="zh-TW" altLang="en-US" dirty="0">
-              <a:latin typeface="Times New Roman" panose="02020603050405020304" pitchFamily="18" charset="0"/>
-              <a:cs typeface="Times New Roman" panose="02020603050405020304" pitchFamily="18" charset="0"/>
-            </a:endParaRPr>
-          </a:p>
-        </p:txBody>
-      </p:sp>
-      <p:sp>
-        <p:nvSpPr>
-          <p:cNvPr id="3" name="內容版面配置區 2"/>
-          <p:cNvSpPr>
-            <a:spLocks noGrp="1"/>
-          </p:cNvSpPr>
-          <p:nvPr>
-            <p:ph idx="1"/>
-          </p:nvPr>
-        </p:nvSpPr>
-        <p:spPr/>
-        <p:txBody>
-          <a:bodyPr/>
-          <a:lstStyle/>
-          <a:p>
-            <a:pPr>
-              <a:lnSpc>
-                <a:spcPct val="150000"/>
-              </a:lnSpc>
-            </a:pPr>
-            <a:r>
-              <a:rPr lang="en-US" altLang="zh-TW" sz="3200" b="1" dirty="0" smtClean="0">
-                <a:latin typeface="Times New Roman" charset="0"/>
-                <a:ea typeface="Times New Roman" charset="0"/>
-                <a:cs typeface="Times New Roman" charset="0"/>
-              </a:rPr>
-              <a:t>Channel</a:t>
-            </a:r>
-          </a:p>
-          <a:p>
-            <a:pPr>
-              <a:lnSpc>
-                <a:spcPct val="150000"/>
-              </a:lnSpc>
-            </a:pPr>
-            <a:r>
-              <a:rPr lang="en-US" altLang="zh-TW" sz="3200" b="1" dirty="0" err="1" smtClean="0">
-                <a:latin typeface="Times New Roman" charset="0"/>
-                <a:ea typeface="Times New Roman" charset="0"/>
-                <a:cs typeface="Times New Roman" charset="0"/>
-              </a:rPr>
-              <a:t>Friis</a:t>
-            </a:r>
-            <a:r>
-              <a:rPr lang="en-US" altLang="zh-TW" sz="3200" b="1" dirty="0" smtClean="0">
-                <a:latin typeface="Times New Roman" charset="0"/>
-                <a:ea typeface="Times New Roman" charset="0"/>
-                <a:cs typeface="Times New Roman" charset="0"/>
-              </a:rPr>
-              <a:t> Transmission Equation</a:t>
-            </a:r>
-          </a:p>
-          <a:p>
-            <a:pPr>
-              <a:lnSpc>
-                <a:spcPct val="150000"/>
-              </a:lnSpc>
-            </a:pPr>
-            <a:r>
-              <a:rPr lang="en-US" altLang="zh-TW" sz="3200" b="1" dirty="0" smtClean="0">
-                <a:latin typeface="Times New Roman" charset="0"/>
-                <a:ea typeface="Times New Roman" charset="0"/>
-                <a:cs typeface="Times New Roman" charset="0"/>
-              </a:rPr>
-              <a:t>RFID</a:t>
-            </a:r>
-          </a:p>
-          <a:p>
-            <a:endParaRPr lang="zh-TW" altLang="en-US" dirty="0"/>
-          </a:p>
-        </p:txBody>
-      </p:sp>
-      <p:sp>
-        <p:nvSpPr>
-          <p:cNvPr id="4" name="投影片編號版面配置區 3"/>
-          <p:cNvSpPr>
-            <a:spLocks noGrp="1"/>
-          </p:cNvSpPr>
-          <p:nvPr>
-            <p:ph type="sldNum" sz="quarter" idx="12"/>
-          </p:nvPr>
-        </p:nvSpPr>
-        <p:spPr/>
-        <p:txBody>
-          <a:bodyPr/>
-          <a:lstStyle/>
-          <a:p>
-            <a:fld id="{3EBBE1F4-AE36-AD42-8177-96288CD18AD2}" type="slidenum">
-              <a:rPr lang="en-US" smtClean="0"/>
-              <a:pPr/>
-              <a:t>2</a:t>
-            </a:fld>
-            <a:endParaRPr lang="en-US"/>
-          </a:p>
-        </p:txBody>
-      </p:sp>
-    </p:spTree>
-    <p:extLst>
-      <p:ext uri="{BB962C8B-B14F-4D97-AF65-F5344CB8AC3E}">
-        <p14:creationId xmlns:p14="http://schemas.microsoft.com/office/powerpoint/2010/main" val="195901084"/>
-      </p:ext>
-    </p:extLst>
-  </p:cSld>
-  <p:clrMapOvr>
-    <a:masterClrMapping/>
-  </p:clrMapOvr>
-  <mc:AlternateContent xmlns:mc="http://schemas.openxmlformats.org/markup-compatibility/2006" xmlns:p14="http://schemas.microsoft.com/office/powerpoint/2010/main">
-    <mc:Choice Requires="p14">
-      <p:transition spd="med" p14:dur="700">
-        <p:fade/>
-      </p:transition>
-    </mc:Choice>
-    <mc:Fallback xmlns="">
-      <p:transition spd="med">
-        <p:fade/>
-      </p:transition>
-    </mc:Fallback>
-  </mc:AlternateContent>
-  <p:timing>
-    <p:tnLst>
-      <p:par>
-        <p:cTn id="1" dur="indefinite" restart="never" nodeType="tmRoot"/>
-      </p:par>
-    </p:tnLst>
-  </p:timing>
-</p:sld>
-</file>
-
-<file path=ppt/slides/slide20.xml><?xml version="1.0" encoding="utf-8"?>
+<file path=ppt/slides/slide26.xml><?xml version="1.0" encoding="utf-8"?>
 <p:sld xmlns:a="http://schemas.openxmlformats.org/drawingml/2006/main" xmlns:r="http://schemas.openxmlformats.org/officeDocument/2006/relationships" xmlns:p="http://schemas.openxmlformats.org/presentationml/2006/main">
   <p:cSld>
     <p:spTree>
@@ -14526,7 +20394,7 @@
           <a:p>
             <a:fld id="{3EBBE1F4-AE36-AD42-8177-96288CD18AD2}" type="slidenum">
               <a:rPr lang="en-US" smtClean="0"/>
-              <a:t>20</a:t>
+              <a:t>26</a:t>
             </a:fld>
             <a:endParaRPr lang="en-US"/>
           </a:p>
@@ -15318,7 +21186,7 @@
 </p:sld>
 </file>
 
-<file path=ppt/slides/slide21.xml><?xml version="1.0" encoding="utf-8"?>
+<file path=ppt/slides/slide27.xml><?xml version="1.0" encoding="utf-8"?>
 <p:sld xmlns:a="http://schemas.openxmlformats.org/drawingml/2006/main" xmlns:r="http://schemas.openxmlformats.org/officeDocument/2006/relationships" xmlns:p="http://schemas.openxmlformats.org/presentationml/2006/main">
   <p:cSld>
     <p:spTree>
@@ -15454,7 +21322,7 @@
             <a:fld id="{3EBBE1F4-AE36-AD42-8177-96288CD18AD2}" type="slidenum">
               <a:rPr lang="en-US" smtClean="0"/>
               <a:pPr/>
-              <a:t>21</a:t>
+              <a:t>27</a:t>
             </a:fld>
             <a:endParaRPr lang="en-US"/>
           </a:p>
@@ -15747,7 +21615,7 @@
 </p:sld>
 </file>
 
-<file path=ppt/slides/slide22.xml><?xml version="1.0" encoding="utf-8"?>
+<file path=ppt/slides/slide28.xml><?xml version="1.0" encoding="utf-8"?>
 <p:sld xmlns:a="http://schemas.openxmlformats.org/drawingml/2006/main" xmlns:r="http://schemas.openxmlformats.org/officeDocument/2006/relationships" xmlns:p="http://schemas.openxmlformats.org/presentationml/2006/main">
   <p:cSld>
     <p:spTree>
@@ -15911,7 +21779,7 @@
             <a:fld id="{3EBBE1F4-AE36-AD42-8177-96288CD18AD2}" type="slidenum">
               <a:rPr lang="en-US" smtClean="0"/>
               <a:pPr/>
-              <a:t>22</a:t>
+              <a:t>28</a:t>
             </a:fld>
             <a:endParaRPr lang="en-US"/>
           </a:p>

--- a/Freshman_Training.pptx
+++ b/Freshman_Training.pptx
@@ -5,7 +5,7 @@
     <p:sldMasterId id="2147483660" r:id="rId1"/>
   </p:sldMasterIdLst>
   <p:notesMasterIdLst>
-    <p:notesMasterId r:id="rId30"/>
+    <p:notesMasterId r:id="rId31"/>
   </p:notesMasterIdLst>
   <p:sldIdLst>
     <p:sldId id="256" r:id="rId2"/>
@@ -34,8 +34,9 @@
     <p:sldId id="311" r:id="rId25"/>
     <p:sldId id="312" r:id="rId26"/>
     <p:sldId id="313" r:id="rId27"/>
-    <p:sldId id="305" r:id="rId28"/>
-    <p:sldId id="301" r:id="rId29"/>
+    <p:sldId id="329" r:id="rId28"/>
+    <p:sldId id="305" r:id="rId29"/>
+    <p:sldId id="301" r:id="rId30"/>
   </p:sldIdLst>
   <p:sldSz cx="12192000" cy="6858000"/>
   <p:notesSz cx="6858000" cy="9144000"/>
@@ -173,6 +174,7 @@
             <p14:sldId id="311"/>
             <p14:sldId id="312"/>
             <p14:sldId id="313"/>
+            <p14:sldId id="329"/>
           </p14:sldIdLst>
         </p14:section>
         <p14:section name="RFID" id="{3EA3CAAF-261C-BD4E-8DFC-CD96A350342D}">
@@ -16809,20 +16811,12 @@
           <a:p>
             <a:pPr algn="ctr"/>
             <a:r>
-              <a:rPr lang="en-US" altLang="zh-TW" sz="6000" b="1" smtClean="0">
-                <a:latin typeface="Times New Roman" charset="0"/>
-                <a:ea typeface="Times New Roman" charset="0"/>
-                <a:cs typeface="Times New Roman" charset="0"/>
-              </a:rPr>
-              <a:t>Large-Scale </a:t>
-            </a:r>
-            <a:r>
               <a:rPr lang="en-US" altLang="zh-TW" sz="6000" b="1" dirty="0" smtClean="0">
                 <a:latin typeface="Times New Roman" charset="0"/>
                 <a:ea typeface="Times New Roman" charset="0"/>
                 <a:cs typeface="Times New Roman" charset="0"/>
               </a:rPr>
-              <a:t>Fading</a:t>
+              <a:t>Large-Scale Fading</a:t>
             </a:r>
             <a:endParaRPr lang="zh-TW" altLang="en-US" sz="6000" b="1" dirty="0">
               <a:latin typeface="Times New Roman" charset="0"/>
@@ -16912,7 +16906,285 @@
           <a:bodyPr/>
           <a:lstStyle/>
           <a:p>
-            <a:endParaRPr kumimoji="1" lang="zh-TW" altLang="en-US"/>
+            <a:r>
+              <a:rPr kumimoji="1" lang="en-US" altLang="zh-TW" sz="3400" dirty="0" smtClean="0">
+                <a:solidFill>
+                  <a:srgbClr val="FF0000"/>
+                </a:solidFill>
+                <a:latin typeface="Times New Roman" charset="0"/>
+                <a:ea typeface="Times New Roman" charset="0"/>
+                <a:cs typeface="Times New Roman" charset="0"/>
+              </a:rPr>
+              <a:t>Linear</a:t>
+            </a:r>
+            <a:r>
+              <a:rPr kumimoji="1" lang="en-US" altLang="zh-TW" sz="3400" dirty="0" smtClean="0">
+                <a:latin typeface="Times New Roman" charset="0"/>
+                <a:ea typeface="Times New Roman" charset="0"/>
+                <a:cs typeface="Times New Roman" charset="0"/>
+              </a:rPr>
+              <a:t> path loss of the channel is the </a:t>
+            </a:r>
+            <a:r>
+              <a:rPr kumimoji="1" lang="en-US" altLang="zh-TW" sz="3400" dirty="0" smtClean="0">
+                <a:solidFill>
+                  <a:srgbClr val="FF0000"/>
+                </a:solidFill>
+                <a:latin typeface="Times New Roman" charset="0"/>
+                <a:ea typeface="Times New Roman" charset="0"/>
+                <a:cs typeface="Times New Roman" charset="0"/>
+              </a:rPr>
+              <a:t>ratio of transmit</a:t>
+            </a:r>
+          </a:p>
+          <a:p>
+            <a:pPr marL="11112" indent="0">
+              <a:buNone/>
+            </a:pPr>
+            <a:r>
+              <a:rPr kumimoji="1" lang="en-US" altLang="zh-TW" sz="3400" dirty="0">
+                <a:solidFill>
+                  <a:srgbClr val="FF0000"/>
+                </a:solidFill>
+                <a:latin typeface="Times New Roman" charset="0"/>
+                <a:ea typeface="Times New Roman" charset="0"/>
+                <a:cs typeface="Times New Roman" charset="0"/>
+              </a:rPr>
+              <a:t> </a:t>
+            </a:r>
+            <a:r>
+              <a:rPr kumimoji="1" lang="en-US" altLang="zh-TW" sz="3400" dirty="0" smtClean="0">
+                <a:solidFill>
+                  <a:srgbClr val="FF0000"/>
+                </a:solidFill>
+                <a:latin typeface="Times New Roman" charset="0"/>
+                <a:ea typeface="Times New Roman" charset="0"/>
+                <a:cs typeface="Times New Roman" charset="0"/>
+              </a:rPr>
+              <a:t> </a:t>
+            </a:r>
+            <a:r>
+              <a:rPr kumimoji="1" lang="en-US" altLang="zh-TW" sz="3400" dirty="0" smtClean="0">
+                <a:solidFill>
+                  <a:srgbClr val="FF0000"/>
+                </a:solidFill>
+                <a:latin typeface="Times New Roman" charset="0"/>
+                <a:ea typeface="Times New Roman" charset="0"/>
+                <a:cs typeface="Times New Roman" charset="0"/>
+              </a:rPr>
+              <a:t> power to receive power</a:t>
+            </a:r>
+            <a:r>
+              <a:rPr kumimoji="1" lang="en-US" altLang="zh-TW" sz="3400" dirty="0" smtClean="0">
+                <a:latin typeface="Times New Roman" charset="0"/>
+                <a:ea typeface="Times New Roman" charset="0"/>
+                <a:cs typeface="Times New Roman" charset="0"/>
+              </a:rPr>
+              <a:t>.</a:t>
+            </a:r>
+          </a:p>
+          <a:p>
+            <a:pPr>
+              <a:lnSpc>
+                <a:spcPct val="200000"/>
+              </a:lnSpc>
+            </a:pPr>
+            <a:r>
+              <a:rPr kumimoji="1" lang="en-US" altLang="zh-TW" sz="3400" dirty="0" smtClean="0">
+                <a:latin typeface="Times New Roman" charset="0"/>
+                <a:ea typeface="Times New Roman" charset="0"/>
+                <a:cs typeface="Times New Roman" charset="0"/>
+              </a:rPr>
+              <a:t>The power of </a:t>
+            </a:r>
+            <a:r>
+              <a:rPr kumimoji="1" lang="en-US" altLang="zh-TW" sz="3400" dirty="0" smtClean="0">
+                <a:solidFill>
+                  <a:srgbClr val="FF0000"/>
+                </a:solidFill>
+                <a:latin typeface="Times New Roman" charset="0"/>
+                <a:ea typeface="Times New Roman" charset="0"/>
+                <a:cs typeface="Times New Roman" charset="0"/>
+              </a:rPr>
+              <a:t>received signal</a:t>
+            </a:r>
+            <a:r>
+              <a:rPr kumimoji="1" lang="en-US" altLang="zh-TW" sz="3400" dirty="0" smtClean="0">
+                <a:latin typeface="Times New Roman" charset="0"/>
+                <a:ea typeface="Times New Roman" charset="0"/>
+                <a:cs typeface="Times New Roman" charset="0"/>
+              </a:rPr>
+              <a:t> is averaged over any random</a:t>
+            </a:r>
+          </a:p>
+          <a:p>
+            <a:pPr marL="11112" indent="0">
+              <a:buNone/>
+            </a:pPr>
+            <a:r>
+              <a:rPr kumimoji="1" lang="en-US" altLang="zh-TW" sz="3400" dirty="0">
+                <a:latin typeface="Times New Roman" charset="0"/>
+                <a:ea typeface="Times New Roman" charset="0"/>
+                <a:cs typeface="Times New Roman" charset="0"/>
+              </a:rPr>
+              <a:t> </a:t>
+            </a:r>
+            <a:r>
+              <a:rPr kumimoji="1" lang="en-US" altLang="zh-TW" sz="3400" dirty="0" smtClean="0">
+                <a:latin typeface="Times New Roman" charset="0"/>
+                <a:ea typeface="Times New Roman" charset="0"/>
+                <a:cs typeface="Times New Roman" charset="0"/>
+              </a:rPr>
+              <a:t>   variations due to </a:t>
+            </a:r>
+            <a:r>
+              <a:rPr kumimoji="1" lang="en-US" altLang="zh-TW" sz="3400" dirty="0" smtClean="0">
+                <a:solidFill>
+                  <a:srgbClr val="FF0000"/>
+                </a:solidFill>
+                <a:latin typeface="Times New Roman" charset="0"/>
+                <a:ea typeface="Times New Roman" charset="0"/>
+                <a:cs typeface="Times New Roman" charset="0"/>
+              </a:rPr>
+              <a:t>shadowing</a:t>
+            </a:r>
+            <a:r>
+              <a:rPr kumimoji="1" lang="en-US" altLang="zh-TW" sz="3400" dirty="0" smtClean="0">
+                <a:latin typeface="Times New Roman" charset="0"/>
+                <a:ea typeface="Times New Roman" charset="0"/>
+                <a:cs typeface="Times New Roman" charset="0"/>
+              </a:rPr>
+              <a:t>.</a:t>
+            </a:r>
+          </a:p>
+          <a:p>
+            <a:pPr>
+              <a:lnSpc>
+                <a:spcPct val="200000"/>
+              </a:lnSpc>
+            </a:pPr>
+            <a:r>
+              <a:rPr kumimoji="1" lang="en-US" altLang="zh-TW" sz="3400" dirty="0" smtClean="0">
+                <a:latin typeface="Times New Roman" charset="0"/>
+                <a:ea typeface="Times New Roman" charset="0"/>
+                <a:cs typeface="Times New Roman" charset="0"/>
+              </a:rPr>
+              <a:t>Shadowing is the effect that the received signal power</a:t>
+            </a:r>
+          </a:p>
+          <a:p>
+            <a:pPr marL="11112" indent="0">
+              <a:buNone/>
+            </a:pPr>
+            <a:r>
+              <a:rPr kumimoji="1" lang="en-US" altLang="zh-TW" sz="3400" dirty="0">
+                <a:latin typeface="Times New Roman" charset="0"/>
+                <a:ea typeface="Times New Roman" charset="0"/>
+                <a:cs typeface="Times New Roman" charset="0"/>
+              </a:rPr>
+              <a:t> </a:t>
+            </a:r>
+            <a:r>
+              <a:rPr kumimoji="1" lang="en-US" altLang="zh-TW" sz="3400" dirty="0" smtClean="0">
+                <a:latin typeface="Times New Roman" charset="0"/>
+                <a:ea typeface="Times New Roman" charset="0"/>
+                <a:cs typeface="Times New Roman" charset="0"/>
+              </a:rPr>
+              <a:t>  </a:t>
+            </a:r>
+            <a:r>
+              <a:rPr kumimoji="1" lang="en-US" altLang="zh-TW" sz="3400" dirty="0" smtClean="0">
+                <a:latin typeface="Times New Roman" charset="0"/>
+                <a:ea typeface="Times New Roman" charset="0"/>
+                <a:cs typeface="Times New Roman" charset="0"/>
+              </a:rPr>
+              <a:t> </a:t>
+            </a:r>
+            <a:r>
+              <a:rPr kumimoji="1" lang="en-US" altLang="zh-TW" sz="3400" dirty="0" smtClean="0">
+                <a:solidFill>
+                  <a:srgbClr val="FF0000"/>
+                </a:solidFill>
+                <a:latin typeface="Times New Roman" charset="0"/>
+                <a:ea typeface="Times New Roman" charset="0"/>
+                <a:cs typeface="Times New Roman" charset="0"/>
+              </a:rPr>
+              <a:t>fluctuates due to objects obstructing </a:t>
+            </a:r>
+            <a:r>
+              <a:rPr kumimoji="1" lang="en-US" altLang="zh-TW" sz="3400" dirty="0" smtClean="0">
+                <a:latin typeface="Times New Roman" charset="0"/>
+                <a:ea typeface="Times New Roman" charset="0"/>
+                <a:cs typeface="Times New Roman" charset="0"/>
+              </a:rPr>
+              <a:t>the propagation path </a:t>
+            </a:r>
+          </a:p>
+          <a:p>
+            <a:pPr marL="11112" indent="0">
+              <a:buNone/>
+            </a:pPr>
+            <a:r>
+              <a:rPr kumimoji="1" lang="en-US" altLang="zh-TW" sz="3400" dirty="0">
+                <a:latin typeface="Times New Roman" charset="0"/>
+                <a:ea typeface="Times New Roman" charset="0"/>
+                <a:cs typeface="Times New Roman" charset="0"/>
+              </a:rPr>
+              <a:t> </a:t>
+            </a:r>
+            <a:r>
+              <a:rPr kumimoji="1" lang="en-US" altLang="zh-TW" sz="3400" dirty="0" smtClean="0">
+                <a:latin typeface="Times New Roman" charset="0"/>
+                <a:ea typeface="Times New Roman" charset="0"/>
+                <a:cs typeface="Times New Roman" charset="0"/>
+              </a:rPr>
+              <a:t>   </a:t>
+            </a:r>
+            <a:r>
+              <a:rPr kumimoji="1" lang="en-US" altLang="zh-TW" sz="3400" dirty="0" smtClean="0">
+                <a:latin typeface="Times New Roman" charset="0"/>
+                <a:ea typeface="Times New Roman" charset="0"/>
+                <a:cs typeface="Times New Roman" charset="0"/>
+              </a:rPr>
+              <a:t>between </a:t>
+            </a:r>
+            <a:r>
+              <a:rPr kumimoji="1" lang="en-US" altLang="zh-TW" sz="3400" dirty="0" err="1" smtClean="0">
+                <a:latin typeface="Times New Roman" charset="0"/>
+                <a:ea typeface="Times New Roman" charset="0"/>
+                <a:cs typeface="Times New Roman" charset="0"/>
+              </a:rPr>
+              <a:t>tx</a:t>
+            </a:r>
+            <a:r>
+              <a:rPr kumimoji="1" lang="en-US" altLang="zh-TW" sz="3400" dirty="0" smtClean="0">
+                <a:latin typeface="Times New Roman" charset="0"/>
+                <a:ea typeface="Times New Roman" charset="0"/>
+                <a:cs typeface="Times New Roman" charset="0"/>
+              </a:rPr>
+              <a:t> and </a:t>
+            </a:r>
+            <a:r>
+              <a:rPr kumimoji="1" lang="en-US" altLang="zh-TW" sz="3400" dirty="0" err="1" smtClean="0">
+                <a:latin typeface="Times New Roman" charset="0"/>
+                <a:ea typeface="Times New Roman" charset="0"/>
+                <a:cs typeface="Times New Roman" charset="0"/>
+              </a:rPr>
+              <a:t>rx</a:t>
+            </a:r>
+            <a:r>
+              <a:rPr kumimoji="1" lang="en-US" altLang="zh-TW" sz="3400" dirty="0" smtClean="0">
+                <a:latin typeface="Times New Roman" charset="0"/>
+                <a:ea typeface="Times New Roman" charset="0"/>
+                <a:cs typeface="Times New Roman" charset="0"/>
+              </a:rPr>
+              <a:t>.</a:t>
+            </a:r>
+            <a:endParaRPr kumimoji="1" lang="zh-TW" altLang="en-US" sz="3400" dirty="0">
+              <a:latin typeface="Times New Roman" charset="0"/>
+              <a:ea typeface="Times New Roman" charset="0"/>
+              <a:cs typeface="Times New Roman" charset="0"/>
+            </a:endParaRPr>
           </a:p>
         </p:txBody>
       </p:sp>
@@ -21219,6 +21491,519 @@
           <a:lstStyle/>
           <a:p>
             <a:r>
+              <a:rPr kumimoji="1" lang="en-US" altLang="zh-TW" dirty="0" smtClean="0">
+                <a:latin typeface="Times New Roman" charset="0"/>
+                <a:ea typeface="Times New Roman" charset="0"/>
+                <a:cs typeface="Times New Roman" charset="0"/>
+              </a:rPr>
+              <a:t>Channel Fading Summary</a:t>
+            </a:r>
+            <a:endParaRPr kumimoji="1" lang="zh-TW" altLang="en-US" dirty="0">
+              <a:latin typeface="Times New Roman" charset="0"/>
+              <a:ea typeface="Times New Roman" charset="0"/>
+              <a:cs typeface="Times New Roman" charset="0"/>
+            </a:endParaRPr>
+          </a:p>
+        </p:txBody>
+      </p:sp>
+      <p:sp>
+        <p:nvSpPr>
+          <p:cNvPr id="3" name="內容版面配置區 2"/>
+          <p:cNvSpPr>
+            <a:spLocks noGrp="1"/>
+          </p:cNvSpPr>
+          <p:nvPr>
+            <p:ph idx="1"/>
+          </p:nvPr>
+        </p:nvSpPr>
+        <p:spPr>
+          <a:xfrm>
+            <a:off x="335360" y="1700808"/>
+            <a:ext cx="6137158" cy="4610906"/>
+          </a:xfrm>
+        </p:spPr>
+        <p:txBody>
+          <a:bodyPr/>
+          <a:lstStyle/>
+          <a:p>
+            <a:pPr>
+              <a:lnSpc>
+                <a:spcPct val="150000"/>
+              </a:lnSpc>
+            </a:pPr>
+            <a:r>
+              <a:rPr kumimoji="1" lang="en-US" altLang="zh-TW" dirty="0" smtClean="0"/>
+              <a:t>Small-scale fading</a:t>
+            </a:r>
+          </a:p>
+          <a:p>
+            <a:pPr lvl="1"/>
+            <a:r>
+              <a:rPr kumimoji="1" lang="en-US" altLang="zh-TW" dirty="0" smtClean="0">
+                <a:solidFill>
+                  <a:schemeClr val="accent1"/>
+                </a:solidFill>
+              </a:rPr>
+              <a:t>Doppler spread </a:t>
+            </a:r>
+          </a:p>
+          <a:p>
+            <a:pPr lvl="2"/>
+            <a:r>
+              <a:rPr kumimoji="1" lang="en-US" altLang="zh-TW" dirty="0" smtClean="0"/>
+              <a:t>Slow fading </a:t>
+            </a:r>
+          </a:p>
+          <a:p>
+            <a:pPr lvl="2"/>
+            <a:r>
+              <a:rPr kumimoji="1" lang="en-US" altLang="zh-TW" dirty="0" smtClean="0"/>
+              <a:t>Fast fading</a:t>
+            </a:r>
+          </a:p>
+          <a:p>
+            <a:pPr lvl="1">
+              <a:lnSpc>
+                <a:spcPct val="150000"/>
+              </a:lnSpc>
+            </a:pPr>
+            <a:r>
+              <a:rPr kumimoji="1" lang="en-US" altLang="zh-TW" dirty="0" smtClean="0">
+                <a:solidFill>
+                  <a:schemeClr val="accent1"/>
+                </a:solidFill>
+              </a:rPr>
+              <a:t>Delay spread</a:t>
+            </a:r>
+            <a:r>
+              <a:rPr kumimoji="1" lang="en-US" altLang="zh-TW" dirty="0" smtClean="0"/>
+              <a:t> </a:t>
+            </a:r>
+          </a:p>
+          <a:p>
+            <a:pPr lvl="2"/>
+            <a:r>
+              <a:rPr kumimoji="1" lang="en-US" altLang="zh-TW" dirty="0" smtClean="0"/>
+              <a:t>Flat fading </a:t>
+            </a:r>
+          </a:p>
+          <a:p>
+            <a:pPr lvl="2"/>
+            <a:r>
+              <a:rPr kumimoji="1" lang="en-US" altLang="zh-TW" dirty="0" smtClean="0"/>
+              <a:t>Frequency-selective fading</a:t>
+            </a:r>
+          </a:p>
+          <a:p>
+            <a:pPr>
+              <a:lnSpc>
+                <a:spcPct val="150000"/>
+              </a:lnSpc>
+            </a:pPr>
+            <a:r>
+              <a:rPr kumimoji="1" lang="en-US" altLang="zh-TW" dirty="0" smtClean="0"/>
+              <a:t>Large-scale fading </a:t>
+            </a:r>
+          </a:p>
+          <a:p>
+            <a:pPr lvl="1"/>
+            <a:r>
+              <a:rPr kumimoji="1" lang="en-US" altLang="zh-TW" dirty="0" smtClean="0">
+                <a:solidFill>
+                  <a:schemeClr val="accent1"/>
+                </a:solidFill>
+              </a:rPr>
+              <a:t>Path loss </a:t>
+            </a:r>
+          </a:p>
+          <a:p>
+            <a:pPr lvl="2"/>
+            <a:r>
+              <a:rPr kumimoji="1" lang="en-US" altLang="zh-TW" dirty="0" smtClean="0"/>
+              <a:t>Shadowing</a:t>
+            </a:r>
+            <a:endParaRPr kumimoji="1" lang="zh-TW" altLang="en-US" dirty="0"/>
+          </a:p>
+        </p:txBody>
+      </p:sp>
+      <p:sp>
+        <p:nvSpPr>
+          <p:cNvPr id="4" name="投影片編號版面配置區 3"/>
+          <p:cNvSpPr>
+            <a:spLocks noGrp="1"/>
+          </p:cNvSpPr>
+          <p:nvPr>
+            <p:ph type="sldNum" sz="quarter" idx="12"/>
+          </p:nvPr>
+        </p:nvSpPr>
+        <p:spPr/>
+        <p:txBody>
+          <a:bodyPr/>
+          <a:lstStyle/>
+          <a:p>
+            <a:fld id="{3EBBE1F4-AE36-AD42-8177-96288CD18AD2}" type="slidenum">
+              <a:rPr lang="en-US" smtClean="0"/>
+              <a:pPr/>
+              <a:t>27</a:t>
+            </a:fld>
+            <a:endParaRPr lang="en-US"/>
+          </a:p>
+        </p:txBody>
+      </p:sp>
+      <p:sp>
+        <p:nvSpPr>
+          <p:cNvPr id="5" name="文字方塊 4"/>
+          <p:cNvSpPr txBox="1"/>
+          <p:nvPr/>
+        </p:nvSpPr>
+        <p:spPr>
+          <a:xfrm>
+            <a:off x="7637929" y="3535543"/>
+            <a:ext cx="842683" cy="584775"/>
+          </a:xfrm>
+          <a:prstGeom prst="rect">
+            <a:avLst/>
+          </a:prstGeom>
+        </p:spPr>
+        <p:txBody>
+          <a:bodyPr vert="horz" wrap="square" lIns="91440" tIns="45720" rIns="91440" bIns="45720" rtlCol="0" anchor="ctr">
+            <a:spAutoFit/>
+          </a:bodyPr>
+          <a:lstStyle/>
+          <a:p>
+            <a:endParaRPr kumimoji="1" lang="zh-TW" altLang="en-US" sz="3200" b="0" baseline="0" dirty="0">
+              <a:solidFill>
+                <a:schemeClr val="tx1">
+                  <a:lumMod val="65000"/>
+                  <a:lumOff val="35000"/>
+                </a:schemeClr>
+              </a:solidFill>
+              <a:latin typeface="Times New Roman" charset="0"/>
+              <a:ea typeface="Times New Roman" charset="0"/>
+              <a:cs typeface="Times New Roman" charset="0"/>
+            </a:endParaRPr>
+          </a:p>
+        </p:txBody>
+      </p:sp>
+      <p:sp>
+        <p:nvSpPr>
+          <p:cNvPr id="6" name="文字方塊 5"/>
+          <p:cNvSpPr txBox="1"/>
+          <p:nvPr/>
+        </p:nvSpPr>
+        <p:spPr>
+          <a:xfrm>
+            <a:off x="7842324" y="4120318"/>
+            <a:ext cx="1803699" cy="584775"/>
+          </a:xfrm>
+          <a:prstGeom prst="rect">
+            <a:avLst/>
+          </a:prstGeom>
+        </p:spPr>
+        <p:txBody>
+          <a:bodyPr vert="horz" wrap="none" lIns="91440" tIns="45720" rIns="91440" bIns="45720" rtlCol="0" anchor="ctr">
+            <a:spAutoFit/>
+          </a:bodyPr>
+          <a:lstStyle/>
+          <a:p>
+            <a:r>
+              <a:rPr kumimoji="1" lang="en-US" altLang="zh-TW" sz="3200" b="0" baseline="0" dirty="0" smtClean="0">
+                <a:solidFill>
+                  <a:srgbClr val="FF0000"/>
+                </a:solidFill>
+                <a:latin typeface="Times New Roman" charset="0"/>
+                <a:ea typeface="Times New Roman" charset="0"/>
+                <a:cs typeface="Times New Roman" charset="0"/>
+              </a:rPr>
+              <a:t>Multipath</a:t>
+            </a:r>
+            <a:endParaRPr kumimoji="1" lang="zh-TW" altLang="en-US" sz="3200" b="0" baseline="0" dirty="0">
+              <a:solidFill>
+                <a:srgbClr val="FF0000"/>
+              </a:solidFill>
+              <a:latin typeface="Times New Roman" charset="0"/>
+              <a:ea typeface="Times New Roman" charset="0"/>
+              <a:cs typeface="Times New Roman" charset="0"/>
+            </a:endParaRPr>
+          </a:p>
+        </p:txBody>
+      </p:sp>
+      <p:sp>
+        <p:nvSpPr>
+          <p:cNvPr id="7" name="文字方塊 6"/>
+          <p:cNvSpPr txBox="1"/>
+          <p:nvPr/>
+        </p:nvSpPr>
+        <p:spPr>
+          <a:xfrm>
+            <a:off x="7842324" y="2825265"/>
+            <a:ext cx="1620957" cy="584775"/>
+          </a:xfrm>
+          <a:prstGeom prst="rect">
+            <a:avLst/>
+          </a:prstGeom>
+        </p:spPr>
+        <p:txBody>
+          <a:bodyPr vert="horz" wrap="none" lIns="91440" tIns="45720" rIns="91440" bIns="45720" rtlCol="0" anchor="ctr">
+            <a:spAutoFit/>
+          </a:bodyPr>
+          <a:lstStyle/>
+          <a:p>
+            <a:r>
+              <a:rPr kumimoji="1" lang="en-US" altLang="zh-TW" sz="3200" b="0" baseline="0" dirty="0" smtClean="0">
+                <a:solidFill>
+                  <a:srgbClr val="FF0000"/>
+                </a:solidFill>
+                <a:latin typeface="Times New Roman" charset="0"/>
+                <a:ea typeface="Times New Roman" charset="0"/>
+                <a:cs typeface="Times New Roman" charset="0"/>
+              </a:rPr>
+              <a:t>Mobility</a:t>
+            </a:r>
+            <a:endParaRPr kumimoji="1" lang="zh-TW" altLang="en-US" sz="3200" b="0" baseline="0" dirty="0">
+              <a:solidFill>
+                <a:srgbClr val="FF0000"/>
+              </a:solidFill>
+              <a:latin typeface="Times New Roman" charset="0"/>
+              <a:ea typeface="Times New Roman" charset="0"/>
+              <a:cs typeface="Times New Roman" charset="0"/>
+            </a:endParaRPr>
+          </a:p>
+        </p:txBody>
+      </p:sp>
+      <p:sp>
+        <p:nvSpPr>
+          <p:cNvPr id="8" name="橢圓 7"/>
+          <p:cNvSpPr/>
+          <p:nvPr/>
+        </p:nvSpPr>
+        <p:spPr>
+          <a:xfrm>
+            <a:off x="7734750" y="2645975"/>
+            <a:ext cx="1803699" cy="1002665"/>
+          </a:xfrm>
+          <a:prstGeom prst="ellipse">
+            <a:avLst/>
+          </a:prstGeom>
+          <a:noFill/>
+          <a:ln w="63500">
+            <a:solidFill>
+              <a:srgbClr val="FF0000"/>
+            </a:solidFill>
+          </a:ln>
+        </p:spPr>
+        <p:style>
+          <a:lnRef idx="2">
+            <a:schemeClr val="accent1">
+              <a:shade val="50000"/>
+            </a:schemeClr>
+          </a:lnRef>
+          <a:fillRef idx="1">
+            <a:schemeClr val="accent1"/>
+          </a:fillRef>
+          <a:effectRef idx="0">
+            <a:schemeClr val="accent1"/>
+          </a:effectRef>
+          <a:fontRef idx="minor">
+            <a:schemeClr val="lt1"/>
+          </a:fontRef>
+        </p:style>
+        <p:txBody>
+          <a:bodyPr rtlCol="0" anchor="ctr"/>
+          <a:lstStyle/>
+          <a:p>
+            <a:pPr algn="ctr"/>
+            <a:endParaRPr kumimoji="1" lang="zh-TW" altLang="en-US"/>
+          </a:p>
+        </p:txBody>
+      </p:sp>
+      <p:sp>
+        <p:nvSpPr>
+          <p:cNvPr id="9" name="橢圓 8"/>
+          <p:cNvSpPr/>
+          <p:nvPr/>
+        </p:nvSpPr>
+        <p:spPr>
+          <a:xfrm>
+            <a:off x="7842323" y="3911372"/>
+            <a:ext cx="1803699" cy="1002665"/>
+          </a:xfrm>
+          <a:prstGeom prst="ellipse">
+            <a:avLst/>
+          </a:prstGeom>
+          <a:noFill/>
+          <a:ln w="63500">
+            <a:solidFill>
+              <a:srgbClr val="FF0000"/>
+            </a:solidFill>
+          </a:ln>
+        </p:spPr>
+        <p:style>
+          <a:lnRef idx="2">
+            <a:schemeClr val="accent1">
+              <a:shade val="50000"/>
+            </a:schemeClr>
+          </a:lnRef>
+          <a:fillRef idx="1">
+            <a:schemeClr val="accent1"/>
+          </a:fillRef>
+          <a:effectRef idx="0">
+            <a:schemeClr val="accent1"/>
+          </a:effectRef>
+          <a:fontRef idx="minor">
+            <a:schemeClr val="lt1"/>
+          </a:fontRef>
+        </p:style>
+        <p:txBody>
+          <a:bodyPr rtlCol="0" anchor="ctr"/>
+          <a:lstStyle/>
+          <a:p>
+            <a:pPr algn="ctr"/>
+            <a:endParaRPr kumimoji="1" lang="zh-TW" altLang="en-US"/>
+          </a:p>
+        </p:txBody>
+      </p:sp>
+      <p:cxnSp>
+        <p:nvCxnSpPr>
+          <p:cNvPr id="11" name="直線箭頭接點 10"/>
+          <p:cNvCxnSpPr>
+            <a:stCxn id="8" idx="2"/>
+          </p:cNvCxnSpPr>
+          <p:nvPr/>
+        </p:nvCxnSpPr>
+        <p:spPr>
+          <a:xfrm flipH="1" flipV="1">
+            <a:off x="3872753" y="2825265"/>
+            <a:ext cx="3861997" cy="322043"/>
+          </a:xfrm>
+          <a:prstGeom prst="straightConnector1">
+            <a:avLst/>
+          </a:prstGeom>
+          <a:ln w="63500">
+            <a:solidFill>
+              <a:srgbClr val="FF0000"/>
+            </a:solidFill>
+            <a:tailEnd type="triangle"/>
+          </a:ln>
+        </p:spPr>
+        <p:style>
+          <a:lnRef idx="1">
+            <a:schemeClr val="accent1"/>
+          </a:lnRef>
+          <a:fillRef idx="0">
+            <a:schemeClr val="accent1"/>
+          </a:fillRef>
+          <a:effectRef idx="0">
+            <a:schemeClr val="accent1"/>
+          </a:effectRef>
+          <a:fontRef idx="minor">
+            <a:schemeClr val="tx1"/>
+          </a:fontRef>
+        </p:style>
+      </p:cxnSp>
+      <p:cxnSp>
+        <p:nvCxnSpPr>
+          <p:cNvPr id="12" name="直線箭頭接點 11"/>
+          <p:cNvCxnSpPr>
+            <a:stCxn id="6" idx="1"/>
+          </p:cNvCxnSpPr>
+          <p:nvPr/>
+        </p:nvCxnSpPr>
+        <p:spPr>
+          <a:xfrm flipH="1" flipV="1">
+            <a:off x="3585882" y="4299608"/>
+            <a:ext cx="4256442" cy="113098"/>
+          </a:xfrm>
+          <a:prstGeom prst="straightConnector1">
+            <a:avLst/>
+          </a:prstGeom>
+          <a:ln w="63500">
+            <a:solidFill>
+              <a:srgbClr val="FF0000"/>
+            </a:solidFill>
+            <a:tailEnd type="triangle"/>
+          </a:ln>
+        </p:spPr>
+        <p:style>
+          <a:lnRef idx="1">
+            <a:schemeClr val="accent1"/>
+          </a:lnRef>
+          <a:fillRef idx="0">
+            <a:schemeClr val="accent1"/>
+          </a:fillRef>
+          <a:effectRef idx="0">
+            <a:schemeClr val="accent1"/>
+          </a:effectRef>
+          <a:fontRef idx="minor">
+            <a:schemeClr val="tx1"/>
+          </a:fontRef>
+        </p:style>
+      </p:cxnSp>
+    </p:spTree>
+    <p:extLst>
+      <p:ext uri="{BB962C8B-B14F-4D97-AF65-F5344CB8AC3E}">
+        <p14:creationId xmlns:p14="http://schemas.microsoft.com/office/powerpoint/2010/main" val="1065178450"/>
+      </p:ext>
+    </p:extLst>
+  </p:cSld>
+  <p:clrMapOvr>
+    <a:masterClrMapping/>
+  </p:clrMapOvr>
+  <mc:AlternateContent xmlns:mc="http://schemas.openxmlformats.org/markup-compatibility/2006">
+    <mc:Choice xmlns:p14="http://schemas.microsoft.com/office/powerpoint/2010/main" Requires="p14">
+      <p:transition spd="med" p14:dur="700">
+        <p:fade/>
+      </p:transition>
+    </mc:Choice>
+    <mc:Fallback>
+      <p:transition spd="med">
+        <p:fade/>
+      </p:transition>
+    </mc:Fallback>
+  </mc:AlternateContent>
+  <p:timing>
+    <p:tnLst>
+      <p:par>
+        <p:cTn id="1" dur="indefinite" restart="never" nodeType="tmRoot"/>
+      </p:par>
+    </p:tnLst>
+  </p:timing>
+</p:sld>
+</file>
+
+<file path=ppt/slides/slide28.xml><?xml version="1.0" encoding="utf-8"?>
+<p:sld xmlns:a="http://schemas.openxmlformats.org/drawingml/2006/main" xmlns:r="http://schemas.openxmlformats.org/officeDocument/2006/relationships" xmlns:p="http://schemas.openxmlformats.org/presentationml/2006/main">
+  <p:cSld>
+    <p:spTree>
+      <p:nvGrpSpPr>
+        <p:cNvPr id="1" name=""/>
+        <p:cNvGrpSpPr/>
+        <p:nvPr/>
+      </p:nvGrpSpPr>
+      <p:grpSpPr>
+        <a:xfrm>
+          <a:off x="0" y="0"/>
+          <a:ext cx="0" cy="0"/>
+          <a:chOff x="0" y="0"/>
+          <a:chExt cx="0" cy="0"/>
+        </a:xfrm>
+      </p:grpSpPr>
+      <p:sp>
+        <p:nvSpPr>
+          <p:cNvPr id="2" name="標題 1"/>
+          <p:cNvSpPr>
+            <a:spLocks noGrp="1"/>
+          </p:cNvSpPr>
+          <p:nvPr>
+            <p:ph type="title"/>
+          </p:nvPr>
+        </p:nvSpPr>
+        <p:spPr/>
+        <p:txBody>
+          <a:bodyPr/>
+          <a:lstStyle/>
+          <a:p>
+            <a:r>
               <a:rPr lang="en-US" altLang="zh-TW" dirty="0" smtClean="0">
                 <a:latin typeface="Times New Roman" panose="02020603050405020304" pitchFamily="18" charset="0"/>
                 <a:cs typeface="Times New Roman" panose="02020603050405020304" pitchFamily="18" charset="0"/>
@@ -21322,7 +22107,7 @@
             <a:fld id="{3EBBE1F4-AE36-AD42-8177-96288CD18AD2}" type="slidenum">
               <a:rPr lang="en-US" smtClean="0"/>
               <a:pPr/>
-              <a:t>27</a:t>
+              <a:t>28</a:t>
             </a:fld>
             <a:endParaRPr lang="en-US"/>
           </a:p>
@@ -21615,7 +22400,7 @@
 </p:sld>
 </file>
 
-<file path=ppt/slides/slide28.xml><?xml version="1.0" encoding="utf-8"?>
+<file path=ppt/slides/slide29.xml><?xml version="1.0" encoding="utf-8"?>
 <p:sld xmlns:a="http://schemas.openxmlformats.org/drawingml/2006/main" xmlns:r="http://schemas.openxmlformats.org/officeDocument/2006/relationships" xmlns:p="http://schemas.openxmlformats.org/presentationml/2006/main">
   <p:cSld>
     <p:spTree>
@@ -21779,7 +22564,7 @@
             <a:fld id="{3EBBE1F4-AE36-AD42-8177-96288CD18AD2}" type="slidenum">
               <a:rPr lang="en-US" smtClean="0"/>
               <a:pPr/>
-              <a:t>28</a:t>
+              <a:t>29</a:t>
             </a:fld>
             <a:endParaRPr lang="en-US"/>
           </a:p>

--- a/Freshman_Training.pptx
+++ b/Freshman_Training.pptx
@@ -5,7 +5,7 @@
     <p:sldMasterId id="2147483660" r:id="rId1"/>
   </p:sldMasterIdLst>
   <p:notesMasterIdLst>
-    <p:notesMasterId r:id="rId31"/>
+    <p:notesMasterId r:id="rId35"/>
   </p:notesMasterIdLst>
   <p:sldIdLst>
     <p:sldId id="256" r:id="rId2"/>
@@ -36,7 +36,11 @@
     <p:sldId id="313" r:id="rId27"/>
     <p:sldId id="329" r:id="rId28"/>
     <p:sldId id="305" r:id="rId29"/>
-    <p:sldId id="301" r:id="rId30"/>
+    <p:sldId id="330" r:id="rId30"/>
+    <p:sldId id="331" r:id="rId31"/>
+    <p:sldId id="332" r:id="rId32"/>
+    <p:sldId id="333" r:id="rId33"/>
+    <p:sldId id="301" r:id="rId34"/>
   </p:sldIdLst>
   <p:sldSz cx="12192000" cy="6858000"/>
   <p:notesSz cx="6858000" cy="9144000"/>
@@ -180,6 +184,10 @@
         <p14:section name="RFID" id="{3EA3CAAF-261C-BD4E-8DFC-CD96A350342D}">
           <p14:sldIdLst>
             <p14:sldId id="305"/>
+            <p14:sldId id="330"/>
+            <p14:sldId id="331"/>
+            <p14:sldId id="332"/>
+            <p14:sldId id="333"/>
           </p14:sldIdLst>
         </p14:section>
         <p14:section name="end" id="{EE857F6F-7FD5-644F-8679-010F7E321B91}">
@@ -21518,8 +21526,8 @@
         </p:nvSpPr>
         <p:spPr>
           <a:xfrm>
-            <a:off x="335360" y="1700808"/>
-            <a:ext cx="6137158" cy="4610906"/>
+            <a:off x="353289" y="1522477"/>
+            <a:ext cx="5760640" cy="4610906"/>
           </a:xfrm>
         </p:spPr>
         <p:txBody>
@@ -21532,7 +21540,7 @@
               </a:lnSpc>
             </a:pPr>
             <a:r>
-              <a:rPr kumimoji="1" lang="en-US" altLang="zh-TW" dirty="0" smtClean="0"/>
+              <a:rPr kumimoji="1" lang="en-US" altLang="zh-TW" sz="3000" dirty="0" smtClean="0"/>
               <a:t>Small-scale fading</a:t>
             </a:r>
           </a:p>
@@ -21601,7 +21609,7 @@
               </a:lnSpc>
             </a:pPr>
             <a:r>
-              <a:rPr kumimoji="1" lang="en-US" altLang="zh-TW" dirty="0" smtClean="0"/>
+              <a:rPr kumimoji="1" lang="en-US" altLang="zh-TW" sz="3000" dirty="0" smtClean="0"/>
               <a:t>Large-scale fading </a:t>
             </a:r>
           </a:p>
@@ -21693,8 +21701,8 @@
         </p:nvSpPr>
         <p:spPr>
           <a:xfrm>
-            <a:off x="7842324" y="4120318"/>
-            <a:ext cx="1803699" cy="584775"/>
+            <a:off x="8283730" y="4427872"/>
+            <a:ext cx="1960793" cy="584775"/>
           </a:xfrm>
           <a:prstGeom prst="rect">
             <a:avLst/>
@@ -21707,7 +21715,7 @@
           <a:lstStyle/>
           <a:p>
             <a:r>
-              <a:rPr kumimoji="1" lang="en-US" altLang="zh-TW" sz="3200" b="0" baseline="0" dirty="0" smtClean="0">
+              <a:rPr kumimoji="1" lang="en-US" altLang="zh-TW" sz="3200" b="1" baseline="0" dirty="0" smtClean="0">
                 <a:solidFill>
                   <a:srgbClr val="FF0000"/>
                 </a:solidFill>
@@ -21717,7 +21725,7 @@
               </a:rPr>
               <a:t>Multipath</a:t>
             </a:r>
-            <a:endParaRPr kumimoji="1" lang="zh-TW" altLang="en-US" sz="3200" b="0" baseline="0" dirty="0">
+            <a:endParaRPr kumimoji="1" lang="zh-TW" altLang="en-US" sz="3200" b="1" baseline="0" dirty="0">
               <a:solidFill>
                 <a:srgbClr val="FF0000"/>
               </a:solidFill>
@@ -21736,8 +21744,8 @@
         </p:nvSpPr>
         <p:spPr>
           <a:xfrm>
-            <a:off x="7842324" y="2825265"/>
-            <a:ext cx="1620957" cy="584775"/>
+            <a:off x="8068167" y="2675685"/>
+            <a:ext cx="1688283" cy="584775"/>
           </a:xfrm>
           <a:prstGeom prst="rect">
             <a:avLst/>
@@ -21750,7 +21758,7 @@
           <a:lstStyle/>
           <a:p>
             <a:r>
-              <a:rPr kumimoji="1" lang="en-US" altLang="zh-TW" sz="3200" b="0" baseline="0" dirty="0" smtClean="0">
+              <a:rPr kumimoji="1" lang="en-US" altLang="zh-TW" sz="3200" b="1" baseline="0" dirty="0" smtClean="0">
                 <a:solidFill>
                   <a:srgbClr val="FF0000"/>
                 </a:solidFill>
@@ -21760,7 +21768,7 @@
               </a:rPr>
               <a:t>Mobility</a:t>
             </a:r>
-            <a:endParaRPr kumimoji="1" lang="zh-TW" altLang="en-US" sz="3200" b="0" baseline="0" dirty="0">
+            <a:endParaRPr kumimoji="1" lang="zh-TW" altLang="en-US" sz="3200" b="1" baseline="0" dirty="0">
               <a:solidFill>
                 <a:srgbClr val="FF0000"/>
               </a:solidFill>
@@ -21779,8 +21787,8 @@
         </p:nvSpPr>
         <p:spPr>
           <a:xfrm>
-            <a:off x="7734750" y="2645975"/>
-            <a:ext cx="1803699" cy="1002665"/>
+            <a:off x="7734750" y="2400601"/>
+            <a:ext cx="2287791" cy="1248040"/>
           </a:xfrm>
           <a:prstGeom prst="ellipse">
             <a:avLst/>
@@ -21825,8 +21833,8 @@
         </p:nvSpPr>
         <p:spPr>
           <a:xfrm>
-            <a:off x="7842323" y="3911372"/>
-            <a:ext cx="1803699" cy="1002665"/>
+            <a:off x="8071820" y="4054806"/>
+            <a:ext cx="2384613" cy="1265396"/>
           </a:xfrm>
           <a:prstGeom prst="ellipse">
             <a:avLst/>
@@ -21873,8 +21881,8 @@
         </p:nvCxnSpPr>
         <p:spPr>
           <a:xfrm flipH="1" flipV="1">
-            <a:off x="3872753" y="2825265"/>
-            <a:ext cx="3861997" cy="322043"/>
+            <a:off x="3783106" y="2675685"/>
+            <a:ext cx="3951644" cy="348936"/>
           </a:xfrm>
           <a:prstGeom prst="straightConnector1">
             <a:avLst/>
@@ -21905,14 +21913,14 @@
         <p:nvCxnSpPr>
           <p:cNvPr id="12" name="直線箭頭接點 11"/>
           <p:cNvCxnSpPr>
-            <a:stCxn id="6" idx="1"/>
+            <a:stCxn id="9" idx="2"/>
           </p:cNvCxnSpPr>
           <p:nvPr/>
         </p:nvCxnSpPr>
         <p:spPr>
           <a:xfrm flipH="1" flipV="1">
-            <a:off x="3585882" y="4299608"/>
-            <a:ext cx="4256442" cy="113098"/>
+            <a:off x="3550024" y="4242905"/>
+            <a:ext cx="4521796" cy="444599"/>
           </a:xfrm>
           <a:prstGeom prst="straightConnector1">
             <a:avLst/>
@@ -22433,17 +22441,15 @@
           <a:lstStyle/>
           <a:p>
             <a:r>
-              <a:rPr kumimoji="1" lang="en-US" altLang="zh-TW" dirty="0" smtClean="0">
-                <a:latin typeface="Times New Roman" charset="0"/>
-                <a:ea typeface="Times New Roman" charset="0"/>
-                <a:cs typeface="Times New Roman" charset="0"/>
+              <a:rPr lang="en-US" altLang="zh-TW" dirty="0" smtClean="0">
+                <a:latin typeface="Times New Roman" panose="02020603050405020304" pitchFamily="18" charset="0"/>
+                <a:cs typeface="Times New Roman" panose="02020603050405020304" pitchFamily="18" charset="0"/>
               </a:rPr>
-              <a:t>Reference</a:t>
-            </a:r>
-            <a:endParaRPr kumimoji="1" lang="zh-TW" altLang="en-US" dirty="0">
-              <a:latin typeface="Times New Roman" charset="0"/>
-              <a:ea typeface="Times New Roman" charset="0"/>
-              <a:cs typeface="Times New Roman" charset="0"/>
+              <a:t>RFID Standard</a:t>
+            </a:r>
+            <a:endParaRPr lang="zh-TW" altLang="en-US" dirty="0">
+              <a:latin typeface="Times New Roman" panose="02020603050405020304" pitchFamily="18" charset="0"/>
+              <a:cs typeface="Times New Roman" panose="02020603050405020304" pitchFamily="18" charset="0"/>
             </a:endParaRPr>
           </a:p>
         </p:txBody>
@@ -22463,86 +22469,11 @@
           <a:bodyPr/>
           <a:lstStyle/>
           <a:p>
-            <a:pPr>
-              <a:lnSpc>
-                <a:spcPct val="200000"/>
-              </a:lnSpc>
-            </a:pPr>
-            <a:r>
-              <a:rPr kumimoji="1" lang="en-US" altLang="zh-TW" dirty="0" smtClean="0">
-                <a:latin typeface="Times New Roman" charset="0"/>
-                <a:ea typeface="Times New Roman" charset="0"/>
-                <a:cs typeface="Times New Roman" charset="0"/>
-                <a:hlinkClick r:id="rId2"/>
-              </a:rPr>
-              <a:t>https://www.flaticon.com/</a:t>
-            </a:r>
-            <a:endParaRPr kumimoji="1" lang="en-US" altLang="zh-TW" dirty="0" smtClean="0">
-              <a:latin typeface="Times New Roman" charset="0"/>
-              <a:ea typeface="Times New Roman" charset="0"/>
-              <a:cs typeface="Times New Roman" charset="0"/>
-            </a:endParaRPr>
-          </a:p>
-          <a:p>
-            <a:pPr>
-              <a:lnSpc>
-                <a:spcPct val="200000"/>
-              </a:lnSpc>
-            </a:pPr>
-            <a:r>
-              <a:rPr kumimoji="1" lang="en-US" altLang="zh-TW" dirty="0" smtClean="0">
-                <a:latin typeface="Times New Roman" charset="0"/>
-                <a:ea typeface="Times New Roman" charset="0"/>
-                <a:cs typeface="Times New Roman" charset="0"/>
-                <a:hlinkClick r:id="rId3"/>
-              </a:rPr>
-              <a:t>https://www.sitebuilderreport.com/stock-up</a:t>
-            </a:r>
-            <a:endParaRPr kumimoji="1" lang="en-US" altLang="zh-TW" dirty="0" smtClean="0">
-              <a:latin typeface="Times New Roman" charset="0"/>
-              <a:ea typeface="Times New Roman" charset="0"/>
-              <a:cs typeface="Times New Roman" charset="0"/>
-            </a:endParaRPr>
-          </a:p>
-          <a:p>
-            <a:pPr>
-              <a:lnSpc>
-                <a:spcPct val="200000"/>
-              </a:lnSpc>
-            </a:pPr>
-            <a:r>
-              <a:rPr lang="en-US" altLang="zh-TW" dirty="0" smtClean="0">
-                <a:latin typeface="Times New Roman" charset="0"/>
-                <a:ea typeface="Times New Roman" charset="0"/>
-                <a:cs typeface="Times New Roman" charset="0"/>
-                <a:hlinkClick r:id="rId4"/>
-              </a:rPr>
-              <a:t>https://en.wikipedia.org/wiki/Friis_transmission_equation</a:t>
-            </a:r>
-            <a:endParaRPr lang="en-US" altLang="zh-TW" dirty="0" smtClean="0">
-              <a:latin typeface="Times New Roman" charset="0"/>
-              <a:ea typeface="Times New Roman" charset="0"/>
-              <a:cs typeface="Times New Roman" charset="0"/>
-            </a:endParaRPr>
-          </a:p>
-          <a:p>
-            <a:endParaRPr lang="en-US" altLang="zh-TW" dirty="0" smtClean="0">
-              <a:latin typeface="Times New Roman" charset="0"/>
-              <a:ea typeface="Times New Roman" charset="0"/>
-              <a:cs typeface="Times New Roman" charset="0"/>
-            </a:endParaRPr>
-          </a:p>
-          <a:p>
-            <a:pPr>
-              <a:lnSpc>
-                <a:spcPct val="200000"/>
-              </a:lnSpc>
-            </a:pPr>
-            <a:endParaRPr kumimoji="1" lang="zh-TW" altLang="en-US" dirty="0">
-              <a:latin typeface="Times New Roman" charset="0"/>
-              <a:ea typeface="Times New Roman" charset="0"/>
-              <a:cs typeface="Times New Roman" charset="0"/>
-            </a:endParaRPr>
+            <a:r>
+              <a:rPr lang="en-US" altLang="zh-TW" dirty="0" smtClean="0"/>
+              <a:t>Air interface protocol</a:t>
+            </a:r>
+            <a:endParaRPr lang="zh-TW" altLang="en-US" dirty="0"/>
           </a:p>
         </p:txBody>
       </p:sp>
@@ -22573,7 +22504,7 @@
     </p:spTree>
     <p:extLst>
       <p:ext uri="{BB962C8B-B14F-4D97-AF65-F5344CB8AC3E}">
-        <p14:creationId xmlns:p14="http://schemas.microsoft.com/office/powerpoint/2010/main" val="1339123551"/>
+        <p14:creationId xmlns:p14="http://schemas.microsoft.com/office/powerpoint/2010/main" val="392856982"/>
       </p:ext>
     </p:extLst>
   </p:cSld>
@@ -23003,6 +22934,658 @@
     <p:extLst>
       <p:ext uri="{BB962C8B-B14F-4D97-AF65-F5344CB8AC3E}">
         <p14:creationId xmlns:p14="http://schemas.microsoft.com/office/powerpoint/2010/main" val="154414517"/>
+      </p:ext>
+    </p:extLst>
+  </p:cSld>
+  <p:clrMapOvr>
+    <a:masterClrMapping/>
+  </p:clrMapOvr>
+  <mc:AlternateContent xmlns:mc="http://schemas.openxmlformats.org/markup-compatibility/2006" xmlns:p14="http://schemas.microsoft.com/office/powerpoint/2010/main">
+    <mc:Choice Requires="p14">
+      <p:transition spd="med" p14:dur="700">
+        <p:fade/>
+      </p:transition>
+    </mc:Choice>
+    <mc:Fallback xmlns="">
+      <p:transition spd="med">
+        <p:fade/>
+      </p:transition>
+    </mc:Fallback>
+  </mc:AlternateContent>
+  <p:timing>
+    <p:tnLst>
+      <p:par>
+        <p:cTn id="1" dur="indefinite" restart="never" nodeType="tmRoot"/>
+      </p:par>
+    </p:tnLst>
+  </p:timing>
+</p:sld>
+</file>
+
+<file path=ppt/slides/slide30.xml><?xml version="1.0" encoding="utf-8"?>
+<p:sld xmlns:a="http://schemas.openxmlformats.org/drawingml/2006/main" xmlns:r="http://schemas.openxmlformats.org/officeDocument/2006/relationships" xmlns:p="http://schemas.openxmlformats.org/presentationml/2006/main">
+  <p:cSld>
+    <p:spTree>
+      <p:nvGrpSpPr>
+        <p:cNvPr id="1" name=""/>
+        <p:cNvGrpSpPr/>
+        <p:nvPr/>
+      </p:nvGrpSpPr>
+      <p:grpSpPr>
+        <a:xfrm>
+          <a:off x="0" y="0"/>
+          <a:ext cx="0" cy="0"/>
+          <a:chOff x="0" y="0"/>
+          <a:chExt cx="0" cy="0"/>
+        </a:xfrm>
+      </p:grpSpPr>
+      <p:sp>
+        <p:nvSpPr>
+          <p:cNvPr id="2" name="標題 1"/>
+          <p:cNvSpPr>
+            <a:spLocks noGrp="1"/>
+          </p:cNvSpPr>
+          <p:nvPr>
+            <p:ph type="title"/>
+          </p:nvPr>
+        </p:nvSpPr>
+        <p:spPr/>
+        <p:txBody>
+          <a:bodyPr/>
+          <a:lstStyle/>
+          <a:p>
+            <a:r>
+              <a:rPr lang="en-US" altLang="zh-TW" dirty="0" smtClean="0">
+                <a:latin typeface="Times New Roman" panose="02020603050405020304" pitchFamily="18" charset="0"/>
+                <a:cs typeface="Times New Roman" panose="02020603050405020304" pitchFamily="18" charset="0"/>
+              </a:rPr>
+              <a:t>RFID </a:t>
+            </a:r>
+            <a:r>
+              <a:rPr lang="en-US" altLang="zh-TW" dirty="0">
+                <a:latin typeface="Times New Roman" panose="02020603050405020304" pitchFamily="18" charset="0"/>
+                <a:cs typeface="Times New Roman" panose="02020603050405020304" pitchFamily="18" charset="0"/>
+              </a:rPr>
+              <a:t>R</a:t>
+            </a:r>
+            <a:r>
+              <a:rPr lang="en-US" altLang="zh-TW" dirty="0" smtClean="0">
+                <a:latin typeface="Times New Roman" panose="02020603050405020304" pitchFamily="18" charset="0"/>
+                <a:cs typeface="Times New Roman" panose="02020603050405020304" pitchFamily="18" charset="0"/>
+              </a:rPr>
+              <a:t>eading Frequency</a:t>
+            </a:r>
+            <a:endParaRPr lang="zh-TW" altLang="en-US" dirty="0">
+              <a:latin typeface="Times New Roman" panose="02020603050405020304" pitchFamily="18" charset="0"/>
+              <a:cs typeface="Times New Roman" panose="02020603050405020304" pitchFamily="18" charset="0"/>
+            </a:endParaRPr>
+          </a:p>
+        </p:txBody>
+      </p:sp>
+      <p:sp>
+        <p:nvSpPr>
+          <p:cNvPr id="3" name="內容版面配置區 2"/>
+          <p:cNvSpPr>
+            <a:spLocks noGrp="1"/>
+          </p:cNvSpPr>
+          <p:nvPr>
+            <p:ph idx="1"/>
+          </p:nvPr>
+        </p:nvSpPr>
+        <p:spPr/>
+        <p:txBody>
+          <a:bodyPr/>
+          <a:lstStyle/>
+          <a:p>
+            <a:endParaRPr lang="zh-TW" altLang="en-US" dirty="0"/>
+          </a:p>
+        </p:txBody>
+      </p:sp>
+      <p:sp>
+        <p:nvSpPr>
+          <p:cNvPr id="4" name="投影片編號版面配置區 3"/>
+          <p:cNvSpPr>
+            <a:spLocks noGrp="1"/>
+          </p:cNvSpPr>
+          <p:nvPr>
+            <p:ph type="sldNum" sz="quarter" idx="12"/>
+          </p:nvPr>
+        </p:nvSpPr>
+        <p:spPr/>
+        <p:txBody>
+          <a:bodyPr/>
+          <a:lstStyle/>
+          <a:p>
+            <a:fld id="{3EBBE1F4-AE36-AD42-8177-96288CD18AD2}" type="slidenum">
+              <a:rPr lang="en-US" smtClean="0"/>
+              <a:pPr/>
+              <a:t>30</a:t>
+            </a:fld>
+            <a:endParaRPr lang="en-US"/>
+          </a:p>
+        </p:txBody>
+      </p:sp>
+    </p:spTree>
+    <p:extLst>
+      <p:ext uri="{BB962C8B-B14F-4D97-AF65-F5344CB8AC3E}">
+        <p14:creationId xmlns:p14="http://schemas.microsoft.com/office/powerpoint/2010/main" val="1041997594"/>
+      </p:ext>
+    </p:extLst>
+  </p:cSld>
+  <p:clrMapOvr>
+    <a:masterClrMapping/>
+  </p:clrMapOvr>
+  <mc:AlternateContent xmlns:mc="http://schemas.openxmlformats.org/markup-compatibility/2006" xmlns:p14="http://schemas.microsoft.com/office/powerpoint/2010/main">
+    <mc:Choice Requires="p14">
+      <p:transition spd="med" p14:dur="700">
+        <p:fade/>
+      </p:transition>
+    </mc:Choice>
+    <mc:Fallback xmlns="">
+      <p:transition spd="med">
+        <p:fade/>
+      </p:transition>
+    </mc:Fallback>
+  </mc:AlternateContent>
+  <p:timing>
+    <p:tnLst>
+      <p:par>
+        <p:cTn id="1" dur="indefinite" restart="never" nodeType="tmRoot"/>
+      </p:par>
+    </p:tnLst>
+  </p:timing>
+</p:sld>
+</file>
+
+<file path=ppt/slides/slide31.xml><?xml version="1.0" encoding="utf-8"?>
+<p:sld xmlns:a="http://schemas.openxmlformats.org/drawingml/2006/main" xmlns:r="http://schemas.openxmlformats.org/officeDocument/2006/relationships" xmlns:p="http://schemas.openxmlformats.org/presentationml/2006/main">
+  <p:cSld>
+    <p:spTree>
+      <p:nvGrpSpPr>
+        <p:cNvPr id="1" name=""/>
+        <p:cNvGrpSpPr/>
+        <p:nvPr/>
+      </p:nvGrpSpPr>
+      <p:grpSpPr>
+        <a:xfrm>
+          <a:off x="0" y="0"/>
+          <a:ext cx="0" cy="0"/>
+          <a:chOff x="0" y="0"/>
+          <a:chExt cx="0" cy="0"/>
+        </a:xfrm>
+      </p:grpSpPr>
+      <p:sp>
+        <p:nvSpPr>
+          <p:cNvPr id="2" name="標題 1"/>
+          <p:cNvSpPr>
+            <a:spLocks noGrp="1"/>
+          </p:cNvSpPr>
+          <p:nvPr>
+            <p:ph type="title"/>
+          </p:nvPr>
+        </p:nvSpPr>
+        <p:spPr/>
+        <p:txBody>
+          <a:bodyPr/>
+          <a:lstStyle/>
+          <a:p>
+            <a:r>
+              <a:rPr lang="en-US" altLang="zh-TW" dirty="0" smtClean="0">
+                <a:latin typeface="Times New Roman" panose="02020603050405020304" pitchFamily="18" charset="0"/>
+                <a:cs typeface="Times New Roman" panose="02020603050405020304" pitchFamily="18" charset="0"/>
+              </a:rPr>
+              <a:t>RFID Setting</a:t>
+            </a:r>
+            <a:endParaRPr lang="zh-TW" altLang="en-US" dirty="0">
+              <a:latin typeface="Times New Roman" panose="02020603050405020304" pitchFamily="18" charset="0"/>
+              <a:cs typeface="Times New Roman" panose="02020603050405020304" pitchFamily="18" charset="0"/>
+            </a:endParaRPr>
+          </a:p>
+        </p:txBody>
+      </p:sp>
+      <p:sp>
+        <p:nvSpPr>
+          <p:cNvPr id="3" name="內容版面配置區 2"/>
+          <p:cNvSpPr>
+            <a:spLocks noGrp="1"/>
+          </p:cNvSpPr>
+          <p:nvPr>
+            <p:ph idx="1"/>
+          </p:nvPr>
+        </p:nvSpPr>
+        <p:spPr/>
+        <p:txBody>
+          <a:bodyPr/>
+          <a:lstStyle/>
+          <a:p>
+            <a:endParaRPr lang="zh-TW" altLang="en-US" dirty="0"/>
+          </a:p>
+        </p:txBody>
+      </p:sp>
+      <p:sp>
+        <p:nvSpPr>
+          <p:cNvPr id="4" name="投影片編號版面配置區 3"/>
+          <p:cNvSpPr>
+            <a:spLocks noGrp="1"/>
+          </p:cNvSpPr>
+          <p:nvPr>
+            <p:ph type="sldNum" sz="quarter" idx="12"/>
+          </p:nvPr>
+        </p:nvSpPr>
+        <p:spPr/>
+        <p:txBody>
+          <a:bodyPr/>
+          <a:lstStyle/>
+          <a:p>
+            <a:fld id="{3EBBE1F4-AE36-AD42-8177-96288CD18AD2}" type="slidenum">
+              <a:rPr lang="en-US" smtClean="0"/>
+              <a:pPr/>
+              <a:t>31</a:t>
+            </a:fld>
+            <a:endParaRPr lang="en-US"/>
+          </a:p>
+        </p:txBody>
+      </p:sp>
+    </p:spTree>
+    <p:extLst>
+      <p:ext uri="{BB962C8B-B14F-4D97-AF65-F5344CB8AC3E}">
+        <p14:creationId xmlns:p14="http://schemas.microsoft.com/office/powerpoint/2010/main" val="1590897593"/>
+      </p:ext>
+    </p:extLst>
+  </p:cSld>
+  <p:clrMapOvr>
+    <a:masterClrMapping/>
+  </p:clrMapOvr>
+  <mc:AlternateContent xmlns:mc="http://schemas.openxmlformats.org/markup-compatibility/2006" xmlns:p14="http://schemas.microsoft.com/office/powerpoint/2010/main">
+    <mc:Choice Requires="p14">
+      <p:transition spd="med" p14:dur="700">
+        <p:fade/>
+      </p:transition>
+    </mc:Choice>
+    <mc:Fallback xmlns="">
+      <p:transition spd="med">
+        <p:fade/>
+      </p:transition>
+    </mc:Fallback>
+  </mc:AlternateContent>
+  <p:timing>
+    <p:tnLst>
+      <p:par>
+        <p:cTn id="1" dur="indefinite" restart="never" nodeType="tmRoot"/>
+      </p:par>
+    </p:tnLst>
+  </p:timing>
+</p:sld>
+</file>
+
+<file path=ppt/slides/slide32.xml><?xml version="1.0" encoding="utf-8"?>
+<p:sld xmlns:a="http://schemas.openxmlformats.org/drawingml/2006/main" xmlns:r="http://schemas.openxmlformats.org/officeDocument/2006/relationships" xmlns:p="http://schemas.openxmlformats.org/presentationml/2006/main">
+  <p:cSld>
+    <p:spTree>
+      <p:nvGrpSpPr>
+        <p:cNvPr id="1" name=""/>
+        <p:cNvGrpSpPr/>
+        <p:nvPr/>
+      </p:nvGrpSpPr>
+      <p:grpSpPr>
+        <a:xfrm>
+          <a:off x="0" y="0"/>
+          <a:ext cx="0" cy="0"/>
+          <a:chOff x="0" y="0"/>
+          <a:chExt cx="0" cy="0"/>
+        </a:xfrm>
+      </p:grpSpPr>
+      <p:sp>
+        <p:nvSpPr>
+          <p:cNvPr id="2" name="標題 1"/>
+          <p:cNvSpPr>
+            <a:spLocks noGrp="1"/>
+          </p:cNvSpPr>
+          <p:nvPr>
+            <p:ph type="title"/>
+          </p:nvPr>
+        </p:nvSpPr>
+        <p:spPr/>
+        <p:txBody>
+          <a:bodyPr/>
+          <a:lstStyle/>
+          <a:p>
+            <a:r>
+              <a:rPr lang="en-US" altLang="zh-TW" dirty="0" smtClean="0">
+                <a:latin typeface="Times New Roman" panose="02020603050405020304" pitchFamily="18" charset="0"/>
+                <a:cs typeface="Times New Roman" panose="02020603050405020304" pitchFamily="18" charset="0"/>
+              </a:rPr>
+              <a:t>RFID Protocol</a:t>
+            </a:r>
+            <a:endParaRPr lang="zh-TW" altLang="en-US" dirty="0">
+              <a:latin typeface="Times New Roman" panose="02020603050405020304" pitchFamily="18" charset="0"/>
+              <a:cs typeface="Times New Roman" panose="02020603050405020304" pitchFamily="18" charset="0"/>
+            </a:endParaRPr>
+          </a:p>
+        </p:txBody>
+      </p:sp>
+      <p:sp>
+        <p:nvSpPr>
+          <p:cNvPr id="3" name="內容版面配置區 2"/>
+          <p:cNvSpPr>
+            <a:spLocks noGrp="1"/>
+          </p:cNvSpPr>
+          <p:nvPr>
+            <p:ph idx="1"/>
+          </p:nvPr>
+        </p:nvSpPr>
+        <p:spPr/>
+        <p:txBody>
+          <a:bodyPr/>
+          <a:lstStyle/>
+          <a:p>
+            <a:r>
+              <a:rPr lang="en-US" altLang="zh-TW" dirty="0" smtClean="0"/>
+              <a:t>Backscatter</a:t>
+            </a:r>
+          </a:p>
+          <a:p>
+            <a:r>
+              <a:rPr lang="en-US" altLang="zh-TW" dirty="0" smtClean="0"/>
+              <a:t>UHF EPC</a:t>
+            </a:r>
+          </a:p>
+          <a:p>
+            <a:r>
+              <a:rPr lang="en-US" altLang="zh-TW" dirty="0" smtClean="0"/>
+              <a:t>FM0</a:t>
+            </a:r>
+          </a:p>
+          <a:p>
+            <a:r>
+              <a:rPr lang="en-US" altLang="zh-TW" dirty="0" smtClean="0"/>
+              <a:t>MAC Layer</a:t>
+            </a:r>
+          </a:p>
+          <a:p>
+            <a:r>
+              <a:rPr lang="en-US" altLang="zh-TW" dirty="0" smtClean="0"/>
+              <a:t>Query round picture</a:t>
+            </a:r>
+          </a:p>
+          <a:p>
+            <a:r>
+              <a:rPr lang="en-US" altLang="zh-TW" smtClean="0"/>
+              <a:t>Query round step by step</a:t>
+            </a:r>
+            <a:endParaRPr lang="zh-TW" altLang="en-US" dirty="0"/>
+          </a:p>
+        </p:txBody>
+      </p:sp>
+      <p:sp>
+        <p:nvSpPr>
+          <p:cNvPr id="4" name="投影片編號版面配置區 3"/>
+          <p:cNvSpPr>
+            <a:spLocks noGrp="1"/>
+          </p:cNvSpPr>
+          <p:nvPr>
+            <p:ph type="sldNum" sz="quarter" idx="12"/>
+          </p:nvPr>
+        </p:nvSpPr>
+        <p:spPr/>
+        <p:txBody>
+          <a:bodyPr/>
+          <a:lstStyle/>
+          <a:p>
+            <a:fld id="{3EBBE1F4-AE36-AD42-8177-96288CD18AD2}" type="slidenum">
+              <a:rPr lang="en-US" smtClean="0"/>
+              <a:pPr/>
+              <a:t>32</a:t>
+            </a:fld>
+            <a:endParaRPr lang="en-US"/>
+          </a:p>
+        </p:txBody>
+      </p:sp>
+    </p:spTree>
+    <p:extLst>
+      <p:ext uri="{BB962C8B-B14F-4D97-AF65-F5344CB8AC3E}">
+        <p14:creationId xmlns:p14="http://schemas.microsoft.com/office/powerpoint/2010/main" val="1222962551"/>
+      </p:ext>
+    </p:extLst>
+  </p:cSld>
+  <p:clrMapOvr>
+    <a:masterClrMapping/>
+  </p:clrMapOvr>
+  <mc:AlternateContent xmlns:mc="http://schemas.openxmlformats.org/markup-compatibility/2006" xmlns:p14="http://schemas.microsoft.com/office/powerpoint/2010/main">
+    <mc:Choice Requires="p14">
+      <p:transition spd="med" p14:dur="700">
+        <p:fade/>
+      </p:transition>
+    </mc:Choice>
+    <mc:Fallback xmlns="">
+      <p:transition spd="med">
+        <p:fade/>
+      </p:transition>
+    </mc:Fallback>
+  </mc:AlternateContent>
+  <p:timing>
+    <p:tnLst>
+      <p:par>
+        <p:cTn id="1" dur="indefinite" restart="never" nodeType="tmRoot"/>
+      </p:par>
+    </p:tnLst>
+  </p:timing>
+</p:sld>
+</file>
+
+<file path=ppt/slides/slide33.xml><?xml version="1.0" encoding="utf-8"?>
+<p:sld xmlns:a="http://schemas.openxmlformats.org/drawingml/2006/main" xmlns:r="http://schemas.openxmlformats.org/officeDocument/2006/relationships" xmlns:p="http://schemas.openxmlformats.org/presentationml/2006/main">
+  <p:cSld>
+    <p:spTree>
+      <p:nvGrpSpPr>
+        <p:cNvPr id="1" name=""/>
+        <p:cNvGrpSpPr/>
+        <p:nvPr/>
+      </p:nvGrpSpPr>
+      <p:grpSpPr>
+        <a:xfrm>
+          <a:off x="0" y="0"/>
+          <a:ext cx="0" cy="0"/>
+          <a:chOff x="0" y="0"/>
+          <a:chExt cx="0" cy="0"/>
+        </a:xfrm>
+      </p:grpSpPr>
+      <p:sp>
+        <p:nvSpPr>
+          <p:cNvPr id="2" name="標題 1"/>
+          <p:cNvSpPr>
+            <a:spLocks noGrp="1"/>
+          </p:cNvSpPr>
+          <p:nvPr>
+            <p:ph type="title"/>
+          </p:nvPr>
+        </p:nvSpPr>
+        <p:spPr/>
+        <p:txBody>
+          <a:bodyPr/>
+          <a:lstStyle/>
+          <a:p>
+            <a:r>
+              <a:rPr kumimoji="1" lang="en-US" altLang="zh-TW" dirty="0" smtClean="0">
+                <a:latin typeface="Times New Roman" charset="0"/>
+                <a:ea typeface="Times New Roman" charset="0"/>
+                <a:cs typeface="Times New Roman" charset="0"/>
+              </a:rPr>
+              <a:t>Reference</a:t>
+            </a:r>
+            <a:endParaRPr kumimoji="1" lang="zh-TW" altLang="en-US" dirty="0">
+              <a:latin typeface="Times New Roman" charset="0"/>
+              <a:ea typeface="Times New Roman" charset="0"/>
+              <a:cs typeface="Times New Roman" charset="0"/>
+            </a:endParaRPr>
+          </a:p>
+        </p:txBody>
+      </p:sp>
+      <p:sp>
+        <p:nvSpPr>
+          <p:cNvPr id="3" name="內容版面配置區 2"/>
+          <p:cNvSpPr>
+            <a:spLocks noGrp="1"/>
+          </p:cNvSpPr>
+          <p:nvPr>
+            <p:ph idx="1"/>
+          </p:nvPr>
+        </p:nvSpPr>
+        <p:spPr/>
+        <p:txBody>
+          <a:bodyPr/>
+          <a:lstStyle/>
+          <a:p>
+            <a:r>
+              <a:rPr kumimoji="1" lang="en-US" altLang="zh-TW" dirty="0" smtClean="0">
+                <a:latin typeface="Times New Roman" charset="0"/>
+                <a:ea typeface="Times New Roman" charset="0"/>
+                <a:cs typeface="Times New Roman" charset="0"/>
+                <a:hlinkClick r:id="rId2"/>
+              </a:rPr>
+              <a:t>https://www.flaticon.com/</a:t>
+            </a:r>
+            <a:endParaRPr kumimoji="1" lang="en-US" altLang="zh-TW" dirty="0" smtClean="0">
+              <a:latin typeface="Times New Roman" charset="0"/>
+              <a:ea typeface="Times New Roman" charset="0"/>
+              <a:cs typeface="Times New Roman" charset="0"/>
+            </a:endParaRPr>
+          </a:p>
+          <a:p>
+            <a:r>
+              <a:rPr kumimoji="1" lang="en-US" altLang="zh-TW" dirty="0" smtClean="0">
+                <a:latin typeface="Times New Roman" charset="0"/>
+                <a:ea typeface="Times New Roman" charset="0"/>
+                <a:cs typeface="Times New Roman" charset="0"/>
+                <a:hlinkClick r:id="rId3"/>
+              </a:rPr>
+              <a:t>https://www.sitebuilderreport.com/stock-up</a:t>
+            </a:r>
+            <a:endParaRPr kumimoji="1" lang="en-US" altLang="zh-TW" dirty="0" smtClean="0">
+              <a:latin typeface="Times New Roman" charset="0"/>
+              <a:ea typeface="Times New Roman" charset="0"/>
+              <a:cs typeface="Times New Roman" charset="0"/>
+            </a:endParaRPr>
+          </a:p>
+          <a:p>
+            <a:r>
+              <a:rPr lang="en-US" altLang="zh-TW" dirty="0" smtClean="0">
+                <a:latin typeface="Times New Roman" charset="0"/>
+                <a:ea typeface="Times New Roman" charset="0"/>
+                <a:cs typeface="Times New Roman" charset="0"/>
+                <a:hlinkClick r:id="rId4"/>
+              </a:rPr>
+              <a:t>https://</a:t>
+            </a:r>
+            <a:r>
+              <a:rPr lang="en-US" altLang="zh-TW" dirty="0" smtClean="0">
+                <a:latin typeface="Times New Roman" charset="0"/>
+                <a:ea typeface="Times New Roman" charset="0"/>
+                <a:cs typeface="Times New Roman" charset="0"/>
+                <a:hlinkClick r:id="rId4"/>
+              </a:rPr>
+              <a:t>en.wikipedia.org/wiki/Friis_transmission_equation</a:t>
+            </a:r>
+            <a:endParaRPr lang="en-US" altLang="zh-TW" dirty="0" smtClean="0">
+              <a:latin typeface="Times New Roman" charset="0"/>
+              <a:ea typeface="Times New Roman" charset="0"/>
+              <a:cs typeface="Times New Roman" charset="0"/>
+            </a:endParaRPr>
+          </a:p>
+          <a:p>
+            <a:r>
+              <a:rPr lang="en-US" altLang="zh-TW" dirty="0">
+                <a:latin typeface="Times New Roman" charset="0"/>
+                <a:ea typeface="Times New Roman" charset="0"/>
+                <a:cs typeface="Times New Roman" charset="0"/>
+                <a:hlinkClick r:id="rId5" tooltip="https://en.wikipedia.org/wiki/Path_loss"/>
+              </a:rPr>
+              <a:t>https://en.wikipedia.org/wiki/Path_loss</a:t>
+            </a:r>
+            <a:endParaRPr lang="en-US" altLang="zh-TW" dirty="0">
+              <a:latin typeface="Times New Roman" charset="0"/>
+              <a:ea typeface="Times New Roman" charset="0"/>
+              <a:cs typeface="Times New Roman" charset="0"/>
+            </a:endParaRPr>
+          </a:p>
+          <a:p>
+            <a:r>
+              <a:rPr lang="en-US" altLang="zh-TW" dirty="0">
+                <a:latin typeface="Times New Roman" charset="0"/>
+                <a:ea typeface="Times New Roman" charset="0"/>
+                <a:cs typeface="Times New Roman" charset="0"/>
+                <a:hlinkClick r:id="rId6" tooltip="https://ccrma.stanford.edu/~jos/fp/Phase_Delay.html"/>
+              </a:rPr>
+              <a:t>https://ccrma.stanford.edu/~jos/fp/Phase_Delay.html</a:t>
+            </a:r>
+            <a:endParaRPr lang="en-US" altLang="zh-TW" dirty="0">
+              <a:latin typeface="Times New Roman" charset="0"/>
+              <a:ea typeface="Times New Roman" charset="0"/>
+              <a:cs typeface="Times New Roman" charset="0"/>
+            </a:endParaRPr>
+          </a:p>
+          <a:p>
+            <a:r>
+              <a:rPr lang="en-US" altLang="zh-TW" dirty="0">
+                <a:latin typeface="Times New Roman" charset="0"/>
+                <a:ea typeface="Times New Roman" charset="0"/>
+                <a:cs typeface="Times New Roman" charset="0"/>
+                <a:hlinkClick r:id="rId7" tooltip="https://en.wikipedia.org/wiki/Communication_channel"/>
+              </a:rPr>
+              <a:t>https://</a:t>
+            </a:r>
+            <a:r>
+              <a:rPr lang="en-US" altLang="zh-TW" dirty="0" smtClean="0">
+                <a:latin typeface="Times New Roman" charset="0"/>
+                <a:ea typeface="Times New Roman" charset="0"/>
+                <a:cs typeface="Times New Roman" charset="0"/>
+                <a:hlinkClick r:id="rId7" tooltip="https://en.wikipedia.org/wiki/Communication_channel"/>
+              </a:rPr>
+              <a:t>en.wikipedia.org/wiki/Communication_channel</a:t>
+            </a:r>
+            <a:endParaRPr lang="en-US" altLang="zh-TW" dirty="0">
+              <a:latin typeface="Times New Roman" charset="0"/>
+              <a:ea typeface="Times New Roman" charset="0"/>
+              <a:cs typeface="Times New Roman" charset="0"/>
+            </a:endParaRPr>
+          </a:p>
+          <a:p>
+            <a:endParaRPr lang="en-US" altLang="zh-TW" dirty="0">
+              <a:latin typeface="Times New Roman" charset="0"/>
+              <a:ea typeface="Times New Roman" charset="0"/>
+              <a:cs typeface="Times New Roman" charset="0"/>
+            </a:endParaRPr>
+          </a:p>
+        </p:txBody>
+      </p:sp>
+      <p:sp>
+        <p:nvSpPr>
+          <p:cNvPr id="4" name="投影片編號版面配置區 3"/>
+          <p:cNvSpPr>
+            <a:spLocks noGrp="1"/>
+          </p:cNvSpPr>
+          <p:nvPr>
+            <p:ph type="sldNum" sz="quarter" idx="12"/>
+          </p:nvPr>
+        </p:nvSpPr>
+        <p:spPr/>
+        <p:txBody>
+          <a:bodyPr/>
+          <a:lstStyle/>
+          <a:p>
+            <a:fld id="{3EBBE1F4-AE36-AD42-8177-96288CD18AD2}" type="slidenum">
+              <a:rPr lang="en-US" smtClean="0"/>
+              <a:pPr/>
+              <a:t>33</a:t>
+            </a:fld>
+            <a:endParaRPr lang="en-US"/>
+          </a:p>
+        </p:txBody>
+      </p:sp>
+    </p:spTree>
+    <p:extLst>
+      <p:ext uri="{BB962C8B-B14F-4D97-AF65-F5344CB8AC3E}">
+        <p14:creationId xmlns:p14="http://schemas.microsoft.com/office/powerpoint/2010/main" val="1339123551"/>
       </p:ext>
     </p:extLst>
   </p:cSld>

--- a/Freshman_Training.pptx
+++ b/Freshman_Training.pptx
@@ -5,7 +5,7 @@
     <p:sldMasterId id="2147483660" r:id="rId1"/>
   </p:sldMasterIdLst>
   <p:notesMasterIdLst>
-    <p:notesMasterId r:id="rId68"/>
+    <p:notesMasterId r:id="rId70"/>
   </p:notesMasterIdLst>
   <p:sldIdLst>
     <p:sldId id="256" r:id="rId2"/>
@@ -73,7 +73,9 @@
     <p:sldId id="368" r:id="rId64"/>
     <p:sldId id="353" r:id="rId65"/>
     <p:sldId id="350" r:id="rId66"/>
-    <p:sldId id="301" r:id="rId67"/>
+    <p:sldId id="370" r:id="rId67"/>
+    <p:sldId id="371" r:id="rId68"/>
+    <p:sldId id="301" r:id="rId69"/>
   </p:sldIdLst>
   <p:sldSz cx="12192000" cy="6858000"/>
   <p:notesSz cx="6858000" cy="9144000"/>
@@ -258,6 +260,8 @@
         <p14:section name="end" id="{EE857F6F-7FD5-644F-8679-010F7E321B91}">
           <p14:sldIdLst>
             <p14:sldId id="350"/>
+            <p14:sldId id="370"/>
+            <p14:sldId id="371"/>
             <p14:sldId id="301"/>
           </p14:sldIdLst>
         </p14:section>
@@ -18283,6 +18287,13 @@
       </p:transition>
     </mc:Fallback>
   </mc:AlternateContent>
+  <p:timing>
+    <p:tnLst>
+      <p:par>
+        <p:cTn id="1" dur="indefinite" restart="never" nodeType="tmRoot"/>
+      </p:par>
+    </p:tnLst>
+  </p:timing>
 </p:sld>
 </file>
 
@@ -24457,7 +24468,15 @@
                 <a:ea typeface="Times New Roman" charset="0"/>
                 <a:cs typeface="Times New Roman" charset="0"/>
               </a:rPr>
-              <a:t>Basic Element</a:t>
+              <a:t>Basic </a:t>
+            </a:r>
+            <a:r>
+              <a:rPr lang="en-US" altLang="zh-TW" sz="6000" b="1" dirty="0" smtClean="0">
+                <a:latin typeface="Times New Roman" charset="0"/>
+                <a:ea typeface="Times New Roman" charset="0"/>
+                <a:cs typeface="Times New Roman" charset="0"/>
+              </a:rPr>
+              <a:t>Elements</a:t>
             </a:r>
             <a:endParaRPr lang="zh-TW" altLang="en-US" sz="6000" b="1" dirty="0">
               <a:latin typeface="Times New Roman" charset="0"/>
@@ -44903,7 +44922,204 @@
           <a:bodyPr/>
           <a:lstStyle/>
           <a:p>
-            <a:endParaRPr kumimoji="1" lang="zh-TW" altLang="en-US" dirty="0"/>
+            <a:pPr>
+              <a:lnSpc>
+                <a:spcPct val="150000"/>
+              </a:lnSpc>
+            </a:pPr>
+            <a:r>
+              <a:rPr lang="en-US" altLang="zh-TW" dirty="0" smtClean="0">
+                <a:latin typeface="Times New Roman" charset="0"/>
+                <a:ea typeface="Times New Roman" charset="0"/>
+                <a:cs typeface="Times New Roman" charset="0"/>
+              </a:rPr>
+              <a:t>Fundamental </a:t>
+            </a:r>
+          </a:p>
+          <a:p>
+            <a:pPr lvl="1">
+              <a:lnSpc>
+                <a:spcPct val="150000"/>
+              </a:lnSpc>
+            </a:pPr>
+            <a:r>
+              <a:rPr lang="en-US" altLang="zh-TW" dirty="0" smtClean="0">
+                <a:latin typeface="Times New Roman" charset="0"/>
+                <a:ea typeface="Times New Roman" charset="0"/>
+                <a:cs typeface="Times New Roman" charset="0"/>
+              </a:rPr>
+              <a:t>Michael </a:t>
+            </a:r>
+            <a:r>
+              <a:rPr lang="en-US" altLang="zh-TW" dirty="0" err="1">
+                <a:latin typeface="Times New Roman" charset="0"/>
+                <a:ea typeface="Times New Roman" charset="0"/>
+                <a:cs typeface="Times New Roman" charset="0"/>
+              </a:rPr>
+              <a:t>Buettner</a:t>
+            </a:r>
+            <a:r>
+              <a:rPr lang="en-US" altLang="zh-TW" dirty="0">
+                <a:latin typeface="Times New Roman" charset="0"/>
+                <a:ea typeface="Times New Roman" charset="0"/>
+                <a:cs typeface="Times New Roman" charset="0"/>
+              </a:rPr>
+              <a:t> , David </a:t>
+            </a:r>
+            <a:r>
+              <a:rPr lang="en-US" altLang="zh-TW" dirty="0" err="1" smtClean="0">
+                <a:latin typeface="Times New Roman" charset="0"/>
+                <a:ea typeface="Times New Roman" charset="0"/>
+                <a:cs typeface="Times New Roman" charset="0"/>
+              </a:rPr>
+              <a:t>Wetherall</a:t>
+            </a:r>
+            <a:r>
+              <a:rPr lang="en-US" altLang="zh-TW" dirty="0" smtClean="0">
+                <a:latin typeface="Times New Roman" charset="0"/>
+                <a:ea typeface="Times New Roman" charset="0"/>
+                <a:cs typeface="Times New Roman" charset="0"/>
+              </a:rPr>
+              <a:t> </a:t>
+            </a:r>
+            <a:r>
+              <a:rPr lang="en-US" altLang="zh-TW" b="1" dirty="0">
+                <a:solidFill>
+                  <a:srgbClr val="FF0000"/>
+                </a:solidFill>
+                <a:latin typeface="Times New Roman" charset="0"/>
+                <a:ea typeface="Times New Roman" charset="0"/>
+                <a:cs typeface="Times New Roman" charset="0"/>
+              </a:rPr>
+              <a:t>An empirical study of UHF RFID </a:t>
+            </a:r>
+            <a:r>
+              <a:rPr lang="en-US" altLang="zh-TW" b="1" dirty="0" smtClean="0">
+                <a:solidFill>
+                  <a:srgbClr val="FF0000"/>
+                </a:solidFill>
+                <a:latin typeface="Times New Roman" charset="0"/>
+                <a:ea typeface="Times New Roman" charset="0"/>
+                <a:cs typeface="Times New Roman" charset="0"/>
+              </a:rPr>
+              <a:t>performance</a:t>
+            </a:r>
+            <a:r>
+              <a:rPr lang="en-US" altLang="zh-TW" b="1" dirty="0" smtClean="0">
+                <a:latin typeface="Times New Roman" charset="0"/>
+                <a:ea typeface="Times New Roman" charset="0"/>
+                <a:cs typeface="Times New Roman" charset="0"/>
+              </a:rPr>
+              <a:t>. </a:t>
+            </a:r>
+            <a:r>
+              <a:rPr lang="en-US" altLang="zh-TW" dirty="0">
+                <a:latin typeface="Times New Roman" charset="0"/>
+                <a:ea typeface="Times New Roman" charset="0"/>
+                <a:cs typeface="Times New Roman" charset="0"/>
+              </a:rPr>
+              <a:t>14th ACM Int. Conf. on </a:t>
+            </a:r>
+            <a:r>
+              <a:rPr lang="en-US" altLang="zh-TW" dirty="0" err="1" smtClean="0">
+                <a:latin typeface="Times New Roman" charset="0"/>
+                <a:ea typeface="Times New Roman" charset="0"/>
+                <a:cs typeface="Times New Roman" charset="0"/>
+              </a:rPr>
+              <a:t>MobiCom</a:t>
+            </a:r>
+            <a:endParaRPr lang="en-US" altLang="zh-TW" b="1" dirty="0">
+              <a:latin typeface="Times New Roman" charset="0"/>
+              <a:ea typeface="Times New Roman" charset="0"/>
+              <a:cs typeface="Times New Roman" charset="0"/>
+            </a:endParaRPr>
+          </a:p>
+          <a:p>
+            <a:pPr lvl="1">
+              <a:lnSpc>
+                <a:spcPct val="150000"/>
+              </a:lnSpc>
+            </a:pPr>
+            <a:r>
+              <a:rPr lang="en-US" altLang="zh-TW" dirty="0" err="1">
+                <a:latin typeface="Times New Roman" charset="0"/>
+                <a:ea typeface="Times New Roman" charset="0"/>
+                <a:cs typeface="Times New Roman" charset="0"/>
+              </a:rPr>
+              <a:t>EPCglobal</a:t>
+            </a:r>
+            <a:r>
+              <a:rPr lang="en-US" altLang="zh-TW" dirty="0">
+                <a:latin typeface="Times New Roman" charset="0"/>
+                <a:ea typeface="Times New Roman" charset="0"/>
+                <a:cs typeface="Times New Roman" charset="0"/>
+              </a:rPr>
+              <a:t>. </a:t>
+            </a:r>
+            <a:r>
+              <a:rPr lang="en-US" altLang="zh-TW" dirty="0" err="1">
+                <a:latin typeface="Times New Roman" charset="0"/>
+                <a:ea typeface="Times New Roman" charset="0"/>
+                <a:cs typeface="Times New Roman" charset="0"/>
+              </a:rPr>
+              <a:t>Epc</a:t>
+            </a:r>
+            <a:r>
+              <a:rPr lang="en-US" altLang="zh-TW" dirty="0">
+                <a:latin typeface="Times New Roman" charset="0"/>
+                <a:ea typeface="Times New Roman" charset="0"/>
+                <a:cs typeface="Times New Roman" charset="0"/>
+              </a:rPr>
+              <a:t> radio-frequency identity protocols class-1 generation-2 uhf </a:t>
+            </a:r>
+            <a:r>
+              <a:rPr lang="en-US" altLang="zh-TW" dirty="0" err="1">
+                <a:latin typeface="Times New Roman" charset="0"/>
+                <a:ea typeface="Times New Roman" charset="0"/>
+                <a:cs typeface="Times New Roman" charset="0"/>
+              </a:rPr>
+              <a:t>rfid</a:t>
+            </a:r>
+            <a:r>
+              <a:rPr lang="en-US" altLang="zh-TW" dirty="0">
+                <a:latin typeface="Times New Roman" charset="0"/>
+                <a:ea typeface="Times New Roman" charset="0"/>
+                <a:cs typeface="Times New Roman" charset="0"/>
+              </a:rPr>
+              <a:t> protocol for communications at 860 mhz-960 </a:t>
+            </a:r>
+            <a:r>
+              <a:rPr lang="en-US" altLang="zh-TW" dirty="0" err="1">
+                <a:latin typeface="Times New Roman" charset="0"/>
+                <a:ea typeface="Times New Roman" charset="0"/>
+                <a:cs typeface="Times New Roman" charset="0"/>
+              </a:rPr>
+              <a:t>mhz</a:t>
+            </a:r>
+            <a:r>
+              <a:rPr lang="en-US" altLang="zh-TW" dirty="0">
+                <a:latin typeface="Times New Roman" charset="0"/>
+                <a:ea typeface="Times New Roman" charset="0"/>
+                <a:cs typeface="Times New Roman" charset="0"/>
+              </a:rPr>
+              <a:t> version </a:t>
+            </a:r>
+            <a:r>
+              <a:rPr lang="en-US" altLang="zh-TW" dirty="0">
+                <a:latin typeface="Times New Roman" charset="0"/>
+                <a:ea typeface="Times New Roman" charset="0"/>
+                <a:cs typeface="Times New Roman" charset="0"/>
+              </a:rPr>
+              <a:t>2</a:t>
+            </a:r>
+            <a:r>
+              <a:rPr lang="en-US" altLang="zh-TW" dirty="0" smtClean="0">
+                <a:latin typeface="Times New Roman" charset="0"/>
+                <a:ea typeface="Times New Roman" charset="0"/>
+                <a:cs typeface="Times New Roman" charset="0"/>
+              </a:rPr>
+              <a:t>.0.0. , 2013</a:t>
+            </a:r>
           </a:p>
         </p:txBody>
       </p:sp>
@@ -45001,7 +45217,7 @@
                 <a:ea typeface="Times New Roman" charset="0"/>
                 <a:cs typeface="Times New Roman" charset="0"/>
               </a:rPr>
-              <a:t>Reference</a:t>
+              <a:t>Related Work </a:t>
             </a:r>
             <a:endParaRPr kumimoji="1" lang="zh-TW" altLang="en-US" dirty="0">
               <a:latin typeface="Times New Roman" charset="0"/>
@@ -45026,62 +45242,131 @@
           <a:bodyPr/>
           <a:lstStyle/>
           <a:p>
-            <a:r>
-              <a:rPr kumimoji="1" lang="en-US" altLang="zh-TW" dirty="0" smtClean="0">
-                <a:latin typeface="Times New Roman" charset="0"/>
-                <a:ea typeface="Times New Roman" charset="0"/>
-                <a:cs typeface="Times New Roman" charset="0"/>
-                <a:hlinkClick r:id="rId2"/>
-              </a:rPr>
-              <a:t>https://www.flaticon.com/</a:t>
-            </a:r>
-            <a:endParaRPr kumimoji="1" lang="en-US" altLang="zh-TW" dirty="0" smtClean="0">
-              <a:latin typeface="Times New Roman" charset="0"/>
-              <a:ea typeface="Times New Roman" charset="0"/>
-              <a:cs typeface="Times New Roman" charset="0"/>
-            </a:endParaRPr>
-          </a:p>
-          <a:p>
-            <a:r>
-              <a:rPr kumimoji="1" lang="en-US" altLang="zh-TW" dirty="0" smtClean="0">
-                <a:latin typeface="Times New Roman" charset="0"/>
-                <a:ea typeface="Times New Roman" charset="0"/>
-                <a:cs typeface="Times New Roman" charset="0"/>
-                <a:hlinkClick r:id="rId3"/>
-              </a:rPr>
-              <a:t>https://www.sitebuilderreport.com/stock-up</a:t>
-            </a:r>
-            <a:endParaRPr kumimoji="1" lang="en-US" altLang="zh-TW" dirty="0" smtClean="0">
-              <a:latin typeface="Times New Roman" charset="0"/>
-              <a:ea typeface="Times New Roman" charset="0"/>
-              <a:cs typeface="Times New Roman" charset="0"/>
-            </a:endParaRPr>
-          </a:p>
-          <a:p>
+            <a:pPr fontAlgn="base">
+              <a:lnSpc>
+                <a:spcPct val="150000"/>
+              </a:lnSpc>
+            </a:pPr>
             <a:r>
               <a:rPr lang="en-US" altLang="zh-TW" dirty="0" smtClean="0">
                 <a:latin typeface="Times New Roman" charset="0"/>
                 <a:ea typeface="Times New Roman" charset="0"/>
                 <a:cs typeface="Times New Roman" charset="0"/>
-                <a:hlinkClick r:id="rId4"/>
-              </a:rPr>
-              <a:t>https://en.wikipedia.org/wiki/Friis_transmission_equation</a:t>
-            </a:r>
-            <a:endParaRPr lang="en-US" altLang="zh-TW" dirty="0" smtClean="0">
-              <a:latin typeface="Times New Roman" charset="0"/>
-              <a:ea typeface="Times New Roman" charset="0"/>
-              <a:cs typeface="Times New Roman" charset="0"/>
-            </a:endParaRPr>
+              </a:rPr>
+              <a:t>Localization </a:t>
+            </a:r>
           </a:p>
           <a:p>
-            <a:r>
-              <a:rPr lang="en-US" altLang="zh-TW" dirty="0">
+            <a:pPr lvl="1" fontAlgn="base"/>
+            <a:r>
+              <a:rPr lang="en-US" altLang="zh-TW" sz="2400" dirty="0" err="1" smtClean="0">
                 <a:latin typeface="Times New Roman" charset="0"/>
                 <a:ea typeface="Times New Roman" charset="0"/>
                 <a:cs typeface="Times New Roman" charset="0"/>
-                <a:hlinkClick r:id="rId5" tooltip="https://en.wikipedia.org/wiki/Path_loss"/>
-              </a:rPr>
-              <a:t>https://en.wikipedia.org/wiki/Path_loss</a:t>
+              </a:rPr>
+              <a:t>Jue</a:t>
+            </a:r>
+            <a:r>
+              <a:rPr lang="en-US" altLang="zh-TW" sz="2400" dirty="0" smtClean="0">
+                <a:latin typeface="Times New Roman" charset="0"/>
+                <a:ea typeface="Times New Roman" charset="0"/>
+                <a:cs typeface="Times New Roman" charset="0"/>
+              </a:rPr>
+              <a:t> </a:t>
+            </a:r>
+            <a:r>
+              <a:rPr lang="en-US" altLang="zh-TW" sz="2400" dirty="0">
+                <a:latin typeface="Times New Roman" charset="0"/>
+                <a:ea typeface="Times New Roman" charset="0"/>
+                <a:cs typeface="Times New Roman" charset="0"/>
+              </a:rPr>
+              <a:t>Wang, Dina </a:t>
+            </a:r>
+            <a:r>
+              <a:rPr lang="en-US" altLang="zh-TW" sz="2400" dirty="0" err="1" smtClean="0">
+                <a:latin typeface="Times New Roman" charset="0"/>
+                <a:ea typeface="Times New Roman" charset="0"/>
+                <a:cs typeface="Times New Roman" charset="0"/>
+              </a:rPr>
+              <a:t>Katabi</a:t>
+            </a:r>
+            <a:r>
+              <a:rPr lang="en-US" altLang="zh-TW" sz="2400" dirty="0" smtClean="0">
+                <a:latin typeface="Times New Roman" charset="0"/>
+                <a:ea typeface="Times New Roman" charset="0"/>
+                <a:cs typeface="Times New Roman" charset="0"/>
+              </a:rPr>
+              <a:t> </a:t>
+            </a:r>
+            <a:r>
+              <a:rPr lang="en-US" altLang="zh-TW" sz="2400" b="1" dirty="0">
+                <a:solidFill>
+                  <a:srgbClr val="FF0000"/>
+                </a:solidFill>
+                <a:latin typeface="Times New Roman" charset="0"/>
+                <a:ea typeface="Times New Roman" charset="0"/>
+                <a:cs typeface="Times New Roman" charset="0"/>
+              </a:rPr>
+              <a:t>Dude, where's my card?: RFID positioning that works with multipath and non-line of </a:t>
+            </a:r>
+            <a:r>
+              <a:rPr lang="en-US" altLang="zh-TW" sz="2400" b="1" dirty="0">
+                <a:solidFill>
+                  <a:srgbClr val="FF0000"/>
+                </a:solidFill>
+                <a:latin typeface="Times New Roman" charset="0"/>
+                <a:ea typeface="Times New Roman" charset="0"/>
+                <a:cs typeface="Times New Roman" charset="0"/>
+              </a:rPr>
+              <a:t>sight</a:t>
+            </a:r>
+            <a:r>
+              <a:rPr lang="en-US" altLang="zh-TW" sz="2400" b="1" dirty="0">
+                <a:latin typeface="Times New Roman" charset="0"/>
+                <a:ea typeface="Times New Roman" charset="0"/>
+                <a:cs typeface="Times New Roman" charset="0"/>
+              </a:rPr>
+              <a:t>. </a:t>
+            </a:r>
+            <a:r>
+              <a:rPr lang="en-US" altLang="zh-TW" sz="2400" dirty="0" smtClean="0">
+                <a:latin typeface="Times New Roman" charset="0"/>
+                <a:ea typeface="Times New Roman" charset="0"/>
+                <a:cs typeface="Times New Roman" charset="0"/>
+              </a:rPr>
+              <a:t>the </a:t>
+            </a:r>
+            <a:r>
+              <a:rPr lang="en-US" altLang="zh-TW" sz="2400" dirty="0">
+                <a:latin typeface="Times New Roman" charset="0"/>
+                <a:ea typeface="Times New Roman" charset="0"/>
+                <a:cs typeface="Times New Roman" charset="0"/>
+              </a:rPr>
+              <a:t>ACM </a:t>
+            </a:r>
+            <a:r>
+              <a:rPr lang="en-US" altLang="zh-TW" sz="2400" dirty="0" smtClean="0">
+                <a:latin typeface="Times New Roman" charset="0"/>
+                <a:ea typeface="Times New Roman" charset="0"/>
+                <a:cs typeface="Times New Roman" charset="0"/>
+              </a:rPr>
+              <a:t>SIGCOMM, </a:t>
+            </a:r>
+            <a:r>
+              <a:rPr lang="en-US" altLang="zh-TW" sz="2400" dirty="0">
+                <a:latin typeface="Times New Roman" charset="0"/>
+                <a:ea typeface="Times New Roman" charset="0"/>
+                <a:cs typeface="Times New Roman" charset="0"/>
+              </a:rPr>
+              <a:t>2013</a:t>
+            </a:r>
+            <a:r>
+              <a:rPr lang="en-US" altLang="zh-TW" b="1" dirty="0">
+                <a:latin typeface="Times New Roman" charset="0"/>
+                <a:ea typeface="Times New Roman" charset="0"/>
+                <a:cs typeface="Times New Roman" charset="0"/>
+              </a:rPr>
+              <a:t> </a:t>
             </a:r>
             <a:endParaRPr lang="en-US" altLang="zh-TW" dirty="0">
               <a:latin typeface="Times New Roman" charset="0"/>
@@ -45090,47 +45375,233 @@
             </a:endParaRPr>
           </a:p>
           <a:p>
-            <a:r>
-              <a:rPr lang="en-US" altLang="zh-TW" dirty="0">
+            <a:pPr fontAlgn="base">
+              <a:lnSpc>
+                <a:spcPct val="150000"/>
+              </a:lnSpc>
+            </a:pPr>
+            <a:r>
+              <a:rPr lang="en-US" altLang="zh-TW" dirty="0" smtClean="0">
                 <a:latin typeface="Times New Roman" charset="0"/>
                 <a:ea typeface="Times New Roman" charset="0"/>
                 <a:cs typeface="Times New Roman" charset="0"/>
-                <a:hlinkClick r:id="rId6" tooltip="https://ccrma.stanford.edu/~jos/fp/Phase_Delay.html"/>
-              </a:rPr>
-              <a:t>https://ccrma.stanford.edu/~jos/fp/Phase_Delay.html</a:t>
-            </a:r>
-            <a:endParaRPr lang="en-US" altLang="zh-TW" dirty="0">
+              </a:rPr>
+              <a:t>Tracking </a:t>
+            </a:r>
+          </a:p>
+          <a:p>
+            <a:pPr lvl="1" fontAlgn="base"/>
+            <a:r>
+              <a:rPr lang="en-US" altLang="zh-TW" sz="2400" dirty="0">
+                <a:latin typeface="Times New Roman" charset="0"/>
+                <a:ea typeface="Times New Roman" charset="0"/>
+                <a:cs typeface="Times New Roman" charset="0"/>
+              </a:rPr>
+              <a:t>Lei Yang, </a:t>
+            </a:r>
+            <a:r>
+              <a:rPr lang="en-US" altLang="zh-TW" sz="2400" dirty="0" err="1">
+                <a:latin typeface="Times New Roman" charset="0"/>
+                <a:ea typeface="Times New Roman" charset="0"/>
+                <a:cs typeface="Times New Roman" charset="0"/>
+              </a:rPr>
+              <a:t>Yekui</a:t>
+            </a:r>
+            <a:r>
+              <a:rPr lang="en-US" altLang="zh-TW" sz="2400" dirty="0">
+                <a:latin typeface="Times New Roman" charset="0"/>
+                <a:ea typeface="Times New Roman" charset="0"/>
+                <a:cs typeface="Times New Roman" charset="0"/>
+              </a:rPr>
+              <a:t> Chen </a:t>
+            </a:r>
+            <a:r>
+              <a:rPr lang="en-US" altLang="zh-TW" sz="2400" dirty="0" err="1">
+                <a:latin typeface="Times New Roman" charset="0"/>
+                <a:ea typeface="Times New Roman" charset="0"/>
+                <a:cs typeface="Times New Roman" charset="0"/>
+              </a:rPr>
+              <a:t>Tagoram</a:t>
+            </a:r>
+            <a:r>
+              <a:rPr lang="en-US" altLang="zh-TW" sz="2400" dirty="0">
+                <a:latin typeface="Times New Roman" charset="0"/>
+                <a:ea typeface="Times New Roman" charset="0"/>
+                <a:cs typeface="Times New Roman" charset="0"/>
+              </a:rPr>
+              <a:t>: </a:t>
+            </a:r>
+            <a:r>
+              <a:rPr lang="en-US" altLang="zh-TW" sz="2400" b="1" dirty="0">
+                <a:solidFill>
+                  <a:srgbClr val="FF0000"/>
+                </a:solidFill>
+                <a:latin typeface="Times New Roman" charset="0"/>
+                <a:ea typeface="Times New Roman" charset="0"/>
+                <a:cs typeface="Times New Roman" charset="0"/>
+              </a:rPr>
+              <a:t>Real-Time Tracking of Mobile RFID Tags to High Precision Using COTS </a:t>
+            </a:r>
+            <a:r>
+              <a:rPr lang="en-US" altLang="zh-TW" sz="2400" b="1" dirty="0" smtClean="0">
+                <a:solidFill>
+                  <a:srgbClr val="FF0000"/>
+                </a:solidFill>
+                <a:latin typeface="Times New Roman" charset="0"/>
+                <a:ea typeface="Times New Roman" charset="0"/>
+                <a:cs typeface="Times New Roman" charset="0"/>
+              </a:rPr>
+              <a:t>Devices</a:t>
+            </a:r>
+            <a:r>
+              <a:rPr lang="en-US" altLang="zh-TW" sz="2400" dirty="0" smtClean="0">
+                <a:latin typeface="Times New Roman" charset="0"/>
+                <a:ea typeface="Times New Roman" charset="0"/>
+                <a:cs typeface="Times New Roman" charset="0"/>
+              </a:rPr>
+              <a:t>. ACM </a:t>
+            </a:r>
+            <a:r>
+              <a:rPr lang="en-US" altLang="zh-TW" sz="2400" dirty="0">
+                <a:latin typeface="Times New Roman" charset="0"/>
+                <a:ea typeface="Times New Roman" charset="0"/>
+                <a:cs typeface="Times New Roman" charset="0"/>
+              </a:rPr>
+              <a:t>Int. Conf. on </a:t>
+            </a:r>
+            <a:r>
+              <a:rPr lang="en-US" altLang="zh-TW" sz="2400" dirty="0" err="1" smtClean="0">
+                <a:latin typeface="Times New Roman" charset="0"/>
+                <a:ea typeface="Times New Roman" charset="0"/>
+                <a:cs typeface="Times New Roman" charset="0"/>
+              </a:rPr>
+              <a:t>MobiCom</a:t>
+            </a:r>
+            <a:r>
+              <a:rPr lang="en-US" altLang="zh-TW" sz="2400" dirty="0" smtClean="0">
+                <a:latin typeface="Times New Roman" charset="0"/>
+                <a:ea typeface="Times New Roman" charset="0"/>
+                <a:cs typeface="Times New Roman" charset="0"/>
+              </a:rPr>
+              <a:t>, 2014</a:t>
+            </a:r>
+            <a:endParaRPr lang="en-US" altLang="zh-TW" sz="2400" dirty="0">
               <a:latin typeface="Times New Roman" charset="0"/>
               <a:ea typeface="Times New Roman" charset="0"/>
               <a:cs typeface="Times New Roman" charset="0"/>
             </a:endParaRPr>
           </a:p>
           <a:p>
+            <a:pPr fontAlgn="base">
+              <a:lnSpc>
+                <a:spcPct val="150000"/>
+              </a:lnSpc>
+            </a:pPr>
             <a:r>
               <a:rPr lang="en-US" altLang="zh-TW" dirty="0">
                 <a:latin typeface="Times New Roman" charset="0"/>
                 <a:ea typeface="Times New Roman" charset="0"/>
                 <a:cs typeface="Times New Roman" charset="0"/>
-                <a:hlinkClick r:id="rId7" tooltip="https://en.wikipedia.org/wiki/Communication_channel"/>
-              </a:rPr>
-              <a:t>https://</a:t>
+              </a:rPr>
+              <a:t>D</a:t>
             </a:r>
             <a:r>
               <a:rPr lang="en-US" altLang="zh-TW" dirty="0" smtClean="0">
                 <a:latin typeface="Times New Roman" charset="0"/>
                 <a:ea typeface="Times New Roman" charset="0"/>
                 <a:cs typeface="Times New Roman" charset="0"/>
-                <a:hlinkClick r:id="rId7" tooltip="https://en.wikipedia.org/wiki/Communication_channel"/>
-              </a:rPr>
-              <a:t>en.wikipedia.org/wiki/Communication_channel</a:t>
-            </a:r>
-            <a:endParaRPr lang="en-US" altLang="zh-TW" dirty="0">
+              </a:rPr>
+              <a:t>evice-free  </a:t>
+            </a:r>
+          </a:p>
+          <a:p>
+            <a:pPr lvl="1" fontAlgn="base"/>
+            <a:r>
+              <a:rPr lang="en-US" altLang="zh-TW" sz="2400" dirty="0" err="1">
+                <a:latin typeface="Times New Roman" charset="0"/>
+                <a:ea typeface="Times New Roman" charset="0"/>
+                <a:cs typeface="Times New Roman" charset="0"/>
+              </a:rPr>
+              <a:t>Chuyu</a:t>
+            </a:r>
+            <a:r>
+              <a:rPr lang="en-US" altLang="zh-TW" sz="2400" dirty="0">
+                <a:latin typeface="Times New Roman" charset="0"/>
+                <a:ea typeface="Times New Roman" charset="0"/>
+                <a:cs typeface="Times New Roman" charset="0"/>
+              </a:rPr>
+              <a:t> Wang, Jian Liu, </a:t>
+            </a:r>
+            <a:r>
+              <a:rPr lang="en-US" altLang="zh-TW" sz="2400" dirty="0" err="1">
+                <a:latin typeface="Times New Roman" charset="0"/>
+                <a:ea typeface="Times New Roman" charset="0"/>
+                <a:cs typeface="Times New Roman" charset="0"/>
+              </a:rPr>
+              <a:t>Yingying</a:t>
+            </a:r>
+            <a:r>
+              <a:rPr lang="en-US" altLang="zh-TW" sz="2400" dirty="0">
+                <a:latin typeface="Times New Roman" charset="0"/>
+                <a:ea typeface="Times New Roman" charset="0"/>
+                <a:cs typeface="Times New Roman" charset="0"/>
+              </a:rPr>
+              <a:t> Chen </a:t>
+            </a:r>
+            <a:r>
+              <a:rPr lang="en-US" altLang="zh-TW" sz="2400" b="1" dirty="0">
+                <a:solidFill>
+                  <a:srgbClr val="FF0000"/>
+                </a:solidFill>
+                <a:latin typeface="Times New Roman" charset="0"/>
+                <a:ea typeface="Times New Roman" charset="0"/>
+                <a:cs typeface="Times New Roman" charset="0"/>
+              </a:rPr>
+              <a:t>Multi-Touch in the Air: Device-Free Finger Tracking and Gesture Recognition via COTS </a:t>
+            </a:r>
+            <a:r>
+              <a:rPr lang="en-US" altLang="zh-TW" sz="2400" b="1" dirty="0" smtClean="0">
+                <a:solidFill>
+                  <a:srgbClr val="FF0000"/>
+                </a:solidFill>
+                <a:latin typeface="Times New Roman" charset="0"/>
+                <a:ea typeface="Times New Roman" charset="0"/>
+                <a:cs typeface="Times New Roman" charset="0"/>
+              </a:rPr>
+              <a:t>RFID</a:t>
+            </a:r>
+            <a:r>
+              <a:rPr lang="en-US" altLang="zh-TW" sz="2400" dirty="0" smtClean="0">
+                <a:latin typeface="Times New Roman" charset="0"/>
+                <a:ea typeface="Times New Roman" charset="0"/>
+                <a:cs typeface="Times New Roman" charset="0"/>
+              </a:rPr>
+              <a:t>. IEEE </a:t>
+            </a:r>
+            <a:r>
+              <a:rPr lang="en-US" altLang="zh-TW" sz="2400" dirty="0" err="1" smtClean="0">
+                <a:latin typeface="Times New Roman" charset="0"/>
+                <a:ea typeface="Times New Roman" charset="0"/>
+                <a:cs typeface="Times New Roman" charset="0"/>
+              </a:rPr>
+              <a:t>Infocom</a:t>
+            </a:r>
+            <a:r>
+              <a:rPr lang="en-US" altLang="zh-TW" sz="2400" dirty="0" smtClean="0">
+                <a:latin typeface="Times New Roman" charset="0"/>
+                <a:ea typeface="Times New Roman" charset="0"/>
+                <a:cs typeface="Times New Roman" charset="0"/>
+              </a:rPr>
+              <a:t>, 2018</a:t>
+            </a:r>
+            <a:endParaRPr lang="en-US" altLang="zh-TW" sz="2400" dirty="0">
               <a:latin typeface="Times New Roman" charset="0"/>
               <a:ea typeface="Times New Roman" charset="0"/>
               <a:cs typeface="Times New Roman" charset="0"/>
             </a:endParaRPr>
           </a:p>
           <a:p>
+            <a:pPr lvl="1" fontAlgn="base"/>
             <a:endParaRPr lang="en-US" altLang="zh-TW" dirty="0">
               <a:latin typeface="Times New Roman" charset="0"/>
               <a:ea typeface="Times New Roman" charset="0"/>
@@ -45158,6 +45629,844 @@
               <a:rPr lang="en-US" smtClean="0"/>
               <a:pPr/>
               <a:t>66</a:t>
+            </a:fld>
+            <a:endParaRPr lang="en-US"/>
+          </a:p>
+        </p:txBody>
+      </p:sp>
+    </p:spTree>
+    <p:extLst>
+      <p:ext uri="{BB962C8B-B14F-4D97-AF65-F5344CB8AC3E}">
+        <p14:creationId xmlns:p14="http://schemas.microsoft.com/office/powerpoint/2010/main" val="1251024119"/>
+      </p:ext>
+    </p:extLst>
+  </p:cSld>
+  <p:clrMapOvr>
+    <a:masterClrMapping/>
+  </p:clrMapOvr>
+  <mc:AlternateContent xmlns:mc="http://schemas.openxmlformats.org/markup-compatibility/2006" xmlns:p14="http://schemas.microsoft.com/office/powerpoint/2010/main">
+    <mc:Choice Requires="p14">
+      <p:transition spd="med" p14:dur="700">
+        <p:fade/>
+      </p:transition>
+    </mc:Choice>
+    <mc:Fallback xmlns="">
+      <p:transition spd="med">
+        <p:fade/>
+      </p:transition>
+    </mc:Fallback>
+  </mc:AlternateContent>
+  <p:timing>
+    <p:tnLst>
+      <p:par>
+        <p:cTn id="1" dur="indefinite" restart="never" nodeType="tmRoot"/>
+      </p:par>
+    </p:tnLst>
+  </p:timing>
+</p:sld>
+</file>
+
+<file path=ppt/slides/slide67.xml><?xml version="1.0" encoding="utf-8"?>
+<p:sld xmlns:a="http://schemas.openxmlformats.org/drawingml/2006/main" xmlns:r="http://schemas.openxmlformats.org/officeDocument/2006/relationships" xmlns:p="http://schemas.openxmlformats.org/presentationml/2006/main">
+  <p:cSld>
+    <p:spTree>
+      <p:nvGrpSpPr>
+        <p:cNvPr id="1" name=""/>
+        <p:cNvGrpSpPr/>
+        <p:nvPr/>
+      </p:nvGrpSpPr>
+      <p:grpSpPr>
+        <a:xfrm>
+          <a:off x="0" y="0"/>
+          <a:ext cx="0" cy="0"/>
+          <a:chOff x="0" y="0"/>
+          <a:chExt cx="0" cy="0"/>
+        </a:xfrm>
+      </p:grpSpPr>
+      <p:sp>
+        <p:nvSpPr>
+          <p:cNvPr id="2" name="標題 1"/>
+          <p:cNvSpPr>
+            <a:spLocks noGrp="1"/>
+          </p:cNvSpPr>
+          <p:nvPr>
+            <p:ph type="title"/>
+          </p:nvPr>
+        </p:nvSpPr>
+        <p:spPr/>
+        <p:txBody>
+          <a:bodyPr/>
+          <a:lstStyle/>
+          <a:p>
+            <a:r>
+              <a:rPr kumimoji="1" lang="en-US" altLang="zh-TW" dirty="0" smtClean="0">
+                <a:latin typeface="Times New Roman" charset="0"/>
+                <a:ea typeface="Times New Roman" charset="0"/>
+                <a:cs typeface="Times New Roman" charset="0"/>
+              </a:rPr>
+              <a:t>Related Work </a:t>
+            </a:r>
+            <a:endParaRPr kumimoji="1" lang="zh-TW" altLang="en-US" dirty="0">
+              <a:latin typeface="Times New Roman" charset="0"/>
+              <a:ea typeface="Times New Roman" charset="0"/>
+              <a:cs typeface="Times New Roman" charset="0"/>
+            </a:endParaRPr>
+          </a:p>
+        </p:txBody>
+      </p:sp>
+      <p:sp>
+        <p:nvSpPr>
+          <p:cNvPr id="3" name="內容版面配置區 2"/>
+          <p:cNvSpPr>
+            <a:spLocks noGrp="1"/>
+          </p:cNvSpPr>
+          <p:nvPr>
+            <p:ph idx="1"/>
+          </p:nvPr>
+        </p:nvSpPr>
+        <p:spPr>
+          <a:xfrm>
+            <a:off x="335360" y="1700808"/>
+            <a:ext cx="11521280" cy="4610906"/>
+          </a:xfrm>
+        </p:spPr>
+        <p:txBody>
+          <a:bodyPr/>
+          <a:lstStyle/>
+          <a:p>
+            <a:pPr fontAlgn="base">
+              <a:lnSpc>
+                <a:spcPct val="150000"/>
+              </a:lnSpc>
+            </a:pPr>
+            <a:r>
+              <a:rPr lang="en-US" altLang="zh-TW" dirty="0" smtClean="0">
+                <a:latin typeface="Times New Roman" charset="0"/>
+                <a:ea typeface="Times New Roman" charset="0"/>
+                <a:cs typeface="Times New Roman" charset="0"/>
+              </a:rPr>
+              <a:t>Search tags </a:t>
+            </a:r>
+          </a:p>
+          <a:p>
+            <a:pPr lvl="1" fontAlgn="base"/>
+            <a:r>
+              <a:rPr lang="en-US" altLang="zh-TW" sz="2400" dirty="0" err="1">
+                <a:latin typeface="Times New Roman" charset="0"/>
+                <a:ea typeface="Times New Roman" charset="0"/>
+                <a:cs typeface="Times New Roman" charset="0"/>
+              </a:rPr>
+              <a:t>Jihong</a:t>
+            </a:r>
+            <a:r>
+              <a:rPr lang="en-US" altLang="zh-TW" sz="2400" dirty="0">
+                <a:latin typeface="Times New Roman" charset="0"/>
+                <a:ea typeface="Times New Roman" charset="0"/>
+                <a:cs typeface="Times New Roman" charset="0"/>
+              </a:rPr>
+              <a:t> Yu, Wei Gong, </a:t>
+            </a:r>
+            <a:r>
+              <a:rPr lang="en-US" altLang="zh-TW" sz="2400" dirty="0" err="1">
+                <a:latin typeface="Times New Roman" charset="0"/>
+                <a:ea typeface="Times New Roman" charset="0"/>
+                <a:cs typeface="Times New Roman" charset="0"/>
+              </a:rPr>
+              <a:t>Jiangchuan</a:t>
+            </a:r>
+            <a:r>
+              <a:rPr lang="en-US" altLang="zh-TW" sz="2400" dirty="0">
+                <a:latin typeface="Times New Roman" charset="0"/>
+                <a:ea typeface="Times New Roman" charset="0"/>
+                <a:cs typeface="Times New Roman" charset="0"/>
+              </a:rPr>
+              <a:t> Liu </a:t>
+            </a:r>
+            <a:r>
+              <a:rPr lang="en-US" altLang="zh-TW" sz="2400" b="1" dirty="0">
+                <a:solidFill>
+                  <a:srgbClr val="FF0000"/>
+                </a:solidFill>
+                <a:latin typeface="Times New Roman" charset="0"/>
+                <a:ea typeface="Times New Roman" charset="0"/>
+                <a:cs typeface="Times New Roman" charset="0"/>
+              </a:rPr>
+              <a:t>Fast and Reliable Tag Search in Large-Scale RFID Systems: A Probabilistic Tree-based </a:t>
+            </a:r>
+            <a:r>
+              <a:rPr lang="en-US" altLang="zh-TW" sz="2400" b="1" dirty="0" smtClean="0">
+                <a:solidFill>
+                  <a:srgbClr val="FF0000"/>
+                </a:solidFill>
+                <a:latin typeface="Times New Roman" charset="0"/>
+                <a:ea typeface="Times New Roman" charset="0"/>
+                <a:cs typeface="Times New Roman" charset="0"/>
+              </a:rPr>
+              <a:t>Approach</a:t>
+            </a:r>
+            <a:r>
+              <a:rPr lang="en-US" altLang="zh-TW" sz="2400" dirty="0" smtClean="0">
+                <a:latin typeface="Times New Roman" charset="0"/>
+                <a:ea typeface="Times New Roman" charset="0"/>
+                <a:cs typeface="Times New Roman" charset="0"/>
+              </a:rPr>
+              <a:t>. </a:t>
+            </a:r>
+            <a:r>
+              <a:rPr lang="en-US" altLang="zh-TW" sz="2400" dirty="0">
+                <a:latin typeface="Times New Roman" charset="0"/>
+                <a:ea typeface="Times New Roman" charset="0"/>
+                <a:cs typeface="Times New Roman" charset="0"/>
+              </a:rPr>
+              <a:t>IEEE </a:t>
+            </a:r>
+            <a:r>
+              <a:rPr lang="en-US" altLang="zh-TW" sz="2400" dirty="0" err="1" smtClean="0">
+                <a:latin typeface="Times New Roman" charset="0"/>
+                <a:ea typeface="Times New Roman" charset="0"/>
+                <a:cs typeface="Times New Roman" charset="0"/>
+              </a:rPr>
+              <a:t>Infocom</a:t>
+            </a:r>
+            <a:r>
+              <a:rPr lang="en-US" altLang="zh-TW" sz="2400" dirty="0" smtClean="0">
+                <a:latin typeface="Times New Roman" charset="0"/>
+                <a:ea typeface="Times New Roman" charset="0"/>
+                <a:cs typeface="Times New Roman" charset="0"/>
+              </a:rPr>
+              <a:t>, 2017</a:t>
+            </a:r>
+            <a:endParaRPr lang="en-US" altLang="zh-TW" sz="2400" dirty="0">
+              <a:latin typeface="Times New Roman" charset="0"/>
+              <a:ea typeface="Times New Roman" charset="0"/>
+              <a:cs typeface="Times New Roman" charset="0"/>
+            </a:endParaRPr>
+          </a:p>
+          <a:p>
+            <a:pPr fontAlgn="base">
+              <a:lnSpc>
+                <a:spcPct val="150000"/>
+              </a:lnSpc>
+            </a:pPr>
+            <a:r>
+              <a:rPr lang="en-US" altLang="zh-TW" dirty="0">
+                <a:latin typeface="Times New Roman" charset="0"/>
+                <a:ea typeface="Times New Roman" charset="0"/>
+                <a:cs typeface="Times New Roman" charset="0"/>
+              </a:rPr>
+              <a:t>F</a:t>
+            </a:r>
+            <a:r>
+              <a:rPr lang="en-US" altLang="zh-TW" dirty="0" smtClean="0">
+                <a:latin typeface="Times New Roman" charset="0"/>
+                <a:ea typeface="Times New Roman" charset="0"/>
+                <a:cs typeface="Times New Roman" charset="0"/>
+              </a:rPr>
+              <a:t>ind </a:t>
+            </a:r>
+            <a:r>
+              <a:rPr lang="en-US" altLang="zh-TW" dirty="0">
+                <a:latin typeface="Times New Roman" charset="0"/>
+                <a:ea typeface="Times New Roman" charset="0"/>
+                <a:cs typeface="Times New Roman" charset="0"/>
+              </a:rPr>
+              <a:t>missing/unknown </a:t>
+            </a:r>
+            <a:r>
+              <a:rPr lang="en-US" altLang="zh-TW" dirty="0" smtClean="0">
+                <a:latin typeface="Times New Roman" charset="0"/>
+                <a:ea typeface="Times New Roman" charset="0"/>
+                <a:cs typeface="Times New Roman" charset="0"/>
+              </a:rPr>
+              <a:t>tags</a:t>
+            </a:r>
+          </a:p>
+          <a:p>
+            <a:pPr lvl="1" fontAlgn="base"/>
+            <a:r>
+              <a:rPr lang="en-US" altLang="zh-TW" sz="2400" dirty="0">
+                <a:latin typeface="Times New Roman" charset="0"/>
+                <a:ea typeface="Times New Roman" charset="0"/>
+                <a:cs typeface="Times New Roman" charset="0"/>
+              </a:rPr>
+              <a:t>Muhammad </a:t>
+            </a:r>
+            <a:r>
+              <a:rPr lang="en-US" altLang="zh-TW" sz="2400" dirty="0" err="1" smtClean="0">
+                <a:latin typeface="Times New Roman" charset="0"/>
+                <a:ea typeface="Times New Roman" charset="0"/>
+                <a:cs typeface="Times New Roman" charset="0"/>
+              </a:rPr>
+              <a:t>Shahzad</a:t>
+            </a:r>
+            <a:r>
+              <a:rPr lang="en-US" altLang="zh-TW" sz="2400" dirty="0">
+                <a:latin typeface="Times New Roman" charset="0"/>
+                <a:ea typeface="Times New Roman" charset="0"/>
+                <a:cs typeface="Times New Roman" charset="0"/>
+              </a:rPr>
+              <a:t>, Alex X. </a:t>
+            </a:r>
+            <a:r>
+              <a:rPr lang="en-US" altLang="zh-TW" sz="2400" dirty="0" smtClean="0">
+                <a:latin typeface="Times New Roman" charset="0"/>
+                <a:ea typeface="Times New Roman" charset="0"/>
+                <a:cs typeface="Times New Roman" charset="0"/>
+              </a:rPr>
+              <a:t>Liu </a:t>
+            </a:r>
+            <a:r>
+              <a:rPr lang="en-US" altLang="zh-TW" sz="2400" b="1" dirty="0" smtClean="0">
+                <a:solidFill>
+                  <a:srgbClr val="FF0000"/>
+                </a:solidFill>
+                <a:latin typeface="Times New Roman" charset="0"/>
+                <a:ea typeface="Times New Roman" charset="0"/>
+                <a:cs typeface="Times New Roman" charset="0"/>
+              </a:rPr>
+              <a:t>Fast </a:t>
+            </a:r>
+            <a:r>
+              <a:rPr lang="en-US" altLang="zh-TW" sz="2400" b="1" dirty="0">
+                <a:solidFill>
+                  <a:srgbClr val="FF0000"/>
+                </a:solidFill>
+                <a:latin typeface="Times New Roman" charset="0"/>
+                <a:ea typeface="Times New Roman" charset="0"/>
+                <a:cs typeface="Times New Roman" charset="0"/>
+              </a:rPr>
+              <a:t>and Reliable Detection and Identification of Missing RFID Tags in the </a:t>
+            </a:r>
+            <a:r>
+              <a:rPr lang="en-US" altLang="zh-TW" sz="2400" b="1" dirty="0">
+                <a:solidFill>
+                  <a:srgbClr val="FF0000"/>
+                </a:solidFill>
+                <a:latin typeface="Times New Roman" charset="0"/>
+                <a:ea typeface="Times New Roman" charset="0"/>
+                <a:cs typeface="Times New Roman" charset="0"/>
+              </a:rPr>
+              <a:t>Wild</a:t>
+            </a:r>
+            <a:r>
+              <a:rPr lang="en-US" altLang="zh-TW" sz="2400" dirty="0">
+                <a:latin typeface="Times New Roman" charset="0"/>
+                <a:ea typeface="Times New Roman" charset="0"/>
+                <a:cs typeface="Times New Roman" charset="0"/>
+              </a:rPr>
+              <a:t>. IEEE/ACM Transactions on </a:t>
+            </a:r>
+            <a:r>
+              <a:rPr lang="en-US" altLang="zh-TW" sz="2400" dirty="0" smtClean="0">
+                <a:latin typeface="Times New Roman" charset="0"/>
+                <a:ea typeface="Times New Roman" charset="0"/>
+                <a:cs typeface="Times New Roman" charset="0"/>
+              </a:rPr>
+              <a:t>Networking, 2016</a:t>
+            </a:r>
+            <a:endParaRPr lang="en-US" altLang="zh-TW" dirty="0">
+              <a:latin typeface="Times New Roman" charset="0"/>
+              <a:ea typeface="Times New Roman" charset="0"/>
+              <a:cs typeface="Times New Roman" charset="0"/>
+            </a:endParaRPr>
+          </a:p>
+          <a:p>
+            <a:pPr fontAlgn="base">
+              <a:lnSpc>
+                <a:spcPct val="150000"/>
+              </a:lnSpc>
+            </a:pPr>
+            <a:r>
+              <a:rPr lang="en-US" altLang="zh-TW" dirty="0">
+                <a:latin typeface="Times New Roman" charset="0"/>
+                <a:ea typeface="Times New Roman" charset="0"/>
+                <a:cs typeface="Times New Roman" charset="0"/>
+              </a:rPr>
+              <a:t>F</a:t>
+            </a:r>
+            <a:r>
+              <a:rPr lang="en-US" altLang="zh-TW" dirty="0" smtClean="0">
+                <a:latin typeface="Times New Roman" charset="0"/>
+                <a:ea typeface="Times New Roman" charset="0"/>
+                <a:cs typeface="Times New Roman" charset="0"/>
+              </a:rPr>
+              <a:t>ind </a:t>
+            </a:r>
+            <a:r>
+              <a:rPr lang="en-US" altLang="zh-TW" dirty="0">
+                <a:latin typeface="Times New Roman" charset="0"/>
+                <a:ea typeface="Times New Roman" charset="0"/>
+                <a:cs typeface="Times New Roman" charset="0"/>
+              </a:rPr>
+              <a:t>moving </a:t>
+            </a:r>
+            <a:r>
+              <a:rPr lang="en-US" altLang="zh-TW" dirty="0" smtClean="0">
+                <a:latin typeface="Times New Roman" charset="0"/>
+                <a:ea typeface="Times New Roman" charset="0"/>
+                <a:cs typeface="Times New Roman" charset="0"/>
+              </a:rPr>
+              <a:t>tag</a:t>
+            </a:r>
+          </a:p>
+          <a:p>
+            <a:pPr lvl="1" fontAlgn="base"/>
+            <a:r>
+              <a:rPr lang="en-US" altLang="zh-TW" sz="2400" dirty="0" err="1" smtClean="0">
+                <a:latin typeface="Times New Roman" charset="0"/>
+                <a:ea typeface="Times New Roman" charset="0"/>
+                <a:cs typeface="Times New Roman" charset="0"/>
+              </a:rPr>
+              <a:t>Chuyu</a:t>
+            </a:r>
+            <a:r>
+              <a:rPr lang="en-US" altLang="zh-TW" sz="2400" dirty="0" smtClean="0">
+                <a:latin typeface="Times New Roman" charset="0"/>
+                <a:ea typeface="Times New Roman" charset="0"/>
+                <a:cs typeface="Times New Roman" charset="0"/>
+              </a:rPr>
+              <a:t> </a:t>
+            </a:r>
+            <a:r>
+              <a:rPr lang="en-US" altLang="zh-TW" sz="2400" dirty="0">
+                <a:latin typeface="Times New Roman" charset="0"/>
+                <a:ea typeface="Times New Roman" charset="0"/>
+                <a:cs typeface="Times New Roman" charset="0"/>
+              </a:rPr>
+              <a:t>Wang, Lei </a:t>
+            </a:r>
+            <a:r>
+              <a:rPr lang="en-US" altLang="zh-TW" sz="2400" dirty="0" err="1" smtClean="0">
+                <a:latin typeface="Times New Roman" charset="0"/>
+                <a:ea typeface="Times New Roman" charset="0"/>
+                <a:cs typeface="Times New Roman" charset="0"/>
+              </a:rPr>
+              <a:t>Xie</a:t>
+            </a:r>
+            <a:r>
+              <a:rPr lang="en-US" altLang="zh-TW" sz="2400" dirty="0">
+                <a:latin typeface="Times New Roman" charset="0"/>
+                <a:ea typeface="Times New Roman" charset="0"/>
+                <a:cs typeface="Times New Roman" charset="0"/>
+              </a:rPr>
+              <a:t>, Wei </a:t>
+            </a:r>
+            <a:r>
+              <a:rPr lang="en-US" altLang="zh-TW" sz="2400" dirty="0" smtClean="0">
+                <a:latin typeface="Times New Roman" charset="0"/>
+                <a:ea typeface="Times New Roman" charset="0"/>
+                <a:cs typeface="Times New Roman" charset="0"/>
+              </a:rPr>
+              <a:t>Wang </a:t>
+            </a:r>
+            <a:r>
+              <a:rPr lang="en-US" altLang="zh-TW" sz="2400" b="1" dirty="0" smtClean="0">
+                <a:solidFill>
+                  <a:srgbClr val="FF0000"/>
+                </a:solidFill>
+                <a:latin typeface="Times New Roman" charset="0"/>
+                <a:ea typeface="Times New Roman" charset="0"/>
+                <a:cs typeface="Times New Roman" charset="0"/>
+              </a:rPr>
+              <a:t>Moving </a:t>
+            </a:r>
+            <a:r>
+              <a:rPr lang="en-US" altLang="zh-TW" sz="2400" b="1" dirty="0">
+                <a:solidFill>
+                  <a:srgbClr val="FF0000"/>
+                </a:solidFill>
+                <a:latin typeface="Times New Roman" charset="0"/>
+                <a:ea typeface="Times New Roman" charset="0"/>
+                <a:cs typeface="Times New Roman" charset="0"/>
+              </a:rPr>
+              <a:t>Tag Detection via Physical Layer Analysis for Large-Scale RFID </a:t>
+            </a:r>
+            <a:r>
+              <a:rPr lang="en-US" altLang="zh-TW" sz="2400" b="1" dirty="0">
+                <a:solidFill>
+                  <a:srgbClr val="FF0000"/>
+                </a:solidFill>
+                <a:latin typeface="Times New Roman" charset="0"/>
+                <a:ea typeface="Times New Roman" charset="0"/>
+                <a:cs typeface="Times New Roman" charset="0"/>
+              </a:rPr>
+              <a:t>Systems</a:t>
+            </a:r>
+            <a:r>
+              <a:rPr lang="en-US" altLang="zh-TW" sz="2400" dirty="0">
+                <a:latin typeface="Times New Roman" charset="0"/>
+                <a:ea typeface="Times New Roman" charset="0"/>
+                <a:cs typeface="Times New Roman" charset="0"/>
+              </a:rPr>
+              <a:t>. IEEE </a:t>
+            </a:r>
+            <a:r>
+              <a:rPr lang="en-US" altLang="zh-TW" sz="2400" dirty="0" smtClean="0">
+                <a:latin typeface="Times New Roman" charset="0"/>
+                <a:ea typeface="Times New Roman" charset="0"/>
+                <a:cs typeface="Times New Roman" charset="0"/>
+              </a:rPr>
+              <a:t>INFOCOM, </a:t>
+            </a:r>
+            <a:r>
+              <a:rPr lang="en-US" altLang="zh-TW" sz="2400" dirty="0">
+                <a:latin typeface="Times New Roman" charset="0"/>
+                <a:ea typeface="Times New Roman" charset="0"/>
+                <a:cs typeface="Times New Roman" charset="0"/>
+              </a:rPr>
+              <a:t>2016</a:t>
+            </a:r>
+            <a:endParaRPr lang="en-US" altLang="zh-TW" sz="2400" dirty="0" smtClean="0">
+              <a:latin typeface="Times New Roman" charset="0"/>
+              <a:ea typeface="Times New Roman" charset="0"/>
+              <a:cs typeface="Times New Roman" charset="0"/>
+            </a:endParaRPr>
+          </a:p>
+        </p:txBody>
+      </p:sp>
+      <p:sp>
+        <p:nvSpPr>
+          <p:cNvPr id="4" name="投影片編號版面配置區 3"/>
+          <p:cNvSpPr>
+            <a:spLocks noGrp="1"/>
+          </p:cNvSpPr>
+          <p:nvPr>
+            <p:ph type="sldNum" sz="quarter" idx="12"/>
+          </p:nvPr>
+        </p:nvSpPr>
+        <p:spPr/>
+        <p:txBody>
+          <a:bodyPr/>
+          <a:lstStyle/>
+          <a:p>
+            <a:fld id="{3EBBE1F4-AE36-AD42-8177-96288CD18AD2}" type="slidenum">
+              <a:rPr lang="en-US" smtClean="0"/>
+              <a:pPr/>
+              <a:t>67</a:t>
+            </a:fld>
+            <a:endParaRPr lang="en-US"/>
+          </a:p>
+        </p:txBody>
+      </p:sp>
+    </p:spTree>
+    <p:extLst>
+      <p:ext uri="{BB962C8B-B14F-4D97-AF65-F5344CB8AC3E}">
+        <p14:creationId xmlns:p14="http://schemas.microsoft.com/office/powerpoint/2010/main" val="453008067"/>
+      </p:ext>
+    </p:extLst>
+  </p:cSld>
+  <p:clrMapOvr>
+    <a:masterClrMapping/>
+  </p:clrMapOvr>
+  <mc:AlternateContent xmlns:mc="http://schemas.openxmlformats.org/markup-compatibility/2006" xmlns:p14="http://schemas.microsoft.com/office/powerpoint/2010/main">
+    <mc:Choice Requires="p14">
+      <p:transition spd="med" p14:dur="700">
+        <p:fade/>
+      </p:transition>
+    </mc:Choice>
+    <mc:Fallback xmlns="">
+      <p:transition spd="med">
+        <p:fade/>
+      </p:transition>
+    </mc:Fallback>
+  </mc:AlternateContent>
+  <p:timing>
+    <p:tnLst>
+      <p:par>
+        <p:cTn id="1" dur="indefinite" restart="never" nodeType="tmRoot"/>
+      </p:par>
+    </p:tnLst>
+  </p:timing>
+</p:sld>
+</file>
+
+<file path=ppt/slides/slide68.xml><?xml version="1.0" encoding="utf-8"?>
+<p:sld xmlns:a="http://schemas.openxmlformats.org/drawingml/2006/main" xmlns:r="http://schemas.openxmlformats.org/officeDocument/2006/relationships" xmlns:p="http://schemas.openxmlformats.org/presentationml/2006/main">
+  <p:cSld>
+    <p:spTree>
+      <p:nvGrpSpPr>
+        <p:cNvPr id="1" name=""/>
+        <p:cNvGrpSpPr/>
+        <p:nvPr/>
+      </p:nvGrpSpPr>
+      <p:grpSpPr>
+        <a:xfrm>
+          <a:off x="0" y="0"/>
+          <a:ext cx="0" cy="0"/>
+          <a:chOff x="0" y="0"/>
+          <a:chExt cx="0" cy="0"/>
+        </a:xfrm>
+      </p:grpSpPr>
+      <p:sp>
+        <p:nvSpPr>
+          <p:cNvPr id="2" name="標題 1"/>
+          <p:cNvSpPr>
+            <a:spLocks noGrp="1"/>
+          </p:cNvSpPr>
+          <p:nvPr>
+            <p:ph type="title"/>
+          </p:nvPr>
+        </p:nvSpPr>
+        <p:spPr/>
+        <p:txBody>
+          <a:bodyPr/>
+          <a:lstStyle/>
+          <a:p>
+            <a:r>
+              <a:rPr kumimoji="1" lang="en-US" altLang="zh-TW" dirty="0" smtClean="0">
+                <a:latin typeface="Times New Roman" charset="0"/>
+                <a:ea typeface="Times New Roman" charset="0"/>
+                <a:cs typeface="Times New Roman" charset="0"/>
+              </a:rPr>
+              <a:t>Reference</a:t>
+            </a:r>
+            <a:endParaRPr kumimoji="1" lang="zh-TW" altLang="en-US" dirty="0">
+              <a:latin typeface="Times New Roman" charset="0"/>
+              <a:ea typeface="Times New Roman" charset="0"/>
+              <a:cs typeface="Times New Roman" charset="0"/>
+            </a:endParaRPr>
+          </a:p>
+        </p:txBody>
+      </p:sp>
+      <p:sp>
+        <p:nvSpPr>
+          <p:cNvPr id="3" name="內容版面配置區 2"/>
+          <p:cNvSpPr>
+            <a:spLocks noGrp="1"/>
+          </p:cNvSpPr>
+          <p:nvPr>
+            <p:ph idx="1"/>
+          </p:nvPr>
+        </p:nvSpPr>
+        <p:spPr/>
+        <p:txBody>
+          <a:bodyPr/>
+          <a:lstStyle/>
+          <a:p>
+            <a:r>
+              <a:rPr kumimoji="1" lang="en-US" altLang="zh-TW" dirty="0" smtClean="0">
+                <a:latin typeface="Times New Roman" charset="0"/>
+                <a:ea typeface="Times New Roman" charset="0"/>
+                <a:cs typeface="Times New Roman" charset="0"/>
+                <a:hlinkClick r:id="rId2"/>
+              </a:rPr>
+              <a:t>https://www.flaticon.com/</a:t>
+            </a:r>
+            <a:endParaRPr kumimoji="1" lang="en-US" altLang="zh-TW" dirty="0" smtClean="0">
+              <a:latin typeface="Times New Roman" charset="0"/>
+              <a:ea typeface="Times New Roman" charset="0"/>
+              <a:cs typeface="Times New Roman" charset="0"/>
+            </a:endParaRPr>
+          </a:p>
+          <a:p>
+            <a:r>
+              <a:rPr kumimoji="1" lang="en-US" altLang="zh-TW" dirty="0" smtClean="0">
+                <a:latin typeface="Times New Roman" charset="0"/>
+                <a:ea typeface="Times New Roman" charset="0"/>
+                <a:cs typeface="Times New Roman" charset="0"/>
+                <a:hlinkClick r:id="rId3"/>
+              </a:rPr>
+              <a:t>https://www.sitebuilderreport.com/stock-up</a:t>
+            </a:r>
+            <a:endParaRPr kumimoji="1" lang="en-US" altLang="zh-TW" dirty="0" smtClean="0">
+              <a:latin typeface="Times New Roman" charset="0"/>
+              <a:ea typeface="Times New Roman" charset="0"/>
+              <a:cs typeface="Times New Roman" charset="0"/>
+            </a:endParaRPr>
+          </a:p>
+          <a:p>
+            <a:r>
+              <a:rPr lang="en-US" altLang="zh-TW" dirty="0" smtClean="0">
+                <a:latin typeface="Times New Roman" charset="0"/>
+                <a:ea typeface="Times New Roman" charset="0"/>
+                <a:cs typeface="Times New Roman" charset="0"/>
+                <a:hlinkClick r:id="rId4"/>
+              </a:rPr>
+              <a:t>https://en.wikipedia.org/wiki/Friis_transmission_equation</a:t>
+            </a:r>
+            <a:endParaRPr lang="en-US" altLang="zh-TW" dirty="0" smtClean="0">
+              <a:latin typeface="Times New Roman" charset="0"/>
+              <a:ea typeface="Times New Roman" charset="0"/>
+              <a:cs typeface="Times New Roman" charset="0"/>
+            </a:endParaRPr>
+          </a:p>
+          <a:p>
+            <a:r>
+              <a:rPr lang="en-US" altLang="zh-TW" dirty="0">
+                <a:latin typeface="Times New Roman" charset="0"/>
+                <a:ea typeface="Times New Roman" charset="0"/>
+                <a:cs typeface="Times New Roman" charset="0"/>
+                <a:hlinkClick r:id="rId5" tooltip="https://en.wikipedia.org/wiki/Path_loss"/>
+              </a:rPr>
+              <a:t>https://en.wikipedia.org/wiki/Path_loss</a:t>
+            </a:r>
+            <a:endParaRPr lang="en-US" altLang="zh-TW" dirty="0">
+              <a:latin typeface="Times New Roman" charset="0"/>
+              <a:ea typeface="Times New Roman" charset="0"/>
+              <a:cs typeface="Times New Roman" charset="0"/>
+            </a:endParaRPr>
+          </a:p>
+          <a:p>
+            <a:r>
+              <a:rPr lang="en-US" altLang="zh-TW" dirty="0">
+                <a:latin typeface="Times New Roman" charset="0"/>
+                <a:ea typeface="Times New Roman" charset="0"/>
+                <a:cs typeface="Times New Roman" charset="0"/>
+                <a:hlinkClick r:id="rId6" tooltip="https://ccrma.stanford.edu/~jos/fp/Phase_Delay.html"/>
+              </a:rPr>
+              <a:t>https://ccrma.stanford.edu/~jos/fp/Phase_Delay.html</a:t>
+            </a:r>
+            <a:endParaRPr lang="en-US" altLang="zh-TW" dirty="0">
+              <a:latin typeface="Times New Roman" charset="0"/>
+              <a:ea typeface="Times New Roman" charset="0"/>
+              <a:cs typeface="Times New Roman" charset="0"/>
+            </a:endParaRPr>
+          </a:p>
+          <a:p>
+            <a:r>
+              <a:rPr lang="en-US" altLang="zh-TW" dirty="0">
+                <a:latin typeface="Times New Roman" charset="0"/>
+                <a:ea typeface="Times New Roman" charset="0"/>
+                <a:cs typeface="Times New Roman" charset="0"/>
+                <a:hlinkClick r:id="rId7" tooltip="https://en.wikipedia.org/wiki/Communication_channel"/>
+              </a:rPr>
+              <a:t>https://</a:t>
+            </a:r>
+            <a:r>
+              <a:rPr lang="en-US" altLang="zh-TW" dirty="0" smtClean="0">
+                <a:latin typeface="Times New Roman" charset="0"/>
+                <a:ea typeface="Times New Roman" charset="0"/>
+                <a:cs typeface="Times New Roman" charset="0"/>
+                <a:hlinkClick r:id="rId7" tooltip="https://en.wikipedia.org/wiki/Communication_channel"/>
+              </a:rPr>
+              <a:t>en.wikipedia.org/wiki/Communication_channel</a:t>
+            </a:r>
+            <a:endParaRPr lang="en-US" altLang="zh-TW" dirty="0" smtClean="0">
+              <a:latin typeface="Times New Roman" charset="0"/>
+              <a:ea typeface="Times New Roman" charset="0"/>
+              <a:cs typeface="Times New Roman" charset="0"/>
+            </a:endParaRPr>
+          </a:p>
+          <a:p>
+            <a:r>
+              <a:rPr lang="en-US" altLang="zh-TW" u="sng" dirty="0">
+                <a:hlinkClick r:id="rId8"/>
+              </a:rPr>
+              <a:t>https://</a:t>
+            </a:r>
+            <a:r>
+              <a:rPr lang="en-US" altLang="zh-TW" u="sng" dirty="0" smtClean="0">
+                <a:hlinkClick r:id="rId8"/>
+              </a:rPr>
+              <a:t>en.wikipedia.org/wiki/Fading</a:t>
+            </a:r>
+            <a:endParaRPr lang="en-US" altLang="zh-TW" dirty="0"/>
+          </a:p>
+          <a:p>
+            <a:r>
+              <a:rPr lang="en-US" altLang="zh-TW" dirty="0">
+                <a:hlinkClick r:id="rId9"/>
+              </a:rPr>
+              <a:t>http://</a:t>
+            </a:r>
+            <a:r>
+              <a:rPr lang="en-US" altLang="zh-TW" dirty="0" smtClean="0">
+                <a:hlinkClick r:id="rId9"/>
+              </a:rPr>
+              <a:t>www.sengpielaudio.com/calculator-timedelayphase.html</a:t>
+            </a:r>
+            <a:endParaRPr lang="en-US" altLang="zh-TW" dirty="0" smtClean="0">
+              <a:latin typeface="Times New Roman" charset="0"/>
+              <a:ea typeface="Times New Roman" charset="0"/>
+              <a:cs typeface="Times New Roman" charset="0"/>
+            </a:endParaRPr>
+          </a:p>
+          <a:p>
+            <a:r>
+              <a:rPr lang="en-US" altLang="zh-TW" dirty="0" smtClean="0">
+                <a:latin typeface="Times New Roman" charset="0"/>
+                <a:ea typeface="Times New Roman" charset="0"/>
+                <a:cs typeface="Times New Roman" charset="0"/>
+              </a:rPr>
+              <a:t>EPC RFID </a:t>
+            </a:r>
+            <a:r>
+              <a:rPr lang="en-US" altLang="zh-TW" dirty="0">
+                <a:latin typeface="Times New Roman" charset="0"/>
+                <a:ea typeface="Times New Roman" charset="0"/>
+                <a:cs typeface="Times New Roman" charset="0"/>
+              </a:rPr>
+              <a:t>protocols </a:t>
+            </a:r>
+            <a:r>
+              <a:rPr lang="en-US" altLang="zh-TW" dirty="0" smtClean="0">
+                <a:latin typeface="Times New Roman" charset="0"/>
+                <a:ea typeface="Times New Roman" charset="0"/>
+                <a:cs typeface="Times New Roman" charset="0"/>
+              </a:rPr>
+              <a:t>Class-1 Gen2 UHF RFID </a:t>
+            </a:r>
+            <a:r>
+              <a:rPr lang="en-US" altLang="zh-TW" dirty="0">
+                <a:latin typeface="Times New Roman" charset="0"/>
+                <a:ea typeface="Times New Roman" charset="0"/>
+                <a:cs typeface="Times New Roman" charset="0"/>
+              </a:rPr>
+              <a:t>protocol for </a:t>
+            </a:r>
+            <a:r>
+              <a:rPr lang="en-US" altLang="zh-TW" dirty="0" smtClean="0">
+                <a:latin typeface="Times New Roman" charset="0"/>
+                <a:ea typeface="Times New Roman" charset="0"/>
+                <a:cs typeface="Times New Roman" charset="0"/>
+              </a:rPr>
+              <a:t>communications</a:t>
+            </a:r>
+          </a:p>
+          <a:p>
+            <a:r>
+              <a:rPr lang="en-US" altLang="zh-TW" dirty="0">
+                <a:latin typeface="Times New Roman" charset="0"/>
+                <a:ea typeface="Times New Roman" charset="0"/>
+                <a:cs typeface="Times New Roman" charset="0"/>
+              </a:rPr>
+              <a:t>An empirical study of UHF RFID </a:t>
+            </a:r>
+            <a:r>
+              <a:rPr lang="en-US" altLang="zh-TW" dirty="0" smtClean="0">
+                <a:latin typeface="Times New Roman" charset="0"/>
+                <a:ea typeface="Times New Roman" charset="0"/>
+                <a:cs typeface="Times New Roman" charset="0"/>
+              </a:rPr>
+              <a:t>performance</a:t>
+            </a:r>
+            <a:endParaRPr lang="en-US" altLang="zh-TW" dirty="0">
+              <a:latin typeface="Times New Roman" charset="0"/>
+              <a:ea typeface="Times New Roman" charset="0"/>
+              <a:cs typeface="Times New Roman" charset="0"/>
+            </a:endParaRPr>
+          </a:p>
+        </p:txBody>
+      </p:sp>
+      <p:sp>
+        <p:nvSpPr>
+          <p:cNvPr id="4" name="投影片編號版面配置區 3"/>
+          <p:cNvSpPr>
+            <a:spLocks noGrp="1"/>
+          </p:cNvSpPr>
+          <p:nvPr>
+            <p:ph type="sldNum" sz="quarter" idx="12"/>
+          </p:nvPr>
+        </p:nvSpPr>
+        <p:spPr/>
+        <p:txBody>
+          <a:bodyPr/>
+          <a:lstStyle/>
+          <a:p>
+            <a:fld id="{3EBBE1F4-AE36-AD42-8177-96288CD18AD2}" type="slidenum">
+              <a:rPr lang="en-US" smtClean="0"/>
+              <a:pPr/>
+              <a:t>68</a:t>
             </a:fld>
             <a:endParaRPr lang="en-US"/>
           </a:p>
@@ -45889,6 +47198,13 @@
       </p:transition>
     </mc:Fallback>
   </mc:AlternateContent>
+  <p:timing>
+    <p:tnLst>
+      <p:par>
+        <p:cTn id="1" dur="indefinite" restart="never" nodeType="tmRoot"/>
+      </p:par>
+    </p:tnLst>
+  </p:timing>
 </p:sld>
 </file>
 
